--- a/wiremock_workshop.pptx
+++ b/wiremock_workshop.pptx
@@ -26,11 +26,11 @@
     <p:sldId id="303" r:id="rId17"/>
     <p:sldId id="332" r:id="rId18"/>
     <p:sldId id="337" r:id="rId19"/>
-    <p:sldId id="306" r:id="rId20"/>
-    <p:sldId id="304" r:id="rId21"/>
-    <p:sldId id="305" r:id="rId22"/>
-    <p:sldId id="338" r:id="rId23"/>
-    <p:sldId id="294" r:id="rId24"/>
+    <p:sldId id="304" r:id="rId20"/>
+    <p:sldId id="305" r:id="rId21"/>
+    <p:sldId id="338" r:id="rId22"/>
+    <p:sldId id="294" r:id="rId23"/>
+    <p:sldId id="306" r:id="rId24"/>
     <p:sldId id="311" r:id="rId25"/>
     <p:sldId id="312" r:id="rId26"/>
     <p:sldId id="313" r:id="rId27"/>
@@ -150,6 +150,11 @@
       </a:defRPr>
     </a:lvl9pPr>
   </p:defaultTextStyle>
+  <p:extLst>
+    <p:ext uri="{EFAFB233-063F-42B5-8137-9DF3F51BA10A}">
+      <p15:sldGuideLst xmlns:p15="http://schemas.microsoft.com/office/powerpoint/2012/main"/>
+    </p:ext>
+  </p:extLst>
 </p:presentation>
 </file>
 
@@ -8437,7 +8442,7 @@
 
 <file path=ppt/slides/slide19.xml><?xml version="1.0" encoding="utf-8"?>
 <p:sld xmlns:a="http://schemas.openxmlformats.org/drawingml/2006/main" xmlns:r="http://schemas.openxmlformats.org/officeDocument/2006/relationships" xmlns:p="http://schemas.openxmlformats.org/presentationml/2006/main">
-  <p:cSld name="Slide51">
+  <p:cSld name="Slide49">
     <p:bg>
       <p:bgPr>
         <a:solidFill>
@@ -8465,7 +8470,7 @@
           <p:cNvPr id="2" name="Title 1">
             <a:extLst>
               <a:ext uri="{FF2B5EF4-FFF2-40B4-BE49-F238E27FC236}">
-                <a16:creationId xmlns:a16="http://schemas.microsoft.com/office/drawing/2014/main" id="{0508229A-D2A9-434E-8091-D7A818FB6F25}"/>
+                <a16:creationId xmlns:a16="http://schemas.microsoft.com/office/drawing/2014/main" id="{450DC844-D34E-4A15-B24A-BD92CE4155B3}"/>
               </a:ext>
             </a:extLst>
           </p:cNvPr>
@@ -8473,7 +8478,7 @@
             <a:spLocks noGrp="1"/>
           </p:cNvSpPr>
           <p:nvPr>
-            <p:ph type="ctrTitle"/>
+            <p:ph type="title"/>
           </p:nvPr>
         </p:nvSpPr>
         <p:spPr/>
@@ -8483,40 +8488,400 @@
           <a:p>
             <a:pPr lvl="0"/>
             <a:r>
-              <a:rPr lang="nl-NL" dirty="0">
-                <a:solidFill>
-                  <a:srgbClr val="00FF00"/>
-                </a:solidFill>
-                <a:latin typeface="Courier New" pitchFamily="49"/>
-                <a:cs typeface="Courier New" pitchFamily="49"/>
-              </a:rPr>
-              <a:t>CONTINUE HERE</a:t>
-            </a:r>
-          </a:p>
-        </p:txBody>
-      </p:sp>
-      <p:sp>
-        <p:nvSpPr>
-          <p:cNvPr id="5" name="Subtitle 4">
-            <a:extLst>
-              <a:ext uri="{FF2B5EF4-FFF2-40B4-BE49-F238E27FC236}">
-                <a16:creationId xmlns:a16="http://schemas.microsoft.com/office/drawing/2014/main" id="{6D5A54D7-7497-4294-9F70-89D29246BBA1}"/>
-              </a:ext>
-            </a:extLst>
-          </p:cNvPr>
-          <p:cNvSpPr>
+              <a:rPr lang="nl-NL">
+                <a:solidFill>
+                  <a:srgbClr val="00FF00"/>
+                </a:solidFill>
+                <a:latin typeface="Courier New" pitchFamily="49"/>
+                <a:cs typeface="Courier New" pitchFamily="49"/>
+              </a:rPr>
+              <a:t>Running WireMock standalone</a:t>
+            </a:r>
+          </a:p>
+        </p:txBody>
+      </p:sp>
+      <p:sp>
+        <p:nvSpPr>
+          <p:cNvPr id="3" name="Content Placeholder 2">
+            <a:extLst>
+              <a:ext uri="{FF2B5EF4-FFF2-40B4-BE49-F238E27FC236}">
+                <a16:creationId xmlns:a16="http://schemas.microsoft.com/office/drawing/2014/main" id="{7632527F-1C16-4F68-AE93-248FF13A1BFF}"/>
+              </a:ext>
+            </a:extLst>
+          </p:cNvPr>
+          <p:cNvSpPr txBox="1">
             <a:spLocks noGrp="1"/>
           </p:cNvSpPr>
           <p:nvPr>
-            <p:ph type="subTitle" idx="1"/>
+            <p:ph idx="1"/>
           </p:nvPr>
         </p:nvSpPr>
-        <p:spPr/>
-        <p:txBody>
-          <a:bodyPr/>
+        <p:spPr>
+          <a:xfrm>
+            <a:off x="838203" y="1825627"/>
+            <a:ext cx="11143893" cy="4351336"/>
+          </a:xfrm>
+        </p:spPr>
+        <p:txBody>
+          <a:bodyPr>
+            <a:normAutofit/>
+          </a:bodyPr>
           <a:lstStyle/>
           <a:p>
-            <a:endParaRPr lang="nl-NL"/>
+            <a:pPr lvl="0">
+              <a:buFont typeface="Courier New" pitchFamily="49"/>
+              <a:buChar char="_"/>
+            </a:pPr>
+            <a:r>
+              <a:rPr lang="nl-NL" dirty="0">
+                <a:solidFill>
+                  <a:srgbClr val="00FF00"/>
+                </a:solidFill>
+                <a:latin typeface="Courier New" pitchFamily="49"/>
+                <a:cs typeface="Courier New" pitchFamily="49"/>
+              </a:rPr>
+              <a:t>Start </a:t>
+            </a:r>
+            <a:r>
+              <a:rPr lang="nl-NL" dirty="0" err="1">
+                <a:solidFill>
+                  <a:srgbClr val="00FF00"/>
+                </a:solidFill>
+                <a:latin typeface="Courier New" pitchFamily="49"/>
+                <a:cs typeface="Courier New" pitchFamily="49"/>
+              </a:rPr>
+              <a:t>WireMock</a:t>
+            </a:r>
+            <a:r>
+              <a:rPr lang="nl-NL" dirty="0">
+                <a:solidFill>
+                  <a:srgbClr val="00FF00"/>
+                </a:solidFill>
+                <a:latin typeface="Courier New" pitchFamily="49"/>
+                <a:cs typeface="Courier New" pitchFamily="49"/>
+              </a:rPr>
+              <a:t> server</a:t>
+            </a:r>
+          </a:p>
+          <a:p>
+            <a:pPr lvl="1">
+              <a:buFont typeface="Courier New" pitchFamily="49"/>
+              <a:buChar char="_"/>
+            </a:pPr>
+            <a:r>
+              <a:rPr lang="nl-NL" dirty="0">
+                <a:solidFill>
+                  <a:srgbClr val="00FF00"/>
+                </a:solidFill>
+                <a:latin typeface="Courier New" pitchFamily="49"/>
+                <a:cs typeface="Courier New" pitchFamily="49"/>
+              </a:rPr>
+              <a:t>Options: port, </a:t>
+            </a:r>
+            <a:r>
+              <a:rPr lang="nl-NL" dirty="0" err="1">
+                <a:solidFill>
+                  <a:srgbClr val="00FF00"/>
+                </a:solidFill>
+                <a:latin typeface="Courier New" pitchFamily="49"/>
+                <a:cs typeface="Courier New" pitchFamily="49"/>
+              </a:rPr>
+              <a:t>keystore</a:t>
+            </a:r>
+            <a:r>
+              <a:rPr lang="nl-NL" dirty="0">
+                <a:solidFill>
+                  <a:srgbClr val="00FF00"/>
+                </a:solidFill>
+                <a:latin typeface="Courier New" pitchFamily="49"/>
+                <a:cs typeface="Courier New" pitchFamily="49"/>
+              </a:rPr>
+              <a:t>, ...</a:t>
+            </a:r>
+          </a:p>
+          <a:p>
+            <a:pPr lvl="0">
+              <a:buFont typeface="Courier New" pitchFamily="49"/>
+              <a:buChar char="_"/>
+            </a:pPr>
+            <a:endParaRPr lang="nl-NL" dirty="0">
+              <a:solidFill>
+                <a:srgbClr val="00FF00"/>
+              </a:solidFill>
+              <a:latin typeface="Courier New" pitchFamily="49"/>
+              <a:cs typeface="Courier New" pitchFamily="49"/>
+            </a:endParaRPr>
+          </a:p>
+          <a:p>
+            <a:pPr lvl="0">
+              <a:buFont typeface="Courier New" pitchFamily="49"/>
+              <a:buChar char="_"/>
+            </a:pPr>
+            <a:r>
+              <a:rPr lang="nl-NL" dirty="0">
+                <a:solidFill>
+                  <a:srgbClr val="00FF00"/>
+                </a:solidFill>
+                <a:latin typeface="Courier New" pitchFamily="49"/>
+                <a:cs typeface="Courier New" pitchFamily="49"/>
+              </a:rPr>
+              <a:t>Make </a:t>
+            </a:r>
+            <a:r>
+              <a:rPr lang="nl-NL" dirty="0" err="1">
+                <a:solidFill>
+                  <a:srgbClr val="00FF00"/>
+                </a:solidFill>
+                <a:latin typeface="Courier New" pitchFamily="49"/>
+                <a:cs typeface="Courier New" pitchFamily="49"/>
+              </a:rPr>
+              <a:t>mocks</a:t>
+            </a:r>
+            <a:r>
+              <a:rPr lang="nl-NL" dirty="0">
+                <a:solidFill>
+                  <a:srgbClr val="00FF00"/>
+                </a:solidFill>
+                <a:latin typeface="Courier New" pitchFamily="49"/>
+                <a:cs typeface="Courier New" pitchFamily="49"/>
+              </a:rPr>
+              <a:t> </a:t>
+            </a:r>
+            <a:r>
+              <a:rPr lang="nl-NL" dirty="0" err="1">
+                <a:solidFill>
+                  <a:srgbClr val="00FF00"/>
+                </a:solidFill>
+                <a:latin typeface="Courier New" pitchFamily="49"/>
+                <a:cs typeface="Courier New" pitchFamily="49"/>
+              </a:rPr>
+              <a:t>permanently</a:t>
+            </a:r>
+            <a:r>
+              <a:rPr lang="nl-NL" dirty="0">
+                <a:solidFill>
+                  <a:srgbClr val="00FF00"/>
+                </a:solidFill>
+                <a:latin typeface="Courier New" pitchFamily="49"/>
+                <a:cs typeface="Courier New" pitchFamily="49"/>
+              </a:rPr>
+              <a:t> </a:t>
+            </a:r>
+            <a:r>
+              <a:rPr lang="nl-NL" dirty="0" err="1">
+                <a:solidFill>
+                  <a:srgbClr val="00FF00"/>
+                </a:solidFill>
+                <a:latin typeface="Courier New" pitchFamily="49"/>
+                <a:cs typeface="Courier New" pitchFamily="49"/>
+              </a:rPr>
+              <a:t>available</a:t>
+            </a:r>
+            <a:endParaRPr lang="nl-NL" dirty="0">
+              <a:solidFill>
+                <a:srgbClr val="00FF00"/>
+              </a:solidFill>
+              <a:latin typeface="Courier New" pitchFamily="49"/>
+              <a:cs typeface="Courier New" pitchFamily="49"/>
+            </a:endParaRPr>
+          </a:p>
+          <a:p>
+            <a:pPr lvl="1">
+              <a:buFont typeface="Courier New" pitchFamily="49"/>
+              <a:buChar char="_"/>
+            </a:pPr>
+            <a:r>
+              <a:rPr lang="nl-NL" dirty="0">
+                <a:solidFill>
+                  <a:srgbClr val="00FF00"/>
+                </a:solidFill>
+                <a:latin typeface="Courier New" pitchFamily="49"/>
+                <a:cs typeface="Courier New" pitchFamily="49"/>
+              </a:rPr>
+              <a:t>For </a:t>
+            </a:r>
+            <a:r>
+              <a:rPr lang="nl-NL" dirty="0" err="1">
+                <a:solidFill>
+                  <a:srgbClr val="00FF00"/>
+                </a:solidFill>
+                <a:latin typeface="Courier New" pitchFamily="49"/>
+                <a:cs typeface="Courier New" pitchFamily="49"/>
+              </a:rPr>
+              <a:t>example</a:t>
+            </a:r>
+            <a:r>
+              <a:rPr lang="nl-NL" dirty="0">
+                <a:solidFill>
+                  <a:srgbClr val="00FF00"/>
+                </a:solidFill>
+                <a:latin typeface="Courier New" pitchFamily="49"/>
+                <a:cs typeface="Courier New" pitchFamily="49"/>
+              </a:rPr>
+              <a:t> </a:t>
+            </a:r>
+            <a:r>
+              <a:rPr lang="nl-NL" dirty="0" err="1">
+                <a:solidFill>
+                  <a:srgbClr val="00FF00"/>
+                </a:solidFill>
+                <a:latin typeface="Courier New" pitchFamily="49"/>
+                <a:cs typeface="Courier New" pitchFamily="49"/>
+              </a:rPr>
+              <a:t>for</a:t>
+            </a:r>
+            <a:r>
+              <a:rPr lang="nl-NL" dirty="0">
+                <a:solidFill>
+                  <a:srgbClr val="00FF00"/>
+                </a:solidFill>
+                <a:latin typeface="Courier New" pitchFamily="49"/>
+                <a:cs typeface="Courier New" pitchFamily="49"/>
+              </a:rPr>
+              <a:t> multiple teams</a:t>
+            </a:r>
+          </a:p>
+          <a:p>
+            <a:pPr lvl="0">
+              <a:buFont typeface="Courier New" pitchFamily="49"/>
+              <a:buChar char="_"/>
+            </a:pPr>
+            <a:endParaRPr lang="nl-NL" dirty="0">
+              <a:solidFill>
+                <a:srgbClr val="00FF00"/>
+              </a:solidFill>
+              <a:latin typeface="Courier New" pitchFamily="49"/>
+              <a:cs typeface="Courier New" pitchFamily="49"/>
+            </a:endParaRPr>
+          </a:p>
+          <a:p>
+            <a:pPr lvl="0">
+              <a:buFont typeface="Courier New" pitchFamily="49"/>
+              <a:buChar char="_"/>
+            </a:pPr>
+            <a:r>
+              <a:rPr lang="nl-NL" dirty="0" err="1">
+                <a:solidFill>
+                  <a:srgbClr val="00FF00"/>
+                </a:solidFill>
+                <a:latin typeface="Courier New" pitchFamily="49"/>
+                <a:cs typeface="Courier New" pitchFamily="49"/>
+              </a:rPr>
+              <a:t>Reconfigure</a:t>
+            </a:r>
+            <a:r>
+              <a:rPr lang="nl-NL" dirty="0">
+                <a:solidFill>
+                  <a:srgbClr val="00FF00"/>
+                </a:solidFill>
+                <a:latin typeface="Courier New" pitchFamily="49"/>
+                <a:cs typeface="Courier New" pitchFamily="49"/>
+              </a:rPr>
+              <a:t> </a:t>
+            </a:r>
+            <a:r>
+              <a:rPr lang="nl-NL" dirty="0" err="1">
+                <a:solidFill>
+                  <a:srgbClr val="00FF00"/>
+                </a:solidFill>
+                <a:latin typeface="Courier New" pitchFamily="49"/>
+                <a:cs typeface="Courier New" pitchFamily="49"/>
+              </a:rPr>
+              <a:t>mocks</a:t>
+            </a:r>
+            <a:r>
+              <a:rPr lang="nl-NL" dirty="0">
+                <a:solidFill>
+                  <a:srgbClr val="00FF00"/>
+                </a:solidFill>
+                <a:latin typeface="Courier New" pitchFamily="49"/>
+                <a:cs typeface="Courier New" pitchFamily="49"/>
+              </a:rPr>
+              <a:t> via JSON</a:t>
+            </a:r>
+          </a:p>
+          <a:p>
+            <a:pPr marL="0" lvl="0" indent="0">
+              <a:buNone/>
+            </a:pPr>
+            <a:endParaRPr lang="nl-NL" dirty="0">
+              <a:solidFill>
+                <a:srgbClr val="00FF00"/>
+              </a:solidFill>
+              <a:latin typeface="Courier New" pitchFamily="49"/>
+              <a:cs typeface="Courier New" pitchFamily="49"/>
+            </a:endParaRPr>
+          </a:p>
+          <a:p>
+            <a:pPr marL="0" lvl="0" indent="0">
+              <a:buNone/>
+            </a:pPr>
+            <a:r>
+              <a:rPr lang="nl-NL" sz="2400" i="1" dirty="0" err="1">
+                <a:solidFill>
+                  <a:srgbClr val="00FF00"/>
+                </a:solidFill>
+                <a:latin typeface="Courier New" pitchFamily="49"/>
+                <a:cs typeface="Courier New" pitchFamily="49"/>
+              </a:rPr>
+              <a:t>java</a:t>
+            </a:r>
+            <a:r>
+              <a:rPr lang="nl-NL" sz="2400" i="1" dirty="0">
+                <a:solidFill>
+                  <a:srgbClr val="00FF00"/>
+                </a:solidFill>
+                <a:latin typeface="Courier New" pitchFamily="49"/>
+                <a:cs typeface="Courier New" pitchFamily="49"/>
+              </a:rPr>
+              <a:t> -</a:t>
+            </a:r>
+            <a:r>
+              <a:rPr lang="nl-NL" sz="2400" i="1" dirty="0" err="1">
+                <a:solidFill>
+                  <a:srgbClr val="00FF00"/>
+                </a:solidFill>
+                <a:latin typeface="Courier New" pitchFamily="49"/>
+                <a:cs typeface="Courier New" pitchFamily="49"/>
+              </a:rPr>
+              <a:t>jar</a:t>
+            </a:r>
+            <a:r>
+              <a:rPr lang="nl-NL" sz="2400" i="1" dirty="0">
+                <a:solidFill>
+                  <a:srgbClr val="00FF00"/>
+                </a:solidFill>
+                <a:latin typeface="Courier New" pitchFamily="49"/>
+                <a:cs typeface="Courier New" pitchFamily="49"/>
+              </a:rPr>
+              <a:t> wiremock-standalone-2.18.0.jar --port 9876</a:t>
+            </a:r>
+          </a:p>
+          <a:p>
+            <a:pPr lvl="0">
+              <a:buFont typeface="Courier New" pitchFamily="49"/>
+              <a:buChar char="_"/>
+            </a:pPr>
+            <a:endParaRPr lang="nl-NL" dirty="0">
+              <a:solidFill>
+                <a:srgbClr val="00FF00"/>
+              </a:solidFill>
+              <a:latin typeface="Courier New" pitchFamily="49"/>
+              <a:cs typeface="Courier New" pitchFamily="49"/>
+            </a:endParaRPr>
+          </a:p>
+          <a:p>
+            <a:pPr lvl="0">
+              <a:buFont typeface="Courier New" pitchFamily="49"/>
+              <a:buChar char="_"/>
+            </a:pPr>
+            <a:endParaRPr lang="nl-NL" dirty="0">
+              <a:solidFill>
+                <a:srgbClr val="00FF00"/>
+              </a:solidFill>
+              <a:latin typeface="Courier New" pitchFamily="49"/>
+              <a:cs typeface="Courier New" pitchFamily="49"/>
+            </a:endParaRPr>
           </a:p>
         </p:txBody>
       </p:sp>
@@ -8694,267 +9059,6 @@
 
 <file path=ppt/slides/slide20.xml><?xml version="1.0" encoding="utf-8"?>
 <p:sld xmlns:a="http://schemas.openxmlformats.org/drawingml/2006/main" xmlns:r="http://schemas.openxmlformats.org/officeDocument/2006/relationships" xmlns:p="http://schemas.openxmlformats.org/presentationml/2006/main">
-  <p:cSld name="Slide49">
-    <p:bg>
-      <p:bgPr>
-        <a:solidFill>
-          <a:srgbClr val="000000"/>
-        </a:solidFill>
-        <a:effectLst/>
-      </p:bgPr>
-    </p:bg>
-    <p:spTree>
-      <p:nvGrpSpPr>
-        <p:cNvPr id="1" name=""/>
-        <p:cNvGrpSpPr/>
-        <p:nvPr/>
-      </p:nvGrpSpPr>
-      <p:grpSpPr>
-        <a:xfrm>
-          <a:off x="0" y="0"/>
-          <a:ext cx="0" cy="0"/>
-          <a:chOff x="0" y="0"/>
-          <a:chExt cx="0" cy="0"/>
-        </a:xfrm>
-      </p:grpSpPr>
-      <p:sp>
-        <p:nvSpPr>
-          <p:cNvPr id="2" name="Title 1">
-            <a:extLst>
-              <a:ext uri="{FF2B5EF4-FFF2-40B4-BE49-F238E27FC236}">
-                <a16:creationId xmlns:a16="http://schemas.microsoft.com/office/drawing/2014/main" id="{450DC844-D34E-4A15-B24A-BD92CE4155B3}"/>
-              </a:ext>
-            </a:extLst>
-          </p:cNvPr>
-          <p:cNvSpPr txBox="1">
-            <a:spLocks noGrp="1"/>
-          </p:cNvSpPr>
-          <p:nvPr>
-            <p:ph type="title"/>
-          </p:nvPr>
-        </p:nvSpPr>
-        <p:spPr/>
-        <p:txBody>
-          <a:bodyPr/>
-          <a:lstStyle/>
-          <a:p>
-            <a:pPr lvl="0"/>
-            <a:r>
-              <a:rPr lang="nl-NL">
-                <a:solidFill>
-                  <a:srgbClr val="00FF00"/>
-                </a:solidFill>
-                <a:latin typeface="Courier New" pitchFamily="49"/>
-                <a:cs typeface="Courier New" pitchFamily="49"/>
-              </a:rPr>
-              <a:t>Running WireMock standalone</a:t>
-            </a:r>
-          </a:p>
-        </p:txBody>
-      </p:sp>
-      <p:sp>
-        <p:nvSpPr>
-          <p:cNvPr id="3" name="Content Placeholder 2">
-            <a:extLst>
-              <a:ext uri="{FF2B5EF4-FFF2-40B4-BE49-F238E27FC236}">
-                <a16:creationId xmlns:a16="http://schemas.microsoft.com/office/drawing/2014/main" id="{7632527F-1C16-4F68-AE93-248FF13A1BFF}"/>
-              </a:ext>
-            </a:extLst>
-          </p:cNvPr>
-          <p:cNvSpPr txBox="1">
-            <a:spLocks noGrp="1"/>
-          </p:cNvSpPr>
-          <p:nvPr>
-            <p:ph idx="1"/>
-          </p:nvPr>
-        </p:nvSpPr>
-        <p:spPr>
-          <a:xfrm>
-            <a:off x="838203" y="1825627"/>
-            <a:ext cx="11143893" cy="4351336"/>
-          </a:xfrm>
-        </p:spPr>
-        <p:txBody>
-          <a:bodyPr/>
-          <a:lstStyle/>
-          <a:p>
-            <a:pPr lvl="0">
-              <a:buFont typeface="Courier New" pitchFamily="49"/>
-              <a:buChar char="_"/>
-            </a:pPr>
-            <a:r>
-              <a:rPr lang="nl-NL">
-                <a:solidFill>
-                  <a:srgbClr val="00FF00"/>
-                </a:solidFill>
-                <a:latin typeface="Courier New" pitchFamily="49"/>
-                <a:cs typeface="Courier New" pitchFamily="49"/>
-              </a:rPr>
-              <a:t>Start WireMock server</a:t>
-            </a:r>
-          </a:p>
-          <a:p>
-            <a:pPr lvl="1">
-              <a:buFont typeface="Courier New" pitchFamily="49"/>
-              <a:buChar char="_"/>
-            </a:pPr>
-            <a:r>
-              <a:rPr lang="nl-NL">
-                <a:solidFill>
-                  <a:srgbClr val="00FF00"/>
-                </a:solidFill>
-                <a:latin typeface="Courier New" pitchFamily="49"/>
-                <a:cs typeface="Courier New" pitchFamily="49"/>
-              </a:rPr>
-              <a:t>Options: port, keystore, ...</a:t>
-            </a:r>
-          </a:p>
-          <a:p>
-            <a:pPr lvl="0">
-              <a:buFont typeface="Courier New" pitchFamily="49"/>
-              <a:buChar char="_"/>
-            </a:pPr>
-            <a:endParaRPr lang="nl-NL">
-              <a:solidFill>
-                <a:srgbClr val="00FF00"/>
-              </a:solidFill>
-              <a:latin typeface="Courier New" pitchFamily="49"/>
-              <a:cs typeface="Courier New" pitchFamily="49"/>
-            </a:endParaRPr>
-          </a:p>
-          <a:p>
-            <a:pPr lvl="0">
-              <a:buFont typeface="Courier New" pitchFamily="49"/>
-              <a:buChar char="_"/>
-            </a:pPr>
-            <a:r>
-              <a:rPr lang="nl-NL">
-                <a:solidFill>
-                  <a:srgbClr val="00FF00"/>
-                </a:solidFill>
-                <a:latin typeface="Courier New" pitchFamily="49"/>
-                <a:cs typeface="Courier New" pitchFamily="49"/>
-              </a:rPr>
-              <a:t>Make mocks permanently available</a:t>
-            </a:r>
-          </a:p>
-          <a:p>
-            <a:pPr lvl="1">
-              <a:buFont typeface="Courier New" pitchFamily="49"/>
-              <a:buChar char="_"/>
-            </a:pPr>
-            <a:r>
-              <a:rPr lang="nl-NL">
-                <a:solidFill>
-                  <a:srgbClr val="00FF00"/>
-                </a:solidFill>
-                <a:latin typeface="Courier New" pitchFamily="49"/>
-                <a:cs typeface="Courier New" pitchFamily="49"/>
-              </a:rPr>
-              <a:t>For example for multiple teams</a:t>
-            </a:r>
-          </a:p>
-          <a:p>
-            <a:pPr lvl="0">
-              <a:buFont typeface="Courier New" pitchFamily="49"/>
-              <a:buChar char="_"/>
-            </a:pPr>
-            <a:endParaRPr lang="nl-NL">
-              <a:solidFill>
-                <a:srgbClr val="00FF00"/>
-              </a:solidFill>
-              <a:latin typeface="Courier New" pitchFamily="49"/>
-              <a:cs typeface="Courier New" pitchFamily="49"/>
-            </a:endParaRPr>
-          </a:p>
-          <a:p>
-            <a:pPr lvl="0">
-              <a:buFont typeface="Courier New" pitchFamily="49"/>
-              <a:buChar char="_"/>
-            </a:pPr>
-            <a:r>
-              <a:rPr lang="nl-NL">
-                <a:solidFill>
-                  <a:srgbClr val="00FF00"/>
-                </a:solidFill>
-                <a:latin typeface="Courier New" pitchFamily="49"/>
-                <a:cs typeface="Courier New" pitchFamily="49"/>
-              </a:rPr>
-              <a:t>Reconfigure mocks via JSON</a:t>
-            </a:r>
-          </a:p>
-          <a:p>
-            <a:pPr lvl="0">
-              <a:buFont typeface="Courier New" pitchFamily="49"/>
-              <a:buChar char="_"/>
-            </a:pPr>
-            <a:endParaRPr lang="nl-NL">
-              <a:solidFill>
-                <a:srgbClr val="00FF00"/>
-              </a:solidFill>
-              <a:latin typeface="Courier New" pitchFamily="49"/>
-              <a:cs typeface="Courier New" pitchFamily="49"/>
-            </a:endParaRPr>
-          </a:p>
-          <a:p>
-            <a:pPr lvl="0">
-              <a:buFont typeface="Courier New" pitchFamily="49"/>
-              <a:buChar char="_"/>
-            </a:pPr>
-            <a:endParaRPr lang="nl-NL">
-              <a:solidFill>
-                <a:srgbClr val="00FF00"/>
-              </a:solidFill>
-              <a:latin typeface="Courier New" pitchFamily="49"/>
-              <a:cs typeface="Courier New" pitchFamily="49"/>
-            </a:endParaRPr>
-          </a:p>
-        </p:txBody>
-      </p:sp>
-      <p:pic>
-        <p:nvPicPr>
-          <p:cNvPr id="4" name="Picture 3">
-            <a:extLst>
-              <a:ext uri="{FF2B5EF4-FFF2-40B4-BE49-F238E27FC236}">
-                <a16:creationId xmlns:a16="http://schemas.microsoft.com/office/drawing/2014/main" id="{62BBA2EA-CE71-4754-99ED-031C71497E91}"/>
-              </a:ext>
-            </a:extLst>
-          </p:cNvPr>
-          <p:cNvPicPr>
-            <a:picLocks noChangeAspect="1"/>
-          </p:cNvPicPr>
-          <p:nvPr/>
-        </p:nvPicPr>
-        <p:blipFill>
-          <a:blip r:embed="rId2"/>
-          <a:stretch>
-            <a:fillRect/>
-          </a:stretch>
-        </p:blipFill>
-        <p:spPr>
-          <a:xfrm>
-            <a:off x="196431" y="5668082"/>
-            <a:ext cx="11785665" cy="508881"/>
-          </a:xfrm>
-          <a:prstGeom prst="rect">
-            <a:avLst/>
-          </a:prstGeom>
-          <a:noFill/>
-          <a:ln cap="flat">
-            <a:noFill/>
-          </a:ln>
-        </p:spPr>
-      </p:pic>
-    </p:spTree>
-  </p:cSld>
-  <p:clrMapOvr>
-    <a:masterClrMapping/>
-  </p:clrMapOvr>
-</p:sld>
-</file>
-
-<file path=ppt/slides/slide21.xml><?xml version="1.0" encoding="utf-8"?>
-<p:sld xmlns:a="http://schemas.openxmlformats.org/drawingml/2006/main" xmlns:r="http://schemas.openxmlformats.org/officeDocument/2006/relationships" xmlns:p="http://schemas.openxmlformats.org/presentationml/2006/main">
   <p:cSld name="Slide50">
     <p:bg>
       <p:bgPr>
@@ -9047,15 +9151,32 @@
               <a:buChar char="_"/>
             </a:pPr>
             <a:r>
-              <a:rPr lang="nl-NL">
-                <a:solidFill>
-                  <a:srgbClr val="00FF00"/>
-                </a:solidFill>
-                <a:latin typeface="Courier New" pitchFamily="49"/>
-                <a:cs typeface="Courier New" pitchFamily="49"/>
-              </a:rPr>
-              <a:t>Integration in test execution</a:t>
-            </a:r>
+              <a:rPr lang="nl-NL" dirty="0">
+                <a:solidFill>
+                  <a:srgbClr val="00FF00"/>
+                </a:solidFill>
+                <a:latin typeface="Courier New" pitchFamily="49"/>
+                <a:cs typeface="Courier New" pitchFamily="49"/>
+              </a:rPr>
+              <a:t>Integration in test </a:t>
+            </a:r>
+            <a:r>
+              <a:rPr lang="nl-NL" dirty="0" err="1">
+                <a:solidFill>
+                  <a:srgbClr val="00FF00"/>
+                </a:solidFill>
+                <a:latin typeface="Courier New" pitchFamily="49"/>
+                <a:cs typeface="Courier New" pitchFamily="49"/>
+              </a:rPr>
+              <a:t>execution</a:t>
+            </a:r>
+            <a:endParaRPr lang="nl-NL" dirty="0">
+              <a:solidFill>
+                <a:srgbClr val="00FF00"/>
+              </a:solidFill>
+              <a:latin typeface="Courier New" pitchFamily="49"/>
+              <a:cs typeface="Courier New" pitchFamily="49"/>
+            </a:endParaRPr>
           </a:p>
           <a:p>
             <a:pPr lvl="0">
@@ -9065,7 +9186,7 @@
               <a:buFont typeface="Courier New" pitchFamily="49"/>
               <a:buChar char="_"/>
             </a:pPr>
-            <a:endParaRPr lang="nl-NL">
+            <a:endParaRPr lang="nl-NL" dirty="0">
               <a:solidFill>
                 <a:srgbClr val="00FF00"/>
               </a:solidFill>
@@ -9082,14 +9203,34 @@
               <a:buChar char="_"/>
             </a:pPr>
             <a:r>
-              <a:rPr lang="nl-NL">
-                <a:solidFill>
-                  <a:srgbClr val="00FF00"/>
-                </a:solidFill>
-                <a:latin typeface="Courier New" pitchFamily="49"/>
-                <a:cs typeface="Courier New" pitchFamily="49"/>
-              </a:rPr>
-              <a:t>Mocks in version control (Git, etc.)</a:t>
+              <a:rPr lang="nl-NL" dirty="0">
+                <a:solidFill>
+                  <a:srgbClr val="00FF00"/>
+                </a:solidFill>
+                <a:latin typeface="Courier New" pitchFamily="49"/>
+                <a:cs typeface="Courier New" pitchFamily="49"/>
+              </a:rPr>
+              <a:t>Mocks in </a:t>
+            </a:r>
+            <a:r>
+              <a:rPr lang="nl-NL" dirty="0" err="1">
+                <a:solidFill>
+                  <a:srgbClr val="00FF00"/>
+                </a:solidFill>
+                <a:latin typeface="Courier New" pitchFamily="49"/>
+                <a:cs typeface="Courier New" pitchFamily="49"/>
+              </a:rPr>
+              <a:t>version</a:t>
+            </a:r>
+            <a:r>
+              <a:rPr lang="nl-NL" dirty="0">
+                <a:solidFill>
+                  <a:srgbClr val="00FF00"/>
+                </a:solidFill>
+                <a:latin typeface="Courier New" pitchFamily="49"/>
+                <a:cs typeface="Courier New" pitchFamily="49"/>
+              </a:rPr>
+              <a:t> control (Git, etc.)</a:t>
             </a:r>
           </a:p>
           <a:p>
@@ -9100,7 +9241,7 @@
               <a:buFont typeface="Courier New" pitchFamily="49"/>
               <a:buChar char="_"/>
             </a:pPr>
-            <a:endParaRPr lang="nl-NL">
+            <a:endParaRPr lang="nl-NL" dirty="0">
               <a:solidFill>
                 <a:srgbClr val="00FF00"/>
               </a:solidFill>
@@ -9117,15 +9258,102 @@
               <a:buChar char="_"/>
             </a:pPr>
             <a:r>
-              <a:rPr lang="nl-NL">
-                <a:solidFill>
-                  <a:srgbClr val="00FF00"/>
-                </a:solidFill>
-                <a:latin typeface="Courier New" pitchFamily="49"/>
-                <a:cs typeface="Courier New" pitchFamily="49"/>
-              </a:rPr>
-              <a:t>JUnit integration</a:t>
-            </a:r>
+              <a:rPr lang="nl-NL" dirty="0" err="1">
+                <a:solidFill>
+                  <a:srgbClr val="00FF00"/>
+                </a:solidFill>
+                <a:latin typeface="Courier New" pitchFamily="49"/>
+                <a:cs typeface="Courier New" pitchFamily="49"/>
+              </a:rPr>
+              <a:t>JUnit</a:t>
+            </a:r>
+            <a:r>
+              <a:rPr lang="nl-NL" dirty="0">
+                <a:solidFill>
+                  <a:srgbClr val="00FF00"/>
+                </a:solidFill>
+                <a:latin typeface="Courier New" pitchFamily="49"/>
+                <a:cs typeface="Courier New" pitchFamily="49"/>
+              </a:rPr>
+              <a:t> </a:t>
+            </a:r>
+            <a:r>
+              <a:rPr lang="nl-NL" dirty="0" err="1">
+                <a:solidFill>
+                  <a:srgbClr val="00FF00"/>
+                </a:solidFill>
+                <a:latin typeface="Courier New" pitchFamily="49"/>
+                <a:cs typeface="Courier New" pitchFamily="49"/>
+              </a:rPr>
+              <a:t>integration</a:t>
+            </a:r>
+            <a:r>
+              <a:rPr lang="nl-NL" dirty="0">
+                <a:solidFill>
+                  <a:srgbClr val="00FF00"/>
+                </a:solidFill>
+                <a:latin typeface="Courier New" pitchFamily="49"/>
+                <a:cs typeface="Courier New" pitchFamily="49"/>
+              </a:rPr>
+              <a:t> </a:t>
+            </a:r>
+            <a:r>
+              <a:rPr lang="nl-NL" dirty="0" err="1">
+                <a:solidFill>
+                  <a:srgbClr val="00FF00"/>
+                </a:solidFill>
+                <a:latin typeface="Courier New" pitchFamily="49"/>
+                <a:cs typeface="Courier New" pitchFamily="49"/>
+              </a:rPr>
+              <a:t>using</a:t>
+            </a:r>
+            <a:r>
+              <a:rPr lang="nl-NL" dirty="0">
+                <a:solidFill>
+                  <a:srgbClr val="00FF00"/>
+                </a:solidFill>
+                <a:latin typeface="Courier New" pitchFamily="49"/>
+                <a:cs typeface="Courier New" pitchFamily="49"/>
+              </a:rPr>
+              <a:t> @</a:t>
+            </a:r>
+            <a:r>
+              <a:rPr lang="nl-NL" dirty="0" err="1">
+                <a:solidFill>
+                  <a:srgbClr val="00FF00"/>
+                </a:solidFill>
+                <a:latin typeface="Courier New" pitchFamily="49"/>
+                <a:cs typeface="Courier New" pitchFamily="49"/>
+              </a:rPr>
+              <a:t>Rule</a:t>
+            </a:r>
+            <a:r>
+              <a:rPr lang="nl-NL" dirty="0">
+                <a:solidFill>
+                  <a:srgbClr val="00FF00"/>
+                </a:solidFill>
+                <a:latin typeface="Courier New" pitchFamily="49"/>
+                <a:cs typeface="Courier New" pitchFamily="49"/>
+              </a:rPr>
+              <a:t> </a:t>
+            </a:r>
+            <a:r>
+              <a:rPr lang="nl-NL" dirty="0" err="1">
+                <a:solidFill>
+                  <a:srgbClr val="00FF00"/>
+                </a:solidFill>
+                <a:latin typeface="Courier New" pitchFamily="49"/>
+                <a:cs typeface="Courier New" pitchFamily="49"/>
+              </a:rPr>
+              <a:t>annotation</a:t>
+            </a:r>
+            <a:endParaRPr lang="nl-NL" dirty="0">
+              <a:solidFill>
+                <a:srgbClr val="00FF00"/>
+              </a:solidFill>
+              <a:latin typeface="Courier New" pitchFamily="49"/>
+              <a:cs typeface="Courier New" pitchFamily="49"/>
+            </a:endParaRPr>
           </a:p>
           <a:p>
             <a:pPr lvl="0">
@@ -9135,7 +9363,7 @@
               <a:buFont typeface="Courier New" pitchFamily="49"/>
               <a:buChar char="_"/>
             </a:pPr>
-            <a:endParaRPr lang="nl-NL">
+            <a:endParaRPr lang="nl-NL" dirty="0">
               <a:solidFill>
                 <a:srgbClr val="00FF00"/>
               </a:solidFill>
@@ -9151,7 +9379,7 @@
               <a:buFont typeface="Courier New" pitchFamily="49"/>
               <a:buChar char="_"/>
             </a:pPr>
-            <a:endParaRPr lang="nl-NL">
+            <a:endParaRPr lang="nl-NL" dirty="0">
               <a:solidFill>
                 <a:srgbClr val="00FF00"/>
               </a:solidFill>
@@ -9167,7 +9395,7 @@
               <a:buFont typeface="Courier New" pitchFamily="49"/>
               <a:buChar char="_"/>
             </a:pPr>
-            <a:endParaRPr lang="nl-NL">
+            <a:endParaRPr lang="nl-NL" dirty="0">
               <a:solidFill>
                 <a:srgbClr val="00FF00"/>
               </a:solidFill>
@@ -9184,14 +9412,144 @@
               <a:buChar char="_"/>
             </a:pPr>
             <a:r>
-              <a:rPr lang="nl-NL">
-                <a:solidFill>
-                  <a:srgbClr val="00FF00"/>
-                </a:solidFill>
-                <a:latin typeface="Courier New" pitchFamily="49"/>
-                <a:cs typeface="Courier New" pitchFamily="49"/>
-              </a:rPr>
-              <a:t>Can be used without having to use JUnit as well</a:t>
+              <a:rPr lang="nl-NL" dirty="0" err="1">
+                <a:solidFill>
+                  <a:srgbClr val="00FF00"/>
+                </a:solidFill>
+                <a:latin typeface="Courier New" pitchFamily="49"/>
+                <a:cs typeface="Courier New" pitchFamily="49"/>
+              </a:rPr>
+              <a:t>Can</a:t>
+            </a:r>
+            <a:r>
+              <a:rPr lang="nl-NL" dirty="0">
+                <a:solidFill>
+                  <a:srgbClr val="00FF00"/>
+                </a:solidFill>
+                <a:latin typeface="Courier New" pitchFamily="49"/>
+                <a:cs typeface="Courier New" pitchFamily="49"/>
+              </a:rPr>
+              <a:t> </a:t>
+            </a:r>
+            <a:r>
+              <a:rPr lang="nl-NL" dirty="0" err="1">
+                <a:solidFill>
+                  <a:srgbClr val="00FF00"/>
+                </a:solidFill>
+                <a:latin typeface="Courier New" pitchFamily="49"/>
+                <a:cs typeface="Courier New" pitchFamily="49"/>
+              </a:rPr>
+              <a:t>be</a:t>
+            </a:r>
+            <a:r>
+              <a:rPr lang="nl-NL" dirty="0">
+                <a:solidFill>
+                  <a:srgbClr val="00FF00"/>
+                </a:solidFill>
+                <a:latin typeface="Courier New" pitchFamily="49"/>
+                <a:cs typeface="Courier New" pitchFamily="49"/>
+              </a:rPr>
+              <a:t> </a:t>
+            </a:r>
+            <a:r>
+              <a:rPr lang="nl-NL" dirty="0" err="1">
+                <a:solidFill>
+                  <a:srgbClr val="00FF00"/>
+                </a:solidFill>
+                <a:latin typeface="Courier New" pitchFamily="49"/>
+                <a:cs typeface="Courier New" pitchFamily="49"/>
+              </a:rPr>
+              <a:t>used</a:t>
+            </a:r>
+            <a:r>
+              <a:rPr lang="nl-NL" dirty="0">
+                <a:solidFill>
+                  <a:srgbClr val="00FF00"/>
+                </a:solidFill>
+                <a:latin typeface="Courier New" pitchFamily="49"/>
+                <a:cs typeface="Courier New" pitchFamily="49"/>
+              </a:rPr>
+              <a:t> without </a:t>
+            </a:r>
+            <a:r>
+              <a:rPr lang="nl-NL" dirty="0" err="1">
+                <a:solidFill>
+                  <a:srgbClr val="00FF00"/>
+                </a:solidFill>
+                <a:latin typeface="Courier New" pitchFamily="49"/>
+                <a:cs typeface="Courier New" pitchFamily="49"/>
+              </a:rPr>
+              <a:t>having</a:t>
+            </a:r>
+            <a:r>
+              <a:rPr lang="nl-NL" dirty="0">
+                <a:solidFill>
+                  <a:srgbClr val="00FF00"/>
+                </a:solidFill>
+                <a:latin typeface="Courier New" pitchFamily="49"/>
+                <a:cs typeface="Courier New" pitchFamily="49"/>
+              </a:rPr>
+              <a:t> </a:t>
+            </a:r>
+            <a:r>
+              <a:rPr lang="nl-NL" dirty="0" err="1">
+                <a:solidFill>
+                  <a:srgbClr val="00FF00"/>
+                </a:solidFill>
+                <a:latin typeface="Courier New" pitchFamily="49"/>
+                <a:cs typeface="Courier New" pitchFamily="49"/>
+              </a:rPr>
+              <a:t>to</a:t>
+            </a:r>
+            <a:r>
+              <a:rPr lang="nl-NL" dirty="0">
+                <a:solidFill>
+                  <a:srgbClr val="00FF00"/>
+                </a:solidFill>
+                <a:latin typeface="Courier New" pitchFamily="49"/>
+                <a:cs typeface="Courier New" pitchFamily="49"/>
+              </a:rPr>
+              <a:t> </a:t>
+            </a:r>
+            <a:r>
+              <a:rPr lang="nl-NL" dirty="0" err="1">
+                <a:solidFill>
+                  <a:srgbClr val="00FF00"/>
+                </a:solidFill>
+                <a:latin typeface="Courier New" pitchFamily="49"/>
+                <a:cs typeface="Courier New" pitchFamily="49"/>
+              </a:rPr>
+              <a:t>use</a:t>
+            </a:r>
+            <a:r>
+              <a:rPr lang="nl-NL" dirty="0">
+                <a:solidFill>
+                  <a:srgbClr val="00FF00"/>
+                </a:solidFill>
+                <a:latin typeface="Courier New" pitchFamily="49"/>
+                <a:cs typeface="Courier New" pitchFamily="49"/>
+              </a:rPr>
+              <a:t> </a:t>
+            </a:r>
+            <a:r>
+              <a:rPr lang="nl-NL" dirty="0" err="1">
+                <a:solidFill>
+                  <a:srgbClr val="00FF00"/>
+                </a:solidFill>
+                <a:latin typeface="Courier New" pitchFamily="49"/>
+                <a:cs typeface="Courier New" pitchFamily="49"/>
+              </a:rPr>
+              <a:t>JUnit</a:t>
+            </a:r>
+            <a:r>
+              <a:rPr lang="nl-NL" dirty="0">
+                <a:solidFill>
+                  <a:srgbClr val="00FF00"/>
+                </a:solidFill>
+                <a:latin typeface="Courier New" pitchFamily="49"/>
+                <a:cs typeface="Courier New" pitchFamily="49"/>
+              </a:rPr>
+              <a:t> as well</a:t>
             </a:r>
           </a:p>
         </p:txBody>
@@ -9238,7 +9596,7 @@
 </p:sld>
 </file>
 
-<file path=ppt/slides/slide22.xml><?xml version="1.0" encoding="utf-8"?>
+<file path=ppt/slides/slide21.xml><?xml version="1.0" encoding="utf-8"?>
 <p:sld xmlns:a="http://schemas.openxmlformats.org/drawingml/2006/main" xmlns:r="http://schemas.openxmlformats.org/officeDocument/2006/relationships" xmlns:p="http://schemas.openxmlformats.org/presentationml/2006/main">
   <p:cSld>
     <p:bg>
@@ -9372,7 +9730,7 @@
 </p:sld>
 </file>
 
-<file path=ppt/slides/slide23.xml><?xml version="1.0" encoding="utf-8"?>
+<file path=ppt/slides/slide22.xml><?xml version="1.0" encoding="utf-8"?>
 <p:sld xmlns:a="http://schemas.openxmlformats.org/drawingml/2006/main" xmlns:r="http://schemas.openxmlformats.org/officeDocument/2006/relationships" xmlns:p="http://schemas.openxmlformats.org/presentationml/2006/main">
   <p:cSld name="Slide39">
     <p:bg>
@@ -9420,14 +9778,24 @@
           <a:p>
             <a:pPr lvl="0"/>
             <a:r>
-              <a:rPr lang="nl-NL">
-                <a:solidFill>
-                  <a:srgbClr val="00FF00"/>
-                </a:solidFill>
-                <a:latin typeface="Courier New" pitchFamily="49"/>
-                <a:cs typeface="Courier New" pitchFamily="49"/>
-              </a:rPr>
-              <a:t>Get your hands dirty!</a:t>
+              <a:rPr lang="nl-NL" dirty="0" err="1">
+                <a:solidFill>
+                  <a:srgbClr val="00FF00"/>
+                </a:solidFill>
+                <a:latin typeface="Courier New" pitchFamily="49"/>
+                <a:cs typeface="Courier New" pitchFamily="49"/>
+              </a:rPr>
+              <a:t>Exercise</a:t>
+            </a:r>
+            <a:r>
+              <a:rPr lang="nl-NL" dirty="0">
+                <a:solidFill>
+                  <a:srgbClr val="00FF00"/>
+                </a:solidFill>
+                <a:latin typeface="Courier New" pitchFamily="49"/>
+                <a:cs typeface="Courier New" pitchFamily="49"/>
+              </a:rPr>
+              <a:t> time!</a:t>
             </a:r>
           </a:p>
         </p:txBody>
@@ -9458,167 +9826,464 @@
               <a:buChar char="_"/>
             </a:pPr>
             <a:r>
-              <a:rPr lang="nl-NL">
-                <a:solidFill>
-                  <a:srgbClr val="00FF00"/>
-                </a:solidFill>
-                <a:latin typeface="Courier New" pitchFamily="49"/>
-                <a:cs typeface="Courier New" pitchFamily="49"/>
-              </a:rPr>
-              <a:t>WireMockExercises1</a:t>
-            </a:r>
-          </a:p>
-          <a:p>
-            <a:pPr lvl="0">
-              <a:buFont typeface="Courier New" pitchFamily="49"/>
-              <a:buChar char="_"/>
-            </a:pPr>
-            <a:endParaRPr lang="nl-NL">
-              <a:solidFill>
-                <a:srgbClr val="00FF00"/>
-              </a:solidFill>
-              <a:latin typeface="Courier New" pitchFamily="49"/>
-              <a:cs typeface="Courier New" pitchFamily="49"/>
-            </a:endParaRPr>
-          </a:p>
-          <a:p>
-            <a:pPr lvl="0">
-              <a:buFont typeface="Courier New" pitchFamily="49"/>
-              <a:buChar char="_"/>
-            </a:pPr>
-            <a:r>
-              <a:rPr lang="nl-NL">
-                <a:solidFill>
-                  <a:srgbClr val="00FF00"/>
-                </a:solidFill>
-                <a:latin typeface="Courier New" pitchFamily="49"/>
-                <a:cs typeface="Courier New" pitchFamily="49"/>
-              </a:rPr>
-              <a:t>Create simple mocks</a:t>
-            </a:r>
-          </a:p>
-          <a:p>
-            <a:pPr lvl="0">
-              <a:buFont typeface="Courier New" pitchFamily="49"/>
-              <a:buChar char="_"/>
-            </a:pPr>
-            <a:endParaRPr lang="nl-NL">
-              <a:solidFill>
-                <a:srgbClr val="00FF00"/>
-              </a:solidFill>
-              <a:latin typeface="Courier New" pitchFamily="49"/>
-              <a:cs typeface="Courier New" pitchFamily="49"/>
-            </a:endParaRPr>
-          </a:p>
-          <a:p>
-            <a:pPr lvl="0">
-              <a:buFont typeface="Courier New" pitchFamily="49"/>
-              <a:buChar char="_"/>
-            </a:pPr>
-            <a:r>
-              <a:rPr lang="nl-NL">
-                <a:solidFill>
-                  <a:srgbClr val="00FF00"/>
-                </a:solidFill>
-                <a:latin typeface="Courier New" pitchFamily="49"/>
-                <a:cs typeface="Courier New" pitchFamily="49"/>
-              </a:rPr>
-              <a:t>Exercises are defined in the comments</a:t>
-            </a:r>
-          </a:p>
-          <a:p>
-            <a:pPr lvl="0">
-              <a:buFont typeface="Courier New" pitchFamily="49"/>
-              <a:buChar char="_"/>
-            </a:pPr>
-            <a:endParaRPr lang="nl-NL">
-              <a:solidFill>
-                <a:srgbClr val="00FF00"/>
-              </a:solidFill>
-              <a:latin typeface="Courier New" pitchFamily="49"/>
-              <a:cs typeface="Courier New" pitchFamily="49"/>
-            </a:endParaRPr>
-          </a:p>
-          <a:p>
-            <a:pPr lvl="0">
-              <a:buFont typeface="Courier New" pitchFamily="49"/>
-              <a:buChar char="_"/>
-            </a:pPr>
-            <a:r>
-              <a:rPr lang="nl-NL">
-                <a:solidFill>
-                  <a:srgbClr val="00FF00"/>
-                </a:solidFill>
-                <a:latin typeface="Courier New" pitchFamily="49"/>
-                <a:cs typeface="Courier New" pitchFamily="49"/>
-              </a:rPr>
-              <a:t>Verify your solution by running the tests</a:t>
-            </a:r>
-          </a:p>
-          <a:p>
-            <a:pPr lvl="0">
-              <a:buFont typeface="Courier New" pitchFamily="49"/>
-              <a:buChar char="_"/>
-            </a:pPr>
-            <a:endParaRPr lang="nl-NL">
-              <a:solidFill>
-                <a:srgbClr val="00FF00"/>
-              </a:solidFill>
-              <a:latin typeface="Courier New" pitchFamily="49"/>
-              <a:cs typeface="Courier New" pitchFamily="49"/>
-            </a:endParaRPr>
-          </a:p>
-          <a:p>
-            <a:pPr lvl="0">
-              <a:buFont typeface="Courier New" pitchFamily="49"/>
-              <a:buChar char="_"/>
-            </a:pPr>
-            <a:endParaRPr lang="nl-NL">
-              <a:solidFill>
-                <a:srgbClr val="00FF00"/>
-              </a:solidFill>
-              <a:latin typeface="Courier New" pitchFamily="49"/>
-              <a:cs typeface="Courier New" pitchFamily="49"/>
-            </a:endParaRPr>
-          </a:p>
-          <a:p>
-            <a:pPr lvl="0">
-              <a:buFont typeface="Courier New" pitchFamily="49"/>
-              <a:buChar char="_"/>
-            </a:pPr>
-            <a:endParaRPr lang="nl-NL">
-              <a:solidFill>
-                <a:srgbClr val="00FF00"/>
-              </a:solidFill>
-              <a:latin typeface="Courier New" pitchFamily="49"/>
-              <a:cs typeface="Courier New" pitchFamily="49"/>
-            </a:endParaRPr>
-          </a:p>
-          <a:p>
-            <a:pPr lvl="0">
-              <a:buFont typeface="Courier New" pitchFamily="49"/>
-              <a:buChar char="_"/>
-            </a:pPr>
-            <a:endParaRPr lang="nl-NL">
-              <a:solidFill>
-                <a:srgbClr val="00FF00"/>
-              </a:solidFill>
-              <a:latin typeface="Courier New" pitchFamily="49"/>
-              <a:cs typeface="Courier New" pitchFamily="49"/>
-            </a:endParaRPr>
-          </a:p>
-          <a:p>
-            <a:pPr lvl="0">
-              <a:buFont typeface="Courier New" pitchFamily="49"/>
-              <a:buChar char="_"/>
-            </a:pPr>
-            <a:endParaRPr lang="nl-NL">
-              <a:solidFill>
-                <a:srgbClr val="00FF00"/>
-              </a:solidFill>
-              <a:latin typeface="Courier New" pitchFamily="49"/>
-              <a:cs typeface="Courier New" pitchFamily="49"/>
-            </a:endParaRPr>
+              <a:rPr lang="nl-NL" dirty="0">
+                <a:solidFill>
+                  <a:srgbClr val="00FF00"/>
+                </a:solidFill>
+                <a:latin typeface="Courier New" pitchFamily="49"/>
+                <a:cs typeface="Courier New" pitchFamily="49"/>
+              </a:rPr>
+              <a:t>WireMockExercises1.java</a:t>
+            </a:r>
+          </a:p>
+          <a:p>
+            <a:pPr lvl="0">
+              <a:buFont typeface="Courier New" pitchFamily="49"/>
+              <a:buChar char="_"/>
+            </a:pPr>
+            <a:endParaRPr lang="nl-NL" dirty="0">
+              <a:solidFill>
+                <a:srgbClr val="00FF00"/>
+              </a:solidFill>
+              <a:latin typeface="Courier New" pitchFamily="49"/>
+              <a:cs typeface="Courier New" pitchFamily="49"/>
+            </a:endParaRPr>
+          </a:p>
+          <a:p>
+            <a:pPr lvl="0">
+              <a:buFont typeface="Courier New" pitchFamily="49"/>
+              <a:buChar char="_"/>
+            </a:pPr>
+            <a:r>
+              <a:rPr lang="nl-NL" dirty="0" err="1">
+                <a:solidFill>
+                  <a:srgbClr val="00FF00"/>
+                </a:solidFill>
+                <a:latin typeface="Courier New" pitchFamily="49"/>
+                <a:cs typeface="Courier New" pitchFamily="49"/>
+              </a:rPr>
+              <a:t>Create</a:t>
+            </a:r>
+            <a:r>
+              <a:rPr lang="nl-NL" dirty="0">
+                <a:solidFill>
+                  <a:srgbClr val="00FF00"/>
+                </a:solidFill>
+                <a:latin typeface="Courier New" pitchFamily="49"/>
+                <a:cs typeface="Courier New" pitchFamily="49"/>
+              </a:rPr>
+              <a:t> a </a:t>
+            </a:r>
+            <a:r>
+              <a:rPr lang="nl-NL" dirty="0" err="1">
+                <a:solidFill>
+                  <a:srgbClr val="00FF00"/>
+                </a:solidFill>
+                <a:latin typeface="Courier New" pitchFamily="49"/>
+                <a:cs typeface="Courier New" pitchFamily="49"/>
+              </a:rPr>
+              <a:t>number</a:t>
+            </a:r>
+            <a:r>
+              <a:rPr lang="nl-NL" dirty="0">
+                <a:solidFill>
+                  <a:srgbClr val="00FF00"/>
+                </a:solidFill>
+                <a:latin typeface="Courier New" pitchFamily="49"/>
+                <a:cs typeface="Courier New" pitchFamily="49"/>
+              </a:rPr>
+              <a:t> of </a:t>
+            </a:r>
+            <a:r>
+              <a:rPr lang="nl-NL" dirty="0" err="1">
+                <a:solidFill>
+                  <a:srgbClr val="00FF00"/>
+                </a:solidFill>
+                <a:latin typeface="Courier New" pitchFamily="49"/>
+                <a:cs typeface="Courier New" pitchFamily="49"/>
+              </a:rPr>
+              <a:t>simple</a:t>
+            </a:r>
+            <a:r>
+              <a:rPr lang="nl-NL" dirty="0">
+                <a:solidFill>
+                  <a:srgbClr val="00FF00"/>
+                </a:solidFill>
+                <a:latin typeface="Courier New" pitchFamily="49"/>
+                <a:cs typeface="Courier New" pitchFamily="49"/>
+              </a:rPr>
+              <a:t> </a:t>
+            </a:r>
+            <a:r>
+              <a:rPr lang="nl-NL" dirty="0" err="1">
+                <a:solidFill>
+                  <a:srgbClr val="00FF00"/>
+                </a:solidFill>
+                <a:latin typeface="Courier New" pitchFamily="49"/>
+                <a:cs typeface="Courier New" pitchFamily="49"/>
+              </a:rPr>
+              <a:t>mocks</a:t>
+            </a:r>
+            <a:endParaRPr lang="nl-NL" dirty="0">
+              <a:solidFill>
+                <a:srgbClr val="00FF00"/>
+              </a:solidFill>
+              <a:latin typeface="Courier New" pitchFamily="49"/>
+              <a:cs typeface="Courier New" pitchFamily="49"/>
+            </a:endParaRPr>
+          </a:p>
+          <a:p>
+            <a:pPr lvl="0">
+              <a:buFont typeface="Courier New" pitchFamily="49"/>
+              <a:buChar char="_"/>
+            </a:pPr>
+            <a:endParaRPr lang="nl-NL" dirty="0">
+              <a:solidFill>
+                <a:srgbClr val="00FF00"/>
+              </a:solidFill>
+              <a:latin typeface="Courier New" pitchFamily="49"/>
+              <a:cs typeface="Courier New" pitchFamily="49"/>
+            </a:endParaRPr>
+          </a:p>
+          <a:p>
+            <a:pPr lvl="0">
+              <a:buFont typeface="Courier New" pitchFamily="49"/>
+              <a:buChar char="_"/>
+            </a:pPr>
+            <a:r>
+              <a:rPr lang="nl-NL" dirty="0" err="1">
+                <a:solidFill>
+                  <a:srgbClr val="00FF00"/>
+                </a:solidFill>
+                <a:latin typeface="Courier New" pitchFamily="49"/>
+                <a:cs typeface="Courier New" pitchFamily="49"/>
+              </a:rPr>
+              <a:t>Exercises</a:t>
+            </a:r>
+            <a:r>
+              <a:rPr lang="nl-NL" dirty="0">
+                <a:solidFill>
+                  <a:srgbClr val="00FF00"/>
+                </a:solidFill>
+                <a:latin typeface="Courier New" pitchFamily="49"/>
+                <a:cs typeface="Courier New" pitchFamily="49"/>
+              </a:rPr>
+              <a:t> are </a:t>
+            </a:r>
+            <a:r>
+              <a:rPr lang="nl-NL" dirty="0" err="1">
+                <a:solidFill>
+                  <a:srgbClr val="00FF00"/>
+                </a:solidFill>
+                <a:latin typeface="Courier New" pitchFamily="49"/>
+                <a:cs typeface="Courier New" pitchFamily="49"/>
+              </a:rPr>
+              <a:t>defined</a:t>
+            </a:r>
+            <a:r>
+              <a:rPr lang="nl-NL" dirty="0">
+                <a:solidFill>
+                  <a:srgbClr val="00FF00"/>
+                </a:solidFill>
+                <a:latin typeface="Courier New" pitchFamily="49"/>
+                <a:cs typeface="Courier New" pitchFamily="49"/>
+              </a:rPr>
+              <a:t> in </a:t>
+            </a:r>
+            <a:r>
+              <a:rPr lang="nl-NL" dirty="0" err="1">
+                <a:solidFill>
+                  <a:srgbClr val="00FF00"/>
+                </a:solidFill>
+                <a:latin typeface="Courier New" pitchFamily="49"/>
+                <a:cs typeface="Courier New" pitchFamily="49"/>
+              </a:rPr>
+              <a:t>the</a:t>
+            </a:r>
+            <a:r>
+              <a:rPr lang="nl-NL" dirty="0">
+                <a:solidFill>
+                  <a:srgbClr val="00FF00"/>
+                </a:solidFill>
+                <a:latin typeface="Courier New" pitchFamily="49"/>
+                <a:cs typeface="Courier New" pitchFamily="49"/>
+              </a:rPr>
+              <a:t> </a:t>
+            </a:r>
+            <a:r>
+              <a:rPr lang="nl-NL" dirty="0" err="1">
+                <a:solidFill>
+                  <a:srgbClr val="00FF00"/>
+                </a:solidFill>
+                <a:latin typeface="Courier New" pitchFamily="49"/>
+                <a:cs typeface="Courier New" pitchFamily="49"/>
+              </a:rPr>
+              <a:t>comments</a:t>
+            </a:r>
+            <a:endParaRPr lang="nl-NL" dirty="0">
+              <a:solidFill>
+                <a:srgbClr val="00FF00"/>
+              </a:solidFill>
+              <a:latin typeface="Courier New" pitchFamily="49"/>
+              <a:cs typeface="Courier New" pitchFamily="49"/>
+            </a:endParaRPr>
+          </a:p>
+          <a:p>
+            <a:pPr lvl="0">
+              <a:buFont typeface="Courier New" pitchFamily="49"/>
+              <a:buChar char="_"/>
+            </a:pPr>
+            <a:endParaRPr lang="nl-NL" dirty="0">
+              <a:solidFill>
+                <a:srgbClr val="00FF00"/>
+              </a:solidFill>
+              <a:latin typeface="Courier New" pitchFamily="49"/>
+              <a:cs typeface="Courier New" pitchFamily="49"/>
+            </a:endParaRPr>
+          </a:p>
+          <a:p>
+            <a:pPr lvl="0">
+              <a:buFont typeface="Courier New" pitchFamily="49"/>
+              <a:buChar char="_"/>
+            </a:pPr>
+            <a:r>
+              <a:rPr lang="nl-NL" dirty="0" err="1">
+                <a:solidFill>
+                  <a:srgbClr val="00FF00"/>
+                </a:solidFill>
+                <a:latin typeface="Courier New" pitchFamily="49"/>
+                <a:cs typeface="Courier New" pitchFamily="49"/>
+              </a:rPr>
+              <a:t>Verify</a:t>
+            </a:r>
+            <a:r>
+              <a:rPr lang="nl-NL" dirty="0">
+                <a:solidFill>
+                  <a:srgbClr val="00FF00"/>
+                </a:solidFill>
+                <a:latin typeface="Courier New" pitchFamily="49"/>
+                <a:cs typeface="Courier New" pitchFamily="49"/>
+              </a:rPr>
+              <a:t> </a:t>
+            </a:r>
+            <a:r>
+              <a:rPr lang="nl-NL" dirty="0" err="1">
+                <a:solidFill>
+                  <a:srgbClr val="00FF00"/>
+                </a:solidFill>
+                <a:latin typeface="Courier New" pitchFamily="49"/>
+                <a:cs typeface="Courier New" pitchFamily="49"/>
+              </a:rPr>
+              <a:t>your</a:t>
+            </a:r>
+            <a:r>
+              <a:rPr lang="nl-NL" dirty="0">
+                <a:solidFill>
+                  <a:srgbClr val="00FF00"/>
+                </a:solidFill>
+                <a:latin typeface="Courier New" pitchFamily="49"/>
+                <a:cs typeface="Courier New" pitchFamily="49"/>
+              </a:rPr>
+              <a:t> solution </a:t>
+            </a:r>
+            <a:r>
+              <a:rPr lang="nl-NL" dirty="0" err="1">
+                <a:solidFill>
+                  <a:srgbClr val="00FF00"/>
+                </a:solidFill>
+                <a:latin typeface="Courier New" pitchFamily="49"/>
+                <a:cs typeface="Courier New" pitchFamily="49"/>
+              </a:rPr>
+              <a:t>by</a:t>
+            </a:r>
+            <a:r>
+              <a:rPr lang="nl-NL" dirty="0">
+                <a:solidFill>
+                  <a:srgbClr val="00FF00"/>
+                </a:solidFill>
+                <a:latin typeface="Courier New" pitchFamily="49"/>
+                <a:cs typeface="Courier New" pitchFamily="49"/>
+              </a:rPr>
+              <a:t> running </a:t>
+            </a:r>
+            <a:r>
+              <a:rPr lang="nl-NL" dirty="0" err="1">
+                <a:solidFill>
+                  <a:srgbClr val="00FF00"/>
+                </a:solidFill>
+                <a:latin typeface="Courier New" pitchFamily="49"/>
+                <a:cs typeface="Courier New" pitchFamily="49"/>
+              </a:rPr>
+              <a:t>the</a:t>
+            </a:r>
+            <a:r>
+              <a:rPr lang="nl-NL" dirty="0">
+                <a:solidFill>
+                  <a:srgbClr val="00FF00"/>
+                </a:solidFill>
+                <a:latin typeface="Courier New" pitchFamily="49"/>
+                <a:cs typeface="Courier New" pitchFamily="49"/>
+              </a:rPr>
+              <a:t> tests</a:t>
+            </a:r>
+          </a:p>
+          <a:p>
+            <a:pPr lvl="0">
+              <a:buFont typeface="Courier New" pitchFamily="49"/>
+              <a:buChar char="_"/>
+            </a:pPr>
+            <a:endParaRPr lang="nl-NL" dirty="0">
+              <a:solidFill>
+                <a:srgbClr val="00FF00"/>
+              </a:solidFill>
+              <a:latin typeface="Courier New" pitchFamily="49"/>
+              <a:cs typeface="Courier New" pitchFamily="49"/>
+            </a:endParaRPr>
+          </a:p>
+          <a:p>
+            <a:pPr lvl="0">
+              <a:buFont typeface="Courier New" pitchFamily="49"/>
+              <a:buChar char="_"/>
+            </a:pPr>
+            <a:endParaRPr lang="nl-NL" dirty="0">
+              <a:solidFill>
+                <a:srgbClr val="00FF00"/>
+              </a:solidFill>
+              <a:latin typeface="Courier New" pitchFamily="49"/>
+              <a:cs typeface="Courier New" pitchFamily="49"/>
+            </a:endParaRPr>
+          </a:p>
+          <a:p>
+            <a:pPr lvl="0">
+              <a:buFont typeface="Courier New" pitchFamily="49"/>
+              <a:buChar char="_"/>
+            </a:pPr>
+            <a:endParaRPr lang="nl-NL" dirty="0">
+              <a:solidFill>
+                <a:srgbClr val="00FF00"/>
+              </a:solidFill>
+              <a:latin typeface="Courier New" pitchFamily="49"/>
+              <a:cs typeface="Courier New" pitchFamily="49"/>
+            </a:endParaRPr>
+          </a:p>
+          <a:p>
+            <a:pPr lvl="0">
+              <a:buFont typeface="Courier New" pitchFamily="49"/>
+              <a:buChar char="_"/>
+            </a:pPr>
+            <a:endParaRPr lang="nl-NL" dirty="0">
+              <a:solidFill>
+                <a:srgbClr val="00FF00"/>
+              </a:solidFill>
+              <a:latin typeface="Courier New" pitchFamily="49"/>
+              <a:cs typeface="Courier New" pitchFamily="49"/>
+            </a:endParaRPr>
+          </a:p>
+          <a:p>
+            <a:pPr lvl="0">
+              <a:buFont typeface="Courier New" pitchFamily="49"/>
+              <a:buChar char="_"/>
+            </a:pPr>
+            <a:endParaRPr lang="nl-NL" dirty="0">
+              <a:solidFill>
+                <a:srgbClr val="00FF00"/>
+              </a:solidFill>
+              <a:latin typeface="Courier New" pitchFamily="49"/>
+              <a:cs typeface="Courier New" pitchFamily="49"/>
+            </a:endParaRPr>
+          </a:p>
+        </p:txBody>
+      </p:sp>
+    </p:spTree>
+  </p:cSld>
+  <p:clrMapOvr>
+    <a:masterClrMapping/>
+  </p:clrMapOvr>
+</p:sld>
+</file>
+
+<file path=ppt/slides/slide23.xml><?xml version="1.0" encoding="utf-8"?>
+<p:sld xmlns:a="http://schemas.openxmlformats.org/drawingml/2006/main" xmlns:r="http://schemas.openxmlformats.org/officeDocument/2006/relationships" xmlns:p="http://schemas.openxmlformats.org/presentationml/2006/main">
+  <p:cSld name="Slide51">
+    <p:bg>
+      <p:bgPr>
+        <a:solidFill>
+          <a:srgbClr val="000000"/>
+        </a:solidFill>
+        <a:effectLst/>
+      </p:bgPr>
+    </p:bg>
+    <p:spTree>
+      <p:nvGrpSpPr>
+        <p:cNvPr id="1" name=""/>
+        <p:cNvGrpSpPr/>
+        <p:nvPr/>
+      </p:nvGrpSpPr>
+      <p:grpSpPr>
+        <a:xfrm>
+          <a:off x="0" y="0"/>
+          <a:ext cx="0" cy="0"/>
+          <a:chOff x="0" y="0"/>
+          <a:chExt cx="0" cy="0"/>
+        </a:xfrm>
+      </p:grpSpPr>
+      <p:sp>
+        <p:nvSpPr>
+          <p:cNvPr id="2" name="Title 1">
+            <a:extLst>
+              <a:ext uri="{FF2B5EF4-FFF2-40B4-BE49-F238E27FC236}">
+                <a16:creationId xmlns:a16="http://schemas.microsoft.com/office/drawing/2014/main" id="{0508229A-D2A9-434E-8091-D7A818FB6F25}"/>
+              </a:ext>
+            </a:extLst>
+          </p:cNvPr>
+          <p:cNvSpPr txBox="1">
+            <a:spLocks noGrp="1"/>
+          </p:cNvSpPr>
+          <p:nvPr>
+            <p:ph type="ctrTitle"/>
+          </p:nvPr>
+        </p:nvSpPr>
+        <p:spPr/>
+        <p:txBody>
+          <a:bodyPr/>
+          <a:lstStyle/>
+          <a:p>
+            <a:pPr lvl="0"/>
+            <a:r>
+              <a:rPr lang="nl-NL" dirty="0">
+                <a:solidFill>
+                  <a:srgbClr val="00FF00"/>
+                </a:solidFill>
+                <a:latin typeface="Courier New" pitchFamily="49"/>
+                <a:cs typeface="Courier New" pitchFamily="49"/>
+              </a:rPr>
+              <a:t>CONTINUE HERE</a:t>
+            </a:r>
+          </a:p>
+        </p:txBody>
+      </p:sp>
+      <p:sp>
+        <p:nvSpPr>
+          <p:cNvPr id="5" name="Subtitle 4">
+            <a:extLst>
+              <a:ext uri="{FF2B5EF4-FFF2-40B4-BE49-F238E27FC236}">
+                <a16:creationId xmlns:a16="http://schemas.microsoft.com/office/drawing/2014/main" id="{6D5A54D7-7497-4294-9F70-89D29246BBA1}"/>
+              </a:ext>
+            </a:extLst>
+          </p:cNvPr>
+          <p:cNvSpPr>
+            <a:spLocks noGrp="1"/>
+          </p:cNvSpPr>
+          <p:nvPr>
+            <p:ph type="subTitle" idx="1"/>
+          </p:nvPr>
+        </p:nvSpPr>
+        <p:spPr/>
+        <p:txBody>
+          <a:bodyPr/>
+          <a:lstStyle/>
+          <a:p>
+            <a:endParaRPr lang="nl-NL"/>
           </a:p>
         </p:txBody>
       </p:sp>

--- a/wiremock_workshop.pptx
+++ b/wiremock_workshop.pptx
@@ -30,13 +30,13 @@
     <p:sldId id="305" r:id="rId21"/>
     <p:sldId id="338" r:id="rId22"/>
     <p:sldId id="294" r:id="rId23"/>
-    <p:sldId id="306" r:id="rId24"/>
-    <p:sldId id="311" r:id="rId25"/>
-    <p:sldId id="312" r:id="rId26"/>
-    <p:sldId id="313" r:id="rId27"/>
-    <p:sldId id="331" r:id="rId28"/>
-    <p:sldId id="314" r:id="rId29"/>
-    <p:sldId id="315" r:id="rId30"/>
+    <p:sldId id="311" r:id="rId24"/>
+    <p:sldId id="312" r:id="rId25"/>
+    <p:sldId id="313" r:id="rId26"/>
+    <p:sldId id="331" r:id="rId27"/>
+    <p:sldId id="314" r:id="rId28"/>
+    <p:sldId id="315" r:id="rId29"/>
+    <p:sldId id="306" r:id="rId30"/>
     <p:sldId id="316" r:id="rId31"/>
     <p:sldId id="317" r:id="rId32"/>
     <p:sldId id="318" r:id="rId33"/>
@@ -304,7 +304,7 @@
             <a:fld id="{933C1985-CC60-4502-8ECC-8A39609F1E28}" type="datetime1">
               <a:rPr lang="nl-NL"/>
               <a:pPr lvl="0"/>
-              <a:t>24-8-2018</a:t>
+              <a:t>30-8-2018</a:t>
             </a:fld>
             <a:endParaRPr lang="nl-NL"/>
           </a:p>
@@ -1236,7 +1236,7 @@
             <a:fld id="{19D221E3-8E68-4F1C-A103-A0B6C8B9662E}" type="datetime1">
               <a:rPr lang="nl-NL"/>
               <a:pPr lvl="0"/>
-              <a:t>24-8-2018</a:t>
+              <a:t>30-8-2018</a:t>
             </a:fld>
             <a:endParaRPr lang="nl-NL"/>
           </a:p>
@@ -1473,7 +1473,7 @@
             <a:fld id="{822E0BF5-BE88-44A4-BA94-982271F97C3D}" type="datetime1">
               <a:rPr lang="nl-NL"/>
               <a:pPr lvl="0"/>
-              <a:t>24-8-2018</a:t>
+              <a:t>30-8-2018</a:t>
             </a:fld>
             <a:endParaRPr lang="nl-NL"/>
           </a:p>
@@ -1719,7 +1719,7 @@
             <a:fld id="{B9232680-D045-46AA-BEF7-C3F631B40446}" type="datetime1">
               <a:rPr lang="nl-NL"/>
               <a:pPr lvl="0"/>
-              <a:t>24-8-2018</a:t>
+              <a:t>30-8-2018</a:t>
             </a:fld>
             <a:endParaRPr lang="nl-NL"/>
           </a:p>
@@ -1955,7 +1955,7 @@
             <a:fld id="{74E63D54-33BC-47E5-ADB1-BB0B7298DA8F}" type="datetime1">
               <a:rPr lang="nl-NL"/>
               <a:pPr lvl="0"/>
-              <a:t>24-8-2018</a:t>
+              <a:t>30-8-2018</a:t>
             </a:fld>
             <a:endParaRPr lang="nl-NL"/>
           </a:p>
@@ -2166,7 +2166,7 @@
             <a:fld id="{30925ABE-D3D0-404A-A142-4AD3A33711F1}" type="datetime1">
               <a:rPr lang="nl-NL"/>
               <a:pPr lvl="0"/>
-              <a:t>24-8-2018</a:t>
+              <a:t>30-8-2018</a:t>
             </a:fld>
             <a:endParaRPr lang="nl-NL"/>
           </a:p>
@@ -2486,7 +2486,7 @@
             <a:fld id="{CF7C870A-C5CE-4B9C-8879-AA59D721C7B0}" type="datetime1">
               <a:rPr lang="nl-NL"/>
               <a:pPr lvl="0"/>
-              <a:t>24-8-2018</a:t>
+              <a:t>30-8-2018</a:t>
             </a:fld>
             <a:endParaRPr lang="nl-NL"/>
           </a:p>
@@ -2890,7 +2890,7 @@
             <a:fld id="{9B8CBA01-D750-4027-AD4F-F8BBD96EFE00}" type="datetime1">
               <a:rPr lang="nl-NL"/>
               <a:pPr lvl="0"/>
-              <a:t>24-8-2018</a:t>
+              <a:t>30-8-2018</a:t>
             </a:fld>
             <a:endParaRPr lang="nl-NL"/>
           </a:p>
@@ -3053,7 +3053,7 @@
             <a:fld id="{F094EFB8-CC71-4E7E-9D6F-4AF06728B1E2}" type="datetime1">
               <a:rPr lang="nl-NL"/>
               <a:pPr lvl="0"/>
-              <a:t>24-8-2018</a:t>
+              <a:t>30-8-2018</a:t>
             </a:fld>
             <a:endParaRPr lang="nl-NL"/>
           </a:p>
@@ -3181,7 +3181,7 @@
             <a:fld id="{8B2D0485-9F03-42A6-AEAF-640E1E801316}" type="datetime1">
               <a:rPr lang="nl-NL"/>
               <a:pPr lvl="0"/>
-              <a:t>24-8-2018</a:t>
+              <a:t>30-8-2018</a:t>
             </a:fld>
             <a:endParaRPr lang="nl-NL"/>
           </a:p>
@@ -3466,7 +3466,7 @@
             <a:fld id="{7E16F5C2-4DDC-41E9-9E83-12B283FFD3EC}" type="datetime1">
               <a:rPr lang="nl-NL"/>
               <a:pPr lvl="0"/>
-              <a:t>24-8-2018</a:t>
+              <a:t>30-8-2018</a:t>
             </a:fld>
             <a:endParaRPr lang="nl-NL"/>
           </a:p>
@@ -3708,7 +3708,7 @@
             <a:fld id="{787BCDFB-3AD3-4B04-8CEB-D3DE0C540ABF}" type="datetime1">
               <a:rPr lang="nl-NL"/>
               <a:pPr lvl="0"/>
-              <a:t>24-8-2018</a:t>
+              <a:t>30-8-2018</a:t>
             </a:fld>
             <a:endParaRPr lang="nl-NL"/>
           </a:p>
@@ -3991,7 +3991,7 @@
             <a:fld id="{DE0E4D8D-E244-449F-9212-68A908B9804D}" type="datetime1">
               <a:rPr lang="nl-NL"/>
               <a:pPr lvl="0"/>
-              <a:t>24-8-2018</a:t>
+              <a:t>30-8-2018</a:t>
             </a:fld>
             <a:endParaRPr lang="nl-NL"/>
           </a:p>
@@ -10204,99 +10204,6 @@
 
 <file path=ppt/slides/slide23.xml><?xml version="1.0" encoding="utf-8"?>
 <p:sld xmlns:a="http://schemas.openxmlformats.org/drawingml/2006/main" xmlns:r="http://schemas.openxmlformats.org/officeDocument/2006/relationships" xmlns:p="http://schemas.openxmlformats.org/presentationml/2006/main">
-  <p:cSld name="Slide51">
-    <p:bg>
-      <p:bgPr>
-        <a:solidFill>
-          <a:srgbClr val="000000"/>
-        </a:solidFill>
-        <a:effectLst/>
-      </p:bgPr>
-    </p:bg>
-    <p:spTree>
-      <p:nvGrpSpPr>
-        <p:cNvPr id="1" name=""/>
-        <p:cNvGrpSpPr/>
-        <p:nvPr/>
-      </p:nvGrpSpPr>
-      <p:grpSpPr>
-        <a:xfrm>
-          <a:off x="0" y="0"/>
-          <a:ext cx="0" cy="0"/>
-          <a:chOff x="0" y="0"/>
-          <a:chExt cx="0" cy="0"/>
-        </a:xfrm>
-      </p:grpSpPr>
-      <p:sp>
-        <p:nvSpPr>
-          <p:cNvPr id="2" name="Title 1">
-            <a:extLst>
-              <a:ext uri="{FF2B5EF4-FFF2-40B4-BE49-F238E27FC236}">
-                <a16:creationId xmlns:a16="http://schemas.microsoft.com/office/drawing/2014/main" id="{0508229A-D2A9-434E-8091-D7A818FB6F25}"/>
-              </a:ext>
-            </a:extLst>
-          </p:cNvPr>
-          <p:cNvSpPr txBox="1">
-            <a:spLocks noGrp="1"/>
-          </p:cNvSpPr>
-          <p:nvPr>
-            <p:ph type="ctrTitle"/>
-          </p:nvPr>
-        </p:nvSpPr>
-        <p:spPr/>
-        <p:txBody>
-          <a:bodyPr/>
-          <a:lstStyle/>
-          <a:p>
-            <a:pPr lvl="0"/>
-            <a:r>
-              <a:rPr lang="nl-NL" dirty="0">
-                <a:solidFill>
-                  <a:srgbClr val="00FF00"/>
-                </a:solidFill>
-                <a:latin typeface="Courier New" pitchFamily="49"/>
-                <a:cs typeface="Courier New" pitchFamily="49"/>
-              </a:rPr>
-              <a:t>CONTINUE HERE</a:t>
-            </a:r>
-          </a:p>
-        </p:txBody>
-      </p:sp>
-      <p:sp>
-        <p:nvSpPr>
-          <p:cNvPr id="5" name="Subtitle 4">
-            <a:extLst>
-              <a:ext uri="{FF2B5EF4-FFF2-40B4-BE49-F238E27FC236}">
-                <a16:creationId xmlns:a16="http://schemas.microsoft.com/office/drawing/2014/main" id="{6D5A54D7-7497-4294-9F70-89D29246BBA1}"/>
-              </a:ext>
-            </a:extLst>
-          </p:cNvPr>
-          <p:cNvSpPr>
-            <a:spLocks noGrp="1"/>
-          </p:cNvSpPr>
-          <p:nvPr>
-            <p:ph type="subTitle" idx="1"/>
-          </p:nvPr>
-        </p:nvSpPr>
-        <p:spPr/>
-        <p:txBody>
-          <a:bodyPr/>
-          <a:lstStyle/>
-          <a:p>
-            <a:endParaRPr lang="nl-NL"/>
-          </a:p>
-        </p:txBody>
-      </p:sp>
-    </p:spTree>
-  </p:cSld>
-  <p:clrMapOvr>
-    <a:masterClrMapping/>
-  </p:clrMapOvr>
-</p:sld>
-</file>
-
-<file path=ppt/slides/slide24.xml><?xml version="1.0" encoding="utf-8"?>
-<p:sld xmlns:a="http://schemas.openxmlformats.org/drawingml/2006/main" xmlns:r="http://schemas.openxmlformats.org/officeDocument/2006/relationships" xmlns:p="http://schemas.openxmlformats.org/presentationml/2006/main">
   <p:cSld name="Slide56">
     <p:bg>
       <p:bgPr>
@@ -10386,43 +10293,230 @@
               <a:buChar char="_"/>
             </a:pPr>
             <a:r>
-              <a:rPr lang="nl-NL">
-                <a:solidFill>
-                  <a:srgbClr val="00FF00"/>
-                </a:solidFill>
-                <a:latin typeface="Courier New" pitchFamily="49"/>
-                <a:cs typeface="Courier New" pitchFamily="49"/>
-              </a:rPr>
-              <a:t>Determine response to be sent based on specific request characteristics</a:t>
-            </a:r>
-          </a:p>
-          <a:p>
-            <a:pPr lvl="0">
-              <a:buFont typeface="Courier New" pitchFamily="49"/>
-              <a:buChar char="_"/>
-            </a:pPr>
-            <a:endParaRPr lang="nl-NL">
-              <a:solidFill>
-                <a:srgbClr val="00FF00"/>
-              </a:solidFill>
-              <a:latin typeface="Courier New" pitchFamily="49"/>
-              <a:cs typeface="Courier New" pitchFamily="49"/>
-            </a:endParaRPr>
-          </a:p>
-          <a:p>
-            <a:pPr lvl="0">
-              <a:buFont typeface="Courier New" pitchFamily="49"/>
-              <a:buChar char="_"/>
-            </a:pPr>
-            <a:r>
-              <a:rPr lang="nl-NL">
-                <a:solidFill>
-                  <a:srgbClr val="00FF00"/>
-                </a:solidFill>
-                <a:latin typeface="Courier New" pitchFamily="49"/>
-                <a:cs typeface="Courier New" pitchFamily="49"/>
-              </a:rPr>
-              <a:t>Options:</a:t>
+              <a:rPr lang="nl-NL" dirty="0" err="1">
+                <a:solidFill>
+                  <a:srgbClr val="00FF00"/>
+                </a:solidFill>
+                <a:latin typeface="Courier New" pitchFamily="49"/>
+                <a:cs typeface="Courier New" pitchFamily="49"/>
+              </a:rPr>
+              <a:t>Send</a:t>
+            </a:r>
+            <a:r>
+              <a:rPr lang="nl-NL" dirty="0">
+                <a:solidFill>
+                  <a:srgbClr val="00FF00"/>
+                </a:solidFill>
+                <a:latin typeface="Courier New" pitchFamily="49"/>
+                <a:cs typeface="Courier New" pitchFamily="49"/>
+              </a:rPr>
+              <a:t> a response </a:t>
+            </a:r>
+            <a:r>
+              <a:rPr lang="nl-NL" dirty="0" err="1">
+                <a:solidFill>
+                  <a:srgbClr val="00FF00"/>
+                </a:solidFill>
+                <a:latin typeface="Courier New" pitchFamily="49"/>
+                <a:cs typeface="Courier New" pitchFamily="49"/>
+              </a:rPr>
+              <a:t>only</a:t>
+            </a:r>
+            <a:r>
+              <a:rPr lang="nl-NL" dirty="0">
+                <a:solidFill>
+                  <a:srgbClr val="00FF00"/>
+                </a:solidFill>
+                <a:latin typeface="Courier New" pitchFamily="49"/>
+                <a:cs typeface="Courier New" pitchFamily="49"/>
+              </a:rPr>
+              <a:t> </a:t>
+            </a:r>
+            <a:r>
+              <a:rPr lang="nl-NL" dirty="0" err="1">
+                <a:solidFill>
+                  <a:srgbClr val="00FF00"/>
+                </a:solidFill>
+                <a:latin typeface="Courier New" pitchFamily="49"/>
+                <a:cs typeface="Courier New" pitchFamily="49"/>
+              </a:rPr>
+              <a:t>when</a:t>
+            </a:r>
+            <a:r>
+              <a:rPr lang="nl-NL" dirty="0">
+                <a:solidFill>
+                  <a:srgbClr val="00FF00"/>
+                </a:solidFill>
+                <a:latin typeface="Courier New" pitchFamily="49"/>
+                <a:cs typeface="Courier New" pitchFamily="49"/>
+              </a:rPr>
+              <a:t> </a:t>
+            </a:r>
+            <a:r>
+              <a:rPr lang="nl-NL" dirty="0" err="1">
+                <a:solidFill>
+                  <a:srgbClr val="00FF00"/>
+                </a:solidFill>
+                <a:latin typeface="Courier New" pitchFamily="49"/>
+                <a:cs typeface="Courier New" pitchFamily="49"/>
+              </a:rPr>
+              <a:t>certain</a:t>
+            </a:r>
+            <a:r>
+              <a:rPr lang="nl-NL" dirty="0">
+                <a:solidFill>
+                  <a:srgbClr val="00FF00"/>
+                </a:solidFill>
+                <a:latin typeface="Courier New" pitchFamily="49"/>
+                <a:cs typeface="Courier New" pitchFamily="49"/>
+              </a:rPr>
+              <a:t> </a:t>
+            </a:r>
+            <a:r>
+              <a:rPr lang="nl-NL" dirty="0" err="1">
+                <a:solidFill>
+                  <a:srgbClr val="00FF00"/>
+                </a:solidFill>
+                <a:latin typeface="Courier New" pitchFamily="49"/>
+                <a:cs typeface="Courier New" pitchFamily="49"/>
+              </a:rPr>
+              <a:t>properties</a:t>
+            </a:r>
+            <a:r>
+              <a:rPr lang="nl-NL" dirty="0">
+                <a:solidFill>
+                  <a:srgbClr val="00FF00"/>
+                </a:solidFill>
+                <a:latin typeface="Courier New" pitchFamily="49"/>
+                <a:cs typeface="Courier New" pitchFamily="49"/>
+              </a:rPr>
+              <a:t> in </a:t>
+            </a:r>
+            <a:r>
+              <a:rPr lang="nl-NL" dirty="0" err="1">
+                <a:solidFill>
+                  <a:srgbClr val="00FF00"/>
+                </a:solidFill>
+                <a:latin typeface="Courier New" pitchFamily="49"/>
+                <a:cs typeface="Courier New" pitchFamily="49"/>
+              </a:rPr>
+              <a:t>the</a:t>
+            </a:r>
+            <a:r>
+              <a:rPr lang="nl-NL" dirty="0">
+                <a:solidFill>
+                  <a:srgbClr val="00FF00"/>
+                </a:solidFill>
+                <a:latin typeface="Courier New" pitchFamily="49"/>
+                <a:cs typeface="Courier New" pitchFamily="49"/>
+              </a:rPr>
+              <a:t> </a:t>
+            </a:r>
+            <a:r>
+              <a:rPr lang="nl-NL" dirty="0" err="1">
+                <a:solidFill>
+                  <a:srgbClr val="00FF00"/>
+                </a:solidFill>
+                <a:latin typeface="Courier New" pitchFamily="49"/>
+                <a:cs typeface="Courier New" pitchFamily="49"/>
+              </a:rPr>
+              <a:t>request</a:t>
+            </a:r>
+            <a:r>
+              <a:rPr lang="nl-NL" dirty="0">
+                <a:solidFill>
+                  <a:srgbClr val="00FF00"/>
+                </a:solidFill>
+                <a:latin typeface="Courier New" pitchFamily="49"/>
+                <a:cs typeface="Courier New" pitchFamily="49"/>
+              </a:rPr>
+              <a:t> are </a:t>
+            </a:r>
+            <a:r>
+              <a:rPr lang="nl-NL" dirty="0" err="1">
+                <a:solidFill>
+                  <a:srgbClr val="00FF00"/>
+                </a:solidFill>
+                <a:latin typeface="Courier New" pitchFamily="49"/>
+                <a:cs typeface="Courier New" pitchFamily="49"/>
+              </a:rPr>
+              <a:t>matched</a:t>
+            </a:r>
+            <a:endParaRPr lang="nl-NL" dirty="0">
+              <a:solidFill>
+                <a:srgbClr val="00FF00"/>
+              </a:solidFill>
+              <a:latin typeface="Courier New" pitchFamily="49"/>
+              <a:cs typeface="Courier New" pitchFamily="49"/>
+            </a:endParaRPr>
+          </a:p>
+          <a:p>
+            <a:pPr lvl="0">
+              <a:buFont typeface="Courier New" pitchFamily="49"/>
+              <a:buChar char="_"/>
+            </a:pPr>
+            <a:endParaRPr lang="nl-NL" dirty="0">
+              <a:solidFill>
+                <a:srgbClr val="00FF00"/>
+              </a:solidFill>
+              <a:latin typeface="Courier New" pitchFamily="49"/>
+              <a:cs typeface="Courier New" pitchFamily="49"/>
+            </a:endParaRPr>
+          </a:p>
+          <a:p>
+            <a:pPr lvl="0">
+              <a:buFont typeface="Courier New" pitchFamily="49"/>
+              <a:buChar char="_"/>
+            </a:pPr>
+            <a:r>
+              <a:rPr lang="nl-NL" dirty="0">
+                <a:solidFill>
+                  <a:srgbClr val="00FF00"/>
+                </a:solidFill>
+                <a:latin typeface="Courier New" pitchFamily="49"/>
+                <a:cs typeface="Courier New" pitchFamily="49"/>
+              </a:rPr>
+              <a:t>Options </a:t>
+            </a:r>
+            <a:r>
+              <a:rPr lang="nl-NL" dirty="0" err="1">
+                <a:solidFill>
+                  <a:srgbClr val="00FF00"/>
+                </a:solidFill>
+                <a:latin typeface="Courier New" pitchFamily="49"/>
+                <a:cs typeface="Courier New" pitchFamily="49"/>
+              </a:rPr>
+              <a:t>for</a:t>
+            </a:r>
+            <a:r>
+              <a:rPr lang="nl-NL" dirty="0">
+                <a:solidFill>
+                  <a:srgbClr val="00FF00"/>
+                </a:solidFill>
+                <a:latin typeface="Courier New" pitchFamily="49"/>
+                <a:cs typeface="Courier New" pitchFamily="49"/>
+              </a:rPr>
+              <a:t> </a:t>
+            </a:r>
+            <a:r>
+              <a:rPr lang="nl-NL" dirty="0" err="1">
+                <a:solidFill>
+                  <a:srgbClr val="00FF00"/>
+                </a:solidFill>
+                <a:latin typeface="Courier New" pitchFamily="49"/>
+                <a:cs typeface="Courier New" pitchFamily="49"/>
+              </a:rPr>
+              <a:t>request</a:t>
+            </a:r>
+            <a:r>
+              <a:rPr lang="nl-NL" dirty="0">
+                <a:solidFill>
+                  <a:srgbClr val="00FF00"/>
+                </a:solidFill>
+                <a:latin typeface="Courier New" pitchFamily="49"/>
+                <a:cs typeface="Courier New" pitchFamily="49"/>
+              </a:rPr>
+              <a:t> matching:</a:t>
             </a:r>
           </a:p>
           <a:p>
@@ -10431,7 +10525,7 @@
               <a:buChar char="_"/>
             </a:pPr>
             <a:r>
-              <a:rPr lang="nl-NL">
+              <a:rPr lang="nl-NL" dirty="0">
                 <a:solidFill>
                   <a:srgbClr val="00FF00"/>
                 </a:solidFill>
@@ -10447,15 +10541,32 @@
               <a:buChar char="_"/>
             </a:pPr>
             <a:r>
-              <a:rPr lang="nl-NL">
-                <a:solidFill>
-                  <a:srgbClr val="00FF00"/>
-                </a:solidFill>
-                <a:latin typeface="Courier New" pitchFamily="49"/>
-                <a:cs typeface="Courier New" pitchFamily="49"/>
-              </a:rPr>
-              <a:t>HTTP method</a:t>
-            </a:r>
+              <a:rPr lang="nl-NL" dirty="0">
+                <a:solidFill>
+                  <a:srgbClr val="00FF00"/>
+                </a:solidFill>
+                <a:latin typeface="Courier New" pitchFamily="49"/>
+                <a:cs typeface="Courier New" pitchFamily="49"/>
+              </a:rPr>
+              <a:t>HTTP </a:t>
+            </a:r>
+            <a:r>
+              <a:rPr lang="nl-NL" dirty="0" err="1">
+                <a:solidFill>
+                  <a:srgbClr val="00FF00"/>
+                </a:solidFill>
+                <a:latin typeface="Courier New" pitchFamily="49"/>
+                <a:cs typeface="Courier New" pitchFamily="49"/>
+              </a:rPr>
+              <a:t>method</a:t>
+            </a:r>
+            <a:endParaRPr lang="nl-NL" dirty="0">
+              <a:solidFill>
+                <a:srgbClr val="00FF00"/>
+              </a:solidFill>
+              <a:latin typeface="Courier New" pitchFamily="49"/>
+              <a:cs typeface="Courier New" pitchFamily="49"/>
+            </a:endParaRPr>
           </a:p>
           <a:p>
             <a:pPr lvl="1">
@@ -10463,7 +10574,7 @@
               <a:buChar char="_"/>
             </a:pPr>
             <a:r>
-              <a:rPr lang="nl-NL">
+              <a:rPr lang="nl-NL" dirty="0">
                 <a:solidFill>
                   <a:srgbClr val="00FF00"/>
                 </a:solidFill>
@@ -10479,7 +10590,7 @@
               <a:buChar char="_"/>
             </a:pPr>
             <a:r>
-              <a:rPr lang="nl-NL">
+              <a:rPr lang="nl-NL" dirty="0">
                 <a:solidFill>
                   <a:srgbClr val="00FF00"/>
                 </a:solidFill>
@@ -10495,15 +10606,42 @@
               <a:buChar char="_"/>
             </a:pPr>
             <a:r>
-              <a:rPr lang="nl-NL">
-                <a:solidFill>
-                  <a:srgbClr val="00FF00"/>
-                </a:solidFill>
-                <a:latin typeface="Courier New" pitchFamily="49"/>
-                <a:cs typeface="Courier New" pitchFamily="49"/>
-              </a:rPr>
-              <a:t>Request body elements</a:t>
-            </a:r>
+              <a:rPr lang="nl-NL" dirty="0" err="1">
+                <a:solidFill>
+                  <a:srgbClr val="00FF00"/>
+                </a:solidFill>
+                <a:latin typeface="Courier New" pitchFamily="49"/>
+                <a:cs typeface="Courier New" pitchFamily="49"/>
+              </a:rPr>
+              <a:t>Request</a:t>
+            </a:r>
+            <a:r>
+              <a:rPr lang="nl-NL" dirty="0">
+                <a:solidFill>
+                  <a:srgbClr val="00FF00"/>
+                </a:solidFill>
+                <a:latin typeface="Courier New" pitchFamily="49"/>
+                <a:cs typeface="Courier New" pitchFamily="49"/>
+              </a:rPr>
+              <a:t> body </a:t>
+            </a:r>
+            <a:r>
+              <a:rPr lang="nl-NL" dirty="0" err="1">
+                <a:solidFill>
+                  <a:srgbClr val="00FF00"/>
+                </a:solidFill>
+                <a:latin typeface="Courier New" pitchFamily="49"/>
+                <a:cs typeface="Courier New" pitchFamily="49"/>
+              </a:rPr>
+              <a:t>elements</a:t>
+            </a:r>
+            <a:endParaRPr lang="nl-NL" dirty="0">
+              <a:solidFill>
+                <a:srgbClr val="00FF00"/>
+              </a:solidFill>
+              <a:latin typeface="Courier New" pitchFamily="49"/>
+              <a:cs typeface="Courier New" pitchFamily="49"/>
+            </a:endParaRPr>
           </a:p>
           <a:p>
             <a:pPr lvl="1">
@@ -10511,7 +10649,7 @@
               <a:buChar char="_"/>
             </a:pPr>
             <a:r>
-              <a:rPr lang="nl-NL">
+              <a:rPr lang="nl-NL" dirty="0">
                 <a:solidFill>
                   <a:srgbClr val="00FF00"/>
                 </a:solidFill>
@@ -10531,7 +10669,7 @@
 </p:sld>
 </file>
 
-<file path=ppt/slides/slide25.xml><?xml version="1.0" encoding="utf-8"?>
+<file path=ppt/slides/slide24.xml><?xml version="1.0" encoding="utf-8"?>
 <p:sld xmlns:a="http://schemas.openxmlformats.org/drawingml/2006/main" xmlns:r="http://schemas.openxmlformats.org/officeDocument/2006/relationships" xmlns:p="http://schemas.openxmlformats.org/presentationml/2006/main">
   <p:cSld name="Slide57">
     <p:bg>
@@ -10621,80 +10759,90 @@
               <a:buFont typeface="Courier New" pitchFamily="49"/>
               <a:buChar char="_"/>
             </a:pPr>
-            <a:endParaRPr lang="nl-NL">
-              <a:solidFill>
-                <a:srgbClr val="00FF00"/>
-              </a:solidFill>
-              <a:latin typeface="Courier New" pitchFamily="49"/>
-              <a:cs typeface="Courier New" pitchFamily="49"/>
-            </a:endParaRPr>
-          </a:p>
-          <a:p>
-            <a:pPr lvl="0">
-              <a:buFont typeface="Courier New" pitchFamily="49"/>
-              <a:buChar char="_"/>
-            </a:pPr>
-            <a:endParaRPr lang="nl-NL">
-              <a:solidFill>
-                <a:srgbClr val="00FF00"/>
-              </a:solidFill>
-              <a:latin typeface="Courier New" pitchFamily="49"/>
-              <a:cs typeface="Courier New" pitchFamily="49"/>
-            </a:endParaRPr>
-          </a:p>
-          <a:p>
-            <a:pPr lvl="0">
-              <a:buFont typeface="Courier New" pitchFamily="49"/>
-              <a:buChar char="_"/>
-            </a:pPr>
-            <a:endParaRPr lang="nl-NL">
-              <a:solidFill>
-                <a:srgbClr val="00FF00"/>
-              </a:solidFill>
-              <a:latin typeface="Courier New" pitchFamily="49"/>
-              <a:cs typeface="Courier New" pitchFamily="49"/>
-            </a:endParaRPr>
-          </a:p>
-          <a:p>
-            <a:pPr lvl="0">
-              <a:buFont typeface="Courier New" pitchFamily="49"/>
-              <a:buChar char="_"/>
-            </a:pPr>
-            <a:endParaRPr lang="nl-NL">
-              <a:solidFill>
-                <a:srgbClr val="00FF00"/>
-              </a:solidFill>
-              <a:latin typeface="Courier New" pitchFamily="49"/>
-              <a:cs typeface="Courier New" pitchFamily="49"/>
-            </a:endParaRPr>
-          </a:p>
-          <a:p>
-            <a:pPr lvl="0">
-              <a:buFont typeface="Courier New" pitchFamily="49"/>
-              <a:buChar char="_"/>
-            </a:pPr>
-            <a:endParaRPr lang="nl-NL">
-              <a:solidFill>
-                <a:srgbClr val="00FF00"/>
-              </a:solidFill>
-              <a:latin typeface="Courier New" pitchFamily="49"/>
-              <a:cs typeface="Courier New" pitchFamily="49"/>
-            </a:endParaRPr>
-          </a:p>
-          <a:p>
-            <a:pPr lvl="0">
-              <a:buFont typeface="Courier New" pitchFamily="49"/>
-              <a:buChar char="_"/>
-            </a:pPr>
-            <a:r>
-              <a:rPr lang="nl-NL">
-                <a:solidFill>
-                  <a:srgbClr val="00FF00"/>
-                </a:solidFill>
-                <a:latin typeface="Courier New" pitchFamily="49"/>
-                <a:cs typeface="Courier New" pitchFamily="49"/>
-              </a:rPr>
-              <a:t>Other URL options:</a:t>
+            <a:endParaRPr lang="nl-NL" dirty="0">
+              <a:solidFill>
+                <a:srgbClr val="00FF00"/>
+              </a:solidFill>
+              <a:latin typeface="Courier New" pitchFamily="49"/>
+              <a:cs typeface="Courier New" pitchFamily="49"/>
+            </a:endParaRPr>
+          </a:p>
+          <a:p>
+            <a:pPr lvl="0">
+              <a:buFont typeface="Courier New" pitchFamily="49"/>
+              <a:buChar char="_"/>
+            </a:pPr>
+            <a:endParaRPr lang="nl-NL" dirty="0">
+              <a:solidFill>
+                <a:srgbClr val="00FF00"/>
+              </a:solidFill>
+              <a:latin typeface="Courier New" pitchFamily="49"/>
+              <a:cs typeface="Courier New" pitchFamily="49"/>
+            </a:endParaRPr>
+          </a:p>
+          <a:p>
+            <a:pPr lvl="0">
+              <a:buFont typeface="Courier New" pitchFamily="49"/>
+              <a:buChar char="_"/>
+            </a:pPr>
+            <a:endParaRPr lang="nl-NL" dirty="0">
+              <a:solidFill>
+                <a:srgbClr val="00FF00"/>
+              </a:solidFill>
+              <a:latin typeface="Courier New" pitchFamily="49"/>
+              <a:cs typeface="Courier New" pitchFamily="49"/>
+            </a:endParaRPr>
+          </a:p>
+          <a:p>
+            <a:pPr lvl="0">
+              <a:buFont typeface="Courier New" pitchFamily="49"/>
+              <a:buChar char="_"/>
+            </a:pPr>
+            <a:endParaRPr lang="nl-NL" dirty="0">
+              <a:solidFill>
+                <a:srgbClr val="00FF00"/>
+              </a:solidFill>
+              <a:latin typeface="Courier New" pitchFamily="49"/>
+              <a:cs typeface="Courier New" pitchFamily="49"/>
+            </a:endParaRPr>
+          </a:p>
+          <a:p>
+            <a:pPr lvl="0">
+              <a:buFont typeface="Courier New" pitchFamily="49"/>
+              <a:buChar char="_"/>
+            </a:pPr>
+            <a:endParaRPr lang="nl-NL" dirty="0">
+              <a:solidFill>
+                <a:srgbClr val="00FF00"/>
+              </a:solidFill>
+              <a:latin typeface="Courier New" pitchFamily="49"/>
+              <a:cs typeface="Courier New" pitchFamily="49"/>
+            </a:endParaRPr>
+          </a:p>
+          <a:p>
+            <a:pPr lvl="0">
+              <a:buFont typeface="Courier New" pitchFamily="49"/>
+              <a:buChar char="_"/>
+            </a:pPr>
+            <a:r>
+              <a:rPr lang="nl-NL" dirty="0" err="1">
+                <a:solidFill>
+                  <a:srgbClr val="00FF00"/>
+                </a:solidFill>
+                <a:latin typeface="Courier New" pitchFamily="49"/>
+                <a:cs typeface="Courier New" pitchFamily="49"/>
+              </a:rPr>
+              <a:t>Other</a:t>
+            </a:r>
+            <a:r>
+              <a:rPr lang="nl-NL" dirty="0">
+                <a:solidFill>
+                  <a:srgbClr val="00FF00"/>
+                </a:solidFill>
+                <a:latin typeface="Courier New" pitchFamily="49"/>
+                <a:cs typeface="Courier New" pitchFamily="49"/>
+              </a:rPr>
+              <a:t> URL options:</a:t>
             </a:r>
           </a:p>
           <a:p>
@@ -10703,7 +10851,7 @@
               <a:buChar char="_"/>
             </a:pPr>
             <a:r>
-              <a:rPr lang="nl-NL">
+              <a:rPr lang="nl-NL" dirty="0" err="1">
                 <a:solidFill>
                   <a:srgbClr val="00FF00"/>
                 </a:solidFill>
@@ -10712,6 +10860,56 @@
               </a:rPr>
               <a:t>urlPathEqualTo</a:t>
             </a:r>
+            <a:r>
+              <a:rPr lang="nl-NL" dirty="0">
+                <a:solidFill>
+                  <a:srgbClr val="00FF00"/>
+                </a:solidFill>
+                <a:latin typeface="Courier New" pitchFamily="49"/>
+                <a:cs typeface="Courier New" pitchFamily="49"/>
+              </a:rPr>
+              <a:t> (</a:t>
+            </a:r>
+            <a:r>
+              <a:rPr lang="nl-NL" dirty="0" err="1">
+                <a:solidFill>
+                  <a:srgbClr val="00FF00"/>
+                </a:solidFill>
+                <a:latin typeface="Courier New" pitchFamily="49"/>
+                <a:cs typeface="Courier New" pitchFamily="49"/>
+              </a:rPr>
+              <a:t>using</a:t>
+            </a:r>
+            <a:r>
+              <a:rPr lang="nl-NL" dirty="0">
+                <a:solidFill>
+                  <a:srgbClr val="00FF00"/>
+                </a:solidFill>
+                <a:latin typeface="Courier New" pitchFamily="49"/>
+                <a:cs typeface="Courier New" pitchFamily="49"/>
+              </a:rPr>
+              <a:t> exact </a:t>
+            </a:r>
+            <a:r>
+              <a:rPr lang="nl-NL" dirty="0" err="1">
+                <a:solidFill>
+                  <a:srgbClr val="00FF00"/>
+                </a:solidFill>
+                <a:latin typeface="Courier New" pitchFamily="49"/>
+                <a:cs typeface="Courier New" pitchFamily="49"/>
+              </a:rPr>
+              <a:t>values</a:t>
+            </a:r>
+            <a:r>
+              <a:rPr lang="nl-NL" dirty="0">
+                <a:solidFill>
+                  <a:srgbClr val="00FF00"/>
+                </a:solidFill>
+                <a:latin typeface="Courier New" pitchFamily="49"/>
+                <a:cs typeface="Courier New" pitchFamily="49"/>
+              </a:rPr>
+              <a:t>)</a:t>
+            </a:r>
           </a:p>
           <a:p>
             <a:pPr lvl="1">
@@ -10719,7 +10917,7 @@
               <a:buChar char="_"/>
             </a:pPr>
             <a:r>
-              <a:rPr lang="nl-NL">
+              <a:rPr lang="nl-NL" dirty="0" err="1">
                 <a:solidFill>
                   <a:srgbClr val="00FF00"/>
                 </a:solidFill>
@@ -10728,6 +10926,76 @@
               </a:rPr>
               <a:t>urlMatching</a:t>
             </a:r>
+            <a:r>
+              <a:rPr lang="nl-NL" dirty="0">
+                <a:solidFill>
+                  <a:srgbClr val="00FF00"/>
+                </a:solidFill>
+                <a:latin typeface="Courier New" pitchFamily="49"/>
+                <a:cs typeface="Courier New" pitchFamily="49"/>
+              </a:rPr>
+              <a:t> (</a:t>
+            </a:r>
+            <a:r>
+              <a:rPr lang="nl-NL" dirty="0" err="1">
+                <a:solidFill>
+                  <a:srgbClr val="00FF00"/>
+                </a:solidFill>
+                <a:latin typeface="Courier New" pitchFamily="49"/>
+                <a:cs typeface="Courier New" pitchFamily="49"/>
+              </a:rPr>
+              <a:t>using</a:t>
+            </a:r>
+            <a:r>
+              <a:rPr lang="nl-NL" dirty="0">
+                <a:solidFill>
+                  <a:srgbClr val="00FF00"/>
+                </a:solidFill>
+                <a:latin typeface="Courier New" pitchFamily="49"/>
+                <a:cs typeface="Courier New" pitchFamily="49"/>
+              </a:rPr>
+              <a:t> </a:t>
+            </a:r>
+            <a:r>
+              <a:rPr lang="nl-NL" dirty="0" err="1">
+                <a:solidFill>
+                  <a:srgbClr val="00FF00"/>
+                </a:solidFill>
+                <a:latin typeface="Courier New" pitchFamily="49"/>
+                <a:cs typeface="Courier New" pitchFamily="49"/>
+              </a:rPr>
+              <a:t>regular</a:t>
+            </a:r>
+            <a:r>
+              <a:rPr lang="nl-NL" dirty="0">
+                <a:solidFill>
+                  <a:srgbClr val="00FF00"/>
+                </a:solidFill>
+                <a:latin typeface="Courier New" pitchFamily="49"/>
+                <a:cs typeface="Courier New" pitchFamily="49"/>
+              </a:rPr>
+              <a:t> </a:t>
+            </a:r>
+            <a:r>
+              <a:rPr lang="nl-NL" dirty="0" err="1">
+                <a:solidFill>
+                  <a:srgbClr val="00FF00"/>
+                </a:solidFill>
+                <a:latin typeface="Courier New" pitchFamily="49"/>
+                <a:cs typeface="Courier New" pitchFamily="49"/>
+              </a:rPr>
+              <a:t>expressions</a:t>
+            </a:r>
+            <a:r>
+              <a:rPr lang="nl-NL" dirty="0">
+                <a:solidFill>
+                  <a:srgbClr val="00FF00"/>
+                </a:solidFill>
+                <a:latin typeface="Courier New" pitchFamily="49"/>
+                <a:cs typeface="Courier New" pitchFamily="49"/>
+              </a:rPr>
+              <a:t>)</a:t>
+            </a:r>
           </a:p>
           <a:p>
             <a:pPr lvl="1">
@@ -10735,7 +11003,7 @@
               <a:buChar char="_"/>
             </a:pPr>
             <a:r>
-              <a:rPr lang="nl-NL">
+              <a:rPr lang="nl-NL" dirty="0" err="1">
                 <a:solidFill>
                   <a:srgbClr val="00FF00"/>
                 </a:solidFill>
@@ -10743,6 +11011,76 @@
                 <a:cs typeface="Courier New" pitchFamily="49"/>
               </a:rPr>
               <a:t>urlPathMatching</a:t>
+            </a:r>
+            <a:r>
+              <a:rPr lang="nl-NL" dirty="0">
+                <a:solidFill>
+                  <a:srgbClr val="00FF00"/>
+                </a:solidFill>
+                <a:latin typeface="Courier New" pitchFamily="49"/>
+                <a:cs typeface="Courier New" pitchFamily="49"/>
+              </a:rPr>
+              <a:t> (</a:t>
+            </a:r>
+            <a:r>
+              <a:rPr lang="nl-NL" dirty="0" err="1">
+                <a:solidFill>
+                  <a:srgbClr val="00FF00"/>
+                </a:solidFill>
+                <a:latin typeface="Courier New" pitchFamily="49"/>
+                <a:cs typeface="Courier New" pitchFamily="49"/>
+              </a:rPr>
+              <a:t>using</a:t>
+            </a:r>
+            <a:r>
+              <a:rPr lang="nl-NL" dirty="0">
+                <a:solidFill>
+                  <a:srgbClr val="00FF00"/>
+                </a:solidFill>
+                <a:latin typeface="Courier New" pitchFamily="49"/>
+                <a:cs typeface="Courier New" pitchFamily="49"/>
+              </a:rPr>
+              <a:t> </a:t>
+            </a:r>
+            <a:r>
+              <a:rPr lang="nl-NL" dirty="0" err="1">
+                <a:solidFill>
+                  <a:srgbClr val="00FF00"/>
+                </a:solidFill>
+                <a:latin typeface="Courier New" pitchFamily="49"/>
+                <a:cs typeface="Courier New" pitchFamily="49"/>
+              </a:rPr>
+              <a:t>regular</a:t>
+            </a:r>
+            <a:r>
+              <a:rPr lang="nl-NL" dirty="0">
+                <a:solidFill>
+                  <a:srgbClr val="00FF00"/>
+                </a:solidFill>
+                <a:latin typeface="Courier New" pitchFamily="49"/>
+                <a:cs typeface="Courier New" pitchFamily="49"/>
+              </a:rPr>
+              <a:t> </a:t>
+            </a:r>
+            <a:r>
+              <a:rPr lang="nl-NL" dirty="0" err="1">
+                <a:solidFill>
+                  <a:srgbClr val="00FF00"/>
+                </a:solidFill>
+                <a:latin typeface="Courier New" pitchFamily="49"/>
+                <a:cs typeface="Courier New" pitchFamily="49"/>
+              </a:rPr>
+              <a:t>expressions</a:t>
+            </a:r>
+            <a:r>
+              <a:rPr lang="nl-NL" dirty="0">
+                <a:solidFill>
+                  <a:srgbClr val="00FF00"/>
+                </a:solidFill>
+                <a:latin typeface="Courier New" pitchFamily="49"/>
+                <a:cs typeface="Courier New" pitchFamily="49"/>
+              </a:rPr>
+              <a:t>)</a:t>
             </a:r>
           </a:p>
         </p:txBody>
@@ -10789,7 +11127,7 @@
 </p:sld>
 </file>
 
-<file path=ppt/slides/slide26.xml><?xml version="1.0" encoding="utf-8"?>
+<file path=ppt/slides/slide25.xml><?xml version="1.0" encoding="utf-8"?>
 <p:sld xmlns:a="http://schemas.openxmlformats.org/drawingml/2006/main" xmlns:r="http://schemas.openxmlformats.org/officeDocument/2006/relationships" xmlns:p="http://schemas.openxmlformats.org/presentationml/2006/main">
   <p:cSld name="Slide58">
     <p:bg>
@@ -10879,80 +11217,110 @@
               <a:buFont typeface="Courier New" pitchFamily="49"/>
               <a:buChar char="_"/>
             </a:pPr>
-            <a:endParaRPr lang="nl-NL">
-              <a:solidFill>
-                <a:srgbClr val="00FF00"/>
-              </a:solidFill>
-              <a:latin typeface="Courier New" pitchFamily="49"/>
-              <a:cs typeface="Courier New" pitchFamily="49"/>
-            </a:endParaRPr>
-          </a:p>
-          <a:p>
-            <a:pPr lvl="0">
-              <a:buFont typeface="Courier New" pitchFamily="49"/>
-              <a:buChar char="_"/>
-            </a:pPr>
-            <a:endParaRPr lang="nl-NL">
-              <a:solidFill>
-                <a:srgbClr val="00FF00"/>
-              </a:solidFill>
-              <a:latin typeface="Courier New" pitchFamily="49"/>
-              <a:cs typeface="Courier New" pitchFamily="49"/>
-            </a:endParaRPr>
-          </a:p>
-          <a:p>
-            <a:pPr lvl="0">
-              <a:buFont typeface="Courier New" pitchFamily="49"/>
-              <a:buChar char="_"/>
-            </a:pPr>
-            <a:endParaRPr lang="nl-NL">
-              <a:solidFill>
-                <a:srgbClr val="00FF00"/>
-              </a:solidFill>
-              <a:latin typeface="Courier New" pitchFamily="49"/>
-              <a:cs typeface="Courier New" pitchFamily="49"/>
-            </a:endParaRPr>
-          </a:p>
-          <a:p>
-            <a:pPr lvl="0">
-              <a:buFont typeface="Courier New" pitchFamily="49"/>
-              <a:buChar char="_"/>
-            </a:pPr>
-            <a:endParaRPr lang="nl-NL">
-              <a:solidFill>
-                <a:srgbClr val="00FF00"/>
-              </a:solidFill>
-              <a:latin typeface="Courier New" pitchFamily="49"/>
-              <a:cs typeface="Courier New" pitchFamily="49"/>
-            </a:endParaRPr>
-          </a:p>
-          <a:p>
-            <a:pPr lvl="0">
-              <a:buFont typeface="Courier New" pitchFamily="49"/>
-              <a:buChar char="_"/>
-            </a:pPr>
-            <a:endParaRPr lang="nl-NL">
-              <a:solidFill>
-                <a:srgbClr val="00FF00"/>
-              </a:solidFill>
-              <a:latin typeface="Courier New" pitchFamily="49"/>
-              <a:cs typeface="Courier New" pitchFamily="49"/>
-            </a:endParaRPr>
-          </a:p>
-          <a:p>
-            <a:pPr lvl="0">
-              <a:buFont typeface="Courier New" pitchFamily="49"/>
-              <a:buChar char="_"/>
-            </a:pPr>
-            <a:r>
-              <a:rPr lang="nl-NL">
-                <a:solidFill>
-                  <a:srgbClr val="00FF00"/>
-                </a:solidFill>
-                <a:latin typeface="Courier New" pitchFamily="49"/>
-                <a:cs typeface="Courier New" pitchFamily="49"/>
-              </a:rPr>
-              <a:t>Other request body matching options:</a:t>
+            <a:endParaRPr lang="nl-NL" dirty="0">
+              <a:solidFill>
+                <a:srgbClr val="00FF00"/>
+              </a:solidFill>
+              <a:latin typeface="Courier New" pitchFamily="49"/>
+              <a:cs typeface="Courier New" pitchFamily="49"/>
+            </a:endParaRPr>
+          </a:p>
+          <a:p>
+            <a:pPr lvl="0">
+              <a:buFont typeface="Courier New" pitchFamily="49"/>
+              <a:buChar char="_"/>
+            </a:pPr>
+            <a:endParaRPr lang="nl-NL" dirty="0">
+              <a:solidFill>
+                <a:srgbClr val="00FF00"/>
+              </a:solidFill>
+              <a:latin typeface="Courier New" pitchFamily="49"/>
+              <a:cs typeface="Courier New" pitchFamily="49"/>
+            </a:endParaRPr>
+          </a:p>
+          <a:p>
+            <a:pPr lvl="0">
+              <a:buFont typeface="Courier New" pitchFamily="49"/>
+              <a:buChar char="_"/>
+            </a:pPr>
+            <a:endParaRPr lang="nl-NL" dirty="0">
+              <a:solidFill>
+                <a:srgbClr val="00FF00"/>
+              </a:solidFill>
+              <a:latin typeface="Courier New" pitchFamily="49"/>
+              <a:cs typeface="Courier New" pitchFamily="49"/>
+            </a:endParaRPr>
+          </a:p>
+          <a:p>
+            <a:pPr lvl="0">
+              <a:buFont typeface="Courier New" pitchFamily="49"/>
+              <a:buChar char="_"/>
+            </a:pPr>
+            <a:endParaRPr lang="nl-NL" dirty="0">
+              <a:solidFill>
+                <a:srgbClr val="00FF00"/>
+              </a:solidFill>
+              <a:latin typeface="Courier New" pitchFamily="49"/>
+              <a:cs typeface="Courier New" pitchFamily="49"/>
+            </a:endParaRPr>
+          </a:p>
+          <a:p>
+            <a:pPr lvl="0">
+              <a:buFont typeface="Courier New" pitchFamily="49"/>
+              <a:buChar char="_"/>
+            </a:pPr>
+            <a:endParaRPr lang="nl-NL" dirty="0">
+              <a:solidFill>
+                <a:srgbClr val="00FF00"/>
+              </a:solidFill>
+              <a:latin typeface="Courier New" pitchFamily="49"/>
+              <a:cs typeface="Courier New" pitchFamily="49"/>
+            </a:endParaRPr>
+          </a:p>
+          <a:p>
+            <a:pPr lvl="0">
+              <a:buFont typeface="Courier New" pitchFamily="49"/>
+              <a:buChar char="_"/>
+            </a:pPr>
+            <a:r>
+              <a:rPr lang="nl-NL" dirty="0" err="1">
+                <a:solidFill>
+                  <a:srgbClr val="00FF00"/>
+                </a:solidFill>
+                <a:latin typeface="Courier New" pitchFamily="49"/>
+                <a:cs typeface="Courier New" pitchFamily="49"/>
+              </a:rPr>
+              <a:t>Other</a:t>
+            </a:r>
+            <a:r>
+              <a:rPr lang="nl-NL" dirty="0">
+                <a:solidFill>
+                  <a:srgbClr val="00FF00"/>
+                </a:solidFill>
+                <a:latin typeface="Courier New" pitchFamily="49"/>
+                <a:cs typeface="Courier New" pitchFamily="49"/>
+              </a:rPr>
+              <a:t> </a:t>
+            </a:r>
+            <a:r>
+              <a:rPr lang="nl-NL" dirty="0" err="1">
+                <a:solidFill>
+                  <a:srgbClr val="00FF00"/>
+                </a:solidFill>
+                <a:latin typeface="Courier New" pitchFamily="49"/>
+                <a:cs typeface="Courier New" pitchFamily="49"/>
+              </a:rPr>
+              <a:t>request</a:t>
+            </a:r>
+            <a:r>
+              <a:rPr lang="nl-NL" dirty="0">
+                <a:solidFill>
+                  <a:srgbClr val="00FF00"/>
+                </a:solidFill>
+                <a:latin typeface="Courier New" pitchFamily="49"/>
+                <a:cs typeface="Courier New" pitchFamily="49"/>
+              </a:rPr>
+              <a:t> body matching options:</a:t>
             </a:r>
           </a:p>
           <a:p>
@@ -10961,7 +11329,7 @@
               <a:buChar char="_"/>
             </a:pPr>
             <a:r>
-              <a:rPr lang="nl-NL">
+              <a:rPr lang="nl-NL" dirty="0" err="1">
                 <a:solidFill>
                   <a:srgbClr val="00FF00"/>
                 </a:solidFill>
@@ -10970,6 +11338,56 @@
               </a:rPr>
               <a:t>equalTo</a:t>
             </a:r>
+            <a:r>
+              <a:rPr lang="nl-NL" dirty="0">
+                <a:solidFill>
+                  <a:srgbClr val="00FF00"/>
+                </a:solidFill>
+                <a:latin typeface="Courier New" pitchFamily="49"/>
+                <a:cs typeface="Courier New" pitchFamily="49"/>
+              </a:rPr>
+              <a:t> (</a:t>
+            </a:r>
+            <a:r>
+              <a:rPr lang="nl-NL" dirty="0" err="1">
+                <a:solidFill>
+                  <a:srgbClr val="00FF00"/>
+                </a:solidFill>
+                <a:latin typeface="Courier New" pitchFamily="49"/>
+                <a:cs typeface="Courier New" pitchFamily="49"/>
+              </a:rPr>
+              <a:t>using</a:t>
+            </a:r>
+            <a:r>
+              <a:rPr lang="nl-NL" dirty="0">
+                <a:solidFill>
+                  <a:srgbClr val="00FF00"/>
+                </a:solidFill>
+                <a:latin typeface="Courier New" pitchFamily="49"/>
+                <a:cs typeface="Courier New" pitchFamily="49"/>
+              </a:rPr>
+              <a:t> exact </a:t>
+            </a:r>
+            <a:r>
+              <a:rPr lang="nl-NL" dirty="0" err="1">
+                <a:solidFill>
+                  <a:srgbClr val="00FF00"/>
+                </a:solidFill>
+                <a:latin typeface="Courier New" pitchFamily="49"/>
+                <a:cs typeface="Courier New" pitchFamily="49"/>
+              </a:rPr>
+              <a:t>values</a:t>
+            </a:r>
+            <a:r>
+              <a:rPr lang="nl-NL" dirty="0">
+                <a:solidFill>
+                  <a:srgbClr val="00FF00"/>
+                </a:solidFill>
+                <a:latin typeface="Courier New" pitchFamily="49"/>
+                <a:cs typeface="Courier New" pitchFamily="49"/>
+              </a:rPr>
+              <a:t>)</a:t>
+            </a:r>
           </a:p>
           <a:p>
             <a:pPr lvl="1">
@@ -10977,22 +11395,102 @@
               <a:buChar char="_"/>
             </a:pPr>
             <a:r>
-              <a:rPr lang="nl-NL">
-                <a:solidFill>
-                  <a:srgbClr val="00FF00"/>
-                </a:solidFill>
-                <a:latin typeface="Courier New" pitchFamily="49"/>
-                <a:cs typeface="Courier New" pitchFamily="49"/>
-              </a:rPr>
-              <a:t>matching, notMatching (using regular expressions)</a:t>
-            </a:r>
-          </a:p>
-          <a:p>
-            <a:pPr lvl="0">
-              <a:buFont typeface="Courier New" pitchFamily="49"/>
-              <a:buChar char="_"/>
-            </a:pPr>
-            <a:endParaRPr lang="nl-NL">
+              <a:rPr lang="nl-NL" dirty="0">
+                <a:solidFill>
+                  <a:srgbClr val="00FF00"/>
+                </a:solidFill>
+                <a:latin typeface="Courier New" pitchFamily="49"/>
+                <a:cs typeface="Courier New" pitchFamily="49"/>
+              </a:rPr>
+              <a:t>matching, </a:t>
+            </a:r>
+            <a:r>
+              <a:rPr lang="nl-NL" dirty="0" err="1">
+                <a:solidFill>
+                  <a:srgbClr val="00FF00"/>
+                </a:solidFill>
+                <a:latin typeface="Courier New" pitchFamily="49"/>
+                <a:cs typeface="Courier New" pitchFamily="49"/>
+              </a:rPr>
+              <a:t>notMatching</a:t>
+            </a:r>
+            <a:r>
+              <a:rPr lang="nl-NL" dirty="0">
+                <a:solidFill>
+                  <a:srgbClr val="00FF00"/>
+                </a:solidFill>
+                <a:latin typeface="Courier New" pitchFamily="49"/>
+                <a:cs typeface="Courier New" pitchFamily="49"/>
+              </a:rPr>
+              <a:t> (</a:t>
+            </a:r>
+            <a:r>
+              <a:rPr lang="nl-NL" dirty="0" err="1">
+                <a:solidFill>
+                  <a:srgbClr val="00FF00"/>
+                </a:solidFill>
+                <a:latin typeface="Courier New" pitchFamily="49"/>
+                <a:cs typeface="Courier New" pitchFamily="49"/>
+              </a:rPr>
+              <a:t>using</a:t>
+            </a:r>
+            <a:r>
+              <a:rPr lang="nl-NL" dirty="0">
+                <a:solidFill>
+                  <a:srgbClr val="00FF00"/>
+                </a:solidFill>
+                <a:latin typeface="Courier New" pitchFamily="49"/>
+                <a:cs typeface="Courier New" pitchFamily="49"/>
+              </a:rPr>
+              <a:t> </a:t>
+            </a:r>
+            <a:r>
+              <a:rPr lang="nl-NL" dirty="0" err="1">
+                <a:solidFill>
+                  <a:srgbClr val="00FF00"/>
+                </a:solidFill>
+                <a:latin typeface="Courier New" pitchFamily="49"/>
+                <a:cs typeface="Courier New" pitchFamily="49"/>
+              </a:rPr>
+              <a:t>regular</a:t>
+            </a:r>
+            <a:r>
+              <a:rPr lang="nl-NL" dirty="0">
+                <a:solidFill>
+                  <a:srgbClr val="00FF00"/>
+                </a:solidFill>
+                <a:latin typeface="Courier New" pitchFamily="49"/>
+                <a:cs typeface="Courier New" pitchFamily="49"/>
+              </a:rPr>
+              <a:t> </a:t>
+            </a:r>
+            <a:r>
+              <a:rPr lang="nl-NL" dirty="0" err="1">
+                <a:solidFill>
+                  <a:srgbClr val="00FF00"/>
+                </a:solidFill>
+                <a:latin typeface="Courier New" pitchFamily="49"/>
+                <a:cs typeface="Courier New" pitchFamily="49"/>
+              </a:rPr>
+              <a:t>expressions</a:t>
+            </a:r>
+            <a:r>
+              <a:rPr lang="nl-NL" dirty="0">
+                <a:solidFill>
+                  <a:srgbClr val="00FF00"/>
+                </a:solidFill>
+                <a:latin typeface="Courier New" pitchFamily="49"/>
+                <a:cs typeface="Courier New" pitchFamily="49"/>
+              </a:rPr>
+              <a:t>)</a:t>
+            </a:r>
+          </a:p>
+          <a:p>
+            <a:pPr lvl="0">
+              <a:buFont typeface="Courier New" pitchFamily="49"/>
+              <a:buChar char="_"/>
+            </a:pPr>
+            <a:endParaRPr lang="nl-NL" dirty="0">
               <a:solidFill>
                 <a:srgbClr val="00FF00"/>
               </a:solidFill>
@@ -11044,7 +11542,7 @@
 </p:sld>
 </file>
 
-<file path=ppt/slides/slide27.xml><?xml version="1.0" encoding="utf-8"?>
+<file path=ppt/slides/slide26.xml><?xml version="1.0" encoding="utf-8"?>
 <p:sld xmlns:a="http://schemas.openxmlformats.org/drawingml/2006/main" xmlns:r="http://schemas.openxmlformats.org/officeDocument/2006/relationships" xmlns:p="http://schemas.openxmlformats.org/presentationml/2006/main">
   <p:cSld name="Slide76">
     <p:bg>
@@ -11134,81 +11632,138 @@
               <a:buFont typeface="Courier New" pitchFamily="49"/>
               <a:buChar char="_"/>
             </a:pPr>
-            <a:endParaRPr lang="nl-NL">
-              <a:solidFill>
-                <a:srgbClr val="00FF00"/>
-              </a:solidFill>
-              <a:latin typeface="Courier New" pitchFamily="49"/>
-              <a:cs typeface="Courier New" pitchFamily="49"/>
-            </a:endParaRPr>
-          </a:p>
-          <a:p>
-            <a:pPr lvl="0">
-              <a:buFont typeface="Courier New" pitchFamily="49"/>
-              <a:buChar char="_"/>
-            </a:pPr>
-            <a:endParaRPr lang="nl-NL">
-              <a:solidFill>
-                <a:srgbClr val="00FF00"/>
-              </a:solidFill>
-              <a:latin typeface="Courier New" pitchFamily="49"/>
-              <a:cs typeface="Courier New" pitchFamily="49"/>
-            </a:endParaRPr>
-          </a:p>
-          <a:p>
-            <a:pPr lvl="0">
-              <a:buFont typeface="Courier New" pitchFamily="49"/>
-              <a:buChar char="_"/>
-            </a:pPr>
-            <a:endParaRPr lang="nl-NL">
-              <a:solidFill>
-                <a:srgbClr val="00FF00"/>
-              </a:solidFill>
-              <a:latin typeface="Courier New" pitchFamily="49"/>
-              <a:cs typeface="Courier New" pitchFamily="49"/>
-            </a:endParaRPr>
-          </a:p>
-          <a:p>
-            <a:pPr lvl="0">
-              <a:buFont typeface="Courier New" pitchFamily="49"/>
-              <a:buChar char="_"/>
-            </a:pPr>
-            <a:endParaRPr lang="nl-NL">
-              <a:solidFill>
-                <a:srgbClr val="00FF00"/>
-              </a:solidFill>
-              <a:latin typeface="Courier New" pitchFamily="49"/>
-              <a:cs typeface="Courier New" pitchFamily="49"/>
-            </a:endParaRPr>
-          </a:p>
-          <a:p>
-            <a:pPr lvl="0">
-              <a:buFont typeface="Courier New" pitchFamily="49"/>
-              <a:buChar char="_"/>
-            </a:pPr>
-            <a:endParaRPr lang="nl-NL">
-              <a:solidFill>
-                <a:srgbClr val="00FF00"/>
-              </a:solidFill>
-              <a:latin typeface="Courier New" pitchFamily="49"/>
-              <a:cs typeface="Courier New" pitchFamily="49"/>
-            </a:endParaRPr>
-          </a:p>
-          <a:p>
-            <a:pPr lvl="0">
-              <a:buFont typeface="Courier New" pitchFamily="49"/>
-              <a:buChar char="_"/>
-            </a:pPr>
-            <a:r>
-              <a:rPr lang="nl-NL">
-                <a:solidFill>
-                  <a:srgbClr val="00FF00"/>
-                </a:solidFill>
-                <a:latin typeface="Courier New" pitchFamily="49"/>
-                <a:cs typeface="Courier New" pitchFamily="49"/>
-              </a:rPr>
-              <a:t>absent(): check parameter is not in request</a:t>
-            </a:r>
+            <a:endParaRPr lang="nl-NL" dirty="0">
+              <a:solidFill>
+                <a:srgbClr val="00FF00"/>
+              </a:solidFill>
+              <a:latin typeface="Courier New" pitchFamily="49"/>
+              <a:cs typeface="Courier New" pitchFamily="49"/>
+            </a:endParaRPr>
+          </a:p>
+          <a:p>
+            <a:pPr lvl="0">
+              <a:buFont typeface="Courier New" pitchFamily="49"/>
+              <a:buChar char="_"/>
+            </a:pPr>
+            <a:endParaRPr lang="nl-NL" dirty="0">
+              <a:solidFill>
+                <a:srgbClr val="00FF00"/>
+              </a:solidFill>
+              <a:latin typeface="Courier New" pitchFamily="49"/>
+              <a:cs typeface="Courier New" pitchFamily="49"/>
+            </a:endParaRPr>
+          </a:p>
+          <a:p>
+            <a:pPr lvl="0">
+              <a:buFont typeface="Courier New" pitchFamily="49"/>
+              <a:buChar char="_"/>
+            </a:pPr>
+            <a:endParaRPr lang="nl-NL" dirty="0">
+              <a:solidFill>
+                <a:srgbClr val="00FF00"/>
+              </a:solidFill>
+              <a:latin typeface="Courier New" pitchFamily="49"/>
+              <a:cs typeface="Courier New" pitchFamily="49"/>
+            </a:endParaRPr>
+          </a:p>
+          <a:p>
+            <a:pPr lvl="0">
+              <a:buFont typeface="Courier New" pitchFamily="49"/>
+              <a:buChar char="_"/>
+            </a:pPr>
+            <a:endParaRPr lang="nl-NL" dirty="0">
+              <a:solidFill>
+                <a:srgbClr val="00FF00"/>
+              </a:solidFill>
+              <a:latin typeface="Courier New" pitchFamily="49"/>
+              <a:cs typeface="Courier New" pitchFamily="49"/>
+            </a:endParaRPr>
+          </a:p>
+          <a:p>
+            <a:pPr lvl="0">
+              <a:buFont typeface="Courier New" pitchFamily="49"/>
+              <a:buChar char="_"/>
+            </a:pPr>
+            <a:endParaRPr lang="nl-NL" dirty="0">
+              <a:solidFill>
+                <a:srgbClr val="00FF00"/>
+              </a:solidFill>
+              <a:latin typeface="Courier New" pitchFamily="49"/>
+              <a:cs typeface="Courier New" pitchFamily="49"/>
+            </a:endParaRPr>
+          </a:p>
+          <a:p>
+            <a:pPr lvl="0">
+              <a:buFont typeface="Courier New" pitchFamily="49"/>
+              <a:buChar char="_"/>
+            </a:pPr>
+            <a:r>
+              <a:rPr lang="nl-NL" dirty="0">
+                <a:solidFill>
+                  <a:srgbClr val="00FF00"/>
+                </a:solidFill>
+                <a:latin typeface="Courier New" pitchFamily="49"/>
+                <a:cs typeface="Courier New" pitchFamily="49"/>
+              </a:rPr>
+              <a:t>absent(): check </a:t>
+            </a:r>
+            <a:r>
+              <a:rPr lang="nl-NL" dirty="0" err="1">
+                <a:solidFill>
+                  <a:srgbClr val="00FF00"/>
+                </a:solidFill>
+                <a:latin typeface="Courier New" pitchFamily="49"/>
+                <a:cs typeface="Courier New" pitchFamily="49"/>
+              </a:rPr>
+              <a:t>that</a:t>
+            </a:r>
+            <a:r>
+              <a:rPr lang="nl-NL" dirty="0">
+                <a:solidFill>
+                  <a:srgbClr val="00FF00"/>
+                </a:solidFill>
+                <a:latin typeface="Courier New" pitchFamily="49"/>
+                <a:cs typeface="Courier New" pitchFamily="49"/>
+              </a:rPr>
+              <a:t> parameter is </a:t>
+            </a:r>
+            <a:r>
+              <a:rPr lang="nl-NL" dirty="0" err="1">
+                <a:solidFill>
+                  <a:srgbClr val="00FF00"/>
+                </a:solidFill>
+                <a:latin typeface="Courier New" pitchFamily="49"/>
+                <a:cs typeface="Courier New" pitchFamily="49"/>
+              </a:rPr>
+              <a:t>not</a:t>
+            </a:r>
+            <a:r>
+              <a:rPr lang="nl-NL" dirty="0">
+                <a:solidFill>
+                  <a:srgbClr val="00FF00"/>
+                </a:solidFill>
+                <a:latin typeface="Courier New" pitchFamily="49"/>
+                <a:cs typeface="Courier New" pitchFamily="49"/>
+              </a:rPr>
+              <a:t> in </a:t>
+            </a:r>
+            <a:r>
+              <a:rPr lang="nl-NL" dirty="0" err="1">
+                <a:solidFill>
+                  <a:srgbClr val="00FF00"/>
+                </a:solidFill>
+                <a:latin typeface="Courier New" pitchFamily="49"/>
+                <a:cs typeface="Courier New" pitchFamily="49"/>
+              </a:rPr>
+              <a:t>request</a:t>
+            </a:r>
+            <a:endParaRPr lang="nl-NL" dirty="0">
+              <a:solidFill>
+                <a:srgbClr val="00FF00"/>
+              </a:solidFill>
+              <a:latin typeface="Courier New" pitchFamily="49"/>
+              <a:cs typeface="Courier New" pitchFamily="49"/>
+            </a:endParaRPr>
           </a:p>
         </p:txBody>
       </p:sp>
@@ -11254,7 +11809,7 @@
 </p:sld>
 </file>
 
-<file path=ppt/slides/slide28.xml><?xml version="1.0" encoding="utf-8"?>
+<file path=ppt/slides/slide27.xml><?xml version="1.0" encoding="utf-8"?>
 <p:sld xmlns:a="http://schemas.openxmlformats.org/drawingml/2006/main" xmlns:r="http://schemas.openxmlformats.org/officeDocument/2006/relationships" xmlns:p="http://schemas.openxmlformats.org/presentationml/2006/main">
   <p:cSld name="Slide59">
     <p:bg>
@@ -11344,112 +11899,216 @@
               <a:buFont typeface="Courier New" pitchFamily="49"/>
               <a:buChar char="_"/>
             </a:pPr>
-            <a:endParaRPr lang="nl-NL">
-              <a:solidFill>
-                <a:srgbClr val="00FF00"/>
-              </a:solidFill>
-              <a:latin typeface="Courier New" pitchFamily="49"/>
-              <a:cs typeface="Courier New" pitchFamily="49"/>
-            </a:endParaRPr>
-          </a:p>
-          <a:p>
-            <a:pPr lvl="0">
-              <a:buFont typeface="Courier New" pitchFamily="49"/>
-              <a:buChar char="_"/>
-            </a:pPr>
-            <a:endParaRPr lang="nl-NL">
-              <a:solidFill>
-                <a:srgbClr val="00FF00"/>
-              </a:solidFill>
-              <a:latin typeface="Courier New" pitchFamily="49"/>
-              <a:cs typeface="Courier New" pitchFamily="49"/>
-            </a:endParaRPr>
-          </a:p>
-          <a:p>
-            <a:pPr lvl="0">
-              <a:buFont typeface="Courier New" pitchFamily="49"/>
-              <a:buChar char="_"/>
-            </a:pPr>
-            <a:endParaRPr lang="nl-NL">
-              <a:solidFill>
-                <a:srgbClr val="00FF00"/>
-              </a:solidFill>
-              <a:latin typeface="Courier New" pitchFamily="49"/>
-              <a:cs typeface="Courier New" pitchFamily="49"/>
-            </a:endParaRPr>
-          </a:p>
-          <a:p>
-            <a:pPr lvl="0">
-              <a:buFont typeface="Courier New" pitchFamily="49"/>
-              <a:buChar char="_"/>
-            </a:pPr>
-            <a:endParaRPr lang="nl-NL">
-              <a:solidFill>
-                <a:srgbClr val="00FF00"/>
-              </a:solidFill>
-              <a:latin typeface="Courier New" pitchFamily="49"/>
-              <a:cs typeface="Courier New" pitchFamily="49"/>
-            </a:endParaRPr>
-          </a:p>
-          <a:p>
-            <a:pPr lvl="0">
-              <a:buFont typeface="Courier New" pitchFamily="49"/>
-              <a:buChar char="_"/>
-            </a:pPr>
-            <a:endParaRPr lang="nl-NL">
-              <a:solidFill>
-                <a:srgbClr val="00FF00"/>
-              </a:solidFill>
-              <a:latin typeface="Courier New" pitchFamily="49"/>
-              <a:cs typeface="Courier New" pitchFamily="49"/>
-            </a:endParaRPr>
-          </a:p>
-          <a:p>
-            <a:pPr lvl="0">
-              <a:buFont typeface="Courier New" pitchFamily="49"/>
-              <a:buChar char="_"/>
-            </a:pPr>
-            <a:r>
-              <a:rPr lang="nl-NL">
-                <a:solidFill>
-                  <a:srgbClr val="00FF00"/>
-                </a:solidFill>
-                <a:latin typeface="Courier New" pitchFamily="49"/>
-                <a:cs typeface="Courier New" pitchFamily="49"/>
-              </a:rPr>
-              <a:t>No support (yet) for other authentication mechanisms</a:t>
-            </a:r>
-          </a:p>
-          <a:p>
-            <a:pPr lvl="1">
-              <a:buFont typeface="Courier New" pitchFamily="49"/>
-              <a:buChar char="_"/>
-            </a:pPr>
-            <a:r>
-              <a:rPr lang="nl-NL">
-                <a:solidFill>
-                  <a:srgbClr val="00FF00"/>
-                </a:solidFill>
-                <a:latin typeface="Courier New" pitchFamily="49"/>
-                <a:cs typeface="Courier New" pitchFamily="49"/>
-              </a:rPr>
-              <a:t>Like OAuth2</a:t>
-            </a:r>
-          </a:p>
-          <a:p>
-            <a:pPr lvl="0">
-              <a:buFont typeface="Courier New" pitchFamily="49"/>
-              <a:buChar char="_"/>
-            </a:pPr>
-            <a:r>
-              <a:rPr lang="nl-NL">
-                <a:solidFill>
-                  <a:srgbClr val="00FF00"/>
-                </a:solidFill>
-                <a:latin typeface="Courier New" pitchFamily="49"/>
-                <a:cs typeface="Courier New" pitchFamily="49"/>
-              </a:rPr>
-              <a:t>HTTPS is supported</a:t>
+            <a:endParaRPr lang="nl-NL" dirty="0">
+              <a:solidFill>
+                <a:srgbClr val="00FF00"/>
+              </a:solidFill>
+              <a:latin typeface="Courier New" pitchFamily="49"/>
+              <a:cs typeface="Courier New" pitchFamily="49"/>
+            </a:endParaRPr>
+          </a:p>
+          <a:p>
+            <a:pPr lvl="0">
+              <a:buFont typeface="Courier New" pitchFamily="49"/>
+              <a:buChar char="_"/>
+            </a:pPr>
+            <a:endParaRPr lang="nl-NL" dirty="0">
+              <a:solidFill>
+                <a:srgbClr val="00FF00"/>
+              </a:solidFill>
+              <a:latin typeface="Courier New" pitchFamily="49"/>
+              <a:cs typeface="Courier New" pitchFamily="49"/>
+            </a:endParaRPr>
+          </a:p>
+          <a:p>
+            <a:pPr lvl="0">
+              <a:buFont typeface="Courier New" pitchFamily="49"/>
+              <a:buChar char="_"/>
+            </a:pPr>
+            <a:endParaRPr lang="nl-NL" dirty="0">
+              <a:solidFill>
+                <a:srgbClr val="00FF00"/>
+              </a:solidFill>
+              <a:latin typeface="Courier New" pitchFamily="49"/>
+              <a:cs typeface="Courier New" pitchFamily="49"/>
+            </a:endParaRPr>
+          </a:p>
+          <a:p>
+            <a:pPr lvl="0">
+              <a:buFont typeface="Courier New" pitchFamily="49"/>
+              <a:buChar char="_"/>
+            </a:pPr>
+            <a:endParaRPr lang="nl-NL" dirty="0">
+              <a:solidFill>
+                <a:srgbClr val="00FF00"/>
+              </a:solidFill>
+              <a:latin typeface="Courier New" pitchFamily="49"/>
+              <a:cs typeface="Courier New" pitchFamily="49"/>
+            </a:endParaRPr>
+          </a:p>
+          <a:p>
+            <a:pPr lvl="0">
+              <a:buFont typeface="Courier New" pitchFamily="49"/>
+              <a:buChar char="_"/>
+            </a:pPr>
+            <a:endParaRPr lang="nl-NL" dirty="0">
+              <a:solidFill>
+                <a:srgbClr val="00FF00"/>
+              </a:solidFill>
+              <a:latin typeface="Courier New" pitchFamily="49"/>
+              <a:cs typeface="Courier New" pitchFamily="49"/>
+            </a:endParaRPr>
+          </a:p>
+          <a:p>
+            <a:pPr lvl="0">
+              <a:buFont typeface="Courier New" pitchFamily="49"/>
+              <a:buChar char="_"/>
+            </a:pPr>
+            <a:endParaRPr lang="nl-NL" dirty="0">
+              <a:solidFill>
+                <a:srgbClr val="00FF00"/>
+              </a:solidFill>
+              <a:latin typeface="Courier New" pitchFamily="49"/>
+              <a:cs typeface="Courier New" pitchFamily="49"/>
+            </a:endParaRPr>
+          </a:p>
+          <a:p>
+            <a:pPr lvl="0">
+              <a:buFont typeface="Courier New" pitchFamily="49"/>
+              <a:buChar char="_"/>
+            </a:pPr>
+            <a:r>
+              <a:rPr lang="nl-NL" dirty="0">
+                <a:solidFill>
+                  <a:srgbClr val="00FF00"/>
+                </a:solidFill>
+                <a:latin typeface="Courier New" pitchFamily="49"/>
+                <a:cs typeface="Courier New" pitchFamily="49"/>
+              </a:rPr>
+              <a:t>HTTPS is </a:t>
+            </a:r>
+            <a:r>
+              <a:rPr lang="nl-NL" dirty="0" err="1">
+                <a:solidFill>
+                  <a:srgbClr val="00FF00"/>
+                </a:solidFill>
+                <a:latin typeface="Courier New" pitchFamily="49"/>
+                <a:cs typeface="Courier New" pitchFamily="49"/>
+              </a:rPr>
+              <a:t>supported</a:t>
+            </a:r>
+            <a:endParaRPr lang="nl-NL" dirty="0">
+              <a:solidFill>
+                <a:srgbClr val="00FF00"/>
+              </a:solidFill>
+              <a:latin typeface="Courier New" pitchFamily="49"/>
+              <a:cs typeface="Courier New" pitchFamily="49"/>
+            </a:endParaRPr>
+          </a:p>
+          <a:p>
+            <a:pPr lvl="0">
+              <a:buFont typeface="Courier New" pitchFamily="49"/>
+              <a:buChar char="_"/>
+            </a:pPr>
+            <a:r>
+              <a:rPr lang="nl-NL" dirty="0" err="1">
+                <a:solidFill>
+                  <a:srgbClr val="00FF00"/>
+                </a:solidFill>
+                <a:latin typeface="Courier New" pitchFamily="49"/>
+                <a:cs typeface="Courier New" pitchFamily="49"/>
+              </a:rPr>
+              <a:t>Oauth</a:t>
+            </a:r>
+            <a:r>
+              <a:rPr lang="nl-NL" dirty="0">
+                <a:solidFill>
+                  <a:srgbClr val="00FF00"/>
+                </a:solidFill>
+                <a:latin typeface="Courier New" pitchFamily="49"/>
+                <a:cs typeface="Courier New" pitchFamily="49"/>
+              </a:rPr>
+              <a:t>(2) </a:t>
+            </a:r>
+            <a:r>
+              <a:rPr lang="nl-NL" dirty="0" err="1">
+                <a:solidFill>
+                  <a:srgbClr val="00FF00"/>
+                </a:solidFill>
+                <a:latin typeface="Courier New" pitchFamily="49"/>
+                <a:cs typeface="Courier New" pitchFamily="49"/>
+              </a:rPr>
+              <a:t>can</a:t>
+            </a:r>
+            <a:r>
+              <a:rPr lang="nl-NL" dirty="0">
+                <a:solidFill>
+                  <a:srgbClr val="00FF00"/>
+                </a:solidFill>
+                <a:latin typeface="Courier New" pitchFamily="49"/>
+                <a:cs typeface="Courier New" pitchFamily="49"/>
+              </a:rPr>
+              <a:t> </a:t>
+            </a:r>
+            <a:r>
+              <a:rPr lang="nl-NL" dirty="0" err="1">
+                <a:solidFill>
+                  <a:srgbClr val="00FF00"/>
+                </a:solidFill>
+                <a:latin typeface="Courier New" pitchFamily="49"/>
+                <a:cs typeface="Courier New" pitchFamily="49"/>
+              </a:rPr>
+              <a:t>be</a:t>
+            </a:r>
+            <a:r>
+              <a:rPr lang="nl-NL" dirty="0">
+                <a:solidFill>
+                  <a:srgbClr val="00FF00"/>
+                </a:solidFill>
+                <a:latin typeface="Courier New" pitchFamily="49"/>
+                <a:cs typeface="Courier New" pitchFamily="49"/>
+              </a:rPr>
+              <a:t> </a:t>
+            </a:r>
+            <a:r>
+              <a:rPr lang="nl-NL" dirty="0" err="1">
+                <a:solidFill>
+                  <a:srgbClr val="00FF00"/>
+                </a:solidFill>
+                <a:latin typeface="Courier New" pitchFamily="49"/>
+                <a:cs typeface="Courier New" pitchFamily="49"/>
+              </a:rPr>
+              <a:t>simulated</a:t>
+            </a:r>
+            <a:r>
+              <a:rPr lang="nl-NL" dirty="0">
+                <a:solidFill>
+                  <a:srgbClr val="00FF00"/>
+                </a:solidFill>
+                <a:latin typeface="Courier New" pitchFamily="49"/>
+                <a:cs typeface="Courier New" pitchFamily="49"/>
+              </a:rPr>
+              <a:t> </a:t>
+            </a:r>
+            <a:r>
+              <a:rPr lang="nl-NL" dirty="0" err="1">
+                <a:solidFill>
+                  <a:srgbClr val="00FF00"/>
+                </a:solidFill>
+                <a:latin typeface="Courier New" pitchFamily="49"/>
+                <a:cs typeface="Courier New" pitchFamily="49"/>
+              </a:rPr>
+              <a:t>using</a:t>
+            </a:r>
+            <a:r>
+              <a:rPr lang="nl-NL" dirty="0">
+                <a:solidFill>
+                  <a:srgbClr val="00FF00"/>
+                </a:solidFill>
+                <a:latin typeface="Courier New" pitchFamily="49"/>
+                <a:cs typeface="Courier New" pitchFamily="49"/>
+              </a:rPr>
+              <a:t> header matching</a:t>
             </a:r>
           </a:p>
         </p:txBody>
@@ -11496,7 +12155,7 @@
 </p:sld>
 </file>
 
-<file path=ppt/slides/slide29.xml><?xml version="1.0" encoding="utf-8"?>
+<file path=ppt/slides/slide28.xml><?xml version="1.0" encoding="utf-8"?>
 <p:sld xmlns:a="http://schemas.openxmlformats.org/drawingml/2006/main" xmlns:r="http://schemas.openxmlformats.org/officeDocument/2006/relationships" xmlns:p="http://schemas.openxmlformats.org/presentationml/2006/main">
   <p:cSld name="Slide60">
     <p:bg>
@@ -11544,14 +12203,24 @@
           <a:p>
             <a:pPr lvl="0"/>
             <a:r>
-              <a:rPr lang="nl-NL">
-                <a:solidFill>
-                  <a:srgbClr val="00FF00"/>
-                </a:solidFill>
-                <a:latin typeface="Courier New" pitchFamily="49"/>
-                <a:cs typeface="Courier New" pitchFamily="49"/>
-              </a:rPr>
-              <a:t>Get your hands dirty!</a:t>
+              <a:rPr lang="nl-NL" dirty="0" err="1">
+                <a:solidFill>
+                  <a:srgbClr val="00FF00"/>
+                </a:solidFill>
+                <a:latin typeface="Courier New" pitchFamily="49"/>
+                <a:cs typeface="Courier New" pitchFamily="49"/>
+              </a:rPr>
+              <a:t>Exercise</a:t>
+            </a:r>
+            <a:r>
+              <a:rPr lang="nl-NL" dirty="0">
+                <a:solidFill>
+                  <a:srgbClr val="00FF00"/>
+                </a:solidFill>
+                <a:latin typeface="Courier New" pitchFamily="49"/>
+                <a:cs typeface="Courier New" pitchFamily="49"/>
+              </a:rPr>
+              <a:t> time!</a:t>
             </a:r>
           </a:p>
         </p:txBody>
@@ -11743,6 +12412,99 @@
               <a:latin typeface="Courier New" pitchFamily="49"/>
               <a:cs typeface="Courier New" pitchFamily="49"/>
             </a:endParaRPr>
+          </a:p>
+        </p:txBody>
+      </p:sp>
+    </p:spTree>
+  </p:cSld>
+  <p:clrMapOvr>
+    <a:masterClrMapping/>
+  </p:clrMapOvr>
+</p:sld>
+</file>
+
+<file path=ppt/slides/slide29.xml><?xml version="1.0" encoding="utf-8"?>
+<p:sld xmlns:a="http://schemas.openxmlformats.org/drawingml/2006/main" xmlns:r="http://schemas.openxmlformats.org/officeDocument/2006/relationships" xmlns:p="http://schemas.openxmlformats.org/presentationml/2006/main">
+  <p:cSld name="Slide51">
+    <p:bg>
+      <p:bgPr>
+        <a:solidFill>
+          <a:srgbClr val="000000"/>
+        </a:solidFill>
+        <a:effectLst/>
+      </p:bgPr>
+    </p:bg>
+    <p:spTree>
+      <p:nvGrpSpPr>
+        <p:cNvPr id="1" name=""/>
+        <p:cNvGrpSpPr/>
+        <p:nvPr/>
+      </p:nvGrpSpPr>
+      <p:grpSpPr>
+        <a:xfrm>
+          <a:off x="0" y="0"/>
+          <a:ext cx="0" cy="0"/>
+          <a:chOff x="0" y="0"/>
+          <a:chExt cx="0" cy="0"/>
+        </a:xfrm>
+      </p:grpSpPr>
+      <p:sp>
+        <p:nvSpPr>
+          <p:cNvPr id="2" name="Title 1">
+            <a:extLst>
+              <a:ext uri="{FF2B5EF4-FFF2-40B4-BE49-F238E27FC236}">
+                <a16:creationId xmlns:a16="http://schemas.microsoft.com/office/drawing/2014/main" id="{0508229A-D2A9-434E-8091-D7A818FB6F25}"/>
+              </a:ext>
+            </a:extLst>
+          </p:cNvPr>
+          <p:cNvSpPr txBox="1">
+            <a:spLocks noGrp="1"/>
+          </p:cNvSpPr>
+          <p:nvPr>
+            <p:ph type="ctrTitle"/>
+          </p:nvPr>
+        </p:nvSpPr>
+        <p:spPr/>
+        <p:txBody>
+          <a:bodyPr/>
+          <a:lstStyle/>
+          <a:p>
+            <a:pPr lvl="0"/>
+            <a:r>
+              <a:rPr lang="nl-NL" dirty="0">
+                <a:solidFill>
+                  <a:srgbClr val="00FF00"/>
+                </a:solidFill>
+                <a:latin typeface="Courier New" pitchFamily="49"/>
+                <a:cs typeface="Courier New" pitchFamily="49"/>
+              </a:rPr>
+              <a:t>CONTINUE HERE</a:t>
+            </a:r>
+          </a:p>
+        </p:txBody>
+      </p:sp>
+      <p:sp>
+        <p:nvSpPr>
+          <p:cNvPr id="5" name="Subtitle 4">
+            <a:extLst>
+              <a:ext uri="{FF2B5EF4-FFF2-40B4-BE49-F238E27FC236}">
+                <a16:creationId xmlns:a16="http://schemas.microsoft.com/office/drawing/2014/main" id="{6D5A54D7-7497-4294-9F70-89D29246BBA1}"/>
+              </a:ext>
+            </a:extLst>
+          </p:cNvPr>
+          <p:cNvSpPr>
+            <a:spLocks noGrp="1"/>
+          </p:cNvSpPr>
+          <p:nvPr>
+            <p:ph type="subTitle" idx="1"/>
+          </p:nvPr>
+        </p:nvSpPr>
+        <p:spPr/>
+        <p:txBody>
+          <a:bodyPr/>
+          <a:lstStyle/>
+          <a:p>
+            <a:endParaRPr lang="nl-NL"/>
           </a:p>
         </p:txBody>
       </p:sp>

--- a/wiremock_workshop.pptx
+++ b/wiremock_workshop.pptx
@@ -12876,161 +12876,485 @@
               <a:buChar char="_"/>
             </a:pPr>
             <a:r>
-              <a:rPr lang="nl-NL">
-                <a:solidFill>
-                  <a:srgbClr val="00FF00"/>
-                </a:solidFill>
-                <a:latin typeface="Courier New" pitchFamily="49"/>
-                <a:cs typeface="Courier New" pitchFamily="49"/>
-              </a:rPr>
-              <a:t>Extend test coverage by simulating faults</a:t>
-            </a:r>
-          </a:p>
-          <a:p>
-            <a:pPr lvl="0">
-              <a:buFont typeface="Courier New" pitchFamily="49"/>
-              <a:buChar char="_"/>
-            </a:pPr>
-            <a:endParaRPr lang="nl-NL">
-              <a:solidFill>
-                <a:srgbClr val="00FF00"/>
-              </a:solidFill>
-              <a:latin typeface="Courier New" pitchFamily="49"/>
-              <a:cs typeface="Courier New" pitchFamily="49"/>
-            </a:endParaRPr>
-          </a:p>
-          <a:p>
-            <a:pPr lvl="0">
-              <a:buFont typeface="Courier New" pitchFamily="49"/>
-              <a:buChar char="_"/>
-            </a:pPr>
-            <a:r>
-              <a:rPr lang="nl-NL">
-                <a:solidFill>
-                  <a:srgbClr val="00FF00"/>
-                </a:solidFill>
-                <a:latin typeface="Courier New" pitchFamily="49"/>
-                <a:cs typeface="Courier New" pitchFamily="49"/>
-              </a:rPr>
-              <a:t>Often hard to do in real systems</a:t>
-            </a:r>
-          </a:p>
-          <a:p>
-            <a:pPr lvl="0">
-              <a:buFont typeface="Courier New" pitchFamily="49"/>
-              <a:buChar char="_"/>
-            </a:pPr>
-            <a:endParaRPr lang="nl-NL">
-              <a:solidFill>
-                <a:srgbClr val="00FF00"/>
-              </a:solidFill>
-              <a:latin typeface="Courier New" pitchFamily="49"/>
-              <a:cs typeface="Courier New" pitchFamily="49"/>
-            </a:endParaRPr>
-          </a:p>
-          <a:p>
-            <a:pPr lvl="0">
-              <a:buFont typeface="Courier New" pitchFamily="49"/>
-              <a:buChar char="_"/>
-            </a:pPr>
-            <a:r>
-              <a:rPr lang="nl-NL">
-                <a:solidFill>
-                  <a:srgbClr val="00FF00"/>
-                </a:solidFill>
-                <a:latin typeface="Courier New" pitchFamily="49"/>
-                <a:cs typeface="Courier New" pitchFamily="49"/>
-              </a:rPr>
-              <a:t>Easy to do using stubs or mocks</a:t>
-            </a:r>
-          </a:p>
-          <a:p>
-            <a:pPr lvl="0">
-              <a:buFont typeface="Courier New" pitchFamily="49"/>
-              <a:buChar char="_"/>
-            </a:pPr>
-            <a:endParaRPr lang="nl-NL">
-              <a:solidFill>
-                <a:srgbClr val="00FF00"/>
-              </a:solidFill>
-              <a:latin typeface="Courier New" pitchFamily="49"/>
-              <a:cs typeface="Courier New" pitchFamily="49"/>
-            </a:endParaRPr>
-          </a:p>
-          <a:p>
-            <a:pPr lvl="0">
-              <a:buFont typeface="Courier New" pitchFamily="49"/>
-              <a:buChar char="_"/>
-            </a:pPr>
-            <a:r>
-              <a:rPr lang="nl-NL">
-                <a:solidFill>
-                  <a:srgbClr val="00FF00"/>
-                </a:solidFill>
-                <a:latin typeface="Courier New" pitchFamily="49"/>
-                <a:cs typeface="Courier New" pitchFamily="49"/>
-              </a:rPr>
-              <a:t>Test exception handling application under test</a:t>
-            </a:r>
-          </a:p>
-          <a:p>
-            <a:pPr lvl="0">
-              <a:buFont typeface="Courier New" pitchFamily="49"/>
-              <a:buChar char="_"/>
-            </a:pPr>
-            <a:endParaRPr lang="nl-NL">
-              <a:solidFill>
-                <a:srgbClr val="00FF00"/>
-              </a:solidFill>
-              <a:latin typeface="Courier New" pitchFamily="49"/>
-              <a:cs typeface="Courier New" pitchFamily="49"/>
-            </a:endParaRPr>
-          </a:p>
-          <a:p>
-            <a:pPr lvl="0">
-              <a:buFont typeface="Courier New" pitchFamily="49"/>
-              <a:buChar char="_"/>
-            </a:pPr>
-            <a:endParaRPr lang="nl-NL">
-              <a:solidFill>
-                <a:srgbClr val="00FF00"/>
-              </a:solidFill>
-              <a:latin typeface="Courier New" pitchFamily="49"/>
-              <a:cs typeface="Courier New" pitchFamily="49"/>
-            </a:endParaRPr>
-          </a:p>
-          <a:p>
-            <a:pPr lvl="0">
-              <a:buFont typeface="Courier New" pitchFamily="49"/>
-              <a:buChar char="_"/>
-            </a:pPr>
-            <a:endParaRPr lang="nl-NL">
-              <a:solidFill>
-                <a:srgbClr val="00FF00"/>
-              </a:solidFill>
-              <a:latin typeface="Courier New" pitchFamily="49"/>
-              <a:cs typeface="Courier New" pitchFamily="49"/>
-            </a:endParaRPr>
-          </a:p>
-          <a:p>
-            <a:pPr lvl="0">
-              <a:buFont typeface="Courier New" pitchFamily="49"/>
-              <a:buChar char="_"/>
-            </a:pPr>
-            <a:endParaRPr lang="nl-NL">
-              <a:solidFill>
-                <a:srgbClr val="00FF00"/>
-              </a:solidFill>
-              <a:latin typeface="Courier New" pitchFamily="49"/>
-              <a:cs typeface="Courier New" pitchFamily="49"/>
-            </a:endParaRPr>
-          </a:p>
-          <a:p>
-            <a:pPr lvl="0">
-              <a:buFont typeface="Courier New" pitchFamily="49"/>
-              <a:buChar char="_"/>
-            </a:pPr>
-            <a:endParaRPr lang="nl-NL">
+              <a:rPr lang="nl-NL" dirty="0" err="1">
+                <a:solidFill>
+                  <a:srgbClr val="00FF00"/>
+                </a:solidFill>
+                <a:latin typeface="Courier New" pitchFamily="49"/>
+                <a:cs typeface="Courier New" pitchFamily="49"/>
+              </a:rPr>
+              <a:t>Extend</a:t>
+            </a:r>
+            <a:r>
+              <a:rPr lang="nl-NL" dirty="0">
+                <a:solidFill>
+                  <a:srgbClr val="00FF00"/>
+                </a:solidFill>
+                <a:latin typeface="Courier New" pitchFamily="49"/>
+                <a:cs typeface="Courier New" pitchFamily="49"/>
+              </a:rPr>
+              <a:t> test </a:t>
+            </a:r>
+            <a:r>
+              <a:rPr lang="nl-NL" dirty="0" err="1">
+                <a:solidFill>
+                  <a:srgbClr val="00FF00"/>
+                </a:solidFill>
+                <a:latin typeface="Courier New" pitchFamily="49"/>
+                <a:cs typeface="Courier New" pitchFamily="49"/>
+              </a:rPr>
+              <a:t>coverage</a:t>
+            </a:r>
+            <a:r>
+              <a:rPr lang="nl-NL" dirty="0">
+                <a:solidFill>
+                  <a:srgbClr val="00FF00"/>
+                </a:solidFill>
+                <a:latin typeface="Courier New" pitchFamily="49"/>
+                <a:cs typeface="Courier New" pitchFamily="49"/>
+              </a:rPr>
+              <a:t> </a:t>
+            </a:r>
+            <a:r>
+              <a:rPr lang="nl-NL" dirty="0" err="1">
+                <a:solidFill>
+                  <a:srgbClr val="00FF00"/>
+                </a:solidFill>
+                <a:latin typeface="Courier New" pitchFamily="49"/>
+                <a:cs typeface="Courier New" pitchFamily="49"/>
+              </a:rPr>
+              <a:t>by</a:t>
+            </a:r>
+            <a:r>
+              <a:rPr lang="nl-NL" dirty="0">
+                <a:solidFill>
+                  <a:srgbClr val="00FF00"/>
+                </a:solidFill>
+                <a:latin typeface="Courier New" pitchFamily="49"/>
+                <a:cs typeface="Courier New" pitchFamily="49"/>
+              </a:rPr>
+              <a:t> </a:t>
+            </a:r>
+            <a:r>
+              <a:rPr lang="nl-NL" dirty="0" err="1">
+                <a:solidFill>
+                  <a:srgbClr val="00FF00"/>
+                </a:solidFill>
+                <a:latin typeface="Courier New" pitchFamily="49"/>
+                <a:cs typeface="Courier New" pitchFamily="49"/>
+              </a:rPr>
+              <a:t>simulating</a:t>
+            </a:r>
+            <a:r>
+              <a:rPr lang="nl-NL" dirty="0">
+                <a:solidFill>
+                  <a:srgbClr val="00FF00"/>
+                </a:solidFill>
+                <a:latin typeface="Courier New" pitchFamily="49"/>
+                <a:cs typeface="Courier New" pitchFamily="49"/>
+              </a:rPr>
+              <a:t> </a:t>
+            </a:r>
+            <a:r>
+              <a:rPr lang="nl-NL" dirty="0" err="1">
+                <a:solidFill>
+                  <a:srgbClr val="00FF00"/>
+                </a:solidFill>
+                <a:latin typeface="Courier New" pitchFamily="49"/>
+                <a:cs typeface="Courier New" pitchFamily="49"/>
+              </a:rPr>
+              <a:t>faults</a:t>
+            </a:r>
+            <a:endParaRPr lang="nl-NL" dirty="0">
+              <a:solidFill>
+                <a:srgbClr val="00FF00"/>
+              </a:solidFill>
+              <a:latin typeface="Courier New" pitchFamily="49"/>
+              <a:cs typeface="Courier New" pitchFamily="49"/>
+            </a:endParaRPr>
+          </a:p>
+          <a:p>
+            <a:pPr lvl="0">
+              <a:buFont typeface="Courier New" pitchFamily="49"/>
+              <a:buChar char="_"/>
+            </a:pPr>
+            <a:endParaRPr lang="nl-NL" dirty="0">
+              <a:solidFill>
+                <a:srgbClr val="00FF00"/>
+              </a:solidFill>
+              <a:latin typeface="Courier New" pitchFamily="49"/>
+              <a:cs typeface="Courier New" pitchFamily="49"/>
+            </a:endParaRPr>
+          </a:p>
+          <a:p>
+            <a:pPr lvl="0">
+              <a:buFont typeface="Courier New" pitchFamily="49"/>
+              <a:buChar char="_"/>
+            </a:pPr>
+            <a:r>
+              <a:rPr lang="nl-NL" dirty="0" err="1">
+                <a:solidFill>
+                  <a:srgbClr val="00FF00"/>
+                </a:solidFill>
+                <a:latin typeface="Courier New" pitchFamily="49"/>
+                <a:cs typeface="Courier New" pitchFamily="49"/>
+              </a:rPr>
+              <a:t>Often</a:t>
+            </a:r>
+            <a:r>
+              <a:rPr lang="nl-NL" dirty="0">
+                <a:solidFill>
+                  <a:srgbClr val="00FF00"/>
+                </a:solidFill>
+                <a:latin typeface="Courier New" pitchFamily="49"/>
+                <a:cs typeface="Courier New" pitchFamily="49"/>
+              </a:rPr>
+              <a:t> hard </a:t>
+            </a:r>
+            <a:r>
+              <a:rPr lang="nl-NL" dirty="0" err="1">
+                <a:solidFill>
+                  <a:srgbClr val="00FF00"/>
+                </a:solidFill>
+                <a:latin typeface="Courier New" pitchFamily="49"/>
+                <a:cs typeface="Courier New" pitchFamily="49"/>
+              </a:rPr>
+              <a:t>to</a:t>
+            </a:r>
+            <a:r>
+              <a:rPr lang="nl-NL" dirty="0">
+                <a:solidFill>
+                  <a:srgbClr val="00FF00"/>
+                </a:solidFill>
+                <a:latin typeface="Courier New" pitchFamily="49"/>
+                <a:cs typeface="Courier New" pitchFamily="49"/>
+              </a:rPr>
+              <a:t> do in real systems</a:t>
+            </a:r>
+          </a:p>
+          <a:p>
+            <a:pPr lvl="0">
+              <a:buFont typeface="Courier New" pitchFamily="49"/>
+              <a:buChar char="_"/>
+            </a:pPr>
+            <a:endParaRPr lang="nl-NL" dirty="0">
+              <a:solidFill>
+                <a:srgbClr val="00FF00"/>
+              </a:solidFill>
+              <a:latin typeface="Courier New" pitchFamily="49"/>
+              <a:cs typeface="Courier New" pitchFamily="49"/>
+            </a:endParaRPr>
+          </a:p>
+          <a:p>
+            <a:pPr lvl="0">
+              <a:buFont typeface="Courier New" pitchFamily="49"/>
+              <a:buChar char="_"/>
+            </a:pPr>
+            <a:r>
+              <a:rPr lang="nl-NL" dirty="0">
+                <a:solidFill>
+                  <a:srgbClr val="00FF00"/>
+                </a:solidFill>
+                <a:latin typeface="Courier New" pitchFamily="49"/>
+                <a:cs typeface="Courier New" pitchFamily="49"/>
+              </a:rPr>
+              <a:t>Easy </a:t>
+            </a:r>
+            <a:r>
+              <a:rPr lang="nl-NL" dirty="0" err="1">
+                <a:solidFill>
+                  <a:srgbClr val="00FF00"/>
+                </a:solidFill>
+                <a:latin typeface="Courier New" pitchFamily="49"/>
+                <a:cs typeface="Courier New" pitchFamily="49"/>
+              </a:rPr>
+              <a:t>to</a:t>
+            </a:r>
+            <a:r>
+              <a:rPr lang="nl-NL" dirty="0">
+                <a:solidFill>
+                  <a:srgbClr val="00FF00"/>
+                </a:solidFill>
+                <a:latin typeface="Courier New" pitchFamily="49"/>
+                <a:cs typeface="Courier New" pitchFamily="49"/>
+              </a:rPr>
+              <a:t> do </a:t>
+            </a:r>
+            <a:r>
+              <a:rPr lang="nl-NL" dirty="0" err="1">
+                <a:solidFill>
+                  <a:srgbClr val="00FF00"/>
+                </a:solidFill>
+                <a:latin typeface="Courier New" pitchFamily="49"/>
+                <a:cs typeface="Courier New" pitchFamily="49"/>
+              </a:rPr>
+              <a:t>using</a:t>
+            </a:r>
+            <a:r>
+              <a:rPr lang="nl-NL" dirty="0">
+                <a:solidFill>
+                  <a:srgbClr val="00FF00"/>
+                </a:solidFill>
+                <a:latin typeface="Courier New" pitchFamily="49"/>
+                <a:cs typeface="Courier New" pitchFamily="49"/>
+              </a:rPr>
+              <a:t> </a:t>
+            </a:r>
+            <a:r>
+              <a:rPr lang="nl-NL" dirty="0" err="1">
+                <a:solidFill>
+                  <a:srgbClr val="00FF00"/>
+                </a:solidFill>
+                <a:latin typeface="Courier New" pitchFamily="49"/>
+                <a:cs typeface="Courier New" pitchFamily="49"/>
+              </a:rPr>
+              <a:t>stubs</a:t>
+            </a:r>
+            <a:r>
+              <a:rPr lang="nl-NL" dirty="0">
+                <a:solidFill>
+                  <a:srgbClr val="00FF00"/>
+                </a:solidFill>
+                <a:latin typeface="Courier New" pitchFamily="49"/>
+                <a:cs typeface="Courier New" pitchFamily="49"/>
+              </a:rPr>
+              <a:t> or </a:t>
+            </a:r>
+            <a:r>
+              <a:rPr lang="nl-NL" dirty="0" err="1">
+                <a:solidFill>
+                  <a:srgbClr val="00FF00"/>
+                </a:solidFill>
+                <a:latin typeface="Courier New" pitchFamily="49"/>
+                <a:cs typeface="Courier New" pitchFamily="49"/>
+              </a:rPr>
+              <a:t>mocks</a:t>
+            </a:r>
+            <a:endParaRPr lang="nl-NL" dirty="0">
+              <a:solidFill>
+                <a:srgbClr val="00FF00"/>
+              </a:solidFill>
+              <a:latin typeface="Courier New" pitchFamily="49"/>
+              <a:cs typeface="Courier New" pitchFamily="49"/>
+            </a:endParaRPr>
+          </a:p>
+          <a:p>
+            <a:pPr lvl="0">
+              <a:buFont typeface="Courier New" pitchFamily="49"/>
+              <a:buChar char="_"/>
+            </a:pPr>
+            <a:endParaRPr lang="nl-NL" dirty="0">
+              <a:solidFill>
+                <a:srgbClr val="00FF00"/>
+              </a:solidFill>
+              <a:latin typeface="Courier New" pitchFamily="49"/>
+              <a:cs typeface="Courier New" pitchFamily="49"/>
+            </a:endParaRPr>
+          </a:p>
+          <a:p>
+            <a:pPr lvl="0">
+              <a:buFont typeface="Courier New" pitchFamily="49"/>
+              <a:buChar char="_"/>
+            </a:pPr>
+            <a:r>
+              <a:rPr lang="nl-NL" dirty="0" err="1">
+                <a:solidFill>
+                  <a:srgbClr val="00FF00"/>
+                </a:solidFill>
+                <a:latin typeface="Courier New" pitchFamily="49"/>
+                <a:cs typeface="Courier New" pitchFamily="49"/>
+              </a:rPr>
+              <a:t>Used</a:t>
+            </a:r>
+            <a:r>
+              <a:rPr lang="nl-NL" dirty="0">
+                <a:solidFill>
+                  <a:srgbClr val="00FF00"/>
+                </a:solidFill>
+                <a:latin typeface="Courier New" pitchFamily="49"/>
+                <a:cs typeface="Courier New" pitchFamily="49"/>
+              </a:rPr>
+              <a:t> </a:t>
+            </a:r>
+            <a:r>
+              <a:rPr lang="nl-NL" dirty="0" err="1">
+                <a:solidFill>
+                  <a:srgbClr val="00FF00"/>
+                </a:solidFill>
+                <a:latin typeface="Courier New" pitchFamily="49"/>
+                <a:cs typeface="Courier New" pitchFamily="49"/>
+              </a:rPr>
+              <a:t>to</a:t>
+            </a:r>
+            <a:r>
+              <a:rPr lang="nl-NL" dirty="0">
+                <a:solidFill>
+                  <a:srgbClr val="00FF00"/>
+                </a:solidFill>
+                <a:latin typeface="Courier New" pitchFamily="49"/>
+                <a:cs typeface="Courier New" pitchFamily="49"/>
+              </a:rPr>
+              <a:t> test </a:t>
+            </a:r>
+            <a:r>
+              <a:rPr lang="nl-NL" dirty="0" err="1">
+                <a:solidFill>
+                  <a:srgbClr val="00FF00"/>
+                </a:solidFill>
+                <a:latin typeface="Courier New" pitchFamily="49"/>
+                <a:cs typeface="Courier New" pitchFamily="49"/>
+              </a:rPr>
+              <a:t>the</a:t>
+            </a:r>
+            <a:r>
+              <a:rPr lang="nl-NL" dirty="0">
+                <a:solidFill>
+                  <a:srgbClr val="00FF00"/>
+                </a:solidFill>
+                <a:latin typeface="Courier New" pitchFamily="49"/>
+                <a:cs typeface="Courier New" pitchFamily="49"/>
+              </a:rPr>
+              <a:t> </a:t>
+            </a:r>
+            <a:r>
+              <a:rPr lang="nl-NL" dirty="0" err="1">
+                <a:solidFill>
+                  <a:srgbClr val="00FF00"/>
+                </a:solidFill>
+                <a:latin typeface="Courier New" pitchFamily="49"/>
+                <a:cs typeface="Courier New" pitchFamily="49"/>
+              </a:rPr>
+              <a:t>exception</a:t>
+            </a:r>
+            <a:r>
+              <a:rPr lang="nl-NL" dirty="0">
+                <a:solidFill>
+                  <a:srgbClr val="00FF00"/>
+                </a:solidFill>
+                <a:latin typeface="Courier New" pitchFamily="49"/>
+                <a:cs typeface="Courier New" pitchFamily="49"/>
+              </a:rPr>
+              <a:t> handling of </a:t>
+            </a:r>
+            <a:r>
+              <a:rPr lang="nl-NL" dirty="0" err="1">
+                <a:solidFill>
+                  <a:srgbClr val="00FF00"/>
+                </a:solidFill>
+                <a:latin typeface="Courier New" pitchFamily="49"/>
+                <a:cs typeface="Courier New" pitchFamily="49"/>
+              </a:rPr>
+              <a:t>your</a:t>
+            </a:r>
+            <a:r>
+              <a:rPr lang="nl-NL" dirty="0">
+                <a:solidFill>
+                  <a:srgbClr val="00FF00"/>
+                </a:solidFill>
+                <a:latin typeface="Courier New" pitchFamily="49"/>
+                <a:cs typeface="Courier New" pitchFamily="49"/>
+              </a:rPr>
+              <a:t> </a:t>
+            </a:r>
+            <a:r>
+              <a:rPr lang="nl-NL" dirty="0" err="1">
+                <a:solidFill>
+                  <a:srgbClr val="00FF00"/>
+                </a:solidFill>
+                <a:latin typeface="Courier New" pitchFamily="49"/>
+                <a:cs typeface="Courier New" pitchFamily="49"/>
+              </a:rPr>
+              <a:t>application</a:t>
+            </a:r>
+            <a:r>
+              <a:rPr lang="nl-NL" dirty="0">
+                <a:solidFill>
+                  <a:srgbClr val="00FF00"/>
+                </a:solidFill>
+                <a:latin typeface="Courier New" pitchFamily="49"/>
+                <a:cs typeface="Courier New" pitchFamily="49"/>
+              </a:rPr>
+              <a:t> </a:t>
+            </a:r>
+            <a:r>
+              <a:rPr lang="nl-NL" dirty="0" err="1">
+                <a:solidFill>
+                  <a:srgbClr val="00FF00"/>
+                </a:solidFill>
+                <a:latin typeface="Courier New" pitchFamily="49"/>
+                <a:cs typeface="Courier New" pitchFamily="49"/>
+              </a:rPr>
+              <a:t>under</a:t>
+            </a:r>
+            <a:r>
+              <a:rPr lang="nl-NL" dirty="0">
+                <a:solidFill>
+                  <a:srgbClr val="00FF00"/>
+                </a:solidFill>
+                <a:latin typeface="Courier New" pitchFamily="49"/>
+                <a:cs typeface="Courier New" pitchFamily="49"/>
+              </a:rPr>
+              <a:t> test</a:t>
+            </a:r>
+          </a:p>
+          <a:p>
+            <a:pPr lvl="0">
+              <a:buFont typeface="Courier New" pitchFamily="49"/>
+              <a:buChar char="_"/>
+            </a:pPr>
+            <a:endParaRPr lang="nl-NL" dirty="0">
+              <a:solidFill>
+                <a:srgbClr val="00FF00"/>
+              </a:solidFill>
+              <a:latin typeface="Courier New" pitchFamily="49"/>
+              <a:cs typeface="Courier New" pitchFamily="49"/>
+            </a:endParaRPr>
+          </a:p>
+          <a:p>
+            <a:pPr lvl="0">
+              <a:buFont typeface="Courier New" pitchFamily="49"/>
+              <a:buChar char="_"/>
+            </a:pPr>
+            <a:endParaRPr lang="nl-NL" dirty="0">
+              <a:solidFill>
+                <a:srgbClr val="00FF00"/>
+              </a:solidFill>
+              <a:latin typeface="Courier New" pitchFamily="49"/>
+              <a:cs typeface="Courier New" pitchFamily="49"/>
+            </a:endParaRPr>
+          </a:p>
+          <a:p>
+            <a:pPr lvl="0">
+              <a:buFont typeface="Courier New" pitchFamily="49"/>
+              <a:buChar char="_"/>
+            </a:pPr>
+            <a:endParaRPr lang="nl-NL" dirty="0">
+              <a:solidFill>
+                <a:srgbClr val="00FF00"/>
+              </a:solidFill>
+              <a:latin typeface="Courier New" pitchFamily="49"/>
+              <a:cs typeface="Courier New" pitchFamily="49"/>
+            </a:endParaRPr>
+          </a:p>
+          <a:p>
+            <a:pPr lvl="0">
+              <a:buFont typeface="Courier New" pitchFamily="49"/>
+              <a:buChar char="_"/>
+            </a:pPr>
+            <a:endParaRPr lang="nl-NL" dirty="0">
+              <a:solidFill>
+                <a:srgbClr val="00FF00"/>
+              </a:solidFill>
+              <a:latin typeface="Courier New" pitchFamily="49"/>
+              <a:cs typeface="Courier New" pitchFamily="49"/>
+            </a:endParaRPr>
+          </a:p>
+          <a:p>
+            <a:pPr lvl="0">
+              <a:buFont typeface="Courier New" pitchFamily="49"/>
+              <a:buChar char="_"/>
+            </a:pPr>
+            <a:endParaRPr lang="nl-NL" dirty="0">
               <a:solidFill>
                 <a:srgbClr val="00FF00"/>
               </a:solidFill>
@@ -13138,67 +13462,97 @@
               <a:buFont typeface="Courier New" pitchFamily="49"/>
               <a:buChar char="_"/>
             </a:pPr>
-            <a:endParaRPr lang="nl-NL">
-              <a:solidFill>
-                <a:srgbClr val="00FF00"/>
-              </a:solidFill>
-              <a:latin typeface="Courier New" pitchFamily="49"/>
-              <a:cs typeface="Courier New" pitchFamily="49"/>
-            </a:endParaRPr>
-          </a:p>
-          <a:p>
-            <a:pPr lvl="0">
-              <a:buFont typeface="Courier New" pitchFamily="49"/>
-              <a:buChar char="_"/>
-            </a:pPr>
-            <a:endParaRPr lang="nl-NL">
-              <a:solidFill>
-                <a:srgbClr val="00FF00"/>
-              </a:solidFill>
-              <a:latin typeface="Courier New" pitchFamily="49"/>
-              <a:cs typeface="Courier New" pitchFamily="49"/>
-            </a:endParaRPr>
-          </a:p>
-          <a:p>
-            <a:pPr lvl="0">
-              <a:buFont typeface="Courier New" pitchFamily="49"/>
-              <a:buChar char="_"/>
-            </a:pPr>
-            <a:endParaRPr lang="nl-NL">
-              <a:solidFill>
-                <a:srgbClr val="00FF00"/>
-              </a:solidFill>
-              <a:latin typeface="Courier New" pitchFamily="49"/>
-              <a:cs typeface="Courier New" pitchFamily="49"/>
-            </a:endParaRPr>
-          </a:p>
-          <a:p>
-            <a:pPr lvl="0">
-              <a:buFont typeface="Courier New" pitchFamily="49"/>
-              <a:buChar char="_"/>
-            </a:pPr>
-            <a:endParaRPr lang="nl-NL">
-              <a:solidFill>
-                <a:srgbClr val="00FF00"/>
-              </a:solidFill>
-              <a:latin typeface="Courier New" pitchFamily="49"/>
-              <a:cs typeface="Courier New" pitchFamily="49"/>
-            </a:endParaRPr>
-          </a:p>
-          <a:p>
-            <a:pPr lvl="0">
-              <a:buFont typeface="Courier New" pitchFamily="49"/>
-              <a:buChar char="_"/>
-            </a:pPr>
-            <a:r>
-              <a:rPr lang="nl-NL">
-                <a:solidFill>
-                  <a:srgbClr val="00FF00"/>
-                </a:solidFill>
-                <a:latin typeface="Courier New" pitchFamily="49"/>
-                <a:cs typeface="Courier New" pitchFamily="49"/>
-              </a:rPr>
-              <a:t>Often used status codes:</a:t>
+            <a:endParaRPr lang="nl-NL" dirty="0">
+              <a:solidFill>
+                <a:srgbClr val="00FF00"/>
+              </a:solidFill>
+              <a:latin typeface="Courier New" pitchFamily="49"/>
+              <a:cs typeface="Courier New" pitchFamily="49"/>
+            </a:endParaRPr>
+          </a:p>
+          <a:p>
+            <a:pPr lvl="0">
+              <a:buFont typeface="Courier New" pitchFamily="49"/>
+              <a:buChar char="_"/>
+            </a:pPr>
+            <a:endParaRPr lang="nl-NL" dirty="0">
+              <a:solidFill>
+                <a:srgbClr val="00FF00"/>
+              </a:solidFill>
+              <a:latin typeface="Courier New" pitchFamily="49"/>
+              <a:cs typeface="Courier New" pitchFamily="49"/>
+            </a:endParaRPr>
+          </a:p>
+          <a:p>
+            <a:pPr lvl="0">
+              <a:buFont typeface="Courier New" pitchFamily="49"/>
+              <a:buChar char="_"/>
+            </a:pPr>
+            <a:endParaRPr lang="nl-NL" dirty="0">
+              <a:solidFill>
+                <a:srgbClr val="00FF00"/>
+              </a:solidFill>
+              <a:latin typeface="Courier New" pitchFamily="49"/>
+              <a:cs typeface="Courier New" pitchFamily="49"/>
+            </a:endParaRPr>
+          </a:p>
+          <a:p>
+            <a:pPr lvl="0">
+              <a:buFont typeface="Courier New" pitchFamily="49"/>
+              <a:buChar char="_"/>
+            </a:pPr>
+            <a:endParaRPr lang="nl-NL" dirty="0">
+              <a:solidFill>
+                <a:srgbClr val="00FF00"/>
+              </a:solidFill>
+              <a:latin typeface="Courier New" pitchFamily="49"/>
+              <a:cs typeface="Courier New" pitchFamily="49"/>
+            </a:endParaRPr>
+          </a:p>
+          <a:p>
+            <a:pPr lvl="0">
+              <a:buFont typeface="Courier New" pitchFamily="49"/>
+              <a:buChar char="_"/>
+            </a:pPr>
+            <a:r>
+              <a:rPr lang="nl-NL" dirty="0" err="1">
+                <a:solidFill>
+                  <a:srgbClr val="00FF00"/>
+                </a:solidFill>
+                <a:latin typeface="Courier New" pitchFamily="49"/>
+                <a:cs typeface="Courier New" pitchFamily="49"/>
+              </a:rPr>
+              <a:t>Often</a:t>
+            </a:r>
+            <a:r>
+              <a:rPr lang="nl-NL" dirty="0">
+                <a:solidFill>
+                  <a:srgbClr val="00FF00"/>
+                </a:solidFill>
+                <a:latin typeface="Courier New" pitchFamily="49"/>
+                <a:cs typeface="Courier New" pitchFamily="49"/>
+              </a:rPr>
+              <a:t> </a:t>
+            </a:r>
+            <a:r>
+              <a:rPr lang="nl-NL" dirty="0" err="1">
+                <a:solidFill>
+                  <a:srgbClr val="00FF00"/>
+                </a:solidFill>
+                <a:latin typeface="Courier New" pitchFamily="49"/>
+                <a:cs typeface="Courier New" pitchFamily="49"/>
+              </a:rPr>
+              <a:t>used</a:t>
+            </a:r>
+            <a:r>
+              <a:rPr lang="nl-NL" dirty="0">
+                <a:solidFill>
+                  <a:srgbClr val="00FF00"/>
+                </a:solidFill>
+                <a:latin typeface="Courier New" pitchFamily="49"/>
+                <a:cs typeface="Courier New" pitchFamily="49"/>
+              </a:rPr>
+              <a:t> HTTP status codes:</a:t>
             </a:r>
           </a:p>
           <a:p>
@@ -13206,7 +13560,7 @@
               <a:buNone/>
             </a:pPr>
             <a:r>
-              <a:rPr lang="nl-NL" sz="2400">
+              <a:rPr lang="nl-NL" sz="2400" dirty="0">
                 <a:solidFill>
                   <a:srgbClr val="00FF00"/>
                 </a:solidFill>
@@ -13216,7 +13570,7 @@
               <a:t>	</a:t>
             </a:r>
             <a:r>
-              <a:rPr lang="nl-NL" sz="2400" b="1">
+              <a:rPr lang="nl-NL" sz="2400" b="1" dirty="0">
                 <a:solidFill>
                   <a:srgbClr val="00FF00"/>
                 </a:solidFill>
@@ -13231,14 +13585,54 @@
               <a:buNone/>
             </a:pPr>
             <a:r>
-              <a:rPr lang="nl-NL" sz="2400">
-                <a:solidFill>
-                  <a:srgbClr val="00FF00"/>
-                </a:solidFill>
-                <a:latin typeface="Courier New" pitchFamily="49"/>
-                <a:cs typeface="Courier New" pitchFamily="49"/>
-              </a:rPr>
-              <a:t>	403 (Forbidden)		500 (Internal server error)</a:t>
+              <a:rPr lang="nl-NL" sz="2400" dirty="0">
+                <a:solidFill>
+                  <a:srgbClr val="00FF00"/>
+                </a:solidFill>
+                <a:latin typeface="Courier New" pitchFamily="49"/>
+                <a:cs typeface="Courier New" pitchFamily="49"/>
+              </a:rPr>
+              <a:t>	403 (</a:t>
+            </a:r>
+            <a:r>
+              <a:rPr lang="nl-NL" sz="2400" dirty="0" err="1">
+                <a:solidFill>
+                  <a:srgbClr val="00FF00"/>
+                </a:solidFill>
+                <a:latin typeface="Courier New" pitchFamily="49"/>
+                <a:cs typeface="Courier New" pitchFamily="49"/>
+              </a:rPr>
+              <a:t>Forbidden</a:t>
+            </a:r>
+            <a:r>
+              <a:rPr lang="nl-NL" sz="2400" dirty="0">
+                <a:solidFill>
+                  <a:srgbClr val="00FF00"/>
+                </a:solidFill>
+                <a:latin typeface="Courier New" pitchFamily="49"/>
+                <a:cs typeface="Courier New" pitchFamily="49"/>
+              </a:rPr>
+              <a:t>)		500 (</a:t>
+            </a:r>
+            <a:r>
+              <a:rPr lang="nl-NL" sz="2400" dirty="0" err="1">
+                <a:solidFill>
+                  <a:srgbClr val="00FF00"/>
+                </a:solidFill>
+                <a:latin typeface="Courier New" pitchFamily="49"/>
+                <a:cs typeface="Courier New" pitchFamily="49"/>
+              </a:rPr>
+              <a:t>Internal</a:t>
+            </a:r>
+            <a:r>
+              <a:rPr lang="nl-NL" sz="2400" dirty="0">
+                <a:solidFill>
+                  <a:srgbClr val="00FF00"/>
+                </a:solidFill>
+                <a:latin typeface="Courier New" pitchFamily="49"/>
+                <a:cs typeface="Courier New" pitchFamily="49"/>
+              </a:rPr>
+              <a:t> server error)</a:t>
             </a:r>
           </a:p>
           <a:p>
@@ -13246,74 +13640,114 @@
               <a:buNone/>
             </a:pPr>
             <a:r>
-              <a:rPr lang="nl-NL" sz="2400">
-                <a:solidFill>
-                  <a:srgbClr val="00FF00"/>
-                </a:solidFill>
-                <a:latin typeface="Courier New" pitchFamily="49"/>
-                <a:cs typeface="Courier New" pitchFamily="49"/>
-              </a:rPr>
-              <a:t>	404 (Not found)		503 (Service unavailable)</a:t>
-            </a:r>
-          </a:p>
-          <a:p>
-            <a:pPr lvl="0">
-              <a:buFont typeface="Courier New" pitchFamily="49"/>
-              <a:buChar char="_"/>
-            </a:pPr>
-            <a:endParaRPr lang="nl-NL">
-              <a:solidFill>
-                <a:srgbClr val="00FF00"/>
-              </a:solidFill>
-              <a:latin typeface="Courier New" pitchFamily="49"/>
-              <a:cs typeface="Courier New" pitchFamily="49"/>
-            </a:endParaRPr>
-          </a:p>
-          <a:p>
-            <a:pPr lvl="0">
-              <a:buFont typeface="Courier New" pitchFamily="49"/>
-              <a:buChar char="_"/>
-            </a:pPr>
-            <a:endParaRPr lang="nl-NL">
-              <a:solidFill>
-                <a:srgbClr val="00FF00"/>
-              </a:solidFill>
-              <a:latin typeface="Courier New" pitchFamily="49"/>
-              <a:cs typeface="Courier New" pitchFamily="49"/>
-            </a:endParaRPr>
-          </a:p>
-          <a:p>
-            <a:pPr lvl="0">
-              <a:buFont typeface="Courier New" pitchFamily="49"/>
-              <a:buChar char="_"/>
-            </a:pPr>
-            <a:endParaRPr lang="nl-NL">
-              <a:solidFill>
-                <a:srgbClr val="00FF00"/>
-              </a:solidFill>
-              <a:latin typeface="Courier New" pitchFamily="49"/>
-              <a:cs typeface="Courier New" pitchFamily="49"/>
-            </a:endParaRPr>
-          </a:p>
-          <a:p>
-            <a:pPr lvl="0">
-              <a:buFont typeface="Courier New" pitchFamily="49"/>
-              <a:buChar char="_"/>
-            </a:pPr>
-            <a:endParaRPr lang="nl-NL">
-              <a:solidFill>
-                <a:srgbClr val="00FF00"/>
-              </a:solidFill>
-              <a:latin typeface="Courier New" pitchFamily="49"/>
-              <a:cs typeface="Courier New" pitchFamily="49"/>
-            </a:endParaRPr>
-          </a:p>
-          <a:p>
-            <a:pPr lvl="0">
-              <a:buFont typeface="Courier New" pitchFamily="49"/>
-              <a:buChar char="_"/>
-            </a:pPr>
-            <a:endParaRPr lang="nl-NL">
+              <a:rPr lang="nl-NL" sz="2400" dirty="0">
+                <a:solidFill>
+                  <a:srgbClr val="00FF00"/>
+                </a:solidFill>
+                <a:latin typeface="Courier New" pitchFamily="49"/>
+                <a:cs typeface="Courier New" pitchFamily="49"/>
+              </a:rPr>
+              <a:t>	404 (</a:t>
+            </a:r>
+            <a:r>
+              <a:rPr lang="nl-NL" sz="2400" dirty="0" err="1">
+                <a:solidFill>
+                  <a:srgbClr val="00FF00"/>
+                </a:solidFill>
+                <a:latin typeface="Courier New" pitchFamily="49"/>
+                <a:cs typeface="Courier New" pitchFamily="49"/>
+              </a:rPr>
+              <a:t>Not</a:t>
+            </a:r>
+            <a:r>
+              <a:rPr lang="nl-NL" sz="2400" dirty="0">
+                <a:solidFill>
+                  <a:srgbClr val="00FF00"/>
+                </a:solidFill>
+                <a:latin typeface="Courier New" pitchFamily="49"/>
+                <a:cs typeface="Courier New" pitchFamily="49"/>
+              </a:rPr>
+              <a:t> found)		503 (Service </a:t>
+            </a:r>
+            <a:r>
+              <a:rPr lang="nl-NL" sz="2400" dirty="0" err="1">
+                <a:solidFill>
+                  <a:srgbClr val="00FF00"/>
+                </a:solidFill>
+                <a:latin typeface="Courier New" pitchFamily="49"/>
+                <a:cs typeface="Courier New" pitchFamily="49"/>
+              </a:rPr>
+              <a:t>unavailable</a:t>
+            </a:r>
+            <a:r>
+              <a:rPr lang="nl-NL" sz="2400" dirty="0">
+                <a:solidFill>
+                  <a:srgbClr val="00FF00"/>
+                </a:solidFill>
+                <a:latin typeface="Courier New" pitchFamily="49"/>
+                <a:cs typeface="Courier New" pitchFamily="49"/>
+              </a:rPr>
+              <a:t>)</a:t>
+            </a:r>
+          </a:p>
+          <a:p>
+            <a:pPr lvl="0">
+              <a:buFont typeface="Courier New" pitchFamily="49"/>
+              <a:buChar char="_"/>
+            </a:pPr>
+            <a:endParaRPr lang="nl-NL" dirty="0">
+              <a:solidFill>
+                <a:srgbClr val="00FF00"/>
+              </a:solidFill>
+              <a:latin typeface="Courier New" pitchFamily="49"/>
+              <a:cs typeface="Courier New" pitchFamily="49"/>
+            </a:endParaRPr>
+          </a:p>
+          <a:p>
+            <a:pPr lvl="0">
+              <a:buFont typeface="Courier New" pitchFamily="49"/>
+              <a:buChar char="_"/>
+            </a:pPr>
+            <a:endParaRPr lang="nl-NL" dirty="0">
+              <a:solidFill>
+                <a:srgbClr val="00FF00"/>
+              </a:solidFill>
+              <a:latin typeface="Courier New" pitchFamily="49"/>
+              <a:cs typeface="Courier New" pitchFamily="49"/>
+            </a:endParaRPr>
+          </a:p>
+          <a:p>
+            <a:pPr lvl="0">
+              <a:buFont typeface="Courier New" pitchFamily="49"/>
+              <a:buChar char="_"/>
+            </a:pPr>
+            <a:endParaRPr lang="nl-NL" dirty="0">
+              <a:solidFill>
+                <a:srgbClr val="00FF00"/>
+              </a:solidFill>
+              <a:latin typeface="Courier New" pitchFamily="49"/>
+              <a:cs typeface="Courier New" pitchFamily="49"/>
+            </a:endParaRPr>
+          </a:p>
+          <a:p>
+            <a:pPr lvl="0">
+              <a:buFont typeface="Courier New" pitchFamily="49"/>
+              <a:buChar char="_"/>
+            </a:pPr>
+            <a:endParaRPr lang="nl-NL" dirty="0">
+              <a:solidFill>
+                <a:srgbClr val="00FF00"/>
+              </a:solidFill>
+              <a:latin typeface="Courier New" pitchFamily="49"/>
+              <a:cs typeface="Courier New" pitchFamily="49"/>
+            </a:endParaRPr>
+          </a:p>
+          <a:p>
+            <a:pPr lvl="0">
+              <a:buFont typeface="Courier New" pitchFamily="49"/>
+              <a:buChar char="_"/>
+            </a:pPr>
+            <a:endParaRPr lang="nl-NL" dirty="0">
               <a:solidFill>
                 <a:srgbClr val="00FF00"/>
               </a:solidFill>
@@ -13443,8 +13877,8 @@
         </p:nvSpPr>
         <p:spPr>
           <a:xfrm>
-            <a:off x="838203" y="1825627"/>
-            <a:ext cx="10515600" cy="4927601"/>
+            <a:off x="838202" y="1825627"/>
+            <a:ext cx="11353797" cy="4927601"/>
           </a:xfrm>
         </p:spPr>
         <p:txBody>
@@ -13458,7 +13892,7 @@
               <a:buFont typeface="Courier New" pitchFamily="49"/>
               <a:buChar char="_"/>
             </a:pPr>
-            <a:endParaRPr lang="nl-NL">
+            <a:endParaRPr lang="nl-NL" dirty="0">
               <a:solidFill>
                 <a:srgbClr val="00FF00"/>
               </a:solidFill>
@@ -13474,7 +13908,7 @@
               <a:buFont typeface="Courier New" pitchFamily="49"/>
               <a:buChar char="_"/>
             </a:pPr>
-            <a:endParaRPr lang="nl-NL">
+            <a:endParaRPr lang="nl-NL" dirty="0">
               <a:solidFill>
                 <a:srgbClr val="00FF00"/>
               </a:solidFill>
@@ -13490,7 +13924,7 @@
               <a:buFont typeface="Courier New" pitchFamily="49"/>
               <a:buChar char="_"/>
             </a:pPr>
-            <a:endParaRPr lang="nl-NL">
+            <a:endParaRPr lang="nl-NL" dirty="0">
               <a:solidFill>
                 <a:srgbClr val="00FF00"/>
               </a:solidFill>
@@ -13506,7 +13940,7 @@
               <a:buFont typeface="Courier New" pitchFamily="49"/>
               <a:buChar char="_"/>
             </a:pPr>
-            <a:endParaRPr lang="nl-NL">
+            <a:endParaRPr lang="nl-NL" dirty="0">
               <a:solidFill>
                 <a:srgbClr val="00FF00"/>
               </a:solidFill>
@@ -13522,7 +13956,7 @@
               <a:buFont typeface="Courier New" pitchFamily="49"/>
               <a:buChar char="_"/>
             </a:pPr>
-            <a:endParaRPr lang="nl-NL">
+            <a:endParaRPr lang="nl-NL" dirty="0">
               <a:solidFill>
                 <a:srgbClr val="00FF00"/>
               </a:solidFill>
@@ -13539,15 +13973,92 @@
               <a:buChar char="_"/>
             </a:pPr>
             <a:r>
-              <a:rPr lang="nl-NL">
-                <a:solidFill>
-                  <a:srgbClr val="00FF00"/>
-                </a:solidFill>
-                <a:latin typeface="Courier New" pitchFamily="49"/>
-                <a:cs typeface="Courier New" pitchFamily="49"/>
-              </a:rPr>
-              <a:t>Other delay options:</a:t>
-            </a:r>
+              <a:rPr lang="nl-NL" dirty="0">
+                <a:solidFill>
+                  <a:srgbClr val="00FF00"/>
+                </a:solidFill>
+                <a:latin typeface="Courier New" pitchFamily="49"/>
+                <a:cs typeface="Courier New" pitchFamily="49"/>
+              </a:rPr>
+              <a:t>Random delay </a:t>
+            </a:r>
+            <a:r>
+              <a:rPr lang="nl-NL" dirty="0" err="1">
+                <a:solidFill>
+                  <a:srgbClr val="00FF00"/>
+                </a:solidFill>
+                <a:latin typeface="Courier New" pitchFamily="49"/>
+                <a:cs typeface="Courier New" pitchFamily="49"/>
+              </a:rPr>
+              <a:t>can</a:t>
+            </a:r>
+            <a:r>
+              <a:rPr lang="nl-NL" dirty="0">
+                <a:solidFill>
+                  <a:srgbClr val="00FF00"/>
+                </a:solidFill>
+                <a:latin typeface="Courier New" pitchFamily="49"/>
+                <a:cs typeface="Courier New" pitchFamily="49"/>
+              </a:rPr>
+              <a:t> </a:t>
+            </a:r>
+            <a:r>
+              <a:rPr lang="nl-NL" dirty="0" err="1">
+                <a:solidFill>
+                  <a:srgbClr val="00FF00"/>
+                </a:solidFill>
+                <a:latin typeface="Courier New" pitchFamily="49"/>
+                <a:cs typeface="Courier New" pitchFamily="49"/>
+              </a:rPr>
+              <a:t>also</a:t>
+            </a:r>
+            <a:r>
+              <a:rPr lang="nl-NL" dirty="0">
+                <a:solidFill>
+                  <a:srgbClr val="00FF00"/>
+                </a:solidFill>
+                <a:latin typeface="Courier New" pitchFamily="49"/>
+                <a:cs typeface="Courier New" pitchFamily="49"/>
+              </a:rPr>
+              <a:t> </a:t>
+            </a:r>
+            <a:r>
+              <a:rPr lang="nl-NL" dirty="0" err="1">
+                <a:solidFill>
+                  <a:srgbClr val="00FF00"/>
+                </a:solidFill>
+                <a:latin typeface="Courier New" pitchFamily="49"/>
+                <a:cs typeface="Courier New" pitchFamily="49"/>
+              </a:rPr>
+              <a:t>be</a:t>
+            </a:r>
+            <a:r>
+              <a:rPr lang="nl-NL" dirty="0">
+                <a:solidFill>
+                  <a:srgbClr val="00FF00"/>
+                </a:solidFill>
+                <a:latin typeface="Courier New" pitchFamily="49"/>
+                <a:cs typeface="Courier New" pitchFamily="49"/>
+              </a:rPr>
+              <a:t> </a:t>
+            </a:r>
+            <a:r>
+              <a:rPr lang="nl-NL" dirty="0" err="1">
+                <a:solidFill>
+                  <a:srgbClr val="00FF00"/>
+                </a:solidFill>
+                <a:latin typeface="Courier New" pitchFamily="49"/>
+                <a:cs typeface="Courier New" pitchFamily="49"/>
+              </a:rPr>
+              <a:t>used</a:t>
+            </a:r>
+            <a:endParaRPr lang="nl-NL" dirty="0">
+              <a:solidFill>
+                <a:srgbClr val="00FF00"/>
+              </a:solidFill>
+              <a:latin typeface="Courier New" pitchFamily="49"/>
+              <a:cs typeface="Courier New" pitchFamily="49"/>
+            </a:endParaRPr>
           </a:p>
           <a:p>
             <a:pPr lvl="1">
@@ -13558,34 +14069,111 @@
               <a:buChar char="_"/>
             </a:pPr>
             <a:r>
-              <a:rPr lang="nl-NL">
-                <a:solidFill>
-                  <a:srgbClr val="00FF00"/>
-                </a:solidFill>
-                <a:latin typeface="Courier New" pitchFamily="49"/>
-                <a:cs typeface="Courier New" pitchFamily="49"/>
-              </a:rPr>
-              <a:t>Random</a:t>
-            </a:r>
-          </a:p>
-          <a:p>
-            <a:pPr lvl="1">
+              <a:rPr lang="nl-NL" dirty="0">
+                <a:solidFill>
+                  <a:srgbClr val="00FF00"/>
+                </a:solidFill>
+                <a:latin typeface="Courier New" pitchFamily="49"/>
+                <a:cs typeface="Courier New" pitchFamily="49"/>
+              </a:rPr>
+              <a:t>Uniform, </a:t>
+            </a:r>
+            <a:r>
+              <a:rPr lang="nl-NL" dirty="0" err="1">
+                <a:solidFill>
+                  <a:srgbClr val="00FF00"/>
+                </a:solidFill>
+                <a:latin typeface="Courier New" pitchFamily="49"/>
+                <a:cs typeface="Courier New" pitchFamily="49"/>
+              </a:rPr>
+              <a:t>lognormal</a:t>
+            </a:r>
+            <a:r>
+              <a:rPr lang="nl-NL" dirty="0">
+                <a:solidFill>
+                  <a:srgbClr val="00FF00"/>
+                </a:solidFill>
+                <a:latin typeface="Courier New" pitchFamily="49"/>
+                <a:cs typeface="Courier New" pitchFamily="49"/>
+              </a:rPr>
+              <a:t>, </a:t>
+            </a:r>
+            <a:r>
+              <a:rPr lang="nl-NL" dirty="0" err="1">
+                <a:solidFill>
+                  <a:srgbClr val="00FF00"/>
+                </a:solidFill>
+                <a:latin typeface="Courier New" pitchFamily="49"/>
+                <a:cs typeface="Courier New" pitchFamily="49"/>
+              </a:rPr>
+              <a:t>chunked</a:t>
+            </a:r>
+            <a:r>
+              <a:rPr lang="nl-NL" dirty="0">
+                <a:solidFill>
+                  <a:srgbClr val="00FF00"/>
+                </a:solidFill>
+                <a:latin typeface="Courier New" pitchFamily="49"/>
+                <a:cs typeface="Courier New" pitchFamily="49"/>
+              </a:rPr>
+              <a:t> </a:t>
+            </a:r>
+            <a:r>
+              <a:rPr lang="nl-NL" dirty="0" err="1">
+                <a:solidFill>
+                  <a:srgbClr val="00FF00"/>
+                </a:solidFill>
+                <a:latin typeface="Courier New" pitchFamily="49"/>
+                <a:cs typeface="Courier New" pitchFamily="49"/>
+              </a:rPr>
+              <a:t>dribble</a:t>
+            </a:r>
+            <a:r>
+              <a:rPr lang="nl-NL" dirty="0">
+                <a:solidFill>
+                  <a:srgbClr val="00FF00"/>
+                </a:solidFill>
+                <a:latin typeface="Courier New" pitchFamily="49"/>
+                <a:cs typeface="Courier New" pitchFamily="49"/>
+              </a:rPr>
+              <a:t> </a:t>
+            </a:r>
+            <a:r>
+              <a:rPr lang="nl-NL" dirty="0" err="1">
+                <a:solidFill>
+                  <a:srgbClr val="00FF00"/>
+                </a:solidFill>
+                <a:latin typeface="Courier New" pitchFamily="49"/>
+                <a:cs typeface="Courier New" pitchFamily="49"/>
+              </a:rPr>
+              <a:t>distribution</a:t>
+            </a:r>
+            <a:r>
+              <a:rPr lang="nl-NL" dirty="0">
+                <a:solidFill>
+                  <a:srgbClr val="00FF00"/>
+                </a:solidFill>
+                <a:latin typeface="Courier New" pitchFamily="49"/>
+                <a:cs typeface="Courier New" pitchFamily="49"/>
+              </a:rPr>
+              <a:t> options</a:t>
+            </a:r>
+          </a:p>
+          <a:p>
+            <a:pPr lvl="0">
               <a:lnSpc>
                 <a:spcPct val="80000"/>
               </a:lnSpc>
               <a:buFont typeface="Courier New" pitchFamily="49"/>
               <a:buChar char="_"/>
             </a:pPr>
-            <a:r>
-              <a:rPr lang="nl-NL">
-                <a:solidFill>
-                  <a:srgbClr val="00FF00"/>
-                </a:solidFill>
-                <a:latin typeface="Courier New" pitchFamily="49"/>
-                <a:cs typeface="Courier New" pitchFamily="49"/>
-              </a:rPr>
-              <a:t>Uniformly distributed</a:t>
-            </a:r>
+            <a:endParaRPr lang="nl-NL" dirty="0">
+              <a:solidFill>
+                <a:srgbClr val="00FF00"/>
+              </a:solidFill>
+              <a:latin typeface="Courier New" pitchFamily="49"/>
+              <a:cs typeface="Courier New" pitchFamily="49"/>
+            </a:endParaRPr>
           </a:p>
           <a:p>
             <a:pPr lvl="0">
@@ -13595,7 +14183,97 @@
               <a:buFont typeface="Courier New" pitchFamily="49"/>
               <a:buChar char="_"/>
             </a:pPr>
-            <a:endParaRPr lang="nl-NL">
+            <a:r>
+              <a:rPr lang="nl-NL" dirty="0" err="1">
+                <a:solidFill>
+                  <a:srgbClr val="00FF00"/>
+                </a:solidFill>
+                <a:latin typeface="Courier New" pitchFamily="49"/>
+                <a:cs typeface="Courier New" pitchFamily="49"/>
+              </a:rPr>
+              <a:t>Can</a:t>
+            </a:r>
+            <a:r>
+              <a:rPr lang="nl-NL" dirty="0">
+                <a:solidFill>
+                  <a:srgbClr val="00FF00"/>
+                </a:solidFill>
+                <a:latin typeface="Courier New" pitchFamily="49"/>
+                <a:cs typeface="Courier New" pitchFamily="49"/>
+              </a:rPr>
+              <a:t> </a:t>
+            </a:r>
+            <a:r>
+              <a:rPr lang="nl-NL" dirty="0" err="1">
+                <a:solidFill>
+                  <a:srgbClr val="00FF00"/>
+                </a:solidFill>
+                <a:latin typeface="Courier New" pitchFamily="49"/>
+                <a:cs typeface="Courier New" pitchFamily="49"/>
+              </a:rPr>
+              <a:t>be</a:t>
+            </a:r>
+            <a:r>
+              <a:rPr lang="nl-NL" dirty="0">
+                <a:solidFill>
+                  <a:srgbClr val="00FF00"/>
+                </a:solidFill>
+                <a:latin typeface="Courier New" pitchFamily="49"/>
+                <a:cs typeface="Courier New" pitchFamily="49"/>
+              </a:rPr>
+              <a:t> </a:t>
+            </a:r>
+            <a:r>
+              <a:rPr lang="nl-NL" dirty="0" err="1">
+                <a:solidFill>
+                  <a:srgbClr val="00FF00"/>
+                </a:solidFill>
+                <a:latin typeface="Courier New" pitchFamily="49"/>
+                <a:cs typeface="Courier New" pitchFamily="49"/>
+              </a:rPr>
+              <a:t>configured</a:t>
+            </a:r>
+            <a:r>
+              <a:rPr lang="nl-NL" dirty="0">
+                <a:solidFill>
+                  <a:srgbClr val="00FF00"/>
+                </a:solidFill>
+                <a:latin typeface="Courier New" pitchFamily="49"/>
+                <a:cs typeface="Courier New" pitchFamily="49"/>
+              </a:rPr>
+              <a:t> on a per-</a:t>
+            </a:r>
+            <a:r>
+              <a:rPr lang="nl-NL" dirty="0" err="1">
+                <a:solidFill>
+                  <a:srgbClr val="00FF00"/>
+                </a:solidFill>
+                <a:latin typeface="Courier New" pitchFamily="49"/>
+                <a:cs typeface="Courier New" pitchFamily="49"/>
+              </a:rPr>
+              <a:t>stub</a:t>
+            </a:r>
+            <a:r>
+              <a:rPr lang="nl-NL" dirty="0">
+                <a:solidFill>
+                  <a:srgbClr val="00FF00"/>
+                </a:solidFill>
+                <a:latin typeface="Courier New" pitchFamily="49"/>
+                <a:cs typeface="Courier New" pitchFamily="49"/>
+              </a:rPr>
+              <a:t> basis as well as </a:t>
+            </a:r>
+            <a:r>
+              <a:rPr lang="nl-NL" dirty="0" err="1">
+                <a:solidFill>
+                  <a:srgbClr val="00FF00"/>
+                </a:solidFill>
+                <a:latin typeface="Courier New" pitchFamily="49"/>
+                <a:cs typeface="Courier New" pitchFamily="49"/>
+              </a:rPr>
+              <a:t>globally</a:t>
+            </a:r>
+            <a:endParaRPr lang="nl-NL" dirty="0">
               <a:solidFill>
                 <a:srgbClr val="00FF00"/>
               </a:solidFill>
@@ -13611,16 +14289,13 @@
               <a:buFont typeface="Courier New" pitchFamily="49"/>
               <a:buChar char="_"/>
             </a:pPr>
-            <a:r>
-              <a:rPr lang="nl-NL">
-                <a:solidFill>
-                  <a:srgbClr val="00FF00"/>
-                </a:solidFill>
-                <a:latin typeface="Courier New" pitchFamily="49"/>
-                <a:cs typeface="Courier New" pitchFamily="49"/>
-              </a:rPr>
-              <a:t>Can be configured on a per-stub basis as well as globally</a:t>
-            </a:r>
+            <a:endParaRPr lang="nl-NL" dirty="0">
+              <a:solidFill>
+                <a:srgbClr val="00FF00"/>
+              </a:solidFill>
+              <a:latin typeface="Courier New" pitchFamily="49"/>
+              <a:cs typeface="Courier New" pitchFamily="49"/>
+            </a:endParaRPr>
           </a:p>
           <a:p>
             <a:pPr lvl="0">
@@ -13630,7 +14305,7 @@
               <a:buFont typeface="Courier New" pitchFamily="49"/>
               <a:buChar char="_"/>
             </a:pPr>
-            <a:endParaRPr lang="nl-NL">
+            <a:endParaRPr lang="nl-NL" dirty="0">
               <a:solidFill>
                 <a:srgbClr val="00FF00"/>
               </a:solidFill>
@@ -13646,7 +14321,7 @@
               <a:buFont typeface="Courier New" pitchFamily="49"/>
               <a:buChar char="_"/>
             </a:pPr>
-            <a:endParaRPr lang="nl-NL">
+            <a:endParaRPr lang="nl-NL" dirty="0">
               <a:solidFill>
                 <a:srgbClr val="00FF00"/>
               </a:solidFill>
@@ -13662,7 +14337,7 @@
               <a:buFont typeface="Courier New" pitchFamily="49"/>
               <a:buChar char="_"/>
             </a:pPr>
-            <a:endParaRPr lang="nl-NL">
+            <a:endParaRPr lang="nl-NL" dirty="0">
               <a:solidFill>
                 <a:srgbClr val="00FF00"/>
               </a:solidFill>
@@ -13678,23 +14353,7 @@
               <a:buFont typeface="Courier New" pitchFamily="49"/>
               <a:buChar char="_"/>
             </a:pPr>
-            <a:endParaRPr lang="nl-NL">
-              <a:solidFill>
-                <a:srgbClr val="00FF00"/>
-              </a:solidFill>
-              <a:latin typeface="Courier New" pitchFamily="49"/>
-              <a:cs typeface="Courier New" pitchFamily="49"/>
-            </a:endParaRPr>
-          </a:p>
-          <a:p>
-            <a:pPr lvl="0">
-              <a:lnSpc>
-                <a:spcPct val="80000"/>
-              </a:lnSpc>
-              <a:buFont typeface="Courier New" pitchFamily="49"/>
-              <a:buChar char="_"/>
-            </a:pPr>
-            <a:endParaRPr lang="nl-NL">
+            <a:endParaRPr lang="nl-NL" dirty="0">
               <a:solidFill>
                 <a:srgbClr val="00FF00"/>
               </a:solidFill>
@@ -13824,108 +14483,140 @@
         </p:nvSpPr>
         <p:spPr>
           <a:xfrm>
-            <a:off x="838203" y="1825627"/>
-            <a:ext cx="11230157" cy="4351336"/>
+            <a:off x="838203" y="1825626"/>
+            <a:ext cx="11230157" cy="4803773"/>
           </a:xfrm>
         </p:spPr>
         <p:txBody>
-          <a:bodyPr/>
+          <a:bodyPr>
+            <a:normAutofit/>
+          </a:bodyPr>
           <a:lstStyle/>
           <a:p>
             <a:pPr lvl="0">
               <a:buFont typeface="Courier New" pitchFamily="49"/>
               <a:buChar char="_"/>
             </a:pPr>
-            <a:endParaRPr lang="nl-NL">
-              <a:solidFill>
-                <a:srgbClr val="00FF00"/>
-              </a:solidFill>
-              <a:latin typeface="Courier New" pitchFamily="49"/>
-              <a:cs typeface="Courier New" pitchFamily="49"/>
-            </a:endParaRPr>
-          </a:p>
-          <a:p>
-            <a:pPr lvl="0">
-              <a:buFont typeface="Courier New" pitchFamily="49"/>
-              <a:buChar char="_"/>
-            </a:pPr>
-            <a:endParaRPr lang="nl-NL">
-              <a:solidFill>
-                <a:srgbClr val="00FF00"/>
-              </a:solidFill>
-              <a:latin typeface="Courier New" pitchFamily="49"/>
-              <a:cs typeface="Courier New" pitchFamily="49"/>
-            </a:endParaRPr>
-          </a:p>
-          <a:p>
-            <a:pPr lvl="0">
-              <a:buFont typeface="Courier New" pitchFamily="49"/>
-              <a:buChar char="_"/>
-            </a:pPr>
-            <a:endParaRPr lang="nl-NL">
-              <a:solidFill>
-                <a:srgbClr val="00FF00"/>
-              </a:solidFill>
-              <a:latin typeface="Courier New" pitchFamily="49"/>
-              <a:cs typeface="Courier New" pitchFamily="49"/>
-            </a:endParaRPr>
-          </a:p>
-          <a:p>
-            <a:pPr lvl="0">
-              <a:buFont typeface="Courier New" pitchFamily="49"/>
-              <a:buChar char="_"/>
-            </a:pPr>
-            <a:endParaRPr lang="nl-NL">
-              <a:solidFill>
-                <a:srgbClr val="00FF00"/>
-              </a:solidFill>
-              <a:latin typeface="Courier New" pitchFamily="49"/>
-              <a:cs typeface="Courier New" pitchFamily="49"/>
-            </a:endParaRPr>
-          </a:p>
-          <a:p>
-            <a:pPr lvl="0">
-              <a:buFont typeface="Courier New" pitchFamily="49"/>
-              <a:buChar char="_"/>
-            </a:pPr>
-            <a:r>
-              <a:rPr lang="nl-NL">
-                <a:solidFill>
-                  <a:srgbClr val="00FF00"/>
-                </a:solidFill>
-                <a:latin typeface="Courier New" pitchFamily="49"/>
-                <a:cs typeface="Courier New" pitchFamily="49"/>
-              </a:rPr>
-              <a:t>HTTP status code 200, but garbage in response body</a:t>
-            </a:r>
-          </a:p>
-          <a:p>
-            <a:pPr lvl="0">
-              <a:buFont typeface="Courier New" pitchFamily="49"/>
-              <a:buChar char="_"/>
-            </a:pPr>
-            <a:endParaRPr lang="nl-NL">
-              <a:solidFill>
-                <a:srgbClr val="00FF00"/>
-              </a:solidFill>
-              <a:latin typeface="Courier New" pitchFamily="49"/>
-              <a:cs typeface="Courier New" pitchFamily="49"/>
-            </a:endParaRPr>
-          </a:p>
-          <a:p>
-            <a:pPr lvl="0">
-              <a:buFont typeface="Courier New" pitchFamily="49"/>
-              <a:buChar char="_"/>
-            </a:pPr>
-            <a:r>
-              <a:rPr lang="nl-NL">
-                <a:solidFill>
-                  <a:srgbClr val="00FF00"/>
-                </a:solidFill>
-                <a:latin typeface="Courier New" pitchFamily="49"/>
-                <a:cs typeface="Courier New" pitchFamily="49"/>
-              </a:rPr>
-              <a:t>Other options:</a:t>
+            <a:endParaRPr lang="nl-NL" dirty="0">
+              <a:solidFill>
+                <a:srgbClr val="00FF00"/>
+              </a:solidFill>
+              <a:latin typeface="Courier New" pitchFamily="49"/>
+              <a:cs typeface="Courier New" pitchFamily="49"/>
+            </a:endParaRPr>
+          </a:p>
+          <a:p>
+            <a:pPr lvl="0">
+              <a:buFont typeface="Courier New" pitchFamily="49"/>
+              <a:buChar char="_"/>
+            </a:pPr>
+            <a:endParaRPr lang="nl-NL" dirty="0">
+              <a:solidFill>
+                <a:srgbClr val="00FF00"/>
+              </a:solidFill>
+              <a:latin typeface="Courier New" pitchFamily="49"/>
+              <a:cs typeface="Courier New" pitchFamily="49"/>
+            </a:endParaRPr>
+          </a:p>
+          <a:p>
+            <a:pPr lvl="0">
+              <a:buFont typeface="Courier New" pitchFamily="49"/>
+              <a:buChar char="_"/>
+            </a:pPr>
+            <a:endParaRPr lang="nl-NL" dirty="0">
+              <a:solidFill>
+                <a:srgbClr val="00FF00"/>
+              </a:solidFill>
+              <a:latin typeface="Courier New" pitchFamily="49"/>
+              <a:cs typeface="Courier New" pitchFamily="49"/>
+            </a:endParaRPr>
+          </a:p>
+          <a:p>
+            <a:pPr lvl="0">
+              <a:buFont typeface="Courier New" pitchFamily="49"/>
+              <a:buChar char="_"/>
+            </a:pPr>
+            <a:endParaRPr lang="nl-NL" dirty="0">
+              <a:solidFill>
+                <a:srgbClr val="00FF00"/>
+              </a:solidFill>
+              <a:latin typeface="Courier New" pitchFamily="49"/>
+              <a:cs typeface="Courier New" pitchFamily="49"/>
+            </a:endParaRPr>
+          </a:p>
+          <a:p>
+            <a:pPr lvl="0">
+              <a:buFont typeface="Courier New" pitchFamily="49"/>
+              <a:buChar char="_"/>
+            </a:pPr>
+            <a:r>
+              <a:rPr lang="nl-NL" dirty="0">
+                <a:solidFill>
+                  <a:srgbClr val="00FF00"/>
+                </a:solidFill>
+                <a:latin typeface="Courier New" pitchFamily="49"/>
+                <a:cs typeface="Courier New" pitchFamily="49"/>
+              </a:rPr>
+              <a:t>HTTP status code 200, but </a:t>
+            </a:r>
+            <a:r>
+              <a:rPr lang="nl-NL" dirty="0" err="1">
+                <a:solidFill>
+                  <a:srgbClr val="00FF00"/>
+                </a:solidFill>
+                <a:latin typeface="Courier New" pitchFamily="49"/>
+                <a:cs typeface="Courier New" pitchFamily="49"/>
+              </a:rPr>
+              <a:t>garbage</a:t>
+            </a:r>
+            <a:r>
+              <a:rPr lang="nl-NL" dirty="0">
+                <a:solidFill>
+                  <a:srgbClr val="00FF00"/>
+                </a:solidFill>
+                <a:latin typeface="Courier New" pitchFamily="49"/>
+                <a:cs typeface="Courier New" pitchFamily="49"/>
+              </a:rPr>
+              <a:t> in response body</a:t>
+            </a:r>
+          </a:p>
+          <a:p>
+            <a:pPr lvl="0">
+              <a:buFont typeface="Courier New" pitchFamily="49"/>
+              <a:buChar char="_"/>
+            </a:pPr>
+            <a:endParaRPr lang="nl-NL" dirty="0">
+              <a:solidFill>
+                <a:srgbClr val="00FF00"/>
+              </a:solidFill>
+              <a:latin typeface="Courier New" pitchFamily="49"/>
+              <a:cs typeface="Courier New" pitchFamily="49"/>
+            </a:endParaRPr>
+          </a:p>
+          <a:p>
+            <a:pPr lvl="0">
+              <a:buFont typeface="Courier New" pitchFamily="49"/>
+              <a:buChar char="_"/>
+            </a:pPr>
+            <a:r>
+              <a:rPr lang="nl-NL" dirty="0" err="1">
+                <a:solidFill>
+                  <a:srgbClr val="00FF00"/>
+                </a:solidFill>
+                <a:latin typeface="Courier New" pitchFamily="49"/>
+                <a:cs typeface="Courier New" pitchFamily="49"/>
+              </a:rPr>
+              <a:t>Other</a:t>
+            </a:r>
+            <a:r>
+              <a:rPr lang="nl-NL" dirty="0">
+                <a:solidFill>
+                  <a:srgbClr val="00FF00"/>
+                </a:solidFill>
+                <a:latin typeface="Courier New" pitchFamily="49"/>
+                <a:cs typeface="Courier New" pitchFamily="49"/>
+              </a:rPr>
+              <a:t> options:</a:t>
             </a:r>
           </a:p>
           <a:p>
@@ -13934,14 +14625,34 @@
               <a:buChar char="_"/>
             </a:pPr>
             <a:r>
-              <a:rPr lang="nl-NL">
-                <a:solidFill>
-                  <a:srgbClr val="00FF00"/>
-                </a:solidFill>
-                <a:latin typeface="Courier New" pitchFamily="49"/>
-                <a:cs typeface="Courier New" pitchFamily="49"/>
-              </a:rPr>
-              <a:t>RANDOM_DATA_THEN_CLOSE (as above, without HTTP 200)</a:t>
+              <a:rPr lang="nl-NL" dirty="0">
+                <a:solidFill>
+                  <a:srgbClr val="00FF00"/>
+                </a:solidFill>
+                <a:latin typeface="Courier New" pitchFamily="49"/>
+                <a:cs typeface="Courier New" pitchFamily="49"/>
+              </a:rPr>
+              <a:t>RANDOM_DATA_THEN_CLOSE (as </a:t>
+            </a:r>
+            <a:r>
+              <a:rPr lang="nl-NL" dirty="0" err="1">
+                <a:solidFill>
+                  <a:srgbClr val="00FF00"/>
+                </a:solidFill>
+                <a:latin typeface="Courier New" pitchFamily="49"/>
+                <a:cs typeface="Courier New" pitchFamily="49"/>
+              </a:rPr>
+              <a:t>above</a:t>
+            </a:r>
+            <a:r>
+              <a:rPr lang="nl-NL" dirty="0">
+                <a:solidFill>
+                  <a:srgbClr val="00FF00"/>
+                </a:solidFill>
+                <a:latin typeface="Courier New" pitchFamily="49"/>
+                <a:cs typeface="Courier New" pitchFamily="49"/>
+              </a:rPr>
+              <a:t>, without HTTP 200)</a:t>
             </a:r>
           </a:p>
           <a:p>
@@ -13950,74 +14661,190 @@
               <a:buChar char="_"/>
             </a:pPr>
             <a:r>
-              <a:rPr lang="nl-NL">
-                <a:solidFill>
-                  <a:srgbClr val="00FF00"/>
-                </a:solidFill>
-                <a:latin typeface="Courier New" pitchFamily="49"/>
-                <a:cs typeface="Courier New" pitchFamily="49"/>
-              </a:rPr>
-              <a:t>EMPTY_RESPONSE</a:t>
-            </a:r>
-          </a:p>
-          <a:p>
-            <a:pPr lvl="0">
-              <a:buFont typeface="Courier New" pitchFamily="49"/>
-              <a:buChar char="_"/>
-            </a:pPr>
-            <a:endParaRPr lang="nl-NL">
-              <a:solidFill>
-                <a:srgbClr val="00FF00"/>
-              </a:solidFill>
-              <a:latin typeface="Courier New" pitchFamily="49"/>
-              <a:cs typeface="Courier New" pitchFamily="49"/>
-            </a:endParaRPr>
-          </a:p>
-          <a:p>
-            <a:pPr lvl="0">
-              <a:buFont typeface="Courier New" pitchFamily="49"/>
-              <a:buChar char="_"/>
-            </a:pPr>
-            <a:endParaRPr lang="nl-NL">
-              <a:solidFill>
-                <a:srgbClr val="00FF00"/>
-              </a:solidFill>
-              <a:latin typeface="Courier New" pitchFamily="49"/>
-              <a:cs typeface="Courier New" pitchFamily="49"/>
-            </a:endParaRPr>
-          </a:p>
-          <a:p>
-            <a:pPr lvl="0">
-              <a:buFont typeface="Courier New" pitchFamily="49"/>
-              <a:buChar char="_"/>
-            </a:pPr>
-            <a:endParaRPr lang="nl-NL">
-              <a:solidFill>
-                <a:srgbClr val="00FF00"/>
-              </a:solidFill>
-              <a:latin typeface="Courier New" pitchFamily="49"/>
-              <a:cs typeface="Courier New" pitchFamily="49"/>
-            </a:endParaRPr>
-          </a:p>
-          <a:p>
-            <a:pPr lvl="0">
-              <a:buFont typeface="Courier New" pitchFamily="49"/>
-              <a:buChar char="_"/>
-            </a:pPr>
-            <a:endParaRPr lang="nl-NL">
-              <a:solidFill>
-                <a:srgbClr val="00FF00"/>
-              </a:solidFill>
-              <a:latin typeface="Courier New" pitchFamily="49"/>
-              <a:cs typeface="Courier New" pitchFamily="49"/>
-            </a:endParaRPr>
-          </a:p>
-          <a:p>
-            <a:pPr lvl="0">
-              <a:buFont typeface="Courier New" pitchFamily="49"/>
-              <a:buChar char="_"/>
-            </a:pPr>
-            <a:endParaRPr lang="nl-NL">
+              <a:rPr lang="nl-NL" dirty="0">
+                <a:solidFill>
+                  <a:srgbClr val="00FF00"/>
+                </a:solidFill>
+                <a:latin typeface="Courier New" pitchFamily="49"/>
+                <a:cs typeface="Courier New" pitchFamily="49"/>
+              </a:rPr>
+              <a:t>EMPTY_RESPONSE (does </a:t>
+            </a:r>
+            <a:r>
+              <a:rPr lang="nl-NL" dirty="0" err="1">
+                <a:solidFill>
+                  <a:srgbClr val="00FF00"/>
+                </a:solidFill>
+                <a:latin typeface="Courier New" pitchFamily="49"/>
+                <a:cs typeface="Courier New" pitchFamily="49"/>
+              </a:rPr>
+              <a:t>what</a:t>
+            </a:r>
+            <a:r>
+              <a:rPr lang="nl-NL" dirty="0">
+                <a:solidFill>
+                  <a:srgbClr val="00FF00"/>
+                </a:solidFill>
+                <a:latin typeface="Courier New" pitchFamily="49"/>
+                <a:cs typeface="Courier New" pitchFamily="49"/>
+              </a:rPr>
+              <a:t> </a:t>
+            </a:r>
+            <a:r>
+              <a:rPr lang="nl-NL" dirty="0" err="1">
+                <a:solidFill>
+                  <a:srgbClr val="00FF00"/>
+                </a:solidFill>
+                <a:latin typeface="Courier New" pitchFamily="49"/>
+                <a:cs typeface="Courier New" pitchFamily="49"/>
+              </a:rPr>
+              <a:t>it</a:t>
+            </a:r>
+            <a:r>
+              <a:rPr lang="nl-NL" dirty="0">
+                <a:solidFill>
+                  <a:srgbClr val="00FF00"/>
+                </a:solidFill>
+                <a:latin typeface="Courier New" pitchFamily="49"/>
+                <a:cs typeface="Courier New" pitchFamily="49"/>
+              </a:rPr>
+              <a:t> </a:t>
+            </a:r>
+            <a:r>
+              <a:rPr lang="nl-NL" dirty="0" err="1">
+                <a:solidFill>
+                  <a:srgbClr val="00FF00"/>
+                </a:solidFill>
+                <a:latin typeface="Courier New" pitchFamily="49"/>
+                <a:cs typeface="Courier New" pitchFamily="49"/>
+              </a:rPr>
+              <a:t>says</a:t>
+            </a:r>
+            <a:r>
+              <a:rPr lang="nl-NL" dirty="0">
+                <a:solidFill>
+                  <a:srgbClr val="00FF00"/>
+                </a:solidFill>
+                <a:latin typeface="Courier New" pitchFamily="49"/>
+                <a:cs typeface="Courier New" pitchFamily="49"/>
+              </a:rPr>
+              <a:t> on </a:t>
+            </a:r>
+            <a:r>
+              <a:rPr lang="nl-NL" dirty="0" err="1">
+                <a:solidFill>
+                  <a:srgbClr val="00FF00"/>
+                </a:solidFill>
+                <a:latin typeface="Courier New" pitchFamily="49"/>
+                <a:cs typeface="Courier New" pitchFamily="49"/>
+              </a:rPr>
+              <a:t>the</a:t>
+            </a:r>
+            <a:r>
+              <a:rPr lang="nl-NL" dirty="0">
+                <a:solidFill>
+                  <a:srgbClr val="00FF00"/>
+                </a:solidFill>
+                <a:latin typeface="Courier New" pitchFamily="49"/>
+                <a:cs typeface="Courier New" pitchFamily="49"/>
+              </a:rPr>
+              <a:t> tin)</a:t>
+            </a:r>
+          </a:p>
+          <a:p>
+            <a:pPr lvl="1">
+              <a:buFont typeface="Courier New" pitchFamily="49"/>
+              <a:buChar char="_"/>
+            </a:pPr>
+            <a:r>
+              <a:rPr lang="nl-NL" dirty="0">
+                <a:solidFill>
+                  <a:srgbClr val="00FF00"/>
+                </a:solidFill>
+                <a:latin typeface="Courier New" pitchFamily="49"/>
+                <a:cs typeface="Courier New" pitchFamily="49"/>
+              </a:rPr>
+              <a:t>CONNECTION_RESET_BY_PEER (close </a:t>
+            </a:r>
+            <a:r>
+              <a:rPr lang="nl-NL" dirty="0" err="1">
+                <a:solidFill>
+                  <a:srgbClr val="00FF00"/>
+                </a:solidFill>
+                <a:latin typeface="Courier New" pitchFamily="49"/>
+                <a:cs typeface="Courier New" pitchFamily="49"/>
+              </a:rPr>
+              <a:t>connection</a:t>
+            </a:r>
+            <a:r>
+              <a:rPr lang="nl-NL" dirty="0">
+                <a:solidFill>
+                  <a:srgbClr val="00FF00"/>
+                </a:solidFill>
+                <a:latin typeface="Courier New" pitchFamily="49"/>
+                <a:cs typeface="Courier New" pitchFamily="49"/>
+              </a:rPr>
+              <a:t>, no response)</a:t>
+            </a:r>
+          </a:p>
+          <a:p>
+            <a:pPr lvl="0">
+              <a:buFont typeface="Courier New" pitchFamily="49"/>
+              <a:buChar char="_"/>
+            </a:pPr>
+            <a:endParaRPr lang="nl-NL" dirty="0">
+              <a:solidFill>
+                <a:srgbClr val="00FF00"/>
+              </a:solidFill>
+              <a:latin typeface="Courier New" pitchFamily="49"/>
+              <a:cs typeface="Courier New" pitchFamily="49"/>
+            </a:endParaRPr>
+          </a:p>
+          <a:p>
+            <a:pPr lvl="0">
+              <a:buFont typeface="Courier New" pitchFamily="49"/>
+              <a:buChar char="_"/>
+            </a:pPr>
+            <a:endParaRPr lang="nl-NL" dirty="0">
+              <a:solidFill>
+                <a:srgbClr val="00FF00"/>
+              </a:solidFill>
+              <a:latin typeface="Courier New" pitchFamily="49"/>
+              <a:cs typeface="Courier New" pitchFamily="49"/>
+            </a:endParaRPr>
+          </a:p>
+          <a:p>
+            <a:pPr lvl="0">
+              <a:buFont typeface="Courier New" pitchFamily="49"/>
+              <a:buChar char="_"/>
+            </a:pPr>
+            <a:endParaRPr lang="nl-NL" dirty="0">
+              <a:solidFill>
+                <a:srgbClr val="00FF00"/>
+              </a:solidFill>
+              <a:latin typeface="Courier New" pitchFamily="49"/>
+              <a:cs typeface="Courier New" pitchFamily="49"/>
+            </a:endParaRPr>
+          </a:p>
+          <a:p>
+            <a:pPr lvl="0">
+              <a:buFont typeface="Courier New" pitchFamily="49"/>
+              <a:buChar char="_"/>
+            </a:pPr>
+            <a:endParaRPr lang="nl-NL" dirty="0">
+              <a:solidFill>
+                <a:srgbClr val="00FF00"/>
+              </a:solidFill>
+              <a:latin typeface="Courier New" pitchFamily="49"/>
+              <a:cs typeface="Courier New" pitchFamily="49"/>
+            </a:endParaRPr>
+          </a:p>
+          <a:p>
+            <a:pPr lvl="0">
+              <a:buFont typeface="Courier New" pitchFamily="49"/>
+              <a:buChar char="_"/>
+            </a:pPr>
+            <a:endParaRPr lang="nl-NL" dirty="0">
               <a:solidFill>
                 <a:srgbClr val="00FF00"/>
               </a:solidFill>
@@ -14117,14 +14944,24 @@
           <a:p>
             <a:pPr lvl="0"/>
             <a:r>
-              <a:rPr lang="nl-NL">
-                <a:solidFill>
-                  <a:srgbClr val="00FF00"/>
-                </a:solidFill>
-                <a:latin typeface="Courier New" pitchFamily="49"/>
-                <a:cs typeface="Courier New" pitchFamily="49"/>
-              </a:rPr>
-              <a:t>Get your hands dirty!</a:t>
+              <a:rPr lang="nl-NL" dirty="0" err="1">
+                <a:solidFill>
+                  <a:srgbClr val="00FF00"/>
+                </a:solidFill>
+                <a:latin typeface="Courier New" pitchFamily="49"/>
+                <a:cs typeface="Courier New" pitchFamily="49"/>
+              </a:rPr>
+              <a:t>Exercise</a:t>
+            </a:r>
+            <a:r>
+              <a:rPr lang="nl-NL" dirty="0">
+                <a:solidFill>
+                  <a:srgbClr val="00FF00"/>
+                </a:solidFill>
+                <a:latin typeface="Courier New" pitchFamily="49"/>
+                <a:cs typeface="Courier New" pitchFamily="49"/>
+              </a:rPr>
+              <a:t> time!</a:t>
             </a:r>
           </a:p>
         </p:txBody>
@@ -14155,7 +14992,7 @@
               <a:buChar char="_"/>
             </a:pPr>
             <a:r>
-              <a:rPr lang="nl-NL">
+              <a:rPr lang="nl-NL" dirty="0">
                 <a:solidFill>
                   <a:srgbClr val="00FF00"/>
                 </a:solidFill>
@@ -14170,146 +15007,330 @@
               <a:buFont typeface="Courier New" pitchFamily="49"/>
               <a:buChar char="_"/>
             </a:pPr>
-            <a:endParaRPr lang="nl-NL">
-              <a:solidFill>
-                <a:srgbClr val="00FF00"/>
-              </a:solidFill>
-              <a:latin typeface="Courier New" pitchFamily="49"/>
-              <a:cs typeface="Courier New" pitchFamily="49"/>
-            </a:endParaRPr>
-          </a:p>
-          <a:p>
-            <a:pPr lvl="0">
-              <a:buFont typeface="Courier New" pitchFamily="49"/>
-              <a:buChar char="_"/>
-            </a:pPr>
-            <a:r>
-              <a:rPr lang="nl-NL">
-                <a:solidFill>
-                  <a:srgbClr val="00FF00"/>
-                </a:solidFill>
-                <a:latin typeface="Courier New" pitchFamily="49"/>
-                <a:cs typeface="Courier New" pitchFamily="49"/>
-              </a:rPr>
-              <a:t>Use fault simulation</a:t>
-            </a:r>
-          </a:p>
-          <a:p>
-            <a:pPr lvl="0">
-              <a:buFont typeface="Courier New" pitchFamily="49"/>
-              <a:buChar char="_"/>
-            </a:pPr>
-            <a:endParaRPr lang="nl-NL">
-              <a:solidFill>
-                <a:srgbClr val="00FF00"/>
-              </a:solidFill>
-              <a:latin typeface="Courier New" pitchFamily="49"/>
-              <a:cs typeface="Courier New" pitchFamily="49"/>
-            </a:endParaRPr>
-          </a:p>
-          <a:p>
-            <a:pPr lvl="0">
-              <a:buFont typeface="Courier New" pitchFamily="49"/>
-              <a:buChar char="_"/>
-            </a:pPr>
-            <a:r>
-              <a:rPr lang="nl-NL">
-                <a:solidFill>
-                  <a:srgbClr val="00FF00"/>
-                </a:solidFill>
-                <a:latin typeface="Courier New" pitchFamily="49"/>
-                <a:cs typeface="Courier New" pitchFamily="49"/>
-              </a:rPr>
-              <a:t>Exercises are defined in the comments</a:t>
-            </a:r>
-          </a:p>
-          <a:p>
-            <a:pPr lvl="0">
-              <a:buFont typeface="Courier New" pitchFamily="49"/>
-              <a:buChar char="_"/>
-            </a:pPr>
-            <a:endParaRPr lang="nl-NL">
-              <a:solidFill>
-                <a:srgbClr val="00FF00"/>
-              </a:solidFill>
-              <a:latin typeface="Courier New" pitchFamily="49"/>
-              <a:cs typeface="Courier New" pitchFamily="49"/>
-            </a:endParaRPr>
-          </a:p>
-          <a:p>
-            <a:pPr lvl="0">
-              <a:buFont typeface="Courier New" pitchFamily="49"/>
-              <a:buChar char="_"/>
-            </a:pPr>
-            <a:r>
-              <a:rPr lang="nl-NL">
-                <a:solidFill>
-                  <a:srgbClr val="00FF00"/>
-                </a:solidFill>
-                <a:latin typeface="Courier New" pitchFamily="49"/>
-                <a:cs typeface="Courier New" pitchFamily="49"/>
-              </a:rPr>
-              <a:t>Verify your solution by running the tests</a:t>
-            </a:r>
-          </a:p>
-          <a:p>
-            <a:pPr lvl="0">
-              <a:buFont typeface="Courier New" pitchFamily="49"/>
-              <a:buChar char="_"/>
-            </a:pPr>
-            <a:endParaRPr lang="nl-NL">
-              <a:solidFill>
-                <a:srgbClr val="00FF00"/>
-              </a:solidFill>
-              <a:latin typeface="Courier New" pitchFamily="49"/>
-              <a:cs typeface="Courier New" pitchFamily="49"/>
-            </a:endParaRPr>
-          </a:p>
-          <a:p>
-            <a:pPr lvl="0">
-              <a:buFont typeface="Courier New" pitchFamily="49"/>
-              <a:buChar char="_"/>
-            </a:pPr>
-            <a:endParaRPr lang="nl-NL">
-              <a:solidFill>
-                <a:srgbClr val="00FF00"/>
-              </a:solidFill>
-              <a:latin typeface="Courier New" pitchFamily="49"/>
-              <a:cs typeface="Courier New" pitchFamily="49"/>
-            </a:endParaRPr>
-          </a:p>
-          <a:p>
-            <a:pPr lvl="0">
-              <a:buFont typeface="Courier New" pitchFamily="49"/>
-              <a:buChar char="_"/>
-            </a:pPr>
-            <a:endParaRPr lang="nl-NL">
-              <a:solidFill>
-                <a:srgbClr val="00FF00"/>
-              </a:solidFill>
-              <a:latin typeface="Courier New" pitchFamily="49"/>
-              <a:cs typeface="Courier New" pitchFamily="49"/>
-            </a:endParaRPr>
-          </a:p>
-          <a:p>
-            <a:pPr lvl="0">
-              <a:buFont typeface="Courier New" pitchFamily="49"/>
-              <a:buChar char="_"/>
-            </a:pPr>
-            <a:endParaRPr lang="nl-NL">
-              <a:solidFill>
-                <a:srgbClr val="00FF00"/>
-              </a:solidFill>
-              <a:latin typeface="Courier New" pitchFamily="49"/>
-              <a:cs typeface="Courier New" pitchFamily="49"/>
-            </a:endParaRPr>
-          </a:p>
-          <a:p>
-            <a:pPr lvl="0">
-              <a:buFont typeface="Courier New" pitchFamily="49"/>
-              <a:buChar char="_"/>
-            </a:pPr>
-            <a:endParaRPr lang="nl-NL">
+            <a:endParaRPr lang="nl-NL" dirty="0">
+              <a:solidFill>
+                <a:srgbClr val="00FF00"/>
+              </a:solidFill>
+              <a:latin typeface="Courier New" pitchFamily="49"/>
+              <a:cs typeface="Courier New" pitchFamily="49"/>
+            </a:endParaRPr>
+          </a:p>
+          <a:p>
+            <a:pPr lvl="0">
+              <a:buFont typeface="Courier New" pitchFamily="49"/>
+              <a:buChar char="_"/>
+            </a:pPr>
+            <a:r>
+              <a:rPr lang="nl-NL" dirty="0" err="1">
+                <a:solidFill>
+                  <a:srgbClr val="00FF00"/>
+                </a:solidFill>
+                <a:latin typeface="Courier New" pitchFamily="49"/>
+                <a:cs typeface="Courier New" pitchFamily="49"/>
+              </a:rPr>
+              <a:t>Use</a:t>
+            </a:r>
+            <a:r>
+              <a:rPr lang="nl-NL" dirty="0">
+                <a:solidFill>
+                  <a:srgbClr val="00FF00"/>
+                </a:solidFill>
+                <a:latin typeface="Courier New" pitchFamily="49"/>
+                <a:cs typeface="Courier New" pitchFamily="49"/>
+              </a:rPr>
+              <a:t> </a:t>
+            </a:r>
+            <a:r>
+              <a:rPr lang="nl-NL" dirty="0" err="1">
+                <a:solidFill>
+                  <a:srgbClr val="00FF00"/>
+                </a:solidFill>
+                <a:latin typeface="Courier New" pitchFamily="49"/>
+                <a:cs typeface="Courier New" pitchFamily="49"/>
+              </a:rPr>
+              <a:t>fault</a:t>
+            </a:r>
+            <a:r>
+              <a:rPr lang="nl-NL" dirty="0">
+                <a:solidFill>
+                  <a:srgbClr val="00FF00"/>
+                </a:solidFill>
+                <a:latin typeface="Courier New" pitchFamily="49"/>
+                <a:cs typeface="Courier New" pitchFamily="49"/>
+              </a:rPr>
+              <a:t> </a:t>
+            </a:r>
+            <a:r>
+              <a:rPr lang="nl-NL" dirty="0" err="1">
+                <a:solidFill>
+                  <a:srgbClr val="00FF00"/>
+                </a:solidFill>
+                <a:latin typeface="Courier New" pitchFamily="49"/>
+                <a:cs typeface="Courier New" pitchFamily="49"/>
+              </a:rPr>
+              <a:t>simulation</a:t>
+            </a:r>
+            <a:endParaRPr lang="nl-NL" dirty="0">
+              <a:solidFill>
+                <a:srgbClr val="00FF00"/>
+              </a:solidFill>
+              <a:latin typeface="Courier New" pitchFamily="49"/>
+              <a:cs typeface="Courier New" pitchFamily="49"/>
+            </a:endParaRPr>
+          </a:p>
+          <a:p>
+            <a:pPr lvl="0">
+              <a:buFont typeface="Courier New" pitchFamily="49"/>
+              <a:buChar char="_"/>
+            </a:pPr>
+            <a:endParaRPr lang="nl-NL" dirty="0">
+              <a:solidFill>
+                <a:srgbClr val="00FF00"/>
+              </a:solidFill>
+              <a:latin typeface="Courier New" pitchFamily="49"/>
+              <a:cs typeface="Courier New" pitchFamily="49"/>
+            </a:endParaRPr>
+          </a:p>
+          <a:p>
+            <a:pPr lvl="0">
+              <a:buFont typeface="Courier New" pitchFamily="49"/>
+              <a:buChar char="_"/>
+            </a:pPr>
+            <a:r>
+              <a:rPr lang="nl-NL" dirty="0" err="1">
+                <a:solidFill>
+                  <a:srgbClr val="00FF00"/>
+                </a:solidFill>
+                <a:latin typeface="Courier New" pitchFamily="49"/>
+                <a:cs typeface="Courier New" pitchFamily="49"/>
+              </a:rPr>
+              <a:t>Exercises</a:t>
+            </a:r>
+            <a:r>
+              <a:rPr lang="nl-NL" dirty="0">
+                <a:solidFill>
+                  <a:srgbClr val="00FF00"/>
+                </a:solidFill>
+                <a:latin typeface="Courier New" pitchFamily="49"/>
+                <a:cs typeface="Courier New" pitchFamily="49"/>
+              </a:rPr>
+              <a:t> are </a:t>
+            </a:r>
+            <a:r>
+              <a:rPr lang="nl-NL" dirty="0" err="1">
+                <a:solidFill>
+                  <a:srgbClr val="00FF00"/>
+                </a:solidFill>
+                <a:latin typeface="Courier New" pitchFamily="49"/>
+                <a:cs typeface="Courier New" pitchFamily="49"/>
+              </a:rPr>
+              <a:t>defined</a:t>
+            </a:r>
+            <a:r>
+              <a:rPr lang="nl-NL" dirty="0">
+                <a:solidFill>
+                  <a:srgbClr val="00FF00"/>
+                </a:solidFill>
+                <a:latin typeface="Courier New" pitchFamily="49"/>
+                <a:cs typeface="Courier New" pitchFamily="49"/>
+              </a:rPr>
+              <a:t> in </a:t>
+            </a:r>
+            <a:r>
+              <a:rPr lang="nl-NL" dirty="0" err="1">
+                <a:solidFill>
+                  <a:srgbClr val="00FF00"/>
+                </a:solidFill>
+                <a:latin typeface="Courier New" pitchFamily="49"/>
+                <a:cs typeface="Courier New" pitchFamily="49"/>
+              </a:rPr>
+              <a:t>the</a:t>
+            </a:r>
+            <a:r>
+              <a:rPr lang="nl-NL" dirty="0">
+                <a:solidFill>
+                  <a:srgbClr val="00FF00"/>
+                </a:solidFill>
+                <a:latin typeface="Courier New" pitchFamily="49"/>
+                <a:cs typeface="Courier New" pitchFamily="49"/>
+              </a:rPr>
+              <a:t> </a:t>
+            </a:r>
+            <a:r>
+              <a:rPr lang="nl-NL" dirty="0" err="1">
+                <a:solidFill>
+                  <a:srgbClr val="00FF00"/>
+                </a:solidFill>
+                <a:latin typeface="Courier New" pitchFamily="49"/>
+                <a:cs typeface="Courier New" pitchFamily="49"/>
+              </a:rPr>
+              <a:t>comments</a:t>
+            </a:r>
+            <a:endParaRPr lang="nl-NL" dirty="0">
+              <a:solidFill>
+                <a:srgbClr val="00FF00"/>
+              </a:solidFill>
+              <a:latin typeface="Courier New" pitchFamily="49"/>
+              <a:cs typeface="Courier New" pitchFamily="49"/>
+            </a:endParaRPr>
+          </a:p>
+          <a:p>
+            <a:pPr lvl="0">
+              <a:buFont typeface="Courier New" pitchFamily="49"/>
+              <a:buChar char="_"/>
+            </a:pPr>
+            <a:endParaRPr lang="nl-NL" dirty="0">
+              <a:solidFill>
+                <a:srgbClr val="00FF00"/>
+              </a:solidFill>
+              <a:latin typeface="Courier New" pitchFamily="49"/>
+              <a:cs typeface="Courier New" pitchFamily="49"/>
+            </a:endParaRPr>
+          </a:p>
+          <a:p>
+            <a:pPr lvl="0">
+              <a:buFont typeface="Courier New" pitchFamily="49"/>
+              <a:buChar char="_"/>
+            </a:pPr>
+            <a:r>
+              <a:rPr lang="nl-NL" dirty="0" err="1">
+                <a:solidFill>
+                  <a:srgbClr val="00FF00"/>
+                </a:solidFill>
+                <a:latin typeface="Courier New" pitchFamily="49"/>
+                <a:cs typeface="Courier New" pitchFamily="49"/>
+              </a:rPr>
+              <a:t>Verify</a:t>
+            </a:r>
+            <a:r>
+              <a:rPr lang="nl-NL" dirty="0">
+                <a:solidFill>
+                  <a:srgbClr val="00FF00"/>
+                </a:solidFill>
+                <a:latin typeface="Courier New" pitchFamily="49"/>
+                <a:cs typeface="Courier New" pitchFamily="49"/>
+              </a:rPr>
+              <a:t> </a:t>
+            </a:r>
+            <a:r>
+              <a:rPr lang="nl-NL" dirty="0" err="1">
+                <a:solidFill>
+                  <a:srgbClr val="00FF00"/>
+                </a:solidFill>
+                <a:latin typeface="Courier New" pitchFamily="49"/>
+                <a:cs typeface="Courier New" pitchFamily="49"/>
+              </a:rPr>
+              <a:t>your</a:t>
+            </a:r>
+            <a:r>
+              <a:rPr lang="nl-NL" dirty="0">
+                <a:solidFill>
+                  <a:srgbClr val="00FF00"/>
+                </a:solidFill>
+                <a:latin typeface="Courier New" pitchFamily="49"/>
+                <a:cs typeface="Courier New" pitchFamily="49"/>
+              </a:rPr>
+              <a:t> solution </a:t>
+            </a:r>
+            <a:r>
+              <a:rPr lang="nl-NL" dirty="0" err="1">
+                <a:solidFill>
+                  <a:srgbClr val="00FF00"/>
+                </a:solidFill>
+                <a:latin typeface="Courier New" pitchFamily="49"/>
+                <a:cs typeface="Courier New" pitchFamily="49"/>
+              </a:rPr>
+              <a:t>by</a:t>
+            </a:r>
+            <a:r>
+              <a:rPr lang="nl-NL" dirty="0">
+                <a:solidFill>
+                  <a:srgbClr val="00FF00"/>
+                </a:solidFill>
+                <a:latin typeface="Courier New" pitchFamily="49"/>
+                <a:cs typeface="Courier New" pitchFamily="49"/>
+              </a:rPr>
+              <a:t> running </a:t>
+            </a:r>
+            <a:r>
+              <a:rPr lang="nl-NL" dirty="0" err="1">
+                <a:solidFill>
+                  <a:srgbClr val="00FF00"/>
+                </a:solidFill>
+                <a:latin typeface="Courier New" pitchFamily="49"/>
+                <a:cs typeface="Courier New" pitchFamily="49"/>
+              </a:rPr>
+              <a:t>the</a:t>
+            </a:r>
+            <a:r>
+              <a:rPr lang="nl-NL" dirty="0">
+                <a:solidFill>
+                  <a:srgbClr val="00FF00"/>
+                </a:solidFill>
+                <a:latin typeface="Courier New" pitchFamily="49"/>
+                <a:cs typeface="Courier New" pitchFamily="49"/>
+              </a:rPr>
+              <a:t> tests</a:t>
+            </a:r>
+          </a:p>
+          <a:p>
+            <a:pPr lvl="0">
+              <a:buFont typeface="Courier New" pitchFamily="49"/>
+              <a:buChar char="_"/>
+            </a:pPr>
+            <a:endParaRPr lang="nl-NL" dirty="0">
+              <a:solidFill>
+                <a:srgbClr val="00FF00"/>
+              </a:solidFill>
+              <a:latin typeface="Courier New" pitchFamily="49"/>
+              <a:cs typeface="Courier New" pitchFamily="49"/>
+            </a:endParaRPr>
+          </a:p>
+          <a:p>
+            <a:pPr lvl="0">
+              <a:buFont typeface="Courier New" pitchFamily="49"/>
+              <a:buChar char="_"/>
+            </a:pPr>
+            <a:endParaRPr lang="nl-NL" dirty="0">
+              <a:solidFill>
+                <a:srgbClr val="00FF00"/>
+              </a:solidFill>
+              <a:latin typeface="Courier New" pitchFamily="49"/>
+              <a:cs typeface="Courier New" pitchFamily="49"/>
+            </a:endParaRPr>
+          </a:p>
+          <a:p>
+            <a:pPr lvl="0">
+              <a:buFont typeface="Courier New" pitchFamily="49"/>
+              <a:buChar char="_"/>
+            </a:pPr>
+            <a:endParaRPr lang="nl-NL" dirty="0">
+              <a:solidFill>
+                <a:srgbClr val="00FF00"/>
+              </a:solidFill>
+              <a:latin typeface="Courier New" pitchFamily="49"/>
+              <a:cs typeface="Courier New" pitchFamily="49"/>
+            </a:endParaRPr>
+          </a:p>
+          <a:p>
+            <a:pPr lvl="0">
+              <a:buFont typeface="Courier New" pitchFamily="49"/>
+              <a:buChar char="_"/>
+            </a:pPr>
+            <a:endParaRPr lang="nl-NL" dirty="0">
+              <a:solidFill>
+                <a:srgbClr val="00FF00"/>
+              </a:solidFill>
+              <a:latin typeface="Courier New" pitchFamily="49"/>
+              <a:cs typeface="Courier New" pitchFamily="49"/>
+            </a:endParaRPr>
+          </a:p>
+          <a:p>
+            <a:pPr lvl="0">
+              <a:buFont typeface="Courier New" pitchFamily="49"/>
+              <a:buChar char="_"/>
+            </a:pPr>
+            <a:endParaRPr lang="nl-NL" dirty="0">
               <a:solidFill>
                 <a:srgbClr val="00FF00"/>
               </a:solidFill>

--- a/wiremock_workshop.pptx
+++ b/wiremock_workshop.pptx
@@ -5,7 +5,7 @@
     <p:sldMasterId id="2147483648" r:id="rId1"/>
   </p:sldMasterIdLst>
   <p:notesMasterIdLst>
-    <p:notesMasterId r:id="rId46"/>
+    <p:notesMasterId r:id="rId52"/>
   </p:notesMasterIdLst>
   <p:sldIdLst>
     <p:sldId id="256" r:id="rId2"/>
@@ -36,22 +36,28 @@
     <p:sldId id="331" r:id="rId27"/>
     <p:sldId id="314" r:id="rId28"/>
     <p:sldId id="315" r:id="rId29"/>
-    <p:sldId id="306" r:id="rId30"/>
-    <p:sldId id="316" r:id="rId31"/>
-    <p:sldId id="317" r:id="rId32"/>
-    <p:sldId id="318" r:id="rId33"/>
-    <p:sldId id="319" r:id="rId34"/>
-    <p:sldId id="320" r:id="rId35"/>
-    <p:sldId id="321" r:id="rId36"/>
-    <p:sldId id="322" r:id="rId37"/>
-    <p:sldId id="323" r:id="rId38"/>
-    <p:sldId id="324" r:id="rId39"/>
-    <p:sldId id="327" r:id="rId40"/>
-    <p:sldId id="329" r:id="rId41"/>
-    <p:sldId id="330" r:id="rId42"/>
-    <p:sldId id="325" r:id="rId43"/>
-    <p:sldId id="289" r:id="rId44"/>
-    <p:sldId id="290" r:id="rId45"/>
+    <p:sldId id="316" r:id="rId30"/>
+    <p:sldId id="317" r:id="rId31"/>
+    <p:sldId id="318" r:id="rId32"/>
+    <p:sldId id="319" r:id="rId33"/>
+    <p:sldId id="320" r:id="rId34"/>
+    <p:sldId id="321" r:id="rId35"/>
+    <p:sldId id="322" r:id="rId36"/>
+    <p:sldId id="323" r:id="rId37"/>
+    <p:sldId id="324" r:id="rId38"/>
+    <p:sldId id="327" r:id="rId39"/>
+    <p:sldId id="306" r:id="rId40"/>
+    <p:sldId id="344" r:id="rId41"/>
+    <p:sldId id="340" r:id="rId42"/>
+    <p:sldId id="341" r:id="rId43"/>
+    <p:sldId id="342" r:id="rId44"/>
+    <p:sldId id="329" r:id="rId45"/>
+    <p:sldId id="339" r:id="rId46"/>
+    <p:sldId id="343" r:id="rId47"/>
+    <p:sldId id="330" r:id="rId48"/>
+    <p:sldId id="325" r:id="rId49"/>
+    <p:sldId id="289" r:id="rId50"/>
+    <p:sldId id="290" r:id="rId51"/>
   </p:sldIdLst>
   <p:sldSz cx="12192000" cy="6858000"/>
   <p:notesSz cx="6858000" cy="9144000"/>
@@ -304,7 +310,7 @@
             <a:fld id="{933C1985-CC60-4502-8ECC-8A39609F1E28}" type="datetime1">
               <a:rPr lang="nl-NL"/>
               <a:pPr lvl="0"/>
-              <a:t>30-8-2018</a:t>
+              <a:t>3-9-2018</a:t>
             </a:fld>
             <a:endParaRPr lang="nl-NL"/>
           </a:p>
@@ -1236,7 +1242,7 @@
             <a:fld id="{19D221E3-8E68-4F1C-A103-A0B6C8B9662E}" type="datetime1">
               <a:rPr lang="nl-NL"/>
               <a:pPr lvl="0"/>
-              <a:t>30-8-2018</a:t>
+              <a:t>3-9-2018</a:t>
             </a:fld>
             <a:endParaRPr lang="nl-NL"/>
           </a:p>
@@ -1473,7 +1479,7 @@
             <a:fld id="{822E0BF5-BE88-44A4-BA94-982271F97C3D}" type="datetime1">
               <a:rPr lang="nl-NL"/>
               <a:pPr lvl="0"/>
-              <a:t>30-8-2018</a:t>
+              <a:t>3-9-2018</a:t>
             </a:fld>
             <a:endParaRPr lang="nl-NL"/>
           </a:p>
@@ -1719,7 +1725,7 @@
             <a:fld id="{B9232680-D045-46AA-BEF7-C3F631B40446}" type="datetime1">
               <a:rPr lang="nl-NL"/>
               <a:pPr lvl="0"/>
-              <a:t>30-8-2018</a:t>
+              <a:t>3-9-2018</a:t>
             </a:fld>
             <a:endParaRPr lang="nl-NL"/>
           </a:p>
@@ -1955,7 +1961,7 @@
             <a:fld id="{74E63D54-33BC-47E5-ADB1-BB0B7298DA8F}" type="datetime1">
               <a:rPr lang="nl-NL"/>
               <a:pPr lvl="0"/>
-              <a:t>30-8-2018</a:t>
+              <a:t>3-9-2018</a:t>
             </a:fld>
             <a:endParaRPr lang="nl-NL"/>
           </a:p>
@@ -2166,7 +2172,7 @@
             <a:fld id="{30925ABE-D3D0-404A-A142-4AD3A33711F1}" type="datetime1">
               <a:rPr lang="nl-NL"/>
               <a:pPr lvl="0"/>
-              <a:t>30-8-2018</a:t>
+              <a:t>3-9-2018</a:t>
             </a:fld>
             <a:endParaRPr lang="nl-NL"/>
           </a:p>
@@ -2486,7 +2492,7 @@
             <a:fld id="{CF7C870A-C5CE-4B9C-8879-AA59D721C7B0}" type="datetime1">
               <a:rPr lang="nl-NL"/>
               <a:pPr lvl="0"/>
-              <a:t>30-8-2018</a:t>
+              <a:t>3-9-2018</a:t>
             </a:fld>
             <a:endParaRPr lang="nl-NL"/>
           </a:p>
@@ -2890,7 +2896,7 @@
             <a:fld id="{9B8CBA01-D750-4027-AD4F-F8BBD96EFE00}" type="datetime1">
               <a:rPr lang="nl-NL"/>
               <a:pPr lvl="0"/>
-              <a:t>30-8-2018</a:t>
+              <a:t>3-9-2018</a:t>
             </a:fld>
             <a:endParaRPr lang="nl-NL"/>
           </a:p>
@@ -3053,7 +3059,7 @@
             <a:fld id="{F094EFB8-CC71-4E7E-9D6F-4AF06728B1E2}" type="datetime1">
               <a:rPr lang="nl-NL"/>
               <a:pPr lvl="0"/>
-              <a:t>30-8-2018</a:t>
+              <a:t>3-9-2018</a:t>
             </a:fld>
             <a:endParaRPr lang="nl-NL"/>
           </a:p>
@@ -3181,7 +3187,7 @@
             <a:fld id="{8B2D0485-9F03-42A6-AEAF-640E1E801316}" type="datetime1">
               <a:rPr lang="nl-NL"/>
               <a:pPr lvl="0"/>
-              <a:t>30-8-2018</a:t>
+              <a:t>3-9-2018</a:t>
             </a:fld>
             <a:endParaRPr lang="nl-NL"/>
           </a:p>
@@ -3466,7 +3472,7 @@
             <a:fld id="{7E16F5C2-4DDC-41E9-9E83-12B283FFD3EC}" type="datetime1">
               <a:rPr lang="nl-NL"/>
               <a:pPr lvl="0"/>
-              <a:t>30-8-2018</a:t>
+              <a:t>3-9-2018</a:t>
             </a:fld>
             <a:endParaRPr lang="nl-NL"/>
           </a:p>
@@ -3708,7 +3714,7 @@
             <a:fld id="{787BCDFB-3AD3-4B04-8CEB-D3DE0C540ABF}" type="datetime1">
               <a:rPr lang="nl-NL"/>
               <a:pPr lvl="0"/>
-              <a:t>30-8-2018</a:t>
+              <a:t>3-9-2018</a:t>
             </a:fld>
             <a:endParaRPr lang="nl-NL"/>
           </a:p>
@@ -3991,7 +3997,7 @@
             <a:fld id="{DE0E4D8D-E244-449F-9212-68A908B9804D}" type="datetime1">
               <a:rPr lang="nl-NL"/>
               <a:pPr lvl="0"/>
-              <a:t>30-8-2018</a:t>
+              <a:t>3-9-2018</a:t>
             </a:fld>
             <a:endParaRPr lang="nl-NL"/>
           </a:p>
@@ -12425,7 +12431,7 @@
 
 <file path=ppt/slides/slide29.xml><?xml version="1.0" encoding="utf-8"?>
 <p:sld xmlns:a="http://schemas.openxmlformats.org/drawingml/2006/main" xmlns:r="http://schemas.openxmlformats.org/officeDocument/2006/relationships" xmlns:p="http://schemas.openxmlformats.org/presentationml/2006/main">
-  <p:cSld name="Slide51">
+  <p:cSld name="Slide61">
     <p:bg>
       <p:bgPr>
         <a:solidFill>
@@ -12453,7 +12459,7 @@
           <p:cNvPr id="2" name="Title 1">
             <a:extLst>
               <a:ext uri="{FF2B5EF4-FFF2-40B4-BE49-F238E27FC236}">
-                <a16:creationId xmlns:a16="http://schemas.microsoft.com/office/drawing/2014/main" id="{0508229A-D2A9-434E-8091-D7A818FB6F25}"/>
+                <a16:creationId xmlns:a16="http://schemas.microsoft.com/office/drawing/2014/main" id="{659CDB0B-4B36-434B-85D2-4FE26FBC15B8}"/>
               </a:ext>
             </a:extLst>
           </p:cNvPr>
@@ -12461,7 +12467,7 @@
             <a:spLocks noGrp="1"/>
           </p:cNvSpPr>
           <p:nvPr>
-            <p:ph type="ctrTitle"/>
+            <p:ph type="title"/>
           </p:nvPr>
         </p:nvSpPr>
         <p:spPr/>
@@ -12471,32 +12477,32 @@
           <a:p>
             <a:pPr lvl="0"/>
             <a:r>
-              <a:rPr lang="nl-NL" dirty="0">
-                <a:solidFill>
-                  <a:srgbClr val="00FF00"/>
-                </a:solidFill>
-                <a:latin typeface="Courier New" pitchFamily="49"/>
-                <a:cs typeface="Courier New" pitchFamily="49"/>
-              </a:rPr>
-              <a:t>CONTINUE HERE</a:t>
+              <a:rPr lang="nl-NL">
+                <a:solidFill>
+                  <a:srgbClr val="00FF00"/>
+                </a:solidFill>
+                <a:latin typeface="Courier New" pitchFamily="49"/>
+                <a:cs typeface="Courier New" pitchFamily="49"/>
+              </a:rPr>
+              <a:t>Fault simulation</a:t>
             </a:r>
           </a:p>
         </p:txBody>
       </p:sp>
       <p:sp>
         <p:nvSpPr>
-          <p:cNvPr id="5" name="Subtitle 4">
+          <p:cNvPr id="3" name="Content Placeholder 2">
             <a:extLst>
               <a:ext uri="{FF2B5EF4-FFF2-40B4-BE49-F238E27FC236}">
-                <a16:creationId xmlns:a16="http://schemas.microsoft.com/office/drawing/2014/main" id="{6D5A54D7-7497-4294-9F70-89D29246BBA1}"/>
+                <a16:creationId xmlns:a16="http://schemas.microsoft.com/office/drawing/2014/main" id="{5E8ACCC3-5B6B-47D3-AC34-5F20F53B99F2}"/>
               </a:ext>
             </a:extLst>
           </p:cNvPr>
-          <p:cNvSpPr>
+          <p:cNvSpPr txBox="1">
             <a:spLocks noGrp="1"/>
           </p:cNvSpPr>
           <p:nvPr>
-            <p:ph type="subTitle" idx="1"/>
+            <p:ph idx="1"/>
           </p:nvPr>
         </p:nvSpPr>
         <p:spPr/>
@@ -12504,7 +12510,496 @@
           <a:bodyPr/>
           <a:lstStyle/>
           <a:p>
-            <a:endParaRPr lang="nl-NL"/>
+            <a:pPr lvl="0">
+              <a:buFont typeface="Courier New" pitchFamily="49"/>
+              <a:buChar char="_"/>
+            </a:pPr>
+            <a:r>
+              <a:rPr lang="nl-NL" dirty="0" err="1">
+                <a:solidFill>
+                  <a:srgbClr val="00FF00"/>
+                </a:solidFill>
+                <a:latin typeface="Courier New" pitchFamily="49"/>
+                <a:cs typeface="Courier New" pitchFamily="49"/>
+              </a:rPr>
+              <a:t>Extend</a:t>
+            </a:r>
+            <a:r>
+              <a:rPr lang="nl-NL" dirty="0">
+                <a:solidFill>
+                  <a:srgbClr val="00FF00"/>
+                </a:solidFill>
+                <a:latin typeface="Courier New" pitchFamily="49"/>
+                <a:cs typeface="Courier New" pitchFamily="49"/>
+              </a:rPr>
+              <a:t> test </a:t>
+            </a:r>
+            <a:r>
+              <a:rPr lang="nl-NL" dirty="0" err="1">
+                <a:solidFill>
+                  <a:srgbClr val="00FF00"/>
+                </a:solidFill>
+                <a:latin typeface="Courier New" pitchFamily="49"/>
+                <a:cs typeface="Courier New" pitchFamily="49"/>
+              </a:rPr>
+              <a:t>coverage</a:t>
+            </a:r>
+            <a:r>
+              <a:rPr lang="nl-NL" dirty="0">
+                <a:solidFill>
+                  <a:srgbClr val="00FF00"/>
+                </a:solidFill>
+                <a:latin typeface="Courier New" pitchFamily="49"/>
+                <a:cs typeface="Courier New" pitchFamily="49"/>
+              </a:rPr>
+              <a:t> </a:t>
+            </a:r>
+            <a:r>
+              <a:rPr lang="nl-NL" dirty="0" err="1">
+                <a:solidFill>
+                  <a:srgbClr val="00FF00"/>
+                </a:solidFill>
+                <a:latin typeface="Courier New" pitchFamily="49"/>
+                <a:cs typeface="Courier New" pitchFamily="49"/>
+              </a:rPr>
+              <a:t>by</a:t>
+            </a:r>
+            <a:r>
+              <a:rPr lang="nl-NL" dirty="0">
+                <a:solidFill>
+                  <a:srgbClr val="00FF00"/>
+                </a:solidFill>
+                <a:latin typeface="Courier New" pitchFamily="49"/>
+                <a:cs typeface="Courier New" pitchFamily="49"/>
+              </a:rPr>
+              <a:t> </a:t>
+            </a:r>
+            <a:r>
+              <a:rPr lang="nl-NL" dirty="0" err="1">
+                <a:solidFill>
+                  <a:srgbClr val="00FF00"/>
+                </a:solidFill>
+                <a:latin typeface="Courier New" pitchFamily="49"/>
+                <a:cs typeface="Courier New" pitchFamily="49"/>
+              </a:rPr>
+              <a:t>simulating</a:t>
+            </a:r>
+            <a:r>
+              <a:rPr lang="nl-NL" dirty="0">
+                <a:solidFill>
+                  <a:srgbClr val="00FF00"/>
+                </a:solidFill>
+                <a:latin typeface="Courier New" pitchFamily="49"/>
+                <a:cs typeface="Courier New" pitchFamily="49"/>
+              </a:rPr>
+              <a:t> </a:t>
+            </a:r>
+            <a:r>
+              <a:rPr lang="nl-NL" dirty="0" err="1">
+                <a:solidFill>
+                  <a:srgbClr val="00FF00"/>
+                </a:solidFill>
+                <a:latin typeface="Courier New" pitchFamily="49"/>
+                <a:cs typeface="Courier New" pitchFamily="49"/>
+              </a:rPr>
+              <a:t>faults</a:t>
+            </a:r>
+            <a:endParaRPr lang="nl-NL" dirty="0">
+              <a:solidFill>
+                <a:srgbClr val="00FF00"/>
+              </a:solidFill>
+              <a:latin typeface="Courier New" pitchFamily="49"/>
+              <a:cs typeface="Courier New" pitchFamily="49"/>
+            </a:endParaRPr>
+          </a:p>
+          <a:p>
+            <a:pPr lvl="0">
+              <a:buFont typeface="Courier New" pitchFamily="49"/>
+              <a:buChar char="_"/>
+            </a:pPr>
+            <a:endParaRPr lang="nl-NL" dirty="0">
+              <a:solidFill>
+                <a:srgbClr val="00FF00"/>
+              </a:solidFill>
+              <a:latin typeface="Courier New" pitchFamily="49"/>
+              <a:cs typeface="Courier New" pitchFamily="49"/>
+            </a:endParaRPr>
+          </a:p>
+          <a:p>
+            <a:pPr lvl="0">
+              <a:buFont typeface="Courier New" pitchFamily="49"/>
+              <a:buChar char="_"/>
+            </a:pPr>
+            <a:r>
+              <a:rPr lang="nl-NL" dirty="0" err="1">
+                <a:solidFill>
+                  <a:srgbClr val="00FF00"/>
+                </a:solidFill>
+                <a:latin typeface="Courier New" pitchFamily="49"/>
+                <a:cs typeface="Courier New" pitchFamily="49"/>
+              </a:rPr>
+              <a:t>Often</a:t>
+            </a:r>
+            <a:r>
+              <a:rPr lang="nl-NL" dirty="0">
+                <a:solidFill>
+                  <a:srgbClr val="00FF00"/>
+                </a:solidFill>
+                <a:latin typeface="Courier New" pitchFamily="49"/>
+                <a:cs typeface="Courier New" pitchFamily="49"/>
+              </a:rPr>
+              <a:t> hard </a:t>
+            </a:r>
+            <a:r>
+              <a:rPr lang="nl-NL" dirty="0" err="1">
+                <a:solidFill>
+                  <a:srgbClr val="00FF00"/>
+                </a:solidFill>
+                <a:latin typeface="Courier New" pitchFamily="49"/>
+                <a:cs typeface="Courier New" pitchFamily="49"/>
+              </a:rPr>
+              <a:t>to</a:t>
+            </a:r>
+            <a:r>
+              <a:rPr lang="nl-NL" dirty="0">
+                <a:solidFill>
+                  <a:srgbClr val="00FF00"/>
+                </a:solidFill>
+                <a:latin typeface="Courier New" pitchFamily="49"/>
+                <a:cs typeface="Courier New" pitchFamily="49"/>
+              </a:rPr>
+              <a:t> do in real systems</a:t>
+            </a:r>
+          </a:p>
+          <a:p>
+            <a:pPr lvl="0">
+              <a:buFont typeface="Courier New" pitchFamily="49"/>
+              <a:buChar char="_"/>
+            </a:pPr>
+            <a:endParaRPr lang="nl-NL" dirty="0">
+              <a:solidFill>
+                <a:srgbClr val="00FF00"/>
+              </a:solidFill>
+              <a:latin typeface="Courier New" pitchFamily="49"/>
+              <a:cs typeface="Courier New" pitchFamily="49"/>
+            </a:endParaRPr>
+          </a:p>
+          <a:p>
+            <a:pPr lvl="0">
+              <a:buFont typeface="Courier New" pitchFamily="49"/>
+              <a:buChar char="_"/>
+            </a:pPr>
+            <a:r>
+              <a:rPr lang="nl-NL" dirty="0">
+                <a:solidFill>
+                  <a:srgbClr val="00FF00"/>
+                </a:solidFill>
+                <a:latin typeface="Courier New" pitchFamily="49"/>
+                <a:cs typeface="Courier New" pitchFamily="49"/>
+              </a:rPr>
+              <a:t>Easy </a:t>
+            </a:r>
+            <a:r>
+              <a:rPr lang="nl-NL" dirty="0" err="1">
+                <a:solidFill>
+                  <a:srgbClr val="00FF00"/>
+                </a:solidFill>
+                <a:latin typeface="Courier New" pitchFamily="49"/>
+                <a:cs typeface="Courier New" pitchFamily="49"/>
+              </a:rPr>
+              <a:t>to</a:t>
+            </a:r>
+            <a:r>
+              <a:rPr lang="nl-NL" dirty="0">
+                <a:solidFill>
+                  <a:srgbClr val="00FF00"/>
+                </a:solidFill>
+                <a:latin typeface="Courier New" pitchFamily="49"/>
+                <a:cs typeface="Courier New" pitchFamily="49"/>
+              </a:rPr>
+              <a:t> do </a:t>
+            </a:r>
+            <a:r>
+              <a:rPr lang="nl-NL" dirty="0" err="1">
+                <a:solidFill>
+                  <a:srgbClr val="00FF00"/>
+                </a:solidFill>
+                <a:latin typeface="Courier New" pitchFamily="49"/>
+                <a:cs typeface="Courier New" pitchFamily="49"/>
+              </a:rPr>
+              <a:t>using</a:t>
+            </a:r>
+            <a:r>
+              <a:rPr lang="nl-NL" dirty="0">
+                <a:solidFill>
+                  <a:srgbClr val="00FF00"/>
+                </a:solidFill>
+                <a:latin typeface="Courier New" pitchFamily="49"/>
+                <a:cs typeface="Courier New" pitchFamily="49"/>
+              </a:rPr>
+              <a:t> </a:t>
+            </a:r>
+            <a:r>
+              <a:rPr lang="nl-NL" dirty="0" err="1">
+                <a:solidFill>
+                  <a:srgbClr val="00FF00"/>
+                </a:solidFill>
+                <a:latin typeface="Courier New" pitchFamily="49"/>
+                <a:cs typeface="Courier New" pitchFamily="49"/>
+              </a:rPr>
+              <a:t>stubs</a:t>
+            </a:r>
+            <a:r>
+              <a:rPr lang="nl-NL" dirty="0">
+                <a:solidFill>
+                  <a:srgbClr val="00FF00"/>
+                </a:solidFill>
+                <a:latin typeface="Courier New" pitchFamily="49"/>
+                <a:cs typeface="Courier New" pitchFamily="49"/>
+              </a:rPr>
+              <a:t> or </a:t>
+            </a:r>
+            <a:r>
+              <a:rPr lang="nl-NL" dirty="0" err="1">
+                <a:solidFill>
+                  <a:srgbClr val="00FF00"/>
+                </a:solidFill>
+                <a:latin typeface="Courier New" pitchFamily="49"/>
+                <a:cs typeface="Courier New" pitchFamily="49"/>
+              </a:rPr>
+              <a:t>mocks</a:t>
+            </a:r>
+            <a:endParaRPr lang="nl-NL" dirty="0">
+              <a:solidFill>
+                <a:srgbClr val="00FF00"/>
+              </a:solidFill>
+              <a:latin typeface="Courier New" pitchFamily="49"/>
+              <a:cs typeface="Courier New" pitchFamily="49"/>
+            </a:endParaRPr>
+          </a:p>
+          <a:p>
+            <a:pPr lvl="0">
+              <a:buFont typeface="Courier New" pitchFamily="49"/>
+              <a:buChar char="_"/>
+            </a:pPr>
+            <a:endParaRPr lang="nl-NL" dirty="0">
+              <a:solidFill>
+                <a:srgbClr val="00FF00"/>
+              </a:solidFill>
+              <a:latin typeface="Courier New" pitchFamily="49"/>
+              <a:cs typeface="Courier New" pitchFamily="49"/>
+            </a:endParaRPr>
+          </a:p>
+          <a:p>
+            <a:pPr lvl="0">
+              <a:buFont typeface="Courier New" pitchFamily="49"/>
+              <a:buChar char="_"/>
+            </a:pPr>
+            <a:r>
+              <a:rPr lang="nl-NL" dirty="0" err="1">
+                <a:solidFill>
+                  <a:srgbClr val="00FF00"/>
+                </a:solidFill>
+                <a:latin typeface="Courier New" pitchFamily="49"/>
+                <a:cs typeface="Courier New" pitchFamily="49"/>
+              </a:rPr>
+              <a:t>Used</a:t>
+            </a:r>
+            <a:r>
+              <a:rPr lang="nl-NL" dirty="0">
+                <a:solidFill>
+                  <a:srgbClr val="00FF00"/>
+                </a:solidFill>
+                <a:latin typeface="Courier New" pitchFamily="49"/>
+                <a:cs typeface="Courier New" pitchFamily="49"/>
+              </a:rPr>
+              <a:t> </a:t>
+            </a:r>
+            <a:r>
+              <a:rPr lang="nl-NL" dirty="0" err="1">
+                <a:solidFill>
+                  <a:srgbClr val="00FF00"/>
+                </a:solidFill>
+                <a:latin typeface="Courier New" pitchFamily="49"/>
+                <a:cs typeface="Courier New" pitchFamily="49"/>
+              </a:rPr>
+              <a:t>to</a:t>
+            </a:r>
+            <a:r>
+              <a:rPr lang="nl-NL" dirty="0">
+                <a:solidFill>
+                  <a:srgbClr val="00FF00"/>
+                </a:solidFill>
+                <a:latin typeface="Courier New" pitchFamily="49"/>
+                <a:cs typeface="Courier New" pitchFamily="49"/>
+              </a:rPr>
+              <a:t> test </a:t>
+            </a:r>
+            <a:r>
+              <a:rPr lang="nl-NL" dirty="0" err="1">
+                <a:solidFill>
+                  <a:srgbClr val="00FF00"/>
+                </a:solidFill>
+                <a:latin typeface="Courier New" pitchFamily="49"/>
+                <a:cs typeface="Courier New" pitchFamily="49"/>
+              </a:rPr>
+              <a:t>the</a:t>
+            </a:r>
+            <a:r>
+              <a:rPr lang="nl-NL" dirty="0">
+                <a:solidFill>
+                  <a:srgbClr val="00FF00"/>
+                </a:solidFill>
+                <a:latin typeface="Courier New" pitchFamily="49"/>
+                <a:cs typeface="Courier New" pitchFamily="49"/>
+              </a:rPr>
+              <a:t> </a:t>
+            </a:r>
+            <a:r>
+              <a:rPr lang="nl-NL" dirty="0" err="1">
+                <a:solidFill>
+                  <a:srgbClr val="00FF00"/>
+                </a:solidFill>
+                <a:latin typeface="Courier New" pitchFamily="49"/>
+                <a:cs typeface="Courier New" pitchFamily="49"/>
+              </a:rPr>
+              <a:t>exception</a:t>
+            </a:r>
+            <a:r>
+              <a:rPr lang="nl-NL" dirty="0">
+                <a:solidFill>
+                  <a:srgbClr val="00FF00"/>
+                </a:solidFill>
+                <a:latin typeface="Courier New" pitchFamily="49"/>
+                <a:cs typeface="Courier New" pitchFamily="49"/>
+              </a:rPr>
+              <a:t> handling of </a:t>
+            </a:r>
+            <a:r>
+              <a:rPr lang="nl-NL" dirty="0" err="1">
+                <a:solidFill>
+                  <a:srgbClr val="00FF00"/>
+                </a:solidFill>
+                <a:latin typeface="Courier New" pitchFamily="49"/>
+                <a:cs typeface="Courier New" pitchFamily="49"/>
+              </a:rPr>
+              <a:t>your</a:t>
+            </a:r>
+            <a:r>
+              <a:rPr lang="nl-NL" dirty="0">
+                <a:solidFill>
+                  <a:srgbClr val="00FF00"/>
+                </a:solidFill>
+                <a:latin typeface="Courier New" pitchFamily="49"/>
+                <a:cs typeface="Courier New" pitchFamily="49"/>
+              </a:rPr>
+              <a:t> </a:t>
+            </a:r>
+            <a:r>
+              <a:rPr lang="nl-NL" dirty="0" err="1">
+                <a:solidFill>
+                  <a:srgbClr val="00FF00"/>
+                </a:solidFill>
+                <a:latin typeface="Courier New" pitchFamily="49"/>
+                <a:cs typeface="Courier New" pitchFamily="49"/>
+              </a:rPr>
+              <a:t>application</a:t>
+            </a:r>
+            <a:r>
+              <a:rPr lang="nl-NL" dirty="0">
+                <a:solidFill>
+                  <a:srgbClr val="00FF00"/>
+                </a:solidFill>
+                <a:latin typeface="Courier New" pitchFamily="49"/>
+                <a:cs typeface="Courier New" pitchFamily="49"/>
+              </a:rPr>
+              <a:t> </a:t>
+            </a:r>
+            <a:r>
+              <a:rPr lang="nl-NL" dirty="0" err="1">
+                <a:solidFill>
+                  <a:srgbClr val="00FF00"/>
+                </a:solidFill>
+                <a:latin typeface="Courier New" pitchFamily="49"/>
+                <a:cs typeface="Courier New" pitchFamily="49"/>
+              </a:rPr>
+              <a:t>under</a:t>
+            </a:r>
+            <a:r>
+              <a:rPr lang="nl-NL" dirty="0">
+                <a:solidFill>
+                  <a:srgbClr val="00FF00"/>
+                </a:solidFill>
+                <a:latin typeface="Courier New" pitchFamily="49"/>
+                <a:cs typeface="Courier New" pitchFamily="49"/>
+              </a:rPr>
+              <a:t> test</a:t>
+            </a:r>
+          </a:p>
+          <a:p>
+            <a:pPr lvl="0">
+              <a:buFont typeface="Courier New" pitchFamily="49"/>
+              <a:buChar char="_"/>
+            </a:pPr>
+            <a:endParaRPr lang="nl-NL" dirty="0">
+              <a:solidFill>
+                <a:srgbClr val="00FF00"/>
+              </a:solidFill>
+              <a:latin typeface="Courier New" pitchFamily="49"/>
+              <a:cs typeface="Courier New" pitchFamily="49"/>
+            </a:endParaRPr>
+          </a:p>
+          <a:p>
+            <a:pPr lvl="0">
+              <a:buFont typeface="Courier New" pitchFamily="49"/>
+              <a:buChar char="_"/>
+            </a:pPr>
+            <a:endParaRPr lang="nl-NL" dirty="0">
+              <a:solidFill>
+                <a:srgbClr val="00FF00"/>
+              </a:solidFill>
+              <a:latin typeface="Courier New" pitchFamily="49"/>
+              <a:cs typeface="Courier New" pitchFamily="49"/>
+            </a:endParaRPr>
+          </a:p>
+          <a:p>
+            <a:pPr lvl="0">
+              <a:buFont typeface="Courier New" pitchFamily="49"/>
+              <a:buChar char="_"/>
+            </a:pPr>
+            <a:endParaRPr lang="nl-NL" dirty="0">
+              <a:solidFill>
+                <a:srgbClr val="00FF00"/>
+              </a:solidFill>
+              <a:latin typeface="Courier New" pitchFamily="49"/>
+              <a:cs typeface="Courier New" pitchFamily="49"/>
+            </a:endParaRPr>
+          </a:p>
+          <a:p>
+            <a:pPr lvl="0">
+              <a:buFont typeface="Courier New" pitchFamily="49"/>
+              <a:buChar char="_"/>
+            </a:pPr>
+            <a:endParaRPr lang="nl-NL" dirty="0">
+              <a:solidFill>
+                <a:srgbClr val="00FF00"/>
+              </a:solidFill>
+              <a:latin typeface="Courier New" pitchFamily="49"/>
+              <a:cs typeface="Courier New" pitchFamily="49"/>
+            </a:endParaRPr>
+          </a:p>
+          <a:p>
+            <a:pPr lvl="0">
+              <a:buFont typeface="Courier New" pitchFamily="49"/>
+              <a:buChar char="_"/>
+            </a:pPr>
+            <a:endParaRPr lang="nl-NL" dirty="0">
+              <a:solidFill>
+                <a:srgbClr val="00FF00"/>
+              </a:solidFill>
+              <a:latin typeface="Courier New" pitchFamily="49"/>
+              <a:cs typeface="Courier New" pitchFamily="49"/>
+            </a:endParaRPr>
           </a:p>
         </p:txBody>
       </p:sp>
@@ -12792,588 +13287,6 @@
 
 <file path=ppt/slides/slide30.xml><?xml version="1.0" encoding="utf-8"?>
 <p:sld xmlns:a="http://schemas.openxmlformats.org/drawingml/2006/main" xmlns:r="http://schemas.openxmlformats.org/officeDocument/2006/relationships" xmlns:p="http://schemas.openxmlformats.org/presentationml/2006/main">
-  <p:cSld name="Slide61">
-    <p:bg>
-      <p:bgPr>
-        <a:solidFill>
-          <a:srgbClr val="000000"/>
-        </a:solidFill>
-        <a:effectLst/>
-      </p:bgPr>
-    </p:bg>
-    <p:spTree>
-      <p:nvGrpSpPr>
-        <p:cNvPr id="1" name=""/>
-        <p:cNvGrpSpPr/>
-        <p:nvPr/>
-      </p:nvGrpSpPr>
-      <p:grpSpPr>
-        <a:xfrm>
-          <a:off x="0" y="0"/>
-          <a:ext cx="0" cy="0"/>
-          <a:chOff x="0" y="0"/>
-          <a:chExt cx="0" cy="0"/>
-        </a:xfrm>
-      </p:grpSpPr>
-      <p:sp>
-        <p:nvSpPr>
-          <p:cNvPr id="2" name="Title 1">
-            <a:extLst>
-              <a:ext uri="{FF2B5EF4-FFF2-40B4-BE49-F238E27FC236}">
-                <a16:creationId xmlns:a16="http://schemas.microsoft.com/office/drawing/2014/main" id="{659CDB0B-4B36-434B-85D2-4FE26FBC15B8}"/>
-              </a:ext>
-            </a:extLst>
-          </p:cNvPr>
-          <p:cNvSpPr txBox="1">
-            <a:spLocks noGrp="1"/>
-          </p:cNvSpPr>
-          <p:nvPr>
-            <p:ph type="title"/>
-          </p:nvPr>
-        </p:nvSpPr>
-        <p:spPr/>
-        <p:txBody>
-          <a:bodyPr/>
-          <a:lstStyle/>
-          <a:p>
-            <a:pPr lvl="0"/>
-            <a:r>
-              <a:rPr lang="nl-NL">
-                <a:solidFill>
-                  <a:srgbClr val="00FF00"/>
-                </a:solidFill>
-                <a:latin typeface="Courier New" pitchFamily="49"/>
-                <a:cs typeface="Courier New" pitchFamily="49"/>
-              </a:rPr>
-              <a:t>Fault simulation</a:t>
-            </a:r>
-          </a:p>
-        </p:txBody>
-      </p:sp>
-      <p:sp>
-        <p:nvSpPr>
-          <p:cNvPr id="3" name="Content Placeholder 2">
-            <a:extLst>
-              <a:ext uri="{FF2B5EF4-FFF2-40B4-BE49-F238E27FC236}">
-                <a16:creationId xmlns:a16="http://schemas.microsoft.com/office/drawing/2014/main" id="{5E8ACCC3-5B6B-47D3-AC34-5F20F53B99F2}"/>
-              </a:ext>
-            </a:extLst>
-          </p:cNvPr>
-          <p:cNvSpPr txBox="1">
-            <a:spLocks noGrp="1"/>
-          </p:cNvSpPr>
-          <p:nvPr>
-            <p:ph idx="1"/>
-          </p:nvPr>
-        </p:nvSpPr>
-        <p:spPr/>
-        <p:txBody>
-          <a:bodyPr/>
-          <a:lstStyle/>
-          <a:p>
-            <a:pPr lvl="0">
-              <a:buFont typeface="Courier New" pitchFamily="49"/>
-              <a:buChar char="_"/>
-            </a:pPr>
-            <a:r>
-              <a:rPr lang="nl-NL" dirty="0" err="1">
-                <a:solidFill>
-                  <a:srgbClr val="00FF00"/>
-                </a:solidFill>
-                <a:latin typeface="Courier New" pitchFamily="49"/>
-                <a:cs typeface="Courier New" pitchFamily="49"/>
-              </a:rPr>
-              <a:t>Extend</a:t>
-            </a:r>
-            <a:r>
-              <a:rPr lang="nl-NL" dirty="0">
-                <a:solidFill>
-                  <a:srgbClr val="00FF00"/>
-                </a:solidFill>
-                <a:latin typeface="Courier New" pitchFamily="49"/>
-                <a:cs typeface="Courier New" pitchFamily="49"/>
-              </a:rPr>
-              <a:t> test </a:t>
-            </a:r>
-            <a:r>
-              <a:rPr lang="nl-NL" dirty="0" err="1">
-                <a:solidFill>
-                  <a:srgbClr val="00FF00"/>
-                </a:solidFill>
-                <a:latin typeface="Courier New" pitchFamily="49"/>
-                <a:cs typeface="Courier New" pitchFamily="49"/>
-              </a:rPr>
-              <a:t>coverage</a:t>
-            </a:r>
-            <a:r>
-              <a:rPr lang="nl-NL" dirty="0">
-                <a:solidFill>
-                  <a:srgbClr val="00FF00"/>
-                </a:solidFill>
-                <a:latin typeface="Courier New" pitchFamily="49"/>
-                <a:cs typeface="Courier New" pitchFamily="49"/>
-              </a:rPr>
-              <a:t> </a:t>
-            </a:r>
-            <a:r>
-              <a:rPr lang="nl-NL" dirty="0" err="1">
-                <a:solidFill>
-                  <a:srgbClr val="00FF00"/>
-                </a:solidFill>
-                <a:latin typeface="Courier New" pitchFamily="49"/>
-                <a:cs typeface="Courier New" pitchFamily="49"/>
-              </a:rPr>
-              <a:t>by</a:t>
-            </a:r>
-            <a:r>
-              <a:rPr lang="nl-NL" dirty="0">
-                <a:solidFill>
-                  <a:srgbClr val="00FF00"/>
-                </a:solidFill>
-                <a:latin typeface="Courier New" pitchFamily="49"/>
-                <a:cs typeface="Courier New" pitchFamily="49"/>
-              </a:rPr>
-              <a:t> </a:t>
-            </a:r>
-            <a:r>
-              <a:rPr lang="nl-NL" dirty="0" err="1">
-                <a:solidFill>
-                  <a:srgbClr val="00FF00"/>
-                </a:solidFill>
-                <a:latin typeface="Courier New" pitchFamily="49"/>
-                <a:cs typeface="Courier New" pitchFamily="49"/>
-              </a:rPr>
-              <a:t>simulating</a:t>
-            </a:r>
-            <a:r>
-              <a:rPr lang="nl-NL" dirty="0">
-                <a:solidFill>
-                  <a:srgbClr val="00FF00"/>
-                </a:solidFill>
-                <a:latin typeface="Courier New" pitchFamily="49"/>
-                <a:cs typeface="Courier New" pitchFamily="49"/>
-              </a:rPr>
-              <a:t> </a:t>
-            </a:r>
-            <a:r>
-              <a:rPr lang="nl-NL" dirty="0" err="1">
-                <a:solidFill>
-                  <a:srgbClr val="00FF00"/>
-                </a:solidFill>
-                <a:latin typeface="Courier New" pitchFamily="49"/>
-                <a:cs typeface="Courier New" pitchFamily="49"/>
-              </a:rPr>
-              <a:t>faults</a:t>
-            </a:r>
-            <a:endParaRPr lang="nl-NL" dirty="0">
-              <a:solidFill>
-                <a:srgbClr val="00FF00"/>
-              </a:solidFill>
-              <a:latin typeface="Courier New" pitchFamily="49"/>
-              <a:cs typeface="Courier New" pitchFamily="49"/>
-            </a:endParaRPr>
-          </a:p>
-          <a:p>
-            <a:pPr lvl="0">
-              <a:buFont typeface="Courier New" pitchFamily="49"/>
-              <a:buChar char="_"/>
-            </a:pPr>
-            <a:endParaRPr lang="nl-NL" dirty="0">
-              <a:solidFill>
-                <a:srgbClr val="00FF00"/>
-              </a:solidFill>
-              <a:latin typeface="Courier New" pitchFamily="49"/>
-              <a:cs typeface="Courier New" pitchFamily="49"/>
-            </a:endParaRPr>
-          </a:p>
-          <a:p>
-            <a:pPr lvl="0">
-              <a:buFont typeface="Courier New" pitchFamily="49"/>
-              <a:buChar char="_"/>
-            </a:pPr>
-            <a:r>
-              <a:rPr lang="nl-NL" dirty="0" err="1">
-                <a:solidFill>
-                  <a:srgbClr val="00FF00"/>
-                </a:solidFill>
-                <a:latin typeface="Courier New" pitchFamily="49"/>
-                <a:cs typeface="Courier New" pitchFamily="49"/>
-              </a:rPr>
-              <a:t>Often</a:t>
-            </a:r>
-            <a:r>
-              <a:rPr lang="nl-NL" dirty="0">
-                <a:solidFill>
-                  <a:srgbClr val="00FF00"/>
-                </a:solidFill>
-                <a:latin typeface="Courier New" pitchFamily="49"/>
-                <a:cs typeface="Courier New" pitchFamily="49"/>
-              </a:rPr>
-              <a:t> hard </a:t>
-            </a:r>
-            <a:r>
-              <a:rPr lang="nl-NL" dirty="0" err="1">
-                <a:solidFill>
-                  <a:srgbClr val="00FF00"/>
-                </a:solidFill>
-                <a:latin typeface="Courier New" pitchFamily="49"/>
-                <a:cs typeface="Courier New" pitchFamily="49"/>
-              </a:rPr>
-              <a:t>to</a:t>
-            </a:r>
-            <a:r>
-              <a:rPr lang="nl-NL" dirty="0">
-                <a:solidFill>
-                  <a:srgbClr val="00FF00"/>
-                </a:solidFill>
-                <a:latin typeface="Courier New" pitchFamily="49"/>
-                <a:cs typeface="Courier New" pitchFamily="49"/>
-              </a:rPr>
-              <a:t> do in real systems</a:t>
-            </a:r>
-          </a:p>
-          <a:p>
-            <a:pPr lvl="0">
-              <a:buFont typeface="Courier New" pitchFamily="49"/>
-              <a:buChar char="_"/>
-            </a:pPr>
-            <a:endParaRPr lang="nl-NL" dirty="0">
-              <a:solidFill>
-                <a:srgbClr val="00FF00"/>
-              </a:solidFill>
-              <a:latin typeface="Courier New" pitchFamily="49"/>
-              <a:cs typeface="Courier New" pitchFamily="49"/>
-            </a:endParaRPr>
-          </a:p>
-          <a:p>
-            <a:pPr lvl="0">
-              <a:buFont typeface="Courier New" pitchFamily="49"/>
-              <a:buChar char="_"/>
-            </a:pPr>
-            <a:r>
-              <a:rPr lang="nl-NL" dirty="0">
-                <a:solidFill>
-                  <a:srgbClr val="00FF00"/>
-                </a:solidFill>
-                <a:latin typeface="Courier New" pitchFamily="49"/>
-                <a:cs typeface="Courier New" pitchFamily="49"/>
-              </a:rPr>
-              <a:t>Easy </a:t>
-            </a:r>
-            <a:r>
-              <a:rPr lang="nl-NL" dirty="0" err="1">
-                <a:solidFill>
-                  <a:srgbClr val="00FF00"/>
-                </a:solidFill>
-                <a:latin typeface="Courier New" pitchFamily="49"/>
-                <a:cs typeface="Courier New" pitchFamily="49"/>
-              </a:rPr>
-              <a:t>to</a:t>
-            </a:r>
-            <a:r>
-              <a:rPr lang="nl-NL" dirty="0">
-                <a:solidFill>
-                  <a:srgbClr val="00FF00"/>
-                </a:solidFill>
-                <a:latin typeface="Courier New" pitchFamily="49"/>
-                <a:cs typeface="Courier New" pitchFamily="49"/>
-              </a:rPr>
-              <a:t> do </a:t>
-            </a:r>
-            <a:r>
-              <a:rPr lang="nl-NL" dirty="0" err="1">
-                <a:solidFill>
-                  <a:srgbClr val="00FF00"/>
-                </a:solidFill>
-                <a:latin typeface="Courier New" pitchFamily="49"/>
-                <a:cs typeface="Courier New" pitchFamily="49"/>
-              </a:rPr>
-              <a:t>using</a:t>
-            </a:r>
-            <a:r>
-              <a:rPr lang="nl-NL" dirty="0">
-                <a:solidFill>
-                  <a:srgbClr val="00FF00"/>
-                </a:solidFill>
-                <a:latin typeface="Courier New" pitchFamily="49"/>
-                <a:cs typeface="Courier New" pitchFamily="49"/>
-              </a:rPr>
-              <a:t> </a:t>
-            </a:r>
-            <a:r>
-              <a:rPr lang="nl-NL" dirty="0" err="1">
-                <a:solidFill>
-                  <a:srgbClr val="00FF00"/>
-                </a:solidFill>
-                <a:latin typeface="Courier New" pitchFamily="49"/>
-                <a:cs typeface="Courier New" pitchFamily="49"/>
-              </a:rPr>
-              <a:t>stubs</a:t>
-            </a:r>
-            <a:r>
-              <a:rPr lang="nl-NL" dirty="0">
-                <a:solidFill>
-                  <a:srgbClr val="00FF00"/>
-                </a:solidFill>
-                <a:latin typeface="Courier New" pitchFamily="49"/>
-                <a:cs typeface="Courier New" pitchFamily="49"/>
-              </a:rPr>
-              <a:t> or </a:t>
-            </a:r>
-            <a:r>
-              <a:rPr lang="nl-NL" dirty="0" err="1">
-                <a:solidFill>
-                  <a:srgbClr val="00FF00"/>
-                </a:solidFill>
-                <a:latin typeface="Courier New" pitchFamily="49"/>
-                <a:cs typeface="Courier New" pitchFamily="49"/>
-              </a:rPr>
-              <a:t>mocks</a:t>
-            </a:r>
-            <a:endParaRPr lang="nl-NL" dirty="0">
-              <a:solidFill>
-                <a:srgbClr val="00FF00"/>
-              </a:solidFill>
-              <a:latin typeface="Courier New" pitchFamily="49"/>
-              <a:cs typeface="Courier New" pitchFamily="49"/>
-            </a:endParaRPr>
-          </a:p>
-          <a:p>
-            <a:pPr lvl="0">
-              <a:buFont typeface="Courier New" pitchFamily="49"/>
-              <a:buChar char="_"/>
-            </a:pPr>
-            <a:endParaRPr lang="nl-NL" dirty="0">
-              <a:solidFill>
-                <a:srgbClr val="00FF00"/>
-              </a:solidFill>
-              <a:latin typeface="Courier New" pitchFamily="49"/>
-              <a:cs typeface="Courier New" pitchFamily="49"/>
-            </a:endParaRPr>
-          </a:p>
-          <a:p>
-            <a:pPr lvl="0">
-              <a:buFont typeface="Courier New" pitchFamily="49"/>
-              <a:buChar char="_"/>
-            </a:pPr>
-            <a:r>
-              <a:rPr lang="nl-NL" dirty="0" err="1">
-                <a:solidFill>
-                  <a:srgbClr val="00FF00"/>
-                </a:solidFill>
-                <a:latin typeface="Courier New" pitchFamily="49"/>
-                <a:cs typeface="Courier New" pitchFamily="49"/>
-              </a:rPr>
-              <a:t>Used</a:t>
-            </a:r>
-            <a:r>
-              <a:rPr lang="nl-NL" dirty="0">
-                <a:solidFill>
-                  <a:srgbClr val="00FF00"/>
-                </a:solidFill>
-                <a:latin typeface="Courier New" pitchFamily="49"/>
-                <a:cs typeface="Courier New" pitchFamily="49"/>
-              </a:rPr>
-              <a:t> </a:t>
-            </a:r>
-            <a:r>
-              <a:rPr lang="nl-NL" dirty="0" err="1">
-                <a:solidFill>
-                  <a:srgbClr val="00FF00"/>
-                </a:solidFill>
-                <a:latin typeface="Courier New" pitchFamily="49"/>
-                <a:cs typeface="Courier New" pitchFamily="49"/>
-              </a:rPr>
-              <a:t>to</a:t>
-            </a:r>
-            <a:r>
-              <a:rPr lang="nl-NL" dirty="0">
-                <a:solidFill>
-                  <a:srgbClr val="00FF00"/>
-                </a:solidFill>
-                <a:latin typeface="Courier New" pitchFamily="49"/>
-                <a:cs typeface="Courier New" pitchFamily="49"/>
-              </a:rPr>
-              <a:t> test </a:t>
-            </a:r>
-            <a:r>
-              <a:rPr lang="nl-NL" dirty="0" err="1">
-                <a:solidFill>
-                  <a:srgbClr val="00FF00"/>
-                </a:solidFill>
-                <a:latin typeface="Courier New" pitchFamily="49"/>
-                <a:cs typeface="Courier New" pitchFamily="49"/>
-              </a:rPr>
-              <a:t>the</a:t>
-            </a:r>
-            <a:r>
-              <a:rPr lang="nl-NL" dirty="0">
-                <a:solidFill>
-                  <a:srgbClr val="00FF00"/>
-                </a:solidFill>
-                <a:latin typeface="Courier New" pitchFamily="49"/>
-                <a:cs typeface="Courier New" pitchFamily="49"/>
-              </a:rPr>
-              <a:t> </a:t>
-            </a:r>
-            <a:r>
-              <a:rPr lang="nl-NL" dirty="0" err="1">
-                <a:solidFill>
-                  <a:srgbClr val="00FF00"/>
-                </a:solidFill>
-                <a:latin typeface="Courier New" pitchFamily="49"/>
-                <a:cs typeface="Courier New" pitchFamily="49"/>
-              </a:rPr>
-              <a:t>exception</a:t>
-            </a:r>
-            <a:r>
-              <a:rPr lang="nl-NL" dirty="0">
-                <a:solidFill>
-                  <a:srgbClr val="00FF00"/>
-                </a:solidFill>
-                <a:latin typeface="Courier New" pitchFamily="49"/>
-                <a:cs typeface="Courier New" pitchFamily="49"/>
-              </a:rPr>
-              <a:t> handling of </a:t>
-            </a:r>
-            <a:r>
-              <a:rPr lang="nl-NL" dirty="0" err="1">
-                <a:solidFill>
-                  <a:srgbClr val="00FF00"/>
-                </a:solidFill>
-                <a:latin typeface="Courier New" pitchFamily="49"/>
-                <a:cs typeface="Courier New" pitchFamily="49"/>
-              </a:rPr>
-              <a:t>your</a:t>
-            </a:r>
-            <a:r>
-              <a:rPr lang="nl-NL" dirty="0">
-                <a:solidFill>
-                  <a:srgbClr val="00FF00"/>
-                </a:solidFill>
-                <a:latin typeface="Courier New" pitchFamily="49"/>
-                <a:cs typeface="Courier New" pitchFamily="49"/>
-              </a:rPr>
-              <a:t> </a:t>
-            </a:r>
-            <a:r>
-              <a:rPr lang="nl-NL" dirty="0" err="1">
-                <a:solidFill>
-                  <a:srgbClr val="00FF00"/>
-                </a:solidFill>
-                <a:latin typeface="Courier New" pitchFamily="49"/>
-                <a:cs typeface="Courier New" pitchFamily="49"/>
-              </a:rPr>
-              <a:t>application</a:t>
-            </a:r>
-            <a:r>
-              <a:rPr lang="nl-NL" dirty="0">
-                <a:solidFill>
-                  <a:srgbClr val="00FF00"/>
-                </a:solidFill>
-                <a:latin typeface="Courier New" pitchFamily="49"/>
-                <a:cs typeface="Courier New" pitchFamily="49"/>
-              </a:rPr>
-              <a:t> </a:t>
-            </a:r>
-            <a:r>
-              <a:rPr lang="nl-NL" dirty="0" err="1">
-                <a:solidFill>
-                  <a:srgbClr val="00FF00"/>
-                </a:solidFill>
-                <a:latin typeface="Courier New" pitchFamily="49"/>
-                <a:cs typeface="Courier New" pitchFamily="49"/>
-              </a:rPr>
-              <a:t>under</a:t>
-            </a:r>
-            <a:r>
-              <a:rPr lang="nl-NL" dirty="0">
-                <a:solidFill>
-                  <a:srgbClr val="00FF00"/>
-                </a:solidFill>
-                <a:latin typeface="Courier New" pitchFamily="49"/>
-                <a:cs typeface="Courier New" pitchFamily="49"/>
-              </a:rPr>
-              <a:t> test</a:t>
-            </a:r>
-          </a:p>
-          <a:p>
-            <a:pPr lvl="0">
-              <a:buFont typeface="Courier New" pitchFamily="49"/>
-              <a:buChar char="_"/>
-            </a:pPr>
-            <a:endParaRPr lang="nl-NL" dirty="0">
-              <a:solidFill>
-                <a:srgbClr val="00FF00"/>
-              </a:solidFill>
-              <a:latin typeface="Courier New" pitchFamily="49"/>
-              <a:cs typeface="Courier New" pitchFamily="49"/>
-            </a:endParaRPr>
-          </a:p>
-          <a:p>
-            <a:pPr lvl="0">
-              <a:buFont typeface="Courier New" pitchFamily="49"/>
-              <a:buChar char="_"/>
-            </a:pPr>
-            <a:endParaRPr lang="nl-NL" dirty="0">
-              <a:solidFill>
-                <a:srgbClr val="00FF00"/>
-              </a:solidFill>
-              <a:latin typeface="Courier New" pitchFamily="49"/>
-              <a:cs typeface="Courier New" pitchFamily="49"/>
-            </a:endParaRPr>
-          </a:p>
-          <a:p>
-            <a:pPr lvl="0">
-              <a:buFont typeface="Courier New" pitchFamily="49"/>
-              <a:buChar char="_"/>
-            </a:pPr>
-            <a:endParaRPr lang="nl-NL" dirty="0">
-              <a:solidFill>
-                <a:srgbClr val="00FF00"/>
-              </a:solidFill>
-              <a:latin typeface="Courier New" pitchFamily="49"/>
-              <a:cs typeface="Courier New" pitchFamily="49"/>
-            </a:endParaRPr>
-          </a:p>
-          <a:p>
-            <a:pPr lvl="0">
-              <a:buFont typeface="Courier New" pitchFamily="49"/>
-              <a:buChar char="_"/>
-            </a:pPr>
-            <a:endParaRPr lang="nl-NL" dirty="0">
-              <a:solidFill>
-                <a:srgbClr val="00FF00"/>
-              </a:solidFill>
-              <a:latin typeface="Courier New" pitchFamily="49"/>
-              <a:cs typeface="Courier New" pitchFamily="49"/>
-            </a:endParaRPr>
-          </a:p>
-          <a:p>
-            <a:pPr lvl="0">
-              <a:buFont typeface="Courier New" pitchFamily="49"/>
-              <a:buChar char="_"/>
-            </a:pPr>
-            <a:endParaRPr lang="nl-NL" dirty="0">
-              <a:solidFill>
-                <a:srgbClr val="00FF00"/>
-              </a:solidFill>
-              <a:latin typeface="Courier New" pitchFamily="49"/>
-              <a:cs typeface="Courier New" pitchFamily="49"/>
-            </a:endParaRPr>
-          </a:p>
-        </p:txBody>
-      </p:sp>
-    </p:spTree>
-  </p:cSld>
-  <p:clrMapOvr>
-    <a:masterClrMapping/>
-  </p:clrMapOvr>
-</p:sld>
-</file>
-
-<file path=ppt/slides/slide31.xml><?xml version="1.0" encoding="utf-8"?>
-<p:sld xmlns:a="http://schemas.openxmlformats.org/drawingml/2006/main" xmlns:r="http://schemas.openxmlformats.org/officeDocument/2006/relationships" xmlns:p="http://schemas.openxmlformats.org/presentationml/2006/main">
   <p:cSld name="Slide62">
     <p:bg>
       <p:bgPr>
@@ -13799,7 +13712,7 @@
 </p:sld>
 </file>
 
-<file path=ppt/slides/slide32.xml><?xml version="1.0" encoding="utf-8"?>
+<file path=ppt/slides/slide31.xml><?xml version="1.0" encoding="utf-8"?>
 <p:sld xmlns:a="http://schemas.openxmlformats.org/drawingml/2006/main" xmlns:r="http://schemas.openxmlformats.org/officeDocument/2006/relationships" xmlns:p="http://schemas.openxmlformats.org/presentationml/2006/main">
   <p:cSld name="Slide63">
     <p:bg>
@@ -14405,7 +14318,7 @@
 </p:sld>
 </file>
 
-<file path=ppt/slides/slide33.xml><?xml version="1.0" encoding="utf-8"?>
+<file path=ppt/slides/slide32.xml><?xml version="1.0" encoding="utf-8"?>
 <p:sld xmlns:a="http://schemas.openxmlformats.org/drawingml/2006/main" xmlns:r="http://schemas.openxmlformats.org/officeDocument/2006/relationships" xmlns:p="http://schemas.openxmlformats.org/presentationml/2006/main">
   <p:cSld name="Slide64">
     <p:bg>
@@ -14896,7 +14809,7 @@
 </p:sld>
 </file>
 
-<file path=ppt/slides/slide34.xml><?xml version="1.0" encoding="utf-8"?>
+<file path=ppt/slides/slide33.xml><?xml version="1.0" encoding="utf-8"?>
 <p:sld xmlns:a="http://schemas.openxmlformats.org/drawingml/2006/main" xmlns:r="http://schemas.openxmlformats.org/officeDocument/2006/relationships" xmlns:p="http://schemas.openxmlformats.org/presentationml/2006/main">
   <p:cSld name="Slide65">
     <p:bg>
@@ -15348,7 +15261,7 @@
 </p:sld>
 </file>
 
-<file path=ppt/slides/slide35.xml><?xml version="1.0" encoding="utf-8"?>
+<file path=ppt/slides/slide34.xml><?xml version="1.0" encoding="utf-8"?>
 <p:sld xmlns:a="http://schemas.openxmlformats.org/drawingml/2006/main" xmlns:r="http://schemas.openxmlformats.org/officeDocument/2006/relationships" xmlns:p="http://schemas.openxmlformats.org/presentationml/2006/main">
   <p:cSld name="Slide66">
     <p:bg>
@@ -15431,7 +15344,9 @@
           </a:xfrm>
         </p:spPr>
         <p:txBody>
-          <a:bodyPr/>
+          <a:bodyPr>
+            <a:normAutofit/>
+          </a:bodyPr>
           <a:lstStyle/>
           <a:p>
             <a:pPr lvl="0">
@@ -15439,161 +15354,559 @@
               <a:buChar char="_"/>
             </a:pPr>
             <a:r>
-              <a:rPr lang="nl-NL">
-                <a:solidFill>
-                  <a:srgbClr val="00FF00"/>
-                </a:solidFill>
-                <a:latin typeface="Courier New" pitchFamily="49"/>
-                <a:cs typeface="Courier New" pitchFamily="49"/>
-              </a:rPr>
-              <a:t>Mocks until now have been stateless</a:t>
-            </a:r>
-          </a:p>
-          <a:p>
-            <a:pPr lvl="0">
-              <a:buFont typeface="Courier New" pitchFamily="49"/>
-              <a:buChar char="_"/>
-            </a:pPr>
-            <a:endParaRPr lang="nl-NL">
-              <a:solidFill>
-                <a:srgbClr val="00FF00"/>
-              </a:solidFill>
-              <a:latin typeface="Courier New" pitchFamily="49"/>
-              <a:cs typeface="Courier New" pitchFamily="49"/>
-            </a:endParaRPr>
-          </a:p>
-          <a:p>
-            <a:pPr lvl="0">
-              <a:buFont typeface="Courier New" pitchFamily="49"/>
-              <a:buChar char="_"/>
-            </a:pPr>
-            <a:r>
-              <a:rPr lang="nl-NL">
-                <a:solidFill>
-                  <a:srgbClr val="00FF00"/>
-                </a:solidFill>
-                <a:latin typeface="Courier New" pitchFamily="49"/>
-                <a:cs typeface="Courier New" pitchFamily="49"/>
-              </a:rPr>
-              <a:t>Order of calling mocks does not influence behavior</a:t>
-            </a:r>
-          </a:p>
-          <a:p>
-            <a:pPr lvl="0">
-              <a:buFont typeface="Courier New" pitchFamily="49"/>
-              <a:buChar char="_"/>
-            </a:pPr>
-            <a:endParaRPr lang="nl-NL">
-              <a:solidFill>
-                <a:srgbClr val="00FF00"/>
-              </a:solidFill>
-              <a:latin typeface="Courier New" pitchFamily="49"/>
-              <a:cs typeface="Courier New" pitchFamily="49"/>
-            </a:endParaRPr>
-          </a:p>
-          <a:p>
-            <a:pPr lvl="0">
-              <a:buFont typeface="Courier New" pitchFamily="49"/>
-              <a:buChar char="_"/>
-            </a:pPr>
-            <a:r>
-              <a:rPr lang="nl-NL">
-                <a:solidFill>
-                  <a:srgbClr val="00FF00"/>
-                </a:solidFill>
-                <a:latin typeface="Courier New" pitchFamily="49"/>
-                <a:cs typeface="Courier New" pitchFamily="49"/>
-              </a:rPr>
-              <a:t>Not always true in the real world</a:t>
-            </a:r>
-          </a:p>
-          <a:p>
-            <a:pPr lvl="0">
-              <a:buFont typeface="Courier New" pitchFamily="49"/>
-              <a:buChar char="_"/>
-            </a:pPr>
-            <a:endParaRPr lang="nl-NL">
-              <a:solidFill>
-                <a:srgbClr val="00FF00"/>
-              </a:solidFill>
-              <a:latin typeface="Courier New" pitchFamily="49"/>
-              <a:cs typeface="Courier New" pitchFamily="49"/>
-            </a:endParaRPr>
-          </a:p>
-          <a:p>
-            <a:pPr lvl="0">
-              <a:buFont typeface="Courier New" pitchFamily="49"/>
-              <a:buChar char="_"/>
-            </a:pPr>
-            <a:r>
-              <a:rPr lang="nl-NL">
-                <a:solidFill>
-                  <a:srgbClr val="00FF00"/>
-                </a:solidFill>
-                <a:latin typeface="Courier New" pitchFamily="49"/>
-                <a:cs typeface="Courier New" pitchFamily="49"/>
-              </a:rPr>
-              <a:t>Request A &gt; request B differs from       request B &gt; request A</a:t>
-            </a:r>
-          </a:p>
-          <a:p>
-            <a:pPr lvl="0">
-              <a:buFont typeface="Courier New" pitchFamily="49"/>
-              <a:buChar char="_"/>
-            </a:pPr>
-            <a:endParaRPr lang="nl-NL">
-              <a:solidFill>
-                <a:srgbClr val="00FF00"/>
-              </a:solidFill>
-              <a:latin typeface="Courier New" pitchFamily="49"/>
-              <a:cs typeface="Courier New" pitchFamily="49"/>
-            </a:endParaRPr>
-          </a:p>
-          <a:p>
-            <a:pPr lvl="0">
-              <a:buFont typeface="Courier New" pitchFamily="49"/>
-              <a:buChar char="_"/>
-            </a:pPr>
-            <a:endParaRPr lang="nl-NL">
-              <a:solidFill>
-                <a:srgbClr val="00FF00"/>
-              </a:solidFill>
-              <a:latin typeface="Courier New" pitchFamily="49"/>
-              <a:cs typeface="Courier New" pitchFamily="49"/>
-            </a:endParaRPr>
-          </a:p>
-          <a:p>
-            <a:pPr lvl="0">
-              <a:buFont typeface="Courier New" pitchFamily="49"/>
-              <a:buChar char="_"/>
-            </a:pPr>
-            <a:endParaRPr lang="nl-NL">
-              <a:solidFill>
-                <a:srgbClr val="00FF00"/>
-              </a:solidFill>
-              <a:latin typeface="Courier New" pitchFamily="49"/>
-              <a:cs typeface="Courier New" pitchFamily="49"/>
-            </a:endParaRPr>
-          </a:p>
-          <a:p>
-            <a:pPr lvl="0">
-              <a:buFont typeface="Courier New" pitchFamily="49"/>
-              <a:buChar char="_"/>
-            </a:pPr>
-            <a:endParaRPr lang="nl-NL">
-              <a:solidFill>
-                <a:srgbClr val="00FF00"/>
-              </a:solidFill>
-              <a:latin typeface="Courier New" pitchFamily="49"/>
-              <a:cs typeface="Courier New" pitchFamily="49"/>
-            </a:endParaRPr>
-          </a:p>
-          <a:p>
-            <a:pPr lvl="0">
-              <a:buFont typeface="Courier New" pitchFamily="49"/>
-              <a:buChar char="_"/>
-            </a:pPr>
-            <a:endParaRPr lang="nl-NL">
+              <a:rPr lang="nl-NL" dirty="0">
+                <a:solidFill>
+                  <a:srgbClr val="00FF00"/>
+                </a:solidFill>
+                <a:latin typeface="Courier New" pitchFamily="49"/>
+                <a:cs typeface="Courier New" pitchFamily="49"/>
+              </a:rPr>
+              <a:t>The </a:t>
+            </a:r>
+            <a:r>
+              <a:rPr lang="nl-NL" dirty="0" err="1">
+                <a:solidFill>
+                  <a:srgbClr val="00FF00"/>
+                </a:solidFill>
+                <a:latin typeface="Courier New" pitchFamily="49"/>
+                <a:cs typeface="Courier New" pitchFamily="49"/>
+              </a:rPr>
+              <a:t>mocks</a:t>
+            </a:r>
+            <a:r>
+              <a:rPr lang="nl-NL" dirty="0">
+                <a:solidFill>
+                  <a:srgbClr val="00FF00"/>
+                </a:solidFill>
+                <a:latin typeface="Courier New" pitchFamily="49"/>
+                <a:cs typeface="Courier New" pitchFamily="49"/>
+              </a:rPr>
+              <a:t> we </a:t>
+            </a:r>
+            <a:r>
+              <a:rPr lang="nl-NL" dirty="0" err="1">
+                <a:solidFill>
+                  <a:srgbClr val="00FF00"/>
+                </a:solidFill>
+                <a:latin typeface="Courier New" pitchFamily="49"/>
+                <a:cs typeface="Courier New" pitchFamily="49"/>
+              </a:rPr>
+              <a:t>created</a:t>
+            </a:r>
+            <a:r>
+              <a:rPr lang="nl-NL" dirty="0">
+                <a:solidFill>
+                  <a:srgbClr val="00FF00"/>
+                </a:solidFill>
+                <a:latin typeface="Courier New" pitchFamily="49"/>
+                <a:cs typeface="Courier New" pitchFamily="49"/>
+              </a:rPr>
+              <a:t> </a:t>
+            </a:r>
+            <a:r>
+              <a:rPr lang="nl-NL" dirty="0" err="1">
+                <a:solidFill>
+                  <a:srgbClr val="00FF00"/>
+                </a:solidFill>
+                <a:latin typeface="Courier New" pitchFamily="49"/>
+                <a:cs typeface="Courier New" pitchFamily="49"/>
+              </a:rPr>
+              <a:t>until</a:t>
+            </a:r>
+            <a:r>
+              <a:rPr lang="nl-NL" dirty="0">
+                <a:solidFill>
+                  <a:srgbClr val="00FF00"/>
+                </a:solidFill>
+                <a:latin typeface="Courier New" pitchFamily="49"/>
+                <a:cs typeface="Courier New" pitchFamily="49"/>
+              </a:rPr>
+              <a:t> </a:t>
+            </a:r>
+            <a:r>
+              <a:rPr lang="nl-NL" dirty="0" err="1">
+                <a:solidFill>
+                  <a:srgbClr val="00FF00"/>
+                </a:solidFill>
+                <a:latin typeface="Courier New" pitchFamily="49"/>
+                <a:cs typeface="Courier New" pitchFamily="49"/>
+              </a:rPr>
+              <a:t>now</a:t>
+            </a:r>
+            <a:r>
+              <a:rPr lang="nl-NL" dirty="0">
+                <a:solidFill>
+                  <a:srgbClr val="00FF00"/>
+                </a:solidFill>
+                <a:latin typeface="Courier New" pitchFamily="49"/>
+                <a:cs typeface="Courier New" pitchFamily="49"/>
+              </a:rPr>
+              <a:t> have been </a:t>
+            </a:r>
+            <a:r>
+              <a:rPr lang="nl-NL" dirty="0" err="1">
+                <a:solidFill>
+                  <a:srgbClr val="00FF00"/>
+                </a:solidFill>
+                <a:latin typeface="Courier New" pitchFamily="49"/>
+                <a:cs typeface="Courier New" pitchFamily="49"/>
+              </a:rPr>
+              <a:t>stateless</a:t>
+            </a:r>
+            <a:endParaRPr lang="nl-NL" dirty="0">
+              <a:solidFill>
+                <a:srgbClr val="00FF00"/>
+              </a:solidFill>
+              <a:latin typeface="Courier New" pitchFamily="49"/>
+              <a:cs typeface="Courier New" pitchFamily="49"/>
+            </a:endParaRPr>
+          </a:p>
+          <a:p>
+            <a:pPr lvl="1">
+              <a:buFont typeface="Courier New" pitchFamily="49"/>
+              <a:buChar char="_"/>
+            </a:pPr>
+            <a:r>
+              <a:rPr lang="nl-NL" dirty="0">
+                <a:solidFill>
+                  <a:srgbClr val="00FF00"/>
+                </a:solidFill>
+                <a:latin typeface="Courier New" pitchFamily="49"/>
+                <a:cs typeface="Courier New" pitchFamily="49"/>
+              </a:rPr>
+              <a:t>Order of </a:t>
+            </a:r>
+            <a:r>
+              <a:rPr lang="nl-NL" dirty="0" err="1">
+                <a:solidFill>
+                  <a:srgbClr val="00FF00"/>
+                </a:solidFill>
+                <a:latin typeface="Courier New" pitchFamily="49"/>
+                <a:cs typeface="Courier New" pitchFamily="49"/>
+              </a:rPr>
+              <a:t>calling</a:t>
+            </a:r>
+            <a:r>
+              <a:rPr lang="nl-NL" dirty="0">
+                <a:solidFill>
+                  <a:srgbClr val="00FF00"/>
+                </a:solidFill>
+                <a:latin typeface="Courier New" pitchFamily="49"/>
+                <a:cs typeface="Courier New" pitchFamily="49"/>
+              </a:rPr>
+              <a:t> </a:t>
+            </a:r>
+            <a:r>
+              <a:rPr lang="nl-NL" dirty="0" err="1">
+                <a:solidFill>
+                  <a:srgbClr val="00FF00"/>
+                </a:solidFill>
+                <a:latin typeface="Courier New" pitchFamily="49"/>
+                <a:cs typeface="Courier New" pitchFamily="49"/>
+              </a:rPr>
+              <a:t>mocks</a:t>
+            </a:r>
+            <a:r>
+              <a:rPr lang="nl-NL" dirty="0">
+                <a:solidFill>
+                  <a:srgbClr val="00FF00"/>
+                </a:solidFill>
+                <a:latin typeface="Courier New" pitchFamily="49"/>
+                <a:cs typeface="Courier New" pitchFamily="49"/>
+              </a:rPr>
+              <a:t> does </a:t>
+            </a:r>
+            <a:r>
+              <a:rPr lang="nl-NL" dirty="0" err="1">
+                <a:solidFill>
+                  <a:srgbClr val="00FF00"/>
+                </a:solidFill>
+                <a:latin typeface="Courier New" pitchFamily="49"/>
+                <a:cs typeface="Courier New" pitchFamily="49"/>
+              </a:rPr>
+              <a:t>not</a:t>
+            </a:r>
+            <a:r>
+              <a:rPr lang="nl-NL" dirty="0">
+                <a:solidFill>
+                  <a:srgbClr val="00FF00"/>
+                </a:solidFill>
+                <a:latin typeface="Courier New" pitchFamily="49"/>
+                <a:cs typeface="Courier New" pitchFamily="49"/>
+              </a:rPr>
+              <a:t> </a:t>
+            </a:r>
+            <a:r>
+              <a:rPr lang="nl-NL" dirty="0" err="1">
+                <a:solidFill>
+                  <a:srgbClr val="00FF00"/>
+                </a:solidFill>
+                <a:latin typeface="Courier New" pitchFamily="49"/>
+                <a:cs typeface="Courier New" pitchFamily="49"/>
+              </a:rPr>
+              <a:t>influence</a:t>
+            </a:r>
+            <a:r>
+              <a:rPr lang="nl-NL" dirty="0">
+                <a:solidFill>
+                  <a:srgbClr val="00FF00"/>
+                </a:solidFill>
+                <a:latin typeface="Courier New" pitchFamily="49"/>
+                <a:cs typeface="Courier New" pitchFamily="49"/>
+              </a:rPr>
+              <a:t> </a:t>
+            </a:r>
+            <a:r>
+              <a:rPr lang="nl-NL" dirty="0" err="1">
+                <a:solidFill>
+                  <a:srgbClr val="00FF00"/>
+                </a:solidFill>
+                <a:latin typeface="Courier New" pitchFamily="49"/>
+                <a:cs typeface="Courier New" pitchFamily="49"/>
+              </a:rPr>
+              <a:t>behavior</a:t>
+            </a:r>
+            <a:endParaRPr lang="nl-NL" dirty="0">
+              <a:solidFill>
+                <a:srgbClr val="00FF00"/>
+              </a:solidFill>
+              <a:latin typeface="Courier New" pitchFamily="49"/>
+              <a:cs typeface="Courier New" pitchFamily="49"/>
+            </a:endParaRPr>
+          </a:p>
+          <a:p>
+            <a:pPr lvl="0">
+              <a:buFont typeface="Courier New" pitchFamily="49"/>
+              <a:buChar char="_"/>
+            </a:pPr>
+            <a:endParaRPr lang="nl-NL" dirty="0">
+              <a:solidFill>
+                <a:srgbClr val="00FF00"/>
+              </a:solidFill>
+              <a:latin typeface="Courier New" pitchFamily="49"/>
+              <a:cs typeface="Courier New" pitchFamily="49"/>
+            </a:endParaRPr>
+          </a:p>
+          <a:p>
+            <a:pPr lvl="0">
+              <a:buFont typeface="Courier New" pitchFamily="49"/>
+              <a:buChar char="_"/>
+            </a:pPr>
+            <a:r>
+              <a:rPr lang="nl-NL" dirty="0" err="1">
+                <a:solidFill>
+                  <a:srgbClr val="00FF00"/>
+                </a:solidFill>
+                <a:latin typeface="Courier New" pitchFamily="49"/>
+                <a:cs typeface="Courier New" pitchFamily="49"/>
+              </a:rPr>
+              <a:t>Not</a:t>
+            </a:r>
+            <a:r>
+              <a:rPr lang="nl-NL" dirty="0">
+                <a:solidFill>
+                  <a:srgbClr val="00FF00"/>
+                </a:solidFill>
+                <a:latin typeface="Courier New" pitchFamily="49"/>
+                <a:cs typeface="Courier New" pitchFamily="49"/>
+              </a:rPr>
+              <a:t> </a:t>
+            </a:r>
+            <a:r>
+              <a:rPr lang="nl-NL" dirty="0" err="1">
+                <a:solidFill>
+                  <a:srgbClr val="00FF00"/>
+                </a:solidFill>
+                <a:latin typeface="Courier New" pitchFamily="49"/>
+                <a:cs typeface="Courier New" pitchFamily="49"/>
+              </a:rPr>
+              <a:t>always</a:t>
+            </a:r>
+            <a:r>
+              <a:rPr lang="nl-NL" dirty="0">
+                <a:solidFill>
+                  <a:srgbClr val="00FF00"/>
+                </a:solidFill>
+                <a:latin typeface="Courier New" pitchFamily="49"/>
+                <a:cs typeface="Courier New" pitchFamily="49"/>
+              </a:rPr>
+              <a:t> </a:t>
+            </a:r>
+            <a:r>
+              <a:rPr lang="nl-NL" dirty="0" err="1">
+                <a:solidFill>
+                  <a:srgbClr val="00FF00"/>
+                </a:solidFill>
+                <a:latin typeface="Courier New" pitchFamily="49"/>
+                <a:cs typeface="Courier New" pitchFamily="49"/>
+              </a:rPr>
+              <a:t>true</a:t>
+            </a:r>
+            <a:r>
+              <a:rPr lang="nl-NL" dirty="0">
+                <a:solidFill>
+                  <a:srgbClr val="00FF00"/>
+                </a:solidFill>
+                <a:latin typeface="Courier New" pitchFamily="49"/>
+                <a:cs typeface="Courier New" pitchFamily="49"/>
+              </a:rPr>
+              <a:t> in </a:t>
+            </a:r>
+            <a:r>
+              <a:rPr lang="nl-NL" dirty="0" err="1">
+                <a:solidFill>
+                  <a:srgbClr val="00FF00"/>
+                </a:solidFill>
+                <a:latin typeface="Courier New" pitchFamily="49"/>
+                <a:cs typeface="Courier New" pitchFamily="49"/>
+              </a:rPr>
+              <a:t>the</a:t>
+            </a:r>
+            <a:r>
+              <a:rPr lang="nl-NL" dirty="0">
+                <a:solidFill>
+                  <a:srgbClr val="00FF00"/>
+                </a:solidFill>
+                <a:latin typeface="Courier New" pitchFamily="49"/>
+                <a:cs typeface="Courier New" pitchFamily="49"/>
+              </a:rPr>
+              <a:t> real </a:t>
+            </a:r>
+            <a:r>
+              <a:rPr lang="nl-NL" dirty="0" err="1">
+                <a:solidFill>
+                  <a:srgbClr val="00FF00"/>
+                </a:solidFill>
+                <a:latin typeface="Courier New" pitchFamily="49"/>
+                <a:cs typeface="Courier New" pitchFamily="49"/>
+              </a:rPr>
+              <a:t>world</a:t>
+            </a:r>
+            <a:endParaRPr lang="nl-NL" dirty="0">
+              <a:solidFill>
+                <a:srgbClr val="00FF00"/>
+              </a:solidFill>
+              <a:latin typeface="Courier New" pitchFamily="49"/>
+              <a:cs typeface="Courier New" pitchFamily="49"/>
+            </a:endParaRPr>
+          </a:p>
+          <a:p>
+            <a:pPr lvl="0">
+              <a:buFont typeface="Courier New" pitchFamily="49"/>
+              <a:buChar char="_"/>
+            </a:pPr>
+            <a:endParaRPr lang="nl-NL" dirty="0">
+              <a:solidFill>
+                <a:srgbClr val="00FF00"/>
+              </a:solidFill>
+              <a:latin typeface="Courier New" pitchFamily="49"/>
+              <a:cs typeface="Courier New" pitchFamily="49"/>
+            </a:endParaRPr>
+          </a:p>
+          <a:p>
+            <a:pPr lvl="0">
+              <a:buFont typeface="Courier New" pitchFamily="49"/>
+              <a:buChar char="_"/>
+            </a:pPr>
+            <a:r>
+              <a:rPr lang="nl-NL" dirty="0" err="1">
+                <a:solidFill>
+                  <a:srgbClr val="00FF00"/>
+                </a:solidFill>
+                <a:latin typeface="Courier New" pitchFamily="49"/>
+                <a:cs typeface="Courier New" pitchFamily="49"/>
+              </a:rPr>
+              <a:t>Request</a:t>
+            </a:r>
+            <a:r>
+              <a:rPr lang="nl-NL" dirty="0">
+                <a:solidFill>
+                  <a:srgbClr val="00FF00"/>
+                </a:solidFill>
+                <a:latin typeface="Courier New" pitchFamily="49"/>
+                <a:cs typeface="Courier New" pitchFamily="49"/>
+              </a:rPr>
+              <a:t> A &gt; </a:t>
+            </a:r>
+            <a:r>
+              <a:rPr lang="nl-NL" dirty="0" err="1">
+                <a:solidFill>
+                  <a:srgbClr val="00FF00"/>
+                </a:solidFill>
+                <a:latin typeface="Courier New" pitchFamily="49"/>
+                <a:cs typeface="Courier New" pitchFamily="49"/>
+              </a:rPr>
+              <a:t>request</a:t>
+            </a:r>
+            <a:r>
+              <a:rPr lang="nl-NL" dirty="0">
+                <a:solidFill>
+                  <a:srgbClr val="00FF00"/>
+                </a:solidFill>
+                <a:latin typeface="Courier New" pitchFamily="49"/>
+                <a:cs typeface="Courier New" pitchFamily="49"/>
+              </a:rPr>
+              <a:t> B </a:t>
+            </a:r>
+            <a:r>
+              <a:rPr lang="nl-NL" dirty="0" err="1">
+                <a:solidFill>
+                  <a:srgbClr val="00FF00"/>
+                </a:solidFill>
+                <a:latin typeface="Courier New" pitchFamily="49"/>
+                <a:cs typeface="Courier New" pitchFamily="49"/>
+              </a:rPr>
+              <a:t>might</a:t>
+            </a:r>
+            <a:r>
+              <a:rPr lang="nl-NL" dirty="0">
+                <a:solidFill>
+                  <a:srgbClr val="00FF00"/>
+                </a:solidFill>
+                <a:latin typeface="Courier New" pitchFamily="49"/>
+                <a:cs typeface="Courier New" pitchFamily="49"/>
+              </a:rPr>
+              <a:t> </a:t>
+            </a:r>
+            <a:r>
+              <a:rPr lang="nl-NL" dirty="0" err="1">
+                <a:solidFill>
+                  <a:srgbClr val="00FF00"/>
+                </a:solidFill>
+                <a:latin typeface="Courier New" pitchFamily="49"/>
+                <a:cs typeface="Courier New" pitchFamily="49"/>
+              </a:rPr>
+              <a:t>differ</a:t>
+            </a:r>
+            <a:r>
+              <a:rPr lang="nl-NL" dirty="0">
+                <a:solidFill>
+                  <a:srgbClr val="00FF00"/>
+                </a:solidFill>
+                <a:latin typeface="Courier New" pitchFamily="49"/>
+                <a:cs typeface="Courier New" pitchFamily="49"/>
+              </a:rPr>
+              <a:t> </a:t>
+            </a:r>
+            <a:r>
+              <a:rPr lang="nl-NL" dirty="0" err="1">
+                <a:solidFill>
+                  <a:srgbClr val="00FF00"/>
+                </a:solidFill>
+                <a:latin typeface="Courier New" pitchFamily="49"/>
+                <a:cs typeface="Courier New" pitchFamily="49"/>
+              </a:rPr>
+              <a:t>from</a:t>
+            </a:r>
+            <a:r>
+              <a:rPr lang="nl-NL" dirty="0">
+                <a:solidFill>
+                  <a:srgbClr val="00FF00"/>
+                </a:solidFill>
+                <a:latin typeface="Courier New" pitchFamily="49"/>
+                <a:cs typeface="Courier New" pitchFamily="49"/>
+              </a:rPr>
+              <a:t>       </a:t>
+            </a:r>
+            <a:r>
+              <a:rPr lang="nl-NL" dirty="0" err="1">
+                <a:solidFill>
+                  <a:srgbClr val="00FF00"/>
+                </a:solidFill>
+                <a:latin typeface="Courier New" pitchFamily="49"/>
+                <a:cs typeface="Courier New" pitchFamily="49"/>
+              </a:rPr>
+              <a:t>request</a:t>
+            </a:r>
+            <a:r>
+              <a:rPr lang="nl-NL" dirty="0">
+                <a:solidFill>
+                  <a:srgbClr val="00FF00"/>
+                </a:solidFill>
+                <a:latin typeface="Courier New" pitchFamily="49"/>
+                <a:cs typeface="Courier New" pitchFamily="49"/>
+              </a:rPr>
+              <a:t> B &gt; </a:t>
+            </a:r>
+            <a:r>
+              <a:rPr lang="nl-NL" dirty="0" err="1">
+                <a:solidFill>
+                  <a:srgbClr val="00FF00"/>
+                </a:solidFill>
+                <a:latin typeface="Courier New" pitchFamily="49"/>
+                <a:cs typeface="Courier New" pitchFamily="49"/>
+              </a:rPr>
+              <a:t>request</a:t>
+            </a:r>
+            <a:r>
+              <a:rPr lang="nl-NL" dirty="0">
+                <a:solidFill>
+                  <a:srgbClr val="00FF00"/>
+                </a:solidFill>
+                <a:latin typeface="Courier New" pitchFamily="49"/>
+                <a:cs typeface="Courier New" pitchFamily="49"/>
+              </a:rPr>
+              <a:t> A</a:t>
+            </a:r>
+          </a:p>
+          <a:p>
+            <a:pPr lvl="0">
+              <a:buFont typeface="Courier New" pitchFamily="49"/>
+              <a:buChar char="_"/>
+            </a:pPr>
+            <a:endParaRPr lang="nl-NL" dirty="0">
+              <a:solidFill>
+                <a:srgbClr val="00FF00"/>
+              </a:solidFill>
+              <a:latin typeface="Courier New" pitchFamily="49"/>
+              <a:cs typeface="Courier New" pitchFamily="49"/>
+            </a:endParaRPr>
+          </a:p>
+          <a:p>
+            <a:pPr lvl="0">
+              <a:buFont typeface="Courier New" pitchFamily="49"/>
+              <a:buChar char="_"/>
+            </a:pPr>
+            <a:endParaRPr lang="nl-NL" dirty="0">
+              <a:solidFill>
+                <a:srgbClr val="00FF00"/>
+              </a:solidFill>
+              <a:latin typeface="Courier New" pitchFamily="49"/>
+              <a:cs typeface="Courier New" pitchFamily="49"/>
+            </a:endParaRPr>
+          </a:p>
+          <a:p>
+            <a:pPr lvl="0">
+              <a:buFont typeface="Courier New" pitchFamily="49"/>
+              <a:buChar char="_"/>
+            </a:pPr>
+            <a:endParaRPr lang="nl-NL" dirty="0">
+              <a:solidFill>
+                <a:srgbClr val="00FF00"/>
+              </a:solidFill>
+              <a:latin typeface="Courier New" pitchFamily="49"/>
+              <a:cs typeface="Courier New" pitchFamily="49"/>
+            </a:endParaRPr>
+          </a:p>
+          <a:p>
+            <a:pPr lvl="0">
+              <a:buFont typeface="Courier New" pitchFamily="49"/>
+              <a:buChar char="_"/>
+            </a:pPr>
+            <a:endParaRPr lang="nl-NL" dirty="0">
+              <a:solidFill>
+                <a:srgbClr val="00FF00"/>
+              </a:solidFill>
+              <a:latin typeface="Courier New" pitchFamily="49"/>
+              <a:cs typeface="Courier New" pitchFamily="49"/>
+            </a:endParaRPr>
+          </a:p>
+          <a:p>
+            <a:pPr lvl="0">
+              <a:buFont typeface="Courier New" pitchFamily="49"/>
+              <a:buChar char="_"/>
+            </a:pPr>
+            <a:endParaRPr lang="nl-NL" dirty="0">
               <a:solidFill>
                 <a:srgbClr val="00FF00"/>
               </a:solidFill>
@@ -15611,7 +15924,7 @@
 </p:sld>
 </file>
 
-<file path=ppt/slides/slide36.xml><?xml version="1.0" encoding="utf-8"?>
+<file path=ppt/slides/slide35.xml><?xml version="1.0" encoding="utf-8"?>
 <p:sld xmlns:a="http://schemas.openxmlformats.org/drawingml/2006/main" xmlns:r="http://schemas.openxmlformats.org/officeDocument/2006/relationships" xmlns:p="http://schemas.openxmlformats.org/presentationml/2006/main">
   <p:cSld name="Slide67">
     <p:bg>
@@ -15697,145 +16010,571 @@
               <a:buChar char="_"/>
             </a:pPr>
             <a:r>
-              <a:rPr lang="nl-NL">
-                <a:solidFill>
-                  <a:srgbClr val="00FF00"/>
-                </a:solidFill>
-                <a:latin typeface="Courier New" pitchFamily="49"/>
-                <a:cs typeface="Courier New" pitchFamily="49"/>
-              </a:rPr>
-              <a:t>Scenario</a:t>
-            </a:r>
-          </a:p>
-          <a:p>
-            <a:pPr lvl="0">
-              <a:buFont typeface="Courier New" pitchFamily="49"/>
-              <a:buChar char="_"/>
-            </a:pPr>
-            <a:endParaRPr lang="nl-NL">
-              <a:solidFill>
-                <a:srgbClr val="00FF00"/>
-              </a:solidFill>
-              <a:latin typeface="Courier New" pitchFamily="49"/>
-              <a:cs typeface="Courier New" pitchFamily="49"/>
-            </a:endParaRPr>
-          </a:p>
-          <a:p>
-            <a:pPr lvl="0">
-              <a:buFont typeface="Courier New" pitchFamily="49"/>
-              <a:buChar char="_"/>
-            </a:pPr>
-            <a:r>
-              <a:rPr lang="nl-NL">
-                <a:solidFill>
-                  <a:srgbClr val="00FF00"/>
-                </a:solidFill>
-                <a:latin typeface="Courier New" pitchFamily="49"/>
-                <a:cs typeface="Courier New" pitchFamily="49"/>
-              </a:rPr>
-              <a:t>Status transitions</a:t>
-            </a:r>
-          </a:p>
-          <a:p>
-            <a:pPr lvl="0">
-              <a:buFont typeface="Courier New" pitchFamily="49"/>
-              <a:buChar char="_"/>
-            </a:pPr>
-            <a:endParaRPr lang="nl-NL">
-              <a:solidFill>
-                <a:srgbClr val="00FF00"/>
-              </a:solidFill>
-              <a:latin typeface="Courier New" pitchFamily="49"/>
-              <a:cs typeface="Courier New" pitchFamily="49"/>
-            </a:endParaRPr>
-          </a:p>
-          <a:p>
-            <a:pPr lvl="0">
-              <a:buFont typeface="Courier New" pitchFamily="49"/>
-              <a:buChar char="_"/>
-            </a:pPr>
-            <a:r>
-              <a:rPr lang="nl-NL">
-                <a:solidFill>
-                  <a:srgbClr val="00FF00"/>
-                </a:solidFill>
-                <a:latin typeface="Courier New" pitchFamily="49"/>
-                <a:cs typeface="Courier New" pitchFamily="49"/>
-              </a:rPr>
-              <a:t>Current state (partly) determines the response being sent</a:t>
-            </a:r>
-          </a:p>
-          <a:p>
-            <a:pPr lvl="0">
-              <a:buFont typeface="Courier New" pitchFamily="49"/>
-              <a:buChar char="_"/>
-            </a:pPr>
-            <a:endParaRPr lang="nl-NL">
-              <a:solidFill>
-                <a:srgbClr val="00FF00"/>
-              </a:solidFill>
-              <a:latin typeface="Courier New" pitchFamily="49"/>
-              <a:cs typeface="Courier New" pitchFamily="49"/>
-            </a:endParaRPr>
-          </a:p>
-          <a:p>
-            <a:pPr lvl="0">
-              <a:buFont typeface="Courier New" pitchFamily="49"/>
-              <a:buChar char="_"/>
-            </a:pPr>
-            <a:endParaRPr lang="nl-NL">
-              <a:solidFill>
-                <a:srgbClr val="00FF00"/>
-              </a:solidFill>
-              <a:latin typeface="Courier New" pitchFamily="49"/>
-              <a:cs typeface="Courier New" pitchFamily="49"/>
-            </a:endParaRPr>
-          </a:p>
-          <a:p>
-            <a:pPr lvl="0">
-              <a:buFont typeface="Courier New" pitchFamily="49"/>
-              <a:buChar char="_"/>
-            </a:pPr>
-            <a:endParaRPr lang="nl-NL">
-              <a:solidFill>
-                <a:srgbClr val="00FF00"/>
-              </a:solidFill>
-              <a:latin typeface="Courier New" pitchFamily="49"/>
-              <a:cs typeface="Courier New" pitchFamily="49"/>
-            </a:endParaRPr>
-          </a:p>
-          <a:p>
-            <a:pPr lvl="0">
-              <a:buFont typeface="Courier New" pitchFamily="49"/>
-              <a:buChar char="_"/>
-            </a:pPr>
-            <a:endParaRPr lang="nl-NL">
-              <a:solidFill>
-                <a:srgbClr val="00FF00"/>
-              </a:solidFill>
-              <a:latin typeface="Courier New" pitchFamily="49"/>
-              <a:cs typeface="Courier New" pitchFamily="49"/>
-            </a:endParaRPr>
-          </a:p>
-          <a:p>
-            <a:pPr lvl="0">
-              <a:buFont typeface="Courier New" pitchFamily="49"/>
-              <a:buChar char="_"/>
-            </a:pPr>
-            <a:endParaRPr lang="nl-NL">
-              <a:solidFill>
-                <a:srgbClr val="00FF00"/>
-              </a:solidFill>
-              <a:latin typeface="Courier New" pitchFamily="49"/>
-              <a:cs typeface="Courier New" pitchFamily="49"/>
-            </a:endParaRPr>
-          </a:p>
-          <a:p>
-            <a:pPr lvl="0">
-              <a:buFont typeface="Courier New" pitchFamily="49"/>
-              <a:buChar char="_"/>
-            </a:pPr>
-            <a:endParaRPr lang="nl-NL">
+              <a:rPr lang="nl-NL" dirty="0" err="1">
+                <a:solidFill>
+                  <a:srgbClr val="00FF00"/>
+                </a:solidFill>
+                <a:latin typeface="Courier New" pitchFamily="49"/>
+                <a:cs typeface="Courier New" pitchFamily="49"/>
+              </a:rPr>
+              <a:t>Supported</a:t>
+            </a:r>
+            <a:r>
+              <a:rPr lang="nl-NL" dirty="0">
+                <a:solidFill>
+                  <a:srgbClr val="00FF00"/>
+                </a:solidFill>
+                <a:latin typeface="Courier New" pitchFamily="49"/>
+                <a:cs typeface="Courier New" pitchFamily="49"/>
+              </a:rPr>
+              <a:t> </a:t>
+            </a:r>
+            <a:r>
+              <a:rPr lang="nl-NL" dirty="0" err="1">
+                <a:solidFill>
+                  <a:srgbClr val="00FF00"/>
+                </a:solidFill>
+                <a:latin typeface="Courier New" pitchFamily="49"/>
+                <a:cs typeface="Courier New" pitchFamily="49"/>
+              </a:rPr>
+              <a:t>through</a:t>
+            </a:r>
+            <a:r>
+              <a:rPr lang="nl-NL" dirty="0">
+                <a:solidFill>
+                  <a:srgbClr val="00FF00"/>
+                </a:solidFill>
+                <a:latin typeface="Courier New" pitchFamily="49"/>
+                <a:cs typeface="Courier New" pitchFamily="49"/>
+              </a:rPr>
+              <a:t> </a:t>
+            </a:r>
+            <a:r>
+              <a:rPr lang="nl-NL" dirty="0" err="1">
+                <a:solidFill>
+                  <a:srgbClr val="00FF00"/>
+                </a:solidFill>
+                <a:latin typeface="Courier New" pitchFamily="49"/>
+                <a:cs typeface="Courier New" pitchFamily="49"/>
+              </a:rPr>
+              <a:t>the</a:t>
+            </a:r>
+            <a:r>
+              <a:rPr lang="nl-NL" dirty="0">
+                <a:solidFill>
+                  <a:srgbClr val="00FF00"/>
+                </a:solidFill>
+                <a:latin typeface="Courier New" pitchFamily="49"/>
+                <a:cs typeface="Courier New" pitchFamily="49"/>
+              </a:rPr>
+              <a:t> concept of a Scenario</a:t>
+            </a:r>
+          </a:p>
+          <a:p>
+            <a:pPr lvl="0">
+              <a:buFont typeface="Courier New" pitchFamily="49"/>
+              <a:buChar char="_"/>
+            </a:pPr>
+            <a:endParaRPr lang="nl-NL" dirty="0">
+              <a:solidFill>
+                <a:srgbClr val="00FF00"/>
+              </a:solidFill>
+              <a:latin typeface="Courier New" pitchFamily="49"/>
+              <a:cs typeface="Courier New" pitchFamily="49"/>
+            </a:endParaRPr>
+          </a:p>
+          <a:p>
+            <a:pPr lvl="0">
+              <a:buFont typeface="Courier New" pitchFamily="49"/>
+              <a:buChar char="_"/>
+            </a:pPr>
+            <a:r>
+              <a:rPr lang="nl-NL" dirty="0" err="1">
+                <a:solidFill>
+                  <a:srgbClr val="00FF00"/>
+                </a:solidFill>
+                <a:latin typeface="Courier New" pitchFamily="49"/>
+                <a:cs typeface="Courier New" pitchFamily="49"/>
+              </a:rPr>
+              <a:t>Essentially</a:t>
+            </a:r>
+            <a:r>
+              <a:rPr lang="nl-NL" dirty="0">
+                <a:solidFill>
+                  <a:srgbClr val="00FF00"/>
+                </a:solidFill>
+                <a:latin typeface="Courier New" pitchFamily="49"/>
+                <a:cs typeface="Courier New" pitchFamily="49"/>
+              </a:rPr>
+              <a:t> a </a:t>
+            </a:r>
+            <a:r>
+              <a:rPr lang="nl-NL" dirty="0" err="1">
+                <a:solidFill>
+                  <a:srgbClr val="00FF00"/>
+                </a:solidFill>
+                <a:latin typeface="Courier New" pitchFamily="49"/>
+                <a:cs typeface="Courier New" pitchFamily="49"/>
+              </a:rPr>
+              <a:t>finite</a:t>
+            </a:r>
+            <a:r>
+              <a:rPr lang="nl-NL" dirty="0">
+                <a:solidFill>
+                  <a:srgbClr val="00FF00"/>
+                </a:solidFill>
+                <a:latin typeface="Courier New" pitchFamily="49"/>
+                <a:cs typeface="Courier New" pitchFamily="49"/>
+              </a:rPr>
+              <a:t> state machine (FSM)</a:t>
+            </a:r>
+          </a:p>
+          <a:p>
+            <a:pPr lvl="1">
+              <a:buFont typeface="Courier New" pitchFamily="49"/>
+              <a:buChar char="_"/>
+            </a:pPr>
+            <a:r>
+              <a:rPr lang="nl-NL" dirty="0" err="1">
+                <a:solidFill>
+                  <a:srgbClr val="00FF00"/>
+                </a:solidFill>
+                <a:latin typeface="Courier New" pitchFamily="49"/>
+                <a:cs typeface="Courier New" pitchFamily="49"/>
+              </a:rPr>
+              <a:t>States</a:t>
+            </a:r>
+            <a:r>
+              <a:rPr lang="nl-NL" dirty="0">
+                <a:solidFill>
+                  <a:srgbClr val="00FF00"/>
+                </a:solidFill>
+                <a:latin typeface="Courier New" pitchFamily="49"/>
+                <a:cs typeface="Courier New" pitchFamily="49"/>
+              </a:rPr>
+              <a:t> </a:t>
+            </a:r>
+            <a:r>
+              <a:rPr lang="nl-NL" dirty="0" err="1">
+                <a:solidFill>
+                  <a:srgbClr val="00FF00"/>
+                </a:solidFill>
+                <a:latin typeface="Courier New" pitchFamily="49"/>
+                <a:cs typeface="Courier New" pitchFamily="49"/>
+              </a:rPr>
+              <a:t>and</a:t>
+            </a:r>
+            <a:r>
+              <a:rPr lang="nl-NL" dirty="0">
+                <a:solidFill>
+                  <a:srgbClr val="00FF00"/>
+                </a:solidFill>
+                <a:latin typeface="Courier New" pitchFamily="49"/>
+                <a:cs typeface="Courier New" pitchFamily="49"/>
+              </a:rPr>
+              <a:t> state </a:t>
+            </a:r>
+            <a:r>
+              <a:rPr lang="nl-NL" dirty="0" err="1">
+                <a:solidFill>
+                  <a:srgbClr val="00FF00"/>
+                </a:solidFill>
+                <a:latin typeface="Courier New" pitchFamily="49"/>
+                <a:cs typeface="Courier New" pitchFamily="49"/>
+              </a:rPr>
+              <a:t>transitions</a:t>
+            </a:r>
+            <a:endParaRPr lang="nl-NL" dirty="0">
+              <a:solidFill>
+                <a:srgbClr val="00FF00"/>
+              </a:solidFill>
+              <a:latin typeface="Courier New" pitchFamily="49"/>
+              <a:cs typeface="Courier New" pitchFamily="49"/>
+            </a:endParaRPr>
+          </a:p>
+          <a:p>
+            <a:pPr lvl="0">
+              <a:buFont typeface="Courier New" pitchFamily="49"/>
+              <a:buChar char="_"/>
+            </a:pPr>
+            <a:endParaRPr lang="nl-NL" dirty="0">
+              <a:solidFill>
+                <a:srgbClr val="00FF00"/>
+              </a:solidFill>
+              <a:latin typeface="Courier New" pitchFamily="49"/>
+              <a:cs typeface="Courier New" pitchFamily="49"/>
+            </a:endParaRPr>
+          </a:p>
+          <a:p>
+            <a:pPr lvl="0">
+              <a:buFont typeface="Courier New" pitchFamily="49"/>
+              <a:buChar char="_"/>
+            </a:pPr>
+            <a:r>
+              <a:rPr lang="nl-NL" dirty="0">
+                <a:solidFill>
+                  <a:srgbClr val="00FF00"/>
+                </a:solidFill>
+                <a:latin typeface="Courier New" pitchFamily="49"/>
+                <a:cs typeface="Courier New" pitchFamily="49"/>
+              </a:rPr>
+              <a:t>Combination of </a:t>
+            </a:r>
+            <a:r>
+              <a:rPr lang="nl-NL" dirty="0" err="1">
+                <a:solidFill>
+                  <a:srgbClr val="00FF00"/>
+                </a:solidFill>
+                <a:latin typeface="Courier New" pitchFamily="49"/>
+                <a:cs typeface="Courier New" pitchFamily="49"/>
+              </a:rPr>
+              <a:t>current</a:t>
+            </a:r>
+            <a:r>
+              <a:rPr lang="nl-NL" dirty="0">
+                <a:solidFill>
+                  <a:srgbClr val="00FF00"/>
+                </a:solidFill>
+                <a:latin typeface="Courier New" pitchFamily="49"/>
+                <a:cs typeface="Courier New" pitchFamily="49"/>
+              </a:rPr>
+              <a:t> state </a:t>
+            </a:r>
+            <a:r>
+              <a:rPr lang="nl-NL" dirty="0" err="1">
+                <a:solidFill>
+                  <a:srgbClr val="00FF00"/>
+                </a:solidFill>
+                <a:latin typeface="Courier New" pitchFamily="49"/>
+                <a:cs typeface="Courier New" pitchFamily="49"/>
+              </a:rPr>
+              <a:t>and</a:t>
+            </a:r>
+            <a:r>
+              <a:rPr lang="nl-NL" dirty="0">
+                <a:solidFill>
+                  <a:srgbClr val="00FF00"/>
+                </a:solidFill>
+                <a:latin typeface="Courier New" pitchFamily="49"/>
+                <a:cs typeface="Courier New" pitchFamily="49"/>
+              </a:rPr>
+              <a:t> </a:t>
+            </a:r>
+            <a:r>
+              <a:rPr lang="nl-NL" dirty="0" err="1">
+                <a:solidFill>
+                  <a:srgbClr val="00FF00"/>
+                </a:solidFill>
+                <a:latin typeface="Courier New" pitchFamily="49"/>
+                <a:cs typeface="Courier New" pitchFamily="49"/>
+              </a:rPr>
+              <a:t>incoming</a:t>
+            </a:r>
+            <a:r>
+              <a:rPr lang="nl-NL" dirty="0">
+                <a:solidFill>
+                  <a:srgbClr val="00FF00"/>
+                </a:solidFill>
+                <a:latin typeface="Courier New" pitchFamily="49"/>
+                <a:cs typeface="Courier New" pitchFamily="49"/>
+              </a:rPr>
+              <a:t> </a:t>
+            </a:r>
+            <a:r>
+              <a:rPr lang="nl-NL" dirty="0" err="1">
+                <a:solidFill>
+                  <a:srgbClr val="00FF00"/>
+                </a:solidFill>
+                <a:latin typeface="Courier New" pitchFamily="49"/>
+                <a:cs typeface="Courier New" pitchFamily="49"/>
+              </a:rPr>
+              <a:t>request</a:t>
+            </a:r>
+            <a:r>
+              <a:rPr lang="nl-NL" dirty="0">
+                <a:solidFill>
+                  <a:srgbClr val="00FF00"/>
+                </a:solidFill>
+                <a:latin typeface="Courier New" pitchFamily="49"/>
+                <a:cs typeface="Courier New" pitchFamily="49"/>
+              </a:rPr>
+              <a:t> </a:t>
+            </a:r>
+            <a:r>
+              <a:rPr lang="nl-NL" dirty="0" err="1">
+                <a:solidFill>
+                  <a:srgbClr val="00FF00"/>
+                </a:solidFill>
+                <a:latin typeface="Courier New" pitchFamily="49"/>
+                <a:cs typeface="Courier New" pitchFamily="49"/>
+              </a:rPr>
+              <a:t>determines</a:t>
+            </a:r>
+            <a:r>
+              <a:rPr lang="nl-NL" dirty="0">
+                <a:solidFill>
+                  <a:srgbClr val="00FF00"/>
+                </a:solidFill>
+                <a:latin typeface="Courier New" pitchFamily="49"/>
+                <a:cs typeface="Courier New" pitchFamily="49"/>
+              </a:rPr>
+              <a:t> </a:t>
+            </a:r>
+            <a:r>
+              <a:rPr lang="nl-NL" dirty="0" err="1">
+                <a:solidFill>
+                  <a:srgbClr val="00FF00"/>
+                </a:solidFill>
+                <a:latin typeface="Courier New" pitchFamily="49"/>
+                <a:cs typeface="Courier New" pitchFamily="49"/>
+              </a:rPr>
+              <a:t>the</a:t>
+            </a:r>
+            <a:r>
+              <a:rPr lang="nl-NL" dirty="0">
+                <a:solidFill>
+                  <a:srgbClr val="00FF00"/>
+                </a:solidFill>
+                <a:latin typeface="Courier New" pitchFamily="49"/>
+                <a:cs typeface="Courier New" pitchFamily="49"/>
+              </a:rPr>
+              <a:t> response </a:t>
+            </a:r>
+            <a:r>
+              <a:rPr lang="nl-NL" dirty="0" err="1">
+                <a:solidFill>
+                  <a:srgbClr val="00FF00"/>
+                </a:solidFill>
+                <a:latin typeface="Courier New" pitchFamily="49"/>
+                <a:cs typeface="Courier New" pitchFamily="49"/>
+              </a:rPr>
+              <a:t>being</a:t>
+            </a:r>
+            <a:r>
+              <a:rPr lang="nl-NL" dirty="0">
+                <a:solidFill>
+                  <a:srgbClr val="00FF00"/>
+                </a:solidFill>
+                <a:latin typeface="Courier New" pitchFamily="49"/>
+                <a:cs typeface="Courier New" pitchFamily="49"/>
+              </a:rPr>
+              <a:t> sent</a:t>
+            </a:r>
+          </a:p>
+          <a:p>
+            <a:pPr lvl="1">
+              <a:buFont typeface="Courier New" pitchFamily="49"/>
+              <a:buChar char="_"/>
+            </a:pPr>
+            <a:r>
+              <a:rPr lang="nl-NL" dirty="0" err="1">
+                <a:solidFill>
+                  <a:srgbClr val="00FF00"/>
+                </a:solidFill>
+                <a:latin typeface="Courier New" pitchFamily="49"/>
+                <a:cs typeface="Courier New" pitchFamily="49"/>
+              </a:rPr>
+              <a:t>Before</a:t>
+            </a:r>
+            <a:r>
+              <a:rPr lang="nl-NL" dirty="0">
+                <a:solidFill>
+                  <a:srgbClr val="00FF00"/>
+                </a:solidFill>
+                <a:latin typeface="Courier New" pitchFamily="49"/>
+                <a:cs typeface="Courier New" pitchFamily="49"/>
+              </a:rPr>
+              <a:t> </a:t>
+            </a:r>
+            <a:r>
+              <a:rPr lang="nl-NL" dirty="0" err="1">
+                <a:solidFill>
+                  <a:srgbClr val="00FF00"/>
+                </a:solidFill>
+                <a:latin typeface="Courier New" pitchFamily="49"/>
+                <a:cs typeface="Courier New" pitchFamily="49"/>
+              </a:rPr>
+              <a:t>now</a:t>
+            </a:r>
+            <a:r>
+              <a:rPr lang="nl-NL" dirty="0">
+                <a:solidFill>
+                  <a:srgbClr val="00FF00"/>
+                </a:solidFill>
+                <a:latin typeface="Courier New" pitchFamily="49"/>
+                <a:cs typeface="Courier New" pitchFamily="49"/>
+              </a:rPr>
+              <a:t>, </a:t>
+            </a:r>
+            <a:r>
+              <a:rPr lang="nl-NL" dirty="0" err="1">
+                <a:solidFill>
+                  <a:srgbClr val="00FF00"/>
+                </a:solidFill>
+                <a:latin typeface="Courier New" pitchFamily="49"/>
+                <a:cs typeface="Courier New" pitchFamily="49"/>
+              </a:rPr>
+              <a:t>it</a:t>
+            </a:r>
+            <a:r>
+              <a:rPr lang="nl-NL" dirty="0">
+                <a:solidFill>
+                  <a:srgbClr val="00FF00"/>
+                </a:solidFill>
+                <a:latin typeface="Courier New" pitchFamily="49"/>
+                <a:cs typeface="Courier New" pitchFamily="49"/>
+              </a:rPr>
+              <a:t> was </a:t>
+            </a:r>
+            <a:r>
+              <a:rPr lang="nl-NL" dirty="0" err="1">
+                <a:solidFill>
+                  <a:srgbClr val="00FF00"/>
+                </a:solidFill>
+                <a:latin typeface="Courier New" pitchFamily="49"/>
+                <a:cs typeface="Courier New" pitchFamily="49"/>
+              </a:rPr>
+              <a:t>only</a:t>
+            </a:r>
+            <a:r>
+              <a:rPr lang="nl-NL" dirty="0">
+                <a:solidFill>
+                  <a:srgbClr val="00FF00"/>
+                </a:solidFill>
+                <a:latin typeface="Courier New" pitchFamily="49"/>
+                <a:cs typeface="Courier New" pitchFamily="49"/>
+              </a:rPr>
+              <a:t> </a:t>
+            </a:r>
+            <a:r>
+              <a:rPr lang="nl-NL" dirty="0" err="1">
+                <a:solidFill>
+                  <a:srgbClr val="00FF00"/>
+                </a:solidFill>
+                <a:latin typeface="Courier New" pitchFamily="49"/>
+                <a:cs typeface="Courier New" pitchFamily="49"/>
+              </a:rPr>
+              <a:t>the</a:t>
+            </a:r>
+            <a:r>
+              <a:rPr lang="nl-NL" dirty="0">
+                <a:solidFill>
+                  <a:srgbClr val="00FF00"/>
+                </a:solidFill>
+                <a:latin typeface="Courier New" pitchFamily="49"/>
+                <a:cs typeface="Courier New" pitchFamily="49"/>
+              </a:rPr>
+              <a:t> </a:t>
+            </a:r>
+            <a:r>
+              <a:rPr lang="nl-NL" dirty="0" err="1">
+                <a:solidFill>
+                  <a:srgbClr val="00FF00"/>
+                </a:solidFill>
+                <a:latin typeface="Courier New" pitchFamily="49"/>
+                <a:cs typeface="Courier New" pitchFamily="49"/>
+              </a:rPr>
+              <a:t>incoming</a:t>
+            </a:r>
+            <a:r>
+              <a:rPr lang="nl-NL" dirty="0">
+                <a:solidFill>
+                  <a:srgbClr val="00FF00"/>
+                </a:solidFill>
+                <a:latin typeface="Courier New" pitchFamily="49"/>
+                <a:cs typeface="Courier New" pitchFamily="49"/>
+              </a:rPr>
+              <a:t> </a:t>
+            </a:r>
+            <a:r>
+              <a:rPr lang="nl-NL" dirty="0" err="1">
+                <a:solidFill>
+                  <a:srgbClr val="00FF00"/>
+                </a:solidFill>
+                <a:latin typeface="Courier New" pitchFamily="49"/>
+                <a:cs typeface="Courier New" pitchFamily="49"/>
+              </a:rPr>
+              <a:t>request</a:t>
+            </a:r>
+            <a:endParaRPr lang="nl-NL" dirty="0">
+              <a:solidFill>
+                <a:srgbClr val="00FF00"/>
+              </a:solidFill>
+              <a:latin typeface="Courier New" pitchFamily="49"/>
+              <a:cs typeface="Courier New" pitchFamily="49"/>
+            </a:endParaRPr>
+          </a:p>
+          <a:p>
+            <a:pPr lvl="0">
+              <a:buFont typeface="Courier New" pitchFamily="49"/>
+              <a:buChar char="_"/>
+            </a:pPr>
+            <a:endParaRPr lang="nl-NL" dirty="0">
+              <a:solidFill>
+                <a:srgbClr val="00FF00"/>
+              </a:solidFill>
+              <a:latin typeface="Courier New" pitchFamily="49"/>
+              <a:cs typeface="Courier New" pitchFamily="49"/>
+            </a:endParaRPr>
+          </a:p>
+          <a:p>
+            <a:pPr lvl="0">
+              <a:buFont typeface="Courier New" pitchFamily="49"/>
+              <a:buChar char="_"/>
+            </a:pPr>
+            <a:endParaRPr lang="nl-NL" dirty="0">
+              <a:solidFill>
+                <a:srgbClr val="00FF00"/>
+              </a:solidFill>
+              <a:latin typeface="Courier New" pitchFamily="49"/>
+              <a:cs typeface="Courier New" pitchFamily="49"/>
+            </a:endParaRPr>
+          </a:p>
+          <a:p>
+            <a:pPr lvl="0">
+              <a:buFont typeface="Courier New" pitchFamily="49"/>
+              <a:buChar char="_"/>
+            </a:pPr>
+            <a:endParaRPr lang="nl-NL" dirty="0">
+              <a:solidFill>
+                <a:srgbClr val="00FF00"/>
+              </a:solidFill>
+              <a:latin typeface="Courier New" pitchFamily="49"/>
+              <a:cs typeface="Courier New" pitchFamily="49"/>
+            </a:endParaRPr>
+          </a:p>
+          <a:p>
+            <a:pPr lvl="0">
+              <a:buFont typeface="Courier New" pitchFamily="49"/>
+              <a:buChar char="_"/>
+            </a:pPr>
+            <a:endParaRPr lang="nl-NL" dirty="0">
+              <a:solidFill>
+                <a:srgbClr val="00FF00"/>
+              </a:solidFill>
+              <a:latin typeface="Courier New" pitchFamily="49"/>
+              <a:cs typeface="Courier New" pitchFamily="49"/>
+            </a:endParaRPr>
+          </a:p>
+          <a:p>
+            <a:pPr lvl="0">
+              <a:buFont typeface="Courier New" pitchFamily="49"/>
+              <a:buChar char="_"/>
+            </a:pPr>
+            <a:endParaRPr lang="nl-NL" dirty="0">
+              <a:solidFill>
+                <a:srgbClr val="00FF00"/>
+              </a:solidFill>
+              <a:latin typeface="Courier New" pitchFamily="49"/>
+              <a:cs typeface="Courier New" pitchFamily="49"/>
+            </a:endParaRPr>
+          </a:p>
+          <a:p>
+            <a:pPr lvl="0">
+              <a:buFont typeface="Courier New" pitchFamily="49"/>
+              <a:buChar char="_"/>
+            </a:pPr>
+            <a:endParaRPr lang="nl-NL" dirty="0">
               <a:solidFill>
                 <a:srgbClr val="00FF00"/>
               </a:solidFill>
@@ -15853,7 +16592,7 @@
 </p:sld>
 </file>
 
-<file path=ppt/slides/slide37.xml><?xml version="1.0" encoding="utf-8"?>
+<file path=ppt/slides/slide36.xml><?xml version="1.0" encoding="utf-8"?>
 <p:sld xmlns:a="http://schemas.openxmlformats.org/drawingml/2006/main" xmlns:r="http://schemas.openxmlformats.org/officeDocument/2006/relationships" xmlns:p="http://schemas.openxmlformats.org/presentationml/2006/main">
   <p:cSld name="Slide68">
     <p:bg>
@@ -16054,7 +16793,7 @@
 </p:sld>
 </file>
 
-<file path=ppt/slides/slide38.xml><?xml version="1.0" encoding="utf-8"?>
+<file path=ppt/slides/slide37.xml><?xml version="1.0" encoding="utf-8"?>
 <p:sld xmlns:a="http://schemas.openxmlformats.org/drawingml/2006/main" xmlns:r="http://schemas.openxmlformats.org/officeDocument/2006/relationships" xmlns:p="http://schemas.openxmlformats.org/presentationml/2006/main">
   <p:cSld name="Slide69">
     <p:bg>
@@ -16102,14 +16841,24 @@
           <a:p>
             <a:pPr lvl="0"/>
             <a:r>
-              <a:rPr lang="nl-NL">
-                <a:solidFill>
-                  <a:srgbClr val="00FF00"/>
-                </a:solidFill>
-                <a:latin typeface="Courier New" pitchFamily="49"/>
-                <a:cs typeface="Courier New" pitchFamily="49"/>
-              </a:rPr>
-              <a:t>Get your hands dirty!</a:t>
+              <a:rPr lang="nl-NL" dirty="0" err="1">
+                <a:solidFill>
+                  <a:srgbClr val="00FF00"/>
+                </a:solidFill>
+                <a:latin typeface="Courier New" pitchFamily="49"/>
+                <a:cs typeface="Courier New" pitchFamily="49"/>
+              </a:rPr>
+              <a:t>Exercise</a:t>
+            </a:r>
+            <a:r>
+              <a:rPr lang="nl-NL" dirty="0">
+                <a:solidFill>
+                  <a:srgbClr val="00FF00"/>
+                </a:solidFill>
+                <a:latin typeface="Courier New" pitchFamily="49"/>
+                <a:cs typeface="Courier New" pitchFamily="49"/>
+              </a:rPr>
+              <a:t> time!</a:t>
             </a:r>
           </a:p>
         </p:txBody>
@@ -16312,7 +17061,7 @@
 </p:sld>
 </file>
 
-<file path=ppt/slides/slide39.xml><?xml version="1.0" encoding="utf-8"?>
+<file path=ppt/slides/slide38.xml><?xml version="1.0" encoding="utf-8"?>
 <p:sld xmlns:a="http://schemas.openxmlformats.org/drawingml/2006/main" xmlns:r="http://schemas.openxmlformats.org/officeDocument/2006/relationships" xmlns:p="http://schemas.openxmlformats.org/presentationml/2006/main">
   <p:cSld name="Slide72">
     <p:bg>
@@ -16360,14 +17109,14 @@
           <a:p>
             <a:pPr lvl="0"/>
             <a:r>
-              <a:rPr lang="nl-NL">
-                <a:solidFill>
-                  <a:srgbClr val="00FF00"/>
-                </a:solidFill>
-                <a:latin typeface="Courier New" pitchFamily="49"/>
-                <a:cs typeface="Courier New" pitchFamily="49"/>
-              </a:rPr>
-              <a:t>Record and playback options</a:t>
+              <a:rPr lang="nl-NL" dirty="0">
+                <a:solidFill>
+                  <a:srgbClr val="00FF00"/>
+                </a:solidFill>
+                <a:latin typeface="Courier New" pitchFamily="49"/>
+                <a:cs typeface="Courier New" pitchFamily="49"/>
+              </a:rPr>
+              <a:t>Response templating</a:t>
             </a:r>
           </a:p>
         </p:txBody>
@@ -16403,73 +17152,485 @@
               <a:buChar char="_"/>
             </a:pPr>
             <a:r>
-              <a:rPr lang="nl-NL">
-                <a:solidFill>
-                  <a:srgbClr val="00FF00"/>
-                </a:solidFill>
-                <a:latin typeface="Courier New" pitchFamily="49"/>
-                <a:cs typeface="Courier New" pitchFamily="49"/>
-              </a:rPr>
-              <a:t>Use WireMock as a proxy</a:t>
-            </a:r>
-          </a:p>
-          <a:p>
-            <a:pPr lvl="0">
-              <a:buFont typeface="Courier New" pitchFamily="49"/>
-              <a:buChar char="_"/>
-            </a:pPr>
-            <a:endParaRPr lang="nl-NL">
-              <a:solidFill>
-                <a:srgbClr val="00FF00"/>
-              </a:solidFill>
-              <a:latin typeface="Courier New" pitchFamily="49"/>
-              <a:cs typeface="Courier New" pitchFamily="49"/>
-            </a:endParaRPr>
-          </a:p>
-          <a:p>
-            <a:pPr lvl="0">
-              <a:buFont typeface="Courier New" pitchFamily="49"/>
-              <a:buChar char="_"/>
-            </a:pPr>
-            <a:r>
-              <a:rPr lang="nl-NL">
-                <a:solidFill>
-                  <a:srgbClr val="00FF00"/>
-                </a:solidFill>
-                <a:latin typeface="Courier New" pitchFamily="49"/>
-                <a:cs typeface="Courier New" pitchFamily="49"/>
-              </a:rPr>
-              <a:t>Record request-response pairs (traffic)</a:t>
-            </a:r>
-          </a:p>
-          <a:p>
-            <a:pPr lvl="0">
-              <a:buFont typeface="Courier New" pitchFamily="49"/>
-              <a:buChar char="_"/>
-            </a:pPr>
-            <a:endParaRPr lang="nl-NL">
-              <a:solidFill>
-                <a:srgbClr val="00FF00"/>
-              </a:solidFill>
-              <a:latin typeface="Courier New" pitchFamily="49"/>
-              <a:cs typeface="Courier New" pitchFamily="49"/>
-            </a:endParaRPr>
-          </a:p>
-          <a:p>
-            <a:pPr lvl="0">
-              <a:buFont typeface="Courier New" pitchFamily="49"/>
-              <a:buChar char="_"/>
-            </a:pPr>
-            <a:r>
-              <a:rPr lang="nl-NL">
-                <a:solidFill>
-                  <a:srgbClr val="00FF00"/>
-                </a:solidFill>
-                <a:latin typeface="Courier New" pitchFamily="49"/>
-                <a:cs typeface="Courier New" pitchFamily="49"/>
-              </a:rPr>
-              <a:t>Genererate mock from recorded traffic</a:t>
-            </a:r>
+              <a:rPr lang="nl-NL" dirty="0" err="1">
+                <a:solidFill>
+                  <a:srgbClr val="00FF00"/>
+                </a:solidFill>
+                <a:latin typeface="Courier New" pitchFamily="49"/>
+                <a:cs typeface="Courier New" pitchFamily="49"/>
+              </a:rPr>
+              <a:t>Often</a:t>
+            </a:r>
+            <a:r>
+              <a:rPr lang="nl-NL" dirty="0">
+                <a:solidFill>
+                  <a:srgbClr val="00FF00"/>
+                </a:solidFill>
+                <a:latin typeface="Courier New" pitchFamily="49"/>
+                <a:cs typeface="Courier New" pitchFamily="49"/>
+              </a:rPr>
+              <a:t>, </a:t>
+            </a:r>
+            <a:r>
+              <a:rPr lang="nl-NL" dirty="0" err="1">
+                <a:solidFill>
+                  <a:srgbClr val="00FF00"/>
+                </a:solidFill>
+                <a:latin typeface="Courier New" pitchFamily="49"/>
+                <a:cs typeface="Courier New" pitchFamily="49"/>
+              </a:rPr>
+              <a:t>you</a:t>
+            </a:r>
+            <a:r>
+              <a:rPr lang="nl-NL" dirty="0">
+                <a:solidFill>
+                  <a:srgbClr val="00FF00"/>
+                </a:solidFill>
+                <a:latin typeface="Courier New" pitchFamily="49"/>
+                <a:cs typeface="Courier New" pitchFamily="49"/>
+              </a:rPr>
+              <a:t> want </a:t>
+            </a:r>
+            <a:r>
+              <a:rPr lang="nl-NL" dirty="0" err="1">
+                <a:solidFill>
+                  <a:srgbClr val="00FF00"/>
+                </a:solidFill>
+                <a:latin typeface="Courier New" pitchFamily="49"/>
+                <a:cs typeface="Courier New" pitchFamily="49"/>
+              </a:rPr>
+              <a:t>to</a:t>
+            </a:r>
+            <a:r>
+              <a:rPr lang="nl-NL" dirty="0">
+                <a:solidFill>
+                  <a:srgbClr val="00FF00"/>
+                </a:solidFill>
+                <a:latin typeface="Courier New" pitchFamily="49"/>
+                <a:cs typeface="Courier New" pitchFamily="49"/>
+              </a:rPr>
+              <a:t> </a:t>
+            </a:r>
+            <a:r>
+              <a:rPr lang="nl-NL" dirty="0" err="1">
+                <a:solidFill>
+                  <a:srgbClr val="00FF00"/>
+                </a:solidFill>
+                <a:latin typeface="Courier New" pitchFamily="49"/>
+                <a:cs typeface="Courier New" pitchFamily="49"/>
+              </a:rPr>
+              <a:t>reuse</a:t>
+            </a:r>
+            <a:r>
+              <a:rPr lang="nl-NL" dirty="0">
+                <a:solidFill>
+                  <a:srgbClr val="00FF00"/>
+                </a:solidFill>
+                <a:latin typeface="Courier New" pitchFamily="49"/>
+                <a:cs typeface="Courier New" pitchFamily="49"/>
+              </a:rPr>
+              <a:t> </a:t>
+            </a:r>
+            <a:r>
+              <a:rPr lang="nl-NL" dirty="0" err="1">
+                <a:solidFill>
+                  <a:srgbClr val="00FF00"/>
+                </a:solidFill>
+                <a:latin typeface="Courier New" pitchFamily="49"/>
+                <a:cs typeface="Courier New" pitchFamily="49"/>
+              </a:rPr>
+              <a:t>elements</a:t>
+            </a:r>
+            <a:r>
+              <a:rPr lang="nl-NL" dirty="0">
+                <a:solidFill>
+                  <a:srgbClr val="00FF00"/>
+                </a:solidFill>
+                <a:latin typeface="Courier New" pitchFamily="49"/>
+                <a:cs typeface="Courier New" pitchFamily="49"/>
+              </a:rPr>
+              <a:t> </a:t>
+            </a:r>
+            <a:r>
+              <a:rPr lang="nl-NL" dirty="0" err="1">
+                <a:solidFill>
+                  <a:srgbClr val="00FF00"/>
+                </a:solidFill>
+                <a:latin typeface="Courier New" pitchFamily="49"/>
+                <a:cs typeface="Courier New" pitchFamily="49"/>
+              </a:rPr>
+              <a:t>from</a:t>
+            </a:r>
+            <a:r>
+              <a:rPr lang="nl-NL" dirty="0">
+                <a:solidFill>
+                  <a:srgbClr val="00FF00"/>
+                </a:solidFill>
+                <a:latin typeface="Courier New" pitchFamily="49"/>
+                <a:cs typeface="Courier New" pitchFamily="49"/>
+              </a:rPr>
+              <a:t> </a:t>
+            </a:r>
+            <a:r>
+              <a:rPr lang="nl-NL" dirty="0" err="1">
+                <a:solidFill>
+                  <a:srgbClr val="00FF00"/>
+                </a:solidFill>
+                <a:latin typeface="Courier New" pitchFamily="49"/>
+                <a:cs typeface="Courier New" pitchFamily="49"/>
+              </a:rPr>
+              <a:t>the</a:t>
+            </a:r>
+            <a:r>
+              <a:rPr lang="nl-NL" dirty="0">
+                <a:solidFill>
+                  <a:srgbClr val="00FF00"/>
+                </a:solidFill>
+                <a:latin typeface="Courier New" pitchFamily="49"/>
+                <a:cs typeface="Courier New" pitchFamily="49"/>
+              </a:rPr>
+              <a:t> </a:t>
+            </a:r>
+            <a:r>
+              <a:rPr lang="nl-NL" dirty="0" err="1">
+                <a:solidFill>
+                  <a:srgbClr val="00FF00"/>
+                </a:solidFill>
+                <a:latin typeface="Courier New" pitchFamily="49"/>
+                <a:cs typeface="Courier New" pitchFamily="49"/>
+              </a:rPr>
+              <a:t>request</a:t>
+            </a:r>
+            <a:r>
+              <a:rPr lang="nl-NL" dirty="0">
+                <a:solidFill>
+                  <a:srgbClr val="00FF00"/>
+                </a:solidFill>
+                <a:latin typeface="Courier New" pitchFamily="49"/>
+                <a:cs typeface="Courier New" pitchFamily="49"/>
+              </a:rPr>
+              <a:t> in </a:t>
+            </a:r>
+            <a:r>
+              <a:rPr lang="nl-NL" dirty="0" err="1">
+                <a:solidFill>
+                  <a:srgbClr val="00FF00"/>
+                </a:solidFill>
+                <a:latin typeface="Courier New" pitchFamily="49"/>
+                <a:cs typeface="Courier New" pitchFamily="49"/>
+              </a:rPr>
+              <a:t>the</a:t>
+            </a:r>
+            <a:r>
+              <a:rPr lang="nl-NL" dirty="0">
+                <a:solidFill>
+                  <a:srgbClr val="00FF00"/>
+                </a:solidFill>
+                <a:latin typeface="Courier New" pitchFamily="49"/>
+                <a:cs typeface="Courier New" pitchFamily="49"/>
+              </a:rPr>
+              <a:t> response</a:t>
+            </a:r>
+          </a:p>
+          <a:p>
+            <a:pPr lvl="1">
+              <a:buFont typeface="Courier New" pitchFamily="49"/>
+              <a:buChar char="_"/>
+            </a:pPr>
+            <a:r>
+              <a:rPr lang="nl-NL" dirty="0" err="1">
+                <a:solidFill>
+                  <a:srgbClr val="00FF00"/>
+                </a:solidFill>
+                <a:latin typeface="Courier New" pitchFamily="49"/>
+                <a:cs typeface="Courier New" pitchFamily="49"/>
+              </a:rPr>
+              <a:t>Request</a:t>
+            </a:r>
+            <a:r>
+              <a:rPr lang="nl-NL" dirty="0">
+                <a:solidFill>
+                  <a:srgbClr val="00FF00"/>
+                </a:solidFill>
+                <a:latin typeface="Courier New" pitchFamily="49"/>
+                <a:cs typeface="Courier New" pitchFamily="49"/>
+              </a:rPr>
+              <a:t> ID header</a:t>
+            </a:r>
+          </a:p>
+          <a:p>
+            <a:pPr lvl="1">
+              <a:buFont typeface="Courier New" pitchFamily="49"/>
+              <a:buChar char="_"/>
+            </a:pPr>
+            <a:r>
+              <a:rPr lang="nl-NL" dirty="0">
+                <a:solidFill>
+                  <a:srgbClr val="00FF00"/>
+                </a:solidFill>
+                <a:latin typeface="Courier New" pitchFamily="49"/>
+                <a:cs typeface="Courier New" pitchFamily="49"/>
+              </a:rPr>
+              <a:t>Unique body </a:t>
+            </a:r>
+            <a:r>
+              <a:rPr lang="nl-NL" dirty="0" err="1">
+                <a:solidFill>
+                  <a:srgbClr val="00FF00"/>
+                </a:solidFill>
+                <a:latin typeface="Courier New" pitchFamily="49"/>
+                <a:cs typeface="Courier New" pitchFamily="49"/>
+              </a:rPr>
+              <a:t>elements</a:t>
+            </a:r>
+            <a:r>
+              <a:rPr lang="nl-NL" dirty="0">
+                <a:solidFill>
+                  <a:srgbClr val="00FF00"/>
+                </a:solidFill>
+                <a:latin typeface="Courier New" pitchFamily="49"/>
+                <a:cs typeface="Courier New" pitchFamily="49"/>
+              </a:rPr>
+              <a:t> (</a:t>
+            </a:r>
+            <a:r>
+              <a:rPr lang="nl-NL" dirty="0" err="1">
+                <a:solidFill>
+                  <a:srgbClr val="00FF00"/>
+                </a:solidFill>
+                <a:latin typeface="Courier New" pitchFamily="49"/>
+                <a:cs typeface="Courier New" pitchFamily="49"/>
+              </a:rPr>
+              <a:t>client</a:t>
+            </a:r>
+            <a:r>
+              <a:rPr lang="nl-NL" dirty="0">
+                <a:solidFill>
+                  <a:srgbClr val="00FF00"/>
+                </a:solidFill>
+                <a:latin typeface="Courier New" pitchFamily="49"/>
+                <a:cs typeface="Courier New" pitchFamily="49"/>
+              </a:rPr>
+              <a:t> ID, etc.)</a:t>
+            </a:r>
+          </a:p>
+          <a:p>
+            <a:pPr lvl="1">
+              <a:buFont typeface="Courier New" pitchFamily="49"/>
+              <a:buChar char="_"/>
+            </a:pPr>
+            <a:r>
+              <a:rPr lang="nl-NL" dirty="0">
+                <a:solidFill>
+                  <a:srgbClr val="00FF00"/>
+                </a:solidFill>
+                <a:latin typeface="Courier New" pitchFamily="49"/>
+                <a:cs typeface="Courier New" pitchFamily="49"/>
+              </a:rPr>
+              <a:t>Cookie </a:t>
+            </a:r>
+            <a:r>
+              <a:rPr lang="nl-NL" dirty="0" err="1">
+                <a:solidFill>
+                  <a:srgbClr val="00FF00"/>
+                </a:solidFill>
+                <a:latin typeface="Courier New" pitchFamily="49"/>
+                <a:cs typeface="Courier New" pitchFamily="49"/>
+              </a:rPr>
+              <a:t>values</a:t>
+            </a:r>
+            <a:endParaRPr lang="nl-NL" dirty="0">
+              <a:solidFill>
+                <a:srgbClr val="00FF00"/>
+              </a:solidFill>
+              <a:latin typeface="Courier New" pitchFamily="49"/>
+              <a:cs typeface="Courier New" pitchFamily="49"/>
+            </a:endParaRPr>
+          </a:p>
+          <a:p>
+            <a:pPr lvl="0">
+              <a:buFont typeface="Courier New" pitchFamily="49"/>
+              <a:buChar char="_"/>
+            </a:pPr>
+            <a:endParaRPr lang="nl-NL" dirty="0">
+              <a:solidFill>
+                <a:srgbClr val="00FF00"/>
+              </a:solidFill>
+              <a:latin typeface="Courier New" pitchFamily="49"/>
+              <a:cs typeface="Courier New" pitchFamily="49"/>
+            </a:endParaRPr>
+          </a:p>
+          <a:p>
+            <a:pPr lvl="0">
+              <a:buFont typeface="Courier New" pitchFamily="49"/>
+              <a:buChar char="_"/>
+            </a:pPr>
+            <a:r>
+              <a:rPr lang="nl-NL" dirty="0" err="1">
+                <a:solidFill>
+                  <a:srgbClr val="00FF00"/>
+                </a:solidFill>
+                <a:latin typeface="Courier New" pitchFamily="49"/>
+                <a:cs typeface="Courier New" pitchFamily="49"/>
+              </a:rPr>
+              <a:t>WireMock</a:t>
+            </a:r>
+            <a:r>
+              <a:rPr lang="nl-NL" dirty="0">
+                <a:solidFill>
+                  <a:srgbClr val="00FF00"/>
+                </a:solidFill>
+                <a:latin typeface="Courier New" pitchFamily="49"/>
+                <a:cs typeface="Courier New" pitchFamily="49"/>
+              </a:rPr>
+              <a:t> supports </a:t>
+            </a:r>
+            <a:r>
+              <a:rPr lang="nl-NL" dirty="0" err="1">
+                <a:solidFill>
+                  <a:srgbClr val="00FF00"/>
+                </a:solidFill>
+                <a:latin typeface="Courier New" pitchFamily="49"/>
+                <a:cs typeface="Courier New" pitchFamily="49"/>
+              </a:rPr>
+              <a:t>this</a:t>
+            </a:r>
+            <a:r>
+              <a:rPr lang="nl-NL" dirty="0">
+                <a:solidFill>
+                  <a:srgbClr val="00FF00"/>
+                </a:solidFill>
+                <a:latin typeface="Courier New" pitchFamily="49"/>
+                <a:cs typeface="Courier New" pitchFamily="49"/>
+              </a:rPr>
+              <a:t> </a:t>
+            </a:r>
+            <a:r>
+              <a:rPr lang="nl-NL" dirty="0" err="1">
+                <a:solidFill>
+                  <a:srgbClr val="00FF00"/>
+                </a:solidFill>
+                <a:latin typeface="Courier New" pitchFamily="49"/>
+                <a:cs typeface="Courier New" pitchFamily="49"/>
+              </a:rPr>
+              <a:t>through</a:t>
+            </a:r>
+            <a:r>
+              <a:rPr lang="nl-NL" dirty="0">
+                <a:solidFill>
+                  <a:srgbClr val="00FF00"/>
+                </a:solidFill>
+                <a:latin typeface="Courier New" pitchFamily="49"/>
+                <a:cs typeface="Courier New" pitchFamily="49"/>
+              </a:rPr>
+              <a:t> response templating</a:t>
+            </a:r>
+          </a:p>
+          <a:p>
+            <a:pPr lvl="0">
+              <a:buFont typeface="Courier New" pitchFamily="49"/>
+              <a:buChar char="_"/>
+            </a:pPr>
+            <a:endParaRPr lang="nl-NL" dirty="0">
+              <a:solidFill>
+                <a:srgbClr val="00FF00"/>
+              </a:solidFill>
+              <a:latin typeface="Courier New" pitchFamily="49"/>
+              <a:cs typeface="Courier New" pitchFamily="49"/>
+            </a:endParaRPr>
+          </a:p>
+        </p:txBody>
+      </p:sp>
+    </p:spTree>
+  </p:cSld>
+  <p:clrMapOvr>
+    <a:masterClrMapping/>
+  </p:clrMapOvr>
+</p:sld>
+</file>
+
+<file path=ppt/slides/slide39.xml><?xml version="1.0" encoding="utf-8"?>
+<p:sld xmlns:a="http://schemas.openxmlformats.org/drawingml/2006/main" xmlns:r="http://schemas.openxmlformats.org/officeDocument/2006/relationships" xmlns:p="http://schemas.openxmlformats.org/presentationml/2006/main">
+  <p:cSld name="Slide51">
+    <p:bg>
+      <p:bgPr>
+        <a:solidFill>
+          <a:srgbClr val="000000"/>
+        </a:solidFill>
+        <a:effectLst/>
+      </p:bgPr>
+    </p:bg>
+    <p:spTree>
+      <p:nvGrpSpPr>
+        <p:cNvPr id="1" name=""/>
+        <p:cNvGrpSpPr/>
+        <p:nvPr/>
+      </p:nvGrpSpPr>
+      <p:grpSpPr>
+        <a:xfrm>
+          <a:off x="0" y="0"/>
+          <a:ext cx="0" cy="0"/>
+          <a:chOff x="0" y="0"/>
+          <a:chExt cx="0" cy="0"/>
+        </a:xfrm>
+      </p:grpSpPr>
+      <p:sp>
+        <p:nvSpPr>
+          <p:cNvPr id="2" name="Title 1">
+            <a:extLst>
+              <a:ext uri="{FF2B5EF4-FFF2-40B4-BE49-F238E27FC236}">
+                <a16:creationId xmlns:a16="http://schemas.microsoft.com/office/drawing/2014/main" id="{0508229A-D2A9-434E-8091-D7A818FB6F25}"/>
+              </a:ext>
+            </a:extLst>
+          </p:cNvPr>
+          <p:cNvSpPr txBox="1">
+            <a:spLocks noGrp="1"/>
+          </p:cNvSpPr>
+          <p:nvPr>
+            <p:ph type="ctrTitle"/>
+          </p:nvPr>
+        </p:nvSpPr>
+        <p:spPr/>
+        <p:txBody>
+          <a:bodyPr/>
+          <a:lstStyle/>
+          <a:p>
+            <a:pPr lvl="0"/>
+            <a:r>
+              <a:rPr lang="nl-NL" dirty="0">
+                <a:solidFill>
+                  <a:srgbClr val="00FF00"/>
+                </a:solidFill>
+                <a:latin typeface="Courier New" pitchFamily="49"/>
+                <a:cs typeface="Courier New" pitchFamily="49"/>
+              </a:rPr>
+              <a:t>CONTINUE HERE</a:t>
+            </a:r>
+          </a:p>
+        </p:txBody>
+      </p:sp>
+      <p:sp>
+        <p:nvSpPr>
+          <p:cNvPr id="5" name="Subtitle 4">
+            <a:extLst>
+              <a:ext uri="{FF2B5EF4-FFF2-40B4-BE49-F238E27FC236}">
+                <a16:creationId xmlns:a16="http://schemas.microsoft.com/office/drawing/2014/main" id="{6D5A54D7-7497-4294-9F70-89D29246BBA1}"/>
+              </a:ext>
+            </a:extLst>
+          </p:cNvPr>
+          <p:cNvSpPr>
+            <a:spLocks noGrp="1"/>
+          </p:cNvSpPr>
+          <p:nvPr>
+            <p:ph type="subTitle" idx="1"/>
+          </p:nvPr>
+        </p:nvSpPr>
+        <p:spPr/>
+        <p:txBody>
+          <a:bodyPr/>
+          <a:lstStyle/>
+          <a:p>
+            <a:endParaRPr lang="nl-NL"/>
           </a:p>
         </p:txBody>
       </p:sp>
@@ -16713,6 +17874,1692 @@
 
 <file path=ppt/slides/slide40.xml><?xml version="1.0" encoding="utf-8"?>
 <p:sld xmlns:a="http://schemas.openxmlformats.org/drawingml/2006/main" xmlns:r="http://schemas.openxmlformats.org/officeDocument/2006/relationships" xmlns:p="http://schemas.openxmlformats.org/presentationml/2006/main">
+  <p:cSld>
+    <p:bg>
+      <p:bgPr>
+        <a:solidFill>
+          <a:srgbClr val="000000"/>
+        </a:solidFill>
+        <a:effectLst/>
+      </p:bgPr>
+    </p:bg>
+    <p:spTree>
+      <p:nvGrpSpPr>
+        <p:cNvPr id="1" name=""/>
+        <p:cNvGrpSpPr/>
+        <p:nvPr/>
+      </p:nvGrpSpPr>
+      <p:grpSpPr>
+        <a:xfrm>
+          <a:off x="0" y="0"/>
+          <a:ext cx="0" cy="0"/>
+          <a:chOff x="0" y="0"/>
+          <a:chExt cx="0" cy="0"/>
+        </a:xfrm>
+      </p:grpSpPr>
+      <p:sp>
+        <p:nvSpPr>
+          <p:cNvPr id="2" name="Title 1">
+            <a:extLst>
+              <a:ext uri="{FF2B5EF4-FFF2-40B4-BE49-F238E27FC236}">
+                <a16:creationId xmlns:a16="http://schemas.microsoft.com/office/drawing/2014/main" id="{19F5B244-0AC6-4FDB-90B1-15F77C3031D0}"/>
+              </a:ext>
+            </a:extLst>
+          </p:cNvPr>
+          <p:cNvSpPr txBox="1">
+            <a:spLocks noGrp="1"/>
+          </p:cNvSpPr>
+          <p:nvPr>
+            <p:ph type="title"/>
+          </p:nvPr>
+        </p:nvSpPr>
+        <p:spPr/>
+        <p:txBody>
+          <a:bodyPr/>
+          <a:lstStyle/>
+          <a:p>
+            <a:pPr lvl="0"/>
+            <a:r>
+              <a:rPr lang="nl-NL" dirty="0">
+                <a:solidFill>
+                  <a:srgbClr val="00FF00"/>
+                </a:solidFill>
+                <a:latin typeface="Courier New" pitchFamily="49"/>
+                <a:cs typeface="Courier New" pitchFamily="49"/>
+              </a:rPr>
+              <a:t>Mock </a:t>
+            </a:r>
+            <a:r>
+              <a:rPr lang="nl-NL" dirty="0" err="1">
+                <a:solidFill>
+                  <a:srgbClr val="00FF00"/>
+                </a:solidFill>
+                <a:latin typeface="Courier New" pitchFamily="49"/>
+                <a:cs typeface="Courier New" pitchFamily="49"/>
+              </a:rPr>
+              <a:t>specification</a:t>
+            </a:r>
+            <a:r>
+              <a:rPr lang="nl-NL" dirty="0">
+                <a:solidFill>
+                  <a:srgbClr val="00FF00"/>
+                </a:solidFill>
+                <a:latin typeface="Courier New" pitchFamily="49"/>
+                <a:cs typeface="Courier New" pitchFamily="49"/>
+              </a:rPr>
+              <a:t> via JSON</a:t>
+            </a:r>
+          </a:p>
+        </p:txBody>
+      </p:sp>
+      <p:sp>
+        <p:nvSpPr>
+          <p:cNvPr id="3" name="Content Placeholder 2">
+            <a:extLst>
+              <a:ext uri="{FF2B5EF4-FFF2-40B4-BE49-F238E27FC236}">
+                <a16:creationId xmlns:a16="http://schemas.microsoft.com/office/drawing/2014/main" id="{D139C82B-AD86-4DD7-A5E8-FF4019CEF5E1}"/>
+              </a:ext>
+            </a:extLst>
+          </p:cNvPr>
+          <p:cNvSpPr txBox="1">
+            <a:spLocks noGrp="1"/>
+          </p:cNvSpPr>
+          <p:nvPr>
+            <p:ph idx="1"/>
+          </p:nvPr>
+        </p:nvSpPr>
+        <p:spPr>
+          <a:xfrm>
+            <a:off x="838203" y="1825627"/>
+            <a:ext cx="11143893" cy="4351336"/>
+          </a:xfrm>
+        </p:spPr>
+        <p:txBody>
+          <a:bodyPr/>
+          <a:lstStyle/>
+          <a:p>
+            <a:pPr lvl="0">
+              <a:buFont typeface="Courier New" pitchFamily="49"/>
+              <a:buChar char="_"/>
+            </a:pPr>
+            <a:r>
+              <a:rPr lang="nl-NL" dirty="0" err="1">
+                <a:solidFill>
+                  <a:srgbClr val="00FF00"/>
+                </a:solidFill>
+                <a:latin typeface="Courier New" pitchFamily="49"/>
+                <a:cs typeface="Courier New" pitchFamily="49"/>
+              </a:rPr>
+              <a:t>So</a:t>
+            </a:r>
+            <a:r>
+              <a:rPr lang="nl-NL" dirty="0">
+                <a:solidFill>
+                  <a:srgbClr val="00FF00"/>
+                </a:solidFill>
+                <a:latin typeface="Courier New" pitchFamily="49"/>
+                <a:cs typeface="Courier New" pitchFamily="49"/>
+              </a:rPr>
+              <a:t> far, </a:t>
+            </a:r>
+            <a:r>
+              <a:rPr lang="nl-NL" dirty="0" err="1">
+                <a:solidFill>
+                  <a:srgbClr val="00FF00"/>
+                </a:solidFill>
+                <a:latin typeface="Courier New" pitchFamily="49"/>
+                <a:cs typeface="Courier New" pitchFamily="49"/>
+              </a:rPr>
+              <a:t>we’ve</a:t>
+            </a:r>
+            <a:r>
+              <a:rPr lang="nl-NL" dirty="0">
+                <a:solidFill>
+                  <a:srgbClr val="00FF00"/>
+                </a:solidFill>
+                <a:latin typeface="Courier New" pitchFamily="49"/>
+                <a:cs typeface="Courier New" pitchFamily="49"/>
+              </a:rPr>
+              <a:t> </a:t>
+            </a:r>
+            <a:r>
+              <a:rPr lang="nl-NL" dirty="0" err="1">
+                <a:solidFill>
+                  <a:srgbClr val="00FF00"/>
+                </a:solidFill>
+                <a:latin typeface="Courier New" pitchFamily="49"/>
+                <a:cs typeface="Courier New" pitchFamily="49"/>
+              </a:rPr>
+              <a:t>only</a:t>
+            </a:r>
+            <a:r>
+              <a:rPr lang="nl-NL" dirty="0">
+                <a:solidFill>
+                  <a:srgbClr val="00FF00"/>
+                </a:solidFill>
+                <a:latin typeface="Courier New" pitchFamily="49"/>
+                <a:cs typeface="Courier New" pitchFamily="49"/>
+              </a:rPr>
+              <a:t> </a:t>
+            </a:r>
+            <a:r>
+              <a:rPr lang="nl-NL" dirty="0" err="1">
+                <a:solidFill>
+                  <a:srgbClr val="00FF00"/>
+                </a:solidFill>
+                <a:latin typeface="Courier New" pitchFamily="49"/>
+                <a:cs typeface="Courier New" pitchFamily="49"/>
+              </a:rPr>
+              <a:t>specified</a:t>
+            </a:r>
+            <a:r>
+              <a:rPr lang="nl-NL" dirty="0">
+                <a:solidFill>
+                  <a:srgbClr val="00FF00"/>
+                </a:solidFill>
+                <a:latin typeface="Courier New" pitchFamily="49"/>
+                <a:cs typeface="Courier New" pitchFamily="49"/>
+              </a:rPr>
+              <a:t> </a:t>
+            </a:r>
+            <a:r>
+              <a:rPr lang="nl-NL" dirty="0" err="1">
+                <a:solidFill>
+                  <a:srgbClr val="00FF00"/>
+                </a:solidFill>
+                <a:latin typeface="Courier New" pitchFamily="49"/>
+                <a:cs typeface="Courier New" pitchFamily="49"/>
+              </a:rPr>
+              <a:t>mock</a:t>
+            </a:r>
+            <a:r>
+              <a:rPr lang="nl-NL" dirty="0">
+                <a:solidFill>
+                  <a:srgbClr val="00FF00"/>
+                </a:solidFill>
+                <a:latin typeface="Courier New" pitchFamily="49"/>
+                <a:cs typeface="Courier New" pitchFamily="49"/>
+              </a:rPr>
+              <a:t> </a:t>
+            </a:r>
+            <a:r>
+              <a:rPr lang="nl-NL" dirty="0" err="1">
+                <a:solidFill>
+                  <a:srgbClr val="00FF00"/>
+                </a:solidFill>
+                <a:latin typeface="Courier New" pitchFamily="49"/>
+                <a:cs typeface="Courier New" pitchFamily="49"/>
+              </a:rPr>
+              <a:t>behaviour</a:t>
+            </a:r>
+            <a:r>
+              <a:rPr lang="nl-NL" dirty="0">
+                <a:solidFill>
+                  <a:srgbClr val="00FF00"/>
+                </a:solidFill>
+                <a:latin typeface="Courier New" pitchFamily="49"/>
+                <a:cs typeface="Courier New" pitchFamily="49"/>
+              </a:rPr>
+              <a:t> in Java code</a:t>
+            </a:r>
+          </a:p>
+          <a:p>
+            <a:pPr lvl="0">
+              <a:buFont typeface="Courier New" pitchFamily="49"/>
+              <a:buChar char="_"/>
+            </a:pPr>
+            <a:endParaRPr lang="nl-NL" dirty="0">
+              <a:solidFill>
+                <a:srgbClr val="00FF00"/>
+              </a:solidFill>
+              <a:latin typeface="Courier New" pitchFamily="49"/>
+              <a:cs typeface="Courier New" pitchFamily="49"/>
+            </a:endParaRPr>
+          </a:p>
+          <a:p>
+            <a:pPr lvl="0">
+              <a:buFont typeface="Courier New" pitchFamily="49"/>
+              <a:buChar char="_"/>
+            </a:pPr>
+            <a:r>
+              <a:rPr lang="nl-NL" dirty="0">
+                <a:solidFill>
+                  <a:srgbClr val="00FF00"/>
+                </a:solidFill>
+                <a:latin typeface="Courier New" pitchFamily="49"/>
+                <a:cs typeface="Courier New" pitchFamily="49"/>
+              </a:rPr>
+              <a:t>Mocks live </a:t>
+            </a:r>
+            <a:r>
+              <a:rPr lang="nl-NL" dirty="0" err="1">
+                <a:solidFill>
+                  <a:srgbClr val="00FF00"/>
+                </a:solidFill>
+                <a:latin typeface="Courier New" pitchFamily="49"/>
+                <a:cs typeface="Courier New" pitchFamily="49"/>
+              </a:rPr>
+              <a:t>for</a:t>
+            </a:r>
+            <a:r>
+              <a:rPr lang="nl-NL" dirty="0">
+                <a:solidFill>
+                  <a:srgbClr val="00FF00"/>
+                </a:solidFill>
+                <a:latin typeface="Courier New" pitchFamily="49"/>
+                <a:cs typeface="Courier New" pitchFamily="49"/>
+              </a:rPr>
+              <a:t> </a:t>
+            </a:r>
+            <a:r>
+              <a:rPr lang="nl-NL" dirty="0" err="1">
+                <a:solidFill>
+                  <a:srgbClr val="00FF00"/>
+                </a:solidFill>
+                <a:latin typeface="Courier New" pitchFamily="49"/>
+                <a:cs typeface="Courier New" pitchFamily="49"/>
+              </a:rPr>
+              <a:t>the</a:t>
+            </a:r>
+            <a:r>
+              <a:rPr lang="nl-NL" dirty="0">
+                <a:solidFill>
+                  <a:srgbClr val="00FF00"/>
+                </a:solidFill>
+                <a:latin typeface="Courier New" pitchFamily="49"/>
+                <a:cs typeface="Courier New" pitchFamily="49"/>
+              </a:rPr>
+              <a:t> </a:t>
+            </a:r>
+            <a:r>
+              <a:rPr lang="nl-NL" dirty="0" err="1">
+                <a:solidFill>
+                  <a:srgbClr val="00FF00"/>
+                </a:solidFill>
+                <a:latin typeface="Courier New" pitchFamily="49"/>
+                <a:cs typeface="Courier New" pitchFamily="49"/>
+              </a:rPr>
+              <a:t>duration</a:t>
+            </a:r>
+            <a:r>
+              <a:rPr lang="nl-NL" dirty="0">
+                <a:solidFill>
+                  <a:srgbClr val="00FF00"/>
+                </a:solidFill>
+                <a:latin typeface="Courier New" pitchFamily="49"/>
+                <a:cs typeface="Courier New" pitchFamily="49"/>
+              </a:rPr>
+              <a:t> of </a:t>
+            </a:r>
+            <a:r>
+              <a:rPr lang="nl-NL" dirty="0" err="1">
+                <a:solidFill>
+                  <a:srgbClr val="00FF00"/>
+                </a:solidFill>
+                <a:latin typeface="Courier New" pitchFamily="49"/>
+                <a:cs typeface="Courier New" pitchFamily="49"/>
+              </a:rPr>
+              <a:t>the</a:t>
+            </a:r>
+            <a:r>
+              <a:rPr lang="nl-NL" dirty="0">
+                <a:solidFill>
+                  <a:srgbClr val="00FF00"/>
+                </a:solidFill>
+                <a:latin typeface="Courier New" pitchFamily="49"/>
+                <a:cs typeface="Courier New" pitchFamily="49"/>
+              </a:rPr>
+              <a:t> test run</a:t>
+            </a:r>
+          </a:p>
+          <a:p>
+            <a:pPr lvl="0">
+              <a:buFont typeface="Courier New" pitchFamily="49"/>
+              <a:buChar char="_"/>
+            </a:pPr>
+            <a:endParaRPr lang="nl-NL" dirty="0">
+              <a:solidFill>
+                <a:srgbClr val="00FF00"/>
+              </a:solidFill>
+              <a:latin typeface="Courier New" pitchFamily="49"/>
+              <a:cs typeface="Courier New" pitchFamily="49"/>
+            </a:endParaRPr>
+          </a:p>
+          <a:p>
+            <a:pPr lvl="0">
+              <a:buFont typeface="Courier New" pitchFamily="49"/>
+              <a:buChar char="_"/>
+            </a:pPr>
+            <a:r>
+              <a:rPr lang="nl-NL" dirty="0">
+                <a:solidFill>
+                  <a:srgbClr val="00FF00"/>
+                </a:solidFill>
+                <a:latin typeface="Courier New" pitchFamily="49"/>
+                <a:cs typeface="Courier New" pitchFamily="49"/>
+              </a:rPr>
+              <a:t>Want </a:t>
+            </a:r>
+            <a:r>
+              <a:rPr lang="nl-NL" dirty="0" err="1">
+                <a:solidFill>
+                  <a:srgbClr val="00FF00"/>
+                </a:solidFill>
+                <a:latin typeface="Courier New" pitchFamily="49"/>
+                <a:cs typeface="Courier New" pitchFamily="49"/>
+              </a:rPr>
+              <a:t>longer</a:t>
+            </a:r>
+            <a:r>
+              <a:rPr lang="nl-NL" dirty="0">
+                <a:solidFill>
+                  <a:srgbClr val="00FF00"/>
+                </a:solidFill>
+                <a:latin typeface="Courier New" pitchFamily="49"/>
+                <a:cs typeface="Courier New" pitchFamily="49"/>
+              </a:rPr>
+              <a:t> living </a:t>
+            </a:r>
+            <a:r>
+              <a:rPr lang="nl-NL" dirty="0" err="1">
+                <a:solidFill>
+                  <a:srgbClr val="00FF00"/>
+                </a:solidFill>
+                <a:latin typeface="Courier New" pitchFamily="49"/>
+                <a:cs typeface="Courier New" pitchFamily="49"/>
+              </a:rPr>
+              <a:t>mocks</a:t>
+            </a:r>
+            <a:r>
+              <a:rPr lang="nl-NL" dirty="0">
+                <a:solidFill>
+                  <a:srgbClr val="00FF00"/>
+                </a:solidFill>
+                <a:latin typeface="Courier New" pitchFamily="49"/>
+                <a:cs typeface="Courier New" pitchFamily="49"/>
+              </a:rPr>
+              <a:t>? </a:t>
+            </a:r>
+            <a:r>
+              <a:rPr lang="nl-NL" dirty="0" err="1">
+                <a:solidFill>
+                  <a:srgbClr val="00FF00"/>
+                </a:solidFill>
+                <a:latin typeface="Courier New" pitchFamily="49"/>
+                <a:cs typeface="Courier New" pitchFamily="49"/>
+              </a:rPr>
+              <a:t>Use</a:t>
+            </a:r>
+            <a:r>
+              <a:rPr lang="nl-NL" dirty="0">
+                <a:solidFill>
+                  <a:srgbClr val="00FF00"/>
+                </a:solidFill>
+                <a:latin typeface="Courier New" pitchFamily="49"/>
+                <a:cs typeface="Courier New" pitchFamily="49"/>
+              </a:rPr>
+              <a:t> JSON </a:t>
+            </a:r>
+            <a:r>
+              <a:rPr lang="nl-NL" dirty="0" err="1">
+                <a:solidFill>
+                  <a:srgbClr val="00FF00"/>
+                </a:solidFill>
+                <a:latin typeface="Courier New" pitchFamily="49"/>
+                <a:cs typeface="Courier New" pitchFamily="49"/>
+              </a:rPr>
+              <a:t>mapping</a:t>
+            </a:r>
+            <a:r>
+              <a:rPr lang="nl-NL" dirty="0">
+                <a:solidFill>
+                  <a:srgbClr val="00FF00"/>
+                </a:solidFill>
+                <a:latin typeface="Courier New" pitchFamily="49"/>
+                <a:cs typeface="Courier New" pitchFamily="49"/>
+              </a:rPr>
+              <a:t> files</a:t>
+            </a:r>
+          </a:p>
+          <a:p>
+            <a:pPr lvl="0">
+              <a:buFont typeface="Courier New" pitchFamily="49"/>
+              <a:buChar char="_"/>
+            </a:pPr>
+            <a:endParaRPr lang="nl-NL" dirty="0">
+              <a:solidFill>
+                <a:srgbClr val="00FF00"/>
+              </a:solidFill>
+              <a:latin typeface="Courier New" pitchFamily="49"/>
+              <a:cs typeface="Courier New" pitchFamily="49"/>
+            </a:endParaRPr>
+          </a:p>
+          <a:p>
+            <a:pPr lvl="0">
+              <a:buFont typeface="Courier New" pitchFamily="49"/>
+              <a:buChar char="_"/>
+            </a:pPr>
+            <a:r>
+              <a:rPr lang="nl-NL" dirty="0" err="1">
+                <a:solidFill>
+                  <a:srgbClr val="00FF00"/>
+                </a:solidFill>
+                <a:latin typeface="Courier New" pitchFamily="49"/>
+                <a:cs typeface="Courier New" pitchFamily="49"/>
+              </a:rPr>
+              <a:t>WireMock</a:t>
+            </a:r>
+            <a:r>
+              <a:rPr lang="nl-NL" dirty="0">
+                <a:solidFill>
+                  <a:srgbClr val="00FF00"/>
+                </a:solidFill>
+                <a:latin typeface="Courier New" pitchFamily="49"/>
+                <a:cs typeface="Courier New" pitchFamily="49"/>
+              </a:rPr>
+              <a:t> </a:t>
+            </a:r>
+            <a:r>
+              <a:rPr lang="nl-NL" dirty="0" err="1">
+                <a:solidFill>
+                  <a:srgbClr val="00FF00"/>
+                </a:solidFill>
+                <a:latin typeface="Courier New" pitchFamily="49"/>
+                <a:cs typeface="Courier New" pitchFamily="49"/>
+              </a:rPr>
+              <a:t>can</a:t>
+            </a:r>
+            <a:r>
+              <a:rPr lang="nl-NL" dirty="0">
+                <a:solidFill>
+                  <a:srgbClr val="00FF00"/>
+                </a:solidFill>
+                <a:latin typeface="Courier New" pitchFamily="49"/>
+                <a:cs typeface="Courier New" pitchFamily="49"/>
+              </a:rPr>
+              <a:t> </a:t>
+            </a:r>
+            <a:r>
+              <a:rPr lang="nl-NL" dirty="0" err="1">
+                <a:solidFill>
+                  <a:srgbClr val="00FF00"/>
+                </a:solidFill>
+                <a:latin typeface="Courier New" pitchFamily="49"/>
+                <a:cs typeface="Courier New" pitchFamily="49"/>
+              </a:rPr>
+              <a:t>be</a:t>
+            </a:r>
+            <a:r>
+              <a:rPr lang="nl-NL" dirty="0">
+                <a:solidFill>
+                  <a:srgbClr val="00FF00"/>
+                </a:solidFill>
+                <a:latin typeface="Courier New" pitchFamily="49"/>
+                <a:cs typeface="Courier New" pitchFamily="49"/>
+              </a:rPr>
+              <a:t> run as a standalone </a:t>
+            </a:r>
+            <a:r>
+              <a:rPr lang="nl-NL" dirty="0" err="1">
+                <a:solidFill>
+                  <a:srgbClr val="00FF00"/>
+                </a:solidFill>
+                <a:latin typeface="Courier New" pitchFamily="49"/>
+                <a:cs typeface="Courier New" pitchFamily="49"/>
+              </a:rPr>
+              <a:t>process</a:t>
+            </a:r>
+            <a:endParaRPr lang="nl-NL" dirty="0">
+              <a:solidFill>
+                <a:srgbClr val="00FF00"/>
+              </a:solidFill>
+              <a:latin typeface="Courier New" pitchFamily="49"/>
+              <a:cs typeface="Courier New" pitchFamily="49"/>
+            </a:endParaRPr>
+          </a:p>
+        </p:txBody>
+      </p:sp>
+    </p:spTree>
+    <p:extLst>
+      <p:ext uri="{BB962C8B-B14F-4D97-AF65-F5344CB8AC3E}">
+        <p14:creationId xmlns:p14="http://schemas.microsoft.com/office/powerpoint/2010/main" val="429990327"/>
+      </p:ext>
+    </p:extLst>
+  </p:cSld>
+  <p:clrMapOvr>
+    <a:masterClrMapping/>
+  </p:clrMapOvr>
+</p:sld>
+</file>
+
+<file path=ppt/slides/slide41.xml><?xml version="1.0" encoding="utf-8"?>
+<p:sld xmlns:a="http://schemas.openxmlformats.org/drawingml/2006/main" xmlns:r="http://schemas.openxmlformats.org/officeDocument/2006/relationships" xmlns:p="http://schemas.openxmlformats.org/presentationml/2006/main">
+  <p:cSld>
+    <p:bg>
+      <p:bgPr>
+        <a:solidFill>
+          <a:srgbClr val="000000"/>
+        </a:solidFill>
+        <a:effectLst/>
+      </p:bgPr>
+    </p:bg>
+    <p:spTree>
+      <p:nvGrpSpPr>
+        <p:cNvPr id="1" name=""/>
+        <p:cNvGrpSpPr/>
+        <p:nvPr/>
+      </p:nvGrpSpPr>
+      <p:grpSpPr>
+        <a:xfrm>
+          <a:off x="0" y="0"/>
+          <a:ext cx="0" cy="0"/>
+          <a:chOff x="0" y="0"/>
+          <a:chExt cx="0" cy="0"/>
+        </a:xfrm>
+      </p:grpSpPr>
+      <p:sp>
+        <p:nvSpPr>
+          <p:cNvPr id="2" name="Title 1">
+            <a:extLst>
+              <a:ext uri="{FF2B5EF4-FFF2-40B4-BE49-F238E27FC236}">
+                <a16:creationId xmlns:a16="http://schemas.microsoft.com/office/drawing/2014/main" id="{19F5B244-0AC6-4FDB-90B1-15F77C3031D0}"/>
+              </a:ext>
+            </a:extLst>
+          </p:cNvPr>
+          <p:cNvSpPr txBox="1">
+            <a:spLocks noGrp="1"/>
+          </p:cNvSpPr>
+          <p:nvPr>
+            <p:ph type="title"/>
+          </p:nvPr>
+        </p:nvSpPr>
+        <p:spPr/>
+        <p:txBody>
+          <a:bodyPr/>
+          <a:lstStyle/>
+          <a:p>
+            <a:pPr lvl="0"/>
+            <a:r>
+              <a:rPr lang="nl-NL" dirty="0">
+                <a:solidFill>
+                  <a:srgbClr val="00FF00"/>
+                </a:solidFill>
+                <a:latin typeface="Courier New" pitchFamily="49"/>
+                <a:cs typeface="Courier New" pitchFamily="49"/>
+              </a:rPr>
+              <a:t>Running </a:t>
+            </a:r>
+            <a:r>
+              <a:rPr lang="nl-NL" dirty="0" err="1">
+                <a:solidFill>
+                  <a:srgbClr val="00FF00"/>
+                </a:solidFill>
+                <a:latin typeface="Courier New" pitchFamily="49"/>
+                <a:cs typeface="Courier New" pitchFamily="49"/>
+              </a:rPr>
+              <a:t>WireMock</a:t>
+            </a:r>
+            <a:r>
+              <a:rPr lang="nl-NL" dirty="0">
+                <a:solidFill>
+                  <a:srgbClr val="00FF00"/>
+                </a:solidFill>
+                <a:latin typeface="Courier New" pitchFamily="49"/>
+                <a:cs typeface="Courier New" pitchFamily="49"/>
+              </a:rPr>
+              <a:t> standalone</a:t>
+            </a:r>
+          </a:p>
+        </p:txBody>
+      </p:sp>
+      <p:sp>
+        <p:nvSpPr>
+          <p:cNvPr id="3" name="Content Placeholder 2">
+            <a:extLst>
+              <a:ext uri="{FF2B5EF4-FFF2-40B4-BE49-F238E27FC236}">
+                <a16:creationId xmlns:a16="http://schemas.microsoft.com/office/drawing/2014/main" id="{D139C82B-AD86-4DD7-A5E8-FF4019CEF5E1}"/>
+              </a:ext>
+            </a:extLst>
+          </p:cNvPr>
+          <p:cNvSpPr txBox="1">
+            <a:spLocks noGrp="1"/>
+          </p:cNvSpPr>
+          <p:nvPr>
+            <p:ph idx="1"/>
+          </p:nvPr>
+        </p:nvSpPr>
+        <p:spPr>
+          <a:xfrm>
+            <a:off x="838203" y="1825627"/>
+            <a:ext cx="11257719" cy="4351336"/>
+          </a:xfrm>
+        </p:spPr>
+        <p:txBody>
+          <a:bodyPr/>
+          <a:lstStyle/>
+          <a:p>
+            <a:pPr marL="0" lvl="0" indent="0">
+              <a:buNone/>
+            </a:pPr>
+            <a:r>
+              <a:rPr lang="nl-NL" i="1" dirty="0" err="1">
+                <a:solidFill>
+                  <a:srgbClr val="00FF00"/>
+                </a:solidFill>
+                <a:latin typeface="Courier New" pitchFamily="49"/>
+                <a:cs typeface="Courier New" pitchFamily="49"/>
+              </a:rPr>
+              <a:t>java</a:t>
+            </a:r>
+            <a:r>
+              <a:rPr lang="nl-NL" i="1" dirty="0">
+                <a:solidFill>
+                  <a:srgbClr val="00FF00"/>
+                </a:solidFill>
+                <a:latin typeface="Courier New" pitchFamily="49"/>
+                <a:cs typeface="Courier New" pitchFamily="49"/>
+              </a:rPr>
+              <a:t> –</a:t>
+            </a:r>
+            <a:r>
+              <a:rPr lang="nl-NL" i="1" dirty="0" err="1">
+                <a:solidFill>
+                  <a:srgbClr val="00FF00"/>
+                </a:solidFill>
+                <a:latin typeface="Courier New" pitchFamily="49"/>
+                <a:cs typeface="Courier New" pitchFamily="49"/>
+              </a:rPr>
+              <a:t>jar</a:t>
+            </a:r>
+            <a:r>
+              <a:rPr lang="nl-NL" i="1" dirty="0">
+                <a:solidFill>
+                  <a:srgbClr val="00FF00"/>
+                </a:solidFill>
+                <a:latin typeface="Courier New" pitchFamily="49"/>
+                <a:cs typeface="Courier New" pitchFamily="49"/>
+              </a:rPr>
+              <a:t> wiremock-standalone-2.18.0.jar --port 9876</a:t>
+            </a:r>
+          </a:p>
+          <a:p>
+            <a:pPr lvl="0">
+              <a:buFont typeface="Courier New" pitchFamily="49"/>
+              <a:buChar char="_"/>
+            </a:pPr>
+            <a:endParaRPr lang="nl-NL" dirty="0">
+              <a:solidFill>
+                <a:srgbClr val="00FF00"/>
+              </a:solidFill>
+              <a:latin typeface="Courier New" pitchFamily="49"/>
+              <a:cs typeface="Courier New" pitchFamily="49"/>
+            </a:endParaRPr>
+          </a:p>
+          <a:p>
+            <a:pPr lvl="0">
+              <a:buFont typeface="Courier New" pitchFamily="49"/>
+              <a:buChar char="_"/>
+            </a:pPr>
+            <a:r>
+              <a:rPr lang="nl-NL" dirty="0">
+                <a:solidFill>
+                  <a:srgbClr val="00FF00"/>
+                </a:solidFill>
+                <a:latin typeface="Courier New" pitchFamily="49"/>
+                <a:cs typeface="Courier New" pitchFamily="49"/>
+              </a:rPr>
+              <a:t>‘</a:t>
+            </a:r>
+            <a:r>
+              <a:rPr lang="nl-NL" dirty="0" err="1">
+                <a:solidFill>
+                  <a:srgbClr val="00FF00"/>
+                </a:solidFill>
+                <a:latin typeface="Courier New" pitchFamily="49"/>
+                <a:cs typeface="Courier New" pitchFamily="49"/>
+              </a:rPr>
+              <a:t>mappings</a:t>
+            </a:r>
+            <a:r>
+              <a:rPr lang="nl-NL" dirty="0">
+                <a:solidFill>
+                  <a:srgbClr val="00FF00"/>
+                </a:solidFill>
+                <a:latin typeface="Courier New" pitchFamily="49"/>
+                <a:cs typeface="Courier New" pitchFamily="49"/>
+              </a:rPr>
+              <a:t>’ </a:t>
+            </a:r>
+            <a:r>
+              <a:rPr lang="nl-NL" dirty="0" err="1">
+                <a:solidFill>
+                  <a:srgbClr val="00FF00"/>
+                </a:solidFill>
+                <a:latin typeface="Courier New" pitchFamily="49"/>
+                <a:cs typeface="Courier New" pitchFamily="49"/>
+              </a:rPr>
+              <a:t>subfolder</a:t>
+            </a:r>
+            <a:r>
+              <a:rPr lang="nl-NL" dirty="0">
+                <a:solidFill>
+                  <a:srgbClr val="00FF00"/>
+                </a:solidFill>
+                <a:latin typeface="Courier New" pitchFamily="49"/>
+                <a:cs typeface="Courier New" pitchFamily="49"/>
+              </a:rPr>
+              <a:t> </a:t>
+            </a:r>
+            <a:r>
+              <a:rPr lang="nl-NL" dirty="0" err="1">
+                <a:solidFill>
+                  <a:srgbClr val="00FF00"/>
+                </a:solidFill>
+                <a:latin typeface="Courier New" pitchFamily="49"/>
+                <a:cs typeface="Courier New" pitchFamily="49"/>
+              </a:rPr>
+              <a:t>should</a:t>
+            </a:r>
+            <a:r>
+              <a:rPr lang="nl-NL" dirty="0">
+                <a:solidFill>
+                  <a:srgbClr val="00FF00"/>
+                </a:solidFill>
+                <a:latin typeface="Courier New" pitchFamily="49"/>
+                <a:cs typeface="Courier New" pitchFamily="49"/>
+              </a:rPr>
+              <a:t> </a:t>
+            </a:r>
+            <a:r>
+              <a:rPr lang="nl-NL" dirty="0" err="1">
+                <a:solidFill>
+                  <a:srgbClr val="00FF00"/>
+                </a:solidFill>
+                <a:latin typeface="Courier New" pitchFamily="49"/>
+                <a:cs typeface="Courier New" pitchFamily="49"/>
+              </a:rPr>
+              <a:t>contain</a:t>
+            </a:r>
+            <a:r>
+              <a:rPr lang="nl-NL" dirty="0">
+                <a:solidFill>
+                  <a:srgbClr val="00FF00"/>
+                </a:solidFill>
+                <a:latin typeface="Courier New" pitchFamily="49"/>
+                <a:cs typeface="Courier New" pitchFamily="49"/>
+              </a:rPr>
+              <a:t> JSON </a:t>
+            </a:r>
+            <a:r>
+              <a:rPr lang="nl-NL" dirty="0" err="1">
+                <a:solidFill>
+                  <a:srgbClr val="00FF00"/>
+                </a:solidFill>
+                <a:latin typeface="Courier New" pitchFamily="49"/>
+                <a:cs typeface="Courier New" pitchFamily="49"/>
+              </a:rPr>
+              <a:t>mapping</a:t>
+            </a:r>
+            <a:r>
+              <a:rPr lang="nl-NL" dirty="0">
+                <a:solidFill>
+                  <a:srgbClr val="00FF00"/>
+                </a:solidFill>
+                <a:latin typeface="Courier New" pitchFamily="49"/>
+                <a:cs typeface="Courier New" pitchFamily="49"/>
+              </a:rPr>
+              <a:t> </a:t>
+            </a:r>
+            <a:r>
+              <a:rPr lang="nl-NL" dirty="0" err="1">
+                <a:solidFill>
+                  <a:srgbClr val="00FF00"/>
+                </a:solidFill>
+                <a:latin typeface="Courier New" pitchFamily="49"/>
+                <a:cs typeface="Courier New" pitchFamily="49"/>
+              </a:rPr>
+              <a:t>definitions</a:t>
+            </a:r>
+            <a:endParaRPr lang="nl-NL" dirty="0">
+              <a:solidFill>
+                <a:srgbClr val="00FF00"/>
+              </a:solidFill>
+              <a:latin typeface="Courier New" pitchFamily="49"/>
+              <a:cs typeface="Courier New" pitchFamily="49"/>
+            </a:endParaRPr>
+          </a:p>
+          <a:p>
+            <a:pPr lvl="0">
+              <a:buFont typeface="Courier New" pitchFamily="49"/>
+              <a:buChar char="_"/>
+            </a:pPr>
+            <a:endParaRPr lang="nl-NL" dirty="0">
+              <a:solidFill>
+                <a:srgbClr val="00FF00"/>
+              </a:solidFill>
+              <a:latin typeface="Courier New" pitchFamily="49"/>
+              <a:cs typeface="Courier New" pitchFamily="49"/>
+            </a:endParaRPr>
+          </a:p>
+          <a:p>
+            <a:pPr lvl="0">
+              <a:buFont typeface="Courier New" pitchFamily="49"/>
+              <a:buChar char="_"/>
+            </a:pPr>
+            <a:r>
+              <a:rPr lang="nl-NL" dirty="0">
+                <a:solidFill>
+                  <a:srgbClr val="00FF00"/>
+                </a:solidFill>
+                <a:latin typeface="Courier New" pitchFamily="49"/>
+                <a:cs typeface="Courier New" pitchFamily="49"/>
+              </a:rPr>
+              <a:t>‘__files’ </a:t>
+            </a:r>
+            <a:r>
+              <a:rPr lang="nl-NL" dirty="0" err="1">
+                <a:solidFill>
+                  <a:srgbClr val="00FF00"/>
+                </a:solidFill>
+                <a:latin typeface="Courier New" pitchFamily="49"/>
+                <a:cs typeface="Courier New" pitchFamily="49"/>
+              </a:rPr>
+              <a:t>subfolder</a:t>
+            </a:r>
+            <a:r>
+              <a:rPr lang="nl-NL" dirty="0">
+                <a:solidFill>
+                  <a:srgbClr val="00FF00"/>
+                </a:solidFill>
+                <a:latin typeface="Courier New" pitchFamily="49"/>
+                <a:cs typeface="Courier New" pitchFamily="49"/>
+              </a:rPr>
+              <a:t> </a:t>
+            </a:r>
+            <a:r>
+              <a:rPr lang="nl-NL" dirty="0" err="1">
+                <a:solidFill>
+                  <a:srgbClr val="00FF00"/>
+                </a:solidFill>
+                <a:latin typeface="Courier New" pitchFamily="49"/>
+                <a:cs typeface="Courier New" pitchFamily="49"/>
+              </a:rPr>
+              <a:t>contains</a:t>
+            </a:r>
+            <a:r>
+              <a:rPr lang="nl-NL" dirty="0">
+                <a:solidFill>
+                  <a:srgbClr val="00FF00"/>
+                </a:solidFill>
+                <a:latin typeface="Courier New" pitchFamily="49"/>
+                <a:cs typeface="Courier New" pitchFamily="49"/>
+              </a:rPr>
+              <a:t> </a:t>
+            </a:r>
+            <a:r>
+              <a:rPr lang="nl-NL" dirty="0" err="1">
+                <a:solidFill>
+                  <a:srgbClr val="00FF00"/>
+                </a:solidFill>
+                <a:latin typeface="Courier New" pitchFamily="49"/>
+                <a:cs typeface="Courier New" pitchFamily="49"/>
+              </a:rPr>
+              <a:t>additional</a:t>
+            </a:r>
+            <a:r>
+              <a:rPr lang="nl-NL" dirty="0">
+                <a:solidFill>
+                  <a:srgbClr val="00FF00"/>
+                </a:solidFill>
+                <a:latin typeface="Courier New" pitchFamily="49"/>
+                <a:cs typeface="Courier New" pitchFamily="49"/>
+              </a:rPr>
+              <a:t> files</a:t>
+            </a:r>
+          </a:p>
+        </p:txBody>
+      </p:sp>
+    </p:spTree>
+    <p:extLst>
+      <p:ext uri="{BB962C8B-B14F-4D97-AF65-F5344CB8AC3E}">
+        <p14:creationId xmlns:p14="http://schemas.microsoft.com/office/powerpoint/2010/main" val="2341157969"/>
+      </p:ext>
+    </p:extLst>
+  </p:cSld>
+  <p:clrMapOvr>
+    <a:masterClrMapping/>
+  </p:clrMapOvr>
+</p:sld>
+</file>
+
+<file path=ppt/slides/slide42.xml><?xml version="1.0" encoding="utf-8"?>
+<p:sld xmlns:a="http://schemas.openxmlformats.org/drawingml/2006/main" xmlns:r="http://schemas.openxmlformats.org/officeDocument/2006/relationships" xmlns:p="http://schemas.openxmlformats.org/presentationml/2006/main">
+  <p:cSld>
+    <p:bg>
+      <p:bgPr>
+        <a:solidFill>
+          <a:srgbClr val="000000"/>
+        </a:solidFill>
+        <a:effectLst/>
+      </p:bgPr>
+    </p:bg>
+    <p:spTree>
+      <p:nvGrpSpPr>
+        <p:cNvPr id="1" name=""/>
+        <p:cNvGrpSpPr/>
+        <p:nvPr/>
+      </p:nvGrpSpPr>
+      <p:grpSpPr>
+        <a:xfrm>
+          <a:off x="0" y="0"/>
+          <a:ext cx="0" cy="0"/>
+          <a:chOff x="0" y="0"/>
+          <a:chExt cx="0" cy="0"/>
+        </a:xfrm>
+      </p:grpSpPr>
+      <p:sp>
+        <p:nvSpPr>
+          <p:cNvPr id="2" name="Title 1">
+            <a:extLst>
+              <a:ext uri="{FF2B5EF4-FFF2-40B4-BE49-F238E27FC236}">
+                <a16:creationId xmlns:a16="http://schemas.microsoft.com/office/drawing/2014/main" id="{19F5B244-0AC6-4FDB-90B1-15F77C3031D0}"/>
+              </a:ext>
+            </a:extLst>
+          </p:cNvPr>
+          <p:cNvSpPr txBox="1">
+            <a:spLocks noGrp="1"/>
+          </p:cNvSpPr>
+          <p:nvPr>
+            <p:ph type="title"/>
+          </p:nvPr>
+        </p:nvSpPr>
+        <p:spPr/>
+        <p:txBody>
+          <a:bodyPr/>
+          <a:lstStyle/>
+          <a:p>
+            <a:pPr lvl="0"/>
+            <a:r>
+              <a:rPr lang="nl-NL" dirty="0">
+                <a:solidFill>
+                  <a:srgbClr val="00FF00"/>
+                </a:solidFill>
+                <a:latin typeface="Courier New" pitchFamily="49"/>
+                <a:cs typeface="Courier New" pitchFamily="49"/>
+              </a:rPr>
+              <a:t>JSON </a:t>
+            </a:r>
+            <a:r>
+              <a:rPr lang="nl-NL" dirty="0" err="1">
+                <a:solidFill>
+                  <a:srgbClr val="00FF00"/>
+                </a:solidFill>
+                <a:latin typeface="Courier New" pitchFamily="49"/>
+                <a:cs typeface="Courier New" pitchFamily="49"/>
+              </a:rPr>
+              <a:t>mapping</a:t>
+            </a:r>
+            <a:r>
+              <a:rPr lang="nl-NL" dirty="0">
+                <a:solidFill>
+                  <a:srgbClr val="00FF00"/>
+                </a:solidFill>
+                <a:latin typeface="Courier New" pitchFamily="49"/>
+                <a:cs typeface="Courier New" pitchFamily="49"/>
+              </a:rPr>
+              <a:t> files</a:t>
+            </a:r>
+          </a:p>
+        </p:txBody>
+      </p:sp>
+      <p:sp>
+        <p:nvSpPr>
+          <p:cNvPr id="3" name="Content Placeholder 2">
+            <a:extLst>
+              <a:ext uri="{FF2B5EF4-FFF2-40B4-BE49-F238E27FC236}">
+                <a16:creationId xmlns:a16="http://schemas.microsoft.com/office/drawing/2014/main" id="{D139C82B-AD86-4DD7-A5E8-FF4019CEF5E1}"/>
+              </a:ext>
+            </a:extLst>
+          </p:cNvPr>
+          <p:cNvSpPr txBox="1">
+            <a:spLocks noGrp="1"/>
+          </p:cNvSpPr>
+          <p:nvPr>
+            <p:ph idx="1"/>
+          </p:nvPr>
+        </p:nvSpPr>
+        <p:spPr>
+          <a:xfrm>
+            <a:off x="838203" y="1825627"/>
+            <a:ext cx="11257719" cy="4351336"/>
+          </a:xfrm>
+        </p:spPr>
+        <p:txBody>
+          <a:bodyPr/>
+          <a:lstStyle/>
+          <a:p>
+            <a:pPr lvl="0">
+              <a:buFont typeface="Courier New" pitchFamily="49"/>
+              <a:buChar char="_"/>
+            </a:pPr>
+            <a:r>
+              <a:rPr lang="nl-NL" dirty="0" err="1">
+                <a:solidFill>
+                  <a:srgbClr val="00FF00"/>
+                </a:solidFill>
+                <a:latin typeface="Courier New" pitchFamily="49"/>
+                <a:cs typeface="Courier New" pitchFamily="49"/>
+              </a:rPr>
+              <a:t>All</a:t>
+            </a:r>
+            <a:r>
+              <a:rPr lang="nl-NL" dirty="0">
+                <a:solidFill>
+                  <a:srgbClr val="00FF00"/>
+                </a:solidFill>
+                <a:latin typeface="Courier New" pitchFamily="49"/>
+                <a:cs typeface="Courier New" pitchFamily="49"/>
+              </a:rPr>
+              <a:t> features </a:t>
+            </a:r>
+            <a:r>
+              <a:rPr lang="nl-NL" dirty="0" err="1">
+                <a:solidFill>
+                  <a:srgbClr val="00FF00"/>
+                </a:solidFill>
+                <a:latin typeface="Courier New" pitchFamily="49"/>
+                <a:cs typeface="Courier New" pitchFamily="49"/>
+              </a:rPr>
+              <a:t>available</a:t>
+            </a:r>
+            <a:r>
+              <a:rPr lang="nl-NL" dirty="0">
+                <a:solidFill>
+                  <a:srgbClr val="00FF00"/>
+                </a:solidFill>
+                <a:latin typeface="Courier New" pitchFamily="49"/>
+                <a:cs typeface="Courier New" pitchFamily="49"/>
+              </a:rPr>
+              <a:t> in Java </a:t>
+            </a:r>
+            <a:r>
+              <a:rPr lang="nl-NL" dirty="0" err="1">
+                <a:solidFill>
+                  <a:srgbClr val="00FF00"/>
+                </a:solidFill>
+                <a:latin typeface="Courier New" pitchFamily="49"/>
+                <a:cs typeface="Courier New" pitchFamily="49"/>
+              </a:rPr>
+              <a:t>also</a:t>
+            </a:r>
+            <a:r>
+              <a:rPr lang="nl-NL" dirty="0">
+                <a:solidFill>
+                  <a:srgbClr val="00FF00"/>
+                </a:solidFill>
+                <a:latin typeface="Courier New" pitchFamily="49"/>
+                <a:cs typeface="Courier New" pitchFamily="49"/>
+              </a:rPr>
+              <a:t> </a:t>
+            </a:r>
+            <a:r>
+              <a:rPr lang="nl-NL" dirty="0" err="1">
+                <a:solidFill>
+                  <a:srgbClr val="00FF00"/>
+                </a:solidFill>
+                <a:latin typeface="Courier New" pitchFamily="49"/>
+                <a:cs typeface="Courier New" pitchFamily="49"/>
+              </a:rPr>
+              <a:t>available</a:t>
+            </a:r>
+            <a:r>
+              <a:rPr lang="nl-NL" dirty="0">
+                <a:solidFill>
+                  <a:srgbClr val="00FF00"/>
+                </a:solidFill>
+                <a:latin typeface="Courier New" pitchFamily="49"/>
+                <a:cs typeface="Courier New" pitchFamily="49"/>
+              </a:rPr>
+              <a:t> </a:t>
+            </a:r>
+            <a:r>
+              <a:rPr lang="nl-NL" dirty="0" err="1">
+                <a:solidFill>
+                  <a:srgbClr val="00FF00"/>
+                </a:solidFill>
+                <a:latin typeface="Courier New" pitchFamily="49"/>
+                <a:cs typeface="Courier New" pitchFamily="49"/>
+              </a:rPr>
+              <a:t>through</a:t>
+            </a:r>
+            <a:r>
+              <a:rPr lang="nl-NL" dirty="0">
+                <a:solidFill>
+                  <a:srgbClr val="00FF00"/>
+                </a:solidFill>
+                <a:latin typeface="Courier New" pitchFamily="49"/>
+                <a:cs typeface="Courier New" pitchFamily="49"/>
+              </a:rPr>
+              <a:t> JSON </a:t>
+            </a:r>
+            <a:r>
+              <a:rPr lang="nl-NL" dirty="0" err="1">
+                <a:solidFill>
+                  <a:srgbClr val="00FF00"/>
+                </a:solidFill>
+                <a:latin typeface="Courier New" pitchFamily="49"/>
+                <a:cs typeface="Courier New" pitchFamily="49"/>
+              </a:rPr>
+              <a:t>mappings</a:t>
+            </a:r>
+            <a:endParaRPr lang="nl-NL" dirty="0">
+              <a:solidFill>
+                <a:srgbClr val="00FF00"/>
+              </a:solidFill>
+              <a:latin typeface="Courier New" pitchFamily="49"/>
+              <a:cs typeface="Courier New" pitchFamily="49"/>
+            </a:endParaRPr>
+          </a:p>
+          <a:p>
+            <a:pPr lvl="0">
+              <a:buFont typeface="Courier New" pitchFamily="49"/>
+              <a:buChar char="_"/>
+            </a:pPr>
+            <a:endParaRPr lang="nl-NL" dirty="0">
+              <a:solidFill>
+                <a:srgbClr val="00FF00"/>
+              </a:solidFill>
+              <a:latin typeface="Courier New" pitchFamily="49"/>
+              <a:cs typeface="Courier New" pitchFamily="49"/>
+            </a:endParaRPr>
+          </a:p>
+          <a:p>
+            <a:pPr lvl="0">
+              <a:buFont typeface="Courier New" pitchFamily="49"/>
+              <a:buChar char="_"/>
+            </a:pPr>
+            <a:r>
+              <a:rPr lang="nl-NL" dirty="0" err="1">
+                <a:solidFill>
+                  <a:srgbClr val="00FF00"/>
+                </a:solidFill>
+                <a:latin typeface="Courier New" pitchFamily="49"/>
+                <a:cs typeface="Courier New" pitchFamily="49"/>
+              </a:rPr>
+              <a:t>Example</a:t>
+            </a:r>
+            <a:r>
+              <a:rPr lang="nl-NL" dirty="0">
+                <a:solidFill>
+                  <a:srgbClr val="00FF00"/>
+                </a:solidFill>
+                <a:latin typeface="Courier New" pitchFamily="49"/>
+                <a:cs typeface="Courier New" pitchFamily="49"/>
+              </a:rPr>
+              <a:t>:</a:t>
+            </a:r>
+          </a:p>
+        </p:txBody>
+      </p:sp>
+      <p:pic>
+        <p:nvPicPr>
+          <p:cNvPr id="4" name="Picture 3">
+            <a:extLst>
+              <a:ext uri="{FF2B5EF4-FFF2-40B4-BE49-F238E27FC236}">
+                <a16:creationId xmlns:a16="http://schemas.microsoft.com/office/drawing/2014/main" id="{997D5A66-791C-4D00-919A-1233370F077B}"/>
+              </a:ext>
+            </a:extLst>
+          </p:cNvPr>
+          <p:cNvPicPr>
+            <a:picLocks noChangeAspect="1"/>
+          </p:cNvPicPr>
+          <p:nvPr/>
+        </p:nvPicPr>
+        <p:blipFill>
+          <a:blip r:embed="rId2"/>
+          <a:stretch>
+            <a:fillRect/>
+          </a:stretch>
+        </p:blipFill>
+        <p:spPr>
+          <a:xfrm>
+            <a:off x="3134647" y="3038194"/>
+            <a:ext cx="5572031" cy="3548453"/>
+          </a:xfrm>
+          <a:prstGeom prst="rect">
+            <a:avLst/>
+          </a:prstGeom>
+        </p:spPr>
+      </p:pic>
+    </p:spTree>
+    <p:extLst>
+      <p:ext uri="{BB962C8B-B14F-4D97-AF65-F5344CB8AC3E}">
+        <p14:creationId xmlns:p14="http://schemas.microsoft.com/office/powerpoint/2010/main" val="814300950"/>
+      </p:ext>
+    </p:extLst>
+  </p:cSld>
+  <p:clrMapOvr>
+    <a:masterClrMapping/>
+  </p:clrMapOvr>
+</p:sld>
+</file>
+
+<file path=ppt/slides/slide43.xml><?xml version="1.0" encoding="utf-8"?>
+<p:sld xmlns:a="http://schemas.openxmlformats.org/drawingml/2006/main" xmlns:r="http://schemas.openxmlformats.org/officeDocument/2006/relationships" xmlns:p="http://schemas.openxmlformats.org/presentationml/2006/main">
+  <p:cSld>
+    <p:bg>
+      <p:bgPr>
+        <a:solidFill>
+          <a:srgbClr val="000000"/>
+        </a:solidFill>
+        <a:effectLst/>
+      </p:bgPr>
+    </p:bg>
+    <p:spTree>
+      <p:nvGrpSpPr>
+        <p:cNvPr id="1" name=""/>
+        <p:cNvGrpSpPr/>
+        <p:nvPr/>
+      </p:nvGrpSpPr>
+      <p:grpSpPr>
+        <a:xfrm>
+          <a:off x="0" y="0"/>
+          <a:ext cx="0" cy="0"/>
+          <a:chOff x="0" y="0"/>
+          <a:chExt cx="0" cy="0"/>
+        </a:xfrm>
+      </p:grpSpPr>
+      <p:sp>
+        <p:nvSpPr>
+          <p:cNvPr id="2" name="Title 1">
+            <a:extLst>
+              <a:ext uri="{FF2B5EF4-FFF2-40B4-BE49-F238E27FC236}">
+                <a16:creationId xmlns:a16="http://schemas.microsoft.com/office/drawing/2014/main" id="{19F5B244-0AC6-4FDB-90B1-15F77C3031D0}"/>
+              </a:ext>
+            </a:extLst>
+          </p:cNvPr>
+          <p:cNvSpPr txBox="1">
+            <a:spLocks noGrp="1"/>
+          </p:cNvSpPr>
+          <p:nvPr>
+            <p:ph type="title"/>
+          </p:nvPr>
+        </p:nvSpPr>
+        <p:spPr/>
+        <p:txBody>
+          <a:bodyPr/>
+          <a:lstStyle/>
+          <a:p>
+            <a:pPr lvl="0"/>
+            <a:r>
+              <a:rPr lang="nl-NL" dirty="0">
+                <a:solidFill>
+                  <a:srgbClr val="00FF00"/>
+                </a:solidFill>
+                <a:latin typeface="Courier New" pitchFamily="49"/>
+                <a:cs typeface="Courier New" pitchFamily="49"/>
+              </a:rPr>
+              <a:t>JSON </a:t>
+            </a:r>
+            <a:r>
+              <a:rPr lang="nl-NL" dirty="0" err="1">
+                <a:solidFill>
+                  <a:srgbClr val="00FF00"/>
+                </a:solidFill>
+                <a:latin typeface="Courier New" pitchFamily="49"/>
+                <a:cs typeface="Courier New" pitchFamily="49"/>
+              </a:rPr>
+              <a:t>mapping</a:t>
+            </a:r>
+            <a:r>
+              <a:rPr lang="nl-NL" dirty="0">
+                <a:solidFill>
+                  <a:srgbClr val="00FF00"/>
+                </a:solidFill>
+                <a:latin typeface="Courier New" pitchFamily="49"/>
+                <a:cs typeface="Courier New" pitchFamily="49"/>
+              </a:rPr>
+              <a:t> files</a:t>
+            </a:r>
+          </a:p>
+        </p:txBody>
+      </p:sp>
+      <p:sp>
+        <p:nvSpPr>
+          <p:cNvPr id="3" name="Content Placeholder 2">
+            <a:extLst>
+              <a:ext uri="{FF2B5EF4-FFF2-40B4-BE49-F238E27FC236}">
+                <a16:creationId xmlns:a16="http://schemas.microsoft.com/office/drawing/2014/main" id="{D139C82B-AD86-4DD7-A5E8-FF4019CEF5E1}"/>
+              </a:ext>
+            </a:extLst>
+          </p:cNvPr>
+          <p:cNvSpPr txBox="1">
+            <a:spLocks noGrp="1"/>
+          </p:cNvSpPr>
+          <p:nvPr>
+            <p:ph idx="1"/>
+          </p:nvPr>
+        </p:nvSpPr>
+        <p:spPr>
+          <a:xfrm>
+            <a:off x="838203" y="1825627"/>
+            <a:ext cx="11257719" cy="4351336"/>
+          </a:xfrm>
+        </p:spPr>
+        <p:txBody>
+          <a:bodyPr/>
+          <a:lstStyle/>
+          <a:p>
+            <a:pPr lvl="0">
+              <a:buFont typeface="Courier New" pitchFamily="49"/>
+              <a:buChar char="_"/>
+            </a:pPr>
+            <a:r>
+              <a:rPr lang="nl-NL" dirty="0" err="1">
+                <a:solidFill>
+                  <a:srgbClr val="00FF00"/>
+                </a:solidFill>
+                <a:latin typeface="Courier New" pitchFamily="49"/>
+                <a:cs typeface="Courier New" pitchFamily="49"/>
+              </a:rPr>
+              <a:t>Documentation</a:t>
+            </a:r>
+            <a:r>
+              <a:rPr lang="nl-NL" dirty="0">
+                <a:solidFill>
+                  <a:srgbClr val="00FF00"/>
+                </a:solidFill>
+                <a:latin typeface="Courier New" pitchFamily="49"/>
+                <a:cs typeface="Courier New" pitchFamily="49"/>
+              </a:rPr>
+              <a:t> of </a:t>
+            </a:r>
+            <a:r>
+              <a:rPr lang="nl-NL" dirty="0" err="1">
+                <a:solidFill>
+                  <a:srgbClr val="00FF00"/>
+                </a:solidFill>
+                <a:latin typeface="Courier New" pitchFamily="49"/>
+                <a:cs typeface="Courier New" pitchFamily="49"/>
+              </a:rPr>
+              <a:t>all</a:t>
+            </a:r>
+            <a:r>
+              <a:rPr lang="nl-NL" dirty="0">
+                <a:solidFill>
+                  <a:srgbClr val="00FF00"/>
+                </a:solidFill>
+                <a:latin typeface="Courier New" pitchFamily="49"/>
+                <a:cs typeface="Courier New" pitchFamily="49"/>
+              </a:rPr>
+              <a:t> features, </a:t>
+            </a:r>
+            <a:r>
+              <a:rPr lang="nl-NL" dirty="0" err="1">
+                <a:solidFill>
+                  <a:srgbClr val="00FF00"/>
+                </a:solidFill>
+                <a:latin typeface="Courier New" pitchFamily="49"/>
+                <a:cs typeface="Courier New" pitchFamily="49"/>
+              </a:rPr>
+              <a:t>along</a:t>
+            </a:r>
+            <a:r>
+              <a:rPr lang="nl-NL" dirty="0">
+                <a:solidFill>
+                  <a:srgbClr val="00FF00"/>
+                </a:solidFill>
+                <a:latin typeface="Courier New" pitchFamily="49"/>
+                <a:cs typeface="Courier New" pitchFamily="49"/>
+              </a:rPr>
+              <a:t> </a:t>
+            </a:r>
+            <a:r>
+              <a:rPr lang="nl-NL" dirty="0" err="1">
+                <a:solidFill>
+                  <a:srgbClr val="00FF00"/>
+                </a:solidFill>
+                <a:latin typeface="Courier New" pitchFamily="49"/>
+                <a:cs typeface="Courier New" pitchFamily="49"/>
+              </a:rPr>
+              <a:t>with</a:t>
+            </a:r>
+            <a:r>
+              <a:rPr lang="nl-NL" dirty="0">
+                <a:solidFill>
+                  <a:srgbClr val="00FF00"/>
+                </a:solidFill>
+                <a:latin typeface="Courier New" pitchFamily="49"/>
+                <a:cs typeface="Courier New" pitchFamily="49"/>
+              </a:rPr>
+              <a:t> </a:t>
+            </a:r>
+            <a:r>
+              <a:rPr lang="nl-NL" dirty="0" err="1">
+                <a:solidFill>
+                  <a:srgbClr val="00FF00"/>
+                </a:solidFill>
+                <a:latin typeface="Courier New" pitchFamily="49"/>
+                <a:cs typeface="Courier New" pitchFamily="49"/>
+              </a:rPr>
+              <a:t>examples</a:t>
+            </a:r>
+            <a:r>
+              <a:rPr lang="nl-NL" dirty="0">
+                <a:solidFill>
+                  <a:srgbClr val="00FF00"/>
+                </a:solidFill>
+                <a:latin typeface="Courier New" pitchFamily="49"/>
+                <a:cs typeface="Courier New" pitchFamily="49"/>
+              </a:rPr>
+              <a:t> on </a:t>
+            </a:r>
+            <a:r>
+              <a:rPr lang="nl-NL" dirty="0" err="1">
+                <a:solidFill>
+                  <a:srgbClr val="00FF00"/>
+                </a:solidFill>
+                <a:latin typeface="Courier New" pitchFamily="49"/>
+                <a:cs typeface="Courier New" pitchFamily="49"/>
+              </a:rPr>
+              <a:t>how</a:t>
+            </a:r>
+            <a:r>
+              <a:rPr lang="nl-NL" dirty="0">
+                <a:solidFill>
+                  <a:srgbClr val="00FF00"/>
+                </a:solidFill>
+                <a:latin typeface="Courier New" pitchFamily="49"/>
+                <a:cs typeface="Courier New" pitchFamily="49"/>
+              </a:rPr>
+              <a:t> </a:t>
+            </a:r>
+            <a:r>
+              <a:rPr lang="nl-NL" dirty="0" err="1">
+                <a:solidFill>
+                  <a:srgbClr val="00FF00"/>
+                </a:solidFill>
+                <a:latin typeface="Courier New" pitchFamily="49"/>
+                <a:cs typeface="Courier New" pitchFamily="49"/>
+              </a:rPr>
+              <a:t>to</a:t>
+            </a:r>
+            <a:r>
+              <a:rPr lang="nl-NL" dirty="0">
+                <a:solidFill>
+                  <a:srgbClr val="00FF00"/>
+                </a:solidFill>
+                <a:latin typeface="Courier New" pitchFamily="49"/>
+                <a:cs typeface="Courier New" pitchFamily="49"/>
+              </a:rPr>
+              <a:t> </a:t>
+            </a:r>
+            <a:r>
+              <a:rPr lang="nl-NL" dirty="0" err="1">
+                <a:solidFill>
+                  <a:srgbClr val="00FF00"/>
+                </a:solidFill>
+                <a:latin typeface="Courier New" pitchFamily="49"/>
+                <a:cs typeface="Courier New" pitchFamily="49"/>
+              </a:rPr>
+              <a:t>implement</a:t>
+            </a:r>
+            <a:r>
+              <a:rPr lang="nl-NL" dirty="0">
+                <a:solidFill>
+                  <a:srgbClr val="00FF00"/>
+                </a:solidFill>
+                <a:latin typeface="Courier New" pitchFamily="49"/>
+                <a:cs typeface="Courier New" pitchFamily="49"/>
+              </a:rPr>
+              <a:t> </a:t>
+            </a:r>
+            <a:r>
+              <a:rPr lang="nl-NL" dirty="0" err="1">
+                <a:solidFill>
+                  <a:srgbClr val="00FF00"/>
+                </a:solidFill>
+                <a:latin typeface="Courier New" pitchFamily="49"/>
+                <a:cs typeface="Courier New" pitchFamily="49"/>
+              </a:rPr>
+              <a:t>them</a:t>
+            </a:r>
+            <a:r>
+              <a:rPr lang="nl-NL" dirty="0">
+                <a:solidFill>
+                  <a:srgbClr val="00FF00"/>
+                </a:solidFill>
+                <a:latin typeface="Courier New" pitchFamily="49"/>
+                <a:cs typeface="Courier New" pitchFamily="49"/>
+              </a:rPr>
+              <a:t> </a:t>
+            </a:r>
+            <a:r>
+              <a:rPr lang="nl-NL" dirty="0" err="1">
+                <a:solidFill>
+                  <a:srgbClr val="00FF00"/>
+                </a:solidFill>
+                <a:latin typeface="Courier New" pitchFamily="49"/>
+                <a:cs typeface="Courier New" pitchFamily="49"/>
+              </a:rPr>
+              <a:t>through</a:t>
+            </a:r>
+            <a:r>
+              <a:rPr lang="nl-NL" dirty="0">
+                <a:solidFill>
+                  <a:srgbClr val="00FF00"/>
+                </a:solidFill>
+                <a:latin typeface="Courier New" pitchFamily="49"/>
+                <a:cs typeface="Courier New" pitchFamily="49"/>
+              </a:rPr>
+              <a:t> JSON </a:t>
+            </a:r>
+            <a:r>
+              <a:rPr lang="nl-NL" dirty="0" err="1">
+                <a:solidFill>
+                  <a:srgbClr val="00FF00"/>
+                </a:solidFill>
+                <a:latin typeface="Courier New" pitchFamily="49"/>
+                <a:cs typeface="Courier New" pitchFamily="49"/>
+              </a:rPr>
+              <a:t>mapping</a:t>
+            </a:r>
+            <a:r>
+              <a:rPr lang="nl-NL" dirty="0">
+                <a:solidFill>
+                  <a:srgbClr val="00FF00"/>
+                </a:solidFill>
+                <a:latin typeface="Courier New" pitchFamily="49"/>
+                <a:cs typeface="Courier New" pitchFamily="49"/>
+              </a:rPr>
+              <a:t> files </a:t>
+            </a:r>
+            <a:r>
+              <a:rPr lang="nl-NL" dirty="0" err="1">
+                <a:solidFill>
+                  <a:srgbClr val="00FF00"/>
+                </a:solidFill>
+                <a:latin typeface="Courier New" pitchFamily="49"/>
+                <a:cs typeface="Courier New" pitchFamily="49"/>
+              </a:rPr>
+              <a:t>can</a:t>
+            </a:r>
+            <a:r>
+              <a:rPr lang="nl-NL" dirty="0">
+                <a:solidFill>
+                  <a:srgbClr val="00FF00"/>
+                </a:solidFill>
+                <a:latin typeface="Courier New" pitchFamily="49"/>
+                <a:cs typeface="Courier New" pitchFamily="49"/>
+              </a:rPr>
+              <a:t> </a:t>
+            </a:r>
+            <a:r>
+              <a:rPr lang="nl-NL" dirty="0" err="1">
+                <a:solidFill>
+                  <a:srgbClr val="00FF00"/>
+                </a:solidFill>
+                <a:latin typeface="Courier New" pitchFamily="49"/>
+                <a:cs typeface="Courier New" pitchFamily="49"/>
+              </a:rPr>
+              <a:t>be</a:t>
+            </a:r>
+            <a:r>
+              <a:rPr lang="nl-NL" dirty="0">
+                <a:solidFill>
+                  <a:srgbClr val="00FF00"/>
+                </a:solidFill>
+                <a:latin typeface="Courier New" pitchFamily="49"/>
+                <a:cs typeface="Courier New" pitchFamily="49"/>
+              </a:rPr>
+              <a:t> found at</a:t>
+            </a:r>
+          </a:p>
+          <a:p>
+            <a:pPr lvl="0">
+              <a:buFont typeface="Courier New" pitchFamily="49"/>
+              <a:buChar char="_"/>
+            </a:pPr>
+            <a:endParaRPr lang="nl-NL" dirty="0">
+              <a:solidFill>
+                <a:srgbClr val="00FF00"/>
+              </a:solidFill>
+              <a:latin typeface="Courier New" pitchFamily="49"/>
+              <a:cs typeface="Courier New" pitchFamily="49"/>
+            </a:endParaRPr>
+          </a:p>
+          <a:p>
+            <a:pPr marL="0" lvl="0" indent="0">
+              <a:buNone/>
+            </a:pPr>
+            <a:r>
+              <a:rPr lang="nl-NL" i="1" dirty="0">
+                <a:solidFill>
+                  <a:srgbClr val="00FF00"/>
+                </a:solidFill>
+                <a:latin typeface="Courier New" pitchFamily="49"/>
+                <a:cs typeface="Courier New" pitchFamily="49"/>
+              </a:rPr>
+              <a:t>http://wiremock.org/docs/</a:t>
+            </a:r>
+          </a:p>
+        </p:txBody>
+      </p:sp>
+    </p:spTree>
+    <p:extLst>
+      <p:ext uri="{BB962C8B-B14F-4D97-AF65-F5344CB8AC3E}">
+        <p14:creationId xmlns:p14="http://schemas.microsoft.com/office/powerpoint/2010/main" val="2202770581"/>
+      </p:ext>
+    </p:extLst>
+  </p:cSld>
+  <p:clrMapOvr>
+    <a:masterClrMapping/>
+  </p:clrMapOvr>
+</p:sld>
+</file>
+
+<file path=ppt/slides/slide44.xml><?xml version="1.0" encoding="utf-8"?>
+<p:sld xmlns:a="http://schemas.openxmlformats.org/drawingml/2006/main" xmlns:r="http://schemas.openxmlformats.org/officeDocument/2006/relationships" xmlns:p="http://schemas.openxmlformats.org/presentationml/2006/main">
   <p:cSld name="Slide74">
     <p:bg>
       <p:bgPr>
@@ -16794,15 +19641,92 @@
           <a:p>
             <a:pPr lvl="0"/>
             <a:r>
-              <a:rPr lang="nl-NL">
-                <a:solidFill>
-                  <a:srgbClr val="00FF00"/>
-                </a:solidFill>
-                <a:latin typeface="Courier New" pitchFamily="49"/>
-                <a:cs typeface="Courier New" pitchFamily="49"/>
-              </a:rPr>
-              <a:t>Using record and playback in WireMock</a:t>
-            </a:r>
+              <a:rPr lang="nl-NL" dirty="0">
+                <a:solidFill>
+                  <a:srgbClr val="00FF00"/>
+                </a:solidFill>
+                <a:latin typeface="Courier New" pitchFamily="49"/>
+                <a:cs typeface="Courier New" pitchFamily="49"/>
+              </a:rPr>
+              <a:t>Using JSON </a:t>
+            </a:r>
+            <a:r>
+              <a:rPr lang="nl-NL" dirty="0" err="1">
+                <a:solidFill>
+                  <a:srgbClr val="00FF00"/>
+                </a:solidFill>
+                <a:latin typeface="Courier New" pitchFamily="49"/>
+                <a:cs typeface="Courier New" pitchFamily="49"/>
+              </a:rPr>
+              <a:t>mapping</a:t>
+            </a:r>
+            <a:r>
+              <a:rPr lang="nl-NL" dirty="0">
+                <a:solidFill>
+                  <a:srgbClr val="00FF00"/>
+                </a:solidFill>
+                <a:latin typeface="Courier New" pitchFamily="49"/>
+                <a:cs typeface="Courier New" pitchFamily="49"/>
+              </a:rPr>
+              <a:t> files </a:t>
+            </a:r>
+            <a:r>
+              <a:rPr lang="nl-NL" dirty="0" err="1">
+                <a:solidFill>
+                  <a:srgbClr val="00FF00"/>
+                </a:solidFill>
+                <a:latin typeface="Courier New" pitchFamily="49"/>
+                <a:cs typeface="Courier New" pitchFamily="49"/>
+              </a:rPr>
+              <a:t>to</a:t>
+            </a:r>
+            <a:r>
+              <a:rPr lang="nl-NL" dirty="0">
+                <a:solidFill>
+                  <a:srgbClr val="00FF00"/>
+                </a:solidFill>
+                <a:latin typeface="Courier New" pitchFamily="49"/>
+                <a:cs typeface="Courier New" pitchFamily="49"/>
+              </a:rPr>
+              <a:t> </a:t>
+            </a:r>
+            <a:r>
+              <a:rPr lang="nl-NL" dirty="0" err="1">
+                <a:solidFill>
+                  <a:srgbClr val="00FF00"/>
+                </a:solidFill>
+                <a:latin typeface="Courier New" pitchFamily="49"/>
+                <a:cs typeface="Courier New" pitchFamily="49"/>
+              </a:rPr>
+              <a:t>configure</a:t>
+            </a:r>
+            <a:r>
+              <a:rPr lang="nl-NL" dirty="0">
+                <a:solidFill>
+                  <a:srgbClr val="00FF00"/>
+                </a:solidFill>
+                <a:latin typeface="Courier New" pitchFamily="49"/>
+                <a:cs typeface="Courier New" pitchFamily="49"/>
+              </a:rPr>
+              <a:t> </a:t>
+            </a:r>
+            <a:r>
+              <a:rPr lang="nl-NL" dirty="0" err="1">
+                <a:solidFill>
+                  <a:srgbClr val="00FF00"/>
+                </a:solidFill>
+                <a:latin typeface="Courier New" pitchFamily="49"/>
+                <a:cs typeface="Courier New" pitchFamily="49"/>
+              </a:rPr>
+              <a:t>stubs</a:t>
+            </a:r>
+            <a:endParaRPr lang="nl-NL" dirty="0">
+              <a:solidFill>
+                <a:srgbClr val="00FF00"/>
+              </a:solidFill>
+              <a:latin typeface="Courier New" pitchFamily="49"/>
+              <a:cs typeface="Courier New" pitchFamily="49"/>
+            </a:endParaRPr>
           </a:p>
         </p:txBody>
       </p:sp>
@@ -16814,7 +19738,289 @@
 </p:sld>
 </file>
 
-<file path=ppt/slides/slide41.xml><?xml version="1.0" encoding="utf-8"?>
+<file path=ppt/slides/slide45.xml><?xml version="1.0" encoding="utf-8"?>
+<p:sld xmlns:a="http://schemas.openxmlformats.org/drawingml/2006/main" xmlns:r="http://schemas.openxmlformats.org/officeDocument/2006/relationships" xmlns:p="http://schemas.openxmlformats.org/presentationml/2006/main">
+  <p:cSld>
+    <p:bg>
+      <p:bgPr>
+        <a:solidFill>
+          <a:srgbClr val="000000"/>
+        </a:solidFill>
+        <a:effectLst/>
+      </p:bgPr>
+    </p:bg>
+    <p:spTree>
+      <p:nvGrpSpPr>
+        <p:cNvPr id="1" name=""/>
+        <p:cNvGrpSpPr/>
+        <p:nvPr/>
+      </p:nvGrpSpPr>
+      <p:grpSpPr>
+        <a:xfrm>
+          <a:off x="0" y="0"/>
+          <a:ext cx="0" cy="0"/>
+          <a:chOff x="0" y="0"/>
+          <a:chExt cx="0" cy="0"/>
+        </a:xfrm>
+      </p:grpSpPr>
+      <p:sp>
+        <p:nvSpPr>
+          <p:cNvPr id="2" name="Title 1">
+            <a:extLst>
+              <a:ext uri="{FF2B5EF4-FFF2-40B4-BE49-F238E27FC236}">
+                <a16:creationId xmlns:a16="http://schemas.microsoft.com/office/drawing/2014/main" id="{19F5B244-0AC6-4FDB-90B1-15F77C3031D0}"/>
+              </a:ext>
+            </a:extLst>
+          </p:cNvPr>
+          <p:cNvSpPr txBox="1">
+            <a:spLocks noGrp="1"/>
+          </p:cNvSpPr>
+          <p:nvPr>
+            <p:ph type="title"/>
+          </p:nvPr>
+        </p:nvSpPr>
+        <p:spPr/>
+        <p:txBody>
+          <a:bodyPr/>
+          <a:lstStyle/>
+          <a:p>
+            <a:pPr lvl="0"/>
+            <a:r>
+              <a:rPr lang="nl-NL">
+                <a:solidFill>
+                  <a:srgbClr val="00FF00"/>
+                </a:solidFill>
+                <a:latin typeface="Courier New" pitchFamily="49"/>
+                <a:cs typeface="Courier New" pitchFamily="49"/>
+              </a:rPr>
+              <a:t>Record and playback options</a:t>
+            </a:r>
+          </a:p>
+        </p:txBody>
+      </p:sp>
+      <p:sp>
+        <p:nvSpPr>
+          <p:cNvPr id="3" name="Content Placeholder 2">
+            <a:extLst>
+              <a:ext uri="{FF2B5EF4-FFF2-40B4-BE49-F238E27FC236}">
+                <a16:creationId xmlns:a16="http://schemas.microsoft.com/office/drawing/2014/main" id="{D139C82B-AD86-4DD7-A5E8-FF4019CEF5E1}"/>
+              </a:ext>
+            </a:extLst>
+          </p:cNvPr>
+          <p:cNvSpPr txBox="1">
+            <a:spLocks noGrp="1"/>
+          </p:cNvSpPr>
+          <p:nvPr>
+            <p:ph idx="1"/>
+          </p:nvPr>
+        </p:nvSpPr>
+        <p:spPr>
+          <a:xfrm>
+            <a:off x="838203" y="1825627"/>
+            <a:ext cx="11143893" cy="4351336"/>
+          </a:xfrm>
+        </p:spPr>
+        <p:txBody>
+          <a:bodyPr/>
+          <a:lstStyle/>
+          <a:p>
+            <a:pPr lvl="0">
+              <a:buFont typeface="Courier New" pitchFamily="49"/>
+              <a:buChar char="_"/>
+            </a:pPr>
+            <a:r>
+              <a:rPr lang="nl-NL">
+                <a:solidFill>
+                  <a:srgbClr val="00FF00"/>
+                </a:solidFill>
+                <a:latin typeface="Courier New" pitchFamily="49"/>
+                <a:cs typeface="Courier New" pitchFamily="49"/>
+              </a:rPr>
+              <a:t>Use WireMock as a proxy</a:t>
+            </a:r>
+          </a:p>
+          <a:p>
+            <a:pPr lvl="0">
+              <a:buFont typeface="Courier New" pitchFamily="49"/>
+              <a:buChar char="_"/>
+            </a:pPr>
+            <a:endParaRPr lang="nl-NL">
+              <a:solidFill>
+                <a:srgbClr val="00FF00"/>
+              </a:solidFill>
+              <a:latin typeface="Courier New" pitchFamily="49"/>
+              <a:cs typeface="Courier New" pitchFamily="49"/>
+            </a:endParaRPr>
+          </a:p>
+          <a:p>
+            <a:pPr lvl="0">
+              <a:buFont typeface="Courier New" pitchFamily="49"/>
+              <a:buChar char="_"/>
+            </a:pPr>
+            <a:r>
+              <a:rPr lang="nl-NL">
+                <a:solidFill>
+                  <a:srgbClr val="00FF00"/>
+                </a:solidFill>
+                <a:latin typeface="Courier New" pitchFamily="49"/>
+                <a:cs typeface="Courier New" pitchFamily="49"/>
+              </a:rPr>
+              <a:t>Record request-response pairs (traffic)</a:t>
+            </a:r>
+          </a:p>
+          <a:p>
+            <a:pPr lvl="0">
+              <a:buFont typeface="Courier New" pitchFamily="49"/>
+              <a:buChar char="_"/>
+            </a:pPr>
+            <a:endParaRPr lang="nl-NL">
+              <a:solidFill>
+                <a:srgbClr val="00FF00"/>
+              </a:solidFill>
+              <a:latin typeface="Courier New" pitchFamily="49"/>
+              <a:cs typeface="Courier New" pitchFamily="49"/>
+            </a:endParaRPr>
+          </a:p>
+          <a:p>
+            <a:pPr lvl="0">
+              <a:buFont typeface="Courier New" pitchFamily="49"/>
+              <a:buChar char="_"/>
+            </a:pPr>
+            <a:r>
+              <a:rPr lang="nl-NL">
+                <a:solidFill>
+                  <a:srgbClr val="00FF00"/>
+                </a:solidFill>
+                <a:latin typeface="Courier New" pitchFamily="49"/>
+                <a:cs typeface="Courier New" pitchFamily="49"/>
+              </a:rPr>
+              <a:t>Genererate mock from recorded traffic</a:t>
+            </a:r>
+          </a:p>
+        </p:txBody>
+      </p:sp>
+    </p:spTree>
+    <p:extLst>
+      <p:ext uri="{BB962C8B-B14F-4D97-AF65-F5344CB8AC3E}">
+        <p14:creationId xmlns:p14="http://schemas.microsoft.com/office/powerpoint/2010/main" val="1910324897"/>
+      </p:ext>
+    </p:extLst>
+  </p:cSld>
+  <p:clrMapOvr>
+    <a:masterClrMapping/>
+  </p:clrMapOvr>
+</p:sld>
+</file>
+
+<file path=ppt/slides/slide46.xml><?xml version="1.0" encoding="utf-8"?>
+<p:sld xmlns:a="http://schemas.openxmlformats.org/drawingml/2006/main" xmlns:r="http://schemas.openxmlformats.org/officeDocument/2006/relationships" xmlns:p="http://schemas.openxmlformats.org/presentationml/2006/main">
+  <p:cSld>
+    <p:bg>
+      <p:bgPr>
+        <a:solidFill>
+          <a:srgbClr val="000000"/>
+        </a:solidFill>
+        <a:effectLst/>
+      </p:bgPr>
+    </p:bg>
+    <p:spTree>
+      <p:nvGrpSpPr>
+        <p:cNvPr id="1" name=""/>
+        <p:cNvGrpSpPr/>
+        <p:nvPr/>
+      </p:nvGrpSpPr>
+      <p:grpSpPr>
+        <a:xfrm>
+          <a:off x="0" y="0"/>
+          <a:ext cx="0" cy="0"/>
+          <a:chOff x="0" y="0"/>
+          <a:chExt cx="0" cy="0"/>
+        </a:xfrm>
+      </p:grpSpPr>
+      <p:sp>
+        <p:nvSpPr>
+          <p:cNvPr id="2" name="Title 1">
+            <a:extLst>
+              <a:ext uri="{FF2B5EF4-FFF2-40B4-BE49-F238E27FC236}">
+                <a16:creationId xmlns:a16="http://schemas.microsoft.com/office/drawing/2014/main" id="{326BB7B3-7F72-4B30-BA85-F74F043BA300}"/>
+              </a:ext>
+            </a:extLst>
+          </p:cNvPr>
+          <p:cNvSpPr txBox="1">
+            <a:spLocks noGrp="1"/>
+          </p:cNvSpPr>
+          <p:nvPr>
+            <p:ph type="ctrTitle"/>
+          </p:nvPr>
+        </p:nvSpPr>
+        <p:spPr/>
+        <p:txBody>
+          <a:bodyPr/>
+          <a:lstStyle/>
+          <a:p>
+            <a:pPr lvl="0"/>
+            <a:r>
+              <a:rPr lang="nl-NL">
+                <a:solidFill>
+                  <a:srgbClr val="00FF00"/>
+                </a:solidFill>
+                <a:latin typeface="Courier New" pitchFamily="49"/>
+                <a:cs typeface="Courier New" pitchFamily="49"/>
+              </a:rPr>
+              <a:t>Demo</a:t>
+            </a:r>
+          </a:p>
+        </p:txBody>
+      </p:sp>
+      <p:sp>
+        <p:nvSpPr>
+          <p:cNvPr id="3" name="Content Placeholder 2">
+            <a:extLst>
+              <a:ext uri="{FF2B5EF4-FFF2-40B4-BE49-F238E27FC236}">
+                <a16:creationId xmlns:a16="http://schemas.microsoft.com/office/drawing/2014/main" id="{6463C46E-3827-4FDD-8F1E-DF5A052EF59E}"/>
+              </a:ext>
+            </a:extLst>
+          </p:cNvPr>
+          <p:cNvSpPr txBox="1">
+            <a:spLocks noGrp="1"/>
+          </p:cNvSpPr>
+          <p:nvPr>
+            <p:ph type="subTitle" idx="1"/>
+          </p:nvPr>
+        </p:nvSpPr>
+        <p:spPr/>
+        <p:txBody>
+          <a:bodyPr/>
+          <a:lstStyle/>
+          <a:p>
+            <a:pPr lvl="0"/>
+            <a:r>
+              <a:rPr lang="nl-NL">
+                <a:solidFill>
+                  <a:srgbClr val="00FF00"/>
+                </a:solidFill>
+                <a:latin typeface="Courier New" pitchFamily="49"/>
+                <a:cs typeface="Courier New" pitchFamily="49"/>
+              </a:rPr>
+              <a:t>Using record and playback in WireMock</a:t>
+            </a:r>
+          </a:p>
+        </p:txBody>
+      </p:sp>
+    </p:spTree>
+    <p:extLst>
+      <p:ext uri="{BB962C8B-B14F-4D97-AF65-F5344CB8AC3E}">
+        <p14:creationId xmlns:p14="http://schemas.microsoft.com/office/powerpoint/2010/main" val="2768511321"/>
+      </p:ext>
+    </p:extLst>
+  </p:cSld>
+  <p:clrMapOvr>
+    <a:masterClrMapping/>
+  </p:clrMapOvr>
+</p:sld>
+</file>
+
+<file path=ppt/slides/slide47.xml><?xml version="1.0" encoding="utf-8"?>
 <p:sld xmlns:a="http://schemas.openxmlformats.org/drawingml/2006/main" xmlns:r="http://schemas.openxmlformats.org/officeDocument/2006/relationships" xmlns:p="http://schemas.openxmlformats.org/presentationml/2006/main">
   <p:cSld name="Slide75">
     <p:bg>
@@ -17109,7 +20315,7 @@
 </p:sld>
 </file>
 
-<file path=ppt/slides/slide42.xml><?xml version="1.0" encoding="utf-8"?>
+<file path=ppt/slides/slide48.xml><?xml version="1.0" encoding="utf-8"?>
 <p:sld xmlns:a="http://schemas.openxmlformats.org/drawingml/2006/main" xmlns:r="http://schemas.openxmlformats.org/officeDocument/2006/relationships" xmlns:p="http://schemas.openxmlformats.org/presentationml/2006/main">
   <p:cSld name="Slide70">
     <p:bg>
@@ -17367,7 +20573,7 @@
 </p:sld>
 </file>
 
-<file path=ppt/slides/slide43.xml><?xml version="1.0" encoding="utf-8"?>
+<file path=ppt/slides/slide49.xml><?xml version="1.0" encoding="utf-8"?>
 <p:sld xmlns:a="http://schemas.openxmlformats.org/drawingml/2006/main" xmlns:r="http://schemas.openxmlformats.org/officeDocument/2006/relationships" xmlns:p="http://schemas.openxmlformats.org/presentationml/2006/main">
   <p:cSld name="Slide34">
     <p:bg>
@@ -17394,41 +20600,6 @@
       </p:grpSpPr>
       <p:sp>
         <p:nvSpPr>
-          <p:cNvPr id="2" name="Title 1">
-            <a:extLst>
-              <a:ext uri="{FF2B5EF4-FFF2-40B4-BE49-F238E27FC236}">
-                <a16:creationId xmlns:a16="http://schemas.microsoft.com/office/drawing/2014/main" id="{CFAD8701-E4C8-40E8-940F-B12D9932BB3C}"/>
-              </a:ext>
-            </a:extLst>
-          </p:cNvPr>
-          <p:cNvSpPr txBox="1">
-            <a:spLocks noGrp="1"/>
-          </p:cNvSpPr>
-          <p:nvPr>
-            <p:ph type="title"/>
-          </p:nvPr>
-        </p:nvSpPr>
-        <p:spPr/>
-        <p:txBody>
-          <a:bodyPr/>
-          <a:lstStyle/>
-          <a:p>
-            <a:pPr lvl="0"/>
-            <a:r>
-              <a:rPr lang="nl-NL">
-                <a:solidFill>
-                  <a:srgbClr val="00FF00"/>
-                </a:solidFill>
-                <a:latin typeface="Courier New" pitchFamily="49"/>
-                <a:cs typeface="Courier New" pitchFamily="49"/>
-              </a:rPr>
-              <a:t>Questions</a:t>
-            </a:r>
-          </a:p>
-        </p:txBody>
-      </p:sp>
-      <p:sp>
-        <p:nvSpPr>
           <p:cNvPr id="3" name="Content Placeholder 2">
             <a:extLst>
               <a:ext uri="{FF2B5EF4-FFF2-40B4-BE49-F238E27FC236}">
@@ -17443,360 +20614,84 @@
             <p:ph idx="1"/>
           </p:nvPr>
         </p:nvSpPr>
-        <p:spPr/>
-        <p:txBody>
-          <a:bodyPr/>
-          <a:lstStyle/>
-          <a:p>
-            <a:pPr marL="0" lvl="0" indent="0" algn="ctr">
-              <a:buNone/>
-            </a:pPr>
-            <a:r>
-              <a:rPr lang="nl-NL" sz="28800">
-                <a:solidFill>
-                  <a:srgbClr val="00FF00"/>
-                </a:solidFill>
-                <a:latin typeface="Courier New" pitchFamily="49"/>
-                <a:cs typeface="Courier New" pitchFamily="49"/>
-              </a:rPr>
-              <a:t>?</a:t>
-            </a:r>
-            <a:endParaRPr lang="nl-NL">
-              <a:solidFill>
-                <a:srgbClr val="00FF00"/>
-              </a:solidFill>
-              <a:latin typeface="Courier New" pitchFamily="49"/>
-              <a:cs typeface="Courier New" pitchFamily="49"/>
-            </a:endParaRPr>
-          </a:p>
-          <a:p>
-            <a:pPr lvl="0">
-              <a:buFont typeface="Courier New" pitchFamily="49"/>
-              <a:buChar char="_"/>
-            </a:pPr>
-            <a:endParaRPr lang="nl-NL">
-              <a:solidFill>
-                <a:srgbClr val="00FF00"/>
-              </a:solidFill>
-              <a:latin typeface="Courier New" pitchFamily="49"/>
-              <a:cs typeface="Courier New" pitchFamily="49"/>
-            </a:endParaRPr>
-          </a:p>
-          <a:p>
-            <a:pPr lvl="0">
-              <a:buFont typeface="Courier New" pitchFamily="49"/>
-              <a:buChar char="_"/>
-            </a:pPr>
-            <a:endParaRPr lang="nl-NL">
-              <a:solidFill>
-                <a:srgbClr val="00FF00"/>
-              </a:solidFill>
-              <a:latin typeface="Courier New" pitchFamily="49"/>
-              <a:cs typeface="Courier New" pitchFamily="49"/>
-            </a:endParaRPr>
-          </a:p>
-          <a:p>
-            <a:pPr lvl="0">
-              <a:buFont typeface="Courier New" pitchFamily="49"/>
-              <a:buChar char="_"/>
-            </a:pPr>
-            <a:endParaRPr lang="nl-NL">
-              <a:solidFill>
-                <a:srgbClr val="00FF00"/>
-              </a:solidFill>
-              <a:latin typeface="Courier New" pitchFamily="49"/>
-              <a:cs typeface="Courier New" pitchFamily="49"/>
-            </a:endParaRPr>
-          </a:p>
-          <a:p>
-            <a:pPr lvl="0">
-              <a:buFont typeface="Courier New" pitchFamily="49"/>
-              <a:buChar char="_"/>
-            </a:pPr>
-            <a:endParaRPr lang="nl-NL">
-              <a:solidFill>
-                <a:srgbClr val="00FF00"/>
-              </a:solidFill>
-              <a:latin typeface="Courier New" pitchFamily="49"/>
-              <a:cs typeface="Courier New" pitchFamily="49"/>
-            </a:endParaRPr>
-          </a:p>
-        </p:txBody>
-      </p:sp>
-    </p:spTree>
-  </p:cSld>
-  <p:clrMapOvr>
-    <a:masterClrMapping/>
-  </p:clrMapOvr>
-</p:sld>
-</file>
-
-<file path=ppt/slides/slide44.xml><?xml version="1.0" encoding="utf-8"?>
-<p:sld xmlns:a="http://schemas.openxmlformats.org/drawingml/2006/main" xmlns:r="http://schemas.openxmlformats.org/officeDocument/2006/relationships" xmlns:p="http://schemas.openxmlformats.org/presentationml/2006/main">
-  <p:cSld name="Slide35">
-    <p:bg>
-      <p:bgPr>
-        <a:solidFill>
-          <a:srgbClr val="000000"/>
-        </a:solidFill>
-        <a:effectLst/>
-      </p:bgPr>
-    </p:bg>
-    <p:spTree>
-      <p:nvGrpSpPr>
-        <p:cNvPr id="1" name=""/>
-        <p:cNvGrpSpPr/>
-        <p:nvPr/>
-      </p:nvGrpSpPr>
-      <p:grpSpPr>
-        <a:xfrm>
-          <a:off x="0" y="0"/>
-          <a:ext cx="0" cy="0"/>
-          <a:chOff x="0" y="0"/>
-          <a:chExt cx="0" cy="0"/>
-        </a:xfrm>
-      </p:grpSpPr>
-      <p:sp>
-        <p:nvSpPr>
-          <p:cNvPr id="2" name="Title 1">
-            <a:extLst>
-              <a:ext uri="{FF2B5EF4-FFF2-40B4-BE49-F238E27FC236}">
-                <a16:creationId xmlns:a16="http://schemas.microsoft.com/office/drawing/2014/main" id="{1C4410CC-E6E6-48B2-A1C8-052FFA9985A6}"/>
-              </a:ext>
-            </a:extLst>
-          </p:cNvPr>
-          <p:cNvSpPr txBox="1">
-            <a:spLocks noGrp="1"/>
-          </p:cNvSpPr>
-          <p:nvPr>
-            <p:ph type="title"/>
-          </p:nvPr>
-        </p:nvSpPr>
-        <p:spPr/>
-        <p:txBody>
-          <a:bodyPr/>
-          <a:lstStyle/>
-          <a:p>
-            <a:pPr lvl="0"/>
-            <a:r>
-              <a:rPr lang="nl-NL">
-                <a:solidFill>
-                  <a:srgbClr val="00FF00"/>
-                </a:solidFill>
-                <a:latin typeface="Courier New" pitchFamily="49"/>
-                <a:cs typeface="Courier New" pitchFamily="49"/>
-              </a:rPr>
-              <a:t>Contact</a:t>
-            </a:r>
-          </a:p>
-        </p:txBody>
-      </p:sp>
-      <p:sp>
-        <p:nvSpPr>
-          <p:cNvPr id="3" name="Content Placeholder 2">
-            <a:extLst>
-              <a:ext uri="{FF2B5EF4-FFF2-40B4-BE49-F238E27FC236}">
-                <a16:creationId xmlns:a16="http://schemas.microsoft.com/office/drawing/2014/main" id="{C747F979-2896-458B-98C8-17DF897AF9B4}"/>
-              </a:ext>
-            </a:extLst>
-          </p:cNvPr>
-          <p:cNvSpPr txBox="1">
-            <a:spLocks noGrp="1"/>
-          </p:cNvSpPr>
-          <p:nvPr>
-            <p:ph idx="1"/>
-          </p:nvPr>
-        </p:nvSpPr>
         <p:spPr>
           <a:xfrm>
-            <a:off x="838203" y="1825627"/>
-            <a:ext cx="11256035" cy="4351336"/>
+            <a:off x="838200" y="940218"/>
+            <a:ext cx="10515600" cy="6758610"/>
           </a:xfrm>
         </p:spPr>
         <p:txBody>
-          <a:bodyPr/>
+          <a:bodyPr anchor="t">
+            <a:normAutofit fontScale="70000" lnSpcReduction="20000"/>
+          </a:bodyPr>
           <a:lstStyle/>
           <a:p>
-            <a:pPr lvl="0">
-              <a:buFont typeface="Courier New" pitchFamily="49"/>
-              <a:buChar char="_"/>
-            </a:pPr>
-            <a:r>
-              <a:rPr lang="nl-NL">
-                <a:solidFill>
-                  <a:srgbClr val="00FF00"/>
-                </a:solidFill>
-                <a:latin typeface="Courier New" pitchFamily="49"/>
-                <a:cs typeface="Courier New" pitchFamily="49"/>
-              </a:rPr>
-              <a:t>Email:</a:t>
-            </a:r>
-          </a:p>
-          <a:p>
-            <a:pPr lvl="0">
-              <a:buFont typeface="Courier New" pitchFamily="49"/>
-              <a:buChar char="_"/>
-            </a:pPr>
-            <a:endParaRPr lang="nl-NL">
-              <a:solidFill>
-                <a:srgbClr val="00FF00"/>
-              </a:solidFill>
-              <a:latin typeface="Courier New" pitchFamily="49"/>
-              <a:cs typeface="Courier New" pitchFamily="49"/>
-            </a:endParaRPr>
-          </a:p>
-          <a:p>
-            <a:pPr lvl="0">
-              <a:buFont typeface="Courier New" pitchFamily="49"/>
-              <a:buChar char="_"/>
-            </a:pPr>
-            <a:r>
-              <a:rPr lang="nl-NL">
-                <a:solidFill>
-                  <a:srgbClr val="00FF00"/>
-                </a:solidFill>
-                <a:latin typeface="Courier New" pitchFamily="49"/>
-                <a:cs typeface="Courier New" pitchFamily="49"/>
-              </a:rPr>
-              <a:t>Blog: </a:t>
-            </a:r>
-          </a:p>
-          <a:p>
-            <a:pPr lvl="0">
-              <a:buFont typeface="Courier New" pitchFamily="49"/>
-              <a:buChar char="_"/>
-            </a:pPr>
-            <a:endParaRPr lang="nl-NL">
-              <a:solidFill>
-                <a:srgbClr val="00FF00"/>
-              </a:solidFill>
-              <a:latin typeface="Courier New" pitchFamily="49"/>
-              <a:cs typeface="Courier New" pitchFamily="49"/>
-            </a:endParaRPr>
-          </a:p>
-          <a:p>
-            <a:pPr lvl="0">
-              <a:buFont typeface="Courier New" pitchFamily="49"/>
-              <a:buChar char="_"/>
-            </a:pPr>
-            <a:r>
-              <a:rPr lang="nl-NL">
-                <a:solidFill>
-                  <a:srgbClr val="00FF00"/>
-                </a:solidFill>
-                <a:latin typeface="Courier New" pitchFamily="49"/>
-                <a:cs typeface="Courier New" pitchFamily="49"/>
-              </a:rPr>
-              <a:t>LinkedIn:</a:t>
-            </a:r>
-            <a:endParaRPr lang="nl-NL">
-              <a:solidFill>
-                <a:srgbClr val="0070C0"/>
-              </a:solidFill>
-              <a:latin typeface="Courier New" pitchFamily="49"/>
-              <a:cs typeface="Courier New" pitchFamily="49"/>
-            </a:endParaRPr>
-          </a:p>
-          <a:p>
-            <a:pPr lvl="0">
-              <a:buFont typeface="Courier New" pitchFamily="49"/>
-              <a:buChar char="_"/>
-            </a:pPr>
-            <a:endParaRPr lang="nl-NL">
-              <a:solidFill>
-                <a:srgbClr val="00FF00"/>
-              </a:solidFill>
-              <a:latin typeface="Courier New" pitchFamily="49"/>
-              <a:cs typeface="Courier New" pitchFamily="49"/>
-            </a:endParaRPr>
-          </a:p>
-          <a:p>
-            <a:pPr lvl="0">
-              <a:buFont typeface="Courier New" pitchFamily="49"/>
-              <a:buChar char="_"/>
-            </a:pPr>
-            <a:r>
-              <a:rPr lang="nl-NL">
-                <a:solidFill>
-                  <a:srgbClr val="00FF00"/>
-                </a:solidFill>
-                <a:latin typeface="Courier New" pitchFamily="49"/>
-                <a:cs typeface="Courier New" pitchFamily="49"/>
-              </a:rPr>
-              <a:t>Twitter:</a:t>
-            </a:r>
-          </a:p>
-          <a:p>
-            <a:pPr lvl="0">
-              <a:buFont typeface="Courier New" pitchFamily="49"/>
-              <a:buChar char="_"/>
-            </a:pPr>
-            <a:endParaRPr lang="nl-NL">
-              <a:solidFill>
-                <a:srgbClr val="00FF00"/>
-              </a:solidFill>
-              <a:latin typeface="Courier New" pitchFamily="49"/>
-              <a:cs typeface="Courier New" pitchFamily="49"/>
-            </a:endParaRPr>
-          </a:p>
-          <a:p>
-            <a:pPr lvl="0">
-              <a:buFont typeface="Courier New" pitchFamily="49"/>
-              <a:buChar char="_"/>
-            </a:pPr>
-            <a:endParaRPr lang="nl-NL">
-              <a:solidFill>
-                <a:srgbClr val="00FF00"/>
-              </a:solidFill>
-              <a:latin typeface="Courier New" pitchFamily="49"/>
-              <a:cs typeface="Courier New" pitchFamily="49"/>
-            </a:endParaRPr>
-          </a:p>
-          <a:p>
-            <a:pPr lvl="0">
-              <a:buFont typeface="Courier New" pitchFamily="49"/>
-              <a:buChar char="_"/>
-            </a:pPr>
-            <a:endParaRPr lang="nl-NL">
-              <a:solidFill>
-                <a:srgbClr val="00FF00"/>
-              </a:solidFill>
-              <a:latin typeface="Courier New" pitchFamily="49"/>
-              <a:cs typeface="Courier New" pitchFamily="49"/>
-            </a:endParaRPr>
-          </a:p>
-          <a:p>
-            <a:pPr lvl="0">
-              <a:buFont typeface="Courier New" pitchFamily="49"/>
-              <a:buChar char="_"/>
-            </a:pPr>
-            <a:endParaRPr lang="nl-NL">
-              <a:solidFill>
-                <a:srgbClr val="00FF00"/>
-              </a:solidFill>
-              <a:latin typeface="Courier New" pitchFamily="49"/>
-              <a:cs typeface="Courier New" pitchFamily="49"/>
-            </a:endParaRPr>
-          </a:p>
-          <a:p>
-            <a:pPr lvl="0">
-              <a:buFont typeface="Courier New" pitchFamily="49"/>
-              <a:buChar char="_"/>
-            </a:pPr>
-            <a:endParaRPr lang="nl-NL">
-              <a:solidFill>
-                <a:srgbClr val="00FF00"/>
-              </a:solidFill>
-              <a:latin typeface="Courier New" pitchFamily="49"/>
-              <a:cs typeface="Courier New" pitchFamily="49"/>
-            </a:endParaRPr>
-          </a:p>
-          <a:p>
-            <a:pPr lvl="0">
-              <a:buFont typeface="Courier New" pitchFamily="49"/>
-              <a:buChar char="_"/>
-            </a:pPr>
-            <a:endParaRPr lang="nl-NL">
+            <a:pPr marL="0" lvl="0" indent="0" algn="ctr">
+              <a:buNone/>
+            </a:pPr>
+            <a:r>
+              <a:rPr lang="nl-NL" sz="86000" dirty="0">
+                <a:solidFill>
+                  <a:srgbClr val="00FF00"/>
+                </a:solidFill>
+                <a:latin typeface="Courier New" pitchFamily="49"/>
+                <a:cs typeface="Courier New" pitchFamily="49"/>
+              </a:rPr>
+              <a:t>?</a:t>
+            </a:r>
+            <a:endParaRPr lang="nl-NL" sz="5100" dirty="0">
+              <a:solidFill>
+                <a:srgbClr val="00FF00"/>
+              </a:solidFill>
+              <a:latin typeface="Courier New" pitchFamily="49"/>
+              <a:cs typeface="Courier New" pitchFamily="49"/>
+            </a:endParaRPr>
+          </a:p>
+          <a:p>
+            <a:pPr lvl="0">
+              <a:buFont typeface="Courier New" pitchFamily="49"/>
+              <a:buChar char="_"/>
+            </a:pPr>
+            <a:endParaRPr lang="nl-NL" dirty="0">
+              <a:solidFill>
+                <a:srgbClr val="00FF00"/>
+              </a:solidFill>
+              <a:latin typeface="Courier New" pitchFamily="49"/>
+              <a:cs typeface="Courier New" pitchFamily="49"/>
+            </a:endParaRPr>
+          </a:p>
+          <a:p>
+            <a:pPr lvl="0">
+              <a:buFont typeface="Courier New" pitchFamily="49"/>
+              <a:buChar char="_"/>
+            </a:pPr>
+            <a:endParaRPr lang="nl-NL" dirty="0">
+              <a:solidFill>
+                <a:srgbClr val="00FF00"/>
+              </a:solidFill>
+              <a:latin typeface="Courier New" pitchFamily="49"/>
+              <a:cs typeface="Courier New" pitchFamily="49"/>
+            </a:endParaRPr>
+          </a:p>
+          <a:p>
+            <a:pPr lvl="0">
+              <a:buFont typeface="Courier New" pitchFamily="49"/>
+              <a:buChar char="_"/>
+            </a:pPr>
+            <a:endParaRPr lang="nl-NL" dirty="0">
+              <a:solidFill>
+                <a:srgbClr val="00FF00"/>
+              </a:solidFill>
+              <a:latin typeface="Courier New" pitchFamily="49"/>
+              <a:cs typeface="Courier New" pitchFamily="49"/>
+            </a:endParaRPr>
+          </a:p>
+          <a:p>
+            <a:pPr lvl="0">
+              <a:buFont typeface="Courier New" pitchFamily="49"/>
+              <a:buChar char="_"/>
+            </a:pPr>
+            <a:endParaRPr lang="nl-NL" dirty="0">
               <a:solidFill>
                 <a:srgbClr val="00FF00"/>
               </a:solidFill>
@@ -18634,6 +21529,289 @@
               </a:rPr>
               <a:t>Access fees</a:t>
             </a:r>
+          </a:p>
+        </p:txBody>
+      </p:sp>
+    </p:spTree>
+  </p:cSld>
+  <p:clrMapOvr>
+    <a:masterClrMapping/>
+  </p:clrMapOvr>
+</p:sld>
+</file>
+
+<file path=ppt/slides/slide50.xml><?xml version="1.0" encoding="utf-8"?>
+<p:sld xmlns:a="http://schemas.openxmlformats.org/drawingml/2006/main" xmlns:r="http://schemas.openxmlformats.org/officeDocument/2006/relationships" xmlns:p="http://schemas.openxmlformats.org/presentationml/2006/main">
+  <p:cSld name="Slide35">
+    <p:bg>
+      <p:bgPr>
+        <a:solidFill>
+          <a:srgbClr val="000000"/>
+        </a:solidFill>
+        <a:effectLst/>
+      </p:bgPr>
+    </p:bg>
+    <p:spTree>
+      <p:nvGrpSpPr>
+        <p:cNvPr id="1" name=""/>
+        <p:cNvGrpSpPr/>
+        <p:nvPr/>
+      </p:nvGrpSpPr>
+      <p:grpSpPr>
+        <a:xfrm>
+          <a:off x="0" y="0"/>
+          <a:ext cx="0" cy="0"/>
+          <a:chOff x="0" y="0"/>
+          <a:chExt cx="0" cy="0"/>
+        </a:xfrm>
+      </p:grpSpPr>
+      <p:sp>
+        <p:nvSpPr>
+          <p:cNvPr id="2" name="Title 1">
+            <a:extLst>
+              <a:ext uri="{FF2B5EF4-FFF2-40B4-BE49-F238E27FC236}">
+                <a16:creationId xmlns:a16="http://schemas.microsoft.com/office/drawing/2014/main" id="{1C4410CC-E6E6-48B2-A1C8-052FFA9985A6}"/>
+              </a:ext>
+            </a:extLst>
+          </p:cNvPr>
+          <p:cNvSpPr txBox="1">
+            <a:spLocks noGrp="1"/>
+          </p:cNvSpPr>
+          <p:nvPr>
+            <p:ph type="title"/>
+          </p:nvPr>
+        </p:nvSpPr>
+        <p:spPr/>
+        <p:txBody>
+          <a:bodyPr/>
+          <a:lstStyle/>
+          <a:p>
+            <a:pPr lvl="0"/>
+            <a:r>
+              <a:rPr lang="nl-NL">
+                <a:solidFill>
+                  <a:srgbClr val="00FF00"/>
+                </a:solidFill>
+                <a:latin typeface="Courier New" pitchFamily="49"/>
+                <a:cs typeface="Courier New" pitchFamily="49"/>
+              </a:rPr>
+              <a:t>Contact</a:t>
+            </a:r>
+          </a:p>
+        </p:txBody>
+      </p:sp>
+      <p:sp>
+        <p:nvSpPr>
+          <p:cNvPr id="3" name="Content Placeholder 2">
+            <a:extLst>
+              <a:ext uri="{FF2B5EF4-FFF2-40B4-BE49-F238E27FC236}">
+                <a16:creationId xmlns:a16="http://schemas.microsoft.com/office/drawing/2014/main" id="{C747F979-2896-458B-98C8-17DF897AF9B4}"/>
+              </a:ext>
+            </a:extLst>
+          </p:cNvPr>
+          <p:cNvSpPr txBox="1">
+            <a:spLocks noGrp="1"/>
+          </p:cNvSpPr>
+          <p:nvPr>
+            <p:ph idx="1"/>
+          </p:nvPr>
+        </p:nvSpPr>
+        <p:spPr>
+          <a:xfrm>
+            <a:off x="838203" y="1825627"/>
+            <a:ext cx="11256035" cy="4351336"/>
+          </a:xfrm>
+        </p:spPr>
+        <p:txBody>
+          <a:bodyPr/>
+          <a:lstStyle/>
+          <a:p>
+            <a:pPr lvl="0">
+              <a:buFont typeface="Courier New" pitchFamily="49"/>
+              <a:buChar char="_"/>
+            </a:pPr>
+            <a:r>
+              <a:rPr lang="nl-NL">
+                <a:solidFill>
+                  <a:srgbClr val="00FF00"/>
+                </a:solidFill>
+                <a:latin typeface="Courier New" pitchFamily="49"/>
+                <a:cs typeface="Courier New" pitchFamily="49"/>
+              </a:rPr>
+              <a:t>Email:</a:t>
+            </a:r>
+          </a:p>
+          <a:p>
+            <a:pPr lvl="0">
+              <a:buFont typeface="Courier New" pitchFamily="49"/>
+              <a:buChar char="_"/>
+            </a:pPr>
+            <a:endParaRPr lang="nl-NL">
+              <a:solidFill>
+                <a:srgbClr val="00FF00"/>
+              </a:solidFill>
+              <a:latin typeface="Courier New" pitchFamily="49"/>
+              <a:cs typeface="Courier New" pitchFamily="49"/>
+            </a:endParaRPr>
+          </a:p>
+          <a:p>
+            <a:pPr lvl="0">
+              <a:buFont typeface="Courier New" pitchFamily="49"/>
+              <a:buChar char="_"/>
+            </a:pPr>
+            <a:r>
+              <a:rPr lang="nl-NL">
+                <a:solidFill>
+                  <a:srgbClr val="00FF00"/>
+                </a:solidFill>
+                <a:latin typeface="Courier New" pitchFamily="49"/>
+                <a:cs typeface="Courier New" pitchFamily="49"/>
+              </a:rPr>
+              <a:t>Blog: </a:t>
+            </a:r>
+          </a:p>
+          <a:p>
+            <a:pPr lvl="0">
+              <a:buFont typeface="Courier New" pitchFamily="49"/>
+              <a:buChar char="_"/>
+            </a:pPr>
+            <a:endParaRPr lang="nl-NL">
+              <a:solidFill>
+                <a:srgbClr val="00FF00"/>
+              </a:solidFill>
+              <a:latin typeface="Courier New" pitchFamily="49"/>
+              <a:cs typeface="Courier New" pitchFamily="49"/>
+            </a:endParaRPr>
+          </a:p>
+          <a:p>
+            <a:pPr lvl="0">
+              <a:buFont typeface="Courier New" pitchFamily="49"/>
+              <a:buChar char="_"/>
+            </a:pPr>
+            <a:r>
+              <a:rPr lang="nl-NL">
+                <a:solidFill>
+                  <a:srgbClr val="00FF00"/>
+                </a:solidFill>
+                <a:latin typeface="Courier New" pitchFamily="49"/>
+                <a:cs typeface="Courier New" pitchFamily="49"/>
+              </a:rPr>
+              <a:t>LinkedIn:</a:t>
+            </a:r>
+            <a:endParaRPr lang="nl-NL">
+              <a:solidFill>
+                <a:srgbClr val="0070C0"/>
+              </a:solidFill>
+              <a:latin typeface="Courier New" pitchFamily="49"/>
+              <a:cs typeface="Courier New" pitchFamily="49"/>
+            </a:endParaRPr>
+          </a:p>
+          <a:p>
+            <a:pPr lvl="0">
+              <a:buFont typeface="Courier New" pitchFamily="49"/>
+              <a:buChar char="_"/>
+            </a:pPr>
+            <a:endParaRPr lang="nl-NL">
+              <a:solidFill>
+                <a:srgbClr val="00FF00"/>
+              </a:solidFill>
+              <a:latin typeface="Courier New" pitchFamily="49"/>
+              <a:cs typeface="Courier New" pitchFamily="49"/>
+            </a:endParaRPr>
+          </a:p>
+          <a:p>
+            <a:pPr lvl="0">
+              <a:buFont typeface="Courier New" pitchFamily="49"/>
+              <a:buChar char="_"/>
+            </a:pPr>
+            <a:r>
+              <a:rPr lang="nl-NL">
+                <a:solidFill>
+                  <a:srgbClr val="00FF00"/>
+                </a:solidFill>
+                <a:latin typeface="Courier New" pitchFamily="49"/>
+                <a:cs typeface="Courier New" pitchFamily="49"/>
+              </a:rPr>
+              <a:t>Twitter:</a:t>
+            </a:r>
+          </a:p>
+          <a:p>
+            <a:pPr lvl="0">
+              <a:buFont typeface="Courier New" pitchFamily="49"/>
+              <a:buChar char="_"/>
+            </a:pPr>
+            <a:endParaRPr lang="nl-NL">
+              <a:solidFill>
+                <a:srgbClr val="00FF00"/>
+              </a:solidFill>
+              <a:latin typeface="Courier New" pitchFamily="49"/>
+              <a:cs typeface="Courier New" pitchFamily="49"/>
+            </a:endParaRPr>
+          </a:p>
+          <a:p>
+            <a:pPr lvl="0">
+              <a:buFont typeface="Courier New" pitchFamily="49"/>
+              <a:buChar char="_"/>
+            </a:pPr>
+            <a:endParaRPr lang="nl-NL">
+              <a:solidFill>
+                <a:srgbClr val="00FF00"/>
+              </a:solidFill>
+              <a:latin typeface="Courier New" pitchFamily="49"/>
+              <a:cs typeface="Courier New" pitchFamily="49"/>
+            </a:endParaRPr>
+          </a:p>
+          <a:p>
+            <a:pPr lvl="0">
+              <a:buFont typeface="Courier New" pitchFamily="49"/>
+              <a:buChar char="_"/>
+            </a:pPr>
+            <a:endParaRPr lang="nl-NL">
+              <a:solidFill>
+                <a:srgbClr val="00FF00"/>
+              </a:solidFill>
+              <a:latin typeface="Courier New" pitchFamily="49"/>
+              <a:cs typeface="Courier New" pitchFamily="49"/>
+            </a:endParaRPr>
+          </a:p>
+          <a:p>
+            <a:pPr lvl="0">
+              <a:buFont typeface="Courier New" pitchFamily="49"/>
+              <a:buChar char="_"/>
+            </a:pPr>
+            <a:endParaRPr lang="nl-NL">
+              <a:solidFill>
+                <a:srgbClr val="00FF00"/>
+              </a:solidFill>
+              <a:latin typeface="Courier New" pitchFamily="49"/>
+              <a:cs typeface="Courier New" pitchFamily="49"/>
+            </a:endParaRPr>
+          </a:p>
+          <a:p>
+            <a:pPr lvl="0">
+              <a:buFont typeface="Courier New" pitchFamily="49"/>
+              <a:buChar char="_"/>
+            </a:pPr>
+            <a:endParaRPr lang="nl-NL">
+              <a:solidFill>
+                <a:srgbClr val="00FF00"/>
+              </a:solidFill>
+              <a:latin typeface="Courier New" pitchFamily="49"/>
+              <a:cs typeface="Courier New" pitchFamily="49"/>
+            </a:endParaRPr>
+          </a:p>
+          <a:p>
+            <a:pPr lvl="0">
+              <a:buFont typeface="Courier New" pitchFamily="49"/>
+              <a:buChar char="_"/>
+            </a:pPr>
+            <a:endParaRPr lang="nl-NL">
+              <a:solidFill>
+                <a:srgbClr val="00FF00"/>
+              </a:solidFill>
+              <a:latin typeface="Courier New" pitchFamily="49"/>
+              <a:cs typeface="Courier New" pitchFamily="49"/>
+            </a:endParaRPr>
           </a:p>
         </p:txBody>
       </p:sp>

--- a/wiremock_workshop.pptx
+++ b/wiremock_workshop.pptx
@@ -5,7 +5,7 @@
     <p:sldMasterId id="2147483648" r:id="rId1"/>
   </p:sldMasterIdLst>
   <p:notesMasterIdLst>
-    <p:notesMasterId r:id="rId52"/>
+    <p:notesMasterId r:id="rId57"/>
   </p:notesMasterIdLst>
   <p:sldIdLst>
     <p:sldId id="256" r:id="rId2"/>
@@ -46,18 +46,23 @@
     <p:sldId id="323" r:id="rId37"/>
     <p:sldId id="324" r:id="rId38"/>
     <p:sldId id="327" r:id="rId39"/>
-    <p:sldId id="306" r:id="rId40"/>
-    <p:sldId id="344" r:id="rId41"/>
-    <p:sldId id="340" r:id="rId42"/>
-    <p:sldId id="341" r:id="rId43"/>
-    <p:sldId id="342" r:id="rId44"/>
-    <p:sldId id="329" r:id="rId45"/>
-    <p:sldId id="339" r:id="rId46"/>
-    <p:sldId id="343" r:id="rId47"/>
-    <p:sldId id="330" r:id="rId48"/>
-    <p:sldId id="325" r:id="rId49"/>
-    <p:sldId id="289" r:id="rId50"/>
-    <p:sldId id="290" r:id="rId51"/>
+    <p:sldId id="345" r:id="rId40"/>
+    <p:sldId id="346" r:id="rId41"/>
+    <p:sldId id="347" r:id="rId42"/>
+    <p:sldId id="348" r:id="rId43"/>
+    <p:sldId id="349" r:id="rId44"/>
+    <p:sldId id="350" r:id="rId45"/>
+    <p:sldId id="344" r:id="rId46"/>
+    <p:sldId id="340" r:id="rId47"/>
+    <p:sldId id="341" r:id="rId48"/>
+    <p:sldId id="342" r:id="rId49"/>
+    <p:sldId id="329" r:id="rId50"/>
+    <p:sldId id="339" r:id="rId51"/>
+    <p:sldId id="343" r:id="rId52"/>
+    <p:sldId id="330" r:id="rId53"/>
+    <p:sldId id="325" r:id="rId54"/>
+    <p:sldId id="289" r:id="rId55"/>
+    <p:sldId id="290" r:id="rId56"/>
   </p:sldIdLst>
   <p:sldSz cx="12192000" cy="6858000"/>
   <p:notesSz cx="6858000" cy="9144000"/>
@@ -310,7 +315,7 @@
             <a:fld id="{933C1985-CC60-4502-8ECC-8A39609F1E28}" type="datetime1">
               <a:rPr lang="nl-NL"/>
               <a:pPr lvl="0"/>
-              <a:t>3-9-2018</a:t>
+              <a:t>5-9-2018</a:t>
             </a:fld>
             <a:endParaRPr lang="nl-NL"/>
           </a:p>
@@ -1242,7 +1247,7 @@
             <a:fld id="{19D221E3-8E68-4F1C-A103-A0B6C8B9662E}" type="datetime1">
               <a:rPr lang="nl-NL"/>
               <a:pPr lvl="0"/>
-              <a:t>3-9-2018</a:t>
+              <a:t>5-9-2018</a:t>
             </a:fld>
             <a:endParaRPr lang="nl-NL"/>
           </a:p>
@@ -1479,7 +1484,7 @@
             <a:fld id="{822E0BF5-BE88-44A4-BA94-982271F97C3D}" type="datetime1">
               <a:rPr lang="nl-NL"/>
               <a:pPr lvl="0"/>
-              <a:t>3-9-2018</a:t>
+              <a:t>5-9-2018</a:t>
             </a:fld>
             <a:endParaRPr lang="nl-NL"/>
           </a:p>
@@ -1725,7 +1730,7 @@
             <a:fld id="{B9232680-D045-46AA-BEF7-C3F631B40446}" type="datetime1">
               <a:rPr lang="nl-NL"/>
               <a:pPr lvl="0"/>
-              <a:t>3-9-2018</a:t>
+              <a:t>5-9-2018</a:t>
             </a:fld>
             <a:endParaRPr lang="nl-NL"/>
           </a:p>
@@ -1961,7 +1966,7 @@
             <a:fld id="{74E63D54-33BC-47E5-ADB1-BB0B7298DA8F}" type="datetime1">
               <a:rPr lang="nl-NL"/>
               <a:pPr lvl="0"/>
-              <a:t>3-9-2018</a:t>
+              <a:t>5-9-2018</a:t>
             </a:fld>
             <a:endParaRPr lang="nl-NL"/>
           </a:p>
@@ -2172,7 +2177,7 @@
             <a:fld id="{30925ABE-D3D0-404A-A142-4AD3A33711F1}" type="datetime1">
               <a:rPr lang="nl-NL"/>
               <a:pPr lvl="0"/>
-              <a:t>3-9-2018</a:t>
+              <a:t>5-9-2018</a:t>
             </a:fld>
             <a:endParaRPr lang="nl-NL"/>
           </a:p>
@@ -2492,7 +2497,7 @@
             <a:fld id="{CF7C870A-C5CE-4B9C-8879-AA59D721C7B0}" type="datetime1">
               <a:rPr lang="nl-NL"/>
               <a:pPr lvl="0"/>
-              <a:t>3-9-2018</a:t>
+              <a:t>5-9-2018</a:t>
             </a:fld>
             <a:endParaRPr lang="nl-NL"/>
           </a:p>
@@ -2896,7 +2901,7 @@
             <a:fld id="{9B8CBA01-D750-4027-AD4F-F8BBD96EFE00}" type="datetime1">
               <a:rPr lang="nl-NL"/>
               <a:pPr lvl="0"/>
-              <a:t>3-9-2018</a:t>
+              <a:t>5-9-2018</a:t>
             </a:fld>
             <a:endParaRPr lang="nl-NL"/>
           </a:p>
@@ -3059,7 +3064,7 @@
             <a:fld id="{F094EFB8-CC71-4E7E-9D6F-4AF06728B1E2}" type="datetime1">
               <a:rPr lang="nl-NL"/>
               <a:pPr lvl="0"/>
-              <a:t>3-9-2018</a:t>
+              <a:t>5-9-2018</a:t>
             </a:fld>
             <a:endParaRPr lang="nl-NL"/>
           </a:p>
@@ -3187,7 +3192,7 @@
             <a:fld id="{8B2D0485-9F03-42A6-AEAF-640E1E801316}" type="datetime1">
               <a:rPr lang="nl-NL"/>
               <a:pPr lvl="0"/>
-              <a:t>3-9-2018</a:t>
+              <a:t>5-9-2018</a:t>
             </a:fld>
             <a:endParaRPr lang="nl-NL"/>
           </a:p>
@@ -3472,7 +3477,7 @@
             <a:fld id="{7E16F5C2-4DDC-41E9-9E83-12B283FFD3EC}" type="datetime1">
               <a:rPr lang="nl-NL"/>
               <a:pPr lvl="0"/>
-              <a:t>3-9-2018</a:t>
+              <a:t>5-9-2018</a:t>
             </a:fld>
             <a:endParaRPr lang="nl-NL"/>
           </a:p>
@@ -3714,7 +3719,7 @@
             <a:fld id="{787BCDFB-3AD3-4B04-8CEB-D3DE0C540ABF}" type="datetime1">
               <a:rPr lang="nl-NL"/>
               <a:pPr lvl="0"/>
-              <a:t>3-9-2018</a:t>
+              <a:t>5-9-2018</a:t>
             </a:fld>
             <a:endParaRPr lang="nl-NL"/>
           </a:p>
@@ -3997,7 +4002,7 @@
             <a:fld id="{DE0E4D8D-E244-449F-9212-68A908B9804D}" type="datetime1">
               <a:rPr lang="nl-NL"/>
               <a:pPr lvl="0"/>
-              <a:t>3-9-2018</a:t>
+              <a:t>5-9-2018</a:t>
             </a:fld>
             <a:endParaRPr lang="nl-NL"/>
           </a:p>
@@ -17551,7 +17556,7 @@
 
 <file path=ppt/slides/slide39.xml><?xml version="1.0" encoding="utf-8"?>
 <p:sld xmlns:a="http://schemas.openxmlformats.org/drawingml/2006/main" xmlns:r="http://schemas.openxmlformats.org/officeDocument/2006/relationships" xmlns:p="http://schemas.openxmlformats.org/presentationml/2006/main">
-  <p:cSld name="Slide51">
+  <p:cSld>
     <p:bg>
       <p:bgPr>
         <a:solidFill>
@@ -17579,7 +17584,7 @@
           <p:cNvPr id="2" name="Title 1">
             <a:extLst>
               <a:ext uri="{FF2B5EF4-FFF2-40B4-BE49-F238E27FC236}">
-                <a16:creationId xmlns:a16="http://schemas.microsoft.com/office/drawing/2014/main" id="{0508229A-D2A9-434E-8091-D7A818FB6F25}"/>
+                <a16:creationId xmlns:a16="http://schemas.microsoft.com/office/drawing/2014/main" id="{19F5B244-0AC6-4FDB-90B1-15F77C3031D0}"/>
               </a:ext>
             </a:extLst>
           </p:cNvPr>
@@ -17587,7 +17592,7 @@
             <a:spLocks noGrp="1"/>
           </p:cNvSpPr>
           <p:nvPr>
-            <p:ph type="ctrTitle"/>
+            <p:ph type="title"/>
           </p:nvPr>
         </p:nvSpPr>
         <p:spPr/>
@@ -17604,37 +17609,405 @@
                 <a:latin typeface="Courier New" pitchFamily="49"/>
                 <a:cs typeface="Courier New" pitchFamily="49"/>
               </a:rPr>
-              <a:t>CONTINUE HERE</a:t>
+              <a:t>Setup response templating</a:t>
             </a:r>
           </a:p>
         </p:txBody>
       </p:sp>
       <p:sp>
         <p:nvSpPr>
-          <p:cNvPr id="5" name="Subtitle 4">
+          <p:cNvPr id="3" name="Content Placeholder 2">
             <a:extLst>
               <a:ext uri="{FF2B5EF4-FFF2-40B4-BE49-F238E27FC236}">
-                <a16:creationId xmlns:a16="http://schemas.microsoft.com/office/drawing/2014/main" id="{6D5A54D7-7497-4294-9F70-89D29246BBA1}"/>
+                <a16:creationId xmlns:a16="http://schemas.microsoft.com/office/drawing/2014/main" id="{D139C82B-AD86-4DD7-A5E8-FF4019CEF5E1}"/>
               </a:ext>
             </a:extLst>
           </p:cNvPr>
-          <p:cNvSpPr>
+          <p:cNvSpPr txBox="1">
             <a:spLocks noGrp="1"/>
           </p:cNvSpPr>
           <p:nvPr>
-            <p:ph type="subTitle" idx="1"/>
+            <p:ph idx="1"/>
           </p:nvPr>
         </p:nvSpPr>
-        <p:spPr/>
+        <p:spPr>
+          <a:xfrm>
+            <a:off x="838203" y="1825627"/>
+            <a:ext cx="11143893" cy="4351336"/>
+          </a:xfrm>
+        </p:spPr>
         <p:txBody>
           <a:bodyPr/>
           <a:lstStyle/>
           <a:p>
-            <a:endParaRPr lang="nl-NL"/>
+            <a:pPr lvl="0">
+              <a:buFont typeface="Courier New" pitchFamily="49"/>
+              <a:buChar char="_"/>
+            </a:pPr>
+            <a:r>
+              <a:rPr lang="nl-NL" dirty="0">
+                <a:solidFill>
+                  <a:srgbClr val="00FF00"/>
+                </a:solidFill>
+                <a:latin typeface="Courier New" pitchFamily="49"/>
+                <a:cs typeface="Courier New" pitchFamily="49"/>
+              </a:rPr>
+              <a:t>In code: </a:t>
+            </a:r>
+            <a:r>
+              <a:rPr lang="nl-NL" dirty="0" err="1">
+                <a:solidFill>
+                  <a:srgbClr val="00FF00"/>
+                </a:solidFill>
+                <a:latin typeface="Courier New" pitchFamily="49"/>
+                <a:cs typeface="Courier New" pitchFamily="49"/>
+              </a:rPr>
+              <a:t>through</a:t>
+            </a:r>
+            <a:r>
+              <a:rPr lang="nl-NL" dirty="0">
+                <a:solidFill>
+                  <a:srgbClr val="00FF00"/>
+                </a:solidFill>
+                <a:latin typeface="Courier New" pitchFamily="49"/>
+                <a:cs typeface="Courier New" pitchFamily="49"/>
+              </a:rPr>
+              <a:t> </a:t>
+            </a:r>
+            <a:r>
+              <a:rPr lang="nl-NL" dirty="0" err="1">
+                <a:solidFill>
+                  <a:srgbClr val="00FF00"/>
+                </a:solidFill>
+                <a:latin typeface="Courier New" pitchFamily="49"/>
+                <a:cs typeface="Courier New" pitchFamily="49"/>
+              </a:rPr>
+              <a:t>the</a:t>
+            </a:r>
+            <a:r>
+              <a:rPr lang="nl-NL" dirty="0">
+                <a:solidFill>
+                  <a:srgbClr val="00FF00"/>
+                </a:solidFill>
+                <a:latin typeface="Courier New" pitchFamily="49"/>
+                <a:cs typeface="Courier New" pitchFamily="49"/>
+              </a:rPr>
+              <a:t> </a:t>
+            </a:r>
+            <a:r>
+              <a:rPr lang="nl-NL" dirty="0" err="1">
+                <a:solidFill>
+                  <a:srgbClr val="00FF00"/>
+                </a:solidFill>
+                <a:latin typeface="Courier New" pitchFamily="49"/>
+                <a:cs typeface="Courier New" pitchFamily="49"/>
+              </a:rPr>
+              <a:t>JUnit</a:t>
+            </a:r>
+            <a:r>
+              <a:rPr lang="nl-NL" dirty="0">
+                <a:solidFill>
+                  <a:srgbClr val="00FF00"/>
+                </a:solidFill>
+                <a:latin typeface="Courier New" pitchFamily="49"/>
+                <a:cs typeface="Courier New" pitchFamily="49"/>
+              </a:rPr>
+              <a:t> </a:t>
+            </a:r>
+            <a:r>
+              <a:rPr lang="nl-NL" dirty="0" err="1">
+                <a:solidFill>
+                  <a:srgbClr val="00FF00"/>
+                </a:solidFill>
+                <a:latin typeface="Courier New" pitchFamily="49"/>
+                <a:cs typeface="Courier New" pitchFamily="49"/>
+              </a:rPr>
+              <a:t>rule</a:t>
+            </a:r>
+            <a:endParaRPr lang="nl-NL" dirty="0">
+              <a:solidFill>
+                <a:srgbClr val="00FF00"/>
+              </a:solidFill>
+              <a:latin typeface="Courier New" pitchFamily="49"/>
+              <a:cs typeface="Courier New" pitchFamily="49"/>
+            </a:endParaRPr>
+          </a:p>
+          <a:p>
+            <a:pPr lvl="0">
+              <a:buFont typeface="Courier New" pitchFamily="49"/>
+              <a:buChar char="_"/>
+            </a:pPr>
+            <a:endParaRPr lang="nl-NL" dirty="0">
+              <a:solidFill>
+                <a:srgbClr val="00FF00"/>
+              </a:solidFill>
+              <a:latin typeface="Courier New" pitchFamily="49"/>
+              <a:cs typeface="Courier New" pitchFamily="49"/>
+            </a:endParaRPr>
+          </a:p>
+          <a:p>
+            <a:pPr lvl="0">
+              <a:buFont typeface="Courier New" pitchFamily="49"/>
+              <a:buChar char="_"/>
+            </a:pPr>
+            <a:endParaRPr lang="nl-NL" dirty="0">
+              <a:solidFill>
+                <a:srgbClr val="00FF00"/>
+              </a:solidFill>
+              <a:latin typeface="Courier New" pitchFamily="49"/>
+              <a:cs typeface="Courier New" pitchFamily="49"/>
+            </a:endParaRPr>
+          </a:p>
+          <a:p>
+            <a:pPr lvl="0">
+              <a:buFont typeface="Courier New" pitchFamily="49"/>
+              <a:buChar char="_"/>
+            </a:pPr>
+            <a:endParaRPr lang="nl-NL" dirty="0">
+              <a:solidFill>
+                <a:srgbClr val="00FF00"/>
+              </a:solidFill>
+              <a:latin typeface="Courier New" pitchFamily="49"/>
+              <a:cs typeface="Courier New" pitchFamily="49"/>
+            </a:endParaRPr>
+          </a:p>
+          <a:p>
+            <a:pPr lvl="0">
+              <a:buFont typeface="Courier New" pitchFamily="49"/>
+              <a:buChar char="_"/>
+            </a:pPr>
+            <a:endParaRPr lang="nl-NL" dirty="0">
+              <a:solidFill>
+                <a:srgbClr val="00FF00"/>
+              </a:solidFill>
+              <a:latin typeface="Courier New" pitchFamily="49"/>
+              <a:cs typeface="Courier New" pitchFamily="49"/>
+            </a:endParaRPr>
+          </a:p>
+          <a:p>
+            <a:pPr lvl="0">
+              <a:buFont typeface="Courier New" pitchFamily="49"/>
+              <a:buChar char="_"/>
+            </a:pPr>
+            <a:r>
+              <a:rPr lang="nl-NL" dirty="0">
+                <a:solidFill>
+                  <a:srgbClr val="00FF00"/>
+                </a:solidFill>
+                <a:latin typeface="Courier New" pitchFamily="49"/>
+                <a:cs typeface="Courier New" pitchFamily="49"/>
+              </a:rPr>
+              <a:t>Global == </a:t>
+            </a:r>
+            <a:r>
+              <a:rPr lang="nl-NL" dirty="0" err="1">
+                <a:solidFill>
+                  <a:srgbClr val="00FF00"/>
+                </a:solidFill>
+                <a:latin typeface="Courier New" pitchFamily="49"/>
+                <a:cs typeface="Courier New" pitchFamily="49"/>
+              </a:rPr>
+              <a:t>false</a:t>
+            </a:r>
+            <a:r>
+              <a:rPr lang="nl-NL" dirty="0">
+                <a:solidFill>
+                  <a:srgbClr val="00FF00"/>
+                </a:solidFill>
+                <a:latin typeface="Courier New" pitchFamily="49"/>
+                <a:cs typeface="Courier New" pitchFamily="49"/>
+              </a:rPr>
+              <a:t>: response templating </a:t>
+            </a:r>
+            <a:r>
+              <a:rPr lang="nl-NL" dirty="0" err="1">
+                <a:solidFill>
+                  <a:srgbClr val="00FF00"/>
+                </a:solidFill>
+                <a:latin typeface="Courier New" pitchFamily="49"/>
+                <a:cs typeface="Courier New" pitchFamily="49"/>
+              </a:rPr>
+              <a:t>transformer</a:t>
+            </a:r>
+            <a:r>
+              <a:rPr lang="nl-NL" dirty="0">
+                <a:solidFill>
+                  <a:srgbClr val="00FF00"/>
+                </a:solidFill>
+                <a:latin typeface="Courier New" pitchFamily="49"/>
+                <a:cs typeface="Courier New" pitchFamily="49"/>
+              </a:rPr>
+              <a:t> has </a:t>
+            </a:r>
+            <a:r>
+              <a:rPr lang="nl-NL" dirty="0" err="1">
+                <a:solidFill>
+                  <a:srgbClr val="00FF00"/>
+                </a:solidFill>
+                <a:latin typeface="Courier New" pitchFamily="49"/>
+                <a:cs typeface="Courier New" pitchFamily="49"/>
+              </a:rPr>
+              <a:t>to</a:t>
+            </a:r>
+            <a:r>
+              <a:rPr lang="nl-NL" dirty="0">
+                <a:solidFill>
+                  <a:srgbClr val="00FF00"/>
+                </a:solidFill>
+                <a:latin typeface="Courier New" pitchFamily="49"/>
+                <a:cs typeface="Courier New" pitchFamily="49"/>
+              </a:rPr>
+              <a:t> </a:t>
+            </a:r>
+            <a:r>
+              <a:rPr lang="nl-NL" dirty="0" err="1">
+                <a:solidFill>
+                  <a:srgbClr val="00FF00"/>
+                </a:solidFill>
+                <a:latin typeface="Courier New" pitchFamily="49"/>
+                <a:cs typeface="Courier New" pitchFamily="49"/>
+              </a:rPr>
+              <a:t>be</a:t>
+            </a:r>
+            <a:r>
+              <a:rPr lang="nl-NL" dirty="0">
+                <a:solidFill>
+                  <a:srgbClr val="00FF00"/>
+                </a:solidFill>
+                <a:latin typeface="Courier New" pitchFamily="49"/>
+                <a:cs typeface="Courier New" pitchFamily="49"/>
+              </a:rPr>
+              <a:t> </a:t>
+            </a:r>
+            <a:r>
+              <a:rPr lang="nl-NL" dirty="0" err="1">
+                <a:solidFill>
+                  <a:srgbClr val="00FF00"/>
+                </a:solidFill>
+                <a:latin typeface="Courier New" pitchFamily="49"/>
+                <a:cs typeface="Courier New" pitchFamily="49"/>
+              </a:rPr>
+              <a:t>enabled</a:t>
+            </a:r>
+            <a:r>
+              <a:rPr lang="nl-NL" dirty="0">
+                <a:solidFill>
+                  <a:srgbClr val="00FF00"/>
+                </a:solidFill>
+                <a:latin typeface="Courier New" pitchFamily="49"/>
+                <a:cs typeface="Courier New" pitchFamily="49"/>
+              </a:rPr>
+              <a:t> </a:t>
+            </a:r>
+            <a:r>
+              <a:rPr lang="nl-NL" dirty="0" err="1">
+                <a:solidFill>
+                  <a:srgbClr val="00FF00"/>
+                </a:solidFill>
+                <a:latin typeface="Courier New" pitchFamily="49"/>
+                <a:cs typeface="Courier New" pitchFamily="49"/>
+              </a:rPr>
+              <a:t>for</a:t>
+            </a:r>
+            <a:r>
+              <a:rPr lang="nl-NL" dirty="0">
+                <a:solidFill>
+                  <a:srgbClr val="00FF00"/>
+                </a:solidFill>
+                <a:latin typeface="Courier New" pitchFamily="49"/>
+                <a:cs typeface="Courier New" pitchFamily="49"/>
+              </a:rPr>
+              <a:t> </a:t>
+            </a:r>
+            <a:r>
+              <a:rPr lang="nl-NL" dirty="0" err="1">
+                <a:solidFill>
+                  <a:srgbClr val="00FF00"/>
+                </a:solidFill>
+                <a:latin typeface="Courier New" pitchFamily="49"/>
+                <a:cs typeface="Courier New" pitchFamily="49"/>
+              </a:rPr>
+              <a:t>individual</a:t>
+            </a:r>
+            <a:r>
+              <a:rPr lang="nl-NL" dirty="0">
+                <a:solidFill>
+                  <a:srgbClr val="00FF00"/>
+                </a:solidFill>
+                <a:latin typeface="Courier New" pitchFamily="49"/>
+                <a:cs typeface="Courier New" pitchFamily="49"/>
+              </a:rPr>
+              <a:t> </a:t>
+            </a:r>
+            <a:r>
+              <a:rPr lang="nl-NL" dirty="0" err="1">
+                <a:solidFill>
+                  <a:srgbClr val="00FF00"/>
+                </a:solidFill>
+                <a:latin typeface="Courier New" pitchFamily="49"/>
+                <a:cs typeface="Courier New" pitchFamily="49"/>
+              </a:rPr>
+              <a:t>stubs</a:t>
+            </a:r>
+            <a:endParaRPr lang="nl-NL" dirty="0">
+              <a:solidFill>
+                <a:srgbClr val="00FF00"/>
+              </a:solidFill>
+              <a:latin typeface="Courier New" pitchFamily="49"/>
+              <a:cs typeface="Courier New" pitchFamily="49"/>
+            </a:endParaRPr>
+          </a:p>
+          <a:p>
+            <a:pPr lvl="0">
+              <a:buFont typeface="Courier New" pitchFamily="49"/>
+              <a:buChar char="_"/>
+            </a:pPr>
+            <a:endParaRPr lang="nl-NL" dirty="0">
+              <a:solidFill>
+                <a:srgbClr val="00FF00"/>
+              </a:solidFill>
+              <a:latin typeface="Courier New" pitchFamily="49"/>
+              <a:cs typeface="Courier New" pitchFamily="49"/>
+            </a:endParaRPr>
           </a:p>
         </p:txBody>
       </p:sp>
+      <p:pic>
+        <p:nvPicPr>
+          <p:cNvPr id="4" name="Picture 3">
+            <a:extLst>
+              <a:ext uri="{FF2B5EF4-FFF2-40B4-BE49-F238E27FC236}">
+                <a16:creationId xmlns:a16="http://schemas.microsoft.com/office/drawing/2014/main" id="{77A9304E-0918-4E30-A387-C113ED0B5AEF}"/>
+              </a:ext>
+            </a:extLst>
+          </p:cNvPr>
+          <p:cNvPicPr>
+            <a:picLocks noChangeAspect="1"/>
+          </p:cNvPicPr>
+          <p:nvPr/>
+        </p:nvPicPr>
+        <p:blipFill>
+          <a:blip r:embed="rId2"/>
+          <a:stretch>
+            <a:fillRect/>
+          </a:stretch>
+        </p:blipFill>
+        <p:spPr>
+          <a:xfrm>
+            <a:off x="838203" y="2586989"/>
+            <a:ext cx="8444865" cy="1527017"/>
+          </a:xfrm>
+          <a:prstGeom prst="rect">
+            <a:avLst/>
+          </a:prstGeom>
+        </p:spPr>
+      </p:pic>
     </p:spTree>
+    <p:extLst>
+      <p:ext uri="{BB962C8B-B14F-4D97-AF65-F5344CB8AC3E}">
+        <p14:creationId xmlns:p14="http://schemas.microsoft.com/office/powerpoint/2010/main" val="2954608133"/>
+      </p:ext>
+    </p:extLst>
   </p:cSld>
   <p:clrMapOvr>
     <a:masterClrMapping/>
@@ -17913,41 +18286,56 @@
             <p:ph type="title"/>
           </p:nvPr>
         </p:nvSpPr>
-        <p:spPr/>
+        <p:spPr>
+          <a:xfrm>
+            <a:off x="838202" y="365129"/>
+            <a:ext cx="11048997" cy="1325559"/>
+          </a:xfrm>
+        </p:spPr>
         <p:txBody>
           <a:bodyPr/>
           <a:lstStyle/>
           <a:p>
             <a:pPr lvl="0"/>
             <a:r>
-              <a:rPr lang="nl-NL" dirty="0">
-                <a:solidFill>
-                  <a:srgbClr val="00FF00"/>
-                </a:solidFill>
-                <a:latin typeface="Courier New" pitchFamily="49"/>
-                <a:cs typeface="Courier New" pitchFamily="49"/>
-              </a:rPr>
-              <a:t>Mock </a:t>
-            </a:r>
-            <a:r>
-              <a:rPr lang="nl-NL" dirty="0" err="1">
-                <a:solidFill>
-                  <a:srgbClr val="00FF00"/>
-                </a:solidFill>
-                <a:latin typeface="Courier New" pitchFamily="49"/>
-                <a:cs typeface="Courier New" pitchFamily="49"/>
-              </a:rPr>
-              <a:t>specification</a:t>
-            </a:r>
-            <a:r>
-              <a:rPr lang="nl-NL" dirty="0">
-                <a:solidFill>
-                  <a:srgbClr val="00FF00"/>
-                </a:solidFill>
-                <a:latin typeface="Courier New" pitchFamily="49"/>
-                <a:cs typeface="Courier New" pitchFamily="49"/>
-              </a:rPr>
-              <a:t> via JSON</a:t>
+              <a:rPr lang="nl-NL" dirty="0" err="1">
+                <a:solidFill>
+                  <a:srgbClr val="00FF00"/>
+                </a:solidFill>
+                <a:latin typeface="Courier New" pitchFamily="49"/>
+                <a:cs typeface="Courier New" pitchFamily="49"/>
+              </a:rPr>
+              <a:t>Enable</a:t>
+            </a:r>
+            <a:r>
+              <a:rPr lang="nl-NL" dirty="0">
+                <a:solidFill>
+                  <a:srgbClr val="00FF00"/>
+                </a:solidFill>
+                <a:latin typeface="Courier New" pitchFamily="49"/>
+                <a:cs typeface="Courier New" pitchFamily="49"/>
+              </a:rPr>
+              <a:t>/</a:t>
+            </a:r>
+            <a:r>
+              <a:rPr lang="nl-NL" dirty="0" err="1">
+                <a:solidFill>
+                  <a:srgbClr val="00FF00"/>
+                </a:solidFill>
+                <a:latin typeface="Courier New" pitchFamily="49"/>
+                <a:cs typeface="Courier New" pitchFamily="49"/>
+              </a:rPr>
+              <a:t>apply</a:t>
+            </a:r>
+            <a:r>
+              <a:rPr lang="nl-NL" dirty="0">
+                <a:solidFill>
+                  <a:srgbClr val="00FF00"/>
+                </a:solidFill>
+                <a:latin typeface="Courier New" pitchFamily="49"/>
+                <a:cs typeface="Courier New" pitchFamily="49"/>
+              </a:rPr>
+              <a:t> response templating</a:t>
             </a:r>
           </a:p>
         </p:txBody>
@@ -17990,27 +18378,27 @@
                 <a:latin typeface="Courier New" pitchFamily="49"/>
                 <a:cs typeface="Courier New" pitchFamily="49"/>
               </a:rPr>
-              <a:t>So</a:t>
-            </a:r>
-            <a:r>
-              <a:rPr lang="nl-NL" dirty="0">
-                <a:solidFill>
-                  <a:srgbClr val="00FF00"/>
-                </a:solidFill>
-                <a:latin typeface="Courier New" pitchFamily="49"/>
-                <a:cs typeface="Courier New" pitchFamily="49"/>
-              </a:rPr>
-              <a:t> far, </a:t>
-            </a:r>
-            <a:r>
-              <a:rPr lang="nl-NL" dirty="0" err="1">
-                <a:solidFill>
-                  <a:srgbClr val="00FF00"/>
-                </a:solidFill>
-                <a:latin typeface="Courier New" pitchFamily="49"/>
-                <a:cs typeface="Courier New" pitchFamily="49"/>
-              </a:rPr>
-              <a:t>we’ve</a:t>
+              <a:t>This</a:t>
+            </a:r>
+            <a:r>
+              <a:rPr lang="nl-NL" dirty="0">
+                <a:solidFill>
+                  <a:srgbClr val="00FF00"/>
+                </a:solidFill>
+                <a:latin typeface="Courier New" pitchFamily="49"/>
+                <a:cs typeface="Courier New" pitchFamily="49"/>
+              </a:rPr>
+              <a:t> template </a:t>
+            </a:r>
+            <a:r>
+              <a:rPr lang="nl-NL" dirty="0" err="1">
+                <a:solidFill>
+                  <a:srgbClr val="00FF00"/>
+                </a:solidFill>
+                <a:latin typeface="Courier New" pitchFamily="49"/>
+                <a:cs typeface="Courier New" pitchFamily="49"/>
+              </a:rPr>
+              <a:t>reads</a:t>
             </a:r>
             <a:r>
               <a:rPr lang="nl-NL" dirty="0">
@@ -18030,7 +18418,27 @@
                 <a:latin typeface="Courier New" pitchFamily="49"/>
                 <a:cs typeface="Courier New" pitchFamily="49"/>
               </a:rPr>
-              <a:t>only</a:t>
+              <a:t>the</a:t>
+            </a:r>
+            <a:r>
+              <a:rPr lang="nl-NL" dirty="0">
+                <a:solidFill>
+                  <a:srgbClr val="00FF00"/>
+                </a:solidFill>
+                <a:latin typeface="Courier New" pitchFamily="49"/>
+                <a:cs typeface="Courier New" pitchFamily="49"/>
+              </a:rPr>
+              <a:t> HTTP </a:t>
+            </a:r>
+            <a:r>
+              <a:rPr lang="nl-NL" dirty="0" err="1">
+                <a:solidFill>
+                  <a:srgbClr val="00FF00"/>
+                </a:solidFill>
+                <a:latin typeface="Courier New" pitchFamily="49"/>
+                <a:cs typeface="Courier New" pitchFamily="49"/>
+              </a:rPr>
+              <a:t>request</a:t>
             </a:r>
             <a:r>
               <a:rPr lang="nl-NL" dirty="0">
@@ -18050,106 +18458,57 @@
                 <a:latin typeface="Courier New" pitchFamily="49"/>
                 <a:cs typeface="Courier New" pitchFamily="49"/>
               </a:rPr>
-              <a:t>specified</a:t>
-            </a:r>
-            <a:r>
-              <a:rPr lang="nl-NL" dirty="0">
-                <a:solidFill>
-                  <a:srgbClr val="00FF00"/>
-                </a:solidFill>
-                <a:latin typeface="Courier New" pitchFamily="49"/>
-                <a:cs typeface="Courier New" pitchFamily="49"/>
-              </a:rPr>
-              <a:t> </a:t>
-            </a:r>
-            <a:r>
-              <a:rPr lang="nl-NL" dirty="0" err="1">
-                <a:solidFill>
-                  <a:srgbClr val="00FF00"/>
-                </a:solidFill>
-                <a:latin typeface="Courier New" pitchFamily="49"/>
-                <a:cs typeface="Courier New" pitchFamily="49"/>
-              </a:rPr>
-              <a:t>mock</a:t>
-            </a:r>
-            <a:r>
-              <a:rPr lang="nl-NL" dirty="0">
-                <a:solidFill>
-                  <a:srgbClr val="00FF00"/>
-                </a:solidFill>
-                <a:latin typeface="Courier New" pitchFamily="49"/>
-                <a:cs typeface="Courier New" pitchFamily="49"/>
-              </a:rPr>
-              <a:t> </a:t>
-            </a:r>
-            <a:r>
-              <a:rPr lang="nl-NL" dirty="0" err="1">
-                <a:solidFill>
-                  <a:srgbClr val="00FF00"/>
-                </a:solidFill>
-                <a:latin typeface="Courier New" pitchFamily="49"/>
-                <a:cs typeface="Courier New" pitchFamily="49"/>
-              </a:rPr>
-              <a:t>behaviour</a:t>
-            </a:r>
-            <a:r>
-              <a:rPr lang="nl-NL" dirty="0">
-                <a:solidFill>
-                  <a:srgbClr val="00FF00"/>
-                </a:solidFill>
-                <a:latin typeface="Courier New" pitchFamily="49"/>
-                <a:cs typeface="Courier New" pitchFamily="49"/>
-              </a:rPr>
-              <a:t> in Java code</a:t>
-            </a:r>
-          </a:p>
-          <a:p>
-            <a:pPr lvl="0">
-              <a:buFont typeface="Courier New" pitchFamily="49"/>
-              <a:buChar char="_"/>
-            </a:pPr>
-            <a:endParaRPr lang="nl-NL" dirty="0">
-              <a:solidFill>
-                <a:srgbClr val="00FF00"/>
-              </a:solidFill>
-              <a:latin typeface="Courier New" pitchFamily="49"/>
-              <a:cs typeface="Courier New" pitchFamily="49"/>
-            </a:endParaRPr>
-          </a:p>
-          <a:p>
-            <a:pPr lvl="0">
-              <a:buFont typeface="Courier New" pitchFamily="49"/>
-              <a:buChar char="_"/>
-            </a:pPr>
-            <a:r>
-              <a:rPr lang="nl-NL" dirty="0">
-                <a:solidFill>
-                  <a:srgbClr val="00FF00"/>
-                </a:solidFill>
-                <a:latin typeface="Courier New" pitchFamily="49"/>
-                <a:cs typeface="Courier New" pitchFamily="49"/>
-              </a:rPr>
-              <a:t>Mocks live </a:t>
-            </a:r>
-            <a:r>
-              <a:rPr lang="nl-NL" dirty="0" err="1">
-                <a:solidFill>
-                  <a:srgbClr val="00FF00"/>
-                </a:solidFill>
-                <a:latin typeface="Courier New" pitchFamily="49"/>
-                <a:cs typeface="Courier New" pitchFamily="49"/>
-              </a:rPr>
-              <a:t>for</a:t>
-            </a:r>
-            <a:r>
-              <a:rPr lang="nl-NL" dirty="0">
-                <a:solidFill>
-                  <a:srgbClr val="00FF00"/>
-                </a:solidFill>
-                <a:latin typeface="Courier New" pitchFamily="49"/>
-                <a:cs typeface="Courier New" pitchFamily="49"/>
-              </a:rPr>
-              <a:t> </a:t>
+              <a:t>method</a:t>
+            </a:r>
+            <a:r>
+              <a:rPr lang="nl-NL" dirty="0">
+                <a:solidFill>
+                  <a:srgbClr val="00FF00"/>
+                </a:solidFill>
+                <a:latin typeface="Courier New" pitchFamily="49"/>
+                <a:cs typeface="Courier New" pitchFamily="49"/>
+              </a:rPr>
+              <a:t> (GET/POST/PUT/…) </a:t>
+            </a:r>
+            <a:r>
+              <a:rPr lang="nl-NL" dirty="0" err="1">
+                <a:solidFill>
+                  <a:srgbClr val="00FF00"/>
+                </a:solidFill>
+                <a:latin typeface="Courier New" pitchFamily="49"/>
+                <a:cs typeface="Courier New" pitchFamily="49"/>
+              </a:rPr>
+              <a:t>and</a:t>
+            </a:r>
+            <a:r>
+              <a:rPr lang="nl-NL" dirty="0">
+                <a:solidFill>
+                  <a:srgbClr val="00FF00"/>
+                </a:solidFill>
+                <a:latin typeface="Courier New" pitchFamily="49"/>
+                <a:cs typeface="Courier New" pitchFamily="49"/>
+              </a:rPr>
+              <a:t> returns </a:t>
+            </a:r>
+            <a:r>
+              <a:rPr lang="nl-NL" dirty="0" err="1">
+                <a:solidFill>
+                  <a:srgbClr val="00FF00"/>
+                </a:solidFill>
+                <a:latin typeface="Courier New" pitchFamily="49"/>
+                <a:cs typeface="Courier New" pitchFamily="49"/>
+              </a:rPr>
+              <a:t>it</a:t>
+            </a:r>
+            <a:r>
+              <a:rPr lang="nl-NL" dirty="0">
+                <a:solidFill>
+                  <a:srgbClr val="00FF00"/>
+                </a:solidFill>
+                <a:latin typeface="Courier New" pitchFamily="49"/>
+                <a:cs typeface="Courier New" pitchFamily="49"/>
+              </a:rPr>
+              <a:t> as </a:t>
             </a:r>
             <a:r>
               <a:rPr lang="nl-NL" dirty="0" err="1">
@@ -18169,260 +18528,45 @@
                 <a:latin typeface="Courier New" pitchFamily="49"/>
                 <a:cs typeface="Courier New" pitchFamily="49"/>
               </a:rPr>
-              <a:t> </a:t>
-            </a:r>
-            <a:r>
-              <a:rPr lang="nl-NL" dirty="0" err="1">
-                <a:solidFill>
-                  <a:srgbClr val="00FF00"/>
-                </a:solidFill>
-                <a:latin typeface="Courier New" pitchFamily="49"/>
-                <a:cs typeface="Courier New" pitchFamily="49"/>
-              </a:rPr>
-              <a:t>duration</a:t>
-            </a:r>
-            <a:r>
-              <a:rPr lang="nl-NL" dirty="0">
-                <a:solidFill>
-                  <a:srgbClr val="00FF00"/>
-                </a:solidFill>
-                <a:latin typeface="Courier New" pitchFamily="49"/>
-                <a:cs typeface="Courier New" pitchFamily="49"/>
-              </a:rPr>
-              <a:t> of </a:t>
-            </a:r>
-            <a:r>
-              <a:rPr lang="nl-NL" dirty="0" err="1">
-                <a:solidFill>
-                  <a:srgbClr val="00FF00"/>
-                </a:solidFill>
-                <a:latin typeface="Courier New" pitchFamily="49"/>
-                <a:cs typeface="Courier New" pitchFamily="49"/>
-              </a:rPr>
-              <a:t>the</a:t>
-            </a:r>
-            <a:r>
-              <a:rPr lang="nl-NL" dirty="0">
-                <a:solidFill>
-                  <a:srgbClr val="00FF00"/>
-                </a:solidFill>
-                <a:latin typeface="Courier New" pitchFamily="49"/>
-                <a:cs typeface="Courier New" pitchFamily="49"/>
-              </a:rPr>
-              <a:t> test run</a:t>
-            </a:r>
-          </a:p>
-          <a:p>
-            <a:pPr lvl="0">
-              <a:buFont typeface="Courier New" pitchFamily="49"/>
-              <a:buChar char="_"/>
-            </a:pPr>
-            <a:endParaRPr lang="nl-NL" dirty="0">
-              <a:solidFill>
-                <a:srgbClr val="00FF00"/>
-              </a:solidFill>
-              <a:latin typeface="Courier New" pitchFamily="49"/>
-              <a:cs typeface="Courier New" pitchFamily="49"/>
-            </a:endParaRPr>
-          </a:p>
-          <a:p>
-            <a:pPr lvl="0">
-              <a:buFont typeface="Courier New" pitchFamily="49"/>
-              <a:buChar char="_"/>
-            </a:pPr>
-            <a:r>
-              <a:rPr lang="nl-NL" dirty="0">
-                <a:solidFill>
-                  <a:srgbClr val="00FF00"/>
-                </a:solidFill>
-                <a:latin typeface="Courier New" pitchFamily="49"/>
-                <a:cs typeface="Courier New" pitchFamily="49"/>
-              </a:rPr>
-              <a:t>Want </a:t>
-            </a:r>
-            <a:r>
-              <a:rPr lang="nl-NL" dirty="0" err="1">
-                <a:solidFill>
-                  <a:srgbClr val="00FF00"/>
-                </a:solidFill>
-                <a:latin typeface="Courier New" pitchFamily="49"/>
-                <a:cs typeface="Courier New" pitchFamily="49"/>
-              </a:rPr>
-              <a:t>longer</a:t>
-            </a:r>
-            <a:r>
-              <a:rPr lang="nl-NL" dirty="0">
-                <a:solidFill>
-                  <a:srgbClr val="00FF00"/>
-                </a:solidFill>
-                <a:latin typeface="Courier New" pitchFamily="49"/>
-                <a:cs typeface="Courier New" pitchFamily="49"/>
-              </a:rPr>
-              <a:t> living </a:t>
-            </a:r>
-            <a:r>
-              <a:rPr lang="nl-NL" dirty="0" err="1">
-                <a:solidFill>
-                  <a:srgbClr val="00FF00"/>
-                </a:solidFill>
-                <a:latin typeface="Courier New" pitchFamily="49"/>
-                <a:cs typeface="Courier New" pitchFamily="49"/>
-              </a:rPr>
-              <a:t>mocks</a:t>
-            </a:r>
-            <a:r>
-              <a:rPr lang="nl-NL" dirty="0">
-                <a:solidFill>
-                  <a:srgbClr val="00FF00"/>
-                </a:solidFill>
-                <a:latin typeface="Courier New" pitchFamily="49"/>
-                <a:cs typeface="Courier New" pitchFamily="49"/>
-              </a:rPr>
-              <a:t>? </a:t>
-            </a:r>
-            <a:r>
-              <a:rPr lang="nl-NL" dirty="0" err="1">
-                <a:solidFill>
-                  <a:srgbClr val="00FF00"/>
-                </a:solidFill>
-                <a:latin typeface="Courier New" pitchFamily="49"/>
-                <a:cs typeface="Courier New" pitchFamily="49"/>
-              </a:rPr>
-              <a:t>Use</a:t>
-            </a:r>
-            <a:r>
-              <a:rPr lang="nl-NL" dirty="0">
-                <a:solidFill>
-                  <a:srgbClr val="00FF00"/>
-                </a:solidFill>
-                <a:latin typeface="Courier New" pitchFamily="49"/>
-                <a:cs typeface="Courier New" pitchFamily="49"/>
-              </a:rPr>
-              <a:t> JSON </a:t>
-            </a:r>
-            <a:r>
-              <a:rPr lang="nl-NL" dirty="0" err="1">
-                <a:solidFill>
-                  <a:srgbClr val="00FF00"/>
-                </a:solidFill>
-                <a:latin typeface="Courier New" pitchFamily="49"/>
-                <a:cs typeface="Courier New" pitchFamily="49"/>
-              </a:rPr>
-              <a:t>mapping</a:t>
-            </a:r>
-            <a:r>
-              <a:rPr lang="nl-NL" dirty="0">
-                <a:solidFill>
-                  <a:srgbClr val="00FF00"/>
-                </a:solidFill>
-                <a:latin typeface="Courier New" pitchFamily="49"/>
-                <a:cs typeface="Courier New" pitchFamily="49"/>
-              </a:rPr>
-              <a:t> files</a:t>
-            </a:r>
-          </a:p>
-          <a:p>
-            <a:pPr lvl="0">
-              <a:buFont typeface="Courier New" pitchFamily="49"/>
-              <a:buChar char="_"/>
-            </a:pPr>
-            <a:endParaRPr lang="nl-NL" dirty="0">
-              <a:solidFill>
-                <a:srgbClr val="00FF00"/>
-              </a:solidFill>
-              <a:latin typeface="Courier New" pitchFamily="49"/>
-              <a:cs typeface="Courier New" pitchFamily="49"/>
-            </a:endParaRPr>
-          </a:p>
-          <a:p>
-            <a:pPr lvl="0">
-              <a:buFont typeface="Courier New" pitchFamily="49"/>
-              <a:buChar char="_"/>
-            </a:pPr>
-            <a:r>
-              <a:rPr lang="nl-NL" dirty="0" err="1">
-                <a:solidFill>
-                  <a:srgbClr val="00FF00"/>
-                </a:solidFill>
-                <a:latin typeface="Courier New" pitchFamily="49"/>
-                <a:cs typeface="Courier New" pitchFamily="49"/>
-              </a:rPr>
-              <a:t>WireMock</a:t>
-            </a:r>
-            <a:r>
-              <a:rPr lang="nl-NL" dirty="0">
-                <a:solidFill>
-                  <a:srgbClr val="00FF00"/>
-                </a:solidFill>
-                <a:latin typeface="Courier New" pitchFamily="49"/>
-                <a:cs typeface="Courier New" pitchFamily="49"/>
-              </a:rPr>
-              <a:t> </a:t>
-            </a:r>
-            <a:r>
-              <a:rPr lang="nl-NL" dirty="0" err="1">
-                <a:solidFill>
-                  <a:srgbClr val="00FF00"/>
-                </a:solidFill>
-                <a:latin typeface="Courier New" pitchFamily="49"/>
-                <a:cs typeface="Courier New" pitchFamily="49"/>
-              </a:rPr>
-              <a:t>can</a:t>
-            </a:r>
-            <a:r>
-              <a:rPr lang="nl-NL" dirty="0">
-                <a:solidFill>
-                  <a:srgbClr val="00FF00"/>
-                </a:solidFill>
-                <a:latin typeface="Courier New" pitchFamily="49"/>
-                <a:cs typeface="Courier New" pitchFamily="49"/>
-              </a:rPr>
-              <a:t> </a:t>
-            </a:r>
-            <a:r>
-              <a:rPr lang="nl-NL" dirty="0" err="1">
-                <a:solidFill>
-                  <a:srgbClr val="00FF00"/>
-                </a:solidFill>
-                <a:latin typeface="Courier New" pitchFamily="49"/>
-                <a:cs typeface="Courier New" pitchFamily="49"/>
-              </a:rPr>
-              <a:t>be</a:t>
-            </a:r>
-            <a:r>
-              <a:rPr lang="nl-NL" dirty="0">
-                <a:solidFill>
-                  <a:srgbClr val="00FF00"/>
-                </a:solidFill>
-                <a:latin typeface="Courier New" pitchFamily="49"/>
-                <a:cs typeface="Courier New" pitchFamily="49"/>
-              </a:rPr>
-              <a:t> run as a standalone </a:t>
-            </a:r>
-            <a:r>
-              <a:rPr lang="nl-NL" dirty="0" err="1">
-                <a:solidFill>
-                  <a:srgbClr val="00FF00"/>
-                </a:solidFill>
-                <a:latin typeface="Courier New" pitchFamily="49"/>
-                <a:cs typeface="Courier New" pitchFamily="49"/>
-              </a:rPr>
-              <a:t>process</a:t>
-            </a:r>
-            <a:endParaRPr lang="nl-NL" dirty="0">
-              <a:solidFill>
-                <a:srgbClr val="00FF00"/>
-              </a:solidFill>
-              <a:latin typeface="Courier New" pitchFamily="49"/>
-              <a:cs typeface="Courier New" pitchFamily="49"/>
-            </a:endParaRPr>
+              <a:t> response body</a:t>
+            </a:r>
           </a:p>
         </p:txBody>
       </p:sp>
+      <p:pic>
+        <p:nvPicPr>
+          <p:cNvPr id="5" name="Picture 4">
+            <a:extLst>
+              <a:ext uri="{FF2B5EF4-FFF2-40B4-BE49-F238E27FC236}">
+                <a16:creationId xmlns:a16="http://schemas.microsoft.com/office/drawing/2014/main" id="{62611F27-36F5-4482-8FCD-561704760E54}"/>
+              </a:ext>
+            </a:extLst>
+          </p:cNvPr>
+          <p:cNvPicPr>
+            <a:picLocks noChangeAspect="1"/>
+          </p:cNvPicPr>
+          <p:nvPr/>
+        </p:nvPicPr>
+        <p:blipFill>
+          <a:blip r:embed="rId2"/>
+          <a:stretch>
+            <a:fillRect/>
+          </a:stretch>
+        </p:blipFill>
+        <p:spPr>
+          <a:xfrm>
+            <a:off x="1170023" y="3279457"/>
+            <a:ext cx="9851953" cy="3032445"/>
+          </a:xfrm>
+          <a:prstGeom prst="rect">
+            <a:avLst/>
+          </a:prstGeom>
+        </p:spPr>
+      </p:pic>
     </p:spTree>
     <p:extLst>
       <p:ext uri="{BB962C8B-B14F-4D97-AF65-F5344CB8AC3E}">
-        <p14:creationId xmlns:p14="http://schemas.microsoft.com/office/powerpoint/2010/main" val="429990327"/>
+        <p14:creationId xmlns:p14="http://schemas.microsoft.com/office/powerpoint/2010/main" val="1723953420"/>
       </p:ext>
     </p:extLst>
   </p:cSld>
@@ -18473,42 +18617,54 @@
             <p:ph type="title"/>
           </p:nvPr>
         </p:nvSpPr>
-        <p:spPr/>
+        <p:spPr>
+          <a:xfrm>
+            <a:off x="838202" y="365129"/>
+            <a:ext cx="11048997" cy="1325559"/>
+          </a:xfrm>
+        </p:spPr>
         <p:txBody>
           <a:bodyPr/>
           <a:lstStyle/>
           <a:p>
             <a:pPr lvl="0"/>
             <a:r>
-              <a:rPr lang="nl-NL" dirty="0">
-                <a:solidFill>
-                  <a:srgbClr val="00FF00"/>
-                </a:solidFill>
-                <a:latin typeface="Courier New" pitchFamily="49"/>
-                <a:cs typeface="Courier New" pitchFamily="49"/>
-              </a:rPr>
-              <a:t>Running </a:t>
-            </a:r>
-            <a:r>
-              <a:rPr lang="nl-NL" dirty="0" err="1">
-                <a:solidFill>
-                  <a:srgbClr val="00FF00"/>
-                </a:solidFill>
-                <a:latin typeface="Courier New" pitchFamily="49"/>
-                <a:cs typeface="Courier New" pitchFamily="49"/>
-              </a:rPr>
-              <a:t>WireMock</a:t>
-            </a:r>
-            <a:r>
-              <a:rPr lang="nl-NL" dirty="0">
-                <a:solidFill>
-                  <a:srgbClr val="00FF00"/>
-                </a:solidFill>
-                <a:latin typeface="Courier New" pitchFamily="49"/>
-                <a:cs typeface="Courier New" pitchFamily="49"/>
-              </a:rPr>
-              <a:t> standalone</a:t>
-            </a:r>
+              <a:rPr lang="nl-NL" dirty="0" err="1">
+                <a:solidFill>
+                  <a:srgbClr val="00FF00"/>
+                </a:solidFill>
+                <a:latin typeface="Courier New" pitchFamily="49"/>
+                <a:cs typeface="Courier New" pitchFamily="49"/>
+              </a:rPr>
+              <a:t>Request</a:t>
+            </a:r>
+            <a:r>
+              <a:rPr lang="nl-NL" dirty="0">
+                <a:solidFill>
+                  <a:srgbClr val="00FF00"/>
+                </a:solidFill>
+                <a:latin typeface="Courier New" pitchFamily="49"/>
+                <a:cs typeface="Courier New" pitchFamily="49"/>
+              </a:rPr>
+              <a:t> </a:t>
+            </a:r>
+            <a:r>
+              <a:rPr lang="nl-NL" dirty="0" err="1">
+                <a:solidFill>
+                  <a:srgbClr val="00FF00"/>
+                </a:solidFill>
+                <a:latin typeface="Courier New" pitchFamily="49"/>
+                <a:cs typeface="Courier New" pitchFamily="49"/>
+              </a:rPr>
+              <a:t>attributes</a:t>
+            </a:r>
+            <a:endParaRPr lang="nl-NL" dirty="0">
+              <a:solidFill>
+                <a:srgbClr val="00FF00"/>
+              </a:solidFill>
+              <a:latin typeface="Courier New" pitchFamily="49"/>
+              <a:cs typeface="Courier New" pitchFamily="49"/>
+            </a:endParaRPr>
           </a:p>
         </p:txBody>
       </p:sp>
@@ -18531,27 +18687,438 @@
         <p:spPr>
           <a:xfrm>
             <a:off x="838203" y="1825627"/>
-            <a:ext cx="11257719" cy="4351336"/>
+            <a:ext cx="11237840" cy="4764016"/>
           </a:xfrm>
         </p:spPr>
         <p:txBody>
-          <a:bodyPr/>
+          <a:bodyPr>
+            <a:normAutofit/>
+          </a:bodyPr>
           <a:lstStyle/>
           <a:p>
-            <a:pPr marL="0" lvl="0" indent="0">
+            <a:pPr lvl="0">
+              <a:buFont typeface="Courier New" pitchFamily="49"/>
+              <a:buChar char="_"/>
+            </a:pPr>
+            <a:r>
+              <a:rPr lang="nl-NL" dirty="0" err="1">
+                <a:solidFill>
+                  <a:srgbClr val="00FF00"/>
+                </a:solidFill>
+                <a:latin typeface="Courier New" pitchFamily="49"/>
+                <a:cs typeface="Courier New" pitchFamily="49"/>
+              </a:rPr>
+              <a:t>Many</a:t>
+            </a:r>
+            <a:r>
+              <a:rPr lang="nl-NL" dirty="0">
+                <a:solidFill>
+                  <a:srgbClr val="00FF00"/>
+                </a:solidFill>
+                <a:latin typeface="Courier New" pitchFamily="49"/>
+                <a:cs typeface="Courier New" pitchFamily="49"/>
+              </a:rPr>
+              <a:t> different </a:t>
+            </a:r>
+            <a:r>
+              <a:rPr lang="nl-NL" dirty="0" err="1">
+                <a:solidFill>
+                  <a:srgbClr val="00FF00"/>
+                </a:solidFill>
+                <a:latin typeface="Courier New" pitchFamily="49"/>
+                <a:cs typeface="Courier New" pitchFamily="49"/>
+              </a:rPr>
+              <a:t>request</a:t>
+            </a:r>
+            <a:r>
+              <a:rPr lang="nl-NL" dirty="0">
+                <a:solidFill>
+                  <a:srgbClr val="00FF00"/>
+                </a:solidFill>
+                <a:latin typeface="Courier New" pitchFamily="49"/>
+                <a:cs typeface="Courier New" pitchFamily="49"/>
+              </a:rPr>
+              <a:t> </a:t>
+            </a:r>
+            <a:r>
+              <a:rPr lang="nl-NL" dirty="0" err="1">
+                <a:solidFill>
+                  <a:srgbClr val="00FF00"/>
+                </a:solidFill>
+                <a:latin typeface="Courier New" pitchFamily="49"/>
+                <a:cs typeface="Courier New" pitchFamily="49"/>
+              </a:rPr>
+              <a:t>attributes</a:t>
+            </a:r>
+            <a:r>
+              <a:rPr lang="nl-NL" dirty="0">
+                <a:solidFill>
+                  <a:srgbClr val="00FF00"/>
+                </a:solidFill>
+                <a:latin typeface="Courier New" pitchFamily="49"/>
+                <a:cs typeface="Courier New" pitchFamily="49"/>
+              </a:rPr>
+              <a:t> </a:t>
+            </a:r>
+            <a:r>
+              <a:rPr lang="nl-NL" dirty="0" err="1">
+                <a:solidFill>
+                  <a:srgbClr val="00FF00"/>
+                </a:solidFill>
+                <a:latin typeface="Courier New" pitchFamily="49"/>
+                <a:cs typeface="Courier New" pitchFamily="49"/>
+              </a:rPr>
+              <a:t>available</a:t>
+            </a:r>
+            <a:r>
+              <a:rPr lang="nl-NL" dirty="0">
+                <a:solidFill>
+                  <a:srgbClr val="00FF00"/>
+                </a:solidFill>
+                <a:latin typeface="Courier New" pitchFamily="49"/>
+                <a:cs typeface="Courier New" pitchFamily="49"/>
+              </a:rPr>
+              <a:t> </a:t>
+            </a:r>
+            <a:r>
+              <a:rPr lang="nl-NL" dirty="0" err="1">
+                <a:solidFill>
+                  <a:srgbClr val="00FF00"/>
+                </a:solidFill>
+                <a:latin typeface="Courier New" pitchFamily="49"/>
+                <a:cs typeface="Courier New" pitchFamily="49"/>
+              </a:rPr>
+              <a:t>for</a:t>
+            </a:r>
+            <a:r>
+              <a:rPr lang="nl-NL" dirty="0">
+                <a:solidFill>
+                  <a:srgbClr val="00FF00"/>
+                </a:solidFill>
+                <a:latin typeface="Courier New" pitchFamily="49"/>
+                <a:cs typeface="Courier New" pitchFamily="49"/>
+              </a:rPr>
+              <a:t> </a:t>
+            </a:r>
+            <a:r>
+              <a:rPr lang="nl-NL" dirty="0" err="1">
+                <a:solidFill>
+                  <a:srgbClr val="00FF00"/>
+                </a:solidFill>
+                <a:latin typeface="Courier New" pitchFamily="49"/>
+                <a:cs typeface="Courier New" pitchFamily="49"/>
+              </a:rPr>
+              <a:t>use</a:t>
+            </a:r>
+            <a:endParaRPr lang="nl-NL" dirty="0">
+              <a:solidFill>
+                <a:srgbClr val="00FF00"/>
+              </a:solidFill>
+              <a:latin typeface="Courier New" pitchFamily="49"/>
+              <a:cs typeface="Courier New" pitchFamily="49"/>
+            </a:endParaRPr>
+          </a:p>
+          <a:p>
+            <a:pPr lvl="1">
+              <a:buFont typeface="Courier New" pitchFamily="49"/>
+              <a:buChar char="_"/>
+            </a:pPr>
+            <a:r>
+              <a:rPr lang="nl-NL" dirty="0" err="1">
+                <a:solidFill>
+                  <a:srgbClr val="00FF00"/>
+                </a:solidFill>
+                <a:latin typeface="Courier New" pitchFamily="49"/>
+                <a:cs typeface="Courier New" pitchFamily="49"/>
+              </a:rPr>
+              <a:t>request.requestLine.method</a:t>
+            </a:r>
+            <a:r>
+              <a:rPr lang="nl-NL" dirty="0">
+                <a:solidFill>
+                  <a:srgbClr val="00FF00"/>
+                </a:solidFill>
+                <a:latin typeface="Courier New" pitchFamily="49"/>
+                <a:cs typeface="Courier New" pitchFamily="49"/>
+              </a:rPr>
+              <a:t> 	: HTTP </a:t>
+            </a:r>
+            <a:r>
+              <a:rPr lang="nl-NL" dirty="0" err="1">
+                <a:solidFill>
+                  <a:srgbClr val="00FF00"/>
+                </a:solidFill>
+                <a:latin typeface="Courier New" pitchFamily="49"/>
+                <a:cs typeface="Courier New" pitchFamily="49"/>
+              </a:rPr>
+              <a:t>method</a:t>
+            </a:r>
+            <a:r>
+              <a:rPr lang="nl-NL" dirty="0">
+                <a:solidFill>
+                  <a:srgbClr val="00FF00"/>
+                </a:solidFill>
+                <a:latin typeface="Courier New" pitchFamily="49"/>
+                <a:cs typeface="Courier New" pitchFamily="49"/>
+              </a:rPr>
+              <a:t> (</a:t>
+            </a:r>
+            <a:r>
+              <a:rPr lang="nl-NL" dirty="0" err="1">
+                <a:solidFill>
+                  <a:srgbClr val="00FF00"/>
+                </a:solidFill>
+                <a:latin typeface="Courier New" pitchFamily="49"/>
+                <a:cs typeface="Courier New" pitchFamily="49"/>
+              </a:rPr>
+              <a:t>example</a:t>
+            </a:r>
+            <a:r>
+              <a:rPr lang="nl-NL" dirty="0">
+                <a:solidFill>
+                  <a:srgbClr val="00FF00"/>
+                </a:solidFill>
+                <a:latin typeface="Courier New" pitchFamily="49"/>
+                <a:cs typeface="Courier New" pitchFamily="49"/>
+              </a:rPr>
+              <a:t>)</a:t>
+            </a:r>
+          </a:p>
+          <a:p>
+            <a:pPr lvl="1">
+              <a:buFont typeface="Courier New" pitchFamily="49"/>
+              <a:buChar char="_"/>
+            </a:pPr>
+            <a:r>
+              <a:rPr lang="nl-NL" dirty="0" err="1">
+                <a:solidFill>
+                  <a:srgbClr val="00FF00"/>
+                </a:solidFill>
+                <a:latin typeface="Courier New" pitchFamily="49"/>
+                <a:cs typeface="Courier New" pitchFamily="49"/>
+              </a:rPr>
+              <a:t>request.requestLine.path</a:t>
+            </a:r>
+            <a:r>
+              <a:rPr lang="nl-NL" dirty="0">
+                <a:solidFill>
+                  <a:srgbClr val="00FF00"/>
+                </a:solidFill>
+                <a:latin typeface="Courier New" pitchFamily="49"/>
+                <a:cs typeface="Courier New" pitchFamily="49"/>
+              </a:rPr>
+              <a:t>.[&lt;n&gt;] 	: </a:t>
+            </a:r>
+            <a:r>
+              <a:rPr lang="nl-NL" dirty="0" err="1">
+                <a:solidFill>
+                  <a:srgbClr val="00FF00"/>
+                </a:solidFill>
+                <a:latin typeface="Courier New" pitchFamily="49"/>
+                <a:cs typeface="Courier New" pitchFamily="49"/>
+              </a:rPr>
+              <a:t>n</a:t>
+            </a:r>
+            <a:r>
+              <a:rPr lang="nl-NL" baseline="30000" dirty="0" err="1">
+                <a:solidFill>
+                  <a:srgbClr val="00FF00"/>
+                </a:solidFill>
+                <a:latin typeface="Courier New" pitchFamily="49"/>
+                <a:cs typeface="Courier New" pitchFamily="49"/>
+              </a:rPr>
+              <a:t>th</a:t>
+            </a:r>
+            <a:r>
+              <a:rPr lang="nl-NL" dirty="0">
+                <a:solidFill>
+                  <a:srgbClr val="00FF00"/>
+                </a:solidFill>
+                <a:latin typeface="Courier New" pitchFamily="49"/>
+                <a:cs typeface="Courier New" pitchFamily="49"/>
+              </a:rPr>
+              <a:t> </a:t>
+            </a:r>
+            <a:r>
+              <a:rPr lang="nl-NL" dirty="0" err="1">
+                <a:solidFill>
+                  <a:srgbClr val="00FF00"/>
+                </a:solidFill>
+                <a:latin typeface="Courier New" pitchFamily="49"/>
+                <a:cs typeface="Courier New" pitchFamily="49"/>
+              </a:rPr>
+              <a:t>path</a:t>
+            </a:r>
+            <a:r>
+              <a:rPr lang="nl-NL" dirty="0">
+                <a:solidFill>
+                  <a:srgbClr val="00FF00"/>
+                </a:solidFill>
+                <a:latin typeface="Courier New" pitchFamily="49"/>
+                <a:cs typeface="Courier New" pitchFamily="49"/>
+              </a:rPr>
+              <a:t> segment</a:t>
+            </a:r>
+          </a:p>
+          <a:p>
+            <a:pPr lvl="1">
+              <a:buFont typeface="Courier New" pitchFamily="49"/>
+              <a:buChar char="_"/>
+            </a:pPr>
+            <a:r>
+              <a:rPr lang="nl-NL" dirty="0" err="1">
+                <a:solidFill>
+                  <a:srgbClr val="00FF00"/>
+                </a:solidFill>
+                <a:latin typeface="Courier New" pitchFamily="49"/>
+                <a:cs typeface="Courier New" pitchFamily="49"/>
+              </a:rPr>
+              <a:t>request.requestLine.scheme</a:t>
+            </a:r>
+            <a:r>
+              <a:rPr lang="nl-NL" dirty="0">
+                <a:solidFill>
+                  <a:srgbClr val="00FF00"/>
+                </a:solidFill>
+                <a:latin typeface="Courier New" pitchFamily="49"/>
+                <a:cs typeface="Courier New" pitchFamily="49"/>
+              </a:rPr>
+              <a:t> 	: protocol (e.g. HTTPS)</a:t>
+            </a:r>
+          </a:p>
+          <a:p>
+            <a:pPr lvl="1">
+              <a:buFont typeface="Courier New" pitchFamily="49"/>
+              <a:buChar char="_"/>
+            </a:pPr>
+            <a:r>
+              <a:rPr lang="nl-NL" dirty="0">
+                <a:solidFill>
+                  <a:srgbClr val="00FF00"/>
+                </a:solidFill>
+                <a:latin typeface="Courier New" pitchFamily="49"/>
+                <a:cs typeface="Courier New" pitchFamily="49"/>
+              </a:rPr>
+              <a:t>…</a:t>
+            </a:r>
+          </a:p>
+          <a:p>
+            <a:pPr lvl="1">
+              <a:buFont typeface="Courier New" pitchFamily="49"/>
+              <a:buChar char="_"/>
+            </a:pPr>
+            <a:endParaRPr lang="nl-NL" dirty="0">
+              <a:solidFill>
+                <a:srgbClr val="00FF00"/>
+              </a:solidFill>
+              <a:latin typeface="Courier New" pitchFamily="49"/>
+              <a:cs typeface="Courier New" pitchFamily="49"/>
+            </a:endParaRPr>
+          </a:p>
+          <a:p>
+            <a:pPr>
+              <a:buFont typeface="Courier New" pitchFamily="49"/>
+              <a:buChar char="_"/>
+            </a:pPr>
+            <a:r>
+              <a:rPr lang="nl-NL" dirty="0" err="1">
+                <a:solidFill>
+                  <a:srgbClr val="00FF00"/>
+                </a:solidFill>
+                <a:latin typeface="Courier New" pitchFamily="49"/>
+                <a:cs typeface="Courier New" pitchFamily="49"/>
+              </a:rPr>
+              <a:t>All</a:t>
+            </a:r>
+            <a:r>
+              <a:rPr lang="nl-NL" dirty="0">
+                <a:solidFill>
+                  <a:srgbClr val="00FF00"/>
+                </a:solidFill>
+                <a:latin typeface="Courier New" pitchFamily="49"/>
+                <a:cs typeface="Courier New" pitchFamily="49"/>
+              </a:rPr>
+              <a:t> </a:t>
+            </a:r>
+            <a:r>
+              <a:rPr lang="nl-NL" dirty="0" err="1">
+                <a:solidFill>
+                  <a:srgbClr val="00FF00"/>
+                </a:solidFill>
+                <a:latin typeface="Courier New" pitchFamily="49"/>
+                <a:cs typeface="Courier New" pitchFamily="49"/>
+              </a:rPr>
+              <a:t>available</a:t>
+            </a:r>
+            <a:r>
+              <a:rPr lang="nl-NL" dirty="0">
+                <a:solidFill>
+                  <a:srgbClr val="00FF00"/>
+                </a:solidFill>
+                <a:latin typeface="Courier New" pitchFamily="49"/>
+                <a:cs typeface="Courier New" pitchFamily="49"/>
+              </a:rPr>
+              <a:t> </a:t>
+            </a:r>
+            <a:r>
+              <a:rPr lang="nl-NL" dirty="0" err="1">
+                <a:solidFill>
+                  <a:srgbClr val="00FF00"/>
+                </a:solidFill>
+                <a:latin typeface="Courier New" pitchFamily="49"/>
+                <a:cs typeface="Courier New" pitchFamily="49"/>
+              </a:rPr>
+              <a:t>attributes</a:t>
+            </a:r>
+            <a:r>
+              <a:rPr lang="nl-NL" dirty="0">
+                <a:solidFill>
+                  <a:srgbClr val="00FF00"/>
+                </a:solidFill>
+                <a:latin typeface="Courier New" pitchFamily="49"/>
+                <a:cs typeface="Courier New" pitchFamily="49"/>
+              </a:rPr>
+              <a:t> </a:t>
+            </a:r>
+            <a:r>
+              <a:rPr lang="nl-NL" dirty="0" err="1">
+                <a:solidFill>
+                  <a:srgbClr val="00FF00"/>
+                </a:solidFill>
+                <a:latin typeface="Courier New" pitchFamily="49"/>
+                <a:cs typeface="Courier New" pitchFamily="49"/>
+              </a:rPr>
+              <a:t>listed</a:t>
+            </a:r>
+            <a:r>
+              <a:rPr lang="nl-NL" dirty="0">
+                <a:solidFill>
+                  <a:srgbClr val="00FF00"/>
+                </a:solidFill>
+                <a:latin typeface="Courier New" pitchFamily="49"/>
+                <a:cs typeface="Courier New" pitchFamily="49"/>
+              </a:rPr>
+              <a:t> at</a:t>
+            </a:r>
+          </a:p>
+          <a:p>
+            <a:pPr>
+              <a:buFont typeface="Courier New" pitchFamily="49"/>
+              <a:buChar char="_"/>
+            </a:pPr>
+            <a:endParaRPr lang="nl-NL" dirty="0">
+              <a:solidFill>
+                <a:srgbClr val="00FF00"/>
+              </a:solidFill>
+              <a:latin typeface="Courier New" pitchFamily="49"/>
+              <a:cs typeface="Courier New" pitchFamily="49"/>
+            </a:endParaRPr>
+          </a:p>
+          <a:p>
+            <a:pPr marL="0" indent="0">
               <a:buNone/>
             </a:pPr>
             <a:r>
-              <a:rPr lang="nl-NL" i="1" dirty="0" err="1">
-                <a:solidFill>
-                  <a:srgbClr val="00FF00"/>
-                </a:solidFill>
-                <a:latin typeface="Courier New" pitchFamily="49"/>
-                <a:cs typeface="Courier New" pitchFamily="49"/>
-              </a:rPr>
-              <a:t>java</a:t>
-            </a:r>
-            <a:r>
               <a:rPr lang="nl-NL" i="1" dirty="0">
                 <a:solidFill>
                   <a:srgbClr val="00FF00"/>
@@ -18559,262 +19126,7 @@
                 <a:latin typeface="Courier New" pitchFamily="49"/>
                 <a:cs typeface="Courier New" pitchFamily="49"/>
               </a:rPr>
-              <a:t> –</a:t>
-            </a:r>
-            <a:r>
-              <a:rPr lang="nl-NL" i="1" dirty="0" err="1">
-                <a:solidFill>
-                  <a:srgbClr val="00FF00"/>
-                </a:solidFill>
-                <a:latin typeface="Courier New" pitchFamily="49"/>
-                <a:cs typeface="Courier New" pitchFamily="49"/>
-              </a:rPr>
-              <a:t>jar</a:t>
-            </a:r>
-            <a:r>
-              <a:rPr lang="nl-NL" i="1" dirty="0">
-                <a:solidFill>
-                  <a:srgbClr val="00FF00"/>
-                </a:solidFill>
-                <a:latin typeface="Courier New" pitchFamily="49"/>
-                <a:cs typeface="Courier New" pitchFamily="49"/>
-              </a:rPr>
-              <a:t> wiremock-standalone-2.18.0.jar --port 9876</a:t>
-            </a:r>
-          </a:p>
-          <a:p>
-            <a:pPr lvl="0">
-              <a:buFont typeface="Courier New" pitchFamily="49"/>
-              <a:buChar char="_"/>
-            </a:pPr>
-            <a:endParaRPr lang="nl-NL" dirty="0">
-              <a:solidFill>
-                <a:srgbClr val="00FF00"/>
-              </a:solidFill>
-              <a:latin typeface="Courier New" pitchFamily="49"/>
-              <a:cs typeface="Courier New" pitchFamily="49"/>
-            </a:endParaRPr>
-          </a:p>
-          <a:p>
-            <a:pPr lvl="0">
-              <a:buFont typeface="Courier New" pitchFamily="49"/>
-              <a:buChar char="_"/>
-            </a:pPr>
-            <a:r>
-              <a:rPr lang="nl-NL" dirty="0">
-                <a:solidFill>
-                  <a:srgbClr val="00FF00"/>
-                </a:solidFill>
-                <a:latin typeface="Courier New" pitchFamily="49"/>
-                <a:cs typeface="Courier New" pitchFamily="49"/>
-              </a:rPr>
-              <a:t>‘</a:t>
-            </a:r>
-            <a:r>
-              <a:rPr lang="nl-NL" dirty="0" err="1">
-                <a:solidFill>
-                  <a:srgbClr val="00FF00"/>
-                </a:solidFill>
-                <a:latin typeface="Courier New" pitchFamily="49"/>
-                <a:cs typeface="Courier New" pitchFamily="49"/>
-              </a:rPr>
-              <a:t>mappings</a:t>
-            </a:r>
-            <a:r>
-              <a:rPr lang="nl-NL" dirty="0">
-                <a:solidFill>
-                  <a:srgbClr val="00FF00"/>
-                </a:solidFill>
-                <a:latin typeface="Courier New" pitchFamily="49"/>
-                <a:cs typeface="Courier New" pitchFamily="49"/>
-              </a:rPr>
-              <a:t>’ </a:t>
-            </a:r>
-            <a:r>
-              <a:rPr lang="nl-NL" dirty="0" err="1">
-                <a:solidFill>
-                  <a:srgbClr val="00FF00"/>
-                </a:solidFill>
-                <a:latin typeface="Courier New" pitchFamily="49"/>
-                <a:cs typeface="Courier New" pitchFamily="49"/>
-              </a:rPr>
-              <a:t>subfolder</a:t>
-            </a:r>
-            <a:r>
-              <a:rPr lang="nl-NL" dirty="0">
-                <a:solidFill>
-                  <a:srgbClr val="00FF00"/>
-                </a:solidFill>
-                <a:latin typeface="Courier New" pitchFamily="49"/>
-                <a:cs typeface="Courier New" pitchFamily="49"/>
-              </a:rPr>
-              <a:t> </a:t>
-            </a:r>
-            <a:r>
-              <a:rPr lang="nl-NL" dirty="0" err="1">
-                <a:solidFill>
-                  <a:srgbClr val="00FF00"/>
-                </a:solidFill>
-                <a:latin typeface="Courier New" pitchFamily="49"/>
-                <a:cs typeface="Courier New" pitchFamily="49"/>
-              </a:rPr>
-              <a:t>should</a:t>
-            </a:r>
-            <a:r>
-              <a:rPr lang="nl-NL" dirty="0">
-                <a:solidFill>
-                  <a:srgbClr val="00FF00"/>
-                </a:solidFill>
-                <a:latin typeface="Courier New" pitchFamily="49"/>
-                <a:cs typeface="Courier New" pitchFamily="49"/>
-              </a:rPr>
-              <a:t> </a:t>
-            </a:r>
-            <a:r>
-              <a:rPr lang="nl-NL" dirty="0" err="1">
-                <a:solidFill>
-                  <a:srgbClr val="00FF00"/>
-                </a:solidFill>
-                <a:latin typeface="Courier New" pitchFamily="49"/>
-                <a:cs typeface="Courier New" pitchFamily="49"/>
-              </a:rPr>
-              <a:t>contain</a:t>
-            </a:r>
-            <a:r>
-              <a:rPr lang="nl-NL" dirty="0">
-                <a:solidFill>
-                  <a:srgbClr val="00FF00"/>
-                </a:solidFill>
-                <a:latin typeface="Courier New" pitchFamily="49"/>
-                <a:cs typeface="Courier New" pitchFamily="49"/>
-              </a:rPr>
-              <a:t> JSON </a:t>
-            </a:r>
-            <a:r>
-              <a:rPr lang="nl-NL" dirty="0" err="1">
-                <a:solidFill>
-                  <a:srgbClr val="00FF00"/>
-                </a:solidFill>
-                <a:latin typeface="Courier New" pitchFamily="49"/>
-                <a:cs typeface="Courier New" pitchFamily="49"/>
-              </a:rPr>
-              <a:t>mapping</a:t>
-            </a:r>
-            <a:r>
-              <a:rPr lang="nl-NL" dirty="0">
-                <a:solidFill>
-                  <a:srgbClr val="00FF00"/>
-                </a:solidFill>
-                <a:latin typeface="Courier New" pitchFamily="49"/>
-                <a:cs typeface="Courier New" pitchFamily="49"/>
-              </a:rPr>
-              <a:t> </a:t>
-            </a:r>
-            <a:r>
-              <a:rPr lang="nl-NL" dirty="0" err="1">
-                <a:solidFill>
-                  <a:srgbClr val="00FF00"/>
-                </a:solidFill>
-                <a:latin typeface="Courier New" pitchFamily="49"/>
-                <a:cs typeface="Courier New" pitchFamily="49"/>
-              </a:rPr>
-              <a:t>definitions</a:t>
-            </a:r>
-            <a:endParaRPr lang="nl-NL" dirty="0">
-              <a:solidFill>
-                <a:srgbClr val="00FF00"/>
-              </a:solidFill>
-              <a:latin typeface="Courier New" pitchFamily="49"/>
-              <a:cs typeface="Courier New" pitchFamily="49"/>
-            </a:endParaRPr>
-          </a:p>
-          <a:p>
-            <a:pPr lvl="0">
-              <a:buFont typeface="Courier New" pitchFamily="49"/>
-              <a:buChar char="_"/>
-            </a:pPr>
-            <a:endParaRPr lang="nl-NL" dirty="0">
-              <a:solidFill>
-                <a:srgbClr val="00FF00"/>
-              </a:solidFill>
-              <a:latin typeface="Courier New" pitchFamily="49"/>
-              <a:cs typeface="Courier New" pitchFamily="49"/>
-            </a:endParaRPr>
-          </a:p>
-          <a:p>
-            <a:pPr lvl="0">
-              <a:buFont typeface="Courier New" pitchFamily="49"/>
-              <a:buChar char="_"/>
-            </a:pPr>
-            <a:r>
-              <a:rPr lang="nl-NL" dirty="0">
-                <a:solidFill>
-                  <a:srgbClr val="00FF00"/>
-                </a:solidFill>
-                <a:latin typeface="Courier New" pitchFamily="49"/>
-                <a:cs typeface="Courier New" pitchFamily="49"/>
-              </a:rPr>
-              <a:t>‘__files’ </a:t>
-            </a:r>
-            <a:r>
-              <a:rPr lang="nl-NL" dirty="0" err="1">
-                <a:solidFill>
-                  <a:srgbClr val="00FF00"/>
-                </a:solidFill>
-                <a:latin typeface="Courier New" pitchFamily="49"/>
-                <a:cs typeface="Courier New" pitchFamily="49"/>
-              </a:rPr>
-              <a:t>subfolder</a:t>
-            </a:r>
-            <a:r>
-              <a:rPr lang="nl-NL" dirty="0">
-                <a:solidFill>
-                  <a:srgbClr val="00FF00"/>
-                </a:solidFill>
-                <a:latin typeface="Courier New" pitchFamily="49"/>
-                <a:cs typeface="Courier New" pitchFamily="49"/>
-              </a:rPr>
-              <a:t> </a:t>
-            </a:r>
-            <a:r>
-              <a:rPr lang="nl-NL" dirty="0" err="1">
-                <a:solidFill>
-                  <a:srgbClr val="00FF00"/>
-                </a:solidFill>
-                <a:latin typeface="Courier New" pitchFamily="49"/>
-                <a:cs typeface="Courier New" pitchFamily="49"/>
-              </a:rPr>
-              <a:t>contains</a:t>
-            </a:r>
-            <a:r>
-              <a:rPr lang="nl-NL" dirty="0">
-                <a:solidFill>
-                  <a:srgbClr val="00FF00"/>
-                </a:solidFill>
-                <a:latin typeface="Courier New" pitchFamily="49"/>
-                <a:cs typeface="Courier New" pitchFamily="49"/>
-              </a:rPr>
-              <a:t> </a:t>
-            </a:r>
-            <a:r>
-              <a:rPr lang="nl-NL" dirty="0" err="1">
-                <a:solidFill>
-                  <a:srgbClr val="00FF00"/>
-                </a:solidFill>
-                <a:latin typeface="Courier New" pitchFamily="49"/>
-                <a:cs typeface="Courier New" pitchFamily="49"/>
-              </a:rPr>
-              <a:t>additional</a:t>
-            </a:r>
-            <a:r>
-              <a:rPr lang="nl-NL" dirty="0">
-                <a:solidFill>
-                  <a:srgbClr val="00FF00"/>
-                </a:solidFill>
-                <a:latin typeface="Courier New" pitchFamily="49"/>
-                <a:cs typeface="Courier New" pitchFamily="49"/>
-              </a:rPr>
-              <a:t> files</a:t>
+              <a:t>http://wiremock.org/docs/response-templating/</a:t>
             </a:r>
           </a:p>
         </p:txBody>
@@ -18822,7 +19134,7 @@
     </p:spTree>
     <p:extLst>
       <p:ext uri="{BB962C8B-B14F-4D97-AF65-F5344CB8AC3E}">
-        <p14:creationId xmlns:p14="http://schemas.microsoft.com/office/powerpoint/2010/main" val="2341157969"/>
+        <p14:creationId xmlns:p14="http://schemas.microsoft.com/office/powerpoint/2010/main" val="1275183940"/>
       </p:ext>
     </p:extLst>
   </p:cSld>
@@ -18873,41 +19185,76 @@
             <p:ph type="title"/>
           </p:nvPr>
         </p:nvSpPr>
-        <p:spPr/>
+        <p:spPr>
+          <a:xfrm>
+            <a:off x="838202" y="365129"/>
+            <a:ext cx="11048997" cy="1325559"/>
+          </a:xfrm>
+        </p:spPr>
         <p:txBody>
           <a:bodyPr/>
           <a:lstStyle/>
           <a:p>
             <a:pPr lvl="0"/>
             <a:r>
-              <a:rPr lang="nl-NL" dirty="0">
-                <a:solidFill>
-                  <a:srgbClr val="00FF00"/>
-                </a:solidFill>
-                <a:latin typeface="Courier New" pitchFamily="49"/>
-                <a:cs typeface="Courier New" pitchFamily="49"/>
-              </a:rPr>
-              <a:t>JSON </a:t>
-            </a:r>
-            <a:r>
-              <a:rPr lang="nl-NL" dirty="0" err="1">
-                <a:solidFill>
-                  <a:srgbClr val="00FF00"/>
-                </a:solidFill>
-                <a:latin typeface="Courier New" pitchFamily="49"/>
-                <a:cs typeface="Courier New" pitchFamily="49"/>
-              </a:rPr>
-              <a:t>mapping</a:t>
-            </a:r>
-            <a:r>
-              <a:rPr lang="nl-NL" dirty="0">
-                <a:solidFill>
-                  <a:srgbClr val="00FF00"/>
-                </a:solidFill>
-                <a:latin typeface="Courier New" pitchFamily="49"/>
-                <a:cs typeface="Courier New" pitchFamily="49"/>
-              </a:rPr>
-              <a:t> files</a:t>
+              <a:rPr lang="nl-NL" dirty="0" err="1">
+                <a:solidFill>
+                  <a:srgbClr val="00FF00"/>
+                </a:solidFill>
+                <a:latin typeface="Courier New" pitchFamily="49"/>
+                <a:cs typeface="Courier New" pitchFamily="49"/>
+              </a:rPr>
+              <a:t>Request</a:t>
+            </a:r>
+            <a:r>
+              <a:rPr lang="nl-NL" dirty="0">
+                <a:solidFill>
+                  <a:srgbClr val="00FF00"/>
+                </a:solidFill>
+                <a:latin typeface="Courier New" pitchFamily="49"/>
+                <a:cs typeface="Courier New" pitchFamily="49"/>
+              </a:rPr>
+              <a:t> </a:t>
+            </a:r>
+            <a:r>
+              <a:rPr lang="nl-NL" dirty="0" err="1">
+                <a:solidFill>
+                  <a:srgbClr val="00FF00"/>
+                </a:solidFill>
+                <a:latin typeface="Courier New" pitchFamily="49"/>
+                <a:cs typeface="Courier New" pitchFamily="49"/>
+              </a:rPr>
+              <a:t>attributes</a:t>
+            </a:r>
+            <a:r>
+              <a:rPr lang="nl-NL" dirty="0">
+                <a:solidFill>
+                  <a:srgbClr val="00FF00"/>
+                </a:solidFill>
+                <a:latin typeface="Courier New" pitchFamily="49"/>
+                <a:cs typeface="Courier New" pitchFamily="49"/>
+              </a:rPr>
+              <a:t> (</a:t>
+            </a:r>
+            <a:r>
+              <a:rPr lang="nl-NL" dirty="0" err="1">
+                <a:solidFill>
+                  <a:srgbClr val="00FF00"/>
+                </a:solidFill>
+                <a:latin typeface="Courier New" pitchFamily="49"/>
+                <a:cs typeface="Courier New" pitchFamily="49"/>
+              </a:rPr>
+              <a:t>cont’d</a:t>
+            </a:r>
+            <a:r>
+              <a:rPr lang="nl-NL" dirty="0">
+                <a:solidFill>
+                  <a:srgbClr val="00FF00"/>
+                </a:solidFill>
+                <a:latin typeface="Courier New" pitchFamily="49"/>
+                <a:cs typeface="Courier New" pitchFamily="49"/>
+              </a:rPr>
+              <a:t>)</a:t>
             </a:r>
           </a:p>
         </p:txBody>
@@ -18930,12 +19277,14 @@
         </p:nvSpPr>
         <p:spPr>
           <a:xfrm>
-            <a:off x="838203" y="1825627"/>
-            <a:ext cx="11257719" cy="4351336"/>
+            <a:off x="838202" y="1825627"/>
+            <a:ext cx="11353797" cy="4764016"/>
           </a:xfrm>
         </p:spPr>
         <p:txBody>
-          <a:bodyPr/>
+          <a:bodyPr>
+            <a:normAutofit/>
+          </a:bodyPr>
           <a:lstStyle/>
           <a:p>
             <a:pPr lvl="0">
@@ -18950,47 +19299,7 @@
                 <a:latin typeface="Courier New" pitchFamily="49"/>
                 <a:cs typeface="Courier New" pitchFamily="49"/>
               </a:rPr>
-              <a:t>All</a:t>
-            </a:r>
-            <a:r>
-              <a:rPr lang="nl-NL" dirty="0">
-                <a:solidFill>
-                  <a:srgbClr val="00FF00"/>
-                </a:solidFill>
-                <a:latin typeface="Courier New" pitchFamily="49"/>
-                <a:cs typeface="Courier New" pitchFamily="49"/>
-              </a:rPr>
-              <a:t> features </a:t>
-            </a:r>
-            <a:r>
-              <a:rPr lang="nl-NL" dirty="0" err="1">
-                <a:solidFill>
-                  <a:srgbClr val="00FF00"/>
-                </a:solidFill>
-                <a:latin typeface="Courier New" pitchFamily="49"/>
-                <a:cs typeface="Courier New" pitchFamily="49"/>
-              </a:rPr>
-              <a:t>available</a:t>
-            </a:r>
-            <a:r>
-              <a:rPr lang="nl-NL" dirty="0">
-                <a:solidFill>
-                  <a:srgbClr val="00FF00"/>
-                </a:solidFill>
-                <a:latin typeface="Courier New" pitchFamily="49"/>
-                <a:cs typeface="Courier New" pitchFamily="49"/>
-              </a:rPr>
-              <a:t> in Java </a:t>
-            </a:r>
-            <a:r>
-              <a:rPr lang="nl-NL" dirty="0" err="1">
-                <a:solidFill>
-                  <a:srgbClr val="00FF00"/>
-                </a:solidFill>
-                <a:latin typeface="Courier New" pitchFamily="49"/>
-                <a:cs typeface="Courier New" pitchFamily="49"/>
-              </a:rPr>
-              <a:t>also</a:t>
+              <a:t>Extracting</a:t>
             </a:r>
             <a:r>
               <a:rPr lang="nl-NL" dirty="0">
@@ -19010,7 +19319,7 @@
                 <a:latin typeface="Courier New" pitchFamily="49"/>
                 <a:cs typeface="Courier New" pitchFamily="49"/>
               </a:rPr>
-              <a:t>available</a:t>
+              <a:t>and</a:t>
             </a:r>
             <a:r>
               <a:rPr lang="nl-NL" dirty="0">
@@ -19030,27 +19339,27 @@
                 <a:latin typeface="Courier New" pitchFamily="49"/>
                 <a:cs typeface="Courier New" pitchFamily="49"/>
               </a:rPr>
-              <a:t>through</a:t>
-            </a:r>
-            <a:r>
-              <a:rPr lang="nl-NL" dirty="0">
-                <a:solidFill>
-                  <a:srgbClr val="00FF00"/>
-                </a:solidFill>
-                <a:latin typeface="Courier New" pitchFamily="49"/>
-                <a:cs typeface="Courier New" pitchFamily="49"/>
-              </a:rPr>
-              <a:t> JSON </a:t>
-            </a:r>
-            <a:r>
-              <a:rPr lang="nl-NL" dirty="0" err="1">
-                <a:solidFill>
-                  <a:srgbClr val="00FF00"/>
-                </a:solidFill>
-                <a:latin typeface="Courier New" pitchFamily="49"/>
-                <a:cs typeface="Courier New" pitchFamily="49"/>
-              </a:rPr>
-              <a:t>mappings</a:t>
+              <a:t>reusing</a:t>
+            </a:r>
+            <a:r>
+              <a:rPr lang="nl-NL" dirty="0">
+                <a:solidFill>
+                  <a:srgbClr val="00FF00"/>
+                </a:solidFill>
+                <a:latin typeface="Courier New" pitchFamily="49"/>
+                <a:cs typeface="Courier New" pitchFamily="49"/>
+              </a:rPr>
+              <a:t> body </a:t>
+            </a:r>
+            <a:r>
+              <a:rPr lang="nl-NL" dirty="0" err="1">
+                <a:solidFill>
+                  <a:srgbClr val="00FF00"/>
+                </a:solidFill>
+                <a:latin typeface="Courier New" pitchFamily="49"/>
+                <a:cs typeface="Courier New" pitchFamily="49"/>
+              </a:rPr>
+              <a:t>elements</a:t>
             </a:r>
             <a:endParaRPr lang="nl-NL" dirty="0">
               <a:solidFill>
@@ -19079,62 +19388,364 @@
               <a:buChar char="_"/>
             </a:pPr>
             <a:r>
-              <a:rPr lang="nl-NL" dirty="0" err="1">
-                <a:solidFill>
-                  <a:srgbClr val="00FF00"/>
-                </a:solidFill>
-                <a:latin typeface="Courier New" pitchFamily="49"/>
-                <a:cs typeface="Courier New" pitchFamily="49"/>
-              </a:rPr>
-              <a:t>Example</a:t>
-            </a:r>
-            <a:r>
-              <a:rPr lang="nl-NL" dirty="0">
-                <a:solidFill>
-                  <a:srgbClr val="00FF00"/>
-                </a:solidFill>
-                <a:latin typeface="Courier New" pitchFamily="49"/>
-                <a:cs typeface="Courier New" pitchFamily="49"/>
-              </a:rPr>
-              <a:t>:</a:t>
-            </a:r>
+              <a:rPr lang="nl-NL" dirty="0">
+                <a:solidFill>
+                  <a:srgbClr val="00FF00"/>
+                </a:solidFill>
+                <a:latin typeface="Courier New" pitchFamily="49"/>
+                <a:cs typeface="Courier New" pitchFamily="49"/>
+              </a:rPr>
+              <a:t>In case of a JSON </a:t>
+            </a:r>
+            <a:r>
+              <a:rPr lang="nl-NL" dirty="0" err="1">
+                <a:solidFill>
+                  <a:srgbClr val="00FF00"/>
+                </a:solidFill>
+                <a:latin typeface="Courier New" pitchFamily="49"/>
+                <a:cs typeface="Courier New" pitchFamily="49"/>
+              </a:rPr>
+              <a:t>request</a:t>
+            </a:r>
+            <a:r>
+              <a:rPr lang="nl-NL" dirty="0">
+                <a:solidFill>
+                  <a:srgbClr val="00FF00"/>
+                </a:solidFill>
+                <a:latin typeface="Courier New" pitchFamily="49"/>
+                <a:cs typeface="Courier New" pitchFamily="49"/>
+              </a:rPr>
+              <a:t> body:</a:t>
+            </a:r>
+          </a:p>
+          <a:p>
+            <a:pPr>
+              <a:buFont typeface="Courier New" pitchFamily="49"/>
+              <a:buChar char="_"/>
+            </a:pPr>
+            <a:endParaRPr lang="nl-NL" i="1" dirty="0">
+              <a:solidFill>
+                <a:srgbClr val="00FF00"/>
+              </a:solidFill>
+              <a:latin typeface="Courier New" pitchFamily="49"/>
+              <a:cs typeface="Courier New" pitchFamily="49"/>
+            </a:endParaRPr>
+          </a:p>
+          <a:p>
+            <a:pPr marL="0" indent="0">
+              <a:buNone/>
+            </a:pPr>
+            <a:r>
+              <a:rPr lang="nl-NL" i="1" dirty="0">
+                <a:solidFill>
+                  <a:srgbClr val="00FF00"/>
+                </a:solidFill>
+                <a:latin typeface="Courier New" pitchFamily="49"/>
+                <a:cs typeface="Courier New" pitchFamily="49"/>
+              </a:rPr>
+              <a:t>{{</a:t>
+            </a:r>
+            <a:r>
+              <a:rPr lang="nl-NL" i="1" dirty="0" err="1">
+                <a:solidFill>
+                  <a:srgbClr val="00FF00"/>
+                </a:solidFill>
+                <a:latin typeface="Courier New" pitchFamily="49"/>
+                <a:cs typeface="Courier New" pitchFamily="49"/>
+              </a:rPr>
+              <a:t>jsonPath</a:t>
+            </a:r>
+            <a:r>
+              <a:rPr lang="nl-NL" i="1" dirty="0">
+                <a:solidFill>
+                  <a:srgbClr val="00FF00"/>
+                </a:solidFill>
+                <a:latin typeface="Courier New" pitchFamily="49"/>
+                <a:cs typeface="Courier New" pitchFamily="49"/>
+              </a:rPr>
+              <a:t> </a:t>
+            </a:r>
+            <a:r>
+              <a:rPr lang="nl-NL" i="1" dirty="0" err="1">
+                <a:solidFill>
+                  <a:srgbClr val="00FF00"/>
+                </a:solidFill>
+                <a:latin typeface="Courier New" pitchFamily="49"/>
+                <a:cs typeface="Courier New" pitchFamily="49"/>
+              </a:rPr>
+              <a:t>request.body</a:t>
+            </a:r>
+            <a:r>
+              <a:rPr lang="nl-NL" i="1" dirty="0">
+                <a:solidFill>
+                  <a:srgbClr val="00FF00"/>
+                </a:solidFill>
+                <a:latin typeface="Courier New" pitchFamily="49"/>
+                <a:cs typeface="Courier New" pitchFamily="49"/>
+              </a:rPr>
+              <a:t> ‘$.</a:t>
+            </a:r>
+            <a:r>
+              <a:rPr lang="nl-NL" i="1" dirty="0" err="1">
+                <a:solidFill>
+                  <a:srgbClr val="00FF00"/>
+                </a:solidFill>
+                <a:latin typeface="Courier New" pitchFamily="49"/>
+                <a:cs typeface="Courier New" pitchFamily="49"/>
+              </a:rPr>
+              <a:t>path.to.element</a:t>
+            </a:r>
+            <a:r>
+              <a:rPr lang="nl-NL" i="1" dirty="0">
+                <a:solidFill>
+                  <a:srgbClr val="00FF00"/>
+                </a:solidFill>
+                <a:latin typeface="Courier New" pitchFamily="49"/>
+                <a:cs typeface="Courier New" pitchFamily="49"/>
+              </a:rPr>
+              <a:t>’}}</a:t>
+            </a:r>
+            <a:endParaRPr lang="nl-NL" dirty="0">
+              <a:solidFill>
+                <a:srgbClr val="00FF00"/>
+              </a:solidFill>
+              <a:latin typeface="Courier New" pitchFamily="49"/>
+              <a:cs typeface="Courier New" pitchFamily="49"/>
+            </a:endParaRPr>
+          </a:p>
+          <a:p>
+            <a:pPr lvl="0">
+              <a:buFont typeface="Courier New" pitchFamily="49"/>
+              <a:buChar char="_"/>
+            </a:pPr>
+            <a:endParaRPr lang="nl-NL" dirty="0">
+              <a:solidFill>
+                <a:srgbClr val="00FF00"/>
+              </a:solidFill>
+              <a:latin typeface="Courier New" pitchFamily="49"/>
+              <a:cs typeface="Courier New" pitchFamily="49"/>
+            </a:endParaRPr>
+          </a:p>
+          <a:p>
+            <a:pPr lvl="0">
+              <a:buFont typeface="Courier New" pitchFamily="49"/>
+              <a:buChar char="_"/>
+            </a:pPr>
+            <a:r>
+              <a:rPr lang="nl-NL" dirty="0">
+                <a:solidFill>
+                  <a:srgbClr val="00FF00"/>
+                </a:solidFill>
+                <a:latin typeface="Courier New" pitchFamily="49"/>
+                <a:cs typeface="Courier New" pitchFamily="49"/>
+              </a:rPr>
+              <a:t>In case of </a:t>
+            </a:r>
+            <a:r>
+              <a:rPr lang="nl-NL" dirty="0" err="1">
+                <a:solidFill>
+                  <a:srgbClr val="00FF00"/>
+                </a:solidFill>
+                <a:latin typeface="Courier New" pitchFamily="49"/>
+                <a:cs typeface="Courier New" pitchFamily="49"/>
+              </a:rPr>
+              <a:t>an</a:t>
+            </a:r>
+            <a:r>
+              <a:rPr lang="nl-NL" dirty="0">
+                <a:solidFill>
+                  <a:srgbClr val="00FF00"/>
+                </a:solidFill>
+                <a:latin typeface="Courier New" pitchFamily="49"/>
+                <a:cs typeface="Courier New" pitchFamily="49"/>
+              </a:rPr>
+              <a:t> XML </a:t>
+            </a:r>
+            <a:r>
+              <a:rPr lang="nl-NL" dirty="0" err="1">
+                <a:solidFill>
+                  <a:srgbClr val="00FF00"/>
+                </a:solidFill>
+                <a:latin typeface="Courier New" pitchFamily="49"/>
+                <a:cs typeface="Courier New" pitchFamily="49"/>
+              </a:rPr>
+              <a:t>request</a:t>
+            </a:r>
+            <a:r>
+              <a:rPr lang="nl-NL" dirty="0">
+                <a:solidFill>
+                  <a:srgbClr val="00FF00"/>
+                </a:solidFill>
+                <a:latin typeface="Courier New" pitchFamily="49"/>
+                <a:cs typeface="Courier New" pitchFamily="49"/>
+              </a:rPr>
+              <a:t> body: </a:t>
+            </a:r>
+          </a:p>
+          <a:p>
+            <a:pPr marL="0" lvl="0" indent="0">
+              <a:buNone/>
+            </a:pPr>
+            <a:endParaRPr lang="nl-NL" dirty="0">
+              <a:solidFill>
+                <a:srgbClr val="00FF00"/>
+              </a:solidFill>
+              <a:latin typeface="Courier New" pitchFamily="49"/>
+              <a:cs typeface="Courier New" pitchFamily="49"/>
+            </a:endParaRPr>
+          </a:p>
+          <a:p>
+            <a:pPr marL="0" indent="0">
+              <a:buNone/>
+            </a:pPr>
+            <a:r>
+              <a:rPr lang="nl-NL" i="1" dirty="0">
+                <a:solidFill>
+                  <a:srgbClr val="00FF00"/>
+                </a:solidFill>
+                <a:latin typeface="Courier New" pitchFamily="49"/>
+                <a:cs typeface="Courier New" pitchFamily="49"/>
+              </a:rPr>
+              <a:t>{{</a:t>
+            </a:r>
+            <a:r>
+              <a:rPr lang="nl-NL" i="1" dirty="0" err="1">
+                <a:solidFill>
+                  <a:srgbClr val="00FF00"/>
+                </a:solidFill>
+                <a:latin typeface="Courier New" pitchFamily="49"/>
+                <a:cs typeface="Courier New" pitchFamily="49"/>
+              </a:rPr>
+              <a:t>xPath</a:t>
+            </a:r>
+            <a:r>
+              <a:rPr lang="nl-NL" i="1" dirty="0">
+                <a:solidFill>
+                  <a:srgbClr val="00FF00"/>
+                </a:solidFill>
+                <a:latin typeface="Courier New" pitchFamily="49"/>
+                <a:cs typeface="Courier New" pitchFamily="49"/>
+              </a:rPr>
+              <a:t> </a:t>
+            </a:r>
+            <a:r>
+              <a:rPr lang="nl-NL" i="1" dirty="0" err="1">
+                <a:solidFill>
+                  <a:srgbClr val="00FF00"/>
+                </a:solidFill>
+                <a:latin typeface="Courier New" pitchFamily="49"/>
+                <a:cs typeface="Courier New" pitchFamily="49"/>
+              </a:rPr>
+              <a:t>request.body</a:t>
+            </a:r>
+            <a:r>
+              <a:rPr lang="nl-NL" i="1" dirty="0">
+                <a:solidFill>
+                  <a:srgbClr val="00FF00"/>
+                </a:solidFill>
+                <a:latin typeface="Courier New" pitchFamily="49"/>
+                <a:cs typeface="Courier New" pitchFamily="49"/>
+              </a:rPr>
+              <a:t> ‘/</a:t>
+            </a:r>
+            <a:r>
+              <a:rPr lang="nl-NL" i="1" dirty="0" err="1">
+                <a:solidFill>
+                  <a:srgbClr val="00FF00"/>
+                </a:solidFill>
+                <a:latin typeface="Courier New" pitchFamily="49"/>
+                <a:cs typeface="Courier New" pitchFamily="49"/>
+              </a:rPr>
+              <a:t>path</a:t>
+            </a:r>
+            <a:r>
+              <a:rPr lang="nl-NL" i="1" dirty="0">
+                <a:solidFill>
+                  <a:srgbClr val="00FF00"/>
+                </a:solidFill>
+                <a:latin typeface="Courier New" pitchFamily="49"/>
+                <a:cs typeface="Courier New" pitchFamily="49"/>
+              </a:rPr>
+              <a:t>/</a:t>
+            </a:r>
+            <a:r>
+              <a:rPr lang="nl-NL" i="1" dirty="0" err="1">
+                <a:solidFill>
+                  <a:srgbClr val="00FF00"/>
+                </a:solidFill>
+                <a:latin typeface="Courier New" pitchFamily="49"/>
+                <a:cs typeface="Courier New" pitchFamily="49"/>
+              </a:rPr>
+              <a:t>to</a:t>
+            </a:r>
+            <a:r>
+              <a:rPr lang="nl-NL" i="1" dirty="0">
+                <a:solidFill>
+                  <a:srgbClr val="00FF00"/>
+                </a:solidFill>
+                <a:latin typeface="Courier New" pitchFamily="49"/>
+                <a:cs typeface="Courier New" pitchFamily="49"/>
+              </a:rPr>
+              <a:t>/element/</a:t>
+            </a:r>
+            <a:r>
+              <a:rPr lang="nl-NL" i="1" dirty="0" err="1">
+                <a:solidFill>
+                  <a:srgbClr val="00FF00"/>
+                </a:solidFill>
+                <a:latin typeface="Courier New" pitchFamily="49"/>
+                <a:cs typeface="Courier New" pitchFamily="49"/>
+              </a:rPr>
+              <a:t>text</a:t>
+            </a:r>
+            <a:r>
+              <a:rPr lang="nl-NL" i="1" dirty="0">
+                <a:solidFill>
+                  <a:srgbClr val="00FF00"/>
+                </a:solidFill>
+                <a:latin typeface="Courier New" pitchFamily="49"/>
+                <a:cs typeface="Courier New" pitchFamily="49"/>
+              </a:rPr>
+              <a:t>()’}}</a:t>
+            </a:r>
+            <a:endParaRPr lang="nl-NL" dirty="0">
+              <a:solidFill>
+                <a:srgbClr val="00FF00"/>
+              </a:solidFill>
+              <a:latin typeface="Courier New" pitchFamily="49"/>
+              <a:cs typeface="Courier New" pitchFamily="49"/>
+            </a:endParaRPr>
+          </a:p>
+          <a:p>
+            <a:pPr marL="0" lvl="0" indent="0">
+              <a:buNone/>
+            </a:pPr>
+            <a:endParaRPr lang="nl-NL" i="1" dirty="0">
+              <a:solidFill>
+                <a:srgbClr val="00FF00"/>
+              </a:solidFill>
+              <a:latin typeface="Courier New" pitchFamily="49"/>
+              <a:cs typeface="Courier New" pitchFamily="49"/>
+            </a:endParaRPr>
+          </a:p>
+          <a:p>
+            <a:pPr marL="0" indent="0">
+              <a:buNone/>
+            </a:pPr>
+            <a:endParaRPr lang="nl-NL" i="1" dirty="0">
+              <a:solidFill>
+                <a:srgbClr val="00FF00"/>
+              </a:solidFill>
+              <a:latin typeface="Courier New" pitchFamily="49"/>
+              <a:cs typeface="Courier New" pitchFamily="49"/>
+            </a:endParaRPr>
           </a:p>
         </p:txBody>
       </p:sp>
-      <p:pic>
-        <p:nvPicPr>
-          <p:cNvPr id="4" name="Picture 3">
-            <a:extLst>
-              <a:ext uri="{FF2B5EF4-FFF2-40B4-BE49-F238E27FC236}">
-                <a16:creationId xmlns:a16="http://schemas.microsoft.com/office/drawing/2014/main" id="{997D5A66-791C-4D00-919A-1233370F077B}"/>
-              </a:ext>
-            </a:extLst>
-          </p:cNvPr>
-          <p:cNvPicPr>
-            <a:picLocks noChangeAspect="1"/>
-          </p:cNvPicPr>
-          <p:nvPr/>
-        </p:nvPicPr>
-        <p:blipFill>
-          <a:blip r:embed="rId2"/>
-          <a:stretch>
-            <a:fillRect/>
-          </a:stretch>
-        </p:blipFill>
-        <p:spPr>
-          <a:xfrm>
-            <a:off x="3134647" y="3038194"/>
-            <a:ext cx="5572031" cy="3548453"/>
-          </a:xfrm>
-          <a:prstGeom prst="rect">
-            <a:avLst/>
-          </a:prstGeom>
-        </p:spPr>
-      </p:pic>
     </p:spTree>
     <p:extLst>
       <p:ext uri="{BB962C8B-B14F-4D97-AF65-F5344CB8AC3E}">
-        <p14:creationId xmlns:p14="http://schemas.microsoft.com/office/powerpoint/2010/main" val="814300950"/>
+        <p14:creationId xmlns:p14="http://schemas.microsoft.com/office/powerpoint/2010/main" val="2512208659"/>
       </p:ext>
     </p:extLst>
   </p:cSld>
@@ -19185,7 +19796,12 @@
             <p:ph type="title"/>
           </p:nvPr>
         </p:nvSpPr>
-        <p:spPr/>
+        <p:spPr>
+          <a:xfrm>
+            <a:off x="838202" y="365129"/>
+            <a:ext cx="11048997" cy="1325559"/>
+          </a:xfrm>
+        </p:spPr>
         <p:txBody>
           <a:bodyPr/>
           <a:lstStyle/>
@@ -19209,18 +19825,35 @@
                 <a:latin typeface="Courier New" pitchFamily="49"/>
                 <a:cs typeface="Courier New" pitchFamily="49"/>
               </a:rPr>
-              <a:t>mapping</a:t>
-            </a:r>
-            <a:r>
-              <a:rPr lang="nl-NL" dirty="0">
-                <a:solidFill>
-                  <a:srgbClr val="00FF00"/>
-                </a:solidFill>
-                <a:latin typeface="Courier New" pitchFamily="49"/>
-                <a:cs typeface="Courier New" pitchFamily="49"/>
-              </a:rPr>
-              <a:t> files</a:t>
-            </a:r>
+              <a:t>extraction</a:t>
+            </a:r>
+            <a:r>
+              <a:rPr lang="nl-NL" dirty="0">
+                <a:solidFill>
+                  <a:srgbClr val="00FF00"/>
+                </a:solidFill>
+                <a:latin typeface="Courier New" pitchFamily="49"/>
+                <a:cs typeface="Courier New" pitchFamily="49"/>
+              </a:rPr>
+              <a:t> </a:t>
+            </a:r>
+            <a:r>
+              <a:rPr lang="nl-NL" dirty="0" err="1">
+                <a:solidFill>
+                  <a:srgbClr val="00FF00"/>
+                </a:solidFill>
+                <a:latin typeface="Courier New" pitchFamily="49"/>
+                <a:cs typeface="Courier New" pitchFamily="49"/>
+              </a:rPr>
+              <a:t>example</a:t>
+            </a:r>
+            <a:endParaRPr lang="nl-NL" dirty="0">
+              <a:solidFill>
+                <a:srgbClr val="00FF00"/>
+              </a:solidFill>
+              <a:latin typeface="Courier New" pitchFamily="49"/>
+              <a:cs typeface="Courier New" pitchFamily="49"/>
+            </a:endParaRPr>
           </a:p>
         </p:txBody>
       </p:sp>
@@ -19243,7 +19876,7 @@
         <p:spPr>
           <a:xfrm>
             <a:off x="838203" y="1825627"/>
-            <a:ext cx="11257719" cy="4351336"/>
+            <a:ext cx="11143893" cy="4351336"/>
           </a:xfrm>
         </p:spPr>
         <p:txBody>
@@ -19262,293 +19895,262 @@
                 <a:latin typeface="Courier New" pitchFamily="49"/>
                 <a:cs typeface="Courier New" pitchFamily="49"/>
               </a:rPr>
-              <a:t>Documentation</a:t>
-            </a:r>
-            <a:r>
-              <a:rPr lang="nl-NL" dirty="0">
-                <a:solidFill>
-                  <a:srgbClr val="00FF00"/>
-                </a:solidFill>
-                <a:latin typeface="Courier New" pitchFamily="49"/>
-                <a:cs typeface="Courier New" pitchFamily="49"/>
-              </a:rPr>
-              <a:t> of </a:t>
-            </a:r>
-            <a:r>
-              <a:rPr lang="nl-NL" dirty="0" err="1">
-                <a:solidFill>
-                  <a:srgbClr val="00FF00"/>
-                </a:solidFill>
-                <a:latin typeface="Courier New" pitchFamily="49"/>
-                <a:cs typeface="Courier New" pitchFamily="49"/>
-              </a:rPr>
-              <a:t>all</a:t>
-            </a:r>
-            <a:r>
-              <a:rPr lang="nl-NL" dirty="0">
-                <a:solidFill>
-                  <a:srgbClr val="00FF00"/>
-                </a:solidFill>
-                <a:latin typeface="Courier New" pitchFamily="49"/>
-                <a:cs typeface="Courier New" pitchFamily="49"/>
-              </a:rPr>
-              <a:t> features, </a:t>
-            </a:r>
-            <a:r>
-              <a:rPr lang="nl-NL" dirty="0" err="1">
-                <a:solidFill>
-                  <a:srgbClr val="00FF00"/>
-                </a:solidFill>
-                <a:latin typeface="Courier New" pitchFamily="49"/>
-                <a:cs typeface="Courier New" pitchFamily="49"/>
-              </a:rPr>
-              <a:t>along</a:t>
-            </a:r>
-            <a:r>
-              <a:rPr lang="nl-NL" dirty="0">
-                <a:solidFill>
-                  <a:srgbClr val="00FF00"/>
-                </a:solidFill>
-                <a:latin typeface="Courier New" pitchFamily="49"/>
-                <a:cs typeface="Courier New" pitchFamily="49"/>
-              </a:rPr>
-              <a:t> </a:t>
-            </a:r>
-            <a:r>
-              <a:rPr lang="nl-NL" dirty="0" err="1">
-                <a:solidFill>
-                  <a:srgbClr val="00FF00"/>
-                </a:solidFill>
-                <a:latin typeface="Courier New" pitchFamily="49"/>
-                <a:cs typeface="Courier New" pitchFamily="49"/>
-              </a:rPr>
-              <a:t>with</a:t>
-            </a:r>
-            <a:r>
-              <a:rPr lang="nl-NL" dirty="0">
-                <a:solidFill>
-                  <a:srgbClr val="00FF00"/>
-                </a:solidFill>
-                <a:latin typeface="Courier New" pitchFamily="49"/>
-                <a:cs typeface="Courier New" pitchFamily="49"/>
-              </a:rPr>
-              <a:t> </a:t>
-            </a:r>
-            <a:r>
-              <a:rPr lang="nl-NL" dirty="0" err="1">
-                <a:solidFill>
-                  <a:srgbClr val="00FF00"/>
-                </a:solidFill>
-                <a:latin typeface="Courier New" pitchFamily="49"/>
-                <a:cs typeface="Courier New" pitchFamily="49"/>
-              </a:rPr>
-              <a:t>examples</a:t>
-            </a:r>
-            <a:r>
-              <a:rPr lang="nl-NL" dirty="0">
-                <a:solidFill>
-                  <a:srgbClr val="00FF00"/>
-                </a:solidFill>
-                <a:latin typeface="Courier New" pitchFamily="49"/>
-                <a:cs typeface="Courier New" pitchFamily="49"/>
-              </a:rPr>
-              <a:t> on </a:t>
-            </a:r>
-            <a:r>
-              <a:rPr lang="nl-NL" dirty="0" err="1">
-                <a:solidFill>
-                  <a:srgbClr val="00FF00"/>
-                </a:solidFill>
-                <a:latin typeface="Courier New" pitchFamily="49"/>
-                <a:cs typeface="Courier New" pitchFamily="49"/>
-              </a:rPr>
-              <a:t>how</a:t>
-            </a:r>
-            <a:r>
-              <a:rPr lang="nl-NL" dirty="0">
-                <a:solidFill>
-                  <a:srgbClr val="00FF00"/>
-                </a:solidFill>
-                <a:latin typeface="Courier New" pitchFamily="49"/>
-                <a:cs typeface="Courier New" pitchFamily="49"/>
-              </a:rPr>
-              <a:t> </a:t>
-            </a:r>
-            <a:r>
-              <a:rPr lang="nl-NL" dirty="0" err="1">
-                <a:solidFill>
-                  <a:srgbClr val="00FF00"/>
-                </a:solidFill>
-                <a:latin typeface="Courier New" pitchFamily="49"/>
-                <a:cs typeface="Courier New" pitchFamily="49"/>
-              </a:rPr>
-              <a:t>to</a:t>
-            </a:r>
-            <a:r>
-              <a:rPr lang="nl-NL" dirty="0">
-                <a:solidFill>
-                  <a:srgbClr val="00FF00"/>
-                </a:solidFill>
-                <a:latin typeface="Courier New" pitchFamily="49"/>
-                <a:cs typeface="Courier New" pitchFamily="49"/>
-              </a:rPr>
-              <a:t> </a:t>
-            </a:r>
-            <a:r>
-              <a:rPr lang="nl-NL" dirty="0" err="1">
-                <a:solidFill>
-                  <a:srgbClr val="00FF00"/>
-                </a:solidFill>
-                <a:latin typeface="Courier New" pitchFamily="49"/>
-                <a:cs typeface="Courier New" pitchFamily="49"/>
-              </a:rPr>
-              <a:t>implement</a:t>
-            </a:r>
-            <a:r>
-              <a:rPr lang="nl-NL" dirty="0">
-                <a:solidFill>
-                  <a:srgbClr val="00FF00"/>
-                </a:solidFill>
-                <a:latin typeface="Courier New" pitchFamily="49"/>
-                <a:cs typeface="Courier New" pitchFamily="49"/>
-              </a:rPr>
-              <a:t> </a:t>
-            </a:r>
-            <a:r>
-              <a:rPr lang="nl-NL" dirty="0" err="1">
-                <a:solidFill>
-                  <a:srgbClr val="00FF00"/>
-                </a:solidFill>
-                <a:latin typeface="Courier New" pitchFamily="49"/>
-                <a:cs typeface="Courier New" pitchFamily="49"/>
-              </a:rPr>
-              <a:t>them</a:t>
-            </a:r>
-            <a:r>
-              <a:rPr lang="nl-NL" dirty="0">
-                <a:solidFill>
-                  <a:srgbClr val="00FF00"/>
-                </a:solidFill>
-                <a:latin typeface="Courier New" pitchFamily="49"/>
-                <a:cs typeface="Courier New" pitchFamily="49"/>
-              </a:rPr>
-              <a:t> </a:t>
-            </a:r>
-            <a:r>
-              <a:rPr lang="nl-NL" dirty="0" err="1">
-                <a:solidFill>
-                  <a:srgbClr val="00FF00"/>
-                </a:solidFill>
-                <a:latin typeface="Courier New" pitchFamily="49"/>
-                <a:cs typeface="Courier New" pitchFamily="49"/>
-              </a:rPr>
-              <a:t>through</a:t>
-            </a:r>
-            <a:r>
-              <a:rPr lang="nl-NL" dirty="0">
-                <a:solidFill>
-                  <a:srgbClr val="00FF00"/>
-                </a:solidFill>
-                <a:latin typeface="Courier New" pitchFamily="49"/>
-                <a:cs typeface="Courier New" pitchFamily="49"/>
-              </a:rPr>
-              <a:t> JSON </a:t>
-            </a:r>
-            <a:r>
-              <a:rPr lang="nl-NL" dirty="0" err="1">
-                <a:solidFill>
-                  <a:srgbClr val="00FF00"/>
-                </a:solidFill>
-                <a:latin typeface="Courier New" pitchFamily="49"/>
-                <a:cs typeface="Courier New" pitchFamily="49"/>
-              </a:rPr>
-              <a:t>mapping</a:t>
-            </a:r>
-            <a:r>
-              <a:rPr lang="nl-NL" dirty="0">
-                <a:solidFill>
-                  <a:srgbClr val="00FF00"/>
-                </a:solidFill>
-                <a:latin typeface="Courier New" pitchFamily="49"/>
-                <a:cs typeface="Courier New" pitchFamily="49"/>
-              </a:rPr>
-              <a:t> files </a:t>
-            </a:r>
-            <a:r>
-              <a:rPr lang="nl-NL" dirty="0" err="1">
-                <a:solidFill>
-                  <a:srgbClr val="00FF00"/>
-                </a:solidFill>
-                <a:latin typeface="Courier New" pitchFamily="49"/>
-                <a:cs typeface="Courier New" pitchFamily="49"/>
-              </a:rPr>
-              <a:t>can</a:t>
-            </a:r>
-            <a:r>
-              <a:rPr lang="nl-NL" dirty="0">
-                <a:solidFill>
-                  <a:srgbClr val="00FF00"/>
-                </a:solidFill>
-                <a:latin typeface="Courier New" pitchFamily="49"/>
-                <a:cs typeface="Courier New" pitchFamily="49"/>
-              </a:rPr>
-              <a:t> </a:t>
-            </a:r>
-            <a:r>
-              <a:rPr lang="nl-NL" dirty="0" err="1">
-                <a:solidFill>
-                  <a:srgbClr val="00FF00"/>
-                </a:solidFill>
-                <a:latin typeface="Courier New" pitchFamily="49"/>
-                <a:cs typeface="Courier New" pitchFamily="49"/>
-              </a:rPr>
-              <a:t>be</a:t>
-            </a:r>
-            <a:r>
-              <a:rPr lang="nl-NL" dirty="0">
-                <a:solidFill>
-                  <a:srgbClr val="00FF00"/>
-                </a:solidFill>
-                <a:latin typeface="Courier New" pitchFamily="49"/>
-                <a:cs typeface="Courier New" pitchFamily="49"/>
-              </a:rPr>
-              <a:t> found at</a:t>
-            </a:r>
-          </a:p>
-          <a:p>
-            <a:pPr lvl="0">
-              <a:buFont typeface="Courier New" pitchFamily="49"/>
-              <a:buChar char="_"/>
-            </a:pPr>
-            <a:endParaRPr lang="nl-NL" dirty="0">
-              <a:solidFill>
-                <a:srgbClr val="00FF00"/>
-              </a:solidFill>
-              <a:latin typeface="Courier New" pitchFamily="49"/>
-              <a:cs typeface="Courier New" pitchFamily="49"/>
-            </a:endParaRPr>
+              <a:t>When</a:t>
+            </a:r>
+            <a:r>
+              <a:rPr lang="nl-NL" dirty="0">
+                <a:solidFill>
+                  <a:srgbClr val="00FF00"/>
+                </a:solidFill>
+                <a:latin typeface="Courier New" pitchFamily="49"/>
+                <a:cs typeface="Courier New" pitchFamily="49"/>
+              </a:rPr>
+              <a:t> sent </a:t>
+            </a:r>
+            <a:r>
+              <a:rPr lang="nl-NL" dirty="0" err="1">
+                <a:solidFill>
+                  <a:srgbClr val="00FF00"/>
+                </a:solidFill>
+                <a:latin typeface="Courier New" pitchFamily="49"/>
+                <a:cs typeface="Courier New" pitchFamily="49"/>
+              </a:rPr>
+              <a:t>this</a:t>
+            </a:r>
+            <a:r>
+              <a:rPr lang="nl-NL" dirty="0">
+                <a:solidFill>
+                  <a:srgbClr val="00FF00"/>
+                </a:solidFill>
+                <a:latin typeface="Courier New" pitchFamily="49"/>
+                <a:cs typeface="Courier New" pitchFamily="49"/>
+              </a:rPr>
+              <a:t> JSON</a:t>
+            </a:r>
           </a:p>
           <a:p>
             <a:pPr marL="0" lvl="0" indent="0">
               <a:buNone/>
             </a:pPr>
             <a:r>
-              <a:rPr lang="nl-NL" i="1" dirty="0">
-                <a:solidFill>
-                  <a:srgbClr val="00FF00"/>
-                </a:solidFill>
-                <a:latin typeface="Courier New" pitchFamily="49"/>
-                <a:cs typeface="Courier New" pitchFamily="49"/>
-              </a:rPr>
-              <a:t>http://wiremock.org/docs/</a:t>
+              <a:rPr lang="nl-NL" dirty="0" err="1">
+                <a:solidFill>
+                  <a:srgbClr val="00FF00"/>
+                </a:solidFill>
+                <a:latin typeface="Courier New" pitchFamily="49"/>
+                <a:cs typeface="Courier New" pitchFamily="49"/>
+              </a:rPr>
+              <a:t>request</a:t>
+            </a:r>
+            <a:r>
+              <a:rPr lang="nl-NL" dirty="0">
+                <a:solidFill>
+                  <a:srgbClr val="00FF00"/>
+                </a:solidFill>
+                <a:latin typeface="Courier New" pitchFamily="49"/>
+                <a:cs typeface="Courier New" pitchFamily="49"/>
+              </a:rPr>
+              <a:t> body:</a:t>
+            </a:r>
+          </a:p>
+          <a:p>
+            <a:pPr lvl="0">
+              <a:buFont typeface="Courier New" pitchFamily="49"/>
+              <a:buChar char="_"/>
+            </a:pPr>
+            <a:endParaRPr lang="nl-NL" dirty="0">
+              <a:solidFill>
+                <a:srgbClr val="00FF00"/>
+              </a:solidFill>
+              <a:latin typeface="Courier New" pitchFamily="49"/>
+              <a:cs typeface="Courier New" pitchFamily="49"/>
+            </a:endParaRPr>
+          </a:p>
+          <a:p>
+            <a:pPr lvl="0">
+              <a:buFont typeface="Courier New" pitchFamily="49"/>
+              <a:buChar char="_"/>
+            </a:pPr>
+            <a:endParaRPr lang="nl-NL" dirty="0">
+              <a:solidFill>
+                <a:srgbClr val="00FF00"/>
+              </a:solidFill>
+              <a:latin typeface="Courier New" pitchFamily="49"/>
+              <a:cs typeface="Courier New" pitchFamily="49"/>
+            </a:endParaRPr>
+          </a:p>
+          <a:p>
+            <a:pPr lvl="0">
+              <a:buFont typeface="Courier New" pitchFamily="49"/>
+              <a:buChar char="_"/>
+            </a:pPr>
+            <a:r>
+              <a:rPr lang="nl-NL" dirty="0" err="1">
+                <a:solidFill>
+                  <a:srgbClr val="00FF00"/>
+                </a:solidFill>
+                <a:latin typeface="Courier New" pitchFamily="49"/>
+                <a:cs typeface="Courier New" pitchFamily="49"/>
+              </a:rPr>
+              <a:t>This</a:t>
+            </a:r>
+            <a:r>
+              <a:rPr lang="nl-NL" dirty="0">
+                <a:solidFill>
+                  <a:srgbClr val="00FF00"/>
+                </a:solidFill>
+                <a:latin typeface="Courier New" pitchFamily="49"/>
+                <a:cs typeface="Courier New" pitchFamily="49"/>
+              </a:rPr>
+              <a:t> </a:t>
+            </a:r>
+            <a:r>
+              <a:rPr lang="nl-NL" dirty="0" err="1">
+                <a:solidFill>
+                  <a:srgbClr val="00FF00"/>
+                </a:solidFill>
+                <a:latin typeface="Courier New" pitchFamily="49"/>
+                <a:cs typeface="Courier New" pitchFamily="49"/>
+              </a:rPr>
+              <a:t>stub</a:t>
+            </a:r>
+            <a:r>
+              <a:rPr lang="nl-NL" dirty="0">
+                <a:solidFill>
+                  <a:srgbClr val="00FF00"/>
+                </a:solidFill>
+                <a:latin typeface="Courier New" pitchFamily="49"/>
+                <a:cs typeface="Courier New" pitchFamily="49"/>
+              </a:rPr>
+              <a:t> returns a response </a:t>
+            </a:r>
+            <a:r>
+              <a:rPr lang="nl-NL" dirty="0" err="1">
+                <a:solidFill>
+                  <a:srgbClr val="00FF00"/>
+                </a:solidFill>
+                <a:latin typeface="Courier New" pitchFamily="49"/>
+                <a:cs typeface="Courier New" pitchFamily="49"/>
+              </a:rPr>
+              <a:t>with</a:t>
+            </a:r>
+            <a:r>
+              <a:rPr lang="nl-NL" dirty="0">
+                <a:solidFill>
+                  <a:srgbClr val="00FF00"/>
+                </a:solidFill>
+                <a:latin typeface="Courier New" pitchFamily="49"/>
+                <a:cs typeface="Courier New" pitchFamily="49"/>
+              </a:rPr>
+              <a:t> body “</a:t>
+            </a:r>
+            <a:r>
+              <a:rPr lang="nl-NL" dirty="0" err="1">
+                <a:solidFill>
+                  <a:srgbClr val="00FF00"/>
+                </a:solidFill>
+                <a:latin typeface="Courier New" pitchFamily="49"/>
+                <a:cs typeface="Courier New" pitchFamily="49"/>
+              </a:rPr>
+              <a:t>Pillars</a:t>
+            </a:r>
+            <a:r>
+              <a:rPr lang="nl-NL" dirty="0">
+                <a:solidFill>
+                  <a:srgbClr val="00FF00"/>
+                </a:solidFill>
+                <a:latin typeface="Courier New" pitchFamily="49"/>
+                <a:cs typeface="Courier New" pitchFamily="49"/>
+              </a:rPr>
+              <a:t> of </a:t>
+            </a:r>
+            <a:r>
+              <a:rPr lang="nl-NL" dirty="0" err="1">
+                <a:solidFill>
+                  <a:srgbClr val="00FF00"/>
+                </a:solidFill>
+                <a:latin typeface="Courier New" pitchFamily="49"/>
+                <a:cs typeface="Courier New" pitchFamily="49"/>
+              </a:rPr>
+              <a:t>the</a:t>
+            </a:r>
+            <a:r>
+              <a:rPr lang="nl-NL" dirty="0">
+                <a:solidFill>
+                  <a:srgbClr val="00FF00"/>
+                </a:solidFill>
+                <a:latin typeface="Courier New" pitchFamily="49"/>
+                <a:cs typeface="Courier New" pitchFamily="49"/>
+              </a:rPr>
+              <a:t> Earth”:</a:t>
             </a:r>
           </a:p>
         </p:txBody>
       </p:sp>
+      <p:pic>
+        <p:nvPicPr>
+          <p:cNvPr id="4" name="Picture 3">
+            <a:extLst>
+              <a:ext uri="{FF2B5EF4-FFF2-40B4-BE49-F238E27FC236}">
+                <a16:creationId xmlns:a16="http://schemas.microsoft.com/office/drawing/2014/main" id="{404CF2BD-5444-418C-A24C-ACB871096235}"/>
+              </a:ext>
+            </a:extLst>
+          </p:cNvPr>
+          <p:cNvPicPr>
+            <a:picLocks noChangeAspect="1"/>
+          </p:cNvPicPr>
+          <p:nvPr/>
+        </p:nvPicPr>
+        <p:blipFill>
+          <a:blip r:embed="rId2"/>
+          <a:stretch>
+            <a:fillRect/>
+          </a:stretch>
+        </p:blipFill>
+        <p:spPr>
+          <a:xfrm>
+            <a:off x="6096000" y="1885950"/>
+            <a:ext cx="4562475" cy="1543050"/>
+          </a:xfrm>
+          <a:prstGeom prst="rect">
+            <a:avLst/>
+          </a:prstGeom>
+        </p:spPr>
+      </p:pic>
+      <p:pic>
+        <p:nvPicPr>
+          <p:cNvPr id="6" name="Picture 5">
+            <a:extLst>
+              <a:ext uri="{FF2B5EF4-FFF2-40B4-BE49-F238E27FC236}">
+                <a16:creationId xmlns:a16="http://schemas.microsoft.com/office/drawing/2014/main" id="{E0F3DE56-2180-450B-B05C-07E1F1F8137D}"/>
+              </a:ext>
+            </a:extLst>
+          </p:cNvPr>
+          <p:cNvPicPr>
+            <a:picLocks noChangeAspect="1"/>
+          </p:cNvPicPr>
+          <p:nvPr/>
+        </p:nvPicPr>
+        <p:blipFill>
+          <a:blip r:embed="rId3"/>
+          <a:stretch>
+            <a:fillRect/>
+          </a:stretch>
+        </p:blipFill>
+        <p:spPr>
+          <a:xfrm>
+            <a:off x="4200524" y="4513985"/>
+            <a:ext cx="7686675" cy="2038350"/>
+          </a:xfrm>
+          <a:prstGeom prst="rect">
+            <a:avLst/>
+          </a:prstGeom>
+        </p:spPr>
+      </p:pic>
     </p:spTree>
     <p:extLst>
       <p:ext uri="{BB962C8B-B14F-4D97-AF65-F5344CB8AC3E}">
-        <p14:creationId xmlns:p14="http://schemas.microsoft.com/office/powerpoint/2010/main" val="2202770581"/>
+        <p14:creationId xmlns:p14="http://schemas.microsoft.com/office/powerpoint/2010/main" val="2801378090"/>
       </p:ext>
     </p:extLst>
   </p:cSld>
@@ -19560,7 +20162,7 @@
 
 <file path=ppt/slides/slide44.xml><?xml version="1.0" encoding="utf-8"?>
 <p:sld xmlns:a="http://schemas.openxmlformats.org/drawingml/2006/main" xmlns:r="http://schemas.openxmlformats.org/officeDocument/2006/relationships" xmlns:p="http://schemas.openxmlformats.org/presentationml/2006/main">
-  <p:cSld name="Slide74">
+  <p:cSld>
     <p:bg>
       <p:bgPr>
         <a:solidFill>
@@ -19588,7 +20190,7 @@
           <p:cNvPr id="2" name="Title 1">
             <a:extLst>
               <a:ext uri="{FF2B5EF4-FFF2-40B4-BE49-F238E27FC236}">
-                <a16:creationId xmlns:a16="http://schemas.microsoft.com/office/drawing/2014/main" id="{326BB7B3-7F72-4B30-BA85-F74F043BA300}"/>
+                <a16:creationId xmlns:a16="http://schemas.microsoft.com/office/drawing/2014/main" id="{6FAAF7A7-8F46-421D-9408-39CB0B9BD7A3}"/>
               </a:ext>
             </a:extLst>
           </p:cNvPr>
@@ -19596,7 +20198,7 @@
             <a:spLocks noGrp="1"/>
           </p:cNvSpPr>
           <p:nvPr>
-            <p:ph type="ctrTitle"/>
+            <p:ph type="title"/>
           </p:nvPr>
         </p:nvSpPr>
         <p:spPr/>
@@ -19606,14 +20208,24 @@
           <a:p>
             <a:pPr lvl="0"/>
             <a:r>
-              <a:rPr lang="nl-NL">
-                <a:solidFill>
-                  <a:srgbClr val="00FF00"/>
-                </a:solidFill>
-                <a:latin typeface="Courier New" pitchFamily="49"/>
-                <a:cs typeface="Courier New" pitchFamily="49"/>
-              </a:rPr>
-              <a:t>Demo</a:t>
+              <a:rPr lang="nl-NL" dirty="0" err="1">
+                <a:solidFill>
+                  <a:srgbClr val="00FF00"/>
+                </a:solidFill>
+                <a:latin typeface="Courier New" pitchFamily="49"/>
+                <a:cs typeface="Courier New" pitchFamily="49"/>
+              </a:rPr>
+              <a:t>Exercise</a:t>
+            </a:r>
+            <a:r>
+              <a:rPr lang="nl-NL" dirty="0">
+                <a:solidFill>
+                  <a:srgbClr val="00FF00"/>
+                </a:solidFill>
+                <a:latin typeface="Courier New" pitchFamily="49"/>
+                <a:cs typeface="Courier New" pitchFamily="49"/>
+              </a:rPr>
+              <a:t> time!</a:t>
             </a:r>
           </a:p>
         </p:txBody>
@@ -19623,7 +20235,7 @@
           <p:cNvPr id="3" name="Content Placeholder 2">
             <a:extLst>
               <a:ext uri="{FF2B5EF4-FFF2-40B4-BE49-F238E27FC236}">
-                <a16:creationId xmlns:a16="http://schemas.microsoft.com/office/drawing/2014/main" id="{6463C46E-3827-4FDD-8F1E-DF5A052EF59E}"/>
+                <a16:creationId xmlns:a16="http://schemas.microsoft.com/office/drawing/2014/main" id="{BA245958-C0EF-4705-A94E-E62D29009F1C}"/>
               </a:ext>
             </a:extLst>
           </p:cNvPr>
@@ -19631,7 +20243,7 @@
             <a:spLocks noGrp="1"/>
           </p:cNvSpPr>
           <p:nvPr>
-            <p:ph type="subTitle" idx="1"/>
+            <p:ph idx="1"/>
           </p:nvPr>
         </p:nvSpPr>
         <p:spPr/>
@@ -19639,46 +20251,48 @@
           <a:bodyPr/>
           <a:lstStyle/>
           <a:p>
-            <a:pPr lvl="0"/>
-            <a:r>
-              <a:rPr lang="nl-NL" dirty="0">
-                <a:solidFill>
-                  <a:srgbClr val="00FF00"/>
-                </a:solidFill>
-                <a:latin typeface="Courier New" pitchFamily="49"/>
-                <a:cs typeface="Courier New" pitchFamily="49"/>
-              </a:rPr>
-              <a:t>Using JSON </a:t>
-            </a:r>
-            <a:r>
-              <a:rPr lang="nl-NL" dirty="0" err="1">
-                <a:solidFill>
-                  <a:srgbClr val="00FF00"/>
-                </a:solidFill>
-                <a:latin typeface="Courier New" pitchFamily="49"/>
-                <a:cs typeface="Courier New" pitchFamily="49"/>
-              </a:rPr>
-              <a:t>mapping</a:t>
-            </a:r>
-            <a:r>
-              <a:rPr lang="nl-NL" dirty="0">
-                <a:solidFill>
-                  <a:srgbClr val="00FF00"/>
-                </a:solidFill>
-                <a:latin typeface="Courier New" pitchFamily="49"/>
-                <a:cs typeface="Courier New" pitchFamily="49"/>
-              </a:rPr>
-              <a:t> files </a:t>
-            </a:r>
-            <a:r>
-              <a:rPr lang="nl-NL" dirty="0" err="1">
-                <a:solidFill>
-                  <a:srgbClr val="00FF00"/>
-                </a:solidFill>
-                <a:latin typeface="Courier New" pitchFamily="49"/>
-                <a:cs typeface="Courier New" pitchFamily="49"/>
-              </a:rPr>
-              <a:t>to</a:t>
+            <a:pPr lvl="0">
+              <a:buFont typeface="Courier New" pitchFamily="49"/>
+              <a:buChar char="_"/>
+            </a:pPr>
+            <a:r>
+              <a:rPr lang="nl-NL" dirty="0">
+                <a:solidFill>
+                  <a:srgbClr val="00FF00"/>
+                </a:solidFill>
+                <a:latin typeface="Courier New" pitchFamily="49"/>
+                <a:cs typeface="Courier New" pitchFamily="49"/>
+              </a:rPr>
+              <a:t>WireMockExercises5</a:t>
+            </a:r>
+          </a:p>
+          <a:p>
+            <a:pPr lvl="0">
+              <a:buFont typeface="Courier New" pitchFamily="49"/>
+              <a:buChar char="_"/>
+            </a:pPr>
+            <a:endParaRPr lang="nl-NL" dirty="0">
+              <a:solidFill>
+                <a:srgbClr val="00FF00"/>
+              </a:solidFill>
+              <a:latin typeface="Courier New" pitchFamily="49"/>
+              <a:cs typeface="Courier New" pitchFamily="49"/>
+            </a:endParaRPr>
+          </a:p>
+          <a:p>
+            <a:pPr lvl="0">
+              <a:buFont typeface="Courier New" pitchFamily="49"/>
+              <a:buChar char="_"/>
+            </a:pPr>
+            <a:r>
+              <a:rPr lang="nl-NL" dirty="0" err="1">
+                <a:solidFill>
+                  <a:srgbClr val="00FF00"/>
+                </a:solidFill>
+                <a:latin typeface="Courier New" pitchFamily="49"/>
+                <a:cs typeface="Courier New" pitchFamily="49"/>
+              </a:rPr>
+              <a:t>Use</a:t>
             </a:r>
             <a:r>
               <a:rPr lang="nl-NL" dirty="0">
@@ -19698,7 +20312,86 @@
                 <a:latin typeface="Courier New" pitchFamily="49"/>
                 <a:cs typeface="Courier New" pitchFamily="49"/>
               </a:rPr>
-              <a:t>configure</a:t>
+              <a:t>request</a:t>
+            </a:r>
+            <a:r>
+              <a:rPr lang="nl-NL" dirty="0">
+                <a:solidFill>
+                  <a:srgbClr val="00FF00"/>
+                </a:solidFill>
+                <a:latin typeface="Courier New" pitchFamily="49"/>
+                <a:cs typeface="Courier New" pitchFamily="49"/>
+              </a:rPr>
+              <a:t> templating</a:t>
+            </a:r>
+          </a:p>
+          <a:p>
+            <a:pPr lvl="0">
+              <a:buFont typeface="Courier New" pitchFamily="49"/>
+              <a:buChar char="_"/>
+            </a:pPr>
+            <a:endParaRPr lang="nl-NL" dirty="0">
+              <a:solidFill>
+                <a:srgbClr val="00FF00"/>
+              </a:solidFill>
+              <a:latin typeface="Courier New" pitchFamily="49"/>
+              <a:cs typeface="Courier New" pitchFamily="49"/>
+            </a:endParaRPr>
+          </a:p>
+          <a:p>
+            <a:pPr lvl="0">
+              <a:buFont typeface="Courier New" pitchFamily="49"/>
+              <a:buChar char="_"/>
+            </a:pPr>
+            <a:r>
+              <a:rPr lang="nl-NL" dirty="0" err="1">
+                <a:solidFill>
+                  <a:srgbClr val="00FF00"/>
+                </a:solidFill>
+                <a:latin typeface="Courier New" pitchFamily="49"/>
+                <a:cs typeface="Courier New" pitchFamily="49"/>
+              </a:rPr>
+              <a:t>Exercises</a:t>
+            </a:r>
+            <a:r>
+              <a:rPr lang="nl-NL" dirty="0">
+                <a:solidFill>
+                  <a:srgbClr val="00FF00"/>
+                </a:solidFill>
+                <a:latin typeface="Courier New" pitchFamily="49"/>
+                <a:cs typeface="Courier New" pitchFamily="49"/>
+              </a:rPr>
+              <a:t> are </a:t>
+            </a:r>
+            <a:r>
+              <a:rPr lang="nl-NL" dirty="0" err="1">
+                <a:solidFill>
+                  <a:srgbClr val="00FF00"/>
+                </a:solidFill>
+                <a:latin typeface="Courier New" pitchFamily="49"/>
+                <a:cs typeface="Courier New" pitchFamily="49"/>
+              </a:rPr>
+              <a:t>defined</a:t>
+            </a:r>
+            <a:r>
+              <a:rPr lang="nl-NL" dirty="0">
+                <a:solidFill>
+                  <a:srgbClr val="00FF00"/>
+                </a:solidFill>
+                <a:latin typeface="Courier New" pitchFamily="49"/>
+                <a:cs typeface="Courier New" pitchFamily="49"/>
+              </a:rPr>
+              <a:t> in </a:t>
+            </a:r>
+            <a:r>
+              <a:rPr lang="nl-NL" dirty="0" err="1">
+                <a:solidFill>
+                  <a:srgbClr val="00FF00"/>
+                </a:solidFill>
+                <a:latin typeface="Courier New" pitchFamily="49"/>
+                <a:cs typeface="Courier New" pitchFamily="49"/>
+              </a:rPr>
+              <a:t>the</a:t>
             </a:r>
             <a:r>
               <a:rPr lang="nl-NL" dirty="0">
@@ -19718,8 +20411,172 @@
                 <a:latin typeface="Courier New" pitchFamily="49"/>
                 <a:cs typeface="Courier New" pitchFamily="49"/>
               </a:rPr>
-              <a:t>stubs</a:t>
-            </a:r>
+              <a:t>comments</a:t>
+            </a:r>
+            <a:endParaRPr lang="nl-NL" dirty="0">
+              <a:solidFill>
+                <a:srgbClr val="00FF00"/>
+              </a:solidFill>
+              <a:latin typeface="Courier New" pitchFamily="49"/>
+              <a:cs typeface="Courier New" pitchFamily="49"/>
+            </a:endParaRPr>
+          </a:p>
+          <a:p>
+            <a:pPr lvl="0">
+              <a:buFont typeface="Courier New" pitchFamily="49"/>
+              <a:buChar char="_"/>
+            </a:pPr>
+            <a:endParaRPr lang="nl-NL" dirty="0">
+              <a:solidFill>
+                <a:srgbClr val="00FF00"/>
+              </a:solidFill>
+              <a:latin typeface="Courier New" pitchFamily="49"/>
+              <a:cs typeface="Courier New" pitchFamily="49"/>
+            </a:endParaRPr>
+          </a:p>
+          <a:p>
+            <a:pPr lvl="0">
+              <a:buFont typeface="Courier New" pitchFamily="49"/>
+              <a:buChar char="_"/>
+            </a:pPr>
+            <a:r>
+              <a:rPr lang="nl-NL" dirty="0" err="1">
+                <a:solidFill>
+                  <a:srgbClr val="00FF00"/>
+                </a:solidFill>
+                <a:latin typeface="Courier New" pitchFamily="49"/>
+                <a:cs typeface="Courier New" pitchFamily="49"/>
+              </a:rPr>
+              <a:t>Verify</a:t>
+            </a:r>
+            <a:r>
+              <a:rPr lang="nl-NL" dirty="0">
+                <a:solidFill>
+                  <a:srgbClr val="00FF00"/>
+                </a:solidFill>
+                <a:latin typeface="Courier New" pitchFamily="49"/>
+                <a:cs typeface="Courier New" pitchFamily="49"/>
+              </a:rPr>
+              <a:t> </a:t>
+            </a:r>
+            <a:r>
+              <a:rPr lang="nl-NL" dirty="0" err="1">
+                <a:solidFill>
+                  <a:srgbClr val="00FF00"/>
+                </a:solidFill>
+                <a:latin typeface="Courier New" pitchFamily="49"/>
+                <a:cs typeface="Courier New" pitchFamily="49"/>
+              </a:rPr>
+              <a:t>your</a:t>
+            </a:r>
+            <a:r>
+              <a:rPr lang="nl-NL" dirty="0">
+                <a:solidFill>
+                  <a:srgbClr val="00FF00"/>
+                </a:solidFill>
+                <a:latin typeface="Courier New" pitchFamily="49"/>
+                <a:cs typeface="Courier New" pitchFamily="49"/>
+              </a:rPr>
+              <a:t> solution </a:t>
+            </a:r>
+            <a:r>
+              <a:rPr lang="nl-NL" dirty="0" err="1">
+                <a:solidFill>
+                  <a:srgbClr val="00FF00"/>
+                </a:solidFill>
+                <a:latin typeface="Courier New" pitchFamily="49"/>
+                <a:cs typeface="Courier New" pitchFamily="49"/>
+              </a:rPr>
+              <a:t>by</a:t>
+            </a:r>
+            <a:r>
+              <a:rPr lang="nl-NL" dirty="0">
+                <a:solidFill>
+                  <a:srgbClr val="00FF00"/>
+                </a:solidFill>
+                <a:latin typeface="Courier New" pitchFamily="49"/>
+                <a:cs typeface="Courier New" pitchFamily="49"/>
+              </a:rPr>
+              <a:t> running </a:t>
+            </a:r>
+            <a:r>
+              <a:rPr lang="nl-NL" dirty="0" err="1">
+                <a:solidFill>
+                  <a:srgbClr val="00FF00"/>
+                </a:solidFill>
+                <a:latin typeface="Courier New" pitchFamily="49"/>
+                <a:cs typeface="Courier New" pitchFamily="49"/>
+              </a:rPr>
+              <a:t>the</a:t>
+            </a:r>
+            <a:r>
+              <a:rPr lang="nl-NL" dirty="0">
+                <a:solidFill>
+                  <a:srgbClr val="00FF00"/>
+                </a:solidFill>
+                <a:latin typeface="Courier New" pitchFamily="49"/>
+                <a:cs typeface="Courier New" pitchFamily="49"/>
+              </a:rPr>
+              <a:t> tests</a:t>
+            </a:r>
+          </a:p>
+          <a:p>
+            <a:pPr lvl="0">
+              <a:buFont typeface="Courier New" pitchFamily="49"/>
+              <a:buChar char="_"/>
+            </a:pPr>
+            <a:endParaRPr lang="nl-NL" dirty="0">
+              <a:solidFill>
+                <a:srgbClr val="00FF00"/>
+              </a:solidFill>
+              <a:latin typeface="Courier New" pitchFamily="49"/>
+              <a:cs typeface="Courier New" pitchFamily="49"/>
+            </a:endParaRPr>
+          </a:p>
+          <a:p>
+            <a:pPr lvl="0">
+              <a:buFont typeface="Courier New" pitchFamily="49"/>
+              <a:buChar char="_"/>
+            </a:pPr>
+            <a:endParaRPr lang="nl-NL" dirty="0">
+              <a:solidFill>
+                <a:srgbClr val="00FF00"/>
+              </a:solidFill>
+              <a:latin typeface="Courier New" pitchFamily="49"/>
+              <a:cs typeface="Courier New" pitchFamily="49"/>
+            </a:endParaRPr>
+          </a:p>
+          <a:p>
+            <a:pPr lvl="0">
+              <a:buFont typeface="Courier New" pitchFamily="49"/>
+              <a:buChar char="_"/>
+            </a:pPr>
+            <a:endParaRPr lang="nl-NL" dirty="0">
+              <a:solidFill>
+                <a:srgbClr val="00FF00"/>
+              </a:solidFill>
+              <a:latin typeface="Courier New" pitchFamily="49"/>
+              <a:cs typeface="Courier New" pitchFamily="49"/>
+            </a:endParaRPr>
+          </a:p>
+          <a:p>
+            <a:pPr lvl="0">
+              <a:buFont typeface="Courier New" pitchFamily="49"/>
+              <a:buChar char="_"/>
+            </a:pPr>
+            <a:endParaRPr lang="nl-NL" dirty="0">
+              <a:solidFill>
+                <a:srgbClr val="00FF00"/>
+              </a:solidFill>
+              <a:latin typeface="Courier New" pitchFamily="49"/>
+              <a:cs typeface="Courier New" pitchFamily="49"/>
+            </a:endParaRPr>
+          </a:p>
+          <a:p>
+            <a:pPr lvl="0">
+              <a:buFont typeface="Courier New" pitchFamily="49"/>
+              <a:buChar char="_"/>
+            </a:pPr>
             <a:endParaRPr lang="nl-NL" dirty="0">
               <a:solidFill>
                 <a:srgbClr val="00FF00"/>
@@ -19731,6 +20588,11 @@
         </p:txBody>
       </p:sp>
     </p:spTree>
+    <p:extLst>
+      <p:ext uri="{BB962C8B-B14F-4D97-AF65-F5344CB8AC3E}">
+        <p14:creationId xmlns:p14="http://schemas.microsoft.com/office/powerpoint/2010/main" val="2507302582"/>
+      </p:ext>
+    </p:extLst>
   </p:cSld>
   <p:clrMapOvr>
     <a:masterClrMapping/>
@@ -19786,14 +20648,34 @@
           <a:p>
             <a:pPr lvl="0"/>
             <a:r>
-              <a:rPr lang="nl-NL">
-                <a:solidFill>
-                  <a:srgbClr val="00FF00"/>
-                </a:solidFill>
-                <a:latin typeface="Courier New" pitchFamily="49"/>
-                <a:cs typeface="Courier New" pitchFamily="49"/>
-              </a:rPr>
-              <a:t>Record and playback options</a:t>
+              <a:rPr lang="nl-NL" dirty="0">
+                <a:solidFill>
+                  <a:srgbClr val="00FF00"/>
+                </a:solidFill>
+                <a:latin typeface="Courier New" pitchFamily="49"/>
+                <a:cs typeface="Courier New" pitchFamily="49"/>
+              </a:rPr>
+              <a:t>Mock </a:t>
+            </a:r>
+            <a:r>
+              <a:rPr lang="nl-NL" dirty="0" err="1">
+                <a:solidFill>
+                  <a:srgbClr val="00FF00"/>
+                </a:solidFill>
+                <a:latin typeface="Courier New" pitchFamily="49"/>
+                <a:cs typeface="Courier New" pitchFamily="49"/>
+              </a:rPr>
+              <a:t>specification</a:t>
+            </a:r>
+            <a:r>
+              <a:rPr lang="nl-NL" dirty="0">
+                <a:solidFill>
+                  <a:srgbClr val="00FF00"/>
+                </a:solidFill>
+                <a:latin typeface="Courier New" pitchFamily="49"/>
+                <a:cs typeface="Courier New" pitchFamily="49"/>
+              </a:rPr>
+              <a:t> via JSON</a:t>
             </a:r>
           </a:p>
         </p:txBody>
@@ -19829,80 +20711,446 @@
               <a:buChar char="_"/>
             </a:pPr>
             <a:r>
-              <a:rPr lang="nl-NL">
-                <a:solidFill>
-                  <a:srgbClr val="00FF00"/>
-                </a:solidFill>
-                <a:latin typeface="Courier New" pitchFamily="49"/>
-                <a:cs typeface="Courier New" pitchFamily="49"/>
-              </a:rPr>
-              <a:t>Use WireMock as a proxy</a:t>
-            </a:r>
-          </a:p>
-          <a:p>
-            <a:pPr lvl="0">
-              <a:buFont typeface="Courier New" pitchFamily="49"/>
-              <a:buChar char="_"/>
-            </a:pPr>
-            <a:endParaRPr lang="nl-NL">
-              <a:solidFill>
-                <a:srgbClr val="00FF00"/>
-              </a:solidFill>
-              <a:latin typeface="Courier New" pitchFamily="49"/>
-              <a:cs typeface="Courier New" pitchFamily="49"/>
-            </a:endParaRPr>
-          </a:p>
-          <a:p>
-            <a:pPr lvl="0">
-              <a:buFont typeface="Courier New" pitchFamily="49"/>
-              <a:buChar char="_"/>
-            </a:pPr>
-            <a:r>
-              <a:rPr lang="nl-NL">
-                <a:solidFill>
-                  <a:srgbClr val="00FF00"/>
-                </a:solidFill>
-                <a:latin typeface="Courier New" pitchFamily="49"/>
-                <a:cs typeface="Courier New" pitchFamily="49"/>
-              </a:rPr>
-              <a:t>Record request-response pairs (traffic)</a:t>
-            </a:r>
-          </a:p>
-          <a:p>
-            <a:pPr lvl="0">
-              <a:buFont typeface="Courier New" pitchFamily="49"/>
-              <a:buChar char="_"/>
-            </a:pPr>
-            <a:endParaRPr lang="nl-NL">
-              <a:solidFill>
-                <a:srgbClr val="00FF00"/>
-              </a:solidFill>
-              <a:latin typeface="Courier New" pitchFamily="49"/>
-              <a:cs typeface="Courier New" pitchFamily="49"/>
-            </a:endParaRPr>
-          </a:p>
-          <a:p>
-            <a:pPr lvl="0">
-              <a:buFont typeface="Courier New" pitchFamily="49"/>
-              <a:buChar char="_"/>
-            </a:pPr>
-            <a:r>
-              <a:rPr lang="nl-NL">
-                <a:solidFill>
-                  <a:srgbClr val="00FF00"/>
-                </a:solidFill>
-                <a:latin typeface="Courier New" pitchFamily="49"/>
-                <a:cs typeface="Courier New" pitchFamily="49"/>
-              </a:rPr>
-              <a:t>Genererate mock from recorded traffic</a:t>
-            </a:r>
+              <a:rPr lang="nl-NL" dirty="0" err="1">
+                <a:solidFill>
+                  <a:srgbClr val="00FF00"/>
+                </a:solidFill>
+                <a:latin typeface="Courier New" pitchFamily="49"/>
+                <a:cs typeface="Courier New" pitchFamily="49"/>
+              </a:rPr>
+              <a:t>So</a:t>
+            </a:r>
+            <a:r>
+              <a:rPr lang="nl-NL" dirty="0">
+                <a:solidFill>
+                  <a:srgbClr val="00FF00"/>
+                </a:solidFill>
+                <a:latin typeface="Courier New" pitchFamily="49"/>
+                <a:cs typeface="Courier New" pitchFamily="49"/>
+              </a:rPr>
+              <a:t> far, </a:t>
+            </a:r>
+            <a:r>
+              <a:rPr lang="nl-NL" dirty="0" err="1">
+                <a:solidFill>
+                  <a:srgbClr val="00FF00"/>
+                </a:solidFill>
+                <a:latin typeface="Courier New" pitchFamily="49"/>
+                <a:cs typeface="Courier New" pitchFamily="49"/>
+              </a:rPr>
+              <a:t>we’ve</a:t>
+            </a:r>
+            <a:r>
+              <a:rPr lang="nl-NL" dirty="0">
+                <a:solidFill>
+                  <a:srgbClr val="00FF00"/>
+                </a:solidFill>
+                <a:latin typeface="Courier New" pitchFamily="49"/>
+                <a:cs typeface="Courier New" pitchFamily="49"/>
+              </a:rPr>
+              <a:t> </a:t>
+            </a:r>
+            <a:r>
+              <a:rPr lang="nl-NL" dirty="0" err="1">
+                <a:solidFill>
+                  <a:srgbClr val="00FF00"/>
+                </a:solidFill>
+                <a:latin typeface="Courier New" pitchFamily="49"/>
+                <a:cs typeface="Courier New" pitchFamily="49"/>
+              </a:rPr>
+              <a:t>only</a:t>
+            </a:r>
+            <a:r>
+              <a:rPr lang="nl-NL" dirty="0">
+                <a:solidFill>
+                  <a:srgbClr val="00FF00"/>
+                </a:solidFill>
+                <a:latin typeface="Courier New" pitchFamily="49"/>
+                <a:cs typeface="Courier New" pitchFamily="49"/>
+              </a:rPr>
+              <a:t> </a:t>
+            </a:r>
+            <a:r>
+              <a:rPr lang="nl-NL" dirty="0" err="1">
+                <a:solidFill>
+                  <a:srgbClr val="00FF00"/>
+                </a:solidFill>
+                <a:latin typeface="Courier New" pitchFamily="49"/>
+                <a:cs typeface="Courier New" pitchFamily="49"/>
+              </a:rPr>
+              <a:t>specified</a:t>
+            </a:r>
+            <a:r>
+              <a:rPr lang="nl-NL" dirty="0">
+                <a:solidFill>
+                  <a:srgbClr val="00FF00"/>
+                </a:solidFill>
+                <a:latin typeface="Courier New" pitchFamily="49"/>
+                <a:cs typeface="Courier New" pitchFamily="49"/>
+              </a:rPr>
+              <a:t> </a:t>
+            </a:r>
+            <a:r>
+              <a:rPr lang="nl-NL" dirty="0" err="1">
+                <a:solidFill>
+                  <a:srgbClr val="00FF00"/>
+                </a:solidFill>
+                <a:latin typeface="Courier New" pitchFamily="49"/>
+                <a:cs typeface="Courier New" pitchFamily="49"/>
+              </a:rPr>
+              <a:t>mock</a:t>
+            </a:r>
+            <a:r>
+              <a:rPr lang="nl-NL" dirty="0">
+                <a:solidFill>
+                  <a:srgbClr val="00FF00"/>
+                </a:solidFill>
+                <a:latin typeface="Courier New" pitchFamily="49"/>
+                <a:cs typeface="Courier New" pitchFamily="49"/>
+              </a:rPr>
+              <a:t> </a:t>
+            </a:r>
+            <a:r>
+              <a:rPr lang="nl-NL" dirty="0" err="1">
+                <a:solidFill>
+                  <a:srgbClr val="00FF00"/>
+                </a:solidFill>
+                <a:latin typeface="Courier New" pitchFamily="49"/>
+                <a:cs typeface="Courier New" pitchFamily="49"/>
+              </a:rPr>
+              <a:t>behaviour</a:t>
+            </a:r>
+            <a:r>
+              <a:rPr lang="nl-NL" dirty="0">
+                <a:solidFill>
+                  <a:srgbClr val="00FF00"/>
+                </a:solidFill>
+                <a:latin typeface="Courier New" pitchFamily="49"/>
+                <a:cs typeface="Courier New" pitchFamily="49"/>
+              </a:rPr>
+              <a:t> in Java code</a:t>
+            </a:r>
+          </a:p>
+          <a:p>
+            <a:pPr lvl="0">
+              <a:buFont typeface="Courier New" pitchFamily="49"/>
+              <a:buChar char="_"/>
+            </a:pPr>
+            <a:endParaRPr lang="nl-NL" dirty="0">
+              <a:solidFill>
+                <a:srgbClr val="00FF00"/>
+              </a:solidFill>
+              <a:latin typeface="Courier New" pitchFamily="49"/>
+              <a:cs typeface="Courier New" pitchFamily="49"/>
+            </a:endParaRPr>
+          </a:p>
+          <a:p>
+            <a:pPr lvl="0">
+              <a:buFont typeface="Courier New" pitchFamily="49"/>
+              <a:buChar char="_"/>
+            </a:pPr>
+            <a:r>
+              <a:rPr lang="nl-NL" dirty="0">
+                <a:solidFill>
+                  <a:srgbClr val="00FF00"/>
+                </a:solidFill>
+                <a:latin typeface="Courier New" pitchFamily="49"/>
+                <a:cs typeface="Courier New" pitchFamily="49"/>
+              </a:rPr>
+              <a:t>Mocks live </a:t>
+            </a:r>
+            <a:r>
+              <a:rPr lang="nl-NL" dirty="0" err="1">
+                <a:solidFill>
+                  <a:srgbClr val="00FF00"/>
+                </a:solidFill>
+                <a:latin typeface="Courier New" pitchFamily="49"/>
+                <a:cs typeface="Courier New" pitchFamily="49"/>
+              </a:rPr>
+              <a:t>for</a:t>
+            </a:r>
+            <a:r>
+              <a:rPr lang="nl-NL" dirty="0">
+                <a:solidFill>
+                  <a:srgbClr val="00FF00"/>
+                </a:solidFill>
+                <a:latin typeface="Courier New" pitchFamily="49"/>
+                <a:cs typeface="Courier New" pitchFamily="49"/>
+              </a:rPr>
+              <a:t> </a:t>
+            </a:r>
+            <a:r>
+              <a:rPr lang="nl-NL" dirty="0" err="1">
+                <a:solidFill>
+                  <a:srgbClr val="00FF00"/>
+                </a:solidFill>
+                <a:latin typeface="Courier New" pitchFamily="49"/>
+                <a:cs typeface="Courier New" pitchFamily="49"/>
+              </a:rPr>
+              <a:t>the</a:t>
+            </a:r>
+            <a:r>
+              <a:rPr lang="nl-NL" dirty="0">
+                <a:solidFill>
+                  <a:srgbClr val="00FF00"/>
+                </a:solidFill>
+                <a:latin typeface="Courier New" pitchFamily="49"/>
+                <a:cs typeface="Courier New" pitchFamily="49"/>
+              </a:rPr>
+              <a:t> </a:t>
+            </a:r>
+            <a:r>
+              <a:rPr lang="nl-NL" dirty="0" err="1">
+                <a:solidFill>
+                  <a:srgbClr val="00FF00"/>
+                </a:solidFill>
+                <a:latin typeface="Courier New" pitchFamily="49"/>
+                <a:cs typeface="Courier New" pitchFamily="49"/>
+              </a:rPr>
+              <a:t>duration</a:t>
+            </a:r>
+            <a:r>
+              <a:rPr lang="nl-NL" dirty="0">
+                <a:solidFill>
+                  <a:srgbClr val="00FF00"/>
+                </a:solidFill>
+                <a:latin typeface="Courier New" pitchFamily="49"/>
+                <a:cs typeface="Courier New" pitchFamily="49"/>
+              </a:rPr>
+              <a:t> of </a:t>
+            </a:r>
+            <a:r>
+              <a:rPr lang="nl-NL" dirty="0" err="1">
+                <a:solidFill>
+                  <a:srgbClr val="00FF00"/>
+                </a:solidFill>
+                <a:latin typeface="Courier New" pitchFamily="49"/>
+                <a:cs typeface="Courier New" pitchFamily="49"/>
+              </a:rPr>
+              <a:t>the</a:t>
+            </a:r>
+            <a:r>
+              <a:rPr lang="nl-NL" dirty="0">
+                <a:solidFill>
+                  <a:srgbClr val="00FF00"/>
+                </a:solidFill>
+                <a:latin typeface="Courier New" pitchFamily="49"/>
+                <a:cs typeface="Courier New" pitchFamily="49"/>
+              </a:rPr>
+              <a:t> test run</a:t>
+            </a:r>
+          </a:p>
+          <a:p>
+            <a:pPr lvl="0">
+              <a:buFont typeface="Courier New" pitchFamily="49"/>
+              <a:buChar char="_"/>
+            </a:pPr>
+            <a:endParaRPr lang="nl-NL" dirty="0">
+              <a:solidFill>
+                <a:srgbClr val="00FF00"/>
+              </a:solidFill>
+              <a:latin typeface="Courier New" pitchFamily="49"/>
+              <a:cs typeface="Courier New" pitchFamily="49"/>
+            </a:endParaRPr>
+          </a:p>
+          <a:p>
+            <a:pPr lvl="0">
+              <a:buFont typeface="Courier New" pitchFamily="49"/>
+              <a:buChar char="_"/>
+            </a:pPr>
+            <a:r>
+              <a:rPr lang="nl-NL" dirty="0">
+                <a:solidFill>
+                  <a:srgbClr val="00FF00"/>
+                </a:solidFill>
+                <a:latin typeface="Courier New" pitchFamily="49"/>
+                <a:cs typeface="Courier New" pitchFamily="49"/>
+              </a:rPr>
+              <a:t>Want </a:t>
+            </a:r>
+            <a:r>
+              <a:rPr lang="nl-NL" dirty="0" err="1">
+                <a:solidFill>
+                  <a:srgbClr val="00FF00"/>
+                </a:solidFill>
+                <a:latin typeface="Courier New" pitchFamily="49"/>
+                <a:cs typeface="Courier New" pitchFamily="49"/>
+              </a:rPr>
+              <a:t>longer</a:t>
+            </a:r>
+            <a:r>
+              <a:rPr lang="nl-NL" dirty="0">
+                <a:solidFill>
+                  <a:srgbClr val="00FF00"/>
+                </a:solidFill>
+                <a:latin typeface="Courier New" pitchFamily="49"/>
+                <a:cs typeface="Courier New" pitchFamily="49"/>
+              </a:rPr>
+              <a:t> living </a:t>
+            </a:r>
+            <a:r>
+              <a:rPr lang="nl-NL" dirty="0" err="1">
+                <a:solidFill>
+                  <a:srgbClr val="00FF00"/>
+                </a:solidFill>
+                <a:latin typeface="Courier New" pitchFamily="49"/>
+                <a:cs typeface="Courier New" pitchFamily="49"/>
+              </a:rPr>
+              <a:t>mocks</a:t>
+            </a:r>
+            <a:r>
+              <a:rPr lang="nl-NL" dirty="0">
+                <a:solidFill>
+                  <a:srgbClr val="00FF00"/>
+                </a:solidFill>
+                <a:latin typeface="Courier New" pitchFamily="49"/>
+                <a:cs typeface="Courier New" pitchFamily="49"/>
+              </a:rPr>
+              <a:t>? </a:t>
+            </a:r>
+            <a:r>
+              <a:rPr lang="nl-NL" dirty="0" err="1">
+                <a:solidFill>
+                  <a:srgbClr val="00FF00"/>
+                </a:solidFill>
+                <a:latin typeface="Courier New" pitchFamily="49"/>
+                <a:cs typeface="Courier New" pitchFamily="49"/>
+              </a:rPr>
+              <a:t>Use</a:t>
+            </a:r>
+            <a:r>
+              <a:rPr lang="nl-NL" dirty="0">
+                <a:solidFill>
+                  <a:srgbClr val="00FF00"/>
+                </a:solidFill>
+                <a:latin typeface="Courier New" pitchFamily="49"/>
+                <a:cs typeface="Courier New" pitchFamily="49"/>
+              </a:rPr>
+              <a:t> JSON </a:t>
+            </a:r>
+            <a:r>
+              <a:rPr lang="nl-NL" dirty="0" err="1">
+                <a:solidFill>
+                  <a:srgbClr val="00FF00"/>
+                </a:solidFill>
+                <a:latin typeface="Courier New" pitchFamily="49"/>
+                <a:cs typeface="Courier New" pitchFamily="49"/>
+              </a:rPr>
+              <a:t>mapping</a:t>
+            </a:r>
+            <a:r>
+              <a:rPr lang="nl-NL" dirty="0">
+                <a:solidFill>
+                  <a:srgbClr val="00FF00"/>
+                </a:solidFill>
+                <a:latin typeface="Courier New" pitchFamily="49"/>
+                <a:cs typeface="Courier New" pitchFamily="49"/>
+              </a:rPr>
+              <a:t> files</a:t>
+            </a:r>
+          </a:p>
+          <a:p>
+            <a:pPr lvl="0">
+              <a:buFont typeface="Courier New" pitchFamily="49"/>
+              <a:buChar char="_"/>
+            </a:pPr>
+            <a:endParaRPr lang="nl-NL" dirty="0">
+              <a:solidFill>
+                <a:srgbClr val="00FF00"/>
+              </a:solidFill>
+              <a:latin typeface="Courier New" pitchFamily="49"/>
+              <a:cs typeface="Courier New" pitchFamily="49"/>
+            </a:endParaRPr>
+          </a:p>
+          <a:p>
+            <a:pPr lvl="0">
+              <a:buFont typeface="Courier New" pitchFamily="49"/>
+              <a:buChar char="_"/>
+            </a:pPr>
+            <a:r>
+              <a:rPr lang="nl-NL" dirty="0" err="1">
+                <a:solidFill>
+                  <a:srgbClr val="00FF00"/>
+                </a:solidFill>
+                <a:latin typeface="Courier New" pitchFamily="49"/>
+                <a:cs typeface="Courier New" pitchFamily="49"/>
+              </a:rPr>
+              <a:t>WireMock</a:t>
+            </a:r>
+            <a:r>
+              <a:rPr lang="nl-NL" dirty="0">
+                <a:solidFill>
+                  <a:srgbClr val="00FF00"/>
+                </a:solidFill>
+                <a:latin typeface="Courier New" pitchFamily="49"/>
+                <a:cs typeface="Courier New" pitchFamily="49"/>
+              </a:rPr>
+              <a:t> </a:t>
+            </a:r>
+            <a:r>
+              <a:rPr lang="nl-NL" dirty="0" err="1">
+                <a:solidFill>
+                  <a:srgbClr val="00FF00"/>
+                </a:solidFill>
+                <a:latin typeface="Courier New" pitchFamily="49"/>
+                <a:cs typeface="Courier New" pitchFamily="49"/>
+              </a:rPr>
+              <a:t>can</a:t>
+            </a:r>
+            <a:r>
+              <a:rPr lang="nl-NL" dirty="0">
+                <a:solidFill>
+                  <a:srgbClr val="00FF00"/>
+                </a:solidFill>
+                <a:latin typeface="Courier New" pitchFamily="49"/>
+                <a:cs typeface="Courier New" pitchFamily="49"/>
+              </a:rPr>
+              <a:t> </a:t>
+            </a:r>
+            <a:r>
+              <a:rPr lang="nl-NL" dirty="0" err="1">
+                <a:solidFill>
+                  <a:srgbClr val="00FF00"/>
+                </a:solidFill>
+                <a:latin typeface="Courier New" pitchFamily="49"/>
+                <a:cs typeface="Courier New" pitchFamily="49"/>
+              </a:rPr>
+              <a:t>be</a:t>
+            </a:r>
+            <a:r>
+              <a:rPr lang="nl-NL" dirty="0">
+                <a:solidFill>
+                  <a:srgbClr val="00FF00"/>
+                </a:solidFill>
+                <a:latin typeface="Courier New" pitchFamily="49"/>
+                <a:cs typeface="Courier New" pitchFamily="49"/>
+              </a:rPr>
+              <a:t> run as a standalone </a:t>
+            </a:r>
+            <a:r>
+              <a:rPr lang="nl-NL" dirty="0" err="1">
+                <a:solidFill>
+                  <a:srgbClr val="00FF00"/>
+                </a:solidFill>
+                <a:latin typeface="Courier New" pitchFamily="49"/>
+                <a:cs typeface="Courier New" pitchFamily="49"/>
+              </a:rPr>
+              <a:t>process</a:t>
+            </a:r>
+            <a:endParaRPr lang="nl-NL" dirty="0">
+              <a:solidFill>
+                <a:srgbClr val="00FF00"/>
+              </a:solidFill>
+              <a:latin typeface="Courier New" pitchFamily="49"/>
+              <a:cs typeface="Courier New" pitchFamily="49"/>
+            </a:endParaRPr>
           </a:p>
         </p:txBody>
       </p:sp>
     </p:spTree>
     <p:extLst>
       <p:ext uri="{BB962C8B-B14F-4D97-AF65-F5344CB8AC3E}">
-        <p14:creationId xmlns:p14="http://schemas.microsoft.com/office/powerpoint/2010/main" val="1910324897"/>
+        <p14:creationId xmlns:p14="http://schemas.microsoft.com/office/powerpoint/2010/main" val="429990327"/>
       </p:ext>
     </p:extLst>
   </p:cSld>
@@ -19915,6 +21163,1132 @@
 <file path=ppt/slides/slide46.xml><?xml version="1.0" encoding="utf-8"?>
 <p:sld xmlns:a="http://schemas.openxmlformats.org/drawingml/2006/main" xmlns:r="http://schemas.openxmlformats.org/officeDocument/2006/relationships" xmlns:p="http://schemas.openxmlformats.org/presentationml/2006/main">
   <p:cSld>
+    <p:bg>
+      <p:bgPr>
+        <a:solidFill>
+          <a:srgbClr val="000000"/>
+        </a:solidFill>
+        <a:effectLst/>
+      </p:bgPr>
+    </p:bg>
+    <p:spTree>
+      <p:nvGrpSpPr>
+        <p:cNvPr id="1" name=""/>
+        <p:cNvGrpSpPr/>
+        <p:nvPr/>
+      </p:nvGrpSpPr>
+      <p:grpSpPr>
+        <a:xfrm>
+          <a:off x="0" y="0"/>
+          <a:ext cx="0" cy="0"/>
+          <a:chOff x="0" y="0"/>
+          <a:chExt cx="0" cy="0"/>
+        </a:xfrm>
+      </p:grpSpPr>
+      <p:sp>
+        <p:nvSpPr>
+          <p:cNvPr id="2" name="Title 1">
+            <a:extLst>
+              <a:ext uri="{FF2B5EF4-FFF2-40B4-BE49-F238E27FC236}">
+                <a16:creationId xmlns:a16="http://schemas.microsoft.com/office/drawing/2014/main" id="{19F5B244-0AC6-4FDB-90B1-15F77C3031D0}"/>
+              </a:ext>
+            </a:extLst>
+          </p:cNvPr>
+          <p:cNvSpPr txBox="1">
+            <a:spLocks noGrp="1"/>
+          </p:cNvSpPr>
+          <p:nvPr>
+            <p:ph type="title"/>
+          </p:nvPr>
+        </p:nvSpPr>
+        <p:spPr/>
+        <p:txBody>
+          <a:bodyPr/>
+          <a:lstStyle/>
+          <a:p>
+            <a:pPr lvl="0"/>
+            <a:r>
+              <a:rPr lang="nl-NL" dirty="0">
+                <a:solidFill>
+                  <a:srgbClr val="00FF00"/>
+                </a:solidFill>
+                <a:latin typeface="Courier New" pitchFamily="49"/>
+                <a:cs typeface="Courier New" pitchFamily="49"/>
+              </a:rPr>
+              <a:t>Running </a:t>
+            </a:r>
+            <a:r>
+              <a:rPr lang="nl-NL" dirty="0" err="1">
+                <a:solidFill>
+                  <a:srgbClr val="00FF00"/>
+                </a:solidFill>
+                <a:latin typeface="Courier New" pitchFamily="49"/>
+                <a:cs typeface="Courier New" pitchFamily="49"/>
+              </a:rPr>
+              <a:t>WireMock</a:t>
+            </a:r>
+            <a:r>
+              <a:rPr lang="nl-NL" dirty="0">
+                <a:solidFill>
+                  <a:srgbClr val="00FF00"/>
+                </a:solidFill>
+                <a:latin typeface="Courier New" pitchFamily="49"/>
+                <a:cs typeface="Courier New" pitchFamily="49"/>
+              </a:rPr>
+              <a:t> standalone</a:t>
+            </a:r>
+          </a:p>
+        </p:txBody>
+      </p:sp>
+      <p:sp>
+        <p:nvSpPr>
+          <p:cNvPr id="3" name="Content Placeholder 2">
+            <a:extLst>
+              <a:ext uri="{FF2B5EF4-FFF2-40B4-BE49-F238E27FC236}">
+                <a16:creationId xmlns:a16="http://schemas.microsoft.com/office/drawing/2014/main" id="{D139C82B-AD86-4DD7-A5E8-FF4019CEF5E1}"/>
+              </a:ext>
+            </a:extLst>
+          </p:cNvPr>
+          <p:cNvSpPr txBox="1">
+            <a:spLocks noGrp="1"/>
+          </p:cNvSpPr>
+          <p:nvPr>
+            <p:ph idx="1"/>
+          </p:nvPr>
+        </p:nvSpPr>
+        <p:spPr>
+          <a:xfrm>
+            <a:off x="838203" y="1825627"/>
+            <a:ext cx="11257719" cy="4351336"/>
+          </a:xfrm>
+        </p:spPr>
+        <p:txBody>
+          <a:bodyPr/>
+          <a:lstStyle/>
+          <a:p>
+            <a:pPr marL="0" lvl="0" indent="0">
+              <a:buNone/>
+            </a:pPr>
+            <a:r>
+              <a:rPr lang="nl-NL" i="1" dirty="0" err="1">
+                <a:solidFill>
+                  <a:srgbClr val="00FF00"/>
+                </a:solidFill>
+                <a:latin typeface="Courier New" pitchFamily="49"/>
+                <a:cs typeface="Courier New" pitchFamily="49"/>
+              </a:rPr>
+              <a:t>java</a:t>
+            </a:r>
+            <a:r>
+              <a:rPr lang="nl-NL" i="1" dirty="0">
+                <a:solidFill>
+                  <a:srgbClr val="00FF00"/>
+                </a:solidFill>
+                <a:latin typeface="Courier New" pitchFamily="49"/>
+                <a:cs typeface="Courier New" pitchFamily="49"/>
+              </a:rPr>
+              <a:t> –</a:t>
+            </a:r>
+            <a:r>
+              <a:rPr lang="nl-NL" i="1" dirty="0" err="1">
+                <a:solidFill>
+                  <a:srgbClr val="00FF00"/>
+                </a:solidFill>
+                <a:latin typeface="Courier New" pitchFamily="49"/>
+                <a:cs typeface="Courier New" pitchFamily="49"/>
+              </a:rPr>
+              <a:t>jar</a:t>
+            </a:r>
+            <a:r>
+              <a:rPr lang="nl-NL" i="1" dirty="0">
+                <a:solidFill>
+                  <a:srgbClr val="00FF00"/>
+                </a:solidFill>
+                <a:latin typeface="Courier New" pitchFamily="49"/>
+                <a:cs typeface="Courier New" pitchFamily="49"/>
+              </a:rPr>
+              <a:t> wiremock-standalone-2.18.0.jar --port 9876</a:t>
+            </a:r>
+          </a:p>
+          <a:p>
+            <a:pPr lvl="0">
+              <a:buFont typeface="Courier New" pitchFamily="49"/>
+              <a:buChar char="_"/>
+            </a:pPr>
+            <a:endParaRPr lang="nl-NL" dirty="0">
+              <a:solidFill>
+                <a:srgbClr val="00FF00"/>
+              </a:solidFill>
+              <a:latin typeface="Courier New" pitchFamily="49"/>
+              <a:cs typeface="Courier New" pitchFamily="49"/>
+            </a:endParaRPr>
+          </a:p>
+          <a:p>
+            <a:pPr lvl="0">
+              <a:buFont typeface="Courier New" pitchFamily="49"/>
+              <a:buChar char="_"/>
+            </a:pPr>
+            <a:r>
+              <a:rPr lang="nl-NL" dirty="0">
+                <a:solidFill>
+                  <a:srgbClr val="00FF00"/>
+                </a:solidFill>
+                <a:latin typeface="Courier New" pitchFamily="49"/>
+                <a:cs typeface="Courier New" pitchFamily="49"/>
+              </a:rPr>
+              <a:t>‘</a:t>
+            </a:r>
+            <a:r>
+              <a:rPr lang="nl-NL" dirty="0" err="1">
+                <a:solidFill>
+                  <a:srgbClr val="00FF00"/>
+                </a:solidFill>
+                <a:latin typeface="Courier New" pitchFamily="49"/>
+                <a:cs typeface="Courier New" pitchFamily="49"/>
+              </a:rPr>
+              <a:t>mappings</a:t>
+            </a:r>
+            <a:r>
+              <a:rPr lang="nl-NL" dirty="0">
+                <a:solidFill>
+                  <a:srgbClr val="00FF00"/>
+                </a:solidFill>
+                <a:latin typeface="Courier New" pitchFamily="49"/>
+                <a:cs typeface="Courier New" pitchFamily="49"/>
+              </a:rPr>
+              <a:t>’ </a:t>
+            </a:r>
+            <a:r>
+              <a:rPr lang="nl-NL" dirty="0" err="1">
+                <a:solidFill>
+                  <a:srgbClr val="00FF00"/>
+                </a:solidFill>
+                <a:latin typeface="Courier New" pitchFamily="49"/>
+                <a:cs typeface="Courier New" pitchFamily="49"/>
+              </a:rPr>
+              <a:t>subfolder</a:t>
+            </a:r>
+            <a:r>
+              <a:rPr lang="nl-NL" dirty="0">
+                <a:solidFill>
+                  <a:srgbClr val="00FF00"/>
+                </a:solidFill>
+                <a:latin typeface="Courier New" pitchFamily="49"/>
+                <a:cs typeface="Courier New" pitchFamily="49"/>
+              </a:rPr>
+              <a:t> </a:t>
+            </a:r>
+            <a:r>
+              <a:rPr lang="nl-NL" dirty="0" err="1">
+                <a:solidFill>
+                  <a:srgbClr val="00FF00"/>
+                </a:solidFill>
+                <a:latin typeface="Courier New" pitchFamily="49"/>
+                <a:cs typeface="Courier New" pitchFamily="49"/>
+              </a:rPr>
+              <a:t>should</a:t>
+            </a:r>
+            <a:r>
+              <a:rPr lang="nl-NL" dirty="0">
+                <a:solidFill>
+                  <a:srgbClr val="00FF00"/>
+                </a:solidFill>
+                <a:latin typeface="Courier New" pitchFamily="49"/>
+                <a:cs typeface="Courier New" pitchFamily="49"/>
+              </a:rPr>
+              <a:t> </a:t>
+            </a:r>
+            <a:r>
+              <a:rPr lang="nl-NL" dirty="0" err="1">
+                <a:solidFill>
+                  <a:srgbClr val="00FF00"/>
+                </a:solidFill>
+                <a:latin typeface="Courier New" pitchFamily="49"/>
+                <a:cs typeface="Courier New" pitchFamily="49"/>
+              </a:rPr>
+              <a:t>contain</a:t>
+            </a:r>
+            <a:r>
+              <a:rPr lang="nl-NL" dirty="0">
+                <a:solidFill>
+                  <a:srgbClr val="00FF00"/>
+                </a:solidFill>
+                <a:latin typeface="Courier New" pitchFamily="49"/>
+                <a:cs typeface="Courier New" pitchFamily="49"/>
+              </a:rPr>
+              <a:t> JSON </a:t>
+            </a:r>
+            <a:r>
+              <a:rPr lang="nl-NL" dirty="0" err="1">
+                <a:solidFill>
+                  <a:srgbClr val="00FF00"/>
+                </a:solidFill>
+                <a:latin typeface="Courier New" pitchFamily="49"/>
+                <a:cs typeface="Courier New" pitchFamily="49"/>
+              </a:rPr>
+              <a:t>mapping</a:t>
+            </a:r>
+            <a:r>
+              <a:rPr lang="nl-NL" dirty="0">
+                <a:solidFill>
+                  <a:srgbClr val="00FF00"/>
+                </a:solidFill>
+                <a:latin typeface="Courier New" pitchFamily="49"/>
+                <a:cs typeface="Courier New" pitchFamily="49"/>
+              </a:rPr>
+              <a:t> </a:t>
+            </a:r>
+            <a:r>
+              <a:rPr lang="nl-NL" dirty="0" err="1">
+                <a:solidFill>
+                  <a:srgbClr val="00FF00"/>
+                </a:solidFill>
+                <a:latin typeface="Courier New" pitchFamily="49"/>
+                <a:cs typeface="Courier New" pitchFamily="49"/>
+              </a:rPr>
+              <a:t>definitions</a:t>
+            </a:r>
+            <a:endParaRPr lang="nl-NL" dirty="0">
+              <a:solidFill>
+                <a:srgbClr val="00FF00"/>
+              </a:solidFill>
+              <a:latin typeface="Courier New" pitchFamily="49"/>
+              <a:cs typeface="Courier New" pitchFamily="49"/>
+            </a:endParaRPr>
+          </a:p>
+          <a:p>
+            <a:pPr lvl="0">
+              <a:buFont typeface="Courier New" pitchFamily="49"/>
+              <a:buChar char="_"/>
+            </a:pPr>
+            <a:endParaRPr lang="nl-NL" dirty="0">
+              <a:solidFill>
+                <a:srgbClr val="00FF00"/>
+              </a:solidFill>
+              <a:latin typeface="Courier New" pitchFamily="49"/>
+              <a:cs typeface="Courier New" pitchFamily="49"/>
+            </a:endParaRPr>
+          </a:p>
+          <a:p>
+            <a:pPr lvl="0">
+              <a:buFont typeface="Courier New" pitchFamily="49"/>
+              <a:buChar char="_"/>
+            </a:pPr>
+            <a:r>
+              <a:rPr lang="nl-NL" dirty="0">
+                <a:solidFill>
+                  <a:srgbClr val="00FF00"/>
+                </a:solidFill>
+                <a:latin typeface="Courier New" pitchFamily="49"/>
+                <a:cs typeface="Courier New" pitchFamily="49"/>
+              </a:rPr>
+              <a:t>‘__files’ </a:t>
+            </a:r>
+            <a:r>
+              <a:rPr lang="nl-NL" dirty="0" err="1">
+                <a:solidFill>
+                  <a:srgbClr val="00FF00"/>
+                </a:solidFill>
+                <a:latin typeface="Courier New" pitchFamily="49"/>
+                <a:cs typeface="Courier New" pitchFamily="49"/>
+              </a:rPr>
+              <a:t>subfolder</a:t>
+            </a:r>
+            <a:r>
+              <a:rPr lang="nl-NL" dirty="0">
+                <a:solidFill>
+                  <a:srgbClr val="00FF00"/>
+                </a:solidFill>
+                <a:latin typeface="Courier New" pitchFamily="49"/>
+                <a:cs typeface="Courier New" pitchFamily="49"/>
+              </a:rPr>
+              <a:t> </a:t>
+            </a:r>
+            <a:r>
+              <a:rPr lang="nl-NL" dirty="0" err="1">
+                <a:solidFill>
+                  <a:srgbClr val="00FF00"/>
+                </a:solidFill>
+                <a:latin typeface="Courier New" pitchFamily="49"/>
+                <a:cs typeface="Courier New" pitchFamily="49"/>
+              </a:rPr>
+              <a:t>contains</a:t>
+            </a:r>
+            <a:r>
+              <a:rPr lang="nl-NL" dirty="0">
+                <a:solidFill>
+                  <a:srgbClr val="00FF00"/>
+                </a:solidFill>
+                <a:latin typeface="Courier New" pitchFamily="49"/>
+                <a:cs typeface="Courier New" pitchFamily="49"/>
+              </a:rPr>
+              <a:t> </a:t>
+            </a:r>
+            <a:r>
+              <a:rPr lang="nl-NL" dirty="0" err="1">
+                <a:solidFill>
+                  <a:srgbClr val="00FF00"/>
+                </a:solidFill>
+                <a:latin typeface="Courier New" pitchFamily="49"/>
+                <a:cs typeface="Courier New" pitchFamily="49"/>
+              </a:rPr>
+              <a:t>additional</a:t>
+            </a:r>
+            <a:r>
+              <a:rPr lang="nl-NL" dirty="0">
+                <a:solidFill>
+                  <a:srgbClr val="00FF00"/>
+                </a:solidFill>
+                <a:latin typeface="Courier New" pitchFamily="49"/>
+                <a:cs typeface="Courier New" pitchFamily="49"/>
+              </a:rPr>
+              <a:t> files</a:t>
+            </a:r>
+          </a:p>
+        </p:txBody>
+      </p:sp>
+    </p:spTree>
+    <p:extLst>
+      <p:ext uri="{BB962C8B-B14F-4D97-AF65-F5344CB8AC3E}">
+        <p14:creationId xmlns:p14="http://schemas.microsoft.com/office/powerpoint/2010/main" val="2341157969"/>
+      </p:ext>
+    </p:extLst>
+  </p:cSld>
+  <p:clrMapOvr>
+    <a:masterClrMapping/>
+  </p:clrMapOvr>
+</p:sld>
+</file>
+
+<file path=ppt/slides/slide47.xml><?xml version="1.0" encoding="utf-8"?>
+<p:sld xmlns:a="http://schemas.openxmlformats.org/drawingml/2006/main" xmlns:r="http://schemas.openxmlformats.org/officeDocument/2006/relationships" xmlns:p="http://schemas.openxmlformats.org/presentationml/2006/main">
+  <p:cSld>
+    <p:bg>
+      <p:bgPr>
+        <a:solidFill>
+          <a:srgbClr val="000000"/>
+        </a:solidFill>
+        <a:effectLst/>
+      </p:bgPr>
+    </p:bg>
+    <p:spTree>
+      <p:nvGrpSpPr>
+        <p:cNvPr id="1" name=""/>
+        <p:cNvGrpSpPr/>
+        <p:nvPr/>
+      </p:nvGrpSpPr>
+      <p:grpSpPr>
+        <a:xfrm>
+          <a:off x="0" y="0"/>
+          <a:ext cx="0" cy="0"/>
+          <a:chOff x="0" y="0"/>
+          <a:chExt cx="0" cy="0"/>
+        </a:xfrm>
+      </p:grpSpPr>
+      <p:sp>
+        <p:nvSpPr>
+          <p:cNvPr id="2" name="Title 1">
+            <a:extLst>
+              <a:ext uri="{FF2B5EF4-FFF2-40B4-BE49-F238E27FC236}">
+                <a16:creationId xmlns:a16="http://schemas.microsoft.com/office/drawing/2014/main" id="{19F5B244-0AC6-4FDB-90B1-15F77C3031D0}"/>
+              </a:ext>
+            </a:extLst>
+          </p:cNvPr>
+          <p:cNvSpPr txBox="1">
+            <a:spLocks noGrp="1"/>
+          </p:cNvSpPr>
+          <p:nvPr>
+            <p:ph type="title"/>
+          </p:nvPr>
+        </p:nvSpPr>
+        <p:spPr/>
+        <p:txBody>
+          <a:bodyPr/>
+          <a:lstStyle/>
+          <a:p>
+            <a:pPr lvl="0"/>
+            <a:r>
+              <a:rPr lang="nl-NL" dirty="0">
+                <a:solidFill>
+                  <a:srgbClr val="00FF00"/>
+                </a:solidFill>
+                <a:latin typeface="Courier New" pitchFamily="49"/>
+                <a:cs typeface="Courier New" pitchFamily="49"/>
+              </a:rPr>
+              <a:t>JSON </a:t>
+            </a:r>
+            <a:r>
+              <a:rPr lang="nl-NL" dirty="0" err="1">
+                <a:solidFill>
+                  <a:srgbClr val="00FF00"/>
+                </a:solidFill>
+                <a:latin typeface="Courier New" pitchFamily="49"/>
+                <a:cs typeface="Courier New" pitchFamily="49"/>
+              </a:rPr>
+              <a:t>mapping</a:t>
+            </a:r>
+            <a:r>
+              <a:rPr lang="nl-NL" dirty="0">
+                <a:solidFill>
+                  <a:srgbClr val="00FF00"/>
+                </a:solidFill>
+                <a:latin typeface="Courier New" pitchFamily="49"/>
+                <a:cs typeface="Courier New" pitchFamily="49"/>
+              </a:rPr>
+              <a:t> files</a:t>
+            </a:r>
+          </a:p>
+        </p:txBody>
+      </p:sp>
+      <p:sp>
+        <p:nvSpPr>
+          <p:cNvPr id="3" name="Content Placeholder 2">
+            <a:extLst>
+              <a:ext uri="{FF2B5EF4-FFF2-40B4-BE49-F238E27FC236}">
+                <a16:creationId xmlns:a16="http://schemas.microsoft.com/office/drawing/2014/main" id="{D139C82B-AD86-4DD7-A5E8-FF4019CEF5E1}"/>
+              </a:ext>
+            </a:extLst>
+          </p:cNvPr>
+          <p:cNvSpPr txBox="1">
+            <a:spLocks noGrp="1"/>
+          </p:cNvSpPr>
+          <p:nvPr>
+            <p:ph idx="1"/>
+          </p:nvPr>
+        </p:nvSpPr>
+        <p:spPr>
+          <a:xfrm>
+            <a:off x="838203" y="1825627"/>
+            <a:ext cx="11257719" cy="4351336"/>
+          </a:xfrm>
+        </p:spPr>
+        <p:txBody>
+          <a:bodyPr/>
+          <a:lstStyle/>
+          <a:p>
+            <a:pPr lvl="0">
+              <a:buFont typeface="Courier New" pitchFamily="49"/>
+              <a:buChar char="_"/>
+            </a:pPr>
+            <a:r>
+              <a:rPr lang="nl-NL" dirty="0" err="1">
+                <a:solidFill>
+                  <a:srgbClr val="00FF00"/>
+                </a:solidFill>
+                <a:latin typeface="Courier New" pitchFamily="49"/>
+                <a:cs typeface="Courier New" pitchFamily="49"/>
+              </a:rPr>
+              <a:t>All</a:t>
+            </a:r>
+            <a:r>
+              <a:rPr lang="nl-NL" dirty="0">
+                <a:solidFill>
+                  <a:srgbClr val="00FF00"/>
+                </a:solidFill>
+                <a:latin typeface="Courier New" pitchFamily="49"/>
+                <a:cs typeface="Courier New" pitchFamily="49"/>
+              </a:rPr>
+              <a:t> features </a:t>
+            </a:r>
+            <a:r>
+              <a:rPr lang="nl-NL" dirty="0" err="1">
+                <a:solidFill>
+                  <a:srgbClr val="00FF00"/>
+                </a:solidFill>
+                <a:latin typeface="Courier New" pitchFamily="49"/>
+                <a:cs typeface="Courier New" pitchFamily="49"/>
+              </a:rPr>
+              <a:t>available</a:t>
+            </a:r>
+            <a:r>
+              <a:rPr lang="nl-NL" dirty="0">
+                <a:solidFill>
+                  <a:srgbClr val="00FF00"/>
+                </a:solidFill>
+                <a:latin typeface="Courier New" pitchFamily="49"/>
+                <a:cs typeface="Courier New" pitchFamily="49"/>
+              </a:rPr>
+              <a:t> in Java </a:t>
+            </a:r>
+            <a:r>
+              <a:rPr lang="nl-NL" dirty="0" err="1">
+                <a:solidFill>
+                  <a:srgbClr val="00FF00"/>
+                </a:solidFill>
+                <a:latin typeface="Courier New" pitchFamily="49"/>
+                <a:cs typeface="Courier New" pitchFamily="49"/>
+              </a:rPr>
+              <a:t>also</a:t>
+            </a:r>
+            <a:r>
+              <a:rPr lang="nl-NL" dirty="0">
+                <a:solidFill>
+                  <a:srgbClr val="00FF00"/>
+                </a:solidFill>
+                <a:latin typeface="Courier New" pitchFamily="49"/>
+                <a:cs typeface="Courier New" pitchFamily="49"/>
+              </a:rPr>
+              <a:t> </a:t>
+            </a:r>
+            <a:r>
+              <a:rPr lang="nl-NL" dirty="0" err="1">
+                <a:solidFill>
+                  <a:srgbClr val="00FF00"/>
+                </a:solidFill>
+                <a:latin typeface="Courier New" pitchFamily="49"/>
+                <a:cs typeface="Courier New" pitchFamily="49"/>
+              </a:rPr>
+              <a:t>available</a:t>
+            </a:r>
+            <a:r>
+              <a:rPr lang="nl-NL" dirty="0">
+                <a:solidFill>
+                  <a:srgbClr val="00FF00"/>
+                </a:solidFill>
+                <a:latin typeface="Courier New" pitchFamily="49"/>
+                <a:cs typeface="Courier New" pitchFamily="49"/>
+              </a:rPr>
+              <a:t> </a:t>
+            </a:r>
+            <a:r>
+              <a:rPr lang="nl-NL" dirty="0" err="1">
+                <a:solidFill>
+                  <a:srgbClr val="00FF00"/>
+                </a:solidFill>
+                <a:latin typeface="Courier New" pitchFamily="49"/>
+                <a:cs typeface="Courier New" pitchFamily="49"/>
+              </a:rPr>
+              <a:t>through</a:t>
+            </a:r>
+            <a:r>
+              <a:rPr lang="nl-NL" dirty="0">
+                <a:solidFill>
+                  <a:srgbClr val="00FF00"/>
+                </a:solidFill>
+                <a:latin typeface="Courier New" pitchFamily="49"/>
+                <a:cs typeface="Courier New" pitchFamily="49"/>
+              </a:rPr>
+              <a:t> JSON </a:t>
+            </a:r>
+            <a:r>
+              <a:rPr lang="nl-NL" dirty="0" err="1">
+                <a:solidFill>
+                  <a:srgbClr val="00FF00"/>
+                </a:solidFill>
+                <a:latin typeface="Courier New" pitchFamily="49"/>
+                <a:cs typeface="Courier New" pitchFamily="49"/>
+              </a:rPr>
+              <a:t>mappings</a:t>
+            </a:r>
+            <a:endParaRPr lang="nl-NL" dirty="0">
+              <a:solidFill>
+                <a:srgbClr val="00FF00"/>
+              </a:solidFill>
+              <a:latin typeface="Courier New" pitchFamily="49"/>
+              <a:cs typeface="Courier New" pitchFamily="49"/>
+            </a:endParaRPr>
+          </a:p>
+          <a:p>
+            <a:pPr lvl="0">
+              <a:buFont typeface="Courier New" pitchFamily="49"/>
+              <a:buChar char="_"/>
+            </a:pPr>
+            <a:endParaRPr lang="nl-NL" dirty="0">
+              <a:solidFill>
+                <a:srgbClr val="00FF00"/>
+              </a:solidFill>
+              <a:latin typeface="Courier New" pitchFamily="49"/>
+              <a:cs typeface="Courier New" pitchFamily="49"/>
+            </a:endParaRPr>
+          </a:p>
+          <a:p>
+            <a:pPr lvl="0">
+              <a:buFont typeface="Courier New" pitchFamily="49"/>
+              <a:buChar char="_"/>
+            </a:pPr>
+            <a:r>
+              <a:rPr lang="nl-NL" dirty="0" err="1">
+                <a:solidFill>
+                  <a:srgbClr val="00FF00"/>
+                </a:solidFill>
+                <a:latin typeface="Courier New" pitchFamily="49"/>
+                <a:cs typeface="Courier New" pitchFamily="49"/>
+              </a:rPr>
+              <a:t>Example</a:t>
+            </a:r>
+            <a:r>
+              <a:rPr lang="nl-NL" dirty="0">
+                <a:solidFill>
+                  <a:srgbClr val="00FF00"/>
+                </a:solidFill>
+                <a:latin typeface="Courier New" pitchFamily="49"/>
+                <a:cs typeface="Courier New" pitchFamily="49"/>
+              </a:rPr>
+              <a:t>:</a:t>
+            </a:r>
+          </a:p>
+        </p:txBody>
+      </p:sp>
+      <p:pic>
+        <p:nvPicPr>
+          <p:cNvPr id="4" name="Picture 3">
+            <a:extLst>
+              <a:ext uri="{FF2B5EF4-FFF2-40B4-BE49-F238E27FC236}">
+                <a16:creationId xmlns:a16="http://schemas.microsoft.com/office/drawing/2014/main" id="{997D5A66-791C-4D00-919A-1233370F077B}"/>
+              </a:ext>
+            </a:extLst>
+          </p:cNvPr>
+          <p:cNvPicPr>
+            <a:picLocks noChangeAspect="1"/>
+          </p:cNvPicPr>
+          <p:nvPr/>
+        </p:nvPicPr>
+        <p:blipFill>
+          <a:blip r:embed="rId2"/>
+          <a:stretch>
+            <a:fillRect/>
+          </a:stretch>
+        </p:blipFill>
+        <p:spPr>
+          <a:xfrm>
+            <a:off x="3134647" y="3038194"/>
+            <a:ext cx="5572031" cy="3548453"/>
+          </a:xfrm>
+          <a:prstGeom prst="rect">
+            <a:avLst/>
+          </a:prstGeom>
+        </p:spPr>
+      </p:pic>
+    </p:spTree>
+    <p:extLst>
+      <p:ext uri="{BB962C8B-B14F-4D97-AF65-F5344CB8AC3E}">
+        <p14:creationId xmlns:p14="http://schemas.microsoft.com/office/powerpoint/2010/main" val="814300950"/>
+      </p:ext>
+    </p:extLst>
+  </p:cSld>
+  <p:clrMapOvr>
+    <a:masterClrMapping/>
+  </p:clrMapOvr>
+</p:sld>
+</file>
+
+<file path=ppt/slides/slide48.xml><?xml version="1.0" encoding="utf-8"?>
+<p:sld xmlns:a="http://schemas.openxmlformats.org/drawingml/2006/main" xmlns:r="http://schemas.openxmlformats.org/officeDocument/2006/relationships" xmlns:p="http://schemas.openxmlformats.org/presentationml/2006/main">
+  <p:cSld>
+    <p:bg>
+      <p:bgPr>
+        <a:solidFill>
+          <a:srgbClr val="000000"/>
+        </a:solidFill>
+        <a:effectLst/>
+      </p:bgPr>
+    </p:bg>
+    <p:spTree>
+      <p:nvGrpSpPr>
+        <p:cNvPr id="1" name=""/>
+        <p:cNvGrpSpPr/>
+        <p:nvPr/>
+      </p:nvGrpSpPr>
+      <p:grpSpPr>
+        <a:xfrm>
+          <a:off x="0" y="0"/>
+          <a:ext cx="0" cy="0"/>
+          <a:chOff x="0" y="0"/>
+          <a:chExt cx="0" cy="0"/>
+        </a:xfrm>
+      </p:grpSpPr>
+      <p:sp>
+        <p:nvSpPr>
+          <p:cNvPr id="2" name="Title 1">
+            <a:extLst>
+              <a:ext uri="{FF2B5EF4-FFF2-40B4-BE49-F238E27FC236}">
+                <a16:creationId xmlns:a16="http://schemas.microsoft.com/office/drawing/2014/main" id="{19F5B244-0AC6-4FDB-90B1-15F77C3031D0}"/>
+              </a:ext>
+            </a:extLst>
+          </p:cNvPr>
+          <p:cNvSpPr txBox="1">
+            <a:spLocks noGrp="1"/>
+          </p:cNvSpPr>
+          <p:nvPr>
+            <p:ph type="title"/>
+          </p:nvPr>
+        </p:nvSpPr>
+        <p:spPr/>
+        <p:txBody>
+          <a:bodyPr/>
+          <a:lstStyle/>
+          <a:p>
+            <a:pPr lvl="0"/>
+            <a:r>
+              <a:rPr lang="nl-NL" dirty="0">
+                <a:solidFill>
+                  <a:srgbClr val="00FF00"/>
+                </a:solidFill>
+                <a:latin typeface="Courier New" pitchFamily="49"/>
+                <a:cs typeface="Courier New" pitchFamily="49"/>
+              </a:rPr>
+              <a:t>JSON </a:t>
+            </a:r>
+            <a:r>
+              <a:rPr lang="nl-NL" dirty="0" err="1">
+                <a:solidFill>
+                  <a:srgbClr val="00FF00"/>
+                </a:solidFill>
+                <a:latin typeface="Courier New" pitchFamily="49"/>
+                <a:cs typeface="Courier New" pitchFamily="49"/>
+              </a:rPr>
+              <a:t>mapping</a:t>
+            </a:r>
+            <a:r>
+              <a:rPr lang="nl-NL" dirty="0">
+                <a:solidFill>
+                  <a:srgbClr val="00FF00"/>
+                </a:solidFill>
+                <a:latin typeface="Courier New" pitchFamily="49"/>
+                <a:cs typeface="Courier New" pitchFamily="49"/>
+              </a:rPr>
+              <a:t> files</a:t>
+            </a:r>
+          </a:p>
+        </p:txBody>
+      </p:sp>
+      <p:sp>
+        <p:nvSpPr>
+          <p:cNvPr id="3" name="Content Placeholder 2">
+            <a:extLst>
+              <a:ext uri="{FF2B5EF4-FFF2-40B4-BE49-F238E27FC236}">
+                <a16:creationId xmlns:a16="http://schemas.microsoft.com/office/drawing/2014/main" id="{D139C82B-AD86-4DD7-A5E8-FF4019CEF5E1}"/>
+              </a:ext>
+            </a:extLst>
+          </p:cNvPr>
+          <p:cNvSpPr txBox="1">
+            <a:spLocks noGrp="1"/>
+          </p:cNvSpPr>
+          <p:nvPr>
+            <p:ph idx="1"/>
+          </p:nvPr>
+        </p:nvSpPr>
+        <p:spPr>
+          <a:xfrm>
+            <a:off x="838203" y="1825627"/>
+            <a:ext cx="11257719" cy="4351336"/>
+          </a:xfrm>
+        </p:spPr>
+        <p:txBody>
+          <a:bodyPr/>
+          <a:lstStyle/>
+          <a:p>
+            <a:pPr lvl="0">
+              <a:buFont typeface="Courier New" pitchFamily="49"/>
+              <a:buChar char="_"/>
+            </a:pPr>
+            <a:r>
+              <a:rPr lang="nl-NL" dirty="0" err="1">
+                <a:solidFill>
+                  <a:srgbClr val="00FF00"/>
+                </a:solidFill>
+                <a:latin typeface="Courier New" pitchFamily="49"/>
+                <a:cs typeface="Courier New" pitchFamily="49"/>
+              </a:rPr>
+              <a:t>Documentation</a:t>
+            </a:r>
+            <a:r>
+              <a:rPr lang="nl-NL" dirty="0">
+                <a:solidFill>
+                  <a:srgbClr val="00FF00"/>
+                </a:solidFill>
+                <a:latin typeface="Courier New" pitchFamily="49"/>
+                <a:cs typeface="Courier New" pitchFamily="49"/>
+              </a:rPr>
+              <a:t> of </a:t>
+            </a:r>
+            <a:r>
+              <a:rPr lang="nl-NL" dirty="0" err="1">
+                <a:solidFill>
+                  <a:srgbClr val="00FF00"/>
+                </a:solidFill>
+                <a:latin typeface="Courier New" pitchFamily="49"/>
+                <a:cs typeface="Courier New" pitchFamily="49"/>
+              </a:rPr>
+              <a:t>all</a:t>
+            </a:r>
+            <a:r>
+              <a:rPr lang="nl-NL" dirty="0">
+                <a:solidFill>
+                  <a:srgbClr val="00FF00"/>
+                </a:solidFill>
+                <a:latin typeface="Courier New" pitchFamily="49"/>
+                <a:cs typeface="Courier New" pitchFamily="49"/>
+              </a:rPr>
+              <a:t> features, </a:t>
+            </a:r>
+            <a:r>
+              <a:rPr lang="nl-NL" dirty="0" err="1">
+                <a:solidFill>
+                  <a:srgbClr val="00FF00"/>
+                </a:solidFill>
+                <a:latin typeface="Courier New" pitchFamily="49"/>
+                <a:cs typeface="Courier New" pitchFamily="49"/>
+              </a:rPr>
+              <a:t>along</a:t>
+            </a:r>
+            <a:r>
+              <a:rPr lang="nl-NL" dirty="0">
+                <a:solidFill>
+                  <a:srgbClr val="00FF00"/>
+                </a:solidFill>
+                <a:latin typeface="Courier New" pitchFamily="49"/>
+                <a:cs typeface="Courier New" pitchFamily="49"/>
+              </a:rPr>
+              <a:t> </a:t>
+            </a:r>
+            <a:r>
+              <a:rPr lang="nl-NL" dirty="0" err="1">
+                <a:solidFill>
+                  <a:srgbClr val="00FF00"/>
+                </a:solidFill>
+                <a:latin typeface="Courier New" pitchFamily="49"/>
+                <a:cs typeface="Courier New" pitchFamily="49"/>
+              </a:rPr>
+              <a:t>with</a:t>
+            </a:r>
+            <a:r>
+              <a:rPr lang="nl-NL" dirty="0">
+                <a:solidFill>
+                  <a:srgbClr val="00FF00"/>
+                </a:solidFill>
+                <a:latin typeface="Courier New" pitchFamily="49"/>
+                <a:cs typeface="Courier New" pitchFamily="49"/>
+              </a:rPr>
+              <a:t> </a:t>
+            </a:r>
+            <a:r>
+              <a:rPr lang="nl-NL" dirty="0" err="1">
+                <a:solidFill>
+                  <a:srgbClr val="00FF00"/>
+                </a:solidFill>
+                <a:latin typeface="Courier New" pitchFamily="49"/>
+                <a:cs typeface="Courier New" pitchFamily="49"/>
+              </a:rPr>
+              <a:t>examples</a:t>
+            </a:r>
+            <a:r>
+              <a:rPr lang="nl-NL" dirty="0">
+                <a:solidFill>
+                  <a:srgbClr val="00FF00"/>
+                </a:solidFill>
+                <a:latin typeface="Courier New" pitchFamily="49"/>
+                <a:cs typeface="Courier New" pitchFamily="49"/>
+              </a:rPr>
+              <a:t> on </a:t>
+            </a:r>
+            <a:r>
+              <a:rPr lang="nl-NL" dirty="0" err="1">
+                <a:solidFill>
+                  <a:srgbClr val="00FF00"/>
+                </a:solidFill>
+                <a:latin typeface="Courier New" pitchFamily="49"/>
+                <a:cs typeface="Courier New" pitchFamily="49"/>
+              </a:rPr>
+              <a:t>how</a:t>
+            </a:r>
+            <a:r>
+              <a:rPr lang="nl-NL" dirty="0">
+                <a:solidFill>
+                  <a:srgbClr val="00FF00"/>
+                </a:solidFill>
+                <a:latin typeface="Courier New" pitchFamily="49"/>
+                <a:cs typeface="Courier New" pitchFamily="49"/>
+              </a:rPr>
+              <a:t> </a:t>
+            </a:r>
+            <a:r>
+              <a:rPr lang="nl-NL" dirty="0" err="1">
+                <a:solidFill>
+                  <a:srgbClr val="00FF00"/>
+                </a:solidFill>
+                <a:latin typeface="Courier New" pitchFamily="49"/>
+                <a:cs typeface="Courier New" pitchFamily="49"/>
+              </a:rPr>
+              <a:t>to</a:t>
+            </a:r>
+            <a:r>
+              <a:rPr lang="nl-NL" dirty="0">
+                <a:solidFill>
+                  <a:srgbClr val="00FF00"/>
+                </a:solidFill>
+                <a:latin typeface="Courier New" pitchFamily="49"/>
+                <a:cs typeface="Courier New" pitchFamily="49"/>
+              </a:rPr>
+              <a:t> </a:t>
+            </a:r>
+            <a:r>
+              <a:rPr lang="nl-NL" dirty="0" err="1">
+                <a:solidFill>
+                  <a:srgbClr val="00FF00"/>
+                </a:solidFill>
+                <a:latin typeface="Courier New" pitchFamily="49"/>
+                <a:cs typeface="Courier New" pitchFamily="49"/>
+              </a:rPr>
+              <a:t>implement</a:t>
+            </a:r>
+            <a:r>
+              <a:rPr lang="nl-NL" dirty="0">
+                <a:solidFill>
+                  <a:srgbClr val="00FF00"/>
+                </a:solidFill>
+                <a:latin typeface="Courier New" pitchFamily="49"/>
+                <a:cs typeface="Courier New" pitchFamily="49"/>
+              </a:rPr>
+              <a:t> </a:t>
+            </a:r>
+            <a:r>
+              <a:rPr lang="nl-NL" dirty="0" err="1">
+                <a:solidFill>
+                  <a:srgbClr val="00FF00"/>
+                </a:solidFill>
+                <a:latin typeface="Courier New" pitchFamily="49"/>
+                <a:cs typeface="Courier New" pitchFamily="49"/>
+              </a:rPr>
+              <a:t>them</a:t>
+            </a:r>
+            <a:r>
+              <a:rPr lang="nl-NL" dirty="0">
+                <a:solidFill>
+                  <a:srgbClr val="00FF00"/>
+                </a:solidFill>
+                <a:latin typeface="Courier New" pitchFamily="49"/>
+                <a:cs typeface="Courier New" pitchFamily="49"/>
+              </a:rPr>
+              <a:t> </a:t>
+            </a:r>
+            <a:r>
+              <a:rPr lang="nl-NL" dirty="0" err="1">
+                <a:solidFill>
+                  <a:srgbClr val="00FF00"/>
+                </a:solidFill>
+                <a:latin typeface="Courier New" pitchFamily="49"/>
+                <a:cs typeface="Courier New" pitchFamily="49"/>
+              </a:rPr>
+              <a:t>through</a:t>
+            </a:r>
+            <a:r>
+              <a:rPr lang="nl-NL" dirty="0">
+                <a:solidFill>
+                  <a:srgbClr val="00FF00"/>
+                </a:solidFill>
+                <a:latin typeface="Courier New" pitchFamily="49"/>
+                <a:cs typeface="Courier New" pitchFamily="49"/>
+              </a:rPr>
+              <a:t> JSON </a:t>
+            </a:r>
+            <a:r>
+              <a:rPr lang="nl-NL" dirty="0" err="1">
+                <a:solidFill>
+                  <a:srgbClr val="00FF00"/>
+                </a:solidFill>
+                <a:latin typeface="Courier New" pitchFamily="49"/>
+                <a:cs typeface="Courier New" pitchFamily="49"/>
+              </a:rPr>
+              <a:t>mapping</a:t>
+            </a:r>
+            <a:r>
+              <a:rPr lang="nl-NL" dirty="0">
+                <a:solidFill>
+                  <a:srgbClr val="00FF00"/>
+                </a:solidFill>
+                <a:latin typeface="Courier New" pitchFamily="49"/>
+                <a:cs typeface="Courier New" pitchFamily="49"/>
+              </a:rPr>
+              <a:t> files </a:t>
+            </a:r>
+            <a:r>
+              <a:rPr lang="nl-NL" dirty="0" err="1">
+                <a:solidFill>
+                  <a:srgbClr val="00FF00"/>
+                </a:solidFill>
+                <a:latin typeface="Courier New" pitchFamily="49"/>
+                <a:cs typeface="Courier New" pitchFamily="49"/>
+              </a:rPr>
+              <a:t>can</a:t>
+            </a:r>
+            <a:r>
+              <a:rPr lang="nl-NL" dirty="0">
+                <a:solidFill>
+                  <a:srgbClr val="00FF00"/>
+                </a:solidFill>
+                <a:latin typeface="Courier New" pitchFamily="49"/>
+                <a:cs typeface="Courier New" pitchFamily="49"/>
+              </a:rPr>
+              <a:t> </a:t>
+            </a:r>
+            <a:r>
+              <a:rPr lang="nl-NL" dirty="0" err="1">
+                <a:solidFill>
+                  <a:srgbClr val="00FF00"/>
+                </a:solidFill>
+                <a:latin typeface="Courier New" pitchFamily="49"/>
+                <a:cs typeface="Courier New" pitchFamily="49"/>
+              </a:rPr>
+              <a:t>be</a:t>
+            </a:r>
+            <a:r>
+              <a:rPr lang="nl-NL" dirty="0">
+                <a:solidFill>
+                  <a:srgbClr val="00FF00"/>
+                </a:solidFill>
+                <a:latin typeface="Courier New" pitchFamily="49"/>
+                <a:cs typeface="Courier New" pitchFamily="49"/>
+              </a:rPr>
+              <a:t> found at</a:t>
+            </a:r>
+          </a:p>
+          <a:p>
+            <a:pPr lvl="0">
+              <a:buFont typeface="Courier New" pitchFamily="49"/>
+              <a:buChar char="_"/>
+            </a:pPr>
+            <a:endParaRPr lang="nl-NL" dirty="0">
+              <a:solidFill>
+                <a:srgbClr val="00FF00"/>
+              </a:solidFill>
+              <a:latin typeface="Courier New" pitchFamily="49"/>
+              <a:cs typeface="Courier New" pitchFamily="49"/>
+            </a:endParaRPr>
+          </a:p>
+          <a:p>
+            <a:pPr marL="0" lvl="0" indent="0">
+              <a:buNone/>
+            </a:pPr>
+            <a:r>
+              <a:rPr lang="nl-NL" i="1" dirty="0">
+                <a:solidFill>
+                  <a:srgbClr val="00FF00"/>
+                </a:solidFill>
+                <a:latin typeface="Courier New" pitchFamily="49"/>
+                <a:cs typeface="Courier New" pitchFamily="49"/>
+              </a:rPr>
+              <a:t>http://wiremock.org/docs/</a:t>
+            </a:r>
+          </a:p>
+        </p:txBody>
+      </p:sp>
+    </p:spTree>
+    <p:extLst>
+      <p:ext uri="{BB962C8B-B14F-4D97-AF65-F5344CB8AC3E}">
+        <p14:creationId xmlns:p14="http://schemas.microsoft.com/office/powerpoint/2010/main" val="2202770581"/>
+      </p:ext>
+    </p:extLst>
+  </p:cSld>
+  <p:clrMapOvr>
+    <a:masterClrMapping/>
+  </p:clrMapOvr>
+</p:sld>
+</file>
+
+<file path=ppt/slides/slide49.xml><?xml version="1.0" encoding="utf-8"?>
+<p:sld xmlns:a="http://schemas.openxmlformats.org/drawingml/2006/main" xmlns:r="http://schemas.openxmlformats.org/officeDocument/2006/relationships" xmlns:p="http://schemas.openxmlformats.org/presentationml/2006/main">
+  <p:cSld name="Slide74">
     <p:bg>
       <p:bgPr>
         <a:solidFill>
@@ -19995,702 +22369,85 @@
           <a:p>
             <a:pPr lvl="0"/>
             <a:r>
-              <a:rPr lang="nl-NL">
-                <a:solidFill>
-                  <a:srgbClr val="00FF00"/>
-                </a:solidFill>
-                <a:latin typeface="Courier New" pitchFamily="49"/>
-                <a:cs typeface="Courier New" pitchFamily="49"/>
-              </a:rPr>
-              <a:t>Using record and playback in WireMock</a:t>
-            </a:r>
-          </a:p>
-        </p:txBody>
-      </p:sp>
-    </p:spTree>
-    <p:extLst>
-      <p:ext uri="{BB962C8B-B14F-4D97-AF65-F5344CB8AC3E}">
-        <p14:creationId xmlns:p14="http://schemas.microsoft.com/office/powerpoint/2010/main" val="2768511321"/>
-      </p:ext>
-    </p:extLst>
-  </p:cSld>
-  <p:clrMapOvr>
-    <a:masterClrMapping/>
-  </p:clrMapOvr>
-</p:sld>
-</file>
-
-<file path=ppt/slides/slide47.xml><?xml version="1.0" encoding="utf-8"?>
-<p:sld xmlns:a="http://schemas.openxmlformats.org/drawingml/2006/main" xmlns:r="http://schemas.openxmlformats.org/officeDocument/2006/relationships" xmlns:p="http://schemas.openxmlformats.org/presentationml/2006/main">
-  <p:cSld name="Slide75">
-    <p:bg>
-      <p:bgPr>
-        <a:solidFill>
-          <a:srgbClr val="000000"/>
-        </a:solidFill>
-        <a:effectLst/>
-      </p:bgPr>
-    </p:bg>
-    <p:spTree>
-      <p:nvGrpSpPr>
-        <p:cNvPr id="1" name=""/>
-        <p:cNvGrpSpPr/>
-        <p:nvPr/>
-      </p:nvGrpSpPr>
-      <p:grpSpPr>
-        <a:xfrm>
-          <a:off x="0" y="0"/>
-          <a:ext cx="0" cy="0"/>
-          <a:chOff x="0" y="0"/>
-          <a:chExt cx="0" cy="0"/>
-        </a:xfrm>
-      </p:grpSpPr>
-      <p:sp>
-        <p:nvSpPr>
-          <p:cNvPr id="2" name="Title 1">
-            <a:extLst>
-              <a:ext uri="{FF2B5EF4-FFF2-40B4-BE49-F238E27FC236}">
-                <a16:creationId xmlns:a16="http://schemas.microsoft.com/office/drawing/2014/main" id="{02B98E5B-F90C-4F29-BE6D-3FBEE10A2AF2}"/>
-              </a:ext>
-            </a:extLst>
-          </p:cNvPr>
-          <p:cNvSpPr txBox="1">
-            <a:spLocks noGrp="1"/>
-          </p:cNvSpPr>
-          <p:nvPr>
-            <p:ph type="title"/>
-          </p:nvPr>
-        </p:nvSpPr>
-        <p:spPr/>
-        <p:txBody>
-          <a:bodyPr/>
-          <a:lstStyle/>
-          <a:p>
-            <a:pPr lvl="0"/>
-            <a:r>
-              <a:rPr lang="nl-NL">
-                <a:solidFill>
-                  <a:srgbClr val="00FF00"/>
-                </a:solidFill>
-                <a:latin typeface="Courier New" pitchFamily="49"/>
-                <a:cs typeface="Courier New" pitchFamily="49"/>
-              </a:rPr>
-              <a:t>Pros and cons of record and playback</a:t>
-            </a:r>
-          </a:p>
-        </p:txBody>
-      </p:sp>
-      <p:sp>
-        <p:nvSpPr>
-          <p:cNvPr id="3" name="Content Placeholder 2">
-            <a:extLst>
-              <a:ext uri="{FF2B5EF4-FFF2-40B4-BE49-F238E27FC236}">
-                <a16:creationId xmlns:a16="http://schemas.microsoft.com/office/drawing/2014/main" id="{0833F0A8-1B44-401D-ABCD-9339EF0CC451}"/>
-              </a:ext>
-            </a:extLst>
-          </p:cNvPr>
-          <p:cNvSpPr txBox="1">
-            <a:spLocks noGrp="1"/>
-          </p:cNvSpPr>
-          <p:nvPr>
-            <p:ph idx="1"/>
-          </p:nvPr>
-        </p:nvSpPr>
-        <p:spPr>
-          <a:xfrm>
-            <a:off x="838203" y="1825627"/>
-            <a:ext cx="11143893" cy="4351336"/>
-          </a:xfrm>
-        </p:spPr>
-        <p:txBody>
-          <a:bodyPr/>
-          <a:lstStyle/>
-          <a:p>
-            <a:pPr lvl="0">
-              <a:lnSpc>
-                <a:spcPct val="80000"/>
-              </a:lnSpc>
-              <a:buFont typeface="Courier New" pitchFamily="49"/>
-              <a:buChar char="_"/>
-            </a:pPr>
-            <a:r>
-              <a:rPr lang="nl-NL">
-                <a:solidFill>
-                  <a:srgbClr val="00FF00"/>
-                </a:solidFill>
-                <a:latin typeface="Courier New" pitchFamily="49"/>
-                <a:cs typeface="Courier New" pitchFamily="49"/>
-              </a:rPr>
-              <a:t>Pros:</a:t>
-            </a:r>
-          </a:p>
-          <a:p>
-            <a:pPr lvl="1">
-              <a:lnSpc>
-                <a:spcPct val="80000"/>
-              </a:lnSpc>
-              <a:buFont typeface="Courier New" pitchFamily="49"/>
-              <a:buChar char="_"/>
-            </a:pPr>
-            <a:r>
-              <a:rPr lang="nl-NL">
-                <a:solidFill>
-                  <a:srgbClr val="00FF00"/>
-                </a:solidFill>
-                <a:latin typeface="Courier New" pitchFamily="49"/>
-                <a:cs typeface="Courier New" pitchFamily="49"/>
-              </a:rPr>
-              <a:t>Easy creation of mocks</a:t>
-            </a:r>
-          </a:p>
-          <a:p>
-            <a:pPr lvl="1">
-              <a:lnSpc>
-                <a:spcPct val="80000"/>
-              </a:lnSpc>
-              <a:buFont typeface="Courier New" pitchFamily="49"/>
-              <a:buChar char="_"/>
-            </a:pPr>
-            <a:r>
-              <a:rPr lang="nl-NL">
-                <a:solidFill>
-                  <a:srgbClr val="00FF00"/>
-                </a:solidFill>
-                <a:latin typeface="Courier New" pitchFamily="49"/>
-                <a:cs typeface="Courier New" pitchFamily="49"/>
-              </a:rPr>
-              <a:t>Analyse traffic of which there are no specifications</a:t>
-            </a:r>
-          </a:p>
-          <a:p>
-            <a:pPr lvl="0">
-              <a:lnSpc>
-                <a:spcPct val="80000"/>
-              </a:lnSpc>
-              <a:buFont typeface="Courier New" pitchFamily="49"/>
-              <a:buChar char="_"/>
-            </a:pPr>
-            <a:endParaRPr lang="nl-NL">
-              <a:solidFill>
-                <a:srgbClr val="00FF00"/>
-              </a:solidFill>
-              <a:latin typeface="Courier New" pitchFamily="49"/>
-              <a:cs typeface="Courier New" pitchFamily="49"/>
-            </a:endParaRPr>
-          </a:p>
-          <a:p>
-            <a:pPr lvl="0">
-              <a:lnSpc>
-                <a:spcPct val="80000"/>
-              </a:lnSpc>
-              <a:buFont typeface="Courier New" pitchFamily="49"/>
-              <a:buChar char="_"/>
-            </a:pPr>
-            <a:r>
-              <a:rPr lang="nl-NL">
-                <a:solidFill>
-                  <a:srgbClr val="00FF00"/>
-                </a:solidFill>
-                <a:latin typeface="Courier New" pitchFamily="49"/>
-                <a:cs typeface="Courier New" pitchFamily="49"/>
-              </a:rPr>
-              <a:t>Cons:</a:t>
-            </a:r>
-          </a:p>
-          <a:p>
-            <a:pPr lvl="1">
-              <a:lnSpc>
-                <a:spcPct val="80000"/>
-              </a:lnSpc>
-              <a:buFont typeface="Courier New" pitchFamily="49"/>
-              <a:buChar char="_"/>
-            </a:pPr>
-            <a:r>
-              <a:rPr lang="nl-NL">
-                <a:solidFill>
-                  <a:srgbClr val="00FF00"/>
-                </a:solidFill>
-                <a:latin typeface="Courier New" pitchFamily="49"/>
-                <a:cs typeface="Courier New" pitchFamily="49"/>
-              </a:rPr>
-              <a:t>Rerecording necessary when interface changes</a:t>
-            </a:r>
-          </a:p>
-          <a:p>
-            <a:pPr lvl="1">
-              <a:lnSpc>
-                <a:spcPct val="80000"/>
-              </a:lnSpc>
-              <a:buFont typeface="Courier New" pitchFamily="49"/>
-              <a:buChar char="_"/>
-            </a:pPr>
-            <a:r>
-              <a:rPr lang="nl-NL">
-                <a:solidFill>
-                  <a:srgbClr val="00FF00"/>
-                </a:solidFill>
-                <a:latin typeface="Courier New" pitchFamily="49"/>
-                <a:cs typeface="Courier New" pitchFamily="49"/>
-              </a:rPr>
-              <a:t>Mocks are not flexible</a:t>
-            </a:r>
-          </a:p>
-          <a:p>
-            <a:pPr lvl="1">
-              <a:lnSpc>
-                <a:spcPct val="80000"/>
-              </a:lnSpc>
-              <a:buFont typeface="Courier New" pitchFamily="49"/>
-              <a:buChar char="_"/>
-            </a:pPr>
-            <a:r>
-              <a:rPr lang="nl-NL">
-                <a:solidFill>
-                  <a:srgbClr val="00FF00"/>
-                </a:solidFill>
-                <a:latin typeface="Courier New" pitchFamily="49"/>
-                <a:cs typeface="Courier New" pitchFamily="49"/>
-              </a:rPr>
-              <a:t>Mocks are hard to extend</a:t>
-            </a:r>
-          </a:p>
-          <a:p>
-            <a:pPr lvl="0">
-              <a:lnSpc>
-                <a:spcPct val="80000"/>
-              </a:lnSpc>
-              <a:buFont typeface="Courier New" pitchFamily="49"/>
-              <a:buChar char="_"/>
-            </a:pPr>
-            <a:endParaRPr lang="nl-NL">
-              <a:solidFill>
-                <a:srgbClr val="00FF00"/>
-              </a:solidFill>
-              <a:latin typeface="Courier New" pitchFamily="49"/>
-              <a:cs typeface="Courier New" pitchFamily="49"/>
-            </a:endParaRPr>
-          </a:p>
-          <a:p>
-            <a:pPr lvl="0">
-              <a:lnSpc>
-                <a:spcPct val="80000"/>
-              </a:lnSpc>
-              <a:buFont typeface="Courier New" pitchFamily="49"/>
-              <a:buChar char="_"/>
-            </a:pPr>
-            <a:r>
-              <a:rPr lang="nl-NL">
-                <a:solidFill>
-                  <a:srgbClr val="00FF00"/>
-                </a:solidFill>
-                <a:latin typeface="Courier New" pitchFamily="49"/>
-                <a:cs typeface="Courier New" pitchFamily="49"/>
-              </a:rPr>
-              <a:t>Similar to record and playback in test automation</a:t>
-            </a:r>
-          </a:p>
-          <a:p>
-            <a:pPr lvl="0">
-              <a:lnSpc>
-                <a:spcPct val="80000"/>
-              </a:lnSpc>
-              <a:buFont typeface="Courier New" pitchFamily="49"/>
-              <a:buChar char="_"/>
-            </a:pPr>
-            <a:endParaRPr lang="nl-NL">
-              <a:solidFill>
-                <a:srgbClr val="00FF00"/>
-              </a:solidFill>
-              <a:latin typeface="Courier New" pitchFamily="49"/>
-              <a:cs typeface="Courier New" pitchFamily="49"/>
-            </a:endParaRPr>
-          </a:p>
-        </p:txBody>
-      </p:sp>
-    </p:spTree>
-  </p:cSld>
-  <p:clrMapOvr>
-    <a:masterClrMapping/>
-  </p:clrMapOvr>
-</p:sld>
-</file>
-
-<file path=ppt/slides/slide48.xml><?xml version="1.0" encoding="utf-8"?>
-<p:sld xmlns:a="http://schemas.openxmlformats.org/drawingml/2006/main" xmlns:r="http://schemas.openxmlformats.org/officeDocument/2006/relationships" xmlns:p="http://schemas.openxmlformats.org/presentationml/2006/main">
-  <p:cSld name="Slide70">
-    <p:bg>
-      <p:bgPr>
-        <a:solidFill>
-          <a:srgbClr val="000000"/>
-        </a:solidFill>
-        <a:effectLst/>
-      </p:bgPr>
-    </p:bg>
-    <p:spTree>
-      <p:nvGrpSpPr>
-        <p:cNvPr id="1" name=""/>
-        <p:cNvGrpSpPr/>
-        <p:nvPr/>
-      </p:nvGrpSpPr>
-      <p:grpSpPr>
-        <a:xfrm>
-          <a:off x="0" y="0"/>
-          <a:ext cx="0" cy="0"/>
-          <a:chOff x="0" y="0"/>
-          <a:chExt cx="0" cy="0"/>
-        </a:xfrm>
-      </p:grpSpPr>
-      <p:sp>
-        <p:nvSpPr>
-          <p:cNvPr id="2" name="Title 1">
-            <a:extLst>
-              <a:ext uri="{FF2B5EF4-FFF2-40B4-BE49-F238E27FC236}">
-                <a16:creationId xmlns:a16="http://schemas.microsoft.com/office/drawing/2014/main" id="{A93C1CAC-D889-44A6-A989-49876C456983}"/>
-              </a:ext>
-            </a:extLst>
-          </p:cNvPr>
-          <p:cNvSpPr txBox="1">
-            <a:spLocks noGrp="1"/>
-          </p:cNvSpPr>
-          <p:nvPr>
-            <p:ph type="title"/>
-          </p:nvPr>
-        </p:nvSpPr>
-        <p:spPr/>
-        <p:txBody>
-          <a:bodyPr/>
-          <a:lstStyle/>
-          <a:p>
-            <a:pPr lvl="0"/>
-            <a:r>
-              <a:rPr lang="nl-NL">
-                <a:solidFill>
-                  <a:srgbClr val="00FF00"/>
-                </a:solidFill>
-                <a:latin typeface="Courier New" pitchFamily="49"/>
-                <a:cs typeface="Courier New" pitchFamily="49"/>
-              </a:rPr>
-              <a:t>Other useful features</a:t>
-            </a:r>
-          </a:p>
-        </p:txBody>
-      </p:sp>
-      <p:sp>
-        <p:nvSpPr>
-          <p:cNvPr id="3" name="Content Placeholder 2">
-            <a:extLst>
-              <a:ext uri="{FF2B5EF4-FFF2-40B4-BE49-F238E27FC236}">
-                <a16:creationId xmlns:a16="http://schemas.microsoft.com/office/drawing/2014/main" id="{B91A437B-BF86-433E-8C18-92182E45E80E}"/>
-              </a:ext>
-            </a:extLst>
-          </p:cNvPr>
-          <p:cNvSpPr txBox="1">
-            <a:spLocks noGrp="1"/>
-          </p:cNvSpPr>
-          <p:nvPr>
-            <p:ph idx="1"/>
-          </p:nvPr>
-        </p:nvSpPr>
-        <p:spPr/>
-        <p:txBody>
-          <a:bodyPr/>
-          <a:lstStyle/>
-          <a:p>
-            <a:pPr lvl="0">
-              <a:buFont typeface="Courier New" pitchFamily="49"/>
-              <a:buChar char="_"/>
-            </a:pPr>
-            <a:r>
-              <a:rPr lang="nl-NL">
-                <a:solidFill>
-                  <a:srgbClr val="00FF00"/>
-                </a:solidFill>
-                <a:latin typeface="Courier New" pitchFamily="49"/>
-                <a:cs typeface="Courier New" pitchFamily="49"/>
-              </a:rPr>
-              <a:t>Verification (was a given message sent ?)</a:t>
-            </a:r>
-          </a:p>
-          <a:p>
-            <a:pPr lvl="0">
-              <a:buFont typeface="Courier New" pitchFamily="49"/>
-              <a:buChar char="_"/>
-            </a:pPr>
-            <a:endParaRPr lang="nl-NL">
-              <a:solidFill>
-                <a:srgbClr val="00FF00"/>
-              </a:solidFill>
-              <a:latin typeface="Courier New" pitchFamily="49"/>
-              <a:cs typeface="Courier New" pitchFamily="49"/>
-            </a:endParaRPr>
-          </a:p>
-          <a:p>
-            <a:pPr lvl="0">
-              <a:buFont typeface="Courier New" pitchFamily="49"/>
-              <a:buChar char="_"/>
-            </a:pPr>
-            <a:r>
-              <a:rPr lang="nl-NL">
-                <a:solidFill>
-                  <a:srgbClr val="00FF00"/>
-                </a:solidFill>
-                <a:latin typeface="Courier New" pitchFamily="49"/>
-                <a:cs typeface="Courier New" pitchFamily="49"/>
-              </a:rPr>
-              <a:t>Response transformations (via extensions)</a:t>
-            </a:r>
-          </a:p>
-          <a:p>
-            <a:pPr lvl="0">
-              <a:buFont typeface="Courier New" pitchFamily="49"/>
-              <a:buChar char="_"/>
-            </a:pPr>
-            <a:endParaRPr lang="nl-NL">
-              <a:solidFill>
-                <a:srgbClr val="00FF00"/>
-              </a:solidFill>
-              <a:latin typeface="Courier New" pitchFamily="49"/>
-              <a:cs typeface="Courier New" pitchFamily="49"/>
-            </a:endParaRPr>
-          </a:p>
-          <a:p>
-            <a:pPr lvl="0">
-              <a:buFont typeface="Courier New" pitchFamily="49"/>
-              <a:buChar char="_"/>
-            </a:pPr>
-            <a:r>
-              <a:rPr lang="nl-NL">
-                <a:solidFill>
-                  <a:srgbClr val="00FF00"/>
-                </a:solidFill>
-                <a:latin typeface="Courier New" pitchFamily="49"/>
-                <a:cs typeface="Courier New" pitchFamily="49"/>
-              </a:rPr>
-              <a:t>Integration into a CI / CD pipeline</a:t>
-            </a:r>
-          </a:p>
-          <a:p>
-            <a:pPr lvl="0">
-              <a:buFont typeface="Courier New" pitchFamily="49"/>
-              <a:buChar char="_"/>
-            </a:pPr>
-            <a:endParaRPr lang="nl-NL">
-              <a:solidFill>
-                <a:srgbClr val="00FF00"/>
-              </a:solidFill>
-              <a:latin typeface="Courier New" pitchFamily="49"/>
-              <a:cs typeface="Courier New" pitchFamily="49"/>
-            </a:endParaRPr>
-          </a:p>
-          <a:p>
-            <a:pPr lvl="0">
-              <a:buFont typeface="Courier New" pitchFamily="49"/>
-              <a:buChar char="_"/>
-            </a:pPr>
-            <a:r>
-              <a:rPr lang="nl-NL">
-                <a:solidFill>
-                  <a:srgbClr val="00FF00"/>
-                </a:solidFill>
-                <a:latin typeface="Courier New" pitchFamily="49"/>
-                <a:cs typeface="Courier New" pitchFamily="49"/>
-              </a:rPr>
-              <a:t>Documentation: http://wiremock.org/docs/</a:t>
-            </a:r>
-          </a:p>
-          <a:p>
-            <a:pPr lvl="0">
-              <a:buFont typeface="Courier New" pitchFamily="49"/>
-              <a:buChar char="_"/>
-            </a:pPr>
-            <a:endParaRPr lang="nl-NL">
-              <a:solidFill>
-                <a:srgbClr val="00FF00"/>
-              </a:solidFill>
-              <a:latin typeface="Courier New" pitchFamily="49"/>
-              <a:cs typeface="Courier New" pitchFamily="49"/>
-            </a:endParaRPr>
-          </a:p>
-          <a:p>
-            <a:pPr lvl="0">
-              <a:buFont typeface="Courier New" pitchFamily="49"/>
-              <a:buChar char="_"/>
-            </a:pPr>
-            <a:endParaRPr lang="nl-NL">
-              <a:solidFill>
-                <a:srgbClr val="00FF00"/>
-              </a:solidFill>
-              <a:latin typeface="Courier New" pitchFamily="49"/>
-              <a:cs typeface="Courier New" pitchFamily="49"/>
-            </a:endParaRPr>
-          </a:p>
-          <a:p>
-            <a:pPr lvl="0">
-              <a:buFont typeface="Courier New" pitchFamily="49"/>
-              <a:buChar char="_"/>
-            </a:pPr>
-            <a:endParaRPr lang="nl-NL">
-              <a:solidFill>
-                <a:srgbClr val="00FF00"/>
-              </a:solidFill>
-              <a:latin typeface="Courier New" pitchFamily="49"/>
-              <a:cs typeface="Courier New" pitchFamily="49"/>
-            </a:endParaRPr>
-          </a:p>
-          <a:p>
-            <a:pPr lvl="0">
-              <a:buFont typeface="Courier New" pitchFamily="49"/>
-              <a:buChar char="_"/>
-            </a:pPr>
-            <a:endParaRPr lang="nl-NL">
-              <a:solidFill>
-                <a:srgbClr val="00FF00"/>
-              </a:solidFill>
-              <a:latin typeface="Courier New" pitchFamily="49"/>
-              <a:cs typeface="Courier New" pitchFamily="49"/>
-            </a:endParaRPr>
-          </a:p>
-          <a:p>
-            <a:pPr lvl="0">
-              <a:buFont typeface="Courier New" pitchFamily="49"/>
-              <a:buChar char="_"/>
-            </a:pPr>
-            <a:endParaRPr lang="nl-NL">
-              <a:solidFill>
-                <a:srgbClr val="00FF00"/>
-              </a:solidFill>
-              <a:latin typeface="Courier New" pitchFamily="49"/>
-              <a:cs typeface="Courier New" pitchFamily="49"/>
-            </a:endParaRPr>
-          </a:p>
-        </p:txBody>
-      </p:sp>
-    </p:spTree>
-  </p:cSld>
-  <p:clrMapOvr>
-    <a:masterClrMapping/>
-  </p:clrMapOvr>
-</p:sld>
-</file>
-
-<file path=ppt/slides/slide49.xml><?xml version="1.0" encoding="utf-8"?>
-<p:sld xmlns:a="http://schemas.openxmlformats.org/drawingml/2006/main" xmlns:r="http://schemas.openxmlformats.org/officeDocument/2006/relationships" xmlns:p="http://schemas.openxmlformats.org/presentationml/2006/main">
-  <p:cSld name="Slide34">
-    <p:bg>
-      <p:bgPr>
-        <a:solidFill>
-          <a:srgbClr val="000000"/>
-        </a:solidFill>
-        <a:effectLst/>
-      </p:bgPr>
-    </p:bg>
-    <p:spTree>
-      <p:nvGrpSpPr>
-        <p:cNvPr id="1" name=""/>
-        <p:cNvGrpSpPr/>
-        <p:nvPr/>
-      </p:nvGrpSpPr>
-      <p:grpSpPr>
-        <a:xfrm>
-          <a:off x="0" y="0"/>
-          <a:ext cx="0" cy="0"/>
-          <a:chOff x="0" y="0"/>
-          <a:chExt cx="0" cy="0"/>
-        </a:xfrm>
-      </p:grpSpPr>
-      <p:sp>
-        <p:nvSpPr>
-          <p:cNvPr id="3" name="Content Placeholder 2">
-            <a:extLst>
-              <a:ext uri="{FF2B5EF4-FFF2-40B4-BE49-F238E27FC236}">
-                <a16:creationId xmlns:a16="http://schemas.microsoft.com/office/drawing/2014/main" id="{46356BCC-865D-4B8C-9E2D-9333980D33CE}"/>
-              </a:ext>
-            </a:extLst>
-          </p:cNvPr>
-          <p:cNvSpPr txBox="1">
-            <a:spLocks noGrp="1"/>
-          </p:cNvSpPr>
-          <p:nvPr>
-            <p:ph idx="1"/>
-          </p:nvPr>
-        </p:nvSpPr>
-        <p:spPr>
-          <a:xfrm>
-            <a:off x="838200" y="940218"/>
-            <a:ext cx="10515600" cy="6758610"/>
-          </a:xfrm>
-        </p:spPr>
-        <p:txBody>
-          <a:bodyPr anchor="t">
-            <a:normAutofit fontScale="70000" lnSpcReduction="20000"/>
-          </a:bodyPr>
-          <a:lstStyle/>
-          <a:p>
-            <a:pPr marL="0" lvl="0" indent="0" algn="ctr">
-              <a:buNone/>
-            </a:pPr>
-            <a:r>
-              <a:rPr lang="nl-NL" sz="86000" dirty="0">
-                <a:solidFill>
-                  <a:srgbClr val="00FF00"/>
-                </a:solidFill>
-                <a:latin typeface="Courier New" pitchFamily="49"/>
-                <a:cs typeface="Courier New" pitchFamily="49"/>
-              </a:rPr>
-              <a:t>?</a:t>
-            </a:r>
-            <a:endParaRPr lang="nl-NL" sz="5100" dirty="0">
-              <a:solidFill>
-                <a:srgbClr val="00FF00"/>
-              </a:solidFill>
-              <a:latin typeface="Courier New" pitchFamily="49"/>
-              <a:cs typeface="Courier New" pitchFamily="49"/>
-            </a:endParaRPr>
-          </a:p>
-          <a:p>
-            <a:pPr lvl="0">
-              <a:buFont typeface="Courier New" pitchFamily="49"/>
-              <a:buChar char="_"/>
-            </a:pPr>
-            <a:endParaRPr lang="nl-NL" dirty="0">
-              <a:solidFill>
-                <a:srgbClr val="00FF00"/>
-              </a:solidFill>
-              <a:latin typeface="Courier New" pitchFamily="49"/>
-              <a:cs typeface="Courier New" pitchFamily="49"/>
-            </a:endParaRPr>
-          </a:p>
-          <a:p>
-            <a:pPr lvl="0">
-              <a:buFont typeface="Courier New" pitchFamily="49"/>
-              <a:buChar char="_"/>
-            </a:pPr>
-            <a:endParaRPr lang="nl-NL" dirty="0">
-              <a:solidFill>
-                <a:srgbClr val="00FF00"/>
-              </a:solidFill>
-              <a:latin typeface="Courier New" pitchFamily="49"/>
-              <a:cs typeface="Courier New" pitchFamily="49"/>
-            </a:endParaRPr>
-          </a:p>
-          <a:p>
-            <a:pPr lvl="0">
-              <a:buFont typeface="Courier New" pitchFamily="49"/>
-              <a:buChar char="_"/>
-            </a:pPr>
-            <a:endParaRPr lang="nl-NL" dirty="0">
-              <a:solidFill>
-                <a:srgbClr val="00FF00"/>
-              </a:solidFill>
-              <a:latin typeface="Courier New" pitchFamily="49"/>
-              <a:cs typeface="Courier New" pitchFamily="49"/>
-            </a:endParaRPr>
-          </a:p>
-          <a:p>
-            <a:pPr lvl="0">
-              <a:buFont typeface="Courier New" pitchFamily="49"/>
-              <a:buChar char="_"/>
-            </a:pPr>
+              <a:rPr lang="nl-NL" dirty="0">
+                <a:solidFill>
+                  <a:srgbClr val="00FF00"/>
+                </a:solidFill>
+                <a:latin typeface="Courier New" pitchFamily="49"/>
+                <a:cs typeface="Courier New" pitchFamily="49"/>
+              </a:rPr>
+              <a:t>Using JSON </a:t>
+            </a:r>
+            <a:r>
+              <a:rPr lang="nl-NL" dirty="0" err="1">
+                <a:solidFill>
+                  <a:srgbClr val="00FF00"/>
+                </a:solidFill>
+                <a:latin typeface="Courier New" pitchFamily="49"/>
+                <a:cs typeface="Courier New" pitchFamily="49"/>
+              </a:rPr>
+              <a:t>mapping</a:t>
+            </a:r>
+            <a:r>
+              <a:rPr lang="nl-NL" dirty="0">
+                <a:solidFill>
+                  <a:srgbClr val="00FF00"/>
+                </a:solidFill>
+                <a:latin typeface="Courier New" pitchFamily="49"/>
+                <a:cs typeface="Courier New" pitchFamily="49"/>
+              </a:rPr>
+              <a:t> files </a:t>
+            </a:r>
+            <a:r>
+              <a:rPr lang="nl-NL" dirty="0" err="1">
+                <a:solidFill>
+                  <a:srgbClr val="00FF00"/>
+                </a:solidFill>
+                <a:latin typeface="Courier New" pitchFamily="49"/>
+                <a:cs typeface="Courier New" pitchFamily="49"/>
+              </a:rPr>
+              <a:t>to</a:t>
+            </a:r>
+            <a:r>
+              <a:rPr lang="nl-NL" dirty="0">
+                <a:solidFill>
+                  <a:srgbClr val="00FF00"/>
+                </a:solidFill>
+                <a:latin typeface="Courier New" pitchFamily="49"/>
+                <a:cs typeface="Courier New" pitchFamily="49"/>
+              </a:rPr>
+              <a:t> </a:t>
+            </a:r>
+            <a:r>
+              <a:rPr lang="nl-NL" dirty="0" err="1">
+                <a:solidFill>
+                  <a:srgbClr val="00FF00"/>
+                </a:solidFill>
+                <a:latin typeface="Courier New" pitchFamily="49"/>
+                <a:cs typeface="Courier New" pitchFamily="49"/>
+              </a:rPr>
+              <a:t>configure</a:t>
+            </a:r>
+            <a:r>
+              <a:rPr lang="nl-NL" dirty="0">
+                <a:solidFill>
+                  <a:srgbClr val="00FF00"/>
+                </a:solidFill>
+                <a:latin typeface="Courier New" pitchFamily="49"/>
+                <a:cs typeface="Courier New" pitchFamily="49"/>
+              </a:rPr>
+              <a:t> </a:t>
+            </a:r>
+            <a:r>
+              <a:rPr lang="nl-NL" dirty="0" err="1">
+                <a:solidFill>
+                  <a:srgbClr val="00FF00"/>
+                </a:solidFill>
+                <a:latin typeface="Courier New" pitchFamily="49"/>
+                <a:cs typeface="Courier New" pitchFamily="49"/>
+              </a:rPr>
+              <a:t>stubs</a:t>
+            </a:r>
             <a:endParaRPr lang="nl-NL" dirty="0">
               <a:solidFill>
                 <a:srgbClr val="00FF00"/>
@@ -21541,6 +23298,977 @@
 </file>
 
 <file path=ppt/slides/slide50.xml><?xml version="1.0" encoding="utf-8"?>
+<p:sld xmlns:a="http://schemas.openxmlformats.org/drawingml/2006/main" xmlns:r="http://schemas.openxmlformats.org/officeDocument/2006/relationships" xmlns:p="http://schemas.openxmlformats.org/presentationml/2006/main">
+  <p:cSld>
+    <p:bg>
+      <p:bgPr>
+        <a:solidFill>
+          <a:srgbClr val="000000"/>
+        </a:solidFill>
+        <a:effectLst/>
+      </p:bgPr>
+    </p:bg>
+    <p:spTree>
+      <p:nvGrpSpPr>
+        <p:cNvPr id="1" name=""/>
+        <p:cNvGrpSpPr/>
+        <p:nvPr/>
+      </p:nvGrpSpPr>
+      <p:grpSpPr>
+        <a:xfrm>
+          <a:off x="0" y="0"/>
+          <a:ext cx="0" cy="0"/>
+          <a:chOff x="0" y="0"/>
+          <a:chExt cx="0" cy="0"/>
+        </a:xfrm>
+      </p:grpSpPr>
+      <p:sp>
+        <p:nvSpPr>
+          <p:cNvPr id="2" name="Title 1">
+            <a:extLst>
+              <a:ext uri="{FF2B5EF4-FFF2-40B4-BE49-F238E27FC236}">
+                <a16:creationId xmlns:a16="http://schemas.microsoft.com/office/drawing/2014/main" id="{19F5B244-0AC6-4FDB-90B1-15F77C3031D0}"/>
+              </a:ext>
+            </a:extLst>
+          </p:cNvPr>
+          <p:cNvSpPr txBox="1">
+            <a:spLocks noGrp="1"/>
+          </p:cNvSpPr>
+          <p:nvPr>
+            <p:ph type="title"/>
+          </p:nvPr>
+        </p:nvSpPr>
+        <p:spPr/>
+        <p:txBody>
+          <a:bodyPr/>
+          <a:lstStyle/>
+          <a:p>
+            <a:pPr lvl="0"/>
+            <a:r>
+              <a:rPr lang="nl-NL">
+                <a:solidFill>
+                  <a:srgbClr val="00FF00"/>
+                </a:solidFill>
+                <a:latin typeface="Courier New" pitchFamily="49"/>
+                <a:cs typeface="Courier New" pitchFamily="49"/>
+              </a:rPr>
+              <a:t>Record and playback options</a:t>
+            </a:r>
+          </a:p>
+        </p:txBody>
+      </p:sp>
+      <p:sp>
+        <p:nvSpPr>
+          <p:cNvPr id="3" name="Content Placeholder 2">
+            <a:extLst>
+              <a:ext uri="{FF2B5EF4-FFF2-40B4-BE49-F238E27FC236}">
+                <a16:creationId xmlns:a16="http://schemas.microsoft.com/office/drawing/2014/main" id="{D139C82B-AD86-4DD7-A5E8-FF4019CEF5E1}"/>
+              </a:ext>
+            </a:extLst>
+          </p:cNvPr>
+          <p:cNvSpPr txBox="1">
+            <a:spLocks noGrp="1"/>
+          </p:cNvSpPr>
+          <p:nvPr>
+            <p:ph idx="1"/>
+          </p:nvPr>
+        </p:nvSpPr>
+        <p:spPr>
+          <a:xfrm>
+            <a:off x="838203" y="1825627"/>
+            <a:ext cx="11143893" cy="4351336"/>
+          </a:xfrm>
+        </p:spPr>
+        <p:txBody>
+          <a:bodyPr/>
+          <a:lstStyle/>
+          <a:p>
+            <a:pPr lvl="0">
+              <a:buFont typeface="Courier New" pitchFamily="49"/>
+              <a:buChar char="_"/>
+            </a:pPr>
+            <a:r>
+              <a:rPr lang="nl-NL">
+                <a:solidFill>
+                  <a:srgbClr val="00FF00"/>
+                </a:solidFill>
+                <a:latin typeface="Courier New" pitchFamily="49"/>
+                <a:cs typeface="Courier New" pitchFamily="49"/>
+              </a:rPr>
+              <a:t>Use WireMock as a proxy</a:t>
+            </a:r>
+          </a:p>
+          <a:p>
+            <a:pPr lvl="0">
+              <a:buFont typeface="Courier New" pitchFamily="49"/>
+              <a:buChar char="_"/>
+            </a:pPr>
+            <a:endParaRPr lang="nl-NL">
+              <a:solidFill>
+                <a:srgbClr val="00FF00"/>
+              </a:solidFill>
+              <a:latin typeface="Courier New" pitchFamily="49"/>
+              <a:cs typeface="Courier New" pitchFamily="49"/>
+            </a:endParaRPr>
+          </a:p>
+          <a:p>
+            <a:pPr lvl="0">
+              <a:buFont typeface="Courier New" pitchFamily="49"/>
+              <a:buChar char="_"/>
+            </a:pPr>
+            <a:r>
+              <a:rPr lang="nl-NL">
+                <a:solidFill>
+                  <a:srgbClr val="00FF00"/>
+                </a:solidFill>
+                <a:latin typeface="Courier New" pitchFamily="49"/>
+                <a:cs typeface="Courier New" pitchFamily="49"/>
+              </a:rPr>
+              <a:t>Record request-response pairs (traffic)</a:t>
+            </a:r>
+          </a:p>
+          <a:p>
+            <a:pPr lvl="0">
+              <a:buFont typeface="Courier New" pitchFamily="49"/>
+              <a:buChar char="_"/>
+            </a:pPr>
+            <a:endParaRPr lang="nl-NL">
+              <a:solidFill>
+                <a:srgbClr val="00FF00"/>
+              </a:solidFill>
+              <a:latin typeface="Courier New" pitchFamily="49"/>
+              <a:cs typeface="Courier New" pitchFamily="49"/>
+            </a:endParaRPr>
+          </a:p>
+          <a:p>
+            <a:pPr lvl="0">
+              <a:buFont typeface="Courier New" pitchFamily="49"/>
+              <a:buChar char="_"/>
+            </a:pPr>
+            <a:r>
+              <a:rPr lang="nl-NL">
+                <a:solidFill>
+                  <a:srgbClr val="00FF00"/>
+                </a:solidFill>
+                <a:latin typeface="Courier New" pitchFamily="49"/>
+                <a:cs typeface="Courier New" pitchFamily="49"/>
+              </a:rPr>
+              <a:t>Genererate mock from recorded traffic</a:t>
+            </a:r>
+          </a:p>
+        </p:txBody>
+      </p:sp>
+    </p:spTree>
+    <p:extLst>
+      <p:ext uri="{BB962C8B-B14F-4D97-AF65-F5344CB8AC3E}">
+        <p14:creationId xmlns:p14="http://schemas.microsoft.com/office/powerpoint/2010/main" val="1910324897"/>
+      </p:ext>
+    </p:extLst>
+  </p:cSld>
+  <p:clrMapOvr>
+    <a:masterClrMapping/>
+  </p:clrMapOvr>
+</p:sld>
+</file>
+
+<file path=ppt/slides/slide51.xml><?xml version="1.0" encoding="utf-8"?>
+<p:sld xmlns:a="http://schemas.openxmlformats.org/drawingml/2006/main" xmlns:r="http://schemas.openxmlformats.org/officeDocument/2006/relationships" xmlns:p="http://schemas.openxmlformats.org/presentationml/2006/main">
+  <p:cSld>
+    <p:bg>
+      <p:bgPr>
+        <a:solidFill>
+          <a:srgbClr val="000000"/>
+        </a:solidFill>
+        <a:effectLst/>
+      </p:bgPr>
+    </p:bg>
+    <p:spTree>
+      <p:nvGrpSpPr>
+        <p:cNvPr id="1" name=""/>
+        <p:cNvGrpSpPr/>
+        <p:nvPr/>
+      </p:nvGrpSpPr>
+      <p:grpSpPr>
+        <a:xfrm>
+          <a:off x="0" y="0"/>
+          <a:ext cx="0" cy="0"/>
+          <a:chOff x="0" y="0"/>
+          <a:chExt cx="0" cy="0"/>
+        </a:xfrm>
+      </p:grpSpPr>
+      <p:sp>
+        <p:nvSpPr>
+          <p:cNvPr id="2" name="Title 1">
+            <a:extLst>
+              <a:ext uri="{FF2B5EF4-FFF2-40B4-BE49-F238E27FC236}">
+                <a16:creationId xmlns:a16="http://schemas.microsoft.com/office/drawing/2014/main" id="{326BB7B3-7F72-4B30-BA85-F74F043BA300}"/>
+              </a:ext>
+            </a:extLst>
+          </p:cNvPr>
+          <p:cNvSpPr txBox="1">
+            <a:spLocks noGrp="1"/>
+          </p:cNvSpPr>
+          <p:nvPr>
+            <p:ph type="ctrTitle"/>
+          </p:nvPr>
+        </p:nvSpPr>
+        <p:spPr/>
+        <p:txBody>
+          <a:bodyPr/>
+          <a:lstStyle/>
+          <a:p>
+            <a:pPr lvl="0"/>
+            <a:r>
+              <a:rPr lang="nl-NL">
+                <a:solidFill>
+                  <a:srgbClr val="00FF00"/>
+                </a:solidFill>
+                <a:latin typeface="Courier New" pitchFamily="49"/>
+                <a:cs typeface="Courier New" pitchFamily="49"/>
+              </a:rPr>
+              <a:t>Demo</a:t>
+            </a:r>
+          </a:p>
+        </p:txBody>
+      </p:sp>
+      <p:sp>
+        <p:nvSpPr>
+          <p:cNvPr id="3" name="Content Placeholder 2">
+            <a:extLst>
+              <a:ext uri="{FF2B5EF4-FFF2-40B4-BE49-F238E27FC236}">
+                <a16:creationId xmlns:a16="http://schemas.microsoft.com/office/drawing/2014/main" id="{6463C46E-3827-4FDD-8F1E-DF5A052EF59E}"/>
+              </a:ext>
+            </a:extLst>
+          </p:cNvPr>
+          <p:cNvSpPr txBox="1">
+            <a:spLocks noGrp="1"/>
+          </p:cNvSpPr>
+          <p:nvPr>
+            <p:ph type="subTitle" idx="1"/>
+          </p:nvPr>
+        </p:nvSpPr>
+        <p:spPr/>
+        <p:txBody>
+          <a:bodyPr/>
+          <a:lstStyle/>
+          <a:p>
+            <a:pPr lvl="0"/>
+            <a:r>
+              <a:rPr lang="nl-NL">
+                <a:solidFill>
+                  <a:srgbClr val="00FF00"/>
+                </a:solidFill>
+                <a:latin typeface="Courier New" pitchFamily="49"/>
+                <a:cs typeface="Courier New" pitchFamily="49"/>
+              </a:rPr>
+              <a:t>Using record and playback in WireMock</a:t>
+            </a:r>
+          </a:p>
+        </p:txBody>
+      </p:sp>
+    </p:spTree>
+    <p:extLst>
+      <p:ext uri="{BB962C8B-B14F-4D97-AF65-F5344CB8AC3E}">
+        <p14:creationId xmlns:p14="http://schemas.microsoft.com/office/powerpoint/2010/main" val="2768511321"/>
+      </p:ext>
+    </p:extLst>
+  </p:cSld>
+  <p:clrMapOvr>
+    <a:masterClrMapping/>
+  </p:clrMapOvr>
+</p:sld>
+</file>
+
+<file path=ppt/slides/slide52.xml><?xml version="1.0" encoding="utf-8"?>
+<p:sld xmlns:a="http://schemas.openxmlformats.org/drawingml/2006/main" xmlns:r="http://schemas.openxmlformats.org/officeDocument/2006/relationships" xmlns:p="http://schemas.openxmlformats.org/presentationml/2006/main">
+  <p:cSld name="Slide75">
+    <p:bg>
+      <p:bgPr>
+        <a:solidFill>
+          <a:srgbClr val="000000"/>
+        </a:solidFill>
+        <a:effectLst/>
+      </p:bgPr>
+    </p:bg>
+    <p:spTree>
+      <p:nvGrpSpPr>
+        <p:cNvPr id="1" name=""/>
+        <p:cNvGrpSpPr/>
+        <p:nvPr/>
+      </p:nvGrpSpPr>
+      <p:grpSpPr>
+        <a:xfrm>
+          <a:off x="0" y="0"/>
+          <a:ext cx="0" cy="0"/>
+          <a:chOff x="0" y="0"/>
+          <a:chExt cx="0" cy="0"/>
+        </a:xfrm>
+      </p:grpSpPr>
+      <p:sp>
+        <p:nvSpPr>
+          <p:cNvPr id="2" name="Title 1">
+            <a:extLst>
+              <a:ext uri="{FF2B5EF4-FFF2-40B4-BE49-F238E27FC236}">
+                <a16:creationId xmlns:a16="http://schemas.microsoft.com/office/drawing/2014/main" id="{02B98E5B-F90C-4F29-BE6D-3FBEE10A2AF2}"/>
+              </a:ext>
+            </a:extLst>
+          </p:cNvPr>
+          <p:cNvSpPr txBox="1">
+            <a:spLocks noGrp="1"/>
+          </p:cNvSpPr>
+          <p:nvPr>
+            <p:ph type="title"/>
+          </p:nvPr>
+        </p:nvSpPr>
+        <p:spPr/>
+        <p:txBody>
+          <a:bodyPr/>
+          <a:lstStyle/>
+          <a:p>
+            <a:pPr lvl="0"/>
+            <a:r>
+              <a:rPr lang="nl-NL">
+                <a:solidFill>
+                  <a:srgbClr val="00FF00"/>
+                </a:solidFill>
+                <a:latin typeface="Courier New" pitchFamily="49"/>
+                <a:cs typeface="Courier New" pitchFamily="49"/>
+              </a:rPr>
+              <a:t>Pros and cons of record and playback</a:t>
+            </a:r>
+          </a:p>
+        </p:txBody>
+      </p:sp>
+      <p:sp>
+        <p:nvSpPr>
+          <p:cNvPr id="3" name="Content Placeholder 2">
+            <a:extLst>
+              <a:ext uri="{FF2B5EF4-FFF2-40B4-BE49-F238E27FC236}">
+                <a16:creationId xmlns:a16="http://schemas.microsoft.com/office/drawing/2014/main" id="{0833F0A8-1B44-401D-ABCD-9339EF0CC451}"/>
+              </a:ext>
+            </a:extLst>
+          </p:cNvPr>
+          <p:cNvSpPr txBox="1">
+            <a:spLocks noGrp="1"/>
+          </p:cNvSpPr>
+          <p:nvPr>
+            <p:ph idx="1"/>
+          </p:nvPr>
+        </p:nvSpPr>
+        <p:spPr>
+          <a:xfrm>
+            <a:off x="838203" y="1825627"/>
+            <a:ext cx="11143893" cy="4351336"/>
+          </a:xfrm>
+        </p:spPr>
+        <p:txBody>
+          <a:bodyPr/>
+          <a:lstStyle/>
+          <a:p>
+            <a:pPr lvl="0">
+              <a:lnSpc>
+                <a:spcPct val="80000"/>
+              </a:lnSpc>
+              <a:buFont typeface="Courier New" pitchFamily="49"/>
+              <a:buChar char="_"/>
+            </a:pPr>
+            <a:r>
+              <a:rPr lang="nl-NL">
+                <a:solidFill>
+                  <a:srgbClr val="00FF00"/>
+                </a:solidFill>
+                <a:latin typeface="Courier New" pitchFamily="49"/>
+                <a:cs typeface="Courier New" pitchFamily="49"/>
+              </a:rPr>
+              <a:t>Pros:</a:t>
+            </a:r>
+          </a:p>
+          <a:p>
+            <a:pPr lvl="1">
+              <a:lnSpc>
+                <a:spcPct val="80000"/>
+              </a:lnSpc>
+              <a:buFont typeface="Courier New" pitchFamily="49"/>
+              <a:buChar char="_"/>
+            </a:pPr>
+            <a:r>
+              <a:rPr lang="nl-NL">
+                <a:solidFill>
+                  <a:srgbClr val="00FF00"/>
+                </a:solidFill>
+                <a:latin typeface="Courier New" pitchFamily="49"/>
+                <a:cs typeface="Courier New" pitchFamily="49"/>
+              </a:rPr>
+              <a:t>Easy creation of mocks</a:t>
+            </a:r>
+          </a:p>
+          <a:p>
+            <a:pPr lvl="1">
+              <a:lnSpc>
+                <a:spcPct val="80000"/>
+              </a:lnSpc>
+              <a:buFont typeface="Courier New" pitchFamily="49"/>
+              <a:buChar char="_"/>
+            </a:pPr>
+            <a:r>
+              <a:rPr lang="nl-NL">
+                <a:solidFill>
+                  <a:srgbClr val="00FF00"/>
+                </a:solidFill>
+                <a:latin typeface="Courier New" pitchFamily="49"/>
+                <a:cs typeface="Courier New" pitchFamily="49"/>
+              </a:rPr>
+              <a:t>Analyse traffic of which there are no specifications</a:t>
+            </a:r>
+          </a:p>
+          <a:p>
+            <a:pPr lvl="0">
+              <a:lnSpc>
+                <a:spcPct val="80000"/>
+              </a:lnSpc>
+              <a:buFont typeface="Courier New" pitchFamily="49"/>
+              <a:buChar char="_"/>
+            </a:pPr>
+            <a:endParaRPr lang="nl-NL">
+              <a:solidFill>
+                <a:srgbClr val="00FF00"/>
+              </a:solidFill>
+              <a:latin typeface="Courier New" pitchFamily="49"/>
+              <a:cs typeface="Courier New" pitchFamily="49"/>
+            </a:endParaRPr>
+          </a:p>
+          <a:p>
+            <a:pPr lvl="0">
+              <a:lnSpc>
+                <a:spcPct val="80000"/>
+              </a:lnSpc>
+              <a:buFont typeface="Courier New" pitchFamily="49"/>
+              <a:buChar char="_"/>
+            </a:pPr>
+            <a:r>
+              <a:rPr lang="nl-NL">
+                <a:solidFill>
+                  <a:srgbClr val="00FF00"/>
+                </a:solidFill>
+                <a:latin typeface="Courier New" pitchFamily="49"/>
+                <a:cs typeface="Courier New" pitchFamily="49"/>
+              </a:rPr>
+              <a:t>Cons:</a:t>
+            </a:r>
+          </a:p>
+          <a:p>
+            <a:pPr lvl="1">
+              <a:lnSpc>
+                <a:spcPct val="80000"/>
+              </a:lnSpc>
+              <a:buFont typeface="Courier New" pitchFamily="49"/>
+              <a:buChar char="_"/>
+            </a:pPr>
+            <a:r>
+              <a:rPr lang="nl-NL">
+                <a:solidFill>
+                  <a:srgbClr val="00FF00"/>
+                </a:solidFill>
+                <a:latin typeface="Courier New" pitchFamily="49"/>
+                <a:cs typeface="Courier New" pitchFamily="49"/>
+              </a:rPr>
+              <a:t>Rerecording necessary when interface changes</a:t>
+            </a:r>
+          </a:p>
+          <a:p>
+            <a:pPr lvl="1">
+              <a:lnSpc>
+                <a:spcPct val="80000"/>
+              </a:lnSpc>
+              <a:buFont typeface="Courier New" pitchFamily="49"/>
+              <a:buChar char="_"/>
+            </a:pPr>
+            <a:r>
+              <a:rPr lang="nl-NL">
+                <a:solidFill>
+                  <a:srgbClr val="00FF00"/>
+                </a:solidFill>
+                <a:latin typeface="Courier New" pitchFamily="49"/>
+                <a:cs typeface="Courier New" pitchFamily="49"/>
+              </a:rPr>
+              <a:t>Mocks are not flexible</a:t>
+            </a:r>
+          </a:p>
+          <a:p>
+            <a:pPr lvl="1">
+              <a:lnSpc>
+                <a:spcPct val="80000"/>
+              </a:lnSpc>
+              <a:buFont typeface="Courier New" pitchFamily="49"/>
+              <a:buChar char="_"/>
+            </a:pPr>
+            <a:r>
+              <a:rPr lang="nl-NL">
+                <a:solidFill>
+                  <a:srgbClr val="00FF00"/>
+                </a:solidFill>
+                <a:latin typeface="Courier New" pitchFamily="49"/>
+                <a:cs typeface="Courier New" pitchFamily="49"/>
+              </a:rPr>
+              <a:t>Mocks are hard to extend</a:t>
+            </a:r>
+          </a:p>
+          <a:p>
+            <a:pPr lvl="0">
+              <a:lnSpc>
+                <a:spcPct val="80000"/>
+              </a:lnSpc>
+              <a:buFont typeface="Courier New" pitchFamily="49"/>
+              <a:buChar char="_"/>
+            </a:pPr>
+            <a:endParaRPr lang="nl-NL">
+              <a:solidFill>
+                <a:srgbClr val="00FF00"/>
+              </a:solidFill>
+              <a:latin typeface="Courier New" pitchFamily="49"/>
+              <a:cs typeface="Courier New" pitchFamily="49"/>
+            </a:endParaRPr>
+          </a:p>
+          <a:p>
+            <a:pPr lvl="0">
+              <a:lnSpc>
+                <a:spcPct val="80000"/>
+              </a:lnSpc>
+              <a:buFont typeface="Courier New" pitchFamily="49"/>
+              <a:buChar char="_"/>
+            </a:pPr>
+            <a:r>
+              <a:rPr lang="nl-NL">
+                <a:solidFill>
+                  <a:srgbClr val="00FF00"/>
+                </a:solidFill>
+                <a:latin typeface="Courier New" pitchFamily="49"/>
+                <a:cs typeface="Courier New" pitchFamily="49"/>
+              </a:rPr>
+              <a:t>Similar to record and playback in test automation</a:t>
+            </a:r>
+          </a:p>
+          <a:p>
+            <a:pPr lvl="0">
+              <a:lnSpc>
+                <a:spcPct val="80000"/>
+              </a:lnSpc>
+              <a:buFont typeface="Courier New" pitchFamily="49"/>
+              <a:buChar char="_"/>
+            </a:pPr>
+            <a:endParaRPr lang="nl-NL">
+              <a:solidFill>
+                <a:srgbClr val="00FF00"/>
+              </a:solidFill>
+              <a:latin typeface="Courier New" pitchFamily="49"/>
+              <a:cs typeface="Courier New" pitchFamily="49"/>
+            </a:endParaRPr>
+          </a:p>
+        </p:txBody>
+      </p:sp>
+    </p:spTree>
+  </p:cSld>
+  <p:clrMapOvr>
+    <a:masterClrMapping/>
+  </p:clrMapOvr>
+</p:sld>
+</file>
+
+<file path=ppt/slides/slide53.xml><?xml version="1.0" encoding="utf-8"?>
+<p:sld xmlns:a="http://schemas.openxmlformats.org/drawingml/2006/main" xmlns:r="http://schemas.openxmlformats.org/officeDocument/2006/relationships" xmlns:p="http://schemas.openxmlformats.org/presentationml/2006/main">
+  <p:cSld name="Slide70">
+    <p:bg>
+      <p:bgPr>
+        <a:solidFill>
+          <a:srgbClr val="000000"/>
+        </a:solidFill>
+        <a:effectLst/>
+      </p:bgPr>
+    </p:bg>
+    <p:spTree>
+      <p:nvGrpSpPr>
+        <p:cNvPr id="1" name=""/>
+        <p:cNvGrpSpPr/>
+        <p:nvPr/>
+      </p:nvGrpSpPr>
+      <p:grpSpPr>
+        <a:xfrm>
+          <a:off x="0" y="0"/>
+          <a:ext cx="0" cy="0"/>
+          <a:chOff x="0" y="0"/>
+          <a:chExt cx="0" cy="0"/>
+        </a:xfrm>
+      </p:grpSpPr>
+      <p:sp>
+        <p:nvSpPr>
+          <p:cNvPr id="2" name="Title 1">
+            <a:extLst>
+              <a:ext uri="{FF2B5EF4-FFF2-40B4-BE49-F238E27FC236}">
+                <a16:creationId xmlns:a16="http://schemas.microsoft.com/office/drawing/2014/main" id="{A93C1CAC-D889-44A6-A989-49876C456983}"/>
+              </a:ext>
+            </a:extLst>
+          </p:cNvPr>
+          <p:cNvSpPr txBox="1">
+            <a:spLocks noGrp="1"/>
+          </p:cNvSpPr>
+          <p:nvPr>
+            <p:ph type="title"/>
+          </p:nvPr>
+        </p:nvSpPr>
+        <p:spPr/>
+        <p:txBody>
+          <a:bodyPr/>
+          <a:lstStyle/>
+          <a:p>
+            <a:pPr lvl="0"/>
+            <a:r>
+              <a:rPr lang="nl-NL">
+                <a:solidFill>
+                  <a:srgbClr val="00FF00"/>
+                </a:solidFill>
+                <a:latin typeface="Courier New" pitchFamily="49"/>
+                <a:cs typeface="Courier New" pitchFamily="49"/>
+              </a:rPr>
+              <a:t>Other useful features</a:t>
+            </a:r>
+          </a:p>
+        </p:txBody>
+      </p:sp>
+      <p:sp>
+        <p:nvSpPr>
+          <p:cNvPr id="3" name="Content Placeholder 2">
+            <a:extLst>
+              <a:ext uri="{FF2B5EF4-FFF2-40B4-BE49-F238E27FC236}">
+                <a16:creationId xmlns:a16="http://schemas.microsoft.com/office/drawing/2014/main" id="{B91A437B-BF86-433E-8C18-92182E45E80E}"/>
+              </a:ext>
+            </a:extLst>
+          </p:cNvPr>
+          <p:cNvSpPr txBox="1">
+            <a:spLocks noGrp="1"/>
+          </p:cNvSpPr>
+          <p:nvPr>
+            <p:ph idx="1"/>
+          </p:nvPr>
+        </p:nvSpPr>
+        <p:spPr/>
+        <p:txBody>
+          <a:bodyPr/>
+          <a:lstStyle/>
+          <a:p>
+            <a:pPr lvl="0">
+              <a:buFont typeface="Courier New" pitchFamily="49"/>
+              <a:buChar char="_"/>
+            </a:pPr>
+            <a:r>
+              <a:rPr lang="nl-NL">
+                <a:solidFill>
+                  <a:srgbClr val="00FF00"/>
+                </a:solidFill>
+                <a:latin typeface="Courier New" pitchFamily="49"/>
+                <a:cs typeface="Courier New" pitchFamily="49"/>
+              </a:rPr>
+              <a:t>Verification (was a given message sent ?)</a:t>
+            </a:r>
+          </a:p>
+          <a:p>
+            <a:pPr lvl="0">
+              <a:buFont typeface="Courier New" pitchFamily="49"/>
+              <a:buChar char="_"/>
+            </a:pPr>
+            <a:endParaRPr lang="nl-NL">
+              <a:solidFill>
+                <a:srgbClr val="00FF00"/>
+              </a:solidFill>
+              <a:latin typeface="Courier New" pitchFamily="49"/>
+              <a:cs typeface="Courier New" pitchFamily="49"/>
+            </a:endParaRPr>
+          </a:p>
+          <a:p>
+            <a:pPr lvl="0">
+              <a:buFont typeface="Courier New" pitchFamily="49"/>
+              <a:buChar char="_"/>
+            </a:pPr>
+            <a:r>
+              <a:rPr lang="nl-NL">
+                <a:solidFill>
+                  <a:srgbClr val="00FF00"/>
+                </a:solidFill>
+                <a:latin typeface="Courier New" pitchFamily="49"/>
+                <a:cs typeface="Courier New" pitchFamily="49"/>
+              </a:rPr>
+              <a:t>Response transformations (via extensions)</a:t>
+            </a:r>
+          </a:p>
+          <a:p>
+            <a:pPr lvl="0">
+              <a:buFont typeface="Courier New" pitchFamily="49"/>
+              <a:buChar char="_"/>
+            </a:pPr>
+            <a:endParaRPr lang="nl-NL">
+              <a:solidFill>
+                <a:srgbClr val="00FF00"/>
+              </a:solidFill>
+              <a:latin typeface="Courier New" pitchFamily="49"/>
+              <a:cs typeface="Courier New" pitchFamily="49"/>
+            </a:endParaRPr>
+          </a:p>
+          <a:p>
+            <a:pPr lvl="0">
+              <a:buFont typeface="Courier New" pitchFamily="49"/>
+              <a:buChar char="_"/>
+            </a:pPr>
+            <a:r>
+              <a:rPr lang="nl-NL">
+                <a:solidFill>
+                  <a:srgbClr val="00FF00"/>
+                </a:solidFill>
+                <a:latin typeface="Courier New" pitchFamily="49"/>
+                <a:cs typeface="Courier New" pitchFamily="49"/>
+              </a:rPr>
+              <a:t>Integration into a CI / CD pipeline</a:t>
+            </a:r>
+          </a:p>
+          <a:p>
+            <a:pPr lvl="0">
+              <a:buFont typeface="Courier New" pitchFamily="49"/>
+              <a:buChar char="_"/>
+            </a:pPr>
+            <a:endParaRPr lang="nl-NL">
+              <a:solidFill>
+                <a:srgbClr val="00FF00"/>
+              </a:solidFill>
+              <a:latin typeface="Courier New" pitchFamily="49"/>
+              <a:cs typeface="Courier New" pitchFamily="49"/>
+            </a:endParaRPr>
+          </a:p>
+          <a:p>
+            <a:pPr lvl="0">
+              <a:buFont typeface="Courier New" pitchFamily="49"/>
+              <a:buChar char="_"/>
+            </a:pPr>
+            <a:r>
+              <a:rPr lang="nl-NL">
+                <a:solidFill>
+                  <a:srgbClr val="00FF00"/>
+                </a:solidFill>
+                <a:latin typeface="Courier New" pitchFamily="49"/>
+                <a:cs typeface="Courier New" pitchFamily="49"/>
+              </a:rPr>
+              <a:t>Documentation: http://wiremock.org/docs/</a:t>
+            </a:r>
+          </a:p>
+          <a:p>
+            <a:pPr lvl="0">
+              <a:buFont typeface="Courier New" pitchFamily="49"/>
+              <a:buChar char="_"/>
+            </a:pPr>
+            <a:endParaRPr lang="nl-NL">
+              <a:solidFill>
+                <a:srgbClr val="00FF00"/>
+              </a:solidFill>
+              <a:latin typeface="Courier New" pitchFamily="49"/>
+              <a:cs typeface="Courier New" pitchFamily="49"/>
+            </a:endParaRPr>
+          </a:p>
+          <a:p>
+            <a:pPr lvl="0">
+              <a:buFont typeface="Courier New" pitchFamily="49"/>
+              <a:buChar char="_"/>
+            </a:pPr>
+            <a:endParaRPr lang="nl-NL">
+              <a:solidFill>
+                <a:srgbClr val="00FF00"/>
+              </a:solidFill>
+              <a:latin typeface="Courier New" pitchFamily="49"/>
+              <a:cs typeface="Courier New" pitchFamily="49"/>
+            </a:endParaRPr>
+          </a:p>
+          <a:p>
+            <a:pPr lvl="0">
+              <a:buFont typeface="Courier New" pitchFamily="49"/>
+              <a:buChar char="_"/>
+            </a:pPr>
+            <a:endParaRPr lang="nl-NL">
+              <a:solidFill>
+                <a:srgbClr val="00FF00"/>
+              </a:solidFill>
+              <a:latin typeface="Courier New" pitchFamily="49"/>
+              <a:cs typeface="Courier New" pitchFamily="49"/>
+            </a:endParaRPr>
+          </a:p>
+          <a:p>
+            <a:pPr lvl="0">
+              <a:buFont typeface="Courier New" pitchFamily="49"/>
+              <a:buChar char="_"/>
+            </a:pPr>
+            <a:endParaRPr lang="nl-NL">
+              <a:solidFill>
+                <a:srgbClr val="00FF00"/>
+              </a:solidFill>
+              <a:latin typeface="Courier New" pitchFamily="49"/>
+              <a:cs typeface="Courier New" pitchFamily="49"/>
+            </a:endParaRPr>
+          </a:p>
+          <a:p>
+            <a:pPr lvl="0">
+              <a:buFont typeface="Courier New" pitchFamily="49"/>
+              <a:buChar char="_"/>
+            </a:pPr>
+            <a:endParaRPr lang="nl-NL">
+              <a:solidFill>
+                <a:srgbClr val="00FF00"/>
+              </a:solidFill>
+              <a:latin typeface="Courier New" pitchFamily="49"/>
+              <a:cs typeface="Courier New" pitchFamily="49"/>
+            </a:endParaRPr>
+          </a:p>
+        </p:txBody>
+      </p:sp>
+    </p:spTree>
+  </p:cSld>
+  <p:clrMapOvr>
+    <a:masterClrMapping/>
+  </p:clrMapOvr>
+</p:sld>
+</file>
+
+<file path=ppt/slides/slide54.xml><?xml version="1.0" encoding="utf-8"?>
+<p:sld xmlns:a="http://schemas.openxmlformats.org/drawingml/2006/main" xmlns:r="http://schemas.openxmlformats.org/officeDocument/2006/relationships" xmlns:p="http://schemas.openxmlformats.org/presentationml/2006/main">
+  <p:cSld name="Slide34">
+    <p:bg>
+      <p:bgPr>
+        <a:solidFill>
+          <a:srgbClr val="000000"/>
+        </a:solidFill>
+        <a:effectLst/>
+      </p:bgPr>
+    </p:bg>
+    <p:spTree>
+      <p:nvGrpSpPr>
+        <p:cNvPr id="1" name=""/>
+        <p:cNvGrpSpPr/>
+        <p:nvPr/>
+      </p:nvGrpSpPr>
+      <p:grpSpPr>
+        <a:xfrm>
+          <a:off x="0" y="0"/>
+          <a:ext cx="0" cy="0"/>
+          <a:chOff x="0" y="0"/>
+          <a:chExt cx="0" cy="0"/>
+        </a:xfrm>
+      </p:grpSpPr>
+      <p:sp>
+        <p:nvSpPr>
+          <p:cNvPr id="3" name="Content Placeholder 2">
+            <a:extLst>
+              <a:ext uri="{FF2B5EF4-FFF2-40B4-BE49-F238E27FC236}">
+                <a16:creationId xmlns:a16="http://schemas.microsoft.com/office/drawing/2014/main" id="{46356BCC-865D-4B8C-9E2D-9333980D33CE}"/>
+              </a:ext>
+            </a:extLst>
+          </p:cNvPr>
+          <p:cNvSpPr txBox="1">
+            <a:spLocks noGrp="1"/>
+          </p:cNvSpPr>
+          <p:nvPr>
+            <p:ph idx="1"/>
+          </p:nvPr>
+        </p:nvSpPr>
+        <p:spPr>
+          <a:xfrm>
+            <a:off x="838200" y="940218"/>
+            <a:ext cx="10515600" cy="6758610"/>
+          </a:xfrm>
+        </p:spPr>
+        <p:txBody>
+          <a:bodyPr anchor="t">
+            <a:normAutofit fontScale="70000" lnSpcReduction="20000"/>
+          </a:bodyPr>
+          <a:lstStyle/>
+          <a:p>
+            <a:pPr marL="0" lvl="0" indent="0" algn="ctr">
+              <a:buNone/>
+            </a:pPr>
+            <a:r>
+              <a:rPr lang="nl-NL" sz="86000" dirty="0">
+                <a:solidFill>
+                  <a:srgbClr val="00FF00"/>
+                </a:solidFill>
+                <a:latin typeface="Courier New" pitchFamily="49"/>
+                <a:cs typeface="Courier New" pitchFamily="49"/>
+              </a:rPr>
+              <a:t>?</a:t>
+            </a:r>
+            <a:endParaRPr lang="nl-NL" sz="5100" dirty="0">
+              <a:solidFill>
+                <a:srgbClr val="00FF00"/>
+              </a:solidFill>
+              <a:latin typeface="Courier New" pitchFamily="49"/>
+              <a:cs typeface="Courier New" pitchFamily="49"/>
+            </a:endParaRPr>
+          </a:p>
+          <a:p>
+            <a:pPr lvl="0">
+              <a:buFont typeface="Courier New" pitchFamily="49"/>
+              <a:buChar char="_"/>
+            </a:pPr>
+            <a:endParaRPr lang="nl-NL" dirty="0">
+              <a:solidFill>
+                <a:srgbClr val="00FF00"/>
+              </a:solidFill>
+              <a:latin typeface="Courier New" pitchFamily="49"/>
+              <a:cs typeface="Courier New" pitchFamily="49"/>
+            </a:endParaRPr>
+          </a:p>
+          <a:p>
+            <a:pPr lvl="0">
+              <a:buFont typeface="Courier New" pitchFamily="49"/>
+              <a:buChar char="_"/>
+            </a:pPr>
+            <a:endParaRPr lang="nl-NL" dirty="0">
+              <a:solidFill>
+                <a:srgbClr val="00FF00"/>
+              </a:solidFill>
+              <a:latin typeface="Courier New" pitchFamily="49"/>
+              <a:cs typeface="Courier New" pitchFamily="49"/>
+            </a:endParaRPr>
+          </a:p>
+          <a:p>
+            <a:pPr lvl="0">
+              <a:buFont typeface="Courier New" pitchFamily="49"/>
+              <a:buChar char="_"/>
+            </a:pPr>
+            <a:endParaRPr lang="nl-NL" dirty="0">
+              <a:solidFill>
+                <a:srgbClr val="00FF00"/>
+              </a:solidFill>
+              <a:latin typeface="Courier New" pitchFamily="49"/>
+              <a:cs typeface="Courier New" pitchFamily="49"/>
+            </a:endParaRPr>
+          </a:p>
+          <a:p>
+            <a:pPr lvl="0">
+              <a:buFont typeface="Courier New" pitchFamily="49"/>
+              <a:buChar char="_"/>
+            </a:pPr>
+            <a:endParaRPr lang="nl-NL" dirty="0">
+              <a:solidFill>
+                <a:srgbClr val="00FF00"/>
+              </a:solidFill>
+              <a:latin typeface="Courier New" pitchFamily="49"/>
+              <a:cs typeface="Courier New" pitchFamily="49"/>
+            </a:endParaRPr>
+          </a:p>
+        </p:txBody>
+      </p:sp>
+    </p:spTree>
+  </p:cSld>
+  <p:clrMapOvr>
+    <a:masterClrMapping/>
+  </p:clrMapOvr>
+</p:sld>
+</file>
+
+<file path=ppt/slides/slide55.xml><?xml version="1.0" encoding="utf-8"?>
 <p:sld xmlns:a="http://schemas.openxmlformats.org/drawingml/2006/main" xmlns:r="http://schemas.openxmlformats.org/officeDocument/2006/relationships" xmlns:p="http://schemas.openxmlformats.org/presentationml/2006/main">
   <p:cSld name="Slide35">
     <p:bg>

--- a/wiremock_workshop.pptx
+++ b/wiremock_workshop.pptx
@@ -6,7 +6,7 @@
     <p:sldMasterId id="2147483660" r:id="rId2"/>
   </p:sldMasterIdLst>
   <p:notesMasterIdLst>
-    <p:notesMasterId r:id="rId61"/>
+    <p:notesMasterId r:id="rId62"/>
   </p:notesMasterIdLst>
   <p:sldIdLst>
     <p:sldId id="256" r:id="rId3"/>
@@ -45,28 +45,29 @@
     <p:sldId id="421" r:id="rId36"/>
     <p:sldId id="715" r:id="rId37"/>
     <p:sldId id="708" r:id="rId38"/>
-    <p:sldId id="321" r:id="rId39"/>
-    <p:sldId id="322" r:id="rId40"/>
+    <p:sldId id="322" r:id="rId39"/>
+    <p:sldId id="716" r:id="rId40"/>
     <p:sldId id="323" r:id="rId41"/>
-    <p:sldId id="324" r:id="rId42"/>
-    <p:sldId id="327" r:id="rId43"/>
-    <p:sldId id="345" r:id="rId44"/>
-    <p:sldId id="346" r:id="rId45"/>
-    <p:sldId id="347" r:id="rId46"/>
-    <p:sldId id="348" r:id="rId47"/>
-    <p:sldId id="349" r:id="rId48"/>
-    <p:sldId id="350" r:id="rId49"/>
-    <p:sldId id="344" r:id="rId50"/>
-    <p:sldId id="340" r:id="rId51"/>
-    <p:sldId id="341" r:id="rId52"/>
-    <p:sldId id="342" r:id="rId53"/>
-    <p:sldId id="329" r:id="rId54"/>
-    <p:sldId id="339" r:id="rId55"/>
-    <p:sldId id="343" r:id="rId56"/>
-    <p:sldId id="330" r:id="rId57"/>
-    <p:sldId id="325" r:id="rId58"/>
-    <p:sldId id="289" r:id="rId59"/>
-    <p:sldId id="290" r:id="rId60"/>
+    <p:sldId id="717" r:id="rId42"/>
+    <p:sldId id="718" r:id="rId43"/>
+    <p:sldId id="327" r:id="rId44"/>
+    <p:sldId id="345" r:id="rId45"/>
+    <p:sldId id="346" r:id="rId46"/>
+    <p:sldId id="347" r:id="rId47"/>
+    <p:sldId id="348" r:id="rId48"/>
+    <p:sldId id="349" r:id="rId49"/>
+    <p:sldId id="350" r:id="rId50"/>
+    <p:sldId id="344" r:id="rId51"/>
+    <p:sldId id="340" r:id="rId52"/>
+    <p:sldId id="341" r:id="rId53"/>
+    <p:sldId id="342" r:id="rId54"/>
+    <p:sldId id="329" r:id="rId55"/>
+    <p:sldId id="339" r:id="rId56"/>
+    <p:sldId id="343" r:id="rId57"/>
+    <p:sldId id="330" r:id="rId58"/>
+    <p:sldId id="325" r:id="rId59"/>
+    <p:sldId id="289" r:id="rId60"/>
+    <p:sldId id="290" r:id="rId61"/>
   </p:sldIdLst>
   <p:sldSz cx="12192000" cy="6858000"/>
   <p:notesSz cx="6858000" cy="9144000"/>
@@ -21249,670 +21250,7 @@
 
 <file path=ppt/slides/slide37.xml><?xml version="1.0" encoding="utf-8"?>
 <p:sld xmlns:a="http://schemas.openxmlformats.org/drawingml/2006/main" xmlns:r="http://schemas.openxmlformats.org/officeDocument/2006/relationships" xmlns:p="http://schemas.openxmlformats.org/presentationml/2006/main">
-  <p:cSld name="Slide66">
-    <p:bg>
-      <p:bgPr>
-        <a:solidFill>
-          <a:srgbClr val="000000"/>
-        </a:solidFill>
-        <a:effectLst/>
-      </p:bgPr>
-    </p:bg>
-    <p:spTree>
-      <p:nvGrpSpPr>
-        <p:cNvPr id="1" name=""/>
-        <p:cNvGrpSpPr/>
-        <p:nvPr/>
-      </p:nvGrpSpPr>
-      <p:grpSpPr>
-        <a:xfrm>
-          <a:off x="0" y="0"/>
-          <a:ext cx="0" cy="0"/>
-          <a:chOff x="0" y="0"/>
-          <a:chExt cx="0" cy="0"/>
-        </a:xfrm>
-      </p:grpSpPr>
-      <p:sp>
-        <p:nvSpPr>
-          <p:cNvPr id="2" name="Title 1">
-            <a:extLst>
-              <a:ext uri="{FF2B5EF4-FFF2-40B4-BE49-F238E27FC236}">
-                <a16:creationId xmlns:a16="http://schemas.microsoft.com/office/drawing/2014/main" id="{7E61C13B-7AF5-49AF-9E28-0259361042CD}"/>
-              </a:ext>
-            </a:extLst>
-          </p:cNvPr>
-          <p:cNvSpPr txBox="1">
-            <a:spLocks noGrp="1"/>
-          </p:cNvSpPr>
-          <p:nvPr>
-            <p:ph type="title"/>
-          </p:nvPr>
-        </p:nvSpPr>
-        <p:spPr/>
-        <p:txBody>
-          <a:bodyPr/>
-          <a:lstStyle/>
-          <a:p>
-            <a:pPr lvl="0"/>
-            <a:r>
-              <a:rPr lang="nl-NL">
-                <a:solidFill>
-                  <a:srgbClr val="00FF00"/>
-                </a:solidFill>
-                <a:latin typeface="Courier New" pitchFamily="49"/>
-                <a:cs typeface="Courier New" pitchFamily="49"/>
-              </a:rPr>
-              <a:t>Stateful mocks</a:t>
-            </a:r>
-          </a:p>
-        </p:txBody>
-      </p:sp>
-      <p:sp>
-        <p:nvSpPr>
-          <p:cNvPr id="3" name="Content Placeholder 2">
-            <a:extLst>
-              <a:ext uri="{FF2B5EF4-FFF2-40B4-BE49-F238E27FC236}">
-                <a16:creationId xmlns:a16="http://schemas.microsoft.com/office/drawing/2014/main" id="{84C12C29-B7A1-491A-9E88-F717563E8FC3}"/>
-              </a:ext>
-            </a:extLst>
-          </p:cNvPr>
-          <p:cNvSpPr txBox="1">
-            <a:spLocks noGrp="1"/>
-          </p:cNvSpPr>
-          <p:nvPr>
-            <p:ph idx="1"/>
-          </p:nvPr>
-        </p:nvSpPr>
-        <p:spPr>
-          <a:xfrm>
-            <a:off x="838203" y="1825627"/>
-            <a:ext cx="9277346" cy="4351336"/>
-          </a:xfrm>
-        </p:spPr>
-        <p:txBody>
-          <a:bodyPr>
-            <a:normAutofit/>
-          </a:bodyPr>
-          <a:lstStyle/>
-          <a:p>
-            <a:pPr lvl="0">
-              <a:buFont typeface="Courier New" pitchFamily="49"/>
-              <a:buChar char="_"/>
-            </a:pPr>
-            <a:r>
-              <a:rPr lang="nl-NL" dirty="0">
-                <a:solidFill>
-                  <a:srgbClr val="00FF00"/>
-                </a:solidFill>
-                <a:latin typeface="Courier New" pitchFamily="49"/>
-                <a:cs typeface="Courier New" pitchFamily="49"/>
-              </a:rPr>
-              <a:t>The </a:t>
-            </a:r>
-            <a:r>
-              <a:rPr lang="nl-NL" dirty="0" err="1">
-                <a:solidFill>
-                  <a:srgbClr val="00FF00"/>
-                </a:solidFill>
-                <a:latin typeface="Courier New" pitchFamily="49"/>
-                <a:cs typeface="Courier New" pitchFamily="49"/>
-              </a:rPr>
-              <a:t>mocks</a:t>
-            </a:r>
-            <a:r>
-              <a:rPr lang="nl-NL" dirty="0">
-                <a:solidFill>
-                  <a:srgbClr val="00FF00"/>
-                </a:solidFill>
-                <a:latin typeface="Courier New" pitchFamily="49"/>
-                <a:cs typeface="Courier New" pitchFamily="49"/>
-              </a:rPr>
-              <a:t> we </a:t>
-            </a:r>
-            <a:r>
-              <a:rPr lang="nl-NL" dirty="0" err="1">
-                <a:solidFill>
-                  <a:srgbClr val="00FF00"/>
-                </a:solidFill>
-                <a:latin typeface="Courier New" pitchFamily="49"/>
-                <a:cs typeface="Courier New" pitchFamily="49"/>
-              </a:rPr>
-              <a:t>created</a:t>
-            </a:r>
-            <a:r>
-              <a:rPr lang="nl-NL" dirty="0">
-                <a:solidFill>
-                  <a:srgbClr val="00FF00"/>
-                </a:solidFill>
-                <a:latin typeface="Courier New" pitchFamily="49"/>
-                <a:cs typeface="Courier New" pitchFamily="49"/>
-              </a:rPr>
-              <a:t> </a:t>
-            </a:r>
-            <a:r>
-              <a:rPr lang="nl-NL" dirty="0" err="1">
-                <a:solidFill>
-                  <a:srgbClr val="00FF00"/>
-                </a:solidFill>
-                <a:latin typeface="Courier New" pitchFamily="49"/>
-                <a:cs typeface="Courier New" pitchFamily="49"/>
-              </a:rPr>
-              <a:t>until</a:t>
-            </a:r>
-            <a:r>
-              <a:rPr lang="nl-NL" dirty="0">
-                <a:solidFill>
-                  <a:srgbClr val="00FF00"/>
-                </a:solidFill>
-                <a:latin typeface="Courier New" pitchFamily="49"/>
-                <a:cs typeface="Courier New" pitchFamily="49"/>
-              </a:rPr>
-              <a:t> </a:t>
-            </a:r>
-            <a:r>
-              <a:rPr lang="nl-NL" dirty="0" err="1">
-                <a:solidFill>
-                  <a:srgbClr val="00FF00"/>
-                </a:solidFill>
-                <a:latin typeface="Courier New" pitchFamily="49"/>
-                <a:cs typeface="Courier New" pitchFamily="49"/>
-              </a:rPr>
-              <a:t>now</a:t>
-            </a:r>
-            <a:r>
-              <a:rPr lang="nl-NL" dirty="0">
-                <a:solidFill>
-                  <a:srgbClr val="00FF00"/>
-                </a:solidFill>
-                <a:latin typeface="Courier New" pitchFamily="49"/>
-                <a:cs typeface="Courier New" pitchFamily="49"/>
-              </a:rPr>
-              <a:t> have been </a:t>
-            </a:r>
-            <a:r>
-              <a:rPr lang="nl-NL" dirty="0" err="1">
-                <a:solidFill>
-                  <a:srgbClr val="00FF00"/>
-                </a:solidFill>
-                <a:latin typeface="Courier New" pitchFamily="49"/>
-                <a:cs typeface="Courier New" pitchFamily="49"/>
-              </a:rPr>
-              <a:t>stateless</a:t>
-            </a:r>
-            <a:endParaRPr lang="nl-NL" dirty="0">
-              <a:solidFill>
-                <a:srgbClr val="00FF00"/>
-              </a:solidFill>
-              <a:latin typeface="Courier New" pitchFamily="49"/>
-              <a:cs typeface="Courier New" pitchFamily="49"/>
-            </a:endParaRPr>
-          </a:p>
-          <a:p>
-            <a:pPr lvl="1">
-              <a:buFont typeface="Courier New" pitchFamily="49"/>
-              <a:buChar char="_"/>
-            </a:pPr>
-            <a:r>
-              <a:rPr lang="nl-NL" dirty="0">
-                <a:solidFill>
-                  <a:srgbClr val="00FF00"/>
-                </a:solidFill>
-                <a:latin typeface="Courier New" pitchFamily="49"/>
-                <a:cs typeface="Courier New" pitchFamily="49"/>
-              </a:rPr>
-              <a:t>Order of </a:t>
-            </a:r>
-            <a:r>
-              <a:rPr lang="nl-NL" dirty="0" err="1">
-                <a:solidFill>
-                  <a:srgbClr val="00FF00"/>
-                </a:solidFill>
-                <a:latin typeface="Courier New" pitchFamily="49"/>
-                <a:cs typeface="Courier New" pitchFamily="49"/>
-              </a:rPr>
-              <a:t>calling</a:t>
-            </a:r>
-            <a:r>
-              <a:rPr lang="nl-NL" dirty="0">
-                <a:solidFill>
-                  <a:srgbClr val="00FF00"/>
-                </a:solidFill>
-                <a:latin typeface="Courier New" pitchFamily="49"/>
-                <a:cs typeface="Courier New" pitchFamily="49"/>
-              </a:rPr>
-              <a:t> </a:t>
-            </a:r>
-            <a:r>
-              <a:rPr lang="nl-NL" dirty="0" err="1">
-                <a:solidFill>
-                  <a:srgbClr val="00FF00"/>
-                </a:solidFill>
-                <a:latin typeface="Courier New" pitchFamily="49"/>
-                <a:cs typeface="Courier New" pitchFamily="49"/>
-              </a:rPr>
-              <a:t>mocks</a:t>
-            </a:r>
-            <a:r>
-              <a:rPr lang="nl-NL" dirty="0">
-                <a:solidFill>
-                  <a:srgbClr val="00FF00"/>
-                </a:solidFill>
-                <a:latin typeface="Courier New" pitchFamily="49"/>
-                <a:cs typeface="Courier New" pitchFamily="49"/>
-              </a:rPr>
-              <a:t> does </a:t>
-            </a:r>
-            <a:r>
-              <a:rPr lang="nl-NL" dirty="0" err="1">
-                <a:solidFill>
-                  <a:srgbClr val="00FF00"/>
-                </a:solidFill>
-                <a:latin typeface="Courier New" pitchFamily="49"/>
-                <a:cs typeface="Courier New" pitchFamily="49"/>
-              </a:rPr>
-              <a:t>not</a:t>
-            </a:r>
-            <a:r>
-              <a:rPr lang="nl-NL" dirty="0">
-                <a:solidFill>
-                  <a:srgbClr val="00FF00"/>
-                </a:solidFill>
-                <a:latin typeface="Courier New" pitchFamily="49"/>
-                <a:cs typeface="Courier New" pitchFamily="49"/>
-              </a:rPr>
-              <a:t> </a:t>
-            </a:r>
-            <a:r>
-              <a:rPr lang="nl-NL" dirty="0" err="1">
-                <a:solidFill>
-                  <a:srgbClr val="00FF00"/>
-                </a:solidFill>
-                <a:latin typeface="Courier New" pitchFamily="49"/>
-                <a:cs typeface="Courier New" pitchFamily="49"/>
-              </a:rPr>
-              <a:t>influence</a:t>
-            </a:r>
-            <a:r>
-              <a:rPr lang="nl-NL" dirty="0">
-                <a:solidFill>
-                  <a:srgbClr val="00FF00"/>
-                </a:solidFill>
-                <a:latin typeface="Courier New" pitchFamily="49"/>
-                <a:cs typeface="Courier New" pitchFamily="49"/>
-              </a:rPr>
-              <a:t> </a:t>
-            </a:r>
-            <a:r>
-              <a:rPr lang="nl-NL" dirty="0" err="1">
-                <a:solidFill>
-                  <a:srgbClr val="00FF00"/>
-                </a:solidFill>
-                <a:latin typeface="Courier New" pitchFamily="49"/>
-                <a:cs typeface="Courier New" pitchFamily="49"/>
-              </a:rPr>
-              <a:t>behavior</a:t>
-            </a:r>
-            <a:endParaRPr lang="nl-NL" dirty="0">
-              <a:solidFill>
-                <a:srgbClr val="00FF00"/>
-              </a:solidFill>
-              <a:latin typeface="Courier New" pitchFamily="49"/>
-              <a:cs typeface="Courier New" pitchFamily="49"/>
-            </a:endParaRPr>
-          </a:p>
-          <a:p>
-            <a:pPr lvl="0">
-              <a:buFont typeface="Courier New" pitchFamily="49"/>
-              <a:buChar char="_"/>
-            </a:pPr>
-            <a:endParaRPr lang="nl-NL" dirty="0">
-              <a:solidFill>
-                <a:srgbClr val="00FF00"/>
-              </a:solidFill>
-              <a:latin typeface="Courier New" pitchFamily="49"/>
-              <a:cs typeface="Courier New" pitchFamily="49"/>
-            </a:endParaRPr>
-          </a:p>
-          <a:p>
-            <a:pPr lvl="0">
-              <a:buFont typeface="Courier New" pitchFamily="49"/>
-              <a:buChar char="_"/>
-            </a:pPr>
-            <a:r>
-              <a:rPr lang="nl-NL" dirty="0" err="1">
-                <a:solidFill>
-                  <a:srgbClr val="00FF00"/>
-                </a:solidFill>
-                <a:latin typeface="Courier New" pitchFamily="49"/>
-                <a:cs typeface="Courier New" pitchFamily="49"/>
-              </a:rPr>
-              <a:t>Not</a:t>
-            </a:r>
-            <a:r>
-              <a:rPr lang="nl-NL" dirty="0">
-                <a:solidFill>
-                  <a:srgbClr val="00FF00"/>
-                </a:solidFill>
-                <a:latin typeface="Courier New" pitchFamily="49"/>
-                <a:cs typeface="Courier New" pitchFamily="49"/>
-              </a:rPr>
-              <a:t> </a:t>
-            </a:r>
-            <a:r>
-              <a:rPr lang="nl-NL" dirty="0" err="1">
-                <a:solidFill>
-                  <a:srgbClr val="00FF00"/>
-                </a:solidFill>
-                <a:latin typeface="Courier New" pitchFamily="49"/>
-                <a:cs typeface="Courier New" pitchFamily="49"/>
-              </a:rPr>
-              <a:t>always</a:t>
-            </a:r>
-            <a:r>
-              <a:rPr lang="nl-NL" dirty="0">
-                <a:solidFill>
-                  <a:srgbClr val="00FF00"/>
-                </a:solidFill>
-                <a:latin typeface="Courier New" pitchFamily="49"/>
-                <a:cs typeface="Courier New" pitchFamily="49"/>
-              </a:rPr>
-              <a:t> </a:t>
-            </a:r>
-            <a:r>
-              <a:rPr lang="nl-NL" dirty="0" err="1">
-                <a:solidFill>
-                  <a:srgbClr val="00FF00"/>
-                </a:solidFill>
-                <a:latin typeface="Courier New" pitchFamily="49"/>
-                <a:cs typeface="Courier New" pitchFamily="49"/>
-              </a:rPr>
-              <a:t>true</a:t>
-            </a:r>
-            <a:r>
-              <a:rPr lang="nl-NL" dirty="0">
-                <a:solidFill>
-                  <a:srgbClr val="00FF00"/>
-                </a:solidFill>
-                <a:latin typeface="Courier New" pitchFamily="49"/>
-                <a:cs typeface="Courier New" pitchFamily="49"/>
-              </a:rPr>
-              <a:t> in </a:t>
-            </a:r>
-            <a:r>
-              <a:rPr lang="nl-NL" dirty="0" err="1">
-                <a:solidFill>
-                  <a:srgbClr val="00FF00"/>
-                </a:solidFill>
-                <a:latin typeface="Courier New" pitchFamily="49"/>
-                <a:cs typeface="Courier New" pitchFamily="49"/>
-              </a:rPr>
-              <a:t>the</a:t>
-            </a:r>
-            <a:r>
-              <a:rPr lang="nl-NL" dirty="0">
-                <a:solidFill>
-                  <a:srgbClr val="00FF00"/>
-                </a:solidFill>
-                <a:latin typeface="Courier New" pitchFamily="49"/>
-                <a:cs typeface="Courier New" pitchFamily="49"/>
-              </a:rPr>
-              <a:t> real </a:t>
-            </a:r>
-            <a:r>
-              <a:rPr lang="nl-NL" dirty="0" err="1">
-                <a:solidFill>
-                  <a:srgbClr val="00FF00"/>
-                </a:solidFill>
-                <a:latin typeface="Courier New" pitchFamily="49"/>
-                <a:cs typeface="Courier New" pitchFamily="49"/>
-              </a:rPr>
-              <a:t>world</a:t>
-            </a:r>
-            <a:endParaRPr lang="nl-NL" dirty="0">
-              <a:solidFill>
-                <a:srgbClr val="00FF00"/>
-              </a:solidFill>
-              <a:latin typeface="Courier New" pitchFamily="49"/>
-              <a:cs typeface="Courier New" pitchFamily="49"/>
-            </a:endParaRPr>
-          </a:p>
-          <a:p>
-            <a:pPr lvl="0">
-              <a:buFont typeface="Courier New" pitchFamily="49"/>
-              <a:buChar char="_"/>
-            </a:pPr>
-            <a:endParaRPr lang="nl-NL" dirty="0">
-              <a:solidFill>
-                <a:srgbClr val="00FF00"/>
-              </a:solidFill>
-              <a:latin typeface="Courier New" pitchFamily="49"/>
-              <a:cs typeface="Courier New" pitchFamily="49"/>
-            </a:endParaRPr>
-          </a:p>
-          <a:p>
-            <a:pPr lvl="0">
-              <a:buFont typeface="Courier New" pitchFamily="49"/>
-              <a:buChar char="_"/>
-            </a:pPr>
-            <a:r>
-              <a:rPr lang="nl-NL" dirty="0" err="1">
-                <a:solidFill>
-                  <a:srgbClr val="00FF00"/>
-                </a:solidFill>
-                <a:latin typeface="Courier New" pitchFamily="49"/>
-                <a:cs typeface="Courier New" pitchFamily="49"/>
-              </a:rPr>
-              <a:t>Request</a:t>
-            </a:r>
-            <a:r>
-              <a:rPr lang="nl-NL" dirty="0">
-                <a:solidFill>
-                  <a:srgbClr val="00FF00"/>
-                </a:solidFill>
-                <a:latin typeface="Courier New" pitchFamily="49"/>
-                <a:cs typeface="Courier New" pitchFamily="49"/>
-              </a:rPr>
-              <a:t> A &gt; </a:t>
-            </a:r>
-            <a:r>
-              <a:rPr lang="nl-NL" dirty="0" err="1">
-                <a:solidFill>
-                  <a:srgbClr val="00FF00"/>
-                </a:solidFill>
-                <a:latin typeface="Courier New" pitchFamily="49"/>
-                <a:cs typeface="Courier New" pitchFamily="49"/>
-              </a:rPr>
-              <a:t>request</a:t>
-            </a:r>
-            <a:r>
-              <a:rPr lang="nl-NL" dirty="0">
-                <a:solidFill>
-                  <a:srgbClr val="00FF00"/>
-                </a:solidFill>
-                <a:latin typeface="Courier New" pitchFamily="49"/>
-                <a:cs typeface="Courier New" pitchFamily="49"/>
-              </a:rPr>
-              <a:t> B </a:t>
-            </a:r>
-            <a:r>
-              <a:rPr lang="nl-NL" dirty="0" err="1">
-                <a:solidFill>
-                  <a:srgbClr val="00FF00"/>
-                </a:solidFill>
-                <a:latin typeface="Courier New" pitchFamily="49"/>
-                <a:cs typeface="Courier New" pitchFamily="49"/>
-              </a:rPr>
-              <a:t>might</a:t>
-            </a:r>
-            <a:r>
-              <a:rPr lang="nl-NL" dirty="0">
-                <a:solidFill>
-                  <a:srgbClr val="00FF00"/>
-                </a:solidFill>
-                <a:latin typeface="Courier New" pitchFamily="49"/>
-                <a:cs typeface="Courier New" pitchFamily="49"/>
-              </a:rPr>
-              <a:t> </a:t>
-            </a:r>
-            <a:r>
-              <a:rPr lang="nl-NL" dirty="0" err="1">
-                <a:solidFill>
-                  <a:srgbClr val="00FF00"/>
-                </a:solidFill>
-                <a:latin typeface="Courier New" pitchFamily="49"/>
-                <a:cs typeface="Courier New" pitchFamily="49"/>
-              </a:rPr>
-              <a:t>differ</a:t>
-            </a:r>
-            <a:r>
-              <a:rPr lang="nl-NL" dirty="0">
-                <a:solidFill>
-                  <a:srgbClr val="00FF00"/>
-                </a:solidFill>
-                <a:latin typeface="Courier New" pitchFamily="49"/>
-                <a:cs typeface="Courier New" pitchFamily="49"/>
-              </a:rPr>
-              <a:t> </a:t>
-            </a:r>
-            <a:r>
-              <a:rPr lang="nl-NL" dirty="0" err="1">
-                <a:solidFill>
-                  <a:srgbClr val="00FF00"/>
-                </a:solidFill>
-                <a:latin typeface="Courier New" pitchFamily="49"/>
-                <a:cs typeface="Courier New" pitchFamily="49"/>
-              </a:rPr>
-              <a:t>from</a:t>
-            </a:r>
-            <a:r>
-              <a:rPr lang="nl-NL" dirty="0">
-                <a:solidFill>
-                  <a:srgbClr val="00FF00"/>
-                </a:solidFill>
-                <a:latin typeface="Courier New" pitchFamily="49"/>
-                <a:cs typeface="Courier New" pitchFamily="49"/>
-              </a:rPr>
-              <a:t>       </a:t>
-            </a:r>
-            <a:r>
-              <a:rPr lang="nl-NL" dirty="0" err="1">
-                <a:solidFill>
-                  <a:srgbClr val="00FF00"/>
-                </a:solidFill>
-                <a:latin typeface="Courier New" pitchFamily="49"/>
-                <a:cs typeface="Courier New" pitchFamily="49"/>
-              </a:rPr>
-              <a:t>request</a:t>
-            </a:r>
-            <a:r>
-              <a:rPr lang="nl-NL" dirty="0">
-                <a:solidFill>
-                  <a:srgbClr val="00FF00"/>
-                </a:solidFill>
-                <a:latin typeface="Courier New" pitchFamily="49"/>
-                <a:cs typeface="Courier New" pitchFamily="49"/>
-              </a:rPr>
-              <a:t> B &gt; </a:t>
-            </a:r>
-            <a:r>
-              <a:rPr lang="nl-NL" dirty="0" err="1">
-                <a:solidFill>
-                  <a:srgbClr val="00FF00"/>
-                </a:solidFill>
-                <a:latin typeface="Courier New" pitchFamily="49"/>
-                <a:cs typeface="Courier New" pitchFamily="49"/>
-              </a:rPr>
-              <a:t>request</a:t>
-            </a:r>
-            <a:r>
-              <a:rPr lang="nl-NL" dirty="0">
-                <a:solidFill>
-                  <a:srgbClr val="00FF00"/>
-                </a:solidFill>
-                <a:latin typeface="Courier New" pitchFamily="49"/>
-                <a:cs typeface="Courier New" pitchFamily="49"/>
-              </a:rPr>
-              <a:t> A</a:t>
-            </a:r>
-          </a:p>
-          <a:p>
-            <a:pPr lvl="0">
-              <a:buFont typeface="Courier New" pitchFamily="49"/>
-              <a:buChar char="_"/>
-            </a:pPr>
-            <a:endParaRPr lang="nl-NL" dirty="0">
-              <a:solidFill>
-                <a:srgbClr val="00FF00"/>
-              </a:solidFill>
-              <a:latin typeface="Courier New" pitchFamily="49"/>
-              <a:cs typeface="Courier New" pitchFamily="49"/>
-            </a:endParaRPr>
-          </a:p>
-          <a:p>
-            <a:pPr lvl="0">
-              <a:buFont typeface="Courier New" pitchFamily="49"/>
-              <a:buChar char="_"/>
-            </a:pPr>
-            <a:endParaRPr lang="nl-NL" dirty="0">
-              <a:solidFill>
-                <a:srgbClr val="00FF00"/>
-              </a:solidFill>
-              <a:latin typeface="Courier New" pitchFamily="49"/>
-              <a:cs typeface="Courier New" pitchFamily="49"/>
-            </a:endParaRPr>
-          </a:p>
-          <a:p>
-            <a:pPr lvl="0">
-              <a:buFont typeface="Courier New" pitchFamily="49"/>
-              <a:buChar char="_"/>
-            </a:pPr>
-            <a:endParaRPr lang="nl-NL" dirty="0">
-              <a:solidFill>
-                <a:srgbClr val="00FF00"/>
-              </a:solidFill>
-              <a:latin typeface="Courier New" pitchFamily="49"/>
-              <a:cs typeface="Courier New" pitchFamily="49"/>
-            </a:endParaRPr>
-          </a:p>
-          <a:p>
-            <a:pPr lvl="0">
-              <a:buFont typeface="Courier New" pitchFamily="49"/>
-              <a:buChar char="_"/>
-            </a:pPr>
-            <a:endParaRPr lang="nl-NL" dirty="0">
-              <a:solidFill>
-                <a:srgbClr val="00FF00"/>
-              </a:solidFill>
-              <a:latin typeface="Courier New" pitchFamily="49"/>
-              <a:cs typeface="Courier New" pitchFamily="49"/>
-            </a:endParaRPr>
-          </a:p>
-          <a:p>
-            <a:pPr lvl="0">
-              <a:buFont typeface="Courier New" pitchFamily="49"/>
-              <a:buChar char="_"/>
-            </a:pPr>
-            <a:endParaRPr lang="nl-NL" dirty="0">
-              <a:solidFill>
-                <a:srgbClr val="00FF00"/>
-              </a:solidFill>
-              <a:latin typeface="Courier New" pitchFamily="49"/>
-              <a:cs typeface="Courier New" pitchFamily="49"/>
-            </a:endParaRPr>
-          </a:p>
-        </p:txBody>
-      </p:sp>
-    </p:spTree>
-  </p:cSld>
-  <p:clrMapOvr>
-    <a:masterClrMapping/>
-  </p:clrMapOvr>
-</p:sld>
-</file>
-
-<file path=ppt/slides/slide38.xml><?xml version="1.0" encoding="utf-8"?>
-<p:sld xmlns:a="http://schemas.openxmlformats.org/drawingml/2006/main" xmlns:r="http://schemas.openxmlformats.org/officeDocument/2006/relationships" xmlns:p="http://schemas.openxmlformats.org/presentationml/2006/main">
-  <p:cSld name="Slide67">
+  <p:cSld>
     <p:bg>
       <p:bgPr>
         <a:solidFill>
@@ -21965,6 +21303,287 @@
                 <a:latin typeface="Courier New" pitchFamily="49"/>
                 <a:cs typeface="Courier New" pitchFamily="49"/>
               </a:rPr>
+              <a:t>Statefulness</a:t>
+            </a:r>
+          </a:p>
+        </p:txBody>
+      </p:sp>
+      <p:sp>
+        <p:nvSpPr>
+          <p:cNvPr id="3" name="Content Placeholder 2">
+            <a:extLst>
+              <a:ext uri="{FF2B5EF4-FFF2-40B4-BE49-F238E27FC236}">
+                <a16:creationId xmlns:a16="http://schemas.microsoft.com/office/drawing/2014/main" id="{8287466E-59AE-4FAE-B4E2-27D0E0D7A69F}"/>
+              </a:ext>
+            </a:extLst>
+          </p:cNvPr>
+          <p:cNvSpPr txBox="1">
+            <a:spLocks noGrp="1"/>
+          </p:cNvSpPr>
+          <p:nvPr>
+            <p:ph idx="1"/>
+          </p:nvPr>
+        </p:nvSpPr>
+        <p:spPr/>
+        <p:txBody>
+          <a:bodyPr>
+            <a:normAutofit/>
+          </a:bodyPr>
+          <a:lstStyle/>
+          <a:p>
+            <a:pPr lvl="0">
+              <a:buFont typeface="Courier New" pitchFamily="49"/>
+              <a:buChar char="_"/>
+            </a:pPr>
+            <a:r>
+              <a:rPr lang="nl-NL">
+                <a:solidFill>
+                  <a:srgbClr val="00FF00"/>
+                </a:solidFill>
+                <a:latin typeface="Courier New" pitchFamily="49"/>
+                <a:cs typeface="Courier New" pitchFamily="49"/>
+              </a:rPr>
+              <a:t>Sometimes, you want to simulate stateful behaviour</a:t>
+            </a:r>
+            <a:endParaRPr lang="nl-NL" dirty="0">
+              <a:solidFill>
+                <a:srgbClr val="00FF00"/>
+              </a:solidFill>
+              <a:latin typeface="Courier New" pitchFamily="49"/>
+              <a:cs typeface="Courier New" pitchFamily="49"/>
+            </a:endParaRPr>
+          </a:p>
+          <a:p>
+            <a:pPr lvl="0">
+              <a:buFont typeface="Courier New" pitchFamily="49"/>
+              <a:buChar char="_"/>
+            </a:pPr>
+            <a:endParaRPr lang="nl-NL" dirty="0">
+              <a:solidFill>
+                <a:srgbClr val="00FF00"/>
+              </a:solidFill>
+              <a:latin typeface="Courier New" pitchFamily="49"/>
+              <a:cs typeface="Courier New" pitchFamily="49"/>
+            </a:endParaRPr>
+          </a:p>
+          <a:p>
+            <a:pPr lvl="0">
+              <a:buFont typeface="Courier New" pitchFamily="49"/>
+              <a:buChar char="_"/>
+            </a:pPr>
+            <a:r>
+              <a:rPr lang="nl-NL">
+                <a:solidFill>
+                  <a:srgbClr val="00FF00"/>
+                </a:solidFill>
+                <a:latin typeface="Courier New" pitchFamily="49"/>
+                <a:cs typeface="Courier New" pitchFamily="49"/>
+              </a:rPr>
+              <a:t>Shopping cart (empty / full)</a:t>
+            </a:r>
+          </a:p>
+          <a:p>
+            <a:pPr lvl="0">
+              <a:buFont typeface="Courier New" pitchFamily="49"/>
+              <a:buChar char="_"/>
+            </a:pPr>
+            <a:endParaRPr lang="nl-NL">
+              <a:solidFill>
+                <a:srgbClr val="00FF00"/>
+              </a:solidFill>
+              <a:latin typeface="Courier New" pitchFamily="49"/>
+              <a:cs typeface="Courier New" pitchFamily="49"/>
+            </a:endParaRPr>
+          </a:p>
+          <a:p>
+            <a:pPr lvl="0">
+              <a:buFont typeface="Courier New" pitchFamily="49"/>
+              <a:buChar char="_"/>
+            </a:pPr>
+            <a:r>
+              <a:rPr lang="nl-NL">
+                <a:solidFill>
+                  <a:srgbClr val="00FF00"/>
+                </a:solidFill>
+                <a:latin typeface="Courier New" pitchFamily="49"/>
+                <a:cs typeface="Courier New" pitchFamily="49"/>
+              </a:rPr>
+              <a:t>Database (data present / not present)</a:t>
+            </a:r>
+            <a:endParaRPr lang="nl-NL" dirty="0">
+              <a:solidFill>
+                <a:srgbClr val="00FF00"/>
+              </a:solidFill>
+              <a:latin typeface="Courier New" pitchFamily="49"/>
+              <a:cs typeface="Courier New" pitchFamily="49"/>
+            </a:endParaRPr>
+          </a:p>
+          <a:p>
+            <a:pPr lvl="0">
+              <a:buFont typeface="Courier New" pitchFamily="49"/>
+              <a:buChar char="_"/>
+            </a:pPr>
+            <a:endParaRPr lang="nl-NL" dirty="0">
+              <a:solidFill>
+                <a:srgbClr val="00FF00"/>
+              </a:solidFill>
+              <a:latin typeface="Courier New" pitchFamily="49"/>
+              <a:cs typeface="Courier New" pitchFamily="49"/>
+            </a:endParaRPr>
+          </a:p>
+          <a:p>
+            <a:pPr lvl="0">
+              <a:buFont typeface="Courier New" pitchFamily="49"/>
+              <a:buChar char="_"/>
+            </a:pPr>
+            <a:r>
+              <a:rPr lang="nl-NL">
+                <a:solidFill>
+                  <a:srgbClr val="00FF00"/>
+                </a:solidFill>
+                <a:latin typeface="Courier New" pitchFamily="49"/>
+                <a:cs typeface="Courier New" pitchFamily="49"/>
+              </a:rPr>
+              <a:t>Order in which requests arrive is significant</a:t>
+            </a:r>
+            <a:endParaRPr lang="nl-NL" dirty="0">
+              <a:solidFill>
+                <a:srgbClr val="00FF00"/>
+              </a:solidFill>
+              <a:latin typeface="Courier New" pitchFamily="49"/>
+              <a:cs typeface="Courier New" pitchFamily="49"/>
+            </a:endParaRPr>
+          </a:p>
+          <a:p>
+            <a:pPr lvl="0">
+              <a:buFont typeface="Courier New" pitchFamily="49"/>
+              <a:buChar char="_"/>
+            </a:pPr>
+            <a:endParaRPr lang="nl-NL" dirty="0">
+              <a:solidFill>
+                <a:srgbClr val="00FF00"/>
+              </a:solidFill>
+              <a:latin typeface="Courier New" pitchFamily="49"/>
+              <a:cs typeface="Courier New" pitchFamily="49"/>
+            </a:endParaRPr>
+          </a:p>
+          <a:p>
+            <a:pPr lvl="0">
+              <a:buFont typeface="Courier New" pitchFamily="49"/>
+              <a:buChar char="_"/>
+            </a:pPr>
+            <a:endParaRPr lang="nl-NL" dirty="0">
+              <a:solidFill>
+                <a:srgbClr val="00FF00"/>
+              </a:solidFill>
+              <a:latin typeface="Courier New" pitchFamily="49"/>
+              <a:cs typeface="Courier New" pitchFamily="49"/>
+            </a:endParaRPr>
+          </a:p>
+          <a:p>
+            <a:pPr lvl="0">
+              <a:buFont typeface="Courier New" pitchFamily="49"/>
+              <a:buChar char="_"/>
+            </a:pPr>
+            <a:endParaRPr lang="nl-NL" dirty="0">
+              <a:solidFill>
+                <a:srgbClr val="00FF00"/>
+              </a:solidFill>
+              <a:latin typeface="Courier New" pitchFamily="49"/>
+              <a:cs typeface="Courier New" pitchFamily="49"/>
+            </a:endParaRPr>
+          </a:p>
+          <a:p>
+            <a:pPr lvl="0">
+              <a:buFont typeface="Courier New" pitchFamily="49"/>
+              <a:buChar char="_"/>
+            </a:pPr>
+            <a:endParaRPr lang="nl-NL" dirty="0">
+              <a:solidFill>
+                <a:srgbClr val="00FF00"/>
+              </a:solidFill>
+              <a:latin typeface="Courier New" pitchFamily="49"/>
+              <a:cs typeface="Courier New" pitchFamily="49"/>
+            </a:endParaRPr>
+          </a:p>
+          <a:p>
+            <a:pPr lvl="0">
+              <a:buFont typeface="Courier New" pitchFamily="49"/>
+              <a:buChar char="_"/>
+            </a:pPr>
+            <a:endParaRPr lang="nl-NL" dirty="0">
+              <a:solidFill>
+                <a:srgbClr val="00FF00"/>
+              </a:solidFill>
+              <a:latin typeface="Courier New" pitchFamily="49"/>
+              <a:cs typeface="Courier New" pitchFamily="49"/>
+            </a:endParaRPr>
+          </a:p>
+        </p:txBody>
+      </p:sp>
+    </p:spTree>
+  </p:cSld>
+  <p:clrMapOvr>
+    <a:masterClrMapping/>
+  </p:clrMapOvr>
+</p:sld>
+</file>
+
+<file path=ppt/slides/slide38.xml><?xml version="1.0" encoding="utf-8"?>
+<p:sld xmlns:a="http://schemas.openxmlformats.org/drawingml/2006/main" xmlns:r="http://schemas.openxmlformats.org/officeDocument/2006/relationships" xmlns:p="http://schemas.openxmlformats.org/presentationml/2006/main">
+  <p:cSld>
+    <p:bg>
+      <p:bgPr>
+        <a:solidFill>
+          <a:srgbClr val="000000"/>
+        </a:solidFill>
+        <a:effectLst/>
+      </p:bgPr>
+    </p:bg>
+    <p:spTree>
+      <p:nvGrpSpPr>
+        <p:cNvPr id="1" name=""/>
+        <p:cNvGrpSpPr/>
+        <p:nvPr/>
+      </p:nvGrpSpPr>
+      <p:grpSpPr>
+        <a:xfrm>
+          <a:off x="0" y="0"/>
+          <a:ext cx="0" cy="0"/>
+          <a:chOff x="0" y="0"/>
+          <a:chExt cx="0" cy="0"/>
+        </a:xfrm>
+      </p:grpSpPr>
+      <p:sp>
+        <p:nvSpPr>
+          <p:cNvPr id="2" name="Title 1">
+            <a:extLst>
+              <a:ext uri="{FF2B5EF4-FFF2-40B4-BE49-F238E27FC236}">
+                <a16:creationId xmlns:a16="http://schemas.microsoft.com/office/drawing/2014/main" id="{285D9D1D-CF0E-444D-BF61-6E6E92619F56}"/>
+              </a:ext>
+            </a:extLst>
+          </p:cNvPr>
+          <p:cNvSpPr txBox="1">
+            <a:spLocks noGrp="1"/>
+          </p:cNvSpPr>
+          <p:nvPr>
+            <p:ph type="title"/>
+          </p:nvPr>
+        </p:nvSpPr>
+        <p:spPr/>
+        <p:txBody>
+          <a:bodyPr/>
+          <a:lstStyle/>
+          <a:p>
+            <a:pPr lvl="0"/>
+            <a:r>
+              <a:rPr lang="nl-NL">
+                <a:solidFill>
+                  <a:srgbClr val="00FF00"/>
+                </a:solidFill>
+                <a:latin typeface="Courier New" pitchFamily="49"/>
+                <a:cs typeface="Courier New" pitchFamily="49"/>
+              </a:rPr>
               <a:t>Stateful mocks in WireMock</a:t>
             </a:r>
           </a:p>
@@ -22571,6 +22190,11 @@
         </p:txBody>
       </p:sp>
     </p:spTree>
+    <p:extLst>
+      <p:ext uri="{BB962C8B-B14F-4D97-AF65-F5344CB8AC3E}">
+        <p14:creationId xmlns:p14="http://schemas.microsoft.com/office/powerpoint/2010/main" val="3570159913"/>
+      </p:ext>
+    </p:extLst>
   </p:cSld>
   <p:clrMapOvr>
     <a:masterClrMapping/>
@@ -22580,7 +22204,7 @@
 
 <file path=ppt/slides/slide39.xml><?xml version="1.0" encoding="utf-8"?>
 <p:sld xmlns:a="http://schemas.openxmlformats.org/drawingml/2006/main" xmlns:r="http://schemas.openxmlformats.org/officeDocument/2006/relationships" xmlns:p="http://schemas.openxmlformats.org/presentationml/2006/main">
-  <p:cSld name="Slide68">
+  <p:cSld>
     <p:bg>
       <p:bgPr>
         <a:solidFill>
@@ -22619,7 +22243,12 @@
             <p:ph type="title"/>
           </p:nvPr>
         </p:nvSpPr>
-        <p:spPr/>
+        <p:spPr>
+          <a:xfrm>
+            <a:off x="838203" y="365129"/>
+            <a:ext cx="11254480" cy="1325559"/>
+          </a:xfrm>
+        </p:spPr>
         <p:txBody>
           <a:bodyPr/>
           <a:lstStyle/>
@@ -22633,7 +22262,7 @@
                 <a:latin typeface="Courier New" pitchFamily="49"/>
                 <a:cs typeface="Courier New" pitchFamily="49"/>
               </a:rPr>
-              <a:t>Stateful mocks: an example</a:t>
+              <a:t>Stateful mocks: an example (Java)</a:t>
             </a:r>
           </a:p>
         </p:txBody>
@@ -23011,7 +22640,244 @@
 
 <file path=ppt/slides/slide40.xml><?xml version="1.0" encoding="utf-8"?>
 <p:sld xmlns:a="http://schemas.openxmlformats.org/drawingml/2006/main" xmlns:r="http://schemas.openxmlformats.org/officeDocument/2006/relationships" xmlns:p="http://schemas.openxmlformats.org/presentationml/2006/main">
-  <p:cSld name="Slide69">
+  <p:cSld>
+    <p:bg>
+      <p:bgPr>
+        <a:solidFill>
+          <a:srgbClr val="000000"/>
+        </a:solidFill>
+        <a:effectLst/>
+      </p:bgPr>
+    </p:bg>
+    <p:spTree>
+      <p:nvGrpSpPr>
+        <p:cNvPr id="1" name=""/>
+        <p:cNvGrpSpPr/>
+        <p:nvPr/>
+      </p:nvGrpSpPr>
+      <p:grpSpPr>
+        <a:xfrm>
+          <a:off x="0" y="0"/>
+          <a:ext cx="0" cy="0"/>
+          <a:chOff x="0" y="0"/>
+          <a:chExt cx="0" cy="0"/>
+        </a:xfrm>
+      </p:grpSpPr>
+      <p:sp>
+        <p:nvSpPr>
+          <p:cNvPr id="3" name="Content Placeholder 2">
+            <a:extLst>
+              <a:ext uri="{FF2B5EF4-FFF2-40B4-BE49-F238E27FC236}">
+                <a16:creationId xmlns:a16="http://schemas.microsoft.com/office/drawing/2014/main" id="{325E9389-73E7-4E18-B176-8DCF341E2EBE}"/>
+              </a:ext>
+            </a:extLst>
+          </p:cNvPr>
+          <p:cNvSpPr txBox="1">
+            <a:spLocks noGrp="1"/>
+          </p:cNvSpPr>
+          <p:nvPr>
+            <p:ph idx="1"/>
+          </p:nvPr>
+        </p:nvSpPr>
+        <p:spPr/>
+        <p:txBody>
+          <a:bodyPr/>
+          <a:lstStyle/>
+          <a:p>
+            <a:pPr marL="0" lvl="0" indent="0">
+              <a:buNone/>
+            </a:pPr>
+            <a:endParaRPr lang="nl-NL">
+              <a:solidFill>
+                <a:srgbClr val="00FF00"/>
+              </a:solidFill>
+              <a:latin typeface="Courier New" pitchFamily="49"/>
+              <a:cs typeface="Courier New" pitchFamily="49"/>
+            </a:endParaRPr>
+          </a:p>
+          <a:p>
+            <a:pPr lvl="0">
+              <a:buFont typeface="Courier New" pitchFamily="49"/>
+              <a:buChar char="_"/>
+            </a:pPr>
+            <a:endParaRPr lang="nl-NL">
+              <a:solidFill>
+                <a:srgbClr val="00FF00"/>
+              </a:solidFill>
+              <a:latin typeface="Courier New" pitchFamily="49"/>
+              <a:cs typeface="Courier New" pitchFamily="49"/>
+            </a:endParaRPr>
+          </a:p>
+          <a:p>
+            <a:pPr lvl="0">
+              <a:buFont typeface="Courier New" pitchFamily="49"/>
+              <a:buChar char="_"/>
+            </a:pPr>
+            <a:endParaRPr lang="nl-NL">
+              <a:solidFill>
+                <a:srgbClr val="00FF00"/>
+              </a:solidFill>
+              <a:latin typeface="Courier New" pitchFamily="49"/>
+              <a:cs typeface="Courier New" pitchFamily="49"/>
+            </a:endParaRPr>
+          </a:p>
+          <a:p>
+            <a:pPr lvl="0">
+              <a:buFont typeface="Courier New" pitchFamily="49"/>
+              <a:buChar char="_"/>
+            </a:pPr>
+            <a:endParaRPr lang="nl-NL">
+              <a:solidFill>
+                <a:srgbClr val="00FF00"/>
+              </a:solidFill>
+              <a:latin typeface="Courier New" pitchFamily="49"/>
+              <a:cs typeface="Courier New" pitchFamily="49"/>
+            </a:endParaRPr>
+          </a:p>
+          <a:p>
+            <a:pPr lvl="0">
+              <a:buFont typeface="Courier New" pitchFamily="49"/>
+              <a:buChar char="_"/>
+            </a:pPr>
+            <a:endParaRPr lang="nl-NL">
+              <a:solidFill>
+                <a:srgbClr val="00FF00"/>
+              </a:solidFill>
+              <a:latin typeface="Courier New" pitchFamily="49"/>
+              <a:cs typeface="Courier New" pitchFamily="49"/>
+            </a:endParaRPr>
+          </a:p>
+          <a:p>
+            <a:pPr lvl="0">
+              <a:buFont typeface="Courier New" pitchFamily="49"/>
+              <a:buChar char="_"/>
+            </a:pPr>
+            <a:endParaRPr lang="nl-NL">
+              <a:solidFill>
+                <a:srgbClr val="00FF00"/>
+              </a:solidFill>
+              <a:latin typeface="Courier New" pitchFamily="49"/>
+              <a:cs typeface="Courier New" pitchFamily="49"/>
+            </a:endParaRPr>
+          </a:p>
+        </p:txBody>
+      </p:sp>
+      <p:pic>
+        <p:nvPicPr>
+          <p:cNvPr id="5" name="Afbeelding 4">
+            <a:extLst>
+              <a:ext uri="{FF2B5EF4-FFF2-40B4-BE49-F238E27FC236}">
+                <a16:creationId xmlns:a16="http://schemas.microsoft.com/office/drawing/2014/main" id="{A4A9BD8A-FAAD-451B-B947-E449428381CF}"/>
+              </a:ext>
+            </a:extLst>
+          </p:cNvPr>
+          <p:cNvPicPr>
+            <a:picLocks noChangeAspect="1"/>
+          </p:cNvPicPr>
+          <p:nvPr/>
+        </p:nvPicPr>
+        <p:blipFill>
+          <a:blip r:embed="rId2"/>
+          <a:stretch>
+            <a:fillRect/>
+          </a:stretch>
+        </p:blipFill>
+        <p:spPr>
+          <a:xfrm>
+            <a:off x="302071" y="0"/>
+            <a:ext cx="4894506" cy="6858000"/>
+          </a:xfrm>
+          <a:prstGeom prst="rect">
+            <a:avLst/>
+          </a:prstGeom>
+        </p:spPr>
+      </p:pic>
+      <p:pic>
+        <p:nvPicPr>
+          <p:cNvPr id="8" name="Afbeelding 7">
+            <a:extLst>
+              <a:ext uri="{FF2B5EF4-FFF2-40B4-BE49-F238E27FC236}">
+                <a16:creationId xmlns:a16="http://schemas.microsoft.com/office/drawing/2014/main" id="{9550B868-4D1B-4018-AAEA-0993E2A4B411}"/>
+              </a:ext>
+            </a:extLst>
+          </p:cNvPr>
+          <p:cNvPicPr>
+            <a:picLocks noChangeAspect="1"/>
+          </p:cNvPicPr>
+          <p:nvPr/>
+        </p:nvPicPr>
+        <p:blipFill>
+          <a:blip r:embed="rId3"/>
+          <a:stretch>
+            <a:fillRect/>
+          </a:stretch>
+        </p:blipFill>
+        <p:spPr>
+          <a:xfrm>
+            <a:off x="5732709" y="1952625"/>
+            <a:ext cx="5895975" cy="4905375"/>
+          </a:xfrm>
+          <a:prstGeom prst="rect">
+            <a:avLst/>
+          </a:prstGeom>
+        </p:spPr>
+      </p:pic>
+      <p:sp>
+        <p:nvSpPr>
+          <p:cNvPr id="9" name="Title 1">
+            <a:extLst>
+              <a:ext uri="{FF2B5EF4-FFF2-40B4-BE49-F238E27FC236}">
+                <a16:creationId xmlns:a16="http://schemas.microsoft.com/office/drawing/2014/main" id="{4800308E-8965-4E9C-97A9-26825675FDB7}"/>
+              </a:ext>
+            </a:extLst>
+          </p:cNvPr>
+          <p:cNvSpPr txBox="1">
+            <a:spLocks noGrp="1"/>
+          </p:cNvSpPr>
+          <p:nvPr>
+            <p:ph type="title"/>
+          </p:nvPr>
+        </p:nvSpPr>
+        <p:spPr>
+          <a:xfrm>
+            <a:off x="5609689" y="365129"/>
+            <a:ext cx="6482993" cy="1325559"/>
+          </a:xfrm>
+        </p:spPr>
+        <p:txBody>
+          <a:bodyPr/>
+          <a:lstStyle/>
+          <a:p>
+            <a:pPr lvl="0"/>
+            <a:r>
+              <a:rPr lang="nl-NL">
+                <a:solidFill>
+                  <a:srgbClr val="00FF00"/>
+                </a:solidFill>
+                <a:latin typeface="Courier New" pitchFamily="49"/>
+                <a:cs typeface="Courier New" pitchFamily="49"/>
+              </a:rPr>
+              <a:t>Stateful mocks: an example (JSON)</a:t>
+            </a:r>
+          </a:p>
+        </p:txBody>
+      </p:sp>
+    </p:spTree>
+    <p:extLst>
+      <p:ext uri="{BB962C8B-B14F-4D97-AF65-F5344CB8AC3E}">
+        <p14:creationId xmlns:p14="http://schemas.microsoft.com/office/powerpoint/2010/main" val="3173302777"/>
+      </p:ext>
+    </p:extLst>
+  </p:cSld>
+  <p:clrMapOvr>
+    <a:masterClrMapping/>
+  </p:clrMapOvr>
+</p:sld>
+</file>
+
+<file path=ppt/slides/slide41.xml><?xml version="1.0" encoding="utf-8"?>
+<p:sld xmlns:a="http://schemas.openxmlformats.org/drawingml/2006/main" xmlns:r="http://schemas.openxmlformats.org/officeDocument/2006/relationships" xmlns:p="http://schemas.openxmlformats.org/presentationml/2006/main">
+  <p:cSld>
     <p:bg>
       <p:bgPr>
         <a:solidFill>
@@ -23039,7 +22905,7 @@
           <p:cNvPr id="2" name="Title 1">
             <a:extLst>
               <a:ext uri="{FF2B5EF4-FFF2-40B4-BE49-F238E27FC236}">
-                <a16:creationId xmlns:a16="http://schemas.microsoft.com/office/drawing/2014/main" id="{6FAAF7A7-8F46-421D-9408-39CB0B9BD7A3}"/>
+                <a16:creationId xmlns:a16="http://schemas.microsoft.com/office/drawing/2014/main" id="{C0B4D458-4D33-4286-AFEF-1B613A4DDEAA}"/>
               </a:ext>
             </a:extLst>
           </p:cNvPr>
@@ -23057,25 +22923,22 @@
           <a:p>
             <a:pPr lvl="0"/>
             <a:r>
-              <a:rPr lang="nl-NL" dirty="0" err="1">
-                <a:solidFill>
-                  <a:srgbClr val="00FF00"/>
-                </a:solidFill>
-                <a:latin typeface="Courier New" pitchFamily="49"/>
-                <a:cs typeface="Courier New" pitchFamily="49"/>
-              </a:rPr>
-              <a:t>Exercise</a:t>
-            </a:r>
-            <a:r>
-              <a:rPr lang="nl-NL" dirty="0">
-                <a:solidFill>
-                  <a:srgbClr val="00FF00"/>
-                </a:solidFill>
-                <a:latin typeface="Courier New" pitchFamily="49"/>
-                <a:cs typeface="Courier New" pitchFamily="49"/>
-              </a:rPr>
-              <a:t> time!</a:t>
-            </a:r>
+              <a:rPr lang="nl-NL">
+                <a:solidFill>
+                  <a:srgbClr val="00FF00"/>
+                </a:solidFill>
+                <a:latin typeface="Courier New" pitchFamily="49"/>
+                <a:cs typeface="Courier New" pitchFamily="49"/>
+              </a:rPr>
+              <a:t>Now it’s your turn!</a:t>
+            </a:r>
+            <a:endParaRPr lang="nl-NL" dirty="0">
+              <a:solidFill>
+                <a:srgbClr val="00FF00"/>
+              </a:solidFill>
+              <a:latin typeface="Courier New" pitchFamily="49"/>
+              <a:cs typeface="Courier New" pitchFamily="49"/>
+            </a:endParaRPr>
           </a:p>
         </p:txBody>
       </p:sp>
@@ -23084,7 +22947,7 @@
           <p:cNvPr id="3" name="Content Placeholder 2">
             <a:extLst>
               <a:ext uri="{FF2B5EF4-FFF2-40B4-BE49-F238E27FC236}">
-                <a16:creationId xmlns:a16="http://schemas.microsoft.com/office/drawing/2014/main" id="{BA245958-C0EF-4705-A94E-E62D29009F1C}"/>
+                <a16:creationId xmlns:a16="http://schemas.microsoft.com/office/drawing/2014/main" id="{9A05396D-29B9-41A6-9997-E363A9EA5C37}"/>
               </a:ext>
             </a:extLst>
           </p:cNvPr>
@@ -23097,7 +22960,9 @@
         </p:nvSpPr>
         <p:spPr/>
         <p:txBody>
-          <a:bodyPr/>
+          <a:bodyPr>
+            <a:normAutofit/>
+          </a:bodyPr>
           <a:lstStyle/>
           <a:p>
             <a:pPr lvl="0">
@@ -23112,7 +22977,32 @@
                 <a:latin typeface="Courier New" pitchFamily="49"/>
                 <a:cs typeface="Courier New" pitchFamily="49"/>
               </a:rPr>
-              <a:t>WireMockExercises4</a:t>
+              <a:t>src/test/java/wiremockexercises/</a:t>
+            </a:r>
+          </a:p>
+          <a:p>
+            <a:pPr marL="0" lvl="0" indent="0">
+              <a:buNone/>
+            </a:pPr>
+            <a:r>
+              <a:rPr lang="nl-NL">
+                <a:solidFill>
+                  <a:srgbClr val="00FF00"/>
+                </a:solidFill>
+                <a:latin typeface="Courier New" pitchFamily="49"/>
+                <a:cs typeface="Courier New" pitchFamily="49"/>
+              </a:rPr>
+              <a:t>WireMockExercises3.</a:t>
+            </a:r>
+            <a:r>
+              <a:rPr lang="nl-NL" dirty="0">
+                <a:solidFill>
+                  <a:srgbClr val="00FF00"/>
+                </a:solidFill>
+                <a:latin typeface="Courier New" pitchFamily="49"/>
+                <a:cs typeface="Courier New" pitchFamily="49"/>
+              </a:rPr>
+              <a:t>java</a:t>
             </a:r>
           </a:p>
           <a:p>
@@ -23120,7 +23010,7 @@
               <a:buFont typeface="Courier New" pitchFamily="49"/>
               <a:buChar char="_"/>
             </a:pPr>
-            <a:endParaRPr lang="nl-NL">
+            <a:endParaRPr lang="nl-NL" dirty="0">
               <a:solidFill>
                 <a:srgbClr val="00FF00"/>
               </a:solidFill>
@@ -23134,6 +23024,16 @@
               <a:buChar char="_"/>
             </a:pPr>
             <a:r>
+              <a:rPr lang="nl-NL" err="1">
+                <a:solidFill>
+                  <a:srgbClr val="00FF00"/>
+                </a:solidFill>
+                <a:latin typeface="Courier New" pitchFamily="49"/>
+                <a:cs typeface="Courier New" pitchFamily="49"/>
+              </a:rPr>
+              <a:t>Create</a:t>
+            </a:r>
+            <a:r>
               <a:rPr lang="nl-NL">
                 <a:solidFill>
                   <a:srgbClr val="00FF00"/>
@@ -23141,15 +23041,31 @@
                 <a:latin typeface="Courier New" pitchFamily="49"/>
                 <a:cs typeface="Courier New" pitchFamily="49"/>
               </a:rPr>
-              <a:t>Use stateful mocks</a:t>
-            </a:r>
-          </a:p>
-          <a:p>
-            <a:pPr lvl="0">
-              <a:buFont typeface="Courier New" pitchFamily="49"/>
-              <a:buChar char="_"/>
-            </a:pPr>
-            <a:endParaRPr lang="nl-NL">
+              <a:t> a stateful mock that exerts the described behaviour</a:t>
+            </a:r>
+          </a:p>
+          <a:p>
+            <a:pPr lvl="1">
+              <a:buFont typeface="Courier New" pitchFamily="49"/>
+              <a:buChar char="_"/>
+            </a:pPr>
+            <a:r>
+              <a:rPr lang="nl-NL">
+                <a:solidFill>
+                  <a:srgbClr val="00FF00"/>
+                </a:solidFill>
+                <a:latin typeface="Courier New" pitchFamily="49"/>
+                <a:cs typeface="Courier New" pitchFamily="49"/>
+              </a:rPr>
+              <a:t>You can choose between Java, JSON or do both</a:t>
+            </a:r>
+          </a:p>
+          <a:p>
+            <a:pPr lvl="1">
+              <a:buFont typeface="Courier New" pitchFamily="49"/>
+              <a:buChar char="_"/>
+            </a:pPr>
+            <a:endParaRPr lang="nl-NL" dirty="0">
               <a:solidFill>
                 <a:srgbClr val="00FF00"/>
               </a:solidFill>
@@ -23163,14 +23079,84 @@
               <a:buChar char="_"/>
             </a:pPr>
             <a:r>
-              <a:rPr lang="nl-NL">
-                <a:solidFill>
-                  <a:srgbClr val="00FF00"/>
-                </a:solidFill>
-                <a:latin typeface="Courier New" pitchFamily="49"/>
-                <a:cs typeface="Courier New" pitchFamily="49"/>
-              </a:rPr>
-              <a:t>Exercises are defined in the comments</a:t>
+              <a:rPr lang="nl-NL" dirty="0" err="1">
+                <a:solidFill>
+                  <a:srgbClr val="00FF00"/>
+                </a:solidFill>
+                <a:latin typeface="Courier New" pitchFamily="49"/>
+                <a:cs typeface="Courier New" pitchFamily="49"/>
+              </a:rPr>
+              <a:t>Verify</a:t>
+            </a:r>
+            <a:r>
+              <a:rPr lang="nl-NL" dirty="0">
+                <a:solidFill>
+                  <a:srgbClr val="00FF00"/>
+                </a:solidFill>
+                <a:latin typeface="Courier New" pitchFamily="49"/>
+                <a:cs typeface="Courier New" pitchFamily="49"/>
+              </a:rPr>
+              <a:t> </a:t>
+            </a:r>
+            <a:r>
+              <a:rPr lang="nl-NL" dirty="0" err="1">
+                <a:solidFill>
+                  <a:srgbClr val="00FF00"/>
+                </a:solidFill>
+                <a:latin typeface="Courier New" pitchFamily="49"/>
+                <a:cs typeface="Courier New" pitchFamily="49"/>
+              </a:rPr>
+              <a:t>your</a:t>
+            </a:r>
+            <a:r>
+              <a:rPr lang="nl-NL" dirty="0">
+                <a:solidFill>
+                  <a:srgbClr val="00FF00"/>
+                </a:solidFill>
+                <a:latin typeface="Courier New" pitchFamily="49"/>
+                <a:cs typeface="Courier New" pitchFamily="49"/>
+              </a:rPr>
+              <a:t> solution </a:t>
+            </a:r>
+            <a:r>
+              <a:rPr lang="nl-NL" dirty="0" err="1">
+                <a:solidFill>
+                  <a:srgbClr val="00FF00"/>
+                </a:solidFill>
+                <a:latin typeface="Courier New" pitchFamily="49"/>
+                <a:cs typeface="Courier New" pitchFamily="49"/>
+              </a:rPr>
+              <a:t>by</a:t>
+            </a:r>
+            <a:r>
+              <a:rPr lang="nl-NL" dirty="0">
+                <a:solidFill>
+                  <a:srgbClr val="00FF00"/>
+                </a:solidFill>
+                <a:latin typeface="Courier New" pitchFamily="49"/>
+                <a:cs typeface="Courier New" pitchFamily="49"/>
+              </a:rPr>
+              <a:t> running </a:t>
+            </a:r>
+            <a:r>
+              <a:rPr lang="nl-NL" dirty="0" err="1">
+                <a:solidFill>
+                  <a:srgbClr val="00FF00"/>
+                </a:solidFill>
+                <a:latin typeface="Courier New" pitchFamily="49"/>
+                <a:cs typeface="Courier New" pitchFamily="49"/>
+              </a:rPr>
+              <a:t>the</a:t>
+            </a:r>
+            <a:r>
+              <a:rPr lang="nl-NL" dirty="0">
+                <a:solidFill>
+                  <a:srgbClr val="00FF00"/>
+                </a:solidFill>
+                <a:latin typeface="Courier New" pitchFamily="49"/>
+                <a:cs typeface="Courier New" pitchFamily="49"/>
+              </a:rPr>
+              <a:t> tests</a:t>
             </a:r>
           </a:p>
           <a:p>
@@ -23178,7 +23164,7 @@
               <a:buFont typeface="Courier New" pitchFamily="49"/>
               <a:buChar char="_"/>
             </a:pPr>
-            <a:endParaRPr lang="nl-NL">
+            <a:endParaRPr lang="nl-NL" dirty="0">
               <a:solidFill>
                 <a:srgbClr val="00FF00"/>
               </a:solidFill>
@@ -23191,23 +23177,7 @@
               <a:buFont typeface="Courier New" pitchFamily="49"/>
               <a:buChar char="_"/>
             </a:pPr>
-            <a:r>
-              <a:rPr lang="nl-NL">
-                <a:solidFill>
-                  <a:srgbClr val="00FF00"/>
-                </a:solidFill>
-                <a:latin typeface="Courier New" pitchFamily="49"/>
-                <a:cs typeface="Courier New" pitchFamily="49"/>
-              </a:rPr>
-              <a:t>Verify your solution by running the tests</a:t>
-            </a:r>
-          </a:p>
-          <a:p>
-            <a:pPr lvl="0">
-              <a:buFont typeface="Courier New" pitchFamily="49"/>
-              <a:buChar char="_"/>
-            </a:pPr>
-            <a:endParaRPr lang="nl-NL">
+            <a:endParaRPr lang="nl-NL" dirty="0">
               <a:solidFill>
                 <a:srgbClr val="00FF00"/>
               </a:solidFill>
@@ -23220,7 +23190,7 @@
               <a:buFont typeface="Courier New" pitchFamily="49"/>
               <a:buChar char="_"/>
             </a:pPr>
-            <a:endParaRPr lang="nl-NL">
+            <a:endParaRPr lang="nl-NL" dirty="0">
               <a:solidFill>
                 <a:srgbClr val="00FF00"/>
               </a:solidFill>
@@ -23233,7 +23203,7 @@
               <a:buFont typeface="Courier New" pitchFamily="49"/>
               <a:buChar char="_"/>
             </a:pPr>
-            <a:endParaRPr lang="nl-NL">
+            <a:endParaRPr lang="nl-NL" dirty="0">
               <a:solidFill>
                 <a:srgbClr val="00FF00"/>
               </a:solidFill>
@@ -23246,7 +23216,7 @@
               <a:buFont typeface="Courier New" pitchFamily="49"/>
               <a:buChar char="_"/>
             </a:pPr>
-            <a:endParaRPr lang="nl-NL">
+            <a:endParaRPr lang="nl-NL" dirty="0">
               <a:solidFill>
                 <a:srgbClr val="00FF00"/>
               </a:solidFill>
@@ -23254,22 +23224,14 @@
               <a:cs typeface="Courier New" pitchFamily="49"/>
             </a:endParaRPr>
           </a:p>
-          <a:p>
-            <a:pPr lvl="0">
-              <a:buFont typeface="Courier New" pitchFamily="49"/>
-              <a:buChar char="_"/>
-            </a:pPr>
-            <a:endParaRPr lang="nl-NL">
-              <a:solidFill>
-                <a:srgbClr val="00FF00"/>
-              </a:solidFill>
-              <a:latin typeface="Courier New" pitchFamily="49"/>
-              <a:cs typeface="Courier New" pitchFamily="49"/>
-            </a:endParaRPr>
-          </a:p>
         </p:txBody>
       </p:sp>
     </p:spTree>
+    <p:extLst>
+      <p:ext uri="{BB962C8B-B14F-4D97-AF65-F5344CB8AC3E}">
+        <p14:creationId xmlns:p14="http://schemas.microsoft.com/office/powerpoint/2010/main" val="81149546"/>
+      </p:ext>
+    </p:extLst>
   </p:cSld>
   <p:clrMapOvr>
     <a:masterClrMapping/>
@@ -23277,7 +23239,7 @@
 </p:sld>
 </file>
 
-<file path=ppt/slides/slide41.xml><?xml version="1.0" encoding="utf-8"?>
+<file path=ppt/slides/slide42.xml><?xml version="1.0" encoding="utf-8"?>
 <p:sld xmlns:a="http://schemas.openxmlformats.org/drawingml/2006/main" xmlns:r="http://schemas.openxmlformats.org/officeDocument/2006/relationships" xmlns:p="http://schemas.openxmlformats.org/presentationml/2006/main">
   <p:cSld name="Slide72">
     <p:bg>
@@ -23758,467 +23720,6 @@
         </p:txBody>
       </p:sp>
     </p:spTree>
-  </p:cSld>
-  <p:clrMapOvr>
-    <a:masterClrMapping/>
-  </p:clrMapOvr>
-</p:sld>
-</file>
-
-<file path=ppt/slides/slide42.xml><?xml version="1.0" encoding="utf-8"?>
-<p:sld xmlns:a="http://schemas.openxmlformats.org/drawingml/2006/main" xmlns:r="http://schemas.openxmlformats.org/officeDocument/2006/relationships" xmlns:p="http://schemas.openxmlformats.org/presentationml/2006/main">
-  <p:cSld>
-    <p:bg>
-      <p:bgPr>
-        <a:solidFill>
-          <a:srgbClr val="000000"/>
-        </a:solidFill>
-        <a:effectLst/>
-      </p:bgPr>
-    </p:bg>
-    <p:spTree>
-      <p:nvGrpSpPr>
-        <p:cNvPr id="1" name=""/>
-        <p:cNvGrpSpPr/>
-        <p:nvPr/>
-      </p:nvGrpSpPr>
-      <p:grpSpPr>
-        <a:xfrm>
-          <a:off x="0" y="0"/>
-          <a:ext cx="0" cy="0"/>
-          <a:chOff x="0" y="0"/>
-          <a:chExt cx="0" cy="0"/>
-        </a:xfrm>
-      </p:grpSpPr>
-      <p:sp>
-        <p:nvSpPr>
-          <p:cNvPr id="2" name="Title 1">
-            <a:extLst>
-              <a:ext uri="{FF2B5EF4-FFF2-40B4-BE49-F238E27FC236}">
-                <a16:creationId xmlns:a16="http://schemas.microsoft.com/office/drawing/2014/main" id="{19F5B244-0AC6-4FDB-90B1-15F77C3031D0}"/>
-              </a:ext>
-            </a:extLst>
-          </p:cNvPr>
-          <p:cNvSpPr txBox="1">
-            <a:spLocks noGrp="1"/>
-          </p:cNvSpPr>
-          <p:nvPr>
-            <p:ph type="title"/>
-          </p:nvPr>
-        </p:nvSpPr>
-        <p:spPr/>
-        <p:txBody>
-          <a:bodyPr/>
-          <a:lstStyle/>
-          <a:p>
-            <a:pPr lvl="0"/>
-            <a:r>
-              <a:rPr lang="nl-NL" dirty="0">
-                <a:solidFill>
-                  <a:srgbClr val="00FF00"/>
-                </a:solidFill>
-                <a:latin typeface="Courier New" pitchFamily="49"/>
-                <a:cs typeface="Courier New" pitchFamily="49"/>
-              </a:rPr>
-              <a:t>Setup response templating</a:t>
-            </a:r>
-          </a:p>
-        </p:txBody>
-      </p:sp>
-      <p:sp>
-        <p:nvSpPr>
-          <p:cNvPr id="3" name="Content Placeholder 2">
-            <a:extLst>
-              <a:ext uri="{FF2B5EF4-FFF2-40B4-BE49-F238E27FC236}">
-                <a16:creationId xmlns:a16="http://schemas.microsoft.com/office/drawing/2014/main" id="{D139C82B-AD86-4DD7-A5E8-FF4019CEF5E1}"/>
-              </a:ext>
-            </a:extLst>
-          </p:cNvPr>
-          <p:cNvSpPr txBox="1">
-            <a:spLocks noGrp="1"/>
-          </p:cNvSpPr>
-          <p:nvPr>
-            <p:ph idx="1"/>
-          </p:nvPr>
-        </p:nvSpPr>
-        <p:spPr>
-          <a:xfrm>
-            <a:off x="838203" y="1825627"/>
-            <a:ext cx="11143893" cy="4351336"/>
-          </a:xfrm>
-        </p:spPr>
-        <p:txBody>
-          <a:bodyPr/>
-          <a:lstStyle/>
-          <a:p>
-            <a:pPr lvl="0">
-              <a:buFont typeface="Courier New" pitchFamily="49"/>
-              <a:buChar char="_"/>
-            </a:pPr>
-            <a:r>
-              <a:rPr lang="nl-NL" dirty="0">
-                <a:solidFill>
-                  <a:srgbClr val="00FF00"/>
-                </a:solidFill>
-                <a:latin typeface="Courier New" pitchFamily="49"/>
-                <a:cs typeface="Courier New" pitchFamily="49"/>
-              </a:rPr>
-              <a:t>In code: </a:t>
-            </a:r>
-            <a:r>
-              <a:rPr lang="nl-NL" dirty="0" err="1">
-                <a:solidFill>
-                  <a:srgbClr val="00FF00"/>
-                </a:solidFill>
-                <a:latin typeface="Courier New" pitchFamily="49"/>
-                <a:cs typeface="Courier New" pitchFamily="49"/>
-              </a:rPr>
-              <a:t>through</a:t>
-            </a:r>
-            <a:r>
-              <a:rPr lang="nl-NL" dirty="0">
-                <a:solidFill>
-                  <a:srgbClr val="00FF00"/>
-                </a:solidFill>
-                <a:latin typeface="Courier New" pitchFamily="49"/>
-                <a:cs typeface="Courier New" pitchFamily="49"/>
-              </a:rPr>
-              <a:t> </a:t>
-            </a:r>
-            <a:r>
-              <a:rPr lang="nl-NL" dirty="0" err="1">
-                <a:solidFill>
-                  <a:srgbClr val="00FF00"/>
-                </a:solidFill>
-                <a:latin typeface="Courier New" pitchFamily="49"/>
-                <a:cs typeface="Courier New" pitchFamily="49"/>
-              </a:rPr>
-              <a:t>the</a:t>
-            </a:r>
-            <a:r>
-              <a:rPr lang="nl-NL" dirty="0">
-                <a:solidFill>
-                  <a:srgbClr val="00FF00"/>
-                </a:solidFill>
-                <a:latin typeface="Courier New" pitchFamily="49"/>
-                <a:cs typeface="Courier New" pitchFamily="49"/>
-              </a:rPr>
-              <a:t> </a:t>
-            </a:r>
-            <a:r>
-              <a:rPr lang="nl-NL" dirty="0" err="1">
-                <a:solidFill>
-                  <a:srgbClr val="00FF00"/>
-                </a:solidFill>
-                <a:latin typeface="Courier New" pitchFamily="49"/>
-                <a:cs typeface="Courier New" pitchFamily="49"/>
-              </a:rPr>
-              <a:t>JUnit</a:t>
-            </a:r>
-            <a:r>
-              <a:rPr lang="nl-NL" dirty="0">
-                <a:solidFill>
-                  <a:srgbClr val="00FF00"/>
-                </a:solidFill>
-                <a:latin typeface="Courier New" pitchFamily="49"/>
-                <a:cs typeface="Courier New" pitchFamily="49"/>
-              </a:rPr>
-              <a:t> </a:t>
-            </a:r>
-            <a:r>
-              <a:rPr lang="nl-NL" dirty="0" err="1">
-                <a:solidFill>
-                  <a:srgbClr val="00FF00"/>
-                </a:solidFill>
-                <a:latin typeface="Courier New" pitchFamily="49"/>
-                <a:cs typeface="Courier New" pitchFamily="49"/>
-              </a:rPr>
-              <a:t>rule</a:t>
-            </a:r>
-            <a:endParaRPr lang="nl-NL" dirty="0">
-              <a:solidFill>
-                <a:srgbClr val="00FF00"/>
-              </a:solidFill>
-              <a:latin typeface="Courier New" pitchFamily="49"/>
-              <a:cs typeface="Courier New" pitchFamily="49"/>
-            </a:endParaRPr>
-          </a:p>
-          <a:p>
-            <a:pPr lvl="0">
-              <a:buFont typeface="Courier New" pitchFamily="49"/>
-              <a:buChar char="_"/>
-            </a:pPr>
-            <a:endParaRPr lang="nl-NL" dirty="0">
-              <a:solidFill>
-                <a:srgbClr val="00FF00"/>
-              </a:solidFill>
-              <a:latin typeface="Courier New" pitchFamily="49"/>
-              <a:cs typeface="Courier New" pitchFamily="49"/>
-            </a:endParaRPr>
-          </a:p>
-          <a:p>
-            <a:pPr lvl="0">
-              <a:buFont typeface="Courier New" pitchFamily="49"/>
-              <a:buChar char="_"/>
-            </a:pPr>
-            <a:endParaRPr lang="nl-NL" dirty="0">
-              <a:solidFill>
-                <a:srgbClr val="00FF00"/>
-              </a:solidFill>
-              <a:latin typeface="Courier New" pitchFamily="49"/>
-              <a:cs typeface="Courier New" pitchFamily="49"/>
-            </a:endParaRPr>
-          </a:p>
-          <a:p>
-            <a:pPr lvl="0">
-              <a:buFont typeface="Courier New" pitchFamily="49"/>
-              <a:buChar char="_"/>
-            </a:pPr>
-            <a:endParaRPr lang="nl-NL" dirty="0">
-              <a:solidFill>
-                <a:srgbClr val="00FF00"/>
-              </a:solidFill>
-              <a:latin typeface="Courier New" pitchFamily="49"/>
-              <a:cs typeface="Courier New" pitchFamily="49"/>
-            </a:endParaRPr>
-          </a:p>
-          <a:p>
-            <a:pPr lvl="0">
-              <a:buFont typeface="Courier New" pitchFamily="49"/>
-              <a:buChar char="_"/>
-            </a:pPr>
-            <a:endParaRPr lang="nl-NL" dirty="0">
-              <a:solidFill>
-                <a:srgbClr val="00FF00"/>
-              </a:solidFill>
-              <a:latin typeface="Courier New" pitchFamily="49"/>
-              <a:cs typeface="Courier New" pitchFamily="49"/>
-            </a:endParaRPr>
-          </a:p>
-          <a:p>
-            <a:pPr lvl="0">
-              <a:buFont typeface="Courier New" pitchFamily="49"/>
-              <a:buChar char="_"/>
-            </a:pPr>
-            <a:r>
-              <a:rPr lang="nl-NL" dirty="0">
-                <a:solidFill>
-                  <a:srgbClr val="00FF00"/>
-                </a:solidFill>
-                <a:latin typeface="Courier New" pitchFamily="49"/>
-                <a:cs typeface="Courier New" pitchFamily="49"/>
-              </a:rPr>
-              <a:t>Global == </a:t>
-            </a:r>
-            <a:r>
-              <a:rPr lang="nl-NL" dirty="0" err="1">
-                <a:solidFill>
-                  <a:srgbClr val="00FF00"/>
-                </a:solidFill>
-                <a:latin typeface="Courier New" pitchFamily="49"/>
-                <a:cs typeface="Courier New" pitchFamily="49"/>
-              </a:rPr>
-              <a:t>false</a:t>
-            </a:r>
-            <a:r>
-              <a:rPr lang="nl-NL" dirty="0">
-                <a:solidFill>
-                  <a:srgbClr val="00FF00"/>
-                </a:solidFill>
-                <a:latin typeface="Courier New" pitchFamily="49"/>
-                <a:cs typeface="Courier New" pitchFamily="49"/>
-              </a:rPr>
-              <a:t>: response templating </a:t>
-            </a:r>
-            <a:r>
-              <a:rPr lang="nl-NL" dirty="0" err="1">
-                <a:solidFill>
-                  <a:srgbClr val="00FF00"/>
-                </a:solidFill>
-                <a:latin typeface="Courier New" pitchFamily="49"/>
-                <a:cs typeface="Courier New" pitchFamily="49"/>
-              </a:rPr>
-              <a:t>transformer</a:t>
-            </a:r>
-            <a:r>
-              <a:rPr lang="nl-NL" dirty="0">
-                <a:solidFill>
-                  <a:srgbClr val="00FF00"/>
-                </a:solidFill>
-                <a:latin typeface="Courier New" pitchFamily="49"/>
-                <a:cs typeface="Courier New" pitchFamily="49"/>
-              </a:rPr>
-              <a:t> has </a:t>
-            </a:r>
-            <a:r>
-              <a:rPr lang="nl-NL" dirty="0" err="1">
-                <a:solidFill>
-                  <a:srgbClr val="00FF00"/>
-                </a:solidFill>
-                <a:latin typeface="Courier New" pitchFamily="49"/>
-                <a:cs typeface="Courier New" pitchFamily="49"/>
-              </a:rPr>
-              <a:t>to</a:t>
-            </a:r>
-            <a:r>
-              <a:rPr lang="nl-NL" dirty="0">
-                <a:solidFill>
-                  <a:srgbClr val="00FF00"/>
-                </a:solidFill>
-                <a:latin typeface="Courier New" pitchFamily="49"/>
-                <a:cs typeface="Courier New" pitchFamily="49"/>
-              </a:rPr>
-              <a:t> </a:t>
-            </a:r>
-            <a:r>
-              <a:rPr lang="nl-NL" dirty="0" err="1">
-                <a:solidFill>
-                  <a:srgbClr val="00FF00"/>
-                </a:solidFill>
-                <a:latin typeface="Courier New" pitchFamily="49"/>
-                <a:cs typeface="Courier New" pitchFamily="49"/>
-              </a:rPr>
-              <a:t>be</a:t>
-            </a:r>
-            <a:r>
-              <a:rPr lang="nl-NL" dirty="0">
-                <a:solidFill>
-                  <a:srgbClr val="00FF00"/>
-                </a:solidFill>
-                <a:latin typeface="Courier New" pitchFamily="49"/>
-                <a:cs typeface="Courier New" pitchFamily="49"/>
-              </a:rPr>
-              <a:t> </a:t>
-            </a:r>
-            <a:r>
-              <a:rPr lang="nl-NL" dirty="0" err="1">
-                <a:solidFill>
-                  <a:srgbClr val="00FF00"/>
-                </a:solidFill>
-                <a:latin typeface="Courier New" pitchFamily="49"/>
-                <a:cs typeface="Courier New" pitchFamily="49"/>
-              </a:rPr>
-              <a:t>enabled</a:t>
-            </a:r>
-            <a:r>
-              <a:rPr lang="nl-NL" dirty="0">
-                <a:solidFill>
-                  <a:srgbClr val="00FF00"/>
-                </a:solidFill>
-                <a:latin typeface="Courier New" pitchFamily="49"/>
-                <a:cs typeface="Courier New" pitchFamily="49"/>
-              </a:rPr>
-              <a:t> </a:t>
-            </a:r>
-            <a:r>
-              <a:rPr lang="nl-NL" dirty="0" err="1">
-                <a:solidFill>
-                  <a:srgbClr val="00FF00"/>
-                </a:solidFill>
-                <a:latin typeface="Courier New" pitchFamily="49"/>
-                <a:cs typeface="Courier New" pitchFamily="49"/>
-              </a:rPr>
-              <a:t>for</a:t>
-            </a:r>
-            <a:r>
-              <a:rPr lang="nl-NL" dirty="0">
-                <a:solidFill>
-                  <a:srgbClr val="00FF00"/>
-                </a:solidFill>
-                <a:latin typeface="Courier New" pitchFamily="49"/>
-                <a:cs typeface="Courier New" pitchFamily="49"/>
-              </a:rPr>
-              <a:t> </a:t>
-            </a:r>
-            <a:r>
-              <a:rPr lang="nl-NL" dirty="0" err="1">
-                <a:solidFill>
-                  <a:srgbClr val="00FF00"/>
-                </a:solidFill>
-                <a:latin typeface="Courier New" pitchFamily="49"/>
-                <a:cs typeface="Courier New" pitchFamily="49"/>
-              </a:rPr>
-              <a:t>individual</a:t>
-            </a:r>
-            <a:r>
-              <a:rPr lang="nl-NL" dirty="0">
-                <a:solidFill>
-                  <a:srgbClr val="00FF00"/>
-                </a:solidFill>
-                <a:latin typeface="Courier New" pitchFamily="49"/>
-                <a:cs typeface="Courier New" pitchFamily="49"/>
-              </a:rPr>
-              <a:t> </a:t>
-            </a:r>
-            <a:r>
-              <a:rPr lang="nl-NL" dirty="0" err="1">
-                <a:solidFill>
-                  <a:srgbClr val="00FF00"/>
-                </a:solidFill>
-                <a:latin typeface="Courier New" pitchFamily="49"/>
-                <a:cs typeface="Courier New" pitchFamily="49"/>
-              </a:rPr>
-              <a:t>stubs</a:t>
-            </a:r>
-            <a:endParaRPr lang="nl-NL" dirty="0">
-              <a:solidFill>
-                <a:srgbClr val="00FF00"/>
-              </a:solidFill>
-              <a:latin typeface="Courier New" pitchFamily="49"/>
-              <a:cs typeface="Courier New" pitchFamily="49"/>
-            </a:endParaRPr>
-          </a:p>
-          <a:p>
-            <a:pPr lvl="0">
-              <a:buFont typeface="Courier New" pitchFamily="49"/>
-              <a:buChar char="_"/>
-            </a:pPr>
-            <a:endParaRPr lang="nl-NL" dirty="0">
-              <a:solidFill>
-                <a:srgbClr val="00FF00"/>
-              </a:solidFill>
-              <a:latin typeface="Courier New" pitchFamily="49"/>
-              <a:cs typeface="Courier New" pitchFamily="49"/>
-            </a:endParaRPr>
-          </a:p>
-        </p:txBody>
-      </p:sp>
-      <p:pic>
-        <p:nvPicPr>
-          <p:cNvPr id="4" name="Picture 3">
-            <a:extLst>
-              <a:ext uri="{FF2B5EF4-FFF2-40B4-BE49-F238E27FC236}">
-                <a16:creationId xmlns:a16="http://schemas.microsoft.com/office/drawing/2014/main" id="{77A9304E-0918-4E30-A387-C113ED0B5AEF}"/>
-              </a:ext>
-            </a:extLst>
-          </p:cNvPr>
-          <p:cNvPicPr>
-            <a:picLocks noChangeAspect="1"/>
-          </p:cNvPicPr>
-          <p:nvPr/>
-        </p:nvPicPr>
-        <p:blipFill>
-          <a:blip r:embed="rId2"/>
-          <a:stretch>
-            <a:fillRect/>
-          </a:stretch>
-        </p:blipFill>
-        <p:spPr>
-          <a:xfrm>
-            <a:off x="838203" y="2586989"/>
-            <a:ext cx="8444865" cy="1527017"/>
-          </a:xfrm>
-          <a:prstGeom prst="rect">
-            <a:avLst/>
-          </a:prstGeom>
-        </p:spPr>
-      </p:pic>
-    </p:spTree>
-    <p:extLst>
-      <p:ext uri="{BB962C8B-B14F-4D97-AF65-F5344CB8AC3E}">
-        <p14:creationId xmlns:p14="http://schemas.microsoft.com/office/powerpoint/2010/main" val="2954608133"/>
-      </p:ext>
-    </p:extLst>
   </p:cSld>
   <p:clrMapOvr>
     <a:masterClrMapping/>
@@ -24267,28 +23768,13 @@
             <p:ph type="title"/>
           </p:nvPr>
         </p:nvSpPr>
-        <p:spPr>
-          <a:xfrm>
-            <a:off x="838202" y="365129"/>
-            <a:ext cx="11048997" cy="1325559"/>
-          </a:xfrm>
-        </p:spPr>
+        <p:spPr/>
         <p:txBody>
           <a:bodyPr/>
           <a:lstStyle/>
           <a:p>
             <a:pPr lvl="0"/>
             <a:r>
-              <a:rPr lang="nl-NL" dirty="0" err="1">
-                <a:solidFill>
-                  <a:srgbClr val="00FF00"/>
-                </a:solidFill>
-                <a:latin typeface="Courier New" pitchFamily="49"/>
-                <a:cs typeface="Courier New" pitchFamily="49"/>
-              </a:rPr>
-              <a:t>Enable</a:t>
-            </a:r>
-            <a:r>
               <a:rPr lang="nl-NL" dirty="0">
                 <a:solidFill>
                   <a:srgbClr val="00FF00"/>
@@ -24296,27 +23782,7 @@
                 <a:latin typeface="Courier New" pitchFamily="49"/>
                 <a:cs typeface="Courier New" pitchFamily="49"/>
               </a:rPr>
-              <a:t>/</a:t>
-            </a:r>
-            <a:r>
-              <a:rPr lang="nl-NL" dirty="0" err="1">
-                <a:solidFill>
-                  <a:srgbClr val="00FF00"/>
-                </a:solidFill>
-                <a:latin typeface="Courier New" pitchFamily="49"/>
-                <a:cs typeface="Courier New" pitchFamily="49"/>
-              </a:rPr>
-              <a:t>apply</a:t>
-            </a:r>
-            <a:r>
-              <a:rPr lang="nl-NL" dirty="0">
-                <a:solidFill>
-                  <a:srgbClr val="00FF00"/>
-                </a:solidFill>
-                <a:latin typeface="Courier New" pitchFamily="49"/>
-                <a:cs typeface="Courier New" pitchFamily="49"/>
-              </a:rPr>
-              <a:t> response templating</a:t>
+              <a:t>Setup response templating</a:t>
             </a:r>
           </a:p>
         </p:txBody>
@@ -24352,6 +23818,16 @@
               <a:buChar char="_"/>
             </a:pPr>
             <a:r>
+              <a:rPr lang="nl-NL" dirty="0">
+                <a:solidFill>
+                  <a:srgbClr val="00FF00"/>
+                </a:solidFill>
+                <a:latin typeface="Courier New" pitchFamily="49"/>
+                <a:cs typeface="Courier New" pitchFamily="49"/>
+              </a:rPr>
+              <a:t>In code: </a:t>
+            </a:r>
+            <a:r>
               <a:rPr lang="nl-NL" dirty="0" err="1">
                 <a:solidFill>
                   <a:srgbClr val="00FF00"/>
@@ -24359,7 +23835,7 @@
                 <a:latin typeface="Courier New" pitchFamily="49"/>
                 <a:cs typeface="Courier New" pitchFamily="49"/>
               </a:rPr>
-              <a:t>This</a:t>
+              <a:t>through</a:t>
             </a:r>
             <a:r>
               <a:rPr lang="nl-NL" dirty="0">
@@ -24369,7 +23845,7 @@
                 <a:latin typeface="Courier New" pitchFamily="49"/>
                 <a:cs typeface="Courier New" pitchFamily="49"/>
               </a:rPr>
-              <a:t> template </a:t>
+              <a:t> </a:t>
             </a:r>
             <a:r>
               <a:rPr lang="nl-NL" dirty="0" err="1">
@@ -24379,7 +23855,7 @@
                 <a:latin typeface="Courier New" pitchFamily="49"/>
                 <a:cs typeface="Courier New" pitchFamily="49"/>
               </a:rPr>
-              <a:t>reads</a:t>
+              <a:t>the</a:t>
             </a:r>
             <a:r>
               <a:rPr lang="nl-NL" dirty="0">
@@ -24399,7 +23875,7 @@
                 <a:latin typeface="Courier New" pitchFamily="49"/>
                 <a:cs typeface="Courier New" pitchFamily="49"/>
               </a:rPr>
-              <a:t>the</a:t>
+              <a:t>JUnit</a:t>
             </a:r>
             <a:r>
               <a:rPr lang="nl-NL" dirty="0">
@@ -24409,7 +23885,7 @@
                 <a:latin typeface="Courier New" pitchFamily="49"/>
                 <a:cs typeface="Courier New" pitchFamily="49"/>
               </a:rPr>
-              <a:t> HTTP </a:t>
+              <a:t> </a:t>
             </a:r>
             <a:r>
               <a:rPr lang="nl-NL" dirty="0" err="1">
@@ -24419,8 +23895,73 @@
                 <a:latin typeface="Courier New" pitchFamily="49"/>
                 <a:cs typeface="Courier New" pitchFamily="49"/>
               </a:rPr>
-              <a:t>request</a:t>
-            </a:r>
+              <a:t>rule</a:t>
+            </a:r>
+            <a:endParaRPr lang="nl-NL" dirty="0">
+              <a:solidFill>
+                <a:srgbClr val="00FF00"/>
+              </a:solidFill>
+              <a:latin typeface="Courier New" pitchFamily="49"/>
+              <a:cs typeface="Courier New" pitchFamily="49"/>
+            </a:endParaRPr>
+          </a:p>
+          <a:p>
+            <a:pPr lvl="0">
+              <a:buFont typeface="Courier New" pitchFamily="49"/>
+              <a:buChar char="_"/>
+            </a:pPr>
+            <a:endParaRPr lang="nl-NL" dirty="0">
+              <a:solidFill>
+                <a:srgbClr val="00FF00"/>
+              </a:solidFill>
+              <a:latin typeface="Courier New" pitchFamily="49"/>
+              <a:cs typeface="Courier New" pitchFamily="49"/>
+            </a:endParaRPr>
+          </a:p>
+          <a:p>
+            <a:pPr lvl="0">
+              <a:buFont typeface="Courier New" pitchFamily="49"/>
+              <a:buChar char="_"/>
+            </a:pPr>
+            <a:endParaRPr lang="nl-NL" dirty="0">
+              <a:solidFill>
+                <a:srgbClr val="00FF00"/>
+              </a:solidFill>
+              <a:latin typeface="Courier New" pitchFamily="49"/>
+              <a:cs typeface="Courier New" pitchFamily="49"/>
+            </a:endParaRPr>
+          </a:p>
+          <a:p>
+            <a:pPr lvl="0">
+              <a:buFont typeface="Courier New" pitchFamily="49"/>
+              <a:buChar char="_"/>
+            </a:pPr>
+            <a:endParaRPr lang="nl-NL" dirty="0">
+              <a:solidFill>
+                <a:srgbClr val="00FF00"/>
+              </a:solidFill>
+              <a:latin typeface="Courier New" pitchFamily="49"/>
+              <a:cs typeface="Courier New" pitchFamily="49"/>
+            </a:endParaRPr>
+          </a:p>
+          <a:p>
+            <a:pPr lvl="0">
+              <a:buFont typeface="Courier New" pitchFamily="49"/>
+              <a:buChar char="_"/>
+            </a:pPr>
+            <a:endParaRPr lang="nl-NL" dirty="0">
+              <a:solidFill>
+                <a:srgbClr val="00FF00"/>
+              </a:solidFill>
+              <a:latin typeface="Courier New" pitchFamily="49"/>
+              <a:cs typeface="Courier New" pitchFamily="49"/>
+            </a:endParaRPr>
+          </a:p>
+          <a:p>
+            <a:pPr lvl="0">
+              <a:buFont typeface="Courier New" pitchFamily="49"/>
+              <a:buChar char="_"/>
+            </a:pPr>
             <a:r>
               <a:rPr lang="nl-NL" dirty="0">
                 <a:solidFill>
@@ -24429,6 +23970,66 @@
                 <a:latin typeface="Courier New" pitchFamily="49"/>
                 <a:cs typeface="Courier New" pitchFamily="49"/>
               </a:rPr>
+              <a:t>Global == </a:t>
+            </a:r>
+            <a:r>
+              <a:rPr lang="nl-NL" dirty="0" err="1">
+                <a:solidFill>
+                  <a:srgbClr val="00FF00"/>
+                </a:solidFill>
+                <a:latin typeface="Courier New" pitchFamily="49"/>
+                <a:cs typeface="Courier New" pitchFamily="49"/>
+              </a:rPr>
+              <a:t>false</a:t>
+            </a:r>
+            <a:r>
+              <a:rPr lang="nl-NL" dirty="0">
+                <a:solidFill>
+                  <a:srgbClr val="00FF00"/>
+                </a:solidFill>
+                <a:latin typeface="Courier New" pitchFamily="49"/>
+                <a:cs typeface="Courier New" pitchFamily="49"/>
+              </a:rPr>
+              <a:t>: response templating </a:t>
+            </a:r>
+            <a:r>
+              <a:rPr lang="nl-NL" dirty="0" err="1">
+                <a:solidFill>
+                  <a:srgbClr val="00FF00"/>
+                </a:solidFill>
+                <a:latin typeface="Courier New" pitchFamily="49"/>
+                <a:cs typeface="Courier New" pitchFamily="49"/>
+              </a:rPr>
+              <a:t>transformer</a:t>
+            </a:r>
+            <a:r>
+              <a:rPr lang="nl-NL" dirty="0">
+                <a:solidFill>
+                  <a:srgbClr val="00FF00"/>
+                </a:solidFill>
+                <a:latin typeface="Courier New" pitchFamily="49"/>
+                <a:cs typeface="Courier New" pitchFamily="49"/>
+              </a:rPr>
+              <a:t> has </a:t>
+            </a:r>
+            <a:r>
+              <a:rPr lang="nl-NL" dirty="0" err="1">
+                <a:solidFill>
+                  <a:srgbClr val="00FF00"/>
+                </a:solidFill>
+                <a:latin typeface="Courier New" pitchFamily="49"/>
+                <a:cs typeface="Courier New" pitchFamily="49"/>
+              </a:rPr>
+              <a:t>to</a:t>
+            </a:r>
+            <a:r>
+              <a:rPr lang="nl-NL" dirty="0">
+                <a:solidFill>
+                  <a:srgbClr val="00FF00"/>
+                </a:solidFill>
+                <a:latin typeface="Courier New" pitchFamily="49"/>
+                <a:cs typeface="Courier New" pitchFamily="49"/>
+              </a:rPr>
               <a:t> </a:t>
             </a:r>
             <a:r>
@@ -24439,7 +24040,7 @@
                 <a:latin typeface="Courier New" pitchFamily="49"/>
                 <a:cs typeface="Courier New" pitchFamily="49"/>
               </a:rPr>
-              <a:t>method</a:t>
+              <a:t>be</a:t>
             </a:r>
             <a:r>
               <a:rPr lang="nl-NL" dirty="0">
@@ -24449,7 +24050,7 @@
                 <a:latin typeface="Courier New" pitchFamily="49"/>
                 <a:cs typeface="Courier New" pitchFamily="49"/>
               </a:rPr>
-              <a:t> (GET/POST/PUT/…) </a:t>
+              <a:t> </a:t>
             </a:r>
             <a:r>
               <a:rPr lang="nl-NL" dirty="0" err="1">
@@ -24459,7 +24060,7 @@
                 <a:latin typeface="Courier New" pitchFamily="49"/>
                 <a:cs typeface="Courier New" pitchFamily="49"/>
               </a:rPr>
-              <a:t>and</a:t>
+              <a:t>enabled</a:t>
             </a:r>
             <a:r>
               <a:rPr lang="nl-NL" dirty="0">
@@ -24469,7 +24070,7 @@
                 <a:latin typeface="Courier New" pitchFamily="49"/>
                 <a:cs typeface="Courier New" pitchFamily="49"/>
               </a:rPr>
-              <a:t> returns </a:t>
+              <a:t> </a:t>
             </a:r>
             <a:r>
               <a:rPr lang="nl-NL" dirty="0" err="1">
@@ -24479,7 +24080,7 @@
                 <a:latin typeface="Courier New" pitchFamily="49"/>
                 <a:cs typeface="Courier New" pitchFamily="49"/>
               </a:rPr>
-              <a:t>it</a:t>
+              <a:t>for</a:t>
             </a:r>
             <a:r>
               <a:rPr lang="nl-NL" dirty="0">
@@ -24489,7 +24090,7 @@
                 <a:latin typeface="Courier New" pitchFamily="49"/>
                 <a:cs typeface="Courier New" pitchFamily="49"/>
               </a:rPr>
-              <a:t> as </a:t>
+              <a:t> </a:t>
             </a:r>
             <a:r>
               <a:rPr lang="nl-NL" dirty="0" err="1">
@@ -24499,7 +24100,7 @@
                 <a:latin typeface="Courier New" pitchFamily="49"/>
                 <a:cs typeface="Courier New" pitchFamily="49"/>
               </a:rPr>
-              <a:t>the</a:t>
+              <a:t>individual</a:t>
             </a:r>
             <a:r>
               <a:rPr lang="nl-NL" dirty="0">
@@ -24509,17 +24110,47 @@
                 <a:latin typeface="Courier New" pitchFamily="49"/>
                 <a:cs typeface="Courier New" pitchFamily="49"/>
               </a:rPr>
-              <a:t> response body</a:t>
-            </a:r>
+              <a:t> </a:t>
+            </a:r>
+            <a:r>
+              <a:rPr lang="nl-NL" dirty="0" err="1">
+                <a:solidFill>
+                  <a:srgbClr val="00FF00"/>
+                </a:solidFill>
+                <a:latin typeface="Courier New" pitchFamily="49"/>
+                <a:cs typeface="Courier New" pitchFamily="49"/>
+              </a:rPr>
+              <a:t>stubs</a:t>
+            </a:r>
+            <a:endParaRPr lang="nl-NL" dirty="0">
+              <a:solidFill>
+                <a:srgbClr val="00FF00"/>
+              </a:solidFill>
+              <a:latin typeface="Courier New" pitchFamily="49"/>
+              <a:cs typeface="Courier New" pitchFamily="49"/>
+            </a:endParaRPr>
+          </a:p>
+          <a:p>
+            <a:pPr lvl="0">
+              <a:buFont typeface="Courier New" pitchFamily="49"/>
+              <a:buChar char="_"/>
+            </a:pPr>
+            <a:endParaRPr lang="nl-NL" dirty="0">
+              <a:solidFill>
+                <a:srgbClr val="00FF00"/>
+              </a:solidFill>
+              <a:latin typeface="Courier New" pitchFamily="49"/>
+              <a:cs typeface="Courier New" pitchFamily="49"/>
+            </a:endParaRPr>
           </a:p>
         </p:txBody>
       </p:sp>
       <p:pic>
         <p:nvPicPr>
-          <p:cNvPr id="5" name="Picture 4">
+          <p:cNvPr id="4" name="Picture 3">
             <a:extLst>
               <a:ext uri="{FF2B5EF4-FFF2-40B4-BE49-F238E27FC236}">
-                <a16:creationId xmlns:a16="http://schemas.microsoft.com/office/drawing/2014/main" id="{62611F27-36F5-4482-8FCD-561704760E54}"/>
+                <a16:creationId xmlns:a16="http://schemas.microsoft.com/office/drawing/2014/main" id="{77A9304E-0918-4E30-A387-C113ED0B5AEF}"/>
               </a:ext>
             </a:extLst>
           </p:cNvPr>
@@ -24536,8 +24167,8 @@
         </p:blipFill>
         <p:spPr>
           <a:xfrm>
-            <a:off x="1170023" y="3279457"/>
-            <a:ext cx="9851953" cy="3032445"/>
+            <a:off x="838203" y="2586989"/>
+            <a:ext cx="8444865" cy="1527017"/>
           </a:xfrm>
           <a:prstGeom prst="rect">
             <a:avLst/>
@@ -24547,7 +24178,7 @@
     </p:spTree>
     <p:extLst>
       <p:ext uri="{BB962C8B-B14F-4D97-AF65-F5344CB8AC3E}">
-        <p14:creationId xmlns:p14="http://schemas.microsoft.com/office/powerpoint/2010/main" val="1723953420"/>
+        <p14:creationId xmlns:p14="http://schemas.microsoft.com/office/powerpoint/2010/main" val="2954608133"/>
       </p:ext>
     </p:extLst>
   </p:cSld>
@@ -24617,7 +24248,7 @@
                 <a:latin typeface="Courier New" pitchFamily="49"/>
                 <a:cs typeface="Courier New" pitchFamily="49"/>
               </a:rPr>
-              <a:t>Request</a:t>
+              <a:t>Enable</a:t>
             </a:r>
             <a:r>
               <a:rPr lang="nl-NL" dirty="0">
@@ -24627,7 +24258,7 @@
                 <a:latin typeface="Courier New" pitchFamily="49"/>
                 <a:cs typeface="Courier New" pitchFamily="49"/>
               </a:rPr>
-              <a:t> </a:t>
+              <a:t>/</a:t>
             </a:r>
             <a:r>
               <a:rPr lang="nl-NL" dirty="0" err="1">
@@ -24637,15 +24268,18 @@
                 <a:latin typeface="Courier New" pitchFamily="49"/>
                 <a:cs typeface="Courier New" pitchFamily="49"/>
               </a:rPr>
-              <a:t>attributes</a:t>
-            </a:r>
-            <a:endParaRPr lang="nl-NL" dirty="0">
-              <a:solidFill>
-                <a:srgbClr val="00FF00"/>
-              </a:solidFill>
-              <a:latin typeface="Courier New" pitchFamily="49"/>
-              <a:cs typeface="Courier New" pitchFamily="49"/>
-            </a:endParaRPr>
+              <a:t>apply</a:t>
+            </a:r>
+            <a:r>
+              <a:rPr lang="nl-NL" dirty="0">
+                <a:solidFill>
+                  <a:srgbClr val="00FF00"/>
+                </a:solidFill>
+                <a:latin typeface="Courier New" pitchFamily="49"/>
+                <a:cs typeface="Courier New" pitchFamily="49"/>
+              </a:rPr>
+              <a:t> response templating</a:t>
+            </a:r>
           </a:p>
         </p:txBody>
       </p:sp>
@@ -24668,13 +24302,11 @@
         <p:spPr>
           <a:xfrm>
             <a:off x="838203" y="1825627"/>
-            <a:ext cx="11237840" cy="4764016"/>
+            <a:ext cx="11143893" cy="4351336"/>
           </a:xfrm>
         </p:spPr>
         <p:txBody>
-          <a:bodyPr>
-            <a:normAutofit/>
-          </a:bodyPr>
+          <a:bodyPr/>
           <a:lstStyle/>
           <a:p>
             <a:pPr lvl="0">
@@ -24689,7 +24321,7 @@
                 <a:latin typeface="Courier New" pitchFamily="49"/>
                 <a:cs typeface="Courier New" pitchFamily="49"/>
               </a:rPr>
-              <a:t>Many</a:t>
+              <a:t>This</a:t>
             </a:r>
             <a:r>
               <a:rPr lang="nl-NL" dirty="0">
@@ -24699,7 +24331,7 @@
                 <a:latin typeface="Courier New" pitchFamily="49"/>
                 <a:cs typeface="Courier New" pitchFamily="49"/>
               </a:rPr>
-              <a:t> different </a:t>
+              <a:t> template </a:t>
             </a:r>
             <a:r>
               <a:rPr lang="nl-NL" dirty="0" err="1">
@@ -24709,6 +24341,46 @@
                 <a:latin typeface="Courier New" pitchFamily="49"/>
                 <a:cs typeface="Courier New" pitchFamily="49"/>
               </a:rPr>
+              <a:t>reads</a:t>
+            </a:r>
+            <a:r>
+              <a:rPr lang="nl-NL" dirty="0">
+                <a:solidFill>
+                  <a:srgbClr val="00FF00"/>
+                </a:solidFill>
+                <a:latin typeface="Courier New" pitchFamily="49"/>
+                <a:cs typeface="Courier New" pitchFamily="49"/>
+              </a:rPr>
+              <a:t> </a:t>
+            </a:r>
+            <a:r>
+              <a:rPr lang="nl-NL" dirty="0" err="1">
+                <a:solidFill>
+                  <a:srgbClr val="00FF00"/>
+                </a:solidFill>
+                <a:latin typeface="Courier New" pitchFamily="49"/>
+                <a:cs typeface="Courier New" pitchFamily="49"/>
+              </a:rPr>
+              <a:t>the</a:t>
+            </a:r>
+            <a:r>
+              <a:rPr lang="nl-NL" dirty="0">
+                <a:solidFill>
+                  <a:srgbClr val="00FF00"/>
+                </a:solidFill>
+                <a:latin typeface="Courier New" pitchFamily="49"/>
+                <a:cs typeface="Courier New" pitchFamily="49"/>
+              </a:rPr>
+              <a:t> HTTP </a:t>
+            </a:r>
+            <a:r>
+              <a:rPr lang="nl-NL" dirty="0" err="1">
+                <a:solidFill>
+                  <a:srgbClr val="00FF00"/>
+                </a:solidFill>
+                <a:latin typeface="Courier New" pitchFamily="49"/>
+                <a:cs typeface="Courier New" pitchFamily="49"/>
+              </a:rPr>
               <a:t>request</a:t>
             </a:r>
             <a:r>
@@ -24729,7 +24401,7 @@
                 <a:latin typeface="Courier New" pitchFamily="49"/>
                 <a:cs typeface="Courier New" pitchFamily="49"/>
               </a:rPr>
-              <a:t>attributes</a:t>
+              <a:t>method</a:t>
             </a:r>
             <a:r>
               <a:rPr lang="nl-NL" dirty="0">
@@ -24739,7 +24411,7 @@
                 <a:latin typeface="Courier New" pitchFamily="49"/>
                 <a:cs typeface="Courier New" pitchFamily="49"/>
               </a:rPr>
-              <a:t> </a:t>
+              <a:t> (GET/POST/PUT/…) </a:t>
             </a:r>
             <a:r>
               <a:rPr lang="nl-NL" dirty="0" err="1">
@@ -24749,7 +24421,7 @@
                 <a:latin typeface="Courier New" pitchFamily="49"/>
                 <a:cs typeface="Courier New" pitchFamily="49"/>
               </a:rPr>
-              <a:t>available</a:t>
+              <a:t>and</a:t>
             </a:r>
             <a:r>
               <a:rPr lang="nl-NL" dirty="0">
@@ -24759,7 +24431,7 @@
                 <a:latin typeface="Courier New" pitchFamily="49"/>
                 <a:cs typeface="Courier New" pitchFamily="49"/>
               </a:rPr>
-              <a:t> </a:t>
+              <a:t> returns </a:t>
             </a:r>
             <a:r>
               <a:rPr lang="nl-NL" dirty="0" err="1">
@@ -24769,7 +24441,7 @@
                 <a:latin typeface="Courier New" pitchFamily="49"/>
                 <a:cs typeface="Courier New" pitchFamily="49"/>
               </a:rPr>
-              <a:t>for</a:t>
+              <a:t>it</a:t>
             </a:r>
             <a:r>
               <a:rPr lang="nl-NL" dirty="0">
@@ -24779,7 +24451,7 @@
                 <a:latin typeface="Courier New" pitchFamily="49"/>
                 <a:cs typeface="Courier New" pitchFamily="49"/>
               </a:rPr>
-              <a:t> </a:t>
+              <a:t> as </a:t>
             </a:r>
             <a:r>
               <a:rPr lang="nl-NL" dirty="0" err="1">
@@ -24789,30 +24461,7 @@
                 <a:latin typeface="Courier New" pitchFamily="49"/>
                 <a:cs typeface="Courier New" pitchFamily="49"/>
               </a:rPr>
-              <a:t>use</a:t>
-            </a:r>
-            <a:endParaRPr lang="nl-NL" dirty="0">
-              <a:solidFill>
-                <a:srgbClr val="00FF00"/>
-              </a:solidFill>
-              <a:latin typeface="Courier New" pitchFamily="49"/>
-              <a:cs typeface="Courier New" pitchFamily="49"/>
-            </a:endParaRPr>
-          </a:p>
-          <a:p>
-            <a:pPr lvl="1">
-              <a:buFont typeface="Courier New" pitchFamily="49"/>
-              <a:buChar char="_"/>
-            </a:pPr>
-            <a:r>
-              <a:rPr lang="nl-NL" dirty="0" err="1">
-                <a:solidFill>
-                  <a:srgbClr val="00FF00"/>
-                </a:solidFill>
-                <a:latin typeface="Courier New" pitchFamily="49"/>
-                <a:cs typeface="Courier New" pitchFamily="49"/>
-              </a:rPr>
-              <a:t>request.requestLine.method</a:t>
+              <a:t>the</a:t>
             </a:r>
             <a:r>
               <a:rPr lang="nl-NL" dirty="0">
@@ -24822,300 +24471,45 @@
                 <a:latin typeface="Courier New" pitchFamily="49"/>
                 <a:cs typeface="Courier New" pitchFamily="49"/>
               </a:rPr>
-              <a:t> 	: HTTP </a:t>
-            </a:r>
-            <a:r>
-              <a:rPr lang="nl-NL" dirty="0" err="1">
-                <a:solidFill>
-                  <a:srgbClr val="00FF00"/>
-                </a:solidFill>
-                <a:latin typeface="Courier New" pitchFamily="49"/>
-                <a:cs typeface="Courier New" pitchFamily="49"/>
-              </a:rPr>
-              <a:t>method</a:t>
-            </a:r>
-            <a:r>
-              <a:rPr lang="nl-NL" dirty="0">
-                <a:solidFill>
-                  <a:srgbClr val="00FF00"/>
-                </a:solidFill>
-                <a:latin typeface="Courier New" pitchFamily="49"/>
-                <a:cs typeface="Courier New" pitchFamily="49"/>
-              </a:rPr>
-              <a:t> (</a:t>
-            </a:r>
-            <a:r>
-              <a:rPr lang="nl-NL" dirty="0" err="1">
-                <a:solidFill>
-                  <a:srgbClr val="00FF00"/>
-                </a:solidFill>
-                <a:latin typeface="Courier New" pitchFamily="49"/>
-                <a:cs typeface="Courier New" pitchFamily="49"/>
-              </a:rPr>
-              <a:t>example</a:t>
-            </a:r>
-            <a:r>
-              <a:rPr lang="nl-NL" dirty="0">
-                <a:solidFill>
-                  <a:srgbClr val="00FF00"/>
-                </a:solidFill>
-                <a:latin typeface="Courier New" pitchFamily="49"/>
-                <a:cs typeface="Courier New" pitchFamily="49"/>
-              </a:rPr>
-              <a:t>)</a:t>
-            </a:r>
-          </a:p>
-          <a:p>
-            <a:pPr lvl="1">
-              <a:buFont typeface="Courier New" pitchFamily="49"/>
-              <a:buChar char="_"/>
-            </a:pPr>
-            <a:r>
-              <a:rPr lang="nl-NL" dirty="0" err="1">
-                <a:solidFill>
-                  <a:srgbClr val="00FF00"/>
-                </a:solidFill>
-                <a:latin typeface="Courier New" pitchFamily="49"/>
-                <a:cs typeface="Courier New" pitchFamily="49"/>
-              </a:rPr>
-              <a:t>request.requestLine.path</a:t>
-            </a:r>
-            <a:r>
-              <a:rPr lang="nl-NL" dirty="0">
-                <a:solidFill>
-                  <a:srgbClr val="00FF00"/>
-                </a:solidFill>
-                <a:latin typeface="Courier New" pitchFamily="49"/>
-                <a:cs typeface="Courier New" pitchFamily="49"/>
-              </a:rPr>
-              <a:t>.[&lt;n&gt;] 	: </a:t>
-            </a:r>
-            <a:r>
-              <a:rPr lang="nl-NL" dirty="0" err="1">
-                <a:solidFill>
-                  <a:srgbClr val="00FF00"/>
-                </a:solidFill>
-                <a:latin typeface="Courier New" pitchFamily="49"/>
-                <a:cs typeface="Courier New" pitchFamily="49"/>
-              </a:rPr>
-              <a:t>n</a:t>
-            </a:r>
-            <a:r>
-              <a:rPr lang="nl-NL" baseline="30000" dirty="0" err="1">
-                <a:solidFill>
-                  <a:srgbClr val="00FF00"/>
-                </a:solidFill>
-                <a:latin typeface="Courier New" pitchFamily="49"/>
-                <a:cs typeface="Courier New" pitchFamily="49"/>
-              </a:rPr>
-              <a:t>th</a:t>
-            </a:r>
-            <a:r>
-              <a:rPr lang="nl-NL" dirty="0">
-                <a:solidFill>
-                  <a:srgbClr val="00FF00"/>
-                </a:solidFill>
-                <a:latin typeface="Courier New" pitchFamily="49"/>
-                <a:cs typeface="Courier New" pitchFamily="49"/>
-              </a:rPr>
-              <a:t> </a:t>
-            </a:r>
-            <a:r>
-              <a:rPr lang="nl-NL" dirty="0" err="1">
-                <a:solidFill>
-                  <a:srgbClr val="00FF00"/>
-                </a:solidFill>
-                <a:latin typeface="Courier New" pitchFamily="49"/>
-                <a:cs typeface="Courier New" pitchFamily="49"/>
-              </a:rPr>
-              <a:t>path</a:t>
-            </a:r>
-            <a:r>
-              <a:rPr lang="nl-NL" dirty="0">
-                <a:solidFill>
-                  <a:srgbClr val="00FF00"/>
-                </a:solidFill>
-                <a:latin typeface="Courier New" pitchFamily="49"/>
-                <a:cs typeface="Courier New" pitchFamily="49"/>
-              </a:rPr>
-              <a:t> segment</a:t>
-            </a:r>
-          </a:p>
-          <a:p>
-            <a:pPr lvl="1">
-              <a:buFont typeface="Courier New" pitchFamily="49"/>
-              <a:buChar char="_"/>
-            </a:pPr>
-            <a:r>
-              <a:rPr lang="nl-NL" dirty="0" err="1">
-                <a:solidFill>
-                  <a:srgbClr val="00FF00"/>
-                </a:solidFill>
-                <a:latin typeface="Courier New" pitchFamily="49"/>
-                <a:cs typeface="Courier New" pitchFamily="49"/>
-              </a:rPr>
-              <a:t>request.requestLine.scheme</a:t>
-            </a:r>
-            <a:r>
-              <a:rPr lang="nl-NL" dirty="0">
-                <a:solidFill>
-                  <a:srgbClr val="00FF00"/>
-                </a:solidFill>
-                <a:latin typeface="Courier New" pitchFamily="49"/>
-                <a:cs typeface="Courier New" pitchFamily="49"/>
-              </a:rPr>
-              <a:t> 	: protocol (e.g. HTTPS)</a:t>
-            </a:r>
-          </a:p>
-          <a:p>
-            <a:pPr lvl="1">
-              <a:buFont typeface="Courier New" pitchFamily="49"/>
-              <a:buChar char="_"/>
-            </a:pPr>
-            <a:r>
-              <a:rPr lang="nl-NL" dirty="0">
-                <a:solidFill>
-                  <a:srgbClr val="00FF00"/>
-                </a:solidFill>
-                <a:latin typeface="Courier New" pitchFamily="49"/>
-                <a:cs typeface="Courier New" pitchFamily="49"/>
-              </a:rPr>
-              <a:t>…</a:t>
-            </a:r>
-          </a:p>
-          <a:p>
-            <a:pPr lvl="1">
-              <a:buFont typeface="Courier New" pitchFamily="49"/>
-              <a:buChar char="_"/>
-            </a:pPr>
-            <a:endParaRPr lang="nl-NL" dirty="0">
-              <a:solidFill>
-                <a:srgbClr val="00FF00"/>
-              </a:solidFill>
-              <a:latin typeface="Courier New" pitchFamily="49"/>
-              <a:cs typeface="Courier New" pitchFamily="49"/>
-            </a:endParaRPr>
-          </a:p>
-          <a:p>
-            <a:pPr>
-              <a:buFont typeface="Courier New" pitchFamily="49"/>
-              <a:buChar char="_"/>
-            </a:pPr>
-            <a:r>
-              <a:rPr lang="nl-NL" dirty="0" err="1">
-                <a:solidFill>
-                  <a:srgbClr val="00FF00"/>
-                </a:solidFill>
-                <a:latin typeface="Courier New" pitchFamily="49"/>
-                <a:cs typeface="Courier New" pitchFamily="49"/>
-              </a:rPr>
-              <a:t>All</a:t>
-            </a:r>
-            <a:r>
-              <a:rPr lang="nl-NL" dirty="0">
-                <a:solidFill>
-                  <a:srgbClr val="00FF00"/>
-                </a:solidFill>
-                <a:latin typeface="Courier New" pitchFamily="49"/>
-                <a:cs typeface="Courier New" pitchFamily="49"/>
-              </a:rPr>
-              <a:t> </a:t>
-            </a:r>
-            <a:r>
-              <a:rPr lang="nl-NL" dirty="0" err="1">
-                <a:solidFill>
-                  <a:srgbClr val="00FF00"/>
-                </a:solidFill>
-                <a:latin typeface="Courier New" pitchFamily="49"/>
-                <a:cs typeface="Courier New" pitchFamily="49"/>
-              </a:rPr>
-              <a:t>available</a:t>
-            </a:r>
-            <a:r>
-              <a:rPr lang="nl-NL" dirty="0">
-                <a:solidFill>
-                  <a:srgbClr val="00FF00"/>
-                </a:solidFill>
-                <a:latin typeface="Courier New" pitchFamily="49"/>
-                <a:cs typeface="Courier New" pitchFamily="49"/>
-              </a:rPr>
-              <a:t> </a:t>
-            </a:r>
-            <a:r>
-              <a:rPr lang="nl-NL" dirty="0" err="1">
-                <a:solidFill>
-                  <a:srgbClr val="00FF00"/>
-                </a:solidFill>
-                <a:latin typeface="Courier New" pitchFamily="49"/>
-                <a:cs typeface="Courier New" pitchFamily="49"/>
-              </a:rPr>
-              <a:t>attributes</a:t>
-            </a:r>
-            <a:r>
-              <a:rPr lang="nl-NL" dirty="0">
-                <a:solidFill>
-                  <a:srgbClr val="00FF00"/>
-                </a:solidFill>
-                <a:latin typeface="Courier New" pitchFamily="49"/>
-                <a:cs typeface="Courier New" pitchFamily="49"/>
-              </a:rPr>
-              <a:t> </a:t>
-            </a:r>
-            <a:r>
-              <a:rPr lang="nl-NL" dirty="0" err="1">
-                <a:solidFill>
-                  <a:srgbClr val="00FF00"/>
-                </a:solidFill>
-                <a:latin typeface="Courier New" pitchFamily="49"/>
-                <a:cs typeface="Courier New" pitchFamily="49"/>
-              </a:rPr>
-              <a:t>listed</a:t>
-            </a:r>
-            <a:r>
-              <a:rPr lang="nl-NL" dirty="0">
-                <a:solidFill>
-                  <a:srgbClr val="00FF00"/>
-                </a:solidFill>
-                <a:latin typeface="Courier New" pitchFamily="49"/>
-                <a:cs typeface="Courier New" pitchFamily="49"/>
-              </a:rPr>
-              <a:t> at</a:t>
-            </a:r>
-          </a:p>
-          <a:p>
-            <a:pPr>
-              <a:buFont typeface="Courier New" pitchFamily="49"/>
-              <a:buChar char="_"/>
-            </a:pPr>
-            <a:endParaRPr lang="nl-NL" dirty="0">
-              <a:solidFill>
-                <a:srgbClr val="00FF00"/>
-              </a:solidFill>
-              <a:latin typeface="Courier New" pitchFamily="49"/>
-              <a:cs typeface="Courier New" pitchFamily="49"/>
-            </a:endParaRPr>
-          </a:p>
-          <a:p>
-            <a:pPr marL="0" indent="0">
-              <a:buNone/>
-            </a:pPr>
-            <a:r>
-              <a:rPr lang="nl-NL" i="1" dirty="0">
-                <a:solidFill>
-                  <a:srgbClr val="00FF00"/>
-                </a:solidFill>
-                <a:latin typeface="Courier New" pitchFamily="49"/>
-                <a:cs typeface="Courier New" pitchFamily="49"/>
-              </a:rPr>
-              <a:t>http://wiremock.org/docs/response-templating/</a:t>
+              <a:t> response body</a:t>
             </a:r>
           </a:p>
         </p:txBody>
       </p:sp>
+      <p:pic>
+        <p:nvPicPr>
+          <p:cNvPr id="5" name="Picture 4">
+            <a:extLst>
+              <a:ext uri="{FF2B5EF4-FFF2-40B4-BE49-F238E27FC236}">
+                <a16:creationId xmlns:a16="http://schemas.microsoft.com/office/drawing/2014/main" id="{62611F27-36F5-4482-8FCD-561704760E54}"/>
+              </a:ext>
+            </a:extLst>
+          </p:cNvPr>
+          <p:cNvPicPr>
+            <a:picLocks noChangeAspect="1"/>
+          </p:cNvPicPr>
+          <p:nvPr/>
+        </p:nvPicPr>
+        <p:blipFill>
+          <a:blip r:embed="rId2"/>
+          <a:stretch>
+            <a:fillRect/>
+          </a:stretch>
+        </p:blipFill>
+        <p:spPr>
+          <a:xfrm>
+            <a:off x="1170023" y="3279457"/>
+            <a:ext cx="9851953" cy="3032445"/>
+          </a:xfrm>
+          <a:prstGeom prst="rect">
+            <a:avLst/>
+          </a:prstGeom>
+        </p:spPr>
+      </p:pic>
     </p:spTree>
     <p:extLst>
       <p:ext uri="{BB962C8B-B14F-4D97-AF65-F5344CB8AC3E}">
-        <p14:creationId xmlns:p14="http://schemas.microsoft.com/office/powerpoint/2010/main" val="1275183940"/>
+        <p14:creationId xmlns:p14="http://schemas.microsoft.com/office/powerpoint/2010/main" val="1723953420"/>
       </p:ext>
     </p:extLst>
   </p:cSld>
@@ -25207,6 +24601,574 @@
               </a:rPr>
               <a:t>attributes</a:t>
             </a:r>
+            <a:endParaRPr lang="nl-NL" dirty="0">
+              <a:solidFill>
+                <a:srgbClr val="00FF00"/>
+              </a:solidFill>
+              <a:latin typeface="Courier New" pitchFamily="49"/>
+              <a:cs typeface="Courier New" pitchFamily="49"/>
+            </a:endParaRPr>
+          </a:p>
+        </p:txBody>
+      </p:sp>
+      <p:sp>
+        <p:nvSpPr>
+          <p:cNvPr id="3" name="Content Placeholder 2">
+            <a:extLst>
+              <a:ext uri="{FF2B5EF4-FFF2-40B4-BE49-F238E27FC236}">
+                <a16:creationId xmlns:a16="http://schemas.microsoft.com/office/drawing/2014/main" id="{D139C82B-AD86-4DD7-A5E8-FF4019CEF5E1}"/>
+              </a:ext>
+            </a:extLst>
+          </p:cNvPr>
+          <p:cNvSpPr txBox="1">
+            <a:spLocks noGrp="1"/>
+          </p:cNvSpPr>
+          <p:nvPr>
+            <p:ph idx="1"/>
+          </p:nvPr>
+        </p:nvSpPr>
+        <p:spPr>
+          <a:xfrm>
+            <a:off x="838203" y="1825627"/>
+            <a:ext cx="11237840" cy="4764016"/>
+          </a:xfrm>
+        </p:spPr>
+        <p:txBody>
+          <a:bodyPr>
+            <a:normAutofit/>
+          </a:bodyPr>
+          <a:lstStyle/>
+          <a:p>
+            <a:pPr lvl="0">
+              <a:buFont typeface="Courier New" pitchFamily="49"/>
+              <a:buChar char="_"/>
+            </a:pPr>
+            <a:r>
+              <a:rPr lang="nl-NL" dirty="0" err="1">
+                <a:solidFill>
+                  <a:srgbClr val="00FF00"/>
+                </a:solidFill>
+                <a:latin typeface="Courier New" pitchFamily="49"/>
+                <a:cs typeface="Courier New" pitchFamily="49"/>
+              </a:rPr>
+              <a:t>Many</a:t>
+            </a:r>
+            <a:r>
+              <a:rPr lang="nl-NL" dirty="0">
+                <a:solidFill>
+                  <a:srgbClr val="00FF00"/>
+                </a:solidFill>
+                <a:latin typeface="Courier New" pitchFamily="49"/>
+                <a:cs typeface="Courier New" pitchFamily="49"/>
+              </a:rPr>
+              <a:t> different </a:t>
+            </a:r>
+            <a:r>
+              <a:rPr lang="nl-NL" dirty="0" err="1">
+                <a:solidFill>
+                  <a:srgbClr val="00FF00"/>
+                </a:solidFill>
+                <a:latin typeface="Courier New" pitchFamily="49"/>
+                <a:cs typeface="Courier New" pitchFamily="49"/>
+              </a:rPr>
+              <a:t>request</a:t>
+            </a:r>
+            <a:r>
+              <a:rPr lang="nl-NL" dirty="0">
+                <a:solidFill>
+                  <a:srgbClr val="00FF00"/>
+                </a:solidFill>
+                <a:latin typeface="Courier New" pitchFamily="49"/>
+                <a:cs typeface="Courier New" pitchFamily="49"/>
+              </a:rPr>
+              <a:t> </a:t>
+            </a:r>
+            <a:r>
+              <a:rPr lang="nl-NL" dirty="0" err="1">
+                <a:solidFill>
+                  <a:srgbClr val="00FF00"/>
+                </a:solidFill>
+                <a:latin typeface="Courier New" pitchFamily="49"/>
+                <a:cs typeface="Courier New" pitchFamily="49"/>
+              </a:rPr>
+              <a:t>attributes</a:t>
+            </a:r>
+            <a:r>
+              <a:rPr lang="nl-NL" dirty="0">
+                <a:solidFill>
+                  <a:srgbClr val="00FF00"/>
+                </a:solidFill>
+                <a:latin typeface="Courier New" pitchFamily="49"/>
+                <a:cs typeface="Courier New" pitchFamily="49"/>
+              </a:rPr>
+              <a:t> </a:t>
+            </a:r>
+            <a:r>
+              <a:rPr lang="nl-NL" dirty="0" err="1">
+                <a:solidFill>
+                  <a:srgbClr val="00FF00"/>
+                </a:solidFill>
+                <a:latin typeface="Courier New" pitchFamily="49"/>
+                <a:cs typeface="Courier New" pitchFamily="49"/>
+              </a:rPr>
+              <a:t>available</a:t>
+            </a:r>
+            <a:r>
+              <a:rPr lang="nl-NL" dirty="0">
+                <a:solidFill>
+                  <a:srgbClr val="00FF00"/>
+                </a:solidFill>
+                <a:latin typeface="Courier New" pitchFamily="49"/>
+                <a:cs typeface="Courier New" pitchFamily="49"/>
+              </a:rPr>
+              <a:t> </a:t>
+            </a:r>
+            <a:r>
+              <a:rPr lang="nl-NL" dirty="0" err="1">
+                <a:solidFill>
+                  <a:srgbClr val="00FF00"/>
+                </a:solidFill>
+                <a:latin typeface="Courier New" pitchFamily="49"/>
+                <a:cs typeface="Courier New" pitchFamily="49"/>
+              </a:rPr>
+              <a:t>for</a:t>
+            </a:r>
+            <a:r>
+              <a:rPr lang="nl-NL" dirty="0">
+                <a:solidFill>
+                  <a:srgbClr val="00FF00"/>
+                </a:solidFill>
+                <a:latin typeface="Courier New" pitchFamily="49"/>
+                <a:cs typeface="Courier New" pitchFamily="49"/>
+              </a:rPr>
+              <a:t> </a:t>
+            </a:r>
+            <a:r>
+              <a:rPr lang="nl-NL" dirty="0" err="1">
+                <a:solidFill>
+                  <a:srgbClr val="00FF00"/>
+                </a:solidFill>
+                <a:latin typeface="Courier New" pitchFamily="49"/>
+                <a:cs typeface="Courier New" pitchFamily="49"/>
+              </a:rPr>
+              <a:t>use</a:t>
+            </a:r>
+            <a:endParaRPr lang="nl-NL" dirty="0">
+              <a:solidFill>
+                <a:srgbClr val="00FF00"/>
+              </a:solidFill>
+              <a:latin typeface="Courier New" pitchFamily="49"/>
+              <a:cs typeface="Courier New" pitchFamily="49"/>
+            </a:endParaRPr>
+          </a:p>
+          <a:p>
+            <a:pPr lvl="1">
+              <a:buFont typeface="Courier New" pitchFamily="49"/>
+              <a:buChar char="_"/>
+            </a:pPr>
+            <a:r>
+              <a:rPr lang="nl-NL" dirty="0" err="1">
+                <a:solidFill>
+                  <a:srgbClr val="00FF00"/>
+                </a:solidFill>
+                <a:latin typeface="Courier New" pitchFamily="49"/>
+                <a:cs typeface="Courier New" pitchFamily="49"/>
+              </a:rPr>
+              <a:t>request.requestLine.method</a:t>
+            </a:r>
+            <a:r>
+              <a:rPr lang="nl-NL" dirty="0">
+                <a:solidFill>
+                  <a:srgbClr val="00FF00"/>
+                </a:solidFill>
+                <a:latin typeface="Courier New" pitchFamily="49"/>
+                <a:cs typeface="Courier New" pitchFamily="49"/>
+              </a:rPr>
+              <a:t> 	: HTTP </a:t>
+            </a:r>
+            <a:r>
+              <a:rPr lang="nl-NL" dirty="0" err="1">
+                <a:solidFill>
+                  <a:srgbClr val="00FF00"/>
+                </a:solidFill>
+                <a:latin typeface="Courier New" pitchFamily="49"/>
+                <a:cs typeface="Courier New" pitchFamily="49"/>
+              </a:rPr>
+              <a:t>method</a:t>
+            </a:r>
+            <a:r>
+              <a:rPr lang="nl-NL" dirty="0">
+                <a:solidFill>
+                  <a:srgbClr val="00FF00"/>
+                </a:solidFill>
+                <a:latin typeface="Courier New" pitchFamily="49"/>
+                <a:cs typeface="Courier New" pitchFamily="49"/>
+              </a:rPr>
+              <a:t> (</a:t>
+            </a:r>
+            <a:r>
+              <a:rPr lang="nl-NL" dirty="0" err="1">
+                <a:solidFill>
+                  <a:srgbClr val="00FF00"/>
+                </a:solidFill>
+                <a:latin typeface="Courier New" pitchFamily="49"/>
+                <a:cs typeface="Courier New" pitchFamily="49"/>
+              </a:rPr>
+              <a:t>example</a:t>
+            </a:r>
+            <a:r>
+              <a:rPr lang="nl-NL" dirty="0">
+                <a:solidFill>
+                  <a:srgbClr val="00FF00"/>
+                </a:solidFill>
+                <a:latin typeface="Courier New" pitchFamily="49"/>
+                <a:cs typeface="Courier New" pitchFamily="49"/>
+              </a:rPr>
+              <a:t>)</a:t>
+            </a:r>
+          </a:p>
+          <a:p>
+            <a:pPr lvl="1">
+              <a:buFont typeface="Courier New" pitchFamily="49"/>
+              <a:buChar char="_"/>
+            </a:pPr>
+            <a:r>
+              <a:rPr lang="nl-NL" dirty="0" err="1">
+                <a:solidFill>
+                  <a:srgbClr val="00FF00"/>
+                </a:solidFill>
+                <a:latin typeface="Courier New" pitchFamily="49"/>
+                <a:cs typeface="Courier New" pitchFamily="49"/>
+              </a:rPr>
+              <a:t>request.requestLine.path</a:t>
+            </a:r>
+            <a:r>
+              <a:rPr lang="nl-NL" dirty="0">
+                <a:solidFill>
+                  <a:srgbClr val="00FF00"/>
+                </a:solidFill>
+                <a:latin typeface="Courier New" pitchFamily="49"/>
+                <a:cs typeface="Courier New" pitchFamily="49"/>
+              </a:rPr>
+              <a:t>.[&lt;n&gt;] 	: </a:t>
+            </a:r>
+            <a:r>
+              <a:rPr lang="nl-NL" dirty="0" err="1">
+                <a:solidFill>
+                  <a:srgbClr val="00FF00"/>
+                </a:solidFill>
+                <a:latin typeface="Courier New" pitchFamily="49"/>
+                <a:cs typeface="Courier New" pitchFamily="49"/>
+              </a:rPr>
+              <a:t>n</a:t>
+            </a:r>
+            <a:r>
+              <a:rPr lang="nl-NL" baseline="30000" dirty="0" err="1">
+                <a:solidFill>
+                  <a:srgbClr val="00FF00"/>
+                </a:solidFill>
+                <a:latin typeface="Courier New" pitchFamily="49"/>
+                <a:cs typeface="Courier New" pitchFamily="49"/>
+              </a:rPr>
+              <a:t>th</a:t>
+            </a:r>
+            <a:r>
+              <a:rPr lang="nl-NL" dirty="0">
+                <a:solidFill>
+                  <a:srgbClr val="00FF00"/>
+                </a:solidFill>
+                <a:latin typeface="Courier New" pitchFamily="49"/>
+                <a:cs typeface="Courier New" pitchFamily="49"/>
+              </a:rPr>
+              <a:t> </a:t>
+            </a:r>
+            <a:r>
+              <a:rPr lang="nl-NL" dirty="0" err="1">
+                <a:solidFill>
+                  <a:srgbClr val="00FF00"/>
+                </a:solidFill>
+                <a:latin typeface="Courier New" pitchFamily="49"/>
+                <a:cs typeface="Courier New" pitchFamily="49"/>
+              </a:rPr>
+              <a:t>path</a:t>
+            </a:r>
+            <a:r>
+              <a:rPr lang="nl-NL" dirty="0">
+                <a:solidFill>
+                  <a:srgbClr val="00FF00"/>
+                </a:solidFill>
+                <a:latin typeface="Courier New" pitchFamily="49"/>
+                <a:cs typeface="Courier New" pitchFamily="49"/>
+              </a:rPr>
+              <a:t> segment</a:t>
+            </a:r>
+          </a:p>
+          <a:p>
+            <a:pPr lvl="1">
+              <a:buFont typeface="Courier New" pitchFamily="49"/>
+              <a:buChar char="_"/>
+            </a:pPr>
+            <a:r>
+              <a:rPr lang="nl-NL" dirty="0" err="1">
+                <a:solidFill>
+                  <a:srgbClr val="00FF00"/>
+                </a:solidFill>
+                <a:latin typeface="Courier New" pitchFamily="49"/>
+                <a:cs typeface="Courier New" pitchFamily="49"/>
+              </a:rPr>
+              <a:t>request.requestLine.scheme</a:t>
+            </a:r>
+            <a:r>
+              <a:rPr lang="nl-NL" dirty="0">
+                <a:solidFill>
+                  <a:srgbClr val="00FF00"/>
+                </a:solidFill>
+                <a:latin typeface="Courier New" pitchFamily="49"/>
+                <a:cs typeface="Courier New" pitchFamily="49"/>
+              </a:rPr>
+              <a:t> 	: protocol (e.g. HTTPS)</a:t>
+            </a:r>
+          </a:p>
+          <a:p>
+            <a:pPr lvl="1">
+              <a:buFont typeface="Courier New" pitchFamily="49"/>
+              <a:buChar char="_"/>
+            </a:pPr>
+            <a:r>
+              <a:rPr lang="nl-NL" dirty="0">
+                <a:solidFill>
+                  <a:srgbClr val="00FF00"/>
+                </a:solidFill>
+                <a:latin typeface="Courier New" pitchFamily="49"/>
+                <a:cs typeface="Courier New" pitchFamily="49"/>
+              </a:rPr>
+              <a:t>…</a:t>
+            </a:r>
+          </a:p>
+          <a:p>
+            <a:pPr lvl="1">
+              <a:buFont typeface="Courier New" pitchFamily="49"/>
+              <a:buChar char="_"/>
+            </a:pPr>
+            <a:endParaRPr lang="nl-NL" dirty="0">
+              <a:solidFill>
+                <a:srgbClr val="00FF00"/>
+              </a:solidFill>
+              <a:latin typeface="Courier New" pitchFamily="49"/>
+              <a:cs typeface="Courier New" pitchFamily="49"/>
+            </a:endParaRPr>
+          </a:p>
+          <a:p>
+            <a:pPr>
+              <a:buFont typeface="Courier New" pitchFamily="49"/>
+              <a:buChar char="_"/>
+            </a:pPr>
+            <a:r>
+              <a:rPr lang="nl-NL" dirty="0" err="1">
+                <a:solidFill>
+                  <a:srgbClr val="00FF00"/>
+                </a:solidFill>
+                <a:latin typeface="Courier New" pitchFamily="49"/>
+                <a:cs typeface="Courier New" pitchFamily="49"/>
+              </a:rPr>
+              <a:t>All</a:t>
+            </a:r>
+            <a:r>
+              <a:rPr lang="nl-NL" dirty="0">
+                <a:solidFill>
+                  <a:srgbClr val="00FF00"/>
+                </a:solidFill>
+                <a:latin typeface="Courier New" pitchFamily="49"/>
+                <a:cs typeface="Courier New" pitchFamily="49"/>
+              </a:rPr>
+              <a:t> </a:t>
+            </a:r>
+            <a:r>
+              <a:rPr lang="nl-NL" dirty="0" err="1">
+                <a:solidFill>
+                  <a:srgbClr val="00FF00"/>
+                </a:solidFill>
+                <a:latin typeface="Courier New" pitchFamily="49"/>
+                <a:cs typeface="Courier New" pitchFamily="49"/>
+              </a:rPr>
+              <a:t>available</a:t>
+            </a:r>
+            <a:r>
+              <a:rPr lang="nl-NL" dirty="0">
+                <a:solidFill>
+                  <a:srgbClr val="00FF00"/>
+                </a:solidFill>
+                <a:latin typeface="Courier New" pitchFamily="49"/>
+                <a:cs typeface="Courier New" pitchFamily="49"/>
+              </a:rPr>
+              <a:t> </a:t>
+            </a:r>
+            <a:r>
+              <a:rPr lang="nl-NL" dirty="0" err="1">
+                <a:solidFill>
+                  <a:srgbClr val="00FF00"/>
+                </a:solidFill>
+                <a:latin typeface="Courier New" pitchFamily="49"/>
+                <a:cs typeface="Courier New" pitchFamily="49"/>
+              </a:rPr>
+              <a:t>attributes</a:t>
+            </a:r>
+            <a:r>
+              <a:rPr lang="nl-NL" dirty="0">
+                <a:solidFill>
+                  <a:srgbClr val="00FF00"/>
+                </a:solidFill>
+                <a:latin typeface="Courier New" pitchFamily="49"/>
+                <a:cs typeface="Courier New" pitchFamily="49"/>
+              </a:rPr>
+              <a:t> </a:t>
+            </a:r>
+            <a:r>
+              <a:rPr lang="nl-NL" dirty="0" err="1">
+                <a:solidFill>
+                  <a:srgbClr val="00FF00"/>
+                </a:solidFill>
+                <a:latin typeface="Courier New" pitchFamily="49"/>
+                <a:cs typeface="Courier New" pitchFamily="49"/>
+              </a:rPr>
+              <a:t>listed</a:t>
+            </a:r>
+            <a:r>
+              <a:rPr lang="nl-NL" dirty="0">
+                <a:solidFill>
+                  <a:srgbClr val="00FF00"/>
+                </a:solidFill>
+                <a:latin typeface="Courier New" pitchFamily="49"/>
+                <a:cs typeface="Courier New" pitchFamily="49"/>
+              </a:rPr>
+              <a:t> at</a:t>
+            </a:r>
+          </a:p>
+          <a:p>
+            <a:pPr>
+              <a:buFont typeface="Courier New" pitchFamily="49"/>
+              <a:buChar char="_"/>
+            </a:pPr>
+            <a:endParaRPr lang="nl-NL" dirty="0">
+              <a:solidFill>
+                <a:srgbClr val="00FF00"/>
+              </a:solidFill>
+              <a:latin typeface="Courier New" pitchFamily="49"/>
+              <a:cs typeface="Courier New" pitchFamily="49"/>
+            </a:endParaRPr>
+          </a:p>
+          <a:p>
+            <a:pPr marL="0" indent="0">
+              <a:buNone/>
+            </a:pPr>
+            <a:r>
+              <a:rPr lang="nl-NL" i="1" dirty="0">
+                <a:solidFill>
+                  <a:srgbClr val="00FF00"/>
+                </a:solidFill>
+                <a:latin typeface="Courier New" pitchFamily="49"/>
+                <a:cs typeface="Courier New" pitchFamily="49"/>
+              </a:rPr>
+              <a:t>http://wiremock.org/docs/response-templating/</a:t>
+            </a:r>
+          </a:p>
+        </p:txBody>
+      </p:sp>
+    </p:spTree>
+    <p:extLst>
+      <p:ext uri="{BB962C8B-B14F-4D97-AF65-F5344CB8AC3E}">
+        <p14:creationId xmlns:p14="http://schemas.microsoft.com/office/powerpoint/2010/main" val="1275183940"/>
+      </p:ext>
+    </p:extLst>
+  </p:cSld>
+  <p:clrMapOvr>
+    <a:masterClrMapping/>
+  </p:clrMapOvr>
+</p:sld>
+</file>
+
+<file path=ppt/slides/slide46.xml><?xml version="1.0" encoding="utf-8"?>
+<p:sld xmlns:a="http://schemas.openxmlformats.org/drawingml/2006/main" xmlns:r="http://schemas.openxmlformats.org/officeDocument/2006/relationships" xmlns:p="http://schemas.openxmlformats.org/presentationml/2006/main">
+  <p:cSld>
+    <p:bg>
+      <p:bgPr>
+        <a:solidFill>
+          <a:srgbClr val="000000"/>
+        </a:solidFill>
+        <a:effectLst/>
+      </p:bgPr>
+    </p:bg>
+    <p:spTree>
+      <p:nvGrpSpPr>
+        <p:cNvPr id="1" name=""/>
+        <p:cNvGrpSpPr/>
+        <p:nvPr/>
+      </p:nvGrpSpPr>
+      <p:grpSpPr>
+        <a:xfrm>
+          <a:off x="0" y="0"/>
+          <a:ext cx="0" cy="0"/>
+          <a:chOff x="0" y="0"/>
+          <a:chExt cx="0" cy="0"/>
+        </a:xfrm>
+      </p:grpSpPr>
+      <p:sp>
+        <p:nvSpPr>
+          <p:cNvPr id="2" name="Title 1">
+            <a:extLst>
+              <a:ext uri="{FF2B5EF4-FFF2-40B4-BE49-F238E27FC236}">
+                <a16:creationId xmlns:a16="http://schemas.microsoft.com/office/drawing/2014/main" id="{19F5B244-0AC6-4FDB-90B1-15F77C3031D0}"/>
+              </a:ext>
+            </a:extLst>
+          </p:cNvPr>
+          <p:cNvSpPr txBox="1">
+            <a:spLocks noGrp="1"/>
+          </p:cNvSpPr>
+          <p:nvPr>
+            <p:ph type="title"/>
+          </p:nvPr>
+        </p:nvSpPr>
+        <p:spPr>
+          <a:xfrm>
+            <a:off x="838202" y="365129"/>
+            <a:ext cx="11048997" cy="1325559"/>
+          </a:xfrm>
+        </p:spPr>
+        <p:txBody>
+          <a:bodyPr/>
+          <a:lstStyle/>
+          <a:p>
+            <a:pPr lvl="0"/>
+            <a:r>
+              <a:rPr lang="nl-NL" dirty="0" err="1">
+                <a:solidFill>
+                  <a:srgbClr val="00FF00"/>
+                </a:solidFill>
+                <a:latin typeface="Courier New" pitchFamily="49"/>
+                <a:cs typeface="Courier New" pitchFamily="49"/>
+              </a:rPr>
+              <a:t>Request</a:t>
+            </a:r>
+            <a:r>
+              <a:rPr lang="nl-NL" dirty="0">
+                <a:solidFill>
+                  <a:srgbClr val="00FF00"/>
+                </a:solidFill>
+                <a:latin typeface="Courier New" pitchFamily="49"/>
+                <a:cs typeface="Courier New" pitchFamily="49"/>
+              </a:rPr>
+              <a:t> </a:t>
+            </a:r>
+            <a:r>
+              <a:rPr lang="nl-NL" dirty="0" err="1">
+                <a:solidFill>
+                  <a:srgbClr val="00FF00"/>
+                </a:solidFill>
+                <a:latin typeface="Courier New" pitchFamily="49"/>
+                <a:cs typeface="Courier New" pitchFamily="49"/>
+              </a:rPr>
+              <a:t>attributes</a:t>
+            </a:r>
             <a:r>
               <a:rPr lang="nl-NL" dirty="0">
                 <a:solidFill>
@@ -25736,7 +25698,7 @@
 </p:sld>
 </file>
 
-<file path=ppt/slides/slide46.xml><?xml version="1.0" encoding="utf-8"?>
+<file path=ppt/slides/slide47.xml><?xml version="1.0" encoding="utf-8"?>
 <p:sld xmlns:a="http://schemas.openxmlformats.org/drawingml/2006/main" xmlns:r="http://schemas.openxmlformats.org/officeDocument/2006/relationships" xmlns:p="http://schemas.openxmlformats.org/presentationml/2006/main">
   <p:cSld>
     <p:bg>
@@ -26141,7 +26103,7 @@
 </p:sld>
 </file>
 
-<file path=ppt/slides/slide47.xml><?xml version="1.0" encoding="utf-8"?>
+<file path=ppt/slides/slide48.xml><?xml version="1.0" encoding="utf-8"?>
 <p:sld xmlns:a="http://schemas.openxmlformats.org/drawingml/2006/main" xmlns:r="http://schemas.openxmlformats.org/officeDocument/2006/relationships" xmlns:p="http://schemas.openxmlformats.org/presentationml/2006/main">
   <p:cSld>
     <p:bg>
@@ -26572,566 +26534,6 @@
     <p:extLst>
       <p:ext uri="{BB962C8B-B14F-4D97-AF65-F5344CB8AC3E}">
         <p14:creationId xmlns:p14="http://schemas.microsoft.com/office/powerpoint/2010/main" val="2507302582"/>
-      </p:ext>
-    </p:extLst>
-  </p:cSld>
-  <p:clrMapOvr>
-    <a:masterClrMapping/>
-  </p:clrMapOvr>
-</p:sld>
-</file>
-
-<file path=ppt/slides/slide48.xml><?xml version="1.0" encoding="utf-8"?>
-<p:sld xmlns:a="http://schemas.openxmlformats.org/drawingml/2006/main" xmlns:r="http://schemas.openxmlformats.org/officeDocument/2006/relationships" xmlns:p="http://schemas.openxmlformats.org/presentationml/2006/main">
-  <p:cSld>
-    <p:bg>
-      <p:bgPr>
-        <a:solidFill>
-          <a:srgbClr val="000000"/>
-        </a:solidFill>
-        <a:effectLst/>
-      </p:bgPr>
-    </p:bg>
-    <p:spTree>
-      <p:nvGrpSpPr>
-        <p:cNvPr id="1" name=""/>
-        <p:cNvGrpSpPr/>
-        <p:nvPr/>
-      </p:nvGrpSpPr>
-      <p:grpSpPr>
-        <a:xfrm>
-          <a:off x="0" y="0"/>
-          <a:ext cx="0" cy="0"/>
-          <a:chOff x="0" y="0"/>
-          <a:chExt cx="0" cy="0"/>
-        </a:xfrm>
-      </p:grpSpPr>
-      <p:sp>
-        <p:nvSpPr>
-          <p:cNvPr id="2" name="Title 1">
-            <a:extLst>
-              <a:ext uri="{FF2B5EF4-FFF2-40B4-BE49-F238E27FC236}">
-                <a16:creationId xmlns:a16="http://schemas.microsoft.com/office/drawing/2014/main" id="{19F5B244-0AC6-4FDB-90B1-15F77C3031D0}"/>
-              </a:ext>
-            </a:extLst>
-          </p:cNvPr>
-          <p:cNvSpPr txBox="1">
-            <a:spLocks noGrp="1"/>
-          </p:cNvSpPr>
-          <p:nvPr>
-            <p:ph type="title"/>
-          </p:nvPr>
-        </p:nvSpPr>
-        <p:spPr/>
-        <p:txBody>
-          <a:bodyPr/>
-          <a:lstStyle/>
-          <a:p>
-            <a:pPr lvl="0"/>
-            <a:r>
-              <a:rPr lang="nl-NL" dirty="0">
-                <a:solidFill>
-                  <a:srgbClr val="00FF00"/>
-                </a:solidFill>
-                <a:latin typeface="Courier New" pitchFamily="49"/>
-                <a:cs typeface="Courier New" pitchFamily="49"/>
-              </a:rPr>
-              <a:t>Mock </a:t>
-            </a:r>
-            <a:r>
-              <a:rPr lang="nl-NL" dirty="0" err="1">
-                <a:solidFill>
-                  <a:srgbClr val="00FF00"/>
-                </a:solidFill>
-                <a:latin typeface="Courier New" pitchFamily="49"/>
-                <a:cs typeface="Courier New" pitchFamily="49"/>
-              </a:rPr>
-              <a:t>specification</a:t>
-            </a:r>
-            <a:r>
-              <a:rPr lang="nl-NL" dirty="0">
-                <a:solidFill>
-                  <a:srgbClr val="00FF00"/>
-                </a:solidFill>
-                <a:latin typeface="Courier New" pitchFamily="49"/>
-                <a:cs typeface="Courier New" pitchFamily="49"/>
-              </a:rPr>
-              <a:t> via JSON</a:t>
-            </a:r>
-          </a:p>
-        </p:txBody>
-      </p:sp>
-      <p:sp>
-        <p:nvSpPr>
-          <p:cNvPr id="3" name="Content Placeholder 2">
-            <a:extLst>
-              <a:ext uri="{FF2B5EF4-FFF2-40B4-BE49-F238E27FC236}">
-                <a16:creationId xmlns:a16="http://schemas.microsoft.com/office/drawing/2014/main" id="{D139C82B-AD86-4DD7-A5E8-FF4019CEF5E1}"/>
-              </a:ext>
-            </a:extLst>
-          </p:cNvPr>
-          <p:cNvSpPr txBox="1">
-            <a:spLocks noGrp="1"/>
-          </p:cNvSpPr>
-          <p:nvPr>
-            <p:ph idx="1"/>
-          </p:nvPr>
-        </p:nvSpPr>
-        <p:spPr>
-          <a:xfrm>
-            <a:off x="838203" y="1825627"/>
-            <a:ext cx="11143893" cy="4351336"/>
-          </a:xfrm>
-        </p:spPr>
-        <p:txBody>
-          <a:bodyPr/>
-          <a:lstStyle/>
-          <a:p>
-            <a:pPr lvl="0">
-              <a:buFont typeface="Courier New" pitchFamily="49"/>
-              <a:buChar char="_"/>
-            </a:pPr>
-            <a:r>
-              <a:rPr lang="nl-NL" dirty="0" err="1">
-                <a:solidFill>
-                  <a:srgbClr val="00FF00"/>
-                </a:solidFill>
-                <a:latin typeface="Courier New" pitchFamily="49"/>
-                <a:cs typeface="Courier New" pitchFamily="49"/>
-              </a:rPr>
-              <a:t>So</a:t>
-            </a:r>
-            <a:r>
-              <a:rPr lang="nl-NL" dirty="0">
-                <a:solidFill>
-                  <a:srgbClr val="00FF00"/>
-                </a:solidFill>
-                <a:latin typeface="Courier New" pitchFamily="49"/>
-                <a:cs typeface="Courier New" pitchFamily="49"/>
-              </a:rPr>
-              <a:t> far, </a:t>
-            </a:r>
-            <a:r>
-              <a:rPr lang="nl-NL" dirty="0" err="1">
-                <a:solidFill>
-                  <a:srgbClr val="00FF00"/>
-                </a:solidFill>
-                <a:latin typeface="Courier New" pitchFamily="49"/>
-                <a:cs typeface="Courier New" pitchFamily="49"/>
-              </a:rPr>
-              <a:t>we’ve</a:t>
-            </a:r>
-            <a:r>
-              <a:rPr lang="nl-NL" dirty="0">
-                <a:solidFill>
-                  <a:srgbClr val="00FF00"/>
-                </a:solidFill>
-                <a:latin typeface="Courier New" pitchFamily="49"/>
-                <a:cs typeface="Courier New" pitchFamily="49"/>
-              </a:rPr>
-              <a:t> </a:t>
-            </a:r>
-            <a:r>
-              <a:rPr lang="nl-NL" dirty="0" err="1">
-                <a:solidFill>
-                  <a:srgbClr val="00FF00"/>
-                </a:solidFill>
-                <a:latin typeface="Courier New" pitchFamily="49"/>
-                <a:cs typeface="Courier New" pitchFamily="49"/>
-              </a:rPr>
-              <a:t>only</a:t>
-            </a:r>
-            <a:r>
-              <a:rPr lang="nl-NL" dirty="0">
-                <a:solidFill>
-                  <a:srgbClr val="00FF00"/>
-                </a:solidFill>
-                <a:latin typeface="Courier New" pitchFamily="49"/>
-                <a:cs typeface="Courier New" pitchFamily="49"/>
-              </a:rPr>
-              <a:t> </a:t>
-            </a:r>
-            <a:r>
-              <a:rPr lang="nl-NL" dirty="0" err="1">
-                <a:solidFill>
-                  <a:srgbClr val="00FF00"/>
-                </a:solidFill>
-                <a:latin typeface="Courier New" pitchFamily="49"/>
-                <a:cs typeface="Courier New" pitchFamily="49"/>
-              </a:rPr>
-              <a:t>specified</a:t>
-            </a:r>
-            <a:r>
-              <a:rPr lang="nl-NL" dirty="0">
-                <a:solidFill>
-                  <a:srgbClr val="00FF00"/>
-                </a:solidFill>
-                <a:latin typeface="Courier New" pitchFamily="49"/>
-                <a:cs typeface="Courier New" pitchFamily="49"/>
-              </a:rPr>
-              <a:t> </a:t>
-            </a:r>
-            <a:r>
-              <a:rPr lang="nl-NL" dirty="0" err="1">
-                <a:solidFill>
-                  <a:srgbClr val="00FF00"/>
-                </a:solidFill>
-                <a:latin typeface="Courier New" pitchFamily="49"/>
-                <a:cs typeface="Courier New" pitchFamily="49"/>
-              </a:rPr>
-              <a:t>mock</a:t>
-            </a:r>
-            <a:r>
-              <a:rPr lang="nl-NL" dirty="0">
-                <a:solidFill>
-                  <a:srgbClr val="00FF00"/>
-                </a:solidFill>
-                <a:latin typeface="Courier New" pitchFamily="49"/>
-                <a:cs typeface="Courier New" pitchFamily="49"/>
-              </a:rPr>
-              <a:t> </a:t>
-            </a:r>
-            <a:r>
-              <a:rPr lang="nl-NL" dirty="0" err="1">
-                <a:solidFill>
-                  <a:srgbClr val="00FF00"/>
-                </a:solidFill>
-                <a:latin typeface="Courier New" pitchFamily="49"/>
-                <a:cs typeface="Courier New" pitchFamily="49"/>
-              </a:rPr>
-              <a:t>behaviour</a:t>
-            </a:r>
-            <a:r>
-              <a:rPr lang="nl-NL" dirty="0">
-                <a:solidFill>
-                  <a:srgbClr val="00FF00"/>
-                </a:solidFill>
-                <a:latin typeface="Courier New" pitchFamily="49"/>
-                <a:cs typeface="Courier New" pitchFamily="49"/>
-              </a:rPr>
-              <a:t> in Java code</a:t>
-            </a:r>
-          </a:p>
-          <a:p>
-            <a:pPr lvl="0">
-              <a:buFont typeface="Courier New" pitchFamily="49"/>
-              <a:buChar char="_"/>
-            </a:pPr>
-            <a:endParaRPr lang="nl-NL" dirty="0">
-              <a:solidFill>
-                <a:srgbClr val="00FF00"/>
-              </a:solidFill>
-              <a:latin typeface="Courier New" pitchFamily="49"/>
-              <a:cs typeface="Courier New" pitchFamily="49"/>
-            </a:endParaRPr>
-          </a:p>
-          <a:p>
-            <a:pPr lvl="0">
-              <a:buFont typeface="Courier New" pitchFamily="49"/>
-              <a:buChar char="_"/>
-            </a:pPr>
-            <a:r>
-              <a:rPr lang="nl-NL" dirty="0">
-                <a:solidFill>
-                  <a:srgbClr val="00FF00"/>
-                </a:solidFill>
-                <a:latin typeface="Courier New" pitchFamily="49"/>
-                <a:cs typeface="Courier New" pitchFamily="49"/>
-              </a:rPr>
-              <a:t>Mocks live </a:t>
-            </a:r>
-            <a:r>
-              <a:rPr lang="nl-NL" dirty="0" err="1">
-                <a:solidFill>
-                  <a:srgbClr val="00FF00"/>
-                </a:solidFill>
-                <a:latin typeface="Courier New" pitchFamily="49"/>
-                <a:cs typeface="Courier New" pitchFamily="49"/>
-              </a:rPr>
-              <a:t>for</a:t>
-            </a:r>
-            <a:r>
-              <a:rPr lang="nl-NL" dirty="0">
-                <a:solidFill>
-                  <a:srgbClr val="00FF00"/>
-                </a:solidFill>
-                <a:latin typeface="Courier New" pitchFamily="49"/>
-                <a:cs typeface="Courier New" pitchFamily="49"/>
-              </a:rPr>
-              <a:t> </a:t>
-            </a:r>
-            <a:r>
-              <a:rPr lang="nl-NL" dirty="0" err="1">
-                <a:solidFill>
-                  <a:srgbClr val="00FF00"/>
-                </a:solidFill>
-                <a:latin typeface="Courier New" pitchFamily="49"/>
-                <a:cs typeface="Courier New" pitchFamily="49"/>
-              </a:rPr>
-              <a:t>the</a:t>
-            </a:r>
-            <a:r>
-              <a:rPr lang="nl-NL" dirty="0">
-                <a:solidFill>
-                  <a:srgbClr val="00FF00"/>
-                </a:solidFill>
-                <a:latin typeface="Courier New" pitchFamily="49"/>
-                <a:cs typeface="Courier New" pitchFamily="49"/>
-              </a:rPr>
-              <a:t> </a:t>
-            </a:r>
-            <a:r>
-              <a:rPr lang="nl-NL" dirty="0" err="1">
-                <a:solidFill>
-                  <a:srgbClr val="00FF00"/>
-                </a:solidFill>
-                <a:latin typeface="Courier New" pitchFamily="49"/>
-                <a:cs typeface="Courier New" pitchFamily="49"/>
-              </a:rPr>
-              <a:t>duration</a:t>
-            </a:r>
-            <a:r>
-              <a:rPr lang="nl-NL" dirty="0">
-                <a:solidFill>
-                  <a:srgbClr val="00FF00"/>
-                </a:solidFill>
-                <a:latin typeface="Courier New" pitchFamily="49"/>
-                <a:cs typeface="Courier New" pitchFamily="49"/>
-              </a:rPr>
-              <a:t> of </a:t>
-            </a:r>
-            <a:r>
-              <a:rPr lang="nl-NL" dirty="0" err="1">
-                <a:solidFill>
-                  <a:srgbClr val="00FF00"/>
-                </a:solidFill>
-                <a:latin typeface="Courier New" pitchFamily="49"/>
-                <a:cs typeface="Courier New" pitchFamily="49"/>
-              </a:rPr>
-              <a:t>the</a:t>
-            </a:r>
-            <a:r>
-              <a:rPr lang="nl-NL" dirty="0">
-                <a:solidFill>
-                  <a:srgbClr val="00FF00"/>
-                </a:solidFill>
-                <a:latin typeface="Courier New" pitchFamily="49"/>
-                <a:cs typeface="Courier New" pitchFamily="49"/>
-              </a:rPr>
-              <a:t> test run</a:t>
-            </a:r>
-          </a:p>
-          <a:p>
-            <a:pPr lvl="0">
-              <a:buFont typeface="Courier New" pitchFamily="49"/>
-              <a:buChar char="_"/>
-            </a:pPr>
-            <a:endParaRPr lang="nl-NL" dirty="0">
-              <a:solidFill>
-                <a:srgbClr val="00FF00"/>
-              </a:solidFill>
-              <a:latin typeface="Courier New" pitchFamily="49"/>
-              <a:cs typeface="Courier New" pitchFamily="49"/>
-            </a:endParaRPr>
-          </a:p>
-          <a:p>
-            <a:pPr lvl="0">
-              <a:buFont typeface="Courier New" pitchFamily="49"/>
-              <a:buChar char="_"/>
-            </a:pPr>
-            <a:r>
-              <a:rPr lang="nl-NL" dirty="0">
-                <a:solidFill>
-                  <a:srgbClr val="00FF00"/>
-                </a:solidFill>
-                <a:latin typeface="Courier New" pitchFamily="49"/>
-                <a:cs typeface="Courier New" pitchFamily="49"/>
-              </a:rPr>
-              <a:t>Want </a:t>
-            </a:r>
-            <a:r>
-              <a:rPr lang="nl-NL" dirty="0" err="1">
-                <a:solidFill>
-                  <a:srgbClr val="00FF00"/>
-                </a:solidFill>
-                <a:latin typeface="Courier New" pitchFamily="49"/>
-                <a:cs typeface="Courier New" pitchFamily="49"/>
-              </a:rPr>
-              <a:t>longer</a:t>
-            </a:r>
-            <a:r>
-              <a:rPr lang="nl-NL" dirty="0">
-                <a:solidFill>
-                  <a:srgbClr val="00FF00"/>
-                </a:solidFill>
-                <a:latin typeface="Courier New" pitchFamily="49"/>
-                <a:cs typeface="Courier New" pitchFamily="49"/>
-              </a:rPr>
-              <a:t> living </a:t>
-            </a:r>
-            <a:r>
-              <a:rPr lang="nl-NL" dirty="0" err="1">
-                <a:solidFill>
-                  <a:srgbClr val="00FF00"/>
-                </a:solidFill>
-                <a:latin typeface="Courier New" pitchFamily="49"/>
-                <a:cs typeface="Courier New" pitchFamily="49"/>
-              </a:rPr>
-              <a:t>mocks</a:t>
-            </a:r>
-            <a:r>
-              <a:rPr lang="nl-NL" dirty="0">
-                <a:solidFill>
-                  <a:srgbClr val="00FF00"/>
-                </a:solidFill>
-                <a:latin typeface="Courier New" pitchFamily="49"/>
-                <a:cs typeface="Courier New" pitchFamily="49"/>
-              </a:rPr>
-              <a:t>? </a:t>
-            </a:r>
-            <a:r>
-              <a:rPr lang="nl-NL" dirty="0" err="1">
-                <a:solidFill>
-                  <a:srgbClr val="00FF00"/>
-                </a:solidFill>
-                <a:latin typeface="Courier New" pitchFamily="49"/>
-                <a:cs typeface="Courier New" pitchFamily="49"/>
-              </a:rPr>
-              <a:t>Use</a:t>
-            </a:r>
-            <a:r>
-              <a:rPr lang="nl-NL" dirty="0">
-                <a:solidFill>
-                  <a:srgbClr val="00FF00"/>
-                </a:solidFill>
-                <a:latin typeface="Courier New" pitchFamily="49"/>
-                <a:cs typeface="Courier New" pitchFamily="49"/>
-              </a:rPr>
-              <a:t> JSON </a:t>
-            </a:r>
-            <a:r>
-              <a:rPr lang="nl-NL" dirty="0" err="1">
-                <a:solidFill>
-                  <a:srgbClr val="00FF00"/>
-                </a:solidFill>
-                <a:latin typeface="Courier New" pitchFamily="49"/>
-                <a:cs typeface="Courier New" pitchFamily="49"/>
-              </a:rPr>
-              <a:t>mapping</a:t>
-            </a:r>
-            <a:r>
-              <a:rPr lang="nl-NL" dirty="0">
-                <a:solidFill>
-                  <a:srgbClr val="00FF00"/>
-                </a:solidFill>
-                <a:latin typeface="Courier New" pitchFamily="49"/>
-                <a:cs typeface="Courier New" pitchFamily="49"/>
-              </a:rPr>
-              <a:t> files</a:t>
-            </a:r>
-          </a:p>
-          <a:p>
-            <a:pPr lvl="0">
-              <a:buFont typeface="Courier New" pitchFamily="49"/>
-              <a:buChar char="_"/>
-            </a:pPr>
-            <a:endParaRPr lang="nl-NL" dirty="0">
-              <a:solidFill>
-                <a:srgbClr val="00FF00"/>
-              </a:solidFill>
-              <a:latin typeface="Courier New" pitchFamily="49"/>
-              <a:cs typeface="Courier New" pitchFamily="49"/>
-            </a:endParaRPr>
-          </a:p>
-          <a:p>
-            <a:pPr lvl="0">
-              <a:buFont typeface="Courier New" pitchFamily="49"/>
-              <a:buChar char="_"/>
-            </a:pPr>
-            <a:r>
-              <a:rPr lang="nl-NL" dirty="0" err="1">
-                <a:solidFill>
-                  <a:srgbClr val="00FF00"/>
-                </a:solidFill>
-                <a:latin typeface="Courier New" pitchFamily="49"/>
-                <a:cs typeface="Courier New" pitchFamily="49"/>
-              </a:rPr>
-              <a:t>WireMock</a:t>
-            </a:r>
-            <a:r>
-              <a:rPr lang="nl-NL" dirty="0">
-                <a:solidFill>
-                  <a:srgbClr val="00FF00"/>
-                </a:solidFill>
-                <a:latin typeface="Courier New" pitchFamily="49"/>
-                <a:cs typeface="Courier New" pitchFamily="49"/>
-              </a:rPr>
-              <a:t> </a:t>
-            </a:r>
-            <a:r>
-              <a:rPr lang="nl-NL" dirty="0" err="1">
-                <a:solidFill>
-                  <a:srgbClr val="00FF00"/>
-                </a:solidFill>
-                <a:latin typeface="Courier New" pitchFamily="49"/>
-                <a:cs typeface="Courier New" pitchFamily="49"/>
-              </a:rPr>
-              <a:t>can</a:t>
-            </a:r>
-            <a:r>
-              <a:rPr lang="nl-NL" dirty="0">
-                <a:solidFill>
-                  <a:srgbClr val="00FF00"/>
-                </a:solidFill>
-                <a:latin typeface="Courier New" pitchFamily="49"/>
-                <a:cs typeface="Courier New" pitchFamily="49"/>
-              </a:rPr>
-              <a:t> </a:t>
-            </a:r>
-            <a:r>
-              <a:rPr lang="nl-NL" dirty="0" err="1">
-                <a:solidFill>
-                  <a:srgbClr val="00FF00"/>
-                </a:solidFill>
-                <a:latin typeface="Courier New" pitchFamily="49"/>
-                <a:cs typeface="Courier New" pitchFamily="49"/>
-              </a:rPr>
-              <a:t>be</a:t>
-            </a:r>
-            <a:r>
-              <a:rPr lang="nl-NL" dirty="0">
-                <a:solidFill>
-                  <a:srgbClr val="00FF00"/>
-                </a:solidFill>
-                <a:latin typeface="Courier New" pitchFamily="49"/>
-                <a:cs typeface="Courier New" pitchFamily="49"/>
-              </a:rPr>
-              <a:t> run as a standalone </a:t>
-            </a:r>
-            <a:r>
-              <a:rPr lang="nl-NL" dirty="0" err="1">
-                <a:solidFill>
-                  <a:srgbClr val="00FF00"/>
-                </a:solidFill>
-                <a:latin typeface="Courier New" pitchFamily="49"/>
-                <a:cs typeface="Courier New" pitchFamily="49"/>
-              </a:rPr>
-              <a:t>process</a:t>
-            </a:r>
-            <a:endParaRPr lang="nl-NL" dirty="0">
-              <a:solidFill>
-                <a:srgbClr val="00FF00"/>
-              </a:solidFill>
-              <a:latin typeface="Courier New" pitchFamily="49"/>
-              <a:cs typeface="Courier New" pitchFamily="49"/>
-            </a:endParaRPr>
-          </a:p>
-        </p:txBody>
-      </p:sp>
-    </p:spTree>
-    <p:extLst>
-      <p:ext uri="{BB962C8B-B14F-4D97-AF65-F5344CB8AC3E}">
-        <p14:creationId xmlns:p14="http://schemas.microsoft.com/office/powerpoint/2010/main" val="429990327"/>
       </p:ext>
     </p:extLst>
   </p:cSld>
@@ -27196,7 +26598,7 @@
                 <a:latin typeface="Courier New" pitchFamily="49"/>
                 <a:cs typeface="Courier New" pitchFamily="49"/>
               </a:rPr>
-              <a:t>Running </a:t>
+              <a:t>Mock </a:t>
             </a:r>
             <a:r>
               <a:rPr lang="nl-NL" dirty="0" err="1">
@@ -27206,7 +26608,7 @@
                 <a:latin typeface="Courier New" pitchFamily="49"/>
                 <a:cs typeface="Courier New" pitchFamily="49"/>
               </a:rPr>
-              <a:t>WireMock</a:t>
+              <a:t>specification</a:t>
             </a:r>
             <a:r>
               <a:rPr lang="nl-NL" dirty="0">
@@ -27216,7 +26618,7 @@
                 <a:latin typeface="Courier New" pitchFamily="49"/>
                 <a:cs typeface="Courier New" pitchFamily="49"/>
               </a:rPr>
-              <a:t> standalone</a:t>
+              <a:t> via JSON</a:t>
             </a:r>
           </a:p>
         </p:txBody>
@@ -27240,55 +26642,136 @@
         <p:spPr>
           <a:xfrm>
             <a:off x="838203" y="1825627"/>
-            <a:ext cx="11257719" cy="4351336"/>
+            <a:ext cx="11143893" cy="4351336"/>
           </a:xfrm>
         </p:spPr>
         <p:txBody>
           <a:bodyPr/>
           <a:lstStyle/>
           <a:p>
-            <a:pPr marL="0" lvl="0" indent="0">
-              <a:buNone/>
-            </a:pPr>
-            <a:r>
-              <a:rPr lang="nl-NL" i="1" dirty="0" err="1">
-                <a:solidFill>
-                  <a:srgbClr val="00FF00"/>
-                </a:solidFill>
-                <a:latin typeface="Courier New" pitchFamily="49"/>
-                <a:cs typeface="Courier New" pitchFamily="49"/>
-              </a:rPr>
-              <a:t>java</a:t>
-            </a:r>
-            <a:r>
-              <a:rPr lang="nl-NL" i="1" dirty="0">
-                <a:solidFill>
-                  <a:srgbClr val="00FF00"/>
-                </a:solidFill>
-                <a:latin typeface="Courier New" pitchFamily="49"/>
-                <a:cs typeface="Courier New" pitchFamily="49"/>
-              </a:rPr>
-              <a:t> –</a:t>
-            </a:r>
-            <a:r>
-              <a:rPr lang="nl-NL" i="1" dirty="0" err="1">
-                <a:solidFill>
-                  <a:srgbClr val="00FF00"/>
-                </a:solidFill>
-                <a:latin typeface="Courier New" pitchFamily="49"/>
-                <a:cs typeface="Courier New" pitchFamily="49"/>
-              </a:rPr>
-              <a:t>jar</a:t>
-            </a:r>
-            <a:r>
-              <a:rPr lang="nl-NL" i="1" dirty="0">
-                <a:solidFill>
-                  <a:srgbClr val="00FF00"/>
-                </a:solidFill>
-                <a:latin typeface="Courier New" pitchFamily="49"/>
-                <a:cs typeface="Courier New" pitchFamily="49"/>
-              </a:rPr>
-              <a:t> wiremock-standalone-2.18.0.jar --port 9876</a:t>
+            <a:pPr lvl="0">
+              <a:buFont typeface="Courier New" pitchFamily="49"/>
+              <a:buChar char="_"/>
+            </a:pPr>
+            <a:r>
+              <a:rPr lang="nl-NL" dirty="0" err="1">
+                <a:solidFill>
+                  <a:srgbClr val="00FF00"/>
+                </a:solidFill>
+                <a:latin typeface="Courier New" pitchFamily="49"/>
+                <a:cs typeface="Courier New" pitchFamily="49"/>
+              </a:rPr>
+              <a:t>So</a:t>
+            </a:r>
+            <a:r>
+              <a:rPr lang="nl-NL" dirty="0">
+                <a:solidFill>
+                  <a:srgbClr val="00FF00"/>
+                </a:solidFill>
+                <a:latin typeface="Courier New" pitchFamily="49"/>
+                <a:cs typeface="Courier New" pitchFamily="49"/>
+              </a:rPr>
+              <a:t> far, </a:t>
+            </a:r>
+            <a:r>
+              <a:rPr lang="nl-NL" dirty="0" err="1">
+                <a:solidFill>
+                  <a:srgbClr val="00FF00"/>
+                </a:solidFill>
+                <a:latin typeface="Courier New" pitchFamily="49"/>
+                <a:cs typeface="Courier New" pitchFamily="49"/>
+              </a:rPr>
+              <a:t>we’ve</a:t>
+            </a:r>
+            <a:r>
+              <a:rPr lang="nl-NL" dirty="0">
+                <a:solidFill>
+                  <a:srgbClr val="00FF00"/>
+                </a:solidFill>
+                <a:latin typeface="Courier New" pitchFamily="49"/>
+                <a:cs typeface="Courier New" pitchFamily="49"/>
+              </a:rPr>
+              <a:t> </a:t>
+            </a:r>
+            <a:r>
+              <a:rPr lang="nl-NL" dirty="0" err="1">
+                <a:solidFill>
+                  <a:srgbClr val="00FF00"/>
+                </a:solidFill>
+                <a:latin typeface="Courier New" pitchFamily="49"/>
+                <a:cs typeface="Courier New" pitchFamily="49"/>
+              </a:rPr>
+              <a:t>only</a:t>
+            </a:r>
+            <a:r>
+              <a:rPr lang="nl-NL" dirty="0">
+                <a:solidFill>
+                  <a:srgbClr val="00FF00"/>
+                </a:solidFill>
+                <a:latin typeface="Courier New" pitchFamily="49"/>
+                <a:cs typeface="Courier New" pitchFamily="49"/>
+              </a:rPr>
+              <a:t> </a:t>
+            </a:r>
+            <a:r>
+              <a:rPr lang="nl-NL" dirty="0" err="1">
+                <a:solidFill>
+                  <a:srgbClr val="00FF00"/>
+                </a:solidFill>
+                <a:latin typeface="Courier New" pitchFamily="49"/>
+                <a:cs typeface="Courier New" pitchFamily="49"/>
+              </a:rPr>
+              <a:t>specified</a:t>
+            </a:r>
+            <a:r>
+              <a:rPr lang="nl-NL" dirty="0">
+                <a:solidFill>
+                  <a:srgbClr val="00FF00"/>
+                </a:solidFill>
+                <a:latin typeface="Courier New" pitchFamily="49"/>
+                <a:cs typeface="Courier New" pitchFamily="49"/>
+              </a:rPr>
+              <a:t> </a:t>
+            </a:r>
+            <a:r>
+              <a:rPr lang="nl-NL" dirty="0" err="1">
+                <a:solidFill>
+                  <a:srgbClr val="00FF00"/>
+                </a:solidFill>
+                <a:latin typeface="Courier New" pitchFamily="49"/>
+                <a:cs typeface="Courier New" pitchFamily="49"/>
+              </a:rPr>
+              <a:t>mock</a:t>
+            </a:r>
+            <a:r>
+              <a:rPr lang="nl-NL" dirty="0">
+                <a:solidFill>
+                  <a:srgbClr val="00FF00"/>
+                </a:solidFill>
+                <a:latin typeface="Courier New" pitchFamily="49"/>
+                <a:cs typeface="Courier New" pitchFamily="49"/>
+              </a:rPr>
+              <a:t> </a:t>
+            </a:r>
+            <a:r>
+              <a:rPr lang="nl-NL" dirty="0" err="1">
+                <a:solidFill>
+                  <a:srgbClr val="00FF00"/>
+                </a:solidFill>
+                <a:latin typeface="Courier New" pitchFamily="49"/>
+                <a:cs typeface="Courier New" pitchFamily="49"/>
+              </a:rPr>
+              <a:t>behaviour</a:t>
+            </a:r>
+            <a:r>
+              <a:rPr lang="nl-NL" dirty="0">
+                <a:solidFill>
+                  <a:srgbClr val="00FF00"/>
+                </a:solidFill>
+                <a:latin typeface="Courier New" pitchFamily="49"/>
+                <a:cs typeface="Courier New" pitchFamily="49"/>
+              </a:rPr>
+              <a:t> in Java code</a:t>
             </a:r>
           </a:p>
           <a:p>
@@ -27317,7 +26800,7 @@
                 <a:latin typeface="Courier New" pitchFamily="49"/>
                 <a:cs typeface="Courier New" pitchFamily="49"/>
               </a:rPr>
-              <a:t>‘</a:t>
+              <a:t>Mocks live </a:t>
             </a:r>
             <a:r>
               <a:rPr lang="nl-NL" dirty="0" err="1">
@@ -27327,7 +26810,7 @@
                 <a:latin typeface="Courier New" pitchFamily="49"/>
                 <a:cs typeface="Courier New" pitchFamily="49"/>
               </a:rPr>
-              <a:t>mappings</a:t>
+              <a:t>for</a:t>
             </a:r>
             <a:r>
               <a:rPr lang="nl-NL" dirty="0">
@@ -27337,7 +26820,7 @@
                 <a:latin typeface="Courier New" pitchFamily="49"/>
                 <a:cs typeface="Courier New" pitchFamily="49"/>
               </a:rPr>
-              <a:t>’ </a:t>
+              <a:t> </a:t>
             </a:r>
             <a:r>
               <a:rPr lang="nl-NL" dirty="0" err="1">
@@ -27347,7 +26830,7 @@
                 <a:latin typeface="Courier New" pitchFamily="49"/>
                 <a:cs typeface="Courier New" pitchFamily="49"/>
               </a:rPr>
-              <a:t>subfolder</a:t>
+              <a:t>the</a:t>
             </a:r>
             <a:r>
               <a:rPr lang="nl-NL" dirty="0">
@@ -27367,7 +26850,7 @@
                 <a:latin typeface="Courier New" pitchFamily="49"/>
                 <a:cs typeface="Courier New" pitchFamily="49"/>
               </a:rPr>
-              <a:t>should</a:t>
+              <a:t>duration</a:t>
             </a:r>
             <a:r>
               <a:rPr lang="nl-NL" dirty="0">
@@ -27377,7 +26860,7 @@
                 <a:latin typeface="Courier New" pitchFamily="49"/>
                 <a:cs typeface="Courier New" pitchFamily="49"/>
               </a:rPr>
-              <a:t> </a:t>
+              <a:t> of </a:t>
             </a:r>
             <a:r>
               <a:rPr lang="nl-NL" dirty="0" err="1">
@@ -27387,7 +26870,7 @@
                 <a:latin typeface="Courier New" pitchFamily="49"/>
                 <a:cs typeface="Courier New" pitchFamily="49"/>
               </a:rPr>
-              <a:t>contain</a:t>
+              <a:t>the</a:t>
             </a:r>
             <a:r>
               <a:rPr lang="nl-NL" dirty="0">
@@ -27397,38 +26880,14 @@
                 <a:latin typeface="Courier New" pitchFamily="49"/>
                 <a:cs typeface="Courier New" pitchFamily="49"/>
               </a:rPr>
-              <a:t> JSON </a:t>
-            </a:r>
-            <a:r>
-              <a:rPr lang="nl-NL" dirty="0" err="1">
-                <a:solidFill>
-                  <a:srgbClr val="00FF00"/>
-                </a:solidFill>
-                <a:latin typeface="Courier New" pitchFamily="49"/>
-                <a:cs typeface="Courier New" pitchFamily="49"/>
-              </a:rPr>
-              <a:t>mapping</a:t>
-            </a:r>
-            <a:r>
-              <a:rPr lang="nl-NL" dirty="0">
-                <a:solidFill>
-                  <a:srgbClr val="00FF00"/>
-                </a:solidFill>
-                <a:latin typeface="Courier New" pitchFamily="49"/>
-                <a:cs typeface="Courier New" pitchFamily="49"/>
-              </a:rPr>
-              <a:t> </a:t>
-            </a:r>
-            <a:r>
-              <a:rPr lang="nl-NL" dirty="0" err="1">
-                <a:solidFill>
-                  <a:srgbClr val="00FF00"/>
-                </a:solidFill>
-                <a:latin typeface="Courier New" pitchFamily="49"/>
-                <a:cs typeface="Courier New" pitchFamily="49"/>
-              </a:rPr>
-              <a:t>definitions</a:t>
-            </a:r>
+              <a:t> test run</a:t>
+            </a:r>
+          </a:p>
+          <a:p>
+            <a:pPr lvl="0">
+              <a:buFont typeface="Courier New" pitchFamily="49"/>
+              <a:buChar char="_"/>
+            </a:pPr>
             <a:endParaRPr lang="nl-NL" dirty="0">
               <a:solidFill>
                 <a:srgbClr val="00FF00"/>
@@ -27442,6 +26901,102 @@
               <a:buFont typeface="Courier New" pitchFamily="49"/>
               <a:buChar char="_"/>
             </a:pPr>
+            <a:r>
+              <a:rPr lang="nl-NL" dirty="0">
+                <a:solidFill>
+                  <a:srgbClr val="00FF00"/>
+                </a:solidFill>
+                <a:latin typeface="Courier New" pitchFamily="49"/>
+                <a:cs typeface="Courier New" pitchFamily="49"/>
+              </a:rPr>
+              <a:t>Want </a:t>
+            </a:r>
+            <a:r>
+              <a:rPr lang="nl-NL" dirty="0" err="1">
+                <a:solidFill>
+                  <a:srgbClr val="00FF00"/>
+                </a:solidFill>
+                <a:latin typeface="Courier New" pitchFamily="49"/>
+                <a:cs typeface="Courier New" pitchFamily="49"/>
+              </a:rPr>
+              <a:t>longer</a:t>
+            </a:r>
+            <a:r>
+              <a:rPr lang="nl-NL" dirty="0">
+                <a:solidFill>
+                  <a:srgbClr val="00FF00"/>
+                </a:solidFill>
+                <a:latin typeface="Courier New" pitchFamily="49"/>
+                <a:cs typeface="Courier New" pitchFamily="49"/>
+              </a:rPr>
+              <a:t> living </a:t>
+            </a:r>
+            <a:r>
+              <a:rPr lang="nl-NL" dirty="0" err="1">
+                <a:solidFill>
+                  <a:srgbClr val="00FF00"/>
+                </a:solidFill>
+                <a:latin typeface="Courier New" pitchFamily="49"/>
+                <a:cs typeface="Courier New" pitchFamily="49"/>
+              </a:rPr>
+              <a:t>mocks</a:t>
+            </a:r>
+            <a:r>
+              <a:rPr lang="nl-NL" dirty="0">
+                <a:solidFill>
+                  <a:srgbClr val="00FF00"/>
+                </a:solidFill>
+                <a:latin typeface="Courier New" pitchFamily="49"/>
+                <a:cs typeface="Courier New" pitchFamily="49"/>
+              </a:rPr>
+              <a:t>? </a:t>
+            </a:r>
+            <a:r>
+              <a:rPr lang="nl-NL" dirty="0" err="1">
+                <a:solidFill>
+                  <a:srgbClr val="00FF00"/>
+                </a:solidFill>
+                <a:latin typeface="Courier New" pitchFamily="49"/>
+                <a:cs typeface="Courier New" pitchFamily="49"/>
+              </a:rPr>
+              <a:t>Use</a:t>
+            </a:r>
+            <a:r>
+              <a:rPr lang="nl-NL" dirty="0">
+                <a:solidFill>
+                  <a:srgbClr val="00FF00"/>
+                </a:solidFill>
+                <a:latin typeface="Courier New" pitchFamily="49"/>
+                <a:cs typeface="Courier New" pitchFamily="49"/>
+              </a:rPr>
+              <a:t> JSON </a:t>
+            </a:r>
+            <a:r>
+              <a:rPr lang="nl-NL" dirty="0" err="1">
+                <a:solidFill>
+                  <a:srgbClr val="00FF00"/>
+                </a:solidFill>
+                <a:latin typeface="Courier New" pitchFamily="49"/>
+                <a:cs typeface="Courier New" pitchFamily="49"/>
+              </a:rPr>
+              <a:t>mapping</a:t>
+            </a:r>
+            <a:r>
+              <a:rPr lang="nl-NL" dirty="0">
+                <a:solidFill>
+                  <a:srgbClr val="00FF00"/>
+                </a:solidFill>
+                <a:latin typeface="Courier New" pitchFamily="49"/>
+                <a:cs typeface="Courier New" pitchFamily="49"/>
+              </a:rPr>
+              <a:t> files</a:t>
+            </a:r>
+          </a:p>
+          <a:p>
+            <a:pPr lvl="0">
+              <a:buFont typeface="Courier New" pitchFamily="49"/>
+              <a:buChar char="_"/>
+            </a:pPr>
             <a:endParaRPr lang="nl-NL" dirty="0">
               <a:solidFill>
                 <a:srgbClr val="00FF00"/>
@@ -27456,6 +27011,16 @@
               <a:buChar char="_"/>
             </a:pPr>
             <a:r>
+              <a:rPr lang="nl-NL" dirty="0" err="1">
+                <a:solidFill>
+                  <a:srgbClr val="00FF00"/>
+                </a:solidFill>
+                <a:latin typeface="Courier New" pitchFamily="49"/>
+                <a:cs typeface="Courier New" pitchFamily="49"/>
+              </a:rPr>
+              <a:t>WireMock</a:t>
+            </a:r>
+            <a:r>
               <a:rPr lang="nl-NL" dirty="0">
                 <a:solidFill>
                   <a:srgbClr val="00FF00"/>
@@ -27463,7 +27028,7 @@
                 <a:latin typeface="Courier New" pitchFamily="49"/>
                 <a:cs typeface="Courier New" pitchFamily="49"/>
               </a:rPr>
-              <a:t>‘__files’ </a:t>
+              <a:t> </a:t>
             </a:r>
             <a:r>
               <a:rPr lang="nl-NL" dirty="0" err="1">
@@ -27473,7 +27038,7 @@
                 <a:latin typeface="Courier New" pitchFamily="49"/>
                 <a:cs typeface="Courier New" pitchFamily="49"/>
               </a:rPr>
-              <a:t>subfolder</a:t>
+              <a:t>can</a:t>
             </a:r>
             <a:r>
               <a:rPr lang="nl-NL" dirty="0">
@@ -27493,7 +27058,7 @@
                 <a:latin typeface="Courier New" pitchFamily="49"/>
                 <a:cs typeface="Courier New" pitchFamily="49"/>
               </a:rPr>
-              <a:t>contains</a:t>
+              <a:t>be</a:t>
             </a:r>
             <a:r>
               <a:rPr lang="nl-NL" dirty="0">
@@ -27503,7 +27068,7 @@
                 <a:latin typeface="Courier New" pitchFamily="49"/>
                 <a:cs typeface="Courier New" pitchFamily="49"/>
               </a:rPr>
-              <a:t> </a:t>
+              <a:t> run as a standalone </a:t>
             </a:r>
             <a:r>
               <a:rPr lang="nl-NL" dirty="0" err="1">
@@ -27513,25 +27078,22 @@
                 <a:latin typeface="Courier New" pitchFamily="49"/>
                 <a:cs typeface="Courier New" pitchFamily="49"/>
               </a:rPr>
-              <a:t>additional</a:t>
-            </a:r>
-            <a:r>
-              <a:rPr lang="nl-NL" dirty="0">
-                <a:solidFill>
-                  <a:srgbClr val="00FF00"/>
-                </a:solidFill>
-                <a:latin typeface="Courier New" pitchFamily="49"/>
-                <a:cs typeface="Courier New" pitchFamily="49"/>
-              </a:rPr>
-              <a:t> files</a:t>
-            </a:r>
+              <a:t>process</a:t>
+            </a:r>
+            <a:endParaRPr lang="nl-NL" dirty="0">
+              <a:solidFill>
+                <a:srgbClr val="00FF00"/>
+              </a:solidFill>
+              <a:latin typeface="Courier New" pitchFamily="49"/>
+              <a:cs typeface="Courier New" pitchFamily="49"/>
+            </a:endParaRPr>
           </a:p>
         </p:txBody>
       </p:sp>
     </p:spTree>
     <p:extLst>
       <p:ext uri="{BB962C8B-B14F-4D97-AF65-F5344CB8AC3E}">
-        <p14:creationId xmlns:p14="http://schemas.microsoft.com/office/powerpoint/2010/main" val="2341157969"/>
+        <p14:creationId xmlns:p14="http://schemas.microsoft.com/office/powerpoint/2010/main" val="429990327"/>
       </p:ext>
     </p:extLst>
   </p:cSld>
@@ -28427,7 +27989,7 @@
                 <a:latin typeface="Courier New" pitchFamily="49"/>
                 <a:cs typeface="Courier New" pitchFamily="49"/>
               </a:rPr>
-              <a:t>JSON </a:t>
+              <a:t>Running </a:t>
             </a:r>
             <a:r>
               <a:rPr lang="nl-NL" dirty="0" err="1">
@@ -28437,7 +27999,7 @@
                 <a:latin typeface="Courier New" pitchFamily="49"/>
                 <a:cs typeface="Courier New" pitchFamily="49"/>
               </a:rPr>
-              <a:t>mapping</a:t>
+              <a:t>WireMock</a:t>
             </a:r>
             <a:r>
               <a:rPr lang="nl-NL" dirty="0">
@@ -28447,7 +28009,7 @@
                 <a:latin typeface="Courier New" pitchFamily="49"/>
                 <a:cs typeface="Courier New" pitchFamily="49"/>
               </a:rPr>
-              <a:t> files</a:t>
+              <a:t> standalone</a:t>
             </a:r>
           </a:p>
         </p:txBody>
@@ -28478,120 +28040,55 @@
           <a:bodyPr/>
           <a:lstStyle/>
           <a:p>
+            <a:pPr marL="0" lvl="0" indent="0">
+              <a:buNone/>
+            </a:pPr>
+            <a:r>
+              <a:rPr lang="nl-NL" i="1" dirty="0" err="1">
+                <a:solidFill>
+                  <a:srgbClr val="00FF00"/>
+                </a:solidFill>
+                <a:latin typeface="Courier New" pitchFamily="49"/>
+                <a:cs typeface="Courier New" pitchFamily="49"/>
+              </a:rPr>
+              <a:t>java</a:t>
+            </a:r>
+            <a:r>
+              <a:rPr lang="nl-NL" i="1" dirty="0">
+                <a:solidFill>
+                  <a:srgbClr val="00FF00"/>
+                </a:solidFill>
+                <a:latin typeface="Courier New" pitchFamily="49"/>
+                <a:cs typeface="Courier New" pitchFamily="49"/>
+              </a:rPr>
+              <a:t> –</a:t>
+            </a:r>
+            <a:r>
+              <a:rPr lang="nl-NL" i="1" dirty="0" err="1">
+                <a:solidFill>
+                  <a:srgbClr val="00FF00"/>
+                </a:solidFill>
+                <a:latin typeface="Courier New" pitchFamily="49"/>
+                <a:cs typeface="Courier New" pitchFamily="49"/>
+              </a:rPr>
+              <a:t>jar</a:t>
+            </a:r>
+            <a:r>
+              <a:rPr lang="nl-NL" i="1" dirty="0">
+                <a:solidFill>
+                  <a:srgbClr val="00FF00"/>
+                </a:solidFill>
+                <a:latin typeface="Courier New" pitchFamily="49"/>
+                <a:cs typeface="Courier New" pitchFamily="49"/>
+              </a:rPr>
+              <a:t> wiremock-standalone-2.18.0.jar --port 9876</a:t>
+            </a:r>
+          </a:p>
+          <a:p>
             <a:pPr lvl="0">
               <a:buFont typeface="Courier New" pitchFamily="49"/>
               <a:buChar char="_"/>
             </a:pPr>
-            <a:r>
-              <a:rPr lang="nl-NL" dirty="0" err="1">
-                <a:solidFill>
-                  <a:srgbClr val="00FF00"/>
-                </a:solidFill>
-                <a:latin typeface="Courier New" pitchFamily="49"/>
-                <a:cs typeface="Courier New" pitchFamily="49"/>
-              </a:rPr>
-              <a:t>All</a:t>
-            </a:r>
-            <a:r>
-              <a:rPr lang="nl-NL" dirty="0">
-                <a:solidFill>
-                  <a:srgbClr val="00FF00"/>
-                </a:solidFill>
-                <a:latin typeface="Courier New" pitchFamily="49"/>
-                <a:cs typeface="Courier New" pitchFamily="49"/>
-              </a:rPr>
-              <a:t> features </a:t>
-            </a:r>
-            <a:r>
-              <a:rPr lang="nl-NL" dirty="0" err="1">
-                <a:solidFill>
-                  <a:srgbClr val="00FF00"/>
-                </a:solidFill>
-                <a:latin typeface="Courier New" pitchFamily="49"/>
-                <a:cs typeface="Courier New" pitchFamily="49"/>
-              </a:rPr>
-              <a:t>available</a:t>
-            </a:r>
-            <a:r>
-              <a:rPr lang="nl-NL" dirty="0">
-                <a:solidFill>
-                  <a:srgbClr val="00FF00"/>
-                </a:solidFill>
-                <a:latin typeface="Courier New" pitchFamily="49"/>
-                <a:cs typeface="Courier New" pitchFamily="49"/>
-              </a:rPr>
-              <a:t> in Java </a:t>
-            </a:r>
-            <a:r>
-              <a:rPr lang="nl-NL" dirty="0" err="1">
-                <a:solidFill>
-                  <a:srgbClr val="00FF00"/>
-                </a:solidFill>
-                <a:latin typeface="Courier New" pitchFamily="49"/>
-                <a:cs typeface="Courier New" pitchFamily="49"/>
-              </a:rPr>
-              <a:t>also</a:t>
-            </a:r>
-            <a:r>
-              <a:rPr lang="nl-NL" dirty="0">
-                <a:solidFill>
-                  <a:srgbClr val="00FF00"/>
-                </a:solidFill>
-                <a:latin typeface="Courier New" pitchFamily="49"/>
-                <a:cs typeface="Courier New" pitchFamily="49"/>
-              </a:rPr>
-              <a:t> </a:t>
-            </a:r>
-            <a:r>
-              <a:rPr lang="nl-NL" dirty="0" err="1">
-                <a:solidFill>
-                  <a:srgbClr val="00FF00"/>
-                </a:solidFill>
-                <a:latin typeface="Courier New" pitchFamily="49"/>
-                <a:cs typeface="Courier New" pitchFamily="49"/>
-              </a:rPr>
-              <a:t>available</a:t>
-            </a:r>
-            <a:r>
-              <a:rPr lang="nl-NL" dirty="0">
-                <a:solidFill>
-                  <a:srgbClr val="00FF00"/>
-                </a:solidFill>
-                <a:latin typeface="Courier New" pitchFamily="49"/>
-                <a:cs typeface="Courier New" pitchFamily="49"/>
-              </a:rPr>
-              <a:t> </a:t>
-            </a:r>
-            <a:r>
-              <a:rPr lang="nl-NL" dirty="0" err="1">
-                <a:solidFill>
-                  <a:srgbClr val="00FF00"/>
-                </a:solidFill>
-                <a:latin typeface="Courier New" pitchFamily="49"/>
-                <a:cs typeface="Courier New" pitchFamily="49"/>
-              </a:rPr>
-              <a:t>through</a:t>
-            </a:r>
-            <a:r>
-              <a:rPr lang="nl-NL" dirty="0">
-                <a:solidFill>
-                  <a:srgbClr val="00FF00"/>
-                </a:solidFill>
-                <a:latin typeface="Courier New" pitchFamily="49"/>
-                <a:cs typeface="Courier New" pitchFamily="49"/>
-              </a:rPr>
-              <a:t> JSON </a:t>
-            </a:r>
-            <a:r>
-              <a:rPr lang="nl-NL" dirty="0" err="1">
-                <a:solidFill>
-                  <a:srgbClr val="00FF00"/>
-                </a:solidFill>
-                <a:latin typeface="Courier New" pitchFamily="49"/>
-                <a:cs typeface="Courier New" pitchFamily="49"/>
-              </a:rPr>
-              <a:t>mappings</a:t>
-            </a:r>
             <a:endParaRPr lang="nl-NL" dirty="0">
               <a:solidFill>
                 <a:srgbClr val="00FF00"/>
@@ -28605,6 +28102,126 @@
               <a:buFont typeface="Courier New" pitchFamily="49"/>
               <a:buChar char="_"/>
             </a:pPr>
+            <a:r>
+              <a:rPr lang="nl-NL" dirty="0">
+                <a:solidFill>
+                  <a:srgbClr val="00FF00"/>
+                </a:solidFill>
+                <a:latin typeface="Courier New" pitchFamily="49"/>
+                <a:cs typeface="Courier New" pitchFamily="49"/>
+              </a:rPr>
+              <a:t>‘</a:t>
+            </a:r>
+            <a:r>
+              <a:rPr lang="nl-NL" dirty="0" err="1">
+                <a:solidFill>
+                  <a:srgbClr val="00FF00"/>
+                </a:solidFill>
+                <a:latin typeface="Courier New" pitchFamily="49"/>
+                <a:cs typeface="Courier New" pitchFamily="49"/>
+              </a:rPr>
+              <a:t>mappings</a:t>
+            </a:r>
+            <a:r>
+              <a:rPr lang="nl-NL" dirty="0">
+                <a:solidFill>
+                  <a:srgbClr val="00FF00"/>
+                </a:solidFill>
+                <a:latin typeface="Courier New" pitchFamily="49"/>
+                <a:cs typeface="Courier New" pitchFamily="49"/>
+              </a:rPr>
+              <a:t>’ </a:t>
+            </a:r>
+            <a:r>
+              <a:rPr lang="nl-NL" dirty="0" err="1">
+                <a:solidFill>
+                  <a:srgbClr val="00FF00"/>
+                </a:solidFill>
+                <a:latin typeface="Courier New" pitchFamily="49"/>
+                <a:cs typeface="Courier New" pitchFamily="49"/>
+              </a:rPr>
+              <a:t>subfolder</a:t>
+            </a:r>
+            <a:r>
+              <a:rPr lang="nl-NL" dirty="0">
+                <a:solidFill>
+                  <a:srgbClr val="00FF00"/>
+                </a:solidFill>
+                <a:latin typeface="Courier New" pitchFamily="49"/>
+                <a:cs typeface="Courier New" pitchFamily="49"/>
+              </a:rPr>
+              <a:t> </a:t>
+            </a:r>
+            <a:r>
+              <a:rPr lang="nl-NL" dirty="0" err="1">
+                <a:solidFill>
+                  <a:srgbClr val="00FF00"/>
+                </a:solidFill>
+                <a:latin typeface="Courier New" pitchFamily="49"/>
+                <a:cs typeface="Courier New" pitchFamily="49"/>
+              </a:rPr>
+              <a:t>should</a:t>
+            </a:r>
+            <a:r>
+              <a:rPr lang="nl-NL" dirty="0">
+                <a:solidFill>
+                  <a:srgbClr val="00FF00"/>
+                </a:solidFill>
+                <a:latin typeface="Courier New" pitchFamily="49"/>
+                <a:cs typeface="Courier New" pitchFamily="49"/>
+              </a:rPr>
+              <a:t> </a:t>
+            </a:r>
+            <a:r>
+              <a:rPr lang="nl-NL" dirty="0" err="1">
+                <a:solidFill>
+                  <a:srgbClr val="00FF00"/>
+                </a:solidFill>
+                <a:latin typeface="Courier New" pitchFamily="49"/>
+                <a:cs typeface="Courier New" pitchFamily="49"/>
+              </a:rPr>
+              <a:t>contain</a:t>
+            </a:r>
+            <a:r>
+              <a:rPr lang="nl-NL" dirty="0">
+                <a:solidFill>
+                  <a:srgbClr val="00FF00"/>
+                </a:solidFill>
+                <a:latin typeface="Courier New" pitchFamily="49"/>
+                <a:cs typeface="Courier New" pitchFamily="49"/>
+              </a:rPr>
+              <a:t> JSON </a:t>
+            </a:r>
+            <a:r>
+              <a:rPr lang="nl-NL" dirty="0" err="1">
+                <a:solidFill>
+                  <a:srgbClr val="00FF00"/>
+                </a:solidFill>
+                <a:latin typeface="Courier New" pitchFamily="49"/>
+                <a:cs typeface="Courier New" pitchFamily="49"/>
+              </a:rPr>
+              <a:t>mapping</a:t>
+            </a:r>
+            <a:r>
+              <a:rPr lang="nl-NL" dirty="0">
+                <a:solidFill>
+                  <a:srgbClr val="00FF00"/>
+                </a:solidFill>
+                <a:latin typeface="Courier New" pitchFamily="49"/>
+                <a:cs typeface="Courier New" pitchFamily="49"/>
+              </a:rPr>
+              <a:t> </a:t>
+            </a:r>
+            <a:r>
+              <a:rPr lang="nl-NL" dirty="0" err="1">
+                <a:solidFill>
+                  <a:srgbClr val="00FF00"/>
+                </a:solidFill>
+                <a:latin typeface="Courier New" pitchFamily="49"/>
+                <a:cs typeface="Courier New" pitchFamily="49"/>
+              </a:rPr>
+              <a:t>definitions</a:t>
+            </a:r>
             <a:endParaRPr lang="nl-NL" dirty="0">
               <a:solidFill>
                 <a:srgbClr val="00FF00"/>
@@ -28618,6 +28235,29 @@
               <a:buFont typeface="Courier New" pitchFamily="49"/>
               <a:buChar char="_"/>
             </a:pPr>
+            <a:endParaRPr lang="nl-NL" dirty="0">
+              <a:solidFill>
+                <a:srgbClr val="00FF00"/>
+              </a:solidFill>
+              <a:latin typeface="Courier New" pitchFamily="49"/>
+              <a:cs typeface="Courier New" pitchFamily="49"/>
+            </a:endParaRPr>
+          </a:p>
+          <a:p>
+            <a:pPr lvl="0">
+              <a:buFont typeface="Courier New" pitchFamily="49"/>
+              <a:buChar char="_"/>
+            </a:pPr>
+            <a:r>
+              <a:rPr lang="nl-NL" dirty="0">
+                <a:solidFill>
+                  <a:srgbClr val="00FF00"/>
+                </a:solidFill>
+                <a:latin typeface="Courier New" pitchFamily="49"/>
+                <a:cs typeface="Courier New" pitchFamily="49"/>
+              </a:rPr>
+              <a:t>‘__files’ </a:t>
+            </a:r>
             <a:r>
               <a:rPr lang="nl-NL" dirty="0" err="1">
                 <a:solidFill>
@@ -28626,7 +28266,7 @@
                 <a:latin typeface="Courier New" pitchFamily="49"/>
                 <a:cs typeface="Courier New" pitchFamily="49"/>
               </a:rPr>
-              <a:t>Example</a:t>
+              <a:t>subfolder</a:t>
             </a:r>
             <a:r>
               <a:rPr lang="nl-NL" dirty="0">
@@ -28636,45 +28276,55 @@
                 <a:latin typeface="Courier New" pitchFamily="49"/>
                 <a:cs typeface="Courier New" pitchFamily="49"/>
               </a:rPr>
-              <a:t>:</a:t>
+              <a:t> </a:t>
+            </a:r>
+            <a:r>
+              <a:rPr lang="nl-NL" dirty="0" err="1">
+                <a:solidFill>
+                  <a:srgbClr val="00FF00"/>
+                </a:solidFill>
+                <a:latin typeface="Courier New" pitchFamily="49"/>
+                <a:cs typeface="Courier New" pitchFamily="49"/>
+              </a:rPr>
+              <a:t>contains</a:t>
+            </a:r>
+            <a:r>
+              <a:rPr lang="nl-NL" dirty="0">
+                <a:solidFill>
+                  <a:srgbClr val="00FF00"/>
+                </a:solidFill>
+                <a:latin typeface="Courier New" pitchFamily="49"/>
+                <a:cs typeface="Courier New" pitchFamily="49"/>
+              </a:rPr>
+              <a:t> </a:t>
+            </a:r>
+            <a:r>
+              <a:rPr lang="nl-NL" dirty="0" err="1">
+                <a:solidFill>
+                  <a:srgbClr val="00FF00"/>
+                </a:solidFill>
+                <a:latin typeface="Courier New" pitchFamily="49"/>
+                <a:cs typeface="Courier New" pitchFamily="49"/>
+              </a:rPr>
+              <a:t>additional</a:t>
+            </a:r>
+            <a:r>
+              <a:rPr lang="nl-NL" dirty="0">
+                <a:solidFill>
+                  <a:srgbClr val="00FF00"/>
+                </a:solidFill>
+                <a:latin typeface="Courier New" pitchFamily="49"/>
+                <a:cs typeface="Courier New" pitchFamily="49"/>
+              </a:rPr>
+              <a:t> files</a:t>
             </a:r>
           </a:p>
         </p:txBody>
       </p:sp>
-      <p:pic>
-        <p:nvPicPr>
-          <p:cNvPr id="4" name="Picture 3">
-            <a:extLst>
-              <a:ext uri="{FF2B5EF4-FFF2-40B4-BE49-F238E27FC236}">
-                <a16:creationId xmlns:a16="http://schemas.microsoft.com/office/drawing/2014/main" id="{997D5A66-791C-4D00-919A-1233370F077B}"/>
-              </a:ext>
-            </a:extLst>
-          </p:cNvPr>
-          <p:cNvPicPr>
-            <a:picLocks noChangeAspect="1"/>
-          </p:cNvPicPr>
-          <p:nvPr/>
-        </p:nvPicPr>
-        <p:blipFill>
-          <a:blip r:embed="rId2"/>
-          <a:stretch>
-            <a:fillRect/>
-          </a:stretch>
-        </p:blipFill>
-        <p:spPr>
-          <a:xfrm>
-            <a:off x="3134647" y="3038194"/>
-            <a:ext cx="5572031" cy="3548453"/>
-          </a:xfrm>
-          <a:prstGeom prst="rect">
-            <a:avLst/>
-          </a:prstGeom>
-        </p:spPr>
-      </p:pic>
     </p:spTree>
     <p:extLst>
       <p:ext uri="{BB962C8B-B14F-4D97-AF65-F5344CB8AC3E}">
-        <p14:creationId xmlns:p14="http://schemas.microsoft.com/office/powerpoint/2010/main" val="814300950"/>
+        <p14:creationId xmlns:p14="http://schemas.microsoft.com/office/powerpoint/2010/main" val="2341157969"/>
       </p:ext>
     </p:extLst>
   </p:cSld>
@@ -28802,6 +28452,318 @@
                 <a:latin typeface="Courier New" pitchFamily="49"/>
                 <a:cs typeface="Courier New" pitchFamily="49"/>
               </a:rPr>
+              <a:t>All</a:t>
+            </a:r>
+            <a:r>
+              <a:rPr lang="nl-NL" dirty="0">
+                <a:solidFill>
+                  <a:srgbClr val="00FF00"/>
+                </a:solidFill>
+                <a:latin typeface="Courier New" pitchFamily="49"/>
+                <a:cs typeface="Courier New" pitchFamily="49"/>
+              </a:rPr>
+              <a:t> features </a:t>
+            </a:r>
+            <a:r>
+              <a:rPr lang="nl-NL" dirty="0" err="1">
+                <a:solidFill>
+                  <a:srgbClr val="00FF00"/>
+                </a:solidFill>
+                <a:latin typeface="Courier New" pitchFamily="49"/>
+                <a:cs typeface="Courier New" pitchFamily="49"/>
+              </a:rPr>
+              <a:t>available</a:t>
+            </a:r>
+            <a:r>
+              <a:rPr lang="nl-NL" dirty="0">
+                <a:solidFill>
+                  <a:srgbClr val="00FF00"/>
+                </a:solidFill>
+                <a:latin typeface="Courier New" pitchFamily="49"/>
+                <a:cs typeface="Courier New" pitchFamily="49"/>
+              </a:rPr>
+              <a:t> in Java </a:t>
+            </a:r>
+            <a:r>
+              <a:rPr lang="nl-NL" dirty="0" err="1">
+                <a:solidFill>
+                  <a:srgbClr val="00FF00"/>
+                </a:solidFill>
+                <a:latin typeface="Courier New" pitchFamily="49"/>
+                <a:cs typeface="Courier New" pitchFamily="49"/>
+              </a:rPr>
+              <a:t>also</a:t>
+            </a:r>
+            <a:r>
+              <a:rPr lang="nl-NL" dirty="0">
+                <a:solidFill>
+                  <a:srgbClr val="00FF00"/>
+                </a:solidFill>
+                <a:latin typeface="Courier New" pitchFamily="49"/>
+                <a:cs typeface="Courier New" pitchFamily="49"/>
+              </a:rPr>
+              <a:t> </a:t>
+            </a:r>
+            <a:r>
+              <a:rPr lang="nl-NL" dirty="0" err="1">
+                <a:solidFill>
+                  <a:srgbClr val="00FF00"/>
+                </a:solidFill>
+                <a:latin typeface="Courier New" pitchFamily="49"/>
+                <a:cs typeface="Courier New" pitchFamily="49"/>
+              </a:rPr>
+              <a:t>available</a:t>
+            </a:r>
+            <a:r>
+              <a:rPr lang="nl-NL" dirty="0">
+                <a:solidFill>
+                  <a:srgbClr val="00FF00"/>
+                </a:solidFill>
+                <a:latin typeface="Courier New" pitchFamily="49"/>
+                <a:cs typeface="Courier New" pitchFamily="49"/>
+              </a:rPr>
+              <a:t> </a:t>
+            </a:r>
+            <a:r>
+              <a:rPr lang="nl-NL" dirty="0" err="1">
+                <a:solidFill>
+                  <a:srgbClr val="00FF00"/>
+                </a:solidFill>
+                <a:latin typeface="Courier New" pitchFamily="49"/>
+                <a:cs typeface="Courier New" pitchFamily="49"/>
+              </a:rPr>
+              <a:t>through</a:t>
+            </a:r>
+            <a:r>
+              <a:rPr lang="nl-NL" dirty="0">
+                <a:solidFill>
+                  <a:srgbClr val="00FF00"/>
+                </a:solidFill>
+                <a:latin typeface="Courier New" pitchFamily="49"/>
+                <a:cs typeface="Courier New" pitchFamily="49"/>
+              </a:rPr>
+              <a:t> JSON </a:t>
+            </a:r>
+            <a:r>
+              <a:rPr lang="nl-NL" dirty="0" err="1">
+                <a:solidFill>
+                  <a:srgbClr val="00FF00"/>
+                </a:solidFill>
+                <a:latin typeface="Courier New" pitchFamily="49"/>
+                <a:cs typeface="Courier New" pitchFamily="49"/>
+              </a:rPr>
+              <a:t>mappings</a:t>
+            </a:r>
+            <a:endParaRPr lang="nl-NL" dirty="0">
+              <a:solidFill>
+                <a:srgbClr val="00FF00"/>
+              </a:solidFill>
+              <a:latin typeface="Courier New" pitchFamily="49"/>
+              <a:cs typeface="Courier New" pitchFamily="49"/>
+            </a:endParaRPr>
+          </a:p>
+          <a:p>
+            <a:pPr lvl="0">
+              <a:buFont typeface="Courier New" pitchFamily="49"/>
+              <a:buChar char="_"/>
+            </a:pPr>
+            <a:endParaRPr lang="nl-NL" dirty="0">
+              <a:solidFill>
+                <a:srgbClr val="00FF00"/>
+              </a:solidFill>
+              <a:latin typeface="Courier New" pitchFamily="49"/>
+              <a:cs typeface="Courier New" pitchFamily="49"/>
+            </a:endParaRPr>
+          </a:p>
+          <a:p>
+            <a:pPr lvl="0">
+              <a:buFont typeface="Courier New" pitchFamily="49"/>
+              <a:buChar char="_"/>
+            </a:pPr>
+            <a:r>
+              <a:rPr lang="nl-NL" dirty="0" err="1">
+                <a:solidFill>
+                  <a:srgbClr val="00FF00"/>
+                </a:solidFill>
+                <a:latin typeface="Courier New" pitchFamily="49"/>
+                <a:cs typeface="Courier New" pitchFamily="49"/>
+              </a:rPr>
+              <a:t>Example</a:t>
+            </a:r>
+            <a:r>
+              <a:rPr lang="nl-NL" dirty="0">
+                <a:solidFill>
+                  <a:srgbClr val="00FF00"/>
+                </a:solidFill>
+                <a:latin typeface="Courier New" pitchFamily="49"/>
+                <a:cs typeface="Courier New" pitchFamily="49"/>
+              </a:rPr>
+              <a:t>:</a:t>
+            </a:r>
+          </a:p>
+        </p:txBody>
+      </p:sp>
+      <p:pic>
+        <p:nvPicPr>
+          <p:cNvPr id="4" name="Picture 3">
+            <a:extLst>
+              <a:ext uri="{FF2B5EF4-FFF2-40B4-BE49-F238E27FC236}">
+                <a16:creationId xmlns:a16="http://schemas.microsoft.com/office/drawing/2014/main" id="{997D5A66-791C-4D00-919A-1233370F077B}"/>
+              </a:ext>
+            </a:extLst>
+          </p:cNvPr>
+          <p:cNvPicPr>
+            <a:picLocks noChangeAspect="1"/>
+          </p:cNvPicPr>
+          <p:nvPr/>
+        </p:nvPicPr>
+        <p:blipFill>
+          <a:blip r:embed="rId2"/>
+          <a:stretch>
+            <a:fillRect/>
+          </a:stretch>
+        </p:blipFill>
+        <p:spPr>
+          <a:xfrm>
+            <a:off x="3134647" y="3038194"/>
+            <a:ext cx="5572031" cy="3548453"/>
+          </a:xfrm>
+          <a:prstGeom prst="rect">
+            <a:avLst/>
+          </a:prstGeom>
+        </p:spPr>
+      </p:pic>
+    </p:spTree>
+    <p:extLst>
+      <p:ext uri="{BB962C8B-B14F-4D97-AF65-F5344CB8AC3E}">
+        <p14:creationId xmlns:p14="http://schemas.microsoft.com/office/powerpoint/2010/main" val="814300950"/>
+      </p:ext>
+    </p:extLst>
+  </p:cSld>
+  <p:clrMapOvr>
+    <a:masterClrMapping/>
+  </p:clrMapOvr>
+</p:sld>
+</file>
+
+<file path=ppt/slides/slide52.xml><?xml version="1.0" encoding="utf-8"?>
+<p:sld xmlns:a="http://schemas.openxmlformats.org/drawingml/2006/main" xmlns:r="http://schemas.openxmlformats.org/officeDocument/2006/relationships" xmlns:p="http://schemas.openxmlformats.org/presentationml/2006/main">
+  <p:cSld>
+    <p:bg>
+      <p:bgPr>
+        <a:solidFill>
+          <a:srgbClr val="000000"/>
+        </a:solidFill>
+        <a:effectLst/>
+      </p:bgPr>
+    </p:bg>
+    <p:spTree>
+      <p:nvGrpSpPr>
+        <p:cNvPr id="1" name=""/>
+        <p:cNvGrpSpPr/>
+        <p:nvPr/>
+      </p:nvGrpSpPr>
+      <p:grpSpPr>
+        <a:xfrm>
+          <a:off x="0" y="0"/>
+          <a:ext cx="0" cy="0"/>
+          <a:chOff x="0" y="0"/>
+          <a:chExt cx="0" cy="0"/>
+        </a:xfrm>
+      </p:grpSpPr>
+      <p:sp>
+        <p:nvSpPr>
+          <p:cNvPr id="2" name="Title 1">
+            <a:extLst>
+              <a:ext uri="{FF2B5EF4-FFF2-40B4-BE49-F238E27FC236}">
+                <a16:creationId xmlns:a16="http://schemas.microsoft.com/office/drawing/2014/main" id="{19F5B244-0AC6-4FDB-90B1-15F77C3031D0}"/>
+              </a:ext>
+            </a:extLst>
+          </p:cNvPr>
+          <p:cNvSpPr txBox="1">
+            <a:spLocks noGrp="1"/>
+          </p:cNvSpPr>
+          <p:nvPr>
+            <p:ph type="title"/>
+          </p:nvPr>
+        </p:nvSpPr>
+        <p:spPr/>
+        <p:txBody>
+          <a:bodyPr/>
+          <a:lstStyle/>
+          <a:p>
+            <a:pPr lvl="0"/>
+            <a:r>
+              <a:rPr lang="nl-NL" dirty="0">
+                <a:solidFill>
+                  <a:srgbClr val="00FF00"/>
+                </a:solidFill>
+                <a:latin typeface="Courier New" pitchFamily="49"/>
+                <a:cs typeface="Courier New" pitchFamily="49"/>
+              </a:rPr>
+              <a:t>JSON </a:t>
+            </a:r>
+            <a:r>
+              <a:rPr lang="nl-NL" dirty="0" err="1">
+                <a:solidFill>
+                  <a:srgbClr val="00FF00"/>
+                </a:solidFill>
+                <a:latin typeface="Courier New" pitchFamily="49"/>
+                <a:cs typeface="Courier New" pitchFamily="49"/>
+              </a:rPr>
+              <a:t>mapping</a:t>
+            </a:r>
+            <a:r>
+              <a:rPr lang="nl-NL" dirty="0">
+                <a:solidFill>
+                  <a:srgbClr val="00FF00"/>
+                </a:solidFill>
+                <a:latin typeface="Courier New" pitchFamily="49"/>
+                <a:cs typeface="Courier New" pitchFamily="49"/>
+              </a:rPr>
+              <a:t> files</a:t>
+            </a:r>
+          </a:p>
+        </p:txBody>
+      </p:sp>
+      <p:sp>
+        <p:nvSpPr>
+          <p:cNvPr id="3" name="Content Placeholder 2">
+            <a:extLst>
+              <a:ext uri="{FF2B5EF4-FFF2-40B4-BE49-F238E27FC236}">
+                <a16:creationId xmlns:a16="http://schemas.microsoft.com/office/drawing/2014/main" id="{D139C82B-AD86-4DD7-A5E8-FF4019CEF5E1}"/>
+              </a:ext>
+            </a:extLst>
+          </p:cNvPr>
+          <p:cNvSpPr txBox="1">
+            <a:spLocks noGrp="1"/>
+          </p:cNvSpPr>
+          <p:nvPr>
+            <p:ph idx="1"/>
+          </p:nvPr>
+        </p:nvSpPr>
+        <p:spPr>
+          <a:xfrm>
+            <a:off x="838203" y="1825627"/>
+            <a:ext cx="11257719" cy="4351336"/>
+          </a:xfrm>
+        </p:spPr>
+        <p:txBody>
+          <a:bodyPr/>
+          <a:lstStyle/>
+          <a:p>
+            <a:pPr lvl="0">
+              <a:buFont typeface="Courier New" pitchFamily="49"/>
+              <a:buChar char="_"/>
+            </a:pPr>
+            <a:r>
+              <a:rPr lang="nl-NL" dirty="0" err="1">
+                <a:solidFill>
+                  <a:srgbClr val="00FF00"/>
+                </a:solidFill>
+                <a:latin typeface="Courier New" pitchFamily="49"/>
+                <a:cs typeface="Courier New" pitchFamily="49"/>
+              </a:rPr>
               <a:t>Documentation</a:t>
             </a:r>
             <a:r>
@@ -29098,7 +29060,7 @@
 </p:sld>
 </file>
 
-<file path=ppt/slides/slide52.xml><?xml version="1.0" encoding="utf-8"?>
+<file path=ppt/slides/slide53.xml><?xml version="1.0" encoding="utf-8"?>
 <p:sld xmlns:a="http://schemas.openxmlformats.org/drawingml/2006/main" xmlns:r="http://schemas.openxmlformats.org/officeDocument/2006/relationships" xmlns:p="http://schemas.openxmlformats.org/presentationml/2006/main">
   <p:cSld name="Slide74">
     <p:bg>
@@ -29278,7 +29240,7 @@
 </p:sld>
 </file>
 
-<file path=ppt/slides/slide53.xml><?xml version="1.0" encoding="utf-8"?>
+<file path=ppt/slides/slide54.xml><?xml version="1.0" encoding="utf-8"?>
 <p:sld xmlns:a="http://schemas.openxmlformats.org/drawingml/2006/main" xmlns:r="http://schemas.openxmlformats.org/officeDocument/2006/relationships" xmlns:p="http://schemas.openxmlformats.org/presentationml/2006/main">
   <p:cSld>
     <p:bg>
@@ -29452,7 +29414,7 @@
 </p:sld>
 </file>
 
-<file path=ppt/slides/slide54.xml><?xml version="1.0" encoding="utf-8"?>
+<file path=ppt/slides/slide55.xml><?xml version="1.0" encoding="utf-8"?>
 <p:sld xmlns:a="http://schemas.openxmlformats.org/drawingml/2006/main" xmlns:r="http://schemas.openxmlformats.org/officeDocument/2006/relationships" xmlns:p="http://schemas.openxmlformats.org/presentationml/2006/main">
   <p:cSld>
     <p:bg>
@@ -29560,7 +29522,7 @@
 </p:sld>
 </file>
 
-<file path=ppt/slides/slide55.xml><?xml version="1.0" encoding="utf-8"?>
+<file path=ppt/slides/slide56.xml><?xml version="1.0" encoding="utf-8"?>
 <p:sld xmlns:a="http://schemas.openxmlformats.org/drawingml/2006/main" xmlns:r="http://schemas.openxmlformats.org/officeDocument/2006/relationships" xmlns:p="http://schemas.openxmlformats.org/presentationml/2006/main">
   <p:cSld name="Slide75">
     <p:bg>
@@ -29855,7 +29817,7 @@
 </p:sld>
 </file>
 
-<file path=ppt/slides/slide56.xml><?xml version="1.0" encoding="utf-8"?>
+<file path=ppt/slides/slide57.xml><?xml version="1.0" encoding="utf-8"?>
 <p:sld xmlns:a="http://schemas.openxmlformats.org/drawingml/2006/main" xmlns:r="http://schemas.openxmlformats.org/officeDocument/2006/relationships" xmlns:p="http://schemas.openxmlformats.org/presentationml/2006/main">
   <p:cSld name="Slide70">
     <p:bg>
@@ -30113,7 +30075,7 @@
 </p:sld>
 </file>
 
-<file path=ppt/slides/slide57.xml><?xml version="1.0" encoding="utf-8"?>
+<file path=ppt/slides/slide58.xml><?xml version="1.0" encoding="utf-8"?>
 <p:sld xmlns:a="http://schemas.openxmlformats.org/drawingml/2006/main" xmlns:r="http://schemas.openxmlformats.org/officeDocument/2006/relationships" xmlns:p="http://schemas.openxmlformats.org/presentationml/2006/main">
   <p:cSld name="Slide34">
     <p:bg>
@@ -30249,7 +30211,7 @@
 </p:sld>
 </file>
 
-<file path=ppt/slides/slide58.xml><?xml version="1.0" encoding="utf-8"?>
+<file path=ppt/slides/slide59.xml><?xml version="1.0" encoding="utf-8"?>
 <p:sld xmlns:a="http://schemas.openxmlformats.org/drawingml/2006/main" xmlns:r="http://schemas.openxmlformats.org/officeDocument/2006/relationships" xmlns:p="http://schemas.openxmlformats.org/presentationml/2006/main">
   <p:cSld name="Slide35">
     <p:bg>

--- a/wiremock_workshop.pptx
+++ b/wiremock_workshop.pptx
@@ -6,7 +6,7 @@
     <p:sldMasterId id="2147483660" r:id="rId2"/>
   </p:sldMasterIdLst>
   <p:notesMasterIdLst>
-    <p:notesMasterId r:id="rId62"/>
+    <p:notesMasterId r:id="rId54"/>
   </p:notesMasterIdLst>
   <p:sldIdLst>
     <p:sldId id="256" r:id="rId3"/>
@@ -50,24 +50,16 @@
     <p:sldId id="323" r:id="rId41"/>
     <p:sldId id="717" r:id="rId42"/>
     <p:sldId id="718" r:id="rId43"/>
-    <p:sldId id="327" r:id="rId44"/>
-    <p:sldId id="345" r:id="rId45"/>
-    <p:sldId id="346" r:id="rId46"/>
-    <p:sldId id="347" r:id="rId47"/>
-    <p:sldId id="348" r:id="rId48"/>
-    <p:sldId id="349" r:id="rId49"/>
-    <p:sldId id="350" r:id="rId50"/>
-    <p:sldId id="344" r:id="rId51"/>
-    <p:sldId id="340" r:id="rId52"/>
-    <p:sldId id="341" r:id="rId53"/>
-    <p:sldId id="342" r:id="rId54"/>
-    <p:sldId id="329" r:id="rId55"/>
-    <p:sldId id="339" r:id="rId56"/>
-    <p:sldId id="343" r:id="rId57"/>
-    <p:sldId id="330" r:id="rId58"/>
-    <p:sldId id="325" r:id="rId59"/>
-    <p:sldId id="289" r:id="rId60"/>
-    <p:sldId id="290" r:id="rId61"/>
+    <p:sldId id="761" r:id="rId44"/>
+    <p:sldId id="423" r:id="rId45"/>
+    <p:sldId id="762" r:id="rId46"/>
+    <p:sldId id="719" r:id="rId47"/>
+    <p:sldId id="424" r:id="rId48"/>
+    <p:sldId id="425" r:id="rId49"/>
+    <p:sldId id="426" r:id="rId50"/>
+    <p:sldId id="720" r:id="rId51"/>
+    <p:sldId id="721" r:id="rId52"/>
+    <p:sldId id="747" r:id="rId53"/>
   </p:sldIdLst>
   <p:sldSz cx="12192000" cy="6858000"/>
   <p:notesSz cx="6858000" cy="9144000"/>
@@ -1939,6 +1931,150 @@
     <p:extLst>
       <p:ext uri="{BB962C8B-B14F-4D97-AF65-F5344CB8AC3E}">
         <p14:creationId xmlns:p14="http://schemas.microsoft.com/office/powerpoint/2010/main" val="885874595"/>
+      </p:ext>
+    </p:extLst>
+  </p:cSld>
+  <p:clrMapOvr>
+    <a:masterClrMapping/>
+  </p:clrMapOvr>
+</p:notes>
+</file>
+
+<file path=ppt/notesSlides/notesSlide9.xml><?xml version="1.0" encoding="utf-8"?>
+<p:notes xmlns:a="http://schemas.openxmlformats.org/drawingml/2006/main" xmlns:r="http://schemas.openxmlformats.org/officeDocument/2006/relationships" xmlns:p="http://schemas.openxmlformats.org/presentationml/2006/main">
+  <p:cSld>
+    <p:spTree>
+      <p:nvGrpSpPr>
+        <p:cNvPr id="1" name=""/>
+        <p:cNvGrpSpPr/>
+        <p:nvPr/>
+      </p:nvGrpSpPr>
+      <p:grpSpPr>
+        <a:xfrm>
+          <a:off x="0" y="0"/>
+          <a:ext cx="0" cy="0"/>
+          <a:chOff x="0" y="0"/>
+          <a:chExt cx="0" cy="0"/>
+        </a:xfrm>
+      </p:grpSpPr>
+      <p:sp>
+        <p:nvSpPr>
+          <p:cNvPr id="2" name="Slide Image Placeholder 1"/>
+          <p:cNvSpPr>
+            <a:spLocks noGrp="1" noRot="1" noChangeAspect="1"/>
+          </p:cNvSpPr>
+          <p:nvPr>
+            <p:ph type="sldImg"/>
+          </p:nvPr>
+        </p:nvSpPr>
+        <p:spPr/>
+      </p:sp>
+      <p:sp>
+        <p:nvSpPr>
+          <p:cNvPr id="3" name="Notes Placeholder 2"/>
+          <p:cNvSpPr>
+            <a:spLocks noGrp="1"/>
+          </p:cNvSpPr>
+          <p:nvPr>
+            <p:ph type="body" idx="1"/>
+          </p:nvPr>
+        </p:nvSpPr>
+        <p:spPr/>
+        <p:txBody>
+          <a:bodyPr/>
+          <a:lstStyle/>
+          <a:p>
+            <a:endParaRPr lang="nl-NL" dirty="0"/>
+          </a:p>
+        </p:txBody>
+      </p:sp>
+      <p:sp>
+        <p:nvSpPr>
+          <p:cNvPr id="4" name="Slide Number Placeholder 3"/>
+          <p:cNvSpPr>
+            <a:spLocks noGrp="1"/>
+          </p:cNvSpPr>
+          <p:nvPr>
+            <p:ph type="sldNum" sz="quarter" idx="10"/>
+          </p:nvPr>
+        </p:nvSpPr>
+        <p:spPr/>
+        <p:txBody>
+          <a:bodyPr/>
+          <a:lstStyle/>
+          <a:p>
+            <a:pPr marL="0" marR="0" lvl="0" indent="0" algn="r" defTabSz="914400" rtl="0" eaLnBrk="1" fontAlgn="auto" latinLnBrk="0" hangingPunct="1">
+              <a:lnSpc>
+                <a:spcPct val="100000"/>
+              </a:lnSpc>
+              <a:spcBef>
+                <a:spcPts val="0"/>
+              </a:spcBef>
+              <a:spcAft>
+                <a:spcPts val="0"/>
+              </a:spcAft>
+              <a:buClrTx/>
+              <a:buSzTx/>
+              <a:buFontTx/>
+              <a:buNone/>
+              <a:tabLst/>
+              <a:defRPr/>
+            </a:pPr>
+            <a:fld id="{18D1B175-4AA8-4E22-A293-4FC0E25D585B}" type="slidenum">
+              <a:rPr kumimoji="0" lang="nl-NL" sz="1200" b="0" i="0" u="none" strike="noStrike" kern="1200" cap="none" spc="0" normalizeH="0" baseline="0" noProof="0" smtClean="0">
+                <a:ln>
+                  <a:noFill/>
+                </a:ln>
+                <a:solidFill>
+                  <a:prstClr val="black"/>
+                </a:solidFill>
+                <a:effectLst/>
+                <a:uLnTx/>
+                <a:uFillTx/>
+                <a:latin typeface="Calibri" panose="020F0502020204030204"/>
+                <a:ea typeface="+mn-ea"/>
+                <a:cs typeface="+mn-cs"/>
+              </a:rPr>
+              <a:pPr marL="0" marR="0" lvl="0" indent="0" algn="r" defTabSz="914400" rtl="0" eaLnBrk="1" fontAlgn="auto" latinLnBrk="0" hangingPunct="1">
+                <a:lnSpc>
+                  <a:spcPct val="100000"/>
+                </a:lnSpc>
+                <a:spcBef>
+                  <a:spcPts val="0"/>
+                </a:spcBef>
+                <a:spcAft>
+                  <a:spcPts val="0"/>
+                </a:spcAft>
+                <a:buClrTx/>
+                <a:buSzTx/>
+                <a:buFontTx/>
+                <a:buNone/>
+                <a:tabLst/>
+                <a:defRPr/>
+              </a:pPr>
+              <a:t>51</a:t>
+            </a:fld>
+            <a:endParaRPr kumimoji="0" lang="nl-NL" sz="1200" b="0" i="0" u="none" strike="noStrike" kern="1200" cap="none" spc="0" normalizeH="0" baseline="0" noProof="0">
+              <a:ln>
+                <a:noFill/>
+              </a:ln>
+              <a:solidFill>
+                <a:prstClr val="black"/>
+              </a:solidFill>
+              <a:effectLst/>
+              <a:uLnTx/>
+              <a:uFillTx/>
+              <a:latin typeface="Calibri" panose="020F0502020204030204"/>
+              <a:ea typeface="+mn-ea"/>
+              <a:cs typeface="+mn-cs"/>
+            </a:endParaRPr>
+          </a:p>
+        </p:txBody>
+      </p:sp>
+    </p:spTree>
+    <p:extLst>
+      <p:ext uri="{BB962C8B-B14F-4D97-AF65-F5344CB8AC3E}">
+        <p14:creationId xmlns:p14="http://schemas.microsoft.com/office/powerpoint/2010/main" val="1486813995"/>
       </p:ext>
     </p:extLst>
   </p:cSld>
@@ -23241,7 +23377,7 @@
 
 <file path=ppt/slides/slide42.xml><?xml version="1.0" encoding="utf-8"?>
 <p:sld xmlns:a="http://schemas.openxmlformats.org/drawingml/2006/main" xmlns:r="http://schemas.openxmlformats.org/officeDocument/2006/relationships" xmlns:p="http://schemas.openxmlformats.org/presentationml/2006/main">
-  <p:cSld name="Slide72">
+  <p:cSld>
     <p:bg>
       <p:bgPr>
         <a:solidFill>
@@ -24178,7 +24314,7 @@
     </p:spTree>
     <p:extLst>
       <p:ext uri="{BB962C8B-B14F-4D97-AF65-F5344CB8AC3E}">
-        <p14:creationId xmlns:p14="http://schemas.microsoft.com/office/powerpoint/2010/main" val="2954608133"/>
+        <p14:creationId xmlns:p14="http://schemas.microsoft.com/office/powerpoint/2010/main" val="1911261088"/>
       </p:ext>
     </p:extLst>
   </p:cSld>
@@ -24509,7 +24645,7 @@
     </p:spTree>
     <p:extLst>
       <p:ext uri="{BB962C8B-B14F-4D97-AF65-F5344CB8AC3E}">
-        <p14:creationId xmlns:p14="http://schemas.microsoft.com/office/powerpoint/2010/main" val="1723953420"/>
+        <p14:creationId xmlns:p14="http://schemas.microsoft.com/office/powerpoint/2010/main" val="3587049584"/>
       </p:ext>
     </p:extLst>
   </p:cSld>
@@ -24579,7 +24715,7 @@
                 <a:latin typeface="Courier New" pitchFamily="49"/>
                 <a:cs typeface="Courier New" pitchFamily="49"/>
               </a:rPr>
-              <a:t>Request</a:t>
+              <a:t>Enable</a:t>
             </a:r>
             <a:r>
               <a:rPr lang="nl-NL" dirty="0">
@@ -24589,7 +24725,7 @@
                 <a:latin typeface="Courier New" pitchFamily="49"/>
                 <a:cs typeface="Courier New" pitchFamily="49"/>
               </a:rPr>
-              <a:t> </a:t>
+              <a:t>/</a:t>
             </a:r>
             <a:r>
               <a:rPr lang="nl-NL" dirty="0" err="1">
@@ -24599,15 +24735,18 @@
                 <a:latin typeface="Courier New" pitchFamily="49"/>
                 <a:cs typeface="Courier New" pitchFamily="49"/>
               </a:rPr>
-              <a:t>attributes</a:t>
-            </a:r>
-            <a:endParaRPr lang="nl-NL" dirty="0">
-              <a:solidFill>
-                <a:srgbClr val="00FF00"/>
-              </a:solidFill>
-              <a:latin typeface="Courier New" pitchFamily="49"/>
-              <a:cs typeface="Courier New" pitchFamily="49"/>
-            </a:endParaRPr>
+              <a:t>apply</a:t>
+            </a:r>
+            <a:r>
+              <a:rPr lang="nl-NL" dirty="0">
+                <a:solidFill>
+                  <a:srgbClr val="00FF00"/>
+                </a:solidFill>
+                <a:latin typeface="Courier New" pitchFamily="49"/>
+                <a:cs typeface="Courier New" pitchFamily="49"/>
+              </a:rPr>
+              <a:t> response templating</a:t>
+            </a:r>
           </a:p>
         </p:txBody>
       </p:sp>
@@ -24630,13 +24769,11 @@
         <p:spPr>
           <a:xfrm>
             <a:off x="838203" y="1825627"/>
-            <a:ext cx="11237840" cy="4764016"/>
+            <a:ext cx="11143893" cy="4351336"/>
           </a:xfrm>
         </p:spPr>
         <p:txBody>
-          <a:bodyPr>
-            <a:normAutofit/>
-          </a:bodyPr>
+          <a:bodyPr/>
           <a:lstStyle/>
           <a:p>
             <a:pPr lvl="0">
@@ -24651,7 +24788,7 @@
                 <a:latin typeface="Courier New" pitchFamily="49"/>
                 <a:cs typeface="Courier New" pitchFamily="49"/>
               </a:rPr>
-              <a:t>Many</a:t>
+              <a:t>This</a:t>
             </a:r>
             <a:r>
               <a:rPr lang="nl-NL" dirty="0">
@@ -24661,7 +24798,7 @@
                 <a:latin typeface="Courier New" pitchFamily="49"/>
                 <a:cs typeface="Courier New" pitchFamily="49"/>
               </a:rPr>
-              <a:t> different </a:t>
+              <a:t> template </a:t>
             </a:r>
             <a:r>
               <a:rPr lang="nl-NL" dirty="0" err="1">
@@ -24671,6 +24808,46 @@
                 <a:latin typeface="Courier New" pitchFamily="49"/>
                 <a:cs typeface="Courier New" pitchFamily="49"/>
               </a:rPr>
+              <a:t>reads</a:t>
+            </a:r>
+            <a:r>
+              <a:rPr lang="nl-NL" dirty="0">
+                <a:solidFill>
+                  <a:srgbClr val="00FF00"/>
+                </a:solidFill>
+                <a:latin typeface="Courier New" pitchFamily="49"/>
+                <a:cs typeface="Courier New" pitchFamily="49"/>
+              </a:rPr>
+              <a:t> </a:t>
+            </a:r>
+            <a:r>
+              <a:rPr lang="nl-NL" dirty="0" err="1">
+                <a:solidFill>
+                  <a:srgbClr val="00FF00"/>
+                </a:solidFill>
+                <a:latin typeface="Courier New" pitchFamily="49"/>
+                <a:cs typeface="Courier New" pitchFamily="49"/>
+              </a:rPr>
+              <a:t>the</a:t>
+            </a:r>
+            <a:r>
+              <a:rPr lang="nl-NL" dirty="0">
+                <a:solidFill>
+                  <a:srgbClr val="00FF00"/>
+                </a:solidFill>
+                <a:latin typeface="Courier New" pitchFamily="49"/>
+                <a:cs typeface="Courier New" pitchFamily="49"/>
+              </a:rPr>
+              <a:t> HTTP </a:t>
+            </a:r>
+            <a:r>
+              <a:rPr lang="nl-NL" dirty="0" err="1">
+                <a:solidFill>
+                  <a:srgbClr val="00FF00"/>
+                </a:solidFill>
+                <a:latin typeface="Courier New" pitchFamily="49"/>
+                <a:cs typeface="Courier New" pitchFamily="49"/>
+              </a:rPr>
               <a:t>request</a:t>
             </a:r>
             <a:r>
@@ -24691,7 +24868,7 @@
                 <a:latin typeface="Courier New" pitchFamily="49"/>
                 <a:cs typeface="Courier New" pitchFamily="49"/>
               </a:rPr>
-              <a:t>attributes</a:t>
+              <a:t>method</a:t>
             </a:r>
             <a:r>
               <a:rPr lang="nl-NL" dirty="0">
@@ -24701,7 +24878,7 @@
                 <a:latin typeface="Courier New" pitchFamily="49"/>
                 <a:cs typeface="Courier New" pitchFamily="49"/>
               </a:rPr>
-              <a:t> </a:t>
+              <a:t> (GET/POST/PUT/…) </a:t>
             </a:r>
             <a:r>
               <a:rPr lang="nl-NL" dirty="0" err="1">
@@ -24711,7 +24888,7 @@
                 <a:latin typeface="Courier New" pitchFamily="49"/>
                 <a:cs typeface="Courier New" pitchFamily="49"/>
               </a:rPr>
-              <a:t>available</a:t>
+              <a:t>and</a:t>
             </a:r>
             <a:r>
               <a:rPr lang="nl-NL" dirty="0">
@@ -24721,7 +24898,7 @@
                 <a:latin typeface="Courier New" pitchFamily="49"/>
                 <a:cs typeface="Courier New" pitchFamily="49"/>
               </a:rPr>
-              <a:t> </a:t>
+              <a:t> returns </a:t>
             </a:r>
             <a:r>
               <a:rPr lang="nl-NL" dirty="0" err="1">
@@ -24731,7 +24908,7 @@
                 <a:latin typeface="Courier New" pitchFamily="49"/>
                 <a:cs typeface="Courier New" pitchFamily="49"/>
               </a:rPr>
-              <a:t>for</a:t>
+              <a:t>it</a:t>
             </a:r>
             <a:r>
               <a:rPr lang="nl-NL" dirty="0">
@@ -24741,7 +24918,7 @@
                 <a:latin typeface="Courier New" pitchFamily="49"/>
                 <a:cs typeface="Courier New" pitchFamily="49"/>
               </a:rPr>
-              <a:t> </a:t>
+              <a:t> as </a:t>
             </a:r>
             <a:r>
               <a:rPr lang="nl-NL" dirty="0" err="1">
@@ -24751,30 +24928,7 @@
                 <a:latin typeface="Courier New" pitchFamily="49"/>
                 <a:cs typeface="Courier New" pitchFamily="49"/>
               </a:rPr>
-              <a:t>use</a:t>
-            </a:r>
-            <a:endParaRPr lang="nl-NL" dirty="0">
-              <a:solidFill>
-                <a:srgbClr val="00FF00"/>
-              </a:solidFill>
-              <a:latin typeface="Courier New" pitchFamily="49"/>
-              <a:cs typeface="Courier New" pitchFamily="49"/>
-            </a:endParaRPr>
-          </a:p>
-          <a:p>
-            <a:pPr lvl="1">
-              <a:buFont typeface="Courier New" pitchFamily="49"/>
-              <a:buChar char="_"/>
-            </a:pPr>
-            <a:r>
-              <a:rPr lang="nl-NL" dirty="0" err="1">
-                <a:solidFill>
-                  <a:srgbClr val="00FF00"/>
-                </a:solidFill>
-                <a:latin typeface="Courier New" pitchFamily="49"/>
-                <a:cs typeface="Courier New" pitchFamily="49"/>
-              </a:rPr>
-              <a:t>request.requestLine.method</a:t>
+              <a:t>the</a:t>
             </a:r>
             <a:r>
               <a:rPr lang="nl-NL" dirty="0">
@@ -24784,300 +24938,45 @@
                 <a:latin typeface="Courier New" pitchFamily="49"/>
                 <a:cs typeface="Courier New" pitchFamily="49"/>
               </a:rPr>
-              <a:t> 	: HTTP </a:t>
-            </a:r>
-            <a:r>
-              <a:rPr lang="nl-NL" dirty="0" err="1">
-                <a:solidFill>
-                  <a:srgbClr val="00FF00"/>
-                </a:solidFill>
-                <a:latin typeface="Courier New" pitchFamily="49"/>
-                <a:cs typeface="Courier New" pitchFamily="49"/>
-              </a:rPr>
-              <a:t>method</a:t>
-            </a:r>
-            <a:r>
-              <a:rPr lang="nl-NL" dirty="0">
-                <a:solidFill>
-                  <a:srgbClr val="00FF00"/>
-                </a:solidFill>
-                <a:latin typeface="Courier New" pitchFamily="49"/>
-                <a:cs typeface="Courier New" pitchFamily="49"/>
-              </a:rPr>
-              <a:t> (</a:t>
-            </a:r>
-            <a:r>
-              <a:rPr lang="nl-NL" dirty="0" err="1">
-                <a:solidFill>
-                  <a:srgbClr val="00FF00"/>
-                </a:solidFill>
-                <a:latin typeface="Courier New" pitchFamily="49"/>
-                <a:cs typeface="Courier New" pitchFamily="49"/>
-              </a:rPr>
-              <a:t>example</a:t>
-            </a:r>
-            <a:r>
-              <a:rPr lang="nl-NL" dirty="0">
-                <a:solidFill>
-                  <a:srgbClr val="00FF00"/>
-                </a:solidFill>
-                <a:latin typeface="Courier New" pitchFamily="49"/>
-                <a:cs typeface="Courier New" pitchFamily="49"/>
-              </a:rPr>
-              <a:t>)</a:t>
-            </a:r>
-          </a:p>
-          <a:p>
-            <a:pPr lvl="1">
-              <a:buFont typeface="Courier New" pitchFamily="49"/>
-              <a:buChar char="_"/>
-            </a:pPr>
-            <a:r>
-              <a:rPr lang="nl-NL" dirty="0" err="1">
-                <a:solidFill>
-                  <a:srgbClr val="00FF00"/>
-                </a:solidFill>
-                <a:latin typeface="Courier New" pitchFamily="49"/>
-                <a:cs typeface="Courier New" pitchFamily="49"/>
-              </a:rPr>
-              <a:t>request.requestLine.path</a:t>
-            </a:r>
-            <a:r>
-              <a:rPr lang="nl-NL" dirty="0">
-                <a:solidFill>
-                  <a:srgbClr val="00FF00"/>
-                </a:solidFill>
-                <a:latin typeface="Courier New" pitchFamily="49"/>
-                <a:cs typeface="Courier New" pitchFamily="49"/>
-              </a:rPr>
-              <a:t>.[&lt;n&gt;] 	: </a:t>
-            </a:r>
-            <a:r>
-              <a:rPr lang="nl-NL" dirty="0" err="1">
-                <a:solidFill>
-                  <a:srgbClr val="00FF00"/>
-                </a:solidFill>
-                <a:latin typeface="Courier New" pitchFamily="49"/>
-                <a:cs typeface="Courier New" pitchFamily="49"/>
-              </a:rPr>
-              <a:t>n</a:t>
-            </a:r>
-            <a:r>
-              <a:rPr lang="nl-NL" baseline="30000" dirty="0" err="1">
-                <a:solidFill>
-                  <a:srgbClr val="00FF00"/>
-                </a:solidFill>
-                <a:latin typeface="Courier New" pitchFamily="49"/>
-                <a:cs typeface="Courier New" pitchFamily="49"/>
-              </a:rPr>
-              <a:t>th</a:t>
-            </a:r>
-            <a:r>
-              <a:rPr lang="nl-NL" dirty="0">
-                <a:solidFill>
-                  <a:srgbClr val="00FF00"/>
-                </a:solidFill>
-                <a:latin typeface="Courier New" pitchFamily="49"/>
-                <a:cs typeface="Courier New" pitchFamily="49"/>
-              </a:rPr>
-              <a:t> </a:t>
-            </a:r>
-            <a:r>
-              <a:rPr lang="nl-NL" dirty="0" err="1">
-                <a:solidFill>
-                  <a:srgbClr val="00FF00"/>
-                </a:solidFill>
-                <a:latin typeface="Courier New" pitchFamily="49"/>
-                <a:cs typeface="Courier New" pitchFamily="49"/>
-              </a:rPr>
-              <a:t>path</a:t>
-            </a:r>
-            <a:r>
-              <a:rPr lang="nl-NL" dirty="0">
-                <a:solidFill>
-                  <a:srgbClr val="00FF00"/>
-                </a:solidFill>
-                <a:latin typeface="Courier New" pitchFamily="49"/>
-                <a:cs typeface="Courier New" pitchFamily="49"/>
-              </a:rPr>
-              <a:t> segment</a:t>
-            </a:r>
-          </a:p>
-          <a:p>
-            <a:pPr lvl="1">
-              <a:buFont typeface="Courier New" pitchFamily="49"/>
-              <a:buChar char="_"/>
-            </a:pPr>
-            <a:r>
-              <a:rPr lang="nl-NL" dirty="0" err="1">
-                <a:solidFill>
-                  <a:srgbClr val="00FF00"/>
-                </a:solidFill>
-                <a:latin typeface="Courier New" pitchFamily="49"/>
-                <a:cs typeface="Courier New" pitchFamily="49"/>
-              </a:rPr>
-              <a:t>request.requestLine.scheme</a:t>
-            </a:r>
-            <a:r>
-              <a:rPr lang="nl-NL" dirty="0">
-                <a:solidFill>
-                  <a:srgbClr val="00FF00"/>
-                </a:solidFill>
-                <a:latin typeface="Courier New" pitchFamily="49"/>
-                <a:cs typeface="Courier New" pitchFamily="49"/>
-              </a:rPr>
-              <a:t> 	: protocol (e.g. HTTPS)</a:t>
-            </a:r>
-          </a:p>
-          <a:p>
-            <a:pPr lvl="1">
-              <a:buFont typeface="Courier New" pitchFamily="49"/>
-              <a:buChar char="_"/>
-            </a:pPr>
-            <a:r>
-              <a:rPr lang="nl-NL" dirty="0">
-                <a:solidFill>
-                  <a:srgbClr val="00FF00"/>
-                </a:solidFill>
-                <a:latin typeface="Courier New" pitchFamily="49"/>
-                <a:cs typeface="Courier New" pitchFamily="49"/>
-              </a:rPr>
-              <a:t>…</a:t>
-            </a:r>
-          </a:p>
-          <a:p>
-            <a:pPr lvl="1">
-              <a:buFont typeface="Courier New" pitchFamily="49"/>
-              <a:buChar char="_"/>
-            </a:pPr>
-            <a:endParaRPr lang="nl-NL" dirty="0">
-              <a:solidFill>
-                <a:srgbClr val="00FF00"/>
-              </a:solidFill>
-              <a:latin typeface="Courier New" pitchFamily="49"/>
-              <a:cs typeface="Courier New" pitchFamily="49"/>
-            </a:endParaRPr>
-          </a:p>
-          <a:p>
-            <a:pPr>
-              <a:buFont typeface="Courier New" pitchFamily="49"/>
-              <a:buChar char="_"/>
-            </a:pPr>
-            <a:r>
-              <a:rPr lang="nl-NL" dirty="0" err="1">
-                <a:solidFill>
-                  <a:srgbClr val="00FF00"/>
-                </a:solidFill>
-                <a:latin typeface="Courier New" pitchFamily="49"/>
-                <a:cs typeface="Courier New" pitchFamily="49"/>
-              </a:rPr>
-              <a:t>All</a:t>
-            </a:r>
-            <a:r>
-              <a:rPr lang="nl-NL" dirty="0">
-                <a:solidFill>
-                  <a:srgbClr val="00FF00"/>
-                </a:solidFill>
-                <a:latin typeface="Courier New" pitchFamily="49"/>
-                <a:cs typeface="Courier New" pitchFamily="49"/>
-              </a:rPr>
-              <a:t> </a:t>
-            </a:r>
-            <a:r>
-              <a:rPr lang="nl-NL" dirty="0" err="1">
-                <a:solidFill>
-                  <a:srgbClr val="00FF00"/>
-                </a:solidFill>
-                <a:latin typeface="Courier New" pitchFamily="49"/>
-                <a:cs typeface="Courier New" pitchFamily="49"/>
-              </a:rPr>
-              <a:t>available</a:t>
-            </a:r>
-            <a:r>
-              <a:rPr lang="nl-NL" dirty="0">
-                <a:solidFill>
-                  <a:srgbClr val="00FF00"/>
-                </a:solidFill>
-                <a:latin typeface="Courier New" pitchFamily="49"/>
-                <a:cs typeface="Courier New" pitchFamily="49"/>
-              </a:rPr>
-              <a:t> </a:t>
-            </a:r>
-            <a:r>
-              <a:rPr lang="nl-NL" dirty="0" err="1">
-                <a:solidFill>
-                  <a:srgbClr val="00FF00"/>
-                </a:solidFill>
-                <a:latin typeface="Courier New" pitchFamily="49"/>
-                <a:cs typeface="Courier New" pitchFamily="49"/>
-              </a:rPr>
-              <a:t>attributes</a:t>
-            </a:r>
-            <a:r>
-              <a:rPr lang="nl-NL" dirty="0">
-                <a:solidFill>
-                  <a:srgbClr val="00FF00"/>
-                </a:solidFill>
-                <a:latin typeface="Courier New" pitchFamily="49"/>
-                <a:cs typeface="Courier New" pitchFamily="49"/>
-              </a:rPr>
-              <a:t> </a:t>
-            </a:r>
-            <a:r>
-              <a:rPr lang="nl-NL" dirty="0" err="1">
-                <a:solidFill>
-                  <a:srgbClr val="00FF00"/>
-                </a:solidFill>
-                <a:latin typeface="Courier New" pitchFamily="49"/>
-                <a:cs typeface="Courier New" pitchFamily="49"/>
-              </a:rPr>
-              <a:t>listed</a:t>
-            </a:r>
-            <a:r>
-              <a:rPr lang="nl-NL" dirty="0">
-                <a:solidFill>
-                  <a:srgbClr val="00FF00"/>
-                </a:solidFill>
-                <a:latin typeface="Courier New" pitchFamily="49"/>
-                <a:cs typeface="Courier New" pitchFamily="49"/>
-              </a:rPr>
-              <a:t> at</a:t>
-            </a:r>
-          </a:p>
-          <a:p>
-            <a:pPr>
-              <a:buFont typeface="Courier New" pitchFamily="49"/>
-              <a:buChar char="_"/>
-            </a:pPr>
-            <a:endParaRPr lang="nl-NL" dirty="0">
-              <a:solidFill>
-                <a:srgbClr val="00FF00"/>
-              </a:solidFill>
-              <a:latin typeface="Courier New" pitchFamily="49"/>
-              <a:cs typeface="Courier New" pitchFamily="49"/>
-            </a:endParaRPr>
-          </a:p>
-          <a:p>
-            <a:pPr marL="0" indent="0">
-              <a:buNone/>
-            </a:pPr>
-            <a:r>
-              <a:rPr lang="nl-NL" i="1" dirty="0">
-                <a:solidFill>
-                  <a:srgbClr val="00FF00"/>
-                </a:solidFill>
-                <a:latin typeface="Courier New" pitchFamily="49"/>
-                <a:cs typeface="Courier New" pitchFamily="49"/>
-              </a:rPr>
-              <a:t>http://wiremock.org/docs/response-templating/</a:t>
+              <a:t> response body</a:t>
             </a:r>
           </a:p>
         </p:txBody>
       </p:sp>
+      <p:pic>
+        <p:nvPicPr>
+          <p:cNvPr id="4" name="Afbeelding 3">
+            <a:extLst>
+              <a:ext uri="{FF2B5EF4-FFF2-40B4-BE49-F238E27FC236}">
+                <a16:creationId xmlns:a16="http://schemas.microsoft.com/office/drawing/2014/main" id="{7E2C84C5-ECB0-498C-AA66-37750C4E4B5D}"/>
+              </a:ext>
+            </a:extLst>
+          </p:cNvPr>
+          <p:cNvPicPr>
+            <a:picLocks noChangeAspect="1"/>
+          </p:cNvPicPr>
+          <p:nvPr/>
+        </p:nvPicPr>
+        <p:blipFill>
+          <a:blip r:embed="rId2"/>
+          <a:stretch>
+            <a:fillRect/>
+          </a:stretch>
+        </p:blipFill>
+        <p:spPr>
+          <a:xfrm>
+            <a:off x="2665138" y="2985782"/>
+            <a:ext cx="6861724" cy="3191181"/>
+          </a:xfrm>
+          <a:prstGeom prst="rect">
+            <a:avLst/>
+          </a:prstGeom>
+        </p:spPr>
+      </p:pic>
     </p:spTree>
     <p:extLst>
       <p:ext uri="{BB962C8B-B14F-4D97-AF65-F5344CB8AC3E}">
-        <p14:creationId xmlns:p14="http://schemas.microsoft.com/office/powerpoint/2010/main" val="1275183940"/>
+        <p14:creationId xmlns:p14="http://schemas.microsoft.com/office/powerpoint/2010/main" val="268791346"/>
       </p:ext>
     </p:extLst>
   </p:cSld>
@@ -25169,36 +25068,13 @@
               </a:rPr>
               <a:t>attributes</a:t>
             </a:r>
-            <a:r>
-              <a:rPr lang="nl-NL" dirty="0">
-                <a:solidFill>
-                  <a:srgbClr val="00FF00"/>
-                </a:solidFill>
-                <a:latin typeface="Courier New" pitchFamily="49"/>
-                <a:cs typeface="Courier New" pitchFamily="49"/>
-              </a:rPr>
-              <a:t> (</a:t>
-            </a:r>
-            <a:r>
-              <a:rPr lang="nl-NL" dirty="0" err="1">
-                <a:solidFill>
-                  <a:srgbClr val="00FF00"/>
-                </a:solidFill>
-                <a:latin typeface="Courier New" pitchFamily="49"/>
-                <a:cs typeface="Courier New" pitchFamily="49"/>
-              </a:rPr>
-              <a:t>cont’d</a:t>
-            </a:r>
-            <a:r>
-              <a:rPr lang="nl-NL" dirty="0">
-                <a:solidFill>
-                  <a:srgbClr val="00FF00"/>
-                </a:solidFill>
-                <a:latin typeface="Courier New" pitchFamily="49"/>
-                <a:cs typeface="Courier New" pitchFamily="49"/>
-              </a:rPr>
-              <a:t>)</a:t>
-            </a:r>
+            <a:endParaRPr lang="nl-NL" dirty="0">
+              <a:solidFill>
+                <a:srgbClr val="00FF00"/>
+              </a:solidFill>
+              <a:latin typeface="Courier New" pitchFamily="49"/>
+              <a:cs typeface="Courier New" pitchFamily="49"/>
+            </a:endParaRPr>
           </a:p>
         </p:txBody>
       </p:sp>
@@ -25220,8 +25096,8 @@
         </p:nvSpPr>
         <p:spPr>
           <a:xfrm>
-            <a:off x="838202" y="1825627"/>
-            <a:ext cx="11353797" cy="4764016"/>
+            <a:off x="838203" y="1825627"/>
+            <a:ext cx="11237840" cy="4764016"/>
           </a:xfrm>
         </p:spPr>
         <p:txBody>
@@ -25242,7 +25118,7 @@
                 <a:latin typeface="Courier New" pitchFamily="49"/>
                 <a:cs typeface="Courier New" pitchFamily="49"/>
               </a:rPr>
-              <a:t>Extracting</a:t>
+              <a:t>Many</a:t>
             </a:r>
             <a:r>
               <a:rPr lang="nl-NL" dirty="0">
@@ -25252,6 +25128,26 @@
                 <a:latin typeface="Courier New" pitchFamily="49"/>
                 <a:cs typeface="Courier New" pitchFamily="49"/>
               </a:rPr>
+              <a:t> different </a:t>
+            </a:r>
+            <a:r>
+              <a:rPr lang="nl-NL" dirty="0" err="1">
+                <a:solidFill>
+                  <a:srgbClr val="00FF00"/>
+                </a:solidFill>
+                <a:latin typeface="Courier New" pitchFamily="49"/>
+                <a:cs typeface="Courier New" pitchFamily="49"/>
+              </a:rPr>
+              <a:t>request</a:t>
+            </a:r>
+            <a:r>
+              <a:rPr lang="nl-NL" dirty="0">
+                <a:solidFill>
+                  <a:srgbClr val="00FF00"/>
+                </a:solidFill>
+                <a:latin typeface="Courier New" pitchFamily="49"/>
+                <a:cs typeface="Courier New" pitchFamily="49"/>
+              </a:rPr>
               <a:t> </a:t>
             </a:r>
             <a:r>
@@ -25262,7 +25158,7 @@
                 <a:latin typeface="Courier New" pitchFamily="49"/>
                 <a:cs typeface="Courier New" pitchFamily="49"/>
               </a:rPr>
-              <a:t>and</a:t>
+              <a:t>attributes</a:t>
             </a:r>
             <a:r>
               <a:rPr lang="nl-NL" dirty="0">
@@ -25282,7 +25178,7 @@
                 <a:latin typeface="Courier New" pitchFamily="49"/>
                 <a:cs typeface="Courier New" pitchFamily="49"/>
               </a:rPr>
-              <a:t>reusing</a:t>
+              <a:t>available</a:t>
             </a:r>
             <a:r>
               <a:rPr lang="nl-NL" dirty="0">
@@ -25292,7 +25188,7 @@
                 <a:latin typeface="Courier New" pitchFamily="49"/>
                 <a:cs typeface="Courier New" pitchFamily="49"/>
               </a:rPr>
-              <a:t> body </a:t>
+              <a:t> </a:t>
             </a:r>
             <a:r>
               <a:rPr lang="nl-NL" dirty="0" err="1">
@@ -25302,7 +25198,27 @@
                 <a:latin typeface="Courier New" pitchFamily="49"/>
                 <a:cs typeface="Courier New" pitchFamily="49"/>
               </a:rPr>
-              <a:t>elements</a:t>
+              <a:t>for</a:t>
+            </a:r>
+            <a:r>
+              <a:rPr lang="nl-NL" dirty="0">
+                <a:solidFill>
+                  <a:srgbClr val="00FF00"/>
+                </a:solidFill>
+                <a:latin typeface="Courier New" pitchFamily="49"/>
+                <a:cs typeface="Courier New" pitchFamily="49"/>
+              </a:rPr>
+              <a:t> </a:t>
+            </a:r>
+            <a:r>
+              <a:rPr lang="nl-NL" dirty="0" err="1">
+                <a:solidFill>
+                  <a:srgbClr val="00FF00"/>
+                </a:solidFill>
+                <a:latin typeface="Courier New" pitchFamily="49"/>
+                <a:cs typeface="Courier New" pitchFamily="49"/>
+              </a:rPr>
+              <a:t>use</a:t>
             </a:r>
             <a:endParaRPr lang="nl-NL" dirty="0">
               <a:solidFill>
@@ -25313,7 +25229,191 @@
             </a:endParaRPr>
           </a:p>
           <a:p>
-            <a:pPr lvl="0">
+            <a:pPr lvl="1">
+              <a:buFont typeface="Courier New" pitchFamily="49"/>
+              <a:buChar char="_"/>
+            </a:pPr>
+            <a:r>
+              <a:rPr lang="nl-NL" dirty="0" err="1">
+                <a:solidFill>
+                  <a:srgbClr val="00FF00"/>
+                </a:solidFill>
+                <a:latin typeface="Courier New" pitchFamily="49"/>
+                <a:cs typeface="Courier New" pitchFamily="49"/>
+              </a:rPr>
+              <a:t>request.requestLine.method</a:t>
+            </a:r>
+            <a:r>
+              <a:rPr lang="nl-NL" dirty="0">
+                <a:solidFill>
+                  <a:srgbClr val="00FF00"/>
+                </a:solidFill>
+                <a:latin typeface="Courier New" pitchFamily="49"/>
+                <a:cs typeface="Courier New" pitchFamily="49"/>
+              </a:rPr>
+              <a:t> 	: HTTP </a:t>
+            </a:r>
+            <a:r>
+              <a:rPr lang="nl-NL" dirty="0" err="1">
+                <a:solidFill>
+                  <a:srgbClr val="00FF00"/>
+                </a:solidFill>
+                <a:latin typeface="Courier New" pitchFamily="49"/>
+                <a:cs typeface="Courier New" pitchFamily="49"/>
+              </a:rPr>
+              <a:t>method</a:t>
+            </a:r>
+            <a:r>
+              <a:rPr lang="nl-NL" dirty="0">
+                <a:solidFill>
+                  <a:srgbClr val="00FF00"/>
+                </a:solidFill>
+                <a:latin typeface="Courier New" pitchFamily="49"/>
+                <a:cs typeface="Courier New" pitchFamily="49"/>
+              </a:rPr>
+              <a:t> (</a:t>
+            </a:r>
+            <a:r>
+              <a:rPr lang="nl-NL" dirty="0" err="1">
+                <a:solidFill>
+                  <a:srgbClr val="00FF00"/>
+                </a:solidFill>
+                <a:latin typeface="Courier New" pitchFamily="49"/>
+                <a:cs typeface="Courier New" pitchFamily="49"/>
+              </a:rPr>
+              <a:t>example</a:t>
+            </a:r>
+            <a:r>
+              <a:rPr lang="nl-NL" dirty="0">
+                <a:solidFill>
+                  <a:srgbClr val="00FF00"/>
+                </a:solidFill>
+                <a:latin typeface="Courier New" pitchFamily="49"/>
+                <a:cs typeface="Courier New" pitchFamily="49"/>
+              </a:rPr>
+              <a:t>)</a:t>
+            </a:r>
+          </a:p>
+          <a:p>
+            <a:pPr lvl="1">
+              <a:buFont typeface="Courier New" pitchFamily="49"/>
+              <a:buChar char="_"/>
+            </a:pPr>
+            <a:r>
+              <a:rPr lang="nl-NL" dirty="0" err="1">
+                <a:solidFill>
+                  <a:srgbClr val="00FF00"/>
+                </a:solidFill>
+                <a:latin typeface="Courier New" pitchFamily="49"/>
+                <a:cs typeface="Courier New" pitchFamily="49"/>
+              </a:rPr>
+              <a:t>request.requestLine.path</a:t>
+            </a:r>
+            <a:r>
+              <a:rPr lang="nl-NL" dirty="0">
+                <a:solidFill>
+                  <a:srgbClr val="00FF00"/>
+                </a:solidFill>
+                <a:latin typeface="Courier New" pitchFamily="49"/>
+                <a:cs typeface="Courier New" pitchFamily="49"/>
+              </a:rPr>
+              <a:t>.[&lt;n&gt;] 	: </a:t>
+            </a:r>
+            <a:r>
+              <a:rPr lang="nl-NL" dirty="0" err="1">
+                <a:solidFill>
+                  <a:srgbClr val="00FF00"/>
+                </a:solidFill>
+                <a:latin typeface="Courier New" pitchFamily="49"/>
+                <a:cs typeface="Courier New" pitchFamily="49"/>
+              </a:rPr>
+              <a:t>n</a:t>
+            </a:r>
+            <a:r>
+              <a:rPr lang="nl-NL" baseline="30000" dirty="0" err="1">
+                <a:solidFill>
+                  <a:srgbClr val="00FF00"/>
+                </a:solidFill>
+                <a:latin typeface="Courier New" pitchFamily="49"/>
+                <a:cs typeface="Courier New" pitchFamily="49"/>
+              </a:rPr>
+              <a:t>th</a:t>
+            </a:r>
+            <a:r>
+              <a:rPr lang="nl-NL" dirty="0">
+                <a:solidFill>
+                  <a:srgbClr val="00FF00"/>
+                </a:solidFill>
+                <a:latin typeface="Courier New" pitchFamily="49"/>
+                <a:cs typeface="Courier New" pitchFamily="49"/>
+              </a:rPr>
+              <a:t> </a:t>
+            </a:r>
+            <a:r>
+              <a:rPr lang="nl-NL" dirty="0" err="1">
+                <a:solidFill>
+                  <a:srgbClr val="00FF00"/>
+                </a:solidFill>
+                <a:latin typeface="Courier New" pitchFamily="49"/>
+                <a:cs typeface="Courier New" pitchFamily="49"/>
+              </a:rPr>
+              <a:t>path</a:t>
+            </a:r>
+            <a:r>
+              <a:rPr lang="nl-NL" dirty="0">
+                <a:solidFill>
+                  <a:srgbClr val="00FF00"/>
+                </a:solidFill>
+                <a:latin typeface="Courier New" pitchFamily="49"/>
+                <a:cs typeface="Courier New" pitchFamily="49"/>
+              </a:rPr>
+              <a:t> segment</a:t>
+            </a:r>
+          </a:p>
+          <a:p>
+            <a:pPr lvl="1">
+              <a:buFont typeface="Courier New" pitchFamily="49"/>
+              <a:buChar char="_"/>
+            </a:pPr>
+            <a:r>
+              <a:rPr lang="nl-NL" dirty="0" err="1">
+                <a:solidFill>
+                  <a:srgbClr val="00FF00"/>
+                </a:solidFill>
+                <a:latin typeface="Courier New" pitchFamily="49"/>
+                <a:cs typeface="Courier New" pitchFamily="49"/>
+              </a:rPr>
+              <a:t>request.requestLine.scheme</a:t>
+            </a:r>
+            <a:r>
+              <a:rPr lang="nl-NL" dirty="0">
+                <a:solidFill>
+                  <a:srgbClr val="00FF00"/>
+                </a:solidFill>
+                <a:latin typeface="Courier New" pitchFamily="49"/>
+                <a:cs typeface="Courier New" pitchFamily="49"/>
+              </a:rPr>
+              <a:t> 	: protocol (e.g. HTTPS)</a:t>
+            </a:r>
+          </a:p>
+          <a:p>
+            <a:pPr lvl="1">
+              <a:buFont typeface="Courier New" pitchFamily="49"/>
+              <a:buChar char="_"/>
+            </a:pPr>
+            <a:r>
+              <a:rPr lang="nl-NL" dirty="0">
+                <a:solidFill>
+                  <a:srgbClr val="00FF00"/>
+                </a:solidFill>
+                <a:latin typeface="Courier New" pitchFamily="49"/>
+                <a:cs typeface="Courier New" pitchFamily="49"/>
+              </a:rPr>
+              <a:t>…</a:t>
+            </a:r>
+          </a:p>
+          <a:p>
+            <a:pPr lvl="1">
               <a:buFont typeface="Courier New" pitchFamily="49"/>
               <a:buChar char="_"/>
             </a:pPr>
@@ -25326,10 +25426,20 @@
             </a:endParaRPr>
           </a:p>
           <a:p>
-            <a:pPr lvl="0">
-              <a:buFont typeface="Courier New" pitchFamily="49"/>
-              <a:buChar char="_"/>
-            </a:pPr>
+            <a:pPr>
+              <a:buFont typeface="Courier New" pitchFamily="49"/>
+              <a:buChar char="_"/>
+            </a:pPr>
+            <a:r>
+              <a:rPr lang="nl-NL" dirty="0" err="1">
+                <a:solidFill>
+                  <a:srgbClr val="00FF00"/>
+                </a:solidFill>
+                <a:latin typeface="Courier New" pitchFamily="49"/>
+                <a:cs typeface="Courier New" pitchFamily="49"/>
+              </a:rPr>
+              <a:t>All</a:t>
+            </a:r>
             <a:r>
               <a:rPr lang="nl-NL" dirty="0">
                 <a:solidFill>
@@ -25338,7 +25448,7 @@
                 <a:latin typeface="Courier New" pitchFamily="49"/>
                 <a:cs typeface="Courier New" pitchFamily="49"/>
               </a:rPr>
-              <a:t>In case of a JSON </a:t>
+              <a:t> </a:t>
             </a:r>
             <a:r>
               <a:rPr lang="nl-NL" dirty="0" err="1">
@@ -25348,7 +25458,7 @@
                 <a:latin typeface="Courier New" pitchFamily="49"/>
                 <a:cs typeface="Courier New" pitchFamily="49"/>
               </a:rPr>
-              <a:t>request</a:t>
+              <a:t>available</a:t>
             </a:r>
             <a:r>
               <a:rPr lang="nl-NL" dirty="0">
@@ -25358,7 +25468,47 @@
                 <a:latin typeface="Courier New" pitchFamily="49"/>
                 <a:cs typeface="Courier New" pitchFamily="49"/>
               </a:rPr>
-              <a:t> body:</a:t>
+              <a:t> </a:t>
+            </a:r>
+            <a:r>
+              <a:rPr lang="nl-NL" dirty="0" err="1">
+                <a:solidFill>
+                  <a:srgbClr val="00FF00"/>
+                </a:solidFill>
+                <a:latin typeface="Courier New" pitchFamily="49"/>
+                <a:cs typeface="Courier New" pitchFamily="49"/>
+              </a:rPr>
+              <a:t>attributes</a:t>
+            </a:r>
+            <a:r>
+              <a:rPr lang="nl-NL" dirty="0">
+                <a:solidFill>
+                  <a:srgbClr val="00FF00"/>
+                </a:solidFill>
+                <a:latin typeface="Courier New" pitchFamily="49"/>
+                <a:cs typeface="Courier New" pitchFamily="49"/>
+              </a:rPr>
+              <a:t> </a:t>
+            </a:r>
+            <a:r>
+              <a:rPr lang="nl-NL" dirty="0" err="1">
+                <a:solidFill>
+                  <a:srgbClr val="00FF00"/>
+                </a:solidFill>
+                <a:latin typeface="Courier New" pitchFamily="49"/>
+                <a:cs typeface="Courier New" pitchFamily="49"/>
+              </a:rPr>
+              <a:t>listed</a:t>
+            </a:r>
+            <a:r>
+              <a:rPr lang="nl-NL" dirty="0">
+                <a:solidFill>
+                  <a:srgbClr val="00FF00"/>
+                </a:solidFill>
+                <a:latin typeface="Courier New" pitchFamily="49"/>
+                <a:cs typeface="Courier New" pitchFamily="49"/>
+              </a:rPr>
+              <a:t> at</a:t>
             </a:r>
           </a:p>
           <a:p>
@@ -25366,88 +25516,6 @@
               <a:buFont typeface="Courier New" pitchFamily="49"/>
               <a:buChar char="_"/>
             </a:pPr>
-            <a:endParaRPr lang="nl-NL" i="1" dirty="0">
-              <a:solidFill>
-                <a:srgbClr val="00FF00"/>
-              </a:solidFill>
-              <a:latin typeface="Courier New" pitchFamily="49"/>
-              <a:cs typeface="Courier New" pitchFamily="49"/>
-            </a:endParaRPr>
-          </a:p>
-          <a:p>
-            <a:pPr marL="0" indent="0">
-              <a:buNone/>
-            </a:pPr>
-            <a:r>
-              <a:rPr lang="nl-NL" i="1" dirty="0">
-                <a:solidFill>
-                  <a:srgbClr val="00FF00"/>
-                </a:solidFill>
-                <a:latin typeface="Courier New" pitchFamily="49"/>
-                <a:cs typeface="Courier New" pitchFamily="49"/>
-              </a:rPr>
-              <a:t>{{</a:t>
-            </a:r>
-            <a:r>
-              <a:rPr lang="nl-NL" i="1" dirty="0" err="1">
-                <a:solidFill>
-                  <a:srgbClr val="00FF00"/>
-                </a:solidFill>
-                <a:latin typeface="Courier New" pitchFamily="49"/>
-                <a:cs typeface="Courier New" pitchFamily="49"/>
-              </a:rPr>
-              <a:t>jsonPath</a:t>
-            </a:r>
-            <a:r>
-              <a:rPr lang="nl-NL" i="1" dirty="0">
-                <a:solidFill>
-                  <a:srgbClr val="00FF00"/>
-                </a:solidFill>
-                <a:latin typeface="Courier New" pitchFamily="49"/>
-                <a:cs typeface="Courier New" pitchFamily="49"/>
-              </a:rPr>
-              <a:t> </a:t>
-            </a:r>
-            <a:r>
-              <a:rPr lang="nl-NL" i="1" dirty="0" err="1">
-                <a:solidFill>
-                  <a:srgbClr val="00FF00"/>
-                </a:solidFill>
-                <a:latin typeface="Courier New" pitchFamily="49"/>
-                <a:cs typeface="Courier New" pitchFamily="49"/>
-              </a:rPr>
-              <a:t>request.body</a:t>
-            </a:r>
-            <a:r>
-              <a:rPr lang="nl-NL" i="1" dirty="0">
-                <a:solidFill>
-                  <a:srgbClr val="00FF00"/>
-                </a:solidFill>
-                <a:latin typeface="Courier New" pitchFamily="49"/>
-                <a:cs typeface="Courier New" pitchFamily="49"/>
-              </a:rPr>
-              <a:t> ‘$.</a:t>
-            </a:r>
-            <a:r>
-              <a:rPr lang="nl-NL" i="1" dirty="0" err="1">
-                <a:solidFill>
-                  <a:srgbClr val="00FF00"/>
-                </a:solidFill>
-                <a:latin typeface="Courier New" pitchFamily="49"/>
-                <a:cs typeface="Courier New" pitchFamily="49"/>
-              </a:rPr>
-              <a:t>path.to.element</a:t>
-            </a:r>
-            <a:r>
-              <a:rPr lang="nl-NL" i="1" dirty="0">
-                <a:solidFill>
-                  <a:srgbClr val="00FF00"/>
-                </a:solidFill>
-                <a:latin typeface="Courier New" pitchFamily="49"/>
-                <a:cs typeface="Courier New" pitchFamily="49"/>
-              </a:rPr>
-              <a:t>’}}</a:t>
-            </a:r>
             <a:endParaRPr lang="nl-NL" dirty="0">
               <a:solidFill>
                 <a:srgbClr val="00FF00"/>
@@ -25457,87 +25525,6 @@
             </a:endParaRPr>
           </a:p>
           <a:p>
-            <a:pPr lvl="0">
-              <a:buFont typeface="Courier New" pitchFamily="49"/>
-              <a:buChar char="_"/>
-            </a:pPr>
-            <a:endParaRPr lang="nl-NL" dirty="0">
-              <a:solidFill>
-                <a:srgbClr val="00FF00"/>
-              </a:solidFill>
-              <a:latin typeface="Courier New" pitchFamily="49"/>
-              <a:cs typeface="Courier New" pitchFamily="49"/>
-            </a:endParaRPr>
-          </a:p>
-          <a:p>
-            <a:pPr lvl="0">
-              <a:buFont typeface="Courier New" pitchFamily="49"/>
-              <a:buChar char="_"/>
-            </a:pPr>
-            <a:r>
-              <a:rPr lang="nl-NL" dirty="0">
-                <a:solidFill>
-                  <a:srgbClr val="00FF00"/>
-                </a:solidFill>
-                <a:latin typeface="Courier New" pitchFamily="49"/>
-                <a:cs typeface="Courier New" pitchFamily="49"/>
-              </a:rPr>
-              <a:t>In case of </a:t>
-            </a:r>
-            <a:r>
-              <a:rPr lang="nl-NL" dirty="0" err="1">
-                <a:solidFill>
-                  <a:srgbClr val="00FF00"/>
-                </a:solidFill>
-                <a:latin typeface="Courier New" pitchFamily="49"/>
-                <a:cs typeface="Courier New" pitchFamily="49"/>
-              </a:rPr>
-              <a:t>an</a:t>
-            </a:r>
-            <a:r>
-              <a:rPr lang="nl-NL" dirty="0">
-                <a:solidFill>
-                  <a:srgbClr val="00FF00"/>
-                </a:solidFill>
-                <a:latin typeface="Courier New" pitchFamily="49"/>
-                <a:cs typeface="Courier New" pitchFamily="49"/>
-              </a:rPr>
-              <a:t> XML </a:t>
-            </a:r>
-            <a:r>
-              <a:rPr lang="nl-NL" dirty="0" err="1">
-                <a:solidFill>
-                  <a:srgbClr val="00FF00"/>
-                </a:solidFill>
-                <a:latin typeface="Courier New" pitchFamily="49"/>
-                <a:cs typeface="Courier New" pitchFamily="49"/>
-              </a:rPr>
-              <a:t>request</a:t>
-            </a:r>
-            <a:r>
-              <a:rPr lang="nl-NL" dirty="0">
-                <a:solidFill>
-                  <a:srgbClr val="00FF00"/>
-                </a:solidFill>
-                <a:latin typeface="Courier New" pitchFamily="49"/>
-                <a:cs typeface="Courier New" pitchFamily="49"/>
-              </a:rPr>
-              <a:t> body: </a:t>
-            </a:r>
-          </a:p>
-          <a:p>
-            <a:pPr marL="0" lvl="0" indent="0">
-              <a:buNone/>
-            </a:pPr>
-            <a:endParaRPr lang="nl-NL" dirty="0">
-              <a:solidFill>
-                <a:srgbClr val="00FF00"/>
-              </a:solidFill>
-              <a:latin typeface="Courier New" pitchFamily="49"/>
-              <a:cs typeface="Courier New" pitchFamily="49"/>
-            </a:endParaRPr>
-          </a:p>
-          <a:p>
             <a:pPr marL="0" indent="0">
               <a:buNone/>
             </a:pPr>
@@ -25549,146 +25536,15 @@
                 <a:latin typeface="Courier New" pitchFamily="49"/>
                 <a:cs typeface="Courier New" pitchFamily="49"/>
               </a:rPr>
-              <a:t>{{</a:t>
-            </a:r>
-            <a:r>
-              <a:rPr lang="nl-NL" i="1" dirty="0" err="1">
-                <a:solidFill>
-                  <a:srgbClr val="00FF00"/>
-                </a:solidFill>
-                <a:latin typeface="Courier New" pitchFamily="49"/>
-                <a:cs typeface="Courier New" pitchFamily="49"/>
-              </a:rPr>
-              <a:t>xPath</a:t>
-            </a:r>
-            <a:r>
-              <a:rPr lang="nl-NL" i="1" dirty="0">
-                <a:solidFill>
-                  <a:srgbClr val="00FF00"/>
-                </a:solidFill>
-                <a:latin typeface="Courier New" pitchFamily="49"/>
-                <a:cs typeface="Courier New" pitchFamily="49"/>
-              </a:rPr>
-              <a:t> </a:t>
-            </a:r>
-            <a:r>
-              <a:rPr lang="nl-NL" i="1" dirty="0" err="1">
-                <a:solidFill>
-                  <a:srgbClr val="00FF00"/>
-                </a:solidFill>
-                <a:latin typeface="Courier New" pitchFamily="49"/>
-                <a:cs typeface="Courier New" pitchFamily="49"/>
-              </a:rPr>
-              <a:t>request.body</a:t>
-            </a:r>
-            <a:r>
-              <a:rPr lang="nl-NL" i="1" dirty="0">
-                <a:solidFill>
-                  <a:srgbClr val="00FF00"/>
-                </a:solidFill>
-                <a:latin typeface="Courier New" pitchFamily="49"/>
-                <a:cs typeface="Courier New" pitchFamily="49"/>
-              </a:rPr>
-              <a:t> ‘/</a:t>
-            </a:r>
-            <a:r>
-              <a:rPr lang="nl-NL" i="1" dirty="0" err="1">
-                <a:solidFill>
-                  <a:srgbClr val="00FF00"/>
-                </a:solidFill>
-                <a:latin typeface="Courier New" pitchFamily="49"/>
-                <a:cs typeface="Courier New" pitchFamily="49"/>
-              </a:rPr>
-              <a:t>path</a:t>
-            </a:r>
-            <a:r>
-              <a:rPr lang="nl-NL" i="1" dirty="0">
-                <a:solidFill>
-                  <a:srgbClr val="00FF00"/>
-                </a:solidFill>
-                <a:latin typeface="Courier New" pitchFamily="49"/>
-                <a:cs typeface="Courier New" pitchFamily="49"/>
-              </a:rPr>
-              <a:t>/</a:t>
-            </a:r>
-            <a:r>
-              <a:rPr lang="nl-NL" i="1" dirty="0" err="1">
-                <a:solidFill>
-                  <a:srgbClr val="00FF00"/>
-                </a:solidFill>
-                <a:latin typeface="Courier New" pitchFamily="49"/>
-                <a:cs typeface="Courier New" pitchFamily="49"/>
-              </a:rPr>
-              <a:t>to</a:t>
-            </a:r>
-            <a:r>
-              <a:rPr lang="nl-NL" i="1" dirty="0">
-                <a:solidFill>
-                  <a:srgbClr val="00FF00"/>
-                </a:solidFill>
-                <a:latin typeface="Courier New" pitchFamily="49"/>
-                <a:cs typeface="Courier New" pitchFamily="49"/>
-              </a:rPr>
-              <a:t>/element/</a:t>
-            </a:r>
-            <a:r>
-              <a:rPr lang="nl-NL" i="1" dirty="0" err="1">
-                <a:solidFill>
-                  <a:srgbClr val="00FF00"/>
-                </a:solidFill>
-                <a:latin typeface="Courier New" pitchFamily="49"/>
-                <a:cs typeface="Courier New" pitchFamily="49"/>
-              </a:rPr>
-              <a:t>text</a:t>
-            </a:r>
-            <a:r>
-              <a:rPr lang="nl-NL" i="1" dirty="0">
-                <a:solidFill>
-                  <a:srgbClr val="00FF00"/>
-                </a:solidFill>
-                <a:latin typeface="Courier New" pitchFamily="49"/>
-                <a:cs typeface="Courier New" pitchFamily="49"/>
-              </a:rPr>
-              <a:t>()’}}</a:t>
-            </a:r>
-            <a:endParaRPr lang="nl-NL" dirty="0">
-              <a:solidFill>
-                <a:srgbClr val="00FF00"/>
-              </a:solidFill>
-              <a:latin typeface="Courier New" pitchFamily="49"/>
-              <a:cs typeface="Courier New" pitchFamily="49"/>
-            </a:endParaRPr>
-          </a:p>
-          <a:p>
-            <a:pPr marL="0" lvl="0" indent="0">
-              <a:buNone/>
-            </a:pPr>
-            <a:endParaRPr lang="nl-NL" i="1" dirty="0">
-              <a:solidFill>
-                <a:srgbClr val="00FF00"/>
-              </a:solidFill>
-              <a:latin typeface="Courier New" pitchFamily="49"/>
-              <a:cs typeface="Courier New" pitchFamily="49"/>
-            </a:endParaRPr>
-          </a:p>
-          <a:p>
-            <a:pPr marL="0" indent="0">
-              <a:buNone/>
-            </a:pPr>
-            <a:endParaRPr lang="nl-NL" i="1" dirty="0">
-              <a:solidFill>
-                <a:srgbClr val="00FF00"/>
-              </a:solidFill>
-              <a:latin typeface="Courier New" pitchFamily="49"/>
-              <a:cs typeface="Courier New" pitchFamily="49"/>
-            </a:endParaRPr>
+              <a:t>http://wiremock.org/docs/response-templating/</a:t>
+            </a:r>
           </a:p>
         </p:txBody>
       </p:sp>
     </p:spTree>
     <p:extLst>
       <p:ext uri="{BB962C8B-B14F-4D97-AF65-F5344CB8AC3E}">
-        <p14:creationId xmlns:p14="http://schemas.microsoft.com/office/powerpoint/2010/main" val="2512208659"/>
+        <p14:creationId xmlns:p14="http://schemas.microsoft.com/office/powerpoint/2010/main" val="3010976916"/>
       </p:ext>
     </p:extLst>
   </p:cSld>
@@ -25699,6 +25555,617 @@
 </file>
 
 <file path=ppt/slides/slide47.xml><?xml version="1.0" encoding="utf-8"?>
+<p:sld xmlns:a="http://schemas.openxmlformats.org/drawingml/2006/main" xmlns:r="http://schemas.openxmlformats.org/officeDocument/2006/relationships" xmlns:p="http://schemas.openxmlformats.org/presentationml/2006/main">
+  <p:cSld>
+    <p:bg>
+      <p:bgPr>
+        <a:solidFill>
+          <a:srgbClr val="000000"/>
+        </a:solidFill>
+        <a:effectLst/>
+      </p:bgPr>
+    </p:bg>
+    <p:spTree>
+      <p:nvGrpSpPr>
+        <p:cNvPr id="1" name=""/>
+        <p:cNvGrpSpPr/>
+        <p:nvPr/>
+      </p:nvGrpSpPr>
+      <p:grpSpPr>
+        <a:xfrm>
+          <a:off x="0" y="0"/>
+          <a:ext cx="0" cy="0"/>
+          <a:chOff x="0" y="0"/>
+          <a:chExt cx="0" cy="0"/>
+        </a:xfrm>
+      </p:grpSpPr>
+      <p:sp>
+        <p:nvSpPr>
+          <p:cNvPr id="2" name="Title 1">
+            <a:extLst>
+              <a:ext uri="{FF2B5EF4-FFF2-40B4-BE49-F238E27FC236}">
+                <a16:creationId xmlns:a16="http://schemas.microsoft.com/office/drawing/2014/main" id="{19F5B244-0AC6-4FDB-90B1-15F77C3031D0}"/>
+              </a:ext>
+            </a:extLst>
+          </p:cNvPr>
+          <p:cNvSpPr txBox="1">
+            <a:spLocks noGrp="1"/>
+          </p:cNvSpPr>
+          <p:nvPr>
+            <p:ph type="title"/>
+          </p:nvPr>
+        </p:nvSpPr>
+        <p:spPr>
+          <a:xfrm>
+            <a:off x="838202" y="365129"/>
+            <a:ext cx="11048997" cy="1325559"/>
+          </a:xfrm>
+        </p:spPr>
+        <p:txBody>
+          <a:bodyPr/>
+          <a:lstStyle/>
+          <a:p>
+            <a:pPr lvl="0"/>
+            <a:r>
+              <a:rPr lang="nl-NL" dirty="0" err="1">
+                <a:solidFill>
+                  <a:srgbClr val="00FF00"/>
+                </a:solidFill>
+                <a:latin typeface="Courier New" pitchFamily="49"/>
+                <a:cs typeface="Courier New" pitchFamily="49"/>
+              </a:rPr>
+              <a:t>Request</a:t>
+            </a:r>
+            <a:r>
+              <a:rPr lang="nl-NL" dirty="0">
+                <a:solidFill>
+                  <a:srgbClr val="00FF00"/>
+                </a:solidFill>
+                <a:latin typeface="Courier New" pitchFamily="49"/>
+                <a:cs typeface="Courier New" pitchFamily="49"/>
+              </a:rPr>
+              <a:t> </a:t>
+            </a:r>
+            <a:r>
+              <a:rPr lang="nl-NL" dirty="0" err="1">
+                <a:solidFill>
+                  <a:srgbClr val="00FF00"/>
+                </a:solidFill>
+                <a:latin typeface="Courier New" pitchFamily="49"/>
+                <a:cs typeface="Courier New" pitchFamily="49"/>
+              </a:rPr>
+              <a:t>attributes</a:t>
+            </a:r>
+            <a:r>
+              <a:rPr lang="nl-NL" dirty="0">
+                <a:solidFill>
+                  <a:srgbClr val="00FF00"/>
+                </a:solidFill>
+                <a:latin typeface="Courier New" pitchFamily="49"/>
+                <a:cs typeface="Courier New" pitchFamily="49"/>
+              </a:rPr>
+              <a:t> (</a:t>
+            </a:r>
+            <a:r>
+              <a:rPr lang="nl-NL" dirty="0" err="1">
+                <a:solidFill>
+                  <a:srgbClr val="00FF00"/>
+                </a:solidFill>
+                <a:latin typeface="Courier New" pitchFamily="49"/>
+                <a:cs typeface="Courier New" pitchFamily="49"/>
+              </a:rPr>
+              <a:t>cont’d</a:t>
+            </a:r>
+            <a:r>
+              <a:rPr lang="nl-NL" dirty="0">
+                <a:solidFill>
+                  <a:srgbClr val="00FF00"/>
+                </a:solidFill>
+                <a:latin typeface="Courier New" pitchFamily="49"/>
+                <a:cs typeface="Courier New" pitchFamily="49"/>
+              </a:rPr>
+              <a:t>)</a:t>
+            </a:r>
+          </a:p>
+        </p:txBody>
+      </p:sp>
+      <p:sp>
+        <p:nvSpPr>
+          <p:cNvPr id="3" name="Content Placeholder 2">
+            <a:extLst>
+              <a:ext uri="{FF2B5EF4-FFF2-40B4-BE49-F238E27FC236}">
+                <a16:creationId xmlns:a16="http://schemas.microsoft.com/office/drawing/2014/main" id="{D139C82B-AD86-4DD7-A5E8-FF4019CEF5E1}"/>
+              </a:ext>
+            </a:extLst>
+          </p:cNvPr>
+          <p:cNvSpPr txBox="1">
+            <a:spLocks noGrp="1"/>
+          </p:cNvSpPr>
+          <p:nvPr>
+            <p:ph idx="1"/>
+          </p:nvPr>
+        </p:nvSpPr>
+        <p:spPr>
+          <a:xfrm>
+            <a:off x="838202" y="1825627"/>
+            <a:ext cx="11353797" cy="4764016"/>
+          </a:xfrm>
+        </p:spPr>
+        <p:txBody>
+          <a:bodyPr>
+            <a:normAutofit/>
+          </a:bodyPr>
+          <a:lstStyle/>
+          <a:p>
+            <a:pPr lvl="0">
+              <a:buFont typeface="Courier New" pitchFamily="49"/>
+              <a:buChar char="_"/>
+            </a:pPr>
+            <a:r>
+              <a:rPr lang="nl-NL" dirty="0" err="1">
+                <a:solidFill>
+                  <a:srgbClr val="00FF00"/>
+                </a:solidFill>
+                <a:latin typeface="Courier New" pitchFamily="49"/>
+                <a:cs typeface="Courier New" pitchFamily="49"/>
+              </a:rPr>
+              <a:t>Extracting</a:t>
+            </a:r>
+            <a:r>
+              <a:rPr lang="nl-NL" dirty="0">
+                <a:solidFill>
+                  <a:srgbClr val="00FF00"/>
+                </a:solidFill>
+                <a:latin typeface="Courier New" pitchFamily="49"/>
+                <a:cs typeface="Courier New" pitchFamily="49"/>
+              </a:rPr>
+              <a:t> </a:t>
+            </a:r>
+            <a:r>
+              <a:rPr lang="nl-NL" dirty="0" err="1">
+                <a:solidFill>
+                  <a:srgbClr val="00FF00"/>
+                </a:solidFill>
+                <a:latin typeface="Courier New" pitchFamily="49"/>
+                <a:cs typeface="Courier New" pitchFamily="49"/>
+              </a:rPr>
+              <a:t>and</a:t>
+            </a:r>
+            <a:r>
+              <a:rPr lang="nl-NL" dirty="0">
+                <a:solidFill>
+                  <a:srgbClr val="00FF00"/>
+                </a:solidFill>
+                <a:latin typeface="Courier New" pitchFamily="49"/>
+                <a:cs typeface="Courier New" pitchFamily="49"/>
+              </a:rPr>
+              <a:t> </a:t>
+            </a:r>
+            <a:r>
+              <a:rPr lang="nl-NL" dirty="0" err="1">
+                <a:solidFill>
+                  <a:srgbClr val="00FF00"/>
+                </a:solidFill>
+                <a:latin typeface="Courier New" pitchFamily="49"/>
+                <a:cs typeface="Courier New" pitchFamily="49"/>
+              </a:rPr>
+              <a:t>reusing</a:t>
+            </a:r>
+            <a:r>
+              <a:rPr lang="nl-NL" dirty="0">
+                <a:solidFill>
+                  <a:srgbClr val="00FF00"/>
+                </a:solidFill>
+                <a:latin typeface="Courier New" pitchFamily="49"/>
+                <a:cs typeface="Courier New" pitchFamily="49"/>
+              </a:rPr>
+              <a:t> body </a:t>
+            </a:r>
+            <a:r>
+              <a:rPr lang="nl-NL" dirty="0" err="1">
+                <a:solidFill>
+                  <a:srgbClr val="00FF00"/>
+                </a:solidFill>
+                <a:latin typeface="Courier New" pitchFamily="49"/>
+                <a:cs typeface="Courier New" pitchFamily="49"/>
+              </a:rPr>
+              <a:t>elements</a:t>
+            </a:r>
+            <a:endParaRPr lang="nl-NL" dirty="0">
+              <a:solidFill>
+                <a:srgbClr val="00FF00"/>
+              </a:solidFill>
+              <a:latin typeface="Courier New" pitchFamily="49"/>
+              <a:cs typeface="Courier New" pitchFamily="49"/>
+            </a:endParaRPr>
+          </a:p>
+          <a:p>
+            <a:pPr lvl="0">
+              <a:buFont typeface="Courier New" pitchFamily="49"/>
+              <a:buChar char="_"/>
+            </a:pPr>
+            <a:endParaRPr lang="nl-NL" dirty="0">
+              <a:solidFill>
+                <a:srgbClr val="00FF00"/>
+              </a:solidFill>
+              <a:latin typeface="Courier New" pitchFamily="49"/>
+              <a:cs typeface="Courier New" pitchFamily="49"/>
+            </a:endParaRPr>
+          </a:p>
+          <a:p>
+            <a:pPr lvl="0">
+              <a:buFont typeface="Courier New" pitchFamily="49"/>
+              <a:buChar char="_"/>
+            </a:pPr>
+            <a:r>
+              <a:rPr lang="nl-NL" dirty="0">
+                <a:solidFill>
+                  <a:srgbClr val="00FF00"/>
+                </a:solidFill>
+                <a:latin typeface="Courier New" pitchFamily="49"/>
+                <a:cs typeface="Courier New" pitchFamily="49"/>
+              </a:rPr>
+              <a:t>In case of a JSON </a:t>
+            </a:r>
+            <a:r>
+              <a:rPr lang="nl-NL" dirty="0" err="1">
+                <a:solidFill>
+                  <a:srgbClr val="00FF00"/>
+                </a:solidFill>
+                <a:latin typeface="Courier New" pitchFamily="49"/>
+                <a:cs typeface="Courier New" pitchFamily="49"/>
+              </a:rPr>
+              <a:t>request</a:t>
+            </a:r>
+            <a:r>
+              <a:rPr lang="nl-NL" dirty="0">
+                <a:solidFill>
+                  <a:srgbClr val="00FF00"/>
+                </a:solidFill>
+                <a:latin typeface="Courier New" pitchFamily="49"/>
+                <a:cs typeface="Courier New" pitchFamily="49"/>
+              </a:rPr>
+              <a:t> body:</a:t>
+            </a:r>
+          </a:p>
+          <a:p>
+            <a:pPr>
+              <a:buFont typeface="Courier New" pitchFamily="49"/>
+              <a:buChar char="_"/>
+            </a:pPr>
+            <a:endParaRPr lang="nl-NL" i="1" dirty="0">
+              <a:solidFill>
+                <a:srgbClr val="00FF00"/>
+              </a:solidFill>
+              <a:latin typeface="Courier New" pitchFamily="49"/>
+              <a:cs typeface="Courier New" pitchFamily="49"/>
+            </a:endParaRPr>
+          </a:p>
+          <a:p>
+            <a:pPr marL="0" indent="0">
+              <a:buNone/>
+            </a:pPr>
+            <a:r>
+              <a:rPr lang="nl-NL" i="1" dirty="0">
+                <a:solidFill>
+                  <a:srgbClr val="00FF00"/>
+                </a:solidFill>
+                <a:latin typeface="Courier New" pitchFamily="49"/>
+                <a:cs typeface="Courier New" pitchFamily="49"/>
+              </a:rPr>
+              <a:t>{{</a:t>
+            </a:r>
+            <a:r>
+              <a:rPr lang="nl-NL" i="1" dirty="0" err="1">
+                <a:solidFill>
+                  <a:srgbClr val="00FF00"/>
+                </a:solidFill>
+                <a:latin typeface="Courier New" pitchFamily="49"/>
+                <a:cs typeface="Courier New" pitchFamily="49"/>
+              </a:rPr>
+              <a:t>jsonPath</a:t>
+            </a:r>
+            <a:r>
+              <a:rPr lang="nl-NL" i="1" dirty="0">
+                <a:solidFill>
+                  <a:srgbClr val="00FF00"/>
+                </a:solidFill>
+                <a:latin typeface="Courier New" pitchFamily="49"/>
+                <a:cs typeface="Courier New" pitchFamily="49"/>
+              </a:rPr>
+              <a:t> </a:t>
+            </a:r>
+            <a:r>
+              <a:rPr lang="nl-NL" i="1" dirty="0" err="1">
+                <a:solidFill>
+                  <a:srgbClr val="00FF00"/>
+                </a:solidFill>
+                <a:latin typeface="Courier New" pitchFamily="49"/>
+                <a:cs typeface="Courier New" pitchFamily="49"/>
+              </a:rPr>
+              <a:t>request.body</a:t>
+            </a:r>
+            <a:r>
+              <a:rPr lang="nl-NL" i="1" dirty="0">
+                <a:solidFill>
+                  <a:srgbClr val="00FF00"/>
+                </a:solidFill>
+                <a:latin typeface="Courier New" pitchFamily="49"/>
+                <a:cs typeface="Courier New" pitchFamily="49"/>
+              </a:rPr>
+              <a:t> ‘$.</a:t>
+            </a:r>
+            <a:r>
+              <a:rPr lang="nl-NL" i="1" dirty="0" err="1">
+                <a:solidFill>
+                  <a:srgbClr val="00FF00"/>
+                </a:solidFill>
+                <a:latin typeface="Courier New" pitchFamily="49"/>
+                <a:cs typeface="Courier New" pitchFamily="49"/>
+              </a:rPr>
+              <a:t>path.to.element</a:t>
+            </a:r>
+            <a:r>
+              <a:rPr lang="nl-NL" i="1" dirty="0">
+                <a:solidFill>
+                  <a:srgbClr val="00FF00"/>
+                </a:solidFill>
+                <a:latin typeface="Courier New" pitchFamily="49"/>
+                <a:cs typeface="Courier New" pitchFamily="49"/>
+              </a:rPr>
+              <a:t>’}}</a:t>
+            </a:r>
+            <a:endParaRPr lang="nl-NL" dirty="0">
+              <a:solidFill>
+                <a:srgbClr val="00FF00"/>
+              </a:solidFill>
+              <a:latin typeface="Courier New" pitchFamily="49"/>
+              <a:cs typeface="Courier New" pitchFamily="49"/>
+            </a:endParaRPr>
+          </a:p>
+          <a:p>
+            <a:pPr lvl="0">
+              <a:buFont typeface="Courier New" pitchFamily="49"/>
+              <a:buChar char="_"/>
+            </a:pPr>
+            <a:endParaRPr lang="nl-NL" dirty="0">
+              <a:solidFill>
+                <a:srgbClr val="00FF00"/>
+              </a:solidFill>
+              <a:latin typeface="Courier New" pitchFamily="49"/>
+              <a:cs typeface="Courier New" pitchFamily="49"/>
+            </a:endParaRPr>
+          </a:p>
+          <a:p>
+            <a:pPr lvl="0">
+              <a:buFont typeface="Courier New" pitchFamily="49"/>
+              <a:buChar char="_"/>
+            </a:pPr>
+            <a:r>
+              <a:rPr lang="nl-NL" dirty="0">
+                <a:solidFill>
+                  <a:srgbClr val="00FF00"/>
+                </a:solidFill>
+                <a:latin typeface="Courier New" pitchFamily="49"/>
+                <a:cs typeface="Courier New" pitchFamily="49"/>
+              </a:rPr>
+              <a:t>In case of </a:t>
+            </a:r>
+            <a:r>
+              <a:rPr lang="nl-NL" dirty="0" err="1">
+                <a:solidFill>
+                  <a:srgbClr val="00FF00"/>
+                </a:solidFill>
+                <a:latin typeface="Courier New" pitchFamily="49"/>
+                <a:cs typeface="Courier New" pitchFamily="49"/>
+              </a:rPr>
+              <a:t>an</a:t>
+            </a:r>
+            <a:r>
+              <a:rPr lang="nl-NL" dirty="0">
+                <a:solidFill>
+                  <a:srgbClr val="00FF00"/>
+                </a:solidFill>
+                <a:latin typeface="Courier New" pitchFamily="49"/>
+                <a:cs typeface="Courier New" pitchFamily="49"/>
+              </a:rPr>
+              <a:t> XML </a:t>
+            </a:r>
+            <a:r>
+              <a:rPr lang="nl-NL" dirty="0" err="1">
+                <a:solidFill>
+                  <a:srgbClr val="00FF00"/>
+                </a:solidFill>
+                <a:latin typeface="Courier New" pitchFamily="49"/>
+                <a:cs typeface="Courier New" pitchFamily="49"/>
+              </a:rPr>
+              <a:t>request</a:t>
+            </a:r>
+            <a:r>
+              <a:rPr lang="nl-NL" dirty="0">
+                <a:solidFill>
+                  <a:srgbClr val="00FF00"/>
+                </a:solidFill>
+                <a:latin typeface="Courier New" pitchFamily="49"/>
+                <a:cs typeface="Courier New" pitchFamily="49"/>
+              </a:rPr>
+              <a:t> body: </a:t>
+            </a:r>
+          </a:p>
+          <a:p>
+            <a:pPr marL="0" lvl="0" indent="0">
+              <a:buNone/>
+            </a:pPr>
+            <a:endParaRPr lang="nl-NL" dirty="0">
+              <a:solidFill>
+                <a:srgbClr val="00FF00"/>
+              </a:solidFill>
+              <a:latin typeface="Courier New" pitchFamily="49"/>
+              <a:cs typeface="Courier New" pitchFamily="49"/>
+            </a:endParaRPr>
+          </a:p>
+          <a:p>
+            <a:pPr marL="0" indent="0">
+              <a:buNone/>
+            </a:pPr>
+            <a:r>
+              <a:rPr lang="nl-NL" i="1" dirty="0">
+                <a:solidFill>
+                  <a:srgbClr val="00FF00"/>
+                </a:solidFill>
+                <a:latin typeface="Courier New" pitchFamily="49"/>
+                <a:cs typeface="Courier New" pitchFamily="49"/>
+              </a:rPr>
+              <a:t>{{</a:t>
+            </a:r>
+            <a:r>
+              <a:rPr lang="nl-NL" i="1" dirty="0" err="1">
+                <a:solidFill>
+                  <a:srgbClr val="00FF00"/>
+                </a:solidFill>
+                <a:latin typeface="Courier New" pitchFamily="49"/>
+                <a:cs typeface="Courier New" pitchFamily="49"/>
+              </a:rPr>
+              <a:t>xPath</a:t>
+            </a:r>
+            <a:r>
+              <a:rPr lang="nl-NL" i="1" dirty="0">
+                <a:solidFill>
+                  <a:srgbClr val="00FF00"/>
+                </a:solidFill>
+                <a:latin typeface="Courier New" pitchFamily="49"/>
+                <a:cs typeface="Courier New" pitchFamily="49"/>
+              </a:rPr>
+              <a:t> </a:t>
+            </a:r>
+            <a:r>
+              <a:rPr lang="nl-NL" i="1" dirty="0" err="1">
+                <a:solidFill>
+                  <a:srgbClr val="00FF00"/>
+                </a:solidFill>
+                <a:latin typeface="Courier New" pitchFamily="49"/>
+                <a:cs typeface="Courier New" pitchFamily="49"/>
+              </a:rPr>
+              <a:t>request.body</a:t>
+            </a:r>
+            <a:r>
+              <a:rPr lang="nl-NL" i="1" dirty="0">
+                <a:solidFill>
+                  <a:srgbClr val="00FF00"/>
+                </a:solidFill>
+                <a:latin typeface="Courier New" pitchFamily="49"/>
+                <a:cs typeface="Courier New" pitchFamily="49"/>
+              </a:rPr>
+              <a:t> ‘/</a:t>
+            </a:r>
+            <a:r>
+              <a:rPr lang="nl-NL" i="1" dirty="0" err="1">
+                <a:solidFill>
+                  <a:srgbClr val="00FF00"/>
+                </a:solidFill>
+                <a:latin typeface="Courier New" pitchFamily="49"/>
+                <a:cs typeface="Courier New" pitchFamily="49"/>
+              </a:rPr>
+              <a:t>path</a:t>
+            </a:r>
+            <a:r>
+              <a:rPr lang="nl-NL" i="1" dirty="0">
+                <a:solidFill>
+                  <a:srgbClr val="00FF00"/>
+                </a:solidFill>
+                <a:latin typeface="Courier New" pitchFamily="49"/>
+                <a:cs typeface="Courier New" pitchFamily="49"/>
+              </a:rPr>
+              <a:t>/</a:t>
+            </a:r>
+            <a:r>
+              <a:rPr lang="nl-NL" i="1" dirty="0" err="1">
+                <a:solidFill>
+                  <a:srgbClr val="00FF00"/>
+                </a:solidFill>
+                <a:latin typeface="Courier New" pitchFamily="49"/>
+                <a:cs typeface="Courier New" pitchFamily="49"/>
+              </a:rPr>
+              <a:t>to</a:t>
+            </a:r>
+            <a:r>
+              <a:rPr lang="nl-NL" i="1" dirty="0">
+                <a:solidFill>
+                  <a:srgbClr val="00FF00"/>
+                </a:solidFill>
+                <a:latin typeface="Courier New" pitchFamily="49"/>
+                <a:cs typeface="Courier New" pitchFamily="49"/>
+              </a:rPr>
+              <a:t>/element/</a:t>
+            </a:r>
+            <a:r>
+              <a:rPr lang="nl-NL" i="1" dirty="0" err="1">
+                <a:solidFill>
+                  <a:srgbClr val="00FF00"/>
+                </a:solidFill>
+                <a:latin typeface="Courier New" pitchFamily="49"/>
+                <a:cs typeface="Courier New" pitchFamily="49"/>
+              </a:rPr>
+              <a:t>text</a:t>
+            </a:r>
+            <a:r>
+              <a:rPr lang="nl-NL" i="1" dirty="0">
+                <a:solidFill>
+                  <a:srgbClr val="00FF00"/>
+                </a:solidFill>
+                <a:latin typeface="Courier New" pitchFamily="49"/>
+                <a:cs typeface="Courier New" pitchFamily="49"/>
+              </a:rPr>
+              <a:t>()’}}</a:t>
+            </a:r>
+            <a:endParaRPr lang="nl-NL" dirty="0">
+              <a:solidFill>
+                <a:srgbClr val="00FF00"/>
+              </a:solidFill>
+              <a:latin typeface="Courier New" pitchFamily="49"/>
+              <a:cs typeface="Courier New" pitchFamily="49"/>
+            </a:endParaRPr>
+          </a:p>
+          <a:p>
+            <a:pPr marL="0" lvl="0" indent="0">
+              <a:buNone/>
+            </a:pPr>
+            <a:endParaRPr lang="nl-NL" i="1" dirty="0">
+              <a:solidFill>
+                <a:srgbClr val="00FF00"/>
+              </a:solidFill>
+              <a:latin typeface="Courier New" pitchFamily="49"/>
+              <a:cs typeface="Courier New" pitchFamily="49"/>
+            </a:endParaRPr>
+          </a:p>
+          <a:p>
+            <a:pPr marL="0" indent="0">
+              <a:buNone/>
+            </a:pPr>
+            <a:endParaRPr lang="nl-NL" i="1" dirty="0">
+              <a:solidFill>
+                <a:srgbClr val="00FF00"/>
+              </a:solidFill>
+              <a:latin typeface="Courier New" pitchFamily="49"/>
+              <a:cs typeface="Courier New" pitchFamily="49"/>
+            </a:endParaRPr>
+          </a:p>
+        </p:txBody>
+      </p:sp>
+    </p:spTree>
+    <p:extLst>
+      <p:ext uri="{BB962C8B-B14F-4D97-AF65-F5344CB8AC3E}">
+        <p14:creationId xmlns:p14="http://schemas.microsoft.com/office/powerpoint/2010/main" val="2401415330"/>
+      </p:ext>
+    </p:extLst>
+  </p:cSld>
+  <p:clrMapOvr>
+    <a:masterClrMapping/>
+  </p:clrMapOvr>
+</p:sld>
+</file>
+
+<file path=ppt/slides/slide48.xml><?xml version="1.0" encoding="utf-8"?>
 <p:sld xmlns:a="http://schemas.openxmlformats.org/drawingml/2006/main" xmlns:r="http://schemas.openxmlformats.org/officeDocument/2006/relationships" xmlns:p="http://schemas.openxmlformats.org/presentationml/2006/main">
   <p:cSld>
     <p:bg>
@@ -26093,447 +26560,7 @@
     </p:spTree>
     <p:extLst>
       <p:ext uri="{BB962C8B-B14F-4D97-AF65-F5344CB8AC3E}">
-        <p14:creationId xmlns:p14="http://schemas.microsoft.com/office/powerpoint/2010/main" val="2801378090"/>
-      </p:ext>
-    </p:extLst>
-  </p:cSld>
-  <p:clrMapOvr>
-    <a:masterClrMapping/>
-  </p:clrMapOvr>
-</p:sld>
-</file>
-
-<file path=ppt/slides/slide48.xml><?xml version="1.0" encoding="utf-8"?>
-<p:sld xmlns:a="http://schemas.openxmlformats.org/drawingml/2006/main" xmlns:r="http://schemas.openxmlformats.org/officeDocument/2006/relationships" xmlns:p="http://schemas.openxmlformats.org/presentationml/2006/main">
-  <p:cSld>
-    <p:bg>
-      <p:bgPr>
-        <a:solidFill>
-          <a:srgbClr val="000000"/>
-        </a:solidFill>
-        <a:effectLst/>
-      </p:bgPr>
-    </p:bg>
-    <p:spTree>
-      <p:nvGrpSpPr>
-        <p:cNvPr id="1" name=""/>
-        <p:cNvGrpSpPr/>
-        <p:nvPr/>
-      </p:nvGrpSpPr>
-      <p:grpSpPr>
-        <a:xfrm>
-          <a:off x="0" y="0"/>
-          <a:ext cx="0" cy="0"/>
-          <a:chOff x="0" y="0"/>
-          <a:chExt cx="0" cy="0"/>
-        </a:xfrm>
-      </p:grpSpPr>
-      <p:sp>
-        <p:nvSpPr>
-          <p:cNvPr id="2" name="Title 1">
-            <a:extLst>
-              <a:ext uri="{FF2B5EF4-FFF2-40B4-BE49-F238E27FC236}">
-                <a16:creationId xmlns:a16="http://schemas.microsoft.com/office/drawing/2014/main" id="{6FAAF7A7-8F46-421D-9408-39CB0B9BD7A3}"/>
-              </a:ext>
-            </a:extLst>
-          </p:cNvPr>
-          <p:cNvSpPr txBox="1">
-            <a:spLocks noGrp="1"/>
-          </p:cNvSpPr>
-          <p:nvPr>
-            <p:ph type="title"/>
-          </p:nvPr>
-        </p:nvSpPr>
-        <p:spPr/>
-        <p:txBody>
-          <a:bodyPr/>
-          <a:lstStyle/>
-          <a:p>
-            <a:pPr lvl="0"/>
-            <a:r>
-              <a:rPr lang="nl-NL" dirty="0" err="1">
-                <a:solidFill>
-                  <a:srgbClr val="00FF00"/>
-                </a:solidFill>
-                <a:latin typeface="Courier New" pitchFamily="49"/>
-                <a:cs typeface="Courier New" pitchFamily="49"/>
-              </a:rPr>
-              <a:t>Exercise</a:t>
-            </a:r>
-            <a:r>
-              <a:rPr lang="nl-NL" dirty="0">
-                <a:solidFill>
-                  <a:srgbClr val="00FF00"/>
-                </a:solidFill>
-                <a:latin typeface="Courier New" pitchFamily="49"/>
-                <a:cs typeface="Courier New" pitchFamily="49"/>
-              </a:rPr>
-              <a:t> time!</a:t>
-            </a:r>
-          </a:p>
-        </p:txBody>
-      </p:sp>
-      <p:sp>
-        <p:nvSpPr>
-          <p:cNvPr id="3" name="Content Placeholder 2">
-            <a:extLst>
-              <a:ext uri="{FF2B5EF4-FFF2-40B4-BE49-F238E27FC236}">
-                <a16:creationId xmlns:a16="http://schemas.microsoft.com/office/drawing/2014/main" id="{BA245958-C0EF-4705-A94E-E62D29009F1C}"/>
-              </a:ext>
-            </a:extLst>
-          </p:cNvPr>
-          <p:cNvSpPr txBox="1">
-            <a:spLocks noGrp="1"/>
-          </p:cNvSpPr>
-          <p:nvPr>
-            <p:ph idx="1"/>
-          </p:nvPr>
-        </p:nvSpPr>
-        <p:spPr/>
-        <p:txBody>
-          <a:bodyPr/>
-          <a:lstStyle/>
-          <a:p>
-            <a:pPr lvl="0">
-              <a:buFont typeface="Courier New" pitchFamily="49"/>
-              <a:buChar char="_"/>
-            </a:pPr>
-            <a:r>
-              <a:rPr lang="nl-NL" dirty="0">
-                <a:solidFill>
-                  <a:srgbClr val="00FF00"/>
-                </a:solidFill>
-                <a:latin typeface="Courier New" pitchFamily="49"/>
-                <a:cs typeface="Courier New" pitchFamily="49"/>
-              </a:rPr>
-              <a:t>WireMockExercises5</a:t>
-            </a:r>
-          </a:p>
-          <a:p>
-            <a:pPr lvl="0">
-              <a:buFont typeface="Courier New" pitchFamily="49"/>
-              <a:buChar char="_"/>
-            </a:pPr>
-            <a:endParaRPr lang="nl-NL" dirty="0">
-              <a:solidFill>
-                <a:srgbClr val="00FF00"/>
-              </a:solidFill>
-              <a:latin typeface="Courier New" pitchFamily="49"/>
-              <a:cs typeface="Courier New" pitchFamily="49"/>
-            </a:endParaRPr>
-          </a:p>
-          <a:p>
-            <a:pPr lvl="0">
-              <a:buFont typeface="Courier New" pitchFamily="49"/>
-              <a:buChar char="_"/>
-            </a:pPr>
-            <a:r>
-              <a:rPr lang="nl-NL" dirty="0" err="1">
-                <a:solidFill>
-                  <a:srgbClr val="00FF00"/>
-                </a:solidFill>
-                <a:latin typeface="Courier New" pitchFamily="49"/>
-                <a:cs typeface="Courier New" pitchFamily="49"/>
-              </a:rPr>
-              <a:t>Use</a:t>
-            </a:r>
-            <a:r>
-              <a:rPr lang="nl-NL" dirty="0">
-                <a:solidFill>
-                  <a:srgbClr val="00FF00"/>
-                </a:solidFill>
-                <a:latin typeface="Courier New" pitchFamily="49"/>
-                <a:cs typeface="Courier New" pitchFamily="49"/>
-              </a:rPr>
-              <a:t> </a:t>
-            </a:r>
-            <a:r>
-              <a:rPr lang="nl-NL" dirty="0" err="1">
-                <a:solidFill>
-                  <a:srgbClr val="00FF00"/>
-                </a:solidFill>
-                <a:latin typeface="Courier New" pitchFamily="49"/>
-                <a:cs typeface="Courier New" pitchFamily="49"/>
-              </a:rPr>
-              <a:t>request</a:t>
-            </a:r>
-            <a:r>
-              <a:rPr lang="nl-NL" dirty="0">
-                <a:solidFill>
-                  <a:srgbClr val="00FF00"/>
-                </a:solidFill>
-                <a:latin typeface="Courier New" pitchFamily="49"/>
-                <a:cs typeface="Courier New" pitchFamily="49"/>
-              </a:rPr>
-              <a:t> templating</a:t>
-            </a:r>
-          </a:p>
-          <a:p>
-            <a:pPr lvl="0">
-              <a:buFont typeface="Courier New" pitchFamily="49"/>
-              <a:buChar char="_"/>
-            </a:pPr>
-            <a:endParaRPr lang="nl-NL" dirty="0">
-              <a:solidFill>
-                <a:srgbClr val="00FF00"/>
-              </a:solidFill>
-              <a:latin typeface="Courier New" pitchFamily="49"/>
-              <a:cs typeface="Courier New" pitchFamily="49"/>
-            </a:endParaRPr>
-          </a:p>
-          <a:p>
-            <a:pPr lvl="0">
-              <a:buFont typeface="Courier New" pitchFamily="49"/>
-              <a:buChar char="_"/>
-            </a:pPr>
-            <a:r>
-              <a:rPr lang="nl-NL" dirty="0" err="1">
-                <a:solidFill>
-                  <a:srgbClr val="00FF00"/>
-                </a:solidFill>
-                <a:latin typeface="Courier New" pitchFamily="49"/>
-                <a:cs typeface="Courier New" pitchFamily="49"/>
-              </a:rPr>
-              <a:t>Exercises</a:t>
-            </a:r>
-            <a:r>
-              <a:rPr lang="nl-NL" dirty="0">
-                <a:solidFill>
-                  <a:srgbClr val="00FF00"/>
-                </a:solidFill>
-                <a:latin typeface="Courier New" pitchFamily="49"/>
-                <a:cs typeface="Courier New" pitchFamily="49"/>
-              </a:rPr>
-              <a:t> are </a:t>
-            </a:r>
-            <a:r>
-              <a:rPr lang="nl-NL" dirty="0" err="1">
-                <a:solidFill>
-                  <a:srgbClr val="00FF00"/>
-                </a:solidFill>
-                <a:latin typeface="Courier New" pitchFamily="49"/>
-                <a:cs typeface="Courier New" pitchFamily="49"/>
-              </a:rPr>
-              <a:t>defined</a:t>
-            </a:r>
-            <a:r>
-              <a:rPr lang="nl-NL" dirty="0">
-                <a:solidFill>
-                  <a:srgbClr val="00FF00"/>
-                </a:solidFill>
-                <a:latin typeface="Courier New" pitchFamily="49"/>
-                <a:cs typeface="Courier New" pitchFamily="49"/>
-              </a:rPr>
-              <a:t> in </a:t>
-            </a:r>
-            <a:r>
-              <a:rPr lang="nl-NL" dirty="0" err="1">
-                <a:solidFill>
-                  <a:srgbClr val="00FF00"/>
-                </a:solidFill>
-                <a:latin typeface="Courier New" pitchFamily="49"/>
-                <a:cs typeface="Courier New" pitchFamily="49"/>
-              </a:rPr>
-              <a:t>the</a:t>
-            </a:r>
-            <a:r>
-              <a:rPr lang="nl-NL" dirty="0">
-                <a:solidFill>
-                  <a:srgbClr val="00FF00"/>
-                </a:solidFill>
-                <a:latin typeface="Courier New" pitchFamily="49"/>
-                <a:cs typeface="Courier New" pitchFamily="49"/>
-              </a:rPr>
-              <a:t> </a:t>
-            </a:r>
-            <a:r>
-              <a:rPr lang="nl-NL" dirty="0" err="1">
-                <a:solidFill>
-                  <a:srgbClr val="00FF00"/>
-                </a:solidFill>
-                <a:latin typeface="Courier New" pitchFamily="49"/>
-                <a:cs typeface="Courier New" pitchFamily="49"/>
-              </a:rPr>
-              <a:t>comments</a:t>
-            </a:r>
-            <a:endParaRPr lang="nl-NL" dirty="0">
-              <a:solidFill>
-                <a:srgbClr val="00FF00"/>
-              </a:solidFill>
-              <a:latin typeface="Courier New" pitchFamily="49"/>
-              <a:cs typeface="Courier New" pitchFamily="49"/>
-            </a:endParaRPr>
-          </a:p>
-          <a:p>
-            <a:pPr lvl="0">
-              <a:buFont typeface="Courier New" pitchFamily="49"/>
-              <a:buChar char="_"/>
-            </a:pPr>
-            <a:endParaRPr lang="nl-NL" dirty="0">
-              <a:solidFill>
-                <a:srgbClr val="00FF00"/>
-              </a:solidFill>
-              <a:latin typeface="Courier New" pitchFamily="49"/>
-              <a:cs typeface="Courier New" pitchFamily="49"/>
-            </a:endParaRPr>
-          </a:p>
-          <a:p>
-            <a:pPr lvl="0">
-              <a:buFont typeface="Courier New" pitchFamily="49"/>
-              <a:buChar char="_"/>
-            </a:pPr>
-            <a:r>
-              <a:rPr lang="nl-NL" dirty="0" err="1">
-                <a:solidFill>
-                  <a:srgbClr val="00FF00"/>
-                </a:solidFill>
-                <a:latin typeface="Courier New" pitchFamily="49"/>
-                <a:cs typeface="Courier New" pitchFamily="49"/>
-              </a:rPr>
-              <a:t>Verify</a:t>
-            </a:r>
-            <a:r>
-              <a:rPr lang="nl-NL" dirty="0">
-                <a:solidFill>
-                  <a:srgbClr val="00FF00"/>
-                </a:solidFill>
-                <a:latin typeface="Courier New" pitchFamily="49"/>
-                <a:cs typeface="Courier New" pitchFamily="49"/>
-              </a:rPr>
-              <a:t> </a:t>
-            </a:r>
-            <a:r>
-              <a:rPr lang="nl-NL" dirty="0" err="1">
-                <a:solidFill>
-                  <a:srgbClr val="00FF00"/>
-                </a:solidFill>
-                <a:latin typeface="Courier New" pitchFamily="49"/>
-                <a:cs typeface="Courier New" pitchFamily="49"/>
-              </a:rPr>
-              <a:t>your</a:t>
-            </a:r>
-            <a:r>
-              <a:rPr lang="nl-NL" dirty="0">
-                <a:solidFill>
-                  <a:srgbClr val="00FF00"/>
-                </a:solidFill>
-                <a:latin typeface="Courier New" pitchFamily="49"/>
-                <a:cs typeface="Courier New" pitchFamily="49"/>
-              </a:rPr>
-              <a:t> solution </a:t>
-            </a:r>
-            <a:r>
-              <a:rPr lang="nl-NL" dirty="0" err="1">
-                <a:solidFill>
-                  <a:srgbClr val="00FF00"/>
-                </a:solidFill>
-                <a:latin typeface="Courier New" pitchFamily="49"/>
-                <a:cs typeface="Courier New" pitchFamily="49"/>
-              </a:rPr>
-              <a:t>by</a:t>
-            </a:r>
-            <a:r>
-              <a:rPr lang="nl-NL" dirty="0">
-                <a:solidFill>
-                  <a:srgbClr val="00FF00"/>
-                </a:solidFill>
-                <a:latin typeface="Courier New" pitchFamily="49"/>
-                <a:cs typeface="Courier New" pitchFamily="49"/>
-              </a:rPr>
-              <a:t> running </a:t>
-            </a:r>
-            <a:r>
-              <a:rPr lang="nl-NL" dirty="0" err="1">
-                <a:solidFill>
-                  <a:srgbClr val="00FF00"/>
-                </a:solidFill>
-                <a:latin typeface="Courier New" pitchFamily="49"/>
-                <a:cs typeface="Courier New" pitchFamily="49"/>
-              </a:rPr>
-              <a:t>the</a:t>
-            </a:r>
-            <a:r>
-              <a:rPr lang="nl-NL" dirty="0">
-                <a:solidFill>
-                  <a:srgbClr val="00FF00"/>
-                </a:solidFill>
-                <a:latin typeface="Courier New" pitchFamily="49"/>
-                <a:cs typeface="Courier New" pitchFamily="49"/>
-              </a:rPr>
-              <a:t> tests</a:t>
-            </a:r>
-          </a:p>
-          <a:p>
-            <a:pPr lvl="0">
-              <a:buFont typeface="Courier New" pitchFamily="49"/>
-              <a:buChar char="_"/>
-            </a:pPr>
-            <a:endParaRPr lang="nl-NL" dirty="0">
-              <a:solidFill>
-                <a:srgbClr val="00FF00"/>
-              </a:solidFill>
-              <a:latin typeface="Courier New" pitchFamily="49"/>
-              <a:cs typeface="Courier New" pitchFamily="49"/>
-            </a:endParaRPr>
-          </a:p>
-          <a:p>
-            <a:pPr lvl="0">
-              <a:buFont typeface="Courier New" pitchFamily="49"/>
-              <a:buChar char="_"/>
-            </a:pPr>
-            <a:endParaRPr lang="nl-NL" dirty="0">
-              <a:solidFill>
-                <a:srgbClr val="00FF00"/>
-              </a:solidFill>
-              <a:latin typeface="Courier New" pitchFamily="49"/>
-              <a:cs typeface="Courier New" pitchFamily="49"/>
-            </a:endParaRPr>
-          </a:p>
-          <a:p>
-            <a:pPr lvl="0">
-              <a:buFont typeface="Courier New" pitchFamily="49"/>
-              <a:buChar char="_"/>
-            </a:pPr>
-            <a:endParaRPr lang="nl-NL" dirty="0">
-              <a:solidFill>
-                <a:srgbClr val="00FF00"/>
-              </a:solidFill>
-              <a:latin typeface="Courier New" pitchFamily="49"/>
-              <a:cs typeface="Courier New" pitchFamily="49"/>
-            </a:endParaRPr>
-          </a:p>
-          <a:p>
-            <a:pPr lvl="0">
-              <a:buFont typeface="Courier New" pitchFamily="49"/>
-              <a:buChar char="_"/>
-            </a:pPr>
-            <a:endParaRPr lang="nl-NL" dirty="0">
-              <a:solidFill>
-                <a:srgbClr val="00FF00"/>
-              </a:solidFill>
-              <a:latin typeface="Courier New" pitchFamily="49"/>
-              <a:cs typeface="Courier New" pitchFamily="49"/>
-            </a:endParaRPr>
-          </a:p>
-          <a:p>
-            <a:pPr lvl="0">
-              <a:buFont typeface="Courier New" pitchFamily="49"/>
-              <a:buChar char="_"/>
-            </a:pPr>
-            <a:endParaRPr lang="nl-NL" dirty="0">
-              <a:solidFill>
-                <a:srgbClr val="00FF00"/>
-              </a:solidFill>
-              <a:latin typeface="Courier New" pitchFamily="49"/>
-              <a:cs typeface="Courier New" pitchFamily="49"/>
-            </a:endParaRPr>
-          </a:p>
-        </p:txBody>
-      </p:sp>
-    </p:spTree>
-    <p:extLst>
-      <p:ext uri="{BB962C8B-B14F-4D97-AF65-F5344CB8AC3E}">
-        <p14:creationId xmlns:p14="http://schemas.microsoft.com/office/powerpoint/2010/main" val="2507302582"/>
+        <p14:creationId xmlns:p14="http://schemas.microsoft.com/office/powerpoint/2010/main" val="257074323"/>
       </p:ext>
     </p:extLst>
   </p:cSld>
@@ -26584,7 +26611,12 @@
             <p:ph type="title"/>
           </p:nvPr>
         </p:nvSpPr>
-        <p:spPr/>
+        <p:spPr>
+          <a:xfrm>
+            <a:off x="838202" y="365129"/>
+            <a:ext cx="11048997" cy="1325559"/>
+          </a:xfrm>
+        </p:spPr>
         <p:txBody>
           <a:bodyPr/>
           <a:lstStyle/>
@@ -26598,7 +26630,7 @@
                 <a:latin typeface="Courier New" pitchFamily="49"/>
                 <a:cs typeface="Courier New" pitchFamily="49"/>
               </a:rPr>
-              <a:t>Mock </a:t>
+              <a:t>JSON </a:t>
             </a:r>
             <a:r>
               <a:rPr lang="nl-NL" dirty="0" err="1">
@@ -26608,7 +26640,7 @@
                 <a:latin typeface="Courier New" pitchFamily="49"/>
                 <a:cs typeface="Courier New" pitchFamily="49"/>
               </a:rPr>
-              <a:t>specification</a:t>
+              <a:t>extraction</a:t>
             </a:r>
             <a:r>
               <a:rPr lang="nl-NL" dirty="0">
@@ -26618,8 +26650,25 @@
                 <a:latin typeface="Courier New" pitchFamily="49"/>
                 <a:cs typeface="Courier New" pitchFamily="49"/>
               </a:rPr>
-              <a:t> via JSON</a:t>
-            </a:r>
+              <a:t> </a:t>
+            </a:r>
+            <a:r>
+              <a:rPr lang="nl-NL" dirty="0" err="1">
+                <a:solidFill>
+                  <a:srgbClr val="00FF00"/>
+                </a:solidFill>
+                <a:latin typeface="Courier New" pitchFamily="49"/>
+                <a:cs typeface="Courier New" pitchFamily="49"/>
+              </a:rPr>
+              <a:t>example</a:t>
+            </a:r>
+            <a:endParaRPr lang="nl-NL" dirty="0">
+              <a:solidFill>
+                <a:srgbClr val="00FF00"/>
+              </a:solidFill>
+              <a:latin typeface="Courier New" pitchFamily="49"/>
+              <a:cs typeface="Courier New" pitchFamily="49"/>
+            </a:endParaRPr>
           </a:p>
         </p:txBody>
       </p:sp>
@@ -26661,7 +26710,7 @@
                 <a:latin typeface="Courier New" pitchFamily="49"/>
                 <a:cs typeface="Courier New" pitchFamily="49"/>
               </a:rPr>
-              <a:t>So</a:t>
+              <a:t>When</a:t>
             </a:r>
             <a:r>
               <a:rPr lang="nl-NL" dirty="0">
@@ -26671,7 +26720,7 @@
                 <a:latin typeface="Courier New" pitchFamily="49"/>
                 <a:cs typeface="Courier New" pitchFamily="49"/>
               </a:rPr>
-              <a:t> far, </a:t>
+              <a:t> sent </a:t>
             </a:r>
             <a:r>
               <a:rPr lang="nl-NL" dirty="0" err="1">
@@ -26681,7 +26730,7 @@
                 <a:latin typeface="Courier New" pitchFamily="49"/>
                 <a:cs typeface="Courier New" pitchFamily="49"/>
               </a:rPr>
-              <a:t>we’ve</a:t>
+              <a:t>this</a:t>
             </a:r>
             <a:r>
               <a:rPr lang="nl-NL" dirty="0">
@@ -26691,8 +26740,13 @@
                 <a:latin typeface="Courier New" pitchFamily="49"/>
                 <a:cs typeface="Courier New" pitchFamily="49"/>
               </a:rPr>
-              <a:t> </a:t>
-            </a:r>
+              <a:t> JSON</a:t>
+            </a:r>
+          </a:p>
+          <a:p>
+            <a:pPr marL="0" lvl="0" indent="0">
+              <a:buNone/>
+            </a:pPr>
             <a:r>
               <a:rPr lang="nl-NL" dirty="0" err="1">
                 <a:solidFill>
@@ -26701,7 +26755,7 @@
                 <a:latin typeface="Courier New" pitchFamily="49"/>
                 <a:cs typeface="Courier New" pitchFamily="49"/>
               </a:rPr>
-              <a:t>only</a:t>
+              <a:t>request</a:t>
             </a:r>
             <a:r>
               <a:rPr lang="nl-NL" dirty="0">
@@ -26711,67 +26765,7 @@
                 <a:latin typeface="Courier New" pitchFamily="49"/>
                 <a:cs typeface="Courier New" pitchFamily="49"/>
               </a:rPr>
-              <a:t> </a:t>
-            </a:r>
-            <a:r>
-              <a:rPr lang="nl-NL" dirty="0" err="1">
-                <a:solidFill>
-                  <a:srgbClr val="00FF00"/>
-                </a:solidFill>
-                <a:latin typeface="Courier New" pitchFamily="49"/>
-                <a:cs typeface="Courier New" pitchFamily="49"/>
-              </a:rPr>
-              <a:t>specified</a:t>
-            </a:r>
-            <a:r>
-              <a:rPr lang="nl-NL" dirty="0">
-                <a:solidFill>
-                  <a:srgbClr val="00FF00"/>
-                </a:solidFill>
-                <a:latin typeface="Courier New" pitchFamily="49"/>
-                <a:cs typeface="Courier New" pitchFamily="49"/>
-              </a:rPr>
-              <a:t> </a:t>
-            </a:r>
-            <a:r>
-              <a:rPr lang="nl-NL" dirty="0" err="1">
-                <a:solidFill>
-                  <a:srgbClr val="00FF00"/>
-                </a:solidFill>
-                <a:latin typeface="Courier New" pitchFamily="49"/>
-                <a:cs typeface="Courier New" pitchFamily="49"/>
-              </a:rPr>
-              <a:t>mock</a:t>
-            </a:r>
-            <a:r>
-              <a:rPr lang="nl-NL" dirty="0">
-                <a:solidFill>
-                  <a:srgbClr val="00FF00"/>
-                </a:solidFill>
-                <a:latin typeface="Courier New" pitchFamily="49"/>
-                <a:cs typeface="Courier New" pitchFamily="49"/>
-              </a:rPr>
-              <a:t> </a:t>
-            </a:r>
-            <a:r>
-              <a:rPr lang="nl-NL" dirty="0" err="1">
-                <a:solidFill>
-                  <a:srgbClr val="00FF00"/>
-                </a:solidFill>
-                <a:latin typeface="Courier New" pitchFamily="49"/>
-                <a:cs typeface="Courier New" pitchFamily="49"/>
-              </a:rPr>
-              <a:t>behaviour</a:t>
-            </a:r>
-            <a:r>
-              <a:rPr lang="nl-NL" dirty="0">
-                <a:solidFill>
-                  <a:srgbClr val="00FF00"/>
-                </a:solidFill>
-                <a:latin typeface="Courier New" pitchFamily="49"/>
-                <a:cs typeface="Courier New" pitchFamily="49"/>
-              </a:rPr>
-              <a:t> in Java code</a:t>
+              <a:t> body:</a:t>
             </a:r>
           </a:p>
           <a:p>
@@ -26792,102 +26786,6 @@
               <a:buFont typeface="Courier New" pitchFamily="49"/>
               <a:buChar char="_"/>
             </a:pPr>
-            <a:r>
-              <a:rPr lang="nl-NL" dirty="0">
-                <a:solidFill>
-                  <a:srgbClr val="00FF00"/>
-                </a:solidFill>
-                <a:latin typeface="Courier New" pitchFamily="49"/>
-                <a:cs typeface="Courier New" pitchFamily="49"/>
-              </a:rPr>
-              <a:t>Mocks live </a:t>
-            </a:r>
-            <a:r>
-              <a:rPr lang="nl-NL" dirty="0" err="1">
-                <a:solidFill>
-                  <a:srgbClr val="00FF00"/>
-                </a:solidFill>
-                <a:latin typeface="Courier New" pitchFamily="49"/>
-                <a:cs typeface="Courier New" pitchFamily="49"/>
-              </a:rPr>
-              <a:t>for</a:t>
-            </a:r>
-            <a:r>
-              <a:rPr lang="nl-NL" dirty="0">
-                <a:solidFill>
-                  <a:srgbClr val="00FF00"/>
-                </a:solidFill>
-                <a:latin typeface="Courier New" pitchFamily="49"/>
-                <a:cs typeface="Courier New" pitchFamily="49"/>
-              </a:rPr>
-              <a:t> </a:t>
-            </a:r>
-            <a:r>
-              <a:rPr lang="nl-NL" dirty="0" err="1">
-                <a:solidFill>
-                  <a:srgbClr val="00FF00"/>
-                </a:solidFill>
-                <a:latin typeface="Courier New" pitchFamily="49"/>
-                <a:cs typeface="Courier New" pitchFamily="49"/>
-              </a:rPr>
-              <a:t>the</a:t>
-            </a:r>
-            <a:r>
-              <a:rPr lang="nl-NL" dirty="0">
-                <a:solidFill>
-                  <a:srgbClr val="00FF00"/>
-                </a:solidFill>
-                <a:latin typeface="Courier New" pitchFamily="49"/>
-                <a:cs typeface="Courier New" pitchFamily="49"/>
-              </a:rPr>
-              <a:t> </a:t>
-            </a:r>
-            <a:r>
-              <a:rPr lang="nl-NL" dirty="0" err="1">
-                <a:solidFill>
-                  <a:srgbClr val="00FF00"/>
-                </a:solidFill>
-                <a:latin typeface="Courier New" pitchFamily="49"/>
-                <a:cs typeface="Courier New" pitchFamily="49"/>
-              </a:rPr>
-              <a:t>duration</a:t>
-            </a:r>
-            <a:r>
-              <a:rPr lang="nl-NL" dirty="0">
-                <a:solidFill>
-                  <a:srgbClr val="00FF00"/>
-                </a:solidFill>
-                <a:latin typeface="Courier New" pitchFamily="49"/>
-                <a:cs typeface="Courier New" pitchFamily="49"/>
-              </a:rPr>
-              <a:t> of </a:t>
-            </a:r>
-            <a:r>
-              <a:rPr lang="nl-NL" dirty="0" err="1">
-                <a:solidFill>
-                  <a:srgbClr val="00FF00"/>
-                </a:solidFill>
-                <a:latin typeface="Courier New" pitchFamily="49"/>
-                <a:cs typeface="Courier New" pitchFamily="49"/>
-              </a:rPr>
-              <a:t>the</a:t>
-            </a:r>
-            <a:r>
-              <a:rPr lang="nl-NL" dirty="0">
-                <a:solidFill>
-                  <a:srgbClr val="00FF00"/>
-                </a:solidFill>
-                <a:latin typeface="Courier New" pitchFamily="49"/>
-                <a:cs typeface="Courier New" pitchFamily="49"/>
-              </a:rPr>
-              <a:t> test run</a:t>
-            </a:r>
-          </a:p>
-          <a:p>
-            <a:pPr lvl="0">
-              <a:buFont typeface="Courier New" pitchFamily="49"/>
-              <a:buChar char="_"/>
-            </a:pPr>
             <a:endParaRPr lang="nl-NL" dirty="0">
               <a:solidFill>
                 <a:srgbClr val="00FF00"/>
@@ -26902,6 +26800,16 @@
               <a:buChar char="_"/>
             </a:pPr>
             <a:r>
+              <a:rPr lang="nl-NL" dirty="0" err="1">
+                <a:solidFill>
+                  <a:srgbClr val="00FF00"/>
+                </a:solidFill>
+                <a:latin typeface="Courier New" pitchFamily="49"/>
+                <a:cs typeface="Courier New" pitchFamily="49"/>
+              </a:rPr>
+              <a:t>This</a:t>
+            </a:r>
+            <a:r>
               <a:rPr lang="nl-NL" dirty="0">
                 <a:solidFill>
                   <a:srgbClr val="00FF00"/>
@@ -26909,7 +26817,7 @@
                 <a:latin typeface="Courier New" pitchFamily="49"/>
                 <a:cs typeface="Courier New" pitchFamily="49"/>
               </a:rPr>
-              <a:t>Want </a:t>
+              <a:t> </a:t>
             </a:r>
             <a:r>
               <a:rPr lang="nl-NL" dirty="0" err="1">
@@ -26919,7 +26827,7 @@
                 <a:latin typeface="Courier New" pitchFamily="49"/>
                 <a:cs typeface="Courier New" pitchFamily="49"/>
               </a:rPr>
-              <a:t>longer</a:t>
+              <a:t>stub</a:t>
             </a:r>
             <a:r>
               <a:rPr lang="nl-NL" dirty="0">
@@ -26929,7 +26837,7 @@
                 <a:latin typeface="Courier New" pitchFamily="49"/>
                 <a:cs typeface="Courier New" pitchFamily="49"/>
               </a:rPr>
-              <a:t> living </a:t>
+              <a:t> returns a response </a:t>
             </a:r>
             <a:r>
               <a:rPr lang="nl-NL" dirty="0" err="1">
@@ -26939,7 +26847,7 @@
                 <a:latin typeface="Courier New" pitchFamily="49"/>
                 <a:cs typeface="Courier New" pitchFamily="49"/>
               </a:rPr>
-              <a:t>mocks</a:t>
+              <a:t>with</a:t>
             </a:r>
             <a:r>
               <a:rPr lang="nl-NL" dirty="0">
@@ -26949,7 +26857,7 @@
                 <a:latin typeface="Courier New" pitchFamily="49"/>
                 <a:cs typeface="Courier New" pitchFamily="49"/>
               </a:rPr>
-              <a:t>? </a:t>
+              <a:t> body “</a:t>
             </a:r>
             <a:r>
               <a:rPr lang="nl-NL" dirty="0" err="1">
@@ -26959,7 +26867,7 @@
                 <a:latin typeface="Courier New" pitchFamily="49"/>
                 <a:cs typeface="Courier New" pitchFamily="49"/>
               </a:rPr>
-              <a:t>Use</a:t>
+              <a:t>Pillars</a:t>
             </a:r>
             <a:r>
               <a:rPr lang="nl-NL" dirty="0">
@@ -26969,7 +26877,7 @@
                 <a:latin typeface="Courier New" pitchFamily="49"/>
                 <a:cs typeface="Courier New" pitchFamily="49"/>
               </a:rPr>
-              <a:t> JSON </a:t>
+              <a:t> of </a:t>
             </a:r>
             <a:r>
               <a:rPr lang="nl-NL" dirty="0" err="1">
@@ -26979,7 +26887,7 @@
                 <a:latin typeface="Courier New" pitchFamily="49"/>
                 <a:cs typeface="Courier New" pitchFamily="49"/>
               </a:rPr>
-              <a:t>mapping</a:t>
+              <a:t>the</a:t>
             </a:r>
             <a:r>
               <a:rPr lang="nl-NL" dirty="0">
@@ -26989,111 +26897,75 @@
                 <a:latin typeface="Courier New" pitchFamily="49"/>
                 <a:cs typeface="Courier New" pitchFamily="49"/>
               </a:rPr>
-              <a:t> files</a:t>
-            </a:r>
-          </a:p>
-          <a:p>
-            <a:pPr lvl="0">
-              <a:buFont typeface="Courier New" pitchFamily="49"/>
-              <a:buChar char="_"/>
-            </a:pPr>
-            <a:endParaRPr lang="nl-NL" dirty="0">
-              <a:solidFill>
-                <a:srgbClr val="00FF00"/>
-              </a:solidFill>
-              <a:latin typeface="Courier New" pitchFamily="49"/>
-              <a:cs typeface="Courier New" pitchFamily="49"/>
-            </a:endParaRPr>
-          </a:p>
-          <a:p>
-            <a:pPr lvl="0">
-              <a:buFont typeface="Courier New" pitchFamily="49"/>
-              <a:buChar char="_"/>
-            </a:pPr>
-            <a:r>
-              <a:rPr lang="nl-NL" dirty="0" err="1">
-                <a:solidFill>
-                  <a:srgbClr val="00FF00"/>
-                </a:solidFill>
-                <a:latin typeface="Courier New" pitchFamily="49"/>
-                <a:cs typeface="Courier New" pitchFamily="49"/>
-              </a:rPr>
-              <a:t>WireMock</a:t>
-            </a:r>
-            <a:r>
-              <a:rPr lang="nl-NL" dirty="0">
-                <a:solidFill>
-                  <a:srgbClr val="00FF00"/>
-                </a:solidFill>
-                <a:latin typeface="Courier New" pitchFamily="49"/>
-                <a:cs typeface="Courier New" pitchFamily="49"/>
-              </a:rPr>
-              <a:t> </a:t>
-            </a:r>
-            <a:r>
-              <a:rPr lang="nl-NL" dirty="0" err="1">
-                <a:solidFill>
-                  <a:srgbClr val="00FF00"/>
-                </a:solidFill>
-                <a:latin typeface="Courier New" pitchFamily="49"/>
-                <a:cs typeface="Courier New" pitchFamily="49"/>
-              </a:rPr>
-              <a:t>can</a:t>
-            </a:r>
-            <a:r>
-              <a:rPr lang="nl-NL" dirty="0">
-                <a:solidFill>
-                  <a:srgbClr val="00FF00"/>
-                </a:solidFill>
-                <a:latin typeface="Courier New" pitchFamily="49"/>
-                <a:cs typeface="Courier New" pitchFamily="49"/>
-              </a:rPr>
-              <a:t> </a:t>
-            </a:r>
-            <a:r>
-              <a:rPr lang="nl-NL" dirty="0" err="1">
-                <a:solidFill>
-                  <a:srgbClr val="00FF00"/>
-                </a:solidFill>
-                <a:latin typeface="Courier New" pitchFamily="49"/>
-                <a:cs typeface="Courier New" pitchFamily="49"/>
-              </a:rPr>
-              <a:t>be</a:t>
-            </a:r>
-            <a:r>
-              <a:rPr lang="nl-NL" dirty="0">
-                <a:solidFill>
-                  <a:srgbClr val="00FF00"/>
-                </a:solidFill>
-                <a:latin typeface="Courier New" pitchFamily="49"/>
-                <a:cs typeface="Courier New" pitchFamily="49"/>
-              </a:rPr>
-              <a:t> run as a standalone </a:t>
-            </a:r>
-            <a:r>
-              <a:rPr lang="nl-NL" dirty="0" err="1">
-                <a:solidFill>
-                  <a:srgbClr val="00FF00"/>
-                </a:solidFill>
-                <a:latin typeface="Courier New" pitchFamily="49"/>
-                <a:cs typeface="Courier New" pitchFamily="49"/>
-              </a:rPr>
-              <a:t>process</a:t>
-            </a:r>
-            <a:endParaRPr lang="nl-NL" dirty="0">
-              <a:solidFill>
-                <a:srgbClr val="00FF00"/>
-              </a:solidFill>
-              <a:latin typeface="Courier New" pitchFamily="49"/>
-              <a:cs typeface="Courier New" pitchFamily="49"/>
-            </a:endParaRPr>
+              <a:t> Earth”:</a:t>
+            </a:r>
           </a:p>
         </p:txBody>
       </p:sp>
+      <p:pic>
+        <p:nvPicPr>
+          <p:cNvPr id="4" name="Picture 3">
+            <a:extLst>
+              <a:ext uri="{FF2B5EF4-FFF2-40B4-BE49-F238E27FC236}">
+                <a16:creationId xmlns:a16="http://schemas.microsoft.com/office/drawing/2014/main" id="{404CF2BD-5444-418C-A24C-ACB871096235}"/>
+              </a:ext>
+            </a:extLst>
+          </p:cNvPr>
+          <p:cNvPicPr>
+            <a:picLocks noChangeAspect="1"/>
+          </p:cNvPicPr>
+          <p:nvPr/>
+        </p:nvPicPr>
+        <p:blipFill>
+          <a:blip r:embed="rId2"/>
+          <a:stretch>
+            <a:fillRect/>
+          </a:stretch>
+        </p:blipFill>
+        <p:spPr>
+          <a:xfrm>
+            <a:off x="6096000" y="1885950"/>
+            <a:ext cx="4562475" cy="1543050"/>
+          </a:xfrm>
+          <a:prstGeom prst="rect">
+            <a:avLst/>
+          </a:prstGeom>
+        </p:spPr>
+      </p:pic>
+      <p:pic>
+        <p:nvPicPr>
+          <p:cNvPr id="5" name="Afbeelding 4">
+            <a:extLst>
+              <a:ext uri="{FF2B5EF4-FFF2-40B4-BE49-F238E27FC236}">
+                <a16:creationId xmlns:a16="http://schemas.microsoft.com/office/drawing/2014/main" id="{537C0C9D-3ABD-4CFF-B4DE-3E68D99DA22C}"/>
+              </a:ext>
+            </a:extLst>
+          </p:cNvPr>
+          <p:cNvPicPr>
+            <a:picLocks noChangeAspect="1"/>
+          </p:cNvPicPr>
+          <p:nvPr/>
+        </p:nvPicPr>
+        <p:blipFill>
+          <a:blip r:embed="rId3"/>
+          <a:stretch>
+            <a:fillRect/>
+          </a:stretch>
+        </p:blipFill>
+        <p:spPr>
+          <a:xfrm>
+            <a:off x="4829175" y="4323066"/>
+            <a:ext cx="5829300" cy="2419350"/>
+          </a:xfrm>
+          <a:prstGeom prst="rect">
+            <a:avLst/>
+          </a:prstGeom>
+        </p:spPr>
+      </p:pic>
     </p:spTree>
     <p:extLst>
       <p:ext uri="{BB962C8B-B14F-4D97-AF65-F5344CB8AC3E}">
-        <p14:creationId xmlns:p14="http://schemas.microsoft.com/office/powerpoint/2010/main" val="429990327"/>
+        <p14:creationId xmlns:p14="http://schemas.microsoft.com/office/powerpoint/2010/main" val="2286378401"/>
       </p:ext>
     </p:extLst>
   </p:cSld>
@@ -27964,7 +27836,7 @@
           <p:cNvPr id="2" name="Title 1">
             <a:extLst>
               <a:ext uri="{FF2B5EF4-FFF2-40B4-BE49-F238E27FC236}">
-                <a16:creationId xmlns:a16="http://schemas.microsoft.com/office/drawing/2014/main" id="{19F5B244-0AC6-4FDB-90B1-15F77C3031D0}"/>
+                <a16:creationId xmlns:a16="http://schemas.microsoft.com/office/drawing/2014/main" id="{C0B4D458-4D33-4286-AFEF-1B613A4DDEAA}"/>
               </a:ext>
             </a:extLst>
           </p:cNvPr>
@@ -27982,35 +27854,22 @@
           <a:p>
             <a:pPr lvl="0"/>
             <a:r>
-              <a:rPr lang="nl-NL" dirty="0">
-                <a:solidFill>
-                  <a:srgbClr val="00FF00"/>
-                </a:solidFill>
-                <a:latin typeface="Courier New" pitchFamily="49"/>
-                <a:cs typeface="Courier New" pitchFamily="49"/>
-              </a:rPr>
-              <a:t>Running </a:t>
-            </a:r>
-            <a:r>
-              <a:rPr lang="nl-NL" dirty="0" err="1">
-                <a:solidFill>
-                  <a:srgbClr val="00FF00"/>
-                </a:solidFill>
-                <a:latin typeface="Courier New" pitchFamily="49"/>
-                <a:cs typeface="Courier New" pitchFamily="49"/>
-              </a:rPr>
-              <a:t>WireMock</a:t>
-            </a:r>
-            <a:r>
-              <a:rPr lang="nl-NL" dirty="0">
-                <a:solidFill>
-                  <a:srgbClr val="00FF00"/>
-                </a:solidFill>
-                <a:latin typeface="Courier New" pitchFamily="49"/>
-                <a:cs typeface="Courier New" pitchFamily="49"/>
-              </a:rPr>
-              <a:t> standalone</a:t>
-            </a:r>
+              <a:rPr lang="nl-NL">
+                <a:solidFill>
+                  <a:srgbClr val="00FF00"/>
+                </a:solidFill>
+                <a:latin typeface="Courier New" pitchFamily="49"/>
+                <a:cs typeface="Courier New" pitchFamily="49"/>
+              </a:rPr>
+              <a:t>Now it’s your turn!</a:t>
+            </a:r>
+            <a:endParaRPr lang="nl-NL" dirty="0">
+              <a:solidFill>
+                <a:srgbClr val="00FF00"/>
+              </a:solidFill>
+              <a:latin typeface="Courier New" pitchFamily="49"/>
+              <a:cs typeface="Courier New" pitchFamily="49"/>
+            </a:endParaRPr>
           </a:p>
         </p:txBody>
       </p:sp>
@@ -28019,7 +27878,7 @@
           <p:cNvPr id="3" name="Content Placeholder 2">
             <a:extLst>
               <a:ext uri="{FF2B5EF4-FFF2-40B4-BE49-F238E27FC236}">
-                <a16:creationId xmlns:a16="http://schemas.microsoft.com/office/drawing/2014/main" id="{D139C82B-AD86-4DD7-A5E8-FF4019CEF5E1}"/>
+                <a16:creationId xmlns:a16="http://schemas.microsoft.com/office/drawing/2014/main" id="{9A05396D-29B9-41A6-9997-E363A9EA5C37}"/>
               </a:ext>
             </a:extLst>
           </p:cNvPr>
@@ -28030,21 +27889,44 @@
             <p:ph idx="1"/>
           </p:nvPr>
         </p:nvSpPr>
-        <p:spPr>
-          <a:xfrm>
-            <a:off x="838203" y="1825627"/>
-            <a:ext cx="11257719" cy="4351336"/>
-          </a:xfrm>
-        </p:spPr>
+        <p:spPr/>
         <p:txBody>
-          <a:bodyPr/>
+          <a:bodyPr>
+            <a:normAutofit/>
+          </a:bodyPr>
           <a:lstStyle/>
+          <a:p>
+            <a:pPr lvl="0">
+              <a:buFont typeface="Courier New" pitchFamily="49"/>
+              <a:buChar char="_"/>
+            </a:pPr>
+            <a:r>
+              <a:rPr lang="nl-NL">
+                <a:solidFill>
+                  <a:srgbClr val="00FF00"/>
+                </a:solidFill>
+                <a:latin typeface="Courier New" pitchFamily="49"/>
+                <a:cs typeface="Courier New" pitchFamily="49"/>
+              </a:rPr>
+              <a:t>src/test/java/wiremockexercises/</a:t>
+            </a:r>
+          </a:p>
           <a:p>
             <a:pPr marL="0" lvl="0" indent="0">
               <a:buNone/>
             </a:pPr>
             <a:r>
-              <a:rPr lang="nl-NL" i="1" dirty="0" err="1">
+              <a:rPr lang="nl-NL">
+                <a:solidFill>
+                  <a:srgbClr val="00FF00"/>
+                </a:solidFill>
+                <a:latin typeface="Courier New" pitchFamily="49"/>
+                <a:cs typeface="Courier New" pitchFamily="49"/>
+              </a:rPr>
+              <a:t>WireMockExercises4.</a:t>
+            </a:r>
+            <a:r>
+              <a:rPr lang="nl-NL" dirty="0">
                 <a:solidFill>
                   <a:srgbClr val="00FF00"/>
                 </a:solidFill>
@@ -28052,36 +27934,6 @@
                 <a:cs typeface="Courier New" pitchFamily="49"/>
               </a:rPr>
               <a:t>java</a:t>
-            </a:r>
-            <a:r>
-              <a:rPr lang="nl-NL" i="1" dirty="0">
-                <a:solidFill>
-                  <a:srgbClr val="00FF00"/>
-                </a:solidFill>
-                <a:latin typeface="Courier New" pitchFamily="49"/>
-                <a:cs typeface="Courier New" pitchFamily="49"/>
-              </a:rPr>
-              <a:t> –</a:t>
-            </a:r>
-            <a:r>
-              <a:rPr lang="nl-NL" i="1" dirty="0" err="1">
-                <a:solidFill>
-                  <a:srgbClr val="00FF00"/>
-                </a:solidFill>
-                <a:latin typeface="Courier New" pitchFamily="49"/>
-                <a:cs typeface="Courier New" pitchFamily="49"/>
-              </a:rPr>
-              <a:t>jar</a:t>
-            </a:r>
-            <a:r>
-              <a:rPr lang="nl-NL" i="1" dirty="0">
-                <a:solidFill>
-                  <a:srgbClr val="00FF00"/>
-                </a:solidFill>
-                <a:latin typeface="Courier New" pitchFamily="49"/>
-                <a:cs typeface="Courier New" pitchFamily="49"/>
-              </a:rPr>
-              <a:t> wiremock-standalone-2.18.0.jar --port 9876</a:t>
             </a:r>
           </a:p>
           <a:p>
@@ -28103,125 +27955,47 @@
               <a:buChar char="_"/>
             </a:pPr>
             <a:r>
-              <a:rPr lang="nl-NL" dirty="0">
-                <a:solidFill>
-                  <a:srgbClr val="00FF00"/>
-                </a:solidFill>
-                <a:latin typeface="Courier New" pitchFamily="49"/>
-                <a:cs typeface="Courier New" pitchFamily="49"/>
-              </a:rPr>
-              <a:t>‘</a:t>
-            </a:r>
-            <a:r>
-              <a:rPr lang="nl-NL" dirty="0" err="1">
-                <a:solidFill>
-                  <a:srgbClr val="00FF00"/>
-                </a:solidFill>
-                <a:latin typeface="Courier New" pitchFamily="49"/>
-                <a:cs typeface="Courier New" pitchFamily="49"/>
-              </a:rPr>
-              <a:t>mappings</a:t>
-            </a:r>
-            <a:r>
-              <a:rPr lang="nl-NL" dirty="0">
-                <a:solidFill>
-                  <a:srgbClr val="00FF00"/>
-                </a:solidFill>
-                <a:latin typeface="Courier New" pitchFamily="49"/>
-                <a:cs typeface="Courier New" pitchFamily="49"/>
-              </a:rPr>
-              <a:t>’ </a:t>
-            </a:r>
-            <a:r>
-              <a:rPr lang="nl-NL" dirty="0" err="1">
-                <a:solidFill>
-                  <a:srgbClr val="00FF00"/>
-                </a:solidFill>
-                <a:latin typeface="Courier New" pitchFamily="49"/>
-                <a:cs typeface="Courier New" pitchFamily="49"/>
-              </a:rPr>
-              <a:t>subfolder</a:t>
-            </a:r>
-            <a:r>
-              <a:rPr lang="nl-NL" dirty="0">
-                <a:solidFill>
-                  <a:srgbClr val="00FF00"/>
-                </a:solidFill>
-                <a:latin typeface="Courier New" pitchFamily="49"/>
-                <a:cs typeface="Courier New" pitchFamily="49"/>
-              </a:rPr>
-              <a:t> </a:t>
-            </a:r>
-            <a:r>
-              <a:rPr lang="nl-NL" dirty="0" err="1">
-                <a:solidFill>
-                  <a:srgbClr val="00FF00"/>
-                </a:solidFill>
-                <a:latin typeface="Courier New" pitchFamily="49"/>
-                <a:cs typeface="Courier New" pitchFamily="49"/>
-              </a:rPr>
-              <a:t>should</a:t>
-            </a:r>
-            <a:r>
-              <a:rPr lang="nl-NL" dirty="0">
-                <a:solidFill>
-                  <a:srgbClr val="00FF00"/>
-                </a:solidFill>
-                <a:latin typeface="Courier New" pitchFamily="49"/>
-                <a:cs typeface="Courier New" pitchFamily="49"/>
-              </a:rPr>
-              <a:t> </a:t>
-            </a:r>
-            <a:r>
-              <a:rPr lang="nl-NL" dirty="0" err="1">
-                <a:solidFill>
-                  <a:srgbClr val="00FF00"/>
-                </a:solidFill>
-                <a:latin typeface="Courier New" pitchFamily="49"/>
-                <a:cs typeface="Courier New" pitchFamily="49"/>
-              </a:rPr>
-              <a:t>contain</a:t>
-            </a:r>
-            <a:r>
-              <a:rPr lang="nl-NL" dirty="0">
-                <a:solidFill>
-                  <a:srgbClr val="00FF00"/>
-                </a:solidFill>
-                <a:latin typeface="Courier New" pitchFamily="49"/>
-                <a:cs typeface="Courier New" pitchFamily="49"/>
-              </a:rPr>
-              <a:t> JSON </a:t>
-            </a:r>
-            <a:r>
-              <a:rPr lang="nl-NL" dirty="0" err="1">
-                <a:solidFill>
-                  <a:srgbClr val="00FF00"/>
-                </a:solidFill>
-                <a:latin typeface="Courier New" pitchFamily="49"/>
-                <a:cs typeface="Courier New" pitchFamily="49"/>
-              </a:rPr>
-              <a:t>mapping</a:t>
-            </a:r>
-            <a:r>
-              <a:rPr lang="nl-NL" dirty="0">
-                <a:solidFill>
-                  <a:srgbClr val="00FF00"/>
-                </a:solidFill>
-                <a:latin typeface="Courier New" pitchFamily="49"/>
-                <a:cs typeface="Courier New" pitchFamily="49"/>
-              </a:rPr>
-              <a:t> </a:t>
-            </a:r>
-            <a:r>
-              <a:rPr lang="nl-NL" dirty="0" err="1">
-                <a:solidFill>
-                  <a:srgbClr val="00FF00"/>
-                </a:solidFill>
-                <a:latin typeface="Courier New" pitchFamily="49"/>
-                <a:cs typeface="Courier New" pitchFamily="49"/>
-              </a:rPr>
-              <a:t>definitions</a:t>
-            </a:r>
+              <a:rPr lang="nl-NL" err="1">
+                <a:solidFill>
+                  <a:srgbClr val="00FF00"/>
+                </a:solidFill>
+                <a:latin typeface="Courier New" pitchFamily="49"/>
+                <a:cs typeface="Courier New" pitchFamily="49"/>
+              </a:rPr>
+              <a:t>Create</a:t>
+            </a:r>
+            <a:r>
+              <a:rPr lang="nl-NL">
+                <a:solidFill>
+                  <a:srgbClr val="00FF00"/>
+                </a:solidFill>
+                <a:latin typeface="Courier New" pitchFamily="49"/>
+                <a:cs typeface="Courier New" pitchFamily="49"/>
+              </a:rPr>
+              <a:t> mocks that use response templating</a:t>
+            </a:r>
+          </a:p>
+          <a:p>
+            <a:pPr lvl="1">
+              <a:buFont typeface="Courier New" pitchFamily="49"/>
+              <a:buChar char="_"/>
+            </a:pPr>
+            <a:r>
+              <a:rPr lang="nl-NL">
+                <a:solidFill>
+                  <a:srgbClr val="00FF00"/>
+                </a:solidFill>
+                <a:latin typeface="Courier New" pitchFamily="49"/>
+                <a:cs typeface="Courier New" pitchFamily="49"/>
+              </a:rPr>
+              <a:t>You can choose between Java, JSON or do both</a:t>
+            </a:r>
+          </a:p>
+          <a:p>
+            <a:pPr lvl="1">
+              <a:buFont typeface="Courier New" pitchFamily="49"/>
+              <a:buChar char="_"/>
+            </a:pPr>
             <a:endParaRPr lang="nl-NL" dirty="0">
               <a:solidFill>
                 <a:srgbClr val="00FF00"/>
@@ -28235,6 +28009,92 @@
               <a:buFont typeface="Courier New" pitchFamily="49"/>
               <a:buChar char="_"/>
             </a:pPr>
+            <a:r>
+              <a:rPr lang="nl-NL" dirty="0" err="1">
+                <a:solidFill>
+                  <a:srgbClr val="00FF00"/>
+                </a:solidFill>
+                <a:latin typeface="Courier New" pitchFamily="49"/>
+                <a:cs typeface="Courier New" pitchFamily="49"/>
+              </a:rPr>
+              <a:t>Verify</a:t>
+            </a:r>
+            <a:r>
+              <a:rPr lang="nl-NL" dirty="0">
+                <a:solidFill>
+                  <a:srgbClr val="00FF00"/>
+                </a:solidFill>
+                <a:latin typeface="Courier New" pitchFamily="49"/>
+                <a:cs typeface="Courier New" pitchFamily="49"/>
+              </a:rPr>
+              <a:t> </a:t>
+            </a:r>
+            <a:r>
+              <a:rPr lang="nl-NL" dirty="0" err="1">
+                <a:solidFill>
+                  <a:srgbClr val="00FF00"/>
+                </a:solidFill>
+                <a:latin typeface="Courier New" pitchFamily="49"/>
+                <a:cs typeface="Courier New" pitchFamily="49"/>
+              </a:rPr>
+              <a:t>your</a:t>
+            </a:r>
+            <a:r>
+              <a:rPr lang="nl-NL" dirty="0">
+                <a:solidFill>
+                  <a:srgbClr val="00FF00"/>
+                </a:solidFill>
+                <a:latin typeface="Courier New" pitchFamily="49"/>
+                <a:cs typeface="Courier New" pitchFamily="49"/>
+              </a:rPr>
+              <a:t> solution </a:t>
+            </a:r>
+            <a:r>
+              <a:rPr lang="nl-NL" dirty="0" err="1">
+                <a:solidFill>
+                  <a:srgbClr val="00FF00"/>
+                </a:solidFill>
+                <a:latin typeface="Courier New" pitchFamily="49"/>
+                <a:cs typeface="Courier New" pitchFamily="49"/>
+              </a:rPr>
+              <a:t>by</a:t>
+            </a:r>
+            <a:r>
+              <a:rPr lang="nl-NL" dirty="0">
+                <a:solidFill>
+                  <a:srgbClr val="00FF00"/>
+                </a:solidFill>
+                <a:latin typeface="Courier New" pitchFamily="49"/>
+                <a:cs typeface="Courier New" pitchFamily="49"/>
+              </a:rPr>
+              <a:t> running </a:t>
+            </a:r>
+            <a:r>
+              <a:rPr lang="nl-NL" dirty="0" err="1">
+                <a:solidFill>
+                  <a:srgbClr val="00FF00"/>
+                </a:solidFill>
+                <a:latin typeface="Courier New" pitchFamily="49"/>
+                <a:cs typeface="Courier New" pitchFamily="49"/>
+              </a:rPr>
+              <a:t>the</a:t>
+            </a:r>
+            <a:r>
+              <a:rPr lang="nl-NL" dirty="0">
+                <a:solidFill>
+                  <a:srgbClr val="00FF00"/>
+                </a:solidFill>
+                <a:latin typeface="Courier New" pitchFamily="49"/>
+                <a:cs typeface="Courier New" pitchFamily="49"/>
+              </a:rPr>
+              <a:t> tests</a:t>
+            </a:r>
+          </a:p>
+          <a:p>
+            <a:pPr lvl="0">
+              <a:buFont typeface="Courier New" pitchFamily="49"/>
+              <a:buChar char="_"/>
+            </a:pPr>
             <a:endParaRPr lang="nl-NL" dirty="0">
               <a:solidFill>
                 <a:srgbClr val="00FF00"/>
@@ -28248,83 +28108,59 @@
               <a:buFont typeface="Courier New" pitchFamily="49"/>
               <a:buChar char="_"/>
             </a:pPr>
-            <a:r>
-              <a:rPr lang="nl-NL" dirty="0">
-                <a:solidFill>
-                  <a:srgbClr val="00FF00"/>
-                </a:solidFill>
-                <a:latin typeface="Courier New" pitchFamily="49"/>
-                <a:cs typeface="Courier New" pitchFamily="49"/>
-              </a:rPr>
-              <a:t>‘__files’ </a:t>
-            </a:r>
-            <a:r>
-              <a:rPr lang="nl-NL" dirty="0" err="1">
-                <a:solidFill>
-                  <a:srgbClr val="00FF00"/>
-                </a:solidFill>
-                <a:latin typeface="Courier New" pitchFamily="49"/>
-                <a:cs typeface="Courier New" pitchFamily="49"/>
-              </a:rPr>
-              <a:t>subfolder</a:t>
-            </a:r>
-            <a:r>
-              <a:rPr lang="nl-NL" dirty="0">
-                <a:solidFill>
-                  <a:srgbClr val="00FF00"/>
-                </a:solidFill>
-                <a:latin typeface="Courier New" pitchFamily="49"/>
-                <a:cs typeface="Courier New" pitchFamily="49"/>
-              </a:rPr>
-              <a:t> </a:t>
-            </a:r>
-            <a:r>
-              <a:rPr lang="nl-NL" dirty="0" err="1">
-                <a:solidFill>
-                  <a:srgbClr val="00FF00"/>
-                </a:solidFill>
-                <a:latin typeface="Courier New" pitchFamily="49"/>
-                <a:cs typeface="Courier New" pitchFamily="49"/>
-              </a:rPr>
-              <a:t>contains</a:t>
-            </a:r>
-            <a:r>
-              <a:rPr lang="nl-NL" dirty="0">
-                <a:solidFill>
-                  <a:srgbClr val="00FF00"/>
-                </a:solidFill>
-                <a:latin typeface="Courier New" pitchFamily="49"/>
-                <a:cs typeface="Courier New" pitchFamily="49"/>
-              </a:rPr>
-              <a:t> </a:t>
-            </a:r>
-            <a:r>
-              <a:rPr lang="nl-NL" dirty="0" err="1">
-                <a:solidFill>
-                  <a:srgbClr val="00FF00"/>
-                </a:solidFill>
-                <a:latin typeface="Courier New" pitchFamily="49"/>
-                <a:cs typeface="Courier New" pitchFamily="49"/>
-              </a:rPr>
-              <a:t>additional</a:t>
-            </a:r>
-            <a:r>
-              <a:rPr lang="nl-NL" dirty="0">
-                <a:solidFill>
-                  <a:srgbClr val="00FF00"/>
-                </a:solidFill>
-                <a:latin typeface="Courier New" pitchFamily="49"/>
-                <a:cs typeface="Courier New" pitchFamily="49"/>
-              </a:rPr>
-              <a:t> files</a:t>
-            </a:r>
+            <a:endParaRPr lang="nl-NL" dirty="0">
+              <a:solidFill>
+                <a:srgbClr val="00FF00"/>
+              </a:solidFill>
+              <a:latin typeface="Courier New" pitchFamily="49"/>
+              <a:cs typeface="Courier New" pitchFamily="49"/>
+            </a:endParaRPr>
+          </a:p>
+          <a:p>
+            <a:pPr lvl="0">
+              <a:buFont typeface="Courier New" pitchFamily="49"/>
+              <a:buChar char="_"/>
+            </a:pPr>
+            <a:endParaRPr lang="nl-NL" dirty="0">
+              <a:solidFill>
+                <a:srgbClr val="00FF00"/>
+              </a:solidFill>
+              <a:latin typeface="Courier New" pitchFamily="49"/>
+              <a:cs typeface="Courier New" pitchFamily="49"/>
+            </a:endParaRPr>
+          </a:p>
+          <a:p>
+            <a:pPr lvl="0">
+              <a:buFont typeface="Courier New" pitchFamily="49"/>
+              <a:buChar char="_"/>
+            </a:pPr>
+            <a:endParaRPr lang="nl-NL" dirty="0">
+              <a:solidFill>
+                <a:srgbClr val="00FF00"/>
+              </a:solidFill>
+              <a:latin typeface="Courier New" pitchFamily="49"/>
+              <a:cs typeface="Courier New" pitchFamily="49"/>
+            </a:endParaRPr>
+          </a:p>
+          <a:p>
+            <a:pPr lvl="0">
+              <a:buFont typeface="Courier New" pitchFamily="49"/>
+              <a:buChar char="_"/>
+            </a:pPr>
+            <a:endParaRPr lang="nl-NL" dirty="0">
+              <a:solidFill>
+                <a:srgbClr val="00FF00"/>
+              </a:solidFill>
+              <a:latin typeface="Courier New" pitchFamily="49"/>
+              <a:cs typeface="Courier New" pitchFamily="49"/>
+            </a:endParaRPr>
           </a:p>
         </p:txBody>
       </p:sp>
     </p:spTree>
     <p:extLst>
       <p:ext uri="{BB962C8B-B14F-4D97-AF65-F5344CB8AC3E}">
-        <p14:creationId xmlns:p14="http://schemas.microsoft.com/office/powerpoint/2010/main" val="2341157969"/>
+        <p14:creationId xmlns:p14="http://schemas.microsoft.com/office/powerpoint/2010/main" val="3146593969"/>
       </p:ext>
     </p:extLst>
   </p:cSld>
@@ -28340,7 +28176,7 @@
     <p:bg>
       <p:bgPr>
         <a:solidFill>
-          <a:srgbClr val="000000"/>
+          <a:schemeClr val="tx1"/>
         </a:solidFill>
         <a:effectLst/>
       </p:bgPr>
@@ -28361,2132 +28197,46 @@
       </p:grpSpPr>
       <p:sp>
         <p:nvSpPr>
-          <p:cNvPr id="2" name="Title 1">
-            <a:extLst>
-              <a:ext uri="{FF2B5EF4-FFF2-40B4-BE49-F238E27FC236}">
-                <a16:creationId xmlns:a16="http://schemas.microsoft.com/office/drawing/2014/main" id="{19F5B244-0AC6-4FDB-90B1-15F77C3031D0}"/>
-              </a:ext>
-            </a:extLst>
-          </p:cNvPr>
-          <p:cNvSpPr txBox="1">
+          <p:cNvPr id="2" name="Title 1"/>
+          <p:cNvSpPr>
             <a:spLocks noGrp="1"/>
           </p:cNvSpPr>
           <p:nvPr>
             <p:ph type="title"/>
           </p:nvPr>
         </p:nvSpPr>
-        <p:spPr/>
-        <p:txBody>
-          <a:bodyPr/>
-          <a:lstStyle/>
-          <a:p>
-            <a:pPr lvl="0"/>
-            <a:r>
-              <a:rPr lang="nl-NL" dirty="0">
-                <a:solidFill>
-                  <a:srgbClr val="00FF00"/>
-                </a:solidFill>
-                <a:latin typeface="Courier New" pitchFamily="49"/>
-                <a:cs typeface="Courier New" pitchFamily="49"/>
-              </a:rPr>
-              <a:t>JSON </a:t>
-            </a:r>
-            <a:r>
-              <a:rPr lang="nl-NL" dirty="0" err="1">
-                <a:solidFill>
-                  <a:srgbClr val="00FF00"/>
-                </a:solidFill>
-                <a:latin typeface="Courier New" pitchFamily="49"/>
-                <a:cs typeface="Courier New" pitchFamily="49"/>
-              </a:rPr>
-              <a:t>mapping</a:t>
-            </a:r>
-            <a:r>
-              <a:rPr lang="nl-NL" dirty="0">
-                <a:solidFill>
-                  <a:srgbClr val="00FF00"/>
-                </a:solidFill>
-                <a:latin typeface="Courier New" pitchFamily="49"/>
-                <a:cs typeface="Courier New" pitchFamily="49"/>
-              </a:rPr>
-              <a:t> files</a:t>
-            </a:r>
-          </a:p>
-        </p:txBody>
-      </p:sp>
-      <p:sp>
-        <p:nvSpPr>
-          <p:cNvPr id="3" name="Content Placeholder 2">
-            <a:extLst>
-              <a:ext uri="{FF2B5EF4-FFF2-40B4-BE49-F238E27FC236}">
-                <a16:creationId xmlns:a16="http://schemas.microsoft.com/office/drawing/2014/main" id="{D139C82B-AD86-4DD7-A5E8-FF4019CEF5E1}"/>
-              </a:ext>
-            </a:extLst>
-          </p:cNvPr>
-          <p:cNvSpPr txBox="1">
-            <a:spLocks noGrp="1"/>
-          </p:cNvSpPr>
-          <p:nvPr>
-            <p:ph idx="1"/>
-          </p:nvPr>
-        </p:nvSpPr>
         <p:spPr>
           <a:xfrm>
-            <a:off x="838203" y="1825627"/>
-            <a:ext cx="11257719" cy="4351336"/>
+            <a:off x="0" y="822325"/>
+            <a:ext cx="12192000" cy="6063107"/>
           </a:xfrm>
         </p:spPr>
         <p:txBody>
-          <a:bodyPr/>
+          <a:bodyPr>
+            <a:noAutofit/>
+          </a:bodyPr>
           <a:lstStyle/>
           <a:p>
-            <a:pPr lvl="0">
-              <a:buFont typeface="Courier New" pitchFamily="49"/>
-              <a:buChar char="_"/>
-            </a:pPr>
-            <a:r>
-              <a:rPr lang="nl-NL" dirty="0" err="1">
-                <a:solidFill>
-                  <a:srgbClr val="00FF00"/>
-                </a:solidFill>
-                <a:latin typeface="Courier New" pitchFamily="49"/>
-                <a:cs typeface="Courier New" pitchFamily="49"/>
-              </a:rPr>
-              <a:t>All</a:t>
-            </a:r>
-            <a:r>
-              <a:rPr lang="nl-NL" dirty="0">
-                <a:solidFill>
-                  <a:srgbClr val="00FF00"/>
-                </a:solidFill>
-                <a:latin typeface="Courier New" pitchFamily="49"/>
-                <a:cs typeface="Courier New" pitchFamily="49"/>
-              </a:rPr>
-              <a:t> features </a:t>
-            </a:r>
-            <a:r>
-              <a:rPr lang="nl-NL" dirty="0" err="1">
-                <a:solidFill>
-                  <a:srgbClr val="00FF00"/>
-                </a:solidFill>
-                <a:latin typeface="Courier New" pitchFamily="49"/>
-                <a:cs typeface="Courier New" pitchFamily="49"/>
-              </a:rPr>
-              <a:t>available</a:t>
-            </a:r>
-            <a:r>
-              <a:rPr lang="nl-NL" dirty="0">
-                <a:solidFill>
-                  <a:srgbClr val="00FF00"/>
-                </a:solidFill>
-                <a:latin typeface="Courier New" pitchFamily="49"/>
-                <a:cs typeface="Courier New" pitchFamily="49"/>
-              </a:rPr>
-              <a:t> in Java </a:t>
-            </a:r>
-            <a:r>
-              <a:rPr lang="nl-NL" dirty="0" err="1">
-                <a:solidFill>
-                  <a:srgbClr val="00FF00"/>
-                </a:solidFill>
-                <a:latin typeface="Courier New" pitchFamily="49"/>
-                <a:cs typeface="Courier New" pitchFamily="49"/>
-              </a:rPr>
-              <a:t>also</a:t>
-            </a:r>
-            <a:r>
-              <a:rPr lang="nl-NL" dirty="0">
-                <a:solidFill>
-                  <a:srgbClr val="00FF00"/>
-                </a:solidFill>
-                <a:latin typeface="Courier New" pitchFamily="49"/>
-                <a:cs typeface="Courier New" pitchFamily="49"/>
-              </a:rPr>
-              <a:t> </a:t>
-            </a:r>
-            <a:r>
-              <a:rPr lang="nl-NL" dirty="0" err="1">
-                <a:solidFill>
-                  <a:srgbClr val="00FF00"/>
-                </a:solidFill>
-                <a:latin typeface="Courier New" pitchFamily="49"/>
-                <a:cs typeface="Courier New" pitchFamily="49"/>
-              </a:rPr>
-              <a:t>available</a:t>
-            </a:r>
-            <a:r>
-              <a:rPr lang="nl-NL" dirty="0">
-                <a:solidFill>
-                  <a:srgbClr val="00FF00"/>
-                </a:solidFill>
-                <a:latin typeface="Courier New" pitchFamily="49"/>
-                <a:cs typeface="Courier New" pitchFamily="49"/>
-              </a:rPr>
-              <a:t> </a:t>
-            </a:r>
-            <a:r>
-              <a:rPr lang="nl-NL" dirty="0" err="1">
-                <a:solidFill>
-                  <a:srgbClr val="00FF00"/>
-                </a:solidFill>
-                <a:latin typeface="Courier New" pitchFamily="49"/>
-                <a:cs typeface="Courier New" pitchFamily="49"/>
-              </a:rPr>
-              <a:t>through</a:t>
-            </a:r>
-            <a:r>
-              <a:rPr lang="nl-NL" dirty="0">
-                <a:solidFill>
-                  <a:srgbClr val="00FF00"/>
-                </a:solidFill>
-                <a:latin typeface="Courier New" pitchFamily="49"/>
-                <a:cs typeface="Courier New" pitchFamily="49"/>
-              </a:rPr>
-              <a:t> JSON </a:t>
-            </a:r>
-            <a:r>
-              <a:rPr lang="nl-NL" dirty="0" err="1">
-                <a:solidFill>
-                  <a:srgbClr val="00FF00"/>
-                </a:solidFill>
-                <a:latin typeface="Courier New" pitchFamily="49"/>
-                <a:cs typeface="Courier New" pitchFamily="49"/>
-              </a:rPr>
-              <a:t>mappings</a:t>
-            </a:r>
-            <a:endParaRPr lang="nl-NL" dirty="0">
-              <a:solidFill>
-                <a:srgbClr val="00FF00"/>
-              </a:solidFill>
-              <a:latin typeface="Courier New" pitchFamily="49"/>
-              <a:cs typeface="Courier New" pitchFamily="49"/>
-            </a:endParaRPr>
-          </a:p>
-          <a:p>
-            <a:pPr lvl="0">
-              <a:buFont typeface="Courier New" pitchFamily="49"/>
-              <a:buChar char="_"/>
-            </a:pPr>
-            <a:endParaRPr lang="nl-NL" dirty="0">
-              <a:solidFill>
-                <a:srgbClr val="00FF00"/>
-              </a:solidFill>
-              <a:latin typeface="Courier New" pitchFamily="49"/>
-              <a:cs typeface="Courier New" pitchFamily="49"/>
-            </a:endParaRPr>
-          </a:p>
-          <a:p>
-            <a:pPr lvl="0">
-              <a:buFont typeface="Courier New" pitchFamily="49"/>
-              <a:buChar char="_"/>
-            </a:pPr>
-            <a:r>
-              <a:rPr lang="nl-NL" dirty="0" err="1">
-                <a:solidFill>
-                  <a:srgbClr val="00FF00"/>
-                </a:solidFill>
-                <a:latin typeface="Courier New" pitchFamily="49"/>
-                <a:cs typeface="Courier New" pitchFamily="49"/>
-              </a:rPr>
-              <a:t>Example</a:t>
-            </a:r>
-            <a:r>
-              <a:rPr lang="nl-NL" dirty="0">
-                <a:solidFill>
-                  <a:srgbClr val="00FF00"/>
-                </a:solidFill>
-                <a:latin typeface="Courier New" pitchFamily="49"/>
-                <a:cs typeface="Courier New" pitchFamily="49"/>
-              </a:rPr>
-              <a:t>:</a:t>
+            <a:pPr algn="ctr"/>
+            <a:r>
+              <a:rPr lang="nl-NL" sz="64200" b="1" dirty="0">
+                <a:solidFill>
+                  <a:srgbClr val="00FF00"/>
+                </a:solidFill>
+                <a:latin typeface="Courier New" panose="02070309020205020404" pitchFamily="49" charset="0"/>
+                <a:cs typeface="Courier New" panose="02070309020205020404" pitchFamily="49" charset="0"/>
+              </a:rPr>
+              <a:t>?</a:t>
             </a:r>
           </a:p>
         </p:txBody>
       </p:sp>
-      <p:pic>
-        <p:nvPicPr>
-          <p:cNvPr id="4" name="Picture 3">
-            <a:extLst>
-              <a:ext uri="{FF2B5EF4-FFF2-40B4-BE49-F238E27FC236}">
-                <a16:creationId xmlns:a16="http://schemas.microsoft.com/office/drawing/2014/main" id="{997D5A66-791C-4D00-919A-1233370F077B}"/>
-              </a:ext>
-            </a:extLst>
-          </p:cNvPr>
-          <p:cNvPicPr>
-            <a:picLocks noChangeAspect="1"/>
-          </p:cNvPicPr>
-          <p:nvPr/>
-        </p:nvPicPr>
-        <p:blipFill>
-          <a:blip r:embed="rId2"/>
-          <a:stretch>
-            <a:fillRect/>
-          </a:stretch>
-        </p:blipFill>
-        <p:spPr>
-          <a:xfrm>
-            <a:off x="3134647" y="3038194"/>
-            <a:ext cx="5572031" cy="3548453"/>
-          </a:xfrm>
-          <a:prstGeom prst="rect">
-            <a:avLst/>
-          </a:prstGeom>
-        </p:spPr>
-      </p:pic>
     </p:spTree>
     <p:extLst>
       <p:ext uri="{BB962C8B-B14F-4D97-AF65-F5344CB8AC3E}">
-        <p14:creationId xmlns:p14="http://schemas.microsoft.com/office/powerpoint/2010/main" val="814300950"/>
+        <p14:creationId xmlns:p14="http://schemas.microsoft.com/office/powerpoint/2010/main" val="1143489385"/>
       </p:ext>
     </p:extLst>
-  </p:cSld>
-  <p:clrMapOvr>
-    <a:masterClrMapping/>
-  </p:clrMapOvr>
-</p:sld>
-</file>
-
-<file path=ppt/slides/slide52.xml><?xml version="1.0" encoding="utf-8"?>
-<p:sld xmlns:a="http://schemas.openxmlformats.org/drawingml/2006/main" xmlns:r="http://schemas.openxmlformats.org/officeDocument/2006/relationships" xmlns:p="http://schemas.openxmlformats.org/presentationml/2006/main">
-  <p:cSld>
-    <p:bg>
-      <p:bgPr>
-        <a:solidFill>
-          <a:srgbClr val="000000"/>
-        </a:solidFill>
-        <a:effectLst/>
-      </p:bgPr>
-    </p:bg>
-    <p:spTree>
-      <p:nvGrpSpPr>
-        <p:cNvPr id="1" name=""/>
-        <p:cNvGrpSpPr/>
-        <p:nvPr/>
-      </p:nvGrpSpPr>
-      <p:grpSpPr>
-        <a:xfrm>
-          <a:off x="0" y="0"/>
-          <a:ext cx="0" cy="0"/>
-          <a:chOff x="0" y="0"/>
-          <a:chExt cx="0" cy="0"/>
-        </a:xfrm>
-      </p:grpSpPr>
-      <p:sp>
-        <p:nvSpPr>
-          <p:cNvPr id="2" name="Title 1">
-            <a:extLst>
-              <a:ext uri="{FF2B5EF4-FFF2-40B4-BE49-F238E27FC236}">
-                <a16:creationId xmlns:a16="http://schemas.microsoft.com/office/drawing/2014/main" id="{19F5B244-0AC6-4FDB-90B1-15F77C3031D0}"/>
-              </a:ext>
-            </a:extLst>
-          </p:cNvPr>
-          <p:cNvSpPr txBox="1">
-            <a:spLocks noGrp="1"/>
-          </p:cNvSpPr>
-          <p:nvPr>
-            <p:ph type="title"/>
-          </p:nvPr>
-        </p:nvSpPr>
-        <p:spPr/>
-        <p:txBody>
-          <a:bodyPr/>
-          <a:lstStyle/>
-          <a:p>
-            <a:pPr lvl="0"/>
-            <a:r>
-              <a:rPr lang="nl-NL" dirty="0">
-                <a:solidFill>
-                  <a:srgbClr val="00FF00"/>
-                </a:solidFill>
-                <a:latin typeface="Courier New" pitchFamily="49"/>
-                <a:cs typeface="Courier New" pitchFamily="49"/>
-              </a:rPr>
-              <a:t>JSON </a:t>
-            </a:r>
-            <a:r>
-              <a:rPr lang="nl-NL" dirty="0" err="1">
-                <a:solidFill>
-                  <a:srgbClr val="00FF00"/>
-                </a:solidFill>
-                <a:latin typeface="Courier New" pitchFamily="49"/>
-                <a:cs typeface="Courier New" pitchFamily="49"/>
-              </a:rPr>
-              <a:t>mapping</a:t>
-            </a:r>
-            <a:r>
-              <a:rPr lang="nl-NL" dirty="0">
-                <a:solidFill>
-                  <a:srgbClr val="00FF00"/>
-                </a:solidFill>
-                <a:latin typeface="Courier New" pitchFamily="49"/>
-                <a:cs typeface="Courier New" pitchFamily="49"/>
-              </a:rPr>
-              <a:t> files</a:t>
-            </a:r>
-          </a:p>
-        </p:txBody>
-      </p:sp>
-      <p:sp>
-        <p:nvSpPr>
-          <p:cNvPr id="3" name="Content Placeholder 2">
-            <a:extLst>
-              <a:ext uri="{FF2B5EF4-FFF2-40B4-BE49-F238E27FC236}">
-                <a16:creationId xmlns:a16="http://schemas.microsoft.com/office/drawing/2014/main" id="{D139C82B-AD86-4DD7-A5E8-FF4019CEF5E1}"/>
-              </a:ext>
-            </a:extLst>
-          </p:cNvPr>
-          <p:cNvSpPr txBox="1">
-            <a:spLocks noGrp="1"/>
-          </p:cNvSpPr>
-          <p:nvPr>
-            <p:ph idx="1"/>
-          </p:nvPr>
-        </p:nvSpPr>
-        <p:spPr>
-          <a:xfrm>
-            <a:off x="838203" y="1825627"/>
-            <a:ext cx="11257719" cy="4351336"/>
-          </a:xfrm>
-        </p:spPr>
-        <p:txBody>
-          <a:bodyPr/>
-          <a:lstStyle/>
-          <a:p>
-            <a:pPr lvl="0">
-              <a:buFont typeface="Courier New" pitchFamily="49"/>
-              <a:buChar char="_"/>
-            </a:pPr>
-            <a:r>
-              <a:rPr lang="nl-NL" dirty="0" err="1">
-                <a:solidFill>
-                  <a:srgbClr val="00FF00"/>
-                </a:solidFill>
-                <a:latin typeface="Courier New" pitchFamily="49"/>
-                <a:cs typeface="Courier New" pitchFamily="49"/>
-              </a:rPr>
-              <a:t>Documentation</a:t>
-            </a:r>
-            <a:r>
-              <a:rPr lang="nl-NL" dirty="0">
-                <a:solidFill>
-                  <a:srgbClr val="00FF00"/>
-                </a:solidFill>
-                <a:latin typeface="Courier New" pitchFamily="49"/>
-                <a:cs typeface="Courier New" pitchFamily="49"/>
-              </a:rPr>
-              <a:t> of </a:t>
-            </a:r>
-            <a:r>
-              <a:rPr lang="nl-NL" dirty="0" err="1">
-                <a:solidFill>
-                  <a:srgbClr val="00FF00"/>
-                </a:solidFill>
-                <a:latin typeface="Courier New" pitchFamily="49"/>
-                <a:cs typeface="Courier New" pitchFamily="49"/>
-              </a:rPr>
-              <a:t>all</a:t>
-            </a:r>
-            <a:r>
-              <a:rPr lang="nl-NL" dirty="0">
-                <a:solidFill>
-                  <a:srgbClr val="00FF00"/>
-                </a:solidFill>
-                <a:latin typeface="Courier New" pitchFamily="49"/>
-                <a:cs typeface="Courier New" pitchFamily="49"/>
-              </a:rPr>
-              <a:t> features, </a:t>
-            </a:r>
-            <a:r>
-              <a:rPr lang="nl-NL" dirty="0" err="1">
-                <a:solidFill>
-                  <a:srgbClr val="00FF00"/>
-                </a:solidFill>
-                <a:latin typeface="Courier New" pitchFamily="49"/>
-                <a:cs typeface="Courier New" pitchFamily="49"/>
-              </a:rPr>
-              <a:t>along</a:t>
-            </a:r>
-            <a:r>
-              <a:rPr lang="nl-NL" dirty="0">
-                <a:solidFill>
-                  <a:srgbClr val="00FF00"/>
-                </a:solidFill>
-                <a:latin typeface="Courier New" pitchFamily="49"/>
-                <a:cs typeface="Courier New" pitchFamily="49"/>
-              </a:rPr>
-              <a:t> </a:t>
-            </a:r>
-            <a:r>
-              <a:rPr lang="nl-NL" dirty="0" err="1">
-                <a:solidFill>
-                  <a:srgbClr val="00FF00"/>
-                </a:solidFill>
-                <a:latin typeface="Courier New" pitchFamily="49"/>
-                <a:cs typeface="Courier New" pitchFamily="49"/>
-              </a:rPr>
-              <a:t>with</a:t>
-            </a:r>
-            <a:r>
-              <a:rPr lang="nl-NL" dirty="0">
-                <a:solidFill>
-                  <a:srgbClr val="00FF00"/>
-                </a:solidFill>
-                <a:latin typeface="Courier New" pitchFamily="49"/>
-                <a:cs typeface="Courier New" pitchFamily="49"/>
-              </a:rPr>
-              <a:t> </a:t>
-            </a:r>
-            <a:r>
-              <a:rPr lang="nl-NL" dirty="0" err="1">
-                <a:solidFill>
-                  <a:srgbClr val="00FF00"/>
-                </a:solidFill>
-                <a:latin typeface="Courier New" pitchFamily="49"/>
-                <a:cs typeface="Courier New" pitchFamily="49"/>
-              </a:rPr>
-              <a:t>examples</a:t>
-            </a:r>
-            <a:r>
-              <a:rPr lang="nl-NL" dirty="0">
-                <a:solidFill>
-                  <a:srgbClr val="00FF00"/>
-                </a:solidFill>
-                <a:latin typeface="Courier New" pitchFamily="49"/>
-                <a:cs typeface="Courier New" pitchFamily="49"/>
-              </a:rPr>
-              <a:t> on </a:t>
-            </a:r>
-            <a:r>
-              <a:rPr lang="nl-NL" dirty="0" err="1">
-                <a:solidFill>
-                  <a:srgbClr val="00FF00"/>
-                </a:solidFill>
-                <a:latin typeface="Courier New" pitchFamily="49"/>
-                <a:cs typeface="Courier New" pitchFamily="49"/>
-              </a:rPr>
-              <a:t>how</a:t>
-            </a:r>
-            <a:r>
-              <a:rPr lang="nl-NL" dirty="0">
-                <a:solidFill>
-                  <a:srgbClr val="00FF00"/>
-                </a:solidFill>
-                <a:latin typeface="Courier New" pitchFamily="49"/>
-                <a:cs typeface="Courier New" pitchFamily="49"/>
-              </a:rPr>
-              <a:t> </a:t>
-            </a:r>
-            <a:r>
-              <a:rPr lang="nl-NL" dirty="0" err="1">
-                <a:solidFill>
-                  <a:srgbClr val="00FF00"/>
-                </a:solidFill>
-                <a:latin typeface="Courier New" pitchFamily="49"/>
-                <a:cs typeface="Courier New" pitchFamily="49"/>
-              </a:rPr>
-              <a:t>to</a:t>
-            </a:r>
-            <a:r>
-              <a:rPr lang="nl-NL" dirty="0">
-                <a:solidFill>
-                  <a:srgbClr val="00FF00"/>
-                </a:solidFill>
-                <a:latin typeface="Courier New" pitchFamily="49"/>
-                <a:cs typeface="Courier New" pitchFamily="49"/>
-              </a:rPr>
-              <a:t> </a:t>
-            </a:r>
-            <a:r>
-              <a:rPr lang="nl-NL" dirty="0" err="1">
-                <a:solidFill>
-                  <a:srgbClr val="00FF00"/>
-                </a:solidFill>
-                <a:latin typeface="Courier New" pitchFamily="49"/>
-                <a:cs typeface="Courier New" pitchFamily="49"/>
-              </a:rPr>
-              <a:t>implement</a:t>
-            </a:r>
-            <a:r>
-              <a:rPr lang="nl-NL" dirty="0">
-                <a:solidFill>
-                  <a:srgbClr val="00FF00"/>
-                </a:solidFill>
-                <a:latin typeface="Courier New" pitchFamily="49"/>
-                <a:cs typeface="Courier New" pitchFamily="49"/>
-              </a:rPr>
-              <a:t> </a:t>
-            </a:r>
-            <a:r>
-              <a:rPr lang="nl-NL" dirty="0" err="1">
-                <a:solidFill>
-                  <a:srgbClr val="00FF00"/>
-                </a:solidFill>
-                <a:latin typeface="Courier New" pitchFamily="49"/>
-                <a:cs typeface="Courier New" pitchFamily="49"/>
-              </a:rPr>
-              <a:t>them</a:t>
-            </a:r>
-            <a:r>
-              <a:rPr lang="nl-NL" dirty="0">
-                <a:solidFill>
-                  <a:srgbClr val="00FF00"/>
-                </a:solidFill>
-                <a:latin typeface="Courier New" pitchFamily="49"/>
-                <a:cs typeface="Courier New" pitchFamily="49"/>
-              </a:rPr>
-              <a:t> </a:t>
-            </a:r>
-            <a:r>
-              <a:rPr lang="nl-NL" dirty="0" err="1">
-                <a:solidFill>
-                  <a:srgbClr val="00FF00"/>
-                </a:solidFill>
-                <a:latin typeface="Courier New" pitchFamily="49"/>
-                <a:cs typeface="Courier New" pitchFamily="49"/>
-              </a:rPr>
-              <a:t>through</a:t>
-            </a:r>
-            <a:r>
-              <a:rPr lang="nl-NL" dirty="0">
-                <a:solidFill>
-                  <a:srgbClr val="00FF00"/>
-                </a:solidFill>
-                <a:latin typeface="Courier New" pitchFamily="49"/>
-                <a:cs typeface="Courier New" pitchFamily="49"/>
-              </a:rPr>
-              <a:t> JSON </a:t>
-            </a:r>
-            <a:r>
-              <a:rPr lang="nl-NL" dirty="0" err="1">
-                <a:solidFill>
-                  <a:srgbClr val="00FF00"/>
-                </a:solidFill>
-                <a:latin typeface="Courier New" pitchFamily="49"/>
-                <a:cs typeface="Courier New" pitchFamily="49"/>
-              </a:rPr>
-              <a:t>mapping</a:t>
-            </a:r>
-            <a:r>
-              <a:rPr lang="nl-NL" dirty="0">
-                <a:solidFill>
-                  <a:srgbClr val="00FF00"/>
-                </a:solidFill>
-                <a:latin typeface="Courier New" pitchFamily="49"/>
-                <a:cs typeface="Courier New" pitchFamily="49"/>
-              </a:rPr>
-              <a:t> files </a:t>
-            </a:r>
-            <a:r>
-              <a:rPr lang="nl-NL" dirty="0" err="1">
-                <a:solidFill>
-                  <a:srgbClr val="00FF00"/>
-                </a:solidFill>
-                <a:latin typeface="Courier New" pitchFamily="49"/>
-                <a:cs typeface="Courier New" pitchFamily="49"/>
-              </a:rPr>
-              <a:t>can</a:t>
-            </a:r>
-            <a:r>
-              <a:rPr lang="nl-NL" dirty="0">
-                <a:solidFill>
-                  <a:srgbClr val="00FF00"/>
-                </a:solidFill>
-                <a:latin typeface="Courier New" pitchFamily="49"/>
-                <a:cs typeface="Courier New" pitchFamily="49"/>
-              </a:rPr>
-              <a:t> </a:t>
-            </a:r>
-            <a:r>
-              <a:rPr lang="nl-NL" dirty="0" err="1">
-                <a:solidFill>
-                  <a:srgbClr val="00FF00"/>
-                </a:solidFill>
-                <a:latin typeface="Courier New" pitchFamily="49"/>
-                <a:cs typeface="Courier New" pitchFamily="49"/>
-              </a:rPr>
-              <a:t>be</a:t>
-            </a:r>
-            <a:r>
-              <a:rPr lang="nl-NL" dirty="0">
-                <a:solidFill>
-                  <a:srgbClr val="00FF00"/>
-                </a:solidFill>
-                <a:latin typeface="Courier New" pitchFamily="49"/>
-                <a:cs typeface="Courier New" pitchFamily="49"/>
-              </a:rPr>
-              <a:t> found at</a:t>
-            </a:r>
-          </a:p>
-          <a:p>
-            <a:pPr lvl="0">
-              <a:buFont typeface="Courier New" pitchFamily="49"/>
-              <a:buChar char="_"/>
-            </a:pPr>
-            <a:endParaRPr lang="nl-NL" dirty="0">
-              <a:solidFill>
-                <a:srgbClr val="00FF00"/>
-              </a:solidFill>
-              <a:latin typeface="Courier New" pitchFamily="49"/>
-              <a:cs typeface="Courier New" pitchFamily="49"/>
-            </a:endParaRPr>
-          </a:p>
-          <a:p>
-            <a:pPr marL="0" lvl="0" indent="0">
-              <a:buNone/>
-            </a:pPr>
-            <a:r>
-              <a:rPr lang="nl-NL" i="1" dirty="0">
-                <a:solidFill>
-                  <a:srgbClr val="00FF00"/>
-                </a:solidFill>
-                <a:latin typeface="Courier New" pitchFamily="49"/>
-                <a:cs typeface="Courier New" pitchFamily="49"/>
-              </a:rPr>
-              <a:t>http://wiremock.org/docs/</a:t>
-            </a:r>
-          </a:p>
-        </p:txBody>
-      </p:sp>
-    </p:spTree>
-    <p:extLst>
-      <p:ext uri="{BB962C8B-B14F-4D97-AF65-F5344CB8AC3E}">
-        <p14:creationId xmlns:p14="http://schemas.microsoft.com/office/powerpoint/2010/main" val="2202770581"/>
-      </p:ext>
-    </p:extLst>
-  </p:cSld>
-  <p:clrMapOvr>
-    <a:masterClrMapping/>
-  </p:clrMapOvr>
-</p:sld>
-</file>
-
-<file path=ppt/slides/slide53.xml><?xml version="1.0" encoding="utf-8"?>
-<p:sld xmlns:a="http://schemas.openxmlformats.org/drawingml/2006/main" xmlns:r="http://schemas.openxmlformats.org/officeDocument/2006/relationships" xmlns:p="http://schemas.openxmlformats.org/presentationml/2006/main">
-  <p:cSld name="Slide74">
-    <p:bg>
-      <p:bgPr>
-        <a:solidFill>
-          <a:srgbClr val="000000"/>
-        </a:solidFill>
-        <a:effectLst/>
-      </p:bgPr>
-    </p:bg>
-    <p:spTree>
-      <p:nvGrpSpPr>
-        <p:cNvPr id="1" name=""/>
-        <p:cNvGrpSpPr/>
-        <p:nvPr/>
-      </p:nvGrpSpPr>
-      <p:grpSpPr>
-        <a:xfrm>
-          <a:off x="0" y="0"/>
-          <a:ext cx="0" cy="0"/>
-          <a:chOff x="0" y="0"/>
-          <a:chExt cx="0" cy="0"/>
-        </a:xfrm>
-      </p:grpSpPr>
-      <p:sp>
-        <p:nvSpPr>
-          <p:cNvPr id="2" name="Title 1">
-            <a:extLst>
-              <a:ext uri="{FF2B5EF4-FFF2-40B4-BE49-F238E27FC236}">
-                <a16:creationId xmlns:a16="http://schemas.microsoft.com/office/drawing/2014/main" id="{326BB7B3-7F72-4B30-BA85-F74F043BA300}"/>
-              </a:ext>
-            </a:extLst>
-          </p:cNvPr>
-          <p:cNvSpPr txBox="1">
-            <a:spLocks noGrp="1"/>
-          </p:cNvSpPr>
-          <p:nvPr>
-            <p:ph type="ctrTitle"/>
-          </p:nvPr>
-        </p:nvSpPr>
-        <p:spPr/>
-        <p:txBody>
-          <a:bodyPr/>
-          <a:lstStyle/>
-          <a:p>
-            <a:pPr lvl="0"/>
-            <a:r>
-              <a:rPr lang="nl-NL">
-                <a:solidFill>
-                  <a:srgbClr val="00FF00"/>
-                </a:solidFill>
-                <a:latin typeface="Courier New" pitchFamily="49"/>
-                <a:cs typeface="Courier New" pitchFamily="49"/>
-              </a:rPr>
-              <a:t>Demo</a:t>
-            </a:r>
-          </a:p>
-        </p:txBody>
-      </p:sp>
-      <p:sp>
-        <p:nvSpPr>
-          <p:cNvPr id="3" name="Content Placeholder 2">
-            <a:extLst>
-              <a:ext uri="{FF2B5EF4-FFF2-40B4-BE49-F238E27FC236}">
-                <a16:creationId xmlns:a16="http://schemas.microsoft.com/office/drawing/2014/main" id="{6463C46E-3827-4FDD-8F1E-DF5A052EF59E}"/>
-              </a:ext>
-            </a:extLst>
-          </p:cNvPr>
-          <p:cNvSpPr txBox="1">
-            <a:spLocks noGrp="1"/>
-          </p:cNvSpPr>
-          <p:nvPr>
-            <p:ph type="subTitle" idx="1"/>
-          </p:nvPr>
-        </p:nvSpPr>
-        <p:spPr/>
-        <p:txBody>
-          <a:bodyPr/>
-          <a:lstStyle/>
-          <a:p>
-            <a:pPr lvl="0"/>
-            <a:r>
-              <a:rPr lang="nl-NL" dirty="0">
-                <a:solidFill>
-                  <a:srgbClr val="00FF00"/>
-                </a:solidFill>
-                <a:latin typeface="Courier New" pitchFamily="49"/>
-                <a:cs typeface="Courier New" pitchFamily="49"/>
-              </a:rPr>
-              <a:t>Using JSON </a:t>
-            </a:r>
-            <a:r>
-              <a:rPr lang="nl-NL" dirty="0" err="1">
-                <a:solidFill>
-                  <a:srgbClr val="00FF00"/>
-                </a:solidFill>
-                <a:latin typeface="Courier New" pitchFamily="49"/>
-                <a:cs typeface="Courier New" pitchFamily="49"/>
-              </a:rPr>
-              <a:t>mapping</a:t>
-            </a:r>
-            <a:r>
-              <a:rPr lang="nl-NL" dirty="0">
-                <a:solidFill>
-                  <a:srgbClr val="00FF00"/>
-                </a:solidFill>
-                <a:latin typeface="Courier New" pitchFamily="49"/>
-                <a:cs typeface="Courier New" pitchFamily="49"/>
-              </a:rPr>
-              <a:t> files </a:t>
-            </a:r>
-            <a:r>
-              <a:rPr lang="nl-NL" dirty="0" err="1">
-                <a:solidFill>
-                  <a:srgbClr val="00FF00"/>
-                </a:solidFill>
-                <a:latin typeface="Courier New" pitchFamily="49"/>
-                <a:cs typeface="Courier New" pitchFamily="49"/>
-              </a:rPr>
-              <a:t>to</a:t>
-            </a:r>
-            <a:r>
-              <a:rPr lang="nl-NL" dirty="0">
-                <a:solidFill>
-                  <a:srgbClr val="00FF00"/>
-                </a:solidFill>
-                <a:latin typeface="Courier New" pitchFamily="49"/>
-                <a:cs typeface="Courier New" pitchFamily="49"/>
-              </a:rPr>
-              <a:t> </a:t>
-            </a:r>
-            <a:r>
-              <a:rPr lang="nl-NL" dirty="0" err="1">
-                <a:solidFill>
-                  <a:srgbClr val="00FF00"/>
-                </a:solidFill>
-                <a:latin typeface="Courier New" pitchFamily="49"/>
-                <a:cs typeface="Courier New" pitchFamily="49"/>
-              </a:rPr>
-              <a:t>configure</a:t>
-            </a:r>
-            <a:r>
-              <a:rPr lang="nl-NL" dirty="0">
-                <a:solidFill>
-                  <a:srgbClr val="00FF00"/>
-                </a:solidFill>
-                <a:latin typeface="Courier New" pitchFamily="49"/>
-                <a:cs typeface="Courier New" pitchFamily="49"/>
-              </a:rPr>
-              <a:t> </a:t>
-            </a:r>
-            <a:r>
-              <a:rPr lang="nl-NL" dirty="0" err="1">
-                <a:solidFill>
-                  <a:srgbClr val="00FF00"/>
-                </a:solidFill>
-                <a:latin typeface="Courier New" pitchFamily="49"/>
-                <a:cs typeface="Courier New" pitchFamily="49"/>
-              </a:rPr>
-              <a:t>stubs</a:t>
-            </a:r>
-            <a:endParaRPr lang="nl-NL" dirty="0">
-              <a:solidFill>
-                <a:srgbClr val="00FF00"/>
-              </a:solidFill>
-              <a:latin typeface="Courier New" pitchFamily="49"/>
-              <a:cs typeface="Courier New" pitchFamily="49"/>
-            </a:endParaRPr>
-          </a:p>
-        </p:txBody>
-      </p:sp>
-    </p:spTree>
-  </p:cSld>
-  <p:clrMapOvr>
-    <a:masterClrMapping/>
-  </p:clrMapOvr>
-</p:sld>
-</file>
-
-<file path=ppt/slides/slide54.xml><?xml version="1.0" encoding="utf-8"?>
-<p:sld xmlns:a="http://schemas.openxmlformats.org/drawingml/2006/main" xmlns:r="http://schemas.openxmlformats.org/officeDocument/2006/relationships" xmlns:p="http://schemas.openxmlformats.org/presentationml/2006/main">
-  <p:cSld>
-    <p:bg>
-      <p:bgPr>
-        <a:solidFill>
-          <a:srgbClr val="000000"/>
-        </a:solidFill>
-        <a:effectLst/>
-      </p:bgPr>
-    </p:bg>
-    <p:spTree>
-      <p:nvGrpSpPr>
-        <p:cNvPr id="1" name=""/>
-        <p:cNvGrpSpPr/>
-        <p:nvPr/>
-      </p:nvGrpSpPr>
-      <p:grpSpPr>
-        <a:xfrm>
-          <a:off x="0" y="0"/>
-          <a:ext cx="0" cy="0"/>
-          <a:chOff x="0" y="0"/>
-          <a:chExt cx="0" cy="0"/>
-        </a:xfrm>
-      </p:grpSpPr>
-      <p:sp>
-        <p:nvSpPr>
-          <p:cNvPr id="2" name="Title 1">
-            <a:extLst>
-              <a:ext uri="{FF2B5EF4-FFF2-40B4-BE49-F238E27FC236}">
-                <a16:creationId xmlns:a16="http://schemas.microsoft.com/office/drawing/2014/main" id="{19F5B244-0AC6-4FDB-90B1-15F77C3031D0}"/>
-              </a:ext>
-            </a:extLst>
-          </p:cNvPr>
-          <p:cNvSpPr txBox="1">
-            <a:spLocks noGrp="1"/>
-          </p:cNvSpPr>
-          <p:nvPr>
-            <p:ph type="title"/>
-          </p:nvPr>
-        </p:nvSpPr>
-        <p:spPr/>
-        <p:txBody>
-          <a:bodyPr/>
-          <a:lstStyle/>
-          <a:p>
-            <a:pPr lvl="0"/>
-            <a:r>
-              <a:rPr lang="nl-NL">
-                <a:solidFill>
-                  <a:srgbClr val="00FF00"/>
-                </a:solidFill>
-                <a:latin typeface="Courier New" pitchFamily="49"/>
-                <a:cs typeface="Courier New" pitchFamily="49"/>
-              </a:rPr>
-              <a:t>Record and playback options</a:t>
-            </a:r>
-          </a:p>
-        </p:txBody>
-      </p:sp>
-      <p:sp>
-        <p:nvSpPr>
-          <p:cNvPr id="3" name="Content Placeholder 2">
-            <a:extLst>
-              <a:ext uri="{FF2B5EF4-FFF2-40B4-BE49-F238E27FC236}">
-                <a16:creationId xmlns:a16="http://schemas.microsoft.com/office/drawing/2014/main" id="{D139C82B-AD86-4DD7-A5E8-FF4019CEF5E1}"/>
-              </a:ext>
-            </a:extLst>
-          </p:cNvPr>
-          <p:cNvSpPr txBox="1">
-            <a:spLocks noGrp="1"/>
-          </p:cNvSpPr>
-          <p:nvPr>
-            <p:ph idx="1"/>
-          </p:nvPr>
-        </p:nvSpPr>
-        <p:spPr>
-          <a:xfrm>
-            <a:off x="838203" y="1825627"/>
-            <a:ext cx="11143893" cy="4351336"/>
-          </a:xfrm>
-        </p:spPr>
-        <p:txBody>
-          <a:bodyPr/>
-          <a:lstStyle/>
-          <a:p>
-            <a:pPr lvl="0">
-              <a:buFont typeface="Courier New" pitchFamily="49"/>
-              <a:buChar char="_"/>
-            </a:pPr>
-            <a:r>
-              <a:rPr lang="nl-NL">
-                <a:solidFill>
-                  <a:srgbClr val="00FF00"/>
-                </a:solidFill>
-                <a:latin typeface="Courier New" pitchFamily="49"/>
-                <a:cs typeface="Courier New" pitchFamily="49"/>
-              </a:rPr>
-              <a:t>Use WireMock as a proxy</a:t>
-            </a:r>
-          </a:p>
-          <a:p>
-            <a:pPr lvl="0">
-              <a:buFont typeface="Courier New" pitchFamily="49"/>
-              <a:buChar char="_"/>
-            </a:pPr>
-            <a:endParaRPr lang="nl-NL">
-              <a:solidFill>
-                <a:srgbClr val="00FF00"/>
-              </a:solidFill>
-              <a:latin typeface="Courier New" pitchFamily="49"/>
-              <a:cs typeface="Courier New" pitchFamily="49"/>
-            </a:endParaRPr>
-          </a:p>
-          <a:p>
-            <a:pPr lvl="0">
-              <a:buFont typeface="Courier New" pitchFamily="49"/>
-              <a:buChar char="_"/>
-            </a:pPr>
-            <a:r>
-              <a:rPr lang="nl-NL">
-                <a:solidFill>
-                  <a:srgbClr val="00FF00"/>
-                </a:solidFill>
-                <a:latin typeface="Courier New" pitchFamily="49"/>
-                <a:cs typeface="Courier New" pitchFamily="49"/>
-              </a:rPr>
-              <a:t>Record request-response pairs (traffic)</a:t>
-            </a:r>
-          </a:p>
-          <a:p>
-            <a:pPr lvl="0">
-              <a:buFont typeface="Courier New" pitchFamily="49"/>
-              <a:buChar char="_"/>
-            </a:pPr>
-            <a:endParaRPr lang="nl-NL">
-              <a:solidFill>
-                <a:srgbClr val="00FF00"/>
-              </a:solidFill>
-              <a:latin typeface="Courier New" pitchFamily="49"/>
-              <a:cs typeface="Courier New" pitchFamily="49"/>
-            </a:endParaRPr>
-          </a:p>
-          <a:p>
-            <a:pPr lvl="0">
-              <a:buFont typeface="Courier New" pitchFamily="49"/>
-              <a:buChar char="_"/>
-            </a:pPr>
-            <a:r>
-              <a:rPr lang="nl-NL">
-                <a:solidFill>
-                  <a:srgbClr val="00FF00"/>
-                </a:solidFill>
-                <a:latin typeface="Courier New" pitchFamily="49"/>
-                <a:cs typeface="Courier New" pitchFamily="49"/>
-              </a:rPr>
-              <a:t>Genererate mock from recorded traffic</a:t>
-            </a:r>
-          </a:p>
-        </p:txBody>
-      </p:sp>
-    </p:spTree>
-    <p:extLst>
-      <p:ext uri="{BB962C8B-B14F-4D97-AF65-F5344CB8AC3E}">
-        <p14:creationId xmlns:p14="http://schemas.microsoft.com/office/powerpoint/2010/main" val="1910324897"/>
-      </p:ext>
-    </p:extLst>
-  </p:cSld>
-  <p:clrMapOvr>
-    <a:masterClrMapping/>
-  </p:clrMapOvr>
-</p:sld>
-</file>
-
-<file path=ppt/slides/slide55.xml><?xml version="1.0" encoding="utf-8"?>
-<p:sld xmlns:a="http://schemas.openxmlformats.org/drawingml/2006/main" xmlns:r="http://schemas.openxmlformats.org/officeDocument/2006/relationships" xmlns:p="http://schemas.openxmlformats.org/presentationml/2006/main">
-  <p:cSld>
-    <p:bg>
-      <p:bgPr>
-        <a:solidFill>
-          <a:srgbClr val="000000"/>
-        </a:solidFill>
-        <a:effectLst/>
-      </p:bgPr>
-    </p:bg>
-    <p:spTree>
-      <p:nvGrpSpPr>
-        <p:cNvPr id="1" name=""/>
-        <p:cNvGrpSpPr/>
-        <p:nvPr/>
-      </p:nvGrpSpPr>
-      <p:grpSpPr>
-        <a:xfrm>
-          <a:off x="0" y="0"/>
-          <a:ext cx="0" cy="0"/>
-          <a:chOff x="0" y="0"/>
-          <a:chExt cx="0" cy="0"/>
-        </a:xfrm>
-      </p:grpSpPr>
-      <p:sp>
-        <p:nvSpPr>
-          <p:cNvPr id="2" name="Title 1">
-            <a:extLst>
-              <a:ext uri="{FF2B5EF4-FFF2-40B4-BE49-F238E27FC236}">
-                <a16:creationId xmlns:a16="http://schemas.microsoft.com/office/drawing/2014/main" id="{326BB7B3-7F72-4B30-BA85-F74F043BA300}"/>
-              </a:ext>
-            </a:extLst>
-          </p:cNvPr>
-          <p:cNvSpPr txBox="1">
-            <a:spLocks noGrp="1"/>
-          </p:cNvSpPr>
-          <p:nvPr>
-            <p:ph type="ctrTitle"/>
-          </p:nvPr>
-        </p:nvSpPr>
-        <p:spPr/>
-        <p:txBody>
-          <a:bodyPr/>
-          <a:lstStyle/>
-          <a:p>
-            <a:pPr lvl="0"/>
-            <a:r>
-              <a:rPr lang="nl-NL">
-                <a:solidFill>
-                  <a:srgbClr val="00FF00"/>
-                </a:solidFill>
-                <a:latin typeface="Courier New" pitchFamily="49"/>
-                <a:cs typeface="Courier New" pitchFamily="49"/>
-              </a:rPr>
-              <a:t>Demo</a:t>
-            </a:r>
-          </a:p>
-        </p:txBody>
-      </p:sp>
-      <p:sp>
-        <p:nvSpPr>
-          <p:cNvPr id="3" name="Content Placeholder 2">
-            <a:extLst>
-              <a:ext uri="{FF2B5EF4-FFF2-40B4-BE49-F238E27FC236}">
-                <a16:creationId xmlns:a16="http://schemas.microsoft.com/office/drawing/2014/main" id="{6463C46E-3827-4FDD-8F1E-DF5A052EF59E}"/>
-              </a:ext>
-            </a:extLst>
-          </p:cNvPr>
-          <p:cNvSpPr txBox="1">
-            <a:spLocks noGrp="1"/>
-          </p:cNvSpPr>
-          <p:nvPr>
-            <p:ph type="subTitle" idx="1"/>
-          </p:nvPr>
-        </p:nvSpPr>
-        <p:spPr/>
-        <p:txBody>
-          <a:bodyPr/>
-          <a:lstStyle/>
-          <a:p>
-            <a:pPr lvl="0"/>
-            <a:r>
-              <a:rPr lang="nl-NL">
-                <a:solidFill>
-                  <a:srgbClr val="00FF00"/>
-                </a:solidFill>
-                <a:latin typeface="Courier New" pitchFamily="49"/>
-                <a:cs typeface="Courier New" pitchFamily="49"/>
-              </a:rPr>
-              <a:t>Using record and playback in WireMock</a:t>
-            </a:r>
-          </a:p>
-        </p:txBody>
-      </p:sp>
-    </p:spTree>
-    <p:extLst>
-      <p:ext uri="{BB962C8B-B14F-4D97-AF65-F5344CB8AC3E}">
-        <p14:creationId xmlns:p14="http://schemas.microsoft.com/office/powerpoint/2010/main" val="2768511321"/>
-      </p:ext>
-    </p:extLst>
-  </p:cSld>
-  <p:clrMapOvr>
-    <a:masterClrMapping/>
-  </p:clrMapOvr>
-</p:sld>
-</file>
-
-<file path=ppt/slides/slide56.xml><?xml version="1.0" encoding="utf-8"?>
-<p:sld xmlns:a="http://schemas.openxmlformats.org/drawingml/2006/main" xmlns:r="http://schemas.openxmlformats.org/officeDocument/2006/relationships" xmlns:p="http://schemas.openxmlformats.org/presentationml/2006/main">
-  <p:cSld name="Slide75">
-    <p:bg>
-      <p:bgPr>
-        <a:solidFill>
-          <a:srgbClr val="000000"/>
-        </a:solidFill>
-        <a:effectLst/>
-      </p:bgPr>
-    </p:bg>
-    <p:spTree>
-      <p:nvGrpSpPr>
-        <p:cNvPr id="1" name=""/>
-        <p:cNvGrpSpPr/>
-        <p:nvPr/>
-      </p:nvGrpSpPr>
-      <p:grpSpPr>
-        <a:xfrm>
-          <a:off x="0" y="0"/>
-          <a:ext cx="0" cy="0"/>
-          <a:chOff x="0" y="0"/>
-          <a:chExt cx="0" cy="0"/>
-        </a:xfrm>
-      </p:grpSpPr>
-      <p:sp>
-        <p:nvSpPr>
-          <p:cNvPr id="2" name="Title 1">
-            <a:extLst>
-              <a:ext uri="{FF2B5EF4-FFF2-40B4-BE49-F238E27FC236}">
-                <a16:creationId xmlns:a16="http://schemas.microsoft.com/office/drawing/2014/main" id="{02B98E5B-F90C-4F29-BE6D-3FBEE10A2AF2}"/>
-              </a:ext>
-            </a:extLst>
-          </p:cNvPr>
-          <p:cNvSpPr txBox="1">
-            <a:spLocks noGrp="1"/>
-          </p:cNvSpPr>
-          <p:nvPr>
-            <p:ph type="title"/>
-          </p:nvPr>
-        </p:nvSpPr>
-        <p:spPr/>
-        <p:txBody>
-          <a:bodyPr/>
-          <a:lstStyle/>
-          <a:p>
-            <a:pPr lvl="0"/>
-            <a:r>
-              <a:rPr lang="nl-NL">
-                <a:solidFill>
-                  <a:srgbClr val="00FF00"/>
-                </a:solidFill>
-                <a:latin typeface="Courier New" pitchFamily="49"/>
-                <a:cs typeface="Courier New" pitchFamily="49"/>
-              </a:rPr>
-              <a:t>Pros and cons of record and playback</a:t>
-            </a:r>
-          </a:p>
-        </p:txBody>
-      </p:sp>
-      <p:sp>
-        <p:nvSpPr>
-          <p:cNvPr id="3" name="Content Placeholder 2">
-            <a:extLst>
-              <a:ext uri="{FF2B5EF4-FFF2-40B4-BE49-F238E27FC236}">
-                <a16:creationId xmlns:a16="http://schemas.microsoft.com/office/drawing/2014/main" id="{0833F0A8-1B44-401D-ABCD-9339EF0CC451}"/>
-              </a:ext>
-            </a:extLst>
-          </p:cNvPr>
-          <p:cNvSpPr txBox="1">
-            <a:spLocks noGrp="1"/>
-          </p:cNvSpPr>
-          <p:nvPr>
-            <p:ph idx="1"/>
-          </p:nvPr>
-        </p:nvSpPr>
-        <p:spPr>
-          <a:xfrm>
-            <a:off x="838203" y="1825627"/>
-            <a:ext cx="11143893" cy="4351336"/>
-          </a:xfrm>
-        </p:spPr>
-        <p:txBody>
-          <a:bodyPr/>
-          <a:lstStyle/>
-          <a:p>
-            <a:pPr lvl="0">
-              <a:lnSpc>
-                <a:spcPct val="80000"/>
-              </a:lnSpc>
-              <a:buFont typeface="Courier New" pitchFamily="49"/>
-              <a:buChar char="_"/>
-            </a:pPr>
-            <a:r>
-              <a:rPr lang="nl-NL">
-                <a:solidFill>
-                  <a:srgbClr val="00FF00"/>
-                </a:solidFill>
-                <a:latin typeface="Courier New" pitchFamily="49"/>
-                <a:cs typeface="Courier New" pitchFamily="49"/>
-              </a:rPr>
-              <a:t>Pros:</a:t>
-            </a:r>
-          </a:p>
-          <a:p>
-            <a:pPr lvl="1">
-              <a:lnSpc>
-                <a:spcPct val="80000"/>
-              </a:lnSpc>
-              <a:buFont typeface="Courier New" pitchFamily="49"/>
-              <a:buChar char="_"/>
-            </a:pPr>
-            <a:r>
-              <a:rPr lang="nl-NL">
-                <a:solidFill>
-                  <a:srgbClr val="00FF00"/>
-                </a:solidFill>
-                <a:latin typeface="Courier New" pitchFamily="49"/>
-                <a:cs typeface="Courier New" pitchFamily="49"/>
-              </a:rPr>
-              <a:t>Easy creation of mocks</a:t>
-            </a:r>
-          </a:p>
-          <a:p>
-            <a:pPr lvl="1">
-              <a:lnSpc>
-                <a:spcPct val="80000"/>
-              </a:lnSpc>
-              <a:buFont typeface="Courier New" pitchFamily="49"/>
-              <a:buChar char="_"/>
-            </a:pPr>
-            <a:r>
-              <a:rPr lang="nl-NL">
-                <a:solidFill>
-                  <a:srgbClr val="00FF00"/>
-                </a:solidFill>
-                <a:latin typeface="Courier New" pitchFamily="49"/>
-                <a:cs typeface="Courier New" pitchFamily="49"/>
-              </a:rPr>
-              <a:t>Analyse traffic of which there are no specifications</a:t>
-            </a:r>
-          </a:p>
-          <a:p>
-            <a:pPr lvl="0">
-              <a:lnSpc>
-                <a:spcPct val="80000"/>
-              </a:lnSpc>
-              <a:buFont typeface="Courier New" pitchFamily="49"/>
-              <a:buChar char="_"/>
-            </a:pPr>
-            <a:endParaRPr lang="nl-NL">
-              <a:solidFill>
-                <a:srgbClr val="00FF00"/>
-              </a:solidFill>
-              <a:latin typeface="Courier New" pitchFamily="49"/>
-              <a:cs typeface="Courier New" pitchFamily="49"/>
-            </a:endParaRPr>
-          </a:p>
-          <a:p>
-            <a:pPr lvl="0">
-              <a:lnSpc>
-                <a:spcPct val="80000"/>
-              </a:lnSpc>
-              <a:buFont typeface="Courier New" pitchFamily="49"/>
-              <a:buChar char="_"/>
-            </a:pPr>
-            <a:r>
-              <a:rPr lang="nl-NL">
-                <a:solidFill>
-                  <a:srgbClr val="00FF00"/>
-                </a:solidFill>
-                <a:latin typeface="Courier New" pitchFamily="49"/>
-                <a:cs typeface="Courier New" pitchFamily="49"/>
-              </a:rPr>
-              <a:t>Cons:</a:t>
-            </a:r>
-          </a:p>
-          <a:p>
-            <a:pPr lvl="1">
-              <a:lnSpc>
-                <a:spcPct val="80000"/>
-              </a:lnSpc>
-              <a:buFont typeface="Courier New" pitchFamily="49"/>
-              <a:buChar char="_"/>
-            </a:pPr>
-            <a:r>
-              <a:rPr lang="nl-NL">
-                <a:solidFill>
-                  <a:srgbClr val="00FF00"/>
-                </a:solidFill>
-                <a:latin typeface="Courier New" pitchFamily="49"/>
-                <a:cs typeface="Courier New" pitchFamily="49"/>
-              </a:rPr>
-              <a:t>Rerecording necessary when interface changes</a:t>
-            </a:r>
-          </a:p>
-          <a:p>
-            <a:pPr lvl="1">
-              <a:lnSpc>
-                <a:spcPct val="80000"/>
-              </a:lnSpc>
-              <a:buFont typeface="Courier New" pitchFamily="49"/>
-              <a:buChar char="_"/>
-            </a:pPr>
-            <a:r>
-              <a:rPr lang="nl-NL">
-                <a:solidFill>
-                  <a:srgbClr val="00FF00"/>
-                </a:solidFill>
-                <a:latin typeface="Courier New" pitchFamily="49"/>
-                <a:cs typeface="Courier New" pitchFamily="49"/>
-              </a:rPr>
-              <a:t>Mocks are not flexible</a:t>
-            </a:r>
-          </a:p>
-          <a:p>
-            <a:pPr lvl="1">
-              <a:lnSpc>
-                <a:spcPct val="80000"/>
-              </a:lnSpc>
-              <a:buFont typeface="Courier New" pitchFamily="49"/>
-              <a:buChar char="_"/>
-            </a:pPr>
-            <a:r>
-              <a:rPr lang="nl-NL">
-                <a:solidFill>
-                  <a:srgbClr val="00FF00"/>
-                </a:solidFill>
-                <a:latin typeface="Courier New" pitchFamily="49"/>
-                <a:cs typeface="Courier New" pitchFamily="49"/>
-              </a:rPr>
-              <a:t>Mocks are hard to extend</a:t>
-            </a:r>
-          </a:p>
-          <a:p>
-            <a:pPr lvl="0">
-              <a:lnSpc>
-                <a:spcPct val="80000"/>
-              </a:lnSpc>
-              <a:buFont typeface="Courier New" pitchFamily="49"/>
-              <a:buChar char="_"/>
-            </a:pPr>
-            <a:endParaRPr lang="nl-NL">
-              <a:solidFill>
-                <a:srgbClr val="00FF00"/>
-              </a:solidFill>
-              <a:latin typeface="Courier New" pitchFamily="49"/>
-              <a:cs typeface="Courier New" pitchFamily="49"/>
-            </a:endParaRPr>
-          </a:p>
-          <a:p>
-            <a:pPr lvl="0">
-              <a:lnSpc>
-                <a:spcPct val="80000"/>
-              </a:lnSpc>
-              <a:buFont typeface="Courier New" pitchFamily="49"/>
-              <a:buChar char="_"/>
-            </a:pPr>
-            <a:r>
-              <a:rPr lang="nl-NL">
-                <a:solidFill>
-                  <a:srgbClr val="00FF00"/>
-                </a:solidFill>
-                <a:latin typeface="Courier New" pitchFamily="49"/>
-                <a:cs typeface="Courier New" pitchFamily="49"/>
-              </a:rPr>
-              <a:t>Similar to record and playback in test automation</a:t>
-            </a:r>
-          </a:p>
-          <a:p>
-            <a:pPr lvl="0">
-              <a:lnSpc>
-                <a:spcPct val="80000"/>
-              </a:lnSpc>
-              <a:buFont typeface="Courier New" pitchFamily="49"/>
-              <a:buChar char="_"/>
-            </a:pPr>
-            <a:endParaRPr lang="nl-NL">
-              <a:solidFill>
-                <a:srgbClr val="00FF00"/>
-              </a:solidFill>
-              <a:latin typeface="Courier New" pitchFamily="49"/>
-              <a:cs typeface="Courier New" pitchFamily="49"/>
-            </a:endParaRPr>
-          </a:p>
-        </p:txBody>
-      </p:sp>
-    </p:spTree>
-  </p:cSld>
-  <p:clrMapOvr>
-    <a:masterClrMapping/>
-  </p:clrMapOvr>
-</p:sld>
-</file>
-
-<file path=ppt/slides/slide57.xml><?xml version="1.0" encoding="utf-8"?>
-<p:sld xmlns:a="http://schemas.openxmlformats.org/drawingml/2006/main" xmlns:r="http://schemas.openxmlformats.org/officeDocument/2006/relationships" xmlns:p="http://schemas.openxmlformats.org/presentationml/2006/main">
-  <p:cSld name="Slide70">
-    <p:bg>
-      <p:bgPr>
-        <a:solidFill>
-          <a:srgbClr val="000000"/>
-        </a:solidFill>
-        <a:effectLst/>
-      </p:bgPr>
-    </p:bg>
-    <p:spTree>
-      <p:nvGrpSpPr>
-        <p:cNvPr id="1" name=""/>
-        <p:cNvGrpSpPr/>
-        <p:nvPr/>
-      </p:nvGrpSpPr>
-      <p:grpSpPr>
-        <a:xfrm>
-          <a:off x="0" y="0"/>
-          <a:ext cx="0" cy="0"/>
-          <a:chOff x="0" y="0"/>
-          <a:chExt cx="0" cy="0"/>
-        </a:xfrm>
-      </p:grpSpPr>
-      <p:sp>
-        <p:nvSpPr>
-          <p:cNvPr id="2" name="Title 1">
-            <a:extLst>
-              <a:ext uri="{FF2B5EF4-FFF2-40B4-BE49-F238E27FC236}">
-                <a16:creationId xmlns:a16="http://schemas.microsoft.com/office/drawing/2014/main" id="{A93C1CAC-D889-44A6-A989-49876C456983}"/>
-              </a:ext>
-            </a:extLst>
-          </p:cNvPr>
-          <p:cNvSpPr txBox="1">
-            <a:spLocks noGrp="1"/>
-          </p:cNvSpPr>
-          <p:nvPr>
-            <p:ph type="title"/>
-          </p:nvPr>
-        </p:nvSpPr>
-        <p:spPr/>
-        <p:txBody>
-          <a:bodyPr/>
-          <a:lstStyle/>
-          <a:p>
-            <a:pPr lvl="0"/>
-            <a:r>
-              <a:rPr lang="nl-NL">
-                <a:solidFill>
-                  <a:srgbClr val="00FF00"/>
-                </a:solidFill>
-                <a:latin typeface="Courier New" pitchFamily="49"/>
-                <a:cs typeface="Courier New" pitchFamily="49"/>
-              </a:rPr>
-              <a:t>Other useful features</a:t>
-            </a:r>
-          </a:p>
-        </p:txBody>
-      </p:sp>
-      <p:sp>
-        <p:nvSpPr>
-          <p:cNvPr id="3" name="Content Placeholder 2">
-            <a:extLst>
-              <a:ext uri="{FF2B5EF4-FFF2-40B4-BE49-F238E27FC236}">
-                <a16:creationId xmlns:a16="http://schemas.microsoft.com/office/drawing/2014/main" id="{B91A437B-BF86-433E-8C18-92182E45E80E}"/>
-              </a:ext>
-            </a:extLst>
-          </p:cNvPr>
-          <p:cNvSpPr txBox="1">
-            <a:spLocks noGrp="1"/>
-          </p:cNvSpPr>
-          <p:nvPr>
-            <p:ph idx="1"/>
-          </p:nvPr>
-        </p:nvSpPr>
-        <p:spPr/>
-        <p:txBody>
-          <a:bodyPr/>
-          <a:lstStyle/>
-          <a:p>
-            <a:pPr lvl="0">
-              <a:buFont typeface="Courier New" pitchFamily="49"/>
-              <a:buChar char="_"/>
-            </a:pPr>
-            <a:r>
-              <a:rPr lang="nl-NL">
-                <a:solidFill>
-                  <a:srgbClr val="00FF00"/>
-                </a:solidFill>
-                <a:latin typeface="Courier New" pitchFamily="49"/>
-                <a:cs typeface="Courier New" pitchFamily="49"/>
-              </a:rPr>
-              <a:t>Verification (was a given message sent ?)</a:t>
-            </a:r>
-          </a:p>
-          <a:p>
-            <a:pPr lvl="0">
-              <a:buFont typeface="Courier New" pitchFamily="49"/>
-              <a:buChar char="_"/>
-            </a:pPr>
-            <a:endParaRPr lang="nl-NL">
-              <a:solidFill>
-                <a:srgbClr val="00FF00"/>
-              </a:solidFill>
-              <a:latin typeface="Courier New" pitchFamily="49"/>
-              <a:cs typeface="Courier New" pitchFamily="49"/>
-            </a:endParaRPr>
-          </a:p>
-          <a:p>
-            <a:pPr lvl="0">
-              <a:buFont typeface="Courier New" pitchFamily="49"/>
-              <a:buChar char="_"/>
-            </a:pPr>
-            <a:r>
-              <a:rPr lang="nl-NL">
-                <a:solidFill>
-                  <a:srgbClr val="00FF00"/>
-                </a:solidFill>
-                <a:latin typeface="Courier New" pitchFamily="49"/>
-                <a:cs typeface="Courier New" pitchFamily="49"/>
-              </a:rPr>
-              <a:t>Response transformations (via extensions)</a:t>
-            </a:r>
-          </a:p>
-          <a:p>
-            <a:pPr lvl="0">
-              <a:buFont typeface="Courier New" pitchFamily="49"/>
-              <a:buChar char="_"/>
-            </a:pPr>
-            <a:endParaRPr lang="nl-NL">
-              <a:solidFill>
-                <a:srgbClr val="00FF00"/>
-              </a:solidFill>
-              <a:latin typeface="Courier New" pitchFamily="49"/>
-              <a:cs typeface="Courier New" pitchFamily="49"/>
-            </a:endParaRPr>
-          </a:p>
-          <a:p>
-            <a:pPr lvl="0">
-              <a:buFont typeface="Courier New" pitchFamily="49"/>
-              <a:buChar char="_"/>
-            </a:pPr>
-            <a:r>
-              <a:rPr lang="nl-NL">
-                <a:solidFill>
-                  <a:srgbClr val="00FF00"/>
-                </a:solidFill>
-                <a:latin typeface="Courier New" pitchFamily="49"/>
-                <a:cs typeface="Courier New" pitchFamily="49"/>
-              </a:rPr>
-              <a:t>Integration into a CI / CD pipeline</a:t>
-            </a:r>
-          </a:p>
-          <a:p>
-            <a:pPr lvl="0">
-              <a:buFont typeface="Courier New" pitchFamily="49"/>
-              <a:buChar char="_"/>
-            </a:pPr>
-            <a:endParaRPr lang="nl-NL">
-              <a:solidFill>
-                <a:srgbClr val="00FF00"/>
-              </a:solidFill>
-              <a:latin typeface="Courier New" pitchFamily="49"/>
-              <a:cs typeface="Courier New" pitchFamily="49"/>
-            </a:endParaRPr>
-          </a:p>
-          <a:p>
-            <a:pPr lvl="0">
-              <a:buFont typeface="Courier New" pitchFamily="49"/>
-              <a:buChar char="_"/>
-            </a:pPr>
-            <a:r>
-              <a:rPr lang="nl-NL">
-                <a:solidFill>
-                  <a:srgbClr val="00FF00"/>
-                </a:solidFill>
-                <a:latin typeface="Courier New" pitchFamily="49"/>
-                <a:cs typeface="Courier New" pitchFamily="49"/>
-              </a:rPr>
-              <a:t>Documentation: http://wiremock.org/docs/</a:t>
-            </a:r>
-          </a:p>
-          <a:p>
-            <a:pPr lvl="0">
-              <a:buFont typeface="Courier New" pitchFamily="49"/>
-              <a:buChar char="_"/>
-            </a:pPr>
-            <a:endParaRPr lang="nl-NL">
-              <a:solidFill>
-                <a:srgbClr val="00FF00"/>
-              </a:solidFill>
-              <a:latin typeface="Courier New" pitchFamily="49"/>
-              <a:cs typeface="Courier New" pitchFamily="49"/>
-            </a:endParaRPr>
-          </a:p>
-          <a:p>
-            <a:pPr lvl="0">
-              <a:buFont typeface="Courier New" pitchFamily="49"/>
-              <a:buChar char="_"/>
-            </a:pPr>
-            <a:endParaRPr lang="nl-NL">
-              <a:solidFill>
-                <a:srgbClr val="00FF00"/>
-              </a:solidFill>
-              <a:latin typeface="Courier New" pitchFamily="49"/>
-              <a:cs typeface="Courier New" pitchFamily="49"/>
-            </a:endParaRPr>
-          </a:p>
-          <a:p>
-            <a:pPr lvl="0">
-              <a:buFont typeface="Courier New" pitchFamily="49"/>
-              <a:buChar char="_"/>
-            </a:pPr>
-            <a:endParaRPr lang="nl-NL">
-              <a:solidFill>
-                <a:srgbClr val="00FF00"/>
-              </a:solidFill>
-              <a:latin typeface="Courier New" pitchFamily="49"/>
-              <a:cs typeface="Courier New" pitchFamily="49"/>
-            </a:endParaRPr>
-          </a:p>
-          <a:p>
-            <a:pPr lvl="0">
-              <a:buFont typeface="Courier New" pitchFamily="49"/>
-              <a:buChar char="_"/>
-            </a:pPr>
-            <a:endParaRPr lang="nl-NL">
-              <a:solidFill>
-                <a:srgbClr val="00FF00"/>
-              </a:solidFill>
-              <a:latin typeface="Courier New" pitchFamily="49"/>
-              <a:cs typeface="Courier New" pitchFamily="49"/>
-            </a:endParaRPr>
-          </a:p>
-          <a:p>
-            <a:pPr lvl="0">
-              <a:buFont typeface="Courier New" pitchFamily="49"/>
-              <a:buChar char="_"/>
-            </a:pPr>
-            <a:endParaRPr lang="nl-NL">
-              <a:solidFill>
-                <a:srgbClr val="00FF00"/>
-              </a:solidFill>
-              <a:latin typeface="Courier New" pitchFamily="49"/>
-              <a:cs typeface="Courier New" pitchFamily="49"/>
-            </a:endParaRPr>
-          </a:p>
-        </p:txBody>
-      </p:sp>
-    </p:spTree>
-  </p:cSld>
-  <p:clrMapOvr>
-    <a:masterClrMapping/>
-  </p:clrMapOvr>
-</p:sld>
-</file>
-
-<file path=ppt/slides/slide58.xml><?xml version="1.0" encoding="utf-8"?>
-<p:sld xmlns:a="http://schemas.openxmlformats.org/drawingml/2006/main" xmlns:r="http://schemas.openxmlformats.org/officeDocument/2006/relationships" xmlns:p="http://schemas.openxmlformats.org/presentationml/2006/main">
-  <p:cSld name="Slide34">
-    <p:bg>
-      <p:bgPr>
-        <a:solidFill>
-          <a:srgbClr val="000000"/>
-        </a:solidFill>
-        <a:effectLst/>
-      </p:bgPr>
-    </p:bg>
-    <p:spTree>
-      <p:nvGrpSpPr>
-        <p:cNvPr id="1" name=""/>
-        <p:cNvGrpSpPr/>
-        <p:nvPr/>
-      </p:nvGrpSpPr>
-      <p:grpSpPr>
-        <a:xfrm>
-          <a:off x="0" y="0"/>
-          <a:ext cx="0" cy="0"/>
-          <a:chOff x="0" y="0"/>
-          <a:chExt cx="0" cy="0"/>
-        </a:xfrm>
-      </p:grpSpPr>
-      <p:sp>
-        <p:nvSpPr>
-          <p:cNvPr id="3" name="Content Placeholder 2">
-            <a:extLst>
-              <a:ext uri="{FF2B5EF4-FFF2-40B4-BE49-F238E27FC236}">
-                <a16:creationId xmlns:a16="http://schemas.microsoft.com/office/drawing/2014/main" id="{46356BCC-865D-4B8C-9E2D-9333980D33CE}"/>
-              </a:ext>
-            </a:extLst>
-          </p:cNvPr>
-          <p:cNvSpPr txBox="1">
-            <a:spLocks noGrp="1"/>
-          </p:cNvSpPr>
-          <p:nvPr>
-            <p:ph idx="1"/>
-          </p:nvPr>
-        </p:nvSpPr>
-        <p:spPr>
-          <a:xfrm>
-            <a:off x="838200" y="940218"/>
-            <a:ext cx="10515600" cy="6758610"/>
-          </a:xfrm>
-        </p:spPr>
-        <p:txBody>
-          <a:bodyPr anchor="t">
-            <a:normAutofit fontScale="70000" lnSpcReduction="20000"/>
-          </a:bodyPr>
-          <a:lstStyle/>
-          <a:p>
-            <a:pPr marL="0" lvl="0" indent="0" algn="ctr">
-              <a:buNone/>
-            </a:pPr>
-            <a:r>
-              <a:rPr lang="nl-NL" sz="86000" dirty="0">
-                <a:solidFill>
-                  <a:srgbClr val="00FF00"/>
-                </a:solidFill>
-                <a:latin typeface="Courier New" pitchFamily="49"/>
-                <a:cs typeface="Courier New" pitchFamily="49"/>
-              </a:rPr>
-              <a:t>?</a:t>
-            </a:r>
-            <a:endParaRPr lang="nl-NL" sz="5100" dirty="0">
-              <a:solidFill>
-                <a:srgbClr val="00FF00"/>
-              </a:solidFill>
-              <a:latin typeface="Courier New" pitchFamily="49"/>
-              <a:cs typeface="Courier New" pitchFamily="49"/>
-            </a:endParaRPr>
-          </a:p>
-          <a:p>
-            <a:pPr lvl="0">
-              <a:buFont typeface="Courier New" pitchFamily="49"/>
-              <a:buChar char="_"/>
-            </a:pPr>
-            <a:endParaRPr lang="nl-NL" dirty="0">
-              <a:solidFill>
-                <a:srgbClr val="00FF00"/>
-              </a:solidFill>
-              <a:latin typeface="Courier New" pitchFamily="49"/>
-              <a:cs typeface="Courier New" pitchFamily="49"/>
-            </a:endParaRPr>
-          </a:p>
-          <a:p>
-            <a:pPr lvl="0">
-              <a:buFont typeface="Courier New" pitchFamily="49"/>
-              <a:buChar char="_"/>
-            </a:pPr>
-            <a:endParaRPr lang="nl-NL" dirty="0">
-              <a:solidFill>
-                <a:srgbClr val="00FF00"/>
-              </a:solidFill>
-              <a:latin typeface="Courier New" pitchFamily="49"/>
-              <a:cs typeface="Courier New" pitchFamily="49"/>
-            </a:endParaRPr>
-          </a:p>
-          <a:p>
-            <a:pPr lvl="0">
-              <a:buFont typeface="Courier New" pitchFamily="49"/>
-              <a:buChar char="_"/>
-            </a:pPr>
-            <a:endParaRPr lang="nl-NL" dirty="0">
-              <a:solidFill>
-                <a:srgbClr val="00FF00"/>
-              </a:solidFill>
-              <a:latin typeface="Courier New" pitchFamily="49"/>
-              <a:cs typeface="Courier New" pitchFamily="49"/>
-            </a:endParaRPr>
-          </a:p>
-          <a:p>
-            <a:pPr lvl="0">
-              <a:buFont typeface="Courier New" pitchFamily="49"/>
-              <a:buChar char="_"/>
-            </a:pPr>
-            <a:endParaRPr lang="nl-NL" dirty="0">
-              <a:solidFill>
-                <a:srgbClr val="00FF00"/>
-              </a:solidFill>
-              <a:latin typeface="Courier New" pitchFamily="49"/>
-              <a:cs typeface="Courier New" pitchFamily="49"/>
-            </a:endParaRPr>
-          </a:p>
-        </p:txBody>
-      </p:sp>
-    </p:spTree>
-  </p:cSld>
-  <p:clrMapOvr>
-    <a:masterClrMapping/>
-  </p:clrMapOvr>
-</p:sld>
-</file>
-
-<file path=ppt/slides/slide59.xml><?xml version="1.0" encoding="utf-8"?>
-<p:sld xmlns:a="http://schemas.openxmlformats.org/drawingml/2006/main" xmlns:r="http://schemas.openxmlformats.org/officeDocument/2006/relationships" xmlns:p="http://schemas.openxmlformats.org/presentationml/2006/main">
-  <p:cSld name="Slide35">
-    <p:bg>
-      <p:bgPr>
-        <a:solidFill>
-          <a:srgbClr val="000000"/>
-        </a:solidFill>
-        <a:effectLst/>
-      </p:bgPr>
-    </p:bg>
-    <p:spTree>
-      <p:nvGrpSpPr>
-        <p:cNvPr id="1" name=""/>
-        <p:cNvGrpSpPr/>
-        <p:nvPr/>
-      </p:nvGrpSpPr>
-      <p:grpSpPr>
-        <a:xfrm>
-          <a:off x="0" y="0"/>
-          <a:ext cx="0" cy="0"/>
-          <a:chOff x="0" y="0"/>
-          <a:chExt cx="0" cy="0"/>
-        </a:xfrm>
-      </p:grpSpPr>
-      <p:sp>
-        <p:nvSpPr>
-          <p:cNvPr id="2" name="Title 1">
-            <a:extLst>
-              <a:ext uri="{FF2B5EF4-FFF2-40B4-BE49-F238E27FC236}">
-                <a16:creationId xmlns:a16="http://schemas.microsoft.com/office/drawing/2014/main" id="{1C4410CC-E6E6-48B2-A1C8-052FFA9985A6}"/>
-              </a:ext>
-            </a:extLst>
-          </p:cNvPr>
-          <p:cNvSpPr txBox="1">
-            <a:spLocks noGrp="1"/>
-          </p:cNvSpPr>
-          <p:nvPr>
-            <p:ph type="title"/>
-          </p:nvPr>
-        </p:nvSpPr>
-        <p:spPr/>
-        <p:txBody>
-          <a:bodyPr/>
-          <a:lstStyle/>
-          <a:p>
-            <a:pPr lvl="0"/>
-            <a:r>
-              <a:rPr lang="nl-NL">
-                <a:solidFill>
-                  <a:srgbClr val="00FF00"/>
-                </a:solidFill>
-                <a:latin typeface="Courier New" pitchFamily="49"/>
-                <a:cs typeface="Courier New" pitchFamily="49"/>
-              </a:rPr>
-              <a:t>Contact</a:t>
-            </a:r>
-          </a:p>
-        </p:txBody>
-      </p:sp>
-      <p:sp>
-        <p:nvSpPr>
-          <p:cNvPr id="3" name="Content Placeholder 2">
-            <a:extLst>
-              <a:ext uri="{FF2B5EF4-FFF2-40B4-BE49-F238E27FC236}">
-                <a16:creationId xmlns:a16="http://schemas.microsoft.com/office/drawing/2014/main" id="{C747F979-2896-458B-98C8-17DF897AF9B4}"/>
-              </a:ext>
-            </a:extLst>
-          </p:cNvPr>
-          <p:cNvSpPr txBox="1">
-            <a:spLocks noGrp="1"/>
-          </p:cNvSpPr>
-          <p:nvPr>
-            <p:ph idx="1"/>
-          </p:nvPr>
-        </p:nvSpPr>
-        <p:spPr>
-          <a:xfrm>
-            <a:off x="838203" y="1825627"/>
-            <a:ext cx="11256035" cy="4351336"/>
-          </a:xfrm>
-        </p:spPr>
-        <p:txBody>
-          <a:bodyPr/>
-          <a:lstStyle/>
-          <a:p>
-            <a:pPr lvl="0">
-              <a:buFont typeface="Courier New" pitchFamily="49"/>
-              <a:buChar char="_"/>
-            </a:pPr>
-            <a:r>
-              <a:rPr lang="nl-NL">
-                <a:solidFill>
-                  <a:srgbClr val="00FF00"/>
-                </a:solidFill>
-                <a:latin typeface="Courier New" pitchFamily="49"/>
-                <a:cs typeface="Courier New" pitchFamily="49"/>
-              </a:rPr>
-              <a:t>Email:</a:t>
-            </a:r>
-          </a:p>
-          <a:p>
-            <a:pPr lvl="0">
-              <a:buFont typeface="Courier New" pitchFamily="49"/>
-              <a:buChar char="_"/>
-            </a:pPr>
-            <a:endParaRPr lang="nl-NL">
-              <a:solidFill>
-                <a:srgbClr val="00FF00"/>
-              </a:solidFill>
-              <a:latin typeface="Courier New" pitchFamily="49"/>
-              <a:cs typeface="Courier New" pitchFamily="49"/>
-            </a:endParaRPr>
-          </a:p>
-          <a:p>
-            <a:pPr lvl="0">
-              <a:buFont typeface="Courier New" pitchFamily="49"/>
-              <a:buChar char="_"/>
-            </a:pPr>
-            <a:r>
-              <a:rPr lang="nl-NL">
-                <a:solidFill>
-                  <a:srgbClr val="00FF00"/>
-                </a:solidFill>
-                <a:latin typeface="Courier New" pitchFamily="49"/>
-                <a:cs typeface="Courier New" pitchFamily="49"/>
-              </a:rPr>
-              <a:t>Blog: </a:t>
-            </a:r>
-          </a:p>
-          <a:p>
-            <a:pPr lvl="0">
-              <a:buFont typeface="Courier New" pitchFamily="49"/>
-              <a:buChar char="_"/>
-            </a:pPr>
-            <a:endParaRPr lang="nl-NL">
-              <a:solidFill>
-                <a:srgbClr val="00FF00"/>
-              </a:solidFill>
-              <a:latin typeface="Courier New" pitchFamily="49"/>
-              <a:cs typeface="Courier New" pitchFamily="49"/>
-            </a:endParaRPr>
-          </a:p>
-          <a:p>
-            <a:pPr lvl="0">
-              <a:buFont typeface="Courier New" pitchFamily="49"/>
-              <a:buChar char="_"/>
-            </a:pPr>
-            <a:r>
-              <a:rPr lang="nl-NL">
-                <a:solidFill>
-                  <a:srgbClr val="00FF00"/>
-                </a:solidFill>
-                <a:latin typeface="Courier New" pitchFamily="49"/>
-                <a:cs typeface="Courier New" pitchFamily="49"/>
-              </a:rPr>
-              <a:t>LinkedIn:</a:t>
-            </a:r>
-            <a:endParaRPr lang="nl-NL">
-              <a:solidFill>
-                <a:srgbClr val="0070C0"/>
-              </a:solidFill>
-              <a:latin typeface="Courier New" pitchFamily="49"/>
-              <a:cs typeface="Courier New" pitchFamily="49"/>
-            </a:endParaRPr>
-          </a:p>
-          <a:p>
-            <a:pPr lvl="0">
-              <a:buFont typeface="Courier New" pitchFamily="49"/>
-              <a:buChar char="_"/>
-            </a:pPr>
-            <a:endParaRPr lang="nl-NL">
-              <a:solidFill>
-                <a:srgbClr val="00FF00"/>
-              </a:solidFill>
-              <a:latin typeface="Courier New" pitchFamily="49"/>
-              <a:cs typeface="Courier New" pitchFamily="49"/>
-            </a:endParaRPr>
-          </a:p>
-          <a:p>
-            <a:pPr lvl="0">
-              <a:buFont typeface="Courier New" pitchFamily="49"/>
-              <a:buChar char="_"/>
-            </a:pPr>
-            <a:r>
-              <a:rPr lang="nl-NL">
-                <a:solidFill>
-                  <a:srgbClr val="00FF00"/>
-                </a:solidFill>
-                <a:latin typeface="Courier New" pitchFamily="49"/>
-                <a:cs typeface="Courier New" pitchFamily="49"/>
-              </a:rPr>
-              <a:t>Twitter:</a:t>
-            </a:r>
-          </a:p>
-          <a:p>
-            <a:pPr lvl="0">
-              <a:buFont typeface="Courier New" pitchFamily="49"/>
-              <a:buChar char="_"/>
-            </a:pPr>
-            <a:endParaRPr lang="nl-NL">
-              <a:solidFill>
-                <a:srgbClr val="00FF00"/>
-              </a:solidFill>
-              <a:latin typeface="Courier New" pitchFamily="49"/>
-              <a:cs typeface="Courier New" pitchFamily="49"/>
-            </a:endParaRPr>
-          </a:p>
-          <a:p>
-            <a:pPr lvl="0">
-              <a:buFont typeface="Courier New" pitchFamily="49"/>
-              <a:buChar char="_"/>
-            </a:pPr>
-            <a:endParaRPr lang="nl-NL">
-              <a:solidFill>
-                <a:srgbClr val="00FF00"/>
-              </a:solidFill>
-              <a:latin typeface="Courier New" pitchFamily="49"/>
-              <a:cs typeface="Courier New" pitchFamily="49"/>
-            </a:endParaRPr>
-          </a:p>
-          <a:p>
-            <a:pPr lvl="0">
-              <a:buFont typeface="Courier New" pitchFamily="49"/>
-              <a:buChar char="_"/>
-            </a:pPr>
-            <a:endParaRPr lang="nl-NL">
-              <a:solidFill>
-                <a:srgbClr val="00FF00"/>
-              </a:solidFill>
-              <a:latin typeface="Courier New" pitchFamily="49"/>
-              <a:cs typeface="Courier New" pitchFamily="49"/>
-            </a:endParaRPr>
-          </a:p>
-          <a:p>
-            <a:pPr lvl="0">
-              <a:buFont typeface="Courier New" pitchFamily="49"/>
-              <a:buChar char="_"/>
-            </a:pPr>
-            <a:endParaRPr lang="nl-NL">
-              <a:solidFill>
-                <a:srgbClr val="00FF00"/>
-              </a:solidFill>
-              <a:latin typeface="Courier New" pitchFamily="49"/>
-              <a:cs typeface="Courier New" pitchFamily="49"/>
-            </a:endParaRPr>
-          </a:p>
-          <a:p>
-            <a:pPr lvl="0">
-              <a:buFont typeface="Courier New" pitchFamily="49"/>
-              <a:buChar char="_"/>
-            </a:pPr>
-            <a:endParaRPr lang="nl-NL">
-              <a:solidFill>
-                <a:srgbClr val="00FF00"/>
-              </a:solidFill>
-              <a:latin typeface="Courier New" pitchFamily="49"/>
-              <a:cs typeface="Courier New" pitchFamily="49"/>
-            </a:endParaRPr>
-          </a:p>
-          <a:p>
-            <a:pPr lvl="0">
-              <a:buFont typeface="Courier New" pitchFamily="49"/>
-              <a:buChar char="_"/>
-            </a:pPr>
-            <a:endParaRPr lang="nl-NL">
-              <a:solidFill>
-                <a:srgbClr val="00FF00"/>
-              </a:solidFill>
-              <a:latin typeface="Courier New" pitchFamily="49"/>
-              <a:cs typeface="Courier New" pitchFamily="49"/>
-            </a:endParaRPr>
-          </a:p>
-        </p:txBody>
-      </p:sp>
-    </p:spTree>
   </p:cSld>
   <p:clrMapOvr>
     <a:masterClrMapping/>

--- a/wiremock_workshop.pptx
+++ b/wiremock_workshop.pptx
@@ -6,7 +6,7 @@
     <p:sldMasterId id="2147483660" r:id="rId2"/>
   </p:sldMasterIdLst>
   <p:notesMasterIdLst>
-    <p:notesMasterId r:id="rId98"/>
+    <p:notesMasterId r:id="rId92"/>
   </p:notesMasterIdLst>
   <p:sldIdLst>
     <p:sldId id="256" r:id="rId3"/>
@@ -81,29 +81,23 @@
     <p:sldId id="793" r:id="rId72"/>
     <p:sldId id="826" r:id="rId73"/>
     <p:sldId id="811" r:id="rId74"/>
-    <p:sldId id="805" r:id="rId75"/>
-    <p:sldId id="795" r:id="rId76"/>
-    <p:sldId id="796" r:id="rId77"/>
-    <p:sldId id="827" r:id="rId78"/>
-    <p:sldId id="813" r:id="rId79"/>
-    <p:sldId id="806" r:id="rId80"/>
-    <p:sldId id="798" r:id="rId81"/>
-    <p:sldId id="799" r:id="rId82"/>
-    <p:sldId id="800" r:id="rId83"/>
-    <p:sldId id="801" r:id="rId84"/>
-    <p:sldId id="786" r:id="rId85"/>
-    <p:sldId id="828" r:id="rId86"/>
-    <p:sldId id="768" r:id="rId87"/>
-    <p:sldId id="706" r:id="rId88"/>
-    <p:sldId id="711" r:id="rId89"/>
-    <p:sldId id="712" r:id="rId90"/>
-    <p:sldId id="714" r:id="rId91"/>
-    <p:sldId id="715" r:id="rId92"/>
-    <p:sldId id="717" r:id="rId93"/>
-    <p:sldId id="719" r:id="rId94"/>
-    <p:sldId id="720" r:id="rId95"/>
-    <p:sldId id="815" r:id="rId96"/>
-    <p:sldId id="747" r:id="rId97"/>
+    <p:sldId id="1094" r:id="rId75"/>
+    <p:sldId id="805" r:id="rId76"/>
+    <p:sldId id="795" r:id="rId77"/>
+    <p:sldId id="796" r:id="rId78"/>
+    <p:sldId id="827" r:id="rId79"/>
+    <p:sldId id="786" r:id="rId80"/>
+    <p:sldId id="768" r:id="rId81"/>
+    <p:sldId id="706" r:id="rId82"/>
+    <p:sldId id="711" r:id="rId83"/>
+    <p:sldId id="712" r:id="rId84"/>
+    <p:sldId id="714" r:id="rId85"/>
+    <p:sldId id="715" r:id="rId86"/>
+    <p:sldId id="717" r:id="rId87"/>
+    <p:sldId id="719" r:id="rId88"/>
+    <p:sldId id="720" r:id="rId89"/>
+    <p:sldId id="815" r:id="rId90"/>
+    <p:sldId id="747" r:id="rId91"/>
   </p:sldIdLst>
   <p:sldSz cx="12192000" cy="6858000"/>
   <p:notesSz cx="6858000" cy="9144000"/>
@@ -356,7 +350,7 @@
             <a:fld id="{933C1985-CC60-4502-8ECC-8A39609F1E28}" type="datetime1">
               <a:rPr lang="nl-NL"/>
               <a:pPr lvl="0"/>
-              <a:t>7-9-2022</a:t>
+              <a:t>10-1-2024</a:t>
             </a:fld>
             <a:endParaRPr lang="nl-NL"/>
           </a:p>
@@ -807,13 +801,6 @@
           <a:lstStyle/>
           <a:p>
             <a:pPr lvl="0"/>
-            <a:r>
-              <a:rPr lang="nl-NL"/>
-              <a:t>Please replace the … with your own name. I would really like it if you left the bottom line intact though, as a way of thanking me. That’s really all I’m asking for, the rest of the workshop is yours to butcher (erm, improve).</a:t>
-            </a:r>
-          </a:p>
-          <a:p>
-            <a:pPr lvl="0"/>
             <a:endParaRPr lang="nl-NL"/>
           </a:p>
         </p:txBody>
@@ -1082,14 +1069,6 @@
           <a:bodyPr/>
           <a:lstStyle/>
           <a:p>
-            <a:r>
-              <a:rPr lang="nl-NL"/>
-              <a:t>In the first 8 years of my career I wrote an</a:t>
-            </a:r>
-            <a:r>
-              <a:rPr lang="nl-NL" baseline="0"/>
-              <a:t> awful lot of horrible automation</a:t>
-            </a:r>
             <a:endParaRPr lang="nl-NL"/>
           </a:p>
         </p:txBody>
@@ -1239,10 +1218,6 @@
           <a:bodyPr/>
           <a:lstStyle/>
           <a:p>
-            <a:r>
-              <a:rPr lang="en-US"/>
-              <a:t>The answers to the JSON exercises can be found in src/test/resources/answers. Move the corresponding JSON files to the mappings folder for WireMock to pick them up</a:t>
-            </a:r>
             <a:endParaRPr lang="en-NL"/>
           </a:p>
         </p:txBody>
@@ -1333,14 +1308,6 @@
           <a:bodyPr/>
           <a:lstStyle/>
           <a:p>
-            <a:r>
-              <a:rPr lang="nl-NL"/>
-              <a:t>In the first 8 years of my career I wrote an</a:t>
-            </a:r>
-            <a:r>
-              <a:rPr lang="nl-NL" baseline="0"/>
-              <a:t> awful lot of horrible automation</a:t>
-            </a:r>
             <a:endParaRPr lang="nl-NL"/>
           </a:p>
         </p:txBody>
@@ -1490,10 +1457,6 @@
           <a:bodyPr/>
           <a:lstStyle/>
           <a:p>
-            <a:r>
-              <a:rPr lang="en-US"/>
-              <a:t>The answers to the JSON exercises can be found in src/test/resources/answers. Move the corresponding JSON files to the mappings folder for WireMock to pick them up</a:t>
-            </a:r>
             <a:endParaRPr lang="en-NL"/>
           </a:p>
         </p:txBody>
@@ -1643,14 +1606,6 @@
           <a:bodyPr/>
           <a:lstStyle/>
           <a:p>
-            <a:r>
-              <a:rPr lang="nl-NL"/>
-              <a:t>In the first 8 years of my career I wrote an</a:t>
-            </a:r>
-            <a:r>
-              <a:rPr lang="nl-NL" baseline="0"/>
-              <a:t> awful lot of horrible automation</a:t>
-            </a:r>
             <a:endParaRPr lang="nl-NL"/>
           </a:p>
         </p:txBody>
@@ -1800,10 +1755,6 @@
           <a:bodyPr/>
           <a:lstStyle/>
           <a:p>
-            <a:r>
-              <a:rPr lang="en-US"/>
-              <a:t>The answers to the JSON exercises can be found in src/test/resources/answers. Move the corresponding JSON files to the mappings folder for WireMock to pick them up</a:t>
-            </a:r>
             <a:endParaRPr lang="en-NL"/>
           </a:p>
         </p:txBody>
@@ -1953,14 +1904,6 @@
           <a:bodyPr/>
           <a:lstStyle/>
           <a:p>
-            <a:r>
-              <a:rPr lang="nl-NL"/>
-              <a:t>In the first 8 years of my career I wrote an</a:t>
-            </a:r>
-            <a:r>
-              <a:rPr lang="nl-NL" baseline="0"/>
-              <a:t> awful lot of horrible automation</a:t>
-            </a:r>
             <a:endParaRPr lang="nl-NL"/>
           </a:p>
         </p:txBody>
@@ -2110,10 +2053,6 @@
           <a:bodyPr/>
           <a:lstStyle/>
           <a:p>
-            <a:r>
-              <a:rPr lang="en-US"/>
-              <a:t>The answers to the JSON exercises can be found in src/test/resources/answers. Move the corresponding JSON files to the mappings folder for WireMock to pick them up</a:t>
-            </a:r>
             <a:endParaRPr lang="en-NL"/>
           </a:p>
         </p:txBody>
@@ -2263,14 +2202,6 @@
           <a:bodyPr/>
           <a:lstStyle/>
           <a:p>
-            <a:r>
-              <a:rPr lang="nl-NL"/>
-              <a:t>In the first 8 years of my career I wrote an</a:t>
-            </a:r>
-            <a:r>
-              <a:rPr lang="nl-NL" baseline="0"/>
-              <a:t> awful lot of horrible automation</a:t>
-            </a:r>
             <a:endParaRPr lang="nl-NL"/>
           </a:p>
         </p:txBody>
@@ -2433,10 +2364,7 @@
           <a:lstStyle/>
           <a:p>
             <a:pPr lvl="0"/>
-            <a:r>
-              <a:rPr lang="nl-NL"/>
-              <a:t>The workshop starts with a background on how stubbing, mocking and service virtualization can help you remove bottlenecks in your test environment. Then, we’re going to take a look at how WireMock enables you to write mocks in Java using a powerful and intuitive API. And of course, most importantly, the participants are going to do the hard work..</a:t>
-            </a:r>
+            <a:endParaRPr lang="nl-NL"/>
           </a:p>
         </p:txBody>
       </p:sp>
@@ -2560,10 +2488,6 @@
           <a:bodyPr/>
           <a:lstStyle/>
           <a:p>
-            <a:r>
-              <a:rPr lang="en-US"/>
-              <a:t>The answers to the JSON exercises can be found in src/test/resources/answers. Move the corresponding JSON files to the mappings folder for WireMock to pick them up</a:t>
-            </a:r>
             <a:endParaRPr lang="en-NL"/>
           </a:p>
         </p:txBody>
@@ -2713,14 +2637,6 @@
           <a:bodyPr/>
           <a:lstStyle/>
           <a:p>
-            <a:r>
-              <a:rPr lang="nl-NL"/>
-              <a:t>In the first 8 years of my career I wrote an</a:t>
-            </a:r>
-            <a:r>
-              <a:rPr lang="nl-NL" baseline="0"/>
-              <a:t> awful lot of horrible automation</a:t>
-            </a:r>
             <a:endParaRPr lang="nl-NL"/>
           </a:p>
         </p:txBody>
@@ -2870,14 +2786,6 @@
           <a:bodyPr/>
           <a:lstStyle/>
           <a:p>
-            <a:r>
-              <a:rPr lang="nl-NL"/>
-              <a:t>In the first 8 years of my career I wrote an</a:t>
-            </a:r>
-            <a:r>
-              <a:rPr lang="nl-NL" baseline="0"/>
-              <a:t> awful lot of horrible automation</a:t>
-            </a:r>
             <a:endParaRPr lang="nl-NL"/>
           </a:p>
         </p:txBody>
@@ -3027,10 +2935,6 @@
           <a:bodyPr/>
           <a:lstStyle/>
           <a:p>
-            <a:r>
-              <a:rPr lang="en-US"/>
-              <a:t>The answers to the JSON exercises can be found in src/test/resources/answers. Move the corresponding JSON files to the mappings folder for WireMock to pick them up</a:t>
-            </a:r>
             <a:endParaRPr lang="en-NL"/>
           </a:p>
         </p:txBody>
@@ -3180,14 +3084,6 @@
           <a:bodyPr/>
           <a:lstStyle/>
           <a:p>
-            <a:r>
-              <a:rPr lang="nl-NL"/>
-              <a:t>In the first 8 years of my career I wrote an</a:t>
-            </a:r>
-            <a:r>
-              <a:rPr lang="nl-NL" baseline="0"/>
-              <a:t> awful lot of horrible automation</a:t>
-            </a:r>
             <a:endParaRPr lang="nl-NL"/>
           </a:p>
         </p:txBody>
@@ -3337,10 +3233,6 @@
           <a:bodyPr/>
           <a:lstStyle/>
           <a:p>
-            <a:r>
-              <a:rPr lang="en-US"/>
-              <a:t>The answers to the JSON exercises can be found in src/test/resources/answers. Move the corresponding JSON files to the mappings folder for WireMock to pick them up</a:t>
-            </a:r>
             <a:endParaRPr lang="en-NL"/>
           </a:p>
         </p:txBody>
@@ -3490,14 +3382,6 @@
           <a:bodyPr/>
           <a:lstStyle/>
           <a:p>
-            <a:r>
-              <a:rPr lang="nl-NL"/>
-              <a:t>In the first 8 years of my career I wrote an</a:t>
-            </a:r>
-            <a:r>
-              <a:rPr lang="nl-NL" baseline="0"/>
-              <a:t> awful lot of horrible automation</a:t>
-            </a:r>
             <a:endParaRPr lang="nl-NL"/>
           </a:p>
         </p:txBody>
@@ -3599,6 +3483,155 @@
 </file>
 
 <file path=ppt/notesSlides/notesSlide27.xml><?xml version="1.0" encoding="utf-8"?>
+<p:notes xmlns:a="http://schemas.openxmlformats.org/drawingml/2006/main" xmlns:r="http://schemas.openxmlformats.org/officeDocument/2006/relationships" xmlns:p="http://schemas.openxmlformats.org/presentationml/2006/main">
+  <p:cSld>
+    <p:spTree>
+      <p:nvGrpSpPr>
+        <p:cNvPr id="1" name=""/>
+        <p:cNvGrpSpPr/>
+        <p:nvPr/>
+      </p:nvGrpSpPr>
+      <p:grpSpPr>
+        <a:xfrm>
+          <a:off x="0" y="0"/>
+          <a:ext cx="0" cy="0"/>
+          <a:chOff x="0" y="0"/>
+          <a:chExt cx="0" cy="0"/>
+        </a:xfrm>
+      </p:grpSpPr>
+      <p:sp>
+        <p:nvSpPr>
+          <p:cNvPr id="2" name="Slide Image Placeholder 1"/>
+          <p:cNvSpPr>
+            <a:spLocks noGrp="1" noRot="1" noChangeAspect="1"/>
+          </p:cNvSpPr>
+          <p:nvPr>
+            <p:ph type="sldImg"/>
+          </p:nvPr>
+        </p:nvSpPr>
+        <p:spPr>
+          <a:xfrm>
+            <a:off x="685800" y="1143000"/>
+            <a:ext cx="5486400" cy="3086100"/>
+          </a:xfrm>
+        </p:spPr>
+      </p:sp>
+      <p:sp>
+        <p:nvSpPr>
+          <p:cNvPr id="3" name="Notes Placeholder 2"/>
+          <p:cNvSpPr>
+            <a:spLocks noGrp="1"/>
+          </p:cNvSpPr>
+          <p:nvPr>
+            <p:ph type="body" idx="1"/>
+          </p:nvPr>
+        </p:nvSpPr>
+        <p:spPr/>
+        <p:txBody>
+          <a:bodyPr/>
+          <a:lstStyle/>
+          <a:p>
+            <a:endParaRPr lang="nl-NL"/>
+          </a:p>
+        </p:txBody>
+      </p:sp>
+      <p:sp>
+        <p:nvSpPr>
+          <p:cNvPr id="4" name="Slide Number Placeholder 3"/>
+          <p:cNvSpPr>
+            <a:spLocks noGrp="1"/>
+          </p:cNvSpPr>
+          <p:nvPr>
+            <p:ph type="sldNum" sz="quarter" idx="10"/>
+          </p:nvPr>
+        </p:nvSpPr>
+        <p:spPr/>
+        <p:txBody>
+          <a:bodyPr/>
+          <a:lstStyle/>
+          <a:p>
+            <a:pPr marL="0" marR="0" lvl="0" indent="0" algn="r" defTabSz="914400" rtl="0" eaLnBrk="1" fontAlgn="auto" latinLnBrk="0" hangingPunct="1">
+              <a:lnSpc>
+                <a:spcPct val="100000"/>
+              </a:lnSpc>
+              <a:spcBef>
+                <a:spcPts val="0"/>
+              </a:spcBef>
+              <a:spcAft>
+                <a:spcPts val="0"/>
+              </a:spcAft>
+              <a:buClrTx/>
+              <a:buSzTx/>
+              <a:buFontTx/>
+              <a:buNone/>
+              <a:tabLst/>
+              <a:defRPr/>
+            </a:pPr>
+            <a:fld id="{18D1B175-4AA8-4E22-A293-4FC0E25D585B}" type="slidenum">
+              <a:rPr kumimoji="0" lang="nl-NL" sz="1200" b="0" i="0" u="none" strike="noStrike" kern="1200" cap="none" spc="0" normalizeH="0" baseline="0" noProof="0" smtClean="0">
+                <a:ln>
+                  <a:noFill/>
+                </a:ln>
+                <a:solidFill>
+                  <a:prstClr val="black"/>
+                </a:solidFill>
+                <a:effectLst/>
+                <a:uLnTx/>
+                <a:uFillTx/>
+                <a:latin typeface="Calibri" panose="020F0502020204030204"/>
+                <a:ea typeface="+mn-ea"/>
+                <a:cs typeface="+mn-cs"/>
+              </a:rPr>
+              <a:pPr marL="0" marR="0" lvl="0" indent="0" algn="r" defTabSz="914400" rtl="0" eaLnBrk="1" fontAlgn="auto" latinLnBrk="0" hangingPunct="1">
+                <a:lnSpc>
+                  <a:spcPct val="100000"/>
+                </a:lnSpc>
+                <a:spcBef>
+                  <a:spcPts val="0"/>
+                </a:spcBef>
+                <a:spcAft>
+                  <a:spcPts val="0"/>
+                </a:spcAft>
+                <a:buClrTx/>
+                <a:buSzTx/>
+                <a:buFontTx/>
+                <a:buNone/>
+                <a:tabLst/>
+                <a:defRPr/>
+              </a:pPr>
+              <a:t>73</a:t>
+            </a:fld>
+            <a:endParaRPr kumimoji="0" lang="nl-NL" sz="1200" b="0" i="0" u="none" strike="noStrike" kern="1200" cap="none" spc="0" normalizeH="0" baseline="0" noProof="0">
+              <a:ln>
+                <a:noFill/>
+              </a:ln>
+              <a:solidFill>
+                <a:prstClr val="black"/>
+              </a:solidFill>
+              <a:effectLst/>
+              <a:uLnTx/>
+              <a:uFillTx/>
+              <a:latin typeface="Calibri" panose="020F0502020204030204"/>
+              <a:ea typeface="+mn-ea"/>
+              <a:cs typeface="+mn-cs"/>
+            </a:endParaRPr>
+          </a:p>
+        </p:txBody>
+      </p:sp>
+    </p:spTree>
+    <p:extLst>
+      <p:ext uri="{BB962C8B-B14F-4D97-AF65-F5344CB8AC3E}">
+        <p14:creationId xmlns:p14="http://schemas.microsoft.com/office/powerpoint/2010/main" val="1861263333"/>
+      </p:ext>
+    </p:extLst>
+  </p:cSld>
+  <p:clrMapOvr>
+    <a:masterClrMapping/>
+  </p:clrMapOvr>
+</p:notes>
+</file>
+
+<file path=ppt/notesSlides/notesSlide28.xml><?xml version="1.0" encoding="utf-8"?>
 <p:notes xmlns:a="http://schemas.openxmlformats.org/drawingml/2006/main" xmlns:r="http://schemas.openxmlformats.org/officeDocument/2006/relationships" xmlns:p="http://schemas.openxmlformats.org/presentationml/2006/main">
   <p:cSld>
     <p:spTree>
@@ -3647,10 +3680,6 @@
           <a:bodyPr/>
           <a:lstStyle/>
           <a:p>
-            <a:r>
-              <a:rPr lang="en-US"/>
-              <a:t>The answers to the JSON exercises can be found in src/test/resources/answers. Move the corresponding JSON files to the mappings folder for WireMock to pick them up</a:t>
-            </a:r>
             <a:endParaRPr lang="en-NL"/>
           </a:p>
         </p:txBody>
@@ -3699,163 +3728,6 @@
                 <a:uLnTx/>
                 <a:uFillTx/>
                 <a:latin typeface="Calibri"/>
-                <a:ea typeface="+mn-ea"/>
-                <a:cs typeface="+mn-cs"/>
-              </a:rPr>
-              <a:pPr marL="0" marR="0" lvl="0" indent="0" algn="r" defTabSz="914400" rtl="0" eaLnBrk="1" fontAlgn="auto" latinLnBrk="0" hangingPunct="1">
-                <a:lnSpc>
-                  <a:spcPct val="100000"/>
-                </a:lnSpc>
-                <a:spcBef>
-                  <a:spcPts val="0"/>
-                </a:spcBef>
-                <a:spcAft>
-                  <a:spcPts val="0"/>
-                </a:spcAft>
-                <a:buClrTx/>
-                <a:buSzTx/>
-                <a:buFontTx/>
-                <a:buNone/>
-                <a:tabLst/>
-                <a:defRPr/>
-              </a:pPr>
-              <a:t>76</a:t>
-            </a:fld>
-            <a:endParaRPr kumimoji="0" lang="en-US" sz="1200" b="0" i="0" u="none" strike="noStrike" kern="1200" cap="none" spc="0" normalizeH="0" baseline="0" noProof="0">
-              <a:ln>
-                <a:noFill/>
-              </a:ln>
-              <a:solidFill>
-                <a:srgbClr val="000000"/>
-              </a:solidFill>
-              <a:effectLst/>
-              <a:uLnTx/>
-              <a:uFillTx/>
-              <a:latin typeface="Calibri"/>
-              <a:ea typeface="+mn-ea"/>
-              <a:cs typeface="+mn-cs"/>
-            </a:endParaRPr>
-          </a:p>
-        </p:txBody>
-      </p:sp>
-    </p:spTree>
-    <p:extLst>
-      <p:ext uri="{BB962C8B-B14F-4D97-AF65-F5344CB8AC3E}">
-        <p14:creationId xmlns:p14="http://schemas.microsoft.com/office/powerpoint/2010/main" val="1732482746"/>
-      </p:ext>
-    </p:extLst>
-  </p:cSld>
-  <p:clrMapOvr>
-    <a:masterClrMapping/>
-  </p:clrMapOvr>
-</p:notes>
-</file>
-
-<file path=ppt/notesSlides/notesSlide28.xml><?xml version="1.0" encoding="utf-8"?>
-<p:notes xmlns:a="http://schemas.openxmlformats.org/drawingml/2006/main" xmlns:r="http://schemas.openxmlformats.org/officeDocument/2006/relationships" xmlns:p="http://schemas.openxmlformats.org/presentationml/2006/main">
-  <p:cSld>
-    <p:spTree>
-      <p:nvGrpSpPr>
-        <p:cNvPr id="1" name=""/>
-        <p:cNvGrpSpPr/>
-        <p:nvPr/>
-      </p:nvGrpSpPr>
-      <p:grpSpPr>
-        <a:xfrm>
-          <a:off x="0" y="0"/>
-          <a:ext cx="0" cy="0"/>
-          <a:chOff x="0" y="0"/>
-          <a:chExt cx="0" cy="0"/>
-        </a:xfrm>
-      </p:grpSpPr>
-      <p:sp>
-        <p:nvSpPr>
-          <p:cNvPr id="2" name="Slide Image Placeholder 1"/>
-          <p:cNvSpPr>
-            <a:spLocks noGrp="1" noRot="1" noChangeAspect="1"/>
-          </p:cNvSpPr>
-          <p:nvPr>
-            <p:ph type="sldImg"/>
-          </p:nvPr>
-        </p:nvSpPr>
-        <p:spPr>
-          <a:xfrm>
-            <a:off x="685800" y="1143000"/>
-            <a:ext cx="5486400" cy="3086100"/>
-          </a:xfrm>
-        </p:spPr>
-      </p:sp>
-      <p:sp>
-        <p:nvSpPr>
-          <p:cNvPr id="3" name="Notes Placeholder 2"/>
-          <p:cNvSpPr>
-            <a:spLocks noGrp="1"/>
-          </p:cNvSpPr>
-          <p:nvPr>
-            <p:ph type="body" idx="1"/>
-          </p:nvPr>
-        </p:nvSpPr>
-        <p:spPr/>
-        <p:txBody>
-          <a:bodyPr/>
-          <a:lstStyle/>
-          <a:p>
-            <a:r>
-              <a:rPr lang="nl-NL"/>
-              <a:t>In the first 8 years of my career I wrote an</a:t>
-            </a:r>
-            <a:r>
-              <a:rPr lang="nl-NL" baseline="0"/>
-              <a:t> awful lot of horrible automation</a:t>
-            </a:r>
-            <a:endParaRPr lang="nl-NL"/>
-          </a:p>
-        </p:txBody>
-      </p:sp>
-      <p:sp>
-        <p:nvSpPr>
-          <p:cNvPr id="4" name="Slide Number Placeholder 3"/>
-          <p:cNvSpPr>
-            <a:spLocks noGrp="1"/>
-          </p:cNvSpPr>
-          <p:nvPr>
-            <p:ph type="sldNum" sz="quarter" idx="10"/>
-          </p:nvPr>
-        </p:nvSpPr>
-        <p:spPr/>
-        <p:txBody>
-          <a:bodyPr/>
-          <a:lstStyle/>
-          <a:p>
-            <a:pPr marL="0" marR="0" lvl="0" indent="0" algn="r" defTabSz="914400" rtl="0" eaLnBrk="1" fontAlgn="auto" latinLnBrk="0" hangingPunct="1">
-              <a:lnSpc>
-                <a:spcPct val="100000"/>
-              </a:lnSpc>
-              <a:spcBef>
-                <a:spcPts val="0"/>
-              </a:spcBef>
-              <a:spcAft>
-                <a:spcPts val="0"/>
-              </a:spcAft>
-              <a:buClrTx/>
-              <a:buSzTx/>
-              <a:buFontTx/>
-              <a:buNone/>
-              <a:tabLst/>
-              <a:defRPr/>
-            </a:pPr>
-            <a:fld id="{18D1B175-4AA8-4E22-A293-4FC0E25D585B}" type="slidenum">
-              <a:rPr kumimoji="0" lang="nl-NL" sz="1200" b="0" i="0" u="none" strike="noStrike" kern="1200" cap="none" spc="0" normalizeH="0" baseline="0" noProof="0" smtClean="0">
-                <a:ln>
-                  <a:noFill/>
-                </a:ln>
-                <a:solidFill>
-                  <a:prstClr val="black"/>
-                </a:solidFill>
-                <a:effectLst/>
-                <a:uLnTx/>
-                <a:uFillTx/>
-                <a:latin typeface="Calibri" panose="020F0502020204030204"/>
                 <a:ea typeface="+mn-ea"/>
                 <a:cs typeface="+mn-cs"/>
               </a:rPr>
@@ -3878,17 +3750,17 @@
               </a:pPr>
               <a:t>77</a:t>
             </a:fld>
-            <a:endParaRPr kumimoji="0" lang="nl-NL" sz="1200" b="0" i="0" u="none" strike="noStrike" kern="1200" cap="none" spc="0" normalizeH="0" baseline="0" noProof="0">
+            <a:endParaRPr kumimoji="0" lang="en-US" sz="1200" b="0" i="0" u="none" strike="noStrike" kern="1200" cap="none" spc="0" normalizeH="0" baseline="0" noProof="0">
               <a:ln>
                 <a:noFill/>
               </a:ln>
               <a:solidFill>
-                <a:prstClr val="black"/>
+                <a:srgbClr val="000000"/>
               </a:solidFill>
               <a:effectLst/>
               <a:uLnTx/>
               <a:uFillTx/>
-              <a:latin typeface="Calibri" panose="020F0502020204030204"/>
+              <a:latin typeface="Calibri"/>
               <a:ea typeface="+mn-ea"/>
               <a:cs typeface="+mn-cs"/>
             </a:endParaRPr>
@@ -3898,7 +3770,7 @@
     </p:spTree>
     <p:extLst>
       <p:ext uri="{BB962C8B-B14F-4D97-AF65-F5344CB8AC3E}">
-        <p14:creationId xmlns:p14="http://schemas.microsoft.com/office/powerpoint/2010/main" val="422689762"/>
+        <p14:creationId xmlns:p14="http://schemas.microsoft.com/office/powerpoint/2010/main" val="1732482746"/>
       </p:ext>
     </p:extLst>
   </p:cSld>
@@ -3957,14 +3829,6 @@
           <a:bodyPr/>
           <a:lstStyle/>
           <a:p>
-            <a:r>
-              <a:rPr lang="nl-NL"/>
-              <a:t>First: what</a:t>
-            </a:r>
-            <a:r>
-              <a:rPr lang="nl-NL" baseline="0"/>
-              <a:t> is automated testing?</a:t>
-            </a:r>
             <a:endParaRPr lang="nl-NL"/>
           </a:p>
         </p:txBody>
@@ -4033,7 +3897,7 @@
                 <a:tabLst/>
                 <a:defRPr/>
               </a:pPr>
-              <a:t>81</a:t>
+              <a:t>78</a:t>
             </a:fld>
             <a:endParaRPr kumimoji="0" lang="nl-NL" sz="1200" b="0" i="0" u="none" strike="noStrike" kern="1200" cap="none" spc="0" normalizeH="0" baseline="0" noProof="0">
               <a:ln>
@@ -4055,7 +3919,7 @@
     </p:spTree>
     <p:extLst>
       <p:ext uri="{BB962C8B-B14F-4D97-AF65-F5344CB8AC3E}">
-        <p14:creationId xmlns:p14="http://schemas.microsoft.com/office/powerpoint/2010/main" val="555688249"/>
+        <p14:creationId xmlns:p14="http://schemas.microsoft.com/office/powerpoint/2010/main" val="2187401497"/>
       </p:ext>
     </p:extLst>
   </p:cSld>
@@ -4127,13 +3991,6 @@
           <a:lstStyle/>
           <a:p>
             <a:pPr lvl="0"/>
-            <a:r>
-              <a:rPr lang="nl-NL"/>
-              <a:t>Depending on the way you deliver this workshop, this sheet can be altered or even removed. When I delivered it, I had participants bring in their own laptop and asked them to follow installation instructions. I only provided them for Eclipse and mentioned that whenever they wanted to use a different IDE, they were allowed to do so. I wanted to keep things simple and therefore did not provide installation instructions for other IDEs.</a:t>
-            </a:r>
-          </a:p>
-          <a:p>
-            <a:pPr lvl="0"/>
             <a:endParaRPr lang="nl-NL"/>
           </a:p>
         </p:txBody>
@@ -4258,14 +4115,6 @@
           <a:bodyPr/>
           <a:lstStyle/>
           <a:p>
-            <a:r>
-              <a:rPr lang="nl-NL"/>
-              <a:t>First: what</a:t>
-            </a:r>
-            <a:r>
-              <a:rPr lang="nl-NL" baseline="0"/>
-              <a:t> is automated testing?</a:t>
-            </a:r>
             <a:endParaRPr lang="nl-NL"/>
           </a:p>
         </p:txBody>
@@ -4334,7 +4183,7 @@
                 <a:tabLst/>
                 <a:defRPr/>
               </a:pPr>
-              <a:t>83</a:t>
+              <a:t>79</a:t>
             </a:fld>
             <a:endParaRPr kumimoji="0" lang="nl-NL" sz="1200" b="0" i="0" u="none" strike="noStrike" kern="1200" cap="none" spc="0" normalizeH="0" baseline="0" noProof="0">
               <a:ln>
@@ -4356,7 +4205,7 @@
     </p:spTree>
     <p:extLst>
       <p:ext uri="{BB962C8B-B14F-4D97-AF65-F5344CB8AC3E}">
-        <p14:creationId xmlns:p14="http://schemas.microsoft.com/office/powerpoint/2010/main" val="2187401497"/>
+        <p14:creationId xmlns:p14="http://schemas.microsoft.com/office/powerpoint/2010/main" val="2388114385"/>
       </p:ext>
     </p:extLst>
   </p:cSld>
@@ -4367,316 +4216,6 @@
 </file>
 
 <file path=ppt/notesSlides/notesSlide31.xml><?xml version="1.0" encoding="utf-8"?>
-<p:notes xmlns:a="http://schemas.openxmlformats.org/drawingml/2006/main" xmlns:r="http://schemas.openxmlformats.org/officeDocument/2006/relationships" xmlns:p="http://schemas.openxmlformats.org/presentationml/2006/main">
-  <p:cSld>
-    <p:spTree>
-      <p:nvGrpSpPr>
-        <p:cNvPr id="1" name=""/>
-        <p:cNvGrpSpPr/>
-        <p:nvPr/>
-      </p:nvGrpSpPr>
-      <p:grpSpPr>
-        <a:xfrm>
-          <a:off x="0" y="0"/>
-          <a:ext cx="0" cy="0"/>
-          <a:chOff x="0" y="0"/>
-          <a:chExt cx="0" cy="0"/>
-        </a:xfrm>
-      </p:grpSpPr>
-      <p:sp>
-        <p:nvSpPr>
-          <p:cNvPr id="2" name="Tijdelijke aanduiding voor dia-afbeelding 1"/>
-          <p:cNvSpPr>
-            <a:spLocks noGrp="1" noRot="1" noChangeAspect="1"/>
-          </p:cNvSpPr>
-          <p:nvPr>
-            <p:ph type="sldImg"/>
-          </p:nvPr>
-        </p:nvSpPr>
-        <p:spPr>
-          <a:xfrm>
-            <a:off x="685800" y="1143000"/>
-            <a:ext cx="5486400" cy="3086100"/>
-          </a:xfrm>
-        </p:spPr>
-      </p:sp>
-      <p:sp>
-        <p:nvSpPr>
-          <p:cNvPr id="3" name="Tijdelijke aanduiding voor notities 2"/>
-          <p:cNvSpPr>
-            <a:spLocks noGrp="1"/>
-          </p:cNvSpPr>
-          <p:nvPr>
-            <p:ph type="body" idx="1"/>
-          </p:nvPr>
-        </p:nvSpPr>
-        <p:spPr/>
-        <p:txBody>
-          <a:bodyPr/>
-          <a:lstStyle/>
-          <a:p>
-            <a:r>
-              <a:rPr lang="en-US"/>
-              <a:t>The answers to the JSON exercises can be found in src/test/resources/answers. Move the corresponding JSON files to the mappings folder for WireMock to pick them up</a:t>
-            </a:r>
-            <a:endParaRPr lang="en-NL"/>
-          </a:p>
-        </p:txBody>
-      </p:sp>
-      <p:sp>
-        <p:nvSpPr>
-          <p:cNvPr id="4" name="Tijdelijke aanduiding voor dianummer 3"/>
-          <p:cNvSpPr>
-            <a:spLocks noGrp="1"/>
-          </p:cNvSpPr>
-          <p:nvPr>
-            <p:ph type="sldNum" sz="quarter" idx="5"/>
-          </p:nvPr>
-        </p:nvSpPr>
-        <p:spPr/>
-        <p:txBody>
-          <a:bodyPr/>
-          <a:lstStyle/>
-          <a:p>
-            <a:pPr marL="0" marR="0" lvl="0" indent="0" algn="r" defTabSz="914400" rtl="0" eaLnBrk="1" fontAlgn="auto" latinLnBrk="0" hangingPunct="1">
-              <a:lnSpc>
-                <a:spcPct val="100000"/>
-              </a:lnSpc>
-              <a:spcBef>
-                <a:spcPts val="0"/>
-              </a:spcBef>
-              <a:spcAft>
-                <a:spcPts val="0"/>
-              </a:spcAft>
-              <a:buClrTx/>
-              <a:buSzTx/>
-              <a:buFontTx/>
-              <a:buNone/>
-              <a:tabLst/>
-              <a:defRPr/>
-            </a:pPr>
-            <a:fld id="{881E8342-45B4-4497-80BE-B34EA510ECB9}" type="slidenum">
-              <a:rPr kumimoji="0" lang="en-US" sz="1200" b="0" i="0" u="none" strike="noStrike" kern="1200" cap="none" spc="0" normalizeH="0" baseline="0" noProof="0" smtClean="0">
-                <a:ln>
-                  <a:noFill/>
-                </a:ln>
-                <a:solidFill>
-                  <a:srgbClr val="000000"/>
-                </a:solidFill>
-                <a:effectLst/>
-                <a:uLnTx/>
-                <a:uFillTx/>
-                <a:latin typeface="Calibri"/>
-                <a:ea typeface="+mn-ea"/>
-                <a:cs typeface="+mn-cs"/>
-              </a:rPr>
-              <a:pPr marL="0" marR="0" lvl="0" indent="0" algn="r" defTabSz="914400" rtl="0" eaLnBrk="1" fontAlgn="auto" latinLnBrk="0" hangingPunct="1">
-                <a:lnSpc>
-                  <a:spcPct val="100000"/>
-                </a:lnSpc>
-                <a:spcBef>
-                  <a:spcPts val="0"/>
-                </a:spcBef>
-                <a:spcAft>
-                  <a:spcPts val="0"/>
-                </a:spcAft>
-                <a:buClrTx/>
-                <a:buSzTx/>
-                <a:buFontTx/>
-                <a:buNone/>
-                <a:tabLst/>
-                <a:defRPr/>
-              </a:pPr>
-              <a:t>84</a:t>
-            </a:fld>
-            <a:endParaRPr kumimoji="0" lang="en-US" sz="1200" b="0" i="0" u="none" strike="noStrike" kern="1200" cap="none" spc="0" normalizeH="0" baseline="0" noProof="0">
-              <a:ln>
-                <a:noFill/>
-              </a:ln>
-              <a:solidFill>
-                <a:srgbClr val="000000"/>
-              </a:solidFill>
-              <a:effectLst/>
-              <a:uLnTx/>
-              <a:uFillTx/>
-              <a:latin typeface="Calibri"/>
-              <a:ea typeface="+mn-ea"/>
-              <a:cs typeface="+mn-cs"/>
-            </a:endParaRPr>
-          </a:p>
-        </p:txBody>
-      </p:sp>
-    </p:spTree>
-    <p:extLst>
-      <p:ext uri="{BB962C8B-B14F-4D97-AF65-F5344CB8AC3E}">
-        <p14:creationId xmlns:p14="http://schemas.microsoft.com/office/powerpoint/2010/main" val="4156710552"/>
-      </p:ext>
-    </p:extLst>
-  </p:cSld>
-  <p:clrMapOvr>
-    <a:masterClrMapping/>
-  </p:clrMapOvr>
-</p:notes>
-</file>
-
-<file path=ppt/notesSlides/notesSlide32.xml><?xml version="1.0" encoding="utf-8"?>
-<p:notes xmlns:a="http://schemas.openxmlformats.org/drawingml/2006/main" xmlns:r="http://schemas.openxmlformats.org/officeDocument/2006/relationships" xmlns:p="http://schemas.openxmlformats.org/presentationml/2006/main">
-  <p:cSld>
-    <p:spTree>
-      <p:nvGrpSpPr>
-        <p:cNvPr id="1" name=""/>
-        <p:cNvGrpSpPr/>
-        <p:nvPr/>
-      </p:nvGrpSpPr>
-      <p:grpSpPr>
-        <a:xfrm>
-          <a:off x="0" y="0"/>
-          <a:ext cx="0" cy="0"/>
-          <a:chOff x="0" y="0"/>
-          <a:chExt cx="0" cy="0"/>
-        </a:xfrm>
-      </p:grpSpPr>
-      <p:sp>
-        <p:nvSpPr>
-          <p:cNvPr id="2" name="Slide Image Placeholder 1"/>
-          <p:cNvSpPr>
-            <a:spLocks noGrp="1" noRot="1" noChangeAspect="1"/>
-          </p:cNvSpPr>
-          <p:nvPr>
-            <p:ph type="sldImg"/>
-          </p:nvPr>
-        </p:nvSpPr>
-        <p:spPr>
-          <a:xfrm>
-            <a:off x="685800" y="1143000"/>
-            <a:ext cx="5486400" cy="3086100"/>
-          </a:xfrm>
-        </p:spPr>
-      </p:sp>
-      <p:sp>
-        <p:nvSpPr>
-          <p:cNvPr id="3" name="Notes Placeholder 2"/>
-          <p:cNvSpPr>
-            <a:spLocks noGrp="1"/>
-          </p:cNvSpPr>
-          <p:nvPr>
-            <p:ph type="body" idx="1"/>
-          </p:nvPr>
-        </p:nvSpPr>
-        <p:spPr/>
-        <p:txBody>
-          <a:bodyPr/>
-          <a:lstStyle/>
-          <a:p>
-            <a:r>
-              <a:rPr lang="nl-NL"/>
-              <a:t>In the first 8 years of my career I wrote an</a:t>
-            </a:r>
-            <a:r>
-              <a:rPr lang="nl-NL" baseline="0"/>
-              <a:t> awful lot of horrible automation</a:t>
-            </a:r>
-            <a:endParaRPr lang="nl-NL"/>
-          </a:p>
-        </p:txBody>
-      </p:sp>
-      <p:sp>
-        <p:nvSpPr>
-          <p:cNvPr id="4" name="Slide Number Placeholder 3"/>
-          <p:cNvSpPr>
-            <a:spLocks noGrp="1"/>
-          </p:cNvSpPr>
-          <p:nvPr>
-            <p:ph type="sldNum" sz="quarter" idx="10"/>
-          </p:nvPr>
-        </p:nvSpPr>
-        <p:spPr/>
-        <p:txBody>
-          <a:bodyPr/>
-          <a:lstStyle/>
-          <a:p>
-            <a:pPr marL="0" marR="0" lvl="0" indent="0" algn="r" defTabSz="914400" rtl="0" eaLnBrk="1" fontAlgn="auto" latinLnBrk="0" hangingPunct="1">
-              <a:lnSpc>
-                <a:spcPct val="100000"/>
-              </a:lnSpc>
-              <a:spcBef>
-                <a:spcPts val="0"/>
-              </a:spcBef>
-              <a:spcAft>
-                <a:spcPts val="0"/>
-              </a:spcAft>
-              <a:buClrTx/>
-              <a:buSzTx/>
-              <a:buFontTx/>
-              <a:buNone/>
-              <a:tabLst/>
-              <a:defRPr/>
-            </a:pPr>
-            <a:fld id="{18D1B175-4AA8-4E22-A293-4FC0E25D585B}" type="slidenum">
-              <a:rPr kumimoji="0" lang="nl-NL" sz="1200" b="0" i="0" u="none" strike="noStrike" kern="1200" cap="none" spc="0" normalizeH="0" baseline="0" noProof="0" smtClean="0">
-                <a:ln>
-                  <a:noFill/>
-                </a:ln>
-                <a:solidFill>
-                  <a:prstClr val="black"/>
-                </a:solidFill>
-                <a:effectLst/>
-                <a:uLnTx/>
-                <a:uFillTx/>
-                <a:latin typeface="Calibri" panose="020F0502020204030204"/>
-                <a:ea typeface="+mn-ea"/>
-                <a:cs typeface="+mn-cs"/>
-              </a:rPr>
-              <a:pPr marL="0" marR="0" lvl="0" indent="0" algn="r" defTabSz="914400" rtl="0" eaLnBrk="1" fontAlgn="auto" latinLnBrk="0" hangingPunct="1">
-                <a:lnSpc>
-                  <a:spcPct val="100000"/>
-                </a:lnSpc>
-                <a:spcBef>
-                  <a:spcPts val="0"/>
-                </a:spcBef>
-                <a:spcAft>
-                  <a:spcPts val="0"/>
-                </a:spcAft>
-                <a:buClrTx/>
-                <a:buSzTx/>
-                <a:buFontTx/>
-                <a:buNone/>
-                <a:tabLst/>
-                <a:defRPr/>
-              </a:pPr>
-              <a:t>85</a:t>
-            </a:fld>
-            <a:endParaRPr kumimoji="0" lang="nl-NL" sz="1200" b="0" i="0" u="none" strike="noStrike" kern="1200" cap="none" spc="0" normalizeH="0" baseline="0" noProof="0">
-              <a:ln>
-                <a:noFill/>
-              </a:ln>
-              <a:solidFill>
-                <a:prstClr val="black"/>
-              </a:solidFill>
-              <a:effectLst/>
-              <a:uLnTx/>
-              <a:uFillTx/>
-              <a:latin typeface="Calibri" panose="020F0502020204030204"/>
-              <a:ea typeface="+mn-ea"/>
-              <a:cs typeface="+mn-cs"/>
-            </a:endParaRPr>
-          </a:p>
-        </p:txBody>
-      </p:sp>
-    </p:spTree>
-    <p:extLst>
-      <p:ext uri="{BB962C8B-B14F-4D97-AF65-F5344CB8AC3E}">
-        <p14:creationId xmlns:p14="http://schemas.microsoft.com/office/powerpoint/2010/main" val="2388114385"/>
-      </p:ext>
-    </p:extLst>
-  </p:cSld>
-  <p:clrMapOvr>
-    <a:masterClrMapping/>
-  </p:clrMapOvr>
-</p:notes>
-</file>
-
-<file path=ppt/notesSlides/notesSlide33.xml><?xml version="1.0" encoding="utf-8"?>
 <p:notes xmlns:a="http://schemas.openxmlformats.org/drawingml/2006/main" xmlns:r="http://schemas.openxmlformats.org/officeDocument/2006/relationships" xmlns:p="http://schemas.openxmlformats.org/presentationml/2006/main">
   <p:cSld>
     <p:spTree>
@@ -4788,7 +4327,7 @@
                 <a:tabLst/>
                 <a:defRPr/>
               </a:pPr>
-              <a:t>95</a:t>
+              <a:t>89</a:t>
             </a:fld>
             <a:endParaRPr kumimoji="0" lang="nl-NL" sz="1200" b="0" i="0" u="none" strike="noStrike" kern="1200" cap="none" spc="0" normalizeH="0" baseline="0" noProof="0">
               <a:ln>
@@ -4869,14 +4408,6 @@
           <a:bodyPr/>
           <a:lstStyle/>
           <a:p>
-            <a:r>
-              <a:rPr lang="nl-NL"/>
-              <a:t>In the first 8 years of my career I wrote an</a:t>
-            </a:r>
-            <a:r>
-              <a:rPr lang="nl-NL" baseline="0"/>
-              <a:t> awful lot of horrible automation</a:t>
-            </a:r>
             <a:endParaRPr lang="nl-NL"/>
           </a:p>
         </p:txBody>
@@ -5004,7 +4535,12 @@
             <p:ph type="sldImg"/>
           </p:nvPr>
         </p:nvSpPr>
-        <p:spPr/>
+        <p:spPr>
+          <a:xfrm>
+            <a:off x="685800" y="1143000"/>
+            <a:ext cx="5486400" cy="3086100"/>
+          </a:xfrm>
+        </p:spPr>
       </p:sp>
       <p:sp>
         <p:nvSpPr>
@@ -5021,14 +4557,6 @@
           <a:bodyPr/>
           <a:lstStyle/>
           <a:p>
-            <a:r>
-              <a:rPr lang="nl-NL"/>
-              <a:t>In the first 8 years of my career I wrote an</a:t>
-            </a:r>
-            <a:r>
-              <a:rPr lang="nl-NL" baseline="0"/>
-              <a:t> awful lot of horrible automation</a:t>
-            </a:r>
             <a:endParaRPr lang="nl-NL"/>
           </a:p>
         </p:txBody>
@@ -5156,7 +4684,12 @@
             <p:ph type="sldImg"/>
           </p:nvPr>
         </p:nvSpPr>
-        <p:spPr/>
+        <p:spPr>
+          <a:xfrm>
+            <a:off x="685800" y="1143000"/>
+            <a:ext cx="5486400" cy="3086100"/>
+          </a:xfrm>
+        </p:spPr>
       </p:sp>
       <p:sp>
         <p:nvSpPr>
@@ -5173,14 +4706,6 @@
           <a:bodyPr/>
           <a:lstStyle/>
           <a:p>
-            <a:r>
-              <a:rPr lang="nl-NL"/>
-              <a:t>In the first 8 years of my career I wrote an</a:t>
-            </a:r>
-            <a:r>
-              <a:rPr lang="nl-NL" baseline="0"/>
-              <a:t> awful lot of horrible automation</a:t>
-            </a:r>
             <a:endParaRPr lang="nl-NL"/>
           </a:p>
         </p:txBody>
@@ -5314,7 +4839,12 @@
             <p:ph type="sldImg"/>
           </p:nvPr>
         </p:nvSpPr>
-        <p:spPr/>
+        <p:spPr>
+          <a:xfrm>
+            <a:off x="685800" y="1143000"/>
+            <a:ext cx="5486400" cy="3086100"/>
+          </a:xfrm>
+        </p:spPr>
       </p:sp>
       <p:sp>
         <p:nvSpPr>
@@ -5338,32 +4868,7 @@
           <a:lstStyle/>
           <a:p>
             <a:pPr lvl="0"/>
-            <a:r>
-              <a:rPr lang="nl-NL"/>
-              <a:t>Explain why this API was chosen (simple, lots of features, very ‘real’ data, something lots of people can relate to)</a:t>
-            </a:r>
-          </a:p>
-          <a:p>
-            <a:pPr lvl="0"/>
             <a:endParaRPr lang="nl-NL"/>
-          </a:p>
-          <a:p>
-            <a:pPr lvl="0"/>
-            <a:r>
-              <a:rPr lang="nl-NL"/>
-              <a:t>Mocks are included in the project to avoid the risk of the API being unavailable during the workshop (this actually happened to me once), feel free to remove it and test against the actual API</a:t>
-            </a:r>
-          </a:p>
-          <a:p>
-            <a:pPr lvl="0"/>
-            <a:endParaRPr lang="nl-NL"/>
-          </a:p>
-          <a:p>
-            <a:pPr lvl="0"/>
-            <a:r>
-              <a:rPr lang="nl-NL"/>
-              <a:t>Alternatively, you can always use your own API of course!</a:t>
-            </a:r>
           </a:p>
         </p:txBody>
       </p:sp>
@@ -5516,7 +5021,12 @@
             <p:ph type="sldImg"/>
           </p:nvPr>
         </p:nvSpPr>
-        <p:spPr/>
+        <p:spPr>
+          <a:xfrm>
+            <a:off x="685800" y="1143000"/>
+            <a:ext cx="5486400" cy="3086100"/>
+          </a:xfrm>
+        </p:spPr>
       </p:sp>
       <p:sp>
         <p:nvSpPr>
@@ -5533,14 +5043,6 @@
           <a:bodyPr/>
           <a:lstStyle/>
           <a:p>
-            <a:r>
-              <a:rPr lang="nl-NL"/>
-              <a:t>In the first 8 years of my career I wrote an</a:t>
-            </a:r>
-            <a:r>
-              <a:rPr lang="nl-NL" baseline="0"/>
-              <a:t> awful lot of horrible automation</a:t>
-            </a:r>
             <a:endParaRPr lang="nl-NL"/>
           </a:p>
         </p:txBody>
@@ -5668,7 +5170,12 @@
             <p:ph type="sldImg"/>
           </p:nvPr>
         </p:nvSpPr>
-        <p:spPr/>
+        <p:spPr>
+          <a:xfrm>
+            <a:off x="685800" y="1143000"/>
+            <a:ext cx="5486400" cy="3086100"/>
+          </a:xfrm>
+        </p:spPr>
       </p:sp>
       <p:sp>
         <p:nvSpPr>
@@ -5685,14 +5192,6 @@
           <a:bodyPr/>
           <a:lstStyle/>
           <a:p>
-            <a:r>
-              <a:rPr lang="nl-NL"/>
-              <a:t>In the first 8 years of my career I wrote an</a:t>
-            </a:r>
-            <a:r>
-              <a:rPr lang="nl-NL" baseline="0"/>
-              <a:t> awful lot of horrible automation</a:t>
-            </a:r>
             <a:endParaRPr lang="nl-NL"/>
           </a:p>
         </p:txBody>
@@ -5918,7 +5417,7 @@
             <a:fld id="{19D221E3-8E68-4F1C-A103-A0B6C8B9662E}" type="datetime1">
               <a:rPr lang="nl-NL"/>
               <a:pPr lvl="0"/>
-              <a:t>7-9-2022</a:t>
+              <a:t>10-1-2024</a:t>
             </a:fld>
             <a:endParaRPr lang="nl-NL"/>
           </a:p>
@@ -6155,7 +5654,7 @@
             <a:fld id="{822E0BF5-BE88-44A4-BA94-982271F97C3D}" type="datetime1">
               <a:rPr lang="nl-NL"/>
               <a:pPr lvl="0"/>
-              <a:t>7-9-2022</a:t>
+              <a:t>10-1-2024</a:t>
             </a:fld>
             <a:endParaRPr lang="nl-NL"/>
           </a:p>
@@ -6401,7 +5900,7 @@
             <a:fld id="{B9232680-D045-46AA-BEF7-C3F631B40446}" type="datetime1">
               <a:rPr lang="nl-NL"/>
               <a:pPr lvl="0"/>
-              <a:t>7-9-2022</a:t>
+              <a:t>10-1-2024</a:t>
             </a:fld>
             <a:endParaRPr lang="nl-NL"/>
           </a:p>
@@ -6614,7 +6113,7 @@
           <a:p>
             <a:fld id="{EF2786E2-A2AD-407F-A096-CEC047B7C616}" type="datetimeFigureOut">
               <a:rPr lang="nl-NL" smtClean="0"/>
-              <a:t>7-9-2022</a:t>
+              <a:t>10-1-2024</a:t>
             </a:fld>
             <a:endParaRPr lang="nl-NL"/>
           </a:p>
@@ -6784,7 +6283,7 @@
           <a:p>
             <a:fld id="{EF2786E2-A2AD-407F-A096-CEC047B7C616}" type="datetimeFigureOut">
               <a:rPr lang="nl-NL" smtClean="0"/>
-              <a:t>7-9-2022</a:t>
+              <a:t>10-1-2024</a:t>
             </a:fld>
             <a:endParaRPr lang="nl-NL"/>
           </a:p>
@@ -7030,7 +6529,7 @@
           <a:p>
             <a:fld id="{EF2786E2-A2AD-407F-A096-CEC047B7C616}" type="datetimeFigureOut">
               <a:rPr lang="nl-NL" smtClean="0"/>
-              <a:t>7-9-2022</a:t>
+              <a:t>10-1-2024</a:t>
             </a:fld>
             <a:endParaRPr lang="nl-NL"/>
           </a:p>
@@ -7262,7 +6761,7 @@
           <a:p>
             <a:fld id="{EF2786E2-A2AD-407F-A096-CEC047B7C616}" type="datetimeFigureOut">
               <a:rPr lang="nl-NL" smtClean="0"/>
-              <a:t>7-9-2022</a:t>
+              <a:t>10-1-2024</a:t>
             </a:fld>
             <a:endParaRPr lang="nl-NL"/>
           </a:p>
@@ -7629,7 +7128,7 @@
           <a:p>
             <a:fld id="{EF2786E2-A2AD-407F-A096-CEC047B7C616}" type="datetimeFigureOut">
               <a:rPr lang="nl-NL" smtClean="0"/>
-              <a:t>7-9-2022</a:t>
+              <a:t>10-1-2024</a:t>
             </a:fld>
             <a:endParaRPr lang="nl-NL"/>
           </a:p>
@@ -7747,7 +7246,7 @@
           <a:p>
             <a:fld id="{EF2786E2-A2AD-407F-A096-CEC047B7C616}" type="datetimeFigureOut">
               <a:rPr lang="nl-NL" smtClean="0"/>
-              <a:t>7-9-2022</a:t>
+              <a:t>10-1-2024</a:t>
             </a:fld>
             <a:endParaRPr lang="nl-NL"/>
           </a:p>
@@ -7842,7 +7341,7 @@
           <a:p>
             <a:fld id="{EF2786E2-A2AD-407F-A096-CEC047B7C616}" type="datetimeFigureOut">
               <a:rPr lang="nl-NL" smtClean="0"/>
-              <a:t>7-9-2022</a:t>
+              <a:t>10-1-2024</a:t>
             </a:fld>
             <a:endParaRPr lang="nl-NL"/>
           </a:p>
@@ -8119,7 +7618,7 @@
           <a:p>
             <a:fld id="{EF2786E2-A2AD-407F-A096-CEC047B7C616}" type="datetimeFigureOut">
               <a:rPr lang="nl-NL" smtClean="0"/>
-              <a:t>7-9-2022</a:t>
+              <a:t>10-1-2024</a:t>
             </a:fld>
             <a:endParaRPr lang="nl-NL"/>
           </a:p>
@@ -8334,7 +7833,7 @@
             <a:fld id="{74E63D54-33BC-47E5-ADB1-BB0B7298DA8F}" type="datetime1">
               <a:rPr lang="nl-NL"/>
               <a:pPr lvl="0"/>
-              <a:t>7-9-2022</a:t>
+              <a:t>10-1-2024</a:t>
             </a:fld>
             <a:endParaRPr lang="nl-NL"/>
           </a:p>
@@ -8609,7 +8108,7 @@
           <a:p>
             <a:fld id="{EF2786E2-A2AD-407F-A096-CEC047B7C616}" type="datetimeFigureOut">
               <a:rPr lang="nl-NL" smtClean="0"/>
-              <a:t>7-9-2022</a:t>
+              <a:t>10-1-2024</a:t>
             </a:fld>
             <a:endParaRPr lang="nl-NL"/>
           </a:p>
@@ -8779,7 +8278,7 @@
           <a:p>
             <a:fld id="{EF2786E2-A2AD-407F-A096-CEC047B7C616}" type="datetimeFigureOut">
               <a:rPr lang="nl-NL" smtClean="0"/>
-              <a:t>7-9-2022</a:t>
+              <a:t>10-1-2024</a:t>
             </a:fld>
             <a:endParaRPr lang="nl-NL"/>
           </a:p>
@@ -8959,7 +8458,7 @@
           <a:p>
             <a:fld id="{EF2786E2-A2AD-407F-A096-CEC047B7C616}" type="datetimeFigureOut">
               <a:rPr lang="nl-NL" smtClean="0"/>
-              <a:t>7-9-2022</a:t>
+              <a:t>10-1-2024</a:t>
             </a:fld>
             <a:endParaRPr lang="nl-NL"/>
           </a:p>
@@ -9148,7 +8647,7 @@
             <a:fld id="{30925ABE-D3D0-404A-A142-4AD3A33711F1}" type="datetime1">
               <a:rPr lang="nl-NL"/>
               <a:pPr lvl="0"/>
-              <a:t>7-9-2022</a:t>
+              <a:t>10-1-2024</a:t>
             </a:fld>
             <a:endParaRPr lang="nl-NL"/>
           </a:p>
@@ -9468,7 +8967,7 @@
             <a:fld id="{CF7C870A-C5CE-4B9C-8879-AA59D721C7B0}" type="datetime1">
               <a:rPr lang="nl-NL"/>
               <a:pPr lvl="0"/>
-              <a:t>7-9-2022</a:t>
+              <a:t>10-1-2024</a:t>
             </a:fld>
             <a:endParaRPr lang="nl-NL"/>
           </a:p>
@@ -9872,7 +9371,7 @@
             <a:fld id="{9B8CBA01-D750-4027-AD4F-F8BBD96EFE00}" type="datetime1">
               <a:rPr lang="nl-NL"/>
               <a:pPr lvl="0"/>
-              <a:t>7-9-2022</a:t>
+              <a:t>10-1-2024</a:t>
             </a:fld>
             <a:endParaRPr lang="nl-NL"/>
           </a:p>
@@ -10035,7 +9534,7 @@
             <a:fld id="{F094EFB8-CC71-4E7E-9D6F-4AF06728B1E2}" type="datetime1">
               <a:rPr lang="nl-NL"/>
               <a:pPr lvl="0"/>
-              <a:t>7-9-2022</a:t>
+              <a:t>10-1-2024</a:t>
             </a:fld>
             <a:endParaRPr lang="nl-NL"/>
           </a:p>
@@ -10163,7 +9662,7 @@
             <a:fld id="{8B2D0485-9F03-42A6-AEAF-640E1E801316}" type="datetime1">
               <a:rPr lang="nl-NL"/>
               <a:pPr lvl="0"/>
-              <a:t>7-9-2022</a:t>
+              <a:t>10-1-2024</a:t>
             </a:fld>
             <a:endParaRPr lang="nl-NL"/>
           </a:p>
@@ -10448,7 +9947,7 @@
             <a:fld id="{7E16F5C2-4DDC-41E9-9E83-12B283FFD3EC}" type="datetime1">
               <a:rPr lang="nl-NL"/>
               <a:pPr lvl="0"/>
-              <a:t>7-9-2022</a:t>
+              <a:t>10-1-2024</a:t>
             </a:fld>
             <a:endParaRPr lang="nl-NL"/>
           </a:p>
@@ -10690,7 +10189,7 @@
             <a:fld id="{787BCDFB-3AD3-4B04-8CEB-D3DE0C540ABF}" type="datetime1">
               <a:rPr lang="nl-NL"/>
               <a:pPr lvl="0"/>
-              <a:t>7-9-2022</a:t>
+              <a:t>10-1-2024</a:t>
             </a:fld>
             <a:endParaRPr lang="nl-NL"/>
           </a:p>
@@ -10973,7 +10472,7 @@
             <a:fld id="{DE0E4D8D-E244-449F-9212-68A908B9804D}" type="datetime1">
               <a:rPr lang="nl-NL"/>
               <a:pPr lvl="0"/>
-              <a:t>7-9-2022</a:t>
+              <a:t>10-1-2024</a:t>
             </a:fld>
             <a:endParaRPr lang="nl-NL"/>
           </a:p>
@@ -11578,7 +11077,7 @@
           <a:p>
             <a:fld id="{EF2786E2-A2AD-407F-A096-CEC047B7C616}" type="datetimeFigureOut">
               <a:rPr lang="nl-NL" smtClean="0"/>
-              <a:t>7-9-2022</a:t>
+              <a:t>10-1-2024</a:t>
             </a:fld>
             <a:endParaRPr lang="nl-NL"/>
           </a:p>
@@ -17634,7 +17133,9 @@
           </a:xfrm>
         </p:spPr>
         <p:txBody>
-          <a:bodyPr/>
+          <a:bodyPr>
+            <a:normAutofit lnSpcReduction="10000"/>
+          </a:bodyPr>
           <a:lstStyle/>
           <a:p>
             <a:pPr lvl="0">
@@ -17649,7 +17150,7 @@
                 <a:latin typeface="Courier New" pitchFamily="49"/>
                 <a:cs typeface="Courier New" pitchFamily="49"/>
               </a:rPr>
-              <a:t>http://wiremock.org</a:t>
+              <a:t>https://wiremock.org</a:t>
             </a:r>
           </a:p>
           <a:p>
@@ -17682,6 +17183,22 @@
             </a:r>
           </a:p>
           <a:p>
+            <a:pPr lvl="1">
+              <a:buFont typeface="Courier New" pitchFamily="49"/>
+              <a:buChar char="_"/>
+            </a:pPr>
+            <a:r>
+              <a:rPr lang="nl-NL">
+                <a:solidFill>
+                  <a:srgbClr val="00FF00"/>
+                </a:solidFill>
+                <a:latin typeface="Courier New" pitchFamily="49"/>
+                <a:cs typeface="Courier New" pitchFamily="49"/>
+              </a:rPr>
+              <a:t>ports and adapters are available for many other languages</a:t>
+            </a:r>
+          </a:p>
+          <a:p>
             <a:pPr lvl="0">
               <a:buFont typeface="Courier New" pitchFamily="49"/>
               <a:buChar char="_"/>
@@ -17752,23 +17269,7 @@
                 <a:latin typeface="Courier New" pitchFamily="49"/>
                 <a:cs typeface="Courier New" pitchFamily="49"/>
               </a:rPr>
-              <a:t>open source</a:t>
-            </a:r>
-          </a:p>
-          <a:p>
-            <a:pPr lvl="1">
-              <a:buFont typeface="Courier New" pitchFamily="49"/>
-              <a:buChar char="_"/>
-            </a:pPr>
-            <a:r>
-              <a:rPr lang="nl-NL">
-                <a:solidFill>
-                  <a:srgbClr val="00FF00"/>
-                </a:solidFill>
-                <a:latin typeface="Courier New" pitchFamily="49"/>
-                <a:cs typeface="Courier New" pitchFamily="49"/>
-              </a:rPr>
-              <a:t>developed and maintained by Tom Akehurst</a:t>
+              <a:t>Open source</a:t>
             </a:r>
           </a:p>
         </p:txBody>
@@ -17947,7 +17448,7 @@
                 <a:latin typeface="Courier New" pitchFamily="49"/>
                 <a:cs typeface="Courier New" pitchFamily="49"/>
               </a:rPr>
-              <a:t>&gt;com.github.tomakehurst&lt;/</a:t>
+              <a:t>&gt;org.wiremock&lt;/</a:t>
             </a:r>
             <a:r>
               <a:rPr lang="nl-NL" b="1">
@@ -18002,7 +17503,7 @@
                 <a:latin typeface="Courier New" pitchFamily="49"/>
                 <a:cs typeface="Courier New" pitchFamily="49"/>
               </a:rPr>
-              <a:t>&gt;wiremock-jre8&lt;/</a:t>
+              <a:t>&gt;wiremock&lt;/</a:t>
             </a:r>
             <a:r>
               <a:rPr lang="nl-NL" b="1">
@@ -18057,7 +17558,7 @@
                 <a:latin typeface="Courier New" pitchFamily="49"/>
                 <a:cs typeface="Courier New" pitchFamily="49"/>
               </a:rPr>
-              <a:t>&gt;2.33.2&lt;/</a:t>
+              <a:t>&gt;3.3.1&lt;/</a:t>
             </a:r>
             <a:r>
               <a:rPr lang="nl-NL" b="1">
@@ -18259,7 +17760,7 @@
         <p:spPr>
           <a:xfrm>
             <a:off x="4084320" y="3627119"/>
-            <a:ext cx="3474720" cy="653575"/>
+            <a:ext cx="2336800" cy="653575"/>
           </a:xfrm>
           <a:prstGeom prst="ellipse">
             <a:avLst/>
@@ -19131,10 +18632,10 @@
       </p:pic>
       <p:pic>
         <p:nvPicPr>
-          <p:cNvPr id="9" name="Afbeelding 8">
+          <p:cNvPr id="5" name="Afbeelding 4">
             <a:extLst>
               <a:ext uri="{FF2B5EF4-FFF2-40B4-BE49-F238E27FC236}">
-                <a16:creationId xmlns:a16="http://schemas.microsoft.com/office/drawing/2014/main" id="{91D92803-6048-40D7-B4CC-A138A19EB746}"/>
+                <a16:creationId xmlns:a16="http://schemas.microsoft.com/office/drawing/2014/main" id="{FA2E97AD-E2C9-17AC-D608-5F5F0FD17CFD}"/>
               </a:ext>
             </a:extLst>
           </p:cNvPr>
@@ -19151,8 +18652,8 @@
         </p:blipFill>
         <p:spPr>
           <a:xfrm>
-            <a:off x="838191" y="4459666"/>
-            <a:ext cx="10515599" cy="2111086"/>
+            <a:off x="838192" y="4439633"/>
+            <a:ext cx="10532696" cy="1473486"/>
           </a:xfrm>
           <a:prstGeom prst="rect">
             <a:avLst/>
@@ -19428,7 +18929,7 @@
                 <a:latin typeface="Courier New" pitchFamily="49"/>
                 <a:cs typeface="Courier New" pitchFamily="49"/>
               </a:rPr>
-              <a:t> wiremock-standalone-2.33.2.</a:t>
+              <a:t> wiremock-standalone-3.3.1.</a:t>
             </a:r>
             <a:r>
               <a:rPr lang="nl-NL" sz="2400" i="1" dirty="0">
@@ -20650,7 +20151,7 @@
                 <a:latin typeface="Courier New" pitchFamily="49"/>
                 <a:cs typeface="Courier New" pitchFamily="49"/>
               </a:rPr>
-              <a:t>Full documentation at http://wiremock.org/docs/</a:t>
+              <a:t>Full documentation at https://wiremock.org/docs/</a:t>
             </a:r>
           </a:p>
         </p:txBody>
@@ -21700,6 +21201,36 @@
           <a:chExt cx="0" cy="0"/>
         </a:xfrm>
       </p:grpSpPr>
+      <p:pic>
+        <p:nvPicPr>
+          <p:cNvPr id="7" name="Afbeelding 6">
+            <a:extLst>
+              <a:ext uri="{FF2B5EF4-FFF2-40B4-BE49-F238E27FC236}">
+                <a16:creationId xmlns:a16="http://schemas.microsoft.com/office/drawing/2014/main" id="{0B4F557D-FB7C-5504-77C9-F3B1DEEE87B4}"/>
+              </a:ext>
+            </a:extLst>
+          </p:cNvPr>
+          <p:cNvPicPr>
+            <a:picLocks noChangeAspect="1"/>
+          </p:cNvPicPr>
+          <p:nvPr/>
+        </p:nvPicPr>
+        <p:blipFill>
+          <a:blip r:embed="rId2"/>
+          <a:stretch>
+            <a:fillRect/>
+          </a:stretch>
+        </p:blipFill>
+        <p:spPr>
+          <a:xfrm>
+            <a:off x="838197" y="1627123"/>
+            <a:ext cx="7735532" cy="2500652"/>
+          </a:xfrm>
+          <a:prstGeom prst="rect">
+            <a:avLst/>
+          </a:prstGeom>
+        </p:spPr>
+      </p:pic>
       <p:sp>
         <p:nvSpPr>
           <p:cNvPr id="2" name="Title 1">
@@ -21730,7 +21261,7 @@
                 <a:latin typeface="Courier New" pitchFamily="49"/>
                 <a:cs typeface="Courier New" pitchFamily="49"/>
               </a:rPr>
-              <a:t>Example: URL matching (Java)</a:t>
+              <a:t>Example: URL matching</a:t>
             </a:r>
           </a:p>
         </p:txBody>
@@ -21857,7 +21388,7 @@
               <a:buChar char="_"/>
             </a:pPr>
             <a:r>
-              <a:rPr lang="nl-NL" dirty="0" err="1">
+              <a:rPr lang="nl-NL" err="1">
                 <a:solidFill>
                   <a:srgbClr val="00FF00"/>
                 </a:solidFill>
@@ -21867,55 +21398,22 @@
               <a:t>urlPathEqualTo</a:t>
             </a:r>
             <a:r>
-              <a:rPr lang="nl-NL" dirty="0">
-                <a:solidFill>
-                  <a:srgbClr val="00FF00"/>
-                </a:solidFill>
-                <a:latin typeface="Courier New" pitchFamily="49"/>
-                <a:cs typeface="Courier New" pitchFamily="49"/>
-              </a:rPr>
-              <a:t> (</a:t>
-            </a:r>
-            <a:r>
-              <a:rPr lang="nl-NL" dirty="0" err="1">
-                <a:solidFill>
-                  <a:srgbClr val="00FF00"/>
-                </a:solidFill>
-                <a:latin typeface="Courier New" pitchFamily="49"/>
-                <a:cs typeface="Courier New" pitchFamily="49"/>
-              </a:rPr>
-              <a:t>using</a:t>
-            </a:r>
-            <a:r>
-              <a:rPr lang="nl-NL" dirty="0">
-                <a:solidFill>
-                  <a:srgbClr val="00FF00"/>
-                </a:solidFill>
-                <a:latin typeface="Courier New" pitchFamily="49"/>
-                <a:cs typeface="Courier New" pitchFamily="49"/>
-              </a:rPr>
-              <a:t> exact </a:t>
-            </a:r>
-            <a:r>
-              <a:rPr lang="nl-NL" dirty="0" err="1">
-                <a:solidFill>
-                  <a:srgbClr val="00FF00"/>
-                </a:solidFill>
-                <a:latin typeface="Courier New" pitchFamily="49"/>
-                <a:cs typeface="Courier New" pitchFamily="49"/>
-              </a:rPr>
-              <a:t>values</a:t>
-            </a:r>
-            <a:r>
-              <a:rPr lang="nl-NL" dirty="0">
-                <a:solidFill>
-                  <a:srgbClr val="00FF00"/>
-                </a:solidFill>
-                <a:latin typeface="Courier New" pitchFamily="49"/>
-                <a:cs typeface="Courier New" pitchFamily="49"/>
-              </a:rPr>
-              <a:t>)</a:t>
-            </a:r>
+              <a:rPr lang="nl-NL">
+                <a:solidFill>
+                  <a:srgbClr val="00FF00"/>
+                </a:solidFill>
+                <a:latin typeface="Courier New" pitchFamily="49"/>
+                <a:cs typeface="Courier New" pitchFamily="49"/>
+              </a:rPr>
+              <a:t> (matches only path, no query parameters)</a:t>
+            </a:r>
+            <a:endParaRPr lang="nl-NL" dirty="0">
+              <a:solidFill>
+                <a:srgbClr val="00FF00"/>
+              </a:solidFill>
+              <a:latin typeface="Courier New" pitchFamily="49"/>
+              <a:cs typeface="Courier New" pitchFamily="49"/>
+            </a:endParaRPr>
           </a:p>
           <a:p>
             <a:pPr lvl="1">
@@ -22091,40 +21589,6 @@
           </a:p>
         </p:txBody>
       </p:sp>
-      <p:pic>
-        <p:nvPicPr>
-          <p:cNvPr id="4" name="Picture 5">
-            <a:extLst>
-              <a:ext uri="{FF2B5EF4-FFF2-40B4-BE49-F238E27FC236}">
-                <a16:creationId xmlns:a16="http://schemas.microsoft.com/office/drawing/2014/main" id="{3F16CFBD-B9A0-447B-B774-7D161498EEF7}"/>
-              </a:ext>
-            </a:extLst>
-          </p:cNvPr>
-          <p:cNvPicPr>
-            <a:picLocks noChangeAspect="1"/>
-          </p:cNvPicPr>
-          <p:nvPr/>
-        </p:nvPicPr>
-        <p:blipFill>
-          <a:blip r:embed="rId2"/>
-          <a:stretch>
-            <a:fillRect/>
-          </a:stretch>
-        </p:blipFill>
-        <p:spPr>
-          <a:xfrm>
-            <a:off x="838203" y="1825627"/>
-            <a:ext cx="8245419" cy="2494410"/>
-          </a:xfrm>
-          <a:prstGeom prst="rect">
-            <a:avLst/>
-          </a:prstGeom>
-          <a:noFill/>
-          <a:ln cap="flat">
-            <a:noFill/>
-          </a:ln>
-        </p:spPr>
-      </p:pic>
       <p:sp>
         <p:nvSpPr>
           <p:cNvPr id="5" name="Oval 4">
@@ -22139,8 +21603,8 @@
         </p:nvSpPr>
         <p:spPr>
           <a:xfrm flipV="1">
-            <a:off x="3652373" y="2493898"/>
-            <a:ext cx="2352187" cy="436748"/>
+            <a:off x="3170593" y="2277588"/>
+            <a:ext cx="2020840" cy="436748"/>
           </a:xfrm>
           <a:prstGeom prst="ellipse">
             <a:avLst/>
@@ -22460,6 +21924,36 @@
           <a:chExt cx="0" cy="0"/>
         </a:xfrm>
       </p:grpSpPr>
+      <p:pic>
+        <p:nvPicPr>
+          <p:cNvPr id="11" name="Afbeelding 10">
+            <a:extLst>
+              <a:ext uri="{FF2B5EF4-FFF2-40B4-BE49-F238E27FC236}">
+                <a16:creationId xmlns:a16="http://schemas.microsoft.com/office/drawing/2014/main" id="{3ACDF06E-6B34-012D-AEEA-397A0639795B}"/>
+              </a:ext>
+            </a:extLst>
+          </p:cNvPr>
+          <p:cNvPicPr>
+            <a:picLocks noChangeAspect="1"/>
+          </p:cNvPicPr>
+          <p:nvPr/>
+        </p:nvPicPr>
+        <p:blipFill>
+          <a:blip r:embed="rId2"/>
+          <a:stretch>
+            <a:fillRect/>
+          </a:stretch>
+        </p:blipFill>
+        <p:spPr>
+          <a:xfrm>
+            <a:off x="838202" y="1433808"/>
+            <a:ext cx="10644735" cy="2890542"/>
+          </a:xfrm>
+          <a:prstGeom prst="rect">
+            <a:avLst/>
+          </a:prstGeom>
+        </p:spPr>
+      </p:pic>
       <p:sp>
         <p:nvSpPr>
           <p:cNvPr id="2" name="Title 1">
@@ -22495,7 +21989,7 @@
                 <a:latin typeface="Courier New" pitchFamily="49"/>
                 <a:cs typeface="Courier New" pitchFamily="49"/>
               </a:rPr>
-              <a:t>Example: header matching (Java)</a:t>
+              <a:t>Example: header matching</a:t>
             </a:r>
           </a:p>
         </p:txBody>
@@ -22543,6 +22037,19 @@
               <a:buFont typeface="Courier New" pitchFamily="49"/>
               <a:buChar char="_"/>
             </a:pPr>
+            <a:endParaRPr lang="nl-NL">
+              <a:solidFill>
+                <a:srgbClr val="00FF00"/>
+              </a:solidFill>
+              <a:latin typeface="Courier New" pitchFamily="49"/>
+              <a:cs typeface="Courier New" pitchFamily="49"/>
+            </a:endParaRPr>
+          </a:p>
+          <a:p>
+            <a:pPr lvl="0">
+              <a:buFont typeface="Courier New" pitchFamily="49"/>
+              <a:buChar char="_"/>
+            </a:pPr>
             <a:endParaRPr lang="nl-NL" dirty="0">
               <a:solidFill>
                 <a:srgbClr val="00FF00"/>
@@ -22582,6 +22089,76 @@
               <a:buFont typeface="Courier New" pitchFamily="49"/>
               <a:buChar char="_"/>
             </a:pPr>
+            <a:r>
+              <a:rPr lang="nl-NL" dirty="0">
+                <a:solidFill>
+                  <a:srgbClr val="00FF00"/>
+                </a:solidFill>
+                <a:latin typeface="Courier New" pitchFamily="49"/>
+                <a:cs typeface="Courier New" pitchFamily="49"/>
+              </a:rPr>
+              <a:t>absent(): check </a:t>
+            </a:r>
+            <a:r>
+              <a:rPr lang="nl-NL" err="1">
+                <a:solidFill>
+                  <a:srgbClr val="00FF00"/>
+                </a:solidFill>
+                <a:latin typeface="Courier New" pitchFamily="49"/>
+                <a:cs typeface="Courier New" pitchFamily="49"/>
+              </a:rPr>
+              <a:t>that</a:t>
+            </a:r>
+            <a:r>
+              <a:rPr lang="nl-NL">
+                <a:solidFill>
+                  <a:srgbClr val="00FF00"/>
+                </a:solidFill>
+                <a:latin typeface="Courier New" pitchFamily="49"/>
+                <a:cs typeface="Courier New" pitchFamily="49"/>
+              </a:rPr>
+              <a:t> header </a:t>
+            </a:r>
+            <a:r>
+              <a:rPr lang="nl-NL" dirty="0">
+                <a:solidFill>
+                  <a:srgbClr val="00FF00"/>
+                </a:solidFill>
+                <a:latin typeface="Courier New" pitchFamily="49"/>
+                <a:cs typeface="Courier New" pitchFamily="49"/>
+              </a:rPr>
+              <a:t>is </a:t>
+            </a:r>
+            <a:r>
+              <a:rPr lang="nl-NL" b="1" u="sng" dirty="0" err="1">
+                <a:solidFill>
+                  <a:srgbClr val="00FF00"/>
+                </a:solidFill>
+                <a:latin typeface="Courier New" pitchFamily="49"/>
+                <a:cs typeface="Courier New" pitchFamily="49"/>
+              </a:rPr>
+              <a:t>not</a:t>
+            </a:r>
+            <a:r>
+              <a:rPr lang="nl-NL" dirty="0">
+                <a:solidFill>
+                  <a:srgbClr val="00FF00"/>
+                </a:solidFill>
+                <a:latin typeface="Courier New" pitchFamily="49"/>
+                <a:cs typeface="Courier New" pitchFamily="49"/>
+              </a:rPr>
+              <a:t> in </a:t>
+            </a:r>
+            <a:r>
+              <a:rPr lang="nl-NL" dirty="0" err="1">
+                <a:solidFill>
+                  <a:srgbClr val="00FF00"/>
+                </a:solidFill>
+                <a:latin typeface="Courier New" pitchFamily="49"/>
+                <a:cs typeface="Courier New" pitchFamily="49"/>
+              </a:rPr>
+              <a:t>request</a:t>
+            </a:r>
             <a:endParaRPr lang="nl-NL" dirty="0">
               <a:solidFill>
                 <a:srgbClr val="00FF00"/>
@@ -22590,115 +22167,8 @@
               <a:cs typeface="Courier New" pitchFamily="49"/>
             </a:endParaRPr>
           </a:p>
-          <a:p>
-            <a:pPr lvl="0">
-              <a:buFont typeface="Courier New" pitchFamily="49"/>
-              <a:buChar char="_"/>
-            </a:pPr>
-            <a:r>
-              <a:rPr lang="nl-NL" dirty="0">
-                <a:solidFill>
-                  <a:srgbClr val="00FF00"/>
-                </a:solidFill>
-                <a:latin typeface="Courier New" pitchFamily="49"/>
-                <a:cs typeface="Courier New" pitchFamily="49"/>
-              </a:rPr>
-              <a:t>absent(): check </a:t>
-            </a:r>
-            <a:r>
-              <a:rPr lang="nl-NL" dirty="0" err="1">
-                <a:solidFill>
-                  <a:srgbClr val="00FF00"/>
-                </a:solidFill>
-                <a:latin typeface="Courier New" pitchFamily="49"/>
-                <a:cs typeface="Courier New" pitchFamily="49"/>
-              </a:rPr>
-              <a:t>that</a:t>
-            </a:r>
-            <a:r>
-              <a:rPr lang="nl-NL" dirty="0">
-                <a:solidFill>
-                  <a:srgbClr val="00FF00"/>
-                </a:solidFill>
-                <a:latin typeface="Courier New" pitchFamily="49"/>
-                <a:cs typeface="Courier New" pitchFamily="49"/>
-              </a:rPr>
-              <a:t> parameter is </a:t>
-            </a:r>
-            <a:r>
-              <a:rPr lang="nl-NL" b="1" u="sng" dirty="0" err="1">
-                <a:solidFill>
-                  <a:srgbClr val="00FF00"/>
-                </a:solidFill>
-                <a:latin typeface="Courier New" pitchFamily="49"/>
-                <a:cs typeface="Courier New" pitchFamily="49"/>
-              </a:rPr>
-              <a:t>not</a:t>
-            </a:r>
-            <a:r>
-              <a:rPr lang="nl-NL" dirty="0">
-                <a:solidFill>
-                  <a:srgbClr val="00FF00"/>
-                </a:solidFill>
-                <a:latin typeface="Courier New" pitchFamily="49"/>
-                <a:cs typeface="Courier New" pitchFamily="49"/>
-              </a:rPr>
-              <a:t> in </a:t>
-            </a:r>
-            <a:r>
-              <a:rPr lang="nl-NL" dirty="0" err="1">
-                <a:solidFill>
-                  <a:srgbClr val="00FF00"/>
-                </a:solidFill>
-                <a:latin typeface="Courier New" pitchFamily="49"/>
-                <a:cs typeface="Courier New" pitchFamily="49"/>
-              </a:rPr>
-              <a:t>request</a:t>
-            </a:r>
-            <a:endParaRPr lang="nl-NL" dirty="0">
-              <a:solidFill>
-                <a:srgbClr val="00FF00"/>
-              </a:solidFill>
-              <a:latin typeface="Courier New" pitchFamily="49"/>
-              <a:cs typeface="Courier New" pitchFamily="49"/>
-            </a:endParaRPr>
-          </a:p>
         </p:txBody>
       </p:sp>
-      <p:pic>
-        <p:nvPicPr>
-          <p:cNvPr id="4" name="Picture 4">
-            <a:extLst>
-              <a:ext uri="{FF2B5EF4-FFF2-40B4-BE49-F238E27FC236}">
-                <a16:creationId xmlns:a16="http://schemas.microsoft.com/office/drawing/2014/main" id="{DFB87DE7-53B3-4C49-A0CF-B6A67C87ACAE}"/>
-              </a:ext>
-            </a:extLst>
-          </p:cNvPr>
-          <p:cNvPicPr>
-            <a:picLocks noChangeAspect="1"/>
-          </p:cNvPicPr>
-          <p:nvPr/>
-        </p:nvPicPr>
-        <p:blipFill>
-          <a:blip r:embed="rId2"/>
-          <a:stretch>
-            <a:fillRect/>
-          </a:stretch>
-        </p:blipFill>
-        <p:spPr>
-          <a:xfrm>
-            <a:off x="838203" y="1690689"/>
-            <a:ext cx="10063822" cy="2553507"/>
-          </a:xfrm>
-          <a:prstGeom prst="rect">
-            <a:avLst/>
-          </a:prstGeom>
-          <a:noFill/>
-          <a:ln cap="flat">
-            <a:noFill/>
-          </a:ln>
-        </p:spPr>
-      </p:pic>
       <p:sp>
         <p:nvSpPr>
           <p:cNvPr id="5" name="Oval 4">
@@ -22713,7 +22183,7 @@
         </p:nvSpPr>
         <p:spPr>
           <a:xfrm flipV="1">
-            <a:off x="2026773" y="2509519"/>
+            <a:off x="1946577" y="2403401"/>
             <a:ext cx="1884827" cy="282193"/>
           </a:xfrm>
           <a:prstGeom prst="ellipse">
@@ -22794,7 +22264,7 @@
         </p:nvSpPr>
         <p:spPr>
           <a:xfrm flipV="1">
-            <a:off x="5996569" y="2801872"/>
+            <a:off x="5998065" y="2722667"/>
             <a:ext cx="1410071" cy="312823"/>
           </a:xfrm>
           <a:prstGeom prst="ellipse">
@@ -22875,7 +22345,7 @@
         </p:nvSpPr>
         <p:spPr>
           <a:xfrm flipV="1">
-            <a:off x="6047369" y="2519679"/>
+            <a:off x="6096000" y="2388085"/>
             <a:ext cx="1884827" cy="312823"/>
           </a:xfrm>
           <a:prstGeom prst="ellipse">
@@ -23227,7 +22697,7 @@
                 <a:latin typeface="Courier New" pitchFamily="49"/>
                 <a:cs typeface="Courier New" pitchFamily="49"/>
               </a:rPr>
-              <a:t>Install JDK (Java 8 preferred)</a:t>
+              <a:t>Install JDK (Java 17 or newer)</a:t>
             </a:r>
           </a:p>
           <a:p>
@@ -25036,7 +24506,7 @@
                 <a:ea typeface="+mn-ea"/>
                 <a:cs typeface="Courier New" panose="02070309020205020404" pitchFamily="49" charset="0"/>
               </a:rPr>
-              <a:t>{“fruits”: {“banana”: 2, “apple”: 5} } </a:t>
+              <a:t>{“fruits”: {“banana”: “2”, “apple”: “5”} } </a:t>
             </a:r>
             <a:r>
               <a:rPr kumimoji="0" lang="en-US" sz="2400" b="0" i="0" u="none" strike="noStrike" kern="1200" cap="none" spc="0" normalizeH="0" baseline="0" noProof="0">
@@ -25266,7 +24736,7 @@
                 <a:ea typeface="+mn-ea"/>
                 <a:cs typeface="Courier New" panose="02070309020205020404" pitchFamily="49" charset="0"/>
               </a:rPr>
-              <a:t>{“fruits”: {“banana”: 3, “apple”: 5} } </a:t>
+              <a:t>{“fruits”: {“banana”: “3”, “apple”: “5”} } </a:t>
             </a:r>
             <a:r>
               <a:rPr kumimoji="0" lang="en-US" sz="2400" b="0" i="0" u="none" strike="noStrike" kern="1200" cap="none" spc="0" normalizeH="0" baseline="0" noProof="0">
@@ -27140,6 +26610,36 @@
           <a:chExt cx="0" cy="0"/>
         </a:xfrm>
       </p:grpSpPr>
+      <p:pic>
+        <p:nvPicPr>
+          <p:cNvPr id="7" name="Afbeelding 6">
+            <a:extLst>
+              <a:ext uri="{FF2B5EF4-FFF2-40B4-BE49-F238E27FC236}">
+                <a16:creationId xmlns:a16="http://schemas.microsoft.com/office/drawing/2014/main" id="{9774316B-EA5F-5446-780E-A17A7A247F2A}"/>
+              </a:ext>
+            </a:extLst>
+          </p:cNvPr>
+          <p:cNvPicPr>
+            <a:picLocks noChangeAspect="1"/>
+          </p:cNvPicPr>
+          <p:nvPr/>
+        </p:nvPicPr>
+        <p:blipFill>
+          <a:blip r:embed="rId2"/>
+          <a:stretch>
+            <a:fillRect/>
+          </a:stretch>
+        </p:blipFill>
+        <p:spPr>
+          <a:xfrm>
+            <a:off x="838201" y="1428749"/>
+            <a:ext cx="7400923" cy="2340653"/>
+          </a:xfrm>
+          <a:prstGeom prst="rect">
+            <a:avLst/>
+          </a:prstGeom>
+        </p:spPr>
+      </p:pic>
       <p:sp>
         <p:nvSpPr>
           <p:cNvPr id="2" name="Title 1">
@@ -27175,7 +26675,7 @@
                 <a:latin typeface="Courier New" pitchFamily="49"/>
                 <a:cs typeface="Courier New" pitchFamily="49"/>
               </a:rPr>
-              <a:t>Example: HTTP status code (Java)</a:t>
+              <a:t>Example: HTTP status code</a:t>
             </a:r>
           </a:p>
         </p:txBody>
@@ -27318,7 +26818,7 @@
               <a:buNone/>
             </a:pPr>
             <a:r>
-              <a:rPr lang="nl-NL" sz="2400" dirty="0">
+              <a:rPr lang="nl-NL" sz="2400">
                 <a:solidFill>
                   <a:srgbClr val="00FF00"/>
                 </a:solidFill>
@@ -27328,6 +26828,16 @@
               <a:t>	</a:t>
             </a:r>
             <a:r>
+              <a:rPr lang="nl-NL" sz="2400" b="1">
+                <a:solidFill>
+                  <a:srgbClr val="00FF00"/>
+                </a:solidFill>
+                <a:latin typeface="Courier New" pitchFamily="49"/>
+                <a:cs typeface="Courier New" pitchFamily="49"/>
+              </a:rPr>
+              <a:t>Consumer </a:t>
+            </a:r>
+            <a:r>
               <a:rPr lang="nl-NL" sz="2400" b="1" dirty="0">
                 <a:solidFill>
                   <a:srgbClr val="00FF00"/>
@@ -27335,7 +26845,27 @@
                 <a:latin typeface="Courier New" pitchFamily="49"/>
                 <a:cs typeface="Courier New" pitchFamily="49"/>
               </a:rPr>
-              <a:t>Client error		Server error</a:t>
+              <a:t>error	</a:t>
+            </a:r>
+            <a:r>
+              <a:rPr lang="nl-NL" sz="2400" b="1">
+                <a:solidFill>
+                  <a:srgbClr val="00FF00"/>
+                </a:solidFill>
+                <a:latin typeface="Courier New" pitchFamily="49"/>
+                <a:cs typeface="Courier New" pitchFamily="49"/>
+              </a:rPr>
+              <a:t>	Provider </a:t>
+            </a:r>
+            <a:r>
+              <a:rPr lang="nl-NL" sz="2400" b="1" dirty="0">
+                <a:solidFill>
+                  <a:srgbClr val="00FF00"/>
+                </a:solidFill>
+                <a:latin typeface="Courier New" pitchFamily="49"/>
+                <a:cs typeface="Courier New" pitchFamily="49"/>
+              </a:rPr>
+              <a:t>error</a:t>
             </a:r>
           </a:p>
           <a:p>
@@ -27515,40 +27045,6 @@
           </a:p>
         </p:txBody>
       </p:sp>
-      <p:pic>
-        <p:nvPicPr>
-          <p:cNvPr id="4" name="Picture 3">
-            <a:extLst>
-              <a:ext uri="{FF2B5EF4-FFF2-40B4-BE49-F238E27FC236}">
-                <a16:creationId xmlns:a16="http://schemas.microsoft.com/office/drawing/2014/main" id="{A09D58C8-0AF1-41A3-BF1E-9AC198EA5FDB}"/>
-              </a:ext>
-            </a:extLst>
-          </p:cNvPr>
-          <p:cNvPicPr>
-            <a:picLocks noChangeAspect="1"/>
-          </p:cNvPicPr>
-          <p:nvPr/>
-        </p:nvPicPr>
-        <p:blipFill>
-          <a:blip r:embed="rId2"/>
-          <a:stretch>
-            <a:fillRect/>
-          </a:stretch>
-        </p:blipFill>
-        <p:spPr>
-          <a:xfrm>
-            <a:off x="838203" y="1825627"/>
-            <a:ext cx="6468374" cy="1992367"/>
-          </a:xfrm>
-          <a:prstGeom prst="rect">
-            <a:avLst/>
-          </a:prstGeom>
-          <a:noFill/>
-          <a:ln cap="flat">
-            <a:noFill/>
-          </a:ln>
-        </p:spPr>
-      </p:pic>
       <p:sp>
         <p:nvSpPr>
           <p:cNvPr id="5" name="Oval 4">
@@ -27563,8 +27059,8 @@
         </p:nvSpPr>
         <p:spPr>
           <a:xfrm flipV="1">
-            <a:off x="2494133" y="2892055"/>
-            <a:ext cx="2779616" cy="377135"/>
+            <a:off x="2209799" y="2530105"/>
+            <a:ext cx="2466975" cy="355970"/>
           </a:xfrm>
           <a:prstGeom prst="ellipse">
             <a:avLst/>
@@ -27884,6 +27380,36 @@
           <a:chExt cx="0" cy="0"/>
         </a:xfrm>
       </p:grpSpPr>
+      <p:pic>
+        <p:nvPicPr>
+          <p:cNvPr id="7" name="Afbeelding 6">
+            <a:extLst>
+              <a:ext uri="{FF2B5EF4-FFF2-40B4-BE49-F238E27FC236}">
+                <a16:creationId xmlns:a16="http://schemas.microsoft.com/office/drawing/2014/main" id="{5097B228-9FA2-9F3B-98F4-FFD4B2C72829}"/>
+              </a:ext>
+            </a:extLst>
+          </p:cNvPr>
+          <p:cNvPicPr>
+            <a:picLocks noChangeAspect="1"/>
+          </p:cNvPicPr>
+          <p:nvPr/>
+        </p:nvPicPr>
+        <p:blipFill>
+          <a:blip r:embed="rId2"/>
+          <a:stretch>
+            <a:fillRect/>
+          </a:stretch>
+        </p:blipFill>
+        <p:spPr>
+          <a:xfrm>
+            <a:off x="876300" y="1463137"/>
+            <a:ext cx="7439214" cy="2470688"/>
+          </a:xfrm>
+          <a:prstGeom prst="rect">
+            <a:avLst/>
+          </a:prstGeom>
+        </p:spPr>
+      </p:pic>
       <p:sp>
         <p:nvSpPr>
           <p:cNvPr id="2" name="Title 1">
@@ -27914,7 +27440,7 @@
                 <a:latin typeface="Courier New" pitchFamily="49"/>
                 <a:cs typeface="Courier New" pitchFamily="49"/>
               </a:rPr>
-              <a:t>Example: timeout (Java)</a:t>
+              <a:t>Example: timeout</a:t>
             </a:r>
           </a:p>
         </p:txBody>
@@ -28136,97 +27662,18 @@
                 <a:latin typeface="Courier New" pitchFamily="49"/>
                 <a:cs typeface="Courier New" pitchFamily="49"/>
               </a:rPr>
-              <a:t>Uniform, </a:t>
-            </a:r>
-            <a:r>
-              <a:rPr lang="nl-NL" dirty="0" err="1">
-                <a:solidFill>
-                  <a:srgbClr val="00FF00"/>
-                </a:solidFill>
-                <a:latin typeface="Courier New" pitchFamily="49"/>
-                <a:cs typeface="Courier New" pitchFamily="49"/>
-              </a:rPr>
-              <a:t>lognormal</a:t>
-            </a:r>
-            <a:r>
-              <a:rPr lang="nl-NL" dirty="0">
-                <a:solidFill>
-                  <a:srgbClr val="00FF00"/>
-                </a:solidFill>
-                <a:latin typeface="Courier New" pitchFamily="49"/>
-                <a:cs typeface="Courier New" pitchFamily="49"/>
-              </a:rPr>
-              <a:t>, </a:t>
-            </a:r>
-            <a:r>
-              <a:rPr lang="nl-NL" dirty="0" err="1">
-                <a:solidFill>
-                  <a:srgbClr val="00FF00"/>
-                </a:solidFill>
-                <a:latin typeface="Courier New" pitchFamily="49"/>
-                <a:cs typeface="Courier New" pitchFamily="49"/>
-              </a:rPr>
-              <a:t>chunked</a:t>
-            </a:r>
-            <a:r>
-              <a:rPr lang="nl-NL" dirty="0">
-                <a:solidFill>
-                  <a:srgbClr val="00FF00"/>
-                </a:solidFill>
-                <a:latin typeface="Courier New" pitchFamily="49"/>
-                <a:cs typeface="Courier New" pitchFamily="49"/>
-              </a:rPr>
-              <a:t> </a:t>
-            </a:r>
-            <a:r>
-              <a:rPr lang="nl-NL" dirty="0" err="1">
-                <a:solidFill>
-                  <a:srgbClr val="00FF00"/>
-                </a:solidFill>
-                <a:latin typeface="Courier New" pitchFamily="49"/>
-                <a:cs typeface="Courier New" pitchFamily="49"/>
-              </a:rPr>
-              <a:t>dribble</a:t>
-            </a:r>
-            <a:r>
-              <a:rPr lang="nl-NL" dirty="0">
-                <a:solidFill>
-                  <a:srgbClr val="00FF00"/>
-                </a:solidFill>
-                <a:latin typeface="Courier New" pitchFamily="49"/>
-                <a:cs typeface="Courier New" pitchFamily="49"/>
-              </a:rPr>
-              <a:t> </a:t>
-            </a:r>
-            <a:r>
-              <a:rPr lang="nl-NL" dirty="0" err="1">
-                <a:solidFill>
-                  <a:srgbClr val="00FF00"/>
-                </a:solidFill>
-                <a:latin typeface="Courier New" pitchFamily="49"/>
-                <a:cs typeface="Courier New" pitchFamily="49"/>
-              </a:rPr>
-              <a:t>distribution</a:t>
-            </a:r>
-            <a:r>
-              <a:rPr lang="nl-NL" dirty="0">
-                <a:solidFill>
-                  <a:srgbClr val="00FF00"/>
-                </a:solidFill>
-                <a:latin typeface="Courier New" pitchFamily="49"/>
-                <a:cs typeface="Courier New" pitchFamily="49"/>
-              </a:rPr>
-              <a:t> options</a:t>
-            </a:r>
-          </a:p>
-          <a:p>
-            <a:pPr lvl="0">
-              <a:lnSpc>
-                <a:spcPct val="80000"/>
-              </a:lnSpc>
-              <a:buFont typeface="Courier New" pitchFamily="49"/>
-              <a:buChar char="_"/>
-            </a:pPr>
+              <a:t>Uniform</a:t>
+            </a:r>
+            <a:r>
+              <a:rPr lang="nl-NL">
+                <a:solidFill>
+                  <a:srgbClr val="00FF00"/>
+                </a:solidFill>
+                <a:latin typeface="Courier New" pitchFamily="49"/>
+                <a:cs typeface="Courier New" pitchFamily="49"/>
+              </a:rPr>
+              <a:t>, lognormal distribution</a:t>
+            </a:r>
             <a:endParaRPr lang="nl-NL" dirty="0">
               <a:solidFill>
                 <a:srgbClr val="00FF00"/>
@@ -28243,96 +27690,6 @@
               <a:buFont typeface="Courier New" pitchFamily="49"/>
               <a:buChar char="_"/>
             </a:pPr>
-            <a:r>
-              <a:rPr lang="nl-NL" dirty="0" err="1">
-                <a:solidFill>
-                  <a:srgbClr val="00FF00"/>
-                </a:solidFill>
-                <a:latin typeface="Courier New" pitchFamily="49"/>
-                <a:cs typeface="Courier New" pitchFamily="49"/>
-              </a:rPr>
-              <a:t>Can</a:t>
-            </a:r>
-            <a:r>
-              <a:rPr lang="nl-NL" dirty="0">
-                <a:solidFill>
-                  <a:srgbClr val="00FF00"/>
-                </a:solidFill>
-                <a:latin typeface="Courier New" pitchFamily="49"/>
-                <a:cs typeface="Courier New" pitchFamily="49"/>
-              </a:rPr>
-              <a:t> </a:t>
-            </a:r>
-            <a:r>
-              <a:rPr lang="nl-NL" dirty="0" err="1">
-                <a:solidFill>
-                  <a:srgbClr val="00FF00"/>
-                </a:solidFill>
-                <a:latin typeface="Courier New" pitchFamily="49"/>
-                <a:cs typeface="Courier New" pitchFamily="49"/>
-              </a:rPr>
-              <a:t>be</a:t>
-            </a:r>
-            <a:r>
-              <a:rPr lang="nl-NL" dirty="0">
-                <a:solidFill>
-                  <a:srgbClr val="00FF00"/>
-                </a:solidFill>
-                <a:latin typeface="Courier New" pitchFamily="49"/>
-                <a:cs typeface="Courier New" pitchFamily="49"/>
-              </a:rPr>
-              <a:t> </a:t>
-            </a:r>
-            <a:r>
-              <a:rPr lang="nl-NL" dirty="0" err="1">
-                <a:solidFill>
-                  <a:srgbClr val="00FF00"/>
-                </a:solidFill>
-                <a:latin typeface="Courier New" pitchFamily="49"/>
-                <a:cs typeface="Courier New" pitchFamily="49"/>
-              </a:rPr>
-              <a:t>configured</a:t>
-            </a:r>
-            <a:r>
-              <a:rPr lang="nl-NL" dirty="0">
-                <a:solidFill>
-                  <a:srgbClr val="00FF00"/>
-                </a:solidFill>
-                <a:latin typeface="Courier New" pitchFamily="49"/>
-                <a:cs typeface="Courier New" pitchFamily="49"/>
-              </a:rPr>
-              <a:t> on a per-</a:t>
-            </a:r>
-            <a:r>
-              <a:rPr lang="nl-NL" dirty="0" err="1">
-                <a:solidFill>
-                  <a:srgbClr val="00FF00"/>
-                </a:solidFill>
-                <a:latin typeface="Courier New" pitchFamily="49"/>
-                <a:cs typeface="Courier New" pitchFamily="49"/>
-              </a:rPr>
-              <a:t>stub</a:t>
-            </a:r>
-            <a:r>
-              <a:rPr lang="nl-NL" dirty="0">
-                <a:solidFill>
-                  <a:srgbClr val="00FF00"/>
-                </a:solidFill>
-                <a:latin typeface="Courier New" pitchFamily="49"/>
-                <a:cs typeface="Courier New" pitchFamily="49"/>
-              </a:rPr>
-              <a:t> basis as well as </a:t>
-            </a:r>
-            <a:r>
-              <a:rPr lang="nl-NL" dirty="0" err="1">
-                <a:solidFill>
-                  <a:srgbClr val="00FF00"/>
-                </a:solidFill>
-                <a:latin typeface="Courier New" pitchFamily="49"/>
-                <a:cs typeface="Courier New" pitchFamily="49"/>
-              </a:rPr>
-              <a:t>globally</a:t>
-            </a:r>
             <a:endParaRPr lang="nl-NL" dirty="0">
               <a:solidFill>
                 <a:srgbClr val="00FF00"/>
@@ -28349,6 +27706,96 @@
               <a:buFont typeface="Courier New" pitchFamily="49"/>
               <a:buChar char="_"/>
             </a:pPr>
+            <a:r>
+              <a:rPr lang="nl-NL" dirty="0" err="1">
+                <a:solidFill>
+                  <a:srgbClr val="00FF00"/>
+                </a:solidFill>
+                <a:latin typeface="Courier New" pitchFamily="49"/>
+                <a:cs typeface="Courier New" pitchFamily="49"/>
+              </a:rPr>
+              <a:t>Can</a:t>
+            </a:r>
+            <a:r>
+              <a:rPr lang="nl-NL" dirty="0">
+                <a:solidFill>
+                  <a:srgbClr val="00FF00"/>
+                </a:solidFill>
+                <a:latin typeface="Courier New" pitchFamily="49"/>
+                <a:cs typeface="Courier New" pitchFamily="49"/>
+              </a:rPr>
+              <a:t> </a:t>
+            </a:r>
+            <a:r>
+              <a:rPr lang="nl-NL" dirty="0" err="1">
+                <a:solidFill>
+                  <a:srgbClr val="00FF00"/>
+                </a:solidFill>
+                <a:latin typeface="Courier New" pitchFamily="49"/>
+                <a:cs typeface="Courier New" pitchFamily="49"/>
+              </a:rPr>
+              <a:t>be</a:t>
+            </a:r>
+            <a:r>
+              <a:rPr lang="nl-NL" dirty="0">
+                <a:solidFill>
+                  <a:srgbClr val="00FF00"/>
+                </a:solidFill>
+                <a:latin typeface="Courier New" pitchFamily="49"/>
+                <a:cs typeface="Courier New" pitchFamily="49"/>
+              </a:rPr>
+              <a:t> </a:t>
+            </a:r>
+            <a:r>
+              <a:rPr lang="nl-NL" dirty="0" err="1">
+                <a:solidFill>
+                  <a:srgbClr val="00FF00"/>
+                </a:solidFill>
+                <a:latin typeface="Courier New" pitchFamily="49"/>
+                <a:cs typeface="Courier New" pitchFamily="49"/>
+              </a:rPr>
+              <a:t>configured</a:t>
+            </a:r>
+            <a:r>
+              <a:rPr lang="nl-NL" dirty="0">
+                <a:solidFill>
+                  <a:srgbClr val="00FF00"/>
+                </a:solidFill>
+                <a:latin typeface="Courier New" pitchFamily="49"/>
+                <a:cs typeface="Courier New" pitchFamily="49"/>
+              </a:rPr>
+              <a:t> on a per-</a:t>
+            </a:r>
+            <a:r>
+              <a:rPr lang="nl-NL" dirty="0" err="1">
+                <a:solidFill>
+                  <a:srgbClr val="00FF00"/>
+                </a:solidFill>
+                <a:latin typeface="Courier New" pitchFamily="49"/>
+                <a:cs typeface="Courier New" pitchFamily="49"/>
+              </a:rPr>
+              <a:t>stub</a:t>
+            </a:r>
+            <a:r>
+              <a:rPr lang="nl-NL" dirty="0">
+                <a:solidFill>
+                  <a:srgbClr val="00FF00"/>
+                </a:solidFill>
+                <a:latin typeface="Courier New" pitchFamily="49"/>
+                <a:cs typeface="Courier New" pitchFamily="49"/>
+              </a:rPr>
+              <a:t> basis as well as </a:t>
+            </a:r>
+            <a:r>
+              <a:rPr lang="nl-NL" dirty="0" err="1">
+                <a:solidFill>
+                  <a:srgbClr val="00FF00"/>
+                </a:solidFill>
+                <a:latin typeface="Courier New" pitchFamily="49"/>
+                <a:cs typeface="Courier New" pitchFamily="49"/>
+              </a:rPr>
+              <a:t>globally</a:t>
+            </a:r>
             <a:endParaRPr lang="nl-NL" dirty="0">
               <a:solidFill>
                 <a:srgbClr val="00FF00"/>
@@ -28421,42 +27868,24 @@
               <a:cs typeface="Courier New" pitchFamily="49"/>
             </a:endParaRPr>
           </a:p>
+          <a:p>
+            <a:pPr lvl="0">
+              <a:lnSpc>
+                <a:spcPct val="80000"/>
+              </a:lnSpc>
+              <a:buFont typeface="Courier New" pitchFamily="49"/>
+              <a:buChar char="_"/>
+            </a:pPr>
+            <a:endParaRPr lang="nl-NL" dirty="0">
+              <a:solidFill>
+                <a:srgbClr val="00FF00"/>
+              </a:solidFill>
+              <a:latin typeface="Courier New" pitchFamily="49"/>
+              <a:cs typeface="Courier New" pitchFamily="49"/>
+            </a:endParaRPr>
+          </a:p>
         </p:txBody>
       </p:sp>
-      <p:pic>
-        <p:nvPicPr>
-          <p:cNvPr id="4" name="Picture 3">
-            <a:extLst>
-              <a:ext uri="{FF2B5EF4-FFF2-40B4-BE49-F238E27FC236}">
-                <a16:creationId xmlns:a16="http://schemas.microsoft.com/office/drawing/2014/main" id="{F2C7414F-F34C-4F23-AF86-A3013F79C4E9}"/>
-              </a:ext>
-            </a:extLst>
-          </p:cNvPr>
-          <p:cNvPicPr>
-            <a:picLocks noChangeAspect="1"/>
-          </p:cNvPicPr>
-          <p:nvPr/>
-        </p:nvPicPr>
-        <p:blipFill>
-          <a:blip r:embed="rId2"/>
-          <a:stretch>
-            <a:fillRect/>
-          </a:stretch>
-        </p:blipFill>
-        <p:spPr>
-          <a:xfrm>
-            <a:off x="838203" y="1814994"/>
-            <a:ext cx="6175071" cy="1956331"/>
-          </a:xfrm>
-          <a:prstGeom prst="rect">
-            <a:avLst/>
-          </a:prstGeom>
-          <a:noFill/>
-          <a:ln cap="flat">
-            <a:noFill/>
-          </a:ln>
-        </p:spPr>
-      </p:pic>
       <p:sp>
         <p:nvSpPr>
           <p:cNvPr id="5" name="Oval 4">
@@ -28471,8 +27900,8 @@
         </p:nvSpPr>
         <p:spPr>
           <a:xfrm flipV="1">
-            <a:off x="2504765" y="2834196"/>
-            <a:ext cx="3268714" cy="436748"/>
+            <a:off x="2580964" y="2824671"/>
+            <a:ext cx="3629335" cy="436748"/>
           </a:xfrm>
           <a:prstGeom prst="ellipse">
             <a:avLst/>
@@ -28779,6 +28208,36 @@
           <a:chExt cx="0" cy="0"/>
         </a:xfrm>
       </p:grpSpPr>
+      <p:pic>
+        <p:nvPicPr>
+          <p:cNvPr id="7" name="Afbeelding 6">
+            <a:extLst>
+              <a:ext uri="{FF2B5EF4-FFF2-40B4-BE49-F238E27FC236}">
+                <a16:creationId xmlns:a16="http://schemas.microsoft.com/office/drawing/2014/main" id="{1CD83CD1-78F4-1428-242F-54FAA0111191}"/>
+              </a:ext>
+            </a:extLst>
+          </p:cNvPr>
+          <p:cNvPicPr>
+            <a:picLocks noChangeAspect="1"/>
+          </p:cNvPicPr>
+          <p:nvPr/>
+        </p:nvPicPr>
+        <p:blipFill>
+          <a:blip r:embed="rId2"/>
+          <a:stretch>
+            <a:fillRect/>
+          </a:stretch>
+        </p:blipFill>
+        <p:spPr>
+          <a:xfrm>
+            <a:off x="838197" y="1485642"/>
+            <a:ext cx="7915278" cy="2358858"/>
+          </a:xfrm>
+          <a:prstGeom prst="rect">
+            <a:avLst/>
+          </a:prstGeom>
+        </p:spPr>
+      </p:pic>
       <p:sp>
         <p:nvSpPr>
           <p:cNvPr id="2" name="Title 1">
@@ -28809,7 +28268,7 @@
                 <a:latin typeface="Courier New" pitchFamily="49"/>
                 <a:cs typeface="Courier New" pitchFamily="49"/>
               </a:rPr>
-              <a:t>Example: bad responses (Java)</a:t>
+              <a:t>Example: bad response</a:t>
             </a:r>
           </a:p>
         </p:txBody>
@@ -29203,40 +28662,6 @@
           </a:p>
         </p:txBody>
       </p:sp>
-      <p:pic>
-        <p:nvPicPr>
-          <p:cNvPr id="4" name="Picture 3">
-            <a:extLst>
-              <a:ext uri="{FF2B5EF4-FFF2-40B4-BE49-F238E27FC236}">
-                <a16:creationId xmlns:a16="http://schemas.microsoft.com/office/drawing/2014/main" id="{0F68B765-58CF-4968-A088-6924ED20AEE7}"/>
-              </a:ext>
-            </a:extLst>
-          </p:cNvPr>
-          <p:cNvPicPr>
-            <a:picLocks noChangeAspect="1"/>
-          </p:cNvPicPr>
-          <p:nvPr/>
-        </p:nvPicPr>
-        <p:blipFill>
-          <a:blip r:embed="rId2"/>
-          <a:stretch>
-            <a:fillRect/>
-          </a:stretch>
-        </p:blipFill>
-        <p:spPr>
-          <a:xfrm>
-            <a:off x="838203" y="1825627"/>
-            <a:ext cx="7962430" cy="1987247"/>
-          </a:xfrm>
-          <a:prstGeom prst="rect">
-            <a:avLst/>
-          </a:prstGeom>
-          <a:noFill/>
-          <a:ln cap="flat">
-            <a:noFill/>
-          </a:ln>
-        </p:spPr>
-      </p:pic>
       <p:sp>
         <p:nvSpPr>
           <p:cNvPr id="5" name="Oval 4">
@@ -29251,8 +28676,8 @@
         </p:nvSpPr>
         <p:spPr>
           <a:xfrm flipV="1">
-            <a:off x="2445488" y="2860158"/>
-            <a:ext cx="6402377" cy="457166"/>
+            <a:off x="2351098" y="2775759"/>
+            <a:ext cx="6669077" cy="457166"/>
           </a:xfrm>
           <a:prstGeom prst="ellipse">
             <a:avLst/>
@@ -31204,6 +30629,36 @@
           <a:chExt cx="0" cy="0"/>
         </a:xfrm>
       </p:grpSpPr>
+      <p:pic>
+        <p:nvPicPr>
+          <p:cNvPr id="11" name="Afbeelding 10">
+            <a:extLst>
+              <a:ext uri="{FF2B5EF4-FFF2-40B4-BE49-F238E27FC236}">
+                <a16:creationId xmlns:a16="http://schemas.microsoft.com/office/drawing/2014/main" id="{584CF86F-B685-2ADA-88FA-41BC5B7417CE}"/>
+              </a:ext>
+            </a:extLst>
+          </p:cNvPr>
+          <p:cNvPicPr>
+            <a:picLocks noChangeAspect="1"/>
+          </p:cNvPicPr>
+          <p:nvPr/>
+        </p:nvPicPr>
+        <p:blipFill>
+          <a:blip r:embed="rId2"/>
+          <a:stretch>
+            <a:fillRect/>
+          </a:stretch>
+        </p:blipFill>
+        <p:spPr>
+          <a:xfrm>
+            <a:off x="0" y="783313"/>
+            <a:ext cx="8337248" cy="6074688"/>
+          </a:xfrm>
+          <a:prstGeom prst="rect">
+            <a:avLst/>
+          </a:prstGeom>
+        </p:spPr>
+      </p:pic>
       <p:sp>
         <p:nvSpPr>
           <p:cNvPr id="2" name="Title 1">
@@ -31222,8 +30677,8 @@
         </p:nvSpPr>
         <p:spPr>
           <a:xfrm>
-            <a:off x="838203" y="365129"/>
-            <a:ext cx="11254480" cy="1325559"/>
+            <a:off x="804748" y="16583"/>
+            <a:ext cx="11254480" cy="766729"/>
           </a:xfrm>
         </p:spPr>
         <p:txBody>
@@ -31239,7 +30694,7 @@
                 <a:latin typeface="Courier New" pitchFamily="49"/>
                 <a:cs typeface="Courier New" pitchFamily="49"/>
               </a:rPr>
-              <a:t>Stateful mocks: an example (Java)</a:t>
+              <a:t>Stateful mocks: an example</a:t>
             </a:r>
           </a:p>
         </p:txBody>
@@ -31343,40 +30798,6 @@
           </a:p>
         </p:txBody>
       </p:sp>
-      <p:pic>
-        <p:nvPicPr>
-          <p:cNvPr id="4" name="Picture 3">
-            <a:extLst>
-              <a:ext uri="{FF2B5EF4-FFF2-40B4-BE49-F238E27FC236}">
-                <a16:creationId xmlns:a16="http://schemas.microsoft.com/office/drawing/2014/main" id="{C2045F39-3E3C-4B10-8B73-257F6D872DFF}"/>
-              </a:ext>
-            </a:extLst>
-          </p:cNvPr>
-          <p:cNvPicPr>
-            <a:picLocks noChangeAspect="1"/>
-          </p:cNvPicPr>
-          <p:nvPr/>
-        </p:nvPicPr>
-        <p:blipFill>
-          <a:blip r:embed="rId2"/>
-          <a:stretch>
-            <a:fillRect/>
-          </a:stretch>
-        </p:blipFill>
-        <p:spPr>
-          <a:xfrm>
-            <a:off x="168351" y="1321399"/>
-            <a:ext cx="8832006" cy="5359792"/>
-          </a:xfrm>
-          <a:prstGeom prst="rect">
-            <a:avLst/>
-          </a:prstGeom>
-          <a:noFill/>
-          <a:ln cap="flat">
-            <a:noFill/>
-          </a:ln>
-        </p:spPr>
-      </p:pic>
       <p:sp>
         <p:nvSpPr>
           <p:cNvPr id="5" name="Ovaal 4">
@@ -31391,8 +30812,8 @@
         </p:nvSpPr>
         <p:spPr>
           <a:xfrm>
-            <a:off x="6320228" y="1670368"/>
-            <a:ext cx="2680129" cy="473392"/>
+            <a:off x="5825332" y="1219873"/>
+            <a:ext cx="2680129" cy="318483"/>
           </a:xfrm>
           <a:prstGeom prst="ellipse">
             <a:avLst/>
@@ -31443,8 +30864,8 @@
         </p:nvSpPr>
         <p:spPr>
           <a:xfrm>
-            <a:off x="6431988" y="3143529"/>
-            <a:ext cx="2680129" cy="473392"/>
+            <a:off x="5825332" y="2924839"/>
+            <a:ext cx="2680129" cy="329611"/>
           </a:xfrm>
           <a:prstGeom prst="ellipse">
             <a:avLst/>
@@ -31495,8 +30916,8 @@
         </p:nvSpPr>
         <p:spPr>
           <a:xfrm>
-            <a:off x="6320228" y="5098947"/>
-            <a:ext cx="2680129" cy="473392"/>
+            <a:off x="5825332" y="5099852"/>
+            <a:ext cx="2680129" cy="329611"/>
           </a:xfrm>
           <a:prstGeom prst="ellipse">
             <a:avLst/>
@@ -31595,7 +31016,7 @@
         </p:nvSpPr>
         <p:spPr>
           <a:xfrm>
-            <a:off x="1007495" y="1998919"/>
+            <a:off x="456146" y="1486294"/>
             <a:ext cx="5200973" cy="329611"/>
           </a:xfrm>
           <a:prstGeom prst="ellipse">
@@ -31716,7 +31137,7 @@
         </p:nvSpPr>
         <p:spPr>
           <a:xfrm>
-            <a:off x="1105786" y="4417830"/>
+            <a:off x="572386" y="4372386"/>
             <a:ext cx="4433777" cy="329611"/>
           </a:xfrm>
           <a:prstGeom prst="ellipse">
@@ -33214,7 +32635,7 @@
                 <a:latin typeface="Courier New" pitchFamily="49"/>
                 <a:cs typeface="Courier New" pitchFamily="49"/>
               </a:rPr>
-              <a:t>response templating (JUnit4)</a:t>
+              <a:t>response templating (JUnit 4)</a:t>
             </a:r>
             <a:endParaRPr lang="nl-NL" sz="4000" dirty="0">
               <a:solidFill>
@@ -33846,10 +33267,10 @@
       </p:grpSpPr>
       <p:pic>
         <p:nvPicPr>
-          <p:cNvPr id="5" name="Afbeelding 4">
+          <p:cNvPr id="6" name="Afbeelding 5">
             <a:extLst>
               <a:ext uri="{FF2B5EF4-FFF2-40B4-BE49-F238E27FC236}">
-                <a16:creationId xmlns:a16="http://schemas.microsoft.com/office/drawing/2014/main" id="{C7B27E57-F1C6-48D7-9C8B-D9385BCBFA89}"/>
+                <a16:creationId xmlns:a16="http://schemas.microsoft.com/office/drawing/2014/main" id="{2A03301B-FA18-5039-E637-8800421D5464}"/>
               </a:ext>
             </a:extLst>
           </p:cNvPr>
@@ -33866,8 +33287,8 @@
         </p:blipFill>
         <p:spPr>
           <a:xfrm>
-            <a:off x="838203" y="2455070"/>
-            <a:ext cx="11154378" cy="2208370"/>
+            <a:off x="838203" y="2605087"/>
+            <a:ext cx="10672007" cy="1576388"/>
           </a:xfrm>
           <a:prstGeom prst="rect">
             <a:avLst/>
@@ -33921,7 +33342,7 @@
                 <a:latin typeface="Courier New" pitchFamily="49"/>
                 <a:cs typeface="Courier New" pitchFamily="49"/>
               </a:rPr>
-              <a:t>response templating (JUnit5)</a:t>
+              <a:t>response templating (JUnit 5)</a:t>
             </a:r>
             <a:endParaRPr lang="nl-NL" sz="4000" dirty="0">
               <a:solidFill>
@@ -33951,8 +33372,8 @@
         </p:nvSpPr>
         <p:spPr>
           <a:xfrm>
-            <a:off x="838203" y="1825627"/>
-            <a:ext cx="11143893" cy="4351336"/>
+            <a:off x="838204" y="1825627"/>
+            <a:ext cx="11001372" cy="4351336"/>
           </a:xfrm>
         </p:spPr>
         <p:txBody>
@@ -34011,7 +33432,7 @@
                 <a:latin typeface="Courier New" pitchFamily="49"/>
                 <a:cs typeface="Courier New" pitchFamily="49"/>
               </a:rPr>
-              <a:t> Junit @RegisterExtension</a:t>
+              <a:t> JUnit @RegisterExtension</a:t>
             </a:r>
             <a:endParaRPr lang="nl-NL" dirty="0">
               <a:solidFill>
@@ -34065,19 +33486,6 @@
               <a:buFont typeface="Courier New" pitchFamily="49"/>
               <a:buChar char="_"/>
             </a:pPr>
-            <a:endParaRPr lang="nl-NL" dirty="0">
-              <a:solidFill>
-                <a:srgbClr val="00FF00"/>
-              </a:solidFill>
-              <a:latin typeface="Courier New" pitchFamily="49"/>
-              <a:cs typeface="Courier New" pitchFamily="49"/>
-            </a:endParaRPr>
-          </a:p>
-          <a:p>
-            <a:pPr lvl="0">
-              <a:buFont typeface="Courier New" pitchFamily="49"/>
-              <a:buChar char="_"/>
-            </a:pPr>
             <a:endParaRPr lang="nl-NL">
               <a:solidFill>
                 <a:srgbClr val="00FF00"/>
@@ -34099,7 +33507,7 @@
                 <a:latin typeface="Courier New" pitchFamily="49"/>
                 <a:cs typeface="Courier New" pitchFamily="49"/>
               </a:rPr>
-              <a:t>Global </a:t>
+              <a:t>Argument </a:t>
             </a:r>
             <a:r>
               <a:rPr lang="nl-NL" dirty="0">
@@ -34129,27 +33537,17 @@
                 <a:latin typeface="Courier New" pitchFamily="49"/>
                 <a:cs typeface="Courier New" pitchFamily="49"/>
               </a:rPr>
-              <a:t>: response templating </a:t>
-            </a:r>
-            <a:r>
-              <a:rPr lang="nl-NL" dirty="0" err="1">
-                <a:solidFill>
-                  <a:srgbClr val="00FF00"/>
-                </a:solidFill>
-                <a:latin typeface="Courier New" pitchFamily="49"/>
-                <a:cs typeface="Courier New" pitchFamily="49"/>
-              </a:rPr>
-              <a:t>transformer</a:t>
-            </a:r>
-            <a:r>
-              <a:rPr lang="nl-NL" dirty="0">
-                <a:solidFill>
-                  <a:srgbClr val="00FF00"/>
-                </a:solidFill>
-                <a:latin typeface="Courier New" pitchFamily="49"/>
-                <a:cs typeface="Courier New" pitchFamily="49"/>
-              </a:rPr>
-              <a:t> has </a:t>
+              <a:t>: response </a:t>
+            </a:r>
+            <a:r>
+              <a:rPr lang="nl-NL">
+                <a:solidFill>
+                  <a:srgbClr val="00FF00"/>
+                </a:solidFill>
+                <a:latin typeface="Courier New" pitchFamily="49"/>
+                <a:cs typeface="Courier New" pitchFamily="49"/>
+              </a:rPr>
+              <a:t>templating has </a:t>
             </a:r>
             <a:r>
               <a:rPr lang="nl-NL" dirty="0" err="1">
@@ -34298,8 +33696,8 @@
         </p:nvSpPr>
         <p:spPr>
           <a:xfrm>
-            <a:off x="9682480" y="3899695"/>
-            <a:ext cx="2304917" cy="473392"/>
+            <a:off x="7572376" y="3313902"/>
+            <a:ext cx="3947360" cy="473392"/>
           </a:xfrm>
           <a:prstGeom prst="ellipse">
             <a:avLst/>
@@ -35403,7 +34801,7 @@
                 <a:latin typeface="Courier New" pitchFamily="49"/>
                 <a:cs typeface="Courier New" pitchFamily="49"/>
               </a:rPr>
-              <a:t>No control over testdata</a:t>
+              <a:t>No control over test data</a:t>
             </a:r>
           </a:p>
           <a:p>
@@ -35419,7 +34817,7 @@
                 <a:latin typeface="Courier New" pitchFamily="49"/>
                 <a:cs typeface="Courier New" pitchFamily="49"/>
               </a:rPr>
-              <a:t>Fees required for using third party component</a:t>
+              <a:t>Fees required for using third party components</a:t>
             </a:r>
           </a:p>
           <a:p>
@@ -35501,10 +34899,10 @@
       </p:grpSpPr>
       <p:pic>
         <p:nvPicPr>
-          <p:cNvPr id="8" name="Afbeelding 7">
+          <p:cNvPr id="4" name="Afbeelding 3">
             <a:extLst>
               <a:ext uri="{FF2B5EF4-FFF2-40B4-BE49-F238E27FC236}">
-                <a16:creationId xmlns:a16="http://schemas.microsoft.com/office/drawing/2014/main" id="{CD7389A4-0BC8-A4F9-B797-9AB199236477}"/>
+                <a16:creationId xmlns:a16="http://schemas.microsoft.com/office/drawing/2014/main" id="{91E70AA3-EE8D-AD38-B5F1-2C066CB66642}"/>
               </a:ext>
             </a:extLst>
           </p:cNvPr>
@@ -35521,8 +34919,8 @@
         </p:blipFill>
         <p:spPr>
           <a:xfrm>
-            <a:off x="756919" y="1421981"/>
-            <a:ext cx="10678162" cy="2089792"/>
+            <a:off x="756918" y="1429383"/>
+            <a:ext cx="10679193" cy="1577449"/>
           </a:xfrm>
           <a:prstGeom prst="rect">
             <a:avLst/>
@@ -35620,7 +35018,7 @@
         </p:nvSpPr>
         <p:spPr>
           <a:xfrm>
-            <a:off x="4389120" y="1745082"/>
+            <a:off x="4559300" y="1815349"/>
             <a:ext cx="1574800" cy="406400"/>
           </a:xfrm>
           <a:prstGeom prst="ellipse">
@@ -35878,7 +35276,7 @@
         </p:nvSpPr>
         <p:spPr>
           <a:xfrm>
-            <a:off x="5963920" y="2101209"/>
+            <a:off x="5630545" y="2683666"/>
             <a:ext cx="5375973" cy="646331"/>
           </a:xfrm>
           <a:prstGeom prst="rect">
@@ -36580,18 +35978,25 @@
                 <a:latin typeface="Courier New" pitchFamily="49"/>
                 <a:cs typeface="Courier New" pitchFamily="49"/>
               </a:rPr>
-              <a:t>.scheme 				: </a:t>
-            </a:r>
-            <a:r>
-              <a:rPr lang="nl-NL" dirty="0">
-                <a:solidFill>
-                  <a:srgbClr val="00FF00"/>
-                </a:solidFill>
-                <a:latin typeface="Courier New" pitchFamily="49"/>
-                <a:cs typeface="Courier New" pitchFamily="49"/>
-              </a:rPr>
-              <a:t>protocol (e.g. HTTPS)</a:t>
-            </a:r>
+              <a:t>.headers.&lt;key&gt;			: header with name </a:t>
+            </a:r>
+            <a:r>
+              <a:rPr lang="nl-NL" i="1">
+                <a:solidFill>
+                  <a:srgbClr val="00FF00"/>
+                </a:solidFill>
+                <a:latin typeface="Courier New" pitchFamily="49"/>
+                <a:cs typeface="Courier New" pitchFamily="49"/>
+              </a:rPr>
+              <a:t>key</a:t>
+            </a:r>
+            <a:endParaRPr lang="nl-NL" i="1" dirty="0">
+              <a:solidFill>
+                <a:srgbClr val="00FF00"/>
+              </a:solidFill>
+              <a:latin typeface="Courier New" pitchFamily="49"/>
+              <a:cs typeface="Courier New" pitchFamily="49"/>
+            </a:endParaRPr>
           </a:p>
           <a:p>
             <a:pPr lvl="1">
@@ -36726,6 +36131,16 @@
               <a:buNone/>
             </a:pPr>
             <a:r>
+              <a:rPr lang="nl-NL" i="1">
+                <a:solidFill>
+                  <a:srgbClr val="00FF00"/>
+                </a:solidFill>
+                <a:latin typeface="Courier New" pitchFamily="49"/>
+                <a:cs typeface="Courier New" pitchFamily="49"/>
+              </a:rPr>
+              <a:t>https://</a:t>
+            </a:r>
+            <a:r>
               <a:rPr lang="nl-NL" i="1" dirty="0">
                 <a:solidFill>
                   <a:srgbClr val="00FF00"/>
@@ -36733,7 +36148,7 @@
                 <a:latin typeface="Courier New" pitchFamily="49"/>
                 <a:cs typeface="Courier New" pitchFamily="49"/>
               </a:rPr>
-              <a:t>http://wiremock.org/docs/response-templating/</a:t>
+              <a:t>wiremock.org/docs/response-templating/</a:t>
             </a:r>
           </a:p>
         </p:txBody>
@@ -42334,7 +41749,7 @@
                 <a:latin typeface="Courier New" pitchFamily="49"/>
                 <a:cs typeface="Courier New" pitchFamily="49"/>
               </a:rPr>
-              <a:t>Created by extending the </a:t>
+              <a:t>Created by implementing the </a:t>
             </a:r>
             <a:r>
               <a:rPr lang="nl-NL" i="1">
@@ -42344,7 +41759,7 @@
                 <a:latin typeface="Courier New" pitchFamily="49"/>
                 <a:cs typeface="Courier New" pitchFamily="49"/>
               </a:rPr>
-              <a:t>StubRequestFilter</a:t>
+              <a:t>StubRequestFilterV2</a:t>
             </a:r>
             <a:r>
               <a:rPr lang="nl-NL">
@@ -42354,7 +41769,7 @@
                 <a:latin typeface="Courier New" pitchFamily="49"/>
                 <a:cs typeface="Courier New" pitchFamily="49"/>
               </a:rPr>
-              <a:t> class</a:t>
+              <a:t> interface</a:t>
             </a:r>
             <a:endParaRPr lang="nl-NL" dirty="0">
               <a:solidFill>
@@ -42458,10 +41873,10 @@
       </p:grpSpPr>
       <p:pic>
         <p:nvPicPr>
-          <p:cNvPr id="12" name="Afbeelding 11">
+          <p:cNvPr id="7" name="Afbeelding 6">
             <a:extLst>
               <a:ext uri="{FF2B5EF4-FFF2-40B4-BE49-F238E27FC236}">
-                <a16:creationId xmlns:a16="http://schemas.microsoft.com/office/drawing/2014/main" id="{DE8E83CD-BD3A-FA5F-883A-D4A3984A4DCE}"/>
+                <a16:creationId xmlns:a16="http://schemas.microsoft.com/office/drawing/2014/main" id="{473699C2-2BFE-6560-37F2-BDF08CCF9937}"/>
               </a:ext>
             </a:extLst>
           </p:cNvPr>
@@ -42478,8 +41893,8 @@
         </p:blipFill>
         <p:spPr>
           <a:xfrm>
-            <a:off x="-6985" y="1601262"/>
-            <a:ext cx="12198985" cy="4003871"/>
+            <a:off x="0" y="1407318"/>
+            <a:ext cx="12189116" cy="4043363"/>
           </a:xfrm>
           <a:prstGeom prst="rect">
             <a:avLst/>
@@ -42502,7 +41917,12 @@
             <p:ph type="title"/>
           </p:nvPr>
         </p:nvSpPr>
-        <p:spPr/>
+        <p:spPr>
+          <a:xfrm>
+            <a:off x="838200" y="208642"/>
+            <a:ext cx="10515600" cy="962769"/>
+          </a:xfrm>
+        </p:spPr>
         <p:txBody>
           <a:bodyPr/>
           <a:lstStyle/>
@@ -42535,7 +41955,7 @@
         </p:nvSpPr>
         <p:spPr>
           <a:xfrm>
-            <a:off x="687386" y="2757393"/>
+            <a:off x="735011" y="2613689"/>
             <a:ext cx="6475413" cy="389098"/>
           </a:xfrm>
           <a:prstGeom prst="ellipse">
@@ -42695,8 +42115,8 @@
         </p:nvSpPr>
         <p:spPr>
           <a:xfrm>
-            <a:off x="1046480" y="3281577"/>
-            <a:ext cx="11145520" cy="339045"/>
+            <a:off x="4095749" y="3120495"/>
+            <a:ext cx="1381125" cy="381427"/>
           </a:xfrm>
           <a:prstGeom prst="ellipse">
             <a:avLst/>
@@ -42776,7 +42196,7 @@
         </p:nvSpPr>
         <p:spPr>
           <a:xfrm>
-            <a:off x="7795894" y="3700042"/>
+            <a:off x="7210424" y="3427405"/>
             <a:ext cx="4060826" cy="646331"/>
           </a:xfrm>
           <a:prstGeom prst="rect">
@@ -42855,8 +42275,8 @@
         </p:nvSpPr>
         <p:spPr>
           <a:xfrm>
-            <a:off x="491490" y="4023208"/>
-            <a:ext cx="6132830" cy="389098"/>
+            <a:off x="3714750" y="3867737"/>
+            <a:ext cx="1552575" cy="389098"/>
           </a:xfrm>
           <a:prstGeom prst="ellipse">
             <a:avLst/>
@@ -43015,8 +42435,8 @@
         </p:nvSpPr>
         <p:spPr>
           <a:xfrm>
-            <a:off x="2865120" y="1543940"/>
-            <a:ext cx="3759200" cy="336736"/>
+            <a:off x="2941320" y="1352683"/>
+            <a:ext cx="4030980" cy="404436"/>
           </a:xfrm>
           <a:prstGeom prst="ellipse">
             <a:avLst/>
@@ -46936,17 +46356,17 @@
           <a:p>
             <a:pPr algn="ctr"/>
             <a:r>
-              <a:rPr lang="nl-NL" sz="6500">
+              <a:rPr lang="nl-NL" sz="4000" b="1">
                 <a:solidFill>
                   <a:srgbClr val="00FF00"/>
                 </a:solidFill>
                 <a:latin typeface="Courier New" panose="02070309020205020404" pitchFamily="49" charset="0"/>
                 <a:cs typeface="Courier New" panose="02070309020205020404" pitchFamily="49" charset="0"/>
               </a:rPr>
-              <a:t>Section 6.3:</a:t>
+              <a:t>Section 6.3 is waiting on</a:t>
             </a:r>
             <a:br>
-              <a:rPr lang="nl-NL" sz="6500">
+              <a:rPr lang="nl-NL" sz="4000" b="1">
                 <a:solidFill>
                   <a:srgbClr val="00FF00"/>
                 </a:solidFill>
@@ -46955,7 +46375,7 @@
               </a:rPr>
             </a:br>
             <a:br>
-              <a:rPr lang="nl-NL" sz="6500">
+              <a:rPr lang="nl-NL" sz="4000" b="1">
                 <a:solidFill>
                   <a:srgbClr val="00FF00"/>
                 </a:solidFill>
@@ -46964,16 +46384,63 @@
               </a:rPr>
             </a:br>
             <a:r>
-              <a:rPr lang="nl-NL" sz="6500">
+              <a:rPr lang="nl-NL" sz="4000" b="1">
                 <a:solidFill>
                   <a:srgbClr val="00FF00"/>
                 </a:solidFill>
                 <a:latin typeface="Courier New" panose="02070309020205020404" pitchFamily="49" charset="0"/>
                 <a:cs typeface="Courier New" panose="02070309020205020404" pitchFamily="49" charset="0"/>
               </a:rPr>
-              <a:t>Executing post-serve actions</a:t>
-            </a:r>
-            <a:endParaRPr lang="nl-NL" sz="6500" dirty="0">
+              <a:t> https://github.com/wiremock</a:t>
+            </a:r>
+            <a:br>
+              <a:rPr lang="nl-NL" sz="4000" b="1">
+                <a:solidFill>
+                  <a:srgbClr val="00FF00"/>
+                </a:solidFill>
+                <a:latin typeface="Courier New" panose="02070309020205020404" pitchFamily="49" charset="0"/>
+                <a:cs typeface="Courier New" panose="02070309020205020404" pitchFamily="49" charset="0"/>
+              </a:rPr>
+            </a:br>
+            <a:r>
+              <a:rPr lang="nl-NL" sz="4000" b="1">
+                <a:solidFill>
+                  <a:srgbClr val="00FF00"/>
+                </a:solidFill>
+                <a:latin typeface="Courier New" panose="02070309020205020404" pitchFamily="49" charset="0"/>
+                <a:cs typeface="Courier New" panose="02070309020205020404" pitchFamily="49" charset="0"/>
+              </a:rPr>
+              <a:t>/wiremock/issues/2525</a:t>
+            </a:r>
+            <a:br>
+              <a:rPr lang="nl-NL" sz="4000" b="1">
+                <a:solidFill>
+                  <a:srgbClr val="00FF00"/>
+                </a:solidFill>
+                <a:latin typeface="Courier New" panose="02070309020205020404" pitchFamily="49" charset="0"/>
+                <a:cs typeface="Courier New" panose="02070309020205020404" pitchFamily="49" charset="0"/>
+              </a:rPr>
+            </a:br>
+            <a:br>
+              <a:rPr lang="nl-NL" sz="4000" b="1">
+                <a:solidFill>
+                  <a:srgbClr val="00FF00"/>
+                </a:solidFill>
+                <a:latin typeface="Courier New" panose="02070309020205020404" pitchFamily="49" charset="0"/>
+                <a:cs typeface="Courier New" panose="02070309020205020404" pitchFamily="49" charset="0"/>
+              </a:rPr>
+            </a:br>
+            <a:r>
+              <a:rPr lang="nl-NL" sz="4000" b="1">
+                <a:solidFill>
+                  <a:srgbClr val="00FF00"/>
+                </a:solidFill>
+                <a:latin typeface="Courier New" panose="02070309020205020404" pitchFamily="49" charset="0"/>
+                <a:cs typeface="Courier New" panose="02070309020205020404" pitchFamily="49" charset="0"/>
+              </a:rPr>
+              <a:t>to be resolved</a:t>
+            </a:r>
+            <a:endParaRPr lang="nl-NL" sz="4000" b="1" dirty="0">
               <a:solidFill>
                 <a:srgbClr val="00FF00"/>
               </a:solidFill>
@@ -46997,7 +46464,116 @@
 </file>
 
 <file path=ppt/slides/slide73.xml><?xml version="1.0" encoding="utf-8"?>
-<p:sld xmlns:a="http://schemas.openxmlformats.org/drawingml/2006/main" xmlns:r="http://schemas.openxmlformats.org/officeDocument/2006/relationships" xmlns:p="http://schemas.openxmlformats.org/presentationml/2006/main">
+<p:sld xmlns:a="http://schemas.openxmlformats.org/drawingml/2006/main" xmlns:r="http://schemas.openxmlformats.org/officeDocument/2006/relationships" xmlns:p="http://schemas.openxmlformats.org/presentationml/2006/main" show="0">
+  <p:cSld>
+    <p:bg>
+      <p:bgPr>
+        <a:solidFill>
+          <a:schemeClr val="tx1"/>
+        </a:solidFill>
+        <a:effectLst/>
+      </p:bgPr>
+    </p:bg>
+    <p:spTree>
+      <p:nvGrpSpPr>
+        <p:cNvPr id="1" name=""/>
+        <p:cNvGrpSpPr/>
+        <p:nvPr/>
+      </p:nvGrpSpPr>
+      <p:grpSpPr>
+        <a:xfrm>
+          <a:off x="0" y="0"/>
+          <a:ext cx="0" cy="0"/>
+          <a:chOff x="0" y="0"/>
+          <a:chExt cx="0" cy="0"/>
+        </a:xfrm>
+      </p:grpSpPr>
+      <p:sp>
+        <p:nvSpPr>
+          <p:cNvPr id="2" name="Title 1"/>
+          <p:cNvSpPr>
+            <a:spLocks noGrp="1"/>
+          </p:cNvSpPr>
+          <p:nvPr>
+            <p:ph type="title"/>
+          </p:nvPr>
+        </p:nvSpPr>
+        <p:spPr>
+          <a:xfrm>
+            <a:off x="2" y="2267636"/>
+            <a:ext cx="12191998" cy="2369662"/>
+          </a:xfrm>
+        </p:spPr>
+        <p:txBody>
+          <a:bodyPr>
+            <a:noAutofit/>
+          </a:bodyPr>
+          <a:lstStyle/>
+          <a:p>
+            <a:pPr algn="ctr"/>
+            <a:r>
+              <a:rPr lang="nl-NL" sz="6500">
+                <a:solidFill>
+                  <a:srgbClr val="00FF00"/>
+                </a:solidFill>
+                <a:latin typeface="Courier New" panose="02070309020205020404" pitchFamily="49" charset="0"/>
+                <a:cs typeface="Courier New" panose="02070309020205020404" pitchFamily="49" charset="0"/>
+              </a:rPr>
+              <a:t>Section 6.3:</a:t>
+            </a:r>
+            <a:br>
+              <a:rPr lang="nl-NL" sz="6500">
+                <a:solidFill>
+                  <a:srgbClr val="00FF00"/>
+                </a:solidFill>
+                <a:latin typeface="Courier New" panose="02070309020205020404" pitchFamily="49" charset="0"/>
+                <a:cs typeface="Courier New" panose="02070309020205020404" pitchFamily="49" charset="0"/>
+              </a:rPr>
+            </a:br>
+            <a:br>
+              <a:rPr lang="nl-NL" sz="6500">
+                <a:solidFill>
+                  <a:srgbClr val="00FF00"/>
+                </a:solidFill>
+                <a:latin typeface="Courier New" panose="02070309020205020404" pitchFamily="49" charset="0"/>
+                <a:cs typeface="Courier New" panose="02070309020205020404" pitchFamily="49" charset="0"/>
+              </a:rPr>
+            </a:br>
+            <a:r>
+              <a:rPr lang="nl-NL" sz="6500">
+                <a:solidFill>
+                  <a:srgbClr val="00FF00"/>
+                </a:solidFill>
+                <a:latin typeface="Courier New" panose="02070309020205020404" pitchFamily="49" charset="0"/>
+                <a:cs typeface="Courier New" panose="02070309020205020404" pitchFamily="49" charset="0"/>
+              </a:rPr>
+              <a:t>Executing post-serve actions</a:t>
+            </a:r>
+            <a:endParaRPr lang="nl-NL" sz="6500" dirty="0">
+              <a:solidFill>
+                <a:srgbClr val="00FF00"/>
+              </a:solidFill>
+              <a:latin typeface="Courier New" panose="02070309020205020404" pitchFamily="49" charset="0"/>
+              <a:cs typeface="Courier New" panose="02070309020205020404" pitchFamily="49" charset="0"/>
+            </a:endParaRPr>
+          </a:p>
+        </p:txBody>
+      </p:sp>
+    </p:spTree>
+    <p:extLst>
+      <p:ext uri="{BB962C8B-B14F-4D97-AF65-F5344CB8AC3E}">
+        <p14:creationId xmlns:p14="http://schemas.microsoft.com/office/powerpoint/2010/main" val="831855914"/>
+      </p:ext>
+    </p:extLst>
+  </p:cSld>
+  <p:clrMapOvr>
+    <a:masterClrMapping/>
+  </p:clrMapOvr>
+</p:sld>
+</file>
+
+<file path=ppt/slides/slide74.xml><?xml version="1.0" encoding="utf-8"?>
+<p:sld xmlns:a="http://schemas.openxmlformats.org/drawingml/2006/main" xmlns:r="http://schemas.openxmlformats.org/officeDocument/2006/relationships" xmlns:p="http://schemas.openxmlformats.org/presentationml/2006/main" show="0">
   <p:cSld>
     <p:bg>
       <p:bgPr>
@@ -47265,8 +46841,8 @@
 </p:sld>
 </file>
 
-<file path=ppt/slides/slide74.xml><?xml version="1.0" encoding="utf-8"?>
-<p:sld xmlns:a="http://schemas.openxmlformats.org/drawingml/2006/main" xmlns:r="http://schemas.openxmlformats.org/officeDocument/2006/relationships" xmlns:p="http://schemas.openxmlformats.org/presentationml/2006/main">
+<file path=ppt/slides/slide75.xml><?xml version="1.0" encoding="utf-8"?>
+<p:sld xmlns:a="http://schemas.openxmlformats.org/drawingml/2006/main" xmlns:r="http://schemas.openxmlformats.org/officeDocument/2006/relationships" xmlns:p="http://schemas.openxmlformats.org/presentationml/2006/main" show="0">
   <p:cSld>
     <p:bg>
       <p:bgPr>
@@ -47786,8 +47362,8 @@
 </p:sld>
 </file>
 
-<file path=ppt/slides/slide75.xml><?xml version="1.0" encoding="utf-8"?>
-<p:sld xmlns:a="http://schemas.openxmlformats.org/drawingml/2006/main" xmlns:r="http://schemas.openxmlformats.org/officeDocument/2006/relationships" xmlns:p="http://schemas.openxmlformats.org/presentationml/2006/main">
+<file path=ppt/slides/slide76.xml><?xml version="1.0" encoding="utf-8"?>
+<p:sld xmlns:a="http://schemas.openxmlformats.org/drawingml/2006/main" xmlns:r="http://schemas.openxmlformats.org/officeDocument/2006/relationships" xmlns:p="http://schemas.openxmlformats.org/presentationml/2006/main" show="0">
   <p:cSld>
     <p:bg>
       <p:bgPr>
@@ -48349,8 +47925,8 @@
 </p:sld>
 </file>
 
-<file path=ppt/slides/slide76.xml><?xml version="1.0" encoding="utf-8"?>
-<p:sld xmlns:a="http://schemas.openxmlformats.org/drawingml/2006/main" xmlns:r="http://schemas.openxmlformats.org/officeDocument/2006/relationships" xmlns:p="http://schemas.openxmlformats.org/presentationml/2006/main">
+<file path=ppt/slides/slide77.xml><?xml version="1.0" encoding="utf-8"?>
+<p:sld xmlns:a="http://schemas.openxmlformats.org/drawingml/2006/main" xmlns:r="http://schemas.openxmlformats.org/officeDocument/2006/relationships" xmlns:p="http://schemas.openxmlformats.org/presentationml/2006/main" show="0">
   <p:cSld>
     <p:bg>
       <p:bgPr>
@@ -48737,7 +48313,100 @@
 </p:sld>
 </file>
 
-<file path=ppt/slides/slide77.xml><?xml version="1.0" encoding="utf-8"?>
+<file path=ppt/slides/slide78.xml><?xml version="1.0" encoding="utf-8"?>
+<p:sld xmlns:a="http://schemas.openxmlformats.org/drawingml/2006/main" xmlns:r="http://schemas.openxmlformats.org/officeDocument/2006/relationships" xmlns:p="http://schemas.openxmlformats.org/presentationml/2006/main">
+  <p:cSld>
+    <p:bg>
+      <p:bgPr>
+        <a:solidFill>
+          <a:schemeClr val="tx1"/>
+        </a:solidFill>
+        <a:effectLst/>
+      </p:bgPr>
+    </p:bg>
+    <p:spTree>
+      <p:nvGrpSpPr>
+        <p:cNvPr id="1" name=""/>
+        <p:cNvGrpSpPr/>
+        <p:nvPr/>
+      </p:nvGrpSpPr>
+      <p:grpSpPr>
+        <a:xfrm>
+          <a:off x="0" y="0"/>
+          <a:ext cx="0" cy="0"/>
+          <a:chOff x="0" y="0"/>
+          <a:chExt cx="0" cy="0"/>
+        </a:xfrm>
+      </p:grpSpPr>
+      <p:sp>
+        <p:nvSpPr>
+          <p:cNvPr id="2" name="Title 1"/>
+          <p:cNvSpPr>
+            <a:spLocks noGrp="1"/>
+          </p:cNvSpPr>
+          <p:nvPr>
+            <p:ph type="title"/>
+          </p:nvPr>
+        </p:nvSpPr>
+        <p:spPr>
+          <a:xfrm>
+            <a:off x="0" y="365125"/>
+            <a:ext cx="12192000" cy="6063107"/>
+          </a:xfrm>
+        </p:spPr>
+        <p:txBody>
+          <a:bodyPr>
+            <a:normAutofit/>
+          </a:bodyPr>
+          <a:lstStyle/>
+          <a:p>
+            <a:pPr algn="ctr"/>
+            <a:r>
+              <a:rPr lang="nl-NL" sz="6000">
+                <a:solidFill>
+                  <a:srgbClr val="00FF00"/>
+                </a:solidFill>
+                <a:latin typeface="Courier New" panose="02070309020205020404" pitchFamily="49" charset="0"/>
+                <a:cs typeface="Courier New" panose="02070309020205020404" pitchFamily="49" charset="0"/>
+              </a:rPr>
+              <a:t>https://wiremock.org/docs</a:t>
+            </a:r>
+            <a:br>
+              <a:rPr lang="nl-NL" sz="6000">
+                <a:solidFill>
+                  <a:srgbClr val="00FF00"/>
+                </a:solidFill>
+                <a:latin typeface="Courier New" panose="02070309020205020404" pitchFamily="49" charset="0"/>
+                <a:cs typeface="Courier New" panose="02070309020205020404" pitchFamily="49" charset="0"/>
+              </a:rPr>
+            </a:br>
+            <a:r>
+              <a:rPr lang="nl-NL" sz="6000">
+                <a:solidFill>
+                  <a:srgbClr val="00FF00"/>
+                </a:solidFill>
+                <a:latin typeface="Courier New" panose="02070309020205020404" pitchFamily="49" charset="0"/>
+                <a:cs typeface="Courier New" panose="02070309020205020404" pitchFamily="49" charset="0"/>
+              </a:rPr>
+              <a:t>/extending-wiremock/</a:t>
+            </a:r>
+          </a:p>
+        </p:txBody>
+      </p:sp>
+    </p:spTree>
+    <p:extLst>
+      <p:ext uri="{BB962C8B-B14F-4D97-AF65-F5344CB8AC3E}">
+        <p14:creationId xmlns:p14="http://schemas.microsoft.com/office/powerpoint/2010/main" val="2396040929"/>
+      </p:ext>
+    </p:extLst>
+  </p:cSld>
+  <p:clrMapOvr>
+    <a:masterClrMapping/>
+  </p:clrMapOvr>
+</p:sld>
+</file>
+
+<file path=ppt/slides/slide79.xml><?xml version="1.0" encoding="utf-8"?>
 <p:sld xmlns:a="http://schemas.openxmlformats.org/drawingml/2006/main" xmlns:r="http://schemas.openxmlformats.org/officeDocument/2006/relationships" xmlns:p="http://schemas.openxmlformats.org/presentationml/2006/main">
   <p:cSld>
     <p:bg>
@@ -48793,7 +48462,7 @@
                 <a:latin typeface="Courier New" panose="02070309020205020404" pitchFamily="49" charset="0"/>
                 <a:cs typeface="Courier New" panose="02070309020205020404" pitchFamily="49" charset="0"/>
               </a:rPr>
-              <a:t>Section 6.4:</a:t>
+              <a:t>Appendix A:</a:t>
             </a:r>
             <a:br>
               <a:rPr lang="nl-NL" sz="6500">
@@ -48821,7 +48490,26 @@
                 <a:latin typeface="Courier New" panose="02070309020205020404" pitchFamily="49" charset="0"/>
                 <a:cs typeface="Courier New" panose="02070309020205020404" pitchFamily="49" charset="0"/>
               </a:rPr>
-              <a:t>Transforming responses</a:t>
+              <a:t>JSON equivalents for</a:t>
+            </a:r>
+            <a:br>
+              <a:rPr lang="nl-NL" sz="6500">
+                <a:solidFill>
+                  <a:srgbClr val="00FF00"/>
+                </a:solidFill>
+                <a:latin typeface="Courier New" panose="02070309020205020404" pitchFamily="49" charset="0"/>
+                <a:cs typeface="Courier New" panose="02070309020205020404" pitchFamily="49" charset="0"/>
+              </a:rPr>
+            </a:br>
+            <a:r>
+              <a:rPr lang="nl-NL" sz="6500">
+                <a:solidFill>
+                  <a:srgbClr val="00FF00"/>
+                </a:solidFill>
+                <a:latin typeface="Courier New" panose="02070309020205020404" pitchFamily="49" charset="0"/>
+                <a:cs typeface="Courier New" panose="02070309020205020404" pitchFamily="49" charset="0"/>
+              </a:rPr>
+              <a:t>the Java examples</a:t>
             </a:r>
             <a:endParaRPr lang="nl-NL" sz="6500" dirty="0">
               <a:solidFill>
@@ -48836,1076 +48524,13 @@
     </p:spTree>
     <p:extLst>
       <p:ext uri="{BB962C8B-B14F-4D97-AF65-F5344CB8AC3E}">
-        <p14:creationId xmlns:p14="http://schemas.microsoft.com/office/powerpoint/2010/main" val="1525762697"/>
+        <p14:creationId xmlns:p14="http://schemas.microsoft.com/office/powerpoint/2010/main" val="1735981603"/>
       </p:ext>
     </p:extLst>
   </p:cSld>
   <p:clrMapOvr>
     <a:masterClrMapping/>
   </p:clrMapOvr>
-</p:sld>
-</file>
-
-<file path=ppt/slides/slide78.xml><?xml version="1.0" encoding="utf-8"?>
-<p:sld xmlns:a="http://schemas.openxmlformats.org/drawingml/2006/main" xmlns:r="http://schemas.openxmlformats.org/officeDocument/2006/relationships" xmlns:p="http://schemas.openxmlformats.org/presentationml/2006/main">
-  <p:cSld>
-    <p:bg>
-      <p:bgPr>
-        <a:solidFill>
-          <a:srgbClr val="000000"/>
-        </a:solidFill>
-        <a:effectLst/>
-      </p:bgPr>
-    </p:bg>
-    <p:spTree>
-      <p:nvGrpSpPr>
-        <p:cNvPr id="1" name=""/>
-        <p:cNvGrpSpPr/>
-        <p:nvPr/>
-      </p:nvGrpSpPr>
-      <p:grpSpPr>
-        <a:xfrm>
-          <a:off x="0" y="0"/>
-          <a:ext cx="0" cy="0"/>
-          <a:chOff x="0" y="0"/>
-          <a:chExt cx="0" cy="0"/>
-        </a:xfrm>
-      </p:grpSpPr>
-      <p:sp>
-        <p:nvSpPr>
-          <p:cNvPr id="2" name="Title 1">
-            <a:extLst>
-              <a:ext uri="{FF2B5EF4-FFF2-40B4-BE49-F238E27FC236}">
-                <a16:creationId xmlns:a16="http://schemas.microsoft.com/office/drawing/2014/main" id="{285D9D1D-CF0E-444D-BF61-6E6E92619F56}"/>
-              </a:ext>
-            </a:extLst>
-          </p:cNvPr>
-          <p:cNvSpPr txBox="1">
-            <a:spLocks noGrp="1"/>
-          </p:cNvSpPr>
-          <p:nvPr>
-            <p:ph type="title"/>
-          </p:nvPr>
-        </p:nvSpPr>
-        <p:spPr/>
-        <p:txBody>
-          <a:bodyPr/>
-          <a:lstStyle/>
-          <a:p>
-            <a:pPr lvl="0"/>
-            <a:r>
-              <a:rPr lang="nl-NL">
-                <a:solidFill>
-                  <a:srgbClr val="00FF00"/>
-                </a:solidFill>
-                <a:latin typeface="Courier New" pitchFamily="49"/>
-                <a:cs typeface="Courier New" pitchFamily="49"/>
-              </a:rPr>
-              <a:t>Response transformation</a:t>
-            </a:r>
-          </a:p>
-        </p:txBody>
-      </p:sp>
-      <p:sp>
-        <p:nvSpPr>
-          <p:cNvPr id="3" name="Content Placeholder 2">
-            <a:extLst>
-              <a:ext uri="{FF2B5EF4-FFF2-40B4-BE49-F238E27FC236}">
-                <a16:creationId xmlns:a16="http://schemas.microsoft.com/office/drawing/2014/main" id="{8287466E-59AE-4FAE-B4E2-27D0E0D7A69F}"/>
-              </a:ext>
-            </a:extLst>
-          </p:cNvPr>
-          <p:cNvSpPr txBox="1">
-            <a:spLocks noGrp="1"/>
-          </p:cNvSpPr>
-          <p:nvPr>
-            <p:ph idx="1"/>
-          </p:nvPr>
-        </p:nvSpPr>
-        <p:spPr/>
-        <p:txBody>
-          <a:bodyPr>
-            <a:normAutofit/>
-          </a:bodyPr>
-          <a:lstStyle/>
-          <a:p>
-            <a:pPr lvl="0">
-              <a:buFont typeface="Courier New" pitchFamily="49"/>
-              <a:buChar char="_"/>
-            </a:pPr>
-            <a:r>
-              <a:rPr lang="nl-NL">
-                <a:solidFill>
-                  <a:srgbClr val="00FF00"/>
-                </a:solidFill>
-                <a:latin typeface="Courier New" pitchFamily="49"/>
-                <a:cs typeface="Courier New" pitchFamily="49"/>
-              </a:rPr>
-              <a:t>Create responses in a more dynamic and reusable fashion</a:t>
-            </a:r>
-          </a:p>
-          <a:p>
-            <a:pPr lvl="0">
-              <a:buFont typeface="Courier New" pitchFamily="49"/>
-              <a:buChar char="_"/>
-            </a:pPr>
-            <a:endParaRPr lang="nl-NL">
-              <a:solidFill>
-                <a:srgbClr val="00FF00"/>
-              </a:solidFill>
-              <a:latin typeface="Courier New" pitchFamily="49"/>
-              <a:cs typeface="Courier New" pitchFamily="49"/>
-            </a:endParaRPr>
-          </a:p>
-          <a:p>
-            <a:pPr lvl="0">
-              <a:buFont typeface="Courier New" pitchFamily="49"/>
-              <a:buChar char="_"/>
-            </a:pPr>
-            <a:r>
-              <a:rPr lang="nl-NL">
-                <a:solidFill>
-                  <a:srgbClr val="00FF00"/>
-                </a:solidFill>
-                <a:latin typeface="Courier New" pitchFamily="49"/>
-                <a:cs typeface="Courier New" pitchFamily="49"/>
-              </a:rPr>
-              <a:t>Two types of use cases</a:t>
-            </a:r>
-          </a:p>
-          <a:p>
-            <a:pPr lvl="1">
-              <a:buFont typeface="Courier New" pitchFamily="49"/>
-              <a:buChar char="_"/>
-            </a:pPr>
-            <a:r>
-              <a:rPr lang="nl-NL">
-                <a:solidFill>
-                  <a:srgbClr val="00FF00"/>
-                </a:solidFill>
-                <a:latin typeface="Courier New" pitchFamily="49"/>
-                <a:cs typeface="Courier New" pitchFamily="49"/>
-              </a:rPr>
-              <a:t>Define characteristics of response definition</a:t>
-            </a:r>
-          </a:p>
-          <a:p>
-            <a:pPr lvl="1">
-              <a:buFont typeface="Courier New" pitchFamily="49"/>
-              <a:buChar char="_"/>
-            </a:pPr>
-            <a:r>
-              <a:rPr lang="nl-NL">
-                <a:solidFill>
-                  <a:srgbClr val="00FF00"/>
-                </a:solidFill>
-                <a:latin typeface="Courier New" pitchFamily="49"/>
-                <a:cs typeface="Courier New" pitchFamily="49"/>
-              </a:rPr>
-              <a:t>Add specific information to existing response</a:t>
-            </a:r>
-            <a:endParaRPr lang="nl-NL" dirty="0">
-              <a:solidFill>
-                <a:srgbClr val="00FF00"/>
-              </a:solidFill>
-              <a:latin typeface="Courier New" pitchFamily="49"/>
-              <a:cs typeface="Courier New" pitchFamily="49"/>
-            </a:endParaRPr>
-          </a:p>
-          <a:p>
-            <a:pPr lvl="0">
-              <a:buFont typeface="Courier New" pitchFamily="49"/>
-              <a:buChar char="_"/>
-            </a:pPr>
-            <a:endParaRPr lang="nl-NL">
-              <a:solidFill>
-                <a:srgbClr val="00FF00"/>
-              </a:solidFill>
-              <a:latin typeface="Courier New" pitchFamily="49"/>
-              <a:cs typeface="Courier New" pitchFamily="49"/>
-            </a:endParaRPr>
-          </a:p>
-          <a:p>
-            <a:pPr lvl="0">
-              <a:buFont typeface="Courier New" pitchFamily="49"/>
-              <a:buChar char="_"/>
-            </a:pPr>
-            <a:r>
-              <a:rPr lang="nl-NL">
-                <a:solidFill>
-                  <a:srgbClr val="00FF00"/>
-                </a:solidFill>
-                <a:latin typeface="Courier New" pitchFamily="49"/>
-                <a:cs typeface="Courier New" pitchFamily="49"/>
-              </a:rPr>
-              <a:t>Done by extending ResponseDefinitionTransformer and ResponseTransformer class, respectively</a:t>
-            </a:r>
-          </a:p>
-          <a:p>
-            <a:pPr lvl="1">
-              <a:buFont typeface="Courier New" pitchFamily="49"/>
-              <a:buChar char="_"/>
-            </a:pPr>
-            <a:endParaRPr lang="nl-NL">
-              <a:solidFill>
-                <a:srgbClr val="00FF00"/>
-              </a:solidFill>
-              <a:latin typeface="Courier New" pitchFamily="49"/>
-              <a:cs typeface="Courier New" pitchFamily="49"/>
-            </a:endParaRPr>
-          </a:p>
-          <a:p>
-            <a:pPr lvl="0">
-              <a:buFont typeface="Courier New" pitchFamily="49"/>
-              <a:buChar char="_"/>
-            </a:pPr>
-            <a:endParaRPr lang="nl-NL" dirty="0">
-              <a:solidFill>
-                <a:srgbClr val="00FF00"/>
-              </a:solidFill>
-              <a:latin typeface="Courier New" pitchFamily="49"/>
-              <a:cs typeface="Courier New" pitchFamily="49"/>
-            </a:endParaRPr>
-          </a:p>
-          <a:p>
-            <a:pPr lvl="0">
-              <a:buFont typeface="Courier New" pitchFamily="49"/>
-              <a:buChar char="_"/>
-            </a:pPr>
-            <a:endParaRPr lang="nl-NL" dirty="0">
-              <a:solidFill>
-                <a:srgbClr val="00FF00"/>
-              </a:solidFill>
-              <a:latin typeface="Courier New" pitchFamily="49"/>
-              <a:cs typeface="Courier New" pitchFamily="49"/>
-            </a:endParaRPr>
-          </a:p>
-          <a:p>
-            <a:pPr lvl="0">
-              <a:buFont typeface="Courier New" pitchFamily="49"/>
-              <a:buChar char="_"/>
-            </a:pPr>
-            <a:endParaRPr lang="nl-NL" dirty="0">
-              <a:solidFill>
-                <a:srgbClr val="00FF00"/>
-              </a:solidFill>
-              <a:latin typeface="Courier New" pitchFamily="49"/>
-              <a:cs typeface="Courier New" pitchFamily="49"/>
-            </a:endParaRPr>
-          </a:p>
-          <a:p>
-            <a:pPr lvl="0">
-              <a:buFont typeface="Courier New" pitchFamily="49"/>
-              <a:buChar char="_"/>
-            </a:pPr>
-            <a:endParaRPr lang="nl-NL" dirty="0">
-              <a:solidFill>
-                <a:srgbClr val="00FF00"/>
-              </a:solidFill>
-              <a:latin typeface="Courier New" pitchFamily="49"/>
-              <a:cs typeface="Courier New" pitchFamily="49"/>
-            </a:endParaRPr>
-          </a:p>
-          <a:p>
-            <a:pPr lvl="0">
-              <a:buFont typeface="Courier New" pitchFamily="49"/>
-              <a:buChar char="_"/>
-            </a:pPr>
-            <a:endParaRPr lang="nl-NL" dirty="0">
-              <a:solidFill>
-                <a:srgbClr val="00FF00"/>
-              </a:solidFill>
-              <a:latin typeface="Courier New" pitchFamily="49"/>
-              <a:cs typeface="Courier New" pitchFamily="49"/>
-            </a:endParaRPr>
-          </a:p>
-          <a:p>
-            <a:pPr lvl="0">
-              <a:buFont typeface="Courier New" pitchFamily="49"/>
-              <a:buChar char="_"/>
-            </a:pPr>
-            <a:endParaRPr lang="nl-NL" dirty="0">
-              <a:solidFill>
-                <a:srgbClr val="00FF00"/>
-              </a:solidFill>
-              <a:latin typeface="Courier New" pitchFamily="49"/>
-              <a:cs typeface="Courier New" pitchFamily="49"/>
-            </a:endParaRPr>
-          </a:p>
-        </p:txBody>
-      </p:sp>
-    </p:spTree>
-    <p:extLst>
-      <p:ext uri="{BB962C8B-B14F-4D97-AF65-F5344CB8AC3E}">
-        <p14:creationId xmlns:p14="http://schemas.microsoft.com/office/powerpoint/2010/main" val="2483489573"/>
-      </p:ext>
-    </p:extLst>
-  </p:cSld>
-  <p:clrMapOvr>
-    <a:masterClrMapping/>
-  </p:clrMapOvr>
-</p:sld>
-</file>
-
-<file path=ppt/slides/slide79.xml><?xml version="1.0" encoding="utf-8"?>
-<p:sld xmlns:a="http://schemas.openxmlformats.org/drawingml/2006/main" xmlns:r="http://schemas.openxmlformats.org/officeDocument/2006/relationships" xmlns:p="http://schemas.openxmlformats.org/presentationml/2006/main">
-  <p:cSld>
-    <p:bg>
-      <p:bgPr>
-        <a:solidFill>
-          <a:srgbClr val="000000"/>
-        </a:solidFill>
-        <a:effectLst/>
-      </p:bgPr>
-    </p:bg>
-    <p:spTree>
-      <p:nvGrpSpPr>
-        <p:cNvPr id="1" name=""/>
-        <p:cNvGrpSpPr/>
-        <p:nvPr/>
-      </p:nvGrpSpPr>
-      <p:grpSpPr>
-        <a:xfrm>
-          <a:off x="0" y="0"/>
-          <a:ext cx="0" cy="0"/>
-          <a:chOff x="0" y="0"/>
-          <a:chExt cx="0" cy="0"/>
-        </a:xfrm>
-      </p:grpSpPr>
-      <p:sp>
-        <p:nvSpPr>
-          <p:cNvPr id="2" name="Title 1">
-            <a:extLst>
-              <a:ext uri="{FF2B5EF4-FFF2-40B4-BE49-F238E27FC236}">
-                <a16:creationId xmlns:a16="http://schemas.microsoft.com/office/drawing/2014/main" id="{285D9D1D-CF0E-444D-BF61-6E6E92619F56}"/>
-              </a:ext>
-            </a:extLst>
-          </p:cNvPr>
-          <p:cNvSpPr txBox="1">
-            <a:spLocks noGrp="1"/>
-          </p:cNvSpPr>
-          <p:nvPr>
-            <p:ph type="title"/>
-          </p:nvPr>
-        </p:nvSpPr>
-        <p:spPr>
-          <a:xfrm>
-            <a:off x="0" y="0"/>
-            <a:ext cx="12192000" cy="1325559"/>
-          </a:xfrm>
-        </p:spPr>
-        <p:txBody>
-          <a:bodyPr>
-            <a:normAutofit/>
-          </a:bodyPr>
-          <a:lstStyle/>
-          <a:p>
-            <a:pPr lvl="0"/>
-            <a:r>
-              <a:rPr lang="nl-NL" sz="4000">
-                <a:solidFill>
-                  <a:srgbClr val="00FF00"/>
-                </a:solidFill>
-                <a:latin typeface="Courier New" pitchFamily="49"/>
-                <a:cs typeface="Courier New" pitchFamily="49"/>
-              </a:rPr>
-              <a:t>Response definition transformer – build</a:t>
-            </a:r>
-          </a:p>
-        </p:txBody>
-      </p:sp>
-      <p:pic>
-        <p:nvPicPr>
-          <p:cNvPr id="7" name="Afbeelding 6">
-            <a:extLst>
-              <a:ext uri="{FF2B5EF4-FFF2-40B4-BE49-F238E27FC236}">
-                <a16:creationId xmlns:a16="http://schemas.microsoft.com/office/drawing/2014/main" id="{ECE54B2D-12EE-4ED2-A796-973F5656A112}"/>
-              </a:ext>
-            </a:extLst>
-          </p:cNvPr>
-          <p:cNvPicPr>
-            <a:picLocks noChangeAspect="1"/>
-          </p:cNvPicPr>
-          <p:nvPr/>
-        </p:nvPicPr>
-        <p:blipFill>
-          <a:blip r:embed="rId2"/>
-          <a:stretch>
-            <a:fillRect/>
-          </a:stretch>
-        </p:blipFill>
-        <p:spPr>
-          <a:xfrm>
-            <a:off x="0" y="1325559"/>
-            <a:ext cx="12192000" cy="4969397"/>
-          </a:xfrm>
-          <a:prstGeom prst="rect">
-            <a:avLst/>
-          </a:prstGeom>
-        </p:spPr>
-      </p:pic>
-      <p:sp>
-        <p:nvSpPr>
-          <p:cNvPr id="4" name="Ovaal 3">
-            <a:extLst>
-              <a:ext uri="{FF2B5EF4-FFF2-40B4-BE49-F238E27FC236}">
-                <a16:creationId xmlns:a16="http://schemas.microsoft.com/office/drawing/2014/main" id="{B63DDC44-B7D8-4BAE-A3DE-1F81D7BCC90F}"/>
-              </a:ext>
-            </a:extLst>
-          </p:cNvPr>
-          <p:cNvSpPr/>
-          <p:nvPr/>
-        </p:nvSpPr>
-        <p:spPr>
-          <a:xfrm>
-            <a:off x="1981200" y="2837085"/>
-            <a:ext cx="3393440" cy="322675"/>
-          </a:xfrm>
-          <a:prstGeom prst="ellipse">
-            <a:avLst/>
-          </a:prstGeom>
-          <a:noFill/>
-          <a:ln w="38100">
-            <a:solidFill>
-              <a:srgbClr val="00FF00"/>
-            </a:solidFill>
-          </a:ln>
-        </p:spPr>
-        <p:style>
-          <a:lnRef idx="2">
-            <a:schemeClr val="accent1">
-              <a:shade val="50000"/>
-            </a:schemeClr>
-          </a:lnRef>
-          <a:fillRef idx="1">
-            <a:schemeClr val="accent1"/>
-          </a:fillRef>
-          <a:effectRef idx="0">
-            <a:schemeClr val="accent1"/>
-          </a:effectRef>
-          <a:fontRef idx="minor">
-            <a:schemeClr val="lt1"/>
-          </a:fontRef>
-        </p:style>
-        <p:txBody>
-          <a:bodyPr rtlCol="0" anchor="ctr"/>
-          <a:lstStyle/>
-          <a:p>
-            <a:pPr algn="ctr"/>
-            <a:endParaRPr lang="en-NL"/>
-          </a:p>
-        </p:txBody>
-      </p:sp>
-      <p:sp>
-        <p:nvSpPr>
-          <p:cNvPr id="5" name="Tekstvak 4">
-            <a:extLst>
-              <a:ext uri="{FF2B5EF4-FFF2-40B4-BE49-F238E27FC236}">
-                <a16:creationId xmlns:a16="http://schemas.microsoft.com/office/drawing/2014/main" id="{F07ACC39-7B8B-4621-AAF7-5EF5E106A323}"/>
-              </a:ext>
-            </a:extLst>
-          </p:cNvPr>
-          <p:cNvSpPr txBox="1"/>
-          <p:nvPr/>
-        </p:nvSpPr>
-        <p:spPr>
-          <a:xfrm>
-            <a:off x="4815840" y="2538829"/>
-            <a:ext cx="7284720" cy="369332"/>
-          </a:xfrm>
-          <a:prstGeom prst="rect">
-            <a:avLst/>
-          </a:prstGeom>
-          <a:noFill/>
-        </p:spPr>
-        <p:txBody>
-          <a:bodyPr wrap="square" rtlCol="0">
-            <a:spAutoFit/>
-          </a:bodyPr>
-          <a:lstStyle/>
-          <a:p>
-            <a:r>
-              <a:rPr lang="en-US">
-                <a:solidFill>
-                  <a:srgbClr val="00FF00"/>
-                </a:solidFill>
-                <a:latin typeface="Courier New" panose="02070309020205020404" pitchFamily="49" charset="0"/>
-                <a:cs typeface="Courier New" panose="02070309020205020404" pitchFamily="49" charset="0"/>
-              </a:rPr>
-              <a:t>Use Builder pattern to construct response definition</a:t>
-            </a:r>
-            <a:endParaRPr lang="en-NL">
-              <a:solidFill>
-                <a:srgbClr val="00FF00"/>
-              </a:solidFill>
-              <a:latin typeface="Courier New" panose="02070309020205020404" pitchFamily="49" charset="0"/>
-              <a:cs typeface="Courier New" panose="02070309020205020404" pitchFamily="49" charset="0"/>
-            </a:endParaRPr>
-          </a:p>
-        </p:txBody>
-      </p:sp>
-      <p:sp>
-        <p:nvSpPr>
-          <p:cNvPr id="6" name="Ovaal 5">
-            <a:extLst>
-              <a:ext uri="{FF2B5EF4-FFF2-40B4-BE49-F238E27FC236}">
-                <a16:creationId xmlns:a16="http://schemas.microsoft.com/office/drawing/2014/main" id="{6E8784CE-32A1-4E7A-964F-C4C751FD2CB4}"/>
-              </a:ext>
-            </a:extLst>
-          </p:cNvPr>
-          <p:cNvSpPr/>
-          <p:nvPr/>
-        </p:nvSpPr>
-        <p:spPr>
-          <a:xfrm>
-            <a:off x="1595120" y="3135341"/>
-            <a:ext cx="2052320" cy="745779"/>
-          </a:xfrm>
-          <a:prstGeom prst="ellipse">
-            <a:avLst/>
-          </a:prstGeom>
-          <a:noFill/>
-          <a:ln w="38100">
-            <a:solidFill>
-              <a:srgbClr val="00FF00"/>
-            </a:solidFill>
-          </a:ln>
-        </p:spPr>
-        <p:style>
-          <a:lnRef idx="2">
-            <a:schemeClr val="accent1">
-              <a:shade val="50000"/>
-            </a:schemeClr>
-          </a:lnRef>
-          <a:fillRef idx="1">
-            <a:schemeClr val="accent1"/>
-          </a:fillRef>
-          <a:effectRef idx="0">
-            <a:schemeClr val="accent1"/>
-          </a:effectRef>
-          <a:fontRef idx="minor">
-            <a:schemeClr val="lt1"/>
-          </a:fontRef>
-        </p:style>
-        <p:txBody>
-          <a:bodyPr rtlCol="0" anchor="ctr"/>
-          <a:lstStyle/>
-          <a:p>
-            <a:pPr algn="ctr"/>
-            <a:endParaRPr lang="en-NL"/>
-          </a:p>
-        </p:txBody>
-      </p:sp>
-      <p:sp>
-        <p:nvSpPr>
-          <p:cNvPr id="8" name="Tekstvak 7">
-            <a:extLst>
-              <a:ext uri="{FF2B5EF4-FFF2-40B4-BE49-F238E27FC236}">
-                <a16:creationId xmlns:a16="http://schemas.microsoft.com/office/drawing/2014/main" id="{6319ADF6-9B30-4BCD-80EA-2E1746AEF18C}"/>
-              </a:ext>
-            </a:extLst>
-          </p:cNvPr>
-          <p:cNvSpPr txBox="1"/>
-          <p:nvPr/>
-        </p:nvSpPr>
-        <p:spPr>
-          <a:xfrm>
-            <a:off x="3891280" y="3949840"/>
-            <a:ext cx="8209280" cy="369332"/>
-          </a:xfrm>
-          <a:prstGeom prst="rect">
-            <a:avLst/>
-          </a:prstGeom>
-          <a:noFill/>
-        </p:spPr>
-        <p:txBody>
-          <a:bodyPr wrap="square" rtlCol="0">
-            <a:spAutoFit/>
-          </a:bodyPr>
-          <a:lstStyle/>
-          <a:p>
-            <a:r>
-              <a:rPr lang="en-US">
-                <a:solidFill>
-                  <a:srgbClr val="00FF00"/>
-                </a:solidFill>
-                <a:latin typeface="Courier New" panose="02070309020205020404" pitchFamily="49" charset="0"/>
-                <a:cs typeface="Courier New" panose="02070309020205020404" pitchFamily="49" charset="0"/>
-              </a:rPr>
-              <a:t>Add header with value customized using parameter value</a:t>
-            </a:r>
-            <a:endParaRPr lang="en-NL">
-              <a:solidFill>
-                <a:srgbClr val="00FF00"/>
-              </a:solidFill>
-              <a:latin typeface="Courier New" panose="02070309020205020404" pitchFamily="49" charset="0"/>
-              <a:cs typeface="Courier New" panose="02070309020205020404" pitchFamily="49" charset="0"/>
-            </a:endParaRPr>
-          </a:p>
-        </p:txBody>
-      </p:sp>
-      <p:sp>
-        <p:nvSpPr>
-          <p:cNvPr id="9" name="Ovaal 8">
-            <a:extLst>
-              <a:ext uri="{FF2B5EF4-FFF2-40B4-BE49-F238E27FC236}">
-                <a16:creationId xmlns:a16="http://schemas.microsoft.com/office/drawing/2014/main" id="{0E39F9B6-C65E-4F64-8C06-8126FF886E32}"/>
-              </a:ext>
-            </a:extLst>
-          </p:cNvPr>
-          <p:cNvSpPr/>
-          <p:nvPr/>
-        </p:nvSpPr>
-        <p:spPr>
-          <a:xfrm>
-            <a:off x="1747520" y="3842896"/>
-            <a:ext cx="2052320" cy="369332"/>
-          </a:xfrm>
-          <a:prstGeom prst="ellipse">
-            <a:avLst/>
-          </a:prstGeom>
-          <a:noFill/>
-          <a:ln w="38100">
-            <a:solidFill>
-              <a:srgbClr val="00FF00"/>
-            </a:solidFill>
-          </a:ln>
-        </p:spPr>
-        <p:style>
-          <a:lnRef idx="2">
-            <a:schemeClr val="accent1">
-              <a:shade val="50000"/>
-            </a:schemeClr>
-          </a:lnRef>
-          <a:fillRef idx="1">
-            <a:schemeClr val="accent1"/>
-          </a:fillRef>
-          <a:effectRef idx="0">
-            <a:schemeClr val="accent1"/>
-          </a:effectRef>
-          <a:fontRef idx="minor">
-            <a:schemeClr val="lt1"/>
-          </a:fontRef>
-        </p:style>
-        <p:txBody>
-          <a:bodyPr rtlCol="0" anchor="ctr"/>
-          <a:lstStyle/>
-          <a:p>
-            <a:pPr algn="ctr"/>
-            <a:endParaRPr lang="en-NL"/>
-          </a:p>
-        </p:txBody>
-      </p:sp>
-      <p:sp>
-        <p:nvSpPr>
-          <p:cNvPr id="10" name="Tekstvak 9">
-            <a:extLst>
-              <a:ext uri="{FF2B5EF4-FFF2-40B4-BE49-F238E27FC236}">
-                <a16:creationId xmlns:a16="http://schemas.microsoft.com/office/drawing/2014/main" id="{743440A4-795C-42AA-ABDF-8ABC7F520563}"/>
-              </a:ext>
-            </a:extLst>
-          </p:cNvPr>
-          <p:cNvSpPr txBox="1"/>
-          <p:nvPr/>
-        </p:nvSpPr>
-        <p:spPr>
-          <a:xfrm>
-            <a:off x="2255520" y="4486534"/>
-            <a:ext cx="3535680" cy="369332"/>
-          </a:xfrm>
-          <a:prstGeom prst="rect">
-            <a:avLst/>
-          </a:prstGeom>
-          <a:noFill/>
-        </p:spPr>
-        <p:txBody>
-          <a:bodyPr wrap="square" rtlCol="0">
-            <a:spAutoFit/>
-          </a:bodyPr>
-          <a:lstStyle/>
-          <a:p>
-            <a:r>
-              <a:rPr lang="en-US">
-                <a:solidFill>
-                  <a:srgbClr val="00FF00"/>
-                </a:solidFill>
-                <a:latin typeface="Courier New" panose="02070309020205020404" pitchFamily="49" charset="0"/>
-                <a:cs typeface="Courier New" panose="02070309020205020404" pitchFamily="49" charset="0"/>
-              </a:rPr>
-              <a:t>Add default status code</a:t>
-            </a:r>
-            <a:endParaRPr lang="en-NL">
-              <a:solidFill>
-                <a:srgbClr val="00FF00"/>
-              </a:solidFill>
-              <a:latin typeface="Courier New" panose="02070309020205020404" pitchFamily="49" charset="0"/>
-              <a:cs typeface="Courier New" panose="02070309020205020404" pitchFamily="49" charset="0"/>
-            </a:endParaRPr>
-          </a:p>
-        </p:txBody>
-      </p:sp>
-      <p:sp>
-        <p:nvSpPr>
-          <p:cNvPr id="11" name="Ovaal 10">
-            <a:extLst>
-              <a:ext uri="{FF2B5EF4-FFF2-40B4-BE49-F238E27FC236}">
-                <a16:creationId xmlns:a16="http://schemas.microsoft.com/office/drawing/2014/main" id="{A35CF894-4D4F-4D27-96FE-BBA5FC6E7477}"/>
-              </a:ext>
-            </a:extLst>
-          </p:cNvPr>
-          <p:cNvSpPr/>
-          <p:nvPr/>
-        </p:nvSpPr>
-        <p:spPr>
-          <a:xfrm>
-            <a:off x="5486400" y="1277190"/>
-            <a:ext cx="4988560" cy="322675"/>
-          </a:xfrm>
-          <a:prstGeom prst="ellipse">
-            <a:avLst/>
-          </a:prstGeom>
-          <a:noFill/>
-          <a:ln w="38100">
-            <a:solidFill>
-              <a:srgbClr val="00FF00"/>
-            </a:solidFill>
-          </a:ln>
-        </p:spPr>
-        <p:style>
-          <a:lnRef idx="2">
-            <a:schemeClr val="accent1">
-              <a:shade val="50000"/>
-            </a:schemeClr>
-          </a:lnRef>
-          <a:fillRef idx="1">
-            <a:schemeClr val="accent1"/>
-          </a:fillRef>
-          <a:effectRef idx="0">
-            <a:schemeClr val="accent1"/>
-          </a:effectRef>
-          <a:fontRef idx="minor">
-            <a:schemeClr val="lt1"/>
-          </a:fontRef>
-        </p:style>
-        <p:txBody>
-          <a:bodyPr rtlCol="0" anchor="ctr"/>
-          <a:lstStyle/>
-          <a:p>
-            <a:pPr algn="ctr"/>
-            <a:endParaRPr lang="en-NL"/>
-          </a:p>
-        </p:txBody>
-      </p:sp>
-    </p:spTree>
-    <p:extLst>
-      <p:ext uri="{BB962C8B-B14F-4D97-AF65-F5344CB8AC3E}">
-        <p14:creationId xmlns:p14="http://schemas.microsoft.com/office/powerpoint/2010/main" val="2752924904"/>
-      </p:ext>
-    </p:extLst>
-  </p:cSld>
-  <p:clrMapOvr>
-    <a:masterClrMapping/>
-  </p:clrMapOvr>
-  <p:timing>
-    <p:tnLst>
-      <p:par>
-        <p:cTn id="1" dur="indefinite" restart="never" nodeType="tmRoot">
-          <p:childTnLst>
-            <p:seq concurrent="1" nextAc="seek">
-              <p:cTn id="2" dur="indefinite" nodeType="mainSeq">
-                <p:childTnLst>
-                  <p:par>
-                    <p:cTn id="3" fill="hold">
-                      <p:stCondLst>
-                        <p:cond delay="indefinite"/>
-                      </p:stCondLst>
-                      <p:childTnLst>
-                        <p:par>
-                          <p:cTn id="4" fill="hold">
-                            <p:stCondLst>
-                              <p:cond delay="0"/>
-                            </p:stCondLst>
-                            <p:childTnLst>
-                              <p:par>
-                                <p:cTn id="5" presetID="1" presetClass="entr" presetSubtype="0" fill="hold" grpId="0" nodeType="clickEffect">
-                                  <p:stCondLst>
-                                    <p:cond delay="0"/>
-                                  </p:stCondLst>
-                                  <p:childTnLst>
-                                    <p:set>
-                                      <p:cBhvr>
-                                        <p:cTn id="6" dur="1" fill="hold">
-                                          <p:stCondLst>
-                                            <p:cond delay="0"/>
-                                          </p:stCondLst>
-                                        </p:cTn>
-                                        <p:tgtEl>
-                                          <p:spTgt spid="11"/>
-                                        </p:tgtEl>
-                                        <p:attrNameLst>
-                                          <p:attrName>style.visibility</p:attrName>
-                                        </p:attrNameLst>
-                                      </p:cBhvr>
-                                      <p:to>
-                                        <p:strVal val="visible"/>
-                                      </p:to>
-                                    </p:set>
-                                  </p:childTnLst>
-                                </p:cTn>
-                              </p:par>
-                            </p:childTnLst>
-                          </p:cTn>
-                        </p:par>
-                      </p:childTnLst>
-                    </p:cTn>
-                  </p:par>
-                  <p:par>
-                    <p:cTn id="7" fill="hold">
-                      <p:stCondLst>
-                        <p:cond delay="indefinite"/>
-                      </p:stCondLst>
-                      <p:childTnLst>
-                        <p:par>
-                          <p:cTn id="8" fill="hold">
-                            <p:stCondLst>
-                              <p:cond delay="0"/>
-                            </p:stCondLst>
-                            <p:childTnLst>
-                              <p:par>
-                                <p:cTn id="9" presetID="1" presetClass="entr" presetSubtype="0" fill="hold" grpId="0" nodeType="clickEffect">
-                                  <p:stCondLst>
-                                    <p:cond delay="0"/>
-                                  </p:stCondLst>
-                                  <p:childTnLst>
-                                    <p:set>
-                                      <p:cBhvr>
-                                        <p:cTn id="10" dur="1" fill="hold">
-                                          <p:stCondLst>
-                                            <p:cond delay="0"/>
-                                          </p:stCondLst>
-                                        </p:cTn>
-                                        <p:tgtEl>
-                                          <p:spTgt spid="4"/>
-                                        </p:tgtEl>
-                                        <p:attrNameLst>
-                                          <p:attrName>style.visibility</p:attrName>
-                                        </p:attrNameLst>
-                                      </p:cBhvr>
-                                      <p:to>
-                                        <p:strVal val="visible"/>
-                                      </p:to>
-                                    </p:set>
-                                  </p:childTnLst>
-                                </p:cTn>
-                              </p:par>
-                              <p:par>
-                                <p:cTn id="11" presetID="1" presetClass="entr" presetSubtype="0" fill="hold" grpId="0" nodeType="withEffect">
-                                  <p:stCondLst>
-                                    <p:cond delay="0"/>
-                                  </p:stCondLst>
-                                  <p:childTnLst>
-                                    <p:set>
-                                      <p:cBhvr>
-                                        <p:cTn id="12" dur="1" fill="hold">
-                                          <p:stCondLst>
-                                            <p:cond delay="0"/>
-                                          </p:stCondLst>
-                                        </p:cTn>
-                                        <p:tgtEl>
-                                          <p:spTgt spid="5"/>
-                                        </p:tgtEl>
-                                        <p:attrNameLst>
-                                          <p:attrName>style.visibility</p:attrName>
-                                        </p:attrNameLst>
-                                      </p:cBhvr>
-                                      <p:to>
-                                        <p:strVal val="visible"/>
-                                      </p:to>
-                                    </p:set>
-                                  </p:childTnLst>
-                                </p:cTn>
-                              </p:par>
-                            </p:childTnLst>
-                          </p:cTn>
-                        </p:par>
-                      </p:childTnLst>
-                    </p:cTn>
-                  </p:par>
-                  <p:par>
-                    <p:cTn id="13" fill="hold">
-                      <p:stCondLst>
-                        <p:cond delay="indefinite"/>
-                      </p:stCondLst>
-                      <p:childTnLst>
-                        <p:par>
-                          <p:cTn id="14" fill="hold">
-                            <p:stCondLst>
-                              <p:cond delay="0"/>
-                            </p:stCondLst>
-                            <p:childTnLst>
-                              <p:par>
-                                <p:cTn id="15" presetID="1" presetClass="entr" presetSubtype="0" fill="hold" grpId="0" nodeType="clickEffect">
-                                  <p:stCondLst>
-                                    <p:cond delay="0"/>
-                                  </p:stCondLst>
-                                  <p:childTnLst>
-                                    <p:set>
-                                      <p:cBhvr>
-                                        <p:cTn id="16" dur="1" fill="hold">
-                                          <p:stCondLst>
-                                            <p:cond delay="0"/>
-                                          </p:stCondLst>
-                                        </p:cTn>
-                                        <p:tgtEl>
-                                          <p:spTgt spid="6"/>
-                                        </p:tgtEl>
-                                        <p:attrNameLst>
-                                          <p:attrName>style.visibility</p:attrName>
-                                        </p:attrNameLst>
-                                      </p:cBhvr>
-                                      <p:to>
-                                        <p:strVal val="visible"/>
-                                      </p:to>
-                                    </p:set>
-                                  </p:childTnLst>
-                                </p:cTn>
-                              </p:par>
-                              <p:par>
-                                <p:cTn id="17" presetID="1" presetClass="entr" presetSubtype="0" fill="hold" grpId="0" nodeType="withEffect">
-                                  <p:stCondLst>
-                                    <p:cond delay="0"/>
-                                  </p:stCondLst>
-                                  <p:childTnLst>
-                                    <p:set>
-                                      <p:cBhvr>
-                                        <p:cTn id="18" dur="1" fill="hold">
-                                          <p:stCondLst>
-                                            <p:cond delay="0"/>
-                                          </p:stCondLst>
-                                        </p:cTn>
-                                        <p:tgtEl>
-                                          <p:spTgt spid="8"/>
-                                        </p:tgtEl>
-                                        <p:attrNameLst>
-                                          <p:attrName>style.visibility</p:attrName>
-                                        </p:attrNameLst>
-                                      </p:cBhvr>
-                                      <p:to>
-                                        <p:strVal val="visible"/>
-                                      </p:to>
-                                    </p:set>
-                                  </p:childTnLst>
-                                </p:cTn>
-                              </p:par>
-                            </p:childTnLst>
-                          </p:cTn>
-                        </p:par>
-                      </p:childTnLst>
-                    </p:cTn>
-                  </p:par>
-                  <p:par>
-                    <p:cTn id="19" fill="hold">
-                      <p:stCondLst>
-                        <p:cond delay="indefinite"/>
-                      </p:stCondLst>
-                      <p:childTnLst>
-                        <p:par>
-                          <p:cTn id="20" fill="hold">
-                            <p:stCondLst>
-                              <p:cond delay="0"/>
-                            </p:stCondLst>
-                            <p:childTnLst>
-                              <p:par>
-                                <p:cTn id="21" presetID="1" presetClass="entr" presetSubtype="0" fill="hold" grpId="0" nodeType="clickEffect">
-                                  <p:stCondLst>
-                                    <p:cond delay="0"/>
-                                  </p:stCondLst>
-                                  <p:childTnLst>
-                                    <p:set>
-                                      <p:cBhvr>
-                                        <p:cTn id="22" dur="1" fill="hold">
-                                          <p:stCondLst>
-                                            <p:cond delay="0"/>
-                                          </p:stCondLst>
-                                        </p:cTn>
-                                        <p:tgtEl>
-                                          <p:spTgt spid="9"/>
-                                        </p:tgtEl>
-                                        <p:attrNameLst>
-                                          <p:attrName>style.visibility</p:attrName>
-                                        </p:attrNameLst>
-                                      </p:cBhvr>
-                                      <p:to>
-                                        <p:strVal val="visible"/>
-                                      </p:to>
-                                    </p:set>
-                                  </p:childTnLst>
-                                </p:cTn>
-                              </p:par>
-                              <p:par>
-                                <p:cTn id="23" presetID="1" presetClass="entr" presetSubtype="0" fill="hold" grpId="0" nodeType="withEffect">
-                                  <p:stCondLst>
-                                    <p:cond delay="0"/>
-                                  </p:stCondLst>
-                                  <p:childTnLst>
-                                    <p:set>
-                                      <p:cBhvr>
-                                        <p:cTn id="24" dur="1" fill="hold">
-                                          <p:stCondLst>
-                                            <p:cond delay="0"/>
-                                          </p:stCondLst>
-                                        </p:cTn>
-                                        <p:tgtEl>
-                                          <p:spTgt spid="10"/>
-                                        </p:tgtEl>
-                                        <p:attrNameLst>
-                                          <p:attrName>style.visibility</p:attrName>
-                                        </p:attrNameLst>
-                                      </p:cBhvr>
-                                      <p:to>
-                                        <p:strVal val="visible"/>
-                                      </p:to>
-                                    </p:set>
-                                  </p:childTnLst>
-                                </p:cTn>
-                              </p:par>
-                            </p:childTnLst>
-                          </p:cTn>
-                        </p:par>
-                      </p:childTnLst>
-                    </p:cTn>
-                  </p:par>
-                </p:childTnLst>
-              </p:cTn>
-              <p:prevCondLst>
-                <p:cond evt="onPrev" delay="0">
-                  <p:tgtEl>
-                    <p:sldTgt/>
-                  </p:tgtEl>
-                </p:cond>
-              </p:prevCondLst>
-              <p:nextCondLst>
-                <p:cond evt="onNext" delay="0">
-                  <p:tgtEl>
-                    <p:sldTgt/>
-                  </p:tgtEl>
-                </p:cond>
-              </p:nextCondLst>
-            </p:seq>
-          </p:childTnLst>
-        </p:cTn>
-      </p:par>
-    </p:tnLst>
-    <p:bldLst>
-      <p:bldP spid="4" grpId="0" animBg="1"/>
-      <p:bldP spid="5" grpId="0"/>
-      <p:bldP spid="6" grpId="0" animBg="1"/>
-      <p:bldP spid="8" grpId="0"/>
-      <p:bldP spid="9" grpId="0" animBg="1"/>
-      <p:bldP spid="10" grpId="0"/>
-      <p:bldP spid="11" grpId="0" animBg="1"/>
-    </p:bldLst>
-  </p:timing>
 </p:sld>
 </file>
 
@@ -50767,1938 +49392,6 @@
       </p:grpSpPr>
       <p:pic>
         <p:nvPicPr>
-          <p:cNvPr id="4" name="Afbeelding 3">
-            <a:extLst>
-              <a:ext uri="{FF2B5EF4-FFF2-40B4-BE49-F238E27FC236}">
-                <a16:creationId xmlns:a16="http://schemas.microsoft.com/office/drawing/2014/main" id="{D3F3AFA7-1AD2-4BA5-8692-D4C9BF283121}"/>
-              </a:ext>
-            </a:extLst>
-          </p:cNvPr>
-          <p:cNvPicPr>
-            <a:picLocks noChangeAspect="1"/>
-          </p:cNvPicPr>
-          <p:nvPr/>
-        </p:nvPicPr>
-        <p:blipFill>
-          <a:blip r:embed="rId2"/>
-          <a:stretch>
-            <a:fillRect/>
-          </a:stretch>
-        </p:blipFill>
-        <p:spPr>
-          <a:xfrm>
-            <a:off x="109220" y="792655"/>
-            <a:ext cx="10375900" cy="2017536"/>
-          </a:xfrm>
-          <a:prstGeom prst="rect">
-            <a:avLst/>
-          </a:prstGeom>
-        </p:spPr>
-      </p:pic>
-      <p:sp>
-        <p:nvSpPr>
-          <p:cNvPr id="2" name="Title 1">
-            <a:extLst>
-              <a:ext uri="{FF2B5EF4-FFF2-40B4-BE49-F238E27FC236}">
-                <a16:creationId xmlns:a16="http://schemas.microsoft.com/office/drawing/2014/main" id="{285D9D1D-CF0E-444D-BF61-6E6E92619F56}"/>
-              </a:ext>
-            </a:extLst>
-          </p:cNvPr>
-          <p:cNvSpPr txBox="1">
-            <a:spLocks noGrp="1"/>
-          </p:cNvSpPr>
-          <p:nvPr>
-            <p:ph type="title"/>
-          </p:nvPr>
-        </p:nvSpPr>
-        <p:spPr>
-          <a:xfrm>
-            <a:off x="0" y="1"/>
-            <a:ext cx="12192000" cy="894080"/>
-          </a:xfrm>
-        </p:spPr>
-        <p:txBody>
-          <a:bodyPr>
-            <a:normAutofit/>
-          </a:bodyPr>
-          <a:lstStyle/>
-          <a:p>
-            <a:pPr lvl="0"/>
-            <a:r>
-              <a:rPr lang="nl-NL" sz="4000">
-                <a:solidFill>
-                  <a:srgbClr val="00FF00"/>
-                </a:solidFill>
-                <a:latin typeface="Courier New" pitchFamily="49"/>
-                <a:cs typeface="Courier New" pitchFamily="49"/>
-              </a:rPr>
-              <a:t>Response definition transformer – use</a:t>
-            </a:r>
-          </a:p>
-        </p:txBody>
-      </p:sp>
-      <p:pic>
-        <p:nvPicPr>
-          <p:cNvPr id="7" name="Afbeelding 6">
-            <a:extLst>
-              <a:ext uri="{FF2B5EF4-FFF2-40B4-BE49-F238E27FC236}">
-                <a16:creationId xmlns:a16="http://schemas.microsoft.com/office/drawing/2014/main" id="{EC260476-C978-477B-B3A3-E810F130FCEB}"/>
-              </a:ext>
-            </a:extLst>
-          </p:cNvPr>
-          <p:cNvPicPr>
-            <a:picLocks noChangeAspect="1"/>
-          </p:cNvPicPr>
-          <p:nvPr/>
-        </p:nvPicPr>
-        <p:blipFill>
-          <a:blip r:embed="rId3"/>
-          <a:stretch>
-            <a:fillRect/>
-          </a:stretch>
-        </p:blipFill>
-        <p:spPr>
-          <a:xfrm>
-            <a:off x="17318" y="2959957"/>
-            <a:ext cx="12174682" cy="2330768"/>
-          </a:xfrm>
-          <a:prstGeom prst="rect">
-            <a:avLst/>
-          </a:prstGeom>
-        </p:spPr>
-      </p:pic>
-      <p:sp>
-        <p:nvSpPr>
-          <p:cNvPr id="5" name="Ovaal 4">
-            <a:extLst>
-              <a:ext uri="{FF2B5EF4-FFF2-40B4-BE49-F238E27FC236}">
-                <a16:creationId xmlns:a16="http://schemas.microsoft.com/office/drawing/2014/main" id="{9D9217B2-86F3-452F-B625-1925884214B4}"/>
-              </a:ext>
-            </a:extLst>
-          </p:cNvPr>
-          <p:cNvSpPr/>
-          <p:nvPr/>
-        </p:nvSpPr>
-        <p:spPr>
-          <a:xfrm>
-            <a:off x="3989183" y="2118006"/>
-            <a:ext cx="6729617" cy="383823"/>
-          </a:xfrm>
-          <a:prstGeom prst="ellipse">
-            <a:avLst/>
-          </a:prstGeom>
-          <a:noFill/>
-          <a:ln w="38100">
-            <a:solidFill>
-              <a:srgbClr val="00FF00"/>
-            </a:solidFill>
-          </a:ln>
-        </p:spPr>
-        <p:style>
-          <a:lnRef idx="2">
-            <a:schemeClr val="accent1">
-              <a:shade val="50000"/>
-            </a:schemeClr>
-          </a:lnRef>
-          <a:fillRef idx="1">
-            <a:schemeClr val="accent1"/>
-          </a:fillRef>
-          <a:effectRef idx="0">
-            <a:schemeClr val="accent1"/>
-          </a:effectRef>
-          <a:fontRef idx="minor">
-            <a:schemeClr val="lt1"/>
-          </a:fontRef>
-        </p:style>
-        <p:txBody>
-          <a:bodyPr rtlCol="0" anchor="ctr"/>
-          <a:lstStyle/>
-          <a:p>
-            <a:pPr algn="ctr"/>
-            <a:endParaRPr lang="en-NL"/>
-          </a:p>
-        </p:txBody>
-      </p:sp>
-      <p:sp>
-        <p:nvSpPr>
-          <p:cNvPr id="6" name="Tekstvak 5">
-            <a:extLst>
-              <a:ext uri="{FF2B5EF4-FFF2-40B4-BE49-F238E27FC236}">
-                <a16:creationId xmlns:a16="http://schemas.microsoft.com/office/drawing/2014/main" id="{6344DE5C-8F2A-42FF-9445-D08CD27F8FD2}"/>
-              </a:ext>
-            </a:extLst>
-          </p:cNvPr>
-          <p:cNvSpPr txBox="1"/>
-          <p:nvPr/>
-        </p:nvSpPr>
-        <p:spPr>
-          <a:xfrm>
-            <a:off x="7265901" y="1617732"/>
-            <a:ext cx="3657600" cy="383823"/>
-          </a:xfrm>
-          <a:prstGeom prst="rect">
-            <a:avLst/>
-          </a:prstGeom>
-          <a:noFill/>
-        </p:spPr>
-        <p:txBody>
-          <a:bodyPr wrap="square" rtlCol="0">
-            <a:spAutoFit/>
-          </a:bodyPr>
-          <a:lstStyle/>
-          <a:p>
-            <a:r>
-              <a:rPr lang="en-US">
-                <a:solidFill>
-                  <a:srgbClr val="00FF00"/>
-                </a:solidFill>
-                <a:latin typeface="Courier New" panose="02070309020205020404" pitchFamily="49" charset="0"/>
-                <a:cs typeface="Courier New" panose="02070309020205020404" pitchFamily="49" charset="0"/>
-              </a:rPr>
-              <a:t>Register the extension</a:t>
-            </a:r>
-            <a:endParaRPr lang="en-NL">
-              <a:solidFill>
-                <a:srgbClr val="00FF00"/>
-              </a:solidFill>
-              <a:latin typeface="Courier New" panose="02070309020205020404" pitchFamily="49" charset="0"/>
-              <a:cs typeface="Courier New" panose="02070309020205020404" pitchFamily="49" charset="0"/>
-            </a:endParaRPr>
-          </a:p>
-        </p:txBody>
-      </p:sp>
-      <p:sp>
-        <p:nvSpPr>
-          <p:cNvPr id="8" name="Tekstvak 7">
-            <a:extLst>
-              <a:ext uri="{FF2B5EF4-FFF2-40B4-BE49-F238E27FC236}">
-                <a16:creationId xmlns:a16="http://schemas.microsoft.com/office/drawing/2014/main" id="{48143BA4-038B-4C8A-9B77-6A21306FD52C}"/>
-              </a:ext>
-            </a:extLst>
-          </p:cNvPr>
-          <p:cNvSpPr txBox="1"/>
-          <p:nvPr/>
-        </p:nvSpPr>
-        <p:spPr>
-          <a:xfrm>
-            <a:off x="3989183" y="4977174"/>
-            <a:ext cx="5760873" cy="646331"/>
-          </a:xfrm>
-          <a:prstGeom prst="rect">
-            <a:avLst/>
-          </a:prstGeom>
-          <a:noFill/>
-        </p:spPr>
-        <p:txBody>
-          <a:bodyPr wrap="square" rtlCol="0">
-            <a:spAutoFit/>
-          </a:bodyPr>
-          <a:lstStyle/>
-          <a:p>
-            <a:r>
-              <a:rPr lang="en-US">
-                <a:solidFill>
-                  <a:srgbClr val="00FF00"/>
-                </a:solidFill>
-                <a:latin typeface="Courier New" panose="02070309020205020404" pitchFamily="49" charset="0"/>
-                <a:cs typeface="Courier New" panose="02070309020205020404" pitchFamily="49" charset="0"/>
-              </a:rPr>
-              <a:t>Specify response transformer parameter value to use for this response</a:t>
-            </a:r>
-            <a:endParaRPr lang="en-NL">
-              <a:solidFill>
-                <a:srgbClr val="00FF00"/>
-              </a:solidFill>
-              <a:latin typeface="Courier New" panose="02070309020205020404" pitchFamily="49" charset="0"/>
-              <a:cs typeface="Courier New" panose="02070309020205020404" pitchFamily="49" charset="0"/>
-            </a:endParaRPr>
-          </a:p>
-        </p:txBody>
-      </p:sp>
-      <p:sp>
-        <p:nvSpPr>
-          <p:cNvPr id="10" name="Ovaal 9">
-            <a:extLst>
-              <a:ext uri="{FF2B5EF4-FFF2-40B4-BE49-F238E27FC236}">
-                <a16:creationId xmlns:a16="http://schemas.microsoft.com/office/drawing/2014/main" id="{4BAF0A87-E950-4B91-A701-0BFC6DC1696E}"/>
-              </a:ext>
-            </a:extLst>
-          </p:cNvPr>
-          <p:cNvSpPr/>
-          <p:nvPr/>
-        </p:nvSpPr>
-        <p:spPr>
-          <a:xfrm>
-            <a:off x="2702642" y="4260037"/>
-            <a:ext cx="9472039" cy="365126"/>
-          </a:xfrm>
-          <a:prstGeom prst="ellipse">
-            <a:avLst/>
-          </a:prstGeom>
-          <a:noFill/>
-          <a:ln w="38100">
-            <a:solidFill>
-              <a:srgbClr val="00FF00"/>
-            </a:solidFill>
-          </a:ln>
-        </p:spPr>
-        <p:style>
-          <a:lnRef idx="2">
-            <a:schemeClr val="accent1">
-              <a:shade val="50000"/>
-            </a:schemeClr>
-          </a:lnRef>
-          <a:fillRef idx="1">
-            <a:schemeClr val="accent1"/>
-          </a:fillRef>
-          <a:effectRef idx="0">
-            <a:schemeClr val="accent1"/>
-          </a:effectRef>
-          <a:fontRef idx="minor">
-            <a:schemeClr val="lt1"/>
-          </a:fontRef>
-        </p:style>
-        <p:txBody>
-          <a:bodyPr rtlCol="0" anchor="ctr"/>
-          <a:lstStyle/>
-          <a:p>
-            <a:pPr algn="ctr"/>
-            <a:endParaRPr lang="en-NL"/>
-          </a:p>
-        </p:txBody>
-      </p:sp>
-    </p:spTree>
-    <p:extLst>
-      <p:ext uri="{BB962C8B-B14F-4D97-AF65-F5344CB8AC3E}">
-        <p14:creationId xmlns:p14="http://schemas.microsoft.com/office/powerpoint/2010/main" val="2973036434"/>
-      </p:ext>
-    </p:extLst>
-  </p:cSld>
-  <p:clrMapOvr>
-    <a:masterClrMapping/>
-  </p:clrMapOvr>
-  <p:timing>
-    <p:tnLst>
-      <p:par>
-        <p:cTn id="1" dur="indefinite" restart="never" nodeType="tmRoot">
-          <p:childTnLst>
-            <p:seq concurrent="1" nextAc="seek">
-              <p:cTn id="2" dur="indefinite" nodeType="mainSeq">
-                <p:childTnLst>
-                  <p:par>
-                    <p:cTn id="3" fill="hold">
-                      <p:stCondLst>
-                        <p:cond delay="indefinite"/>
-                      </p:stCondLst>
-                      <p:childTnLst>
-                        <p:par>
-                          <p:cTn id="4" fill="hold">
-                            <p:stCondLst>
-                              <p:cond delay="0"/>
-                            </p:stCondLst>
-                            <p:childTnLst>
-                              <p:par>
-                                <p:cTn id="5" presetID="1" presetClass="entr" presetSubtype="0" fill="hold" grpId="0" nodeType="clickEffect">
-                                  <p:stCondLst>
-                                    <p:cond delay="0"/>
-                                  </p:stCondLst>
-                                  <p:childTnLst>
-                                    <p:set>
-                                      <p:cBhvr>
-                                        <p:cTn id="6" dur="1" fill="hold">
-                                          <p:stCondLst>
-                                            <p:cond delay="0"/>
-                                          </p:stCondLst>
-                                        </p:cTn>
-                                        <p:tgtEl>
-                                          <p:spTgt spid="5"/>
-                                        </p:tgtEl>
-                                        <p:attrNameLst>
-                                          <p:attrName>style.visibility</p:attrName>
-                                        </p:attrNameLst>
-                                      </p:cBhvr>
-                                      <p:to>
-                                        <p:strVal val="visible"/>
-                                      </p:to>
-                                    </p:set>
-                                  </p:childTnLst>
-                                </p:cTn>
-                              </p:par>
-                              <p:par>
-                                <p:cTn id="7" presetID="1" presetClass="entr" presetSubtype="0" fill="hold" grpId="0" nodeType="withEffect">
-                                  <p:stCondLst>
-                                    <p:cond delay="0"/>
-                                  </p:stCondLst>
-                                  <p:childTnLst>
-                                    <p:set>
-                                      <p:cBhvr>
-                                        <p:cTn id="8" dur="1" fill="hold">
-                                          <p:stCondLst>
-                                            <p:cond delay="0"/>
-                                          </p:stCondLst>
-                                        </p:cTn>
-                                        <p:tgtEl>
-                                          <p:spTgt spid="6"/>
-                                        </p:tgtEl>
-                                        <p:attrNameLst>
-                                          <p:attrName>style.visibility</p:attrName>
-                                        </p:attrNameLst>
-                                      </p:cBhvr>
-                                      <p:to>
-                                        <p:strVal val="visible"/>
-                                      </p:to>
-                                    </p:set>
-                                  </p:childTnLst>
-                                </p:cTn>
-                              </p:par>
-                            </p:childTnLst>
-                          </p:cTn>
-                        </p:par>
-                      </p:childTnLst>
-                    </p:cTn>
-                  </p:par>
-                  <p:par>
-                    <p:cTn id="9" fill="hold">
-                      <p:stCondLst>
-                        <p:cond delay="indefinite"/>
-                      </p:stCondLst>
-                      <p:childTnLst>
-                        <p:par>
-                          <p:cTn id="10" fill="hold">
-                            <p:stCondLst>
-                              <p:cond delay="0"/>
-                            </p:stCondLst>
-                            <p:childTnLst>
-                              <p:par>
-                                <p:cTn id="11" presetID="1" presetClass="entr" presetSubtype="0" fill="hold" nodeType="clickEffect">
-                                  <p:stCondLst>
-                                    <p:cond delay="0"/>
-                                  </p:stCondLst>
-                                  <p:childTnLst>
-                                    <p:set>
-                                      <p:cBhvr>
-                                        <p:cTn id="12" dur="1" fill="hold">
-                                          <p:stCondLst>
-                                            <p:cond delay="0"/>
-                                          </p:stCondLst>
-                                        </p:cTn>
-                                        <p:tgtEl>
-                                          <p:spTgt spid="7"/>
-                                        </p:tgtEl>
-                                        <p:attrNameLst>
-                                          <p:attrName>style.visibility</p:attrName>
-                                        </p:attrNameLst>
-                                      </p:cBhvr>
-                                      <p:to>
-                                        <p:strVal val="visible"/>
-                                      </p:to>
-                                    </p:set>
-                                  </p:childTnLst>
-                                </p:cTn>
-                              </p:par>
-                            </p:childTnLst>
-                          </p:cTn>
-                        </p:par>
-                      </p:childTnLst>
-                    </p:cTn>
-                  </p:par>
-                  <p:par>
-                    <p:cTn id="13" fill="hold">
-                      <p:stCondLst>
-                        <p:cond delay="indefinite"/>
-                      </p:stCondLst>
-                      <p:childTnLst>
-                        <p:par>
-                          <p:cTn id="14" fill="hold">
-                            <p:stCondLst>
-                              <p:cond delay="0"/>
-                            </p:stCondLst>
-                            <p:childTnLst>
-                              <p:par>
-                                <p:cTn id="15" presetID="1" presetClass="entr" presetSubtype="0" fill="hold" grpId="0" nodeType="clickEffect">
-                                  <p:stCondLst>
-                                    <p:cond delay="0"/>
-                                  </p:stCondLst>
-                                  <p:childTnLst>
-                                    <p:set>
-                                      <p:cBhvr>
-                                        <p:cTn id="16" dur="1" fill="hold">
-                                          <p:stCondLst>
-                                            <p:cond delay="0"/>
-                                          </p:stCondLst>
-                                        </p:cTn>
-                                        <p:tgtEl>
-                                          <p:spTgt spid="10"/>
-                                        </p:tgtEl>
-                                        <p:attrNameLst>
-                                          <p:attrName>style.visibility</p:attrName>
-                                        </p:attrNameLst>
-                                      </p:cBhvr>
-                                      <p:to>
-                                        <p:strVal val="visible"/>
-                                      </p:to>
-                                    </p:set>
-                                  </p:childTnLst>
-                                </p:cTn>
-                              </p:par>
-                              <p:par>
-                                <p:cTn id="17" presetID="1" presetClass="entr" presetSubtype="0" fill="hold" grpId="0" nodeType="withEffect">
-                                  <p:stCondLst>
-                                    <p:cond delay="0"/>
-                                  </p:stCondLst>
-                                  <p:childTnLst>
-                                    <p:set>
-                                      <p:cBhvr>
-                                        <p:cTn id="18" dur="1" fill="hold">
-                                          <p:stCondLst>
-                                            <p:cond delay="0"/>
-                                          </p:stCondLst>
-                                        </p:cTn>
-                                        <p:tgtEl>
-                                          <p:spTgt spid="8"/>
-                                        </p:tgtEl>
-                                        <p:attrNameLst>
-                                          <p:attrName>style.visibility</p:attrName>
-                                        </p:attrNameLst>
-                                      </p:cBhvr>
-                                      <p:to>
-                                        <p:strVal val="visible"/>
-                                      </p:to>
-                                    </p:set>
-                                  </p:childTnLst>
-                                </p:cTn>
-                              </p:par>
-                            </p:childTnLst>
-                          </p:cTn>
-                        </p:par>
-                      </p:childTnLst>
-                    </p:cTn>
-                  </p:par>
-                </p:childTnLst>
-              </p:cTn>
-              <p:prevCondLst>
-                <p:cond evt="onPrev" delay="0">
-                  <p:tgtEl>
-                    <p:sldTgt/>
-                  </p:tgtEl>
-                </p:cond>
-              </p:prevCondLst>
-              <p:nextCondLst>
-                <p:cond evt="onNext" delay="0">
-                  <p:tgtEl>
-                    <p:sldTgt/>
-                  </p:tgtEl>
-                </p:cond>
-              </p:nextCondLst>
-            </p:seq>
-          </p:childTnLst>
-        </p:cTn>
-      </p:par>
-    </p:tnLst>
-    <p:bldLst>
-      <p:bldP spid="5" grpId="0" animBg="1"/>
-      <p:bldP spid="6" grpId="0"/>
-      <p:bldP spid="8" grpId="0"/>
-      <p:bldP spid="10" grpId="0" animBg="1"/>
-    </p:bldLst>
-  </p:timing>
-</p:sld>
-</file>
-
-<file path=ppt/slides/slide81.xml><?xml version="1.0" encoding="utf-8"?>
-<p:sld xmlns:a="http://schemas.openxmlformats.org/drawingml/2006/main" xmlns:r="http://schemas.openxmlformats.org/officeDocument/2006/relationships" xmlns:p="http://schemas.openxmlformats.org/presentationml/2006/main">
-  <p:cSld>
-    <p:bg>
-      <p:bgPr>
-        <a:solidFill>
-          <a:schemeClr val="tx1"/>
-        </a:solidFill>
-        <a:effectLst/>
-      </p:bgPr>
-    </p:bg>
-    <p:spTree>
-      <p:nvGrpSpPr>
-        <p:cNvPr id="1" name=""/>
-        <p:cNvGrpSpPr/>
-        <p:nvPr/>
-      </p:nvGrpSpPr>
-      <p:grpSpPr>
-        <a:xfrm>
-          <a:off x="0" y="0"/>
-          <a:ext cx="0" cy="0"/>
-          <a:chOff x="0" y="0"/>
-          <a:chExt cx="0" cy="0"/>
-        </a:xfrm>
-      </p:grpSpPr>
-      <p:sp>
-        <p:nvSpPr>
-          <p:cNvPr id="2" name="Title 1"/>
-          <p:cNvSpPr>
-            <a:spLocks noGrp="1"/>
-          </p:cNvSpPr>
-          <p:nvPr>
-            <p:ph type="title"/>
-          </p:nvPr>
-        </p:nvSpPr>
-        <p:spPr>
-          <a:xfrm>
-            <a:off x="0" y="365125"/>
-            <a:ext cx="12192000" cy="6063107"/>
-          </a:xfrm>
-        </p:spPr>
-        <p:txBody>
-          <a:bodyPr>
-            <a:normAutofit/>
-          </a:bodyPr>
-          <a:lstStyle/>
-          <a:p>
-            <a:pPr algn="ctr"/>
-            <a:r>
-              <a:rPr lang="nl-NL" sz="6000">
-                <a:solidFill>
-                  <a:srgbClr val="00FF00"/>
-                </a:solidFill>
-                <a:latin typeface="Courier New" panose="02070309020205020404" pitchFamily="49" charset="0"/>
-                <a:cs typeface="Courier New" panose="02070309020205020404" pitchFamily="49" charset="0"/>
-              </a:rPr>
-              <a:t>You can transform the rendered Response, too…</a:t>
-            </a:r>
-          </a:p>
-        </p:txBody>
-      </p:sp>
-    </p:spTree>
-    <p:extLst>
-      <p:ext uri="{BB962C8B-B14F-4D97-AF65-F5344CB8AC3E}">
-        <p14:creationId xmlns:p14="http://schemas.microsoft.com/office/powerpoint/2010/main" val="628046536"/>
-      </p:ext>
-    </p:extLst>
-  </p:cSld>
-  <p:clrMapOvr>
-    <a:masterClrMapping/>
-  </p:clrMapOvr>
-</p:sld>
-</file>
-
-<file path=ppt/slides/slide82.xml><?xml version="1.0" encoding="utf-8"?>
-<p:sld xmlns:a="http://schemas.openxmlformats.org/drawingml/2006/main" xmlns:r="http://schemas.openxmlformats.org/officeDocument/2006/relationships" xmlns:p="http://schemas.openxmlformats.org/presentationml/2006/main">
-  <p:cSld>
-    <p:bg>
-      <p:bgPr>
-        <a:solidFill>
-          <a:srgbClr val="000000"/>
-        </a:solidFill>
-        <a:effectLst/>
-      </p:bgPr>
-    </p:bg>
-    <p:spTree>
-      <p:nvGrpSpPr>
-        <p:cNvPr id="1" name=""/>
-        <p:cNvGrpSpPr/>
-        <p:nvPr/>
-      </p:nvGrpSpPr>
-      <p:grpSpPr>
-        <a:xfrm>
-          <a:off x="0" y="0"/>
-          <a:ext cx="0" cy="0"/>
-          <a:chOff x="0" y="0"/>
-          <a:chExt cx="0" cy="0"/>
-        </a:xfrm>
-      </p:grpSpPr>
-      <p:sp>
-        <p:nvSpPr>
-          <p:cNvPr id="2" name="Title 1">
-            <a:extLst>
-              <a:ext uri="{FF2B5EF4-FFF2-40B4-BE49-F238E27FC236}">
-                <a16:creationId xmlns:a16="http://schemas.microsoft.com/office/drawing/2014/main" id="{285D9D1D-CF0E-444D-BF61-6E6E92619F56}"/>
-              </a:ext>
-            </a:extLst>
-          </p:cNvPr>
-          <p:cNvSpPr txBox="1">
-            <a:spLocks noGrp="1"/>
-          </p:cNvSpPr>
-          <p:nvPr>
-            <p:ph type="title"/>
-          </p:nvPr>
-        </p:nvSpPr>
-        <p:spPr>
-          <a:xfrm>
-            <a:off x="0" y="0"/>
-            <a:ext cx="12192000" cy="728819"/>
-          </a:xfrm>
-        </p:spPr>
-        <p:txBody>
-          <a:bodyPr>
-            <a:normAutofit/>
-          </a:bodyPr>
-          <a:lstStyle/>
-          <a:p>
-            <a:pPr lvl="0"/>
-            <a:r>
-              <a:rPr lang="nl-NL" sz="4000">
-                <a:solidFill>
-                  <a:srgbClr val="00FF00"/>
-                </a:solidFill>
-                <a:latin typeface="Courier New" pitchFamily="49"/>
-                <a:cs typeface="Courier New" pitchFamily="49"/>
-              </a:rPr>
-              <a:t>Response transformer – build</a:t>
-            </a:r>
-          </a:p>
-        </p:txBody>
-      </p:sp>
-      <p:pic>
-        <p:nvPicPr>
-          <p:cNvPr id="4" name="Afbeelding 3">
-            <a:extLst>
-              <a:ext uri="{FF2B5EF4-FFF2-40B4-BE49-F238E27FC236}">
-                <a16:creationId xmlns:a16="http://schemas.microsoft.com/office/drawing/2014/main" id="{26FD4911-C794-448A-BDAE-05E4FE0F65D5}"/>
-              </a:ext>
-            </a:extLst>
-          </p:cNvPr>
-          <p:cNvPicPr>
-            <a:picLocks noChangeAspect="1"/>
-          </p:cNvPicPr>
-          <p:nvPr/>
-        </p:nvPicPr>
-        <p:blipFill>
-          <a:blip r:embed="rId2"/>
-          <a:stretch>
-            <a:fillRect/>
-          </a:stretch>
-        </p:blipFill>
-        <p:spPr>
-          <a:xfrm>
-            <a:off x="594360" y="728819"/>
-            <a:ext cx="11003280" cy="6115244"/>
-          </a:xfrm>
-          <a:prstGeom prst="rect">
-            <a:avLst/>
-          </a:prstGeom>
-        </p:spPr>
-      </p:pic>
-      <p:sp>
-        <p:nvSpPr>
-          <p:cNvPr id="5" name="Ovaal 4">
-            <a:extLst>
-              <a:ext uri="{FF2B5EF4-FFF2-40B4-BE49-F238E27FC236}">
-                <a16:creationId xmlns:a16="http://schemas.microsoft.com/office/drawing/2014/main" id="{5B126256-E221-4D2F-9EB5-FA953F10D927}"/>
-              </a:ext>
-            </a:extLst>
-          </p:cNvPr>
-          <p:cNvSpPr/>
-          <p:nvPr/>
-        </p:nvSpPr>
-        <p:spPr>
-          <a:xfrm>
-            <a:off x="2094461" y="2250720"/>
-            <a:ext cx="4631460" cy="390880"/>
-          </a:xfrm>
-          <a:prstGeom prst="ellipse">
-            <a:avLst/>
-          </a:prstGeom>
-          <a:noFill/>
-          <a:ln w="38100">
-            <a:solidFill>
-              <a:srgbClr val="00FF00"/>
-            </a:solidFill>
-          </a:ln>
-        </p:spPr>
-        <p:style>
-          <a:lnRef idx="2">
-            <a:schemeClr val="accent1">
-              <a:shade val="50000"/>
-            </a:schemeClr>
-          </a:lnRef>
-          <a:fillRef idx="1">
-            <a:schemeClr val="accent1"/>
-          </a:fillRef>
-          <a:effectRef idx="0">
-            <a:schemeClr val="accent1"/>
-          </a:effectRef>
-          <a:fontRef idx="minor">
-            <a:schemeClr val="lt1"/>
-          </a:fontRef>
-        </p:style>
-        <p:txBody>
-          <a:bodyPr rtlCol="0" anchor="ctr"/>
-          <a:lstStyle/>
-          <a:p>
-            <a:pPr algn="ctr"/>
-            <a:endParaRPr lang="en-NL"/>
-          </a:p>
-        </p:txBody>
-      </p:sp>
-      <p:sp>
-        <p:nvSpPr>
-          <p:cNvPr id="6" name="Tekstvak 5">
-            <a:extLst>
-              <a:ext uri="{FF2B5EF4-FFF2-40B4-BE49-F238E27FC236}">
-                <a16:creationId xmlns:a16="http://schemas.microsoft.com/office/drawing/2014/main" id="{0E42E50B-D3F6-4D18-9DFF-ED96312923E2}"/>
-              </a:ext>
-            </a:extLst>
-          </p:cNvPr>
-          <p:cNvSpPr txBox="1"/>
-          <p:nvPr/>
-        </p:nvSpPr>
-        <p:spPr>
-          <a:xfrm>
-            <a:off x="6849341" y="2135856"/>
-            <a:ext cx="3657600" cy="369332"/>
-          </a:xfrm>
-          <a:prstGeom prst="rect">
-            <a:avLst/>
-          </a:prstGeom>
-          <a:noFill/>
-        </p:spPr>
-        <p:txBody>
-          <a:bodyPr wrap="square" rtlCol="0">
-            <a:spAutoFit/>
-          </a:bodyPr>
-          <a:lstStyle/>
-          <a:p>
-            <a:r>
-              <a:rPr lang="en-US">
-                <a:solidFill>
-                  <a:srgbClr val="00FF00"/>
-                </a:solidFill>
-                <a:latin typeface="Courier New" panose="02070309020205020404" pitchFamily="49" charset="0"/>
-                <a:cs typeface="Courier New" panose="02070309020205020404" pitchFamily="49" charset="0"/>
-              </a:rPr>
-              <a:t>Use the defined response…</a:t>
-            </a:r>
-            <a:endParaRPr lang="en-NL">
-              <a:solidFill>
-                <a:srgbClr val="00FF00"/>
-              </a:solidFill>
-              <a:latin typeface="Courier New" panose="02070309020205020404" pitchFamily="49" charset="0"/>
-              <a:cs typeface="Courier New" panose="02070309020205020404" pitchFamily="49" charset="0"/>
-            </a:endParaRPr>
-          </a:p>
-        </p:txBody>
-      </p:sp>
-      <p:sp>
-        <p:nvSpPr>
-          <p:cNvPr id="7" name="Ovaal 6">
-            <a:extLst>
-              <a:ext uri="{FF2B5EF4-FFF2-40B4-BE49-F238E27FC236}">
-                <a16:creationId xmlns:a16="http://schemas.microsoft.com/office/drawing/2014/main" id="{B4039832-5C94-4381-970A-C2735F067C51}"/>
-              </a:ext>
-            </a:extLst>
-          </p:cNvPr>
-          <p:cNvSpPr/>
-          <p:nvPr/>
-        </p:nvSpPr>
-        <p:spPr>
-          <a:xfrm>
-            <a:off x="2897101" y="2702815"/>
-            <a:ext cx="4631460" cy="1209409"/>
-          </a:xfrm>
-          <a:prstGeom prst="ellipse">
-            <a:avLst/>
-          </a:prstGeom>
-          <a:noFill/>
-          <a:ln w="38100">
-            <a:solidFill>
-              <a:srgbClr val="00FF00"/>
-            </a:solidFill>
-          </a:ln>
-        </p:spPr>
-        <p:style>
-          <a:lnRef idx="2">
-            <a:schemeClr val="accent1">
-              <a:shade val="50000"/>
-            </a:schemeClr>
-          </a:lnRef>
-          <a:fillRef idx="1">
-            <a:schemeClr val="accent1"/>
-          </a:fillRef>
-          <a:effectRef idx="0">
-            <a:schemeClr val="accent1"/>
-          </a:effectRef>
-          <a:fontRef idx="minor">
-            <a:schemeClr val="lt1"/>
-          </a:fontRef>
-        </p:style>
-        <p:txBody>
-          <a:bodyPr rtlCol="0" anchor="ctr"/>
-          <a:lstStyle/>
-          <a:p>
-            <a:pPr algn="ctr"/>
-            <a:endParaRPr lang="en-NL"/>
-          </a:p>
-        </p:txBody>
-      </p:sp>
-      <p:sp>
-        <p:nvSpPr>
-          <p:cNvPr id="8" name="Tekstvak 7">
-            <a:extLst>
-              <a:ext uri="{FF2B5EF4-FFF2-40B4-BE49-F238E27FC236}">
-                <a16:creationId xmlns:a16="http://schemas.microsoft.com/office/drawing/2014/main" id="{66994A63-C3E2-4C4D-AB35-099CD220244E}"/>
-              </a:ext>
-            </a:extLst>
-          </p:cNvPr>
-          <p:cNvSpPr txBox="1"/>
-          <p:nvPr/>
-        </p:nvSpPr>
-        <p:spPr>
-          <a:xfrm>
-            <a:off x="6595341" y="4027089"/>
-            <a:ext cx="3657600" cy="646331"/>
-          </a:xfrm>
-          <a:prstGeom prst="rect">
-            <a:avLst/>
-          </a:prstGeom>
-          <a:noFill/>
-        </p:spPr>
-        <p:txBody>
-          <a:bodyPr wrap="square" rtlCol="0">
-            <a:spAutoFit/>
-          </a:bodyPr>
-          <a:lstStyle/>
-          <a:p>
-            <a:r>
-              <a:rPr lang="en-US">
-                <a:solidFill>
-                  <a:srgbClr val="00FF00"/>
-                </a:solidFill>
-                <a:latin typeface="Courier New" panose="02070309020205020404" pitchFamily="49" charset="0"/>
-                <a:cs typeface="Courier New" panose="02070309020205020404" pitchFamily="49" charset="0"/>
-              </a:rPr>
-              <a:t>… but add a </a:t>
-            </a:r>
-            <a:r>
-              <a:rPr lang="en-US" i="1">
-                <a:solidFill>
-                  <a:srgbClr val="00FF00"/>
-                </a:solidFill>
-                <a:latin typeface="Courier New" panose="02070309020205020404" pitchFamily="49" charset="0"/>
-                <a:cs typeface="Courier New" panose="02070309020205020404" pitchFamily="49" charset="0"/>
-              </a:rPr>
-              <a:t>currentDate</a:t>
-            </a:r>
-            <a:r>
-              <a:rPr lang="en-US">
-                <a:solidFill>
-                  <a:srgbClr val="00FF00"/>
-                </a:solidFill>
-                <a:latin typeface="Courier New" panose="02070309020205020404" pitchFamily="49" charset="0"/>
-                <a:cs typeface="Courier New" panose="02070309020205020404" pitchFamily="49" charset="0"/>
-              </a:rPr>
-              <a:t> header after rendering it</a:t>
-            </a:r>
-            <a:endParaRPr lang="en-NL">
-              <a:solidFill>
-                <a:srgbClr val="00FF00"/>
-              </a:solidFill>
-              <a:latin typeface="Courier New" panose="02070309020205020404" pitchFamily="49" charset="0"/>
-              <a:cs typeface="Courier New" panose="02070309020205020404" pitchFamily="49" charset="0"/>
-            </a:endParaRPr>
-          </a:p>
-        </p:txBody>
-      </p:sp>
-      <p:sp>
-        <p:nvSpPr>
-          <p:cNvPr id="9" name="Ovaal 8">
-            <a:extLst>
-              <a:ext uri="{FF2B5EF4-FFF2-40B4-BE49-F238E27FC236}">
-                <a16:creationId xmlns:a16="http://schemas.microsoft.com/office/drawing/2014/main" id="{FFC7C09A-1A78-4DB1-9F7F-214B86E297CC}"/>
-              </a:ext>
-            </a:extLst>
-          </p:cNvPr>
-          <p:cNvSpPr/>
-          <p:nvPr/>
-        </p:nvSpPr>
-        <p:spPr>
-          <a:xfrm>
-            <a:off x="2419581" y="6268286"/>
-            <a:ext cx="4631460" cy="390880"/>
-          </a:xfrm>
-          <a:prstGeom prst="ellipse">
-            <a:avLst/>
-          </a:prstGeom>
-          <a:noFill/>
-          <a:ln w="38100">
-            <a:solidFill>
-              <a:srgbClr val="00FF00"/>
-            </a:solidFill>
-          </a:ln>
-        </p:spPr>
-        <p:style>
-          <a:lnRef idx="2">
-            <a:schemeClr val="accent1">
-              <a:shade val="50000"/>
-            </a:schemeClr>
-          </a:lnRef>
-          <a:fillRef idx="1">
-            <a:schemeClr val="accent1"/>
-          </a:fillRef>
-          <a:effectRef idx="0">
-            <a:schemeClr val="accent1"/>
-          </a:effectRef>
-          <a:fontRef idx="minor">
-            <a:schemeClr val="lt1"/>
-          </a:fontRef>
-        </p:style>
-        <p:txBody>
-          <a:bodyPr rtlCol="0" anchor="ctr"/>
-          <a:lstStyle/>
-          <a:p>
-            <a:pPr algn="ctr"/>
-            <a:endParaRPr lang="en-NL"/>
-          </a:p>
-        </p:txBody>
-      </p:sp>
-      <p:sp>
-        <p:nvSpPr>
-          <p:cNvPr id="10" name="Tekstvak 9">
-            <a:extLst>
-              <a:ext uri="{FF2B5EF4-FFF2-40B4-BE49-F238E27FC236}">
-                <a16:creationId xmlns:a16="http://schemas.microsoft.com/office/drawing/2014/main" id="{6B9CFBE4-8B85-4B8B-A906-1B2C9D5228FA}"/>
-              </a:ext>
-            </a:extLst>
-          </p:cNvPr>
-          <p:cNvSpPr txBox="1"/>
-          <p:nvPr/>
-        </p:nvSpPr>
-        <p:spPr>
-          <a:xfrm>
-            <a:off x="7316701" y="5529016"/>
-            <a:ext cx="3657600" cy="1200329"/>
-          </a:xfrm>
-          <a:prstGeom prst="rect">
-            <a:avLst/>
-          </a:prstGeom>
-          <a:noFill/>
-        </p:spPr>
-        <p:txBody>
-          <a:bodyPr wrap="square" rtlCol="0">
-            <a:spAutoFit/>
-          </a:bodyPr>
-          <a:lstStyle/>
-          <a:p>
-            <a:r>
-              <a:rPr lang="en-US">
-                <a:solidFill>
-                  <a:srgbClr val="00FF00"/>
-                </a:solidFill>
-                <a:latin typeface="Courier New" panose="02070309020205020404" pitchFamily="49" charset="0"/>
-                <a:cs typeface="Courier New" panose="02070309020205020404" pitchFamily="49" charset="0"/>
-              </a:rPr>
-              <a:t>By default, response transformers are applied globally, but this can switched off if desired</a:t>
-            </a:r>
-            <a:endParaRPr lang="en-NL">
-              <a:solidFill>
-                <a:srgbClr val="00FF00"/>
-              </a:solidFill>
-              <a:latin typeface="Courier New" panose="02070309020205020404" pitchFamily="49" charset="0"/>
-              <a:cs typeface="Courier New" panose="02070309020205020404" pitchFamily="49" charset="0"/>
-            </a:endParaRPr>
-          </a:p>
-        </p:txBody>
-      </p:sp>
-    </p:spTree>
-    <p:extLst>
-      <p:ext uri="{BB962C8B-B14F-4D97-AF65-F5344CB8AC3E}">
-        <p14:creationId xmlns:p14="http://schemas.microsoft.com/office/powerpoint/2010/main" val="2614172092"/>
-      </p:ext>
-    </p:extLst>
-  </p:cSld>
-  <p:clrMapOvr>
-    <a:masterClrMapping/>
-  </p:clrMapOvr>
-  <p:timing>
-    <p:tnLst>
-      <p:par>
-        <p:cTn id="1" dur="indefinite" restart="never" nodeType="tmRoot">
-          <p:childTnLst>
-            <p:seq concurrent="1" nextAc="seek">
-              <p:cTn id="2" dur="indefinite" nodeType="mainSeq">
-                <p:childTnLst>
-                  <p:par>
-                    <p:cTn id="3" fill="hold">
-                      <p:stCondLst>
-                        <p:cond delay="indefinite"/>
-                      </p:stCondLst>
-                      <p:childTnLst>
-                        <p:par>
-                          <p:cTn id="4" fill="hold">
-                            <p:stCondLst>
-                              <p:cond delay="0"/>
-                            </p:stCondLst>
-                            <p:childTnLst>
-                              <p:par>
-                                <p:cTn id="5" presetID="1" presetClass="entr" presetSubtype="0" fill="hold" grpId="0" nodeType="clickEffect">
-                                  <p:stCondLst>
-                                    <p:cond delay="0"/>
-                                  </p:stCondLst>
-                                  <p:childTnLst>
-                                    <p:set>
-                                      <p:cBhvr>
-                                        <p:cTn id="6" dur="1" fill="hold">
-                                          <p:stCondLst>
-                                            <p:cond delay="0"/>
-                                          </p:stCondLst>
-                                        </p:cTn>
-                                        <p:tgtEl>
-                                          <p:spTgt spid="5"/>
-                                        </p:tgtEl>
-                                        <p:attrNameLst>
-                                          <p:attrName>style.visibility</p:attrName>
-                                        </p:attrNameLst>
-                                      </p:cBhvr>
-                                      <p:to>
-                                        <p:strVal val="visible"/>
-                                      </p:to>
-                                    </p:set>
-                                  </p:childTnLst>
-                                </p:cTn>
-                              </p:par>
-                              <p:par>
-                                <p:cTn id="7" presetID="1" presetClass="entr" presetSubtype="0" fill="hold" grpId="0" nodeType="withEffect">
-                                  <p:stCondLst>
-                                    <p:cond delay="0"/>
-                                  </p:stCondLst>
-                                  <p:childTnLst>
-                                    <p:set>
-                                      <p:cBhvr>
-                                        <p:cTn id="8" dur="1" fill="hold">
-                                          <p:stCondLst>
-                                            <p:cond delay="0"/>
-                                          </p:stCondLst>
-                                        </p:cTn>
-                                        <p:tgtEl>
-                                          <p:spTgt spid="6"/>
-                                        </p:tgtEl>
-                                        <p:attrNameLst>
-                                          <p:attrName>style.visibility</p:attrName>
-                                        </p:attrNameLst>
-                                      </p:cBhvr>
-                                      <p:to>
-                                        <p:strVal val="visible"/>
-                                      </p:to>
-                                    </p:set>
-                                  </p:childTnLst>
-                                </p:cTn>
-                              </p:par>
-                            </p:childTnLst>
-                          </p:cTn>
-                        </p:par>
-                      </p:childTnLst>
-                    </p:cTn>
-                  </p:par>
-                  <p:par>
-                    <p:cTn id="9" fill="hold">
-                      <p:stCondLst>
-                        <p:cond delay="indefinite"/>
-                      </p:stCondLst>
-                      <p:childTnLst>
-                        <p:par>
-                          <p:cTn id="10" fill="hold">
-                            <p:stCondLst>
-                              <p:cond delay="0"/>
-                            </p:stCondLst>
-                            <p:childTnLst>
-                              <p:par>
-                                <p:cTn id="11" presetID="1" presetClass="entr" presetSubtype="0" fill="hold" grpId="0" nodeType="clickEffect">
-                                  <p:stCondLst>
-                                    <p:cond delay="0"/>
-                                  </p:stCondLst>
-                                  <p:childTnLst>
-                                    <p:set>
-                                      <p:cBhvr>
-                                        <p:cTn id="12" dur="1" fill="hold">
-                                          <p:stCondLst>
-                                            <p:cond delay="0"/>
-                                          </p:stCondLst>
-                                        </p:cTn>
-                                        <p:tgtEl>
-                                          <p:spTgt spid="7"/>
-                                        </p:tgtEl>
-                                        <p:attrNameLst>
-                                          <p:attrName>style.visibility</p:attrName>
-                                        </p:attrNameLst>
-                                      </p:cBhvr>
-                                      <p:to>
-                                        <p:strVal val="visible"/>
-                                      </p:to>
-                                    </p:set>
-                                  </p:childTnLst>
-                                </p:cTn>
-                              </p:par>
-                              <p:par>
-                                <p:cTn id="13" presetID="1" presetClass="entr" presetSubtype="0" fill="hold" grpId="0" nodeType="withEffect">
-                                  <p:stCondLst>
-                                    <p:cond delay="0"/>
-                                  </p:stCondLst>
-                                  <p:childTnLst>
-                                    <p:set>
-                                      <p:cBhvr>
-                                        <p:cTn id="14" dur="1" fill="hold">
-                                          <p:stCondLst>
-                                            <p:cond delay="0"/>
-                                          </p:stCondLst>
-                                        </p:cTn>
-                                        <p:tgtEl>
-                                          <p:spTgt spid="8"/>
-                                        </p:tgtEl>
-                                        <p:attrNameLst>
-                                          <p:attrName>style.visibility</p:attrName>
-                                        </p:attrNameLst>
-                                      </p:cBhvr>
-                                      <p:to>
-                                        <p:strVal val="visible"/>
-                                      </p:to>
-                                    </p:set>
-                                  </p:childTnLst>
-                                </p:cTn>
-                              </p:par>
-                            </p:childTnLst>
-                          </p:cTn>
-                        </p:par>
-                      </p:childTnLst>
-                    </p:cTn>
-                  </p:par>
-                  <p:par>
-                    <p:cTn id="15" fill="hold">
-                      <p:stCondLst>
-                        <p:cond delay="indefinite"/>
-                      </p:stCondLst>
-                      <p:childTnLst>
-                        <p:par>
-                          <p:cTn id="16" fill="hold">
-                            <p:stCondLst>
-                              <p:cond delay="0"/>
-                            </p:stCondLst>
-                            <p:childTnLst>
-                              <p:par>
-                                <p:cTn id="17" presetID="1" presetClass="entr" presetSubtype="0" fill="hold" grpId="0" nodeType="clickEffect">
-                                  <p:stCondLst>
-                                    <p:cond delay="0"/>
-                                  </p:stCondLst>
-                                  <p:childTnLst>
-                                    <p:set>
-                                      <p:cBhvr>
-                                        <p:cTn id="18" dur="1" fill="hold">
-                                          <p:stCondLst>
-                                            <p:cond delay="0"/>
-                                          </p:stCondLst>
-                                        </p:cTn>
-                                        <p:tgtEl>
-                                          <p:spTgt spid="9"/>
-                                        </p:tgtEl>
-                                        <p:attrNameLst>
-                                          <p:attrName>style.visibility</p:attrName>
-                                        </p:attrNameLst>
-                                      </p:cBhvr>
-                                      <p:to>
-                                        <p:strVal val="visible"/>
-                                      </p:to>
-                                    </p:set>
-                                  </p:childTnLst>
-                                </p:cTn>
-                              </p:par>
-                              <p:par>
-                                <p:cTn id="19" presetID="1" presetClass="entr" presetSubtype="0" fill="hold" grpId="0" nodeType="withEffect">
-                                  <p:stCondLst>
-                                    <p:cond delay="0"/>
-                                  </p:stCondLst>
-                                  <p:childTnLst>
-                                    <p:set>
-                                      <p:cBhvr>
-                                        <p:cTn id="20" dur="1" fill="hold">
-                                          <p:stCondLst>
-                                            <p:cond delay="0"/>
-                                          </p:stCondLst>
-                                        </p:cTn>
-                                        <p:tgtEl>
-                                          <p:spTgt spid="10"/>
-                                        </p:tgtEl>
-                                        <p:attrNameLst>
-                                          <p:attrName>style.visibility</p:attrName>
-                                        </p:attrNameLst>
-                                      </p:cBhvr>
-                                      <p:to>
-                                        <p:strVal val="visible"/>
-                                      </p:to>
-                                    </p:set>
-                                  </p:childTnLst>
-                                </p:cTn>
-                              </p:par>
-                            </p:childTnLst>
-                          </p:cTn>
-                        </p:par>
-                      </p:childTnLst>
-                    </p:cTn>
-                  </p:par>
-                </p:childTnLst>
-              </p:cTn>
-              <p:prevCondLst>
-                <p:cond evt="onPrev" delay="0">
-                  <p:tgtEl>
-                    <p:sldTgt/>
-                  </p:tgtEl>
-                </p:cond>
-              </p:prevCondLst>
-              <p:nextCondLst>
-                <p:cond evt="onNext" delay="0">
-                  <p:tgtEl>
-                    <p:sldTgt/>
-                  </p:tgtEl>
-                </p:cond>
-              </p:nextCondLst>
-            </p:seq>
-          </p:childTnLst>
-        </p:cTn>
-      </p:par>
-    </p:tnLst>
-    <p:bldLst>
-      <p:bldP spid="5" grpId="0" animBg="1"/>
-      <p:bldP spid="6" grpId="0"/>
-      <p:bldP spid="7" grpId="0" animBg="1"/>
-      <p:bldP spid="8" grpId="0"/>
-      <p:bldP spid="9" grpId="0" animBg="1"/>
-      <p:bldP spid="10" grpId="0"/>
-    </p:bldLst>
-  </p:timing>
-</p:sld>
-</file>
-
-<file path=ppt/slides/slide83.xml><?xml version="1.0" encoding="utf-8"?>
-<p:sld xmlns:a="http://schemas.openxmlformats.org/drawingml/2006/main" xmlns:r="http://schemas.openxmlformats.org/officeDocument/2006/relationships" xmlns:p="http://schemas.openxmlformats.org/presentationml/2006/main">
-  <p:cSld>
-    <p:bg>
-      <p:bgPr>
-        <a:solidFill>
-          <a:schemeClr val="tx1"/>
-        </a:solidFill>
-        <a:effectLst/>
-      </p:bgPr>
-    </p:bg>
-    <p:spTree>
-      <p:nvGrpSpPr>
-        <p:cNvPr id="1" name=""/>
-        <p:cNvGrpSpPr/>
-        <p:nvPr/>
-      </p:nvGrpSpPr>
-      <p:grpSpPr>
-        <a:xfrm>
-          <a:off x="0" y="0"/>
-          <a:ext cx="0" cy="0"/>
-          <a:chOff x="0" y="0"/>
-          <a:chExt cx="0" cy="0"/>
-        </a:xfrm>
-      </p:grpSpPr>
-      <p:sp>
-        <p:nvSpPr>
-          <p:cNvPr id="2" name="Title 1"/>
-          <p:cNvSpPr>
-            <a:spLocks noGrp="1"/>
-          </p:cNvSpPr>
-          <p:nvPr>
-            <p:ph type="title"/>
-          </p:nvPr>
-        </p:nvSpPr>
-        <p:spPr>
-          <a:xfrm>
-            <a:off x="0" y="365125"/>
-            <a:ext cx="12192000" cy="6063107"/>
-          </a:xfrm>
-        </p:spPr>
-        <p:txBody>
-          <a:bodyPr>
-            <a:normAutofit/>
-          </a:bodyPr>
-          <a:lstStyle/>
-          <a:p>
-            <a:pPr algn="ctr"/>
-            <a:r>
-              <a:rPr lang="nl-NL" sz="6000">
-                <a:solidFill>
-                  <a:srgbClr val="00FF00"/>
-                </a:solidFill>
-                <a:latin typeface="Courier New" panose="02070309020205020404" pitchFamily="49" charset="0"/>
-                <a:cs typeface="Courier New" panose="02070309020205020404" pitchFamily="49" charset="0"/>
-              </a:rPr>
-              <a:t>http://wiremock.org/docs</a:t>
-            </a:r>
-            <a:br>
-              <a:rPr lang="nl-NL" sz="6000">
-                <a:solidFill>
-                  <a:srgbClr val="00FF00"/>
-                </a:solidFill>
-                <a:latin typeface="Courier New" panose="02070309020205020404" pitchFamily="49" charset="0"/>
-                <a:cs typeface="Courier New" panose="02070309020205020404" pitchFamily="49" charset="0"/>
-              </a:rPr>
-            </a:br>
-            <a:r>
-              <a:rPr lang="nl-NL" sz="6000">
-                <a:solidFill>
-                  <a:srgbClr val="00FF00"/>
-                </a:solidFill>
-                <a:latin typeface="Courier New" panose="02070309020205020404" pitchFamily="49" charset="0"/>
-                <a:cs typeface="Courier New" panose="02070309020205020404" pitchFamily="49" charset="0"/>
-              </a:rPr>
-              <a:t>/extending-wiremock/</a:t>
-            </a:r>
-          </a:p>
-        </p:txBody>
-      </p:sp>
-    </p:spTree>
-    <p:extLst>
-      <p:ext uri="{BB962C8B-B14F-4D97-AF65-F5344CB8AC3E}">
-        <p14:creationId xmlns:p14="http://schemas.microsoft.com/office/powerpoint/2010/main" val="2396040929"/>
-      </p:ext>
-    </p:extLst>
-  </p:cSld>
-  <p:clrMapOvr>
-    <a:masterClrMapping/>
-  </p:clrMapOvr>
-</p:sld>
-</file>
-
-<file path=ppt/slides/slide84.xml><?xml version="1.0" encoding="utf-8"?>
-<p:sld xmlns:a="http://schemas.openxmlformats.org/drawingml/2006/main" xmlns:r="http://schemas.openxmlformats.org/officeDocument/2006/relationships" xmlns:p="http://schemas.openxmlformats.org/presentationml/2006/main">
-  <p:cSld>
-    <p:bg>
-      <p:bgPr>
-        <a:solidFill>
-          <a:srgbClr val="000000"/>
-        </a:solidFill>
-        <a:effectLst/>
-      </p:bgPr>
-    </p:bg>
-    <p:spTree>
-      <p:nvGrpSpPr>
-        <p:cNvPr id="1" name=""/>
-        <p:cNvGrpSpPr/>
-        <p:nvPr/>
-      </p:nvGrpSpPr>
-      <p:grpSpPr>
-        <a:xfrm>
-          <a:off x="0" y="0"/>
-          <a:ext cx="0" cy="0"/>
-          <a:chOff x="0" y="0"/>
-          <a:chExt cx="0" cy="0"/>
-        </a:xfrm>
-      </p:grpSpPr>
-      <p:sp>
-        <p:nvSpPr>
-          <p:cNvPr id="2" name="Title 1">
-            <a:extLst>
-              <a:ext uri="{FF2B5EF4-FFF2-40B4-BE49-F238E27FC236}">
-                <a16:creationId xmlns:a16="http://schemas.microsoft.com/office/drawing/2014/main" id="{C0B4D458-4D33-4286-AFEF-1B613A4DDEAA}"/>
-              </a:ext>
-            </a:extLst>
-          </p:cNvPr>
-          <p:cNvSpPr txBox="1">
-            <a:spLocks noGrp="1"/>
-          </p:cNvSpPr>
-          <p:nvPr>
-            <p:ph type="title"/>
-          </p:nvPr>
-        </p:nvSpPr>
-        <p:spPr>
-          <a:xfrm>
-            <a:off x="838200" y="111129"/>
-            <a:ext cx="10515600" cy="721991"/>
-          </a:xfrm>
-        </p:spPr>
-        <p:txBody>
-          <a:bodyPr/>
-          <a:lstStyle/>
-          <a:p>
-            <a:pPr lvl="0"/>
-            <a:r>
-              <a:rPr lang="nl-NL">
-                <a:solidFill>
-                  <a:srgbClr val="00FF00"/>
-                </a:solidFill>
-                <a:latin typeface="Courier New" pitchFamily="49"/>
-                <a:cs typeface="Courier New" pitchFamily="49"/>
-              </a:rPr>
-              <a:t>Now it’s your turn!</a:t>
-            </a:r>
-            <a:endParaRPr lang="nl-NL" dirty="0">
-              <a:solidFill>
-                <a:srgbClr val="00FF00"/>
-              </a:solidFill>
-              <a:latin typeface="Courier New" pitchFamily="49"/>
-              <a:cs typeface="Courier New" pitchFamily="49"/>
-            </a:endParaRPr>
-          </a:p>
-        </p:txBody>
-      </p:sp>
-      <p:sp>
-        <p:nvSpPr>
-          <p:cNvPr id="3" name="Content Placeholder 2">
-            <a:extLst>
-              <a:ext uri="{FF2B5EF4-FFF2-40B4-BE49-F238E27FC236}">
-                <a16:creationId xmlns:a16="http://schemas.microsoft.com/office/drawing/2014/main" id="{9A05396D-29B9-41A6-9997-E363A9EA5C37}"/>
-              </a:ext>
-            </a:extLst>
-          </p:cNvPr>
-          <p:cNvSpPr txBox="1">
-            <a:spLocks noGrp="1"/>
-          </p:cNvSpPr>
-          <p:nvPr>
-            <p:ph idx="1"/>
-          </p:nvPr>
-        </p:nvSpPr>
-        <p:spPr>
-          <a:xfrm>
-            <a:off x="838200" y="1307466"/>
-            <a:ext cx="10977877" cy="5439405"/>
-          </a:xfrm>
-        </p:spPr>
-        <p:txBody>
-          <a:bodyPr>
-            <a:normAutofit fontScale="92500" lnSpcReduction="20000"/>
-          </a:bodyPr>
-          <a:lstStyle/>
-          <a:p>
-            <a:pPr lvl="0">
-              <a:buFont typeface="Courier New" pitchFamily="49"/>
-              <a:buChar char="_"/>
-            </a:pPr>
-            <a:r>
-              <a:rPr lang="nl-NL">
-                <a:solidFill>
-                  <a:srgbClr val="00FF00"/>
-                </a:solidFill>
-                <a:latin typeface="Courier New" pitchFamily="49"/>
-                <a:cs typeface="Courier New" pitchFamily="49"/>
-              </a:rPr>
-              <a:t>exercises &gt; extensions &gt; AddUuidHeaderTransformer.</a:t>
-            </a:r>
-            <a:r>
-              <a:rPr lang="nl-NL" dirty="0">
-                <a:solidFill>
-                  <a:srgbClr val="00FF00"/>
-                </a:solidFill>
-                <a:latin typeface="Courier New" pitchFamily="49"/>
-                <a:cs typeface="Courier New" pitchFamily="49"/>
-              </a:rPr>
-              <a:t>java</a:t>
-            </a:r>
-          </a:p>
-          <a:p>
-            <a:pPr lvl="0">
-              <a:buFont typeface="Courier New" pitchFamily="49"/>
-              <a:buChar char="_"/>
-            </a:pPr>
-            <a:endParaRPr lang="nl-NL" dirty="0">
-              <a:solidFill>
-                <a:srgbClr val="00FF00"/>
-              </a:solidFill>
-              <a:latin typeface="Courier New" pitchFamily="49"/>
-              <a:cs typeface="Courier New" pitchFamily="49"/>
-            </a:endParaRPr>
-          </a:p>
-          <a:p>
-            <a:pPr lvl="0">
-              <a:buFont typeface="Courier New" pitchFamily="49"/>
-              <a:buChar char="_"/>
-            </a:pPr>
-            <a:r>
-              <a:rPr lang="nl-NL">
-                <a:solidFill>
-                  <a:srgbClr val="00FF00"/>
-                </a:solidFill>
-                <a:latin typeface="Courier New" pitchFamily="49"/>
-                <a:cs typeface="Courier New" pitchFamily="49"/>
-              </a:rPr>
-              <a:t>Implement a response definition transformer that adds the requested header to a response</a:t>
-            </a:r>
-          </a:p>
-          <a:p>
-            <a:pPr lvl="0">
-              <a:buFont typeface="Courier New" pitchFamily="49"/>
-              <a:buChar char="_"/>
-            </a:pPr>
-            <a:endParaRPr lang="nl-NL">
-              <a:solidFill>
-                <a:srgbClr val="00FF00"/>
-              </a:solidFill>
-              <a:latin typeface="Courier New" pitchFamily="49"/>
-              <a:cs typeface="Courier New" pitchFamily="49"/>
-            </a:endParaRPr>
-          </a:p>
-          <a:p>
-            <a:pPr lvl="0">
-              <a:buFont typeface="Courier New" pitchFamily="49"/>
-              <a:buChar char="_"/>
-            </a:pPr>
-            <a:r>
-              <a:rPr lang="nl-NL">
-                <a:solidFill>
-                  <a:srgbClr val="00FF00"/>
-                </a:solidFill>
-                <a:latin typeface="Courier New" pitchFamily="49"/>
-                <a:cs typeface="Courier New" pitchFamily="49"/>
-              </a:rPr>
-              <a:t>Verify </a:t>
-            </a:r>
-            <a:r>
-              <a:rPr lang="nl-NL" dirty="0" err="1">
-                <a:solidFill>
-                  <a:srgbClr val="00FF00"/>
-                </a:solidFill>
-                <a:latin typeface="Courier New" pitchFamily="49"/>
-                <a:cs typeface="Courier New" pitchFamily="49"/>
-              </a:rPr>
-              <a:t>your</a:t>
-            </a:r>
-            <a:r>
-              <a:rPr lang="nl-NL" dirty="0">
-                <a:solidFill>
-                  <a:srgbClr val="00FF00"/>
-                </a:solidFill>
-                <a:latin typeface="Courier New" pitchFamily="49"/>
-                <a:cs typeface="Courier New" pitchFamily="49"/>
-              </a:rPr>
-              <a:t> solution </a:t>
-            </a:r>
-            <a:r>
-              <a:rPr lang="nl-NL" dirty="0" err="1">
-                <a:solidFill>
-                  <a:srgbClr val="00FF00"/>
-                </a:solidFill>
-                <a:latin typeface="Courier New" pitchFamily="49"/>
-                <a:cs typeface="Courier New" pitchFamily="49"/>
-              </a:rPr>
-              <a:t>by</a:t>
-            </a:r>
-            <a:r>
-              <a:rPr lang="nl-NL" dirty="0">
-                <a:solidFill>
-                  <a:srgbClr val="00FF00"/>
-                </a:solidFill>
-                <a:latin typeface="Courier New" pitchFamily="49"/>
-                <a:cs typeface="Courier New" pitchFamily="49"/>
-              </a:rPr>
-              <a:t> running </a:t>
-            </a:r>
-            <a:r>
-              <a:rPr lang="nl-NL" err="1">
-                <a:solidFill>
-                  <a:srgbClr val="00FF00"/>
-                </a:solidFill>
-                <a:latin typeface="Courier New" pitchFamily="49"/>
-                <a:cs typeface="Courier New" pitchFamily="49"/>
-              </a:rPr>
-              <a:t>the</a:t>
-            </a:r>
-            <a:r>
-              <a:rPr lang="nl-NL">
-                <a:solidFill>
-                  <a:srgbClr val="00FF00"/>
-                </a:solidFill>
-                <a:latin typeface="Courier New" pitchFamily="49"/>
-                <a:cs typeface="Courier New" pitchFamily="49"/>
-              </a:rPr>
-              <a:t> tests in exercises &gt; WireMockExercises6dot4Test.java</a:t>
-            </a:r>
-          </a:p>
-          <a:p>
-            <a:pPr lvl="0">
-              <a:buFont typeface="Courier New" pitchFamily="49"/>
-              <a:buChar char="_"/>
-            </a:pPr>
-            <a:endParaRPr lang="nl-NL">
-              <a:solidFill>
-                <a:srgbClr val="00FF00"/>
-              </a:solidFill>
-              <a:latin typeface="Courier New" pitchFamily="49"/>
-              <a:cs typeface="Courier New" pitchFamily="49"/>
-            </a:endParaRPr>
-          </a:p>
-          <a:p>
-            <a:pPr lvl="0">
-              <a:buFont typeface="Courier New" pitchFamily="49"/>
-              <a:buChar char="_"/>
-            </a:pPr>
-            <a:r>
-              <a:rPr lang="nl-NL">
-                <a:solidFill>
-                  <a:srgbClr val="00FF00"/>
-                </a:solidFill>
-                <a:latin typeface="Courier New" pitchFamily="49"/>
-                <a:cs typeface="Courier New" pitchFamily="49"/>
-              </a:rPr>
-              <a:t>Answers are in answers &gt; extensions &gt; AddUuidHeaderTransformer.java</a:t>
-            </a:r>
-          </a:p>
-          <a:p>
-            <a:pPr lvl="0">
-              <a:buFont typeface="Courier New" pitchFamily="49"/>
-              <a:buChar char="_"/>
-            </a:pPr>
-            <a:endParaRPr lang="nl-NL">
-              <a:solidFill>
-                <a:srgbClr val="00FF00"/>
-              </a:solidFill>
-              <a:latin typeface="Courier New" pitchFamily="49"/>
-              <a:cs typeface="Courier New" pitchFamily="49"/>
-            </a:endParaRPr>
-          </a:p>
-          <a:p>
-            <a:pPr lvl="0">
-              <a:buFont typeface="Courier New" pitchFamily="49"/>
-              <a:buChar char="_"/>
-            </a:pPr>
-            <a:r>
-              <a:rPr lang="nl-NL">
-                <a:solidFill>
-                  <a:srgbClr val="00FF00"/>
-                </a:solidFill>
-                <a:latin typeface="Courier New" pitchFamily="49"/>
-                <a:cs typeface="Courier New" pitchFamily="49"/>
-              </a:rPr>
-              <a:t>Examples are in examples &gt; extensions &gt; CreateDateHeaderDefinitionTransformer.java</a:t>
-            </a:r>
-            <a:endParaRPr lang="nl-NL" dirty="0">
-              <a:solidFill>
-                <a:srgbClr val="00FF00"/>
-              </a:solidFill>
-              <a:latin typeface="Courier New" pitchFamily="49"/>
-              <a:cs typeface="Courier New" pitchFamily="49"/>
-            </a:endParaRPr>
-          </a:p>
-          <a:p>
-            <a:pPr lvl="0">
-              <a:buFont typeface="Courier New" pitchFamily="49"/>
-              <a:buChar char="_"/>
-            </a:pPr>
-            <a:endParaRPr lang="nl-NL" dirty="0">
-              <a:solidFill>
-                <a:srgbClr val="00FF00"/>
-              </a:solidFill>
-              <a:latin typeface="Courier New" pitchFamily="49"/>
-              <a:cs typeface="Courier New" pitchFamily="49"/>
-            </a:endParaRPr>
-          </a:p>
-          <a:p>
-            <a:pPr lvl="0">
-              <a:buFont typeface="Courier New" pitchFamily="49"/>
-              <a:buChar char="_"/>
-            </a:pPr>
-            <a:endParaRPr lang="nl-NL" dirty="0">
-              <a:solidFill>
-                <a:srgbClr val="00FF00"/>
-              </a:solidFill>
-              <a:latin typeface="Courier New" pitchFamily="49"/>
-              <a:cs typeface="Courier New" pitchFamily="49"/>
-            </a:endParaRPr>
-          </a:p>
-          <a:p>
-            <a:pPr lvl="0">
-              <a:buFont typeface="Courier New" pitchFamily="49"/>
-              <a:buChar char="_"/>
-            </a:pPr>
-            <a:endParaRPr lang="nl-NL" dirty="0">
-              <a:solidFill>
-                <a:srgbClr val="00FF00"/>
-              </a:solidFill>
-              <a:latin typeface="Courier New" pitchFamily="49"/>
-              <a:cs typeface="Courier New" pitchFamily="49"/>
-            </a:endParaRPr>
-          </a:p>
-          <a:p>
-            <a:pPr lvl="0">
-              <a:buFont typeface="Courier New" pitchFamily="49"/>
-              <a:buChar char="_"/>
-            </a:pPr>
-            <a:endParaRPr lang="nl-NL" dirty="0">
-              <a:solidFill>
-                <a:srgbClr val="00FF00"/>
-              </a:solidFill>
-              <a:latin typeface="Courier New" pitchFamily="49"/>
-              <a:cs typeface="Courier New" pitchFamily="49"/>
-            </a:endParaRPr>
-          </a:p>
-          <a:p>
-            <a:pPr lvl="0">
-              <a:buFont typeface="Courier New" pitchFamily="49"/>
-              <a:buChar char="_"/>
-            </a:pPr>
-            <a:endParaRPr lang="nl-NL" dirty="0">
-              <a:solidFill>
-                <a:srgbClr val="00FF00"/>
-              </a:solidFill>
-              <a:latin typeface="Courier New" pitchFamily="49"/>
-              <a:cs typeface="Courier New" pitchFamily="49"/>
-            </a:endParaRPr>
-          </a:p>
-        </p:txBody>
-      </p:sp>
-    </p:spTree>
-    <p:extLst>
-      <p:ext uri="{BB962C8B-B14F-4D97-AF65-F5344CB8AC3E}">
-        <p14:creationId xmlns:p14="http://schemas.microsoft.com/office/powerpoint/2010/main" val="3892295228"/>
-      </p:ext>
-    </p:extLst>
-  </p:cSld>
-  <p:clrMapOvr>
-    <a:masterClrMapping/>
-  </p:clrMapOvr>
-</p:sld>
-</file>
-
-<file path=ppt/slides/slide85.xml><?xml version="1.0" encoding="utf-8"?>
-<p:sld xmlns:a="http://schemas.openxmlformats.org/drawingml/2006/main" xmlns:r="http://schemas.openxmlformats.org/officeDocument/2006/relationships" xmlns:p="http://schemas.openxmlformats.org/presentationml/2006/main">
-  <p:cSld>
-    <p:bg>
-      <p:bgPr>
-        <a:solidFill>
-          <a:schemeClr val="tx1"/>
-        </a:solidFill>
-        <a:effectLst/>
-      </p:bgPr>
-    </p:bg>
-    <p:spTree>
-      <p:nvGrpSpPr>
-        <p:cNvPr id="1" name=""/>
-        <p:cNvGrpSpPr/>
-        <p:nvPr/>
-      </p:nvGrpSpPr>
-      <p:grpSpPr>
-        <a:xfrm>
-          <a:off x="0" y="0"/>
-          <a:ext cx="0" cy="0"/>
-          <a:chOff x="0" y="0"/>
-          <a:chExt cx="0" cy="0"/>
-        </a:xfrm>
-      </p:grpSpPr>
-      <p:sp>
-        <p:nvSpPr>
-          <p:cNvPr id="2" name="Title 1"/>
-          <p:cNvSpPr>
-            <a:spLocks noGrp="1"/>
-          </p:cNvSpPr>
-          <p:nvPr>
-            <p:ph type="title"/>
-          </p:nvPr>
-        </p:nvSpPr>
-        <p:spPr>
-          <a:xfrm>
-            <a:off x="2" y="2267636"/>
-            <a:ext cx="12191998" cy="2369662"/>
-          </a:xfrm>
-        </p:spPr>
-        <p:txBody>
-          <a:bodyPr>
-            <a:noAutofit/>
-          </a:bodyPr>
-          <a:lstStyle/>
-          <a:p>
-            <a:pPr algn="ctr"/>
-            <a:r>
-              <a:rPr lang="nl-NL" sz="6500">
-                <a:solidFill>
-                  <a:srgbClr val="00FF00"/>
-                </a:solidFill>
-                <a:latin typeface="Courier New" panose="02070309020205020404" pitchFamily="49" charset="0"/>
-                <a:cs typeface="Courier New" panose="02070309020205020404" pitchFamily="49" charset="0"/>
-              </a:rPr>
-              <a:t>Appendix A:</a:t>
-            </a:r>
-            <a:br>
-              <a:rPr lang="nl-NL" sz="6500">
-                <a:solidFill>
-                  <a:srgbClr val="00FF00"/>
-                </a:solidFill>
-                <a:latin typeface="Courier New" panose="02070309020205020404" pitchFamily="49" charset="0"/>
-                <a:cs typeface="Courier New" panose="02070309020205020404" pitchFamily="49" charset="0"/>
-              </a:rPr>
-            </a:br>
-            <a:br>
-              <a:rPr lang="nl-NL" sz="6500">
-                <a:solidFill>
-                  <a:srgbClr val="00FF00"/>
-                </a:solidFill>
-                <a:latin typeface="Courier New" panose="02070309020205020404" pitchFamily="49" charset="0"/>
-                <a:cs typeface="Courier New" panose="02070309020205020404" pitchFamily="49" charset="0"/>
-              </a:rPr>
-            </a:br>
-            <a:r>
-              <a:rPr lang="nl-NL" sz="6500">
-                <a:solidFill>
-                  <a:srgbClr val="00FF00"/>
-                </a:solidFill>
-                <a:latin typeface="Courier New" panose="02070309020205020404" pitchFamily="49" charset="0"/>
-                <a:cs typeface="Courier New" panose="02070309020205020404" pitchFamily="49" charset="0"/>
-              </a:rPr>
-              <a:t>JSON equivalents for</a:t>
-            </a:r>
-            <a:br>
-              <a:rPr lang="nl-NL" sz="6500">
-                <a:solidFill>
-                  <a:srgbClr val="00FF00"/>
-                </a:solidFill>
-                <a:latin typeface="Courier New" panose="02070309020205020404" pitchFamily="49" charset="0"/>
-                <a:cs typeface="Courier New" panose="02070309020205020404" pitchFamily="49" charset="0"/>
-              </a:rPr>
-            </a:br>
-            <a:r>
-              <a:rPr lang="nl-NL" sz="6500">
-                <a:solidFill>
-                  <a:srgbClr val="00FF00"/>
-                </a:solidFill>
-                <a:latin typeface="Courier New" panose="02070309020205020404" pitchFamily="49" charset="0"/>
-                <a:cs typeface="Courier New" panose="02070309020205020404" pitchFamily="49" charset="0"/>
-              </a:rPr>
-              <a:t>the Java examples</a:t>
-            </a:r>
-            <a:endParaRPr lang="nl-NL" sz="6500" dirty="0">
-              <a:solidFill>
-                <a:srgbClr val="00FF00"/>
-              </a:solidFill>
-              <a:latin typeface="Courier New" panose="02070309020205020404" pitchFamily="49" charset="0"/>
-              <a:cs typeface="Courier New" panose="02070309020205020404" pitchFamily="49" charset="0"/>
-            </a:endParaRPr>
-          </a:p>
-        </p:txBody>
-      </p:sp>
-    </p:spTree>
-    <p:extLst>
-      <p:ext uri="{BB962C8B-B14F-4D97-AF65-F5344CB8AC3E}">
-        <p14:creationId xmlns:p14="http://schemas.microsoft.com/office/powerpoint/2010/main" val="1735981603"/>
-      </p:ext>
-    </p:extLst>
-  </p:cSld>
-  <p:clrMapOvr>
-    <a:masterClrMapping/>
-  </p:clrMapOvr>
-</p:sld>
-</file>
-
-<file path=ppt/slides/slide86.xml><?xml version="1.0" encoding="utf-8"?>
-<p:sld xmlns:a="http://schemas.openxmlformats.org/drawingml/2006/main" xmlns:r="http://schemas.openxmlformats.org/officeDocument/2006/relationships" xmlns:p="http://schemas.openxmlformats.org/presentationml/2006/main">
-  <p:cSld>
-    <p:bg>
-      <p:bgPr>
-        <a:solidFill>
-          <a:srgbClr val="000000"/>
-        </a:solidFill>
-        <a:effectLst/>
-      </p:bgPr>
-    </p:bg>
-    <p:spTree>
-      <p:nvGrpSpPr>
-        <p:cNvPr id="1" name=""/>
-        <p:cNvGrpSpPr/>
-        <p:nvPr/>
-      </p:nvGrpSpPr>
-      <p:grpSpPr>
-        <a:xfrm>
-          <a:off x="0" y="0"/>
-          <a:ext cx="0" cy="0"/>
-          <a:chOff x="0" y="0"/>
-          <a:chExt cx="0" cy="0"/>
-        </a:xfrm>
-      </p:grpSpPr>
-      <p:pic>
-        <p:nvPicPr>
           <p:cNvPr id="3" name="Afbeelding 2">
             <a:extLst>
               <a:ext uri="{FF2B5EF4-FFF2-40B4-BE49-F238E27FC236}">
@@ -52780,7 +49473,7 @@
 </p:sld>
 </file>
 
-<file path=ppt/slides/slide87.xml><?xml version="1.0" encoding="utf-8"?>
+<file path=ppt/slides/slide81.xml><?xml version="1.0" encoding="utf-8"?>
 <p:sld xmlns:a="http://schemas.openxmlformats.org/drawingml/2006/main" xmlns:r="http://schemas.openxmlformats.org/officeDocument/2006/relationships" xmlns:p="http://schemas.openxmlformats.org/presentationml/2006/main">
   <p:cSld>
     <p:bg>
@@ -52883,7 +49576,7 @@
 </p:sld>
 </file>
 
-<file path=ppt/slides/slide88.xml><?xml version="1.0" encoding="utf-8"?>
+<file path=ppt/slides/slide82.xml><?xml version="1.0" encoding="utf-8"?>
 <p:sld xmlns:a="http://schemas.openxmlformats.org/drawingml/2006/main" xmlns:r="http://schemas.openxmlformats.org/officeDocument/2006/relationships" xmlns:p="http://schemas.openxmlformats.org/presentationml/2006/main">
   <p:cSld>
     <p:bg>
@@ -52991,7 +49684,7 @@
 </p:sld>
 </file>
 
-<file path=ppt/slides/slide89.xml><?xml version="1.0" encoding="utf-8"?>
+<file path=ppt/slides/slide83.xml><?xml version="1.0" encoding="utf-8"?>
 <p:sld xmlns:a="http://schemas.openxmlformats.org/drawingml/2006/main" xmlns:r="http://schemas.openxmlformats.org/officeDocument/2006/relationships" xmlns:p="http://schemas.openxmlformats.org/presentationml/2006/main">
   <p:cSld>
     <p:bg>
@@ -53094,838 +49787,7 @@
 </p:sld>
 </file>
 
-<file path=ppt/slides/slide9.xml><?xml version="1.0" encoding="utf-8"?>
-<p:sld xmlns:a="http://schemas.openxmlformats.org/drawingml/2006/main" xmlns:r="http://schemas.openxmlformats.org/officeDocument/2006/relationships" xmlns:p="http://schemas.openxmlformats.org/presentationml/2006/main">
-  <p:cSld name="Slide79">
-    <p:bg>
-      <p:bgPr>
-        <a:solidFill>
-          <a:srgbClr val="000000"/>
-        </a:solidFill>
-        <a:effectLst/>
-      </p:bgPr>
-    </p:bg>
-    <p:spTree>
-      <p:nvGrpSpPr>
-        <p:cNvPr id="1" name=""/>
-        <p:cNvGrpSpPr/>
-        <p:nvPr/>
-      </p:nvGrpSpPr>
-      <p:grpSpPr>
-        <a:xfrm>
-          <a:off x="0" y="0"/>
-          <a:ext cx="0" cy="0"/>
-          <a:chOff x="0" y="0"/>
-          <a:chExt cx="0" cy="0"/>
-        </a:xfrm>
-      </p:grpSpPr>
-      <p:sp>
-        <p:nvSpPr>
-          <p:cNvPr id="2" name="Title 1">
-            <a:extLst>
-              <a:ext uri="{FF2B5EF4-FFF2-40B4-BE49-F238E27FC236}">
-                <a16:creationId xmlns:a16="http://schemas.microsoft.com/office/drawing/2014/main" id="{1D6871AE-A81A-44AF-9BB2-EB497F0A297B}"/>
-              </a:ext>
-            </a:extLst>
-          </p:cNvPr>
-          <p:cNvSpPr txBox="1">
-            <a:spLocks noGrp="1"/>
-          </p:cNvSpPr>
-          <p:nvPr>
-            <p:ph type="title"/>
-          </p:nvPr>
-        </p:nvSpPr>
-        <p:spPr>
-          <a:xfrm>
-            <a:off x="838203" y="335758"/>
-            <a:ext cx="11096628" cy="1325559"/>
-          </a:xfrm>
-        </p:spPr>
-        <p:txBody>
-          <a:bodyPr/>
-          <a:lstStyle/>
-          <a:p>
-            <a:pPr lvl="0"/>
-            <a:r>
-              <a:rPr lang="nl-NL">
-                <a:solidFill>
-                  <a:srgbClr val="00FF00"/>
-                </a:solidFill>
-                <a:latin typeface="Courier New" pitchFamily="49"/>
-                <a:cs typeface="Courier New" pitchFamily="49"/>
-              </a:rPr>
-              <a:t>Simulation in test environments</a:t>
-            </a:r>
-          </a:p>
-        </p:txBody>
-      </p:sp>
-      <p:sp>
-        <p:nvSpPr>
-          <p:cNvPr id="3" name="Rectangle 7">
-            <a:extLst>
-              <a:ext uri="{FF2B5EF4-FFF2-40B4-BE49-F238E27FC236}">
-                <a16:creationId xmlns:a16="http://schemas.microsoft.com/office/drawing/2014/main" id="{0CC3CB45-97A0-4D07-973F-D8E709063C05}"/>
-              </a:ext>
-            </a:extLst>
-          </p:cNvPr>
-          <p:cNvSpPr/>
-          <p:nvPr/>
-        </p:nvSpPr>
-        <p:spPr>
-          <a:xfrm>
-            <a:off x="4602952" y="3793946"/>
-            <a:ext cx="2986092" cy="571500"/>
-          </a:xfrm>
-          <a:prstGeom prst="rect">
-            <a:avLst/>
-          </a:prstGeom>
-          <a:solidFill>
-            <a:srgbClr val="00FF00"/>
-          </a:solidFill>
-          <a:ln w="38103" cap="flat">
-            <a:solidFill>
-              <a:srgbClr val="00FF00"/>
-            </a:solidFill>
-            <a:prstDash val="solid"/>
-            <a:miter/>
-          </a:ln>
-        </p:spPr>
-        <p:txBody>
-          <a:bodyPr vert="horz" wrap="square" lIns="91440" tIns="45720" rIns="91440" bIns="45720" anchor="ctr" anchorCtr="1" compatLnSpc="1">
-            <a:noAutofit/>
-          </a:bodyPr>
-          <a:lstStyle/>
-          <a:p>
-            <a:pPr marL="0" marR="0" lvl="0" indent="0" algn="ctr" defTabSz="914400" rtl="0" fontAlgn="auto" hangingPunct="1">
-              <a:lnSpc>
-                <a:spcPct val="100000"/>
-              </a:lnSpc>
-              <a:spcBef>
-                <a:spcPts val="0"/>
-              </a:spcBef>
-              <a:spcAft>
-                <a:spcPts val="0"/>
-              </a:spcAft>
-              <a:buNone/>
-              <a:tabLst/>
-              <a:defRPr sz="1800" b="0" i="0" u="none" strike="noStrike" kern="0" cap="none" spc="0" baseline="0">
-                <a:solidFill>
-                  <a:srgbClr val="000000"/>
-                </a:solidFill>
-                <a:uFillTx/>
-              </a:defRPr>
-            </a:pPr>
-            <a:r>
-              <a:rPr lang="nl-NL" sz="2000" b="1" i="0" u="none" strike="noStrike" kern="1200" cap="none" spc="0" baseline="0">
-                <a:solidFill>
-                  <a:srgbClr val="000000"/>
-                </a:solidFill>
-                <a:uFillTx/>
-                <a:latin typeface="Courier New" pitchFamily="49"/>
-                <a:cs typeface="Courier New" pitchFamily="49"/>
-              </a:rPr>
-              <a:t>System under test</a:t>
-            </a:r>
-          </a:p>
-        </p:txBody>
-      </p:sp>
-      <p:sp>
-        <p:nvSpPr>
-          <p:cNvPr id="4" name="Rectangle 8">
-            <a:extLst>
-              <a:ext uri="{FF2B5EF4-FFF2-40B4-BE49-F238E27FC236}">
-                <a16:creationId xmlns:a16="http://schemas.microsoft.com/office/drawing/2014/main" id="{0842ECDA-E0BE-441A-80B5-765C2B9AD87F}"/>
-              </a:ext>
-            </a:extLst>
-          </p:cNvPr>
-          <p:cNvSpPr/>
-          <p:nvPr/>
-        </p:nvSpPr>
-        <p:spPr>
-          <a:xfrm>
-            <a:off x="7879558" y="5573514"/>
-            <a:ext cx="2143125" cy="981078"/>
-          </a:xfrm>
-          <a:prstGeom prst="rect">
-            <a:avLst/>
-          </a:prstGeom>
-          <a:noFill/>
-          <a:ln w="38103" cap="flat">
-            <a:solidFill>
-              <a:srgbClr val="00FF00"/>
-            </a:solidFill>
-            <a:prstDash val="solid"/>
-            <a:miter/>
-          </a:ln>
-        </p:spPr>
-        <p:txBody>
-          <a:bodyPr vert="horz" wrap="square" lIns="91440" tIns="45720" rIns="91440" bIns="45720" anchor="ctr" anchorCtr="1" compatLnSpc="1">
-            <a:noAutofit/>
-          </a:bodyPr>
-          <a:lstStyle/>
-          <a:p>
-            <a:pPr marL="0" marR="0" lvl="0" indent="0" algn="ctr" defTabSz="914400" rtl="0" fontAlgn="auto" hangingPunct="1">
-              <a:lnSpc>
-                <a:spcPct val="100000"/>
-              </a:lnSpc>
-              <a:spcBef>
-                <a:spcPts val="0"/>
-              </a:spcBef>
-              <a:spcAft>
-                <a:spcPts val="0"/>
-              </a:spcAft>
-              <a:buNone/>
-              <a:tabLst/>
-              <a:defRPr sz="1800" b="0" i="0" u="none" strike="noStrike" kern="0" cap="none" spc="0" baseline="0">
-                <a:solidFill>
-                  <a:srgbClr val="000000"/>
-                </a:solidFill>
-                <a:uFillTx/>
-              </a:defRPr>
-            </a:pPr>
-            <a:r>
-              <a:rPr lang="nl-NL" sz="2000" b="0" i="0" u="none" strike="noStrike" kern="1200" cap="none" spc="0" baseline="0">
-                <a:solidFill>
-                  <a:srgbClr val="00FF00"/>
-                </a:solidFill>
-                <a:uFillTx/>
-                <a:latin typeface="Courier New" pitchFamily="49"/>
-                <a:cs typeface="Courier New" pitchFamily="49"/>
-              </a:rPr>
-              <a:t>Virtualized mainframe</a:t>
-            </a:r>
-          </a:p>
-        </p:txBody>
-      </p:sp>
-      <p:sp>
-        <p:nvSpPr>
-          <p:cNvPr id="5" name="Rectangle 10">
-            <a:extLst>
-              <a:ext uri="{FF2B5EF4-FFF2-40B4-BE49-F238E27FC236}">
-                <a16:creationId xmlns:a16="http://schemas.microsoft.com/office/drawing/2014/main" id="{DF8A6E81-DF89-43FD-BE15-4FE45DB563E9}"/>
-              </a:ext>
-            </a:extLst>
-          </p:cNvPr>
-          <p:cNvSpPr/>
-          <p:nvPr/>
-        </p:nvSpPr>
-        <p:spPr>
-          <a:xfrm>
-            <a:off x="7879558" y="1523408"/>
-            <a:ext cx="2143125" cy="981078"/>
-          </a:xfrm>
-          <a:prstGeom prst="rect">
-            <a:avLst/>
-          </a:prstGeom>
-          <a:noFill/>
-          <a:ln w="38103" cap="flat">
-            <a:solidFill>
-              <a:srgbClr val="00FF00"/>
-            </a:solidFill>
-            <a:prstDash val="solid"/>
-            <a:miter/>
-          </a:ln>
-        </p:spPr>
-        <p:txBody>
-          <a:bodyPr vert="horz" wrap="square" lIns="91440" tIns="45720" rIns="91440" bIns="45720" anchor="ctr" anchorCtr="1" compatLnSpc="1">
-            <a:noAutofit/>
-          </a:bodyPr>
-          <a:lstStyle/>
-          <a:p>
-            <a:pPr marL="0" marR="0" lvl="0" indent="0" algn="ctr" defTabSz="914400" rtl="0" fontAlgn="auto" hangingPunct="1">
-              <a:lnSpc>
-                <a:spcPct val="100000"/>
-              </a:lnSpc>
-              <a:spcBef>
-                <a:spcPts val="0"/>
-              </a:spcBef>
-              <a:spcAft>
-                <a:spcPts val="0"/>
-              </a:spcAft>
-              <a:buNone/>
-              <a:tabLst/>
-              <a:defRPr sz="1800" b="0" i="0" u="none" strike="noStrike" kern="0" cap="none" spc="0" baseline="0">
-                <a:solidFill>
-                  <a:srgbClr val="000000"/>
-                </a:solidFill>
-                <a:uFillTx/>
-              </a:defRPr>
-            </a:pPr>
-            <a:r>
-              <a:rPr lang="nl-NL" sz="2000" b="0" i="0" u="none" strike="noStrike" kern="1200" cap="none" spc="0" baseline="0">
-                <a:solidFill>
-                  <a:srgbClr val="00FF00"/>
-                </a:solidFill>
-                <a:uFillTx/>
-                <a:latin typeface="Courier New" pitchFamily="49"/>
-                <a:cs typeface="Courier New" pitchFamily="49"/>
-              </a:rPr>
-              <a:t>Virtualized SaaS dependency</a:t>
-            </a:r>
-          </a:p>
-        </p:txBody>
-      </p:sp>
-      <p:sp>
-        <p:nvSpPr>
-          <p:cNvPr id="6" name="Rectangle 11">
-            <a:extLst>
-              <a:ext uri="{FF2B5EF4-FFF2-40B4-BE49-F238E27FC236}">
-                <a16:creationId xmlns:a16="http://schemas.microsoft.com/office/drawing/2014/main" id="{4380382A-FF38-444E-9447-8DC9A5E5D898}"/>
-              </a:ext>
-            </a:extLst>
-          </p:cNvPr>
-          <p:cNvSpPr/>
-          <p:nvPr/>
-        </p:nvSpPr>
-        <p:spPr>
-          <a:xfrm>
-            <a:off x="2168124" y="5591967"/>
-            <a:ext cx="2143125" cy="981078"/>
-          </a:xfrm>
-          <a:prstGeom prst="rect">
-            <a:avLst/>
-          </a:prstGeom>
-          <a:noFill/>
-          <a:ln w="38103" cap="flat">
-            <a:solidFill>
-              <a:srgbClr val="00FF00"/>
-            </a:solidFill>
-            <a:prstDash val="solid"/>
-            <a:miter/>
-          </a:ln>
-        </p:spPr>
-        <p:txBody>
-          <a:bodyPr vert="horz" wrap="square" lIns="91440" tIns="45720" rIns="91440" bIns="45720" anchor="ctr" anchorCtr="1" compatLnSpc="1">
-            <a:noAutofit/>
-          </a:bodyPr>
-          <a:lstStyle/>
-          <a:p>
-            <a:pPr marL="0" marR="0" lvl="0" indent="0" algn="ctr" defTabSz="914400" rtl="0" fontAlgn="auto" hangingPunct="1">
-              <a:lnSpc>
-                <a:spcPct val="100000"/>
-              </a:lnSpc>
-              <a:spcBef>
-                <a:spcPts val="0"/>
-              </a:spcBef>
-              <a:spcAft>
-                <a:spcPts val="0"/>
-              </a:spcAft>
-              <a:buNone/>
-              <a:tabLst/>
-              <a:defRPr sz="1800" b="0" i="0" u="none" strike="noStrike" kern="0" cap="none" spc="0" baseline="0">
-                <a:solidFill>
-                  <a:srgbClr val="000000"/>
-                </a:solidFill>
-                <a:uFillTx/>
-              </a:defRPr>
-            </a:pPr>
-            <a:r>
-              <a:rPr lang="nl-NL" sz="2000" b="0" i="0" u="none" strike="noStrike" kern="1200" cap="none" spc="0" baseline="0">
-                <a:solidFill>
-                  <a:srgbClr val="00FF00"/>
-                </a:solidFill>
-                <a:uFillTx/>
-                <a:latin typeface="Courier New" pitchFamily="49"/>
-                <a:cs typeface="Courier New" pitchFamily="49"/>
-              </a:rPr>
-              <a:t>Virtualized backend system</a:t>
-            </a:r>
-          </a:p>
-        </p:txBody>
-      </p:sp>
-      <p:sp>
-        <p:nvSpPr>
-          <p:cNvPr id="7" name="Rectangle 12">
-            <a:extLst>
-              <a:ext uri="{FF2B5EF4-FFF2-40B4-BE49-F238E27FC236}">
-                <a16:creationId xmlns:a16="http://schemas.microsoft.com/office/drawing/2014/main" id="{E21A9C28-891B-44BA-8F64-98A3F940D0A5}"/>
-              </a:ext>
-            </a:extLst>
-          </p:cNvPr>
-          <p:cNvSpPr/>
-          <p:nvPr/>
-        </p:nvSpPr>
-        <p:spPr>
-          <a:xfrm>
-            <a:off x="2168124" y="1543251"/>
-            <a:ext cx="2143125" cy="981078"/>
-          </a:xfrm>
-          <a:prstGeom prst="rect">
-            <a:avLst/>
-          </a:prstGeom>
-          <a:noFill/>
-          <a:ln w="38103" cap="flat">
-            <a:solidFill>
-              <a:srgbClr val="00FF00"/>
-            </a:solidFill>
-            <a:prstDash val="solid"/>
-            <a:miter/>
-          </a:ln>
-        </p:spPr>
-        <p:txBody>
-          <a:bodyPr vert="horz" wrap="square" lIns="91440" tIns="45720" rIns="91440" bIns="45720" anchor="ctr" anchorCtr="1" compatLnSpc="1">
-            <a:noAutofit/>
-          </a:bodyPr>
-          <a:lstStyle/>
-          <a:p>
-            <a:pPr marL="0" marR="0" lvl="0" indent="0" algn="ctr" defTabSz="914400" rtl="0" fontAlgn="auto" hangingPunct="1">
-              <a:lnSpc>
-                <a:spcPct val="100000"/>
-              </a:lnSpc>
-              <a:spcBef>
-                <a:spcPts val="0"/>
-              </a:spcBef>
-              <a:spcAft>
-                <a:spcPts val="0"/>
-              </a:spcAft>
-              <a:buNone/>
-              <a:tabLst/>
-              <a:defRPr sz="1800" b="0" i="0" u="none" strike="noStrike" kern="0" cap="none" spc="0" baseline="0">
-                <a:solidFill>
-                  <a:srgbClr val="000000"/>
-                </a:solidFill>
-                <a:uFillTx/>
-              </a:defRPr>
-            </a:pPr>
-            <a:r>
-              <a:rPr lang="nl-NL" sz="2000" b="0" i="0" u="none" strike="noStrike" kern="1200" cap="none" spc="0" baseline="0">
-                <a:solidFill>
-                  <a:srgbClr val="00FF00"/>
-                </a:solidFill>
-                <a:uFillTx/>
-                <a:latin typeface="Courier New" pitchFamily="49"/>
-                <a:cs typeface="Courier New" pitchFamily="49"/>
-              </a:rPr>
-              <a:t>Virtualized mobile app</a:t>
-            </a:r>
-          </a:p>
-        </p:txBody>
-      </p:sp>
-      <p:cxnSp>
-        <p:nvCxnSpPr>
-          <p:cNvPr id="8" name="Elbow Connector 14">
-            <a:extLst>
-              <a:ext uri="{FF2B5EF4-FFF2-40B4-BE49-F238E27FC236}">
-                <a16:creationId xmlns:a16="http://schemas.microsoft.com/office/drawing/2014/main" id="{B73F5317-FF6D-40D2-834D-ED40BD9ADF0D}"/>
-              </a:ext>
-            </a:extLst>
-          </p:cNvPr>
-          <p:cNvCxnSpPr>
-            <a:stCxn id="3" idx="0"/>
-            <a:endCxn id="5" idx="2"/>
-          </p:cNvCxnSpPr>
-          <p:nvPr/>
-        </p:nvCxnSpPr>
-        <p:spPr>
-          <a:xfrm rot="5400000" flipH="1" flipV="1">
-            <a:off x="6878829" y="1721655"/>
-            <a:ext cx="1289460" cy="2855123"/>
-          </a:xfrm>
-          <a:prstGeom prst="bentConnector3">
-            <a:avLst>
-              <a:gd name="adj1" fmla="val 50000"/>
-            </a:avLst>
-          </a:prstGeom>
-          <a:noFill/>
-          <a:ln w="25402" cap="flat">
-            <a:solidFill>
-              <a:srgbClr val="00FF00"/>
-            </a:solidFill>
-            <a:prstDash val="solid"/>
-            <a:miter/>
-            <a:tailEnd type="arrow"/>
-          </a:ln>
-        </p:spPr>
-      </p:cxnSp>
-      <p:cxnSp>
-        <p:nvCxnSpPr>
-          <p:cNvPr id="9" name="Elbow Connector 15">
-            <a:extLst>
-              <a:ext uri="{FF2B5EF4-FFF2-40B4-BE49-F238E27FC236}">
-                <a16:creationId xmlns:a16="http://schemas.microsoft.com/office/drawing/2014/main" id="{15555CF6-4DE5-4E5B-B743-AA5A1C170B90}"/>
-              </a:ext>
-            </a:extLst>
-          </p:cNvPr>
-          <p:cNvCxnSpPr>
-            <a:stCxn id="3" idx="0"/>
-            <a:endCxn id="7" idx="2"/>
-          </p:cNvCxnSpPr>
-          <p:nvPr/>
-        </p:nvCxnSpPr>
-        <p:spPr>
-          <a:xfrm rot="16200000" flipV="1">
-            <a:off x="4033035" y="1730982"/>
-            <a:ext cx="1269617" cy="2856311"/>
-          </a:xfrm>
-          <a:prstGeom prst="bentConnector3">
-            <a:avLst>
-              <a:gd name="adj1" fmla="val 50000"/>
-            </a:avLst>
-          </a:prstGeom>
-          <a:noFill/>
-          <a:ln w="25402" cap="flat">
-            <a:solidFill>
-              <a:srgbClr val="00FF00"/>
-            </a:solidFill>
-            <a:prstDash val="solid"/>
-            <a:miter/>
-            <a:tailEnd type="arrow"/>
-          </a:ln>
-        </p:spPr>
-      </p:cxnSp>
-      <p:cxnSp>
-        <p:nvCxnSpPr>
-          <p:cNvPr id="10" name="Elbow Connector 18">
-            <a:extLst>
-              <a:ext uri="{FF2B5EF4-FFF2-40B4-BE49-F238E27FC236}">
-                <a16:creationId xmlns:a16="http://schemas.microsoft.com/office/drawing/2014/main" id="{2A42BD80-0732-4B17-9A62-9EF9968743DF}"/>
-              </a:ext>
-            </a:extLst>
-          </p:cNvPr>
-          <p:cNvCxnSpPr>
-            <a:stCxn id="3" idx="2"/>
-            <a:endCxn id="4" idx="0"/>
-          </p:cNvCxnSpPr>
-          <p:nvPr/>
-        </p:nvCxnSpPr>
-        <p:spPr>
-          <a:xfrm rot="16200000" flipH="1">
-            <a:off x="6919525" y="3541918"/>
-            <a:ext cx="1208068" cy="2855123"/>
-          </a:xfrm>
-          <a:prstGeom prst="bentConnector3">
-            <a:avLst>
-              <a:gd name="adj1" fmla="val 50000"/>
-            </a:avLst>
-          </a:prstGeom>
-          <a:noFill/>
-          <a:ln w="25402" cap="flat">
-            <a:solidFill>
-              <a:srgbClr val="00FF00"/>
-            </a:solidFill>
-            <a:prstDash val="solid"/>
-            <a:miter/>
-            <a:tailEnd type="arrow"/>
-          </a:ln>
-        </p:spPr>
-      </p:cxnSp>
-      <p:cxnSp>
-        <p:nvCxnSpPr>
-          <p:cNvPr id="11" name="Elbow Connector 21">
-            <a:extLst>
-              <a:ext uri="{FF2B5EF4-FFF2-40B4-BE49-F238E27FC236}">
-                <a16:creationId xmlns:a16="http://schemas.microsoft.com/office/drawing/2014/main" id="{9F66B48A-97E2-4D94-B171-ACDFDDD6A25C}"/>
-              </a:ext>
-            </a:extLst>
-          </p:cNvPr>
-          <p:cNvCxnSpPr>
-            <a:stCxn id="3" idx="2"/>
-            <a:endCxn id="6" idx="0"/>
-          </p:cNvCxnSpPr>
-          <p:nvPr/>
-        </p:nvCxnSpPr>
-        <p:spPr>
-          <a:xfrm rot="5400000">
-            <a:off x="4054583" y="3550551"/>
-            <a:ext cx="1226521" cy="2856311"/>
-          </a:xfrm>
-          <a:prstGeom prst="bentConnector3">
-            <a:avLst>
-              <a:gd name="adj1" fmla="val 50000"/>
-            </a:avLst>
-          </a:prstGeom>
-          <a:noFill/>
-          <a:ln w="25402" cap="flat">
-            <a:solidFill>
-              <a:srgbClr val="00FF00"/>
-            </a:solidFill>
-            <a:prstDash val="solid"/>
-            <a:miter/>
-            <a:tailEnd type="arrow"/>
-          </a:ln>
-        </p:spPr>
-      </p:cxnSp>
-      <p:sp>
-        <p:nvSpPr>
-          <p:cNvPr id="12" name="Rectangle 35">
-            <a:extLst>
-              <a:ext uri="{FF2B5EF4-FFF2-40B4-BE49-F238E27FC236}">
-                <a16:creationId xmlns:a16="http://schemas.microsoft.com/office/drawing/2014/main" id="{06F117ED-1BF7-4158-9E41-37D3FF2C7228}"/>
-              </a:ext>
-            </a:extLst>
-          </p:cNvPr>
-          <p:cNvSpPr/>
-          <p:nvPr/>
-        </p:nvSpPr>
-        <p:spPr>
-          <a:xfrm>
-            <a:off x="2168124" y="3287121"/>
-            <a:ext cx="2433639" cy="406405"/>
-          </a:xfrm>
-          <a:prstGeom prst="rect">
-            <a:avLst/>
-          </a:prstGeom>
-          <a:noFill/>
-          <a:ln w="12701" cap="flat">
-            <a:solidFill>
-              <a:srgbClr val="00FF00"/>
-            </a:solidFill>
-            <a:prstDash val="solid"/>
-            <a:miter/>
-          </a:ln>
-        </p:spPr>
-        <p:txBody>
-          <a:bodyPr vert="horz" wrap="square" lIns="91440" tIns="45720" rIns="91440" bIns="45720" anchor="ctr" anchorCtr="1" compatLnSpc="1">
-            <a:noAutofit/>
-          </a:bodyPr>
-          <a:lstStyle/>
-          <a:p>
-            <a:pPr marL="0" marR="0" lvl="0" indent="0" algn="ctr" defTabSz="914400" rtl="0" fontAlgn="auto" hangingPunct="1">
-              <a:lnSpc>
-                <a:spcPct val="100000"/>
-              </a:lnSpc>
-              <a:spcBef>
-                <a:spcPts val="0"/>
-              </a:spcBef>
-              <a:spcAft>
-                <a:spcPts val="0"/>
-              </a:spcAft>
-              <a:buNone/>
-              <a:tabLst/>
-              <a:defRPr sz="1800" b="0" i="0" u="none" strike="noStrike" kern="0" cap="none" spc="0" baseline="0">
-                <a:solidFill>
-                  <a:srgbClr val="000000"/>
-                </a:solidFill>
-                <a:uFillTx/>
-              </a:defRPr>
-            </a:pPr>
-            <a:r>
-              <a:rPr lang="nl-NL" sz="1400" b="0" i="0" u="none" strike="noStrike" kern="1200" cap="none" spc="0" baseline="0">
-                <a:solidFill>
-                  <a:srgbClr val="00FF00"/>
-                </a:solidFill>
-                <a:uFillTx/>
-                <a:latin typeface="Courier New" pitchFamily="49"/>
-                <a:cs typeface="Courier New" pitchFamily="49"/>
-              </a:rPr>
-              <a:t>Unrestricted access</a:t>
-            </a:r>
-          </a:p>
-        </p:txBody>
-      </p:sp>
-      <p:sp>
-        <p:nvSpPr>
-          <p:cNvPr id="13" name="Rectangle 16">
-            <a:extLst>
-              <a:ext uri="{FF2B5EF4-FFF2-40B4-BE49-F238E27FC236}">
-                <a16:creationId xmlns:a16="http://schemas.microsoft.com/office/drawing/2014/main" id="{EA2CB03F-82F2-4BB6-BEFF-247956C5AB0E}"/>
-              </a:ext>
-            </a:extLst>
-          </p:cNvPr>
-          <p:cNvSpPr/>
-          <p:nvPr/>
-        </p:nvSpPr>
-        <p:spPr>
-          <a:xfrm>
-            <a:off x="2168124" y="4456310"/>
-            <a:ext cx="2433639" cy="406405"/>
-          </a:xfrm>
-          <a:prstGeom prst="rect">
-            <a:avLst/>
-          </a:prstGeom>
-          <a:noFill/>
-          <a:ln w="12701" cap="flat">
-            <a:solidFill>
-              <a:srgbClr val="00FF00"/>
-            </a:solidFill>
-            <a:prstDash val="solid"/>
-            <a:miter/>
-          </a:ln>
-        </p:spPr>
-        <p:txBody>
-          <a:bodyPr vert="horz" wrap="square" lIns="91440" tIns="45720" rIns="91440" bIns="45720" anchor="ctr" anchorCtr="1" compatLnSpc="1">
-            <a:noAutofit/>
-          </a:bodyPr>
-          <a:lstStyle/>
-          <a:p>
-            <a:pPr marL="0" marR="0" lvl="0" indent="0" algn="ctr" defTabSz="914400" rtl="0" fontAlgn="auto" hangingPunct="1">
-              <a:lnSpc>
-                <a:spcPct val="100000"/>
-              </a:lnSpc>
-              <a:spcBef>
-                <a:spcPts val="0"/>
-              </a:spcBef>
-              <a:spcAft>
-                <a:spcPts val="0"/>
-              </a:spcAft>
-              <a:buNone/>
-              <a:tabLst/>
-              <a:defRPr sz="1800" b="0" i="0" u="none" strike="noStrike" kern="0" cap="none" spc="0" baseline="0">
-                <a:solidFill>
-                  <a:srgbClr val="000000"/>
-                </a:solidFill>
-                <a:uFillTx/>
-              </a:defRPr>
-            </a:pPr>
-            <a:r>
-              <a:rPr lang="nl-NL" sz="1400" b="0" i="0" u="none" strike="noStrike" kern="1200" cap="none" spc="0" baseline="0">
-                <a:solidFill>
-                  <a:srgbClr val="00FF00"/>
-                </a:solidFill>
-                <a:uFillTx/>
-                <a:latin typeface="Courier New" pitchFamily="49"/>
-                <a:cs typeface="Courier New" pitchFamily="49"/>
-              </a:rPr>
-              <a:t>Unrestricted access</a:t>
-            </a:r>
-          </a:p>
-        </p:txBody>
-      </p:sp>
-      <p:sp>
-        <p:nvSpPr>
-          <p:cNvPr id="14" name="Rectangle 17">
-            <a:extLst>
-              <a:ext uri="{FF2B5EF4-FFF2-40B4-BE49-F238E27FC236}">
-                <a16:creationId xmlns:a16="http://schemas.microsoft.com/office/drawing/2014/main" id="{57EB728C-133F-4707-9E06-C740B29D0710}"/>
-              </a:ext>
-            </a:extLst>
-          </p:cNvPr>
-          <p:cNvSpPr/>
-          <p:nvPr/>
-        </p:nvSpPr>
-        <p:spPr>
-          <a:xfrm>
-            <a:off x="7589044" y="3287121"/>
-            <a:ext cx="2433639" cy="406405"/>
-          </a:xfrm>
-          <a:prstGeom prst="rect">
-            <a:avLst/>
-          </a:prstGeom>
-          <a:noFill/>
-          <a:ln w="12701" cap="flat">
-            <a:solidFill>
-              <a:srgbClr val="00FF00"/>
-            </a:solidFill>
-            <a:prstDash val="solid"/>
-            <a:miter/>
-          </a:ln>
-        </p:spPr>
-        <p:txBody>
-          <a:bodyPr vert="horz" wrap="square" lIns="91440" tIns="45720" rIns="91440" bIns="45720" anchor="ctr" anchorCtr="1" compatLnSpc="1">
-            <a:noAutofit/>
-          </a:bodyPr>
-          <a:lstStyle/>
-          <a:p>
-            <a:pPr marL="0" marR="0" lvl="0" indent="0" algn="ctr" defTabSz="914400" rtl="0" fontAlgn="auto" hangingPunct="1">
-              <a:lnSpc>
-                <a:spcPct val="100000"/>
-              </a:lnSpc>
-              <a:spcBef>
-                <a:spcPts val="0"/>
-              </a:spcBef>
-              <a:spcAft>
-                <a:spcPts val="0"/>
-              </a:spcAft>
-              <a:buNone/>
-              <a:tabLst/>
-              <a:defRPr sz="1800" b="0" i="0" u="none" strike="noStrike" kern="0" cap="none" spc="0" baseline="0">
-                <a:solidFill>
-                  <a:srgbClr val="000000"/>
-                </a:solidFill>
-                <a:uFillTx/>
-              </a:defRPr>
-            </a:pPr>
-            <a:r>
-              <a:rPr lang="nl-NL" sz="1400" b="0" i="0" u="none" strike="noStrike" kern="1200" cap="none" spc="0" baseline="0">
-                <a:solidFill>
-                  <a:srgbClr val="00FF00"/>
-                </a:solidFill>
-                <a:uFillTx/>
-                <a:latin typeface="Courier New" pitchFamily="49"/>
-                <a:cs typeface="Courier New" pitchFamily="49"/>
-              </a:rPr>
-              <a:t>Unrestricted access</a:t>
-            </a:r>
-          </a:p>
-        </p:txBody>
-      </p:sp>
-      <p:sp>
-        <p:nvSpPr>
-          <p:cNvPr id="15" name="Rectangle 19">
-            <a:extLst>
-              <a:ext uri="{FF2B5EF4-FFF2-40B4-BE49-F238E27FC236}">
-                <a16:creationId xmlns:a16="http://schemas.microsoft.com/office/drawing/2014/main" id="{D6EDB110-FB89-4288-A184-2E40E825C769}"/>
-              </a:ext>
-            </a:extLst>
-          </p:cNvPr>
-          <p:cNvSpPr/>
-          <p:nvPr/>
-        </p:nvSpPr>
-        <p:spPr>
-          <a:xfrm>
-            <a:off x="7589044" y="4456310"/>
-            <a:ext cx="2433639" cy="406405"/>
-          </a:xfrm>
-          <a:prstGeom prst="rect">
-            <a:avLst/>
-          </a:prstGeom>
-          <a:noFill/>
-          <a:ln w="12701" cap="flat">
-            <a:solidFill>
-              <a:srgbClr val="00FF00"/>
-            </a:solidFill>
-            <a:prstDash val="solid"/>
-            <a:miter/>
-          </a:ln>
-        </p:spPr>
-        <p:txBody>
-          <a:bodyPr vert="horz" wrap="square" lIns="91440" tIns="45720" rIns="91440" bIns="45720" anchor="ctr" anchorCtr="1" compatLnSpc="1">
-            <a:noAutofit/>
-          </a:bodyPr>
-          <a:lstStyle/>
-          <a:p>
-            <a:pPr marL="0" marR="0" lvl="0" indent="0" algn="ctr" defTabSz="914400" rtl="0" fontAlgn="auto" hangingPunct="1">
-              <a:lnSpc>
-                <a:spcPct val="100000"/>
-              </a:lnSpc>
-              <a:spcBef>
-                <a:spcPts val="0"/>
-              </a:spcBef>
-              <a:spcAft>
-                <a:spcPts val="0"/>
-              </a:spcAft>
-              <a:buNone/>
-              <a:tabLst/>
-              <a:defRPr sz="1800" b="0" i="0" u="none" strike="noStrike" kern="0" cap="none" spc="0" baseline="0">
-                <a:solidFill>
-                  <a:srgbClr val="000000"/>
-                </a:solidFill>
-                <a:uFillTx/>
-              </a:defRPr>
-            </a:pPr>
-            <a:r>
-              <a:rPr lang="nl-NL" sz="1400" b="0" i="0" u="none" strike="noStrike" kern="1200" cap="none" spc="0" baseline="0">
-                <a:solidFill>
-                  <a:srgbClr val="00FF00"/>
-                </a:solidFill>
-                <a:uFillTx/>
-                <a:latin typeface="Courier New" pitchFamily="49"/>
-                <a:cs typeface="Courier New" pitchFamily="49"/>
-              </a:rPr>
-              <a:t>Unrestricted access</a:t>
-            </a:r>
-          </a:p>
-        </p:txBody>
-      </p:sp>
-    </p:spTree>
-  </p:cSld>
-  <p:clrMapOvr>
-    <a:masterClrMapping/>
-  </p:clrMapOvr>
-</p:sld>
-</file>
-
-<file path=ppt/slides/slide90.xml><?xml version="1.0" encoding="utf-8"?>
+<file path=ppt/slides/slide84.xml><?xml version="1.0" encoding="utf-8"?>
 <p:sld xmlns:a="http://schemas.openxmlformats.org/drawingml/2006/main" xmlns:r="http://schemas.openxmlformats.org/officeDocument/2006/relationships" xmlns:p="http://schemas.openxmlformats.org/presentationml/2006/main">
   <p:cSld>
     <p:bg>
@@ -54028,7 +49890,7 @@
 </p:sld>
 </file>
 
-<file path=ppt/slides/slide91.xml><?xml version="1.0" encoding="utf-8"?>
+<file path=ppt/slides/slide85.xml><?xml version="1.0" encoding="utf-8"?>
 <p:sld xmlns:a="http://schemas.openxmlformats.org/drawingml/2006/main" xmlns:r="http://schemas.openxmlformats.org/officeDocument/2006/relationships" xmlns:p="http://schemas.openxmlformats.org/presentationml/2006/main">
   <p:cSld>
     <p:bg>
@@ -54265,7 +50127,7 @@
 </p:sld>
 </file>
 
-<file path=ppt/slides/slide92.xml><?xml version="1.0" encoding="utf-8"?>
+<file path=ppt/slides/slide86.xml><?xml version="1.0" encoding="utf-8"?>
 <p:sld xmlns:a="http://schemas.openxmlformats.org/drawingml/2006/main" xmlns:r="http://schemas.openxmlformats.org/officeDocument/2006/relationships" xmlns:p="http://schemas.openxmlformats.org/presentationml/2006/main">
   <p:cSld>
     <p:bg>
@@ -54380,7 +50242,7 @@
 </p:sld>
 </file>
 
-<file path=ppt/slides/slide93.xml><?xml version="1.0" encoding="utf-8"?>
+<file path=ppt/slides/slide87.xml><?xml version="1.0" encoding="utf-8"?>
 <p:sld xmlns:a="http://schemas.openxmlformats.org/drawingml/2006/main" xmlns:r="http://schemas.openxmlformats.org/officeDocument/2006/relationships" xmlns:p="http://schemas.openxmlformats.org/presentationml/2006/main">
   <p:cSld>
     <p:bg>
@@ -54755,7 +50617,7 @@
 </p:sld>
 </file>
 
-<file path=ppt/slides/slide94.xml><?xml version="1.0" encoding="utf-8"?>
+<file path=ppt/slides/slide88.xml><?xml version="1.0" encoding="utf-8"?>
 <p:sld xmlns:a="http://schemas.openxmlformats.org/drawingml/2006/main" xmlns:r="http://schemas.openxmlformats.org/officeDocument/2006/relationships" xmlns:p="http://schemas.openxmlformats.org/presentationml/2006/main">
   <p:cSld>
     <p:bg>
@@ -55325,7 +51187,7 @@
 </p:sld>
 </file>
 
-<file path=ppt/slides/slide95.xml><?xml version="1.0" encoding="utf-8"?>
+<file path=ppt/slides/slide89.xml><?xml version="1.0" encoding="utf-8"?>
 <p:sld xmlns:a="http://schemas.openxmlformats.org/drawingml/2006/main" xmlns:r="http://schemas.openxmlformats.org/officeDocument/2006/relationships" xmlns:p="http://schemas.openxmlformats.org/presentationml/2006/main">
   <p:cSld>
     <p:bg>
@@ -55392,6 +51254,837 @@
         <p14:creationId xmlns:p14="http://schemas.microsoft.com/office/powerpoint/2010/main" val="1143489385"/>
       </p:ext>
     </p:extLst>
+  </p:cSld>
+  <p:clrMapOvr>
+    <a:masterClrMapping/>
+  </p:clrMapOvr>
+</p:sld>
+</file>
+
+<file path=ppt/slides/slide9.xml><?xml version="1.0" encoding="utf-8"?>
+<p:sld xmlns:a="http://schemas.openxmlformats.org/drawingml/2006/main" xmlns:r="http://schemas.openxmlformats.org/officeDocument/2006/relationships" xmlns:p="http://schemas.openxmlformats.org/presentationml/2006/main">
+  <p:cSld name="Slide79">
+    <p:bg>
+      <p:bgPr>
+        <a:solidFill>
+          <a:srgbClr val="000000"/>
+        </a:solidFill>
+        <a:effectLst/>
+      </p:bgPr>
+    </p:bg>
+    <p:spTree>
+      <p:nvGrpSpPr>
+        <p:cNvPr id="1" name=""/>
+        <p:cNvGrpSpPr/>
+        <p:nvPr/>
+      </p:nvGrpSpPr>
+      <p:grpSpPr>
+        <a:xfrm>
+          <a:off x="0" y="0"/>
+          <a:ext cx="0" cy="0"/>
+          <a:chOff x="0" y="0"/>
+          <a:chExt cx="0" cy="0"/>
+        </a:xfrm>
+      </p:grpSpPr>
+      <p:sp>
+        <p:nvSpPr>
+          <p:cNvPr id="2" name="Title 1">
+            <a:extLst>
+              <a:ext uri="{FF2B5EF4-FFF2-40B4-BE49-F238E27FC236}">
+                <a16:creationId xmlns:a16="http://schemas.microsoft.com/office/drawing/2014/main" id="{1D6871AE-A81A-44AF-9BB2-EB497F0A297B}"/>
+              </a:ext>
+            </a:extLst>
+          </p:cNvPr>
+          <p:cNvSpPr txBox="1">
+            <a:spLocks noGrp="1"/>
+          </p:cNvSpPr>
+          <p:nvPr>
+            <p:ph type="title"/>
+          </p:nvPr>
+        </p:nvSpPr>
+        <p:spPr>
+          <a:xfrm>
+            <a:off x="838203" y="335758"/>
+            <a:ext cx="11096628" cy="1325559"/>
+          </a:xfrm>
+        </p:spPr>
+        <p:txBody>
+          <a:bodyPr/>
+          <a:lstStyle/>
+          <a:p>
+            <a:pPr lvl="0"/>
+            <a:r>
+              <a:rPr lang="nl-NL">
+                <a:solidFill>
+                  <a:srgbClr val="00FF00"/>
+                </a:solidFill>
+                <a:latin typeface="Courier New" pitchFamily="49"/>
+                <a:cs typeface="Courier New" pitchFamily="49"/>
+              </a:rPr>
+              <a:t>Simulation in test environments</a:t>
+            </a:r>
+          </a:p>
+        </p:txBody>
+      </p:sp>
+      <p:sp>
+        <p:nvSpPr>
+          <p:cNvPr id="3" name="Rectangle 7">
+            <a:extLst>
+              <a:ext uri="{FF2B5EF4-FFF2-40B4-BE49-F238E27FC236}">
+                <a16:creationId xmlns:a16="http://schemas.microsoft.com/office/drawing/2014/main" id="{0CC3CB45-97A0-4D07-973F-D8E709063C05}"/>
+              </a:ext>
+            </a:extLst>
+          </p:cNvPr>
+          <p:cNvSpPr/>
+          <p:nvPr/>
+        </p:nvSpPr>
+        <p:spPr>
+          <a:xfrm>
+            <a:off x="4602952" y="3793946"/>
+            <a:ext cx="2986092" cy="571500"/>
+          </a:xfrm>
+          <a:prstGeom prst="rect">
+            <a:avLst/>
+          </a:prstGeom>
+          <a:solidFill>
+            <a:srgbClr val="00FF00"/>
+          </a:solidFill>
+          <a:ln w="38103" cap="flat">
+            <a:solidFill>
+              <a:srgbClr val="00FF00"/>
+            </a:solidFill>
+            <a:prstDash val="solid"/>
+            <a:miter/>
+          </a:ln>
+        </p:spPr>
+        <p:txBody>
+          <a:bodyPr vert="horz" wrap="square" lIns="91440" tIns="45720" rIns="91440" bIns="45720" anchor="ctr" anchorCtr="1" compatLnSpc="1">
+            <a:noAutofit/>
+          </a:bodyPr>
+          <a:lstStyle/>
+          <a:p>
+            <a:pPr marL="0" marR="0" lvl="0" indent="0" algn="ctr" defTabSz="914400" rtl="0" fontAlgn="auto" hangingPunct="1">
+              <a:lnSpc>
+                <a:spcPct val="100000"/>
+              </a:lnSpc>
+              <a:spcBef>
+                <a:spcPts val="0"/>
+              </a:spcBef>
+              <a:spcAft>
+                <a:spcPts val="0"/>
+              </a:spcAft>
+              <a:buNone/>
+              <a:tabLst/>
+              <a:defRPr sz="1800" b="0" i="0" u="none" strike="noStrike" kern="0" cap="none" spc="0" baseline="0">
+                <a:solidFill>
+                  <a:srgbClr val="000000"/>
+                </a:solidFill>
+                <a:uFillTx/>
+              </a:defRPr>
+            </a:pPr>
+            <a:r>
+              <a:rPr lang="nl-NL" sz="2000" b="1" i="0" u="none" strike="noStrike" kern="1200" cap="none" spc="0" baseline="0">
+                <a:solidFill>
+                  <a:srgbClr val="000000"/>
+                </a:solidFill>
+                <a:uFillTx/>
+                <a:latin typeface="Courier New" pitchFamily="49"/>
+                <a:cs typeface="Courier New" pitchFamily="49"/>
+              </a:rPr>
+              <a:t>System under test</a:t>
+            </a:r>
+          </a:p>
+        </p:txBody>
+      </p:sp>
+      <p:sp>
+        <p:nvSpPr>
+          <p:cNvPr id="4" name="Rectangle 8">
+            <a:extLst>
+              <a:ext uri="{FF2B5EF4-FFF2-40B4-BE49-F238E27FC236}">
+                <a16:creationId xmlns:a16="http://schemas.microsoft.com/office/drawing/2014/main" id="{0842ECDA-E0BE-441A-80B5-765C2B9AD87F}"/>
+              </a:ext>
+            </a:extLst>
+          </p:cNvPr>
+          <p:cNvSpPr/>
+          <p:nvPr/>
+        </p:nvSpPr>
+        <p:spPr>
+          <a:xfrm>
+            <a:off x="7879558" y="5573514"/>
+            <a:ext cx="2143125" cy="981078"/>
+          </a:xfrm>
+          <a:prstGeom prst="rect">
+            <a:avLst/>
+          </a:prstGeom>
+          <a:noFill/>
+          <a:ln w="38103" cap="flat">
+            <a:solidFill>
+              <a:srgbClr val="00FF00"/>
+            </a:solidFill>
+            <a:prstDash val="solid"/>
+            <a:miter/>
+          </a:ln>
+        </p:spPr>
+        <p:txBody>
+          <a:bodyPr vert="horz" wrap="square" lIns="91440" tIns="45720" rIns="91440" bIns="45720" anchor="ctr" anchorCtr="1" compatLnSpc="1">
+            <a:noAutofit/>
+          </a:bodyPr>
+          <a:lstStyle/>
+          <a:p>
+            <a:pPr marL="0" marR="0" lvl="0" indent="0" algn="ctr" defTabSz="914400" rtl="0" fontAlgn="auto" hangingPunct="1">
+              <a:lnSpc>
+                <a:spcPct val="100000"/>
+              </a:lnSpc>
+              <a:spcBef>
+                <a:spcPts val="0"/>
+              </a:spcBef>
+              <a:spcAft>
+                <a:spcPts val="0"/>
+              </a:spcAft>
+              <a:buNone/>
+              <a:tabLst/>
+              <a:defRPr sz="1800" b="0" i="0" u="none" strike="noStrike" kern="0" cap="none" spc="0" baseline="0">
+                <a:solidFill>
+                  <a:srgbClr val="000000"/>
+                </a:solidFill>
+                <a:uFillTx/>
+              </a:defRPr>
+            </a:pPr>
+            <a:r>
+              <a:rPr lang="nl-NL" sz="2000" b="0" i="0" u="none" strike="noStrike" kern="1200" cap="none" spc="0" baseline="0">
+                <a:solidFill>
+                  <a:srgbClr val="00FF00"/>
+                </a:solidFill>
+                <a:uFillTx/>
+                <a:latin typeface="Courier New" pitchFamily="49"/>
+                <a:cs typeface="Courier New" pitchFamily="49"/>
+              </a:rPr>
+              <a:t>Virtualized mainframe</a:t>
+            </a:r>
+          </a:p>
+        </p:txBody>
+      </p:sp>
+      <p:sp>
+        <p:nvSpPr>
+          <p:cNvPr id="5" name="Rectangle 10">
+            <a:extLst>
+              <a:ext uri="{FF2B5EF4-FFF2-40B4-BE49-F238E27FC236}">
+                <a16:creationId xmlns:a16="http://schemas.microsoft.com/office/drawing/2014/main" id="{DF8A6E81-DF89-43FD-BE15-4FE45DB563E9}"/>
+              </a:ext>
+            </a:extLst>
+          </p:cNvPr>
+          <p:cNvSpPr/>
+          <p:nvPr/>
+        </p:nvSpPr>
+        <p:spPr>
+          <a:xfrm>
+            <a:off x="7879558" y="1523408"/>
+            <a:ext cx="2143125" cy="981078"/>
+          </a:xfrm>
+          <a:prstGeom prst="rect">
+            <a:avLst/>
+          </a:prstGeom>
+          <a:noFill/>
+          <a:ln w="38103" cap="flat">
+            <a:solidFill>
+              <a:srgbClr val="00FF00"/>
+            </a:solidFill>
+            <a:prstDash val="solid"/>
+            <a:miter/>
+          </a:ln>
+        </p:spPr>
+        <p:txBody>
+          <a:bodyPr vert="horz" wrap="square" lIns="91440" tIns="45720" rIns="91440" bIns="45720" anchor="ctr" anchorCtr="1" compatLnSpc="1">
+            <a:noAutofit/>
+          </a:bodyPr>
+          <a:lstStyle/>
+          <a:p>
+            <a:pPr marL="0" marR="0" lvl="0" indent="0" algn="ctr" defTabSz="914400" rtl="0" fontAlgn="auto" hangingPunct="1">
+              <a:lnSpc>
+                <a:spcPct val="100000"/>
+              </a:lnSpc>
+              <a:spcBef>
+                <a:spcPts val="0"/>
+              </a:spcBef>
+              <a:spcAft>
+                <a:spcPts val="0"/>
+              </a:spcAft>
+              <a:buNone/>
+              <a:tabLst/>
+              <a:defRPr sz="1800" b="0" i="0" u="none" strike="noStrike" kern="0" cap="none" spc="0" baseline="0">
+                <a:solidFill>
+                  <a:srgbClr val="000000"/>
+                </a:solidFill>
+                <a:uFillTx/>
+              </a:defRPr>
+            </a:pPr>
+            <a:r>
+              <a:rPr lang="nl-NL" sz="2000" b="0" i="0" u="none" strike="noStrike" kern="1200" cap="none" spc="0" baseline="0">
+                <a:solidFill>
+                  <a:srgbClr val="00FF00"/>
+                </a:solidFill>
+                <a:uFillTx/>
+                <a:latin typeface="Courier New" pitchFamily="49"/>
+                <a:cs typeface="Courier New" pitchFamily="49"/>
+              </a:rPr>
+              <a:t>Virtualized SaaS dependency</a:t>
+            </a:r>
+          </a:p>
+        </p:txBody>
+      </p:sp>
+      <p:sp>
+        <p:nvSpPr>
+          <p:cNvPr id="6" name="Rectangle 11">
+            <a:extLst>
+              <a:ext uri="{FF2B5EF4-FFF2-40B4-BE49-F238E27FC236}">
+                <a16:creationId xmlns:a16="http://schemas.microsoft.com/office/drawing/2014/main" id="{4380382A-FF38-444E-9447-8DC9A5E5D898}"/>
+              </a:ext>
+            </a:extLst>
+          </p:cNvPr>
+          <p:cNvSpPr/>
+          <p:nvPr/>
+        </p:nvSpPr>
+        <p:spPr>
+          <a:xfrm>
+            <a:off x="2168124" y="5591967"/>
+            <a:ext cx="2143125" cy="981078"/>
+          </a:xfrm>
+          <a:prstGeom prst="rect">
+            <a:avLst/>
+          </a:prstGeom>
+          <a:noFill/>
+          <a:ln w="38103" cap="flat">
+            <a:solidFill>
+              <a:srgbClr val="00FF00"/>
+            </a:solidFill>
+            <a:prstDash val="solid"/>
+            <a:miter/>
+          </a:ln>
+        </p:spPr>
+        <p:txBody>
+          <a:bodyPr vert="horz" wrap="square" lIns="91440" tIns="45720" rIns="91440" bIns="45720" anchor="ctr" anchorCtr="1" compatLnSpc="1">
+            <a:noAutofit/>
+          </a:bodyPr>
+          <a:lstStyle/>
+          <a:p>
+            <a:pPr marL="0" marR="0" lvl="0" indent="0" algn="ctr" defTabSz="914400" rtl="0" fontAlgn="auto" hangingPunct="1">
+              <a:lnSpc>
+                <a:spcPct val="100000"/>
+              </a:lnSpc>
+              <a:spcBef>
+                <a:spcPts val="0"/>
+              </a:spcBef>
+              <a:spcAft>
+                <a:spcPts val="0"/>
+              </a:spcAft>
+              <a:buNone/>
+              <a:tabLst/>
+              <a:defRPr sz="1800" b="0" i="0" u="none" strike="noStrike" kern="0" cap="none" spc="0" baseline="0">
+                <a:solidFill>
+                  <a:srgbClr val="000000"/>
+                </a:solidFill>
+                <a:uFillTx/>
+              </a:defRPr>
+            </a:pPr>
+            <a:r>
+              <a:rPr lang="nl-NL" sz="2000" b="0" i="0" u="none" strike="noStrike" kern="1200" cap="none" spc="0" baseline="0">
+                <a:solidFill>
+                  <a:srgbClr val="00FF00"/>
+                </a:solidFill>
+                <a:uFillTx/>
+                <a:latin typeface="Courier New" pitchFamily="49"/>
+                <a:cs typeface="Courier New" pitchFamily="49"/>
+              </a:rPr>
+              <a:t>Virtualized backend system</a:t>
+            </a:r>
+          </a:p>
+        </p:txBody>
+      </p:sp>
+      <p:sp>
+        <p:nvSpPr>
+          <p:cNvPr id="7" name="Rectangle 12">
+            <a:extLst>
+              <a:ext uri="{FF2B5EF4-FFF2-40B4-BE49-F238E27FC236}">
+                <a16:creationId xmlns:a16="http://schemas.microsoft.com/office/drawing/2014/main" id="{E21A9C28-891B-44BA-8F64-98A3F940D0A5}"/>
+              </a:ext>
+            </a:extLst>
+          </p:cNvPr>
+          <p:cNvSpPr/>
+          <p:nvPr/>
+        </p:nvSpPr>
+        <p:spPr>
+          <a:xfrm>
+            <a:off x="2168124" y="1543251"/>
+            <a:ext cx="2143125" cy="981078"/>
+          </a:xfrm>
+          <a:prstGeom prst="rect">
+            <a:avLst/>
+          </a:prstGeom>
+          <a:noFill/>
+          <a:ln w="38103" cap="flat">
+            <a:solidFill>
+              <a:srgbClr val="00FF00"/>
+            </a:solidFill>
+            <a:prstDash val="solid"/>
+            <a:miter/>
+          </a:ln>
+        </p:spPr>
+        <p:txBody>
+          <a:bodyPr vert="horz" wrap="square" lIns="91440" tIns="45720" rIns="91440" bIns="45720" anchor="ctr" anchorCtr="1" compatLnSpc="1">
+            <a:noAutofit/>
+          </a:bodyPr>
+          <a:lstStyle/>
+          <a:p>
+            <a:pPr marL="0" marR="0" lvl="0" indent="0" algn="ctr" defTabSz="914400" rtl="0" fontAlgn="auto" hangingPunct="1">
+              <a:lnSpc>
+                <a:spcPct val="100000"/>
+              </a:lnSpc>
+              <a:spcBef>
+                <a:spcPts val="0"/>
+              </a:spcBef>
+              <a:spcAft>
+                <a:spcPts val="0"/>
+              </a:spcAft>
+              <a:buNone/>
+              <a:tabLst/>
+              <a:defRPr sz="1800" b="0" i="0" u="none" strike="noStrike" kern="0" cap="none" spc="0" baseline="0">
+                <a:solidFill>
+                  <a:srgbClr val="000000"/>
+                </a:solidFill>
+                <a:uFillTx/>
+              </a:defRPr>
+            </a:pPr>
+            <a:r>
+              <a:rPr lang="nl-NL" sz="2000" b="0" i="0" u="none" strike="noStrike" kern="1200" cap="none" spc="0" baseline="0">
+                <a:solidFill>
+                  <a:srgbClr val="00FF00"/>
+                </a:solidFill>
+                <a:uFillTx/>
+                <a:latin typeface="Courier New" pitchFamily="49"/>
+                <a:cs typeface="Courier New" pitchFamily="49"/>
+              </a:rPr>
+              <a:t>Virtualized mobile app</a:t>
+            </a:r>
+          </a:p>
+        </p:txBody>
+      </p:sp>
+      <p:cxnSp>
+        <p:nvCxnSpPr>
+          <p:cNvPr id="8" name="Elbow Connector 14">
+            <a:extLst>
+              <a:ext uri="{FF2B5EF4-FFF2-40B4-BE49-F238E27FC236}">
+                <a16:creationId xmlns:a16="http://schemas.microsoft.com/office/drawing/2014/main" id="{B73F5317-FF6D-40D2-834D-ED40BD9ADF0D}"/>
+              </a:ext>
+            </a:extLst>
+          </p:cNvPr>
+          <p:cNvCxnSpPr>
+            <a:stCxn id="3" idx="0"/>
+            <a:endCxn id="5" idx="2"/>
+          </p:cNvCxnSpPr>
+          <p:nvPr/>
+        </p:nvCxnSpPr>
+        <p:spPr>
+          <a:xfrm rot="5400000" flipH="1" flipV="1">
+            <a:off x="6878829" y="1721655"/>
+            <a:ext cx="1289460" cy="2855123"/>
+          </a:xfrm>
+          <a:prstGeom prst="bentConnector3">
+            <a:avLst>
+              <a:gd name="adj1" fmla="val 50000"/>
+            </a:avLst>
+          </a:prstGeom>
+          <a:noFill/>
+          <a:ln w="25402" cap="flat">
+            <a:solidFill>
+              <a:srgbClr val="00FF00"/>
+            </a:solidFill>
+            <a:prstDash val="solid"/>
+            <a:miter/>
+            <a:tailEnd type="arrow"/>
+          </a:ln>
+        </p:spPr>
+      </p:cxnSp>
+      <p:cxnSp>
+        <p:nvCxnSpPr>
+          <p:cNvPr id="9" name="Elbow Connector 15">
+            <a:extLst>
+              <a:ext uri="{FF2B5EF4-FFF2-40B4-BE49-F238E27FC236}">
+                <a16:creationId xmlns:a16="http://schemas.microsoft.com/office/drawing/2014/main" id="{15555CF6-4DE5-4E5B-B743-AA5A1C170B90}"/>
+              </a:ext>
+            </a:extLst>
+          </p:cNvPr>
+          <p:cNvCxnSpPr>
+            <a:stCxn id="3" idx="0"/>
+            <a:endCxn id="7" idx="2"/>
+          </p:cNvCxnSpPr>
+          <p:nvPr/>
+        </p:nvCxnSpPr>
+        <p:spPr>
+          <a:xfrm rot="16200000" flipV="1">
+            <a:off x="4033035" y="1730982"/>
+            <a:ext cx="1269617" cy="2856311"/>
+          </a:xfrm>
+          <a:prstGeom prst="bentConnector3">
+            <a:avLst>
+              <a:gd name="adj1" fmla="val 50000"/>
+            </a:avLst>
+          </a:prstGeom>
+          <a:noFill/>
+          <a:ln w="25402" cap="flat">
+            <a:solidFill>
+              <a:srgbClr val="00FF00"/>
+            </a:solidFill>
+            <a:prstDash val="solid"/>
+            <a:miter/>
+            <a:tailEnd type="arrow"/>
+          </a:ln>
+        </p:spPr>
+      </p:cxnSp>
+      <p:cxnSp>
+        <p:nvCxnSpPr>
+          <p:cNvPr id="10" name="Elbow Connector 18">
+            <a:extLst>
+              <a:ext uri="{FF2B5EF4-FFF2-40B4-BE49-F238E27FC236}">
+                <a16:creationId xmlns:a16="http://schemas.microsoft.com/office/drawing/2014/main" id="{2A42BD80-0732-4B17-9A62-9EF9968743DF}"/>
+              </a:ext>
+            </a:extLst>
+          </p:cNvPr>
+          <p:cNvCxnSpPr>
+            <a:stCxn id="3" idx="2"/>
+            <a:endCxn id="4" idx="0"/>
+          </p:cNvCxnSpPr>
+          <p:nvPr/>
+        </p:nvCxnSpPr>
+        <p:spPr>
+          <a:xfrm rot="16200000" flipH="1">
+            <a:off x="6919525" y="3541918"/>
+            <a:ext cx="1208068" cy="2855123"/>
+          </a:xfrm>
+          <a:prstGeom prst="bentConnector3">
+            <a:avLst>
+              <a:gd name="adj1" fmla="val 50000"/>
+            </a:avLst>
+          </a:prstGeom>
+          <a:noFill/>
+          <a:ln w="25402" cap="flat">
+            <a:solidFill>
+              <a:srgbClr val="00FF00"/>
+            </a:solidFill>
+            <a:prstDash val="solid"/>
+            <a:miter/>
+            <a:tailEnd type="arrow"/>
+          </a:ln>
+        </p:spPr>
+      </p:cxnSp>
+      <p:cxnSp>
+        <p:nvCxnSpPr>
+          <p:cNvPr id="11" name="Elbow Connector 21">
+            <a:extLst>
+              <a:ext uri="{FF2B5EF4-FFF2-40B4-BE49-F238E27FC236}">
+                <a16:creationId xmlns:a16="http://schemas.microsoft.com/office/drawing/2014/main" id="{9F66B48A-97E2-4D94-B171-ACDFDDD6A25C}"/>
+              </a:ext>
+            </a:extLst>
+          </p:cNvPr>
+          <p:cNvCxnSpPr>
+            <a:stCxn id="3" idx="2"/>
+            <a:endCxn id="6" idx="0"/>
+          </p:cNvCxnSpPr>
+          <p:nvPr/>
+        </p:nvCxnSpPr>
+        <p:spPr>
+          <a:xfrm rot="5400000">
+            <a:off x="4054583" y="3550551"/>
+            <a:ext cx="1226521" cy="2856311"/>
+          </a:xfrm>
+          <a:prstGeom prst="bentConnector3">
+            <a:avLst>
+              <a:gd name="adj1" fmla="val 50000"/>
+            </a:avLst>
+          </a:prstGeom>
+          <a:noFill/>
+          <a:ln w="25402" cap="flat">
+            <a:solidFill>
+              <a:srgbClr val="00FF00"/>
+            </a:solidFill>
+            <a:prstDash val="solid"/>
+            <a:miter/>
+            <a:tailEnd type="arrow"/>
+          </a:ln>
+        </p:spPr>
+      </p:cxnSp>
+      <p:sp>
+        <p:nvSpPr>
+          <p:cNvPr id="12" name="Rectangle 35">
+            <a:extLst>
+              <a:ext uri="{FF2B5EF4-FFF2-40B4-BE49-F238E27FC236}">
+                <a16:creationId xmlns:a16="http://schemas.microsoft.com/office/drawing/2014/main" id="{06F117ED-1BF7-4158-9E41-37D3FF2C7228}"/>
+              </a:ext>
+            </a:extLst>
+          </p:cNvPr>
+          <p:cNvSpPr/>
+          <p:nvPr/>
+        </p:nvSpPr>
+        <p:spPr>
+          <a:xfrm>
+            <a:off x="2168124" y="3287121"/>
+            <a:ext cx="2433639" cy="406405"/>
+          </a:xfrm>
+          <a:prstGeom prst="rect">
+            <a:avLst/>
+          </a:prstGeom>
+          <a:noFill/>
+          <a:ln w="12701" cap="flat">
+            <a:solidFill>
+              <a:srgbClr val="00FF00"/>
+            </a:solidFill>
+            <a:prstDash val="solid"/>
+            <a:miter/>
+          </a:ln>
+        </p:spPr>
+        <p:txBody>
+          <a:bodyPr vert="horz" wrap="square" lIns="91440" tIns="45720" rIns="91440" bIns="45720" anchor="ctr" anchorCtr="1" compatLnSpc="1">
+            <a:noAutofit/>
+          </a:bodyPr>
+          <a:lstStyle/>
+          <a:p>
+            <a:pPr marL="0" marR="0" lvl="0" indent="0" algn="ctr" defTabSz="914400" rtl="0" fontAlgn="auto" hangingPunct="1">
+              <a:lnSpc>
+                <a:spcPct val="100000"/>
+              </a:lnSpc>
+              <a:spcBef>
+                <a:spcPts val="0"/>
+              </a:spcBef>
+              <a:spcAft>
+                <a:spcPts val="0"/>
+              </a:spcAft>
+              <a:buNone/>
+              <a:tabLst/>
+              <a:defRPr sz="1800" b="0" i="0" u="none" strike="noStrike" kern="0" cap="none" spc="0" baseline="0">
+                <a:solidFill>
+                  <a:srgbClr val="000000"/>
+                </a:solidFill>
+                <a:uFillTx/>
+              </a:defRPr>
+            </a:pPr>
+            <a:r>
+              <a:rPr lang="nl-NL" sz="1400" b="0" i="0" u="none" strike="noStrike" kern="1200" cap="none" spc="0" baseline="0">
+                <a:solidFill>
+                  <a:srgbClr val="00FF00"/>
+                </a:solidFill>
+                <a:uFillTx/>
+                <a:latin typeface="Courier New" pitchFamily="49"/>
+                <a:cs typeface="Courier New" pitchFamily="49"/>
+              </a:rPr>
+              <a:t>Unrestricted access</a:t>
+            </a:r>
+          </a:p>
+        </p:txBody>
+      </p:sp>
+      <p:sp>
+        <p:nvSpPr>
+          <p:cNvPr id="13" name="Rectangle 16">
+            <a:extLst>
+              <a:ext uri="{FF2B5EF4-FFF2-40B4-BE49-F238E27FC236}">
+                <a16:creationId xmlns:a16="http://schemas.microsoft.com/office/drawing/2014/main" id="{EA2CB03F-82F2-4BB6-BEFF-247956C5AB0E}"/>
+              </a:ext>
+            </a:extLst>
+          </p:cNvPr>
+          <p:cNvSpPr/>
+          <p:nvPr/>
+        </p:nvSpPr>
+        <p:spPr>
+          <a:xfrm>
+            <a:off x="2168124" y="4456310"/>
+            <a:ext cx="2433639" cy="406405"/>
+          </a:xfrm>
+          <a:prstGeom prst="rect">
+            <a:avLst/>
+          </a:prstGeom>
+          <a:noFill/>
+          <a:ln w="12701" cap="flat">
+            <a:solidFill>
+              <a:srgbClr val="00FF00"/>
+            </a:solidFill>
+            <a:prstDash val="solid"/>
+            <a:miter/>
+          </a:ln>
+        </p:spPr>
+        <p:txBody>
+          <a:bodyPr vert="horz" wrap="square" lIns="91440" tIns="45720" rIns="91440" bIns="45720" anchor="ctr" anchorCtr="1" compatLnSpc="1">
+            <a:noAutofit/>
+          </a:bodyPr>
+          <a:lstStyle/>
+          <a:p>
+            <a:pPr marL="0" marR="0" lvl="0" indent="0" algn="ctr" defTabSz="914400" rtl="0" fontAlgn="auto" hangingPunct="1">
+              <a:lnSpc>
+                <a:spcPct val="100000"/>
+              </a:lnSpc>
+              <a:spcBef>
+                <a:spcPts val="0"/>
+              </a:spcBef>
+              <a:spcAft>
+                <a:spcPts val="0"/>
+              </a:spcAft>
+              <a:buNone/>
+              <a:tabLst/>
+              <a:defRPr sz="1800" b="0" i="0" u="none" strike="noStrike" kern="0" cap="none" spc="0" baseline="0">
+                <a:solidFill>
+                  <a:srgbClr val="000000"/>
+                </a:solidFill>
+                <a:uFillTx/>
+              </a:defRPr>
+            </a:pPr>
+            <a:r>
+              <a:rPr lang="nl-NL" sz="1400" b="0" i="0" u="none" strike="noStrike" kern="1200" cap="none" spc="0" baseline="0">
+                <a:solidFill>
+                  <a:srgbClr val="00FF00"/>
+                </a:solidFill>
+                <a:uFillTx/>
+                <a:latin typeface="Courier New" pitchFamily="49"/>
+                <a:cs typeface="Courier New" pitchFamily="49"/>
+              </a:rPr>
+              <a:t>Unrestricted access</a:t>
+            </a:r>
+          </a:p>
+        </p:txBody>
+      </p:sp>
+      <p:sp>
+        <p:nvSpPr>
+          <p:cNvPr id="14" name="Rectangle 17">
+            <a:extLst>
+              <a:ext uri="{FF2B5EF4-FFF2-40B4-BE49-F238E27FC236}">
+                <a16:creationId xmlns:a16="http://schemas.microsoft.com/office/drawing/2014/main" id="{57EB728C-133F-4707-9E06-C740B29D0710}"/>
+              </a:ext>
+            </a:extLst>
+          </p:cNvPr>
+          <p:cNvSpPr/>
+          <p:nvPr/>
+        </p:nvSpPr>
+        <p:spPr>
+          <a:xfrm>
+            <a:off x="7589044" y="3287121"/>
+            <a:ext cx="2433639" cy="406405"/>
+          </a:xfrm>
+          <a:prstGeom prst="rect">
+            <a:avLst/>
+          </a:prstGeom>
+          <a:noFill/>
+          <a:ln w="12701" cap="flat">
+            <a:solidFill>
+              <a:srgbClr val="00FF00"/>
+            </a:solidFill>
+            <a:prstDash val="solid"/>
+            <a:miter/>
+          </a:ln>
+        </p:spPr>
+        <p:txBody>
+          <a:bodyPr vert="horz" wrap="square" lIns="91440" tIns="45720" rIns="91440" bIns="45720" anchor="ctr" anchorCtr="1" compatLnSpc="1">
+            <a:noAutofit/>
+          </a:bodyPr>
+          <a:lstStyle/>
+          <a:p>
+            <a:pPr marL="0" marR="0" lvl="0" indent="0" algn="ctr" defTabSz="914400" rtl="0" fontAlgn="auto" hangingPunct="1">
+              <a:lnSpc>
+                <a:spcPct val="100000"/>
+              </a:lnSpc>
+              <a:spcBef>
+                <a:spcPts val="0"/>
+              </a:spcBef>
+              <a:spcAft>
+                <a:spcPts val="0"/>
+              </a:spcAft>
+              <a:buNone/>
+              <a:tabLst/>
+              <a:defRPr sz="1800" b="0" i="0" u="none" strike="noStrike" kern="0" cap="none" spc="0" baseline="0">
+                <a:solidFill>
+                  <a:srgbClr val="000000"/>
+                </a:solidFill>
+                <a:uFillTx/>
+              </a:defRPr>
+            </a:pPr>
+            <a:r>
+              <a:rPr lang="nl-NL" sz="1400" b="0" i="0" u="none" strike="noStrike" kern="1200" cap="none" spc="0" baseline="0">
+                <a:solidFill>
+                  <a:srgbClr val="00FF00"/>
+                </a:solidFill>
+                <a:uFillTx/>
+                <a:latin typeface="Courier New" pitchFamily="49"/>
+                <a:cs typeface="Courier New" pitchFamily="49"/>
+              </a:rPr>
+              <a:t>Unrestricted access</a:t>
+            </a:r>
+          </a:p>
+        </p:txBody>
+      </p:sp>
+      <p:sp>
+        <p:nvSpPr>
+          <p:cNvPr id="15" name="Rectangle 19">
+            <a:extLst>
+              <a:ext uri="{FF2B5EF4-FFF2-40B4-BE49-F238E27FC236}">
+                <a16:creationId xmlns:a16="http://schemas.microsoft.com/office/drawing/2014/main" id="{D6EDB110-FB89-4288-A184-2E40E825C769}"/>
+              </a:ext>
+            </a:extLst>
+          </p:cNvPr>
+          <p:cNvSpPr/>
+          <p:nvPr/>
+        </p:nvSpPr>
+        <p:spPr>
+          <a:xfrm>
+            <a:off x="7589044" y="4456310"/>
+            <a:ext cx="2433639" cy="406405"/>
+          </a:xfrm>
+          <a:prstGeom prst="rect">
+            <a:avLst/>
+          </a:prstGeom>
+          <a:noFill/>
+          <a:ln w="12701" cap="flat">
+            <a:solidFill>
+              <a:srgbClr val="00FF00"/>
+            </a:solidFill>
+            <a:prstDash val="solid"/>
+            <a:miter/>
+          </a:ln>
+        </p:spPr>
+        <p:txBody>
+          <a:bodyPr vert="horz" wrap="square" lIns="91440" tIns="45720" rIns="91440" bIns="45720" anchor="ctr" anchorCtr="1" compatLnSpc="1">
+            <a:noAutofit/>
+          </a:bodyPr>
+          <a:lstStyle/>
+          <a:p>
+            <a:pPr marL="0" marR="0" lvl="0" indent="0" algn="ctr" defTabSz="914400" rtl="0" fontAlgn="auto" hangingPunct="1">
+              <a:lnSpc>
+                <a:spcPct val="100000"/>
+              </a:lnSpc>
+              <a:spcBef>
+                <a:spcPts val="0"/>
+              </a:spcBef>
+              <a:spcAft>
+                <a:spcPts val="0"/>
+              </a:spcAft>
+              <a:buNone/>
+              <a:tabLst/>
+              <a:defRPr sz="1800" b="0" i="0" u="none" strike="noStrike" kern="0" cap="none" spc="0" baseline="0">
+                <a:solidFill>
+                  <a:srgbClr val="000000"/>
+                </a:solidFill>
+                <a:uFillTx/>
+              </a:defRPr>
+            </a:pPr>
+            <a:r>
+              <a:rPr lang="nl-NL" sz="1400" b="0" i="0" u="none" strike="noStrike" kern="1200" cap="none" spc="0" baseline="0">
+                <a:solidFill>
+                  <a:srgbClr val="00FF00"/>
+                </a:solidFill>
+                <a:uFillTx/>
+                <a:latin typeface="Courier New" pitchFamily="49"/>
+                <a:cs typeface="Courier New" pitchFamily="49"/>
+              </a:rPr>
+              <a:t>Unrestricted access</a:t>
+            </a:r>
+          </a:p>
+        </p:txBody>
+      </p:sp>
+    </p:spTree>
   </p:cSld>
   <p:clrMapOvr>
     <a:masterClrMapping/>

--- a/wiremock_workshop.pptx
+++ b/wiremock_workshop.pptx
@@ -6,7 +6,7 @@
     <p:sldMasterId id="2147483660" r:id="rId2"/>
   </p:sldMasterIdLst>
   <p:notesMasterIdLst>
-    <p:notesMasterId r:id="rId91"/>
+    <p:notesMasterId r:id="rId90"/>
   </p:notesMasterIdLst>
   <p:sldIdLst>
     <p:sldId id="256" r:id="rId3"/>
@@ -79,24 +79,23 @@
     <p:sldId id="792" r:id="rId70"/>
     <p:sldId id="793" r:id="rId71"/>
     <p:sldId id="826" r:id="rId72"/>
-    <p:sldId id="811" r:id="rId73"/>
-    <p:sldId id="1094" r:id="rId74"/>
-    <p:sldId id="805" r:id="rId75"/>
-    <p:sldId id="795" r:id="rId76"/>
-    <p:sldId id="796" r:id="rId77"/>
-    <p:sldId id="827" r:id="rId78"/>
-    <p:sldId id="786" r:id="rId79"/>
-    <p:sldId id="768" r:id="rId80"/>
-    <p:sldId id="706" r:id="rId81"/>
-    <p:sldId id="711" r:id="rId82"/>
-    <p:sldId id="712" r:id="rId83"/>
-    <p:sldId id="714" r:id="rId84"/>
-    <p:sldId id="715" r:id="rId85"/>
-    <p:sldId id="717" r:id="rId86"/>
-    <p:sldId id="719" r:id="rId87"/>
-    <p:sldId id="720" r:id="rId88"/>
-    <p:sldId id="815" r:id="rId89"/>
-    <p:sldId id="747" r:id="rId90"/>
+    <p:sldId id="1094" r:id="rId73"/>
+    <p:sldId id="805" r:id="rId74"/>
+    <p:sldId id="795" r:id="rId75"/>
+    <p:sldId id="796" r:id="rId76"/>
+    <p:sldId id="827" r:id="rId77"/>
+    <p:sldId id="786" r:id="rId78"/>
+    <p:sldId id="768" r:id="rId79"/>
+    <p:sldId id="706" r:id="rId80"/>
+    <p:sldId id="711" r:id="rId81"/>
+    <p:sldId id="712" r:id="rId82"/>
+    <p:sldId id="714" r:id="rId83"/>
+    <p:sldId id="715" r:id="rId84"/>
+    <p:sldId id="717" r:id="rId85"/>
+    <p:sldId id="719" r:id="rId86"/>
+    <p:sldId id="720" r:id="rId87"/>
+    <p:sldId id="815" r:id="rId88"/>
+    <p:sldId id="747" r:id="rId89"/>
   </p:sldIdLst>
   <p:sldSz cx="12192000" cy="6858000"/>
   <p:notesSz cx="6858000" cy="9144000"/>
@@ -349,7 +348,7 @@
             <a:fld id="{933C1985-CC60-4502-8ECC-8A39609F1E28}" type="datetime1">
               <a:rPr lang="nl-NL"/>
               <a:pPr lvl="0"/>
-              <a:t>13-12-2024</a:t>
+              <a:t>26-11-2025</a:t>
             </a:fld>
             <a:endParaRPr lang="nl-NL"/>
           </a:p>
@@ -3351,7 +3350,7 @@
     </p:spTree>
     <p:extLst>
       <p:ext uri="{BB962C8B-B14F-4D97-AF65-F5344CB8AC3E}">
-        <p14:creationId xmlns:p14="http://schemas.microsoft.com/office/powerpoint/2010/main" val="1763651368"/>
+        <p14:creationId xmlns:p14="http://schemas.microsoft.com/office/powerpoint/2010/main" val="1861263333"/>
       </p:ext>
     </p:extLst>
   </p:cSld>
@@ -3362,6 +3361,155 @@
 </file>
 
 <file path=ppt/notesSlides/notesSlide26.xml><?xml version="1.0" encoding="utf-8"?>
+<p:notes xmlns:a="http://schemas.openxmlformats.org/drawingml/2006/main" xmlns:r="http://schemas.openxmlformats.org/officeDocument/2006/relationships" xmlns:p="http://schemas.openxmlformats.org/presentationml/2006/main">
+  <p:cSld>
+    <p:spTree>
+      <p:nvGrpSpPr>
+        <p:cNvPr id="1" name=""/>
+        <p:cNvGrpSpPr/>
+        <p:nvPr/>
+      </p:nvGrpSpPr>
+      <p:grpSpPr>
+        <a:xfrm>
+          <a:off x="0" y="0"/>
+          <a:ext cx="0" cy="0"/>
+          <a:chOff x="0" y="0"/>
+          <a:chExt cx="0" cy="0"/>
+        </a:xfrm>
+      </p:grpSpPr>
+      <p:sp>
+        <p:nvSpPr>
+          <p:cNvPr id="2" name="Tijdelijke aanduiding voor dia-afbeelding 1"/>
+          <p:cNvSpPr>
+            <a:spLocks noGrp="1" noRot="1" noChangeAspect="1"/>
+          </p:cNvSpPr>
+          <p:nvPr>
+            <p:ph type="sldImg"/>
+          </p:nvPr>
+        </p:nvSpPr>
+        <p:spPr>
+          <a:xfrm>
+            <a:off x="685800" y="1143000"/>
+            <a:ext cx="5486400" cy="3086100"/>
+          </a:xfrm>
+        </p:spPr>
+      </p:sp>
+      <p:sp>
+        <p:nvSpPr>
+          <p:cNvPr id="3" name="Tijdelijke aanduiding voor notities 2"/>
+          <p:cNvSpPr>
+            <a:spLocks noGrp="1"/>
+          </p:cNvSpPr>
+          <p:nvPr>
+            <p:ph type="body" idx="1"/>
+          </p:nvPr>
+        </p:nvSpPr>
+        <p:spPr/>
+        <p:txBody>
+          <a:bodyPr/>
+          <a:lstStyle/>
+          <a:p>
+            <a:endParaRPr lang="en-NL"/>
+          </a:p>
+        </p:txBody>
+      </p:sp>
+      <p:sp>
+        <p:nvSpPr>
+          <p:cNvPr id="4" name="Tijdelijke aanduiding voor dianummer 3"/>
+          <p:cNvSpPr>
+            <a:spLocks noGrp="1"/>
+          </p:cNvSpPr>
+          <p:nvPr>
+            <p:ph type="sldNum" sz="quarter" idx="5"/>
+          </p:nvPr>
+        </p:nvSpPr>
+        <p:spPr/>
+        <p:txBody>
+          <a:bodyPr/>
+          <a:lstStyle/>
+          <a:p>
+            <a:pPr marL="0" marR="0" lvl="0" indent="0" algn="r" defTabSz="914400" rtl="0" eaLnBrk="1" fontAlgn="auto" latinLnBrk="0" hangingPunct="1">
+              <a:lnSpc>
+                <a:spcPct val="100000"/>
+              </a:lnSpc>
+              <a:spcBef>
+                <a:spcPts val="0"/>
+              </a:spcBef>
+              <a:spcAft>
+                <a:spcPts val="0"/>
+              </a:spcAft>
+              <a:buClrTx/>
+              <a:buSzTx/>
+              <a:buFontTx/>
+              <a:buNone/>
+              <a:tabLst/>
+              <a:defRPr/>
+            </a:pPr>
+            <a:fld id="{881E8342-45B4-4497-80BE-B34EA510ECB9}" type="slidenum">
+              <a:rPr kumimoji="0" lang="en-US" sz="1200" b="0" i="0" u="none" strike="noStrike" kern="1200" cap="none" spc="0" normalizeH="0" baseline="0" noProof="0" smtClean="0">
+                <a:ln>
+                  <a:noFill/>
+                </a:ln>
+                <a:solidFill>
+                  <a:srgbClr val="000000"/>
+                </a:solidFill>
+                <a:effectLst/>
+                <a:uLnTx/>
+                <a:uFillTx/>
+                <a:latin typeface="Calibri"/>
+                <a:ea typeface="+mn-ea"/>
+                <a:cs typeface="+mn-cs"/>
+              </a:rPr>
+              <a:pPr marL="0" marR="0" lvl="0" indent="0" algn="r" defTabSz="914400" rtl="0" eaLnBrk="1" fontAlgn="auto" latinLnBrk="0" hangingPunct="1">
+                <a:lnSpc>
+                  <a:spcPct val="100000"/>
+                </a:lnSpc>
+                <a:spcBef>
+                  <a:spcPts val="0"/>
+                </a:spcBef>
+                <a:spcAft>
+                  <a:spcPts val="0"/>
+                </a:spcAft>
+                <a:buClrTx/>
+                <a:buSzTx/>
+                <a:buFontTx/>
+                <a:buNone/>
+                <a:tabLst/>
+                <a:defRPr/>
+              </a:pPr>
+              <a:t>75</a:t>
+            </a:fld>
+            <a:endParaRPr kumimoji="0" lang="en-US" sz="1200" b="0" i="0" u="none" strike="noStrike" kern="1200" cap="none" spc="0" normalizeH="0" baseline="0" noProof="0">
+              <a:ln>
+                <a:noFill/>
+              </a:ln>
+              <a:solidFill>
+                <a:srgbClr val="000000"/>
+              </a:solidFill>
+              <a:effectLst/>
+              <a:uLnTx/>
+              <a:uFillTx/>
+              <a:latin typeface="Calibri"/>
+              <a:ea typeface="+mn-ea"/>
+              <a:cs typeface="+mn-cs"/>
+            </a:endParaRPr>
+          </a:p>
+        </p:txBody>
+      </p:sp>
+    </p:spTree>
+    <p:extLst>
+      <p:ext uri="{BB962C8B-B14F-4D97-AF65-F5344CB8AC3E}">
+        <p14:creationId xmlns:p14="http://schemas.microsoft.com/office/powerpoint/2010/main" val="1732482746"/>
+      </p:ext>
+    </p:extLst>
+  </p:cSld>
+  <p:clrMapOvr>
+    <a:masterClrMapping/>
+  </p:clrMapOvr>
+</p:notes>
+</file>
+
+<file path=ppt/notesSlides/notesSlide27.xml><?xml version="1.0" encoding="utf-8"?>
 <p:notes xmlns:a="http://schemas.openxmlformats.org/drawingml/2006/main" xmlns:r="http://schemas.openxmlformats.org/officeDocument/2006/relationships" xmlns:p="http://schemas.openxmlformats.org/presentationml/2006/main">
   <p:cSld>
     <p:spTree>
@@ -3478,7 +3626,7 @@
                 <a:tabLst/>
                 <a:defRPr/>
               </a:pPr>
-              <a:t>72</a:t>
+              <a:t>76</a:t>
             </a:fld>
             <a:endParaRPr kumimoji="0" lang="nl-NL" sz="1200" b="0" i="0" u="none" strike="noStrike" kern="1200" cap="none" spc="0" normalizeH="0" baseline="0" noProof="0">
               <a:ln>
@@ -3500,156 +3648,7 @@
     </p:spTree>
     <p:extLst>
       <p:ext uri="{BB962C8B-B14F-4D97-AF65-F5344CB8AC3E}">
-        <p14:creationId xmlns:p14="http://schemas.microsoft.com/office/powerpoint/2010/main" val="1861263333"/>
-      </p:ext>
-    </p:extLst>
-  </p:cSld>
-  <p:clrMapOvr>
-    <a:masterClrMapping/>
-  </p:clrMapOvr>
-</p:notes>
-</file>
-
-<file path=ppt/notesSlides/notesSlide27.xml><?xml version="1.0" encoding="utf-8"?>
-<p:notes xmlns:a="http://schemas.openxmlformats.org/drawingml/2006/main" xmlns:r="http://schemas.openxmlformats.org/officeDocument/2006/relationships" xmlns:p="http://schemas.openxmlformats.org/presentationml/2006/main">
-  <p:cSld>
-    <p:spTree>
-      <p:nvGrpSpPr>
-        <p:cNvPr id="1" name=""/>
-        <p:cNvGrpSpPr/>
-        <p:nvPr/>
-      </p:nvGrpSpPr>
-      <p:grpSpPr>
-        <a:xfrm>
-          <a:off x="0" y="0"/>
-          <a:ext cx="0" cy="0"/>
-          <a:chOff x="0" y="0"/>
-          <a:chExt cx="0" cy="0"/>
-        </a:xfrm>
-      </p:grpSpPr>
-      <p:sp>
-        <p:nvSpPr>
-          <p:cNvPr id="2" name="Tijdelijke aanduiding voor dia-afbeelding 1"/>
-          <p:cNvSpPr>
-            <a:spLocks noGrp="1" noRot="1" noChangeAspect="1"/>
-          </p:cNvSpPr>
-          <p:nvPr>
-            <p:ph type="sldImg"/>
-          </p:nvPr>
-        </p:nvSpPr>
-        <p:spPr>
-          <a:xfrm>
-            <a:off x="685800" y="1143000"/>
-            <a:ext cx="5486400" cy="3086100"/>
-          </a:xfrm>
-        </p:spPr>
-      </p:sp>
-      <p:sp>
-        <p:nvSpPr>
-          <p:cNvPr id="3" name="Tijdelijke aanduiding voor notities 2"/>
-          <p:cNvSpPr>
-            <a:spLocks noGrp="1"/>
-          </p:cNvSpPr>
-          <p:nvPr>
-            <p:ph type="body" idx="1"/>
-          </p:nvPr>
-        </p:nvSpPr>
-        <p:spPr/>
-        <p:txBody>
-          <a:bodyPr/>
-          <a:lstStyle/>
-          <a:p>
-            <a:endParaRPr lang="en-NL"/>
-          </a:p>
-        </p:txBody>
-      </p:sp>
-      <p:sp>
-        <p:nvSpPr>
-          <p:cNvPr id="4" name="Tijdelijke aanduiding voor dianummer 3"/>
-          <p:cNvSpPr>
-            <a:spLocks noGrp="1"/>
-          </p:cNvSpPr>
-          <p:nvPr>
-            <p:ph type="sldNum" sz="quarter" idx="5"/>
-          </p:nvPr>
-        </p:nvSpPr>
-        <p:spPr/>
-        <p:txBody>
-          <a:bodyPr/>
-          <a:lstStyle/>
-          <a:p>
-            <a:pPr marL="0" marR="0" lvl="0" indent="0" algn="r" defTabSz="914400" rtl="0" eaLnBrk="1" fontAlgn="auto" latinLnBrk="0" hangingPunct="1">
-              <a:lnSpc>
-                <a:spcPct val="100000"/>
-              </a:lnSpc>
-              <a:spcBef>
-                <a:spcPts val="0"/>
-              </a:spcBef>
-              <a:spcAft>
-                <a:spcPts val="0"/>
-              </a:spcAft>
-              <a:buClrTx/>
-              <a:buSzTx/>
-              <a:buFontTx/>
-              <a:buNone/>
-              <a:tabLst/>
-              <a:defRPr/>
-            </a:pPr>
-            <a:fld id="{881E8342-45B4-4497-80BE-B34EA510ECB9}" type="slidenum">
-              <a:rPr kumimoji="0" lang="en-US" sz="1200" b="0" i="0" u="none" strike="noStrike" kern="1200" cap="none" spc="0" normalizeH="0" baseline="0" noProof="0" smtClean="0">
-                <a:ln>
-                  <a:noFill/>
-                </a:ln>
-                <a:solidFill>
-                  <a:srgbClr val="000000"/>
-                </a:solidFill>
-                <a:effectLst/>
-                <a:uLnTx/>
-                <a:uFillTx/>
-                <a:latin typeface="Calibri"/>
-                <a:ea typeface="+mn-ea"/>
-                <a:cs typeface="+mn-cs"/>
-              </a:rPr>
-              <a:pPr marL="0" marR="0" lvl="0" indent="0" algn="r" defTabSz="914400" rtl="0" eaLnBrk="1" fontAlgn="auto" latinLnBrk="0" hangingPunct="1">
-                <a:lnSpc>
-                  <a:spcPct val="100000"/>
-                </a:lnSpc>
-                <a:spcBef>
-                  <a:spcPts val="0"/>
-                </a:spcBef>
-                <a:spcAft>
-                  <a:spcPts val="0"/>
-                </a:spcAft>
-                <a:buClrTx/>
-                <a:buSzTx/>
-                <a:buFontTx/>
-                <a:buNone/>
-                <a:tabLst/>
-                <a:defRPr/>
-              </a:pPr>
-              <a:t>76</a:t>
-            </a:fld>
-            <a:endParaRPr kumimoji="0" lang="en-US" sz="1200" b="0" i="0" u="none" strike="noStrike" kern="1200" cap="none" spc="0" normalizeH="0" baseline="0" noProof="0">
-              <a:ln>
-                <a:noFill/>
-              </a:ln>
-              <a:solidFill>
-                <a:srgbClr val="000000"/>
-              </a:solidFill>
-              <a:effectLst/>
-              <a:uLnTx/>
-              <a:uFillTx/>
-              <a:latin typeface="Calibri"/>
-              <a:ea typeface="+mn-ea"/>
-              <a:cs typeface="+mn-cs"/>
-            </a:endParaRPr>
-          </a:p>
-        </p:txBody>
-      </p:sp>
-    </p:spTree>
-    <p:extLst>
-      <p:ext uri="{BB962C8B-B14F-4D97-AF65-F5344CB8AC3E}">
-        <p14:creationId xmlns:p14="http://schemas.microsoft.com/office/powerpoint/2010/main" val="1732482746"/>
+        <p14:creationId xmlns:p14="http://schemas.microsoft.com/office/powerpoint/2010/main" val="2187401497"/>
       </p:ext>
     </p:extLst>
   </p:cSld>
@@ -3798,7 +3797,7 @@
     </p:spTree>
     <p:extLst>
       <p:ext uri="{BB962C8B-B14F-4D97-AF65-F5344CB8AC3E}">
-        <p14:creationId xmlns:p14="http://schemas.microsoft.com/office/powerpoint/2010/main" val="2187401497"/>
+        <p14:creationId xmlns:p14="http://schemas.microsoft.com/office/powerpoint/2010/main" val="2388114385"/>
       </p:ext>
     </p:extLst>
   </p:cSld>
@@ -3835,12 +3834,7 @@
             <p:ph type="sldImg"/>
           </p:nvPr>
         </p:nvSpPr>
-        <p:spPr>
-          <a:xfrm>
-            <a:off x="685800" y="1143000"/>
-            <a:ext cx="5486400" cy="3086100"/>
-          </a:xfrm>
-        </p:spPr>
+        <p:spPr/>
       </p:sp>
       <p:sp>
         <p:nvSpPr>
@@ -3857,7 +3851,7 @@
           <a:bodyPr/>
           <a:lstStyle/>
           <a:p>
-            <a:endParaRPr lang="nl-NL"/>
+            <a:endParaRPr lang="nl-NL" dirty="0"/>
           </a:p>
         </p:txBody>
       </p:sp>
@@ -3925,7 +3919,7 @@
                 <a:tabLst/>
                 <a:defRPr/>
               </a:pPr>
-              <a:t>78</a:t>
+              <a:t>87</a:t>
             </a:fld>
             <a:endParaRPr kumimoji="0" lang="nl-NL" sz="1200" b="0" i="0" u="none" strike="noStrike" kern="1200" cap="none" spc="0" normalizeH="0" baseline="0" noProof="0">
               <a:ln>
@@ -3947,7 +3941,7 @@
     </p:spTree>
     <p:extLst>
       <p:ext uri="{BB962C8B-B14F-4D97-AF65-F5344CB8AC3E}">
-        <p14:creationId xmlns:p14="http://schemas.microsoft.com/office/powerpoint/2010/main" val="2388114385"/>
+        <p14:creationId xmlns:p14="http://schemas.microsoft.com/office/powerpoint/2010/main" val="1486813995"/>
       </p:ext>
     </p:extLst>
   </p:cSld>
@@ -4087,150 +4081,6 @@
         </p:txBody>
       </p:sp>
     </p:spTree>
-  </p:cSld>
-  <p:clrMapOvr>
-    <a:masterClrMapping/>
-  </p:clrMapOvr>
-</p:notes>
-</file>
-
-<file path=ppt/notesSlides/notesSlide30.xml><?xml version="1.0" encoding="utf-8"?>
-<p:notes xmlns:a="http://schemas.openxmlformats.org/drawingml/2006/main" xmlns:r="http://schemas.openxmlformats.org/officeDocument/2006/relationships" xmlns:p="http://schemas.openxmlformats.org/presentationml/2006/main">
-  <p:cSld>
-    <p:spTree>
-      <p:nvGrpSpPr>
-        <p:cNvPr id="1" name=""/>
-        <p:cNvGrpSpPr/>
-        <p:nvPr/>
-      </p:nvGrpSpPr>
-      <p:grpSpPr>
-        <a:xfrm>
-          <a:off x="0" y="0"/>
-          <a:ext cx="0" cy="0"/>
-          <a:chOff x="0" y="0"/>
-          <a:chExt cx="0" cy="0"/>
-        </a:xfrm>
-      </p:grpSpPr>
-      <p:sp>
-        <p:nvSpPr>
-          <p:cNvPr id="2" name="Slide Image Placeholder 1"/>
-          <p:cNvSpPr>
-            <a:spLocks noGrp="1" noRot="1" noChangeAspect="1"/>
-          </p:cNvSpPr>
-          <p:nvPr>
-            <p:ph type="sldImg"/>
-          </p:nvPr>
-        </p:nvSpPr>
-        <p:spPr/>
-      </p:sp>
-      <p:sp>
-        <p:nvSpPr>
-          <p:cNvPr id="3" name="Notes Placeholder 2"/>
-          <p:cNvSpPr>
-            <a:spLocks noGrp="1"/>
-          </p:cNvSpPr>
-          <p:nvPr>
-            <p:ph type="body" idx="1"/>
-          </p:nvPr>
-        </p:nvSpPr>
-        <p:spPr/>
-        <p:txBody>
-          <a:bodyPr/>
-          <a:lstStyle/>
-          <a:p>
-            <a:endParaRPr lang="nl-NL" dirty="0"/>
-          </a:p>
-        </p:txBody>
-      </p:sp>
-      <p:sp>
-        <p:nvSpPr>
-          <p:cNvPr id="4" name="Slide Number Placeholder 3"/>
-          <p:cNvSpPr>
-            <a:spLocks noGrp="1"/>
-          </p:cNvSpPr>
-          <p:nvPr>
-            <p:ph type="sldNum" sz="quarter" idx="10"/>
-          </p:nvPr>
-        </p:nvSpPr>
-        <p:spPr/>
-        <p:txBody>
-          <a:bodyPr/>
-          <a:lstStyle/>
-          <a:p>
-            <a:pPr marL="0" marR="0" lvl="0" indent="0" algn="r" defTabSz="914400" rtl="0" eaLnBrk="1" fontAlgn="auto" latinLnBrk="0" hangingPunct="1">
-              <a:lnSpc>
-                <a:spcPct val="100000"/>
-              </a:lnSpc>
-              <a:spcBef>
-                <a:spcPts val="0"/>
-              </a:spcBef>
-              <a:spcAft>
-                <a:spcPts val="0"/>
-              </a:spcAft>
-              <a:buClrTx/>
-              <a:buSzTx/>
-              <a:buFontTx/>
-              <a:buNone/>
-              <a:tabLst/>
-              <a:defRPr/>
-            </a:pPr>
-            <a:fld id="{18D1B175-4AA8-4E22-A293-4FC0E25D585B}" type="slidenum">
-              <a:rPr kumimoji="0" lang="nl-NL" sz="1200" b="0" i="0" u="none" strike="noStrike" kern="1200" cap="none" spc="0" normalizeH="0" baseline="0" noProof="0" smtClean="0">
-                <a:ln>
-                  <a:noFill/>
-                </a:ln>
-                <a:solidFill>
-                  <a:prstClr val="black"/>
-                </a:solidFill>
-                <a:effectLst/>
-                <a:uLnTx/>
-                <a:uFillTx/>
-                <a:latin typeface="Calibri" panose="020F0502020204030204"/>
-                <a:ea typeface="+mn-ea"/>
-                <a:cs typeface="+mn-cs"/>
-              </a:rPr>
-              <a:pPr marL="0" marR="0" lvl="0" indent="0" algn="r" defTabSz="914400" rtl="0" eaLnBrk="1" fontAlgn="auto" latinLnBrk="0" hangingPunct="1">
-                <a:lnSpc>
-                  <a:spcPct val="100000"/>
-                </a:lnSpc>
-                <a:spcBef>
-                  <a:spcPts val="0"/>
-                </a:spcBef>
-                <a:spcAft>
-                  <a:spcPts val="0"/>
-                </a:spcAft>
-                <a:buClrTx/>
-                <a:buSzTx/>
-                <a:buFontTx/>
-                <a:buNone/>
-                <a:tabLst/>
-                <a:defRPr/>
-              </a:pPr>
-              <a:t>88</a:t>
-            </a:fld>
-            <a:endParaRPr kumimoji="0" lang="nl-NL" sz="1200" b="0" i="0" u="none" strike="noStrike" kern="1200" cap="none" spc="0" normalizeH="0" baseline="0" noProof="0">
-              <a:ln>
-                <a:noFill/>
-              </a:ln>
-              <a:solidFill>
-                <a:prstClr val="black"/>
-              </a:solidFill>
-              <a:effectLst/>
-              <a:uLnTx/>
-              <a:uFillTx/>
-              <a:latin typeface="Calibri" panose="020F0502020204030204"/>
-              <a:ea typeface="+mn-ea"/>
-              <a:cs typeface="+mn-cs"/>
-            </a:endParaRPr>
-          </a:p>
-        </p:txBody>
-      </p:sp>
-    </p:spTree>
-    <p:extLst>
-      <p:ext uri="{BB962C8B-B14F-4D97-AF65-F5344CB8AC3E}">
-        <p14:creationId xmlns:p14="http://schemas.microsoft.com/office/powerpoint/2010/main" val="1486813995"/>
-      </p:ext>
-    </p:extLst>
   </p:cSld>
   <p:clrMapOvr>
     <a:masterClrMapping/>
@@ -5296,7 +5146,7 @@
             <a:fld id="{19D221E3-8E68-4F1C-A103-A0B6C8B9662E}" type="datetime1">
               <a:rPr lang="nl-NL"/>
               <a:pPr lvl="0"/>
-              <a:t>13-12-2024</a:t>
+              <a:t>26-11-2025</a:t>
             </a:fld>
             <a:endParaRPr lang="nl-NL"/>
           </a:p>
@@ -5533,7 +5383,7 @@
             <a:fld id="{822E0BF5-BE88-44A4-BA94-982271F97C3D}" type="datetime1">
               <a:rPr lang="nl-NL"/>
               <a:pPr lvl="0"/>
-              <a:t>13-12-2024</a:t>
+              <a:t>26-11-2025</a:t>
             </a:fld>
             <a:endParaRPr lang="nl-NL"/>
           </a:p>
@@ -5779,7 +5629,7 @@
             <a:fld id="{B9232680-D045-46AA-BEF7-C3F631B40446}" type="datetime1">
               <a:rPr lang="nl-NL"/>
               <a:pPr lvl="0"/>
-              <a:t>13-12-2024</a:t>
+              <a:t>26-11-2025</a:t>
             </a:fld>
             <a:endParaRPr lang="nl-NL"/>
           </a:p>
@@ -5992,7 +5842,7 @@
           <a:p>
             <a:fld id="{EF2786E2-A2AD-407F-A096-CEC047B7C616}" type="datetimeFigureOut">
               <a:rPr lang="nl-NL" smtClean="0"/>
-              <a:t>13-12-2024</a:t>
+              <a:t>26-11-2025</a:t>
             </a:fld>
             <a:endParaRPr lang="nl-NL"/>
           </a:p>
@@ -6162,7 +6012,7 @@
           <a:p>
             <a:fld id="{EF2786E2-A2AD-407F-A096-CEC047B7C616}" type="datetimeFigureOut">
               <a:rPr lang="nl-NL" smtClean="0"/>
-              <a:t>13-12-2024</a:t>
+              <a:t>26-11-2025</a:t>
             </a:fld>
             <a:endParaRPr lang="nl-NL"/>
           </a:p>
@@ -6408,7 +6258,7 @@
           <a:p>
             <a:fld id="{EF2786E2-A2AD-407F-A096-CEC047B7C616}" type="datetimeFigureOut">
               <a:rPr lang="nl-NL" smtClean="0"/>
-              <a:t>13-12-2024</a:t>
+              <a:t>26-11-2025</a:t>
             </a:fld>
             <a:endParaRPr lang="nl-NL"/>
           </a:p>
@@ -6640,7 +6490,7 @@
           <a:p>
             <a:fld id="{EF2786E2-A2AD-407F-A096-CEC047B7C616}" type="datetimeFigureOut">
               <a:rPr lang="nl-NL" smtClean="0"/>
-              <a:t>13-12-2024</a:t>
+              <a:t>26-11-2025</a:t>
             </a:fld>
             <a:endParaRPr lang="nl-NL"/>
           </a:p>
@@ -7007,7 +6857,7 @@
           <a:p>
             <a:fld id="{EF2786E2-A2AD-407F-A096-CEC047B7C616}" type="datetimeFigureOut">
               <a:rPr lang="nl-NL" smtClean="0"/>
-              <a:t>13-12-2024</a:t>
+              <a:t>26-11-2025</a:t>
             </a:fld>
             <a:endParaRPr lang="nl-NL"/>
           </a:p>
@@ -7125,7 +6975,7 @@
           <a:p>
             <a:fld id="{EF2786E2-A2AD-407F-A096-CEC047B7C616}" type="datetimeFigureOut">
               <a:rPr lang="nl-NL" smtClean="0"/>
-              <a:t>13-12-2024</a:t>
+              <a:t>26-11-2025</a:t>
             </a:fld>
             <a:endParaRPr lang="nl-NL"/>
           </a:p>
@@ -7220,7 +7070,7 @@
           <a:p>
             <a:fld id="{EF2786E2-A2AD-407F-A096-CEC047B7C616}" type="datetimeFigureOut">
               <a:rPr lang="nl-NL" smtClean="0"/>
-              <a:t>13-12-2024</a:t>
+              <a:t>26-11-2025</a:t>
             </a:fld>
             <a:endParaRPr lang="nl-NL"/>
           </a:p>
@@ -7497,7 +7347,7 @@
           <a:p>
             <a:fld id="{EF2786E2-A2AD-407F-A096-CEC047B7C616}" type="datetimeFigureOut">
               <a:rPr lang="nl-NL" smtClean="0"/>
-              <a:t>13-12-2024</a:t>
+              <a:t>26-11-2025</a:t>
             </a:fld>
             <a:endParaRPr lang="nl-NL"/>
           </a:p>
@@ -7712,7 +7562,7 @@
             <a:fld id="{74E63D54-33BC-47E5-ADB1-BB0B7298DA8F}" type="datetime1">
               <a:rPr lang="nl-NL"/>
               <a:pPr lvl="0"/>
-              <a:t>13-12-2024</a:t>
+              <a:t>26-11-2025</a:t>
             </a:fld>
             <a:endParaRPr lang="nl-NL"/>
           </a:p>
@@ -7987,7 +7837,7 @@
           <a:p>
             <a:fld id="{EF2786E2-A2AD-407F-A096-CEC047B7C616}" type="datetimeFigureOut">
               <a:rPr lang="nl-NL" smtClean="0"/>
-              <a:t>13-12-2024</a:t>
+              <a:t>26-11-2025</a:t>
             </a:fld>
             <a:endParaRPr lang="nl-NL"/>
           </a:p>
@@ -8157,7 +8007,7 @@
           <a:p>
             <a:fld id="{EF2786E2-A2AD-407F-A096-CEC047B7C616}" type="datetimeFigureOut">
               <a:rPr lang="nl-NL" smtClean="0"/>
-              <a:t>13-12-2024</a:t>
+              <a:t>26-11-2025</a:t>
             </a:fld>
             <a:endParaRPr lang="nl-NL"/>
           </a:p>
@@ -8337,7 +8187,7 @@
           <a:p>
             <a:fld id="{EF2786E2-A2AD-407F-A096-CEC047B7C616}" type="datetimeFigureOut">
               <a:rPr lang="nl-NL" smtClean="0"/>
-              <a:t>13-12-2024</a:t>
+              <a:t>26-11-2025</a:t>
             </a:fld>
             <a:endParaRPr lang="nl-NL"/>
           </a:p>
@@ -8526,7 +8376,7 @@
             <a:fld id="{30925ABE-D3D0-404A-A142-4AD3A33711F1}" type="datetime1">
               <a:rPr lang="nl-NL"/>
               <a:pPr lvl="0"/>
-              <a:t>13-12-2024</a:t>
+              <a:t>26-11-2025</a:t>
             </a:fld>
             <a:endParaRPr lang="nl-NL"/>
           </a:p>
@@ -8846,7 +8696,7 @@
             <a:fld id="{CF7C870A-C5CE-4B9C-8879-AA59D721C7B0}" type="datetime1">
               <a:rPr lang="nl-NL"/>
               <a:pPr lvl="0"/>
-              <a:t>13-12-2024</a:t>
+              <a:t>26-11-2025</a:t>
             </a:fld>
             <a:endParaRPr lang="nl-NL"/>
           </a:p>
@@ -9250,7 +9100,7 @@
             <a:fld id="{9B8CBA01-D750-4027-AD4F-F8BBD96EFE00}" type="datetime1">
               <a:rPr lang="nl-NL"/>
               <a:pPr lvl="0"/>
-              <a:t>13-12-2024</a:t>
+              <a:t>26-11-2025</a:t>
             </a:fld>
             <a:endParaRPr lang="nl-NL"/>
           </a:p>
@@ -9413,7 +9263,7 @@
             <a:fld id="{F094EFB8-CC71-4E7E-9D6F-4AF06728B1E2}" type="datetime1">
               <a:rPr lang="nl-NL"/>
               <a:pPr lvl="0"/>
-              <a:t>13-12-2024</a:t>
+              <a:t>26-11-2025</a:t>
             </a:fld>
             <a:endParaRPr lang="nl-NL"/>
           </a:p>
@@ -9541,7 +9391,7 @@
             <a:fld id="{8B2D0485-9F03-42A6-AEAF-640E1E801316}" type="datetime1">
               <a:rPr lang="nl-NL"/>
               <a:pPr lvl="0"/>
-              <a:t>13-12-2024</a:t>
+              <a:t>26-11-2025</a:t>
             </a:fld>
             <a:endParaRPr lang="nl-NL"/>
           </a:p>
@@ -9826,7 +9676,7 @@
             <a:fld id="{7E16F5C2-4DDC-41E9-9E83-12B283FFD3EC}" type="datetime1">
               <a:rPr lang="nl-NL"/>
               <a:pPr lvl="0"/>
-              <a:t>13-12-2024</a:t>
+              <a:t>26-11-2025</a:t>
             </a:fld>
             <a:endParaRPr lang="nl-NL"/>
           </a:p>
@@ -10068,7 +9918,7 @@
             <a:fld id="{787BCDFB-3AD3-4B04-8CEB-D3DE0C540ABF}" type="datetime1">
               <a:rPr lang="nl-NL"/>
               <a:pPr lvl="0"/>
-              <a:t>13-12-2024</a:t>
+              <a:t>26-11-2025</a:t>
             </a:fld>
             <a:endParaRPr lang="nl-NL"/>
           </a:p>
@@ -10351,7 +10201,7 @@
             <a:fld id="{DE0E4D8D-E244-449F-9212-68A908B9804D}" type="datetime1">
               <a:rPr lang="nl-NL"/>
               <a:pPr lvl="0"/>
-              <a:t>13-12-2024</a:t>
+              <a:t>26-11-2025</a:t>
             </a:fld>
             <a:endParaRPr lang="nl-NL"/>
           </a:p>
@@ -10956,7 +10806,7 @@
           <a:p>
             <a:fld id="{EF2786E2-A2AD-407F-A096-CEC047B7C616}" type="datetimeFigureOut">
               <a:rPr lang="nl-NL" smtClean="0"/>
-              <a:t>13-12-2024</a:t>
+              <a:t>26-11-2025</a:t>
             </a:fld>
             <a:endParaRPr lang="nl-NL"/>
           </a:p>
@@ -43668,17 +43518,17 @@
           <a:p>
             <a:pPr algn="ctr"/>
             <a:r>
-              <a:rPr lang="nl-NL" sz="4000" b="1" dirty="0">
+              <a:rPr lang="nl-NL" sz="6500" dirty="0">
                 <a:solidFill>
                   <a:srgbClr val="00FF00"/>
                 </a:solidFill>
                 <a:latin typeface="Courier New" panose="02070309020205020404" pitchFamily="49" charset="0"/>
                 <a:cs typeface="Courier New" panose="02070309020205020404" pitchFamily="49" charset="0"/>
               </a:rPr>
-              <a:t>Section 6.3 is waiting on</a:t>
+              <a:t>Section 7.3:</a:t>
             </a:r>
             <a:br>
-              <a:rPr lang="nl-NL" sz="4000" b="1" dirty="0">
+              <a:rPr lang="nl-NL" sz="6500" dirty="0">
                 <a:solidFill>
                   <a:srgbClr val="00FF00"/>
                 </a:solidFill>
@@ -43687,7 +43537,7 @@
               </a:rPr>
             </a:br>
             <a:br>
-              <a:rPr lang="nl-NL" sz="4000" b="1" dirty="0">
+              <a:rPr lang="nl-NL" sz="6500" dirty="0">
                 <a:solidFill>
                   <a:srgbClr val="00FF00"/>
                 </a:solidFill>
@@ -43696,171 +43546,15 @@
               </a:rPr>
             </a:br>
             <a:r>
-              <a:rPr lang="nl-NL" sz="4000" b="1" dirty="0">
+              <a:rPr lang="nl-NL" sz="6500" dirty="0">
                 <a:solidFill>
                   <a:srgbClr val="00FF00"/>
                 </a:solidFill>
                 <a:latin typeface="Courier New" panose="02070309020205020404" pitchFamily="49" charset="0"/>
                 <a:cs typeface="Courier New" panose="02070309020205020404" pitchFamily="49" charset="0"/>
               </a:rPr>
-              <a:t> https://github.com/wiremock</a:t>
-            </a:r>
-            <a:br>
-              <a:rPr lang="nl-NL" sz="4000" b="1" dirty="0">
-                <a:solidFill>
-                  <a:srgbClr val="00FF00"/>
-                </a:solidFill>
-                <a:latin typeface="Courier New" panose="02070309020205020404" pitchFamily="49" charset="0"/>
-                <a:cs typeface="Courier New" panose="02070309020205020404" pitchFamily="49" charset="0"/>
-              </a:rPr>
-            </a:br>
-            <a:r>
-              <a:rPr lang="nl-NL" sz="4000" b="1" dirty="0">
-                <a:solidFill>
-                  <a:srgbClr val="00FF00"/>
-                </a:solidFill>
-                <a:latin typeface="Courier New" panose="02070309020205020404" pitchFamily="49" charset="0"/>
-                <a:cs typeface="Courier New" panose="02070309020205020404" pitchFamily="49" charset="0"/>
-              </a:rPr>
-              <a:t>/wiremock/issues/2525</a:t>
-            </a:r>
-            <a:br>
-              <a:rPr lang="nl-NL" sz="4000" b="1" dirty="0">
-                <a:solidFill>
-                  <a:srgbClr val="00FF00"/>
-                </a:solidFill>
-                <a:latin typeface="Courier New" panose="02070309020205020404" pitchFamily="49" charset="0"/>
-                <a:cs typeface="Courier New" panose="02070309020205020404" pitchFamily="49" charset="0"/>
-              </a:rPr>
-            </a:br>
-            <a:br>
-              <a:rPr lang="nl-NL" sz="4000" b="1" dirty="0">
-                <a:solidFill>
-                  <a:srgbClr val="00FF00"/>
-                </a:solidFill>
-                <a:latin typeface="Courier New" panose="02070309020205020404" pitchFamily="49" charset="0"/>
-                <a:cs typeface="Courier New" panose="02070309020205020404" pitchFamily="49" charset="0"/>
-              </a:rPr>
-            </a:br>
-            <a:r>
-              <a:rPr lang="nl-NL" sz="4000" b="1" dirty="0">
-                <a:solidFill>
-                  <a:srgbClr val="00FF00"/>
-                </a:solidFill>
-                <a:latin typeface="Courier New" panose="02070309020205020404" pitchFamily="49" charset="0"/>
-                <a:cs typeface="Courier New" panose="02070309020205020404" pitchFamily="49" charset="0"/>
-              </a:rPr>
-              <a:t>to be resolved</a:t>
-            </a:r>
-          </a:p>
-        </p:txBody>
-      </p:sp>
-    </p:spTree>
-    <p:extLst>
-      <p:ext uri="{BB962C8B-B14F-4D97-AF65-F5344CB8AC3E}">
-        <p14:creationId xmlns:p14="http://schemas.microsoft.com/office/powerpoint/2010/main" val="2309113430"/>
-      </p:ext>
-    </p:extLst>
-  </p:cSld>
-  <p:clrMapOvr>
-    <a:masterClrMapping/>
-  </p:clrMapOvr>
-</p:sld>
-</file>
-
-<file path=ppt/slides/slide72.xml><?xml version="1.0" encoding="utf-8"?>
-<p:sld xmlns:a="http://schemas.openxmlformats.org/drawingml/2006/main" xmlns:r="http://schemas.openxmlformats.org/officeDocument/2006/relationships" xmlns:p="http://schemas.openxmlformats.org/presentationml/2006/main" show="0">
-  <p:cSld>
-    <p:bg>
-      <p:bgPr>
-        <a:solidFill>
-          <a:schemeClr val="tx1"/>
-        </a:solidFill>
-        <a:effectLst/>
-      </p:bgPr>
-    </p:bg>
-    <p:spTree>
-      <p:nvGrpSpPr>
-        <p:cNvPr id="1" name=""/>
-        <p:cNvGrpSpPr/>
-        <p:nvPr/>
-      </p:nvGrpSpPr>
-      <p:grpSpPr>
-        <a:xfrm>
-          <a:off x="0" y="0"/>
-          <a:ext cx="0" cy="0"/>
-          <a:chOff x="0" y="0"/>
-          <a:chExt cx="0" cy="0"/>
-        </a:xfrm>
-      </p:grpSpPr>
-      <p:sp>
-        <p:nvSpPr>
-          <p:cNvPr id="2" name="Title 1"/>
-          <p:cNvSpPr>
-            <a:spLocks noGrp="1"/>
-          </p:cNvSpPr>
-          <p:nvPr>
-            <p:ph type="title"/>
-          </p:nvPr>
-        </p:nvSpPr>
-        <p:spPr>
-          <a:xfrm>
-            <a:off x="2" y="2267636"/>
-            <a:ext cx="12191998" cy="2369662"/>
-          </a:xfrm>
-        </p:spPr>
-        <p:txBody>
-          <a:bodyPr>
-            <a:noAutofit/>
-          </a:bodyPr>
-          <a:lstStyle/>
-          <a:p>
-            <a:pPr algn="ctr"/>
-            <a:r>
-              <a:rPr lang="nl-NL" sz="6500">
-                <a:solidFill>
-                  <a:srgbClr val="00FF00"/>
-                </a:solidFill>
-                <a:latin typeface="Courier New" panose="02070309020205020404" pitchFamily="49" charset="0"/>
-                <a:cs typeface="Courier New" panose="02070309020205020404" pitchFamily="49" charset="0"/>
-              </a:rPr>
-              <a:t>Section 6.3:</a:t>
-            </a:r>
-            <a:br>
-              <a:rPr lang="nl-NL" sz="6500">
-                <a:solidFill>
-                  <a:srgbClr val="00FF00"/>
-                </a:solidFill>
-                <a:latin typeface="Courier New" panose="02070309020205020404" pitchFamily="49" charset="0"/>
-                <a:cs typeface="Courier New" panose="02070309020205020404" pitchFamily="49" charset="0"/>
-              </a:rPr>
-            </a:br>
-            <a:br>
-              <a:rPr lang="nl-NL" sz="6500">
-                <a:solidFill>
-                  <a:srgbClr val="00FF00"/>
-                </a:solidFill>
-                <a:latin typeface="Courier New" panose="02070309020205020404" pitchFamily="49" charset="0"/>
-                <a:cs typeface="Courier New" panose="02070309020205020404" pitchFamily="49" charset="0"/>
-              </a:rPr>
-            </a:br>
-            <a:r>
-              <a:rPr lang="nl-NL" sz="6500">
-                <a:solidFill>
-                  <a:srgbClr val="00FF00"/>
-                </a:solidFill>
-                <a:latin typeface="Courier New" panose="02070309020205020404" pitchFamily="49" charset="0"/>
-                <a:cs typeface="Courier New" panose="02070309020205020404" pitchFamily="49" charset="0"/>
-              </a:rPr>
-              <a:t>Executing post-serve actions</a:t>
-            </a:r>
-            <a:endParaRPr lang="nl-NL" sz="6500" dirty="0">
-              <a:solidFill>
-                <a:srgbClr val="00FF00"/>
-              </a:solidFill>
-              <a:latin typeface="Courier New" panose="02070309020205020404" pitchFamily="49" charset="0"/>
-              <a:cs typeface="Courier New" panose="02070309020205020404" pitchFamily="49" charset="0"/>
-            </a:endParaRPr>
+              <a:t>Using ServeEvent listeners</a:t>
+            </a:r>
           </a:p>
         </p:txBody>
       </p:sp>
@@ -43877,8 +43571,8 @@
 </p:sld>
 </file>
 
-<file path=ppt/slides/slide73.xml><?xml version="1.0" encoding="utf-8"?>
-<p:sld xmlns:a="http://schemas.openxmlformats.org/drawingml/2006/main" xmlns:r="http://schemas.openxmlformats.org/officeDocument/2006/relationships" xmlns:p="http://schemas.openxmlformats.org/presentationml/2006/main" show="0">
+<file path=ppt/slides/slide72.xml><?xml version="1.0" encoding="utf-8"?>
+<p:sld xmlns:a="http://schemas.openxmlformats.org/drawingml/2006/main" xmlns:r="http://schemas.openxmlformats.org/officeDocument/2006/relationships" xmlns:p="http://schemas.openxmlformats.org/presentationml/2006/main">
   <p:cSld>
     <p:bg>
       <p:bgPr>
@@ -43925,14 +43619,14 @@
           <a:p>
             <a:pPr lvl="0"/>
             <a:r>
-              <a:rPr lang="nl-NL">
-                <a:solidFill>
-                  <a:srgbClr val="00FF00"/>
-                </a:solidFill>
-                <a:latin typeface="Courier New" pitchFamily="49"/>
-                <a:cs typeface="Courier New" pitchFamily="49"/>
-              </a:rPr>
-              <a:t>Post-serve actions</a:t>
+              <a:rPr lang="nl-NL" dirty="0">
+                <a:solidFill>
+                  <a:srgbClr val="00FF00"/>
+                </a:solidFill>
+                <a:latin typeface="Courier New" pitchFamily="49"/>
+                <a:cs typeface="Courier New" pitchFamily="49"/>
+              </a:rPr>
+              <a:t>ServeEvents</a:t>
             </a:r>
           </a:p>
         </p:txBody>
@@ -43965,14 +43659,14 @@
               <a:buChar char="_"/>
             </a:pPr>
             <a:r>
-              <a:rPr lang="nl-NL">
-                <a:solidFill>
-                  <a:srgbClr val="00FF00"/>
-                </a:solidFill>
-                <a:latin typeface="Courier New" pitchFamily="49"/>
-                <a:cs typeface="Courier New" pitchFamily="49"/>
-              </a:rPr>
-              <a:t>Perform specific actions after serving response</a:t>
+              <a:rPr lang="nl-NL" dirty="0">
+                <a:solidFill>
+                  <a:srgbClr val="00FF00"/>
+                </a:solidFill>
+                <a:latin typeface="Courier New" pitchFamily="49"/>
+                <a:cs typeface="Courier New" pitchFamily="49"/>
+              </a:rPr>
+              <a:t>Perform specific actions before or after processing or serving response</a:t>
             </a:r>
           </a:p>
           <a:p>
@@ -43980,29 +43674,6 @@
               <a:buFont typeface="Courier New" pitchFamily="49"/>
               <a:buChar char="_"/>
             </a:pPr>
-            <a:endParaRPr lang="nl-NL">
-              <a:solidFill>
-                <a:srgbClr val="00FF00"/>
-              </a:solidFill>
-              <a:latin typeface="Courier New" pitchFamily="49"/>
-              <a:cs typeface="Courier New" pitchFamily="49"/>
-            </a:endParaRPr>
-          </a:p>
-          <a:p>
-            <a:pPr lvl="0">
-              <a:buFont typeface="Courier New" pitchFamily="49"/>
-              <a:buChar char="_"/>
-            </a:pPr>
-            <a:r>
-              <a:rPr lang="nl-NL">
-                <a:solidFill>
-                  <a:srgbClr val="00FF00"/>
-                </a:solidFill>
-                <a:latin typeface="Courier New" pitchFamily="49"/>
-                <a:cs typeface="Courier New" pitchFamily="49"/>
-              </a:rPr>
-              <a:t>Logging, writing to database, …</a:t>
-            </a:r>
             <a:endParaRPr lang="nl-NL" dirty="0">
               <a:solidFill>
                 <a:srgbClr val="00FF00"/>
@@ -44016,7 +43687,23 @@
               <a:buFont typeface="Courier New" pitchFamily="49"/>
               <a:buChar char="_"/>
             </a:pPr>
-            <a:endParaRPr lang="nl-NL">
+            <a:r>
+              <a:rPr lang="nl-NL" dirty="0">
+                <a:solidFill>
+                  <a:srgbClr val="00FF00"/>
+                </a:solidFill>
+                <a:latin typeface="Courier New" pitchFamily="49"/>
+                <a:cs typeface="Courier New" pitchFamily="49"/>
+              </a:rPr>
+              <a:t>Logging, writing to database, …</a:t>
+            </a:r>
+          </a:p>
+          <a:p>
+            <a:pPr lvl="0">
+              <a:buFont typeface="Courier New" pitchFamily="49"/>
+              <a:buChar char="_"/>
+            </a:pPr>
+            <a:endParaRPr lang="nl-NL" dirty="0">
               <a:solidFill>
                 <a:srgbClr val="00FF00"/>
               </a:solidFill>
@@ -44030,14 +43717,14 @@
               <a:buChar char="_"/>
             </a:pPr>
             <a:r>
-              <a:rPr lang="nl-NL">
-                <a:solidFill>
-                  <a:srgbClr val="00FF00"/>
-                </a:solidFill>
-                <a:latin typeface="Courier New" pitchFamily="49"/>
-                <a:cs typeface="Courier New" pitchFamily="49"/>
-              </a:rPr>
-              <a:t>Done by extending PostServeAction class</a:t>
+              <a:rPr lang="nl-NL" dirty="0">
+                <a:solidFill>
+                  <a:srgbClr val="00FF00"/>
+                </a:solidFill>
+                <a:latin typeface="Courier New" pitchFamily="49"/>
+                <a:cs typeface="Courier New" pitchFamily="49"/>
+              </a:rPr>
+              <a:t>Extend ServeEventListener class</a:t>
             </a:r>
           </a:p>
           <a:p>
@@ -44045,7 +43732,7 @@
               <a:buFont typeface="Courier New" pitchFamily="49"/>
               <a:buChar char="_"/>
             </a:pPr>
-            <a:endParaRPr lang="nl-NL">
+            <a:endParaRPr lang="nl-NL" dirty="0">
               <a:solidFill>
                 <a:srgbClr val="00FF00"/>
               </a:solidFill>
@@ -44146,8 +43833,8 @@
 </p:sld>
 </file>
 
-<file path=ppt/slides/slide74.xml><?xml version="1.0" encoding="utf-8"?>
-<p:sld xmlns:a="http://schemas.openxmlformats.org/drawingml/2006/main" xmlns:r="http://schemas.openxmlformats.org/officeDocument/2006/relationships" xmlns:p="http://schemas.openxmlformats.org/presentationml/2006/main" show="0">
+<file path=ppt/slides/slide73.xml><?xml version="1.0" encoding="utf-8"?>
+<p:sld xmlns:a="http://schemas.openxmlformats.org/drawingml/2006/main" xmlns:r="http://schemas.openxmlformats.org/officeDocument/2006/relationships" xmlns:p="http://schemas.openxmlformats.org/presentationml/2006/main">
   <p:cSld>
     <p:bg>
       <p:bgPr>
@@ -44171,6 +43858,36 @@
           <a:chExt cx="0" cy="0"/>
         </a:xfrm>
       </p:grpSpPr>
+      <p:pic>
+        <p:nvPicPr>
+          <p:cNvPr id="9" name="Picture 8" descr="A screen shot of a computer program&#10;&#10;AI-generated content may be incorrect.">
+            <a:extLst>
+              <a:ext uri="{FF2B5EF4-FFF2-40B4-BE49-F238E27FC236}">
+                <a16:creationId xmlns:a16="http://schemas.microsoft.com/office/drawing/2014/main" id="{18B67552-B557-4B25-7EDF-BAB9CB291840}"/>
+              </a:ext>
+            </a:extLst>
+          </p:cNvPr>
+          <p:cNvPicPr>
+            <a:picLocks noChangeAspect="1"/>
+          </p:cNvPicPr>
+          <p:nvPr/>
+        </p:nvPicPr>
+        <p:blipFill>
+          <a:blip r:embed="rId2"/>
+          <a:stretch>
+            <a:fillRect/>
+          </a:stretch>
+        </p:blipFill>
+        <p:spPr>
+          <a:xfrm>
+            <a:off x="1100005" y="775848"/>
+            <a:ext cx="9026790" cy="6017860"/>
+          </a:xfrm>
+          <a:prstGeom prst="rect">
+            <a:avLst/>
+          </a:prstGeom>
+        </p:spPr>
+      </p:pic>
       <p:sp>
         <p:nvSpPr>
           <p:cNvPr id="2" name="Title 1">
@@ -44187,55 +43904,30 @@
             <p:ph type="title"/>
           </p:nvPr>
         </p:nvSpPr>
-        <p:spPr/>
+        <p:spPr>
+          <a:xfrm>
+            <a:off x="838200" y="0"/>
+            <a:ext cx="10515600" cy="775848"/>
+          </a:xfrm>
+        </p:spPr>
         <p:txBody>
           <a:bodyPr/>
           <a:lstStyle/>
           <a:p>
             <a:pPr lvl="0"/>
             <a:r>
-              <a:rPr lang="nl-NL">
-                <a:solidFill>
-                  <a:srgbClr val="00FF00"/>
-                </a:solidFill>
-                <a:latin typeface="Courier New" pitchFamily="49"/>
-                <a:cs typeface="Courier New" pitchFamily="49"/>
-              </a:rPr>
-              <a:t>Post-serve action – build</a:t>
+              <a:rPr lang="nl-NL" dirty="0">
+                <a:solidFill>
+                  <a:srgbClr val="00FF00"/>
+                </a:solidFill>
+                <a:latin typeface="Courier New" pitchFamily="49"/>
+                <a:cs typeface="Courier New" pitchFamily="49"/>
+              </a:rPr>
+              <a:t>ServeEvent listener – build</a:t>
             </a:r>
           </a:p>
         </p:txBody>
       </p:sp>
-      <p:pic>
-        <p:nvPicPr>
-          <p:cNvPr id="4" name="Afbeelding 3">
-            <a:extLst>
-              <a:ext uri="{FF2B5EF4-FFF2-40B4-BE49-F238E27FC236}">
-                <a16:creationId xmlns:a16="http://schemas.microsoft.com/office/drawing/2014/main" id="{E21A2D85-5AF2-48AD-A77E-B27C9A0589DB}"/>
-              </a:ext>
-            </a:extLst>
-          </p:cNvPr>
-          <p:cNvPicPr>
-            <a:picLocks noChangeAspect="1"/>
-          </p:cNvPicPr>
-          <p:nvPr/>
-        </p:nvPicPr>
-        <p:blipFill>
-          <a:blip r:embed="rId2"/>
-          <a:stretch>
-            <a:fillRect/>
-          </a:stretch>
-        </p:blipFill>
-        <p:spPr>
-          <a:xfrm>
-            <a:off x="0" y="1690688"/>
-            <a:ext cx="12192000" cy="4109663"/>
-          </a:xfrm>
-          <a:prstGeom prst="rect">
-            <a:avLst/>
-          </a:prstGeom>
-        </p:spPr>
-      </p:pic>
       <p:sp>
         <p:nvSpPr>
           <p:cNvPr id="5" name="Ovaal 4">
@@ -44250,8 +43942,8 @@
         </p:nvSpPr>
         <p:spPr>
           <a:xfrm>
-            <a:off x="3606800" y="1638205"/>
-            <a:ext cx="4013200" cy="383823"/>
+            <a:off x="1737540" y="1917476"/>
+            <a:ext cx="3481823" cy="383823"/>
           </a:xfrm>
           <a:prstGeom prst="ellipse">
             <a:avLst/>
@@ -44302,7 +43994,7 @@
         </p:nvSpPr>
         <p:spPr>
           <a:xfrm>
-            <a:off x="1971040" y="4178205"/>
+            <a:off x="2820703" y="4634991"/>
             <a:ext cx="1635760" cy="383823"/>
           </a:xfrm>
           <a:prstGeom prst="ellipse">
@@ -44354,8 +44046,8 @@
         </p:nvSpPr>
         <p:spPr>
           <a:xfrm>
-            <a:off x="2981960" y="3429000"/>
-            <a:ext cx="5262880" cy="646331"/>
+            <a:off x="4066292" y="3608352"/>
+            <a:ext cx="5449941" cy="646331"/>
           </a:xfrm>
           <a:prstGeom prst="rect">
             <a:avLst/>
@@ -44369,84 +44061,16 @@
           <a:lstStyle/>
           <a:p>
             <a:r>
-              <a:rPr lang="en-US">
+              <a:rPr lang="en-US" dirty="0">
                 <a:solidFill>
                   <a:srgbClr val="00FF00"/>
                 </a:solidFill>
                 <a:latin typeface="Courier New" panose="02070309020205020404" pitchFamily="49" charset="0"/>
                 <a:cs typeface="Courier New" panose="02070309020205020404" pitchFamily="49" charset="0"/>
               </a:rPr>
-              <a:t>This implements the post-serve action to execute after serving a response</a:t>
-            </a:r>
-            <a:endParaRPr lang="en-NL">
-              <a:solidFill>
-                <a:srgbClr val="00FF00"/>
-              </a:solidFill>
-              <a:latin typeface="Courier New" panose="02070309020205020404" pitchFamily="49" charset="0"/>
-              <a:cs typeface="Courier New" panose="02070309020205020404" pitchFamily="49" charset="0"/>
-            </a:endParaRPr>
-          </a:p>
-        </p:txBody>
-      </p:sp>
-      <p:sp>
-        <p:nvSpPr>
-          <p:cNvPr id="8" name="Tekstvak 7">
-            <a:extLst>
-              <a:ext uri="{FF2B5EF4-FFF2-40B4-BE49-F238E27FC236}">
-                <a16:creationId xmlns:a16="http://schemas.microsoft.com/office/drawing/2014/main" id="{17D114A8-260D-434C-9255-6FB6CEB5266B}"/>
-              </a:ext>
-            </a:extLst>
-          </p:cNvPr>
-          <p:cNvSpPr txBox="1"/>
-          <p:nvPr/>
-        </p:nvSpPr>
-        <p:spPr>
-          <a:xfrm>
-            <a:off x="960119" y="6035689"/>
-            <a:ext cx="10980243" cy="646331"/>
-          </a:xfrm>
-          <a:prstGeom prst="rect">
-            <a:avLst/>
-          </a:prstGeom>
-          <a:noFill/>
-        </p:spPr>
-        <p:txBody>
-          <a:bodyPr wrap="square" rtlCol="0">
-            <a:spAutoFit/>
-          </a:bodyPr>
-          <a:lstStyle/>
-          <a:p>
-            <a:r>
-              <a:rPr lang="en-US">
-                <a:solidFill>
-                  <a:srgbClr val="00FF00"/>
-                </a:solidFill>
-                <a:latin typeface="Courier New" panose="02070309020205020404" pitchFamily="49" charset="0"/>
-                <a:cs typeface="Courier New" panose="02070309020205020404" pitchFamily="49" charset="0"/>
-              </a:rPr>
-              <a:t>Overriding </a:t>
-            </a:r>
-            <a:r>
-              <a:rPr lang="en-US" i="1">
-                <a:solidFill>
-                  <a:srgbClr val="00FF00"/>
-                </a:solidFill>
-                <a:latin typeface="Courier New" panose="02070309020205020404" pitchFamily="49" charset="0"/>
-                <a:cs typeface="Courier New" panose="02070309020205020404" pitchFamily="49" charset="0"/>
-              </a:rPr>
-              <a:t>doGlobalAction()</a:t>
-            </a:r>
-            <a:r>
-              <a:rPr lang="en-US">
-                <a:solidFill>
-                  <a:srgbClr val="00FF00"/>
-                </a:solidFill>
-                <a:latin typeface="Courier New" panose="02070309020205020404" pitchFamily="49" charset="0"/>
-                <a:cs typeface="Courier New" panose="02070309020205020404" pitchFamily="49" charset="0"/>
-              </a:rPr>
-              <a:t> automatically performs the action for all responses served by WireMock (no need to configure this on a per-stub basis anymore)</a:t>
-            </a:r>
-            <a:endParaRPr lang="en-NL">
+              <a:t>This implements the action to execute after serving a response has completed</a:t>
+            </a:r>
+            <a:endParaRPr lang="en-NL" dirty="0">
               <a:solidFill>
                 <a:srgbClr val="00FF00"/>
               </a:solidFill>
@@ -44591,51 +44215,6 @@
                       </p:childTnLst>
                     </p:cTn>
                   </p:par>
-                  <p:par>
-                    <p:cTn id="13" fill="hold">
-                      <p:stCondLst>
-                        <p:cond delay="indefinite"/>
-                      </p:stCondLst>
-                      <p:childTnLst>
-                        <p:par>
-                          <p:cTn id="14" fill="hold">
-                            <p:stCondLst>
-                              <p:cond delay="0"/>
-                            </p:stCondLst>
-                            <p:childTnLst>
-                              <p:par>
-                                <p:cTn id="15" presetID="1" presetClass="entr" presetSubtype="0" fill="hold" grpId="0" nodeType="clickEffect">
-                                  <p:stCondLst>
-                                    <p:cond delay="0"/>
-                                  </p:stCondLst>
-                                  <p:childTnLst>
-                                    <p:set>
-                                      <p:cBhvr>
-                                        <p:cTn id="16" dur="1" fill="hold">
-                                          <p:stCondLst>
-                                            <p:cond delay="0"/>
-                                          </p:stCondLst>
-                                        </p:cTn>
-                                        <p:tgtEl>
-                                          <p:spTgt spid="8"/>
-                                        </p:tgtEl>
-                                        <p:attrNameLst>
-                                          <p:attrName>style.visibility</p:attrName>
-                                        </p:attrNameLst>
-                                      </p:cBhvr>
-                                      <p:to>
-                                        <p:strVal val="visible"/>
-                                      </p:to>
-                                    </p:set>
-                                  </p:childTnLst>
-                                </p:cTn>
-                              </p:par>
-                            </p:childTnLst>
-                          </p:cTn>
-                        </p:par>
-                      </p:childTnLst>
-                    </p:cTn>
-                  </p:par>
                 </p:childTnLst>
               </p:cTn>
               <p:prevCondLst>
@@ -44661,14 +44240,13 @@
       <p:bldP spid="5" grpId="0" animBg="1"/>
       <p:bldP spid="6" grpId="0" animBg="1"/>
       <p:bldP spid="7" grpId="0"/>
-      <p:bldP spid="8" grpId="0"/>
     </p:bldLst>
   </p:timing>
 </p:sld>
 </file>
 
-<file path=ppt/slides/slide75.xml><?xml version="1.0" encoding="utf-8"?>
-<p:sld xmlns:a="http://schemas.openxmlformats.org/drawingml/2006/main" xmlns:r="http://schemas.openxmlformats.org/officeDocument/2006/relationships" xmlns:p="http://schemas.openxmlformats.org/presentationml/2006/main" show="0">
+<file path=ppt/slides/slide74.xml><?xml version="1.0" encoding="utf-8"?>
+<p:sld xmlns:a="http://schemas.openxmlformats.org/drawingml/2006/main" xmlns:r="http://schemas.openxmlformats.org/officeDocument/2006/relationships" xmlns:p="http://schemas.openxmlformats.org/presentationml/2006/main">
   <p:cSld>
     <p:bg>
       <p:bgPr>
@@ -44694,10 +44272,10 @@
       </p:grpSpPr>
       <p:pic>
         <p:nvPicPr>
-          <p:cNvPr id="4" name="Afbeelding 3">
+          <p:cNvPr id="12" name="Picture 11" descr="A computer screen with text and images&#10;&#10;AI-generated content may be incorrect.">
             <a:extLst>
               <a:ext uri="{FF2B5EF4-FFF2-40B4-BE49-F238E27FC236}">
-                <a16:creationId xmlns:a16="http://schemas.microsoft.com/office/drawing/2014/main" id="{FFD539A7-A5B7-4E3F-B755-1F8515DB6890}"/>
+                <a16:creationId xmlns:a16="http://schemas.microsoft.com/office/drawing/2014/main" id="{16D95E70-F430-DFD8-9B0C-1F28C79F7D30}"/>
               </a:ext>
             </a:extLst>
           </p:cNvPr>
@@ -44714,8 +44292,38 @@
         </p:blipFill>
         <p:spPr>
           <a:xfrm>
-            <a:off x="47626" y="754708"/>
-            <a:ext cx="8486774" cy="1735422"/>
+            <a:off x="86617" y="2670232"/>
+            <a:ext cx="11991969" cy="3997323"/>
+          </a:xfrm>
+          <a:prstGeom prst="rect">
+            <a:avLst/>
+          </a:prstGeom>
+        </p:spPr>
+      </p:pic>
+      <p:pic>
+        <p:nvPicPr>
+          <p:cNvPr id="5" name="Picture 4" descr="A screen shot of a computer code&#10;&#10;AI-generated content may be incorrect.">
+            <a:extLst>
+              <a:ext uri="{FF2B5EF4-FFF2-40B4-BE49-F238E27FC236}">
+                <a16:creationId xmlns:a16="http://schemas.microsoft.com/office/drawing/2014/main" id="{90FAAC77-0C59-08E7-B60C-CF99860E56C4}"/>
+              </a:ext>
+            </a:extLst>
+          </p:cNvPr>
+          <p:cNvPicPr>
+            <a:picLocks noChangeAspect="1"/>
+          </p:cNvPicPr>
+          <p:nvPr/>
+        </p:nvPicPr>
+        <p:blipFill>
+          <a:blip r:embed="rId3"/>
+          <a:stretch>
+            <a:fillRect/>
+          </a:stretch>
+        </p:blipFill>
+        <p:spPr>
+          <a:xfrm>
+            <a:off x="86617" y="798410"/>
+            <a:ext cx="6792132" cy="1698033"/>
           </a:xfrm>
           <a:prstGeom prst="rect">
             <a:avLst/>
@@ -44741,7 +44349,7 @@
         <p:spPr>
           <a:xfrm>
             <a:off x="834526" y="1"/>
-            <a:ext cx="10515600" cy="904240"/>
+            <a:ext cx="10515600" cy="798410"/>
           </a:xfrm>
         </p:spPr>
         <p:txBody>
@@ -44750,48 +44358,18 @@
           <a:p>
             <a:pPr lvl="0"/>
             <a:r>
-              <a:rPr lang="nl-NL">
-                <a:solidFill>
-                  <a:srgbClr val="00FF00"/>
-                </a:solidFill>
-                <a:latin typeface="Courier New" pitchFamily="49"/>
-                <a:cs typeface="Courier New" pitchFamily="49"/>
-              </a:rPr>
-              <a:t>Post-serve action – use</a:t>
+              <a:rPr lang="nl-NL" dirty="0">
+                <a:solidFill>
+                  <a:srgbClr val="00FF00"/>
+                </a:solidFill>
+                <a:latin typeface="Courier New" pitchFamily="49"/>
+                <a:cs typeface="Courier New" pitchFamily="49"/>
+              </a:rPr>
+              <a:t>ServeEvent listener – use</a:t>
             </a:r>
           </a:p>
         </p:txBody>
       </p:sp>
-      <p:pic>
-        <p:nvPicPr>
-          <p:cNvPr id="8" name="Afbeelding 7">
-            <a:extLst>
-              <a:ext uri="{FF2B5EF4-FFF2-40B4-BE49-F238E27FC236}">
-                <a16:creationId xmlns:a16="http://schemas.microsoft.com/office/drawing/2014/main" id="{4B8BBFA5-C467-4F77-A4C2-D4B0F26308AA}"/>
-              </a:ext>
-            </a:extLst>
-          </p:cNvPr>
-          <p:cNvPicPr>
-            <a:picLocks noChangeAspect="1"/>
-          </p:cNvPicPr>
-          <p:nvPr/>
-        </p:nvPicPr>
-        <p:blipFill>
-          <a:blip r:embed="rId3"/>
-          <a:stretch>
-            <a:fillRect/>
-          </a:stretch>
-        </p:blipFill>
-        <p:spPr>
-          <a:xfrm>
-            <a:off x="0" y="2593338"/>
-            <a:ext cx="12172161" cy="4244340"/>
-          </a:xfrm>
-          <a:prstGeom prst="rect">
-            <a:avLst/>
-          </a:prstGeom>
-        </p:spPr>
-      </p:pic>
       <p:sp>
         <p:nvSpPr>
           <p:cNvPr id="6" name="Ovaal 5">
@@ -44806,8 +44384,8 @@
         </p:nvSpPr>
         <p:spPr>
           <a:xfrm>
-            <a:off x="3058160" y="1862371"/>
-            <a:ext cx="3657600" cy="316872"/>
+            <a:off x="1497027" y="1845351"/>
+            <a:ext cx="3759534" cy="367455"/>
           </a:xfrm>
           <a:prstGeom prst="ellipse">
             <a:avLst/>
@@ -44858,7 +44436,7 @@
         </p:nvSpPr>
         <p:spPr>
           <a:xfrm>
-            <a:off x="6911163" y="1845168"/>
+            <a:off x="5673081" y="1861902"/>
             <a:ext cx="3657600" cy="383823"/>
           </a:xfrm>
           <a:prstGeom prst="rect">
@@ -44873,7 +44451,7 @@
           <a:lstStyle/>
           <a:p>
             <a:r>
-              <a:rPr lang="en-US">
+              <a:rPr lang="en-US" dirty="0">
                 <a:solidFill>
                   <a:srgbClr val="00FF00"/>
                 </a:solidFill>
@@ -44882,7 +44460,7 @@
               </a:rPr>
               <a:t>Register the extension</a:t>
             </a:r>
-            <a:endParaRPr lang="en-NL">
+            <a:endParaRPr lang="en-NL" dirty="0">
               <a:solidFill>
                 <a:srgbClr val="00FF00"/>
               </a:solidFill>
@@ -44906,8 +44484,8 @@
         </p:nvSpPr>
         <p:spPr>
           <a:xfrm>
-            <a:off x="1743740" y="3758574"/>
-            <a:ext cx="10334846" cy="813426"/>
+            <a:off x="1497026" y="4960418"/>
+            <a:ext cx="10581559" cy="534073"/>
           </a:xfrm>
           <a:prstGeom prst="ellipse">
             <a:avLst/>
@@ -44958,7 +44536,7 @@
         </p:nvSpPr>
         <p:spPr>
           <a:xfrm>
-            <a:off x="7692526" y="4668894"/>
+            <a:off x="8105396" y="3335582"/>
             <a:ext cx="3657600" cy="1200329"/>
           </a:xfrm>
           <a:prstGeom prst="rect">
@@ -44973,16 +44551,36 @@
           <a:lstStyle/>
           <a:p>
             <a:r>
-              <a:rPr lang="en-US">
+              <a:rPr lang="en-US" dirty="0">
                 <a:solidFill>
                   <a:srgbClr val="00FF00"/>
                 </a:solidFill>
                 <a:latin typeface="Courier New" panose="02070309020205020404" pitchFamily="49" charset="0"/>
                 <a:cs typeface="Courier New" panose="02070309020205020404" pitchFamily="49" charset="0"/>
               </a:rPr>
-              <a:t>Add the post-serve action to the stub definition and supply the desired parameter value</a:t>
-            </a:r>
-            <a:endParaRPr lang="en-NL">
+              <a:t>Add the </a:t>
+            </a:r>
+            <a:r>
+              <a:rPr lang="en-US" dirty="0" err="1">
+                <a:solidFill>
+                  <a:srgbClr val="00FF00"/>
+                </a:solidFill>
+                <a:latin typeface="Courier New" panose="02070309020205020404" pitchFamily="49" charset="0"/>
+                <a:cs typeface="Courier New" panose="02070309020205020404" pitchFamily="49" charset="0"/>
+              </a:rPr>
+              <a:t>ServeEvent</a:t>
+            </a:r>
+            <a:r>
+              <a:rPr lang="en-US" dirty="0">
+                <a:solidFill>
+                  <a:srgbClr val="00FF00"/>
+                </a:solidFill>
+                <a:latin typeface="Courier New" panose="02070309020205020404" pitchFamily="49" charset="0"/>
+                <a:cs typeface="Courier New" panose="02070309020205020404" pitchFamily="49" charset="0"/>
+              </a:rPr>
+              <a:t> listener to the stub definition and supply the desired parameter value</a:t>
+            </a:r>
+            <a:endParaRPr lang="en-NL" dirty="0">
               <a:solidFill>
                 <a:srgbClr val="00FF00"/>
               </a:solidFill>
@@ -45108,7 +44706,7 @@
                                           </p:stCondLst>
                                         </p:cTn>
                                         <p:tgtEl>
-                                          <p:spTgt spid="8"/>
+                                          <p:spTgt spid="12"/>
                                         </p:tgtEl>
                                         <p:attrNameLst>
                                           <p:attrName>style.visibility</p:attrName>
@@ -45230,8 +44828,8 @@
 </p:sld>
 </file>
 
-<file path=ppt/slides/slide76.xml><?xml version="1.0" encoding="utf-8"?>
-<p:sld xmlns:a="http://schemas.openxmlformats.org/drawingml/2006/main" xmlns:r="http://schemas.openxmlformats.org/officeDocument/2006/relationships" xmlns:p="http://schemas.openxmlformats.org/presentationml/2006/main" show="0">
+<file path=ppt/slides/slide75.xml><?xml version="1.0" encoding="utf-8"?>
+<p:sld xmlns:a="http://schemas.openxmlformats.org/drawingml/2006/main" xmlns:r="http://schemas.openxmlformats.org/officeDocument/2006/relationships" xmlns:p="http://schemas.openxmlformats.org/presentationml/2006/main">
   <p:cSld>
     <p:bg>
       <p:bgPr>
@@ -45618,7 +45216,7 @@
 </p:sld>
 </file>
 
-<file path=ppt/slides/slide77.xml><?xml version="1.0" encoding="utf-8"?>
+<file path=ppt/slides/slide76.xml><?xml version="1.0" encoding="utf-8"?>
 <p:sld xmlns:a="http://schemas.openxmlformats.org/drawingml/2006/main" xmlns:r="http://schemas.openxmlformats.org/officeDocument/2006/relationships" xmlns:p="http://schemas.openxmlformats.org/presentationml/2006/main">
   <p:cSld>
     <p:bg>
@@ -45711,7 +45309,7 @@
 </p:sld>
 </file>
 
-<file path=ppt/slides/slide78.xml><?xml version="1.0" encoding="utf-8"?>
+<file path=ppt/slides/slide77.xml><?xml version="1.0" encoding="utf-8"?>
 <p:sld xmlns:a="http://schemas.openxmlformats.org/drawingml/2006/main" xmlns:r="http://schemas.openxmlformats.org/officeDocument/2006/relationships" xmlns:p="http://schemas.openxmlformats.org/presentationml/2006/main">
   <p:cSld>
     <p:bg>
@@ -45839,7 +45437,7 @@
 </p:sld>
 </file>
 
-<file path=ppt/slides/slide79.xml><?xml version="1.0" encoding="utf-8"?>
+<file path=ppt/slides/slide78.xml><?xml version="1.0" encoding="utf-8"?>
 <p:sld xmlns:a="http://schemas.openxmlformats.org/drawingml/2006/main" xmlns:r="http://schemas.openxmlformats.org/officeDocument/2006/relationships" xmlns:p="http://schemas.openxmlformats.org/presentationml/2006/main">
   <p:cSld>
     <p:bg>
@@ -45938,6 +45536,109 @@
     <p:extLst>
       <p:ext uri="{BB962C8B-B14F-4D97-AF65-F5344CB8AC3E}">
         <p14:creationId xmlns:p14="http://schemas.microsoft.com/office/powerpoint/2010/main" val="3812535586"/>
+      </p:ext>
+    </p:extLst>
+  </p:cSld>
+  <p:clrMapOvr>
+    <a:masterClrMapping/>
+  </p:clrMapOvr>
+</p:sld>
+</file>
+
+<file path=ppt/slides/slide79.xml><?xml version="1.0" encoding="utf-8"?>
+<p:sld xmlns:a="http://schemas.openxmlformats.org/drawingml/2006/main" xmlns:r="http://schemas.openxmlformats.org/officeDocument/2006/relationships" xmlns:p="http://schemas.openxmlformats.org/presentationml/2006/main">
+  <p:cSld>
+    <p:bg>
+      <p:bgPr>
+        <a:solidFill>
+          <a:srgbClr val="000000"/>
+        </a:solidFill>
+        <a:effectLst/>
+      </p:bgPr>
+    </p:bg>
+    <p:spTree>
+      <p:nvGrpSpPr>
+        <p:cNvPr id="1" name=""/>
+        <p:cNvGrpSpPr/>
+        <p:nvPr/>
+      </p:nvGrpSpPr>
+      <p:grpSpPr>
+        <a:xfrm>
+          <a:off x="0" y="0"/>
+          <a:ext cx="0" cy="0"/>
+          <a:chOff x="0" y="0"/>
+          <a:chExt cx="0" cy="0"/>
+        </a:xfrm>
+      </p:grpSpPr>
+      <p:sp>
+        <p:nvSpPr>
+          <p:cNvPr id="2" name="Title 1">
+            <a:extLst>
+              <a:ext uri="{FF2B5EF4-FFF2-40B4-BE49-F238E27FC236}">
+                <a16:creationId xmlns:a16="http://schemas.microsoft.com/office/drawing/2014/main" id="{C60AB88C-4D40-48F4-8943-8E8569F64C96}"/>
+              </a:ext>
+            </a:extLst>
+          </p:cNvPr>
+          <p:cNvSpPr txBox="1">
+            <a:spLocks noGrp="1"/>
+          </p:cNvSpPr>
+          <p:nvPr>
+            <p:ph type="title"/>
+          </p:nvPr>
+        </p:nvSpPr>
+        <p:spPr/>
+        <p:txBody>
+          <a:bodyPr/>
+          <a:lstStyle/>
+          <a:p>
+            <a:pPr lvl="0"/>
+            <a:r>
+              <a:rPr lang="nl-NL">
+                <a:solidFill>
+                  <a:srgbClr val="00FF00"/>
+                </a:solidFill>
+                <a:latin typeface="Courier New" pitchFamily="49"/>
+                <a:cs typeface="Courier New" pitchFamily="49"/>
+              </a:rPr>
+              <a:t>URL matching</a:t>
+            </a:r>
+          </a:p>
+        </p:txBody>
+      </p:sp>
+      <p:pic>
+        <p:nvPicPr>
+          <p:cNvPr id="5" name="Afbeelding 4">
+            <a:extLst>
+              <a:ext uri="{FF2B5EF4-FFF2-40B4-BE49-F238E27FC236}">
+                <a16:creationId xmlns:a16="http://schemas.microsoft.com/office/drawing/2014/main" id="{0968EE5E-6C7B-4FB9-B940-F100988A8515}"/>
+              </a:ext>
+            </a:extLst>
+          </p:cNvPr>
+          <p:cNvPicPr>
+            <a:picLocks noChangeAspect="1"/>
+          </p:cNvPicPr>
+          <p:nvPr/>
+        </p:nvPicPr>
+        <p:blipFill>
+          <a:blip r:embed="rId2"/>
+          <a:stretch>
+            <a:fillRect/>
+          </a:stretch>
+        </p:blipFill>
+        <p:spPr>
+          <a:xfrm>
+            <a:off x="2885877" y="1690688"/>
+            <a:ext cx="6420245" cy="4843676"/>
+          </a:xfrm>
+          <a:prstGeom prst="rect">
+            <a:avLst/>
+          </a:prstGeom>
+        </p:spPr>
+      </p:pic>
+    </p:spTree>
+    <p:extLst>
+      <p:ext uri="{BB962C8B-B14F-4D97-AF65-F5344CB8AC3E}">
+        <p14:creationId xmlns:p14="http://schemas.microsoft.com/office/powerpoint/2010/main" val="3085711406"/>
       </p:ext>
     </p:extLst>
   </p:cSld>
@@ -46808,109 +46509,6 @@
           <p:cNvPr id="2" name="Title 1">
             <a:extLst>
               <a:ext uri="{FF2B5EF4-FFF2-40B4-BE49-F238E27FC236}">
-                <a16:creationId xmlns:a16="http://schemas.microsoft.com/office/drawing/2014/main" id="{C60AB88C-4D40-48F4-8943-8E8569F64C96}"/>
-              </a:ext>
-            </a:extLst>
-          </p:cNvPr>
-          <p:cNvSpPr txBox="1">
-            <a:spLocks noGrp="1"/>
-          </p:cNvSpPr>
-          <p:nvPr>
-            <p:ph type="title"/>
-          </p:nvPr>
-        </p:nvSpPr>
-        <p:spPr/>
-        <p:txBody>
-          <a:bodyPr/>
-          <a:lstStyle/>
-          <a:p>
-            <a:pPr lvl="0"/>
-            <a:r>
-              <a:rPr lang="nl-NL">
-                <a:solidFill>
-                  <a:srgbClr val="00FF00"/>
-                </a:solidFill>
-                <a:latin typeface="Courier New" pitchFamily="49"/>
-                <a:cs typeface="Courier New" pitchFamily="49"/>
-              </a:rPr>
-              <a:t>URL matching</a:t>
-            </a:r>
-          </a:p>
-        </p:txBody>
-      </p:sp>
-      <p:pic>
-        <p:nvPicPr>
-          <p:cNvPr id="5" name="Afbeelding 4">
-            <a:extLst>
-              <a:ext uri="{FF2B5EF4-FFF2-40B4-BE49-F238E27FC236}">
-                <a16:creationId xmlns:a16="http://schemas.microsoft.com/office/drawing/2014/main" id="{0968EE5E-6C7B-4FB9-B940-F100988A8515}"/>
-              </a:ext>
-            </a:extLst>
-          </p:cNvPr>
-          <p:cNvPicPr>
-            <a:picLocks noChangeAspect="1"/>
-          </p:cNvPicPr>
-          <p:nvPr/>
-        </p:nvPicPr>
-        <p:blipFill>
-          <a:blip r:embed="rId2"/>
-          <a:stretch>
-            <a:fillRect/>
-          </a:stretch>
-        </p:blipFill>
-        <p:spPr>
-          <a:xfrm>
-            <a:off x="2885877" y="1690688"/>
-            <a:ext cx="6420245" cy="4843676"/>
-          </a:xfrm>
-          <a:prstGeom prst="rect">
-            <a:avLst/>
-          </a:prstGeom>
-        </p:spPr>
-      </p:pic>
-    </p:spTree>
-    <p:extLst>
-      <p:ext uri="{BB962C8B-B14F-4D97-AF65-F5344CB8AC3E}">
-        <p14:creationId xmlns:p14="http://schemas.microsoft.com/office/powerpoint/2010/main" val="3085711406"/>
-      </p:ext>
-    </p:extLst>
-  </p:cSld>
-  <p:clrMapOvr>
-    <a:masterClrMapping/>
-  </p:clrMapOvr>
-</p:sld>
-</file>
-
-<file path=ppt/slides/slide81.xml><?xml version="1.0" encoding="utf-8"?>
-<p:sld xmlns:a="http://schemas.openxmlformats.org/drawingml/2006/main" xmlns:r="http://schemas.openxmlformats.org/officeDocument/2006/relationships" xmlns:p="http://schemas.openxmlformats.org/presentationml/2006/main">
-  <p:cSld>
-    <p:bg>
-      <p:bgPr>
-        <a:solidFill>
-          <a:srgbClr val="000000"/>
-        </a:solidFill>
-        <a:effectLst/>
-      </p:bgPr>
-    </p:bg>
-    <p:spTree>
-      <p:nvGrpSpPr>
-        <p:cNvPr id="1" name=""/>
-        <p:cNvGrpSpPr/>
-        <p:nvPr/>
-      </p:nvGrpSpPr>
-      <p:grpSpPr>
-        <a:xfrm>
-          <a:off x="0" y="0"/>
-          <a:ext cx="0" cy="0"/>
-          <a:chOff x="0" y="0"/>
-          <a:chExt cx="0" cy="0"/>
-        </a:xfrm>
-      </p:grpSpPr>
-      <p:sp>
-        <p:nvSpPr>
-          <p:cNvPr id="2" name="Title 1">
-            <a:extLst>
-              <a:ext uri="{FF2B5EF4-FFF2-40B4-BE49-F238E27FC236}">
                 <a16:creationId xmlns:a16="http://schemas.microsoft.com/office/drawing/2014/main" id="{5BB1D095-CCA6-4058-955D-1DADDCCFA1A1}"/>
               </a:ext>
             </a:extLst>
@@ -46989,7 +46587,7 @@
 </p:sld>
 </file>
 
-<file path=ppt/slides/slide82.xml><?xml version="1.0" encoding="utf-8"?>
+<file path=ppt/slides/slide81.xml><?xml version="1.0" encoding="utf-8"?>
 <p:sld xmlns:a="http://schemas.openxmlformats.org/drawingml/2006/main" xmlns:r="http://schemas.openxmlformats.org/officeDocument/2006/relationships" xmlns:p="http://schemas.openxmlformats.org/presentationml/2006/main">
   <p:cSld>
     <p:bg>
@@ -47092,7 +46690,7 @@
 </p:sld>
 </file>
 
-<file path=ppt/slides/slide83.xml><?xml version="1.0" encoding="utf-8"?>
+<file path=ppt/slides/slide82.xml><?xml version="1.0" encoding="utf-8"?>
 <p:sld xmlns:a="http://schemas.openxmlformats.org/drawingml/2006/main" xmlns:r="http://schemas.openxmlformats.org/officeDocument/2006/relationships" xmlns:p="http://schemas.openxmlformats.org/presentationml/2006/main">
   <p:cSld>
     <p:bg>
@@ -47195,7 +46793,7 @@
 </p:sld>
 </file>
 
-<file path=ppt/slides/slide84.xml><?xml version="1.0" encoding="utf-8"?>
+<file path=ppt/slides/slide83.xml><?xml version="1.0" encoding="utf-8"?>
 <p:sld xmlns:a="http://schemas.openxmlformats.org/drawingml/2006/main" xmlns:r="http://schemas.openxmlformats.org/officeDocument/2006/relationships" xmlns:p="http://schemas.openxmlformats.org/presentationml/2006/main">
   <p:cSld>
     <p:bg>
@@ -47432,7 +47030,7 @@
 </p:sld>
 </file>
 
-<file path=ppt/slides/slide85.xml><?xml version="1.0" encoding="utf-8"?>
+<file path=ppt/slides/slide84.xml><?xml version="1.0" encoding="utf-8"?>
 <p:sld xmlns:a="http://schemas.openxmlformats.org/drawingml/2006/main" xmlns:r="http://schemas.openxmlformats.org/officeDocument/2006/relationships" xmlns:p="http://schemas.openxmlformats.org/presentationml/2006/main">
   <p:cSld>
     <p:bg>
@@ -47547,7 +47145,7 @@
 </p:sld>
 </file>
 
-<file path=ppt/slides/slide86.xml><?xml version="1.0" encoding="utf-8"?>
+<file path=ppt/slides/slide85.xml><?xml version="1.0" encoding="utf-8"?>
 <p:sld xmlns:a="http://schemas.openxmlformats.org/drawingml/2006/main" xmlns:r="http://schemas.openxmlformats.org/officeDocument/2006/relationships" xmlns:p="http://schemas.openxmlformats.org/presentationml/2006/main">
   <p:cSld>
     <p:bg>
@@ -47922,7 +47520,7 @@
 </p:sld>
 </file>
 
-<file path=ppt/slides/slide87.xml><?xml version="1.0" encoding="utf-8"?>
+<file path=ppt/slides/slide86.xml><?xml version="1.0" encoding="utf-8"?>
 <p:sld xmlns:a="http://schemas.openxmlformats.org/drawingml/2006/main" xmlns:r="http://schemas.openxmlformats.org/officeDocument/2006/relationships" xmlns:p="http://schemas.openxmlformats.org/presentationml/2006/main">
   <p:cSld>
     <p:bg>
@@ -48492,7 +48090,7 @@
 </p:sld>
 </file>
 
-<file path=ppt/slides/slide88.xml><?xml version="1.0" encoding="utf-8"?>
+<file path=ppt/slides/slide87.xml><?xml version="1.0" encoding="utf-8"?>
 <p:sld xmlns:a="http://schemas.openxmlformats.org/drawingml/2006/main" xmlns:r="http://schemas.openxmlformats.org/officeDocument/2006/relationships" xmlns:p="http://schemas.openxmlformats.org/presentationml/2006/main">
   <p:cSld>
     <p:bg>

--- a/wiremock_workshop.pptx
+++ b/wiremock_workshop.pptx
@@ -6,7 +6,7 @@
     <p:sldMasterId id="2147483660" r:id="rId2"/>
   </p:sldMasterIdLst>
   <p:notesMasterIdLst>
-    <p:notesMasterId r:id="rId90"/>
+    <p:notesMasterId r:id="rId94"/>
   </p:notesMasterIdLst>
   <p:sldIdLst>
     <p:sldId id="256" r:id="rId3"/>
@@ -67,35 +67,39 @@
     <p:sldId id="1091" r:id="rId58"/>
     <p:sldId id="1092" r:id="rId59"/>
     <p:sldId id="1093" r:id="rId60"/>
-    <p:sldId id="765" r:id="rId61"/>
+    <p:sldId id="1097" r:id="rId61"/>
     <p:sldId id="787" r:id="rId62"/>
-    <p:sldId id="807" r:id="rId63"/>
-    <p:sldId id="1045" r:id="rId64"/>
-    <p:sldId id="1046" r:id="rId65"/>
-    <p:sldId id="790" r:id="rId66"/>
-    <p:sldId id="825" r:id="rId67"/>
-    <p:sldId id="808" r:id="rId68"/>
-    <p:sldId id="804" r:id="rId69"/>
-    <p:sldId id="792" r:id="rId70"/>
-    <p:sldId id="793" r:id="rId71"/>
-    <p:sldId id="826" r:id="rId72"/>
-    <p:sldId id="1094" r:id="rId73"/>
-    <p:sldId id="805" r:id="rId74"/>
-    <p:sldId id="795" r:id="rId75"/>
-    <p:sldId id="796" r:id="rId76"/>
-    <p:sldId id="827" r:id="rId77"/>
-    <p:sldId id="786" r:id="rId78"/>
-    <p:sldId id="768" r:id="rId79"/>
-    <p:sldId id="706" r:id="rId80"/>
-    <p:sldId id="711" r:id="rId81"/>
-    <p:sldId id="712" r:id="rId82"/>
-    <p:sldId id="714" r:id="rId83"/>
-    <p:sldId id="715" r:id="rId84"/>
-    <p:sldId id="717" r:id="rId85"/>
-    <p:sldId id="719" r:id="rId86"/>
-    <p:sldId id="720" r:id="rId87"/>
-    <p:sldId id="815" r:id="rId88"/>
-    <p:sldId id="747" r:id="rId89"/>
+    <p:sldId id="790" r:id="rId63"/>
+    <p:sldId id="1100" r:id="rId64"/>
+    <p:sldId id="765" r:id="rId65"/>
+    <p:sldId id="1098" r:id="rId66"/>
+    <p:sldId id="807" r:id="rId67"/>
+    <p:sldId id="1045" r:id="rId68"/>
+    <p:sldId id="1046" r:id="rId69"/>
+    <p:sldId id="1099" r:id="rId70"/>
+    <p:sldId id="825" r:id="rId71"/>
+    <p:sldId id="808" r:id="rId72"/>
+    <p:sldId id="804" r:id="rId73"/>
+    <p:sldId id="792" r:id="rId74"/>
+    <p:sldId id="793" r:id="rId75"/>
+    <p:sldId id="826" r:id="rId76"/>
+    <p:sldId id="1094" r:id="rId77"/>
+    <p:sldId id="805" r:id="rId78"/>
+    <p:sldId id="795" r:id="rId79"/>
+    <p:sldId id="796" r:id="rId80"/>
+    <p:sldId id="827" r:id="rId81"/>
+    <p:sldId id="786" r:id="rId82"/>
+    <p:sldId id="768" r:id="rId83"/>
+    <p:sldId id="706" r:id="rId84"/>
+    <p:sldId id="711" r:id="rId85"/>
+    <p:sldId id="712" r:id="rId86"/>
+    <p:sldId id="714" r:id="rId87"/>
+    <p:sldId id="715" r:id="rId88"/>
+    <p:sldId id="717" r:id="rId89"/>
+    <p:sldId id="719" r:id="rId90"/>
+    <p:sldId id="720" r:id="rId91"/>
+    <p:sldId id="815" r:id="rId92"/>
+    <p:sldId id="747" r:id="rId93"/>
   </p:sldIdLst>
   <p:sldSz cx="12192000" cy="6858000"/>
   <p:notesSz cx="6858000" cy="9144000"/>
@@ -2471,7 +2475,13 @@
   <p:cSld>
     <p:spTree>
       <p:nvGrpSpPr>
-        <p:cNvPr id="1" name=""/>
+        <p:cNvPr id="1" name="">
+          <a:extLst>
+            <a:ext uri="{FF2B5EF4-FFF2-40B4-BE49-F238E27FC236}">
+              <a16:creationId xmlns:a16="http://schemas.microsoft.com/office/drawing/2014/main" id="{0E209330-A486-A7F8-9849-5B01F83A3953}"/>
+            </a:ext>
+          </a:extLst>
+        </p:cNvPr>
         <p:cNvGrpSpPr/>
         <p:nvPr/>
       </p:nvGrpSpPr>
@@ -2485,7 +2495,13 @@
       </p:grpSpPr>
       <p:sp>
         <p:nvSpPr>
-          <p:cNvPr id="2" name="Slide Image Placeholder 1"/>
+          <p:cNvPr id="2" name="Slide Image Placeholder 1">
+            <a:extLst>
+              <a:ext uri="{FF2B5EF4-FFF2-40B4-BE49-F238E27FC236}">
+                <a16:creationId xmlns:a16="http://schemas.microsoft.com/office/drawing/2014/main" id="{D0EDBA74-F6D8-F5C0-8ED3-9548A75F9DF1}"/>
+              </a:ext>
+            </a:extLst>
+          </p:cNvPr>
           <p:cNvSpPr>
             <a:spLocks noGrp="1" noRot="1" noChangeAspect="1"/>
           </p:cNvSpPr>
@@ -2502,7 +2518,13 @@
       </p:sp>
       <p:sp>
         <p:nvSpPr>
-          <p:cNvPr id="3" name="Notes Placeholder 2"/>
+          <p:cNvPr id="3" name="Notes Placeholder 2">
+            <a:extLst>
+              <a:ext uri="{FF2B5EF4-FFF2-40B4-BE49-F238E27FC236}">
+                <a16:creationId xmlns:a16="http://schemas.microsoft.com/office/drawing/2014/main" id="{276A4E9D-5610-E5AC-A490-43654E5BD0EC}"/>
+              </a:ext>
+            </a:extLst>
+          </p:cNvPr>
           <p:cNvSpPr>
             <a:spLocks noGrp="1"/>
           </p:cNvSpPr>
@@ -2521,7 +2543,13 @@
       </p:sp>
       <p:sp>
         <p:nvSpPr>
-          <p:cNvPr id="4" name="Slide Number Placeholder 3"/>
+          <p:cNvPr id="4" name="Slide Number Placeholder 3">
+            <a:extLst>
+              <a:ext uri="{FF2B5EF4-FFF2-40B4-BE49-F238E27FC236}">
+                <a16:creationId xmlns:a16="http://schemas.microsoft.com/office/drawing/2014/main" id="{E9495225-5449-477D-8F0E-AA51510A2F29}"/>
+              </a:ext>
+            </a:extLst>
+          </p:cNvPr>
           <p:cNvSpPr>
             <a:spLocks noGrp="1"/>
           </p:cNvSpPr>
@@ -2605,7 +2633,7 @@
     </p:spTree>
     <p:extLst>
       <p:ext uri="{BB962C8B-B14F-4D97-AF65-F5344CB8AC3E}">
-        <p14:creationId xmlns:p14="http://schemas.microsoft.com/office/powerpoint/2010/main" val="3218732318"/>
+        <p14:creationId xmlns:p14="http://schemas.microsoft.com/office/powerpoint/2010/main" val="364366066"/>
       </p:ext>
     </p:extLst>
   </p:cSld>
@@ -2616,6 +2644,179 @@
 </file>
 
 <file path=ppt/notesSlides/notesSlide21.xml><?xml version="1.0" encoding="utf-8"?>
+<p:notes xmlns:a="http://schemas.openxmlformats.org/drawingml/2006/main" xmlns:r="http://schemas.openxmlformats.org/officeDocument/2006/relationships" xmlns:p="http://schemas.openxmlformats.org/presentationml/2006/main">
+  <p:cSld>
+    <p:spTree>
+      <p:nvGrpSpPr>
+        <p:cNvPr id="1" name="">
+          <a:extLst>
+            <a:ext uri="{FF2B5EF4-FFF2-40B4-BE49-F238E27FC236}">
+              <a16:creationId xmlns:a16="http://schemas.microsoft.com/office/drawing/2014/main" id="{4E22CCE9-9474-C65D-E088-BDDD03EB9D36}"/>
+            </a:ext>
+          </a:extLst>
+        </p:cNvPr>
+        <p:cNvGrpSpPr/>
+        <p:nvPr/>
+      </p:nvGrpSpPr>
+      <p:grpSpPr>
+        <a:xfrm>
+          <a:off x="0" y="0"/>
+          <a:ext cx="0" cy="0"/>
+          <a:chOff x="0" y="0"/>
+          <a:chExt cx="0" cy="0"/>
+        </a:xfrm>
+      </p:grpSpPr>
+      <p:sp>
+        <p:nvSpPr>
+          <p:cNvPr id="2" name="Tijdelijke aanduiding voor dia-afbeelding 1">
+            <a:extLst>
+              <a:ext uri="{FF2B5EF4-FFF2-40B4-BE49-F238E27FC236}">
+                <a16:creationId xmlns:a16="http://schemas.microsoft.com/office/drawing/2014/main" id="{05372076-3BC6-57D0-989D-48BB8FA83486}"/>
+              </a:ext>
+            </a:extLst>
+          </p:cNvPr>
+          <p:cNvSpPr>
+            <a:spLocks noGrp="1" noRot="1" noChangeAspect="1"/>
+          </p:cNvSpPr>
+          <p:nvPr>
+            <p:ph type="sldImg"/>
+          </p:nvPr>
+        </p:nvSpPr>
+        <p:spPr>
+          <a:xfrm>
+            <a:off x="685800" y="1143000"/>
+            <a:ext cx="5486400" cy="3086100"/>
+          </a:xfrm>
+        </p:spPr>
+      </p:sp>
+      <p:sp>
+        <p:nvSpPr>
+          <p:cNvPr id="3" name="Tijdelijke aanduiding voor notities 2">
+            <a:extLst>
+              <a:ext uri="{FF2B5EF4-FFF2-40B4-BE49-F238E27FC236}">
+                <a16:creationId xmlns:a16="http://schemas.microsoft.com/office/drawing/2014/main" id="{86B85753-AF53-56AA-7E10-EA2F32068654}"/>
+              </a:ext>
+            </a:extLst>
+          </p:cNvPr>
+          <p:cNvSpPr>
+            <a:spLocks noGrp="1"/>
+          </p:cNvSpPr>
+          <p:nvPr>
+            <p:ph type="body" idx="1"/>
+          </p:nvPr>
+        </p:nvSpPr>
+        <p:spPr/>
+        <p:txBody>
+          <a:bodyPr/>
+          <a:lstStyle/>
+          <a:p>
+            <a:endParaRPr lang="en-NL"/>
+          </a:p>
+        </p:txBody>
+      </p:sp>
+      <p:sp>
+        <p:nvSpPr>
+          <p:cNvPr id="4" name="Tijdelijke aanduiding voor dianummer 3">
+            <a:extLst>
+              <a:ext uri="{FF2B5EF4-FFF2-40B4-BE49-F238E27FC236}">
+                <a16:creationId xmlns:a16="http://schemas.microsoft.com/office/drawing/2014/main" id="{DF25803E-D79A-740B-8BEE-0F2487B0CF43}"/>
+              </a:ext>
+            </a:extLst>
+          </p:cNvPr>
+          <p:cNvSpPr>
+            <a:spLocks noGrp="1"/>
+          </p:cNvSpPr>
+          <p:nvPr>
+            <p:ph type="sldNum" sz="quarter" idx="5"/>
+          </p:nvPr>
+        </p:nvSpPr>
+        <p:spPr/>
+        <p:txBody>
+          <a:bodyPr/>
+          <a:lstStyle/>
+          <a:p>
+            <a:pPr marL="0" marR="0" lvl="0" indent="0" algn="r" defTabSz="914400" rtl="0" eaLnBrk="1" fontAlgn="auto" latinLnBrk="0" hangingPunct="1">
+              <a:lnSpc>
+                <a:spcPct val="100000"/>
+              </a:lnSpc>
+              <a:spcBef>
+                <a:spcPts val="0"/>
+              </a:spcBef>
+              <a:spcAft>
+                <a:spcPts val="0"/>
+              </a:spcAft>
+              <a:buClrTx/>
+              <a:buSzTx/>
+              <a:buFontTx/>
+              <a:buNone/>
+              <a:tabLst/>
+              <a:defRPr/>
+            </a:pPr>
+            <a:fld id="{881E8342-45B4-4497-80BE-B34EA510ECB9}" type="slidenum">
+              <a:rPr kumimoji="0" lang="en-US" sz="1200" b="0" i="0" u="none" strike="noStrike" kern="1200" cap="none" spc="0" normalizeH="0" baseline="0" noProof="0" smtClean="0">
+                <a:ln>
+                  <a:noFill/>
+                </a:ln>
+                <a:solidFill>
+                  <a:srgbClr val="000000"/>
+                </a:solidFill>
+                <a:effectLst/>
+                <a:uLnTx/>
+                <a:uFillTx/>
+                <a:latin typeface="Calibri"/>
+                <a:ea typeface="+mn-ea"/>
+                <a:cs typeface="+mn-cs"/>
+              </a:rPr>
+              <a:pPr marL="0" marR="0" lvl="0" indent="0" algn="r" defTabSz="914400" rtl="0" eaLnBrk="1" fontAlgn="auto" latinLnBrk="0" hangingPunct="1">
+                <a:lnSpc>
+                  <a:spcPct val="100000"/>
+                </a:lnSpc>
+                <a:spcBef>
+                  <a:spcPts val="0"/>
+                </a:spcBef>
+                <a:spcAft>
+                  <a:spcPts val="0"/>
+                </a:spcAft>
+                <a:buClrTx/>
+                <a:buSzTx/>
+                <a:buFontTx/>
+                <a:buNone/>
+                <a:tabLst/>
+                <a:defRPr/>
+              </a:pPr>
+              <a:t>62</a:t>
+            </a:fld>
+            <a:endParaRPr kumimoji="0" lang="en-US" sz="1200" b="0" i="0" u="none" strike="noStrike" kern="1200" cap="none" spc="0" normalizeH="0" baseline="0" noProof="0">
+              <a:ln>
+                <a:noFill/>
+              </a:ln>
+              <a:solidFill>
+                <a:srgbClr val="000000"/>
+              </a:solidFill>
+              <a:effectLst/>
+              <a:uLnTx/>
+              <a:uFillTx/>
+              <a:latin typeface="Calibri"/>
+              <a:ea typeface="+mn-ea"/>
+              <a:cs typeface="+mn-cs"/>
+            </a:endParaRPr>
+          </a:p>
+        </p:txBody>
+      </p:sp>
+    </p:spTree>
+    <p:extLst>
+      <p:ext uri="{BB962C8B-B14F-4D97-AF65-F5344CB8AC3E}">
+        <p14:creationId xmlns:p14="http://schemas.microsoft.com/office/powerpoint/2010/main" val="435707551"/>
+      </p:ext>
+    </p:extLst>
+  </p:cSld>
+  <p:clrMapOvr>
+    <a:masterClrMapping/>
+  </p:clrMapOvr>
+</p:notes>
+</file>
+
+<file path=ppt/notesSlides/notesSlide22.xml><?xml version="1.0" encoding="utf-8"?>
 <p:notes xmlns:a="http://schemas.openxmlformats.org/drawingml/2006/main" xmlns:r="http://schemas.openxmlformats.org/officeDocument/2006/relationships" xmlns:p="http://schemas.openxmlformats.org/presentationml/2006/main">
   <p:cSld>
     <p:spTree>
@@ -2732,7 +2933,7 @@
                 <a:tabLst/>
                 <a:defRPr/>
               </a:pPr>
-              <a:t>61</a:t>
+              <a:t>63</a:t>
             </a:fld>
             <a:endParaRPr kumimoji="0" lang="nl-NL" sz="1200" b="0" i="0" u="none" strike="noStrike" kern="1200" cap="none" spc="0" normalizeH="0" baseline="0" noProof="0">
               <a:ln>
@@ -2754,156 +2955,7 @@
     </p:spTree>
     <p:extLst>
       <p:ext uri="{BB962C8B-B14F-4D97-AF65-F5344CB8AC3E}">
-        <p14:creationId xmlns:p14="http://schemas.microsoft.com/office/powerpoint/2010/main" val="4030066549"/>
-      </p:ext>
-    </p:extLst>
-  </p:cSld>
-  <p:clrMapOvr>
-    <a:masterClrMapping/>
-  </p:clrMapOvr>
-</p:notes>
-</file>
-
-<file path=ppt/notesSlides/notesSlide22.xml><?xml version="1.0" encoding="utf-8"?>
-<p:notes xmlns:a="http://schemas.openxmlformats.org/drawingml/2006/main" xmlns:r="http://schemas.openxmlformats.org/officeDocument/2006/relationships" xmlns:p="http://schemas.openxmlformats.org/presentationml/2006/main">
-  <p:cSld>
-    <p:spTree>
-      <p:nvGrpSpPr>
-        <p:cNvPr id="1" name=""/>
-        <p:cNvGrpSpPr/>
-        <p:nvPr/>
-      </p:nvGrpSpPr>
-      <p:grpSpPr>
-        <a:xfrm>
-          <a:off x="0" y="0"/>
-          <a:ext cx="0" cy="0"/>
-          <a:chOff x="0" y="0"/>
-          <a:chExt cx="0" cy="0"/>
-        </a:xfrm>
-      </p:grpSpPr>
-      <p:sp>
-        <p:nvSpPr>
-          <p:cNvPr id="2" name="Tijdelijke aanduiding voor dia-afbeelding 1"/>
-          <p:cNvSpPr>
-            <a:spLocks noGrp="1" noRot="1" noChangeAspect="1"/>
-          </p:cNvSpPr>
-          <p:nvPr>
-            <p:ph type="sldImg"/>
-          </p:nvPr>
-        </p:nvSpPr>
-        <p:spPr>
-          <a:xfrm>
-            <a:off x="685800" y="1143000"/>
-            <a:ext cx="5486400" cy="3086100"/>
-          </a:xfrm>
-        </p:spPr>
-      </p:sp>
-      <p:sp>
-        <p:nvSpPr>
-          <p:cNvPr id="3" name="Tijdelijke aanduiding voor notities 2"/>
-          <p:cNvSpPr>
-            <a:spLocks noGrp="1"/>
-          </p:cNvSpPr>
-          <p:nvPr>
-            <p:ph type="body" idx="1"/>
-          </p:nvPr>
-        </p:nvSpPr>
-        <p:spPr/>
-        <p:txBody>
-          <a:bodyPr/>
-          <a:lstStyle/>
-          <a:p>
-            <a:endParaRPr lang="en-NL"/>
-          </a:p>
-        </p:txBody>
-      </p:sp>
-      <p:sp>
-        <p:nvSpPr>
-          <p:cNvPr id="4" name="Tijdelijke aanduiding voor dianummer 3"/>
-          <p:cNvSpPr>
-            <a:spLocks noGrp="1"/>
-          </p:cNvSpPr>
-          <p:nvPr>
-            <p:ph type="sldNum" sz="quarter" idx="5"/>
-          </p:nvPr>
-        </p:nvSpPr>
-        <p:spPr/>
-        <p:txBody>
-          <a:bodyPr/>
-          <a:lstStyle/>
-          <a:p>
-            <a:pPr marL="0" marR="0" lvl="0" indent="0" algn="r" defTabSz="914400" rtl="0" eaLnBrk="1" fontAlgn="auto" latinLnBrk="0" hangingPunct="1">
-              <a:lnSpc>
-                <a:spcPct val="100000"/>
-              </a:lnSpc>
-              <a:spcBef>
-                <a:spcPts val="0"/>
-              </a:spcBef>
-              <a:spcAft>
-                <a:spcPts val="0"/>
-              </a:spcAft>
-              <a:buClrTx/>
-              <a:buSzTx/>
-              <a:buFontTx/>
-              <a:buNone/>
-              <a:tabLst/>
-              <a:defRPr/>
-            </a:pPr>
-            <a:fld id="{881E8342-45B4-4497-80BE-B34EA510ECB9}" type="slidenum">
-              <a:rPr kumimoji="0" lang="en-US" sz="1200" b="0" i="0" u="none" strike="noStrike" kern="1200" cap="none" spc="0" normalizeH="0" baseline="0" noProof="0" smtClean="0">
-                <a:ln>
-                  <a:noFill/>
-                </a:ln>
-                <a:solidFill>
-                  <a:srgbClr val="000000"/>
-                </a:solidFill>
-                <a:effectLst/>
-                <a:uLnTx/>
-                <a:uFillTx/>
-                <a:latin typeface="Calibri"/>
-                <a:ea typeface="+mn-ea"/>
-                <a:cs typeface="+mn-cs"/>
-              </a:rPr>
-              <a:pPr marL="0" marR="0" lvl="0" indent="0" algn="r" defTabSz="914400" rtl="0" eaLnBrk="1" fontAlgn="auto" latinLnBrk="0" hangingPunct="1">
-                <a:lnSpc>
-                  <a:spcPct val="100000"/>
-                </a:lnSpc>
-                <a:spcBef>
-                  <a:spcPts val="0"/>
-                </a:spcBef>
-                <a:spcAft>
-                  <a:spcPts val="0"/>
-                </a:spcAft>
-                <a:buClrTx/>
-                <a:buSzTx/>
-                <a:buFontTx/>
-                <a:buNone/>
-                <a:tabLst/>
-                <a:defRPr/>
-              </a:pPr>
-              <a:t>65</a:t>
-            </a:fld>
-            <a:endParaRPr kumimoji="0" lang="en-US" sz="1200" b="0" i="0" u="none" strike="noStrike" kern="1200" cap="none" spc="0" normalizeH="0" baseline="0" noProof="0">
-              <a:ln>
-                <a:noFill/>
-              </a:ln>
-              <a:solidFill>
-                <a:srgbClr val="000000"/>
-              </a:solidFill>
-              <a:effectLst/>
-              <a:uLnTx/>
-              <a:uFillTx/>
-              <a:latin typeface="Calibri"/>
-              <a:ea typeface="+mn-ea"/>
-              <a:cs typeface="+mn-cs"/>
-            </a:endParaRPr>
-          </a:p>
-        </p:txBody>
-      </p:sp>
-    </p:spTree>
-    <p:extLst>
-      <p:ext uri="{BB962C8B-B14F-4D97-AF65-F5344CB8AC3E}">
-        <p14:creationId xmlns:p14="http://schemas.microsoft.com/office/powerpoint/2010/main" val="1262716115"/>
+        <p14:creationId xmlns:p14="http://schemas.microsoft.com/office/powerpoint/2010/main" val="3218732318"/>
       </p:ext>
     </p:extLst>
   </p:cSld>
@@ -3030,7 +3082,7 @@
                 <a:tabLst/>
                 <a:defRPr/>
               </a:pPr>
-              <a:t>66</a:t>
+              <a:t>65</a:t>
             </a:fld>
             <a:endParaRPr kumimoji="0" lang="nl-NL" sz="1200" b="0" i="0" u="none" strike="noStrike" kern="1200" cap="none" spc="0" normalizeH="0" baseline="0" noProof="0">
               <a:ln>
@@ -3052,7 +3104,7 @@
     </p:spTree>
     <p:extLst>
       <p:ext uri="{BB962C8B-B14F-4D97-AF65-F5344CB8AC3E}">
-        <p14:creationId xmlns:p14="http://schemas.microsoft.com/office/powerpoint/2010/main" val="4057750865"/>
+        <p14:creationId xmlns:p14="http://schemas.microsoft.com/office/powerpoint/2010/main" val="4030066549"/>
       </p:ext>
     </p:extLst>
   </p:cSld>
@@ -3179,7 +3231,7 @@
                 <a:tabLst/>
                 <a:defRPr/>
               </a:pPr>
-              <a:t>70</a:t>
+              <a:t>69</a:t>
             </a:fld>
             <a:endParaRPr kumimoji="0" lang="en-US" sz="1200" b="0" i="0" u="none" strike="noStrike" kern="1200" cap="none" spc="0" normalizeH="0" baseline="0" noProof="0">
               <a:ln>
@@ -3201,7 +3253,7 @@
     </p:spTree>
     <p:extLst>
       <p:ext uri="{BB962C8B-B14F-4D97-AF65-F5344CB8AC3E}">
-        <p14:creationId xmlns:p14="http://schemas.microsoft.com/office/powerpoint/2010/main" val="300188271"/>
+        <p14:creationId xmlns:p14="http://schemas.microsoft.com/office/powerpoint/2010/main" val="1262716115"/>
       </p:ext>
     </p:extLst>
   </p:cSld>
@@ -3328,7 +3380,7 @@
                 <a:tabLst/>
                 <a:defRPr/>
               </a:pPr>
-              <a:t>71</a:t>
+              <a:t>70</a:t>
             </a:fld>
             <a:endParaRPr kumimoji="0" lang="nl-NL" sz="1200" b="0" i="0" u="none" strike="noStrike" kern="1200" cap="none" spc="0" normalizeH="0" baseline="0" noProof="0">
               <a:ln>
@@ -3350,7 +3402,7 @@
     </p:spTree>
     <p:extLst>
       <p:ext uri="{BB962C8B-B14F-4D97-AF65-F5344CB8AC3E}">
-        <p14:creationId xmlns:p14="http://schemas.microsoft.com/office/powerpoint/2010/main" val="1861263333"/>
+        <p14:creationId xmlns:p14="http://schemas.microsoft.com/office/powerpoint/2010/main" val="4057750865"/>
       </p:ext>
     </p:extLst>
   </p:cSld>
@@ -3477,7 +3529,7 @@
                 <a:tabLst/>
                 <a:defRPr/>
               </a:pPr>
-              <a:t>75</a:t>
+              <a:t>74</a:t>
             </a:fld>
             <a:endParaRPr kumimoji="0" lang="en-US" sz="1200" b="0" i="0" u="none" strike="noStrike" kern="1200" cap="none" spc="0" normalizeH="0" baseline="0" noProof="0">
               <a:ln>
@@ -3499,7 +3551,7 @@
     </p:spTree>
     <p:extLst>
       <p:ext uri="{BB962C8B-B14F-4D97-AF65-F5344CB8AC3E}">
-        <p14:creationId xmlns:p14="http://schemas.microsoft.com/office/powerpoint/2010/main" val="1732482746"/>
+        <p14:creationId xmlns:p14="http://schemas.microsoft.com/office/powerpoint/2010/main" val="300188271"/>
       </p:ext>
     </p:extLst>
   </p:cSld>
@@ -3626,7 +3678,7 @@
                 <a:tabLst/>
                 <a:defRPr/>
               </a:pPr>
-              <a:t>76</a:t>
+              <a:t>75</a:t>
             </a:fld>
             <a:endParaRPr kumimoji="0" lang="nl-NL" sz="1200" b="0" i="0" u="none" strike="noStrike" kern="1200" cap="none" spc="0" normalizeH="0" baseline="0" noProof="0">
               <a:ln>
@@ -3648,7 +3700,7 @@
     </p:spTree>
     <p:extLst>
       <p:ext uri="{BB962C8B-B14F-4D97-AF65-F5344CB8AC3E}">
-        <p14:creationId xmlns:p14="http://schemas.microsoft.com/office/powerpoint/2010/main" val="2187401497"/>
+        <p14:creationId xmlns:p14="http://schemas.microsoft.com/office/powerpoint/2010/main" val="1861263333"/>
       </p:ext>
     </p:extLst>
   </p:cSld>
@@ -3659,6 +3711,155 @@
 </file>
 
 <file path=ppt/notesSlides/notesSlide28.xml><?xml version="1.0" encoding="utf-8"?>
+<p:notes xmlns:a="http://schemas.openxmlformats.org/drawingml/2006/main" xmlns:r="http://schemas.openxmlformats.org/officeDocument/2006/relationships" xmlns:p="http://schemas.openxmlformats.org/presentationml/2006/main">
+  <p:cSld>
+    <p:spTree>
+      <p:nvGrpSpPr>
+        <p:cNvPr id="1" name=""/>
+        <p:cNvGrpSpPr/>
+        <p:nvPr/>
+      </p:nvGrpSpPr>
+      <p:grpSpPr>
+        <a:xfrm>
+          <a:off x="0" y="0"/>
+          <a:ext cx="0" cy="0"/>
+          <a:chOff x="0" y="0"/>
+          <a:chExt cx="0" cy="0"/>
+        </a:xfrm>
+      </p:grpSpPr>
+      <p:sp>
+        <p:nvSpPr>
+          <p:cNvPr id="2" name="Tijdelijke aanduiding voor dia-afbeelding 1"/>
+          <p:cNvSpPr>
+            <a:spLocks noGrp="1" noRot="1" noChangeAspect="1"/>
+          </p:cNvSpPr>
+          <p:nvPr>
+            <p:ph type="sldImg"/>
+          </p:nvPr>
+        </p:nvSpPr>
+        <p:spPr>
+          <a:xfrm>
+            <a:off x="685800" y="1143000"/>
+            <a:ext cx="5486400" cy="3086100"/>
+          </a:xfrm>
+        </p:spPr>
+      </p:sp>
+      <p:sp>
+        <p:nvSpPr>
+          <p:cNvPr id="3" name="Tijdelijke aanduiding voor notities 2"/>
+          <p:cNvSpPr>
+            <a:spLocks noGrp="1"/>
+          </p:cNvSpPr>
+          <p:nvPr>
+            <p:ph type="body" idx="1"/>
+          </p:nvPr>
+        </p:nvSpPr>
+        <p:spPr/>
+        <p:txBody>
+          <a:bodyPr/>
+          <a:lstStyle/>
+          <a:p>
+            <a:endParaRPr lang="en-NL"/>
+          </a:p>
+        </p:txBody>
+      </p:sp>
+      <p:sp>
+        <p:nvSpPr>
+          <p:cNvPr id="4" name="Tijdelijke aanduiding voor dianummer 3"/>
+          <p:cNvSpPr>
+            <a:spLocks noGrp="1"/>
+          </p:cNvSpPr>
+          <p:nvPr>
+            <p:ph type="sldNum" sz="quarter" idx="5"/>
+          </p:nvPr>
+        </p:nvSpPr>
+        <p:spPr/>
+        <p:txBody>
+          <a:bodyPr/>
+          <a:lstStyle/>
+          <a:p>
+            <a:pPr marL="0" marR="0" lvl="0" indent="0" algn="r" defTabSz="914400" rtl="0" eaLnBrk="1" fontAlgn="auto" latinLnBrk="0" hangingPunct="1">
+              <a:lnSpc>
+                <a:spcPct val="100000"/>
+              </a:lnSpc>
+              <a:spcBef>
+                <a:spcPts val="0"/>
+              </a:spcBef>
+              <a:spcAft>
+                <a:spcPts val="0"/>
+              </a:spcAft>
+              <a:buClrTx/>
+              <a:buSzTx/>
+              <a:buFontTx/>
+              <a:buNone/>
+              <a:tabLst/>
+              <a:defRPr/>
+            </a:pPr>
+            <a:fld id="{881E8342-45B4-4497-80BE-B34EA510ECB9}" type="slidenum">
+              <a:rPr kumimoji="0" lang="en-US" sz="1200" b="0" i="0" u="none" strike="noStrike" kern="1200" cap="none" spc="0" normalizeH="0" baseline="0" noProof="0" smtClean="0">
+                <a:ln>
+                  <a:noFill/>
+                </a:ln>
+                <a:solidFill>
+                  <a:srgbClr val="000000"/>
+                </a:solidFill>
+                <a:effectLst/>
+                <a:uLnTx/>
+                <a:uFillTx/>
+                <a:latin typeface="Calibri"/>
+                <a:ea typeface="+mn-ea"/>
+                <a:cs typeface="+mn-cs"/>
+              </a:rPr>
+              <a:pPr marL="0" marR="0" lvl="0" indent="0" algn="r" defTabSz="914400" rtl="0" eaLnBrk="1" fontAlgn="auto" latinLnBrk="0" hangingPunct="1">
+                <a:lnSpc>
+                  <a:spcPct val="100000"/>
+                </a:lnSpc>
+                <a:spcBef>
+                  <a:spcPts val="0"/>
+                </a:spcBef>
+                <a:spcAft>
+                  <a:spcPts val="0"/>
+                </a:spcAft>
+                <a:buClrTx/>
+                <a:buSzTx/>
+                <a:buFontTx/>
+                <a:buNone/>
+                <a:tabLst/>
+                <a:defRPr/>
+              </a:pPr>
+              <a:t>79</a:t>
+            </a:fld>
+            <a:endParaRPr kumimoji="0" lang="en-US" sz="1200" b="0" i="0" u="none" strike="noStrike" kern="1200" cap="none" spc="0" normalizeH="0" baseline="0" noProof="0">
+              <a:ln>
+                <a:noFill/>
+              </a:ln>
+              <a:solidFill>
+                <a:srgbClr val="000000"/>
+              </a:solidFill>
+              <a:effectLst/>
+              <a:uLnTx/>
+              <a:uFillTx/>
+              <a:latin typeface="Calibri"/>
+              <a:ea typeface="+mn-ea"/>
+              <a:cs typeface="+mn-cs"/>
+            </a:endParaRPr>
+          </a:p>
+        </p:txBody>
+      </p:sp>
+    </p:spTree>
+    <p:extLst>
+      <p:ext uri="{BB962C8B-B14F-4D97-AF65-F5344CB8AC3E}">
+        <p14:creationId xmlns:p14="http://schemas.microsoft.com/office/powerpoint/2010/main" val="1732482746"/>
+      </p:ext>
+    </p:extLst>
+  </p:cSld>
+  <p:clrMapOvr>
+    <a:masterClrMapping/>
+  </p:clrMapOvr>
+</p:notes>
+</file>
+
+<file path=ppt/notesSlides/notesSlide29.xml><?xml version="1.0" encoding="utf-8"?>
 <p:notes xmlns:a="http://schemas.openxmlformats.org/drawingml/2006/main" xmlns:r="http://schemas.openxmlformats.org/officeDocument/2006/relationships" xmlns:p="http://schemas.openxmlformats.org/presentationml/2006/main">
   <p:cSld>
     <p:spTree>
@@ -3775,7 +3976,7 @@
                 <a:tabLst/>
                 <a:defRPr/>
               </a:pPr>
-              <a:t>77</a:t>
+              <a:t>80</a:t>
             </a:fld>
             <a:endParaRPr kumimoji="0" lang="nl-NL" sz="1200" b="0" i="0" u="none" strike="noStrike" kern="1200" cap="none" spc="0" normalizeH="0" baseline="0" noProof="0">
               <a:ln>
@@ -3797,151 +3998,7 @@
     </p:spTree>
     <p:extLst>
       <p:ext uri="{BB962C8B-B14F-4D97-AF65-F5344CB8AC3E}">
-        <p14:creationId xmlns:p14="http://schemas.microsoft.com/office/powerpoint/2010/main" val="2388114385"/>
-      </p:ext>
-    </p:extLst>
-  </p:cSld>
-  <p:clrMapOvr>
-    <a:masterClrMapping/>
-  </p:clrMapOvr>
-</p:notes>
-</file>
-
-<file path=ppt/notesSlides/notesSlide29.xml><?xml version="1.0" encoding="utf-8"?>
-<p:notes xmlns:a="http://schemas.openxmlformats.org/drawingml/2006/main" xmlns:r="http://schemas.openxmlformats.org/officeDocument/2006/relationships" xmlns:p="http://schemas.openxmlformats.org/presentationml/2006/main">
-  <p:cSld>
-    <p:spTree>
-      <p:nvGrpSpPr>
-        <p:cNvPr id="1" name=""/>
-        <p:cNvGrpSpPr/>
-        <p:nvPr/>
-      </p:nvGrpSpPr>
-      <p:grpSpPr>
-        <a:xfrm>
-          <a:off x="0" y="0"/>
-          <a:ext cx="0" cy="0"/>
-          <a:chOff x="0" y="0"/>
-          <a:chExt cx="0" cy="0"/>
-        </a:xfrm>
-      </p:grpSpPr>
-      <p:sp>
-        <p:nvSpPr>
-          <p:cNvPr id="2" name="Slide Image Placeholder 1"/>
-          <p:cNvSpPr>
-            <a:spLocks noGrp="1" noRot="1" noChangeAspect="1"/>
-          </p:cNvSpPr>
-          <p:nvPr>
-            <p:ph type="sldImg"/>
-          </p:nvPr>
-        </p:nvSpPr>
-        <p:spPr/>
-      </p:sp>
-      <p:sp>
-        <p:nvSpPr>
-          <p:cNvPr id="3" name="Notes Placeholder 2"/>
-          <p:cNvSpPr>
-            <a:spLocks noGrp="1"/>
-          </p:cNvSpPr>
-          <p:nvPr>
-            <p:ph type="body" idx="1"/>
-          </p:nvPr>
-        </p:nvSpPr>
-        <p:spPr/>
-        <p:txBody>
-          <a:bodyPr/>
-          <a:lstStyle/>
-          <a:p>
-            <a:endParaRPr lang="nl-NL" dirty="0"/>
-          </a:p>
-        </p:txBody>
-      </p:sp>
-      <p:sp>
-        <p:nvSpPr>
-          <p:cNvPr id="4" name="Slide Number Placeholder 3"/>
-          <p:cNvSpPr>
-            <a:spLocks noGrp="1"/>
-          </p:cNvSpPr>
-          <p:nvPr>
-            <p:ph type="sldNum" sz="quarter" idx="10"/>
-          </p:nvPr>
-        </p:nvSpPr>
-        <p:spPr/>
-        <p:txBody>
-          <a:bodyPr/>
-          <a:lstStyle/>
-          <a:p>
-            <a:pPr marL="0" marR="0" lvl="0" indent="0" algn="r" defTabSz="914400" rtl="0" eaLnBrk="1" fontAlgn="auto" latinLnBrk="0" hangingPunct="1">
-              <a:lnSpc>
-                <a:spcPct val="100000"/>
-              </a:lnSpc>
-              <a:spcBef>
-                <a:spcPts val="0"/>
-              </a:spcBef>
-              <a:spcAft>
-                <a:spcPts val="0"/>
-              </a:spcAft>
-              <a:buClrTx/>
-              <a:buSzTx/>
-              <a:buFontTx/>
-              <a:buNone/>
-              <a:tabLst/>
-              <a:defRPr/>
-            </a:pPr>
-            <a:fld id="{18D1B175-4AA8-4E22-A293-4FC0E25D585B}" type="slidenum">
-              <a:rPr kumimoji="0" lang="nl-NL" sz="1200" b="0" i="0" u="none" strike="noStrike" kern="1200" cap="none" spc="0" normalizeH="0" baseline="0" noProof="0" smtClean="0">
-                <a:ln>
-                  <a:noFill/>
-                </a:ln>
-                <a:solidFill>
-                  <a:prstClr val="black"/>
-                </a:solidFill>
-                <a:effectLst/>
-                <a:uLnTx/>
-                <a:uFillTx/>
-                <a:latin typeface="Calibri" panose="020F0502020204030204"/>
-                <a:ea typeface="+mn-ea"/>
-                <a:cs typeface="+mn-cs"/>
-              </a:rPr>
-              <a:pPr marL="0" marR="0" lvl="0" indent="0" algn="r" defTabSz="914400" rtl="0" eaLnBrk="1" fontAlgn="auto" latinLnBrk="0" hangingPunct="1">
-                <a:lnSpc>
-                  <a:spcPct val="100000"/>
-                </a:lnSpc>
-                <a:spcBef>
-                  <a:spcPts val="0"/>
-                </a:spcBef>
-                <a:spcAft>
-                  <a:spcPts val="0"/>
-                </a:spcAft>
-                <a:buClrTx/>
-                <a:buSzTx/>
-                <a:buFontTx/>
-                <a:buNone/>
-                <a:tabLst/>
-                <a:defRPr/>
-              </a:pPr>
-              <a:t>87</a:t>
-            </a:fld>
-            <a:endParaRPr kumimoji="0" lang="nl-NL" sz="1200" b="0" i="0" u="none" strike="noStrike" kern="1200" cap="none" spc="0" normalizeH="0" baseline="0" noProof="0">
-              <a:ln>
-                <a:noFill/>
-              </a:ln>
-              <a:solidFill>
-                <a:prstClr val="black"/>
-              </a:solidFill>
-              <a:effectLst/>
-              <a:uLnTx/>
-              <a:uFillTx/>
-              <a:latin typeface="Calibri" panose="020F0502020204030204"/>
-              <a:ea typeface="+mn-ea"/>
-              <a:cs typeface="+mn-cs"/>
-            </a:endParaRPr>
-          </a:p>
-        </p:txBody>
-      </p:sp>
-    </p:spTree>
-    <p:extLst>
-      <p:ext uri="{BB962C8B-B14F-4D97-AF65-F5344CB8AC3E}">
-        <p14:creationId xmlns:p14="http://schemas.microsoft.com/office/powerpoint/2010/main" val="1486813995"/>
+        <p14:creationId xmlns:p14="http://schemas.microsoft.com/office/powerpoint/2010/main" val="2187401497"/>
       </p:ext>
     </p:extLst>
   </p:cSld>
@@ -4081,6 +4138,299 @@
         </p:txBody>
       </p:sp>
     </p:spTree>
+  </p:cSld>
+  <p:clrMapOvr>
+    <a:masterClrMapping/>
+  </p:clrMapOvr>
+</p:notes>
+</file>
+
+<file path=ppt/notesSlides/notesSlide30.xml><?xml version="1.0" encoding="utf-8"?>
+<p:notes xmlns:a="http://schemas.openxmlformats.org/drawingml/2006/main" xmlns:r="http://schemas.openxmlformats.org/officeDocument/2006/relationships" xmlns:p="http://schemas.openxmlformats.org/presentationml/2006/main">
+  <p:cSld>
+    <p:spTree>
+      <p:nvGrpSpPr>
+        <p:cNvPr id="1" name=""/>
+        <p:cNvGrpSpPr/>
+        <p:nvPr/>
+      </p:nvGrpSpPr>
+      <p:grpSpPr>
+        <a:xfrm>
+          <a:off x="0" y="0"/>
+          <a:ext cx="0" cy="0"/>
+          <a:chOff x="0" y="0"/>
+          <a:chExt cx="0" cy="0"/>
+        </a:xfrm>
+      </p:grpSpPr>
+      <p:sp>
+        <p:nvSpPr>
+          <p:cNvPr id="2" name="Slide Image Placeholder 1"/>
+          <p:cNvSpPr>
+            <a:spLocks noGrp="1" noRot="1" noChangeAspect="1"/>
+          </p:cNvSpPr>
+          <p:nvPr>
+            <p:ph type="sldImg"/>
+          </p:nvPr>
+        </p:nvSpPr>
+        <p:spPr>
+          <a:xfrm>
+            <a:off x="685800" y="1143000"/>
+            <a:ext cx="5486400" cy="3086100"/>
+          </a:xfrm>
+        </p:spPr>
+      </p:sp>
+      <p:sp>
+        <p:nvSpPr>
+          <p:cNvPr id="3" name="Notes Placeholder 2"/>
+          <p:cNvSpPr>
+            <a:spLocks noGrp="1"/>
+          </p:cNvSpPr>
+          <p:nvPr>
+            <p:ph type="body" idx="1"/>
+          </p:nvPr>
+        </p:nvSpPr>
+        <p:spPr/>
+        <p:txBody>
+          <a:bodyPr/>
+          <a:lstStyle/>
+          <a:p>
+            <a:endParaRPr lang="nl-NL"/>
+          </a:p>
+        </p:txBody>
+      </p:sp>
+      <p:sp>
+        <p:nvSpPr>
+          <p:cNvPr id="4" name="Slide Number Placeholder 3"/>
+          <p:cNvSpPr>
+            <a:spLocks noGrp="1"/>
+          </p:cNvSpPr>
+          <p:nvPr>
+            <p:ph type="sldNum" sz="quarter" idx="10"/>
+          </p:nvPr>
+        </p:nvSpPr>
+        <p:spPr/>
+        <p:txBody>
+          <a:bodyPr/>
+          <a:lstStyle/>
+          <a:p>
+            <a:pPr marL="0" marR="0" lvl="0" indent="0" algn="r" defTabSz="914400" rtl="0" eaLnBrk="1" fontAlgn="auto" latinLnBrk="0" hangingPunct="1">
+              <a:lnSpc>
+                <a:spcPct val="100000"/>
+              </a:lnSpc>
+              <a:spcBef>
+                <a:spcPts val="0"/>
+              </a:spcBef>
+              <a:spcAft>
+                <a:spcPts val="0"/>
+              </a:spcAft>
+              <a:buClrTx/>
+              <a:buSzTx/>
+              <a:buFontTx/>
+              <a:buNone/>
+              <a:tabLst/>
+              <a:defRPr/>
+            </a:pPr>
+            <a:fld id="{18D1B175-4AA8-4E22-A293-4FC0E25D585B}" type="slidenum">
+              <a:rPr kumimoji="0" lang="nl-NL" sz="1200" b="0" i="0" u="none" strike="noStrike" kern="1200" cap="none" spc="0" normalizeH="0" baseline="0" noProof="0" smtClean="0">
+                <a:ln>
+                  <a:noFill/>
+                </a:ln>
+                <a:solidFill>
+                  <a:prstClr val="black"/>
+                </a:solidFill>
+                <a:effectLst/>
+                <a:uLnTx/>
+                <a:uFillTx/>
+                <a:latin typeface="Calibri" panose="020F0502020204030204"/>
+                <a:ea typeface="+mn-ea"/>
+                <a:cs typeface="+mn-cs"/>
+              </a:rPr>
+              <a:pPr marL="0" marR="0" lvl="0" indent="0" algn="r" defTabSz="914400" rtl="0" eaLnBrk="1" fontAlgn="auto" latinLnBrk="0" hangingPunct="1">
+                <a:lnSpc>
+                  <a:spcPct val="100000"/>
+                </a:lnSpc>
+                <a:spcBef>
+                  <a:spcPts val="0"/>
+                </a:spcBef>
+                <a:spcAft>
+                  <a:spcPts val="0"/>
+                </a:spcAft>
+                <a:buClrTx/>
+                <a:buSzTx/>
+                <a:buFontTx/>
+                <a:buNone/>
+                <a:tabLst/>
+                <a:defRPr/>
+              </a:pPr>
+              <a:t>81</a:t>
+            </a:fld>
+            <a:endParaRPr kumimoji="0" lang="nl-NL" sz="1200" b="0" i="0" u="none" strike="noStrike" kern="1200" cap="none" spc="0" normalizeH="0" baseline="0" noProof="0">
+              <a:ln>
+                <a:noFill/>
+              </a:ln>
+              <a:solidFill>
+                <a:prstClr val="black"/>
+              </a:solidFill>
+              <a:effectLst/>
+              <a:uLnTx/>
+              <a:uFillTx/>
+              <a:latin typeface="Calibri" panose="020F0502020204030204"/>
+              <a:ea typeface="+mn-ea"/>
+              <a:cs typeface="+mn-cs"/>
+            </a:endParaRPr>
+          </a:p>
+        </p:txBody>
+      </p:sp>
+    </p:spTree>
+    <p:extLst>
+      <p:ext uri="{BB962C8B-B14F-4D97-AF65-F5344CB8AC3E}">
+        <p14:creationId xmlns:p14="http://schemas.microsoft.com/office/powerpoint/2010/main" val="2388114385"/>
+      </p:ext>
+    </p:extLst>
+  </p:cSld>
+  <p:clrMapOvr>
+    <a:masterClrMapping/>
+  </p:clrMapOvr>
+</p:notes>
+</file>
+
+<file path=ppt/notesSlides/notesSlide31.xml><?xml version="1.0" encoding="utf-8"?>
+<p:notes xmlns:a="http://schemas.openxmlformats.org/drawingml/2006/main" xmlns:r="http://schemas.openxmlformats.org/officeDocument/2006/relationships" xmlns:p="http://schemas.openxmlformats.org/presentationml/2006/main">
+  <p:cSld>
+    <p:spTree>
+      <p:nvGrpSpPr>
+        <p:cNvPr id="1" name=""/>
+        <p:cNvGrpSpPr/>
+        <p:nvPr/>
+      </p:nvGrpSpPr>
+      <p:grpSpPr>
+        <a:xfrm>
+          <a:off x="0" y="0"/>
+          <a:ext cx="0" cy="0"/>
+          <a:chOff x="0" y="0"/>
+          <a:chExt cx="0" cy="0"/>
+        </a:xfrm>
+      </p:grpSpPr>
+      <p:sp>
+        <p:nvSpPr>
+          <p:cNvPr id="2" name="Slide Image Placeholder 1"/>
+          <p:cNvSpPr>
+            <a:spLocks noGrp="1" noRot="1" noChangeAspect="1"/>
+          </p:cNvSpPr>
+          <p:nvPr>
+            <p:ph type="sldImg"/>
+          </p:nvPr>
+        </p:nvSpPr>
+        <p:spPr/>
+      </p:sp>
+      <p:sp>
+        <p:nvSpPr>
+          <p:cNvPr id="3" name="Notes Placeholder 2"/>
+          <p:cNvSpPr>
+            <a:spLocks noGrp="1"/>
+          </p:cNvSpPr>
+          <p:nvPr>
+            <p:ph type="body" idx="1"/>
+          </p:nvPr>
+        </p:nvSpPr>
+        <p:spPr/>
+        <p:txBody>
+          <a:bodyPr/>
+          <a:lstStyle/>
+          <a:p>
+            <a:endParaRPr lang="nl-NL" dirty="0"/>
+          </a:p>
+        </p:txBody>
+      </p:sp>
+      <p:sp>
+        <p:nvSpPr>
+          <p:cNvPr id="4" name="Slide Number Placeholder 3"/>
+          <p:cNvSpPr>
+            <a:spLocks noGrp="1"/>
+          </p:cNvSpPr>
+          <p:nvPr>
+            <p:ph type="sldNum" sz="quarter" idx="10"/>
+          </p:nvPr>
+        </p:nvSpPr>
+        <p:spPr/>
+        <p:txBody>
+          <a:bodyPr/>
+          <a:lstStyle/>
+          <a:p>
+            <a:pPr marL="0" marR="0" lvl="0" indent="0" algn="r" defTabSz="914400" rtl="0" eaLnBrk="1" fontAlgn="auto" latinLnBrk="0" hangingPunct="1">
+              <a:lnSpc>
+                <a:spcPct val="100000"/>
+              </a:lnSpc>
+              <a:spcBef>
+                <a:spcPts val="0"/>
+              </a:spcBef>
+              <a:spcAft>
+                <a:spcPts val="0"/>
+              </a:spcAft>
+              <a:buClrTx/>
+              <a:buSzTx/>
+              <a:buFontTx/>
+              <a:buNone/>
+              <a:tabLst/>
+              <a:defRPr/>
+            </a:pPr>
+            <a:fld id="{18D1B175-4AA8-4E22-A293-4FC0E25D585B}" type="slidenum">
+              <a:rPr kumimoji="0" lang="nl-NL" sz="1200" b="0" i="0" u="none" strike="noStrike" kern="1200" cap="none" spc="0" normalizeH="0" baseline="0" noProof="0" smtClean="0">
+                <a:ln>
+                  <a:noFill/>
+                </a:ln>
+                <a:solidFill>
+                  <a:prstClr val="black"/>
+                </a:solidFill>
+                <a:effectLst/>
+                <a:uLnTx/>
+                <a:uFillTx/>
+                <a:latin typeface="Calibri" panose="020F0502020204030204"/>
+                <a:ea typeface="+mn-ea"/>
+                <a:cs typeface="+mn-cs"/>
+              </a:rPr>
+              <a:pPr marL="0" marR="0" lvl="0" indent="0" algn="r" defTabSz="914400" rtl="0" eaLnBrk="1" fontAlgn="auto" latinLnBrk="0" hangingPunct="1">
+                <a:lnSpc>
+                  <a:spcPct val="100000"/>
+                </a:lnSpc>
+                <a:spcBef>
+                  <a:spcPts val="0"/>
+                </a:spcBef>
+                <a:spcAft>
+                  <a:spcPts val="0"/>
+                </a:spcAft>
+                <a:buClrTx/>
+                <a:buSzTx/>
+                <a:buFontTx/>
+                <a:buNone/>
+                <a:tabLst/>
+                <a:defRPr/>
+              </a:pPr>
+              <a:t>91</a:t>
+            </a:fld>
+            <a:endParaRPr kumimoji="0" lang="nl-NL" sz="1200" b="0" i="0" u="none" strike="noStrike" kern="1200" cap="none" spc="0" normalizeH="0" baseline="0" noProof="0">
+              <a:ln>
+                <a:noFill/>
+              </a:ln>
+              <a:solidFill>
+                <a:prstClr val="black"/>
+              </a:solidFill>
+              <a:effectLst/>
+              <a:uLnTx/>
+              <a:uFillTx/>
+              <a:latin typeface="Calibri" panose="020F0502020204030204"/>
+              <a:ea typeface="+mn-ea"/>
+              <a:cs typeface="+mn-cs"/>
+            </a:endParaRPr>
+          </a:p>
+        </p:txBody>
+      </p:sp>
+    </p:spTree>
+    <p:extLst>
+      <p:ext uri="{BB962C8B-B14F-4D97-AF65-F5344CB8AC3E}">
+        <p14:creationId xmlns:p14="http://schemas.microsoft.com/office/powerpoint/2010/main" val="1486813995"/>
+      </p:ext>
+    </p:extLst>
   </p:cSld>
   <p:clrMapOvr>
     <a:masterClrMapping/>
@@ -37534,7 +37884,13 @@
     </p:bg>
     <p:spTree>
       <p:nvGrpSpPr>
-        <p:cNvPr id="1" name=""/>
+        <p:cNvPr id="1" name="">
+          <a:extLst>
+            <a:ext uri="{FF2B5EF4-FFF2-40B4-BE49-F238E27FC236}">
+              <a16:creationId xmlns:a16="http://schemas.microsoft.com/office/drawing/2014/main" id="{5AB1B50C-8A9E-494C-C8D9-5B1A68CA5499}"/>
+            </a:ext>
+          </a:extLst>
+        </p:cNvPr>
         <p:cNvGrpSpPr/>
         <p:nvPr/>
       </p:nvGrpSpPr>
@@ -37548,7 +37904,13 @@
       </p:grpSpPr>
       <p:sp>
         <p:nvSpPr>
-          <p:cNvPr id="2" name="Title 1"/>
+          <p:cNvPr id="2" name="Title 1">
+            <a:extLst>
+              <a:ext uri="{FF2B5EF4-FFF2-40B4-BE49-F238E27FC236}">
+                <a16:creationId xmlns:a16="http://schemas.microsoft.com/office/drawing/2014/main" id="{82DC2453-90AF-1420-F459-FBF11155FDC1}"/>
+              </a:ext>
+            </a:extLst>
+          </p:cNvPr>
           <p:cNvSpPr>
             <a:spLocks noGrp="1"/>
           </p:cNvSpPr>
@@ -37570,7 +37932,7 @@
           <a:p>
             <a:pPr algn="ctr"/>
             <a:r>
-              <a:rPr lang="nl-NL" sz="6500">
+              <a:rPr lang="nl-NL" sz="6500" dirty="0">
                 <a:solidFill>
                   <a:srgbClr val="00FF00"/>
                 </a:solidFill>
@@ -37580,7 +37942,7 @@
               <a:t>Section 6:</a:t>
             </a:r>
             <a:br>
-              <a:rPr lang="nl-NL" sz="6500">
+              <a:rPr lang="nl-NL" sz="6500" dirty="0">
                 <a:solidFill>
                   <a:srgbClr val="00FF00"/>
                 </a:solidFill>
@@ -37589,7 +37951,7 @@
               </a:rPr>
             </a:br>
             <a:br>
-              <a:rPr lang="nl-NL" sz="6500">
+              <a:rPr lang="nl-NL" sz="6500" dirty="0">
                 <a:solidFill>
                   <a:srgbClr val="00FF00"/>
                 </a:solidFill>
@@ -37598,29 +37960,22 @@
               </a:rPr>
             </a:br>
             <a:r>
-              <a:rPr lang="nl-NL" sz="6500">
+              <a:rPr lang="nl-NL" sz="6500" dirty="0">
                 <a:solidFill>
                   <a:srgbClr val="00FF00"/>
                 </a:solidFill>
                 <a:latin typeface="Courier New" panose="02070309020205020404" pitchFamily="49" charset="0"/>
                 <a:cs typeface="Courier New" panose="02070309020205020404" pitchFamily="49" charset="0"/>
               </a:rPr>
-              <a:t>Extending WireMock</a:t>
-            </a:r>
-            <a:endParaRPr lang="nl-NL" sz="6500" dirty="0">
-              <a:solidFill>
-                <a:srgbClr val="00FF00"/>
-              </a:solidFill>
-              <a:latin typeface="Courier New" panose="02070309020205020404" pitchFamily="49" charset="0"/>
-              <a:cs typeface="Courier New" panose="02070309020205020404" pitchFamily="49" charset="0"/>
-            </a:endParaRPr>
+              <a:t>Stub priority</a:t>
+            </a:r>
           </a:p>
         </p:txBody>
       </p:sp>
     </p:spTree>
     <p:extLst>
       <p:ext uri="{BB962C8B-B14F-4D97-AF65-F5344CB8AC3E}">
-        <p14:creationId xmlns:p14="http://schemas.microsoft.com/office/powerpoint/2010/main" val="938209673"/>
+        <p14:creationId xmlns:p14="http://schemas.microsoft.com/office/powerpoint/2010/main" val="1086566145"/>
       </p:ext>
     </p:extLst>
   </p:cSld>
@@ -38509,14 +38864,14 @@
           <a:p>
             <a:pPr lvl="0"/>
             <a:r>
-              <a:rPr lang="nl-NL">
-                <a:solidFill>
-                  <a:srgbClr val="00FF00"/>
-                </a:solidFill>
-                <a:latin typeface="Courier New" pitchFamily="49"/>
-                <a:cs typeface="Courier New" pitchFamily="49"/>
-              </a:rPr>
-              <a:t>Extending WireMock</a:t>
+              <a:rPr lang="nl-NL" dirty="0">
+                <a:solidFill>
+                  <a:srgbClr val="00FF00"/>
+                </a:solidFill>
+                <a:latin typeface="Courier New" pitchFamily="49"/>
+                <a:cs typeface="Courier New" pitchFamily="49"/>
+              </a:rPr>
+              <a:t>Defining stub priority</a:t>
             </a:r>
           </a:p>
         </p:txBody>
@@ -38537,7 +38892,12 @@
             <p:ph idx="1"/>
           </p:nvPr>
         </p:nvSpPr>
-        <p:spPr/>
+        <p:spPr>
+          <a:xfrm>
+            <a:off x="838202" y="1825627"/>
+            <a:ext cx="10976169" cy="4351336"/>
+          </a:xfrm>
+        </p:spPr>
         <p:txBody>
           <a:bodyPr>
             <a:normAutofit/>
@@ -38549,15 +38909,21 @@
               <a:buChar char="_"/>
             </a:pPr>
             <a:r>
-              <a:rPr lang="nl-NL">
-                <a:solidFill>
-                  <a:srgbClr val="00FF00"/>
-                </a:solidFill>
-                <a:latin typeface="Courier New" pitchFamily="49"/>
-                <a:cs typeface="Courier New" pitchFamily="49"/>
-              </a:rPr>
-              <a:t>In some cases, the default WireMock feature set might not fit your needs</a:t>
-            </a:r>
+              <a:rPr lang="nl-NL" dirty="0">
+                <a:solidFill>
+                  <a:srgbClr val="00FF00"/>
+                </a:solidFill>
+                <a:latin typeface="Courier New" pitchFamily="49"/>
+                <a:cs typeface="Courier New" pitchFamily="49"/>
+              </a:rPr>
+              <a:t>In some cases, you might want to tell WireMock to first evaluate an incoming request against one stub definition, before ‘passing it down’ to others</a:t>
+            </a:r>
+          </a:p>
+          <a:p>
+            <a:pPr lvl="0">
+              <a:buFont typeface="Courier New" pitchFamily="49"/>
+              <a:buChar char="_"/>
+            </a:pPr>
             <a:endParaRPr lang="nl-NL" dirty="0">
               <a:solidFill>
                 <a:srgbClr val="00FF00"/>
@@ -38571,6 +38937,22 @@
               <a:buFont typeface="Courier New" pitchFamily="49"/>
               <a:buChar char="_"/>
             </a:pPr>
+            <a:r>
+              <a:rPr lang="nl-NL" dirty="0">
+                <a:solidFill>
+                  <a:srgbClr val="00FF00"/>
+                </a:solidFill>
+                <a:latin typeface="Courier New" pitchFamily="49"/>
+                <a:cs typeface="Courier New" pitchFamily="49"/>
+              </a:rPr>
+              <a:t>You can enforce this with defining stub priority</a:t>
+            </a:r>
+          </a:p>
+          <a:p>
+            <a:pPr lvl="0">
+              <a:buFont typeface="Courier New" pitchFamily="49"/>
+              <a:buChar char="_"/>
+            </a:pPr>
             <a:endParaRPr lang="nl-NL" dirty="0">
               <a:solidFill>
                 <a:srgbClr val="00FF00"/>
@@ -38585,93 +38967,15 @@
               <a:buChar char="_"/>
             </a:pPr>
             <a:r>
-              <a:rPr lang="nl-NL">
-                <a:solidFill>
-                  <a:srgbClr val="00FF00"/>
-                </a:solidFill>
-                <a:latin typeface="Courier New" pitchFamily="49"/>
-                <a:cs typeface="Courier New" pitchFamily="49"/>
-              </a:rPr>
-              <a:t>WireMock is open to extensions</a:t>
-            </a:r>
-          </a:p>
-          <a:p>
-            <a:pPr lvl="0">
-              <a:buFont typeface="Courier New" pitchFamily="49"/>
-              <a:buChar char="_"/>
-            </a:pPr>
-            <a:endParaRPr lang="nl-NL">
-              <a:solidFill>
-                <a:srgbClr val="00FF00"/>
-              </a:solidFill>
-              <a:latin typeface="Courier New" pitchFamily="49"/>
-              <a:cs typeface="Courier New" pitchFamily="49"/>
-            </a:endParaRPr>
-          </a:p>
-          <a:p>
-            <a:pPr lvl="0">
-              <a:buFont typeface="Courier New" pitchFamily="49"/>
-              <a:buChar char="_"/>
-            </a:pPr>
-            <a:r>
-              <a:rPr lang="nl-NL">
-                <a:solidFill>
-                  <a:srgbClr val="00FF00"/>
-                </a:solidFill>
-                <a:latin typeface="Courier New" pitchFamily="49"/>
-                <a:cs typeface="Courier New" pitchFamily="49"/>
-              </a:rPr>
-              <a:t>Allows you to create even more powerful stubs</a:t>
-            </a:r>
-          </a:p>
-          <a:p>
-            <a:pPr lvl="0">
-              <a:buFont typeface="Courier New" pitchFamily="49"/>
-              <a:buChar char="_"/>
-            </a:pPr>
-            <a:endParaRPr lang="nl-NL">
-              <a:solidFill>
-                <a:srgbClr val="00FF00"/>
-              </a:solidFill>
-              <a:latin typeface="Courier New" pitchFamily="49"/>
-              <a:cs typeface="Courier New" pitchFamily="49"/>
-            </a:endParaRPr>
-          </a:p>
-          <a:p>
-            <a:pPr lvl="0">
-              <a:buFont typeface="Courier New" pitchFamily="49"/>
-              <a:buChar char="_"/>
-            </a:pPr>
-            <a:r>
-              <a:rPr lang="nl-NL">
-                <a:solidFill>
-                  <a:srgbClr val="00FF00"/>
-                </a:solidFill>
-                <a:latin typeface="Courier New" pitchFamily="49"/>
-                <a:cs typeface="Courier New" pitchFamily="49"/>
-              </a:rPr>
-              <a:t>Several options available</a:t>
-            </a:r>
-            <a:endParaRPr lang="nl-NL" dirty="0">
-              <a:solidFill>
-                <a:srgbClr val="00FF00"/>
-              </a:solidFill>
-              <a:latin typeface="Courier New" pitchFamily="49"/>
-              <a:cs typeface="Courier New" pitchFamily="49"/>
-            </a:endParaRPr>
-          </a:p>
-          <a:p>
-            <a:pPr lvl="0">
-              <a:buFont typeface="Courier New" pitchFamily="49"/>
-              <a:buChar char="_"/>
-            </a:pPr>
-            <a:endParaRPr lang="nl-NL" dirty="0">
-              <a:solidFill>
-                <a:srgbClr val="00FF00"/>
-              </a:solidFill>
-              <a:latin typeface="Courier New" pitchFamily="49"/>
-              <a:cs typeface="Courier New" pitchFamily="49"/>
-            </a:endParaRPr>
+              <a:rPr lang="nl-NL" dirty="0">
+                <a:solidFill>
+                  <a:srgbClr val="00FF00"/>
+                </a:solidFill>
+                <a:latin typeface="Courier New" pitchFamily="49"/>
+                <a:cs typeface="Courier New" pitchFamily="49"/>
+              </a:rPr>
+              <a:t>1 is highest priority, Integer.MAX_VALUE is lowest priority</a:t>
+            </a:r>
           </a:p>
           <a:p>
             <a:pPr lvl="0">
@@ -38741,6 +39045,965 @@
 </file>
 
 <file path=ppt/slides/slide61.xml><?xml version="1.0" encoding="utf-8"?>
+<p:sld xmlns:a="http://schemas.openxmlformats.org/drawingml/2006/main" xmlns:r="http://schemas.openxmlformats.org/officeDocument/2006/relationships" xmlns:p="http://schemas.openxmlformats.org/presentationml/2006/main">
+  <p:cSld>
+    <p:bg>
+      <p:bgPr>
+        <a:solidFill>
+          <a:srgbClr val="000000"/>
+        </a:solidFill>
+        <a:effectLst/>
+      </p:bgPr>
+    </p:bg>
+    <p:spTree>
+      <p:nvGrpSpPr>
+        <p:cNvPr id="1" name=""/>
+        <p:cNvGrpSpPr/>
+        <p:nvPr/>
+      </p:nvGrpSpPr>
+      <p:grpSpPr>
+        <a:xfrm>
+          <a:off x="0" y="0"/>
+          <a:ext cx="0" cy="0"/>
+          <a:chOff x="0" y="0"/>
+          <a:chExt cx="0" cy="0"/>
+        </a:xfrm>
+      </p:grpSpPr>
+      <p:pic>
+        <p:nvPicPr>
+          <p:cNvPr id="7" name="Picture 6" descr="A screen shot of a computer program&#10;&#10;AI-generated content may be incorrect.">
+            <a:extLst>
+              <a:ext uri="{FF2B5EF4-FFF2-40B4-BE49-F238E27FC236}">
+                <a16:creationId xmlns:a16="http://schemas.microsoft.com/office/drawing/2014/main" id="{3A7992B6-F251-751E-F556-95026952C6BF}"/>
+              </a:ext>
+            </a:extLst>
+          </p:cNvPr>
+          <p:cNvPicPr>
+            <a:picLocks noChangeAspect="1"/>
+          </p:cNvPicPr>
+          <p:nvPr/>
+        </p:nvPicPr>
+        <p:blipFill>
+          <a:blip r:embed="rId2"/>
+          <a:stretch>
+            <a:fillRect/>
+          </a:stretch>
+        </p:blipFill>
+        <p:spPr>
+          <a:xfrm>
+            <a:off x="1559286" y="759664"/>
+            <a:ext cx="9073427" cy="6026279"/>
+          </a:xfrm>
+          <a:prstGeom prst="rect">
+            <a:avLst/>
+          </a:prstGeom>
+        </p:spPr>
+      </p:pic>
+      <p:sp>
+        <p:nvSpPr>
+          <p:cNvPr id="2" name="Title 1">
+            <a:extLst>
+              <a:ext uri="{FF2B5EF4-FFF2-40B4-BE49-F238E27FC236}">
+                <a16:creationId xmlns:a16="http://schemas.microsoft.com/office/drawing/2014/main" id="{285D9D1D-CF0E-444D-BF61-6E6E92619F56}"/>
+              </a:ext>
+            </a:extLst>
+          </p:cNvPr>
+          <p:cNvSpPr txBox="1">
+            <a:spLocks noGrp="1"/>
+          </p:cNvSpPr>
+          <p:nvPr>
+            <p:ph type="title"/>
+          </p:nvPr>
+        </p:nvSpPr>
+        <p:spPr>
+          <a:xfrm>
+            <a:off x="838203" y="0"/>
+            <a:ext cx="10515600" cy="759664"/>
+          </a:xfrm>
+        </p:spPr>
+        <p:txBody>
+          <a:bodyPr/>
+          <a:lstStyle/>
+          <a:p>
+            <a:pPr lvl="0"/>
+            <a:r>
+              <a:rPr lang="nl-NL" dirty="0">
+                <a:solidFill>
+                  <a:srgbClr val="00FF00"/>
+                </a:solidFill>
+                <a:latin typeface="Courier New" pitchFamily="49"/>
+                <a:cs typeface="Courier New" pitchFamily="49"/>
+              </a:rPr>
+              <a:t>Stub priority – example</a:t>
+            </a:r>
+          </a:p>
+        </p:txBody>
+      </p:sp>
+      <p:sp>
+        <p:nvSpPr>
+          <p:cNvPr id="5" name="Ovaal 4">
+            <a:extLst>
+              <a:ext uri="{FF2B5EF4-FFF2-40B4-BE49-F238E27FC236}">
+                <a16:creationId xmlns:a16="http://schemas.microsoft.com/office/drawing/2014/main" id="{7566FA77-F59C-4D49-A5D1-5342A333AA34}"/>
+              </a:ext>
+            </a:extLst>
+          </p:cNvPr>
+          <p:cNvSpPr/>
+          <p:nvPr/>
+        </p:nvSpPr>
+        <p:spPr>
+          <a:xfrm>
+            <a:off x="2777312" y="1610573"/>
+            <a:ext cx="2660534" cy="406401"/>
+          </a:xfrm>
+          <a:prstGeom prst="ellipse">
+            <a:avLst/>
+          </a:prstGeom>
+          <a:noFill/>
+          <a:ln w="38100">
+            <a:solidFill>
+              <a:srgbClr val="00FF00"/>
+            </a:solidFill>
+          </a:ln>
+        </p:spPr>
+        <p:style>
+          <a:lnRef idx="2">
+            <a:schemeClr val="accent1">
+              <a:shade val="50000"/>
+            </a:schemeClr>
+          </a:lnRef>
+          <a:fillRef idx="1">
+            <a:schemeClr val="accent1"/>
+          </a:fillRef>
+          <a:effectRef idx="0">
+            <a:schemeClr val="accent1"/>
+          </a:effectRef>
+          <a:fontRef idx="minor">
+            <a:schemeClr val="lt1"/>
+          </a:fontRef>
+        </p:style>
+        <p:txBody>
+          <a:bodyPr rtlCol="0" anchor="ctr"/>
+          <a:lstStyle/>
+          <a:p>
+            <a:pPr marL="0" marR="0" lvl="0" indent="0" algn="ctr" defTabSz="914400" rtl="0" eaLnBrk="1" fontAlgn="auto" latinLnBrk="0" hangingPunct="1">
+              <a:lnSpc>
+                <a:spcPct val="100000"/>
+              </a:lnSpc>
+              <a:spcBef>
+                <a:spcPts val="0"/>
+              </a:spcBef>
+              <a:spcAft>
+                <a:spcPts val="0"/>
+              </a:spcAft>
+              <a:buClrTx/>
+              <a:buSzTx/>
+              <a:buFontTx/>
+              <a:buNone/>
+              <a:tabLst/>
+              <a:defRPr/>
+            </a:pPr>
+            <a:endParaRPr kumimoji="0" lang="en-NL" sz="1800" b="0" i="0" u="none" strike="noStrike" kern="1200" cap="none" spc="0" normalizeH="0" baseline="0" noProof="0">
+              <a:ln>
+                <a:noFill/>
+              </a:ln>
+              <a:solidFill>
+                <a:prstClr val="white"/>
+              </a:solidFill>
+              <a:effectLst/>
+              <a:uLnTx/>
+              <a:uFillTx/>
+              <a:latin typeface="Calibri" panose="020F0502020204030204"/>
+              <a:ea typeface="+mn-ea"/>
+              <a:cs typeface="+mn-cs"/>
+            </a:endParaRPr>
+          </a:p>
+        </p:txBody>
+      </p:sp>
+      <p:sp>
+        <p:nvSpPr>
+          <p:cNvPr id="6" name="Tekstvak 5">
+            <a:extLst>
+              <a:ext uri="{FF2B5EF4-FFF2-40B4-BE49-F238E27FC236}">
+                <a16:creationId xmlns:a16="http://schemas.microsoft.com/office/drawing/2014/main" id="{66B06C55-4104-46D9-A3E8-AA130927BFDA}"/>
+              </a:ext>
+            </a:extLst>
+          </p:cNvPr>
+          <p:cNvSpPr txBox="1"/>
+          <p:nvPr/>
+        </p:nvSpPr>
+        <p:spPr>
+          <a:xfrm>
+            <a:off x="5539316" y="1693808"/>
+            <a:ext cx="6040388" cy="646331"/>
+          </a:xfrm>
+          <a:prstGeom prst="rect">
+            <a:avLst/>
+          </a:prstGeom>
+          <a:noFill/>
+        </p:spPr>
+        <p:txBody>
+          <a:bodyPr wrap="square" rtlCol="0">
+            <a:spAutoFit/>
+          </a:bodyPr>
+          <a:lstStyle/>
+          <a:p>
+            <a:pPr marL="0" marR="0" lvl="0" indent="0" algn="l" defTabSz="914400" rtl="0" eaLnBrk="1" fontAlgn="auto" latinLnBrk="0" hangingPunct="1">
+              <a:lnSpc>
+                <a:spcPct val="100000"/>
+              </a:lnSpc>
+              <a:spcBef>
+                <a:spcPts val="0"/>
+              </a:spcBef>
+              <a:spcAft>
+                <a:spcPts val="0"/>
+              </a:spcAft>
+              <a:buClrTx/>
+              <a:buSzTx/>
+              <a:buFontTx/>
+              <a:buNone/>
+              <a:tabLst/>
+              <a:defRPr/>
+            </a:pPr>
+            <a:r>
+              <a:rPr kumimoji="0" lang="en-US" sz="1800" b="0" i="0" u="none" strike="noStrike" kern="1200" cap="none" spc="0" normalizeH="0" baseline="0" noProof="0" dirty="0" err="1">
+                <a:ln>
+                  <a:noFill/>
+                </a:ln>
+                <a:solidFill>
+                  <a:srgbClr val="00FF00"/>
+                </a:solidFill>
+                <a:effectLst/>
+                <a:uLnTx/>
+                <a:uFillTx/>
+                <a:latin typeface="Courier New" panose="02070309020205020404" pitchFamily="49" charset="0"/>
+                <a:ea typeface="+mn-ea"/>
+                <a:cs typeface="Courier New" panose="02070309020205020404" pitchFamily="49" charset="0"/>
+              </a:rPr>
+              <a:t>WireMock</a:t>
+            </a:r>
+            <a:r>
+              <a:rPr kumimoji="0" lang="en-US" sz="1800" b="0" i="0" u="none" strike="noStrike" kern="1200" cap="none" spc="0" normalizeH="0" baseline="0" noProof="0" dirty="0">
+                <a:ln>
+                  <a:noFill/>
+                </a:ln>
+                <a:solidFill>
+                  <a:srgbClr val="00FF00"/>
+                </a:solidFill>
+                <a:effectLst/>
+                <a:uLnTx/>
+                <a:uFillTx/>
+                <a:latin typeface="Courier New" panose="02070309020205020404" pitchFamily="49" charset="0"/>
+                <a:ea typeface="+mn-ea"/>
+                <a:cs typeface="Courier New" panose="02070309020205020404" pitchFamily="49" charset="0"/>
+              </a:rPr>
+              <a:t> will match the incoming request with this stub</a:t>
+            </a:r>
+            <a:r>
+              <a:rPr kumimoji="0" lang="en-US" sz="1800" b="0" i="0" u="none" strike="noStrike" kern="1200" cap="none" spc="0" normalizeH="0" noProof="0" dirty="0">
+                <a:ln>
+                  <a:noFill/>
+                </a:ln>
+                <a:solidFill>
+                  <a:srgbClr val="00FF00"/>
+                </a:solidFill>
+                <a:effectLst/>
+                <a:uLnTx/>
+                <a:uFillTx/>
+                <a:latin typeface="Courier New" panose="02070309020205020404" pitchFamily="49" charset="0"/>
+                <a:ea typeface="+mn-ea"/>
+                <a:cs typeface="Courier New" panose="02070309020205020404" pitchFamily="49" charset="0"/>
+              </a:rPr>
+              <a:t> definition first…</a:t>
+            </a:r>
+            <a:endParaRPr kumimoji="0" lang="en-NL" sz="1800" b="0" i="0" u="none" strike="noStrike" kern="1200" cap="none" spc="0" normalizeH="0" baseline="0" noProof="0" dirty="0">
+              <a:ln>
+                <a:noFill/>
+              </a:ln>
+              <a:solidFill>
+                <a:srgbClr val="00FF00"/>
+              </a:solidFill>
+              <a:effectLst/>
+              <a:uLnTx/>
+              <a:uFillTx/>
+              <a:latin typeface="Courier New" panose="02070309020205020404" pitchFamily="49" charset="0"/>
+              <a:ea typeface="+mn-ea"/>
+              <a:cs typeface="Courier New" panose="02070309020205020404" pitchFamily="49" charset="0"/>
+            </a:endParaRPr>
+          </a:p>
+        </p:txBody>
+      </p:sp>
+      <p:sp>
+        <p:nvSpPr>
+          <p:cNvPr id="8" name="Ovaal 4">
+            <a:extLst>
+              <a:ext uri="{FF2B5EF4-FFF2-40B4-BE49-F238E27FC236}">
+                <a16:creationId xmlns:a16="http://schemas.microsoft.com/office/drawing/2014/main" id="{28B053E1-A962-3039-A0DD-C46272734CF9}"/>
+              </a:ext>
+            </a:extLst>
+          </p:cNvPr>
+          <p:cNvSpPr/>
+          <p:nvPr/>
+        </p:nvSpPr>
+        <p:spPr>
+          <a:xfrm>
+            <a:off x="2855067" y="4310230"/>
+            <a:ext cx="2660534" cy="406401"/>
+          </a:xfrm>
+          <a:prstGeom prst="ellipse">
+            <a:avLst/>
+          </a:prstGeom>
+          <a:noFill/>
+          <a:ln w="38100">
+            <a:solidFill>
+              <a:srgbClr val="00FF00"/>
+            </a:solidFill>
+          </a:ln>
+        </p:spPr>
+        <p:style>
+          <a:lnRef idx="2">
+            <a:schemeClr val="accent1">
+              <a:shade val="50000"/>
+            </a:schemeClr>
+          </a:lnRef>
+          <a:fillRef idx="1">
+            <a:schemeClr val="accent1"/>
+          </a:fillRef>
+          <a:effectRef idx="0">
+            <a:schemeClr val="accent1"/>
+          </a:effectRef>
+          <a:fontRef idx="minor">
+            <a:schemeClr val="lt1"/>
+          </a:fontRef>
+        </p:style>
+        <p:txBody>
+          <a:bodyPr rtlCol="0" anchor="ctr"/>
+          <a:lstStyle/>
+          <a:p>
+            <a:pPr marL="0" marR="0" lvl="0" indent="0" algn="ctr" defTabSz="914400" rtl="0" eaLnBrk="1" fontAlgn="auto" latinLnBrk="0" hangingPunct="1">
+              <a:lnSpc>
+                <a:spcPct val="100000"/>
+              </a:lnSpc>
+              <a:spcBef>
+                <a:spcPts val="0"/>
+              </a:spcBef>
+              <a:spcAft>
+                <a:spcPts val="0"/>
+              </a:spcAft>
+              <a:buClrTx/>
+              <a:buSzTx/>
+              <a:buFontTx/>
+              <a:buNone/>
+              <a:tabLst/>
+              <a:defRPr/>
+            </a:pPr>
+            <a:endParaRPr kumimoji="0" lang="en-NL" sz="1800" b="0" i="0" u="none" strike="noStrike" kern="1200" cap="none" spc="0" normalizeH="0" baseline="0" noProof="0">
+              <a:ln>
+                <a:noFill/>
+              </a:ln>
+              <a:solidFill>
+                <a:prstClr val="white"/>
+              </a:solidFill>
+              <a:effectLst/>
+              <a:uLnTx/>
+              <a:uFillTx/>
+              <a:latin typeface="Calibri" panose="020F0502020204030204"/>
+              <a:ea typeface="+mn-ea"/>
+              <a:cs typeface="+mn-cs"/>
+            </a:endParaRPr>
+          </a:p>
+        </p:txBody>
+      </p:sp>
+      <p:sp>
+        <p:nvSpPr>
+          <p:cNvPr id="9" name="Tekstvak 5">
+            <a:extLst>
+              <a:ext uri="{FF2B5EF4-FFF2-40B4-BE49-F238E27FC236}">
+                <a16:creationId xmlns:a16="http://schemas.microsoft.com/office/drawing/2014/main" id="{E1E75A52-7151-3630-483A-CD68EC964A28}"/>
+              </a:ext>
+            </a:extLst>
+          </p:cNvPr>
+          <p:cNvSpPr txBox="1"/>
+          <p:nvPr/>
+        </p:nvSpPr>
+        <p:spPr>
+          <a:xfrm>
+            <a:off x="5617071" y="4393465"/>
+            <a:ext cx="6040388" cy="646331"/>
+          </a:xfrm>
+          <a:prstGeom prst="rect">
+            <a:avLst/>
+          </a:prstGeom>
+          <a:noFill/>
+        </p:spPr>
+        <p:txBody>
+          <a:bodyPr wrap="square" rtlCol="0">
+            <a:spAutoFit/>
+          </a:bodyPr>
+          <a:lstStyle/>
+          <a:p>
+            <a:pPr marL="0" marR="0" lvl="0" indent="0" algn="l" defTabSz="914400" rtl="0" eaLnBrk="1" fontAlgn="auto" latinLnBrk="0" hangingPunct="1">
+              <a:lnSpc>
+                <a:spcPct val="100000"/>
+              </a:lnSpc>
+              <a:spcBef>
+                <a:spcPts val="0"/>
+              </a:spcBef>
+              <a:spcAft>
+                <a:spcPts val="0"/>
+              </a:spcAft>
+              <a:buClrTx/>
+              <a:buSzTx/>
+              <a:buFontTx/>
+              <a:buNone/>
+              <a:tabLst/>
+              <a:defRPr/>
+            </a:pPr>
+            <a:r>
+              <a:rPr kumimoji="0" lang="en-US" sz="1800" b="0" i="0" u="none" strike="noStrike" kern="1200" cap="none" spc="0" normalizeH="0" baseline="0" noProof="0" dirty="0">
+                <a:ln>
+                  <a:noFill/>
+                </a:ln>
+                <a:solidFill>
+                  <a:srgbClr val="00FF00"/>
+                </a:solidFill>
+                <a:effectLst/>
+                <a:uLnTx/>
+                <a:uFillTx/>
+                <a:latin typeface="Courier New" panose="02070309020205020404" pitchFamily="49" charset="0"/>
+                <a:ea typeface="+mn-ea"/>
+                <a:cs typeface="Courier New" panose="02070309020205020404" pitchFamily="49" charset="0"/>
+              </a:rPr>
+              <a:t>… before moving on to matching it against this stub definition</a:t>
+            </a:r>
+            <a:endParaRPr kumimoji="0" lang="en-NL" sz="1800" b="0" i="0" u="none" strike="noStrike" kern="1200" cap="none" spc="0" normalizeH="0" baseline="0" noProof="0" dirty="0">
+              <a:ln>
+                <a:noFill/>
+              </a:ln>
+              <a:solidFill>
+                <a:srgbClr val="00FF00"/>
+              </a:solidFill>
+              <a:effectLst/>
+              <a:uLnTx/>
+              <a:uFillTx/>
+              <a:latin typeface="Courier New" panose="02070309020205020404" pitchFamily="49" charset="0"/>
+              <a:ea typeface="+mn-ea"/>
+              <a:cs typeface="Courier New" panose="02070309020205020404" pitchFamily="49" charset="0"/>
+            </a:endParaRPr>
+          </a:p>
+        </p:txBody>
+      </p:sp>
+    </p:spTree>
+    <p:extLst>
+      <p:ext uri="{BB962C8B-B14F-4D97-AF65-F5344CB8AC3E}">
+        <p14:creationId xmlns:p14="http://schemas.microsoft.com/office/powerpoint/2010/main" val="721960746"/>
+      </p:ext>
+    </p:extLst>
+  </p:cSld>
+  <p:clrMapOvr>
+    <a:masterClrMapping/>
+  </p:clrMapOvr>
+  <p:timing>
+    <p:tnLst>
+      <p:par>
+        <p:cTn id="1" dur="indefinite" restart="never" nodeType="tmRoot">
+          <p:childTnLst>
+            <p:seq concurrent="1" nextAc="seek">
+              <p:cTn id="2" dur="indefinite" nodeType="mainSeq">
+                <p:childTnLst>
+                  <p:par>
+                    <p:cTn id="3" fill="hold">
+                      <p:stCondLst>
+                        <p:cond delay="indefinite"/>
+                      </p:stCondLst>
+                      <p:childTnLst>
+                        <p:par>
+                          <p:cTn id="4" fill="hold">
+                            <p:stCondLst>
+                              <p:cond delay="0"/>
+                            </p:stCondLst>
+                            <p:childTnLst>
+                              <p:par>
+                                <p:cTn id="5" presetID="1" presetClass="entr" presetSubtype="0" fill="hold" grpId="0" nodeType="clickEffect">
+                                  <p:stCondLst>
+                                    <p:cond delay="0"/>
+                                  </p:stCondLst>
+                                  <p:childTnLst>
+                                    <p:set>
+                                      <p:cBhvr>
+                                        <p:cTn id="6" dur="1" fill="hold">
+                                          <p:stCondLst>
+                                            <p:cond delay="0"/>
+                                          </p:stCondLst>
+                                        </p:cTn>
+                                        <p:tgtEl>
+                                          <p:spTgt spid="5"/>
+                                        </p:tgtEl>
+                                        <p:attrNameLst>
+                                          <p:attrName>style.visibility</p:attrName>
+                                        </p:attrNameLst>
+                                      </p:cBhvr>
+                                      <p:to>
+                                        <p:strVal val="visible"/>
+                                      </p:to>
+                                    </p:set>
+                                  </p:childTnLst>
+                                </p:cTn>
+                              </p:par>
+                              <p:par>
+                                <p:cTn id="7" presetID="1" presetClass="entr" presetSubtype="0" fill="hold" grpId="0" nodeType="withEffect">
+                                  <p:stCondLst>
+                                    <p:cond delay="0"/>
+                                  </p:stCondLst>
+                                  <p:childTnLst>
+                                    <p:set>
+                                      <p:cBhvr>
+                                        <p:cTn id="8" dur="1" fill="hold">
+                                          <p:stCondLst>
+                                            <p:cond delay="0"/>
+                                          </p:stCondLst>
+                                        </p:cTn>
+                                        <p:tgtEl>
+                                          <p:spTgt spid="6"/>
+                                        </p:tgtEl>
+                                        <p:attrNameLst>
+                                          <p:attrName>style.visibility</p:attrName>
+                                        </p:attrNameLst>
+                                      </p:cBhvr>
+                                      <p:to>
+                                        <p:strVal val="visible"/>
+                                      </p:to>
+                                    </p:set>
+                                  </p:childTnLst>
+                                </p:cTn>
+                              </p:par>
+                            </p:childTnLst>
+                          </p:cTn>
+                        </p:par>
+                      </p:childTnLst>
+                    </p:cTn>
+                  </p:par>
+                  <p:par>
+                    <p:cTn id="9" fill="hold">
+                      <p:stCondLst>
+                        <p:cond delay="indefinite"/>
+                      </p:stCondLst>
+                      <p:childTnLst>
+                        <p:par>
+                          <p:cTn id="10" fill="hold">
+                            <p:stCondLst>
+                              <p:cond delay="0"/>
+                            </p:stCondLst>
+                            <p:childTnLst>
+                              <p:par>
+                                <p:cTn id="11" presetID="1" presetClass="entr" presetSubtype="0" fill="hold" grpId="0" nodeType="clickEffect">
+                                  <p:stCondLst>
+                                    <p:cond delay="0"/>
+                                  </p:stCondLst>
+                                  <p:childTnLst>
+                                    <p:set>
+                                      <p:cBhvr>
+                                        <p:cTn id="12" dur="1" fill="hold">
+                                          <p:stCondLst>
+                                            <p:cond delay="0"/>
+                                          </p:stCondLst>
+                                        </p:cTn>
+                                        <p:tgtEl>
+                                          <p:spTgt spid="8"/>
+                                        </p:tgtEl>
+                                        <p:attrNameLst>
+                                          <p:attrName>style.visibility</p:attrName>
+                                        </p:attrNameLst>
+                                      </p:cBhvr>
+                                      <p:to>
+                                        <p:strVal val="visible"/>
+                                      </p:to>
+                                    </p:set>
+                                  </p:childTnLst>
+                                </p:cTn>
+                              </p:par>
+                              <p:par>
+                                <p:cTn id="13" presetID="1" presetClass="entr" presetSubtype="0" fill="hold" grpId="0" nodeType="withEffect">
+                                  <p:stCondLst>
+                                    <p:cond delay="0"/>
+                                  </p:stCondLst>
+                                  <p:childTnLst>
+                                    <p:set>
+                                      <p:cBhvr>
+                                        <p:cTn id="14" dur="1" fill="hold">
+                                          <p:stCondLst>
+                                            <p:cond delay="0"/>
+                                          </p:stCondLst>
+                                        </p:cTn>
+                                        <p:tgtEl>
+                                          <p:spTgt spid="9"/>
+                                        </p:tgtEl>
+                                        <p:attrNameLst>
+                                          <p:attrName>style.visibility</p:attrName>
+                                        </p:attrNameLst>
+                                      </p:cBhvr>
+                                      <p:to>
+                                        <p:strVal val="visible"/>
+                                      </p:to>
+                                    </p:set>
+                                  </p:childTnLst>
+                                </p:cTn>
+                              </p:par>
+                            </p:childTnLst>
+                          </p:cTn>
+                        </p:par>
+                      </p:childTnLst>
+                    </p:cTn>
+                  </p:par>
+                </p:childTnLst>
+              </p:cTn>
+              <p:prevCondLst>
+                <p:cond evt="onPrev" delay="0">
+                  <p:tgtEl>
+                    <p:sldTgt/>
+                  </p:tgtEl>
+                </p:cond>
+              </p:prevCondLst>
+              <p:nextCondLst>
+                <p:cond evt="onNext" delay="0">
+                  <p:tgtEl>
+                    <p:sldTgt/>
+                  </p:tgtEl>
+                </p:cond>
+              </p:nextCondLst>
+            </p:seq>
+          </p:childTnLst>
+        </p:cTn>
+      </p:par>
+    </p:tnLst>
+    <p:bldLst>
+      <p:bldP spid="5" grpId="0" animBg="1"/>
+      <p:bldP spid="6" grpId="0"/>
+      <p:bldP spid="8" grpId="0" animBg="1"/>
+      <p:bldP spid="9" grpId="0"/>
+    </p:bldLst>
+  </p:timing>
+</p:sld>
+</file>
+
+<file path=ppt/slides/slide62.xml><?xml version="1.0" encoding="utf-8"?>
+<p:sld xmlns:a="http://schemas.openxmlformats.org/drawingml/2006/main" xmlns:r="http://schemas.openxmlformats.org/officeDocument/2006/relationships" xmlns:p="http://schemas.openxmlformats.org/presentationml/2006/main">
+  <p:cSld>
+    <p:bg>
+      <p:bgPr>
+        <a:solidFill>
+          <a:srgbClr val="000000"/>
+        </a:solidFill>
+        <a:effectLst/>
+      </p:bgPr>
+    </p:bg>
+    <p:spTree>
+      <p:nvGrpSpPr>
+        <p:cNvPr id="1" name="">
+          <a:extLst>
+            <a:ext uri="{FF2B5EF4-FFF2-40B4-BE49-F238E27FC236}">
+              <a16:creationId xmlns:a16="http://schemas.microsoft.com/office/drawing/2014/main" id="{7C9B3F20-29F1-3714-3820-9FE1CEEB485A}"/>
+            </a:ext>
+          </a:extLst>
+        </p:cNvPr>
+        <p:cNvGrpSpPr/>
+        <p:nvPr/>
+      </p:nvGrpSpPr>
+      <p:grpSpPr>
+        <a:xfrm>
+          <a:off x="0" y="0"/>
+          <a:ext cx="0" cy="0"/>
+          <a:chOff x="0" y="0"/>
+          <a:chExt cx="0" cy="0"/>
+        </a:xfrm>
+      </p:grpSpPr>
+      <p:sp>
+        <p:nvSpPr>
+          <p:cNvPr id="2" name="Title 1">
+            <a:extLst>
+              <a:ext uri="{FF2B5EF4-FFF2-40B4-BE49-F238E27FC236}">
+                <a16:creationId xmlns:a16="http://schemas.microsoft.com/office/drawing/2014/main" id="{EE93AE6B-AE68-B479-A006-4FD5C65A514F}"/>
+              </a:ext>
+            </a:extLst>
+          </p:cNvPr>
+          <p:cNvSpPr txBox="1">
+            <a:spLocks noGrp="1"/>
+          </p:cNvSpPr>
+          <p:nvPr>
+            <p:ph type="title"/>
+          </p:nvPr>
+        </p:nvSpPr>
+        <p:spPr>
+          <a:xfrm>
+            <a:off x="838200" y="111129"/>
+            <a:ext cx="10515600" cy="721991"/>
+          </a:xfrm>
+        </p:spPr>
+        <p:txBody>
+          <a:bodyPr/>
+          <a:lstStyle/>
+          <a:p>
+            <a:pPr lvl="0"/>
+            <a:r>
+              <a:rPr lang="nl-NL">
+                <a:solidFill>
+                  <a:srgbClr val="00FF00"/>
+                </a:solidFill>
+                <a:latin typeface="Courier New" pitchFamily="49"/>
+                <a:cs typeface="Courier New" pitchFamily="49"/>
+              </a:rPr>
+              <a:t>Now it’s your turn!</a:t>
+            </a:r>
+            <a:endParaRPr lang="nl-NL" dirty="0">
+              <a:solidFill>
+                <a:srgbClr val="00FF00"/>
+              </a:solidFill>
+              <a:latin typeface="Courier New" pitchFamily="49"/>
+              <a:cs typeface="Courier New" pitchFamily="49"/>
+            </a:endParaRPr>
+          </a:p>
+        </p:txBody>
+      </p:sp>
+      <p:sp>
+        <p:nvSpPr>
+          <p:cNvPr id="3" name="Content Placeholder 2">
+            <a:extLst>
+              <a:ext uri="{FF2B5EF4-FFF2-40B4-BE49-F238E27FC236}">
+                <a16:creationId xmlns:a16="http://schemas.microsoft.com/office/drawing/2014/main" id="{B187EA38-A91D-EE48-7059-568A6D1B7455}"/>
+              </a:ext>
+            </a:extLst>
+          </p:cNvPr>
+          <p:cNvSpPr txBox="1">
+            <a:spLocks noGrp="1"/>
+          </p:cNvSpPr>
+          <p:nvPr>
+            <p:ph idx="1"/>
+          </p:nvPr>
+        </p:nvSpPr>
+        <p:spPr>
+          <a:xfrm>
+            <a:off x="838200" y="1307466"/>
+            <a:ext cx="10977877" cy="5032373"/>
+          </a:xfrm>
+        </p:spPr>
+        <p:txBody>
+          <a:bodyPr>
+            <a:normAutofit fontScale="92500"/>
+          </a:bodyPr>
+          <a:lstStyle/>
+          <a:p>
+            <a:pPr lvl="0">
+              <a:buFont typeface="Courier New" pitchFamily="49"/>
+              <a:buChar char="_"/>
+            </a:pPr>
+            <a:r>
+              <a:rPr lang="nl-NL" dirty="0">
+                <a:solidFill>
+                  <a:srgbClr val="00FF00"/>
+                </a:solidFill>
+                <a:latin typeface="Courier New" pitchFamily="49"/>
+                <a:cs typeface="Courier New" pitchFamily="49"/>
+              </a:rPr>
+              <a:t>exercises &gt; WireMockExercises6Test.java</a:t>
+            </a:r>
+          </a:p>
+          <a:p>
+            <a:pPr lvl="0">
+              <a:buFont typeface="Courier New" pitchFamily="49"/>
+              <a:buChar char="_"/>
+            </a:pPr>
+            <a:endParaRPr lang="nl-NL" dirty="0">
+              <a:solidFill>
+                <a:srgbClr val="00FF00"/>
+              </a:solidFill>
+              <a:latin typeface="Courier New" pitchFamily="49"/>
+              <a:cs typeface="Courier New" pitchFamily="49"/>
+            </a:endParaRPr>
+          </a:p>
+          <a:p>
+            <a:pPr lvl="0">
+              <a:buFont typeface="Courier New" pitchFamily="49"/>
+              <a:buChar char="_"/>
+            </a:pPr>
+            <a:r>
+              <a:rPr lang="nl-NL" dirty="0">
+                <a:solidFill>
+                  <a:srgbClr val="00FF00"/>
+                </a:solidFill>
+                <a:latin typeface="Courier New" pitchFamily="49"/>
+                <a:cs typeface="Courier New" pitchFamily="49"/>
+              </a:rPr>
+              <a:t>Define two stub definitions and assign the required priority to both of them</a:t>
+            </a:r>
+          </a:p>
+          <a:p>
+            <a:pPr lvl="0">
+              <a:buFont typeface="Courier New" pitchFamily="49"/>
+              <a:buChar char="_"/>
+            </a:pPr>
+            <a:endParaRPr lang="nl-NL" dirty="0">
+              <a:solidFill>
+                <a:srgbClr val="00FF00"/>
+              </a:solidFill>
+              <a:latin typeface="Courier New" pitchFamily="49"/>
+              <a:cs typeface="Courier New" pitchFamily="49"/>
+            </a:endParaRPr>
+          </a:p>
+          <a:p>
+            <a:pPr lvl="0">
+              <a:buFont typeface="Courier New" pitchFamily="49"/>
+              <a:buChar char="_"/>
+            </a:pPr>
+            <a:r>
+              <a:rPr lang="nl-NL" dirty="0">
+                <a:solidFill>
+                  <a:srgbClr val="00FF00"/>
+                </a:solidFill>
+                <a:latin typeface="Courier New" pitchFamily="49"/>
+                <a:cs typeface="Courier New" pitchFamily="49"/>
+              </a:rPr>
+              <a:t>Verify your solution by running the tests</a:t>
+            </a:r>
+          </a:p>
+          <a:p>
+            <a:pPr lvl="0">
+              <a:buFont typeface="Courier New" pitchFamily="49"/>
+              <a:buChar char="_"/>
+            </a:pPr>
+            <a:endParaRPr lang="nl-NL" dirty="0">
+              <a:solidFill>
+                <a:srgbClr val="00FF00"/>
+              </a:solidFill>
+              <a:latin typeface="Courier New" pitchFamily="49"/>
+              <a:cs typeface="Courier New" pitchFamily="49"/>
+            </a:endParaRPr>
+          </a:p>
+          <a:p>
+            <a:pPr lvl="0">
+              <a:buFont typeface="Courier New" pitchFamily="49"/>
+              <a:buChar char="_"/>
+            </a:pPr>
+            <a:r>
+              <a:rPr lang="nl-NL" dirty="0">
+                <a:solidFill>
+                  <a:srgbClr val="00FF00"/>
+                </a:solidFill>
+                <a:latin typeface="Courier New" pitchFamily="49"/>
+                <a:cs typeface="Courier New" pitchFamily="49"/>
+              </a:rPr>
+              <a:t>Answers are in answers &gt; WireMockAnswers6Test.java</a:t>
+            </a:r>
+          </a:p>
+          <a:p>
+            <a:pPr lvl="0">
+              <a:buFont typeface="Courier New" pitchFamily="49"/>
+              <a:buChar char="_"/>
+            </a:pPr>
+            <a:endParaRPr lang="nl-NL" dirty="0">
+              <a:solidFill>
+                <a:srgbClr val="00FF00"/>
+              </a:solidFill>
+              <a:latin typeface="Courier New" pitchFamily="49"/>
+              <a:cs typeface="Courier New" pitchFamily="49"/>
+            </a:endParaRPr>
+          </a:p>
+          <a:p>
+            <a:pPr lvl="0">
+              <a:buFont typeface="Courier New" pitchFamily="49"/>
+              <a:buChar char="_"/>
+            </a:pPr>
+            <a:r>
+              <a:rPr lang="nl-NL" dirty="0">
+                <a:solidFill>
+                  <a:srgbClr val="00FF00"/>
+                </a:solidFill>
+                <a:latin typeface="Courier New" pitchFamily="49"/>
+                <a:cs typeface="Courier New" pitchFamily="49"/>
+              </a:rPr>
+              <a:t>Examples are in examples &gt; WireMockExamples6Test.java</a:t>
+            </a:r>
+          </a:p>
+          <a:p>
+            <a:pPr lvl="0">
+              <a:buFont typeface="Courier New" pitchFamily="49"/>
+              <a:buChar char="_"/>
+            </a:pPr>
+            <a:endParaRPr lang="nl-NL" dirty="0">
+              <a:solidFill>
+                <a:srgbClr val="00FF00"/>
+              </a:solidFill>
+              <a:latin typeface="Courier New" pitchFamily="49"/>
+              <a:cs typeface="Courier New" pitchFamily="49"/>
+            </a:endParaRPr>
+          </a:p>
+          <a:p>
+            <a:pPr lvl="0">
+              <a:buFont typeface="Courier New" pitchFamily="49"/>
+              <a:buChar char="_"/>
+            </a:pPr>
+            <a:endParaRPr lang="nl-NL" dirty="0">
+              <a:solidFill>
+                <a:srgbClr val="00FF00"/>
+              </a:solidFill>
+              <a:latin typeface="Courier New" pitchFamily="49"/>
+              <a:cs typeface="Courier New" pitchFamily="49"/>
+            </a:endParaRPr>
+          </a:p>
+          <a:p>
+            <a:pPr lvl="0">
+              <a:buFont typeface="Courier New" pitchFamily="49"/>
+              <a:buChar char="_"/>
+            </a:pPr>
+            <a:endParaRPr lang="nl-NL" dirty="0">
+              <a:solidFill>
+                <a:srgbClr val="00FF00"/>
+              </a:solidFill>
+              <a:latin typeface="Courier New" pitchFamily="49"/>
+              <a:cs typeface="Courier New" pitchFamily="49"/>
+            </a:endParaRPr>
+          </a:p>
+          <a:p>
+            <a:pPr lvl="0">
+              <a:buFont typeface="Courier New" pitchFamily="49"/>
+              <a:buChar char="_"/>
+            </a:pPr>
+            <a:endParaRPr lang="nl-NL" dirty="0">
+              <a:solidFill>
+                <a:srgbClr val="00FF00"/>
+              </a:solidFill>
+              <a:latin typeface="Courier New" pitchFamily="49"/>
+              <a:cs typeface="Courier New" pitchFamily="49"/>
+            </a:endParaRPr>
+          </a:p>
+          <a:p>
+            <a:pPr lvl="0">
+              <a:buFont typeface="Courier New" pitchFamily="49"/>
+              <a:buChar char="_"/>
+            </a:pPr>
+            <a:endParaRPr lang="nl-NL" dirty="0">
+              <a:solidFill>
+                <a:srgbClr val="00FF00"/>
+              </a:solidFill>
+              <a:latin typeface="Courier New" pitchFamily="49"/>
+              <a:cs typeface="Courier New" pitchFamily="49"/>
+            </a:endParaRPr>
+          </a:p>
+        </p:txBody>
+      </p:sp>
+    </p:spTree>
+    <p:extLst>
+      <p:ext uri="{BB962C8B-B14F-4D97-AF65-F5344CB8AC3E}">
+        <p14:creationId xmlns:p14="http://schemas.microsoft.com/office/powerpoint/2010/main" val="388363167"/>
+      </p:ext>
+    </p:extLst>
+  </p:cSld>
+  <p:clrMapOvr>
+    <a:masterClrMapping/>
+  </p:clrMapOvr>
+</p:sld>
+</file>
+
+<file path=ppt/slides/slide63.xml><?xml version="1.0" encoding="utf-8"?>
 <p:sld xmlns:a="http://schemas.openxmlformats.org/drawingml/2006/main" xmlns:r="http://schemas.openxmlformats.org/officeDocument/2006/relationships" xmlns:p="http://schemas.openxmlformats.org/presentationml/2006/main">
   <p:cSld>
     <p:bg>
@@ -38789,17 +40052,17 @@
           <a:p>
             <a:pPr algn="ctr"/>
             <a:r>
-              <a:rPr lang="nl-NL" sz="6500">
+              <a:rPr lang="nl-NL" sz="6500" dirty="0">
                 <a:solidFill>
                   <a:srgbClr val="00FF00"/>
                 </a:solidFill>
                 <a:latin typeface="Courier New" panose="02070309020205020404" pitchFamily="49" charset="0"/>
                 <a:cs typeface="Courier New" panose="02070309020205020404" pitchFamily="49" charset="0"/>
               </a:rPr>
-              <a:t>Section 6.1:</a:t>
+              <a:t>Section 7:</a:t>
             </a:r>
             <a:br>
-              <a:rPr lang="nl-NL" sz="6500">
+              <a:rPr lang="nl-NL" sz="6500" dirty="0">
                 <a:solidFill>
                   <a:srgbClr val="00FF00"/>
                 </a:solidFill>
@@ -38808,7 +40071,7 @@
               </a:rPr>
             </a:br>
             <a:br>
-              <a:rPr lang="nl-NL" sz="6500">
+              <a:rPr lang="nl-NL" sz="6500" dirty="0">
                 <a:solidFill>
                   <a:srgbClr val="00FF00"/>
                 </a:solidFill>
@@ -38817,22 +40080,402 @@
               </a:rPr>
             </a:br>
             <a:r>
-              <a:rPr lang="nl-NL" sz="6500">
+              <a:rPr lang="nl-NL" sz="6500" dirty="0">
                 <a:solidFill>
                   <a:srgbClr val="00FF00"/>
                 </a:solidFill>
                 <a:latin typeface="Courier New" panose="02070309020205020404" pitchFamily="49" charset="0"/>
                 <a:cs typeface="Courier New" panose="02070309020205020404" pitchFamily="49" charset="0"/>
               </a:rPr>
-              <a:t>Filtering incoming requests</a:t>
-            </a:r>
-            <a:endParaRPr lang="nl-NL" sz="6500" dirty="0">
+              <a:t>Extending WireMock</a:t>
+            </a:r>
+          </a:p>
+        </p:txBody>
+      </p:sp>
+    </p:spTree>
+    <p:extLst>
+      <p:ext uri="{BB962C8B-B14F-4D97-AF65-F5344CB8AC3E}">
+        <p14:creationId xmlns:p14="http://schemas.microsoft.com/office/powerpoint/2010/main" val="938209673"/>
+      </p:ext>
+    </p:extLst>
+  </p:cSld>
+  <p:clrMapOvr>
+    <a:masterClrMapping/>
+  </p:clrMapOvr>
+</p:sld>
+</file>
+
+<file path=ppt/slides/slide64.xml><?xml version="1.0" encoding="utf-8"?>
+<p:sld xmlns:a="http://schemas.openxmlformats.org/drawingml/2006/main" xmlns:r="http://schemas.openxmlformats.org/officeDocument/2006/relationships" xmlns:p="http://schemas.openxmlformats.org/presentationml/2006/main">
+  <p:cSld>
+    <p:bg>
+      <p:bgPr>
+        <a:solidFill>
+          <a:srgbClr val="000000"/>
+        </a:solidFill>
+        <a:effectLst/>
+      </p:bgPr>
+    </p:bg>
+    <p:spTree>
+      <p:nvGrpSpPr>
+        <p:cNvPr id="1" name="">
+          <a:extLst>
+            <a:ext uri="{FF2B5EF4-FFF2-40B4-BE49-F238E27FC236}">
+              <a16:creationId xmlns:a16="http://schemas.microsoft.com/office/drawing/2014/main" id="{E7EEC796-5F09-BFEC-D17E-1DA53F8C7A04}"/>
+            </a:ext>
+          </a:extLst>
+        </p:cNvPr>
+        <p:cNvGrpSpPr/>
+        <p:nvPr/>
+      </p:nvGrpSpPr>
+      <p:grpSpPr>
+        <a:xfrm>
+          <a:off x="0" y="0"/>
+          <a:ext cx="0" cy="0"/>
+          <a:chOff x="0" y="0"/>
+          <a:chExt cx="0" cy="0"/>
+        </a:xfrm>
+      </p:grpSpPr>
+      <p:sp>
+        <p:nvSpPr>
+          <p:cNvPr id="2" name="Title 1">
+            <a:extLst>
+              <a:ext uri="{FF2B5EF4-FFF2-40B4-BE49-F238E27FC236}">
+                <a16:creationId xmlns:a16="http://schemas.microsoft.com/office/drawing/2014/main" id="{883E46CA-B5DB-46C5-BA28-7475952B1E52}"/>
+              </a:ext>
+            </a:extLst>
+          </p:cNvPr>
+          <p:cNvSpPr txBox="1">
+            <a:spLocks noGrp="1"/>
+          </p:cNvSpPr>
+          <p:nvPr>
+            <p:ph type="title"/>
+          </p:nvPr>
+        </p:nvSpPr>
+        <p:spPr/>
+        <p:txBody>
+          <a:bodyPr/>
+          <a:lstStyle/>
+          <a:p>
+            <a:pPr lvl="0"/>
+            <a:r>
+              <a:rPr lang="nl-NL">
+                <a:solidFill>
+                  <a:srgbClr val="00FF00"/>
+                </a:solidFill>
+                <a:latin typeface="Courier New" pitchFamily="49"/>
+                <a:cs typeface="Courier New" pitchFamily="49"/>
+              </a:rPr>
+              <a:t>Extending WireMock</a:t>
+            </a:r>
+          </a:p>
+        </p:txBody>
+      </p:sp>
+      <p:sp>
+        <p:nvSpPr>
+          <p:cNvPr id="3" name="Content Placeholder 2">
+            <a:extLst>
+              <a:ext uri="{FF2B5EF4-FFF2-40B4-BE49-F238E27FC236}">
+                <a16:creationId xmlns:a16="http://schemas.microsoft.com/office/drawing/2014/main" id="{ECFD8DE3-F644-00A2-8C43-D48549CAEAFF}"/>
+              </a:ext>
+            </a:extLst>
+          </p:cNvPr>
+          <p:cNvSpPr txBox="1">
+            <a:spLocks noGrp="1"/>
+          </p:cNvSpPr>
+          <p:nvPr>
+            <p:ph idx="1"/>
+          </p:nvPr>
+        </p:nvSpPr>
+        <p:spPr/>
+        <p:txBody>
+          <a:bodyPr>
+            <a:normAutofit/>
+          </a:bodyPr>
+          <a:lstStyle/>
+          <a:p>
+            <a:pPr lvl="0">
+              <a:buFont typeface="Courier New" pitchFamily="49"/>
+              <a:buChar char="_"/>
+            </a:pPr>
+            <a:r>
+              <a:rPr lang="nl-NL">
+                <a:solidFill>
+                  <a:srgbClr val="00FF00"/>
+                </a:solidFill>
+                <a:latin typeface="Courier New" pitchFamily="49"/>
+                <a:cs typeface="Courier New" pitchFamily="49"/>
+              </a:rPr>
+              <a:t>In some cases, the default WireMock feature set might not fit your needs</a:t>
+            </a:r>
+            <a:endParaRPr lang="nl-NL" dirty="0">
               <a:solidFill>
                 <a:srgbClr val="00FF00"/>
               </a:solidFill>
-              <a:latin typeface="Courier New" panose="02070309020205020404" pitchFamily="49" charset="0"/>
-              <a:cs typeface="Courier New" panose="02070309020205020404" pitchFamily="49" charset="0"/>
+              <a:latin typeface="Courier New" pitchFamily="49"/>
+              <a:cs typeface="Courier New" pitchFamily="49"/>
             </a:endParaRPr>
+          </a:p>
+          <a:p>
+            <a:pPr lvl="0">
+              <a:buFont typeface="Courier New" pitchFamily="49"/>
+              <a:buChar char="_"/>
+            </a:pPr>
+            <a:endParaRPr lang="nl-NL" dirty="0">
+              <a:solidFill>
+                <a:srgbClr val="00FF00"/>
+              </a:solidFill>
+              <a:latin typeface="Courier New" pitchFamily="49"/>
+              <a:cs typeface="Courier New" pitchFamily="49"/>
+            </a:endParaRPr>
+          </a:p>
+          <a:p>
+            <a:pPr lvl="0">
+              <a:buFont typeface="Courier New" pitchFamily="49"/>
+              <a:buChar char="_"/>
+            </a:pPr>
+            <a:r>
+              <a:rPr lang="nl-NL">
+                <a:solidFill>
+                  <a:srgbClr val="00FF00"/>
+                </a:solidFill>
+                <a:latin typeface="Courier New" pitchFamily="49"/>
+                <a:cs typeface="Courier New" pitchFamily="49"/>
+              </a:rPr>
+              <a:t>WireMock is open to extensions</a:t>
+            </a:r>
+          </a:p>
+          <a:p>
+            <a:pPr lvl="0">
+              <a:buFont typeface="Courier New" pitchFamily="49"/>
+              <a:buChar char="_"/>
+            </a:pPr>
+            <a:endParaRPr lang="nl-NL">
+              <a:solidFill>
+                <a:srgbClr val="00FF00"/>
+              </a:solidFill>
+              <a:latin typeface="Courier New" pitchFamily="49"/>
+              <a:cs typeface="Courier New" pitchFamily="49"/>
+            </a:endParaRPr>
+          </a:p>
+          <a:p>
+            <a:pPr lvl="0">
+              <a:buFont typeface="Courier New" pitchFamily="49"/>
+              <a:buChar char="_"/>
+            </a:pPr>
+            <a:r>
+              <a:rPr lang="nl-NL">
+                <a:solidFill>
+                  <a:srgbClr val="00FF00"/>
+                </a:solidFill>
+                <a:latin typeface="Courier New" pitchFamily="49"/>
+                <a:cs typeface="Courier New" pitchFamily="49"/>
+              </a:rPr>
+              <a:t>Allows you to create even more powerful stubs</a:t>
+            </a:r>
+          </a:p>
+          <a:p>
+            <a:pPr lvl="0">
+              <a:buFont typeface="Courier New" pitchFamily="49"/>
+              <a:buChar char="_"/>
+            </a:pPr>
+            <a:endParaRPr lang="nl-NL">
+              <a:solidFill>
+                <a:srgbClr val="00FF00"/>
+              </a:solidFill>
+              <a:latin typeface="Courier New" pitchFamily="49"/>
+              <a:cs typeface="Courier New" pitchFamily="49"/>
+            </a:endParaRPr>
+          </a:p>
+          <a:p>
+            <a:pPr lvl="0">
+              <a:buFont typeface="Courier New" pitchFamily="49"/>
+              <a:buChar char="_"/>
+            </a:pPr>
+            <a:r>
+              <a:rPr lang="nl-NL">
+                <a:solidFill>
+                  <a:srgbClr val="00FF00"/>
+                </a:solidFill>
+                <a:latin typeface="Courier New" pitchFamily="49"/>
+                <a:cs typeface="Courier New" pitchFamily="49"/>
+              </a:rPr>
+              <a:t>Several options available</a:t>
+            </a:r>
+            <a:endParaRPr lang="nl-NL" dirty="0">
+              <a:solidFill>
+                <a:srgbClr val="00FF00"/>
+              </a:solidFill>
+              <a:latin typeface="Courier New" pitchFamily="49"/>
+              <a:cs typeface="Courier New" pitchFamily="49"/>
+            </a:endParaRPr>
+          </a:p>
+          <a:p>
+            <a:pPr lvl="0">
+              <a:buFont typeface="Courier New" pitchFamily="49"/>
+              <a:buChar char="_"/>
+            </a:pPr>
+            <a:endParaRPr lang="nl-NL" dirty="0">
+              <a:solidFill>
+                <a:srgbClr val="00FF00"/>
+              </a:solidFill>
+              <a:latin typeface="Courier New" pitchFamily="49"/>
+              <a:cs typeface="Courier New" pitchFamily="49"/>
+            </a:endParaRPr>
+          </a:p>
+          <a:p>
+            <a:pPr lvl="0">
+              <a:buFont typeface="Courier New" pitchFamily="49"/>
+              <a:buChar char="_"/>
+            </a:pPr>
+            <a:endParaRPr lang="nl-NL" dirty="0">
+              <a:solidFill>
+                <a:srgbClr val="00FF00"/>
+              </a:solidFill>
+              <a:latin typeface="Courier New" pitchFamily="49"/>
+              <a:cs typeface="Courier New" pitchFamily="49"/>
+            </a:endParaRPr>
+          </a:p>
+          <a:p>
+            <a:pPr lvl="0">
+              <a:buFont typeface="Courier New" pitchFamily="49"/>
+              <a:buChar char="_"/>
+            </a:pPr>
+            <a:endParaRPr lang="nl-NL" dirty="0">
+              <a:solidFill>
+                <a:srgbClr val="00FF00"/>
+              </a:solidFill>
+              <a:latin typeface="Courier New" pitchFamily="49"/>
+              <a:cs typeface="Courier New" pitchFamily="49"/>
+            </a:endParaRPr>
+          </a:p>
+          <a:p>
+            <a:pPr lvl="0">
+              <a:buFont typeface="Courier New" pitchFamily="49"/>
+              <a:buChar char="_"/>
+            </a:pPr>
+            <a:endParaRPr lang="nl-NL" dirty="0">
+              <a:solidFill>
+                <a:srgbClr val="00FF00"/>
+              </a:solidFill>
+              <a:latin typeface="Courier New" pitchFamily="49"/>
+              <a:cs typeface="Courier New" pitchFamily="49"/>
+            </a:endParaRPr>
+          </a:p>
+          <a:p>
+            <a:pPr lvl="0">
+              <a:buFont typeface="Courier New" pitchFamily="49"/>
+              <a:buChar char="_"/>
+            </a:pPr>
+            <a:endParaRPr lang="nl-NL" dirty="0">
+              <a:solidFill>
+                <a:srgbClr val="00FF00"/>
+              </a:solidFill>
+              <a:latin typeface="Courier New" pitchFamily="49"/>
+              <a:cs typeface="Courier New" pitchFamily="49"/>
+            </a:endParaRPr>
+          </a:p>
+        </p:txBody>
+      </p:sp>
+    </p:spTree>
+    <p:extLst>
+      <p:ext uri="{BB962C8B-B14F-4D97-AF65-F5344CB8AC3E}">
+        <p14:creationId xmlns:p14="http://schemas.microsoft.com/office/powerpoint/2010/main" val="3950363768"/>
+      </p:ext>
+    </p:extLst>
+  </p:cSld>
+  <p:clrMapOvr>
+    <a:masterClrMapping/>
+  </p:clrMapOvr>
+</p:sld>
+</file>
+
+<file path=ppt/slides/slide65.xml><?xml version="1.0" encoding="utf-8"?>
+<p:sld xmlns:a="http://schemas.openxmlformats.org/drawingml/2006/main" xmlns:r="http://schemas.openxmlformats.org/officeDocument/2006/relationships" xmlns:p="http://schemas.openxmlformats.org/presentationml/2006/main">
+  <p:cSld>
+    <p:bg>
+      <p:bgPr>
+        <a:solidFill>
+          <a:schemeClr val="tx1"/>
+        </a:solidFill>
+        <a:effectLst/>
+      </p:bgPr>
+    </p:bg>
+    <p:spTree>
+      <p:nvGrpSpPr>
+        <p:cNvPr id="1" name=""/>
+        <p:cNvGrpSpPr/>
+        <p:nvPr/>
+      </p:nvGrpSpPr>
+      <p:grpSpPr>
+        <a:xfrm>
+          <a:off x="0" y="0"/>
+          <a:ext cx="0" cy="0"/>
+          <a:chOff x="0" y="0"/>
+          <a:chExt cx="0" cy="0"/>
+        </a:xfrm>
+      </p:grpSpPr>
+      <p:sp>
+        <p:nvSpPr>
+          <p:cNvPr id="2" name="Title 1"/>
+          <p:cNvSpPr>
+            <a:spLocks noGrp="1"/>
+          </p:cNvSpPr>
+          <p:nvPr>
+            <p:ph type="title"/>
+          </p:nvPr>
+        </p:nvSpPr>
+        <p:spPr>
+          <a:xfrm>
+            <a:off x="2" y="2267636"/>
+            <a:ext cx="12191998" cy="2369662"/>
+          </a:xfrm>
+        </p:spPr>
+        <p:txBody>
+          <a:bodyPr>
+            <a:noAutofit/>
+          </a:bodyPr>
+          <a:lstStyle/>
+          <a:p>
+            <a:pPr algn="ctr"/>
+            <a:r>
+              <a:rPr lang="nl-NL" sz="6500" dirty="0">
+                <a:solidFill>
+                  <a:srgbClr val="00FF00"/>
+                </a:solidFill>
+                <a:latin typeface="Courier New" panose="02070309020205020404" pitchFamily="49" charset="0"/>
+                <a:cs typeface="Courier New" panose="02070309020205020404" pitchFamily="49" charset="0"/>
+              </a:rPr>
+              <a:t>Section 7.1:</a:t>
+            </a:r>
+            <a:br>
+              <a:rPr lang="nl-NL" sz="6500" dirty="0">
+                <a:solidFill>
+                  <a:srgbClr val="00FF00"/>
+                </a:solidFill>
+                <a:latin typeface="Courier New" panose="02070309020205020404" pitchFamily="49" charset="0"/>
+                <a:cs typeface="Courier New" panose="02070309020205020404" pitchFamily="49" charset="0"/>
+              </a:rPr>
+            </a:br>
+            <a:br>
+              <a:rPr lang="nl-NL" sz="6500" dirty="0">
+                <a:solidFill>
+                  <a:srgbClr val="00FF00"/>
+                </a:solidFill>
+                <a:latin typeface="Courier New" panose="02070309020205020404" pitchFamily="49" charset="0"/>
+                <a:cs typeface="Courier New" panose="02070309020205020404" pitchFamily="49" charset="0"/>
+              </a:rPr>
+            </a:br>
+            <a:r>
+              <a:rPr lang="nl-NL" sz="6500" dirty="0">
+                <a:solidFill>
+                  <a:srgbClr val="00FF00"/>
+                </a:solidFill>
+                <a:latin typeface="Courier New" panose="02070309020205020404" pitchFamily="49" charset="0"/>
+                <a:cs typeface="Courier New" panose="02070309020205020404" pitchFamily="49" charset="0"/>
+              </a:rPr>
+              <a:t>Filtering incoming requests</a:t>
+            </a:r>
           </a:p>
         </p:txBody>
       </p:sp>
@@ -38849,7 +40492,7 @@
 </p:sld>
 </file>
 
-<file path=ppt/slides/slide62.xml><?xml version="1.0" encoding="utf-8"?>
+<file path=ppt/slides/slide66.xml><?xml version="1.0" encoding="utf-8"?>
 <p:sld xmlns:a="http://schemas.openxmlformats.org/drawingml/2006/main" xmlns:r="http://schemas.openxmlformats.org/officeDocument/2006/relationships" xmlns:p="http://schemas.openxmlformats.org/presentationml/2006/main">
   <p:cSld>
     <p:bg>
@@ -39159,7 +40802,7 @@
 </p:sld>
 </file>
 
-<file path=ppt/slides/slide63.xml><?xml version="1.0" encoding="utf-8"?>
+<file path=ppt/slides/slide67.xml><?xml version="1.0" encoding="utf-8"?>
 <p:sld xmlns:a="http://schemas.openxmlformats.org/drawingml/2006/main" xmlns:r="http://schemas.openxmlformats.org/officeDocument/2006/relationships" xmlns:p="http://schemas.openxmlformats.org/presentationml/2006/main">
   <p:cSld>
     <p:bg>
@@ -40128,7 +41771,7 @@
 </p:sld>
 </file>
 
-<file path=ppt/slides/slide64.xml><?xml version="1.0" encoding="utf-8"?>
+<file path=ppt/slides/slide68.xml><?xml version="1.0" encoding="utf-8"?>
 <p:sld xmlns:a="http://schemas.openxmlformats.org/drawingml/2006/main" xmlns:r="http://schemas.openxmlformats.org/officeDocument/2006/relationships" xmlns:p="http://schemas.openxmlformats.org/presentationml/2006/main">
   <p:cSld>
     <p:bg>
@@ -40141,7 +41784,13 @@
     </p:bg>
     <p:spTree>
       <p:nvGrpSpPr>
-        <p:cNvPr id="1" name=""/>
+        <p:cNvPr id="1" name="">
+          <a:extLst>
+            <a:ext uri="{FF2B5EF4-FFF2-40B4-BE49-F238E27FC236}">
+              <a16:creationId xmlns:a16="http://schemas.microsoft.com/office/drawing/2014/main" id="{10053586-7B4E-FC61-AD67-3803EEA989CF}"/>
+            </a:ext>
+          </a:extLst>
+        </p:cNvPr>
         <p:cNvGrpSpPr/>
         <p:nvPr/>
       </p:nvGrpSpPr>
@@ -40158,7 +41807,7 @@
           <p:cNvPr id="4" name="Afbeelding 3">
             <a:extLst>
               <a:ext uri="{FF2B5EF4-FFF2-40B4-BE49-F238E27FC236}">
-                <a16:creationId xmlns:a16="http://schemas.microsoft.com/office/drawing/2014/main" id="{91269112-2EFB-47B0-6169-27FE90E3FA62}"/>
+                <a16:creationId xmlns:a16="http://schemas.microsoft.com/office/drawing/2014/main" id="{FAB19B4E-C1F9-17D3-784D-083DB4878DF4}"/>
               </a:ext>
             </a:extLst>
           </p:cNvPr>
@@ -40188,7 +41837,7 @@
           <p:cNvPr id="2" name="Title 1">
             <a:extLst>
               <a:ext uri="{FF2B5EF4-FFF2-40B4-BE49-F238E27FC236}">
-                <a16:creationId xmlns:a16="http://schemas.microsoft.com/office/drawing/2014/main" id="{285D9D1D-CF0E-444D-BF61-6E6E92619F56}"/>
+                <a16:creationId xmlns:a16="http://schemas.microsoft.com/office/drawing/2014/main" id="{330DFFF7-5CD0-B980-1321-D5E2510BFB97}"/>
               </a:ext>
             </a:extLst>
           </p:cNvPr>
@@ -40223,7 +41872,7 @@
           <p:cNvPr id="5" name="Ovaal 4">
             <a:extLst>
               <a:ext uri="{FF2B5EF4-FFF2-40B4-BE49-F238E27FC236}">
-                <a16:creationId xmlns:a16="http://schemas.microsoft.com/office/drawing/2014/main" id="{7566FA77-F59C-4D49-A5D1-5342A333AA34}"/>
+                <a16:creationId xmlns:a16="http://schemas.microsoft.com/office/drawing/2014/main" id="{DA5BA356-3E47-6F63-6375-B3C51C315D90}"/>
               </a:ext>
             </a:extLst>
           </p:cNvPr>
@@ -40304,7 +41953,7 @@
           <p:cNvPr id="6" name="Tekstvak 5">
             <a:extLst>
               <a:ext uri="{FF2B5EF4-FFF2-40B4-BE49-F238E27FC236}">
-                <a16:creationId xmlns:a16="http://schemas.microsoft.com/office/drawing/2014/main" id="{66B06C55-4104-46D9-A3E8-AA130927BFDA}"/>
+                <a16:creationId xmlns:a16="http://schemas.microsoft.com/office/drawing/2014/main" id="{95FFBA17-A677-2025-7119-F4BCDE505154}"/>
               </a:ext>
             </a:extLst>
           </p:cNvPr>
@@ -40591,7 +42240,7 @@
     </p:spTree>
     <p:extLst>
       <p:ext uri="{BB962C8B-B14F-4D97-AF65-F5344CB8AC3E}">
-        <p14:creationId xmlns:p14="http://schemas.microsoft.com/office/powerpoint/2010/main" val="721960746"/>
+        <p14:creationId xmlns:p14="http://schemas.microsoft.com/office/powerpoint/2010/main" val="128907940"/>
       </p:ext>
     </p:extLst>
   </p:cSld>
@@ -40707,7 +42356,7 @@
 </p:sld>
 </file>
 
-<file path=ppt/slides/slide65.xml><?xml version="1.0" encoding="utf-8"?>
+<file path=ppt/slides/slide69.xml><?xml version="1.0" encoding="utf-8"?>
 <p:sld xmlns:a="http://schemas.openxmlformats.org/drawingml/2006/main" xmlns:r="http://schemas.openxmlformats.org/officeDocument/2006/relationships" xmlns:p="http://schemas.openxmlformats.org/presentationml/2006/main">
   <p:cSld>
     <p:bg>
@@ -40812,16 +42461,6 @@
               <a:buChar char="_"/>
             </a:pPr>
             <a:r>
-              <a:rPr lang="nl-NL">
-                <a:solidFill>
-                  <a:srgbClr val="00FF00"/>
-                </a:solidFill>
-                <a:latin typeface="Courier New" pitchFamily="49"/>
-                <a:cs typeface="Courier New" pitchFamily="49"/>
-              </a:rPr>
-              <a:t>exercises &gt; extensions &gt; BasicAuthFilter.</a:t>
-            </a:r>
-            <a:r>
               <a:rPr lang="nl-NL" dirty="0">
                 <a:solidFill>
                   <a:srgbClr val="00FF00"/>
@@ -40829,7 +42468,7 @@
                 <a:latin typeface="Courier New" pitchFamily="49"/>
                 <a:cs typeface="Courier New" pitchFamily="49"/>
               </a:rPr>
-              <a:t>java</a:t>
+              <a:t>exercises &gt; extensions &gt; BasicAuthFilter.java</a:t>
             </a:r>
           </a:p>
           <a:p>
@@ -40851,7 +42490,7 @@
               <a:buChar char="_"/>
             </a:pPr>
             <a:r>
-              <a:rPr lang="nl-NL">
+              <a:rPr lang="nl-NL" dirty="0">
                 <a:solidFill>
                   <a:srgbClr val="00FF00"/>
                 </a:solidFill>
@@ -40866,147 +42505,6 @@
               <a:buFont typeface="Courier New" pitchFamily="49"/>
               <a:buChar char="_"/>
             </a:pPr>
-            <a:endParaRPr lang="nl-NL">
-              <a:solidFill>
-                <a:srgbClr val="00FF00"/>
-              </a:solidFill>
-              <a:latin typeface="Courier New" pitchFamily="49"/>
-              <a:cs typeface="Courier New" pitchFamily="49"/>
-            </a:endParaRPr>
-          </a:p>
-          <a:p>
-            <a:pPr lvl="0">
-              <a:buFont typeface="Courier New" pitchFamily="49"/>
-              <a:buChar char="_"/>
-            </a:pPr>
-            <a:r>
-              <a:rPr lang="nl-NL">
-                <a:solidFill>
-                  <a:srgbClr val="00FF00"/>
-                </a:solidFill>
-                <a:latin typeface="Courier New" pitchFamily="49"/>
-                <a:cs typeface="Courier New" pitchFamily="49"/>
-              </a:rPr>
-              <a:t>Verify </a:t>
-            </a:r>
-            <a:r>
-              <a:rPr lang="nl-NL" dirty="0" err="1">
-                <a:solidFill>
-                  <a:srgbClr val="00FF00"/>
-                </a:solidFill>
-                <a:latin typeface="Courier New" pitchFamily="49"/>
-                <a:cs typeface="Courier New" pitchFamily="49"/>
-              </a:rPr>
-              <a:t>your</a:t>
-            </a:r>
-            <a:r>
-              <a:rPr lang="nl-NL" dirty="0">
-                <a:solidFill>
-                  <a:srgbClr val="00FF00"/>
-                </a:solidFill>
-                <a:latin typeface="Courier New" pitchFamily="49"/>
-                <a:cs typeface="Courier New" pitchFamily="49"/>
-              </a:rPr>
-              <a:t> solution </a:t>
-            </a:r>
-            <a:r>
-              <a:rPr lang="nl-NL" dirty="0" err="1">
-                <a:solidFill>
-                  <a:srgbClr val="00FF00"/>
-                </a:solidFill>
-                <a:latin typeface="Courier New" pitchFamily="49"/>
-                <a:cs typeface="Courier New" pitchFamily="49"/>
-              </a:rPr>
-              <a:t>by</a:t>
-            </a:r>
-            <a:r>
-              <a:rPr lang="nl-NL" dirty="0">
-                <a:solidFill>
-                  <a:srgbClr val="00FF00"/>
-                </a:solidFill>
-                <a:latin typeface="Courier New" pitchFamily="49"/>
-                <a:cs typeface="Courier New" pitchFamily="49"/>
-              </a:rPr>
-              <a:t> running </a:t>
-            </a:r>
-            <a:r>
-              <a:rPr lang="nl-NL" err="1">
-                <a:solidFill>
-                  <a:srgbClr val="00FF00"/>
-                </a:solidFill>
-                <a:latin typeface="Courier New" pitchFamily="49"/>
-                <a:cs typeface="Courier New" pitchFamily="49"/>
-              </a:rPr>
-              <a:t>the</a:t>
-            </a:r>
-            <a:r>
-              <a:rPr lang="nl-NL">
-                <a:solidFill>
-                  <a:srgbClr val="00FF00"/>
-                </a:solidFill>
-                <a:latin typeface="Courier New" pitchFamily="49"/>
-                <a:cs typeface="Courier New" pitchFamily="49"/>
-              </a:rPr>
-              <a:t> tests in exercises &gt; WireMockExercises6dot1Test.java</a:t>
-            </a:r>
-          </a:p>
-          <a:p>
-            <a:pPr lvl="0">
-              <a:buFont typeface="Courier New" pitchFamily="49"/>
-              <a:buChar char="_"/>
-            </a:pPr>
-            <a:endParaRPr lang="nl-NL">
-              <a:solidFill>
-                <a:srgbClr val="00FF00"/>
-              </a:solidFill>
-              <a:latin typeface="Courier New" pitchFamily="49"/>
-              <a:cs typeface="Courier New" pitchFamily="49"/>
-            </a:endParaRPr>
-          </a:p>
-          <a:p>
-            <a:pPr lvl="0">
-              <a:buFont typeface="Courier New" pitchFamily="49"/>
-              <a:buChar char="_"/>
-            </a:pPr>
-            <a:r>
-              <a:rPr lang="nl-NL">
-                <a:solidFill>
-                  <a:srgbClr val="00FF00"/>
-                </a:solidFill>
-                <a:latin typeface="Courier New" pitchFamily="49"/>
-                <a:cs typeface="Courier New" pitchFamily="49"/>
-              </a:rPr>
-              <a:t>Answers are in answers &gt; extensions &gt; BasicAuthFilter.java</a:t>
-            </a:r>
-          </a:p>
-          <a:p>
-            <a:pPr lvl="0">
-              <a:buFont typeface="Courier New" pitchFamily="49"/>
-              <a:buChar char="_"/>
-            </a:pPr>
-            <a:endParaRPr lang="nl-NL">
-              <a:solidFill>
-                <a:srgbClr val="00FF00"/>
-              </a:solidFill>
-              <a:latin typeface="Courier New" pitchFamily="49"/>
-              <a:cs typeface="Courier New" pitchFamily="49"/>
-            </a:endParaRPr>
-          </a:p>
-          <a:p>
-            <a:pPr lvl="0">
-              <a:buFont typeface="Courier New" pitchFamily="49"/>
-              <a:buChar char="_"/>
-            </a:pPr>
-            <a:r>
-              <a:rPr lang="nl-NL">
-                <a:solidFill>
-                  <a:srgbClr val="00FF00"/>
-                </a:solidFill>
-                <a:latin typeface="Courier New" pitchFamily="49"/>
-                <a:cs typeface="Courier New" pitchFamily="49"/>
-              </a:rPr>
-              <a:t>Examples are in examples &gt; extensions &gt; HttpDeleteFilter.java</a:t>
-            </a:r>
             <a:endParaRPr lang="nl-NL" dirty="0">
               <a:solidFill>
                 <a:srgbClr val="00FF00"/>
@@ -41014,6 +42512,80 @@
               <a:latin typeface="Courier New" pitchFamily="49"/>
               <a:cs typeface="Courier New" pitchFamily="49"/>
             </a:endParaRPr>
+          </a:p>
+          <a:p>
+            <a:pPr lvl="0">
+              <a:buFont typeface="Courier New" pitchFamily="49"/>
+              <a:buChar char="_"/>
+            </a:pPr>
+            <a:r>
+              <a:rPr lang="nl-NL" dirty="0">
+                <a:solidFill>
+                  <a:srgbClr val="00FF00"/>
+                </a:solidFill>
+                <a:latin typeface="Courier New" pitchFamily="49"/>
+                <a:cs typeface="Courier New" pitchFamily="49"/>
+              </a:rPr>
+              <a:t>Verify your solution by running the tests in exercises &gt; WireMockExercises7dot1Test.java</a:t>
+            </a:r>
+          </a:p>
+          <a:p>
+            <a:pPr lvl="0">
+              <a:buFont typeface="Courier New" pitchFamily="49"/>
+              <a:buChar char="_"/>
+            </a:pPr>
+            <a:endParaRPr lang="nl-NL" dirty="0">
+              <a:solidFill>
+                <a:srgbClr val="00FF00"/>
+              </a:solidFill>
+              <a:latin typeface="Courier New" pitchFamily="49"/>
+              <a:cs typeface="Courier New" pitchFamily="49"/>
+            </a:endParaRPr>
+          </a:p>
+          <a:p>
+            <a:pPr lvl="0">
+              <a:buFont typeface="Courier New" pitchFamily="49"/>
+              <a:buChar char="_"/>
+            </a:pPr>
+            <a:r>
+              <a:rPr lang="nl-NL" dirty="0">
+                <a:solidFill>
+                  <a:srgbClr val="00FF00"/>
+                </a:solidFill>
+                <a:latin typeface="Courier New" pitchFamily="49"/>
+                <a:cs typeface="Courier New" pitchFamily="49"/>
+              </a:rPr>
+              <a:t>Answers are in answers &gt; extensions &gt; BasicAuthFilter.java</a:t>
+            </a:r>
+          </a:p>
+          <a:p>
+            <a:pPr lvl="0">
+              <a:buFont typeface="Courier New" pitchFamily="49"/>
+              <a:buChar char="_"/>
+            </a:pPr>
+            <a:endParaRPr lang="nl-NL" dirty="0">
+              <a:solidFill>
+                <a:srgbClr val="00FF00"/>
+              </a:solidFill>
+              <a:latin typeface="Courier New" pitchFamily="49"/>
+              <a:cs typeface="Courier New" pitchFamily="49"/>
+            </a:endParaRPr>
+          </a:p>
+          <a:p>
+            <a:pPr lvl="0">
+              <a:buFont typeface="Courier New" pitchFamily="49"/>
+              <a:buChar char="_"/>
+            </a:pPr>
+            <a:r>
+              <a:rPr lang="nl-NL" dirty="0">
+                <a:solidFill>
+                  <a:srgbClr val="00FF00"/>
+                </a:solidFill>
+                <a:latin typeface="Courier New" pitchFamily="49"/>
+                <a:cs typeface="Courier New" pitchFamily="49"/>
+              </a:rPr>
+              <a:t>Examples are in examples &gt; extensions &gt; HttpDeleteFilter.java</a:t>
+            </a:r>
           </a:p>
           <a:p>
             <a:pPr lvl="0">
@@ -41095,7 +42667,247 @@
 </p:sld>
 </file>
 
-<file path=ppt/slides/slide66.xml><?xml version="1.0" encoding="utf-8"?>
+<file path=ppt/slides/slide7.xml><?xml version="1.0" encoding="utf-8"?>
+<p:sld xmlns:a="http://schemas.openxmlformats.org/drawingml/2006/main" xmlns:r="http://schemas.openxmlformats.org/officeDocument/2006/relationships" xmlns:p="http://schemas.openxmlformats.org/presentationml/2006/main">
+  <p:cSld name="Slide41">
+    <p:bg>
+      <p:bgPr>
+        <a:solidFill>
+          <a:srgbClr val="000000"/>
+        </a:solidFill>
+        <a:effectLst/>
+      </p:bgPr>
+    </p:bg>
+    <p:spTree>
+      <p:nvGrpSpPr>
+        <p:cNvPr id="1" name=""/>
+        <p:cNvGrpSpPr/>
+        <p:nvPr/>
+      </p:nvGrpSpPr>
+      <p:grpSpPr>
+        <a:xfrm>
+          <a:off x="0" y="0"/>
+          <a:ext cx="0" cy="0"/>
+          <a:chOff x="0" y="0"/>
+          <a:chExt cx="0" cy="0"/>
+        </a:xfrm>
+      </p:grpSpPr>
+      <p:sp>
+        <p:nvSpPr>
+          <p:cNvPr id="2" name="Title 1">
+            <a:extLst>
+              <a:ext uri="{FF2B5EF4-FFF2-40B4-BE49-F238E27FC236}">
+                <a16:creationId xmlns:a16="http://schemas.microsoft.com/office/drawing/2014/main" id="{E1588011-CF6F-486E-976A-BE3B5B73AB8B}"/>
+              </a:ext>
+            </a:extLst>
+          </p:cNvPr>
+          <p:cNvSpPr txBox="1">
+            <a:spLocks noGrp="1"/>
+          </p:cNvSpPr>
+          <p:nvPr>
+            <p:ph type="title"/>
+          </p:nvPr>
+        </p:nvSpPr>
+        <p:spPr/>
+        <p:txBody>
+          <a:bodyPr/>
+          <a:lstStyle/>
+          <a:p>
+            <a:pPr lvl="0"/>
+            <a:r>
+              <a:rPr lang="nl-NL">
+                <a:solidFill>
+                  <a:srgbClr val="00FF00"/>
+                </a:solidFill>
+                <a:latin typeface="Courier New" pitchFamily="49"/>
+                <a:cs typeface="Courier New" pitchFamily="49"/>
+              </a:rPr>
+              <a:t>Simulation during test execution</a:t>
+            </a:r>
+          </a:p>
+        </p:txBody>
+      </p:sp>
+      <p:sp>
+        <p:nvSpPr>
+          <p:cNvPr id="3" name="Content Placeholder 2">
+            <a:extLst>
+              <a:ext uri="{FF2B5EF4-FFF2-40B4-BE49-F238E27FC236}">
+                <a16:creationId xmlns:a16="http://schemas.microsoft.com/office/drawing/2014/main" id="{83C7053A-2DA6-431A-BC43-684AEF4AD28A}"/>
+              </a:ext>
+            </a:extLst>
+          </p:cNvPr>
+          <p:cNvSpPr txBox="1">
+            <a:spLocks noGrp="1"/>
+          </p:cNvSpPr>
+          <p:nvPr>
+            <p:ph idx="1"/>
+          </p:nvPr>
+        </p:nvSpPr>
+        <p:spPr>
+          <a:xfrm>
+            <a:off x="838203" y="1825627"/>
+            <a:ext cx="11143893" cy="4351336"/>
+          </a:xfrm>
+        </p:spPr>
+        <p:txBody>
+          <a:bodyPr/>
+          <a:lstStyle/>
+          <a:p>
+            <a:pPr lvl="0">
+              <a:buFont typeface="Courier New" pitchFamily="49"/>
+              <a:buChar char="_"/>
+            </a:pPr>
+            <a:r>
+              <a:rPr lang="nl-NL" dirty="0">
+                <a:solidFill>
+                  <a:srgbClr val="00FF00"/>
+                </a:solidFill>
+                <a:latin typeface="Courier New" pitchFamily="49"/>
+                <a:cs typeface="Courier New" pitchFamily="49"/>
+              </a:rPr>
+              <a:t>Simulate dependency </a:t>
+            </a:r>
+            <a:r>
+              <a:rPr lang="nl-NL" b="1" dirty="0">
+                <a:solidFill>
+                  <a:srgbClr val="00FF00"/>
+                </a:solidFill>
+                <a:latin typeface="Courier New" pitchFamily="49"/>
+                <a:cs typeface="Courier New" pitchFamily="49"/>
+              </a:rPr>
+              <a:t>behaviour</a:t>
+            </a:r>
+          </a:p>
+          <a:p>
+            <a:pPr lvl="0">
+              <a:buFont typeface="Courier New" pitchFamily="49"/>
+              <a:buChar char="_"/>
+            </a:pPr>
+            <a:endParaRPr lang="nl-NL" dirty="0">
+              <a:solidFill>
+                <a:srgbClr val="00FF00"/>
+              </a:solidFill>
+              <a:latin typeface="Courier New" pitchFamily="49"/>
+              <a:cs typeface="Courier New" pitchFamily="49"/>
+            </a:endParaRPr>
+          </a:p>
+          <a:p>
+            <a:pPr lvl="0">
+              <a:buFont typeface="Courier New" pitchFamily="49"/>
+              <a:buChar char="_"/>
+            </a:pPr>
+            <a:r>
+              <a:rPr lang="nl-NL" dirty="0">
+                <a:solidFill>
+                  <a:srgbClr val="00FF00"/>
+                </a:solidFill>
+                <a:latin typeface="Courier New" pitchFamily="49"/>
+                <a:cs typeface="Courier New" pitchFamily="49"/>
+              </a:rPr>
+              <a:t>Regain control over test environment</a:t>
+            </a:r>
+          </a:p>
+          <a:p>
+            <a:pPr lvl="1">
+              <a:buFont typeface="Courier New" pitchFamily="49"/>
+              <a:buChar char="_"/>
+            </a:pPr>
+            <a:r>
+              <a:rPr lang="nl-NL" dirty="0">
+                <a:solidFill>
+                  <a:srgbClr val="00FF00"/>
+                </a:solidFill>
+                <a:latin typeface="Courier New" pitchFamily="49"/>
+                <a:cs typeface="Courier New" pitchFamily="49"/>
+              </a:rPr>
+              <a:t>Dependencies available on demand</a:t>
+            </a:r>
+          </a:p>
+          <a:p>
+            <a:pPr lvl="1">
+              <a:buFont typeface="Courier New" pitchFamily="49"/>
+              <a:buChar char="_"/>
+            </a:pPr>
+            <a:r>
+              <a:rPr lang="nl-NL" dirty="0">
+                <a:solidFill>
+                  <a:srgbClr val="00FF00"/>
+                </a:solidFill>
+                <a:latin typeface="Courier New" pitchFamily="49"/>
+                <a:cs typeface="Courier New" pitchFamily="49"/>
+              </a:rPr>
+              <a:t>Control over test data (edge cases!)</a:t>
+            </a:r>
+          </a:p>
+          <a:p>
+            <a:pPr lvl="1">
+              <a:buFont typeface="Courier New" pitchFamily="49"/>
+              <a:buChar char="_"/>
+            </a:pPr>
+            <a:r>
+              <a:rPr lang="nl-NL" dirty="0">
+                <a:solidFill>
+                  <a:srgbClr val="00FF00"/>
+                </a:solidFill>
+                <a:latin typeface="Courier New" pitchFamily="49"/>
+                <a:cs typeface="Courier New" pitchFamily="49"/>
+              </a:rPr>
+              <a:t>Eliminate third party component usage fees</a:t>
+            </a:r>
+          </a:p>
+          <a:p>
+            <a:pPr lvl="1">
+              <a:buFont typeface="Courier New" pitchFamily="49"/>
+              <a:buChar char="_"/>
+            </a:pPr>
+            <a:r>
+              <a:rPr lang="nl-NL" dirty="0">
+                <a:solidFill>
+                  <a:srgbClr val="00FF00"/>
+                </a:solidFill>
+                <a:latin typeface="Courier New" pitchFamily="49"/>
+                <a:cs typeface="Courier New" pitchFamily="49"/>
+              </a:rPr>
+              <a:t>…</a:t>
+            </a:r>
+          </a:p>
+          <a:p>
+            <a:pPr lvl="0">
+              <a:buFont typeface="Courier New" pitchFamily="49"/>
+              <a:buChar char="_"/>
+            </a:pPr>
+            <a:endParaRPr lang="nl-NL" dirty="0">
+              <a:solidFill>
+                <a:srgbClr val="00FF00"/>
+              </a:solidFill>
+              <a:latin typeface="Courier New" pitchFamily="49"/>
+              <a:cs typeface="Courier New" pitchFamily="49"/>
+            </a:endParaRPr>
+          </a:p>
+          <a:p>
+            <a:pPr lvl="0">
+              <a:buFont typeface="Courier New" pitchFamily="49"/>
+              <a:buChar char="_"/>
+            </a:pPr>
+            <a:endParaRPr lang="nl-NL" dirty="0">
+              <a:solidFill>
+                <a:srgbClr val="00FF00"/>
+              </a:solidFill>
+              <a:latin typeface="Courier New" pitchFamily="49"/>
+              <a:cs typeface="Courier New" pitchFamily="49"/>
+            </a:endParaRPr>
+          </a:p>
+        </p:txBody>
+      </p:sp>
+    </p:spTree>
+  </p:cSld>
+  <p:clrMapOvr>
+    <a:masterClrMapping/>
+  </p:clrMapOvr>
+</p:sld>
+</file>
+
+<file path=ppt/slides/slide70.xml><?xml version="1.0" encoding="utf-8"?>
 <p:sld xmlns:a="http://schemas.openxmlformats.org/drawingml/2006/main" xmlns:r="http://schemas.openxmlformats.org/officeDocument/2006/relationships" xmlns:p="http://schemas.openxmlformats.org/presentationml/2006/main">
   <p:cSld>
     <p:bg>
@@ -41144,17 +42956,17 @@
           <a:p>
             <a:pPr algn="ctr"/>
             <a:r>
-              <a:rPr lang="nl-NL" sz="6500">
+              <a:rPr lang="nl-NL" sz="6500" dirty="0">
                 <a:solidFill>
                   <a:srgbClr val="00FF00"/>
                 </a:solidFill>
                 <a:latin typeface="Courier New" panose="02070309020205020404" pitchFamily="49" charset="0"/>
                 <a:cs typeface="Courier New" panose="02070309020205020404" pitchFamily="49" charset="0"/>
               </a:rPr>
-              <a:t>Section 6.2:</a:t>
+              <a:t>Section 7.2:</a:t>
             </a:r>
             <a:br>
-              <a:rPr lang="nl-NL" sz="6500">
+              <a:rPr lang="nl-NL" sz="6500" dirty="0">
                 <a:solidFill>
                   <a:srgbClr val="00FF00"/>
                 </a:solidFill>
@@ -41163,7 +42975,7 @@
               </a:rPr>
             </a:br>
             <a:br>
-              <a:rPr lang="nl-NL" sz="6500">
+              <a:rPr lang="nl-NL" sz="6500" dirty="0">
                 <a:solidFill>
                   <a:srgbClr val="00FF00"/>
                 </a:solidFill>
@@ -41172,7 +42984,7 @@
               </a:rPr>
             </a:br>
             <a:r>
-              <a:rPr lang="nl-NL" sz="6500">
+              <a:rPr lang="nl-NL" sz="6500" dirty="0">
                 <a:solidFill>
                   <a:srgbClr val="00FF00"/>
                 </a:solidFill>
@@ -41181,13 +42993,6 @@
               </a:rPr>
               <a:t>Building a custom request matcher</a:t>
             </a:r>
-            <a:endParaRPr lang="nl-NL" sz="6500" dirty="0">
-              <a:solidFill>
-                <a:srgbClr val="00FF00"/>
-              </a:solidFill>
-              <a:latin typeface="Courier New" panose="02070309020205020404" pitchFamily="49" charset="0"/>
-              <a:cs typeface="Courier New" panose="02070309020205020404" pitchFamily="49" charset="0"/>
-            </a:endParaRPr>
           </a:p>
         </p:txBody>
       </p:sp>
@@ -41204,7 +43009,7 @@
 </p:sld>
 </file>
 
-<file path=ppt/slides/slide67.xml><?xml version="1.0" encoding="utf-8"?>
+<file path=ppt/slides/slide71.xml><?xml version="1.0" encoding="utf-8"?>
 <p:sld xmlns:a="http://schemas.openxmlformats.org/drawingml/2006/main" xmlns:r="http://schemas.openxmlformats.org/officeDocument/2006/relationships" xmlns:p="http://schemas.openxmlformats.org/presentationml/2006/main">
   <p:cSld>
     <p:bg>
@@ -41473,7 +43278,7 @@
 </p:sld>
 </file>
 
-<file path=ppt/slides/slide68.xml><?xml version="1.0" encoding="utf-8"?>
+<file path=ppt/slides/slide72.xml><?xml version="1.0" encoding="utf-8"?>
 <p:sld xmlns:a="http://schemas.openxmlformats.org/drawingml/2006/main" xmlns:r="http://schemas.openxmlformats.org/officeDocument/2006/relationships" xmlns:p="http://schemas.openxmlformats.org/presentationml/2006/main">
   <p:cSld>
     <p:bg>
@@ -42104,7 +43909,7 @@
 </p:sld>
 </file>
 
-<file path=ppt/slides/slide69.xml><?xml version="1.0" encoding="utf-8"?>
+<file path=ppt/slides/slide73.xml><?xml version="1.0" encoding="utf-8"?>
 <p:sld xmlns:a="http://schemas.openxmlformats.org/drawingml/2006/main" xmlns:r="http://schemas.openxmlformats.org/officeDocument/2006/relationships" xmlns:p="http://schemas.openxmlformats.org/presentationml/2006/main">
   <p:cSld>
     <p:bg>
@@ -42841,247 +44646,7 @@
 </p:sld>
 </file>
 
-<file path=ppt/slides/slide7.xml><?xml version="1.0" encoding="utf-8"?>
-<p:sld xmlns:a="http://schemas.openxmlformats.org/drawingml/2006/main" xmlns:r="http://schemas.openxmlformats.org/officeDocument/2006/relationships" xmlns:p="http://schemas.openxmlformats.org/presentationml/2006/main">
-  <p:cSld name="Slide41">
-    <p:bg>
-      <p:bgPr>
-        <a:solidFill>
-          <a:srgbClr val="000000"/>
-        </a:solidFill>
-        <a:effectLst/>
-      </p:bgPr>
-    </p:bg>
-    <p:spTree>
-      <p:nvGrpSpPr>
-        <p:cNvPr id="1" name=""/>
-        <p:cNvGrpSpPr/>
-        <p:nvPr/>
-      </p:nvGrpSpPr>
-      <p:grpSpPr>
-        <a:xfrm>
-          <a:off x="0" y="0"/>
-          <a:ext cx="0" cy="0"/>
-          <a:chOff x="0" y="0"/>
-          <a:chExt cx="0" cy="0"/>
-        </a:xfrm>
-      </p:grpSpPr>
-      <p:sp>
-        <p:nvSpPr>
-          <p:cNvPr id="2" name="Title 1">
-            <a:extLst>
-              <a:ext uri="{FF2B5EF4-FFF2-40B4-BE49-F238E27FC236}">
-                <a16:creationId xmlns:a16="http://schemas.microsoft.com/office/drawing/2014/main" id="{E1588011-CF6F-486E-976A-BE3B5B73AB8B}"/>
-              </a:ext>
-            </a:extLst>
-          </p:cNvPr>
-          <p:cNvSpPr txBox="1">
-            <a:spLocks noGrp="1"/>
-          </p:cNvSpPr>
-          <p:nvPr>
-            <p:ph type="title"/>
-          </p:nvPr>
-        </p:nvSpPr>
-        <p:spPr/>
-        <p:txBody>
-          <a:bodyPr/>
-          <a:lstStyle/>
-          <a:p>
-            <a:pPr lvl="0"/>
-            <a:r>
-              <a:rPr lang="nl-NL">
-                <a:solidFill>
-                  <a:srgbClr val="00FF00"/>
-                </a:solidFill>
-                <a:latin typeface="Courier New" pitchFamily="49"/>
-                <a:cs typeface="Courier New" pitchFamily="49"/>
-              </a:rPr>
-              <a:t>Simulation during test execution</a:t>
-            </a:r>
-          </a:p>
-        </p:txBody>
-      </p:sp>
-      <p:sp>
-        <p:nvSpPr>
-          <p:cNvPr id="3" name="Content Placeholder 2">
-            <a:extLst>
-              <a:ext uri="{FF2B5EF4-FFF2-40B4-BE49-F238E27FC236}">
-                <a16:creationId xmlns:a16="http://schemas.microsoft.com/office/drawing/2014/main" id="{83C7053A-2DA6-431A-BC43-684AEF4AD28A}"/>
-              </a:ext>
-            </a:extLst>
-          </p:cNvPr>
-          <p:cNvSpPr txBox="1">
-            <a:spLocks noGrp="1"/>
-          </p:cNvSpPr>
-          <p:nvPr>
-            <p:ph idx="1"/>
-          </p:nvPr>
-        </p:nvSpPr>
-        <p:spPr>
-          <a:xfrm>
-            <a:off x="838203" y="1825627"/>
-            <a:ext cx="11143893" cy="4351336"/>
-          </a:xfrm>
-        </p:spPr>
-        <p:txBody>
-          <a:bodyPr/>
-          <a:lstStyle/>
-          <a:p>
-            <a:pPr lvl="0">
-              <a:buFont typeface="Courier New" pitchFamily="49"/>
-              <a:buChar char="_"/>
-            </a:pPr>
-            <a:r>
-              <a:rPr lang="nl-NL" dirty="0">
-                <a:solidFill>
-                  <a:srgbClr val="00FF00"/>
-                </a:solidFill>
-                <a:latin typeface="Courier New" pitchFamily="49"/>
-                <a:cs typeface="Courier New" pitchFamily="49"/>
-              </a:rPr>
-              <a:t>Simulate dependency </a:t>
-            </a:r>
-            <a:r>
-              <a:rPr lang="nl-NL" b="1" dirty="0">
-                <a:solidFill>
-                  <a:srgbClr val="00FF00"/>
-                </a:solidFill>
-                <a:latin typeface="Courier New" pitchFamily="49"/>
-                <a:cs typeface="Courier New" pitchFamily="49"/>
-              </a:rPr>
-              <a:t>behaviour</a:t>
-            </a:r>
-          </a:p>
-          <a:p>
-            <a:pPr lvl="0">
-              <a:buFont typeface="Courier New" pitchFamily="49"/>
-              <a:buChar char="_"/>
-            </a:pPr>
-            <a:endParaRPr lang="nl-NL" dirty="0">
-              <a:solidFill>
-                <a:srgbClr val="00FF00"/>
-              </a:solidFill>
-              <a:latin typeface="Courier New" pitchFamily="49"/>
-              <a:cs typeface="Courier New" pitchFamily="49"/>
-            </a:endParaRPr>
-          </a:p>
-          <a:p>
-            <a:pPr lvl="0">
-              <a:buFont typeface="Courier New" pitchFamily="49"/>
-              <a:buChar char="_"/>
-            </a:pPr>
-            <a:r>
-              <a:rPr lang="nl-NL" dirty="0">
-                <a:solidFill>
-                  <a:srgbClr val="00FF00"/>
-                </a:solidFill>
-                <a:latin typeface="Courier New" pitchFamily="49"/>
-                <a:cs typeface="Courier New" pitchFamily="49"/>
-              </a:rPr>
-              <a:t>Regain control over test environment</a:t>
-            </a:r>
-          </a:p>
-          <a:p>
-            <a:pPr lvl="1">
-              <a:buFont typeface="Courier New" pitchFamily="49"/>
-              <a:buChar char="_"/>
-            </a:pPr>
-            <a:r>
-              <a:rPr lang="nl-NL" dirty="0">
-                <a:solidFill>
-                  <a:srgbClr val="00FF00"/>
-                </a:solidFill>
-                <a:latin typeface="Courier New" pitchFamily="49"/>
-                <a:cs typeface="Courier New" pitchFamily="49"/>
-              </a:rPr>
-              <a:t>Dependencies available on demand</a:t>
-            </a:r>
-          </a:p>
-          <a:p>
-            <a:pPr lvl="1">
-              <a:buFont typeface="Courier New" pitchFamily="49"/>
-              <a:buChar char="_"/>
-            </a:pPr>
-            <a:r>
-              <a:rPr lang="nl-NL" dirty="0">
-                <a:solidFill>
-                  <a:srgbClr val="00FF00"/>
-                </a:solidFill>
-                <a:latin typeface="Courier New" pitchFamily="49"/>
-                <a:cs typeface="Courier New" pitchFamily="49"/>
-              </a:rPr>
-              <a:t>Control over test data (edge cases!)</a:t>
-            </a:r>
-          </a:p>
-          <a:p>
-            <a:pPr lvl="1">
-              <a:buFont typeface="Courier New" pitchFamily="49"/>
-              <a:buChar char="_"/>
-            </a:pPr>
-            <a:r>
-              <a:rPr lang="nl-NL" dirty="0">
-                <a:solidFill>
-                  <a:srgbClr val="00FF00"/>
-                </a:solidFill>
-                <a:latin typeface="Courier New" pitchFamily="49"/>
-                <a:cs typeface="Courier New" pitchFamily="49"/>
-              </a:rPr>
-              <a:t>Eliminate third party component usage fees</a:t>
-            </a:r>
-          </a:p>
-          <a:p>
-            <a:pPr lvl="1">
-              <a:buFont typeface="Courier New" pitchFamily="49"/>
-              <a:buChar char="_"/>
-            </a:pPr>
-            <a:r>
-              <a:rPr lang="nl-NL" dirty="0">
-                <a:solidFill>
-                  <a:srgbClr val="00FF00"/>
-                </a:solidFill>
-                <a:latin typeface="Courier New" pitchFamily="49"/>
-                <a:cs typeface="Courier New" pitchFamily="49"/>
-              </a:rPr>
-              <a:t>…</a:t>
-            </a:r>
-          </a:p>
-          <a:p>
-            <a:pPr lvl="0">
-              <a:buFont typeface="Courier New" pitchFamily="49"/>
-              <a:buChar char="_"/>
-            </a:pPr>
-            <a:endParaRPr lang="nl-NL" dirty="0">
-              <a:solidFill>
-                <a:srgbClr val="00FF00"/>
-              </a:solidFill>
-              <a:latin typeface="Courier New" pitchFamily="49"/>
-              <a:cs typeface="Courier New" pitchFamily="49"/>
-            </a:endParaRPr>
-          </a:p>
-          <a:p>
-            <a:pPr lvl="0">
-              <a:buFont typeface="Courier New" pitchFamily="49"/>
-              <a:buChar char="_"/>
-            </a:pPr>
-            <a:endParaRPr lang="nl-NL" dirty="0">
-              <a:solidFill>
-                <a:srgbClr val="00FF00"/>
-              </a:solidFill>
-              <a:latin typeface="Courier New" pitchFamily="49"/>
-              <a:cs typeface="Courier New" pitchFamily="49"/>
-            </a:endParaRPr>
-          </a:p>
-        </p:txBody>
-      </p:sp>
-    </p:spTree>
-  </p:cSld>
-  <p:clrMapOvr>
-    <a:masterClrMapping/>
-  </p:clrMapOvr>
-</p:sld>
-</file>
-
-<file path=ppt/slides/slide70.xml><?xml version="1.0" encoding="utf-8"?>
+<file path=ppt/slides/slide74.xml><?xml version="1.0" encoding="utf-8"?>
 <p:sld xmlns:a="http://schemas.openxmlformats.org/drawingml/2006/main" xmlns:r="http://schemas.openxmlformats.org/officeDocument/2006/relationships" xmlns:p="http://schemas.openxmlformats.org/presentationml/2006/main">
   <p:cSld>
     <p:bg>
@@ -43186,16 +44751,6 @@
               <a:buChar char="_"/>
             </a:pPr>
             <a:r>
-              <a:rPr lang="nl-NL">
-                <a:solidFill>
-                  <a:srgbClr val="00FF00"/>
-                </a:solidFill>
-                <a:latin typeface="Courier New" pitchFamily="49"/>
-                <a:cs typeface="Courier New" pitchFamily="49"/>
-              </a:rPr>
-              <a:t>exercises &gt; extensions &gt; RejectedHttpVerbsMatcher.</a:t>
-            </a:r>
-            <a:r>
               <a:rPr lang="nl-NL" dirty="0">
                 <a:solidFill>
                   <a:srgbClr val="00FF00"/>
@@ -43203,7 +44758,7 @@
                 <a:latin typeface="Courier New" pitchFamily="49"/>
                 <a:cs typeface="Courier New" pitchFamily="49"/>
               </a:rPr>
-              <a:t>java</a:t>
+              <a:t>exercises &gt; extensions &gt; RejectedHttpVerbsMatcher.java</a:t>
             </a:r>
           </a:p>
           <a:p>
@@ -43225,7 +44780,7 @@
               <a:buChar char="_"/>
             </a:pPr>
             <a:r>
-              <a:rPr lang="nl-NL">
+              <a:rPr lang="nl-NL" dirty="0">
                 <a:solidFill>
                   <a:srgbClr val="00FF00"/>
                 </a:solidFill>
@@ -43240,147 +44795,6 @@
               <a:buFont typeface="Courier New" pitchFamily="49"/>
               <a:buChar char="_"/>
             </a:pPr>
-            <a:endParaRPr lang="nl-NL">
-              <a:solidFill>
-                <a:srgbClr val="00FF00"/>
-              </a:solidFill>
-              <a:latin typeface="Courier New" pitchFamily="49"/>
-              <a:cs typeface="Courier New" pitchFamily="49"/>
-            </a:endParaRPr>
-          </a:p>
-          <a:p>
-            <a:pPr lvl="0">
-              <a:buFont typeface="Courier New" pitchFamily="49"/>
-              <a:buChar char="_"/>
-            </a:pPr>
-            <a:r>
-              <a:rPr lang="nl-NL">
-                <a:solidFill>
-                  <a:srgbClr val="00FF00"/>
-                </a:solidFill>
-                <a:latin typeface="Courier New" pitchFamily="49"/>
-                <a:cs typeface="Courier New" pitchFamily="49"/>
-              </a:rPr>
-              <a:t>Verify </a:t>
-            </a:r>
-            <a:r>
-              <a:rPr lang="nl-NL" dirty="0" err="1">
-                <a:solidFill>
-                  <a:srgbClr val="00FF00"/>
-                </a:solidFill>
-                <a:latin typeface="Courier New" pitchFamily="49"/>
-                <a:cs typeface="Courier New" pitchFamily="49"/>
-              </a:rPr>
-              <a:t>your</a:t>
-            </a:r>
-            <a:r>
-              <a:rPr lang="nl-NL" dirty="0">
-                <a:solidFill>
-                  <a:srgbClr val="00FF00"/>
-                </a:solidFill>
-                <a:latin typeface="Courier New" pitchFamily="49"/>
-                <a:cs typeface="Courier New" pitchFamily="49"/>
-              </a:rPr>
-              <a:t> solution </a:t>
-            </a:r>
-            <a:r>
-              <a:rPr lang="nl-NL" dirty="0" err="1">
-                <a:solidFill>
-                  <a:srgbClr val="00FF00"/>
-                </a:solidFill>
-                <a:latin typeface="Courier New" pitchFamily="49"/>
-                <a:cs typeface="Courier New" pitchFamily="49"/>
-              </a:rPr>
-              <a:t>by</a:t>
-            </a:r>
-            <a:r>
-              <a:rPr lang="nl-NL" dirty="0">
-                <a:solidFill>
-                  <a:srgbClr val="00FF00"/>
-                </a:solidFill>
-                <a:latin typeface="Courier New" pitchFamily="49"/>
-                <a:cs typeface="Courier New" pitchFamily="49"/>
-              </a:rPr>
-              <a:t> running </a:t>
-            </a:r>
-            <a:r>
-              <a:rPr lang="nl-NL" err="1">
-                <a:solidFill>
-                  <a:srgbClr val="00FF00"/>
-                </a:solidFill>
-                <a:latin typeface="Courier New" pitchFamily="49"/>
-                <a:cs typeface="Courier New" pitchFamily="49"/>
-              </a:rPr>
-              <a:t>the</a:t>
-            </a:r>
-            <a:r>
-              <a:rPr lang="nl-NL">
-                <a:solidFill>
-                  <a:srgbClr val="00FF00"/>
-                </a:solidFill>
-                <a:latin typeface="Courier New" pitchFamily="49"/>
-                <a:cs typeface="Courier New" pitchFamily="49"/>
-              </a:rPr>
-              <a:t> tests in exercises &gt; WireMockExercises6dot2Test.java</a:t>
-            </a:r>
-          </a:p>
-          <a:p>
-            <a:pPr lvl="0">
-              <a:buFont typeface="Courier New" pitchFamily="49"/>
-              <a:buChar char="_"/>
-            </a:pPr>
-            <a:endParaRPr lang="nl-NL">
-              <a:solidFill>
-                <a:srgbClr val="00FF00"/>
-              </a:solidFill>
-              <a:latin typeface="Courier New" pitchFamily="49"/>
-              <a:cs typeface="Courier New" pitchFamily="49"/>
-            </a:endParaRPr>
-          </a:p>
-          <a:p>
-            <a:pPr lvl="0">
-              <a:buFont typeface="Courier New" pitchFamily="49"/>
-              <a:buChar char="_"/>
-            </a:pPr>
-            <a:r>
-              <a:rPr lang="nl-NL">
-                <a:solidFill>
-                  <a:srgbClr val="00FF00"/>
-                </a:solidFill>
-                <a:latin typeface="Courier New" pitchFamily="49"/>
-                <a:cs typeface="Courier New" pitchFamily="49"/>
-              </a:rPr>
-              <a:t>Answers are in answers &gt; extensions &gt; RejectedHttpVerbsMatcher.java</a:t>
-            </a:r>
-          </a:p>
-          <a:p>
-            <a:pPr lvl="0">
-              <a:buFont typeface="Courier New" pitchFamily="49"/>
-              <a:buChar char="_"/>
-            </a:pPr>
-            <a:endParaRPr lang="nl-NL">
-              <a:solidFill>
-                <a:srgbClr val="00FF00"/>
-              </a:solidFill>
-              <a:latin typeface="Courier New" pitchFamily="49"/>
-              <a:cs typeface="Courier New" pitchFamily="49"/>
-            </a:endParaRPr>
-          </a:p>
-          <a:p>
-            <a:pPr lvl="0">
-              <a:buFont typeface="Courier New" pitchFamily="49"/>
-              <a:buChar char="_"/>
-            </a:pPr>
-            <a:r>
-              <a:rPr lang="nl-NL">
-                <a:solidFill>
-                  <a:srgbClr val="00FF00"/>
-                </a:solidFill>
-                <a:latin typeface="Courier New" pitchFamily="49"/>
-                <a:cs typeface="Courier New" pitchFamily="49"/>
-              </a:rPr>
-              <a:t>Examples are in examples &gt; extensions &gt; BodyLengthMatcher.java</a:t>
-            </a:r>
             <a:endParaRPr lang="nl-NL" dirty="0">
               <a:solidFill>
                 <a:srgbClr val="00FF00"/>
@@ -43388,6 +44802,80 @@
               <a:latin typeface="Courier New" pitchFamily="49"/>
               <a:cs typeface="Courier New" pitchFamily="49"/>
             </a:endParaRPr>
+          </a:p>
+          <a:p>
+            <a:pPr lvl="0">
+              <a:buFont typeface="Courier New" pitchFamily="49"/>
+              <a:buChar char="_"/>
+            </a:pPr>
+            <a:r>
+              <a:rPr lang="nl-NL" dirty="0">
+                <a:solidFill>
+                  <a:srgbClr val="00FF00"/>
+                </a:solidFill>
+                <a:latin typeface="Courier New" pitchFamily="49"/>
+                <a:cs typeface="Courier New" pitchFamily="49"/>
+              </a:rPr>
+              <a:t>Verify your solution by running the tests in exercises &gt; WireMockExercises7dot2Test.java</a:t>
+            </a:r>
+          </a:p>
+          <a:p>
+            <a:pPr lvl="0">
+              <a:buFont typeface="Courier New" pitchFamily="49"/>
+              <a:buChar char="_"/>
+            </a:pPr>
+            <a:endParaRPr lang="nl-NL" dirty="0">
+              <a:solidFill>
+                <a:srgbClr val="00FF00"/>
+              </a:solidFill>
+              <a:latin typeface="Courier New" pitchFamily="49"/>
+              <a:cs typeface="Courier New" pitchFamily="49"/>
+            </a:endParaRPr>
+          </a:p>
+          <a:p>
+            <a:pPr lvl="0">
+              <a:buFont typeface="Courier New" pitchFamily="49"/>
+              <a:buChar char="_"/>
+            </a:pPr>
+            <a:r>
+              <a:rPr lang="nl-NL" dirty="0">
+                <a:solidFill>
+                  <a:srgbClr val="00FF00"/>
+                </a:solidFill>
+                <a:latin typeface="Courier New" pitchFamily="49"/>
+                <a:cs typeface="Courier New" pitchFamily="49"/>
+              </a:rPr>
+              <a:t>Answers are in answers &gt; extensions &gt; RejectedHttpVerbsMatcher.java</a:t>
+            </a:r>
+          </a:p>
+          <a:p>
+            <a:pPr lvl="0">
+              <a:buFont typeface="Courier New" pitchFamily="49"/>
+              <a:buChar char="_"/>
+            </a:pPr>
+            <a:endParaRPr lang="nl-NL" dirty="0">
+              <a:solidFill>
+                <a:srgbClr val="00FF00"/>
+              </a:solidFill>
+              <a:latin typeface="Courier New" pitchFamily="49"/>
+              <a:cs typeface="Courier New" pitchFamily="49"/>
+            </a:endParaRPr>
+          </a:p>
+          <a:p>
+            <a:pPr lvl="0">
+              <a:buFont typeface="Courier New" pitchFamily="49"/>
+              <a:buChar char="_"/>
+            </a:pPr>
+            <a:r>
+              <a:rPr lang="nl-NL" dirty="0">
+                <a:solidFill>
+                  <a:srgbClr val="00FF00"/>
+                </a:solidFill>
+                <a:latin typeface="Courier New" pitchFamily="49"/>
+                <a:cs typeface="Courier New" pitchFamily="49"/>
+              </a:rPr>
+              <a:t>Examples are in examples &gt; extensions &gt; BodyLengthMatcher.java</a:t>
+            </a:r>
           </a:p>
           <a:p>
             <a:pPr lvl="0">
@@ -43469,7 +44957,7 @@
 </p:sld>
 </file>
 
-<file path=ppt/slides/slide71.xml><?xml version="1.0" encoding="utf-8"?>
+<file path=ppt/slides/slide75.xml><?xml version="1.0" encoding="utf-8"?>
 <p:sld xmlns:a="http://schemas.openxmlformats.org/drawingml/2006/main" xmlns:r="http://schemas.openxmlformats.org/officeDocument/2006/relationships" xmlns:p="http://schemas.openxmlformats.org/presentationml/2006/main">
   <p:cSld>
     <p:bg>
@@ -43571,7 +45059,7 @@
 </p:sld>
 </file>
 
-<file path=ppt/slides/slide72.xml><?xml version="1.0" encoding="utf-8"?>
+<file path=ppt/slides/slide76.xml><?xml version="1.0" encoding="utf-8"?>
 <p:sld xmlns:a="http://schemas.openxmlformats.org/drawingml/2006/main" xmlns:r="http://schemas.openxmlformats.org/officeDocument/2006/relationships" xmlns:p="http://schemas.openxmlformats.org/presentationml/2006/main">
   <p:cSld>
     <p:bg>
@@ -43833,7 +45321,7 @@
 </p:sld>
 </file>
 
-<file path=ppt/slides/slide73.xml><?xml version="1.0" encoding="utf-8"?>
+<file path=ppt/slides/slide77.xml><?xml version="1.0" encoding="utf-8"?>
 <p:sld xmlns:a="http://schemas.openxmlformats.org/drawingml/2006/main" xmlns:r="http://schemas.openxmlformats.org/officeDocument/2006/relationships" xmlns:p="http://schemas.openxmlformats.org/presentationml/2006/main">
   <p:cSld>
     <p:bg>
@@ -44245,7 +45733,7 @@
 </p:sld>
 </file>
 
-<file path=ppt/slides/slide74.xml><?xml version="1.0" encoding="utf-8"?>
+<file path=ppt/slides/slide78.xml><?xml version="1.0" encoding="utf-8"?>
 <p:sld xmlns:a="http://schemas.openxmlformats.org/drawingml/2006/main" xmlns:r="http://schemas.openxmlformats.org/officeDocument/2006/relationships" xmlns:p="http://schemas.openxmlformats.org/presentationml/2006/main">
   <p:cSld>
     <p:bg>
@@ -44828,7 +46316,7 @@
 </p:sld>
 </file>
 
-<file path=ppt/slides/slide75.xml><?xml version="1.0" encoding="utf-8"?>
+<file path=ppt/slides/slide79.xml><?xml version="1.0" encoding="utf-8"?>
 <p:sld xmlns:a="http://schemas.openxmlformats.org/drawingml/2006/main" xmlns:r="http://schemas.openxmlformats.org/officeDocument/2006/relationships" xmlns:p="http://schemas.openxmlformats.org/presentationml/2006/main">
   <p:cSld>
     <p:bg>
@@ -44933,16 +46421,6 @@
               <a:buChar char="_"/>
             </a:pPr>
             <a:r>
-              <a:rPr lang="nl-NL">
-                <a:solidFill>
-                  <a:srgbClr val="00FF00"/>
-                </a:solidFill>
-                <a:latin typeface="Courier New" pitchFamily="49"/>
-                <a:cs typeface="Courier New" pitchFamily="49"/>
-              </a:rPr>
-              <a:t>exercises &gt; extensions &gt; LogLoanRequestReceptionWithTimestamp.</a:t>
-            </a:r>
-            <a:r>
               <a:rPr lang="nl-NL" dirty="0">
                 <a:solidFill>
                   <a:srgbClr val="00FF00"/>
@@ -44950,7 +46428,7 @@
                 <a:latin typeface="Courier New" pitchFamily="49"/>
                 <a:cs typeface="Courier New" pitchFamily="49"/>
               </a:rPr>
-              <a:t>java</a:t>
+              <a:t>exercises &gt; extensions &gt; LogRequestWithTimestamp.java</a:t>
             </a:r>
           </a:p>
           <a:p>
@@ -44972,14 +46450,14 @@
               <a:buChar char="_"/>
             </a:pPr>
             <a:r>
-              <a:rPr lang="nl-NL">
-                <a:solidFill>
-                  <a:srgbClr val="00FF00"/>
-                </a:solidFill>
-                <a:latin typeface="Courier New" pitchFamily="49"/>
-                <a:cs typeface="Courier New" pitchFamily="49"/>
-              </a:rPr>
-              <a:t>Implement a post-serve action that prints a log message containing the current date and time in the requested format to the console</a:t>
+              <a:rPr lang="nl-NL" dirty="0">
+                <a:solidFill>
+                  <a:srgbClr val="00FF00"/>
+                </a:solidFill>
+                <a:latin typeface="Courier New" pitchFamily="49"/>
+                <a:cs typeface="Courier New" pitchFamily="49"/>
+              </a:rPr>
+              <a:t>Implement a ServeEvent listener that prints a log message containing the current date and time in the requested format to the console</a:t>
             </a:r>
           </a:p>
           <a:p>
@@ -44987,147 +46465,6 @@
               <a:buFont typeface="Courier New" pitchFamily="49"/>
               <a:buChar char="_"/>
             </a:pPr>
-            <a:endParaRPr lang="nl-NL">
-              <a:solidFill>
-                <a:srgbClr val="00FF00"/>
-              </a:solidFill>
-              <a:latin typeface="Courier New" pitchFamily="49"/>
-              <a:cs typeface="Courier New" pitchFamily="49"/>
-            </a:endParaRPr>
-          </a:p>
-          <a:p>
-            <a:pPr lvl="0">
-              <a:buFont typeface="Courier New" pitchFamily="49"/>
-              <a:buChar char="_"/>
-            </a:pPr>
-            <a:r>
-              <a:rPr lang="nl-NL">
-                <a:solidFill>
-                  <a:srgbClr val="00FF00"/>
-                </a:solidFill>
-                <a:latin typeface="Courier New" pitchFamily="49"/>
-                <a:cs typeface="Courier New" pitchFamily="49"/>
-              </a:rPr>
-              <a:t>Verify </a:t>
-            </a:r>
-            <a:r>
-              <a:rPr lang="nl-NL" dirty="0" err="1">
-                <a:solidFill>
-                  <a:srgbClr val="00FF00"/>
-                </a:solidFill>
-                <a:latin typeface="Courier New" pitchFamily="49"/>
-                <a:cs typeface="Courier New" pitchFamily="49"/>
-              </a:rPr>
-              <a:t>your</a:t>
-            </a:r>
-            <a:r>
-              <a:rPr lang="nl-NL" dirty="0">
-                <a:solidFill>
-                  <a:srgbClr val="00FF00"/>
-                </a:solidFill>
-                <a:latin typeface="Courier New" pitchFamily="49"/>
-                <a:cs typeface="Courier New" pitchFamily="49"/>
-              </a:rPr>
-              <a:t> solution </a:t>
-            </a:r>
-            <a:r>
-              <a:rPr lang="nl-NL" dirty="0" err="1">
-                <a:solidFill>
-                  <a:srgbClr val="00FF00"/>
-                </a:solidFill>
-                <a:latin typeface="Courier New" pitchFamily="49"/>
-                <a:cs typeface="Courier New" pitchFamily="49"/>
-              </a:rPr>
-              <a:t>by</a:t>
-            </a:r>
-            <a:r>
-              <a:rPr lang="nl-NL" dirty="0">
-                <a:solidFill>
-                  <a:srgbClr val="00FF00"/>
-                </a:solidFill>
-                <a:latin typeface="Courier New" pitchFamily="49"/>
-                <a:cs typeface="Courier New" pitchFamily="49"/>
-              </a:rPr>
-              <a:t> running </a:t>
-            </a:r>
-            <a:r>
-              <a:rPr lang="nl-NL" err="1">
-                <a:solidFill>
-                  <a:srgbClr val="00FF00"/>
-                </a:solidFill>
-                <a:latin typeface="Courier New" pitchFamily="49"/>
-                <a:cs typeface="Courier New" pitchFamily="49"/>
-              </a:rPr>
-              <a:t>the</a:t>
-            </a:r>
-            <a:r>
-              <a:rPr lang="nl-NL">
-                <a:solidFill>
-                  <a:srgbClr val="00FF00"/>
-                </a:solidFill>
-                <a:latin typeface="Courier New" pitchFamily="49"/>
-                <a:cs typeface="Courier New" pitchFamily="49"/>
-              </a:rPr>
-              <a:t> tests in exercises &gt; WireMockExercises6dot3Test.java</a:t>
-            </a:r>
-          </a:p>
-          <a:p>
-            <a:pPr lvl="0">
-              <a:buFont typeface="Courier New" pitchFamily="49"/>
-              <a:buChar char="_"/>
-            </a:pPr>
-            <a:endParaRPr lang="nl-NL">
-              <a:solidFill>
-                <a:srgbClr val="00FF00"/>
-              </a:solidFill>
-              <a:latin typeface="Courier New" pitchFamily="49"/>
-              <a:cs typeface="Courier New" pitchFamily="49"/>
-            </a:endParaRPr>
-          </a:p>
-          <a:p>
-            <a:pPr lvl="0">
-              <a:buFont typeface="Courier New" pitchFamily="49"/>
-              <a:buChar char="_"/>
-            </a:pPr>
-            <a:r>
-              <a:rPr lang="nl-NL">
-                <a:solidFill>
-                  <a:srgbClr val="00FF00"/>
-                </a:solidFill>
-                <a:latin typeface="Courier New" pitchFamily="49"/>
-                <a:cs typeface="Courier New" pitchFamily="49"/>
-              </a:rPr>
-              <a:t>Answers are in answers &gt; extensions &gt; LogLoanRequestReceptionWithTimestamp.java</a:t>
-            </a:r>
-          </a:p>
-          <a:p>
-            <a:pPr lvl="0">
-              <a:buFont typeface="Courier New" pitchFamily="49"/>
-              <a:buChar char="_"/>
-            </a:pPr>
-            <a:endParaRPr lang="nl-NL">
-              <a:solidFill>
-                <a:srgbClr val="00FF00"/>
-              </a:solidFill>
-              <a:latin typeface="Courier New" pitchFamily="49"/>
-              <a:cs typeface="Courier New" pitchFamily="49"/>
-            </a:endParaRPr>
-          </a:p>
-          <a:p>
-            <a:pPr lvl="0">
-              <a:buFont typeface="Courier New" pitchFamily="49"/>
-              <a:buChar char="_"/>
-            </a:pPr>
-            <a:r>
-              <a:rPr lang="nl-NL">
-                <a:solidFill>
-                  <a:srgbClr val="00FF00"/>
-                </a:solidFill>
-                <a:latin typeface="Courier New" pitchFamily="49"/>
-                <a:cs typeface="Courier New" pitchFamily="49"/>
-              </a:rPr>
-              <a:t>Examples are in examples &gt; extensions &gt; WriteToDBAction.java</a:t>
-            </a:r>
             <a:endParaRPr lang="nl-NL" dirty="0">
               <a:solidFill>
                 <a:srgbClr val="00FF00"/>
@@ -45141,6 +46478,22 @@
               <a:buFont typeface="Courier New" pitchFamily="49"/>
               <a:buChar char="_"/>
             </a:pPr>
+            <a:r>
+              <a:rPr lang="nl-NL" dirty="0">
+                <a:solidFill>
+                  <a:srgbClr val="00FF00"/>
+                </a:solidFill>
+                <a:latin typeface="Courier New" pitchFamily="49"/>
+                <a:cs typeface="Courier New" pitchFamily="49"/>
+              </a:rPr>
+              <a:t>Configure and call the listener in exercises &gt; WireMockExercises7dot3Test.java</a:t>
+            </a:r>
+          </a:p>
+          <a:p>
+            <a:pPr lvl="0">
+              <a:buFont typeface="Courier New" pitchFamily="49"/>
+              <a:buChar char="_"/>
+            </a:pPr>
             <a:endParaRPr lang="nl-NL" dirty="0">
               <a:solidFill>
                 <a:srgbClr val="00FF00"/>
@@ -45154,6 +46507,22 @@
               <a:buFont typeface="Courier New" pitchFamily="49"/>
               <a:buChar char="_"/>
             </a:pPr>
+            <a:r>
+              <a:rPr lang="nl-NL" dirty="0">
+                <a:solidFill>
+                  <a:srgbClr val="00FF00"/>
+                </a:solidFill>
+                <a:latin typeface="Courier New" pitchFamily="49"/>
+                <a:cs typeface="Courier New" pitchFamily="49"/>
+              </a:rPr>
+              <a:t>Answers are in answers &gt; extensions &gt; LogRequestWithTimestamp.java</a:t>
+            </a:r>
+          </a:p>
+          <a:p>
+            <a:pPr lvl="0">
+              <a:buFont typeface="Courier New" pitchFamily="49"/>
+              <a:buChar char="_"/>
+            </a:pPr>
             <a:endParaRPr lang="nl-NL" dirty="0">
               <a:solidFill>
                 <a:srgbClr val="00FF00"/>
@@ -45167,6 +46536,22 @@
               <a:buFont typeface="Courier New" pitchFamily="49"/>
               <a:buChar char="_"/>
             </a:pPr>
+            <a:r>
+              <a:rPr lang="nl-NL" dirty="0">
+                <a:solidFill>
+                  <a:srgbClr val="00FF00"/>
+                </a:solidFill>
+                <a:latin typeface="Courier New" pitchFamily="49"/>
+                <a:cs typeface="Courier New" pitchFamily="49"/>
+              </a:rPr>
+              <a:t>Examples are in examples &gt; extensions &gt; DatabaseWriter.java</a:t>
+            </a:r>
+          </a:p>
+          <a:p>
+            <a:pPr lvl="0">
+              <a:buFont typeface="Courier New" pitchFamily="49"/>
+              <a:buChar char="_"/>
+            </a:pPr>
             <a:endParaRPr lang="nl-NL" dirty="0">
               <a:solidFill>
                 <a:srgbClr val="00FF00"/>
@@ -45201,444 +46586,38 @@
               <a:cs typeface="Courier New" pitchFamily="49"/>
             </a:endParaRPr>
           </a:p>
+          <a:p>
+            <a:pPr lvl="0">
+              <a:buFont typeface="Courier New" pitchFamily="49"/>
+              <a:buChar char="_"/>
+            </a:pPr>
+            <a:endParaRPr lang="nl-NL" dirty="0">
+              <a:solidFill>
+                <a:srgbClr val="00FF00"/>
+              </a:solidFill>
+              <a:latin typeface="Courier New" pitchFamily="49"/>
+              <a:cs typeface="Courier New" pitchFamily="49"/>
+            </a:endParaRPr>
+          </a:p>
+          <a:p>
+            <a:pPr lvl="0">
+              <a:buFont typeface="Courier New" pitchFamily="49"/>
+              <a:buChar char="_"/>
+            </a:pPr>
+            <a:endParaRPr lang="nl-NL" dirty="0">
+              <a:solidFill>
+                <a:srgbClr val="00FF00"/>
+              </a:solidFill>
+              <a:latin typeface="Courier New" pitchFamily="49"/>
+              <a:cs typeface="Courier New" pitchFamily="49"/>
+            </a:endParaRPr>
+          </a:p>
         </p:txBody>
       </p:sp>
     </p:spTree>
     <p:extLst>
       <p:ext uri="{BB962C8B-B14F-4D97-AF65-F5344CB8AC3E}">
         <p14:creationId xmlns:p14="http://schemas.microsoft.com/office/powerpoint/2010/main" val="3543610991"/>
-      </p:ext>
-    </p:extLst>
-  </p:cSld>
-  <p:clrMapOvr>
-    <a:masterClrMapping/>
-  </p:clrMapOvr>
-</p:sld>
-</file>
-
-<file path=ppt/slides/slide76.xml><?xml version="1.0" encoding="utf-8"?>
-<p:sld xmlns:a="http://schemas.openxmlformats.org/drawingml/2006/main" xmlns:r="http://schemas.openxmlformats.org/officeDocument/2006/relationships" xmlns:p="http://schemas.openxmlformats.org/presentationml/2006/main">
-  <p:cSld>
-    <p:bg>
-      <p:bgPr>
-        <a:solidFill>
-          <a:schemeClr val="tx1"/>
-        </a:solidFill>
-        <a:effectLst/>
-      </p:bgPr>
-    </p:bg>
-    <p:spTree>
-      <p:nvGrpSpPr>
-        <p:cNvPr id="1" name=""/>
-        <p:cNvGrpSpPr/>
-        <p:nvPr/>
-      </p:nvGrpSpPr>
-      <p:grpSpPr>
-        <a:xfrm>
-          <a:off x="0" y="0"/>
-          <a:ext cx="0" cy="0"/>
-          <a:chOff x="0" y="0"/>
-          <a:chExt cx="0" cy="0"/>
-        </a:xfrm>
-      </p:grpSpPr>
-      <p:sp>
-        <p:nvSpPr>
-          <p:cNvPr id="2" name="Title 1"/>
-          <p:cNvSpPr>
-            <a:spLocks noGrp="1"/>
-          </p:cNvSpPr>
-          <p:nvPr>
-            <p:ph type="title"/>
-          </p:nvPr>
-        </p:nvSpPr>
-        <p:spPr>
-          <a:xfrm>
-            <a:off x="0" y="365125"/>
-            <a:ext cx="12192000" cy="6063107"/>
-          </a:xfrm>
-        </p:spPr>
-        <p:txBody>
-          <a:bodyPr>
-            <a:normAutofit/>
-          </a:bodyPr>
-          <a:lstStyle/>
-          <a:p>
-            <a:pPr algn="ctr"/>
-            <a:r>
-              <a:rPr lang="nl-NL" sz="6000">
-                <a:solidFill>
-                  <a:srgbClr val="00FF00"/>
-                </a:solidFill>
-                <a:latin typeface="Courier New" panose="02070309020205020404" pitchFamily="49" charset="0"/>
-                <a:cs typeface="Courier New" panose="02070309020205020404" pitchFamily="49" charset="0"/>
-              </a:rPr>
-              <a:t>https://wiremock.org/docs</a:t>
-            </a:r>
-            <a:br>
-              <a:rPr lang="nl-NL" sz="6000">
-                <a:solidFill>
-                  <a:srgbClr val="00FF00"/>
-                </a:solidFill>
-                <a:latin typeface="Courier New" panose="02070309020205020404" pitchFamily="49" charset="0"/>
-                <a:cs typeface="Courier New" panose="02070309020205020404" pitchFamily="49" charset="0"/>
-              </a:rPr>
-            </a:br>
-            <a:r>
-              <a:rPr lang="nl-NL" sz="6000">
-                <a:solidFill>
-                  <a:srgbClr val="00FF00"/>
-                </a:solidFill>
-                <a:latin typeface="Courier New" panose="02070309020205020404" pitchFamily="49" charset="0"/>
-                <a:cs typeface="Courier New" panose="02070309020205020404" pitchFamily="49" charset="0"/>
-              </a:rPr>
-              <a:t>/extending-wiremock/</a:t>
-            </a:r>
-          </a:p>
-        </p:txBody>
-      </p:sp>
-    </p:spTree>
-    <p:extLst>
-      <p:ext uri="{BB962C8B-B14F-4D97-AF65-F5344CB8AC3E}">
-        <p14:creationId xmlns:p14="http://schemas.microsoft.com/office/powerpoint/2010/main" val="2396040929"/>
-      </p:ext>
-    </p:extLst>
-  </p:cSld>
-  <p:clrMapOvr>
-    <a:masterClrMapping/>
-  </p:clrMapOvr>
-</p:sld>
-</file>
-
-<file path=ppt/slides/slide77.xml><?xml version="1.0" encoding="utf-8"?>
-<p:sld xmlns:a="http://schemas.openxmlformats.org/drawingml/2006/main" xmlns:r="http://schemas.openxmlformats.org/officeDocument/2006/relationships" xmlns:p="http://schemas.openxmlformats.org/presentationml/2006/main">
-  <p:cSld>
-    <p:bg>
-      <p:bgPr>
-        <a:solidFill>
-          <a:schemeClr val="tx1"/>
-        </a:solidFill>
-        <a:effectLst/>
-      </p:bgPr>
-    </p:bg>
-    <p:spTree>
-      <p:nvGrpSpPr>
-        <p:cNvPr id="1" name=""/>
-        <p:cNvGrpSpPr/>
-        <p:nvPr/>
-      </p:nvGrpSpPr>
-      <p:grpSpPr>
-        <a:xfrm>
-          <a:off x="0" y="0"/>
-          <a:ext cx="0" cy="0"/>
-          <a:chOff x="0" y="0"/>
-          <a:chExt cx="0" cy="0"/>
-        </a:xfrm>
-      </p:grpSpPr>
-      <p:sp>
-        <p:nvSpPr>
-          <p:cNvPr id="2" name="Title 1"/>
-          <p:cNvSpPr>
-            <a:spLocks noGrp="1"/>
-          </p:cNvSpPr>
-          <p:nvPr>
-            <p:ph type="title"/>
-          </p:nvPr>
-        </p:nvSpPr>
-        <p:spPr>
-          <a:xfrm>
-            <a:off x="2" y="2267636"/>
-            <a:ext cx="12191998" cy="2369662"/>
-          </a:xfrm>
-        </p:spPr>
-        <p:txBody>
-          <a:bodyPr>
-            <a:noAutofit/>
-          </a:bodyPr>
-          <a:lstStyle/>
-          <a:p>
-            <a:pPr algn="ctr"/>
-            <a:r>
-              <a:rPr lang="nl-NL" sz="6500">
-                <a:solidFill>
-                  <a:srgbClr val="00FF00"/>
-                </a:solidFill>
-                <a:latin typeface="Courier New" panose="02070309020205020404" pitchFamily="49" charset="0"/>
-                <a:cs typeface="Courier New" panose="02070309020205020404" pitchFamily="49" charset="0"/>
-              </a:rPr>
-              <a:t>Appendix A:</a:t>
-            </a:r>
-            <a:br>
-              <a:rPr lang="nl-NL" sz="6500">
-                <a:solidFill>
-                  <a:srgbClr val="00FF00"/>
-                </a:solidFill>
-                <a:latin typeface="Courier New" panose="02070309020205020404" pitchFamily="49" charset="0"/>
-                <a:cs typeface="Courier New" panose="02070309020205020404" pitchFamily="49" charset="0"/>
-              </a:rPr>
-            </a:br>
-            <a:br>
-              <a:rPr lang="nl-NL" sz="6500">
-                <a:solidFill>
-                  <a:srgbClr val="00FF00"/>
-                </a:solidFill>
-                <a:latin typeface="Courier New" panose="02070309020205020404" pitchFamily="49" charset="0"/>
-                <a:cs typeface="Courier New" panose="02070309020205020404" pitchFamily="49" charset="0"/>
-              </a:rPr>
-            </a:br>
-            <a:r>
-              <a:rPr lang="nl-NL" sz="6500">
-                <a:solidFill>
-                  <a:srgbClr val="00FF00"/>
-                </a:solidFill>
-                <a:latin typeface="Courier New" panose="02070309020205020404" pitchFamily="49" charset="0"/>
-                <a:cs typeface="Courier New" panose="02070309020205020404" pitchFamily="49" charset="0"/>
-              </a:rPr>
-              <a:t>JSON equivalents for</a:t>
-            </a:r>
-            <a:br>
-              <a:rPr lang="nl-NL" sz="6500">
-                <a:solidFill>
-                  <a:srgbClr val="00FF00"/>
-                </a:solidFill>
-                <a:latin typeface="Courier New" panose="02070309020205020404" pitchFamily="49" charset="0"/>
-                <a:cs typeface="Courier New" panose="02070309020205020404" pitchFamily="49" charset="0"/>
-              </a:rPr>
-            </a:br>
-            <a:r>
-              <a:rPr lang="nl-NL" sz="6500">
-                <a:solidFill>
-                  <a:srgbClr val="00FF00"/>
-                </a:solidFill>
-                <a:latin typeface="Courier New" panose="02070309020205020404" pitchFamily="49" charset="0"/>
-                <a:cs typeface="Courier New" panose="02070309020205020404" pitchFamily="49" charset="0"/>
-              </a:rPr>
-              <a:t>the Java examples</a:t>
-            </a:r>
-            <a:endParaRPr lang="nl-NL" sz="6500" dirty="0">
-              <a:solidFill>
-                <a:srgbClr val="00FF00"/>
-              </a:solidFill>
-              <a:latin typeface="Courier New" panose="02070309020205020404" pitchFamily="49" charset="0"/>
-              <a:cs typeface="Courier New" panose="02070309020205020404" pitchFamily="49" charset="0"/>
-            </a:endParaRPr>
-          </a:p>
-        </p:txBody>
-      </p:sp>
-    </p:spTree>
-    <p:extLst>
-      <p:ext uri="{BB962C8B-B14F-4D97-AF65-F5344CB8AC3E}">
-        <p14:creationId xmlns:p14="http://schemas.microsoft.com/office/powerpoint/2010/main" val="1735981603"/>
-      </p:ext>
-    </p:extLst>
-  </p:cSld>
-  <p:clrMapOvr>
-    <a:masterClrMapping/>
-  </p:clrMapOvr>
-</p:sld>
-</file>
-
-<file path=ppt/slides/slide78.xml><?xml version="1.0" encoding="utf-8"?>
-<p:sld xmlns:a="http://schemas.openxmlformats.org/drawingml/2006/main" xmlns:r="http://schemas.openxmlformats.org/officeDocument/2006/relationships" xmlns:p="http://schemas.openxmlformats.org/presentationml/2006/main">
-  <p:cSld>
-    <p:bg>
-      <p:bgPr>
-        <a:solidFill>
-          <a:srgbClr val="000000"/>
-        </a:solidFill>
-        <a:effectLst/>
-      </p:bgPr>
-    </p:bg>
-    <p:spTree>
-      <p:nvGrpSpPr>
-        <p:cNvPr id="1" name=""/>
-        <p:cNvGrpSpPr/>
-        <p:nvPr/>
-      </p:nvGrpSpPr>
-      <p:grpSpPr>
-        <a:xfrm>
-          <a:off x="0" y="0"/>
-          <a:ext cx="0" cy="0"/>
-          <a:chOff x="0" y="0"/>
-          <a:chExt cx="0" cy="0"/>
-        </a:xfrm>
-      </p:grpSpPr>
-      <p:pic>
-        <p:nvPicPr>
-          <p:cNvPr id="3" name="Afbeelding 2">
-            <a:extLst>
-              <a:ext uri="{FF2B5EF4-FFF2-40B4-BE49-F238E27FC236}">
-                <a16:creationId xmlns:a16="http://schemas.microsoft.com/office/drawing/2014/main" id="{4FF12610-E479-4F8E-B092-8E5F50B02334}"/>
-              </a:ext>
-            </a:extLst>
-          </p:cNvPr>
-          <p:cNvPicPr>
-            <a:picLocks noChangeAspect="1"/>
-          </p:cNvPicPr>
-          <p:nvPr/>
-        </p:nvPicPr>
-        <p:blipFill>
-          <a:blip r:embed="rId2"/>
-          <a:stretch>
-            <a:fillRect/>
-          </a:stretch>
-        </p:blipFill>
-        <p:spPr>
-          <a:xfrm>
-            <a:off x="2077456" y="1687659"/>
-            <a:ext cx="8037088" cy="5002337"/>
-          </a:xfrm>
-          <a:prstGeom prst="rect">
-            <a:avLst/>
-          </a:prstGeom>
-        </p:spPr>
-      </p:pic>
-      <p:sp>
-        <p:nvSpPr>
-          <p:cNvPr id="2" name="Title 1">
-            <a:extLst>
-              <a:ext uri="{FF2B5EF4-FFF2-40B4-BE49-F238E27FC236}">
-                <a16:creationId xmlns:a16="http://schemas.microsoft.com/office/drawing/2014/main" id="{C1A374F2-CF67-4790-A38E-580019436329}"/>
-              </a:ext>
-            </a:extLst>
-          </p:cNvPr>
-          <p:cNvSpPr txBox="1">
-            <a:spLocks noGrp="1"/>
-          </p:cNvSpPr>
-          <p:nvPr>
-            <p:ph type="title"/>
-          </p:nvPr>
-        </p:nvSpPr>
-        <p:spPr>
-          <a:xfrm>
-            <a:off x="839784" y="365129"/>
-            <a:ext cx="11170706" cy="1325559"/>
-          </a:xfrm>
-        </p:spPr>
-        <p:txBody>
-          <a:bodyPr/>
-          <a:lstStyle/>
-          <a:p>
-            <a:pPr lvl="0"/>
-            <a:r>
-              <a:rPr lang="nl-NL">
-                <a:solidFill>
-                  <a:srgbClr val="00FF00"/>
-                </a:solidFill>
-                <a:latin typeface="Courier New" pitchFamily="49"/>
-                <a:cs typeface="Courier New" pitchFamily="49"/>
-              </a:rPr>
-              <a:t>Our Hello world! mock</a:t>
-            </a:r>
-          </a:p>
-        </p:txBody>
-      </p:sp>
-    </p:spTree>
-    <p:extLst>
-      <p:ext uri="{BB962C8B-B14F-4D97-AF65-F5344CB8AC3E}">
-        <p14:creationId xmlns:p14="http://schemas.microsoft.com/office/powerpoint/2010/main" val="3812535586"/>
-      </p:ext>
-    </p:extLst>
-  </p:cSld>
-  <p:clrMapOvr>
-    <a:masterClrMapping/>
-  </p:clrMapOvr>
-</p:sld>
-</file>
-
-<file path=ppt/slides/slide79.xml><?xml version="1.0" encoding="utf-8"?>
-<p:sld xmlns:a="http://schemas.openxmlformats.org/drawingml/2006/main" xmlns:r="http://schemas.openxmlformats.org/officeDocument/2006/relationships" xmlns:p="http://schemas.openxmlformats.org/presentationml/2006/main">
-  <p:cSld>
-    <p:bg>
-      <p:bgPr>
-        <a:solidFill>
-          <a:srgbClr val="000000"/>
-        </a:solidFill>
-        <a:effectLst/>
-      </p:bgPr>
-    </p:bg>
-    <p:spTree>
-      <p:nvGrpSpPr>
-        <p:cNvPr id="1" name=""/>
-        <p:cNvGrpSpPr/>
-        <p:nvPr/>
-      </p:nvGrpSpPr>
-      <p:grpSpPr>
-        <a:xfrm>
-          <a:off x="0" y="0"/>
-          <a:ext cx="0" cy="0"/>
-          <a:chOff x="0" y="0"/>
-          <a:chExt cx="0" cy="0"/>
-        </a:xfrm>
-      </p:grpSpPr>
-      <p:sp>
-        <p:nvSpPr>
-          <p:cNvPr id="2" name="Title 1">
-            <a:extLst>
-              <a:ext uri="{FF2B5EF4-FFF2-40B4-BE49-F238E27FC236}">
-                <a16:creationId xmlns:a16="http://schemas.microsoft.com/office/drawing/2014/main" id="{C60AB88C-4D40-48F4-8943-8E8569F64C96}"/>
-              </a:ext>
-            </a:extLst>
-          </p:cNvPr>
-          <p:cNvSpPr txBox="1">
-            <a:spLocks noGrp="1"/>
-          </p:cNvSpPr>
-          <p:nvPr>
-            <p:ph type="title"/>
-          </p:nvPr>
-        </p:nvSpPr>
-        <p:spPr/>
-        <p:txBody>
-          <a:bodyPr/>
-          <a:lstStyle/>
-          <a:p>
-            <a:pPr lvl="0"/>
-            <a:r>
-              <a:rPr lang="nl-NL">
-                <a:solidFill>
-                  <a:srgbClr val="00FF00"/>
-                </a:solidFill>
-                <a:latin typeface="Courier New" pitchFamily="49"/>
-                <a:cs typeface="Courier New" pitchFamily="49"/>
-              </a:rPr>
-              <a:t>URL matching</a:t>
-            </a:r>
-          </a:p>
-        </p:txBody>
-      </p:sp>
-      <p:pic>
-        <p:nvPicPr>
-          <p:cNvPr id="5" name="Afbeelding 4">
-            <a:extLst>
-              <a:ext uri="{FF2B5EF4-FFF2-40B4-BE49-F238E27FC236}">
-                <a16:creationId xmlns:a16="http://schemas.microsoft.com/office/drawing/2014/main" id="{0968EE5E-6C7B-4FB9-B940-F100988A8515}"/>
-              </a:ext>
-            </a:extLst>
-          </p:cNvPr>
-          <p:cNvPicPr>
-            <a:picLocks noChangeAspect="1"/>
-          </p:cNvPicPr>
-          <p:nvPr/>
-        </p:nvPicPr>
-        <p:blipFill>
-          <a:blip r:embed="rId2"/>
-          <a:stretch>
-            <a:fillRect/>
-          </a:stretch>
-        </p:blipFill>
-        <p:spPr>
-          <a:xfrm>
-            <a:off x="2885877" y="1690688"/>
-            <a:ext cx="6420245" cy="4843676"/>
-          </a:xfrm>
-          <a:prstGeom prst="rect">
-            <a:avLst/>
-          </a:prstGeom>
-        </p:spPr>
-      </p:pic>
-    </p:spTree>
-    <p:extLst>
-      <p:ext uri="{BB962C8B-B14F-4D97-AF65-F5344CB8AC3E}">
-        <p14:creationId xmlns:p14="http://schemas.microsoft.com/office/powerpoint/2010/main" val="3085711406"/>
       </p:ext>
     </p:extLst>
   </p:cSld>
@@ -46485,6 +47464,438 @@
     <p:bg>
       <p:bgPr>
         <a:solidFill>
+          <a:schemeClr val="tx1"/>
+        </a:solidFill>
+        <a:effectLst/>
+      </p:bgPr>
+    </p:bg>
+    <p:spTree>
+      <p:nvGrpSpPr>
+        <p:cNvPr id="1" name=""/>
+        <p:cNvGrpSpPr/>
+        <p:nvPr/>
+      </p:nvGrpSpPr>
+      <p:grpSpPr>
+        <a:xfrm>
+          <a:off x="0" y="0"/>
+          <a:ext cx="0" cy="0"/>
+          <a:chOff x="0" y="0"/>
+          <a:chExt cx="0" cy="0"/>
+        </a:xfrm>
+      </p:grpSpPr>
+      <p:sp>
+        <p:nvSpPr>
+          <p:cNvPr id="2" name="Title 1"/>
+          <p:cNvSpPr>
+            <a:spLocks noGrp="1"/>
+          </p:cNvSpPr>
+          <p:nvPr>
+            <p:ph type="title"/>
+          </p:nvPr>
+        </p:nvSpPr>
+        <p:spPr>
+          <a:xfrm>
+            <a:off x="0" y="365125"/>
+            <a:ext cx="12192000" cy="6063107"/>
+          </a:xfrm>
+        </p:spPr>
+        <p:txBody>
+          <a:bodyPr>
+            <a:normAutofit/>
+          </a:bodyPr>
+          <a:lstStyle/>
+          <a:p>
+            <a:pPr algn="ctr"/>
+            <a:r>
+              <a:rPr lang="nl-NL" sz="6000">
+                <a:solidFill>
+                  <a:srgbClr val="00FF00"/>
+                </a:solidFill>
+                <a:latin typeface="Courier New" panose="02070309020205020404" pitchFamily="49" charset="0"/>
+                <a:cs typeface="Courier New" panose="02070309020205020404" pitchFamily="49" charset="0"/>
+              </a:rPr>
+              <a:t>https://wiremock.org/docs</a:t>
+            </a:r>
+            <a:br>
+              <a:rPr lang="nl-NL" sz="6000">
+                <a:solidFill>
+                  <a:srgbClr val="00FF00"/>
+                </a:solidFill>
+                <a:latin typeface="Courier New" panose="02070309020205020404" pitchFamily="49" charset="0"/>
+                <a:cs typeface="Courier New" panose="02070309020205020404" pitchFamily="49" charset="0"/>
+              </a:rPr>
+            </a:br>
+            <a:r>
+              <a:rPr lang="nl-NL" sz="6000">
+                <a:solidFill>
+                  <a:srgbClr val="00FF00"/>
+                </a:solidFill>
+                <a:latin typeface="Courier New" panose="02070309020205020404" pitchFamily="49" charset="0"/>
+                <a:cs typeface="Courier New" panose="02070309020205020404" pitchFamily="49" charset="0"/>
+              </a:rPr>
+              <a:t>/extending-wiremock/</a:t>
+            </a:r>
+          </a:p>
+        </p:txBody>
+      </p:sp>
+    </p:spTree>
+    <p:extLst>
+      <p:ext uri="{BB962C8B-B14F-4D97-AF65-F5344CB8AC3E}">
+        <p14:creationId xmlns:p14="http://schemas.microsoft.com/office/powerpoint/2010/main" val="2396040929"/>
+      </p:ext>
+    </p:extLst>
+  </p:cSld>
+  <p:clrMapOvr>
+    <a:masterClrMapping/>
+  </p:clrMapOvr>
+</p:sld>
+</file>
+
+<file path=ppt/slides/slide81.xml><?xml version="1.0" encoding="utf-8"?>
+<p:sld xmlns:a="http://schemas.openxmlformats.org/drawingml/2006/main" xmlns:r="http://schemas.openxmlformats.org/officeDocument/2006/relationships" xmlns:p="http://schemas.openxmlformats.org/presentationml/2006/main">
+  <p:cSld>
+    <p:bg>
+      <p:bgPr>
+        <a:solidFill>
+          <a:schemeClr val="tx1"/>
+        </a:solidFill>
+        <a:effectLst/>
+      </p:bgPr>
+    </p:bg>
+    <p:spTree>
+      <p:nvGrpSpPr>
+        <p:cNvPr id="1" name=""/>
+        <p:cNvGrpSpPr/>
+        <p:nvPr/>
+      </p:nvGrpSpPr>
+      <p:grpSpPr>
+        <a:xfrm>
+          <a:off x="0" y="0"/>
+          <a:ext cx="0" cy="0"/>
+          <a:chOff x="0" y="0"/>
+          <a:chExt cx="0" cy="0"/>
+        </a:xfrm>
+      </p:grpSpPr>
+      <p:sp>
+        <p:nvSpPr>
+          <p:cNvPr id="2" name="Title 1"/>
+          <p:cNvSpPr>
+            <a:spLocks noGrp="1"/>
+          </p:cNvSpPr>
+          <p:nvPr>
+            <p:ph type="title"/>
+          </p:nvPr>
+        </p:nvSpPr>
+        <p:spPr>
+          <a:xfrm>
+            <a:off x="2" y="2267636"/>
+            <a:ext cx="12191998" cy="2369662"/>
+          </a:xfrm>
+        </p:spPr>
+        <p:txBody>
+          <a:bodyPr>
+            <a:noAutofit/>
+          </a:bodyPr>
+          <a:lstStyle/>
+          <a:p>
+            <a:pPr algn="ctr"/>
+            <a:r>
+              <a:rPr lang="nl-NL" sz="6500">
+                <a:solidFill>
+                  <a:srgbClr val="00FF00"/>
+                </a:solidFill>
+                <a:latin typeface="Courier New" panose="02070309020205020404" pitchFamily="49" charset="0"/>
+                <a:cs typeface="Courier New" panose="02070309020205020404" pitchFamily="49" charset="0"/>
+              </a:rPr>
+              <a:t>Appendix A:</a:t>
+            </a:r>
+            <a:br>
+              <a:rPr lang="nl-NL" sz="6500">
+                <a:solidFill>
+                  <a:srgbClr val="00FF00"/>
+                </a:solidFill>
+                <a:latin typeface="Courier New" panose="02070309020205020404" pitchFamily="49" charset="0"/>
+                <a:cs typeface="Courier New" panose="02070309020205020404" pitchFamily="49" charset="0"/>
+              </a:rPr>
+            </a:br>
+            <a:br>
+              <a:rPr lang="nl-NL" sz="6500">
+                <a:solidFill>
+                  <a:srgbClr val="00FF00"/>
+                </a:solidFill>
+                <a:latin typeface="Courier New" panose="02070309020205020404" pitchFamily="49" charset="0"/>
+                <a:cs typeface="Courier New" panose="02070309020205020404" pitchFamily="49" charset="0"/>
+              </a:rPr>
+            </a:br>
+            <a:r>
+              <a:rPr lang="nl-NL" sz="6500">
+                <a:solidFill>
+                  <a:srgbClr val="00FF00"/>
+                </a:solidFill>
+                <a:latin typeface="Courier New" panose="02070309020205020404" pitchFamily="49" charset="0"/>
+                <a:cs typeface="Courier New" panose="02070309020205020404" pitchFamily="49" charset="0"/>
+              </a:rPr>
+              <a:t>JSON equivalents for</a:t>
+            </a:r>
+            <a:br>
+              <a:rPr lang="nl-NL" sz="6500">
+                <a:solidFill>
+                  <a:srgbClr val="00FF00"/>
+                </a:solidFill>
+                <a:latin typeface="Courier New" panose="02070309020205020404" pitchFamily="49" charset="0"/>
+                <a:cs typeface="Courier New" panose="02070309020205020404" pitchFamily="49" charset="0"/>
+              </a:rPr>
+            </a:br>
+            <a:r>
+              <a:rPr lang="nl-NL" sz="6500">
+                <a:solidFill>
+                  <a:srgbClr val="00FF00"/>
+                </a:solidFill>
+                <a:latin typeface="Courier New" panose="02070309020205020404" pitchFamily="49" charset="0"/>
+                <a:cs typeface="Courier New" panose="02070309020205020404" pitchFamily="49" charset="0"/>
+              </a:rPr>
+              <a:t>the Java examples</a:t>
+            </a:r>
+            <a:endParaRPr lang="nl-NL" sz="6500" dirty="0">
+              <a:solidFill>
+                <a:srgbClr val="00FF00"/>
+              </a:solidFill>
+              <a:latin typeface="Courier New" panose="02070309020205020404" pitchFamily="49" charset="0"/>
+              <a:cs typeface="Courier New" panose="02070309020205020404" pitchFamily="49" charset="0"/>
+            </a:endParaRPr>
+          </a:p>
+        </p:txBody>
+      </p:sp>
+    </p:spTree>
+    <p:extLst>
+      <p:ext uri="{BB962C8B-B14F-4D97-AF65-F5344CB8AC3E}">
+        <p14:creationId xmlns:p14="http://schemas.microsoft.com/office/powerpoint/2010/main" val="1735981603"/>
+      </p:ext>
+    </p:extLst>
+  </p:cSld>
+  <p:clrMapOvr>
+    <a:masterClrMapping/>
+  </p:clrMapOvr>
+</p:sld>
+</file>
+
+<file path=ppt/slides/slide82.xml><?xml version="1.0" encoding="utf-8"?>
+<p:sld xmlns:a="http://schemas.openxmlformats.org/drawingml/2006/main" xmlns:r="http://schemas.openxmlformats.org/officeDocument/2006/relationships" xmlns:p="http://schemas.openxmlformats.org/presentationml/2006/main">
+  <p:cSld>
+    <p:bg>
+      <p:bgPr>
+        <a:solidFill>
+          <a:srgbClr val="000000"/>
+        </a:solidFill>
+        <a:effectLst/>
+      </p:bgPr>
+    </p:bg>
+    <p:spTree>
+      <p:nvGrpSpPr>
+        <p:cNvPr id="1" name=""/>
+        <p:cNvGrpSpPr/>
+        <p:nvPr/>
+      </p:nvGrpSpPr>
+      <p:grpSpPr>
+        <a:xfrm>
+          <a:off x="0" y="0"/>
+          <a:ext cx="0" cy="0"/>
+          <a:chOff x="0" y="0"/>
+          <a:chExt cx="0" cy="0"/>
+        </a:xfrm>
+      </p:grpSpPr>
+      <p:pic>
+        <p:nvPicPr>
+          <p:cNvPr id="3" name="Afbeelding 2">
+            <a:extLst>
+              <a:ext uri="{FF2B5EF4-FFF2-40B4-BE49-F238E27FC236}">
+                <a16:creationId xmlns:a16="http://schemas.microsoft.com/office/drawing/2014/main" id="{4FF12610-E479-4F8E-B092-8E5F50B02334}"/>
+              </a:ext>
+            </a:extLst>
+          </p:cNvPr>
+          <p:cNvPicPr>
+            <a:picLocks noChangeAspect="1"/>
+          </p:cNvPicPr>
+          <p:nvPr/>
+        </p:nvPicPr>
+        <p:blipFill>
+          <a:blip r:embed="rId2"/>
+          <a:stretch>
+            <a:fillRect/>
+          </a:stretch>
+        </p:blipFill>
+        <p:spPr>
+          <a:xfrm>
+            <a:off x="2077456" y="1687659"/>
+            <a:ext cx="8037088" cy="5002337"/>
+          </a:xfrm>
+          <a:prstGeom prst="rect">
+            <a:avLst/>
+          </a:prstGeom>
+        </p:spPr>
+      </p:pic>
+      <p:sp>
+        <p:nvSpPr>
+          <p:cNvPr id="2" name="Title 1">
+            <a:extLst>
+              <a:ext uri="{FF2B5EF4-FFF2-40B4-BE49-F238E27FC236}">
+                <a16:creationId xmlns:a16="http://schemas.microsoft.com/office/drawing/2014/main" id="{C1A374F2-CF67-4790-A38E-580019436329}"/>
+              </a:ext>
+            </a:extLst>
+          </p:cNvPr>
+          <p:cNvSpPr txBox="1">
+            <a:spLocks noGrp="1"/>
+          </p:cNvSpPr>
+          <p:nvPr>
+            <p:ph type="title"/>
+          </p:nvPr>
+        </p:nvSpPr>
+        <p:spPr>
+          <a:xfrm>
+            <a:off x="839784" y="365129"/>
+            <a:ext cx="11170706" cy="1325559"/>
+          </a:xfrm>
+        </p:spPr>
+        <p:txBody>
+          <a:bodyPr/>
+          <a:lstStyle/>
+          <a:p>
+            <a:pPr lvl="0"/>
+            <a:r>
+              <a:rPr lang="nl-NL">
+                <a:solidFill>
+                  <a:srgbClr val="00FF00"/>
+                </a:solidFill>
+                <a:latin typeface="Courier New" pitchFamily="49"/>
+                <a:cs typeface="Courier New" pitchFamily="49"/>
+              </a:rPr>
+              <a:t>Our Hello world! mock</a:t>
+            </a:r>
+          </a:p>
+        </p:txBody>
+      </p:sp>
+    </p:spTree>
+    <p:extLst>
+      <p:ext uri="{BB962C8B-B14F-4D97-AF65-F5344CB8AC3E}">
+        <p14:creationId xmlns:p14="http://schemas.microsoft.com/office/powerpoint/2010/main" val="3812535586"/>
+      </p:ext>
+    </p:extLst>
+  </p:cSld>
+  <p:clrMapOvr>
+    <a:masterClrMapping/>
+  </p:clrMapOvr>
+</p:sld>
+</file>
+
+<file path=ppt/slides/slide83.xml><?xml version="1.0" encoding="utf-8"?>
+<p:sld xmlns:a="http://schemas.openxmlformats.org/drawingml/2006/main" xmlns:r="http://schemas.openxmlformats.org/officeDocument/2006/relationships" xmlns:p="http://schemas.openxmlformats.org/presentationml/2006/main">
+  <p:cSld>
+    <p:bg>
+      <p:bgPr>
+        <a:solidFill>
+          <a:srgbClr val="000000"/>
+        </a:solidFill>
+        <a:effectLst/>
+      </p:bgPr>
+    </p:bg>
+    <p:spTree>
+      <p:nvGrpSpPr>
+        <p:cNvPr id="1" name=""/>
+        <p:cNvGrpSpPr/>
+        <p:nvPr/>
+      </p:nvGrpSpPr>
+      <p:grpSpPr>
+        <a:xfrm>
+          <a:off x="0" y="0"/>
+          <a:ext cx="0" cy="0"/>
+          <a:chOff x="0" y="0"/>
+          <a:chExt cx="0" cy="0"/>
+        </a:xfrm>
+      </p:grpSpPr>
+      <p:sp>
+        <p:nvSpPr>
+          <p:cNvPr id="2" name="Title 1">
+            <a:extLst>
+              <a:ext uri="{FF2B5EF4-FFF2-40B4-BE49-F238E27FC236}">
+                <a16:creationId xmlns:a16="http://schemas.microsoft.com/office/drawing/2014/main" id="{C60AB88C-4D40-48F4-8943-8E8569F64C96}"/>
+              </a:ext>
+            </a:extLst>
+          </p:cNvPr>
+          <p:cNvSpPr txBox="1">
+            <a:spLocks noGrp="1"/>
+          </p:cNvSpPr>
+          <p:nvPr>
+            <p:ph type="title"/>
+          </p:nvPr>
+        </p:nvSpPr>
+        <p:spPr/>
+        <p:txBody>
+          <a:bodyPr/>
+          <a:lstStyle/>
+          <a:p>
+            <a:pPr lvl="0"/>
+            <a:r>
+              <a:rPr lang="nl-NL">
+                <a:solidFill>
+                  <a:srgbClr val="00FF00"/>
+                </a:solidFill>
+                <a:latin typeface="Courier New" pitchFamily="49"/>
+                <a:cs typeface="Courier New" pitchFamily="49"/>
+              </a:rPr>
+              <a:t>URL matching</a:t>
+            </a:r>
+          </a:p>
+        </p:txBody>
+      </p:sp>
+      <p:pic>
+        <p:nvPicPr>
+          <p:cNvPr id="5" name="Afbeelding 4">
+            <a:extLst>
+              <a:ext uri="{FF2B5EF4-FFF2-40B4-BE49-F238E27FC236}">
+                <a16:creationId xmlns:a16="http://schemas.microsoft.com/office/drawing/2014/main" id="{0968EE5E-6C7B-4FB9-B940-F100988A8515}"/>
+              </a:ext>
+            </a:extLst>
+          </p:cNvPr>
+          <p:cNvPicPr>
+            <a:picLocks noChangeAspect="1"/>
+          </p:cNvPicPr>
+          <p:nvPr/>
+        </p:nvPicPr>
+        <p:blipFill>
+          <a:blip r:embed="rId2"/>
+          <a:stretch>
+            <a:fillRect/>
+          </a:stretch>
+        </p:blipFill>
+        <p:spPr>
+          <a:xfrm>
+            <a:off x="2885877" y="1690688"/>
+            <a:ext cx="6420245" cy="4843676"/>
+          </a:xfrm>
+          <a:prstGeom prst="rect">
+            <a:avLst/>
+          </a:prstGeom>
+        </p:spPr>
+      </p:pic>
+    </p:spTree>
+    <p:extLst>
+      <p:ext uri="{BB962C8B-B14F-4D97-AF65-F5344CB8AC3E}">
+        <p14:creationId xmlns:p14="http://schemas.microsoft.com/office/powerpoint/2010/main" val="3085711406"/>
+      </p:ext>
+    </p:extLst>
+  </p:cSld>
+  <p:clrMapOvr>
+    <a:masterClrMapping/>
+  </p:clrMapOvr>
+</p:sld>
+</file>
+
+<file path=ppt/slides/slide84.xml><?xml version="1.0" encoding="utf-8"?>
+<p:sld xmlns:a="http://schemas.openxmlformats.org/drawingml/2006/main" xmlns:r="http://schemas.openxmlformats.org/officeDocument/2006/relationships" xmlns:p="http://schemas.openxmlformats.org/presentationml/2006/main">
+  <p:cSld>
+    <p:bg>
+      <p:bgPr>
+        <a:solidFill>
           <a:srgbClr val="000000"/>
         </a:solidFill>
         <a:effectLst/>
@@ -46587,7 +47998,7 @@
 </p:sld>
 </file>
 
-<file path=ppt/slides/slide81.xml><?xml version="1.0" encoding="utf-8"?>
+<file path=ppt/slides/slide85.xml><?xml version="1.0" encoding="utf-8"?>
 <p:sld xmlns:a="http://schemas.openxmlformats.org/drawingml/2006/main" xmlns:r="http://schemas.openxmlformats.org/officeDocument/2006/relationships" xmlns:p="http://schemas.openxmlformats.org/presentationml/2006/main">
   <p:cSld>
     <p:bg>
@@ -46690,7 +48101,7 @@
 </p:sld>
 </file>
 
-<file path=ppt/slides/slide82.xml><?xml version="1.0" encoding="utf-8"?>
+<file path=ppt/slides/slide86.xml><?xml version="1.0" encoding="utf-8"?>
 <p:sld xmlns:a="http://schemas.openxmlformats.org/drawingml/2006/main" xmlns:r="http://schemas.openxmlformats.org/officeDocument/2006/relationships" xmlns:p="http://schemas.openxmlformats.org/presentationml/2006/main">
   <p:cSld>
     <p:bg>
@@ -46793,7 +48204,7 @@
 </p:sld>
 </file>
 
-<file path=ppt/slides/slide83.xml><?xml version="1.0" encoding="utf-8"?>
+<file path=ppt/slides/slide87.xml><?xml version="1.0" encoding="utf-8"?>
 <p:sld xmlns:a="http://schemas.openxmlformats.org/drawingml/2006/main" xmlns:r="http://schemas.openxmlformats.org/officeDocument/2006/relationships" xmlns:p="http://schemas.openxmlformats.org/presentationml/2006/main">
   <p:cSld>
     <p:bg>
@@ -47030,7 +48441,7 @@
 </p:sld>
 </file>
 
-<file path=ppt/slides/slide84.xml><?xml version="1.0" encoding="utf-8"?>
+<file path=ppt/slides/slide88.xml><?xml version="1.0" encoding="utf-8"?>
 <p:sld xmlns:a="http://schemas.openxmlformats.org/drawingml/2006/main" xmlns:r="http://schemas.openxmlformats.org/officeDocument/2006/relationships" xmlns:p="http://schemas.openxmlformats.org/presentationml/2006/main">
   <p:cSld>
     <p:bg>
@@ -47145,7 +48556,7 @@
 </p:sld>
 </file>
 
-<file path=ppt/slides/slide85.xml><?xml version="1.0" encoding="utf-8"?>
+<file path=ppt/slides/slide89.xml><?xml version="1.0" encoding="utf-8"?>
 <p:sld xmlns:a="http://schemas.openxmlformats.org/drawingml/2006/main" xmlns:r="http://schemas.openxmlformats.org/officeDocument/2006/relationships" xmlns:p="http://schemas.openxmlformats.org/presentationml/2006/main">
   <p:cSld>
     <p:bg>
@@ -47520,7 +48931,838 @@
 </p:sld>
 </file>
 
-<file path=ppt/slides/slide86.xml><?xml version="1.0" encoding="utf-8"?>
+<file path=ppt/slides/slide9.xml><?xml version="1.0" encoding="utf-8"?>
+<p:sld xmlns:a="http://schemas.openxmlformats.org/drawingml/2006/main" xmlns:r="http://schemas.openxmlformats.org/officeDocument/2006/relationships" xmlns:p="http://schemas.openxmlformats.org/presentationml/2006/main">
+  <p:cSld name="Slide79">
+    <p:bg>
+      <p:bgPr>
+        <a:solidFill>
+          <a:srgbClr val="000000"/>
+        </a:solidFill>
+        <a:effectLst/>
+      </p:bgPr>
+    </p:bg>
+    <p:spTree>
+      <p:nvGrpSpPr>
+        <p:cNvPr id="1" name=""/>
+        <p:cNvGrpSpPr/>
+        <p:nvPr/>
+      </p:nvGrpSpPr>
+      <p:grpSpPr>
+        <a:xfrm>
+          <a:off x="0" y="0"/>
+          <a:ext cx="0" cy="0"/>
+          <a:chOff x="0" y="0"/>
+          <a:chExt cx="0" cy="0"/>
+        </a:xfrm>
+      </p:grpSpPr>
+      <p:sp>
+        <p:nvSpPr>
+          <p:cNvPr id="2" name="Title 1">
+            <a:extLst>
+              <a:ext uri="{FF2B5EF4-FFF2-40B4-BE49-F238E27FC236}">
+                <a16:creationId xmlns:a16="http://schemas.microsoft.com/office/drawing/2014/main" id="{1D6871AE-A81A-44AF-9BB2-EB497F0A297B}"/>
+              </a:ext>
+            </a:extLst>
+          </p:cNvPr>
+          <p:cNvSpPr txBox="1">
+            <a:spLocks noGrp="1"/>
+          </p:cNvSpPr>
+          <p:nvPr>
+            <p:ph type="title"/>
+          </p:nvPr>
+        </p:nvSpPr>
+        <p:spPr>
+          <a:xfrm>
+            <a:off x="838203" y="335758"/>
+            <a:ext cx="11096628" cy="1325559"/>
+          </a:xfrm>
+        </p:spPr>
+        <p:txBody>
+          <a:bodyPr/>
+          <a:lstStyle/>
+          <a:p>
+            <a:pPr lvl="0"/>
+            <a:r>
+              <a:rPr lang="nl-NL">
+                <a:solidFill>
+                  <a:srgbClr val="00FF00"/>
+                </a:solidFill>
+                <a:latin typeface="Courier New" pitchFamily="49"/>
+                <a:cs typeface="Courier New" pitchFamily="49"/>
+              </a:rPr>
+              <a:t>Simulation in test environments</a:t>
+            </a:r>
+          </a:p>
+        </p:txBody>
+      </p:sp>
+      <p:sp>
+        <p:nvSpPr>
+          <p:cNvPr id="3" name="Rectangle 7">
+            <a:extLst>
+              <a:ext uri="{FF2B5EF4-FFF2-40B4-BE49-F238E27FC236}">
+                <a16:creationId xmlns:a16="http://schemas.microsoft.com/office/drawing/2014/main" id="{0CC3CB45-97A0-4D07-973F-D8E709063C05}"/>
+              </a:ext>
+            </a:extLst>
+          </p:cNvPr>
+          <p:cNvSpPr/>
+          <p:nvPr/>
+        </p:nvSpPr>
+        <p:spPr>
+          <a:xfrm>
+            <a:off x="4602952" y="3793946"/>
+            <a:ext cx="2986092" cy="571500"/>
+          </a:xfrm>
+          <a:prstGeom prst="rect">
+            <a:avLst/>
+          </a:prstGeom>
+          <a:solidFill>
+            <a:srgbClr val="00FF00"/>
+          </a:solidFill>
+          <a:ln w="38103" cap="flat">
+            <a:solidFill>
+              <a:srgbClr val="00FF00"/>
+            </a:solidFill>
+            <a:prstDash val="solid"/>
+            <a:miter/>
+          </a:ln>
+        </p:spPr>
+        <p:txBody>
+          <a:bodyPr vert="horz" wrap="square" lIns="91440" tIns="45720" rIns="91440" bIns="45720" anchor="ctr" anchorCtr="1" compatLnSpc="1">
+            <a:noAutofit/>
+          </a:bodyPr>
+          <a:lstStyle/>
+          <a:p>
+            <a:pPr marL="0" marR="0" lvl="0" indent="0" algn="ctr" defTabSz="914400" rtl="0" fontAlgn="auto" hangingPunct="1">
+              <a:lnSpc>
+                <a:spcPct val="100000"/>
+              </a:lnSpc>
+              <a:spcBef>
+                <a:spcPts val="0"/>
+              </a:spcBef>
+              <a:spcAft>
+                <a:spcPts val="0"/>
+              </a:spcAft>
+              <a:buNone/>
+              <a:tabLst/>
+              <a:defRPr sz="1800" b="0" i="0" u="none" strike="noStrike" kern="0" cap="none" spc="0" baseline="0">
+                <a:solidFill>
+                  <a:srgbClr val="000000"/>
+                </a:solidFill>
+                <a:uFillTx/>
+              </a:defRPr>
+            </a:pPr>
+            <a:r>
+              <a:rPr lang="nl-NL" sz="2000" b="1" i="0" u="none" strike="noStrike" kern="1200" cap="none" spc="0" baseline="0">
+                <a:solidFill>
+                  <a:srgbClr val="000000"/>
+                </a:solidFill>
+                <a:uFillTx/>
+                <a:latin typeface="Courier New" pitchFamily="49"/>
+                <a:cs typeface="Courier New" pitchFamily="49"/>
+              </a:rPr>
+              <a:t>System under test</a:t>
+            </a:r>
+          </a:p>
+        </p:txBody>
+      </p:sp>
+      <p:sp>
+        <p:nvSpPr>
+          <p:cNvPr id="4" name="Rectangle 8">
+            <a:extLst>
+              <a:ext uri="{FF2B5EF4-FFF2-40B4-BE49-F238E27FC236}">
+                <a16:creationId xmlns:a16="http://schemas.microsoft.com/office/drawing/2014/main" id="{0842ECDA-E0BE-441A-80B5-765C2B9AD87F}"/>
+              </a:ext>
+            </a:extLst>
+          </p:cNvPr>
+          <p:cNvSpPr/>
+          <p:nvPr/>
+        </p:nvSpPr>
+        <p:spPr>
+          <a:xfrm>
+            <a:off x="7879558" y="5573514"/>
+            <a:ext cx="2143125" cy="981078"/>
+          </a:xfrm>
+          <a:prstGeom prst="rect">
+            <a:avLst/>
+          </a:prstGeom>
+          <a:noFill/>
+          <a:ln w="38103" cap="flat">
+            <a:solidFill>
+              <a:srgbClr val="00FF00"/>
+            </a:solidFill>
+            <a:prstDash val="solid"/>
+            <a:miter/>
+          </a:ln>
+        </p:spPr>
+        <p:txBody>
+          <a:bodyPr vert="horz" wrap="square" lIns="91440" tIns="45720" rIns="91440" bIns="45720" anchor="ctr" anchorCtr="1" compatLnSpc="1">
+            <a:noAutofit/>
+          </a:bodyPr>
+          <a:lstStyle/>
+          <a:p>
+            <a:pPr marL="0" marR="0" lvl="0" indent="0" algn="ctr" defTabSz="914400" rtl="0" fontAlgn="auto" hangingPunct="1">
+              <a:lnSpc>
+                <a:spcPct val="100000"/>
+              </a:lnSpc>
+              <a:spcBef>
+                <a:spcPts val="0"/>
+              </a:spcBef>
+              <a:spcAft>
+                <a:spcPts val="0"/>
+              </a:spcAft>
+              <a:buNone/>
+              <a:tabLst/>
+              <a:defRPr sz="1800" b="0" i="0" u="none" strike="noStrike" kern="0" cap="none" spc="0" baseline="0">
+                <a:solidFill>
+                  <a:srgbClr val="000000"/>
+                </a:solidFill>
+                <a:uFillTx/>
+              </a:defRPr>
+            </a:pPr>
+            <a:r>
+              <a:rPr lang="nl-NL" sz="2000" b="0" i="0" u="none" strike="noStrike" kern="1200" cap="none" spc="0" baseline="0">
+                <a:solidFill>
+                  <a:srgbClr val="00FF00"/>
+                </a:solidFill>
+                <a:uFillTx/>
+                <a:latin typeface="Courier New" pitchFamily="49"/>
+                <a:cs typeface="Courier New" pitchFamily="49"/>
+              </a:rPr>
+              <a:t>Virtualized mainframe</a:t>
+            </a:r>
+          </a:p>
+        </p:txBody>
+      </p:sp>
+      <p:sp>
+        <p:nvSpPr>
+          <p:cNvPr id="5" name="Rectangle 10">
+            <a:extLst>
+              <a:ext uri="{FF2B5EF4-FFF2-40B4-BE49-F238E27FC236}">
+                <a16:creationId xmlns:a16="http://schemas.microsoft.com/office/drawing/2014/main" id="{DF8A6E81-DF89-43FD-BE15-4FE45DB563E9}"/>
+              </a:ext>
+            </a:extLst>
+          </p:cNvPr>
+          <p:cNvSpPr/>
+          <p:nvPr/>
+        </p:nvSpPr>
+        <p:spPr>
+          <a:xfrm>
+            <a:off x="7879558" y="1523408"/>
+            <a:ext cx="2143125" cy="981078"/>
+          </a:xfrm>
+          <a:prstGeom prst="rect">
+            <a:avLst/>
+          </a:prstGeom>
+          <a:noFill/>
+          <a:ln w="38103" cap="flat">
+            <a:solidFill>
+              <a:srgbClr val="00FF00"/>
+            </a:solidFill>
+            <a:prstDash val="solid"/>
+            <a:miter/>
+          </a:ln>
+        </p:spPr>
+        <p:txBody>
+          <a:bodyPr vert="horz" wrap="square" lIns="91440" tIns="45720" rIns="91440" bIns="45720" anchor="ctr" anchorCtr="1" compatLnSpc="1">
+            <a:noAutofit/>
+          </a:bodyPr>
+          <a:lstStyle/>
+          <a:p>
+            <a:pPr marL="0" marR="0" lvl="0" indent="0" algn="ctr" defTabSz="914400" rtl="0" fontAlgn="auto" hangingPunct="1">
+              <a:lnSpc>
+                <a:spcPct val="100000"/>
+              </a:lnSpc>
+              <a:spcBef>
+                <a:spcPts val="0"/>
+              </a:spcBef>
+              <a:spcAft>
+                <a:spcPts val="0"/>
+              </a:spcAft>
+              <a:buNone/>
+              <a:tabLst/>
+              <a:defRPr sz="1800" b="0" i="0" u="none" strike="noStrike" kern="0" cap="none" spc="0" baseline="0">
+                <a:solidFill>
+                  <a:srgbClr val="000000"/>
+                </a:solidFill>
+                <a:uFillTx/>
+              </a:defRPr>
+            </a:pPr>
+            <a:r>
+              <a:rPr lang="nl-NL" sz="2000" b="0" i="0" u="none" strike="noStrike" kern="1200" cap="none" spc="0" baseline="0">
+                <a:solidFill>
+                  <a:srgbClr val="00FF00"/>
+                </a:solidFill>
+                <a:uFillTx/>
+                <a:latin typeface="Courier New" pitchFamily="49"/>
+                <a:cs typeface="Courier New" pitchFamily="49"/>
+              </a:rPr>
+              <a:t>Virtualized SaaS dependency</a:t>
+            </a:r>
+          </a:p>
+        </p:txBody>
+      </p:sp>
+      <p:sp>
+        <p:nvSpPr>
+          <p:cNvPr id="6" name="Rectangle 11">
+            <a:extLst>
+              <a:ext uri="{FF2B5EF4-FFF2-40B4-BE49-F238E27FC236}">
+                <a16:creationId xmlns:a16="http://schemas.microsoft.com/office/drawing/2014/main" id="{4380382A-FF38-444E-9447-8DC9A5E5D898}"/>
+              </a:ext>
+            </a:extLst>
+          </p:cNvPr>
+          <p:cNvSpPr/>
+          <p:nvPr/>
+        </p:nvSpPr>
+        <p:spPr>
+          <a:xfrm>
+            <a:off x="2168124" y="5591967"/>
+            <a:ext cx="2143125" cy="981078"/>
+          </a:xfrm>
+          <a:prstGeom prst="rect">
+            <a:avLst/>
+          </a:prstGeom>
+          <a:noFill/>
+          <a:ln w="38103" cap="flat">
+            <a:solidFill>
+              <a:srgbClr val="00FF00"/>
+            </a:solidFill>
+            <a:prstDash val="solid"/>
+            <a:miter/>
+          </a:ln>
+        </p:spPr>
+        <p:txBody>
+          <a:bodyPr vert="horz" wrap="square" lIns="91440" tIns="45720" rIns="91440" bIns="45720" anchor="ctr" anchorCtr="1" compatLnSpc="1">
+            <a:noAutofit/>
+          </a:bodyPr>
+          <a:lstStyle/>
+          <a:p>
+            <a:pPr marL="0" marR="0" lvl="0" indent="0" algn="ctr" defTabSz="914400" rtl="0" fontAlgn="auto" hangingPunct="1">
+              <a:lnSpc>
+                <a:spcPct val="100000"/>
+              </a:lnSpc>
+              <a:spcBef>
+                <a:spcPts val="0"/>
+              </a:spcBef>
+              <a:spcAft>
+                <a:spcPts val="0"/>
+              </a:spcAft>
+              <a:buNone/>
+              <a:tabLst/>
+              <a:defRPr sz="1800" b="0" i="0" u="none" strike="noStrike" kern="0" cap="none" spc="0" baseline="0">
+                <a:solidFill>
+                  <a:srgbClr val="000000"/>
+                </a:solidFill>
+                <a:uFillTx/>
+              </a:defRPr>
+            </a:pPr>
+            <a:r>
+              <a:rPr lang="nl-NL" sz="2000" b="0" i="0" u="none" strike="noStrike" kern="1200" cap="none" spc="0" baseline="0">
+                <a:solidFill>
+                  <a:srgbClr val="00FF00"/>
+                </a:solidFill>
+                <a:uFillTx/>
+                <a:latin typeface="Courier New" pitchFamily="49"/>
+                <a:cs typeface="Courier New" pitchFamily="49"/>
+              </a:rPr>
+              <a:t>Virtualized backend system</a:t>
+            </a:r>
+          </a:p>
+        </p:txBody>
+      </p:sp>
+      <p:sp>
+        <p:nvSpPr>
+          <p:cNvPr id="7" name="Rectangle 12">
+            <a:extLst>
+              <a:ext uri="{FF2B5EF4-FFF2-40B4-BE49-F238E27FC236}">
+                <a16:creationId xmlns:a16="http://schemas.microsoft.com/office/drawing/2014/main" id="{E21A9C28-891B-44BA-8F64-98A3F940D0A5}"/>
+              </a:ext>
+            </a:extLst>
+          </p:cNvPr>
+          <p:cNvSpPr/>
+          <p:nvPr/>
+        </p:nvSpPr>
+        <p:spPr>
+          <a:xfrm>
+            <a:off x="2168124" y="1543251"/>
+            <a:ext cx="2143125" cy="981078"/>
+          </a:xfrm>
+          <a:prstGeom prst="rect">
+            <a:avLst/>
+          </a:prstGeom>
+          <a:noFill/>
+          <a:ln w="38103" cap="flat">
+            <a:solidFill>
+              <a:srgbClr val="00FF00"/>
+            </a:solidFill>
+            <a:prstDash val="solid"/>
+            <a:miter/>
+          </a:ln>
+        </p:spPr>
+        <p:txBody>
+          <a:bodyPr vert="horz" wrap="square" lIns="91440" tIns="45720" rIns="91440" bIns="45720" anchor="ctr" anchorCtr="1" compatLnSpc="1">
+            <a:noAutofit/>
+          </a:bodyPr>
+          <a:lstStyle/>
+          <a:p>
+            <a:pPr marL="0" marR="0" lvl="0" indent="0" algn="ctr" defTabSz="914400" rtl="0" fontAlgn="auto" hangingPunct="1">
+              <a:lnSpc>
+                <a:spcPct val="100000"/>
+              </a:lnSpc>
+              <a:spcBef>
+                <a:spcPts val="0"/>
+              </a:spcBef>
+              <a:spcAft>
+                <a:spcPts val="0"/>
+              </a:spcAft>
+              <a:buNone/>
+              <a:tabLst/>
+              <a:defRPr sz="1800" b="0" i="0" u="none" strike="noStrike" kern="0" cap="none" spc="0" baseline="0">
+                <a:solidFill>
+                  <a:srgbClr val="000000"/>
+                </a:solidFill>
+                <a:uFillTx/>
+              </a:defRPr>
+            </a:pPr>
+            <a:r>
+              <a:rPr lang="nl-NL" sz="2000" b="0" i="0" u="none" strike="noStrike" kern="1200" cap="none" spc="0" baseline="0">
+                <a:solidFill>
+                  <a:srgbClr val="00FF00"/>
+                </a:solidFill>
+                <a:uFillTx/>
+                <a:latin typeface="Courier New" pitchFamily="49"/>
+                <a:cs typeface="Courier New" pitchFamily="49"/>
+              </a:rPr>
+              <a:t>Virtualized mobile app</a:t>
+            </a:r>
+          </a:p>
+        </p:txBody>
+      </p:sp>
+      <p:cxnSp>
+        <p:nvCxnSpPr>
+          <p:cNvPr id="8" name="Elbow Connector 14">
+            <a:extLst>
+              <a:ext uri="{FF2B5EF4-FFF2-40B4-BE49-F238E27FC236}">
+                <a16:creationId xmlns:a16="http://schemas.microsoft.com/office/drawing/2014/main" id="{B73F5317-FF6D-40D2-834D-ED40BD9ADF0D}"/>
+              </a:ext>
+            </a:extLst>
+          </p:cNvPr>
+          <p:cNvCxnSpPr>
+            <a:stCxn id="3" idx="0"/>
+            <a:endCxn id="5" idx="2"/>
+          </p:cNvCxnSpPr>
+          <p:nvPr/>
+        </p:nvCxnSpPr>
+        <p:spPr>
+          <a:xfrm rot="5400000" flipH="1" flipV="1">
+            <a:off x="6878829" y="1721655"/>
+            <a:ext cx="1289460" cy="2855123"/>
+          </a:xfrm>
+          <a:prstGeom prst="bentConnector3">
+            <a:avLst>
+              <a:gd name="adj1" fmla="val 49261"/>
+            </a:avLst>
+          </a:prstGeom>
+          <a:noFill/>
+          <a:ln w="25402" cap="flat">
+            <a:solidFill>
+              <a:srgbClr val="00FF00"/>
+            </a:solidFill>
+            <a:prstDash val="solid"/>
+            <a:miter/>
+            <a:tailEnd type="arrow"/>
+          </a:ln>
+        </p:spPr>
+      </p:cxnSp>
+      <p:cxnSp>
+        <p:nvCxnSpPr>
+          <p:cNvPr id="9" name="Elbow Connector 15">
+            <a:extLst>
+              <a:ext uri="{FF2B5EF4-FFF2-40B4-BE49-F238E27FC236}">
+                <a16:creationId xmlns:a16="http://schemas.microsoft.com/office/drawing/2014/main" id="{15555CF6-4DE5-4E5B-B743-AA5A1C170B90}"/>
+              </a:ext>
+            </a:extLst>
+          </p:cNvPr>
+          <p:cNvCxnSpPr>
+            <a:stCxn id="3" idx="0"/>
+            <a:endCxn id="7" idx="2"/>
+          </p:cNvCxnSpPr>
+          <p:nvPr/>
+        </p:nvCxnSpPr>
+        <p:spPr>
+          <a:xfrm rot="16200000" flipV="1">
+            <a:off x="4033035" y="1730982"/>
+            <a:ext cx="1269617" cy="2856311"/>
+          </a:xfrm>
+          <a:prstGeom prst="bentConnector3">
+            <a:avLst>
+              <a:gd name="adj1" fmla="val 50000"/>
+            </a:avLst>
+          </a:prstGeom>
+          <a:noFill/>
+          <a:ln w="25402" cap="flat">
+            <a:solidFill>
+              <a:srgbClr val="00FF00"/>
+            </a:solidFill>
+            <a:prstDash val="solid"/>
+            <a:miter/>
+            <a:tailEnd type="arrow"/>
+          </a:ln>
+        </p:spPr>
+      </p:cxnSp>
+      <p:cxnSp>
+        <p:nvCxnSpPr>
+          <p:cNvPr id="10" name="Elbow Connector 18">
+            <a:extLst>
+              <a:ext uri="{FF2B5EF4-FFF2-40B4-BE49-F238E27FC236}">
+                <a16:creationId xmlns:a16="http://schemas.microsoft.com/office/drawing/2014/main" id="{2A42BD80-0732-4B17-9A62-9EF9968743DF}"/>
+              </a:ext>
+            </a:extLst>
+          </p:cNvPr>
+          <p:cNvCxnSpPr>
+            <a:stCxn id="3" idx="2"/>
+            <a:endCxn id="4" idx="0"/>
+          </p:cNvCxnSpPr>
+          <p:nvPr/>
+        </p:nvCxnSpPr>
+        <p:spPr>
+          <a:xfrm rot="16200000" flipH="1">
+            <a:off x="6919525" y="3541918"/>
+            <a:ext cx="1208068" cy="2855123"/>
+          </a:xfrm>
+          <a:prstGeom prst="bentConnector3">
+            <a:avLst>
+              <a:gd name="adj1" fmla="val 50789"/>
+            </a:avLst>
+          </a:prstGeom>
+          <a:noFill/>
+          <a:ln w="25402" cap="flat">
+            <a:solidFill>
+              <a:srgbClr val="00FF00"/>
+            </a:solidFill>
+            <a:prstDash val="solid"/>
+            <a:miter/>
+            <a:tailEnd type="arrow"/>
+          </a:ln>
+        </p:spPr>
+      </p:cxnSp>
+      <p:cxnSp>
+        <p:nvCxnSpPr>
+          <p:cNvPr id="11" name="Elbow Connector 21">
+            <a:extLst>
+              <a:ext uri="{FF2B5EF4-FFF2-40B4-BE49-F238E27FC236}">
+                <a16:creationId xmlns:a16="http://schemas.microsoft.com/office/drawing/2014/main" id="{9F66B48A-97E2-4D94-B171-ACDFDDD6A25C}"/>
+              </a:ext>
+            </a:extLst>
+          </p:cNvPr>
+          <p:cNvCxnSpPr>
+            <a:stCxn id="3" idx="2"/>
+            <a:endCxn id="6" idx="0"/>
+          </p:cNvCxnSpPr>
+          <p:nvPr/>
+        </p:nvCxnSpPr>
+        <p:spPr>
+          <a:xfrm rot="5400000">
+            <a:off x="4054583" y="3550551"/>
+            <a:ext cx="1226521" cy="2856311"/>
+          </a:xfrm>
+          <a:prstGeom prst="bentConnector3">
+            <a:avLst>
+              <a:gd name="adj1" fmla="val 50000"/>
+            </a:avLst>
+          </a:prstGeom>
+          <a:noFill/>
+          <a:ln w="25402" cap="flat">
+            <a:solidFill>
+              <a:srgbClr val="00FF00"/>
+            </a:solidFill>
+            <a:prstDash val="solid"/>
+            <a:miter/>
+            <a:tailEnd type="arrow"/>
+          </a:ln>
+        </p:spPr>
+      </p:cxnSp>
+      <p:sp>
+        <p:nvSpPr>
+          <p:cNvPr id="12" name="Rectangle 35">
+            <a:extLst>
+              <a:ext uri="{FF2B5EF4-FFF2-40B4-BE49-F238E27FC236}">
+                <a16:creationId xmlns:a16="http://schemas.microsoft.com/office/drawing/2014/main" id="{06F117ED-1BF7-4158-9E41-37D3FF2C7228}"/>
+              </a:ext>
+            </a:extLst>
+          </p:cNvPr>
+          <p:cNvSpPr/>
+          <p:nvPr/>
+        </p:nvSpPr>
+        <p:spPr>
+          <a:xfrm>
+            <a:off x="2168124" y="3287121"/>
+            <a:ext cx="2433639" cy="406405"/>
+          </a:xfrm>
+          <a:prstGeom prst="rect">
+            <a:avLst/>
+          </a:prstGeom>
+          <a:noFill/>
+          <a:ln w="12701" cap="flat">
+            <a:solidFill>
+              <a:srgbClr val="00FF00"/>
+            </a:solidFill>
+            <a:prstDash val="solid"/>
+            <a:miter/>
+          </a:ln>
+        </p:spPr>
+        <p:txBody>
+          <a:bodyPr vert="horz" wrap="square" lIns="91440" tIns="45720" rIns="91440" bIns="45720" anchor="ctr" anchorCtr="1" compatLnSpc="1">
+            <a:noAutofit/>
+          </a:bodyPr>
+          <a:lstStyle/>
+          <a:p>
+            <a:pPr marL="0" marR="0" lvl="0" indent="0" algn="ctr" defTabSz="914400" rtl="0" fontAlgn="auto" hangingPunct="1">
+              <a:lnSpc>
+                <a:spcPct val="100000"/>
+              </a:lnSpc>
+              <a:spcBef>
+                <a:spcPts val="0"/>
+              </a:spcBef>
+              <a:spcAft>
+                <a:spcPts val="0"/>
+              </a:spcAft>
+              <a:buNone/>
+              <a:tabLst/>
+              <a:defRPr sz="1800" b="0" i="0" u="none" strike="noStrike" kern="0" cap="none" spc="0" baseline="0">
+                <a:solidFill>
+                  <a:srgbClr val="000000"/>
+                </a:solidFill>
+                <a:uFillTx/>
+              </a:defRPr>
+            </a:pPr>
+            <a:r>
+              <a:rPr lang="nl-NL" sz="1400" b="0" i="0" u="none" strike="noStrike" kern="1200" cap="none" spc="0" baseline="0">
+                <a:solidFill>
+                  <a:srgbClr val="00FF00"/>
+                </a:solidFill>
+                <a:uFillTx/>
+                <a:latin typeface="Courier New" pitchFamily="49"/>
+                <a:cs typeface="Courier New" pitchFamily="49"/>
+              </a:rPr>
+              <a:t>Unrestricted access</a:t>
+            </a:r>
+          </a:p>
+        </p:txBody>
+      </p:sp>
+      <p:sp>
+        <p:nvSpPr>
+          <p:cNvPr id="13" name="Rectangle 16">
+            <a:extLst>
+              <a:ext uri="{FF2B5EF4-FFF2-40B4-BE49-F238E27FC236}">
+                <a16:creationId xmlns:a16="http://schemas.microsoft.com/office/drawing/2014/main" id="{EA2CB03F-82F2-4BB6-BEFF-247956C5AB0E}"/>
+              </a:ext>
+            </a:extLst>
+          </p:cNvPr>
+          <p:cNvSpPr/>
+          <p:nvPr/>
+        </p:nvSpPr>
+        <p:spPr>
+          <a:xfrm>
+            <a:off x="2168124" y="4456310"/>
+            <a:ext cx="2433639" cy="406405"/>
+          </a:xfrm>
+          <a:prstGeom prst="rect">
+            <a:avLst/>
+          </a:prstGeom>
+          <a:noFill/>
+          <a:ln w="12701" cap="flat">
+            <a:solidFill>
+              <a:srgbClr val="00FF00"/>
+            </a:solidFill>
+            <a:prstDash val="solid"/>
+            <a:miter/>
+          </a:ln>
+        </p:spPr>
+        <p:txBody>
+          <a:bodyPr vert="horz" wrap="square" lIns="91440" tIns="45720" rIns="91440" bIns="45720" anchor="ctr" anchorCtr="1" compatLnSpc="1">
+            <a:noAutofit/>
+          </a:bodyPr>
+          <a:lstStyle/>
+          <a:p>
+            <a:pPr marL="0" marR="0" lvl="0" indent="0" algn="ctr" defTabSz="914400" rtl="0" fontAlgn="auto" hangingPunct="1">
+              <a:lnSpc>
+                <a:spcPct val="100000"/>
+              </a:lnSpc>
+              <a:spcBef>
+                <a:spcPts val="0"/>
+              </a:spcBef>
+              <a:spcAft>
+                <a:spcPts val="0"/>
+              </a:spcAft>
+              <a:buNone/>
+              <a:tabLst/>
+              <a:defRPr sz="1800" b="0" i="0" u="none" strike="noStrike" kern="0" cap="none" spc="0" baseline="0">
+                <a:solidFill>
+                  <a:srgbClr val="000000"/>
+                </a:solidFill>
+                <a:uFillTx/>
+              </a:defRPr>
+            </a:pPr>
+            <a:r>
+              <a:rPr lang="nl-NL" sz="1400" b="0" i="0" u="none" strike="noStrike" kern="1200" cap="none" spc="0" baseline="0">
+                <a:solidFill>
+                  <a:srgbClr val="00FF00"/>
+                </a:solidFill>
+                <a:uFillTx/>
+                <a:latin typeface="Courier New" pitchFamily="49"/>
+                <a:cs typeface="Courier New" pitchFamily="49"/>
+              </a:rPr>
+              <a:t>Unrestricted access</a:t>
+            </a:r>
+          </a:p>
+        </p:txBody>
+      </p:sp>
+      <p:sp>
+        <p:nvSpPr>
+          <p:cNvPr id="14" name="Rectangle 17">
+            <a:extLst>
+              <a:ext uri="{FF2B5EF4-FFF2-40B4-BE49-F238E27FC236}">
+                <a16:creationId xmlns:a16="http://schemas.microsoft.com/office/drawing/2014/main" id="{57EB728C-133F-4707-9E06-C740B29D0710}"/>
+              </a:ext>
+            </a:extLst>
+          </p:cNvPr>
+          <p:cNvSpPr/>
+          <p:nvPr/>
+        </p:nvSpPr>
+        <p:spPr>
+          <a:xfrm>
+            <a:off x="7589044" y="3287121"/>
+            <a:ext cx="2433639" cy="406405"/>
+          </a:xfrm>
+          <a:prstGeom prst="rect">
+            <a:avLst/>
+          </a:prstGeom>
+          <a:noFill/>
+          <a:ln w="12701" cap="flat">
+            <a:solidFill>
+              <a:srgbClr val="00FF00"/>
+            </a:solidFill>
+            <a:prstDash val="solid"/>
+            <a:miter/>
+          </a:ln>
+        </p:spPr>
+        <p:txBody>
+          <a:bodyPr vert="horz" wrap="square" lIns="91440" tIns="45720" rIns="91440" bIns="45720" anchor="ctr" anchorCtr="1" compatLnSpc="1">
+            <a:noAutofit/>
+          </a:bodyPr>
+          <a:lstStyle/>
+          <a:p>
+            <a:pPr marL="0" marR="0" lvl="0" indent="0" algn="ctr" defTabSz="914400" rtl="0" fontAlgn="auto" hangingPunct="1">
+              <a:lnSpc>
+                <a:spcPct val="100000"/>
+              </a:lnSpc>
+              <a:spcBef>
+                <a:spcPts val="0"/>
+              </a:spcBef>
+              <a:spcAft>
+                <a:spcPts val="0"/>
+              </a:spcAft>
+              <a:buNone/>
+              <a:tabLst/>
+              <a:defRPr sz="1800" b="0" i="0" u="none" strike="noStrike" kern="0" cap="none" spc="0" baseline="0">
+                <a:solidFill>
+                  <a:srgbClr val="000000"/>
+                </a:solidFill>
+                <a:uFillTx/>
+              </a:defRPr>
+            </a:pPr>
+            <a:r>
+              <a:rPr lang="nl-NL" sz="1400" b="0" i="0" u="none" strike="noStrike" kern="1200" cap="none" spc="0" baseline="0">
+                <a:solidFill>
+                  <a:srgbClr val="00FF00"/>
+                </a:solidFill>
+                <a:uFillTx/>
+                <a:latin typeface="Courier New" pitchFamily="49"/>
+                <a:cs typeface="Courier New" pitchFamily="49"/>
+              </a:rPr>
+              <a:t>Unrestricted access</a:t>
+            </a:r>
+          </a:p>
+        </p:txBody>
+      </p:sp>
+      <p:sp>
+        <p:nvSpPr>
+          <p:cNvPr id="15" name="Rectangle 19">
+            <a:extLst>
+              <a:ext uri="{FF2B5EF4-FFF2-40B4-BE49-F238E27FC236}">
+                <a16:creationId xmlns:a16="http://schemas.microsoft.com/office/drawing/2014/main" id="{D6EDB110-FB89-4288-A184-2E40E825C769}"/>
+              </a:ext>
+            </a:extLst>
+          </p:cNvPr>
+          <p:cNvSpPr/>
+          <p:nvPr/>
+        </p:nvSpPr>
+        <p:spPr>
+          <a:xfrm>
+            <a:off x="7589044" y="4456310"/>
+            <a:ext cx="2433639" cy="406405"/>
+          </a:xfrm>
+          <a:prstGeom prst="rect">
+            <a:avLst/>
+          </a:prstGeom>
+          <a:noFill/>
+          <a:ln w="12701" cap="flat">
+            <a:solidFill>
+              <a:srgbClr val="00FF00"/>
+            </a:solidFill>
+            <a:prstDash val="solid"/>
+            <a:miter/>
+          </a:ln>
+        </p:spPr>
+        <p:txBody>
+          <a:bodyPr vert="horz" wrap="square" lIns="91440" tIns="45720" rIns="91440" bIns="45720" anchor="ctr" anchorCtr="1" compatLnSpc="1">
+            <a:noAutofit/>
+          </a:bodyPr>
+          <a:lstStyle/>
+          <a:p>
+            <a:pPr marL="0" marR="0" lvl="0" indent="0" algn="ctr" defTabSz="914400" rtl="0" fontAlgn="auto" hangingPunct="1">
+              <a:lnSpc>
+                <a:spcPct val="100000"/>
+              </a:lnSpc>
+              <a:spcBef>
+                <a:spcPts val="0"/>
+              </a:spcBef>
+              <a:spcAft>
+                <a:spcPts val="0"/>
+              </a:spcAft>
+              <a:buNone/>
+              <a:tabLst/>
+              <a:defRPr sz="1800" b="0" i="0" u="none" strike="noStrike" kern="0" cap="none" spc="0" baseline="0">
+                <a:solidFill>
+                  <a:srgbClr val="000000"/>
+                </a:solidFill>
+                <a:uFillTx/>
+              </a:defRPr>
+            </a:pPr>
+            <a:r>
+              <a:rPr lang="nl-NL" sz="1400" b="0" i="0" u="none" strike="noStrike" kern="1200" cap="none" spc="0" baseline="0">
+                <a:solidFill>
+                  <a:srgbClr val="00FF00"/>
+                </a:solidFill>
+                <a:uFillTx/>
+                <a:latin typeface="Courier New" pitchFamily="49"/>
+                <a:cs typeface="Courier New" pitchFamily="49"/>
+              </a:rPr>
+              <a:t>Unrestricted access</a:t>
+            </a:r>
+          </a:p>
+        </p:txBody>
+      </p:sp>
+    </p:spTree>
+  </p:cSld>
+  <p:clrMapOvr>
+    <a:masterClrMapping/>
+  </p:clrMapOvr>
+</p:sld>
+</file>
+
+<file path=ppt/slides/slide90.xml><?xml version="1.0" encoding="utf-8"?>
 <p:sld xmlns:a="http://schemas.openxmlformats.org/drawingml/2006/main" xmlns:r="http://schemas.openxmlformats.org/officeDocument/2006/relationships" xmlns:p="http://schemas.openxmlformats.org/presentationml/2006/main">
   <p:cSld>
     <p:bg>
@@ -48090,7 +50332,7 @@
 </p:sld>
 </file>
 
-<file path=ppt/slides/slide87.xml><?xml version="1.0" encoding="utf-8"?>
+<file path=ppt/slides/slide91.xml><?xml version="1.0" encoding="utf-8"?>
 <p:sld xmlns:a="http://schemas.openxmlformats.org/drawingml/2006/main" xmlns:r="http://schemas.openxmlformats.org/officeDocument/2006/relationships" xmlns:p="http://schemas.openxmlformats.org/presentationml/2006/main">
   <p:cSld>
     <p:bg>
@@ -48157,837 +50399,6 @@
         <p14:creationId xmlns:p14="http://schemas.microsoft.com/office/powerpoint/2010/main" val="1143489385"/>
       </p:ext>
     </p:extLst>
-  </p:cSld>
-  <p:clrMapOvr>
-    <a:masterClrMapping/>
-  </p:clrMapOvr>
-</p:sld>
-</file>
-
-<file path=ppt/slides/slide9.xml><?xml version="1.0" encoding="utf-8"?>
-<p:sld xmlns:a="http://schemas.openxmlformats.org/drawingml/2006/main" xmlns:r="http://schemas.openxmlformats.org/officeDocument/2006/relationships" xmlns:p="http://schemas.openxmlformats.org/presentationml/2006/main">
-  <p:cSld name="Slide79">
-    <p:bg>
-      <p:bgPr>
-        <a:solidFill>
-          <a:srgbClr val="000000"/>
-        </a:solidFill>
-        <a:effectLst/>
-      </p:bgPr>
-    </p:bg>
-    <p:spTree>
-      <p:nvGrpSpPr>
-        <p:cNvPr id="1" name=""/>
-        <p:cNvGrpSpPr/>
-        <p:nvPr/>
-      </p:nvGrpSpPr>
-      <p:grpSpPr>
-        <a:xfrm>
-          <a:off x="0" y="0"/>
-          <a:ext cx="0" cy="0"/>
-          <a:chOff x="0" y="0"/>
-          <a:chExt cx="0" cy="0"/>
-        </a:xfrm>
-      </p:grpSpPr>
-      <p:sp>
-        <p:nvSpPr>
-          <p:cNvPr id="2" name="Title 1">
-            <a:extLst>
-              <a:ext uri="{FF2B5EF4-FFF2-40B4-BE49-F238E27FC236}">
-                <a16:creationId xmlns:a16="http://schemas.microsoft.com/office/drawing/2014/main" id="{1D6871AE-A81A-44AF-9BB2-EB497F0A297B}"/>
-              </a:ext>
-            </a:extLst>
-          </p:cNvPr>
-          <p:cNvSpPr txBox="1">
-            <a:spLocks noGrp="1"/>
-          </p:cNvSpPr>
-          <p:nvPr>
-            <p:ph type="title"/>
-          </p:nvPr>
-        </p:nvSpPr>
-        <p:spPr>
-          <a:xfrm>
-            <a:off x="838203" y="335758"/>
-            <a:ext cx="11096628" cy="1325559"/>
-          </a:xfrm>
-        </p:spPr>
-        <p:txBody>
-          <a:bodyPr/>
-          <a:lstStyle/>
-          <a:p>
-            <a:pPr lvl="0"/>
-            <a:r>
-              <a:rPr lang="nl-NL">
-                <a:solidFill>
-                  <a:srgbClr val="00FF00"/>
-                </a:solidFill>
-                <a:latin typeface="Courier New" pitchFamily="49"/>
-                <a:cs typeface="Courier New" pitchFamily="49"/>
-              </a:rPr>
-              <a:t>Simulation in test environments</a:t>
-            </a:r>
-          </a:p>
-        </p:txBody>
-      </p:sp>
-      <p:sp>
-        <p:nvSpPr>
-          <p:cNvPr id="3" name="Rectangle 7">
-            <a:extLst>
-              <a:ext uri="{FF2B5EF4-FFF2-40B4-BE49-F238E27FC236}">
-                <a16:creationId xmlns:a16="http://schemas.microsoft.com/office/drawing/2014/main" id="{0CC3CB45-97A0-4D07-973F-D8E709063C05}"/>
-              </a:ext>
-            </a:extLst>
-          </p:cNvPr>
-          <p:cNvSpPr/>
-          <p:nvPr/>
-        </p:nvSpPr>
-        <p:spPr>
-          <a:xfrm>
-            <a:off x="4602952" y="3793946"/>
-            <a:ext cx="2986092" cy="571500"/>
-          </a:xfrm>
-          <a:prstGeom prst="rect">
-            <a:avLst/>
-          </a:prstGeom>
-          <a:solidFill>
-            <a:srgbClr val="00FF00"/>
-          </a:solidFill>
-          <a:ln w="38103" cap="flat">
-            <a:solidFill>
-              <a:srgbClr val="00FF00"/>
-            </a:solidFill>
-            <a:prstDash val="solid"/>
-            <a:miter/>
-          </a:ln>
-        </p:spPr>
-        <p:txBody>
-          <a:bodyPr vert="horz" wrap="square" lIns="91440" tIns="45720" rIns="91440" bIns="45720" anchor="ctr" anchorCtr="1" compatLnSpc="1">
-            <a:noAutofit/>
-          </a:bodyPr>
-          <a:lstStyle/>
-          <a:p>
-            <a:pPr marL="0" marR="0" lvl="0" indent="0" algn="ctr" defTabSz="914400" rtl="0" fontAlgn="auto" hangingPunct="1">
-              <a:lnSpc>
-                <a:spcPct val="100000"/>
-              </a:lnSpc>
-              <a:spcBef>
-                <a:spcPts val="0"/>
-              </a:spcBef>
-              <a:spcAft>
-                <a:spcPts val="0"/>
-              </a:spcAft>
-              <a:buNone/>
-              <a:tabLst/>
-              <a:defRPr sz="1800" b="0" i="0" u="none" strike="noStrike" kern="0" cap="none" spc="0" baseline="0">
-                <a:solidFill>
-                  <a:srgbClr val="000000"/>
-                </a:solidFill>
-                <a:uFillTx/>
-              </a:defRPr>
-            </a:pPr>
-            <a:r>
-              <a:rPr lang="nl-NL" sz="2000" b="1" i="0" u="none" strike="noStrike" kern="1200" cap="none" spc="0" baseline="0">
-                <a:solidFill>
-                  <a:srgbClr val="000000"/>
-                </a:solidFill>
-                <a:uFillTx/>
-                <a:latin typeface="Courier New" pitchFamily="49"/>
-                <a:cs typeface="Courier New" pitchFamily="49"/>
-              </a:rPr>
-              <a:t>System under test</a:t>
-            </a:r>
-          </a:p>
-        </p:txBody>
-      </p:sp>
-      <p:sp>
-        <p:nvSpPr>
-          <p:cNvPr id="4" name="Rectangle 8">
-            <a:extLst>
-              <a:ext uri="{FF2B5EF4-FFF2-40B4-BE49-F238E27FC236}">
-                <a16:creationId xmlns:a16="http://schemas.microsoft.com/office/drawing/2014/main" id="{0842ECDA-E0BE-441A-80B5-765C2B9AD87F}"/>
-              </a:ext>
-            </a:extLst>
-          </p:cNvPr>
-          <p:cNvSpPr/>
-          <p:nvPr/>
-        </p:nvSpPr>
-        <p:spPr>
-          <a:xfrm>
-            <a:off x="7879558" y="5573514"/>
-            <a:ext cx="2143125" cy="981078"/>
-          </a:xfrm>
-          <a:prstGeom prst="rect">
-            <a:avLst/>
-          </a:prstGeom>
-          <a:noFill/>
-          <a:ln w="38103" cap="flat">
-            <a:solidFill>
-              <a:srgbClr val="00FF00"/>
-            </a:solidFill>
-            <a:prstDash val="solid"/>
-            <a:miter/>
-          </a:ln>
-        </p:spPr>
-        <p:txBody>
-          <a:bodyPr vert="horz" wrap="square" lIns="91440" tIns="45720" rIns="91440" bIns="45720" anchor="ctr" anchorCtr="1" compatLnSpc="1">
-            <a:noAutofit/>
-          </a:bodyPr>
-          <a:lstStyle/>
-          <a:p>
-            <a:pPr marL="0" marR="0" lvl="0" indent="0" algn="ctr" defTabSz="914400" rtl="0" fontAlgn="auto" hangingPunct="1">
-              <a:lnSpc>
-                <a:spcPct val="100000"/>
-              </a:lnSpc>
-              <a:spcBef>
-                <a:spcPts val="0"/>
-              </a:spcBef>
-              <a:spcAft>
-                <a:spcPts val="0"/>
-              </a:spcAft>
-              <a:buNone/>
-              <a:tabLst/>
-              <a:defRPr sz="1800" b="0" i="0" u="none" strike="noStrike" kern="0" cap="none" spc="0" baseline="0">
-                <a:solidFill>
-                  <a:srgbClr val="000000"/>
-                </a:solidFill>
-                <a:uFillTx/>
-              </a:defRPr>
-            </a:pPr>
-            <a:r>
-              <a:rPr lang="nl-NL" sz="2000" b="0" i="0" u="none" strike="noStrike" kern="1200" cap="none" spc="0" baseline="0">
-                <a:solidFill>
-                  <a:srgbClr val="00FF00"/>
-                </a:solidFill>
-                <a:uFillTx/>
-                <a:latin typeface="Courier New" pitchFamily="49"/>
-                <a:cs typeface="Courier New" pitchFamily="49"/>
-              </a:rPr>
-              <a:t>Virtualized mainframe</a:t>
-            </a:r>
-          </a:p>
-        </p:txBody>
-      </p:sp>
-      <p:sp>
-        <p:nvSpPr>
-          <p:cNvPr id="5" name="Rectangle 10">
-            <a:extLst>
-              <a:ext uri="{FF2B5EF4-FFF2-40B4-BE49-F238E27FC236}">
-                <a16:creationId xmlns:a16="http://schemas.microsoft.com/office/drawing/2014/main" id="{DF8A6E81-DF89-43FD-BE15-4FE45DB563E9}"/>
-              </a:ext>
-            </a:extLst>
-          </p:cNvPr>
-          <p:cNvSpPr/>
-          <p:nvPr/>
-        </p:nvSpPr>
-        <p:spPr>
-          <a:xfrm>
-            <a:off x="7879558" y="1523408"/>
-            <a:ext cx="2143125" cy="981078"/>
-          </a:xfrm>
-          <a:prstGeom prst="rect">
-            <a:avLst/>
-          </a:prstGeom>
-          <a:noFill/>
-          <a:ln w="38103" cap="flat">
-            <a:solidFill>
-              <a:srgbClr val="00FF00"/>
-            </a:solidFill>
-            <a:prstDash val="solid"/>
-            <a:miter/>
-          </a:ln>
-        </p:spPr>
-        <p:txBody>
-          <a:bodyPr vert="horz" wrap="square" lIns="91440" tIns="45720" rIns="91440" bIns="45720" anchor="ctr" anchorCtr="1" compatLnSpc="1">
-            <a:noAutofit/>
-          </a:bodyPr>
-          <a:lstStyle/>
-          <a:p>
-            <a:pPr marL="0" marR="0" lvl="0" indent="0" algn="ctr" defTabSz="914400" rtl="0" fontAlgn="auto" hangingPunct="1">
-              <a:lnSpc>
-                <a:spcPct val="100000"/>
-              </a:lnSpc>
-              <a:spcBef>
-                <a:spcPts val="0"/>
-              </a:spcBef>
-              <a:spcAft>
-                <a:spcPts val="0"/>
-              </a:spcAft>
-              <a:buNone/>
-              <a:tabLst/>
-              <a:defRPr sz="1800" b="0" i="0" u="none" strike="noStrike" kern="0" cap="none" spc="0" baseline="0">
-                <a:solidFill>
-                  <a:srgbClr val="000000"/>
-                </a:solidFill>
-                <a:uFillTx/>
-              </a:defRPr>
-            </a:pPr>
-            <a:r>
-              <a:rPr lang="nl-NL" sz="2000" b="0" i="0" u="none" strike="noStrike" kern="1200" cap="none" spc="0" baseline="0">
-                <a:solidFill>
-                  <a:srgbClr val="00FF00"/>
-                </a:solidFill>
-                <a:uFillTx/>
-                <a:latin typeface="Courier New" pitchFamily="49"/>
-                <a:cs typeface="Courier New" pitchFamily="49"/>
-              </a:rPr>
-              <a:t>Virtualized SaaS dependency</a:t>
-            </a:r>
-          </a:p>
-        </p:txBody>
-      </p:sp>
-      <p:sp>
-        <p:nvSpPr>
-          <p:cNvPr id="6" name="Rectangle 11">
-            <a:extLst>
-              <a:ext uri="{FF2B5EF4-FFF2-40B4-BE49-F238E27FC236}">
-                <a16:creationId xmlns:a16="http://schemas.microsoft.com/office/drawing/2014/main" id="{4380382A-FF38-444E-9447-8DC9A5E5D898}"/>
-              </a:ext>
-            </a:extLst>
-          </p:cNvPr>
-          <p:cNvSpPr/>
-          <p:nvPr/>
-        </p:nvSpPr>
-        <p:spPr>
-          <a:xfrm>
-            <a:off x="2168124" y="5591967"/>
-            <a:ext cx="2143125" cy="981078"/>
-          </a:xfrm>
-          <a:prstGeom prst="rect">
-            <a:avLst/>
-          </a:prstGeom>
-          <a:noFill/>
-          <a:ln w="38103" cap="flat">
-            <a:solidFill>
-              <a:srgbClr val="00FF00"/>
-            </a:solidFill>
-            <a:prstDash val="solid"/>
-            <a:miter/>
-          </a:ln>
-        </p:spPr>
-        <p:txBody>
-          <a:bodyPr vert="horz" wrap="square" lIns="91440" tIns="45720" rIns="91440" bIns="45720" anchor="ctr" anchorCtr="1" compatLnSpc="1">
-            <a:noAutofit/>
-          </a:bodyPr>
-          <a:lstStyle/>
-          <a:p>
-            <a:pPr marL="0" marR="0" lvl="0" indent="0" algn="ctr" defTabSz="914400" rtl="0" fontAlgn="auto" hangingPunct="1">
-              <a:lnSpc>
-                <a:spcPct val="100000"/>
-              </a:lnSpc>
-              <a:spcBef>
-                <a:spcPts val="0"/>
-              </a:spcBef>
-              <a:spcAft>
-                <a:spcPts val="0"/>
-              </a:spcAft>
-              <a:buNone/>
-              <a:tabLst/>
-              <a:defRPr sz="1800" b="0" i="0" u="none" strike="noStrike" kern="0" cap="none" spc="0" baseline="0">
-                <a:solidFill>
-                  <a:srgbClr val="000000"/>
-                </a:solidFill>
-                <a:uFillTx/>
-              </a:defRPr>
-            </a:pPr>
-            <a:r>
-              <a:rPr lang="nl-NL" sz="2000" b="0" i="0" u="none" strike="noStrike" kern="1200" cap="none" spc="0" baseline="0">
-                <a:solidFill>
-                  <a:srgbClr val="00FF00"/>
-                </a:solidFill>
-                <a:uFillTx/>
-                <a:latin typeface="Courier New" pitchFamily="49"/>
-                <a:cs typeface="Courier New" pitchFamily="49"/>
-              </a:rPr>
-              <a:t>Virtualized backend system</a:t>
-            </a:r>
-          </a:p>
-        </p:txBody>
-      </p:sp>
-      <p:sp>
-        <p:nvSpPr>
-          <p:cNvPr id="7" name="Rectangle 12">
-            <a:extLst>
-              <a:ext uri="{FF2B5EF4-FFF2-40B4-BE49-F238E27FC236}">
-                <a16:creationId xmlns:a16="http://schemas.microsoft.com/office/drawing/2014/main" id="{E21A9C28-891B-44BA-8F64-98A3F940D0A5}"/>
-              </a:ext>
-            </a:extLst>
-          </p:cNvPr>
-          <p:cNvSpPr/>
-          <p:nvPr/>
-        </p:nvSpPr>
-        <p:spPr>
-          <a:xfrm>
-            <a:off x="2168124" y="1543251"/>
-            <a:ext cx="2143125" cy="981078"/>
-          </a:xfrm>
-          <a:prstGeom prst="rect">
-            <a:avLst/>
-          </a:prstGeom>
-          <a:noFill/>
-          <a:ln w="38103" cap="flat">
-            <a:solidFill>
-              <a:srgbClr val="00FF00"/>
-            </a:solidFill>
-            <a:prstDash val="solid"/>
-            <a:miter/>
-          </a:ln>
-        </p:spPr>
-        <p:txBody>
-          <a:bodyPr vert="horz" wrap="square" lIns="91440" tIns="45720" rIns="91440" bIns="45720" anchor="ctr" anchorCtr="1" compatLnSpc="1">
-            <a:noAutofit/>
-          </a:bodyPr>
-          <a:lstStyle/>
-          <a:p>
-            <a:pPr marL="0" marR="0" lvl="0" indent="0" algn="ctr" defTabSz="914400" rtl="0" fontAlgn="auto" hangingPunct="1">
-              <a:lnSpc>
-                <a:spcPct val="100000"/>
-              </a:lnSpc>
-              <a:spcBef>
-                <a:spcPts val="0"/>
-              </a:spcBef>
-              <a:spcAft>
-                <a:spcPts val="0"/>
-              </a:spcAft>
-              <a:buNone/>
-              <a:tabLst/>
-              <a:defRPr sz="1800" b="0" i="0" u="none" strike="noStrike" kern="0" cap="none" spc="0" baseline="0">
-                <a:solidFill>
-                  <a:srgbClr val="000000"/>
-                </a:solidFill>
-                <a:uFillTx/>
-              </a:defRPr>
-            </a:pPr>
-            <a:r>
-              <a:rPr lang="nl-NL" sz="2000" b="0" i="0" u="none" strike="noStrike" kern="1200" cap="none" spc="0" baseline="0">
-                <a:solidFill>
-                  <a:srgbClr val="00FF00"/>
-                </a:solidFill>
-                <a:uFillTx/>
-                <a:latin typeface="Courier New" pitchFamily="49"/>
-                <a:cs typeface="Courier New" pitchFamily="49"/>
-              </a:rPr>
-              <a:t>Virtualized mobile app</a:t>
-            </a:r>
-          </a:p>
-        </p:txBody>
-      </p:sp>
-      <p:cxnSp>
-        <p:nvCxnSpPr>
-          <p:cNvPr id="8" name="Elbow Connector 14">
-            <a:extLst>
-              <a:ext uri="{FF2B5EF4-FFF2-40B4-BE49-F238E27FC236}">
-                <a16:creationId xmlns:a16="http://schemas.microsoft.com/office/drawing/2014/main" id="{B73F5317-FF6D-40D2-834D-ED40BD9ADF0D}"/>
-              </a:ext>
-            </a:extLst>
-          </p:cNvPr>
-          <p:cNvCxnSpPr>
-            <a:stCxn id="3" idx="0"/>
-            <a:endCxn id="5" idx="2"/>
-          </p:cNvCxnSpPr>
-          <p:nvPr/>
-        </p:nvCxnSpPr>
-        <p:spPr>
-          <a:xfrm rot="5400000" flipH="1" flipV="1">
-            <a:off x="6878829" y="1721655"/>
-            <a:ext cx="1289460" cy="2855123"/>
-          </a:xfrm>
-          <a:prstGeom prst="bentConnector3">
-            <a:avLst>
-              <a:gd name="adj1" fmla="val 49261"/>
-            </a:avLst>
-          </a:prstGeom>
-          <a:noFill/>
-          <a:ln w="25402" cap="flat">
-            <a:solidFill>
-              <a:srgbClr val="00FF00"/>
-            </a:solidFill>
-            <a:prstDash val="solid"/>
-            <a:miter/>
-            <a:tailEnd type="arrow"/>
-          </a:ln>
-        </p:spPr>
-      </p:cxnSp>
-      <p:cxnSp>
-        <p:nvCxnSpPr>
-          <p:cNvPr id="9" name="Elbow Connector 15">
-            <a:extLst>
-              <a:ext uri="{FF2B5EF4-FFF2-40B4-BE49-F238E27FC236}">
-                <a16:creationId xmlns:a16="http://schemas.microsoft.com/office/drawing/2014/main" id="{15555CF6-4DE5-4E5B-B743-AA5A1C170B90}"/>
-              </a:ext>
-            </a:extLst>
-          </p:cNvPr>
-          <p:cNvCxnSpPr>
-            <a:stCxn id="3" idx="0"/>
-            <a:endCxn id="7" idx="2"/>
-          </p:cNvCxnSpPr>
-          <p:nvPr/>
-        </p:nvCxnSpPr>
-        <p:spPr>
-          <a:xfrm rot="16200000" flipV="1">
-            <a:off x="4033035" y="1730982"/>
-            <a:ext cx="1269617" cy="2856311"/>
-          </a:xfrm>
-          <a:prstGeom prst="bentConnector3">
-            <a:avLst>
-              <a:gd name="adj1" fmla="val 50000"/>
-            </a:avLst>
-          </a:prstGeom>
-          <a:noFill/>
-          <a:ln w="25402" cap="flat">
-            <a:solidFill>
-              <a:srgbClr val="00FF00"/>
-            </a:solidFill>
-            <a:prstDash val="solid"/>
-            <a:miter/>
-            <a:tailEnd type="arrow"/>
-          </a:ln>
-        </p:spPr>
-      </p:cxnSp>
-      <p:cxnSp>
-        <p:nvCxnSpPr>
-          <p:cNvPr id="10" name="Elbow Connector 18">
-            <a:extLst>
-              <a:ext uri="{FF2B5EF4-FFF2-40B4-BE49-F238E27FC236}">
-                <a16:creationId xmlns:a16="http://schemas.microsoft.com/office/drawing/2014/main" id="{2A42BD80-0732-4B17-9A62-9EF9968743DF}"/>
-              </a:ext>
-            </a:extLst>
-          </p:cNvPr>
-          <p:cNvCxnSpPr>
-            <a:stCxn id="3" idx="2"/>
-            <a:endCxn id="4" idx="0"/>
-          </p:cNvCxnSpPr>
-          <p:nvPr/>
-        </p:nvCxnSpPr>
-        <p:spPr>
-          <a:xfrm rot="16200000" flipH="1">
-            <a:off x="6919525" y="3541918"/>
-            <a:ext cx="1208068" cy="2855123"/>
-          </a:xfrm>
-          <a:prstGeom prst="bentConnector3">
-            <a:avLst>
-              <a:gd name="adj1" fmla="val 50789"/>
-            </a:avLst>
-          </a:prstGeom>
-          <a:noFill/>
-          <a:ln w="25402" cap="flat">
-            <a:solidFill>
-              <a:srgbClr val="00FF00"/>
-            </a:solidFill>
-            <a:prstDash val="solid"/>
-            <a:miter/>
-            <a:tailEnd type="arrow"/>
-          </a:ln>
-        </p:spPr>
-      </p:cxnSp>
-      <p:cxnSp>
-        <p:nvCxnSpPr>
-          <p:cNvPr id="11" name="Elbow Connector 21">
-            <a:extLst>
-              <a:ext uri="{FF2B5EF4-FFF2-40B4-BE49-F238E27FC236}">
-                <a16:creationId xmlns:a16="http://schemas.microsoft.com/office/drawing/2014/main" id="{9F66B48A-97E2-4D94-B171-ACDFDDD6A25C}"/>
-              </a:ext>
-            </a:extLst>
-          </p:cNvPr>
-          <p:cNvCxnSpPr>
-            <a:stCxn id="3" idx="2"/>
-            <a:endCxn id="6" idx="0"/>
-          </p:cNvCxnSpPr>
-          <p:nvPr/>
-        </p:nvCxnSpPr>
-        <p:spPr>
-          <a:xfrm rot="5400000">
-            <a:off x="4054583" y="3550551"/>
-            <a:ext cx="1226521" cy="2856311"/>
-          </a:xfrm>
-          <a:prstGeom prst="bentConnector3">
-            <a:avLst>
-              <a:gd name="adj1" fmla="val 50000"/>
-            </a:avLst>
-          </a:prstGeom>
-          <a:noFill/>
-          <a:ln w="25402" cap="flat">
-            <a:solidFill>
-              <a:srgbClr val="00FF00"/>
-            </a:solidFill>
-            <a:prstDash val="solid"/>
-            <a:miter/>
-            <a:tailEnd type="arrow"/>
-          </a:ln>
-        </p:spPr>
-      </p:cxnSp>
-      <p:sp>
-        <p:nvSpPr>
-          <p:cNvPr id="12" name="Rectangle 35">
-            <a:extLst>
-              <a:ext uri="{FF2B5EF4-FFF2-40B4-BE49-F238E27FC236}">
-                <a16:creationId xmlns:a16="http://schemas.microsoft.com/office/drawing/2014/main" id="{06F117ED-1BF7-4158-9E41-37D3FF2C7228}"/>
-              </a:ext>
-            </a:extLst>
-          </p:cNvPr>
-          <p:cNvSpPr/>
-          <p:nvPr/>
-        </p:nvSpPr>
-        <p:spPr>
-          <a:xfrm>
-            <a:off x="2168124" y="3287121"/>
-            <a:ext cx="2433639" cy="406405"/>
-          </a:xfrm>
-          <a:prstGeom prst="rect">
-            <a:avLst/>
-          </a:prstGeom>
-          <a:noFill/>
-          <a:ln w="12701" cap="flat">
-            <a:solidFill>
-              <a:srgbClr val="00FF00"/>
-            </a:solidFill>
-            <a:prstDash val="solid"/>
-            <a:miter/>
-          </a:ln>
-        </p:spPr>
-        <p:txBody>
-          <a:bodyPr vert="horz" wrap="square" lIns="91440" tIns="45720" rIns="91440" bIns="45720" anchor="ctr" anchorCtr="1" compatLnSpc="1">
-            <a:noAutofit/>
-          </a:bodyPr>
-          <a:lstStyle/>
-          <a:p>
-            <a:pPr marL="0" marR="0" lvl="0" indent="0" algn="ctr" defTabSz="914400" rtl="0" fontAlgn="auto" hangingPunct="1">
-              <a:lnSpc>
-                <a:spcPct val="100000"/>
-              </a:lnSpc>
-              <a:spcBef>
-                <a:spcPts val="0"/>
-              </a:spcBef>
-              <a:spcAft>
-                <a:spcPts val="0"/>
-              </a:spcAft>
-              <a:buNone/>
-              <a:tabLst/>
-              <a:defRPr sz="1800" b="0" i="0" u="none" strike="noStrike" kern="0" cap="none" spc="0" baseline="0">
-                <a:solidFill>
-                  <a:srgbClr val="000000"/>
-                </a:solidFill>
-                <a:uFillTx/>
-              </a:defRPr>
-            </a:pPr>
-            <a:r>
-              <a:rPr lang="nl-NL" sz="1400" b="0" i="0" u="none" strike="noStrike" kern="1200" cap="none" spc="0" baseline="0">
-                <a:solidFill>
-                  <a:srgbClr val="00FF00"/>
-                </a:solidFill>
-                <a:uFillTx/>
-                <a:latin typeface="Courier New" pitchFamily="49"/>
-                <a:cs typeface="Courier New" pitchFamily="49"/>
-              </a:rPr>
-              <a:t>Unrestricted access</a:t>
-            </a:r>
-          </a:p>
-        </p:txBody>
-      </p:sp>
-      <p:sp>
-        <p:nvSpPr>
-          <p:cNvPr id="13" name="Rectangle 16">
-            <a:extLst>
-              <a:ext uri="{FF2B5EF4-FFF2-40B4-BE49-F238E27FC236}">
-                <a16:creationId xmlns:a16="http://schemas.microsoft.com/office/drawing/2014/main" id="{EA2CB03F-82F2-4BB6-BEFF-247956C5AB0E}"/>
-              </a:ext>
-            </a:extLst>
-          </p:cNvPr>
-          <p:cNvSpPr/>
-          <p:nvPr/>
-        </p:nvSpPr>
-        <p:spPr>
-          <a:xfrm>
-            <a:off x="2168124" y="4456310"/>
-            <a:ext cx="2433639" cy="406405"/>
-          </a:xfrm>
-          <a:prstGeom prst="rect">
-            <a:avLst/>
-          </a:prstGeom>
-          <a:noFill/>
-          <a:ln w="12701" cap="flat">
-            <a:solidFill>
-              <a:srgbClr val="00FF00"/>
-            </a:solidFill>
-            <a:prstDash val="solid"/>
-            <a:miter/>
-          </a:ln>
-        </p:spPr>
-        <p:txBody>
-          <a:bodyPr vert="horz" wrap="square" lIns="91440" tIns="45720" rIns="91440" bIns="45720" anchor="ctr" anchorCtr="1" compatLnSpc="1">
-            <a:noAutofit/>
-          </a:bodyPr>
-          <a:lstStyle/>
-          <a:p>
-            <a:pPr marL="0" marR="0" lvl="0" indent="0" algn="ctr" defTabSz="914400" rtl="0" fontAlgn="auto" hangingPunct="1">
-              <a:lnSpc>
-                <a:spcPct val="100000"/>
-              </a:lnSpc>
-              <a:spcBef>
-                <a:spcPts val="0"/>
-              </a:spcBef>
-              <a:spcAft>
-                <a:spcPts val="0"/>
-              </a:spcAft>
-              <a:buNone/>
-              <a:tabLst/>
-              <a:defRPr sz="1800" b="0" i="0" u="none" strike="noStrike" kern="0" cap="none" spc="0" baseline="0">
-                <a:solidFill>
-                  <a:srgbClr val="000000"/>
-                </a:solidFill>
-                <a:uFillTx/>
-              </a:defRPr>
-            </a:pPr>
-            <a:r>
-              <a:rPr lang="nl-NL" sz="1400" b="0" i="0" u="none" strike="noStrike" kern="1200" cap="none" spc="0" baseline="0">
-                <a:solidFill>
-                  <a:srgbClr val="00FF00"/>
-                </a:solidFill>
-                <a:uFillTx/>
-                <a:latin typeface="Courier New" pitchFamily="49"/>
-                <a:cs typeface="Courier New" pitchFamily="49"/>
-              </a:rPr>
-              <a:t>Unrestricted access</a:t>
-            </a:r>
-          </a:p>
-        </p:txBody>
-      </p:sp>
-      <p:sp>
-        <p:nvSpPr>
-          <p:cNvPr id="14" name="Rectangle 17">
-            <a:extLst>
-              <a:ext uri="{FF2B5EF4-FFF2-40B4-BE49-F238E27FC236}">
-                <a16:creationId xmlns:a16="http://schemas.microsoft.com/office/drawing/2014/main" id="{57EB728C-133F-4707-9E06-C740B29D0710}"/>
-              </a:ext>
-            </a:extLst>
-          </p:cNvPr>
-          <p:cNvSpPr/>
-          <p:nvPr/>
-        </p:nvSpPr>
-        <p:spPr>
-          <a:xfrm>
-            <a:off x="7589044" y="3287121"/>
-            <a:ext cx="2433639" cy="406405"/>
-          </a:xfrm>
-          <a:prstGeom prst="rect">
-            <a:avLst/>
-          </a:prstGeom>
-          <a:noFill/>
-          <a:ln w="12701" cap="flat">
-            <a:solidFill>
-              <a:srgbClr val="00FF00"/>
-            </a:solidFill>
-            <a:prstDash val="solid"/>
-            <a:miter/>
-          </a:ln>
-        </p:spPr>
-        <p:txBody>
-          <a:bodyPr vert="horz" wrap="square" lIns="91440" tIns="45720" rIns="91440" bIns="45720" anchor="ctr" anchorCtr="1" compatLnSpc="1">
-            <a:noAutofit/>
-          </a:bodyPr>
-          <a:lstStyle/>
-          <a:p>
-            <a:pPr marL="0" marR="0" lvl="0" indent="0" algn="ctr" defTabSz="914400" rtl="0" fontAlgn="auto" hangingPunct="1">
-              <a:lnSpc>
-                <a:spcPct val="100000"/>
-              </a:lnSpc>
-              <a:spcBef>
-                <a:spcPts val="0"/>
-              </a:spcBef>
-              <a:spcAft>
-                <a:spcPts val="0"/>
-              </a:spcAft>
-              <a:buNone/>
-              <a:tabLst/>
-              <a:defRPr sz="1800" b="0" i="0" u="none" strike="noStrike" kern="0" cap="none" spc="0" baseline="0">
-                <a:solidFill>
-                  <a:srgbClr val="000000"/>
-                </a:solidFill>
-                <a:uFillTx/>
-              </a:defRPr>
-            </a:pPr>
-            <a:r>
-              <a:rPr lang="nl-NL" sz="1400" b="0" i="0" u="none" strike="noStrike" kern="1200" cap="none" spc="0" baseline="0">
-                <a:solidFill>
-                  <a:srgbClr val="00FF00"/>
-                </a:solidFill>
-                <a:uFillTx/>
-                <a:latin typeface="Courier New" pitchFamily="49"/>
-                <a:cs typeface="Courier New" pitchFamily="49"/>
-              </a:rPr>
-              <a:t>Unrestricted access</a:t>
-            </a:r>
-          </a:p>
-        </p:txBody>
-      </p:sp>
-      <p:sp>
-        <p:nvSpPr>
-          <p:cNvPr id="15" name="Rectangle 19">
-            <a:extLst>
-              <a:ext uri="{FF2B5EF4-FFF2-40B4-BE49-F238E27FC236}">
-                <a16:creationId xmlns:a16="http://schemas.microsoft.com/office/drawing/2014/main" id="{D6EDB110-FB89-4288-A184-2E40E825C769}"/>
-              </a:ext>
-            </a:extLst>
-          </p:cNvPr>
-          <p:cNvSpPr/>
-          <p:nvPr/>
-        </p:nvSpPr>
-        <p:spPr>
-          <a:xfrm>
-            <a:off x="7589044" y="4456310"/>
-            <a:ext cx="2433639" cy="406405"/>
-          </a:xfrm>
-          <a:prstGeom prst="rect">
-            <a:avLst/>
-          </a:prstGeom>
-          <a:noFill/>
-          <a:ln w="12701" cap="flat">
-            <a:solidFill>
-              <a:srgbClr val="00FF00"/>
-            </a:solidFill>
-            <a:prstDash val="solid"/>
-            <a:miter/>
-          </a:ln>
-        </p:spPr>
-        <p:txBody>
-          <a:bodyPr vert="horz" wrap="square" lIns="91440" tIns="45720" rIns="91440" bIns="45720" anchor="ctr" anchorCtr="1" compatLnSpc="1">
-            <a:noAutofit/>
-          </a:bodyPr>
-          <a:lstStyle/>
-          <a:p>
-            <a:pPr marL="0" marR="0" lvl="0" indent="0" algn="ctr" defTabSz="914400" rtl="0" fontAlgn="auto" hangingPunct="1">
-              <a:lnSpc>
-                <a:spcPct val="100000"/>
-              </a:lnSpc>
-              <a:spcBef>
-                <a:spcPts val="0"/>
-              </a:spcBef>
-              <a:spcAft>
-                <a:spcPts val="0"/>
-              </a:spcAft>
-              <a:buNone/>
-              <a:tabLst/>
-              <a:defRPr sz="1800" b="0" i="0" u="none" strike="noStrike" kern="0" cap="none" spc="0" baseline="0">
-                <a:solidFill>
-                  <a:srgbClr val="000000"/>
-                </a:solidFill>
-                <a:uFillTx/>
-              </a:defRPr>
-            </a:pPr>
-            <a:r>
-              <a:rPr lang="nl-NL" sz="1400" b="0" i="0" u="none" strike="noStrike" kern="1200" cap="none" spc="0" baseline="0">
-                <a:solidFill>
-                  <a:srgbClr val="00FF00"/>
-                </a:solidFill>
-                <a:uFillTx/>
-                <a:latin typeface="Courier New" pitchFamily="49"/>
-                <a:cs typeface="Courier New" pitchFamily="49"/>
-              </a:rPr>
-              <a:t>Unrestricted access</a:t>
-            </a:r>
-          </a:p>
-        </p:txBody>
-      </p:sp>
-    </p:spTree>
   </p:cSld>
   <p:clrMapOvr>
     <a:masterClrMapping/>
